--- a/slides/T319_Regressão_Linear (Parte III).pptx
+++ b/slides/T319_Regressão_Linear (Parte III).pptx
@@ -955,6 +955,33 @@
           <a:bodyPr/>
           <a:lstStyle/>
           <a:p>
+            <a:pPr marL="0" marR="0" lvl="0" indent="0" algn="l" defTabSz="914400" rtl="0" eaLnBrk="1" fontAlgn="auto" latinLnBrk="0" hangingPunct="1">
+              <a:lnSpc>
+                <a:spcPct val="100000"/>
+              </a:lnSpc>
+              <a:spcBef>
+                <a:spcPts val="0"/>
+              </a:spcBef>
+              <a:spcAft>
+                <a:spcPts val="0"/>
+              </a:spcAft>
+              <a:buClrTx/>
+              <a:buSzTx/>
+              <a:buFontTx/>
+              <a:buNone/>
+              <a:tabLst/>
+              <a:defRPr/>
+            </a:pPr>
+            <a:r>
+              <a:rPr lang="pt-BR" b="1" dirty="0" smtClean="0"/>
+              <a:t>Exemplo</a:t>
+            </a:r>
+            <a:r>
+              <a:rPr lang="pt-BR" dirty="0" smtClean="0"/>
+              <a:t>: https://mybinder.org/v2/gh/zz4fap/t319_aprendizado_de_maquina/main?filepath=notebooks%2Fregression%2Flinear_regression_grid_search.ipynb</a:t>
+            </a:r>
+          </a:p>
+          <a:p>
             <a:pPr marL="0" marR="0" indent="0" algn="l" defTabSz="914400" rtl="0" eaLnBrk="1" fontAlgn="auto" latinLnBrk="0" hangingPunct="1">
               <a:lnSpc>
                 <a:spcPct val="100000"/>
@@ -972,9 +999,33 @@
               <a:tabLst/>
               <a:defRPr/>
             </a:pPr>
+            <a:endParaRPr lang="pt-BR" dirty="0" smtClean="0"/>
+          </a:p>
+          <a:p>
+            <a:pPr marL="0" marR="0" indent="0" algn="l" defTabSz="914400" rtl="0" eaLnBrk="1" fontAlgn="auto" latinLnBrk="0" hangingPunct="1">
+              <a:lnSpc>
+                <a:spcPct val="100000"/>
+              </a:lnSpc>
+              <a:spcBef>
+                <a:spcPts val="0"/>
+              </a:spcBef>
+              <a:spcAft>
+                <a:spcPts val="0"/>
+              </a:spcAft>
+              <a:buClrTx/>
+              <a:buSzTx/>
+              <a:buFontTx/>
+              <a:buNone/>
+              <a:tabLst/>
+              <a:defRPr/>
+            </a:pPr>
+            <a:r>
+              <a:rPr lang="pt-BR" dirty="0" smtClean="0"/>
+              <a:t>A </a:t>
+            </a:r>
             <a:r>
               <a:rPr lang="pt-BR" dirty="0"/>
-              <a:t>A maneira pela qual a taxa de aprendizado muda com o tempo (iteração/época) é chamada de cronograma/programa da taxa de aprendizado ou decaimento da taxa de aprendizado.</a:t>
+              <a:t>maneira pela qual a taxa de aprendizado muda com o tempo (iteração/época) é chamada de cronograma/programa da taxa de aprendizado ou decaimento da taxa de aprendizado.</a:t>
             </a:r>
           </a:p>
           <a:p>
@@ -1140,7 +1191,7 @@
           <a:p>
             <a:fld id="{DA8B99DF-01BC-492A-8CEF-4FD88D18DD9D}" type="slidenum">
               <a:rPr lang="nl-BE" smtClean="0"/>
-              <a:t>13</a:t>
+              <a:t>12</a:t>
             </a:fld>
             <a:endParaRPr lang="nl-BE"/>
           </a:p>
@@ -1149,7 +1200,7 @@
     </p:spTree>
     <p:extLst>
       <p:ext uri="{BB962C8B-B14F-4D97-AF65-F5344CB8AC3E}">
-        <p14:creationId xmlns:p14="http://schemas.microsoft.com/office/powerpoint/2010/main" val="299284033"/>
+        <p14:creationId xmlns:p14="http://schemas.microsoft.com/office/powerpoint/2010/main" val="3605825459"/>
       </p:ext>
     </p:extLst>
   </p:cSld>
@@ -1367,22 +1418,6 @@
             <a:endParaRPr lang="pt-BR" dirty="0"/>
           </a:p>
           <a:p>
-            <a:r>
-              <a:rPr lang="pt-BR" dirty="0" smtClean="0"/>
-              <a:t>Os</a:t>
-            </a:r>
-            <a:r>
-              <a:rPr lang="pt-BR" baseline="0" dirty="0" smtClean="0"/>
-              <a:t> hiperparâmetros </a:t>
-            </a:r>
-            <a:r>
-              <a:rPr lang="pt-BR" dirty="0" smtClean="0"/>
-              <a:t>dependem muito do tipo de problema e do modelo.</a:t>
-            </a:r>
-            <a:r>
-              <a:rPr lang="pt-BR" baseline="0" dirty="0" smtClean="0"/>
-              <a:t> Sendo utilizado.</a:t>
-            </a:r>
             <a:endParaRPr lang="nl-BE" u="sng" dirty="0"/>
           </a:p>
         </p:txBody>
@@ -1404,7 +1439,7 @@
           <a:p>
             <a:fld id="{DA8B99DF-01BC-492A-8CEF-4FD88D18DD9D}" type="slidenum">
               <a:rPr lang="nl-BE" smtClean="0"/>
-              <a:t>14</a:t>
+              <a:t>13</a:t>
             </a:fld>
             <a:endParaRPr lang="nl-BE"/>
           </a:p>
@@ -1413,7 +1448,7 @@
     </p:spTree>
     <p:extLst>
       <p:ext uri="{BB962C8B-B14F-4D97-AF65-F5344CB8AC3E}">
-        <p14:creationId xmlns:p14="http://schemas.microsoft.com/office/powerpoint/2010/main" val="2618475445"/>
+        <p14:creationId xmlns:p14="http://schemas.microsoft.com/office/powerpoint/2010/main" val="299284033"/>
       </p:ext>
     </p:extLst>
   </p:cSld>
@@ -1467,7 +1502,7 @@
           <a:bodyPr/>
           <a:lstStyle/>
           <a:p>
-            <a:pPr marL="0" marR="0" lvl="0" indent="0" algn="l" defTabSz="914400" rtl="0" eaLnBrk="1" fontAlgn="auto" latinLnBrk="0" hangingPunct="1">
+            <a:pPr marL="0" marR="0" indent="0" algn="l" defTabSz="914400" rtl="0" eaLnBrk="1" fontAlgn="auto" latinLnBrk="0" hangingPunct="1">
               <a:lnSpc>
                 <a:spcPct val="100000"/>
               </a:lnSpc>
@@ -1485,69 +1520,8 @@
               <a:defRPr/>
             </a:pPr>
             <a:r>
-              <a:rPr lang="pt-BR" b="1" dirty="0" smtClean="0"/>
-              <a:t>Exemplo</a:t>
-            </a:r>
-            <a:r>
-              <a:rPr lang="pt-BR" dirty="0" smtClean="0"/>
-              <a:t>: https://mybinder.org/v2/gh/zz4fap/t319_aprendizado_de_maquina/main?filepath=notebooks%2Fregression%2Fgd_versions%2Fstocastic_gradient_descent_with_learning_schedule_and_with_figures.ipynb</a:t>
-            </a:r>
-          </a:p>
-          <a:p>
-            <a:endParaRPr lang="pt-BR" sz="1200" baseline="0" dirty="0" smtClean="0"/>
-          </a:p>
-          <a:p>
-            <a:endParaRPr lang="pt-BR" sz="1200" baseline="0" dirty="0" smtClean="0"/>
-          </a:p>
-          <a:p>
-            <a:r>
-              <a:rPr lang="pt-BR" sz="1200" baseline="0" dirty="0" smtClean="0"/>
-              <a:t>Os </a:t>
-            </a:r>
-            <a:r>
-              <a:rPr lang="pt-BR" sz="1200" baseline="0" dirty="0"/>
-              <a:t>passos começam com grandes valores (o que ajuda a progredir rapidamente e a escapar de mínimos </a:t>
-            </a:r>
-            <a:r>
-              <a:rPr lang="pt-BR" sz="1200" baseline="0" dirty="0" smtClean="0"/>
-              <a:t>locais, casos em que a superfície de erro seja bastante irregular) </a:t>
-            </a:r>
-            <a:r>
-              <a:rPr lang="pt-BR" sz="1200" baseline="0" dirty="0"/>
-              <a:t>e depois diminuem cada vez mais, permitindo que o algoritmo se estabilize no mínimo global.</a:t>
-            </a:r>
-          </a:p>
-          <a:p>
-            <a:endParaRPr lang="pt-BR" sz="1200" baseline="0" dirty="0"/>
-          </a:p>
-          <a:p>
-            <a:r>
               <a:rPr lang="pt-BR" dirty="0"/>
-              <a:t>Se a taxa de aprendizagem for reduzida muito rapidamente, o algoritmo poderá ficar preso no mínimo local ou até ficar</a:t>
-            </a:r>
-            <a:r>
-              <a:rPr lang="pt-BR" baseline="0" dirty="0"/>
-              <a:t> travado antes de chegar ao mínimo</a:t>
-            </a:r>
-            <a:r>
-              <a:rPr lang="pt-BR" dirty="0"/>
-              <a:t>. Se a taxa de aprendizado for reduzida muito lentamente, o algoritmo poderá oscilar ao</a:t>
-            </a:r>
-            <a:r>
-              <a:rPr lang="pt-BR" baseline="0" dirty="0"/>
-              <a:t> redor do</a:t>
-            </a:r>
-            <a:r>
-              <a:rPr lang="pt-BR" dirty="0"/>
-              <a:t> mínimo por um longo tempo e acabar com uma solução não ótima (</a:t>
-            </a:r>
-            <a:r>
-              <a:rPr lang="pt-BR" dirty="0" err="1"/>
-              <a:t>sub-ótima</a:t>
-            </a:r>
-            <a:r>
-              <a:rPr lang="pt-BR" dirty="0"/>
-              <a:t>) caso o treinamento se encerre muito cedo.</a:t>
+              <a:t>A maneira pela qual a taxa de aprendizado muda com o tempo (iteração/época) é chamada de cronograma/programa da taxa de aprendizado ou decaimento da taxa de aprendizado.</a:t>
             </a:r>
           </a:p>
           <a:p>
@@ -1647,12 +1621,68 @@
             </a:pPr>
             <a:r>
               <a:rPr lang="pt-BR" b="1" dirty="0"/>
-              <a:t>Exemplo</a:t>
-            </a:r>
+              <a:t>Modificação Adaptativa:</a:t>
+            </a:r>
+          </a:p>
+          <a:p>
+            <a:pPr marL="0" indent="0">
+              <a:buFont typeface="Arial" panose="020B0604020202020204" pitchFamily="34" charset="0"/>
+              <a:buNone/>
+            </a:pPr>
             <a:r>
               <a:rPr lang="pt-BR" dirty="0"/>
-              <a:t>: stocastic_gradient_descent_with_learning_schedule_and_with_figures.ipynb</a:t>
-            </a:r>
+              <a:t>As abordagens anteriores manipulam a taxa de aprendizado global e igualmente para todos os parâmetros. Ajustar a taxa de aprendizado é um processo caro, muito trabalho foi desenvolvido para a criação de métodos que possam ajustar </a:t>
+            </a:r>
+            <a:r>
+              <a:rPr lang="pt-BR" dirty="0" err="1"/>
+              <a:t>adaptativamente</a:t>
+            </a:r>
+            <a:r>
+              <a:rPr lang="pt-BR" dirty="0"/>
+              <a:t> as taxas de aprendizado, e até fazê-lo por parâmetro. Muitos desses métodos ainda podem exigir outras configurações de </a:t>
+            </a:r>
+            <a:r>
+              <a:rPr lang="pt-BR" dirty="0" err="1"/>
+              <a:t>hiperparâmetro</a:t>
+            </a:r>
+            <a:r>
+              <a:rPr lang="pt-BR" dirty="0"/>
+              <a:t>, mas o argumento é que eles são bem-comportados para uma faixa mais ampla de valores de </a:t>
+            </a:r>
+            <a:r>
+              <a:rPr lang="pt-BR" dirty="0" err="1"/>
+              <a:t>hiperparâmetro</a:t>
+            </a:r>
+            <a:r>
+              <a:rPr lang="pt-BR" dirty="0"/>
+              <a:t> do que o ajuste do passo de aprendizado. </a:t>
+            </a:r>
+          </a:p>
+          <a:p>
+            <a:pPr marL="171450" indent="-171450">
+              <a:buFont typeface="Arial" panose="020B0604020202020204" pitchFamily="34" charset="0"/>
+              <a:buChar char="•"/>
+            </a:pPr>
+            <a:endParaRPr lang="pt-BR" dirty="0"/>
+          </a:p>
+          <a:p>
+            <a:r>
+              <a:rPr lang="pt-BR" dirty="0" smtClean="0"/>
+              <a:t>Os</a:t>
+            </a:r>
+            <a:r>
+              <a:rPr lang="pt-BR" baseline="0" dirty="0" smtClean="0"/>
+              <a:t> hiperparâmetros </a:t>
+            </a:r>
+            <a:r>
+              <a:rPr lang="pt-BR" dirty="0" smtClean="0"/>
+              <a:t>dependem muito do tipo de problema e do modelo.</a:t>
+            </a:r>
+            <a:r>
+              <a:rPr lang="pt-BR" baseline="0" dirty="0" smtClean="0"/>
+              <a:t> Sendo utilizado.</a:t>
+            </a:r>
+            <a:endParaRPr lang="nl-BE" u="sng" dirty="0"/>
           </a:p>
         </p:txBody>
       </p:sp>
@@ -1673,7 +1703,7 @@
           <a:p>
             <a:fld id="{DA8B99DF-01BC-492A-8CEF-4FD88D18DD9D}" type="slidenum">
               <a:rPr lang="nl-BE" smtClean="0"/>
-              <a:t>16</a:t>
+              <a:t>14</a:t>
             </a:fld>
             <a:endParaRPr lang="nl-BE"/>
           </a:p>
@@ -1682,7 +1712,7 @@
     </p:spTree>
     <p:extLst>
       <p:ext uri="{BB962C8B-B14F-4D97-AF65-F5344CB8AC3E}">
-        <p14:creationId xmlns:p14="http://schemas.microsoft.com/office/powerpoint/2010/main" val="2251400576"/>
+        <p14:creationId xmlns:p14="http://schemas.microsoft.com/office/powerpoint/2010/main" val="2618475445"/>
       </p:ext>
     </p:extLst>
   </p:cSld>
@@ -1736,31 +1766,6 @@
           <a:bodyPr/>
           <a:lstStyle/>
           <a:p>
-            <a:r>
-              <a:rPr lang="pt-BR" dirty="0" smtClean="0"/>
-              <a:t>O método do momentum reduz o risco do</a:t>
-            </a:r>
-            <a:r>
-              <a:rPr lang="pt-BR" baseline="0" dirty="0" smtClean="0"/>
-              <a:t> algoritmo</a:t>
-            </a:r>
-            <a:r>
-              <a:rPr lang="pt-BR" dirty="0" smtClean="0"/>
-              <a:t> ficar preso em um mínimo local, bem como acelera a convergência consideravelmente em casos onde o </a:t>
-            </a:r>
-            <a:r>
-              <a:rPr lang="pt-BR" baseline="0" dirty="0" smtClean="0"/>
-              <a:t>algoritmo</a:t>
-            </a:r>
-            <a:r>
-              <a:rPr lang="pt-BR" dirty="0" smtClean="0"/>
-              <a:t>, de outra forma, ziguezaguearia fortemente.</a:t>
-            </a:r>
-          </a:p>
-          <a:p>
-            <a:endParaRPr lang="pt-BR" dirty="0" smtClean="0"/>
-          </a:p>
-          <a:p>
             <a:pPr marL="0" marR="0" lvl="0" indent="0" algn="l" defTabSz="914400" rtl="0" eaLnBrk="1" fontAlgn="auto" latinLnBrk="0" hangingPunct="1">
               <a:lnSpc>
                 <a:spcPct val="100000"/>
@@ -1779,12 +1784,174 @@
               <a:defRPr/>
             </a:pPr>
             <a:r>
+              <a:rPr lang="pt-BR" b="1" dirty="0" smtClean="0"/>
+              <a:t>Exemplo</a:t>
+            </a:r>
+            <a:r>
               <a:rPr lang="pt-BR" dirty="0" smtClean="0"/>
-              <a:t>O termo momentum aumenta para dimensões cujos gradientes apontam nas mesmas direções e reduz atualizações para dimensões cujos gradientes mudam de direção. Como resultado, temos convergência mais rápida e oscilação reduzida.</a:t>
+              <a:t>: https://mybinder.org/v2/gh/zz4fap/t319_aprendizado_de_maquina/main?filepath=notebooks%2Fregression%2Fgd_versions%2Fstocastic_gradient_descent_with_learning_schedule_and_with_figures.ipynb</a:t>
+            </a:r>
+          </a:p>
+          <a:p>
+            <a:endParaRPr lang="pt-BR" sz="1200" baseline="0" dirty="0" smtClean="0"/>
+          </a:p>
+          <a:p>
+            <a:endParaRPr lang="pt-BR" sz="1200" baseline="0" dirty="0" smtClean="0"/>
+          </a:p>
+          <a:p>
+            <a:r>
+              <a:rPr lang="pt-BR" sz="1200" baseline="0" dirty="0" smtClean="0"/>
+              <a:t>Os </a:t>
+            </a:r>
+            <a:r>
+              <a:rPr lang="pt-BR" sz="1200" baseline="0" dirty="0"/>
+              <a:t>passos começam com grandes valores (o que ajuda a progredir rapidamente e a escapar de mínimos </a:t>
+            </a:r>
+            <a:r>
+              <a:rPr lang="pt-BR" sz="1200" baseline="0" dirty="0" smtClean="0"/>
+              <a:t>locais, casos em que a superfície de erro seja bastante irregular) </a:t>
+            </a:r>
+            <a:r>
+              <a:rPr lang="pt-BR" sz="1200" baseline="0" dirty="0"/>
+              <a:t>e depois diminuem cada vez mais, permitindo que o algoritmo se estabilize no mínimo global.</a:t>
+            </a:r>
+          </a:p>
+          <a:p>
+            <a:endParaRPr lang="pt-BR" sz="1200" baseline="0" dirty="0"/>
+          </a:p>
+          <a:p>
+            <a:r>
+              <a:rPr lang="pt-BR" dirty="0"/>
+              <a:t>Se a taxa de aprendizagem for reduzida muito rapidamente, o algoritmo poderá ficar preso no mínimo local ou até ficar</a:t>
+            </a:r>
+            <a:r>
+              <a:rPr lang="pt-BR" baseline="0" dirty="0"/>
+              <a:t> travado antes de chegar ao mínimo</a:t>
+            </a:r>
+            <a:r>
+              <a:rPr lang="pt-BR" dirty="0"/>
+              <a:t>. Se a taxa de aprendizado for reduzida muito lentamente, o algoritmo poderá oscilar ao</a:t>
+            </a:r>
+            <a:r>
+              <a:rPr lang="pt-BR" baseline="0" dirty="0"/>
+              <a:t> redor do</a:t>
+            </a:r>
+            <a:r>
+              <a:rPr lang="pt-BR" dirty="0"/>
+              <a:t> mínimo por um longo tempo e acabar com uma solução não ótima (</a:t>
+            </a:r>
+            <a:r>
+              <a:rPr lang="pt-BR" dirty="0" err="1"/>
+              <a:t>sub-ótima</a:t>
+            </a:r>
+            <a:r>
+              <a:rPr lang="pt-BR" dirty="0"/>
+              <a:t>) caso o treinamento se encerre muito cedo.</a:t>
             </a:r>
           </a:p>
           <a:p>
             <a:endParaRPr lang="pt-BR" dirty="0"/>
+          </a:p>
+          <a:p>
+            <a:r>
+              <a:rPr lang="pt-BR" b="1" dirty="0"/>
+              <a:t>Alguns tipos de esquema para ajuste do passo de aprendizagem são:</a:t>
+            </a:r>
+          </a:p>
+          <a:p>
+            <a:pPr marL="171450" indent="-171450">
+              <a:buFont typeface="Arial" panose="020B0604020202020204" pitchFamily="34" charset="0"/>
+              <a:buChar char="•"/>
+            </a:pPr>
+            <a:r>
+              <a:rPr lang="pt-BR" b="1" dirty="0"/>
+              <a:t>Decaimento por etapas ou degraus</a:t>
+            </a:r>
+            <a:r>
+              <a:rPr lang="pt-BR" dirty="0"/>
+              <a:t>: reduz a taxa de aprendizado de algum fator a cada número pré-definido de iterações ou épocas. Os valores típicos são utilizados para reduzir a taxa de aprendizado pela metade a cada número pré-definido de épocas. Esses números dependem muito do tipo de problema e do modelo. Uma heurística que você pode ver na prática é observar o erro de validação durante o treinamento com uma taxa de aprendizado fixa e reduzir a taxa de aprendizado em uma constante (por exemplo, 0,5) sempre que o erro de validação parar de decrescer.</a:t>
+            </a:r>
+          </a:p>
+          <a:p>
+            <a:pPr marL="171450" indent="-171450">
+              <a:buFont typeface="Arial" panose="020B0604020202020204" pitchFamily="34" charset="0"/>
+              <a:buChar char="•"/>
+            </a:pPr>
+            <a:r>
+              <a:rPr lang="pt-BR" b="1" dirty="0"/>
+              <a:t>Decaimento exponencial</a:t>
+            </a:r>
+            <a:r>
+              <a:rPr lang="pt-BR" dirty="0"/>
+              <a:t>: tem a forma matemática α = α0 e^(-</a:t>
+            </a:r>
+            <a:r>
+              <a:rPr lang="pt-BR" dirty="0" err="1"/>
+              <a:t>kt</a:t>
+            </a:r>
+            <a:r>
+              <a:rPr lang="pt-BR" dirty="0"/>
+              <a:t>), onde α0, k são </a:t>
+            </a:r>
+            <a:r>
+              <a:rPr lang="pt-BR" dirty="0" err="1"/>
+              <a:t>hiperparâmetros</a:t>
+            </a:r>
+            <a:r>
+              <a:rPr lang="pt-BR" dirty="0"/>
+              <a:t> e t é o número da iteração (mas você também pode usar o número de épocas).</a:t>
+            </a:r>
+          </a:p>
+          <a:p>
+            <a:pPr marL="171450" indent="-171450">
+              <a:buFont typeface="Arial" panose="020B0604020202020204" pitchFamily="34" charset="0"/>
+              <a:buChar char="•"/>
+            </a:pPr>
+            <a:r>
+              <a:rPr lang="pt-BR" b="1" dirty="0"/>
+              <a:t>Decaimento temporal</a:t>
+            </a:r>
+            <a:r>
+              <a:rPr lang="pt-BR" dirty="0"/>
+              <a:t>: tem a forma matemática α = α0 / (1 + </a:t>
+            </a:r>
+            <a:r>
+              <a:rPr lang="pt-BR" dirty="0" err="1"/>
+              <a:t>kt</a:t>
+            </a:r>
+            <a:r>
+              <a:rPr lang="pt-BR" dirty="0"/>
+              <a:t>), onde a0, k são </a:t>
+            </a:r>
+            <a:r>
+              <a:rPr lang="pt-BR" dirty="0" err="1"/>
+              <a:t>hiperparâmetros</a:t>
+            </a:r>
+            <a:r>
+              <a:rPr lang="pt-BR" dirty="0"/>
+              <a:t> e t é o número da iteração.</a:t>
+            </a:r>
+          </a:p>
+          <a:p>
+            <a:pPr marL="171450" indent="-171450">
+              <a:buFont typeface="Arial" panose="020B0604020202020204" pitchFamily="34" charset="0"/>
+              <a:buChar char="•"/>
+            </a:pPr>
+            <a:endParaRPr lang="pt-BR" dirty="0"/>
+          </a:p>
+          <a:p>
+            <a:pPr marL="0" indent="0">
+              <a:buFont typeface="Arial" panose="020B0604020202020204" pitchFamily="34" charset="0"/>
+              <a:buNone/>
+            </a:pPr>
+            <a:r>
+              <a:rPr lang="pt-BR" b="1" dirty="0"/>
+              <a:t>Exemplo</a:t>
+            </a:r>
+            <a:r>
+              <a:rPr lang="pt-BR" dirty="0"/>
+              <a:t>: stocastic_gradient_descent_with_learning_schedule_and_with_figures.ipynb</a:t>
+            </a:r>
           </a:p>
         </p:txBody>
       </p:sp>
@@ -1805,6 +1972,138 @@
           <a:p>
             <a:fld id="{DA8B99DF-01BC-492A-8CEF-4FD88D18DD9D}" type="slidenum">
               <a:rPr lang="nl-BE" smtClean="0"/>
+              <a:t>16</a:t>
+            </a:fld>
+            <a:endParaRPr lang="nl-BE"/>
+          </a:p>
+        </p:txBody>
+      </p:sp>
+    </p:spTree>
+    <p:extLst>
+      <p:ext uri="{BB962C8B-B14F-4D97-AF65-F5344CB8AC3E}">
+        <p14:creationId xmlns:p14="http://schemas.microsoft.com/office/powerpoint/2010/main" val="2251400576"/>
+      </p:ext>
+    </p:extLst>
+  </p:cSld>
+  <p:clrMapOvr>
+    <a:masterClrMapping/>
+  </p:clrMapOvr>
+</p:notes>
+</file>
+
+<file path=ppt/notesSlides/notesSlide14.xml><?xml version="1.0" encoding="utf-8"?>
+<p:notes xmlns:a="http://schemas.openxmlformats.org/drawingml/2006/main" xmlns:r="http://schemas.openxmlformats.org/officeDocument/2006/relationships" xmlns:p="http://schemas.openxmlformats.org/presentationml/2006/main">
+  <p:cSld>
+    <p:spTree>
+      <p:nvGrpSpPr>
+        <p:cNvPr id="1" name=""/>
+        <p:cNvGrpSpPr/>
+        <p:nvPr/>
+      </p:nvGrpSpPr>
+      <p:grpSpPr>
+        <a:xfrm>
+          <a:off x="0" y="0"/>
+          <a:ext cx="0" cy="0"/>
+          <a:chOff x="0" y="0"/>
+          <a:chExt cx="0" cy="0"/>
+        </a:xfrm>
+      </p:grpSpPr>
+      <p:sp>
+        <p:nvSpPr>
+          <p:cNvPr id="2" name="Slide Image Placeholder 1"/>
+          <p:cNvSpPr>
+            <a:spLocks noGrp="1" noRot="1" noChangeAspect="1"/>
+          </p:cNvSpPr>
+          <p:nvPr>
+            <p:ph type="sldImg"/>
+          </p:nvPr>
+        </p:nvSpPr>
+        <p:spPr/>
+      </p:sp>
+      <p:sp>
+        <p:nvSpPr>
+          <p:cNvPr id="3" name="Notes Placeholder 2"/>
+          <p:cNvSpPr>
+            <a:spLocks noGrp="1"/>
+          </p:cNvSpPr>
+          <p:nvPr>
+            <p:ph type="body" idx="1"/>
+          </p:nvPr>
+        </p:nvSpPr>
+        <p:spPr/>
+        <p:txBody>
+          <a:bodyPr/>
+          <a:lstStyle/>
+          <a:p>
+            <a:r>
+              <a:rPr lang="pt-BR" dirty="0" smtClean="0"/>
+              <a:t>O método do momentum reduz o risco do</a:t>
+            </a:r>
+            <a:r>
+              <a:rPr lang="pt-BR" baseline="0" dirty="0" smtClean="0"/>
+              <a:t> algoritmo</a:t>
+            </a:r>
+            <a:r>
+              <a:rPr lang="pt-BR" dirty="0" smtClean="0"/>
+              <a:t> ficar preso em um mínimo local, bem como acelera a convergência consideravelmente em casos onde o </a:t>
+            </a:r>
+            <a:r>
+              <a:rPr lang="pt-BR" baseline="0" dirty="0" smtClean="0"/>
+              <a:t>algoritmo</a:t>
+            </a:r>
+            <a:r>
+              <a:rPr lang="pt-BR" dirty="0" smtClean="0"/>
+              <a:t>, de outra forma, ziguezaguearia fortemente.</a:t>
+            </a:r>
+          </a:p>
+          <a:p>
+            <a:endParaRPr lang="pt-BR" dirty="0" smtClean="0"/>
+          </a:p>
+          <a:p>
+            <a:pPr marL="0" marR="0" lvl="0" indent="0" algn="l" defTabSz="914400" rtl="0" eaLnBrk="1" fontAlgn="auto" latinLnBrk="0" hangingPunct="1">
+              <a:lnSpc>
+                <a:spcPct val="100000"/>
+              </a:lnSpc>
+              <a:spcBef>
+                <a:spcPts val="0"/>
+              </a:spcBef>
+              <a:spcAft>
+                <a:spcPts val="0"/>
+              </a:spcAft>
+              <a:buClrTx/>
+              <a:buSzTx/>
+              <a:buFontTx/>
+              <a:buNone/>
+              <a:tabLst/>
+              <a:defRPr/>
+            </a:pPr>
+            <a:r>
+              <a:rPr lang="pt-BR" dirty="0" smtClean="0"/>
+              <a:t>O termo momentum aumenta para dimensões cujos gradientes apontam nas mesmas direções e reduz atualizações para dimensões cujos gradientes mudam de direção. Como resultado, temos convergência mais rápida e oscilação reduzida.</a:t>
+            </a:r>
+          </a:p>
+          <a:p>
+            <a:endParaRPr lang="pt-BR" dirty="0"/>
+          </a:p>
+        </p:txBody>
+      </p:sp>
+      <p:sp>
+        <p:nvSpPr>
+          <p:cNvPr id="4" name="Slide Number Placeholder 3"/>
+          <p:cNvSpPr>
+            <a:spLocks noGrp="1"/>
+          </p:cNvSpPr>
+          <p:nvPr>
+            <p:ph type="sldNum" sz="quarter" idx="10"/>
+          </p:nvPr>
+        </p:nvSpPr>
+        <p:spPr/>
+        <p:txBody>
+          <a:bodyPr/>
+          <a:lstStyle/>
+          <a:p>
+            <a:fld id="{DA8B99DF-01BC-492A-8CEF-4FD88D18DD9D}" type="slidenum">
+              <a:rPr lang="nl-BE" smtClean="0"/>
               <a:t>17</a:t>
             </a:fld>
             <a:endParaRPr lang="nl-BE"/>
@@ -1824,7 +2123,7 @@
 </p:notes>
 </file>
 
-<file path=ppt/notesSlides/notesSlide14.xml><?xml version="1.0" encoding="utf-8"?>
+<file path=ppt/notesSlides/notesSlide15.xml><?xml version="1.0" encoding="utf-8"?>
 <p:notes xmlns:a="http://schemas.openxmlformats.org/drawingml/2006/main" xmlns:r="http://schemas.openxmlformats.org/officeDocument/2006/relationships" xmlns:p="http://schemas.openxmlformats.org/presentationml/2006/main">
   <p:cSld>
     <p:spTree>
@@ -2527,115 +2826,6 @@
 </p:notes>
 </file>
 
-<file path=ppt/notesSlides/notesSlide15.xml><?xml version="1.0" encoding="utf-8"?>
-<p:notes xmlns:a="http://schemas.openxmlformats.org/drawingml/2006/main" xmlns:r="http://schemas.openxmlformats.org/officeDocument/2006/relationships" xmlns:p="http://schemas.openxmlformats.org/presentationml/2006/main">
-  <p:cSld>
-    <p:spTree>
-      <p:nvGrpSpPr>
-        <p:cNvPr id="1" name=""/>
-        <p:cNvGrpSpPr/>
-        <p:nvPr/>
-      </p:nvGrpSpPr>
-      <p:grpSpPr>
-        <a:xfrm>
-          <a:off x="0" y="0"/>
-          <a:ext cx="0" cy="0"/>
-          <a:chOff x="0" y="0"/>
-          <a:chExt cx="0" cy="0"/>
-        </a:xfrm>
-      </p:grpSpPr>
-      <p:sp>
-        <p:nvSpPr>
-          <p:cNvPr id="2" name="Slide Image Placeholder 1"/>
-          <p:cNvSpPr>
-            <a:spLocks noGrp="1" noRot="1" noChangeAspect="1"/>
-          </p:cNvSpPr>
-          <p:nvPr>
-            <p:ph type="sldImg"/>
-          </p:nvPr>
-        </p:nvSpPr>
-        <p:spPr/>
-      </p:sp>
-      <p:sp>
-        <p:nvSpPr>
-          <p:cNvPr id="3" name="Notes Placeholder 2"/>
-          <p:cNvSpPr>
-            <a:spLocks noGrp="1"/>
-          </p:cNvSpPr>
-          <p:nvPr>
-            <p:ph type="body" idx="1"/>
-          </p:nvPr>
-        </p:nvSpPr>
-        <p:spPr/>
-        <p:txBody>
-          <a:bodyPr/>
-          <a:lstStyle/>
-          <a:p>
-            <a:pPr marL="0" marR="0" lvl="0" indent="0" algn="l" defTabSz="914400" rtl="0" eaLnBrk="1" fontAlgn="auto" latinLnBrk="0" hangingPunct="1">
-              <a:lnSpc>
-                <a:spcPct val="100000"/>
-              </a:lnSpc>
-              <a:spcBef>
-                <a:spcPts val="0"/>
-              </a:spcBef>
-              <a:spcAft>
-                <a:spcPts val="0"/>
-              </a:spcAft>
-              <a:buClrTx/>
-              <a:buSzTx/>
-              <a:buFontTx/>
-              <a:buNone/>
-              <a:tabLst/>
-              <a:defRPr/>
-            </a:pPr>
-            <a:r>
-              <a:rPr lang="pt-BR" b="1" dirty="0" smtClean="0"/>
-              <a:t>Exemplo</a:t>
-            </a:r>
-            <a:r>
-              <a:rPr lang="pt-BR" dirty="0" smtClean="0"/>
-              <a:t>: https://mybinder.org/v2/gh/zz4fap/t319_aprendizado_de_maquina/main?filepath=notebooks%2Fregression%2Fgd_versions%2Fstocastic_gradient_descent_with_momentum.ipynb</a:t>
-            </a:r>
-            <a:endParaRPr lang="pt-BR" dirty="0"/>
-          </a:p>
-        </p:txBody>
-      </p:sp>
-      <p:sp>
-        <p:nvSpPr>
-          <p:cNvPr id="4" name="Slide Number Placeholder 3"/>
-          <p:cNvSpPr>
-            <a:spLocks noGrp="1"/>
-          </p:cNvSpPr>
-          <p:nvPr>
-            <p:ph type="sldNum" sz="quarter" idx="10"/>
-          </p:nvPr>
-        </p:nvSpPr>
-        <p:spPr/>
-        <p:txBody>
-          <a:bodyPr/>
-          <a:lstStyle/>
-          <a:p>
-            <a:fld id="{DA8B99DF-01BC-492A-8CEF-4FD88D18DD9D}" type="slidenum">
-              <a:rPr lang="nl-BE" smtClean="0"/>
-              <a:t>20</a:t>
-            </a:fld>
-            <a:endParaRPr lang="nl-BE"/>
-          </a:p>
-        </p:txBody>
-      </p:sp>
-    </p:spTree>
-    <p:extLst>
-      <p:ext uri="{BB962C8B-B14F-4D97-AF65-F5344CB8AC3E}">
-        <p14:creationId xmlns:p14="http://schemas.microsoft.com/office/powerpoint/2010/main" val="1356236365"/>
-      </p:ext>
-    </p:extLst>
-  </p:cSld>
-  <p:clrMapOvr>
-    <a:masterClrMapping/>
-  </p:clrMapOvr>
-</p:notes>
-</file>
-
 <file path=ppt/notesSlides/notesSlide16.xml><?xml version="1.0" encoding="utf-8"?>
 <p:notes xmlns:a="http://schemas.openxmlformats.org/drawingml/2006/main" xmlns:r="http://schemas.openxmlformats.org/officeDocument/2006/relationships" xmlns:p="http://schemas.openxmlformats.org/presentationml/2006/main">
   <p:cSld>
@@ -2680,7 +2870,7 @@
           <a:bodyPr/>
           <a:lstStyle/>
           <a:p>
-            <a:pPr marL="0" marR="0" indent="0" algn="l" defTabSz="914400" rtl="0" eaLnBrk="1" fontAlgn="auto" latinLnBrk="0" hangingPunct="1">
+            <a:pPr marL="0" marR="0" lvl="0" indent="0" algn="l" defTabSz="914400" rtl="0" eaLnBrk="1" fontAlgn="auto" latinLnBrk="0" hangingPunct="1">
               <a:lnSpc>
                 <a:spcPct val="100000"/>
               </a:lnSpc>
@@ -2698,179 +2888,14 @@
               <a:defRPr/>
             </a:pPr>
             <a:r>
-              <a:rPr lang="pt-BR" dirty="0"/>
-              <a:t>A maneira pela qual a taxa de aprendizado muda com o tempo (iteração/época) é chamada de cronograma/programa da taxa de aprendizado ou decaimento da taxa de aprendizado.</a:t>
-            </a:r>
-          </a:p>
-          <a:p>
+              <a:rPr lang="pt-BR" b="1" dirty="0" smtClean="0"/>
+              <a:t>Exemplo</a:t>
+            </a:r>
+            <a:r>
+              <a:rPr lang="pt-BR" dirty="0" smtClean="0"/>
+              <a:t>: https://mybinder.org/v2/gh/zz4fap/t319_aprendizado_de_maquina/main?filepath=notebooks%2Fregression%2Fgd_versions%2Fstocastic_gradient_descent_with_momentum.ipynb</a:t>
+            </a:r>
             <a:endParaRPr lang="pt-BR" dirty="0"/>
-          </a:p>
-          <a:p>
-            <a:r>
-              <a:rPr lang="pt-BR" b="1" dirty="0"/>
-              <a:t>Alguns tipos de esquema para ajuste do passo de aprendizagem são:</a:t>
-            </a:r>
-          </a:p>
-          <a:p>
-            <a:pPr marL="171450" indent="-171450">
-              <a:buFont typeface="Arial" panose="020B0604020202020204" pitchFamily="34" charset="0"/>
-              <a:buChar char="•"/>
-            </a:pPr>
-            <a:r>
-              <a:rPr lang="pt-BR" b="1" dirty="0"/>
-              <a:t>Decaimento por etapas ou degraus</a:t>
-            </a:r>
-            <a:r>
-              <a:rPr lang="pt-BR" dirty="0"/>
-              <a:t>: reduz a taxa de aprendizado de algum fator a cada número pré-definido de iterações ou épocas. Os valores típicos são utilizados para reduzir a taxa de aprendizado pela metade a cada número pré-definido de épocas. Esses números dependem muito do tipo de problema e do modelo. Uma heurística que você pode ver na prática é observar o erro de validação durante o treinamento com uma taxa de aprendizado fixa e reduzir a taxa de aprendizado em uma constante (por exemplo, 0,5) sempre que o erro de validação parar de decrescer.</a:t>
-            </a:r>
-          </a:p>
-          <a:p>
-            <a:pPr marL="171450" indent="-171450">
-              <a:buFont typeface="Arial" panose="020B0604020202020204" pitchFamily="34" charset="0"/>
-              <a:buChar char="•"/>
-            </a:pPr>
-            <a:r>
-              <a:rPr lang="pt-BR" b="1" dirty="0"/>
-              <a:t>Decaimento exponencial</a:t>
-            </a:r>
-            <a:r>
-              <a:rPr lang="pt-BR" dirty="0"/>
-              <a:t>: tem a forma matemática α = α0 e^(-</a:t>
-            </a:r>
-            <a:r>
-              <a:rPr lang="pt-BR" dirty="0" err="1"/>
-              <a:t>kt</a:t>
-            </a:r>
-            <a:r>
-              <a:rPr lang="pt-BR" dirty="0"/>
-              <a:t>), onde α0, k são </a:t>
-            </a:r>
-            <a:r>
-              <a:rPr lang="pt-BR" dirty="0" err="1"/>
-              <a:t>hiperparâmetros</a:t>
-            </a:r>
-            <a:r>
-              <a:rPr lang="pt-BR" dirty="0"/>
-              <a:t> e t é o número da iteração (mas você também pode usar o número de épocas).</a:t>
-            </a:r>
-          </a:p>
-          <a:p>
-            <a:pPr marL="171450" indent="-171450">
-              <a:buFont typeface="Arial" panose="020B0604020202020204" pitchFamily="34" charset="0"/>
-              <a:buChar char="•"/>
-            </a:pPr>
-            <a:r>
-              <a:rPr lang="pt-BR" b="1" dirty="0"/>
-              <a:t>Decaimento temporal</a:t>
-            </a:r>
-            <a:r>
-              <a:rPr lang="pt-BR" dirty="0"/>
-              <a:t>: tem a forma matemática α = α0 / (1 + </a:t>
-            </a:r>
-            <a:r>
-              <a:rPr lang="pt-BR" dirty="0" err="1"/>
-              <a:t>kt</a:t>
-            </a:r>
-            <a:r>
-              <a:rPr lang="pt-BR" dirty="0"/>
-              <a:t>), onde a0, k são </a:t>
-            </a:r>
-            <a:r>
-              <a:rPr lang="pt-BR" dirty="0" err="1"/>
-              <a:t>hiperparâmetros</a:t>
-            </a:r>
-            <a:r>
-              <a:rPr lang="pt-BR" dirty="0"/>
-              <a:t> e t é o número da iteração.</a:t>
-            </a:r>
-          </a:p>
-          <a:p>
-            <a:pPr marL="171450" indent="-171450">
-              <a:buFont typeface="Arial" panose="020B0604020202020204" pitchFamily="34" charset="0"/>
-              <a:buChar char="•"/>
-            </a:pPr>
-            <a:endParaRPr lang="pt-BR" dirty="0"/>
-          </a:p>
-          <a:p>
-            <a:pPr marL="0" indent="0">
-              <a:buFont typeface="Arial" panose="020B0604020202020204" pitchFamily="34" charset="0"/>
-              <a:buNone/>
-            </a:pPr>
-            <a:r>
-              <a:rPr lang="pt-BR" b="1" dirty="0"/>
-              <a:t>Modificação Adaptativa:</a:t>
-            </a:r>
-          </a:p>
-          <a:p>
-            <a:pPr marL="0" indent="0">
-              <a:buFont typeface="Arial" panose="020B0604020202020204" pitchFamily="34" charset="0"/>
-              <a:buNone/>
-            </a:pPr>
-            <a:r>
-              <a:rPr lang="pt-BR" dirty="0"/>
-              <a:t>As abordagens anteriores manipulam a taxa de aprendizado global e igualmente para todos os parâmetros. Ajustar a taxa de aprendizado é um processo caro, muito trabalho foi desenvolvido para a criação de métodos que possam ajustar </a:t>
-            </a:r>
-            <a:r>
-              <a:rPr lang="pt-BR" dirty="0" err="1"/>
-              <a:t>adaptativamente</a:t>
-            </a:r>
-            <a:r>
-              <a:rPr lang="pt-BR" dirty="0"/>
-              <a:t> as taxas de aprendizado, e até fazê-lo por parâmetro. Muitos desses métodos ainda podem exigir outras configurações de </a:t>
-            </a:r>
-            <a:r>
-              <a:rPr lang="pt-BR" dirty="0" err="1"/>
-              <a:t>hiperparâmetro</a:t>
-            </a:r>
-            <a:r>
-              <a:rPr lang="pt-BR" dirty="0"/>
-              <a:t>, mas o argumento é que eles são bem-comportados para uma faixa mais ampla de valores de </a:t>
-            </a:r>
-            <a:r>
-              <a:rPr lang="pt-BR" dirty="0" err="1"/>
-              <a:t>hiperparâmetro</a:t>
-            </a:r>
-            <a:r>
-              <a:rPr lang="pt-BR" dirty="0"/>
-              <a:t> do que o ajuste do passo de aprendizado. </a:t>
-            </a:r>
-          </a:p>
-          <a:p>
-            <a:pPr marL="171450" indent="-171450">
-              <a:buFont typeface="Arial" panose="020B0604020202020204" pitchFamily="34" charset="0"/>
-              <a:buChar char="•"/>
-            </a:pPr>
-            <a:endParaRPr lang="pt-BR" dirty="0"/>
-          </a:p>
-          <a:p>
-            <a:r>
-              <a:rPr lang="nl-BE" b="1" u="none" dirty="0" smtClean="0"/>
-              <a:t>Referências</a:t>
-            </a:r>
-            <a:r>
-              <a:rPr lang="nl-BE" u="none" dirty="0" smtClean="0"/>
-              <a:t>:</a:t>
-            </a:r>
-          </a:p>
-          <a:p>
-            <a:r>
-              <a:rPr lang="nl-BE" u="none" dirty="0" smtClean="0"/>
-              <a:t>[1] https://machinelearningmastery.com/learning-rate-for-deep-learning-neural-networks/</a:t>
-            </a:r>
-          </a:p>
-          <a:p>
-            <a:r>
-              <a:rPr lang="nl-BE" u="none" dirty="0" smtClean="0"/>
-              <a:t>[2] https://ruder.io/optimizing-gradient-descent/</a:t>
-            </a:r>
-          </a:p>
-          <a:p>
-            <a:r>
-              <a:rPr lang="nl-BE" u="none" dirty="0" smtClean="0"/>
-              <a:t>[3] https://towardsdatascience.com/stochastic-gradient-descent-with-momentum-a84097641a5d</a:t>
-            </a:r>
-            <a:endParaRPr lang="nl-BE" u="none" dirty="0"/>
           </a:p>
         </p:txBody>
       </p:sp>
@@ -2891,7 +2916,7 @@
           <a:p>
             <a:fld id="{DA8B99DF-01BC-492A-8CEF-4FD88D18DD9D}" type="slidenum">
               <a:rPr lang="nl-BE" smtClean="0"/>
-              <a:t>21</a:t>
+              <a:t>20</a:t>
             </a:fld>
             <a:endParaRPr lang="nl-BE"/>
           </a:p>
@@ -2900,7 +2925,7 @@
     </p:spTree>
     <p:extLst>
       <p:ext uri="{BB962C8B-B14F-4D97-AF65-F5344CB8AC3E}">
-        <p14:creationId xmlns:p14="http://schemas.microsoft.com/office/powerpoint/2010/main" val="3964983166"/>
+        <p14:creationId xmlns:p14="http://schemas.microsoft.com/office/powerpoint/2010/main" val="1356236365"/>
       </p:ext>
     </p:extLst>
   </p:cSld>
@@ -2954,26 +2979,26 @@
           <a:bodyPr/>
           <a:lstStyle/>
           <a:p>
-            <a:r>
-              <a:rPr lang="pt-BR" b="1" dirty="0" smtClean="0"/>
-              <a:t>Exemplo</a:t>
-            </a:r>
-            <a:r>
-              <a:rPr lang="pt-BR" dirty="0" smtClean="0"/>
-              <a:t>: https://mybinder.org/v2/gh/zz4fap/t319_aprendizado_de_maquina/main?filepath=notebooks%2Fregression%2Fgd_versions%2FSGD_with_scikit_learn_lib.ipynb</a:t>
-            </a:r>
-          </a:p>
-          <a:p>
-            <a:endParaRPr lang="pt-BR" dirty="0" smtClean="0"/>
-          </a:p>
-          <a:p>
-            <a:r>
-              <a:rPr lang="pt-BR" dirty="0" smtClean="0"/>
-              <a:t>Para </a:t>
-            </a:r>
+            <a:pPr marL="0" marR="0" indent="0" algn="l" defTabSz="914400" rtl="0" eaLnBrk="1" fontAlgn="auto" latinLnBrk="0" hangingPunct="1">
+              <a:lnSpc>
+                <a:spcPct val="100000"/>
+              </a:lnSpc>
+              <a:spcBef>
+                <a:spcPts val="0"/>
+              </a:spcBef>
+              <a:spcAft>
+                <a:spcPts val="0"/>
+              </a:spcAft>
+              <a:buClrTx/>
+              <a:buSzTx/>
+              <a:buFontTx/>
+              <a:buNone/>
+              <a:tabLst/>
+              <a:defRPr/>
+            </a:pPr>
             <a:r>
               <a:rPr lang="pt-BR" dirty="0"/>
-              <a:t>executar a regressão linear usando o SGD com o Scikit-Learn, você pode usar a classe SGDRegressor, cujo padrão é otimizar a função de custo do erro ao quadrado. O código a seguir executa 50 épocas, começando com uma taxa de aprendizado de 0,1 (eta0 = 0,1), usando o cronograma de aprendizado padrão (diferente do anterior) e não usa nenhuma regularização (penalidade = Nenhuma;</a:t>
+              <a:t>A maneira pela qual a taxa de aprendizado muda com o tempo (iteração/época) é chamada de cronograma/programa da taxa de aprendizado ou decaimento da taxa de aprendizado.</a:t>
             </a:r>
           </a:p>
           <a:p>
@@ -2981,152 +3006,170 @@
           </a:p>
           <a:p>
             <a:r>
+              <a:rPr lang="pt-BR" b="1" dirty="0"/>
+              <a:t>Alguns tipos de esquema para ajuste do passo de aprendizagem são:</a:t>
+            </a:r>
+          </a:p>
+          <a:p>
+            <a:pPr marL="171450" indent="-171450">
+              <a:buFont typeface="Arial" panose="020B0604020202020204" pitchFamily="34" charset="0"/>
+              <a:buChar char="•"/>
+            </a:pPr>
+            <a:r>
+              <a:rPr lang="pt-BR" b="1" dirty="0"/>
+              <a:t>Decaimento por etapas ou degraus</a:t>
+            </a:r>
+            <a:r>
               <a:rPr lang="pt-BR" dirty="0"/>
-              <a:t>Informação retirada da documentação da classe </a:t>
+              <a:t>: reduz a taxa de aprendizado de algum fator a cada número pré-definido de iterações ou épocas. Os valores típicos são utilizados para reduzir a taxa de aprendizado pela metade a cada número pré-definido de épocas. Esses números dependem muito do tipo de problema e do modelo. Uma heurística que você pode ver na prática é observar o erro de validação durante o treinamento com uma taxa de aprendizado fixa e reduzir a taxa de aprendizado em uma constante (por exemplo, 0,5) sempre que o erro de validação parar de decrescer.</a:t>
+            </a:r>
+          </a:p>
+          <a:p>
+            <a:pPr marL="171450" indent="-171450">
+              <a:buFont typeface="Arial" panose="020B0604020202020204" pitchFamily="34" charset="0"/>
+              <a:buChar char="•"/>
+            </a:pPr>
+            <a:r>
+              <a:rPr lang="pt-BR" b="1" dirty="0"/>
+              <a:t>Decaimento exponencial</a:t>
+            </a:r>
+            <a:r>
+              <a:rPr lang="pt-BR" dirty="0"/>
+              <a:t>: tem a forma matemática α = α0 e^(-</a:t>
             </a:r>
             <a:r>
               <a:rPr lang="pt-BR" dirty="0" err="1"/>
-              <a:t>SGDRegressor</a:t>
+              <a:t>kt</a:t>
             </a:r>
             <a:r>
               <a:rPr lang="pt-BR" dirty="0"/>
-              <a:t> (https://scikit-learn.org/stable/modules/generated/sklearn.linear_model.SGDRegressor.html): </a:t>
-            </a:r>
-          </a:p>
-          <a:p>
+              <a:t>), onde α0, k são </a:t>
+            </a:r>
+            <a:r>
+              <a:rPr lang="pt-BR" dirty="0" err="1"/>
+              <a:t>hiperparâmetros</a:t>
+            </a:r>
+            <a:r>
+              <a:rPr lang="pt-BR" dirty="0"/>
+              <a:t> e t é o número da iteração (mas você também pode usar o número de épocas).</a:t>
+            </a:r>
+          </a:p>
+          <a:p>
+            <a:pPr marL="171450" indent="-171450">
+              <a:buFont typeface="Arial" panose="020B0604020202020204" pitchFamily="34" charset="0"/>
+              <a:buChar char="•"/>
+            </a:pPr>
+            <a:r>
+              <a:rPr lang="pt-BR" b="1" dirty="0"/>
+              <a:t>Decaimento temporal</a:t>
+            </a:r>
+            <a:r>
+              <a:rPr lang="pt-BR" dirty="0"/>
+              <a:t>: tem a forma matemática α = α0 / (1 + </a:t>
+            </a:r>
+            <a:r>
+              <a:rPr lang="pt-BR" dirty="0" err="1"/>
+              <a:t>kt</a:t>
+            </a:r>
+            <a:r>
+              <a:rPr lang="pt-BR" dirty="0"/>
+              <a:t>), onde a0, k são </a:t>
+            </a:r>
+            <a:r>
+              <a:rPr lang="pt-BR" dirty="0" err="1"/>
+              <a:t>hiperparâmetros</a:t>
+            </a:r>
+            <a:r>
+              <a:rPr lang="pt-BR" dirty="0"/>
+              <a:t> e t é o número da iteração.</a:t>
+            </a:r>
+          </a:p>
+          <a:p>
+            <a:pPr marL="171450" indent="-171450">
+              <a:buFont typeface="Arial" panose="020B0604020202020204" pitchFamily="34" charset="0"/>
+              <a:buChar char="•"/>
+            </a:pPr>
             <a:endParaRPr lang="pt-BR" dirty="0"/>
           </a:p>
           <a:p>
-            <a:r>
-              <a:rPr lang="pt-BR" b="1" dirty="0" err="1"/>
-              <a:t>learning_rate</a:t>
-            </a:r>
+            <a:pPr marL="0" indent="0">
+              <a:buFont typeface="Arial" panose="020B0604020202020204" pitchFamily="34" charset="0"/>
+              <a:buNone/>
+            </a:pPr>
+            <a:r>
+              <a:rPr lang="pt-BR" b="1" dirty="0"/>
+              <a:t>Modificação Adaptativa:</a:t>
+            </a:r>
+          </a:p>
+          <a:p>
+            <a:pPr marL="0" indent="0">
+              <a:buFont typeface="Arial" panose="020B0604020202020204" pitchFamily="34" charset="0"/>
+              <a:buNone/>
+            </a:pPr>
             <a:r>
               <a:rPr lang="pt-BR" dirty="0"/>
+              <a:t>As abordagens anteriores manipulam a taxa de aprendizado global e igualmente para todos os parâmetros. Ajustar a taxa de aprendizado é um processo caro, muito trabalho foi desenvolvido para a criação de métodos que possam ajustar </a:t>
+            </a:r>
+            <a:r>
+              <a:rPr lang="pt-BR" dirty="0" err="1"/>
+              <a:t>adaptativamente</a:t>
+            </a:r>
+            <a:r>
+              <a:rPr lang="pt-BR" dirty="0"/>
+              <a:t> as taxas de aprendizado, e até fazê-lo por parâmetro. Muitos desses métodos ainda podem exigir outras configurações de </a:t>
+            </a:r>
+            <a:r>
+              <a:rPr lang="pt-BR" dirty="0" err="1"/>
+              <a:t>hiperparâmetro</a:t>
+            </a:r>
+            <a:r>
+              <a:rPr lang="pt-BR" dirty="0"/>
+              <a:t>, mas o argumento é que eles são bem-comportados para uma faixa mais ampla de valores de </a:t>
+            </a:r>
+            <a:r>
+              <a:rPr lang="pt-BR" dirty="0" err="1"/>
+              <a:t>hiperparâmetro</a:t>
+            </a:r>
+            <a:r>
+              <a:rPr lang="pt-BR" dirty="0"/>
+              <a:t> do que o ajuste do passo de aprendizado. </a:t>
+            </a:r>
+          </a:p>
+          <a:p>
+            <a:pPr marL="171450" indent="-171450">
+              <a:buFont typeface="Arial" panose="020B0604020202020204" pitchFamily="34" charset="0"/>
+              <a:buChar char="•"/>
+            </a:pPr>
+            <a:endParaRPr lang="pt-BR" dirty="0"/>
+          </a:p>
+          <a:p>
+            <a:r>
+              <a:rPr lang="nl-BE" b="1" u="none" dirty="0" smtClean="0"/>
+              <a:t>Referências</a:t>
+            </a:r>
+            <a:r>
+              <a:rPr lang="nl-BE" u="none" dirty="0" smtClean="0"/>
               <a:t>:</a:t>
             </a:r>
-            <a:r>
-              <a:rPr lang="pt-BR" baseline="0" dirty="0"/>
-              <a:t> </a:t>
-            </a:r>
-            <a:r>
-              <a:rPr lang="pt-BR" dirty="0" err="1"/>
-              <a:t>string</a:t>
-            </a:r>
-            <a:r>
-              <a:rPr lang="pt-BR" dirty="0"/>
-              <a:t>, default=’</a:t>
-            </a:r>
-            <a:r>
-              <a:rPr lang="pt-BR" dirty="0" err="1"/>
-              <a:t>invscaling</a:t>
-            </a:r>
-            <a:r>
-              <a:rPr lang="pt-BR" dirty="0"/>
-              <a:t>’</a:t>
-            </a:r>
-          </a:p>
-          <a:p>
-            <a:r>
-              <a:rPr lang="pt-BR" dirty="0"/>
-              <a:t>‘</a:t>
-            </a:r>
-            <a:r>
-              <a:rPr lang="pt-BR" dirty="0" err="1"/>
-              <a:t>invscaling</a:t>
-            </a:r>
-            <a:r>
-              <a:rPr lang="pt-BR" dirty="0"/>
-              <a:t>’: [default]</a:t>
-            </a:r>
-          </a:p>
-          <a:p>
-            <a:r>
-              <a:rPr lang="pt-BR" dirty="0"/>
-              <a:t>	</a:t>
-            </a:r>
-            <a:r>
-              <a:rPr lang="pt-BR" dirty="0" err="1"/>
-              <a:t>eta</a:t>
-            </a:r>
-            <a:r>
-              <a:rPr lang="pt-BR" dirty="0"/>
-              <a:t> = eta0 / </a:t>
-            </a:r>
-            <a:r>
-              <a:rPr lang="pt-BR" dirty="0" err="1"/>
-              <a:t>pow</a:t>
-            </a:r>
-            <a:r>
-              <a:rPr lang="pt-BR" dirty="0"/>
-              <a:t>(t, </a:t>
-            </a:r>
-            <a:r>
-              <a:rPr lang="pt-BR" dirty="0" err="1"/>
-              <a:t>power_t</a:t>
-            </a:r>
-            <a:r>
-              <a:rPr lang="pt-BR" dirty="0"/>
-              <a:t>)</a:t>
-            </a:r>
-          </a:p>
-          <a:p>
-            <a:endParaRPr lang="pt-BR" dirty="0"/>
-          </a:p>
-          <a:p>
-            <a:r>
-              <a:rPr lang="en-US" b="1" dirty="0" err="1"/>
-              <a:t>power_t</a:t>
-            </a:r>
-            <a:r>
-              <a:rPr lang="en-US" dirty="0"/>
-              <a:t>: double, default=0.25</a:t>
-            </a:r>
-          </a:p>
-          <a:p>
-            <a:r>
-              <a:rPr lang="en-US" dirty="0"/>
-              <a:t>The exponent for inverse scaling learning rate.</a:t>
-            </a:r>
-            <a:endParaRPr lang="pt-BR" dirty="0"/>
-          </a:p>
-          <a:p>
-            <a:endParaRPr lang="pt-BR" dirty="0"/>
-          </a:p>
-          <a:p>
-            <a:r>
-              <a:rPr lang="en-US" b="1" dirty="0"/>
-              <a:t>eta0</a:t>
-            </a:r>
-            <a:r>
-              <a:rPr lang="en-US" b="0" dirty="0"/>
-              <a:t>:</a:t>
-            </a:r>
-            <a:r>
-              <a:rPr lang="en-US" dirty="0"/>
-              <a:t> double, default=0.01</a:t>
-            </a:r>
-          </a:p>
-          <a:p>
-            <a:r>
-              <a:rPr lang="en-US" dirty="0"/>
-              <a:t>The initial learning rate for the ‘constant’, ‘</a:t>
-            </a:r>
-            <a:r>
-              <a:rPr lang="en-US" dirty="0" err="1"/>
-              <a:t>invscaling</a:t>
-            </a:r>
-            <a:r>
-              <a:rPr lang="en-US" dirty="0"/>
-              <a:t>’ or ‘adaptive’ schedules. The default value is 0.01.</a:t>
-            </a:r>
-            <a:endParaRPr lang="pt-BR" dirty="0"/>
-          </a:p>
-          <a:p>
-            <a:endParaRPr lang="pt-BR" dirty="0"/>
-          </a:p>
-          <a:p>
-            <a:endParaRPr lang="pt-BR" dirty="0"/>
+          </a:p>
+          <a:p>
+            <a:r>
+              <a:rPr lang="nl-BE" u="none" dirty="0" smtClean="0"/>
+              <a:t>[1] https://machinelearningmastery.com/learning-rate-for-deep-learning-neural-networks/</a:t>
+            </a:r>
+          </a:p>
+          <a:p>
+            <a:r>
+              <a:rPr lang="nl-BE" u="none" dirty="0" smtClean="0"/>
+              <a:t>[2] https://ruder.io/optimizing-gradient-descent/</a:t>
+            </a:r>
+          </a:p>
+          <a:p>
+            <a:r>
+              <a:rPr lang="nl-BE" u="none" dirty="0" smtClean="0"/>
+              <a:t>[3] https://towardsdatascience.com/stochastic-gradient-descent-with-momentum-a84097641a5d</a:t>
+            </a:r>
+            <a:endParaRPr lang="nl-BE" u="none" dirty="0"/>
           </a:p>
         </p:txBody>
       </p:sp>
@@ -3147,7 +3190,7 @@
           <a:p>
             <a:fld id="{DA8B99DF-01BC-492A-8CEF-4FD88D18DD9D}" type="slidenum">
               <a:rPr lang="nl-BE" smtClean="0"/>
-              <a:t>22</a:t>
+              <a:t>21</a:t>
             </a:fld>
             <a:endParaRPr lang="nl-BE"/>
           </a:p>
@@ -3156,7 +3199,7 @@
     </p:spTree>
     <p:extLst>
       <p:ext uri="{BB962C8B-B14F-4D97-AF65-F5344CB8AC3E}">
-        <p14:creationId xmlns:p14="http://schemas.microsoft.com/office/powerpoint/2010/main" val="3355457850"/>
+        <p14:creationId xmlns:p14="http://schemas.microsoft.com/office/powerpoint/2010/main" val="3964983166"/>
       </p:ext>
     </p:extLst>
   </p:cSld>
@@ -3210,7 +3253,179 @@
           <a:bodyPr/>
           <a:lstStyle/>
           <a:p>
-            <a:endParaRPr lang="nl-BE" dirty="0"/>
+            <a:r>
+              <a:rPr lang="pt-BR" b="1" dirty="0" smtClean="0"/>
+              <a:t>Exemplo</a:t>
+            </a:r>
+            <a:r>
+              <a:rPr lang="pt-BR" dirty="0" smtClean="0"/>
+              <a:t>: https://mybinder.org/v2/gh/zz4fap/t319_aprendizado_de_maquina/main?filepath=notebooks%2Fregression%2Fgd_versions%2FSGD_with_scikit_learn_lib.ipynb</a:t>
+            </a:r>
+          </a:p>
+          <a:p>
+            <a:endParaRPr lang="pt-BR" dirty="0" smtClean="0"/>
+          </a:p>
+          <a:p>
+            <a:r>
+              <a:rPr lang="pt-BR" dirty="0" smtClean="0"/>
+              <a:t>Para </a:t>
+            </a:r>
+            <a:r>
+              <a:rPr lang="pt-BR" dirty="0"/>
+              <a:t>executar a regressão linear usando o SGD com o Scikit-Learn, você pode usar a classe SGDRegressor, cujo padrão é otimizar a função de custo do erro ao quadrado. O código a seguir executa 50 épocas, começando com uma taxa de aprendizado de 0,1 (eta0 = 0,1), usando o cronograma de aprendizado padrão (diferente do anterior) e não usa nenhuma regularização (penalidade = Nenhuma;</a:t>
+            </a:r>
+          </a:p>
+          <a:p>
+            <a:endParaRPr lang="pt-BR" dirty="0"/>
+          </a:p>
+          <a:p>
+            <a:r>
+              <a:rPr lang="pt-BR" dirty="0"/>
+              <a:t>Informação retirada da documentação da classe </a:t>
+            </a:r>
+            <a:r>
+              <a:rPr lang="pt-BR" dirty="0" err="1"/>
+              <a:t>SGDRegressor</a:t>
+            </a:r>
+            <a:r>
+              <a:rPr lang="pt-BR" dirty="0"/>
+              <a:t> (https://scikit-learn.org/stable/modules/generated/sklearn.linear_model.SGDRegressor.html): </a:t>
+            </a:r>
+          </a:p>
+          <a:p>
+            <a:endParaRPr lang="pt-BR" dirty="0"/>
+          </a:p>
+          <a:p>
+            <a:r>
+              <a:rPr lang="pt-BR" b="1" dirty="0" err="1"/>
+              <a:t>learning_rate</a:t>
+            </a:r>
+            <a:r>
+              <a:rPr lang="pt-BR" dirty="0"/>
+              <a:t>:</a:t>
+            </a:r>
+            <a:r>
+              <a:rPr lang="pt-BR" baseline="0" dirty="0"/>
+              <a:t> </a:t>
+            </a:r>
+            <a:r>
+              <a:rPr lang="pt-BR" dirty="0" err="1"/>
+              <a:t>string</a:t>
+            </a:r>
+            <a:r>
+              <a:rPr lang="pt-BR" dirty="0"/>
+              <a:t>, default=’</a:t>
+            </a:r>
+            <a:r>
+              <a:rPr lang="pt-BR" dirty="0" err="1"/>
+              <a:t>invscaling</a:t>
+            </a:r>
+            <a:r>
+              <a:rPr lang="pt-BR" dirty="0"/>
+              <a:t>’</a:t>
+            </a:r>
+          </a:p>
+          <a:p>
+            <a:r>
+              <a:rPr lang="pt-BR" dirty="0"/>
+              <a:t>‘</a:t>
+            </a:r>
+            <a:r>
+              <a:rPr lang="pt-BR" dirty="0" err="1"/>
+              <a:t>invscaling</a:t>
+            </a:r>
+            <a:r>
+              <a:rPr lang="pt-BR" dirty="0"/>
+              <a:t>’: [default]</a:t>
+            </a:r>
+          </a:p>
+          <a:p>
+            <a:r>
+              <a:rPr lang="pt-BR" dirty="0"/>
+              <a:t>	</a:t>
+            </a:r>
+            <a:r>
+              <a:rPr lang="pt-BR" dirty="0" err="1"/>
+              <a:t>eta</a:t>
+            </a:r>
+            <a:r>
+              <a:rPr lang="pt-BR" dirty="0"/>
+              <a:t> = eta0 / </a:t>
+            </a:r>
+            <a:r>
+              <a:rPr lang="pt-BR" dirty="0" err="1"/>
+              <a:t>pow</a:t>
+            </a:r>
+            <a:r>
+              <a:rPr lang="pt-BR" dirty="0"/>
+              <a:t>(t, </a:t>
+            </a:r>
+            <a:r>
+              <a:rPr lang="pt-BR" dirty="0" err="1"/>
+              <a:t>power_t</a:t>
+            </a:r>
+            <a:r>
+              <a:rPr lang="pt-BR" dirty="0"/>
+              <a:t>)</a:t>
+            </a:r>
+          </a:p>
+          <a:p>
+            <a:endParaRPr lang="pt-BR" dirty="0"/>
+          </a:p>
+          <a:p>
+            <a:r>
+              <a:rPr lang="en-US" b="1" dirty="0" err="1"/>
+              <a:t>power_t</a:t>
+            </a:r>
+            <a:r>
+              <a:rPr lang="en-US" dirty="0"/>
+              <a:t>: double, default=0.25</a:t>
+            </a:r>
+          </a:p>
+          <a:p>
+            <a:r>
+              <a:rPr lang="en-US" dirty="0"/>
+              <a:t>The exponent for inverse scaling learning rate.</a:t>
+            </a:r>
+            <a:endParaRPr lang="pt-BR" dirty="0"/>
+          </a:p>
+          <a:p>
+            <a:endParaRPr lang="pt-BR" dirty="0"/>
+          </a:p>
+          <a:p>
+            <a:r>
+              <a:rPr lang="en-US" b="1" dirty="0"/>
+              <a:t>eta0</a:t>
+            </a:r>
+            <a:r>
+              <a:rPr lang="en-US" b="0" dirty="0"/>
+              <a:t>:</a:t>
+            </a:r>
+            <a:r>
+              <a:rPr lang="en-US" dirty="0"/>
+              <a:t> double, default=0.01</a:t>
+            </a:r>
+          </a:p>
+          <a:p>
+            <a:r>
+              <a:rPr lang="en-US" dirty="0"/>
+              <a:t>The initial learning rate for the ‘constant’, ‘</a:t>
+            </a:r>
+            <a:r>
+              <a:rPr lang="en-US" dirty="0" err="1"/>
+              <a:t>invscaling</a:t>
+            </a:r>
+            <a:r>
+              <a:rPr lang="en-US" dirty="0"/>
+              <a:t>’ or ‘adaptive’ schedules. The default value is 0.01.</a:t>
+            </a:r>
+            <a:endParaRPr lang="pt-BR" dirty="0"/>
+          </a:p>
+          <a:p>
+            <a:endParaRPr lang="pt-BR" dirty="0"/>
+          </a:p>
+          <a:p>
+            <a:endParaRPr lang="pt-BR" dirty="0"/>
           </a:p>
         </p:txBody>
       </p:sp>
@@ -3231,7 +3446,7 @@
           <a:p>
             <a:fld id="{DA8B99DF-01BC-492A-8CEF-4FD88D18DD9D}" type="slidenum">
               <a:rPr lang="nl-BE" smtClean="0"/>
-              <a:t>28</a:t>
+              <a:t>22</a:t>
             </a:fld>
             <a:endParaRPr lang="nl-BE"/>
           </a:p>
@@ -3240,7 +3455,7 @@
     </p:spTree>
     <p:extLst>
       <p:ext uri="{BB962C8B-B14F-4D97-AF65-F5344CB8AC3E}">
-        <p14:creationId xmlns:p14="http://schemas.microsoft.com/office/powerpoint/2010/main" val="3474938315"/>
+        <p14:creationId xmlns:p14="http://schemas.microsoft.com/office/powerpoint/2010/main" val="3355457850"/>
       </p:ext>
     </p:extLst>
   </p:cSld>
@@ -3294,7 +3509,71 @@
           <a:bodyPr/>
           <a:lstStyle/>
           <a:p>
-            <a:endParaRPr lang="nl-BE" dirty="0"/>
+            <a:pPr marL="0" marR="0" lvl="0" indent="0" algn="l" defTabSz="914400" rtl="0" eaLnBrk="1" fontAlgn="auto" latinLnBrk="0" hangingPunct="1">
+              <a:lnSpc>
+                <a:spcPct val="100000"/>
+              </a:lnSpc>
+              <a:spcBef>
+                <a:spcPts val="0"/>
+              </a:spcBef>
+              <a:spcAft>
+                <a:spcPts val="0"/>
+              </a:spcAft>
+              <a:buClrTx/>
+              <a:buSzTx/>
+              <a:buFontTx/>
+              <a:buNone/>
+              <a:tabLst/>
+              <a:defRPr/>
+            </a:pPr>
+            <a:r>
+              <a:rPr lang="pt-BR" dirty="0" smtClean="0"/>
+              <a:t>COLAB: https://colab.research.google.com/github/zz4fap/t319_aprendizado_de_maquina/blob/main/labs/Laboratorio4.ipynb</a:t>
+            </a:r>
+          </a:p>
+          <a:p>
+            <a:pPr marL="0" marR="0" lvl="0" indent="0" algn="l" defTabSz="914400" rtl="0" eaLnBrk="1" fontAlgn="auto" latinLnBrk="0" hangingPunct="1">
+              <a:lnSpc>
+                <a:spcPct val="100000"/>
+              </a:lnSpc>
+              <a:spcBef>
+                <a:spcPts val="0"/>
+              </a:spcBef>
+              <a:spcAft>
+                <a:spcPts val="0"/>
+              </a:spcAft>
+              <a:buClrTx/>
+              <a:buSzTx/>
+              <a:buFontTx/>
+              <a:buNone/>
+              <a:tabLst/>
+              <a:defRPr/>
+            </a:pPr>
+            <a:endParaRPr lang="pt-BR" dirty="0" smtClean="0"/>
+          </a:p>
+          <a:p>
+            <a:pPr marL="0" marR="0" lvl="0" indent="0" algn="l" defTabSz="914400" rtl="0" eaLnBrk="1" fontAlgn="auto" latinLnBrk="0" hangingPunct="1">
+              <a:lnSpc>
+                <a:spcPct val="100000"/>
+              </a:lnSpc>
+              <a:spcBef>
+                <a:spcPts val="0"/>
+              </a:spcBef>
+              <a:spcAft>
+                <a:spcPts val="0"/>
+              </a:spcAft>
+              <a:buClrTx/>
+              <a:buSzTx/>
+              <a:buFontTx/>
+              <a:buNone/>
+              <a:tabLst/>
+              <a:defRPr/>
+            </a:pPr>
+            <a:r>
+              <a:rPr lang="pt-BR" dirty="0" smtClean="0"/>
+              <a:t>BINDER: https://mybinder.org/v2/gh/zz4fap/t319_aprendizado_de_maquina/main?filepath=labs%2FLaboratorio4.ipynb</a:t>
+            </a:r>
+            <a:endParaRPr lang="pt-BR" dirty="0"/>
           </a:p>
         </p:txBody>
       </p:sp>
@@ -3315,7 +3594,7 @@
           <a:p>
             <a:fld id="{DA8B99DF-01BC-492A-8CEF-4FD88D18DD9D}" type="slidenum">
               <a:rPr lang="nl-BE" smtClean="0"/>
-              <a:t>29</a:t>
+              <a:t>23</a:t>
             </a:fld>
             <a:endParaRPr lang="nl-BE"/>
           </a:p>
@@ -3324,7 +3603,7 @@
     </p:spTree>
     <p:extLst>
       <p:ext uri="{BB962C8B-B14F-4D97-AF65-F5344CB8AC3E}">
-        <p14:creationId xmlns:p14="http://schemas.microsoft.com/office/powerpoint/2010/main" val="127471941"/>
+        <p14:creationId xmlns:p14="http://schemas.microsoft.com/office/powerpoint/2010/main" val="3425507928"/>
       </p:ext>
     </p:extLst>
   </p:cSld>
@@ -3565,6 +3844,174 @@
           <a:p>
             <a:fld id="{DA8B99DF-01BC-492A-8CEF-4FD88D18DD9D}" type="slidenum">
               <a:rPr lang="nl-BE" smtClean="0"/>
+              <a:t>28</a:t>
+            </a:fld>
+            <a:endParaRPr lang="nl-BE"/>
+          </a:p>
+        </p:txBody>
+      </p:sp>
+    </p:spTree>
+    <p:extLst>
+      <p:ext uri="{BB962C8B-B14F-4D97-AF65-F5344CB8AC3E}">
+        <p14:creationId xmlns:p14="http://schemas.microsoft.com/office/powerpoint/2010/main" val="3474938315"/>
+      </p:ext>
+    </p:extLst>
+  </p:cSld>
+  <p:clrMapOvr>
+    <a:masterClrMapping/>
+  </p:clrMapOvr>
+</p:notes>
+</file>
+
+<file path=ppt/notesSlides/notesSlide21.xml><?xml version="1.0" encoding="utf-8"?>
+<p:notes xmlns:a="http://schemas.openxmlformats.org/drawingml/2006/main" xmlns:r="http://schemas.openxmlformats.org/officeDocument/2006/relationships" xmlns:p="http://schemas.openxmlformats.org/presentationml/2006/main">
+  <p:cSld>
+    <p:spTree>
+      <p:nvGrpSpPr>
+        <p:cNvPr id="1" name=""/>
+        <p:cNvGrpSpPr/>
+        <p:nvPr/>
+      </p:nvGrpSpPr>
+      <p:grpSpPr>
+        <a:xfrm>
+          <a:off x="0" y="0"/>
+          <a:ext cx="0" cy="0"/>
+          <a:chOff x="0" y="0"/>
+          <a:chExt cx="0" cy="0"/>
+        </a:xfrm>
+      </p:grpSpPr>
+      <p:sp>
+        <p:nvSpPr>
+          <p:cNvPr id="2" name="Slide Image Placeholder 1"/>
+          <p:cNvSpPr>
+            <a:spLocks noGrp="1" noRot="1" noChangeAspect="1"/>
+          </p:cNvSpPr>
+          <p:nvPr>
+            <p:ph type="sldImg"/>
+          </p:nvPr>
+        </p:nvSpPr>
+        <p:spPr/>
+      </p:sp>
+      <p:sp>
+        <p:nvSpPr>
+          <p:cNvPr id="3" name="Notes Placeholder 2"/>
+          <p:cNvSpPr>
+            <a:spLocks noGrp="1"/>
+          </p:cNvSpPr>
+          <p:nvPr>
+            <p:ph type="body" idx="1"/>
+          </p:nvPr>
+        </p:nvSpPr>
+        <p:spPr/>
+        <p:txBody>
+          <a:bodyPr/>
+          <a:lstStyle/>
+          <a:p>
+            <a:endParaRPr lang="nl-BE" dirty="0"/>
+          </a:p>
+        </p:txBody>
+      </p:sp>
+      <p:sp>
+        <p:nvSpPr>
+          <p:cNvPr id="4" name="Slide Number Placeholder 3"/>
+          <p:cNvSpPr>
+            <a:spLocks noGrp="1"/>
+          </p:cNvSpPr>
+          <p:nvPr>
+            <p:ph type="sldNum" sz="quarter" idx="10"/>
+          </p:nvPr>
+        </p:nvSpPr>
+        <p:spPr/>
+        <p:txBody>
+          <a:bodyPr/>
+          <a:lstStyle/>
+          <a:p>
+            <a:fld id="{DA8B99DF-01BC-492A-8CEF-4FD88D18DD9D}" type="slidenum">
+              <a:rPr lang="nl-BE" smtClean="0"/>
+              <a:t>29</a:t>
+            </a:fld>
+            <a:endParaRPr lang="nl-BE"/>
+          </a:p>
+        </p:txBody>
+      </p:sp>
+    </p:spTree>
+    <p:extLst>
+      <p:ext uri="{BB962C8B-B14F-4D97-AF65-F5344CB8AC3E}">
+        <p14:creationId xmlns:p14="http://schemas.microsoft.com/office/powerpoint/2010/main" val="127471941"/>
+      </p:ext>
+    </p:extLst>
+  </p:cSld>
+  <p:clrMapOvr>
+    <a:masterClrMapping/>
+  </p:clrMapOvr>
+</p:notes>
+</file>
+
+<file path=ppt/notesSlides/notesSlide22.xml><?xml version="1.0" encoding="utf-8"?>
+<p:notes xmlns:a="http://schemas.openxmlformats.org/drawingml/2006/main" xmlns:r="http://schemas.openxmlformats.org/officeDocument/2006/relationships" xmlns:p="http://schemas.openxmlformats.org/presentationml/2006/main">
+  <p:cSld>
+    <p:spTree>
+      <p:nvGrpSpPr>
+        <p:cNvPr id="1" name=""/>
+        <p:cNvGrpSpPr/>
+        <p:nvPr/>
+      </p:nvGrpSpPr>
+      <p:grpSpPr>
+        <a:xfrm>
+          <a:off x="0" y="0"/>
+          <a:ext cx="0" cy="0"/>
+          <a:chOff x="0" y="0"/>
+          <a:chExt cx="0" cy="0"/>
+        </a:xfrm>
+      </p:grpSpPr>
+      <p:sp>
+        <p:nvSpPr>
+          <p:cNvPr id="2" name="Slide Image Placeholder 1"/>
+          <p:cNvSpPr>
+            <a:spLocks noGrp="1" noRot="1" noChangeAspect="1"/>
+          </p:cNvSpPr>
+          <p:nvPr>
+            <p:ph type="sldImg"/>
+          </p:nvPr>
+        </p:nvSpPr>
+        <p:spPr/>
+      </p:sp>
+      <p:sp>
+        <p:nvSpPr>
+          <p:cNvPr id="3" name="Notes Placeholder 2"/>
+          <p:cNvSpPr>
+            <a:spLocks noGrp="1"/>
+          </p:cNvSpPr>
+          <p:nvPr>
+            <p:ph type="body" idx="1"/>
+          </p:nvPr>
+        </p:nvSpPr>
+        <p:spPr/>
+        <p:txBody>
+          <a:bodyPr/>
+          <a:lstStyle/>
+          <a:p>
+            <a:endParaRPr lang="nl-BE" dirty="0"/>
+          </a:p>
+        </p:txBody>
+      </p:sp>
+      <p:sp>
+        <p:nvSpPr>
+          <p:cNvPr id="4" name="Slide Number Placeholder 3"/>
+          <p:cNvSpPr>
+            <a:spLocks noGrp="1"/>
+          </p:cNvSpPr>
+          <p:nvPr>
+            <p:ph type="sldNum" sz="quarter" idx="10"/>
+          </p:nvPr>
+        </p:nvSpPr>
+        <p:spPr/>
+        <p:txBody>
+          <a:bodyPr/>
+          <a:lstStyle/>
+          <a:p>
+            <a:fld id="{DA8B99DF-01BC-492A-8CEF-4FD88D18DD9D}" type="slidenum">
+              <a:rPr lang="nl-BE" smtClean="0"/>
               <a:t>32</a:t>
             </a:fld>
             <a:endParaRPr lang="nl-BE"/>
@@ -3584,7 +4031,7 @@
 </p:notes>
 </file>
 
-<file path=ppt/notesSlides/notesSlide21.xml><?xml version="1.0" encoding="utf-8"?>
+<file path=ppt/notesSlides/notesSlide23.xml><?xml version="1.0" encoding="utf-8"?>
 <p:notes xmlns:a="http://schemas.openxmlformats.org/drawingml/2006/main" xmlns:r="http://schemas.openxmlformats.org/officeDocument/2006/relationships" xmlns:p="http://schemas.openxmlformats.org/presentationml/2006/main">
   <p:cSld>
     <p:spTree>
@@ -3806,11 +4253,7 @@
           <a:p>
             <a:r>
               <a:rPr lang="pt-BR" dirty="0" smtClean="0"/>
-              <a:t>Ao usar grandes valores para o passo de aprendizagem, é possível encontrar um ciclo de feedback positivo no qual grandes valores induzem grandes gradientes que, então, induzem uma grande atualização dos pesos. Se essas atualizações aumentarem consistentemente o tamanho dos pesos, então [os pesos] se afastam rapidamente </a:t>
-            </a:r>
-            <a:r>
-              <a:rPr lang="pt-BR" dirty="0" smtClean="0"/>
-              <a:t>do</a:t>
+              <a:t>Ao usar grandes valores para o passo de aprendizagem, é possível encontrar um ciclo de feedback positivo no qual grandes valores induzem grandes gradientes que, então, induzem uma grande atualização dos pesos. Se essas atualizações aumentarem consistentemente o tamanho dos pesos, então [os pesos] se afastam rapidamente do</a:t>
             </a:r>
             <a:r>
               <a:rPr lang="pt-BR" baseline="0" dirty="0" smtClean="0"/>
@@ -3818,11 +4261,7 @@
             </a:r>
             <a:r>
               <a:rPr lang="pt-BR" dirty="0" smtClean="0"/>
-              <a:t>até </a:t>
-            </a:r>
-            <a:r>
-              <a:rPr lang="pt-BR" dirty="0" smtClean="0"/>
-              <a:t>que ocorra o estouro da precisão numérica.</a:t>
+              <a:t>até que ocorra o estouro da precisão numérica.</a:t>
             </a:r>
           </a:p>
           <a:p>
@@ -4505,7 +4944,7 @@
           <a:bodyPr/>
           <a:lstStyle/>
           <a:p>
-            <a:pPr marL="0" marR="0" indent="0" algn="l" defTabSz="914400" rtl="0" eaLnBrk="1" fontAlgn="auto" latinLnBrk="0" hangingPunct="1">
+            <a:pPr marL="0" marR="0" lvl="0" indent="0" algn="l" defTabSz="914400" rtl="0" eaLnBrk="1" fontAlgn="auto" latinLnBrk="0" hangingPunct="1">
               <a:lnSpc>
                 <a:spcPct val="100000"/>
               </a:lnSpc>
@@ -4524,170 +4963,11 @@
             </a:pPr>
             <a:r>
               <a:rPr lang="pt-BR" dirty="0" smtClean="0"/>
-              <a:t>Um valor muito pequeno pode resultar em um longo processo de treinamento que pode ficar preso.</a:t>
-            </a:r>
-          </a:p>
-          <a:p>
-            <a:pPr marL="0" marR="0" indent="0" algn="l" defTabSz="914400" rtl="0" eaLnBrk="1" fontAlgn="auto" latinLnBrk="0" hangingPunct="1">
-              <a:lnSpc>
-                <a:spcPct val="100000"/>
-              </a:lnSpc>
-              <a:spcBef>
-                <a:spcPts val="0"/>
-              </a:spcBef>
-              <a:spcAft>
-                <a:spcPts val="0"/>
-              </a:spcAft>
-              <a:buClrTx/>
-              <a:buSzTx/>
-              <a:buFontTx/>
-              <a:buNone/>
-              <a:tabLst/>
-              <a:defRPr/>
-            </a:pPr>
+              <a:t>COLAB: </a:t>
+            </a:r>
             <a:r>
               <a:rPr lang="pt-BR" dirty="0" smtClean="0"/>
-              <a:t>Um valor muito alto pode resultar na aprendizagem de um conjunto subótimo de pesos rápido demais ou em um processo de treinamento instável.</a:t>
-            </a:r>
-          </a:p>
-          <a:p>
-            <a:pPr marL="0" marR="0" indent="0" algn="l" defTabSz="914400" rtl="0" eaLnBrk="1" fontAlgn="auto" latinLnBrk="0" hangingPunct="1">
-              <a:lnSpc>
-                <a:spcPct val="100000"/>
-              </a:lnSpc>
-              <a:spcBef>
-                <a:spcPts val="0"/>
-              </a:spcBef>
-              <a:spcAft>
-                <a:spcPts val="0"/>
-              </a:spcAft>
-              <a:buClrTx/>
-              <a:buSzTx/>
-              <a:buFontTx/>
-              <a:buNone/>
-              <a:tabLst/>
-              <a:defRPr/>
-            </a:pPr>
-            <a:endParaRPr lang="pt-BR" dirty="0" smtClean="0"/>
-          </a:p>
-          <a:p>
-            <a:pPr marL="0" marR="0" indent="0" algn="l" defTabSz="914400" rtl="0" eaLnBrk="1" fontAlgn="auto" latinLnBrk="0" hangingPunct="1">
-              <a:lnSpc>
-                <a:spcPct val="100000"/>
-              </a:lnSpc>
-              <a:spcBef>
-                <a:spcPts val="0"/>
-              </a:spcBef>
-              <a:spcAft>
-                <a:spcPts val="0"/>
-              </a:spcAft>
-              <a:buClrTx/>
-              <a:buSzTx/>
-              <a:buFontTx/>
-              <a:buNone/>
-              <a:tabLst/>
-              <a:defRPr/>
-            </a:pPr>
-            <a:r>
-              <a:rPr lang="pt-BR" dirty="0" smtClean="0"/>
-              <a:t>A maneira pela qual a taxa de aprendizado muda com o tempo (iteração/época) é chamada de cronograma/programa da taxa de aprendizado ou decaimento da taxa de aprendizado.</a:t>
-            </a:r>
-          </a:p>
-          <a:p>
-            <a:endParaRPr lang="pt-BR" dirty="0" smtClean="0"/>
-          </a:p>
-          <a:p>
-            <a:r>
-              <a:rPr lang="pt-BR" b="1" dirty="0" smtClean="0"/>
-              <a:t>Alguns tipos de esquema para ajuste do passo de aprendizagem são:</a:t>
-            </a:r>
-          </a:p>
-          <a:p>
-            <a:pPr marL="171450" indent="-171450">
-              <a:buFont typeface="Arial" panose="020B0604020202020204" pitchFamily="34" charset="0"/>
-              <a:buChar char="•"/>
-            </a:pPr>
-            <a:r>
-              <a:rPr lang="pt-BR" b="1" dirty="0" smtClean="0"/>
-              <a:t>Decaimento por etapas ou degraus</a:t>
-            </a:r>
-            <a:r>
-              <a:rPr lang="pt-BR" dirty="0" smtClean="0"/>
-              <a:t>: reduz a taxa de aprendizado de algum fator a cada número pré-definido de iterações ou épocas. Os valores típicos são utilizados para reduzir a taxa de aprendizado pela metade a cada número pré-definido de épocas. Esses números dependem muito do tipo de problema e do modelo. Uma heurística que você pode ver na prática é observar o erro de validação durante o treinamento com uma taxa de aprendizado fixa e reduzir a taxa de aprendizado em uma constante (por exemplo, 0,5) sempre que o erro de validação parar de decrescer.</a:t>
-            </a:r>
-          </a:p>
-          <a:p>
-            <a:pPr marL="171450" indent="-171450">
-              <a:buFont typeface="Arial" panose="020B0604020202020204" pitchFamily="34" charset="0"/>
-              <a:buChar char="•"/>
-            </a:pPr>
-            <a:r>
-              <a:rPr lang="pt-BR" b="1" dirty="0" smtClean="0"/>
-              <a:t>Decaimento exponencial</a:t>
-            </a:r>
-            <a:r>
-              <a:rPr lang="pt-BR" dirty="0" smtClean="0"/>
-              <a:t>: tem a forma matemática α = α0 e^(-kt), onde α0, k são hiperparâmetros e t é o número da iteração (mas você também pode usar o número de épocas).</a:t>
-            </a:r>
-          </a:p>
-          <a:p>
-            <a:pPr marL="171450" indent="-171450">
-              <a:buFont typeface="Arial" panose="020B0604020202020204" pitchFamily="34" charset="0"/>
-              <a:buChar char="•"/>
-            </a:pPr>
-            <a:r>
-              <a:rPr lang="pt-BR" b="1" dirty="0" smtClean="0"/>
-              <a:t>Decaimento temporal</a:t>
-            </a:r>
-            <a:r>
-              <a:rPr lang="pt-BR" dirty="0" smtClean="0"/>
-              <a:t>: tem a forma matemática α = α0 / (1 + kt), onde a0, k são hiperparâmetros e t é o número da iteração.</a:t>
-            </a:r>
-          </a:p>
-          <a:p>
-            <a:pPr marL="171450" indent="-171450">
-              <a:buFont typeface="Arial" panose="020B0604020202020204" pitchFamily="34" charset="0"/>
-              <a:buChar char="•"/>
-            </a:pPr>
-            <a:endParaRPr lang="pt-BR" dirty="0" smtClean="0"/>
-          </a:p>
-          <a:p>
-            <a:pPr marL="0" indent="0">
-              <a:buFont typeface="Arial" panose="020B0604020202020204" pitchFamily="34" charset="0"/>
-              <a:buNone/>
-            </a:pPr>
-            <a:r>
-              <a:rPr lang="pt-BR" b="1" dirty="0" smtClean="0"/>
-              <a:t>Modificação Adaptativa:</a:t>
-            </a:r>
-          </a:p>
-          <a:p>
-            <a:pPr marL="0" indent="0">
-              <a:buFont typeface="Arial" panose="020B0604020202020204" pitchFamily="34" charset="0"/>
-              <a:buNone/>
-            </a:pPr>
-            <a:r>
-              <a:rPr lang="pt-BR" dirty="0" smtClean="0"/>
-              <a:t>As abordagens anteriores manipulam a taxa de aprendizado global e igualmente para todos os parâmetros. Ajustar a taxa de aprendizado é um processo caro, muito trabalho foi desenvolvido para a criação de métodos que possam ajustar adaptativamente as taxas de aprendizado, e até fazê-lo por parâmetro. Muitos desses métodos ainda podem exigir outras configurações de hiperparâmetro, mas o argumento é que eles são bem-comportados para uma faixa mais ampla de valores de hiperparâmetro do que o ajuste do passo de aprendizado. </a:t>
-            </a:r>
-          </a:p>
-          <a:p>
-            <a:pPr marL="171450" indent="-171450">
-              <a:buFont typeface="Arial" panose="020B0604020202020204" pitchFamily="34" charset="0"/>
-              <a:buChar char="•"/>
-            </a:pPr>
-            <a:endParaRPr lang="pt-BR" dirty="0" smtClean="0"/>
-          </a:p>
-          <a:p>
-            <a:r>
-              <a:rPr lang="nl-BE" b="1" u="none" dirty="0" smtClean="0"/>
-              <a:t>Referências:</a:t>
-            </a:r>
-          </a:p>
-          <a:p>
-            <a:r>
-              <a:rPr lang="nl-BE" u="sng" dirty="0" smtClean="0"/>
-              <a:t>[1] https://machinelearningmastery.com/learning-rate-for-deep-learning-neural-networks/</a:t>
+              <a:t>https://colab.research.google.com/github/zz4fap/t319_aprendizado_de_maquina/blob/main/labs/Laboratorio4.ipynb</a:t>
             </a:r>
           </a:p>
           <a:p>
@@ -4712,7 +4992,7 @@
           <a:p>
             <a:fld id="{DA8B99DF-01BC-492A-8CEF-4FD88D18DD9D}" type="slidenum">
               <a:rPr lang="nl-BE" smtClean="0"/>
-              <a:t>11</a:t>
+              <a:t>10</a:t>
             </a:fld>
             <a:endParaRPr lang="nl-BE"/>
           </a:p>
@@ -4721,7 +5001,7 @@
     </p:spTree>
     <p:extLst>
       <p:ext uri="{BB962C8B-B14F-4D97-AF65-F5344CB8AC3E}">
-        <p14:creationId xmlns:p14="http://schemas.microsoft.com/office/powerpoint/2010/main" val="2261858195"/>
+        <p14:creationId xmlns:p14="http://schemas.microsoft.com/office/powerpoint/2010/main" val="1119925003"/>
       </p:ext>
     </p:extLst>
   </p:cSld>
@@ -4775,7 +5055,7 @@
           <a:bodyPr/>
           <a:lstStyle/>
           <a:p>
-            <a:pPr marL="0" marR="0" lvl="0" indent="0" algn="l" defTabSz="914400" rtl="0" eaLnBrk="1" fontAlgn="auto" latinLnBrk="0" hangingPunct="1">
+            <a:pPr marL="0" marR="0" indent="0" algn="l" defTabSz="914400" rtl="0" eaLnBrk="1" fontAlgn="auto" latinLnBrk="0" hangingPunct="1">
               <a:lnSpc>
                 <a:spcPct val="100000"/>
               </a:lnSpc>
@@ -4793,12 +5073,31 @@
               <a:defRPr/>
             </a:pPr>
             <a:r>
-              <a:rPr lang="pt-BR" b="1" dirty="0" smtClean="0"/>
-              <a:t>Exemplo</a:t>
-            </a:r>
-            <a:r>
               <a:rPr lang="pt-BR" dirty="0" smtClean="0"/>
-              <a:t>: https://mybinder.org/v2/gh/zz4fap/t319_aprendizado_de_maquina/main?filepath=notebooks%2Fregression%2Flinear_regression_grid_search.ipynb</a:t>
+              <a:t>Um valor muito pequeno pode resultar em um longo processo de treinamento que pode ficar preso.</a:t>
+            </a:r>
+          </a:p>
+          <a:p>
+            <a:pPr marL="0" marR="0" indent="0" algn="l" defTabSz="914400" rtl="0" eaLnBrk="1" fontAlgn="auto" latinLnBrk="0" hangingPunct="1">
+              <a:lnSpc>
+                <a:spcPct val="100000"/>
+              </a:lnSpc>
+              <a:spcBef>
+                <a:spcPts val="0"/>
+              </a:spcBef>
+              <a:spcAft>
+                <a:spcPts val="0"/>
+              </a:spcAft>
+              <a:buClrTx/>
+              <a:buSzTx/>
+              <a:buFontTx/>
+              <a:buNone/>
+              <a:tabLst/>
+              <a:defRPr/>
+            </a:pPr>
+            <a:r>
+              <a:rPr lang="pt-BR" dirty="0" smtClean="0"/>
+              <a:t>Um valor muito alto pode resultar na aprendizagem de um conjunto subótimo de pesos rápido demais ou em um processo de treinamento instável.</a:t>
             </a:r>
           </a:p>
           <a:p>
@@ -4841,19 +5140,15 @@
             </a:pPr>
             <a:r>
               <a:rPr lang="pt-BR" dirty="0" smtClean="0"/>
-              <a:t>A </a:t>
-            </a:r>
-            <a:r>
-              <a:rPr lang="pt-BR" dirty="0"/>
-              <a:t>maneira pela qual a taxa de aprendizado muda com o tempo (iteração/época) é chamada de cronograma/programa da taxa de aprendizado ou decaimento da taxa de aprendizado.</a:t>
-            </a:r>
-          </a:p>
-          <a:p>
-            <a:endParaRPr lang="pt-BR" dirty="0"/>
-          </a:p>
-          <a:p>
-            <a:r>
-              <a:rPr lang="pt-BR" b="1" dirty="0"/>
+              <a:t>A maneira pela qual a taxa de aprendizado muda com o tempo (iteração/época) é chamada de cronograma/programa da taxa de aprendizado ou decaimento da taxa de aprendizado.</a:t>
+            </a:r>
+          </a:p>
+          <a:p>
+            <a:endParaRPr lang="pt-BR" dirty="0" smtClean="0"/>
+          </a:p>
+          <a:p>
+            <a:r>
+              <a:rPr lang="pt-BR" b="1" dirty="0" smtClean="0"/>
               <a:t>Alguns tipos de esquema para ajuste do passo de aprendizagem são:</a:t>
             </a:r>
           </a:p>
@@ -4863,11 +5158,11 @@
               <a:buChar char="•"/>
             </a:pPr>
             <a:r>
-              <a:rPr lang="pt-BR" b="1" dirty="0"/>
+              <a:rPr lang="pt-BR" b="1" dirty="0" smtClean="0"/>
               <a:t>Decaimento por etapas ou degraus</a:t>
             </a:r>
             <a:r>
-              <a:rPr lang="pt-BR" dirty="0"/>
+              <a:rPr lang="pt-BR" dirty="0" smtClean="0"/>
               <a:t>: reduz a taxa de aprendizado de algum fator a cada número pré-definido de iterações ou épocas. Os valores típicos são utilizados para reduzir a taxa de aprendizado pela metade a cada número pré-definido de épocas. Esses números dependem muito do tipo de problema e do modelo. Uma heurística que você pode ver na prática é observar o erro de validação durante o treinamento com uma taxa de aprendizado fixa e reduzir a taxa de aprendizado em uma constante (por exemplo, 0,5) sempre que o erro de validação parar de decrescer.</a:t>
             </a:r>
           </a:p>
@@ -4877,28 +5172,12 @@
               <a:buChar char="•"/>
             </a:pPr>
             <a:r>
-              <a:rPr lang="pt-BR" b="1" dirty="0"/>
+              <a:rPr lang="pt-BR" b="1" dirty="0" smtClean="0"/>
               <a:t>Decaimento exponencial</a:t>
             </a:r>
             <a:r>
-              <a:rPr lang="pt-BR" dirty="0"/>
-              <a:t>: tem a forma matemática α = α0 e^(-</a:t>
-            </a:r>
-            <a:r>
-              <a:rPr lang="pt-BR" dirty="0" err="1"/>
-              <a:t>kt</a:t>
-            </a:r>
-            <a:r>
-              <a:rPr lang="pt-BR" dirty="0"/>
-              <a:t>), onde α0, k são </a:t>
-            </a:r>
-            <a:r>
-              <a:rPr lang="pt-BR" dirty="0" err="1"/>
-              <a:t>hiperparâmetros</a:t>
-            </a:r>
-            <a:r>
-              <a:rPr lang="pt-BR" dirty="0"/>
-              <a:t> e t é o número da iteração (mas você também pode usar o número de épocas).</a:t>
+              <a:rPr lang="pt-BR" dirty="0" smtClean="0"/>
+              <a:t>: tem a forma matemática α = α0 e^(-kt), onde α0, k são hiperparâmetros e t é o número da iteração (mas você também pode usar o número de épocas).</a:t>
             </a:r>
           </a:p>
           <a:p>
@@ -4907,28 +5186,12 @@
               <a:buChar char="•"/>
             </a:pPr>
             <a:r>
-              <a:rPr lang="pt-BR" b="1" dirty="0"/>
+              <a:rPr lang="pt-BR" b="1" dirty="0" smtClean="0"/>
               <a:t>Decaimento temporal</a:t>
             </a:r>
             <a:r>
-              <a:rPr lang="pt-BR" dirty="0"/>
-              <a:t>: tem a forma matemática α = α0 / (1 + </a:t>
-            </a:r>
-            <a:r>
-              <a:rPr lang="pt-BR" dirty="0" err="1"/>
-              <a:t>kt</a:t>
-            </a:r>
-            <a:r>
-              <a:rPr lang="pt-BR" dirty="0"/>
-              <a:t>), onde a0, k são </a:t>
-            </a:r>
-            <a:r>
-              <a:rPr lang="pt-BR" dirty="0" err="1"/>
-              <a:t>hiperparâmetros</a:t>
-            </a:r>
-            <a:r>
-              <a:rPr lang="pt-BR" dirty="0"/>
-              <a:t> e t é o número da iteração.</a:t>
+              <a:rPr lang="pt-BR" dirty="0" smtClean="0"/>
+              <a:t>: tem a forma matemática α = α0 / (1 + kt), onde a0, k são hiperparâmetros e t é o número da iteração.</a:t>
             </a:r>
           </a:p>
           <a:p>
@@ -4936,7 +5199,7 @@
               <a:buFont typeface="Arial" panose="020B0604020202020204" pitchFamily="34" charset="0"/>
               <a:buChar char="•"/>
             </a:pPr>
-            <a:endParaRPr lang="pt-BR" dirty="0"/>
+            <a:endParaRPr lang="pt-BR" dirty="0" smtClean="0"/>
           </a:p>
           <a:p>
             <a:pPr marL="0" indent="0">
@@ -4944,7 +5207,7 @@
               <a:buNone/>
             </a:pPr>
             <a:r>
-              <a:rPr lang="pt-BR" b="1" dirty="0"/>
+              <a:rPr lang="pt-BR" b="1" dirty="0" smtClean="0"/>
               <a:t>Modificação Adaptativa:</a:t>
             </a:r>
           </a:p>
@@ -4954,32 +5217,8 @@
               <a:buNone/>
             </a:pPr>
             <a:r>
-              <a:rPr lang="pt-BR" dirty="0"/>
-              <a:t>As abordagens anteriores manipulam a taxa de aprendizado global e igualmente para todos os parâmetros. Ajustar a taxa de aprendizado é um processo caro, muito trabalho foi desenvolvido para a criação de métodos que possam ajustar </a:t>
-            </a:r>
-            <a:r>
-              <a:rPr lang="pt-BR" dirty="0" err="1"/>
-              <a:t>adaptativamente</a:t>
-            </a:r>
-            <a:r>
-              <a:rPr lang="pt-BR" dirty="0"/>
-              <a:t> as taxas de aprendizado, e até fazê-lo por parâmetro. Muitos desses métodos ainda podem exigir outras configurações de </a:t>
-            </a:r>
-            <a:r>
-              <a:rPr lang="pt-BR" dirty="0" err="1"/>
-              <a:t>hiperparâmetro</a:t>
-            </a:r>
-            <a:r>
-              <a:rPr lang="pt-BR" dirty="0"/>
-              <a:t>, mas o argumento é que eles são bem-comportados para uma faixa mais ampla de valores de </a:t>
-            </a:r>
-            <a:r>
-              <a:rPr lang="pt-BR" dirty="0" err="1"/>
-              <a:t>hiperparâmetro</a:t>
-            </a:r>
-            <a:r>
-              <a:rPr lang="pt-BR" dirty="0"/>
-              <a:t> do que o ajuste do passo de aprendizado. </a:t>
+              <a:rPr lang="pt-BR" dirty="0" smtClean="0"/>
+              <a:t>As abordagens anteriores manipulam a taxa de aprendizado global e igualmente para todos os parâmetros. Ajustar a taxa de aprendizado é um processo caro, muito trabalho foi desenvolvido para a criação de métodos que possam ajustar adaptativamente as taxas de aprendizado, e até fazê-lo por parâmetro. Muitos desses métodos ainda podem exigir outras configurações de hiperparâmetro, mas o argumento é que eles são bem-comportados para uma faixa mais ampla de valores de hiperparâmetro do que o ajuste do passo de aprendizado. </a:t>
             </a:r>
           </a:p>
           <a:p>
@@ -4987,10 +5226,22 @@
               <a:buFont typeface="Arial" panose="020B0604020202020204" pitchFamily="34" charset="0"/>
               <a:buChar char="•"/>
             </a:pPr>
+            <a:endParaRPr lang="pt-BR" dirty="0" smtClean="0"/>
+          </a:p>
+          <a:p>
+            <a:r>
+              <a:rPr lang="nl-BE" b="1" u="none" dirty="0" smtClean="0"/>
+              <a:t>Referências:</a:t>
+            </a:r>
+          </a:p>
+          <a:p>
+            <a:r>
+              <a:rPr lang="nl-BE" u="sng" dirty="0" smtClean="0"/>
+              <a:t>[1] https://machinelearningmastery.com/learning-rate-for-deep-learning-neural-networks/</a:t>
+            </a:r>
+          </a:p>
+          <a:p>
             <a:endParaRPr lang="pt-BR" dirty="0"/>
-          </a:p>
-          <a:p>
-            <a:endParaRPr lang="nl-BE" u="sng" dirty="0"/>
           </a:p>
         </p:txBody>
       </p:sp>
@@ -5011,7 +5262,7 @@
           <a:p>
             <a:fld id="{DA8B99DF-01BC-492A-8CEF-4FD88D18DD9D}" type="slidenum">
               <a:rPr lang="nl-BE" smtClean="0"/>
-              <a:t>12</a:t>
+              <a:t>11</a:t>
             </a:fld>
             <a:endParaRPr lang="nl-BE"/>
           </a:p>
@@ -5020,7 +5271,7 @@
     </p:spTree>
     <p:extLst>
       <p:ext uri="{BB962C8B-B14F-4D97-AF65-F5344CB8AC3E}">
-        <p14:creationId xmlns:p14="http://schemas.microsoft.com/office/powerpoint/2010/main" val="3605825459"/>
+        <p14:creationId xmlns:p14="http://schemas.microsoft.com/office/powerpoint/2010/main" val="2261858195"/>
       </p:ext>
     </p:extLst>
   </p:cSld>
@@ -7892,7 +8143,7 @@
           <p:cNvPr id="2" name="Título 1">
             <a:extLst>
               <a:ext uri="{FF2B5EF4-FFF2-40B4-BE49-F238E27FC236}">
-                <a16:creationId xmlns:a16="http://schemas.microsoft.com/office/drawing/2014/main" xmlns="" id="{32666AC8-2E17-4DB4-B0F5-60C640CCFD2E}"/>
+                <a16:creationId xmlns="" xmlns:a16="http://schemas.microsoft.com/office/drawing/2014/main" id="{32666AC8-2E17-4DB4-B0F5-60C640CCFD2E}"/>
               </a:ext>
             </a:extLst>
           </p:cNvPr>
@@ -7951,7 +8202,7 @@
           <p:cNvPr id="4" name="CaixaDeTexto 3">
             <a:extLst>
               <a:ext uri="{FF2B5EF4-FFF2-40B4-BE49-F238E27FC236}">
-                <a16:creationId xmlns:a16="http://schemas.microsoft.com/office/drawing/2014/main" xmlns="" id="{430EB894-B7D4-434C-9D1A-A14094D9BEEC}"/>
+                <a16:creationId xmlns="" xmlns:a16="http://schemas.microsoft.com/office/drawing/2014/main" id="{430EB894-B7D4-434C-9D1A-A14094D9BEEC}"/>
               </a:ext>
             </a:extLst>
           </p:cNvPr>
@@ -7992,7 +8243,7 @@
           <p:cNvPr id="1026" name="Picture 2" descr="Logo">
             <a:extLst>
               <a:ext uri="{FF2B5EF4-FFF2-40B4-BE49-F238E27FC236}">
-                <a16:creationId xmlns:a16="http://schemas.microsoft.com/office/drawing/2014/main" xmlns="" id="{3F2642E0-4F6A-4196-8F58-E77D36E9A33F}"/>
+                <a16:creationId xmlns="" xmlns:a16="http://schemas.microsoft.com/office/drawing/2014/main" id="{3F2642E0-4F6A-4196-8F58-E77D36E9A33F}"/>
               </a:ext>
             </a:extLst>
           </p:cNvPr>
@@ -8037,7 +8288,7 @@
           <p:cNvPr id="5122" name="Picture 2" descr="Image result for machine learning">
             <a:extLst>
               <a:ext uri="{FF2B5EF4-FFF2-40B4-BE49-F238E27FC236}">
-                <a16:creationId xmlns:a16="http://schemas.microsoft.com/office/drawing/2014/main" xmlns="" id="{810CE0A2-4102-44A6-A370-175E7896CDCB}"/>
+                <a16:creationId xmlns="" xmlns:a16="http://schemas.microsoft.com/office/drawing/2014/main" id="{810CE0A2-4102-44A6-A370-175E7896CDCB}"/>
               </a:ext>
             </a:extLst>
           </p:cNvPr>
@@ -8191,15 +8442,21 @@
               <a:t> </a:t>
             </a:r>
             <a:r>
-              <a:rPr lang="pt-BR" b="1" dirty="0"/>
+              <a:rPr lang="pt-BR" b="1" dirty="0">
+                <a:hlinkClick r:id="rId3"/>
+              </a:rPr>
               <a:t>Laboratório </a:t>
             </a:r>
             <a:r>
-              <a:rPr lang="pt-BR" b="1" dirty="0" smtClean="0"/>
+              <a:rPr lang="pt-BR" b="1" dirty="0" smtClean="0">
+                <a:hlinkClick r:id="rId3"/>
+              </a:rPr>
               <a:t>#</a:t>
             </a:r>
             <a:r>
-              <a:rPr lang="pt-BR" b="1" dirty="0"/>
+              <a:rPr lang="pt-BR" b="1" dirty="0">
+                <a:hlinkClick r:id="rId3"/>
+              </a:rPr>
               <a:t>4</a:t>
             </a:r>
             <a:r>
@@ -8226,7 +8483,7 @@
             <a:pPr lvl="1"/>
             <a:r>
               <a:rPr lang="pt-BR" dirty="0">
-                <a:hlinkClick r:id="rId2"/>
+                <a:hlinkClick r:id="rId4"/>
               </a:rPr>
               <a:t>Instruções para resolução e entrega dos laboratórios</a:t>
             </a:r>
@@ -17286,7 +17543,7 @@
           <p:cNvPr id="4" name="Picture 6" descr="Image result for scikit learn logo">
             <a:extLst>
               <a:ext uri="{FF2B5EF4-FFF2-40B4-BE49-F238E27FC236}">
-                <a16:creationId xmlns:a16="http://schemas.microsoft.com/office/drawing/2014/main" xmlns="" id="{87129D40-D136-4716-8871-12CAEC603994}"/>
+                <a16:creationId xmlns="" xmlns:a16="http://schemas.microsoft.com/office/drawing/2014/main" id="{87129D40-D136-4716-8871-12CAEC603994}"/>
               </a:ext>
             </a:extLst>
           </p:cNvPr>
@@ -17361,7 +17618,7 @@
           <p:cNvPr id="11" name="Retângulo 10">
             <a:extLst>
               <a:ext uri="{FF2B5EF4-FFF2-40B4-BE49-F238E27FC236}">
-                <a16:creationId xmlns:a16="http://schemas.microsoft.com/office/drawing/2014/main" xmlns="" id="{E2309C86-E375-49C0-9806-F51EAEDC56A2}"/>
+                <a16:creationId xmlns="" xmlns:a16="http://schemas.microsoft.com/office/drawing/2014/main" id="{E2309C86-E375-49C0-9806-F51EAEDC56A2}"/>
               </a:ext>
             </a:extLst>
           </p:cNvPr>
@@ -19560,15 +19817,21 @@
               <a:t> </a:t>
             </a:r>
             <a:r>
-              <a:rPr lang="pt-BR" b="1" dirty="0"/>
+              <a:rPr lang="pt-BR" b="1" dirty="0">
+                <a:hlinkClick r:id="rId3"/>
+              </a:rPr>
               <a:t>Laboratório </a:t>
             </a:r>
             <a:r>
-              <a:rPr lang="pt-BR" b="1" dirty="0" smtClean="0"/>
+              <a:rPr lang="pt-BR" b="1" dirty="0" smtClean="0">
+                <a:hlinkClick r:id="rId3"/>
+              </a:rPr>
               <a:t>#</a:t>
             </a:r>
             <a:r>
-              <a:rPr lang="pt-BR" b="1" dirty="0"/>
+              <a:rPr lang="pt-BR" b="1" dirty="0">
+                <a:hlinkClick r:id="rId3"/>
+              </a:rPr>
               <a:t>4</a:t>
             </a:r>
             <a:r>
@@ -19595,7 +19858,7 @@
             <a:pPr lvl="1"/>
             <a:r>
               <a:rPr lang="pt-BR" dirty="0">
-                <a:hlinkClick r:id="rId2"/>
+                <a:hlinkClick r:id="rId4"/>
               </a:rPr>
               <a:t>Instruções para resolução e entrega dos laboratórios</a:t>
             </a:r>
@@ -19642,7 +19905,7 @@
           <p:cNvPr id="4" name="Título 1">
             <a:extLst>
               <a:ext uri="{FF2B5EF4-FFF2-40B4-BE49-F238E27FC236}">
-                <a16:creationId xmlns:a16="http://schemas.microsoft.com/office/drawing/2014/main" xmlns="" id="{32666AC8-2E17-4DB4-B0F5-60C640CCFD2E}"/>
+                <a16:creationId xmlns="" xmlns:a16="http://schemas.microsoft.com/office/drawing/2014/main" id="{32666AC8-2E17-4DB4-B0F5-60C640CCFD2E}"/>
               </a:ext>
             </a:extLst>
           </p:cNvPr>

--- a/slides/T319_Regressão_Linear (Parte III).pptx
+++ b/slides/T319_Regressão_Linear (Parte III).pptx
@@ -548,7 +548,7 @@
           <a:p>
             <a:fld id="{DAF0AF11-6A8A-4E64-94F5-26D4FBA2A01D}" type="datetimeFigureOut">
               <a:rPr lang="nl-BE" smtClean="0"/>
-              <a:t>13/05/2021</a:t>
+              <a:t>16/05/2021</a:t>
             </a:fld>
             <a:endParaRPr lang="nl-BE"/>
           </a:p>
@@ -2208,9 +2208,6 @@
             <a:endParaRPr lang="pt-BR" sz="1200" baseline="0" dirty="0" smtClean="0"/>
           </a:p>
           <a:p>
-            <a:endParaRPr lang="pt-BR" sz="1200" baseline="0" dirty="0" smtClean="0"/>
-          </a:p>
-          <a:p>
             <a:r>
               <a:rPr lang="pt-BR" sz="1200" baseline="0" dirty="0" smtClean="0"/>
               <a:t>Os </a:t>
@@ -2733,7 +2730,7 @@
           <a:p>
             <a:fld id="{C80E15A5-E95B-43EB-9AC7-9A96397448C0}" type="datetimeFigureOut">
               <a:rPr lang="nl-BE" smtClean="0"/>
-              <a:t>13/05/2021</a:t>
+              <a:t>16/05/2021</a:t>
             </a:fld>
             <a:endParaRPr lang="nl-BE"/>
           </a:p>
@@ -2903,7 +2900,7 @@
           <a:p>
             <a:fld id="{C80E15A5-E95B-43EB-9AC7-9A96397448C0}" type="datetimeFigureOut">
               <a:rPr lang="nl-BE" smtClean="0"/>
-              <a:t>13/05/2021</a:t>
+              <a:t>16/05/2021</a:t>
             </a:fld>
             <a:endParaRPr lang="nl-BE"/>
           </a:p>
@@ -3083,7 +3080,7 @@
           <a:p>
             <a:fld id="{C80E15A5-E95B-43EB-9AC7-9A96397448C0}" type="datetimeFigureOut">
               <a:rPr lang="nl-BE" smtClean="0"/>
-              <a:t>13/05/2021</a:t>
+              <a:t>16/05/2021</a:t>
             </a:fld>
             <a:endParaRPr lang="nl-BE"/>
           </a:p>
@@ -3253,7 +3250,7 @@
           <a:p>
             <a:fld id="{C80E15A5-E95B-43EB-9AC7-9A96397448C0}" type="datetimeFigureOut">
               <a:rPr lang="nl-BE" smtClean="0"/>
-              <a:t>13/05/2021</a:t>
+              <a:t>16/05/2021</a:t>
             </a:fld>
             <a:endParaRPr lang="nl-BE"/>
           </a:p>
@@ -3499,7 +3496,7 @@
           <a:p>
             <a:fld id="{C80E15A5-E95B-43EB-9AC7-9A96397448C0}" type="datetimeFigureOut">
               <a:rPr lang="nl-BE" smtClean="0"/>
-              <a:t>13/05/2021</a:t>
+              <a:t>16/05/2021</a:t>
             </a:fld>
             <a:endParaRPr lang="nl-BE"/>
           </a:p>
@@ -3731,7 +3728,7 @@
           <a:p>
             <a:fld id="{C80E15A5-E95B-43EB-9AC7-9A96397448C0}" type="datetimeFigureOut">
               <a:rPr lang="nl-BE" smtClean="0"/>
-              <a:t>13/05/2021</a:t>
+              <a:t>16/05/2021</a:t>
             </a:fld>
             <a:endParaRPr lang="nl-BE"/>
           </a:p>
@@ -4098,7 +4095,7 @@
           <a:p>
             <a:fld id="{C80E15A5-E95B-43EB-9AC7-9A96397448C0}" type="datetimeFigureOut">
               <a:rPr lang="nl-BE" smtClean="0"/>
-              <a:t>13/05/2021</a:t>
+              <a:t>16/05/2021</a:t>
             </a:fld>
             <a:endParaRPr lang="nl-BE"/>
           </a:p>
@@ -4216,7 +4213,7 @@
           <a:p>
             <a:fld id="{C80E15A5-E95B-43EB-9AC7-9A96397448C0}" type="datetimeFigureOut">
               <a:rPr lang="nl-BE" smtClean="0"/>
-              <a:t>13/05/2021</a:t>
+              <a:t>16/05/2021</a:t>
             </a:fld>
             <a:endParaRPr lang="nl-BE"/>
           </a:p>
@@ -4311,7 +4308,7 @@
           <a:p>
             <a:fld id="{C80E15A5-E95B-43EB-9AC7-9A96397448C0}" type="datetimeFigureOut">
               <a:rPr lang="nl-BE" smtClean="0"/>
-              <a:t>13/05/2021</a:t>
+              <a:t>16/05/2021</a:t>
             </a:fld>
             <a:endParaRPr lang="nl-BE"/>
           </a:p>
@@ -4588,7 +4585,7 @@
           <a:p>
             <a:fld id="{C80E15A5-E95B-43EB-9AC7-9A96397448C0}" type="datetimeFigureOut">
               <a:rPr lang="nl-BE" smtClean="0"/>
-              <a:t>13/05/2021</a:t>
+              <a:t>16/05/2021</a:t>
             </a:fld>
             <a:endParaRPr lang="nl-BE"/>
           </a:p>
@@ -4841,7 +4838,7 @@
           <a:p>
             <a:fld id="{C80E15A5-E95B-43EB-9AC7-9A96397448C0}" type="datetimeFigureOut">
               <a:rPr lang="nl-BE" smtClean="0"/>
-              <a:t>13/05/2021</a:t>
+              <a:t>16/05/2021</a:t>
             </a:fld>
             <a:endParaRPr lang="nl-BE"/>
           </a:p>
@@ -5054,7 +5051,7 @@
           <a:p>
             <a:fld id="{C80E15A5-E95B-43EB-9AC7-9A96397448C0}" type="datetimeFigureOut">
               <a:rPr lang="nl-BE" smtClean="0"/>
-              <a:t>13/05/2021</a:t>
+              <a:t>16/05/2021</a:t>
             </a:fld>
             <a:endParaRPr lang="nl-BE"/>
           </a:p>
@@ -5464,7 +5461,7 @@
           <p:cNvPr id="2" name="Título 1">
             <a:extLst>
               <a:ext uri="{FF2B5EF4-FFF2-40B4-BE49-F238E27FC236}">
-                <a16:creationId xmlns="" xmlns:a16="http://schemas.microsoft.com/office/drawing/2014/main" id="{32666AC8-2E17-4DB4-B0F5-60C640CCFD2E}"/>
+                <a16:creationId xmlns:a16="http://schemas.microsoft.com/office/drawing/2014/main" xmlns="" id="{32666AC8-2E17-4DB4-B0F5-60C640CCFD2E}"/>
               </a:ext>
             </a:extLst>
           </p:cNvPr>
@@ -5523,7 +5520,7 @@
           <p:cNvPr id="4" name="CaixaDeTexto 3">
             <a:extLst>
               <a:ext uri="{FF2B5EF4-FFF2-40B4-BE49-F238E27FC236}">
-                <a16:creationId xmlns="" xmlns:a16="http://schemas.microsoft.com/office/drawing/2014/main" id="{430EB894-B7D4-434C-9D1A-A14094D9BEEC}"/>
+                <a16:creationId xmlns:a16="http://schemas.microsoft.com/office/drawing/2014/main" xmlns="" id="{430EB894-B7D4-434C-9D1A-A14094D9BEEC}"/>
               </a:ext>
             </a:extLst>
           </p:cNvPr>
@@ -5564,7 +5561,7 @@
           <p:cNvPr id="1026" name="Picture 2" descr="Logo">
             <a:extLst>
               <a:ext uri="{FF2B5EF4-FFF2-40B4-BE49-F238E27FC236}">
-                <a16:creationId xmlns="" xmlns:a16="http://schemas.microsoft.com/office/drawing/2014/main" id="{3F2642E0-4F6A-4196-8F58-E77D36E9A33F}"/>
+                <a16:creationId xmlns:a16="http://schemas.microsoft.com/office/drawing/2014/main" xmlns="" id="{3F2642E0-4F6A-4196-8F58-E77D36E9A33F}"/>
               </a:ext>
             </a:extLst>
           </p:cNvPr>
@@ -5609,7 +5606,7 @@
           <p:cNvPr id="5122" name="Picture 2" descr="Image result for machine learning">
             <a:extLst>
               <a:ext uri="{FF2B5EF4-FFF2-40B4-BE49-F238E27FC236}">
-                <a16:creationId xmlns="" xmlns:a16="http://schemas.microsoft.com/office/drawing/2014/main" id="{810CE0A2-4102-44A6-A370-175E7896CDCB}"/>
+                <a16:creationId xmlns:a16="http://schemas.microsoft.com/office/drawing/2014/main" xmlns="" id="{810CE0A2-4102-44A6-A370-175E7896CDCB}"/>
               </a:ext>
             </a:extLst>
           </p:cNvPr>
@@ -7272,7 +7269,7 @@
           <p:cNvPr id="4" name="Título 1">
             <a:extLst>
               <a:ext uri="{FF2B5EF4-FFF2-40B4-BE49-F238E27FC236}">
-                <a16:creationId xmlns="" xmlns:a16="http://schemas.microsoft.com/office/drawing/2014/main" id="{32666AC8-2E17-4DB4-B0F5-60C640CCFD2E}"/>
+                <a16:creationId xmlns:a16="http://schemas.microsoft.com/office/drawing/2014/main" xmlns="" id="{32666AC8-2E17-4DB4-B0F5-60C640CCFD2E}"/>
               </a:ext>
             </a:extLst>
           </p:cNvPr>
@@ -15238,8 +15235,8 @@
           </a:p>
         </p:txBody>
       </p:sp>
-      <mc:AlternateContent xmlns:mc="http://schemas.openxmlformats.org/markup-compatibility/2006" xmlns:a14="http://schemas.microsoft.com/office/drawing/2010/main">
-        <mc:Choice Requires="a14">
+      <mc:AlternateContent xmlns:mc="http://schemas.openxmlformats.org/markup-compatibility/2006">
+        <mc:Choice xmlns:a14="http://schemas.microsoft.com/office/drawing/2010/main" Requires="a14">
           <p:sp>
             <p:nvSpPr>
               <p:cNvPr id="3" name="Content Placeholder 2"/>
@@ -15277,7 +15274,15 @@
               <a:p>
                 <a:r>
                   <a:rPr lang="pt-BR" dirty="0" smtClean="0"/>
-                  <a:t>Vimos as três versões do gradiente descendente, suas implementações em Python e as comparamos.</a:t>
+                  <a:t>Vimos as três versões do gradiente </a:t>
+                </a:r>
+                <a:r>
+                  <a:rPr lang="pt-BR" dirty="0" smtClean="0"/>
+                  <a:t>descendente e as </a:t>
+                </a:r>
+                <a:r>
+                  <a:rPr lang="pt-BR" dirty="0" smtClean="0"/>
+                  <a:t>comparamos.</a:t>
                 </a:r>
               </a:p>
               <a:p>
@@ -15305,7 +15310,7 @@
             </p:txBody>
           </p:sp>
         </mc:Choice>
-        <mc:Fallback xmlns="">
+        <mc:Fallback>
           <p:sp>
             <p:nvSpPr>
               <p:cNvPr id="3" name="Content Placeholder 2"/>
@@ -25287,8 +25292,8 @@
           </a:p>
         </p:txBody>
       </p:sp>
-      <mc:AlternateContent xmlns:mc="http://schemas.openxmlformats.org/markup-compatibility/2006" xmlns:a14="http://schemas.microsoft.com/office/drawing/2010/main">
-        <mc:Choice Requires="a14">
+      <mc:AlternateContent xmlns:mc="http://schemas.openxmlformats.org/markup-compatibility/2006">
+        <mc:Choice xmlns:a14="http://schemas.microsoft.com/office/drawing/2010/main" Requires="a14">
           <p:sp>
             <p:nvSpPr>
               <p:cNvPr id="3" name="Content Placeholder 2"/>
@@ -25333,7 +25338,11 @@
                 </a:r>
                 <a:r>
                   <a:rPr lang="pt-BR" dirty="0"/>
-                  <a:t>para o mínimo </a:t>
+                  <a:t>para o </a:t>
+                </a:r>
+                <a:r>
+                  <a:rPr lang="pt-BR" dirty="0" smtClean="0"/>
+                  <a:t>ponto de mínimo </a:t>
                 </a:r>
                 <a:r>
                   <a:rPr lang="pt-BR" dirty="0" smtClean="0"/>
@@ -25596,7 +25605,11 @@
                 </a14:m>
                 <a:r>
                   <a:rPr lang="pt-BR" dirty="0"/>
-                  <a:t> atinge o valor ótimo após mais de </a:t>
+                  <a:t>, o algoritmo atinge </a:t>
+                </a:r>
+                <a:r>
+                  <a:rPr lang="pt-BR" dirty="0"/>
+                  <a:t>o valor ótimo após mais de </a:t>
                 </a:r>
                 <a:r>
                   <a:rPr lang="pt-BR" dirty="0" smtClean="0"/>
@@ -25633,7 +25646,7 @@
             </p:txBody>
           </p:sp>
         </mc:Choice>
-        <mc:Fallback xmlns="">
+        <mc:Fallback>
           <p:sp>
             <p:nvSpPr>
               <p:cNvPr id="3" name="Content Placeholder 2"/>
@@ -25652,7 +25665,7 @@
               <a:blipFill rotWithShape="0">
                 <a:blip r:embed="rId3"/>
                 <a:stretch>
-                  <a:fillRect l="-1079" t="-2445"/>
+                  <a:fillRect l="-1079" t="-2445" r="-647"/>
                 </a:stretch>
               </a:blipFill>
             </p:spPr>
@@ -26606,6 +26619,96 @@
           </p:sp>
         </mc:Fallback>
       </mc:AlternateContent>
+      <mc:AlternateContent xmlns:mc="http://schemas.openxmlformats.org/markup-compatibility/2006">
+        <mc:Choice xmlns:a14="http://schemas.microsoft.com/office/drawing/2010/main" Requires="a14">
+          <p:sp>
+            <p:nvSpPr>
+              <p:cNvPr id="6" name="Rectangle 5"/>
+              <p:cNvSpPr/>
+              <p:nvPr/>
+            </p:nvSpPr>
+            <p:spPr>
+              <a:xfrm>
+                <a:off x="9648813" y="3921413"/>
+                <a:ext cx="2218788" cy="523220"/>
+              </a:xfrm>
+              <a:prstGeom prst="rect">
+                <a:avLst/>
+              </a:prstGeom>
+            </p:spPr>
+            <p:txBody>
+              <a:bodyPr wrap="square">
+                <a:spAutoFit/>
+              </a:bodyPr>
+              <a:lstStyle/>
+              <a:p>
+                <a:pPr algn="ctr"/>
+                <a:r>
+                  <a:rPr lang="pt-BR" sz="1400" dirty="0"/>
+                  <a:t>feedback </a:t>
+                </a:r>
+                <a:r>
+                  <a:rPr lang="pt-BR" sz="1400" dirty="0" smtClean="0"/>
+                  <a:t>positivo</a:t>
+                </a:r>
+                <a14:m>
+                  <m:oMath xmlns:m="http://schemas.openxmlformats.org/officeDocument/2006/math">
+                    <m:r>
+                      <a:rPr lang="pt-BR" sz="1400" i="1" smtClean="0">
+                        <a:ea typeface="Cambria Math" panose="02040503050406030204" pitchFamily="18" charset="0"/>
+                      </a:rPr>
+                      <m:t>→</m:t>
+                    </m:r>
+                  </m:oMath>
+                </a14:m>
+                <a:r>
+                  <a:rPr lang="pt-BR" sz="1400" dirty="0"/>
+                  <a:t>estouro da precisão numérica</a:t>
+                </a:r>
+                <a:endParaRPr lang="pt-BR" sz="1400" dirty="0"/>
+              </a:p>
+            </p:txBody>
+          </p:sp>
+        </mc:Choice>
+        <mc:Fallback>
+          <p:sp>
+            <p:nvSpPr>
+              <p:cNvPr id="6" name="Rectangle 5"/>
+              <p:cNvSpPr>
+                <a:spLocks noRot="1" noChangeAspect="1" noMove="1" noResize="1" noEditPoints="1" noAdjustHandles="1" noChangeArrowheads="1" noChangeShapeType="1" noTextEdit="1"/>
+              </p:cNvSpPr>
+              <p:nvPr/>
+            </p:nvSpPr>
+            <p:spPr>
+              <a:xfrm>
+                <a:off x="9648813" y="3921413"/>
+                <a:ext cx="2218788" cy="523220"/>
+              </a:xfrm>
+              <a:prstGeom prst="rect">
+                <a:avLst/>
+              </a:prstGeom>
+              <a:blipFill rotWithShape="0">
+                <a:blip r:embed="rId11"/>
+                <a:stretch>
+                  <a:fillRect t="-1163" r="-1374" b="-11628"/>
+                </a:stretch>
+              </a:blipFill>
+            </p:spPr>
+            <p:txBody>
+              <a:bodyPr/>
+              <a:lstStyle/>
+              <a:p>
+                <a:r>
+                  <a:rPr lang="pt-BR">
+                    <a:noFill/>
+                  </a:rPr>
+                  <a:t> </a:t>
+                </a:r>
+              </a:p>
+            </p:txBody>
+          </p:sp>
+        </mc:Fallback>
+      </mc:AlternateContent>
     </p:spTree>
     <p:extLst>
       <p:ext uri="{BB962C8B-B14F-4D97-AF65-F5344CB8AC3E}">
@@ -26687,8 +26790,8 @@
           </a:p>
         </p:txBody>
       </p:sp>
-      <mc:AlternateContent xmlns:mc="http://schemas.openxmlformats.org/markup-compatibility/2006" xmlns:a14="http://schemas.microsoft.com/office/drawing/2010/main">
-        <mc:Choice Requires="a14">
+      <mc:AlternateContent xmlns:mc="http://schemas.openxmlformats.org/markup-compatibility/2006">
+        <mc:Choice xmlns:a14="http://schemas.microsoft.com/office/drawing/2010/main" Requires="a14">
           <p:sp>
             <p:nvSpPr>
               <p:cNvPr id="3" name="Content Placeholder 2"/>
@@ -26707,7 +26810,7 @@
             </p:spPr>
             <p:txBody>
               <a:bodyPr>
-                <a:normAutofit/>
+                <a:normAutofit lnSpcReduction="10000"/>
               </a:bodyPr>
               <a:lstStyle/>
               <a:p>
@@ -26833,7 +26936,15 @@
                 </a:r>
                 <a:r>
                   <a:rPr lang="pt-BR" dirty="0" smtClean="0"/>
-                  <a:t> pode ser bastante demoarada.</a:t>
+                  <a:t> pode ser bastante </a:t>
+                </a:r>
+                <a:r>
+                  <a:rPr lang="pt-BR" dirty="0" smtClean="0"/>
+                  <a:t>demorada</a:t>
+                </a:r>
+                <a:r>
+                  <a:rPr lang="pt-BR" dirty="0" smtClean="0"/>
+                  <a:t>.</a:t>
                 </a:r>
               </a:p>
               <a:p>
@@ -26847,8 +26958,21 @@
                 </a:r>
                 <a:r>
                   <a:rPr lang="pt-BR" dirty="0" smtClean="0"/>
-                  <a:t>empírica para exploração do passo de aprendizagem é usar a seguinte sequência:</a:t>
+                  <a:t>empírica para exploração do passo de aprendizagem é usar a seguinte </a:t>
                 </a:r>
+                <a:r>
+                  <a:rPr lang="pt-BR" dirty="0" smtClean="0"/>
+                  <a:t>sequência (</a:t>
+                </a:r>
+                <a:r>
+                  <a:rPr lang="pt-BR" b="1" i="1" dirty="0" smtClean="0"/>
+                  <a:t>ajuste manual</a:t>
+                </a:r>
+                <a:r>
+                  <a:rPr lang="pt-BR" dirty="0" smtClean="0"/>
+                  <a:t>):</a:t>
+                </a:r>
+                <a:endParaRPr lang="pt-BR" dirty="0" smtClean="0"/>
               </a:p>
               <a:p>
                 <a:pPr marL="0" indent="0">
@@ -26886,7 +27010,7 @@
             </p:txBody>
           </p:sp>
         </mc:Choice>
-        <mc:Fallback xmlns="">
+        <mc:Fallback>
           <p:sp>
             <p:nvSpPr>
               <p:cNvPr id="3" name="Content Placeholder 2"/>
@@ -26905,7 +27029,7 @@
               <a:blipFill rotWithShape="0">
                 <a:blip r:embed="rId3"/>
                 <a:stretch>
-                  <a:fillRect l="-1268" t="-1882" r="-1198"/>
+                  <a:fillRect l="-1268" t="-2588" r="-1198"/>
                 </a:stretch>
               </a:blipFill>
             </p:spPr>
@@ -28016,8 +28140,8 @@
           </a:p>
         </p:txBody>
       </p:sp>
-      <mc:AlternateContent xmlns:mc="http://schemas.openxmlformats.org/markup-compatibility/2006" xmlns:a14="http://schemas.microsoft.com/office/drawing/2010/main">
-        <mc:Choice Requires="a14">
+      <mc:AlternateContent xmlns:mc="http://schemas.openxmlformats.org/markup-compatibility/2006">
+        <mc:Choice xmlns:a14="http://schemas.microsoft.com/office/drawing/2010/main" Requires="a14">
           <p:sp>
             <p:nvSpPr>
               <p:cNvPr id="3" name="Content Placeholder 2"/>
@@ -28141,7 +28265,15 @@
                 <a:pPr lvl="2"/>
                 <a:r>
                   <a:rPr lang="pt-BR" dirty="0"/>
-                  <a:t>Convergência pode ser declarada quando o erro entre duas épocas subsequentes for menor do que um limiar pré-definido (e.g., 1e-3).</a:t>
+                  <a:t>Convergência pode ser declarada quando o erro entre duas </a:t>
+                </a:r>
+                <a:r>
+                  <a:rPr lang="pt-BR" dirty="0" smtClean="0"/>
+                  <a:t>iterações subsequentes </a:t>
+                </a:r>
+                <a:r>
+                  <a:rPr lang="pt-BR" dirty="0"/>
+                  <a:t>for menor do que um limiar pré-definido (e.g., 1e-3).</a:t>
                 </a:r>
               </a:p>
               <a:p>
@@ -28194,7 +28326,7 @@
             </p:txBody>
           </p:sp>
         </mc:Choice>
-        <mc:Fallback xmlns="">
+        <mc:Fallback>
           <p:sp>
             <p:nvSpPr>
               <p:cNvPr id="3" name="Content Placeholder 2"/>
@@ -29081,8 +29213,8 @@
           </a:p>
         </p:txBody>
       </p:sp>
-      <mc:AlternateContent xmlns:mc="http://schemas.openxmlformats.org/markup-compatibility/2006" xmlns:a14="http://schemas.microsoft.com/office/drawing/2010/main">
-        <mc:Choice Requires="a14">
+      <mc:AlternateContent xmlns:mc="http://schemas.openxmlformats.org/markup-compatibility/2006">
+        <mc:Choice xmlns:a14="http://schemas.microsoft.com/office/drawing/2010/main" Requires="a14">
           <p:sp>
             <p:nvSpPr>
               <p:cNvPr id="3" name="Content Placeholder 2"/>
@@ -29201,20 +29333,33 @@
                 </a:r>
                 <a:r>
                   <a:rPr lang="pt-BR" dirty="0"/>
-                  <a:t>forma mais simples é diminuir o passo de aprendizagem linearmente de um grande valor inicial </a:t>
+                  <a:t>forma mais simples é diminuir o passo de aprendizagem linearmente de um </a:t>
+                </a:r>
+                <a:r>
+                  <a:rPr lang="pt-BR" dirty="0"/>
+                  <a:t>valor inicial </a:t>
                 </a:r>
                 <a:r>
                   <a:rPr lang="pt-BR" dirty="0" smtClean="0"/>
-                  <a:t>até um </a:t>
+                  <a:t>grande </a:t>
                 </a:r>
                 <a:r>
                   <a:rPr lang="pt-BR" dirty="0"/>
-                  <a:t>pequeno valor</a:t>
+                  <a:t>até </a:t>
                 </a:r>
                 <a:r>
                   <a:rPr lang="pt-BR" dirty="0" smtClean="0"/>
-                  <a:t>.</a:t>
+                  <a:t>um </a:t>
                 </a:r>
+                <a:r>
+                  <a:rPr lang="pt-BR" dirty="0"/>
+                  <a:t>valor </a:t>
+                </a:r>
+                <a:r>
+                  <a:rPr lang="pt-BR" dirty="0" smtClean="0"/>
+                  <a:t>pequeno.</a:t>
+                </a:r>
+                <a:endParaRPr lang="pt-BR" dirty="0" smtClean="0"/>
               </a:p>
               <a:p>
                 <a:pPr lvl="1"/>
@@ -29302,7 +29447,7 @@
             </p:txBody>
           </p:sp>
         </mc:Choice>
-        <mc:Fallback xmlns="">
+        <mc:Fallback>
           <p:sp>
             <p:nvSpPr>
               <p:cNvPr id="3" name="Content Placeholder 2"/>
@@ -29407,8 +29552,8 @@
           </a:p>
         </p:txBody>
       </p:sp>
-      <mc:AlternateContent xmlns:mc="http://schemas.openxmlformats.org/markup-compatibility/2006" xmlns:a14="http://schemas.microsoft.com/office/drawing/2010/main">
-        <mc:Choice Requires="a14">
+      <mc:AlternateContent xmlns:mc="http://schemas.openxmlformats.org/markup-compatibility/2006">
+        <mc:Choice xmlns:a14="http://schemas.microsoft.com/office/drawing/2010/main" Requires="a14">
           <p:sp>
             <p:nvSpPr>
               <p:cNvPr id="3" name="Content Placeholder 2"/>
@@ -29427,7 +29572,7 @@
             </p:spPr>
             <p:txBody>
               <a:bodyPr>
-                <a:normAutofit fontScale="92500" lnSpcReduction="10000"/>
+                <a:normAutofit lnSpcReduction="10000"/>
               </a:bodyPr>
               <a:lstStyle/>
               <a:p>
@@ -29522,7 +29667,47 @@
                 </a14:m>
                 <a:r>
                   <a:rPr lang="pt-BR" dirty="0" smtClean="0"/>
-                  <a:t> a </a:t>
+                  <a:t> </a:t>
+                </a:r>
+                <a:r>
+                  <a:rPr lang="pt-BR" dirty="0" smtClean="0"/>
+                  <a:t>inicial, </a:t>
+                </a:r>
+                <a14:m>
+                  <m:oMath xmlns:m="http://schemas.openxmlformats.org/officeDocument/2006/math">
+                    <m:sSub>
+                      <m:sSubPr>
+                        <m:ctrlPr>
+                          <a:rPr lang="pt-BR" i="1">
+                            <a:latin typeface="Cambria Math" panose="02040503050406030204" pitchFamily="18" charset="0"/>
+                            <a:ea typeface="Cambria Math" panose="02040503050406030204" pitchFamily="18" charset="0"/>
+                          </a:rPr>
+                        </m:ctrlPr>
+                      </m:sSubPr>
+                      <m:e>
+                        <m:r>
+                          <a:rPr lang="pt-BR" i="1">
+                            <a:latin typeface="Cambria Math" panose="02040503050406030204" pitchFamily="18" charset="0"/>
+                            <a:ea typeface="Cambria Math" panose="02040503050406030204" pitchFamily="18" charset="0"/>
+                          </a:rPr>
+                          <m:t>𝛼</m:t>
+                        </m:r>
+                      </m:e>
+                      <m:sub>
+                        <m:r>
+                          <a:rPr lang="pt-BR" i="1">
+                            <a:latin typeface="Cambria Math" panose="02040503050406030204" pitchFamily="18" charset="0"/>
+                            <a:ea typeface="Cambria Math" panose="02040503050406030204" pitchFamily="18" charset="0"/>
+                          </a:rPr>
+                          <m:t>0</m:t>
+                        </m:r>
+                      </m:sub>
+                    </m:sSub>
+                  </m:oMath>
+                </a14:m>
+                <a:r>
+                  <a:rPr lang="pt-BR" dirty="0" smtClean="0"/>
+                  <a:t>, a </a:t>
                 </a:r>
                 <a:r>
                   <a:rPr lang="pt-BR" dirty="0"/>
@@ -29786,7 +29971,11 @@
                 </a:r>
                 <a:r>
                   <a:rPr lang="pt-BR" dirty="0" smtClean="0"/>
-                  <a:t>(pode-se se </a:t>
+                  <a:t>atual (pode-se </a:t>
+                </a:r>
+                <a:r>
+                  <a:rPr lang="pt-BR" dirty="0" smtClean="0"/>
+                  <a:t>se </a:t>
                 </a:r>
                 <a:r>
                   <a:rPr lang="pt-BR" dirty="0"/>
@@ -30047,7 +30236,7 @@
             </p:txBody>
           </p:sp>
         </mc:Choice>
-        <mc:Fallback xmlns="">
+        <mc:Fallback>
           <p:sp>
             <p:nvSpPr>
               <p:cNvPr id="3" name="Content Placeholder 2"/>
@@ -30066,7 +30255,7 @@
               <a:blipFill rotWithShape="0">
                 <a:blip r:embed="rId2"/>
                 <a:stretch>
-                  <a:fillRect l="-876" t="-2291" r="-1587"/>
+                  <a:fillRect l="-985" t="-2520" r="-1095" b="-115"/>
                 </a:stretch>
               </a:blipFill>
             </p:spPr>

--- a/slides/T319_Regressão_Linear (Parte III).pptx
+++ b/slides/T319_Regressão_Linear (Parte III).pptx
@@ -548,7 +548,7 @@
           <a:p>
             <a:fld id="{DAF0AF11-6A8A-4E64-94F5-26D4FBA2A01D}" type="datetimeFigureOut">
               <a:rPr lang="nl-BE" smtClean="0"/>
-              <a:t>16/05/2021</a:t>
+              <a:t>25/05/2021</a:t>
             </a:fld>
             <a:endParaRPr lang="nl-BE"/>
           </a:p>
@@ -2730,7 +2730,7 @@
           <a:p>
             <a:fld id="{C80E15A5-E95B-43EB-9AC7-9A96397448C0}" type="datetimeFigureOut">
               <a:rPr lang="nl-BE" smtClean="0"/>
-              <a:t>16/05/2021</a:t>
+              <a:t>25/05/2021</a:t>
             </a:fld>
             <a:endParaRPr lang="nl-BE"/>
           </a:p>
@@ -2900,7 +2900,7 @@
           <a:p>
             <a:fld id="{C80E15A5-E95B-43EB-9AC7-9A96397448C0}" type="datetimeFigureOut">
               <a:rPr lang="nl-BE" smtClean="0"/>
-              <a:t>16/05/2021</a:t>
+              <a:t>25/05/2021</a:t>
             </a:fld>
             <a:endParaRPr lang="nl-BE"/>
           </a:p>
@@ -3080,7 +3080,7 @@
           <a:p>
             <a:fld id="{C80E15A5-E95B-43EB-9AC7-9A96397448C0}" type="datetimeFigureOut">
               <a:rPr lang="nl-BE" smtClean="0"/>
-              <a:t>16/05/2021</a:t>
+              <a:t>25/05/2021</a:t>
             </a:fld>
             <a:endParaRPr lang="nl-BE"/>
           </a:p>
@@ -3250,7 +3250,7 @@
           <a:p>
             <a:fld id="{C80E15A5-E95B-43EB-9AC7-9A96397448C0}" type="datetimeFigureOut">
               <a:rPr lang="nl-BE" smtClean="0"/>
-              <a:t>16/05/2021</a:t>
+              <a:t>25/05/2021</a:t>
             </a:fld>
             <a:endParaRPr lang="nl-BE"/>
           </a:p>
@@ -3496,7 +3496,7 @@
           <a:p>
             <a:fld id="{C80E15A5-E95B-43EB-9AC7-9A96397448C0}" type="datetimeFigureOut">
               <a:rPr lang="nl-BE" smtClean="0"/>
-              <a:t>16/05/2021</a:t>
+              <a:t>25/05/2021</a:t>
             </a:fld>
             <a:endParaRPr lang="nl-BE"/>
           </a:p>
@@ -3728,7 +3728,7 @@
           <a:p>
             <a:fld id="{C80E15A5-E95B-43EB-9AC7-9A96397448C0}" type="datetimeFigureOut">
               <a:rPr lang="nl-BE" smtClean="0"/>
-              <a:t>16/05/2021</a:t>
+              <a:t>25/05/2021</a:t>
             </a:fld>
             <a:endParaRPr lang="nl-BE"/>
           </a:p>
@@ -4095,7 +4095,7 @@
           <a:p>
             <a:fld id="{C80E15A5-E95B-43EB-9AC7-9A96397448C0}" type="datetimeFigureOut">
               <a:rPr lang="nl-BE" smtClean="0"/>
-              <a:t>16/05/2021</a:t>
+              <a:t>25/05/2021</a:t>
             </a:fld>
             <a:endParaRPr lang="nl-BE"/>
           </a:p>
@@ -4213,7 +4213,7 @@
           <a:p>
             <a:fld id="{C80E15A5-E95B-43EB-9AC7-9A96397448C0}" type="datetimeFigureOut">
               <a:rPr lang="nl-BE" smtClean="0"/>
-              <a:t>16/05/2021</a:t>
+              <a:t>25/05/2021</a:t>
             </a:fld>
             <a:endParaRPr lang="nl-BE"/>
           </a:p>
@@ -4308,7 +4308,7 @@
           <a:p>
             <a:fld id="{C80E15A5-E95B-43EB-9AC7-9A96397448C0}" type="datetimeFigureOut">
               <a:rPr lang="nl-BE" smtClean="0"/>
-              <a:t>16/05/2021</a:t>
+              <a:t>25/05/2021</a:t>
             </a:fld>
             <a:endParaRPr lang="nl-BE"/>
           </a:p>
@@ -4585,7 +4585,7 @@
           <a:p>
             <a:fld id="{C80E15A5-E95B-43EB-9AC7-9A96397448C0}" type="datetimeFigureOut">
               <a:rPr lang="nl-BE" smtClean="0"/>
-              <a:t>16/05/2021</a:t>
+              <a:t>25/05/2021</a:t>
             </a:fld>
             <a:endParaRPr lang="nl-BE"/>
           </a:p>
@@ -4838,7 +4838,7 @@
           <a:p>
             <a:fld id="{C80E15A5-E95B-43EB-9AC7-9A96397448C0}" type="datetimeFigureOut">
               <a:rPr lang="nl-BE" smtClean="0"/>
-              <a:t>16/05/2021</a:t>
+              <a:t>25/05/2021</a:t>
             </a:fld>
             <a:endParaRPr lang="nl-BE"/>
           </a:p>
@@ -5051,7 +5051,7 @@
           <a:p>
             <a:fld id="{C80E15A5-E95B-43EB-9AC7-9A96397448C0}" type="datetimeFigureOut">
               <a:rPr lang="nl-BE" smtClean="0"/>
-              <a:t>16/05/2021</a:t>
+              <a:t>25/05/2021</a:t>
             </a:fld>
             <a:endParaRPr lang="nl-BE"/>
           </a:p>
@@ -5461,7 +5461,7 @@
           <p:cNvPr id="2" name="Título 1">
             <a:extLst>
               <a:ext uri="{FF2B5EF4-FFF2-40B4-BE49-F238E27FC236}">
-                <a16:creationId xmlns:a16="http://schemas.microsoft.com/office/drawing/2014/main" xmlns="" id="{32666AC8-2E17-4DB4-B0F5-60C640CCFD2E}"/>
+                <a16:creationId xmlns="" xmlns:a16="http://schemas.microsoft.com/office/drawing/2014/main" id="{32666AC8-2E17-4DB4-B0F5-60C640CCFD2E}"/>
               </a:ext>
             </a:extLst>
           </p:cNvPr>
@@ -5520,7 +5520,7 @@
           <p:cNvPr id="4" name="CaixaDeTexto 3">
             <a:extLst>
               <a:ext uri="{FF2B5EF4-FFF2-40B4-BE49-F238E27FC236}">
-                <a16:creationId xmlns:a16="http://schemas.microsoft.com/office/drawing/2014/main" xmlns="" id="{430EB894-B7D4-434C-9D1A-A14094D9BEEC}"/>
+                <a16:creationId xmlns="" xmlns:a16="http://schemas.microsoft.com/office/drawing/2014/main" id="{430EB894-B7D4-434C-9D1A-A14094D9BEEC}"/>
               </a:ext>
             </a:extLst>
           </p:cNvPr>
@@ -5561,7 +5561,7 @@
           <p:cNvPr id="1026" name="Picture 2" descr="Logo">
             <a:extLst>
               <a:ext uri="{FF2B5EF4-FFF2-40B4-BE49-F238E27FC236}">
-                <a16:creationId xmlns:a16="http://schemas.microsoft.com/office/drawing/2014/main" xmlns="" id="{3F2642E0-4F6A-4196-8F58-E77D36E9A33F}"/>
+                <a16:creationId xmlns="" xmlns:a16="http://schemas.microsoft.com/office/drawing/2014/main" id="{3F2642E0-4F6A-4196-8F58-E77D36E9A33F}"/>
               </a:ext>
             </a:extLst>
           </p:cNvPr>
@@ -5606,7 +5606,7 @@
           <p:cNvPr id="5122" name="Picture 2" descr="Image result for machine learning">
             <a:extLst>
               <a:ext uri="{FF2B5EF4-FFF2-40B4-BE49-F238E27FC236}">
-                <a16:creationId xmlns:a16="http://schemas.microsoft.com/office/drawing/2014/main" xmlns="" id="{810CE0A2-4102-44A6-A370-175E7896CDCB}"/>
+                <a16:creationId xmlns="" xmlns:a16="http://schemas.microsoft.com/office/drawing/2014/main" id="{810CE0A2-4102-44A6-A370-175E7896CDCB}"/>
               </a:ext>
             </a:extLst>
           </p:cNvPr>
@@ -7269,7 +7269,7 @@
           <p:cNvPr id="4" name="Título 1">
             <a:extLst>
               <a:ext uri="{FF2B5EF4-FFF2-40B4-BE49-F238E27FC236}">
-                <a16:creationId xmlns:a16="http://schemas.microsoft.com/office/drawing/2014/main" xmlns="" id="{32666AC8-2E17-4DB4-B0F5-60C640CCFD2E}"/>
+                <a16:creationId xmlns="" xmlns:a16="http://schemas.microsoft.com/office/drawing/2014/main" id="{32666AC8-2E17-4DB4-B0F5-60C640CCFD2E}"/>
               </a:ext>
             </a:extLst>
           </p:cNvPr>
@@ -15235,8 +15235,8 @@
           </a:p>
         </p:txBody>
       </p:sp>
-      <mc:AlternateContent xmlns:mc="http://schemas.openxmlformats.org/markup-compatibility/2006">
-        <mc:Choice xmlns:a14="http://schemas.microsoft.com/office/drawing/2010/main" Requires="a14">
+      <mc:AlternateContent xmlns:mc="http://schemas.openxmlformats.org/markup-compatibility/2006" xmlns:a14="http://schemas.microsoft.com/office/drawing/2010/main">
+        <mc:Choice Requires="a14">
           <p:sp>
             <p:nvSpPr>
               <p:cNvPr id="3" name="Content Placeholder 2"/>
@@ -15274,15 +15274,7 @@
               <a:p>
                 <a:r>
                   <a:rPr lang="pt-BR" dirty="0" smtClean="0"/>
-                  <a:t>Vimos as três versões do gradiente </a:t>
-                </a:r>
-                <a:r>
-                  <a:rPr lang="pt-BR" dirty="0" smtClean="0"/>
-                  <a:t>descendente e as </a:t>
-                </a:r>
-                <a:r>
-                  <a:rPr lang="pt-BR" dirty="0" smtClean="0"/>
-                  <a:t>comparamos.</a:t>
+                  <a:t>Vimos as três versões do gradiente descendente e as comparamos.</a:t>
                 </a:r>
               </a:p>
               <a:p>
@@ -15310,7 +15302,7 @@
             </p:txBody>
           </p:sp>
         </mc:Choice>
-        <mc:Fallback>
+        <mc:Fallback xmlns="">
           <p:sp>
             <p:nvSpPr>
               <p:cNvPr id="3" name="Content Placeholder 2"/>
@@ -25342,11 +25334,7 @@
                 </a:r>
                 <a:r>
                   <a:rPr lang="pt-BR" dirty="0" smtClean="0"/>
-                  <a:t>ponto de mínimo </a:t>
-                </a:r>
-                <a:r>
-                  <a:rPr lang="pt-BR" dirty="0" smtClean="0"/>
-                  <a:t>são determinados </a:t>
+                  <a:t>ponto de mínimo são determinados </a:t>
                 </a:r>
                 <a:r>
                   <a:rPr lang="pt-BR" dirty="0"/>
@@ -25547,12 +25535,21 @@
                       <a:srgbClr val="FF0000"/>
                     </a:solidFill>
                   </a:rPr>
-                  <a:t>é muito importante</a:t>
+                  <a:t>é muito </a:t>
                 </a:r>
                 <a:r>
-                  <a:rPr lang="pt-BR" dirty="0"/>
+                  <a:rPr lang="pt-BR" b="1" dirty="0" smtClean="0">
+                    <a:solidFill>
+                      <a:srgbClr val="FF0000"/>
+                    </a:solidFill>
+                  </a:rPr>
+                  <a:t>importante</a:t>
+                </a:r>
+                <a:r>
+                  <a:rPr lang="pt-BR" dirty="0" smtClean="0"/>
                   <a:t>:</a:t>
                 </a:r>
+                <a:endParaRPr lang="pt-BR" dirty="0"/>
               </a:p>
               <a:p>
                 <a:pPr lvl="1">
@@ -25605,11 +25602,7 @@
                 </a14:m>
                 <a:r>
                   <a:rPr lang="pt-BR" dirty="0"/>
-                  <a:t>, o algoritmo atinge </a:t>
-                </a:r>
-                <a:r>
-                  <a:rPr lang="pt-BR" dirty="0"/>
-                  <a:t>o valor ótimo após mais de </a:t>
+                  <a:t>, o algoritmo atinge o valor ótimo após mais de </a:t>
                 </a:r>
                 <a:r>
                   <a:rPr lang="pt-BR" dirty="0" smtClean="0"/>
@@ -26619,8 +26612,8 @@
           </p:sp>
         </mc:Fallback>
       </mc:AlternateContent>
-      <mc:AlternateContent xmlns:mc="http://schemas.openxmlformats.org/markup-compatibility/2006">
-        <mc:Choice xmlns:a14="http://schemas.microsoft.com/office/drawing/2010/main" Requires="a14">
+      <mc:AlternateContent xmlns:mc="http://schemas.openxmlformats.org/markup-compatibility/2006" xmlns:a14="http://schemas.microsoft.com/office/drawing/2010/main">
+        <mc:Choice Requires="a14">
           <p:sp>
             <p:nvSpPr>
               <p:cNvPr id="6" name="Rectangle 5"/>
@@ -26655,6 +26648,7 @@
                   <m:oMath xmlns:m="http://schemas.openxmlformats.org/officeDocument/2006/math">
                     <m:r>
                       <a:rPr lang="pt-BR" sz="1400" i="1" smtClean="0">
+                        <a:latin typeface="Cambria Math" panose="02040503050406030204" pitchFamily="18" charset="0"/>
                         <a:ea typeface="Cambria Math" panose="02040503050406030204" pitchFamily="18" charset="0"/>
                       </a:rPr>
                       <m:t>→</m:t>
@@ -26665,12 +26659,11 @@
                   <a:rPr lang="pt-BR" sz="1400" dirty="0"/>
                   <a:t>estouro da precisão numérica</a:t>
                 </a:r>
-                <a:endParaRPr lang="pt-BR" sz="1400" dirty="0"/>
               </a:p>
             </p:txBody>
           </p:sp>
         </mc:Choice>
-        <mc:Fallback>
+        <mc:Fallback xmlns="">
           <p:sp>
             <p:nvSpPr>
               <p:cNvPr id="6" name="Rectangle 5"/>
@@ -26790,8 +26783,8 @@
           </a:p>
         </p:txBody>
       </p:sp>
-      <mc:AlternateContent xmlns:mc="http://schemas.openxmlformats.org/markup-compatibility/2006">
-        <mc:Choice xmlns:a14="http://schemas.microsoft.com/office/drawing/2010/main" Requires="a14">
+      <mc:AlternateContent xmlns:mc="http://schemas.openxmlformats.org/markup-compatibility/2006" xmlns:a14="http://schemas.microsoft.com/office/drawing/2010/main">
+        <mc:Choice Requires="a14">
           <p:sp>
             <p:nvSpPr>
               <p:cNvPr id="3" name="Content Placeholder 2"/>
@@ -26936,15 +26929,7 @@
                 </a:r>
                 <a:r>
                   <a:rPr lang="pt-BR" dirty="0" smtClean="0"/>
-                  <a:t> pode ser bastante </a:t>
-                </a:r>
-                <a:r>
-                  <a:rPr lang="pt-BR" dirty="0" smtClean="0"/>
-                  <a:t>demorada</a:t>
-                </a:r>
-                <a:r>
-                  <a:rPr lang="pt-BR" dirty="0" smtClean="0"/>
-                  <a:t>.</a:t>
+                  <a:t> pode ser bastante demorada.</a:t>
                 </a:r>
               </a:p>
               <a:p>
@@ -26958,11 +26943,7 @@
                 </a:r>
                 <a:r>
                   <a:rPr lang="pt-BR" dirty="0" smtClean="0"/>
-                  <a:t>empírica para exploração do passo de aprendizagem é usar a seguinte </a:t>
-                </a:r>
-                <a:r>
-                  <a:rPr lang="pt-BR" dirty="0" smtClean="0"/>
-                  <a:t>sequência (</a:t>
+                  <a:t>empírica para exploração do passo de aprendizagem é usar a seguinte sequência (</a:t>
                 </a:r>
                 <a:r>
                   <a:rPr lang="pt-BR" b="1" i="1" dirty="0" smtClean="0"/>
@@ -26972,7 +26953,6 @@
                   <a:rPr lang="pt-BR" dirty="0" smtClean="0"/>
                   <a:t>):</a:t>
                 </a:r>
-                <a:endParaRPr lang="pt-BR" dirty="0" smtClean="0"/>
               </a:p>
               <a:p>
                 <a:pPr marL="0" indent="0">
@@ -27010,7 +26990,7 @@
             </p:txBody>
           </p:sp>
         </mc:Choice>
-        <mc:Fallback>
+        <mc:Fallback xmlns="">
           <p:sp>
             <p:nvSpPr>
               <p:cNvPr id="3" name="Content Placeholder 2"/>
@@ -28140,8 +28120,8 @@
           </a:p>
         </p:txBody>
       </p:sp>
-      <mc:AlternateContent xmlns:mc="http://schemas.openxmlformats.org/markup-compatibility/2006">
-        <mc:Choice xmlns:a14="http://schemas.microsoft.com/office/drawing/2010/main" Requires="a14">
+      <mc:AlternateContent xmlns:mc="http://schemas.openxmlformats.org/markup-compatibility/2006" xmlns:a14="http://schemas.microsoft.com/office/drawing/2010/main">
+        <mc:Choice Requires="a14">
           <p:sp>
             <p:nvSpPr>
               <p:cNvPr id="3" name="Content Placeholder 2"/>
@@ -28326,7 +28306,7 @@
             </p:txBody>
           </p:sp>
         </mc:Choice>
-        <mc:Fallback>
+        <mc:Fallback xmlns="">
           <p:sp>
             <p:nvSpPr>
               <p:cNvPr id="3" name="Content Placeholder 2"/>
@@ -29213,8 +29193,8 @@
           </a:p>
         </p:txBody>
       </p:sp>
-      <mc:AlternateContent xmlns:mc="http://schemas.openxmlformats.org/markup-compatibility/2006">
-        <mc:Choice xmlns:a14="http://schemas.microsoft.com/office/drawing/2010/main" Requires="a14">
+      <mc:AlternateContent xmlns:mc="http://schemas.openxmlformats.org/markup-compatibility/2006" xmlns:a14="http://schemas.microsoft.com/office/drawing/2010/main">
+        <mc:Choice Requires="a14">
           <p:sp>
             <p:nvSpPr>
               <p:cNvPr id="3" name="Content Placeholder 2"/>
@@ -29333,11 +29313,7 @@
                 </a:r>
                 <a:r>
                   <a:rPr lang="pt-BR" dirty="0"/>
-                  <a:t>forma mais simples é diminuir o passo de aprendizagem linearmente de um </a:t>
-                </a:r>
-                <a:r>
-                  <a:rPr lang="pt-BR" dirty="0"/>
-                  <a:t>valor inicial </a:t>
+                  <a:t>forma mais simples é diminuir o passo de aprendizagem linearmente de um valor inicial </a:t>
                 </a:r>
                 <a:r>
                   <a:rPr lang="pt-BR" dirty="0" smtClean="0"/>
@@ -29359,7 +29335,6 @@
                   <a:rPr lang="pt-BR" dirty="0" smtClean="0"/>
                   <a:t>pequeno.</a:t>
                 </a:r>
-                <a:endParaRPr lang="pt-BR" dirty="0" smtClean="0"/>
               </a:p>
               <a:p>
                 <a:pPr lvl="1"/>
@@ -29447,7 +29422,7 @@
             </p:txBody>
           </p:sp>
         </mc:Choice>
-        <mc:Fallback>
+        <mc:Fallback xmlns="">
           <p:sp>
             <p:nvSpPr>
               <p:cNvPr id="3" name="Content Placeholder 2"/>
@@ -29552,8 +29527,8 @@
           </a:p>
         </p:txBody>
       </p:sp>
-      <mc:AlternateContent xmlns:mc="http://schemas.openxmlformats.org/markup-compatibility/2006">
-        <mc:Choice xmlns:a14="http://schemas.microsoft.com/office/drawing/2010/main" Requires="a14">
+      <mc:AlternateContent xmlns:mc="http://schemas.openxmlformats.org/markup-compatibility/2006" xmlns:a14="http://schemas.microsoft.com/office/drawing/2010/main">
+        <mc:Choice Requires="a14">
           <p:sp>
             <p:nvSpPr>
               <p:cNvPr id="3" name="Content Placeholder 2"/>
@@ -29667,11 +29642,7 @@
                 </a14:m>
                 <a:r>
                   <a:rPr lang="pt-BR" dirty="0" smtClean="0"/>
-                  <a:t> </a:t>
-                </a:r>
-                <a:r>
-                  <a:rPr lang="pt-BR" dirty="0" smtClean="0"/>
-                  <a:t>inicial, </a:t>
+                  <a:t> inicial, </a:t>
                 </a:r>
                 <a14:m>
                   <m:oMath xmlns:m="http://schemas.openxmlformats.org/officeDocument/2006/math">
@@ -29971,11 +29942,7 @@
                 </a:r>
                 <a:r>
                   <a:rPr lang="pt-BR" dirty="0" smtClean="0"/>
-                  <a:t>atual (pode-se </a:t>
-                </a:r>
-                <a:r>
-                  <a:rPr lang="pt-BR" dirty="0" smtClean="0"/>
-                  <a:t>se </a:t>
+                  <a:t>atual (pode-se se </a:t>
                 </a:r>
                 <a:r>
                   <a:rPr lang="pt-BR" dirty="0"/>
@@ -30236,7 +30203,7 @@
             </p:txBody>
           </p:sp>
         </mc:Choice>
-        <mc:Fallback>
+        <mc:Fallback xmlns="">
           <p:sp>
             <p:nvSpPr>
               <p:cNvPr id="3" name="Content Placeholder 2"/>

--- a/slides/T319_Regressão_Linear (Parte III).pptx
+++ b/slides/T319_Regressão_Linear (Parte III).pptx
@@ -548,7 +548,7 @@
           <a:p>
             <a:fld id="{DAF0AF11-6A8A-4E64-94F5-26D4FBA2A01D}" type="datetimeFigureOut">
               <a:rPr lang="nl-BE" smtClean="0"/>
-              <a:t>25/05/2021</a:t>
+              <a:t>10/07/2021</a:t>
             </a:fld>
             <a:endParaRPr lang="nl-BE"/>
           </a:p>
@@ -1419,16 +1419,20 @@
               <a:t>Enquanto </a:t>
             </a:r>
             <a:r>
-              <a:rPr lang="pt-BR" dirty="0" smtClean="0"/>
-              <a:t>o</a:t>
-            </a:r>
-            <a:r>
               <a:rPr lang="pt-BR" baseline="0" dirty="0" smtClean="0"/>
-              <a:t> sentido e a </a:t>
+              <a:t>a </a:t>
             </a:r>
             <a:r>
               <a:rPr lang="pt-BR" dirty="0" smtClean="0"/>
-              <a:t>direção são determinados pelo</a:t>
+              <a:t>direção </a:t>
+            </a:r>
+            <a:r>
+              <a:rPr lang="pt-BR" dirty="0" smtClean="0"/>
+              <a:t>é determinada </a:t>
+            </a:r>
+            <a:r>
+              <a:rPr lang="pt-BR" dirty="0" smtClean="0"/>
+              <a:t>pelo</a:t>
             </a:r>
             <a:r>
               <a:rPr lang="pt-BR" baseline="0" dirty="0" smtClean="0"/>
@@ -2730,7 +2734,7 @@
           <a:p>
             <a:fld id="{C80E15A5-E95B-43EB-9AC7-9A96397448C0}" type="datetimeFigureOut">
               <a:rPr lang="nl-BE" smtClean="0"/>
-              <a:t>25/05/2021</a:t>
+              <a:t>10/07/2021</a:t>
             </a:fld>
             <a:endParaRPr lang="nl-BE"/>
           </a:p>
@@ -2900,7 +2904,7 @@
           <a:p>
             <a:fld id="{C80E15A5-E95B-43EB-9AC7-9A96397448C0}" type="datetimeFigureOut">
               <a:rPr lang="nl-BE" smtClean="0"/>
-              <a:t>25/05/2021</a:t>
+              <a:t>10/07/2021</a:t>
             </a:fld>
             <a:endParaRPr lang="nl-BE"/>
           </a:p>
@@ -3080,7 +3084,7 @@
           <a:p>
             <a:fld id="{C80E15A5-E95B-43EB-9AC7-9A96397448C0}" type="datetimeFigureOut">
               <a:rPr lang="nl-BE" smtClean="0"/>
-              <a:t>25/05/2021</a:t>
+              <a:t>10/07/2021</a:t>
             </a:fld>
             <a:endParaRPr lang="nl-BE"/>
           </a:p>
@@ -3250,7 +3254,7 @@
           <a:p>
             <a:fld id="{C80E15A5-E95B-43EB-9AC7-9A96397448C0}" type="datetimeFigureOut">
               <a:rPr lang="nl-BE" smtClean="0"/>
-              <a:t>25/05/2021</a:t>
+              <a:t>10/07/2021</a:t>
             </a:fld>
             <a:endParaRPr lang="nl-BE"/>
           </a:p>
@@ -3496,7 +3500,7 @@
           <a:p>
             <a:fld id="{C80E15A5-E95B-43EB-9AC7-9A96397448C0}" type="datetimeFigureOut">
               <a:rPr lang="nl-BE" smtClean="0"/>
-              <a:t>25/05/2021</a:t>
+              <a:t>10/07/2021</a:t>
             </a:fld>
             <a:endParaRPr lang="nl-BE"/>
           </a:p>
@@ -3728,7 +3732,7 @@
           <a:p>
             <a:fld id="{C80E15A5-E95B-43EB-9AC7-9A96397448C0}" type="datetimeFigureOut">
               <a:rPr lang="nl-BE" smtClean="0"/>
-              <a:t>25/05/2021</a:t>
+              <a:t>10/07/2021</a:t>
             </a:fld>
             <a:endParaRPr lang="nl-BE"/>
           </a:p>
@@ -4095,7 +4099,7 @@
           <a:p>
             <a:fld id="{C80E15A5-E95B-43EB-9AC7-9A96397448C0}" type="datetimeFigureOut">
               <a:rPr lang="nl-BE" smtClean="0"/>
-              <a:t>25/05/2021</a:t>
+              <a:t>10/07/2021</a:t>
             </a:fld>
             <a:endParaRPr lang="nl-BE"/>
           </a:p>
@@ -4213,7 +4217,7 @@
           <a:p>
             <a:fld id="{C80E15A5-E95B-43EB-9AC7-9A96397448C0}" type="datetimeFigureOut">
               <a:rPr lang="nl-BE" smtClean="0"/>
-              <a:t>25/05/2021</a:t>
+              <a:t>10/07/2021</a:t>
             </a:fld>
             <a:endParaRPr lang="nl-BE"/>
           </a:p>
@@ -4308,7 +4312,7 @@
           <a:p>
             <a:fld id="{C80E15A5-E95B-43EB-9AC7-9A96397448C0}" type="datetimeFigureOut">
               <a:rPr lang="nl-BE" smtClean="0"/>
-              <a:t>25/05/2021</a:t>
+              <a:t>10/07/2021</a:t>
             </a:fld>
             <a:endParaRPr lang="nl-BE"/>
           </a:p>
@@ -4585,7 +4589,7 @@
           <a:p>
             <a:fld id="{C80E15A5-E95B-43EB-9AC7-9A96397448C0}" type="datetimeFigureOut">
               <a:rPr lang="nl-BE" smtClean="0"/>
-              <a:t>25/05/2021</a:t>
+              <a:t>10/07/2021</a:t>
             </a:fld>
             <a:endParaRPr lang="nl-BE"/>
           </a:p>
@@ -4838,7 +4842,7 @@
           <a:p>
             <a:fld id="{C80E15A5-E95B-43EB-9AC7-9A96397448C0}" type="datetimeFigureOut">
               <a:rPr lang="nl-BE" smtClean="0"/>
-              <a:t>25/05/2021</a:t>
+              <a:t>10/07/2021</a:t>
             </a:fld>
             <a:endParaRPr lang="nl-BE"/>
           </a:p>
@@ -5051,7 +5055,7 @@
           <a:p>
             <a:fld id="{C80E15A5-E95B-43EB-9AC7-9A96397448C0}" type="datetimeFigureOut">
               <a:rPr lang="nl-BE" smtClean="0"/>
-              <a:t>25/05/2021</a:t>
+              <a:t>10/07/2021</a:t>
             </a:fld>
             <a:endParaRPr lang="nl-BE"/>
           </a:p>
@@ -5773,8 +5777,8 @@
           </p:sp>
         </mc:Fallback>
       </mc:AlternateContent>
-      <mc:AlternateContent xmlns:mc="http://schemas.openxmlformats.org/markup-compatibility/2006" xmlns:a14="http://schemas.microsoft.com/office/drawing/2010/main">
-        <mc:Choice Requires="a14">
+      <mc:AlternateContent xmlns:mc="http://schemas.openxmlformats.org/markup-compatibility/2006">
+        <mc:Choice xmlns:a14="http://schemas.microsoft.com/office/drawing/2010/main" Requires="a14">
           <p:sp>
             <p:nvSpPr>
               <p:cNvPr id="3" name="Content Placeholder 2"/>
@@ -5880,11 +5884,15 @@
                 </a:r>
                 <a:r>
                   <a:rPr lang="pt-BR" sz="1800" dirty="0" smtClean="0"/>
-                  <a:t>direção e sentido </a:t>
+                  <a:t>direção </a:t>
+                </a:r>
+                <a:r>
+                  <a:rPr lang="pt-BR" sz="1800" dirty="0" smtClean="0"/>
+                  <a:t>ao </a:t>
                 </a:r>
                 <a:r>
                   <a:rPr lang="pt-BR" sz="1800" dirty="0"/>
-                  <a:t>ao longo do caminho.</a:t>
+                  <a:t>longo do caminho.</a:t>
                 </a:r>
               </a:p>
               <a:p>
@@ -5996,7 +6004,7 @@
             </p:txBody>
           </p:sp>
         </mc:Choice>
-        <mc:Fallback xmlns="">
+        <mc:Fallback>
           <p:sp>
             <p:nvSpPr>
               <p:cNvPr id="3" name="Content Placeholder 2"/>
@@ -7204,26 +7212,13 @@
           <a:p>
             <a:pPr lvl="1"/>
             <a:r>
-              <a:rPr lang="pt-BR" sz="3200" b="1" dirty="0">
+              <a:rPr lang="pt-BR" b="1" dirty="0">
                 <a:solidFill>
                   <a:srgbClr val="FF0000"/>
                 </a:solidFill>
               </a:rPr>
-              <a:t>Laboratórios podem ser feitos em grupo</a:t>
+              <a:t>Laboratórios podem ser feitos em grupo, mas as entregas devem ser individuais.</a:t>
             </a:r>
-            <a:r>
-              <a:rPr lang="pt-BR" sz="3200" b="1" dirty="0" smtClean="0">
-                <a:solidFill>
-                  <a:srgbClr val="FF0000"/>
-                </a:solidFill>
-              </a:rPr>
-              <a:t>.</a:t>
-            </a:r>
-            <a:endParaRPr lang="pt-BR" sz="3200" b="1" dirty="0">
-              <a:solidFill>
-                <a:srgbClr val="FF0000"/>
-              </a:solidFill>
-            </a:endParaRPr>
           </a:p>
         </p:txBody>
       </p:sp>
@@ -25304,21 +25299,17 @@
             </p:spPr>
             <p:txBody>
               <a:bodyPr>
-                <a:normAutofit fontScale="92500" lnSpcReduction="10000"/>
+                <a:normAutofit fontScale="92500"/>
               </a:bodyPr>
               <a:lstStyle/>
               <a:p>
                 <a:r>
                   <a:rPr lang="pt-BR" dirty="0" smtClean="0"/>
-                  <a:t>Conforme nós já aprendemos, enquanto o </a:t>
-                </a:r>
-                <a:r>
-                  <a:rPr lang="pt-BR" b="1" i="1" dirty="0" smtClean="0"/>
-                  <a:t>sentido</a:t>
+                  <a:t>Conforme nós já aprendemos, enquanto </a:t>
                 </a:r>
                 <a:r>
                   <a:rPr lang="pt-BR" dirty="0" smtClean="0"/>
-                  <a:t> e a </a:t>
+                  <a:t>a </a:t>
                 </a:r>
                 <a:r>
                   <a:rPr lang="pt-BR" b="1" i="1" dirty="0" smtClean="0"/>
@@ -25334,7 +25325,11 @@
                 </a:r>
                 <a:r>
                   <a:rPr lang="pt-BR" dirty="0" smtClean="0"/>
-                  <a:t>ponto de mínimo são determinados </a:t>
+                  <a:t>ponto de mínimo </a:t>
+                </a:r>
+                <a:r>
+                  <a:rPr lang="pt-BR" dirty="0" smtClean="0"/>
+                  <a:t>é determinada </a:t>
                 </a:r>
                 <a:r>
                   <a:rPr lang="pt-BR" dirty="0"/>
@@ -25374,8 +25369,9 @@
                 </a:r>
                 <a:r>
                   <a:rPr lang="pt-BR" dirty="0" smtClean="0"/>
-                  <a:t>direção e sentido.</a:t>
+                  <a:t>direção.</a:t>
                 </a:r>
+                <a:endParaRPr lang="pt-BR" dirty="0" smtClean="0"/>
               </a:p>
               <a:p>
                 <a:pPr marL="0" indent="0">
@@ -25658,7 +25654,7 @@
               <a:blipFill rotWithShape="0">
                 <a:blip r:embed="rId3"/>
                 <a:stretch>
-                  <a:fillRect l="-1079" t="-2445" r="-647"/>
+                  <a:fillRect l="-1079" t="-1834" b="-1589"/>
                 </a:stretch>
               </a:blipFill>
             </p:spPr>

--- a/slides/T319_Regressão_Linear (Parte III).pptx
+++ b/slides/T319_Regressão_Linear (Parte III).pptx
@@ -548,7 +548,7 @@
           <a:p>
             <a:fld id="{DAF0AF11-6A8A-4E64-94F5-26D4FBA2A01D}" type="datetimeFigureOut">
               <a:rPr lang="nl-BE" smtClean="0"/>
-              <a:t>10/07/2021</a:t>
+              <a:t>22/07/2021</a:t>
             </a:fld>
             <a:endParaRPr lang="nl-BE"/>
           </a:p>
@@ -1424,15 +1424,7 @@
             </a:r>
             <a:r>
               <a:rPr lang="pt-BR" dirty="0" smtClean="0"/>
-              <a:t>direção </a:t>
-            </a:r>
-            <a:r>
-              <a:rPr lang="pt-BR" dirty="0" smtClean="0"/>
-              <a:t>é determinada </a:t>
-            </a:r>
-            <a:r>
-              <a:rPr lang="pt-BR" dirty="0" smtClean="0"/>
-              <a:t>pelo</a:t>
+              <a:t>direção é determinada pelo</a:t>
             </a:r>
             <a:r>
               <a:rPr lang="pt-BR" baseline="0" dirty="0" smtClean="0"/>
@@ -2734,7 +2726,7 @@
           <a:p>
             <a:fld id="{C80E15A5-E95B-43EB-9AC7-9A96397448C0}" type="datetimeFigureOut">
               <a:rPr lang="nl-BE" smtClean="0"/>
-              <a:t>10/07/2021</a:t>
+              <a:t>22/07/2021</a:t>
             </a:fld>
             <a:endParaRPr lang="nl-BE"/>
           </a:p>
@@ -2904,7 +2896,7 @@
           <a:p>
             <a:fld id="{C80E15A5-E95B-43EB-9AC7-9A96397448C0}" type="datetimeFigureOut">
               <a:rPr lang="nl-BE" smtClean="0"/>
-              <a:t>10/07/2021</a:t>
+              <a:t>22/07/2021</a:t>
             </a:fld>
             <a:endParaRPr lang="nl-BE"/>
           </a:p>
@@ -3084,7 +3076,7 @@
           <a:p>
             <a:fld id="{C80E15A5-E95B-43EB-9AC7-9A96397448C0}" type="datetimeFigureOut">
               <a:rPr lang="nl-BE" smtClean="0"/>
-              <a:t>10/07/2021</a:t>
+              <a:t>22/07/2021</a:t>
             </a:fld>
             <a:endParaRPr lang="nl-BE"/>
           </a:p>
@@ -3254,7 +3246,7 @@
           <a:p>
             <a:fld id="{C80E15A5-E95B-43EB-9AC7-9A96397448C0}" type="datetimeFigureOut">
               <a:rPr lang="nl-BE" smtClean="0"/>
-              <a:t>10/07/2021</a:t>
+              <a:t>22/07/2021</a:t>
             </a:fld>
             <a:endParaRPr lang="nl-BE"/>
           </a:p>
@@ -3500,7 +3492,7 @@
           <a:p>
             <a:fld id="{C80E15A5-E95B-43EB-9AC7-9A96397448C0}" type="datetimeFigureOut">
               <a:rPr lang="nl-BE" smtClean="0"/>
-              <a:t>10/07/2021</a:t>
+              <a:t>22/07/2021</a:t>
             </a:fld>
             <a:endParaRPr lang="nl-BE"/>
           </a:p>
@@ -3732,7 +3724,7 @@
           <a:p>
             <a:fld id="{C80E15A5-E95B-43EB-9AC7-9A96397448C0}" type="datetimeFigureOut">
               <a:rPr lang="nl-BE" smtClean="0"/>
-              <a:t>10/07/2021</a:t>
+              <a:t>22/07/2021</a:t>
             </a:fld>
             <a:endParaRPr lang="nl-BE"/>
           </a:p>
@@ -4099,7 +4091,7 @@
           <a:p>
             <a:fld id="{C80E15A5-E95B-43EB-9AC7-9A96397448C0}" type="datetimeFigureOut">
               <a:rPr lang="nl-BE" smtClean="0"/>
-              <a:t>10/07/2021</a:t>
+              <a:t>22/07/2021</a:t>
             </a:fld>
             <a:endParaRPr lang="nl-BE"/>
           </a:p>
@@ -4217,7 +4209,7 @@
           <a:p>
             <a:fld id="{C80E15A5-E95B-43EB-9AC7-9A96397448C0}" type="datetimeFigureOut">
               <a:rPr lang="nl-BE" smtClean="0"/>
-              <a:t>10/07/2021</a:t>
+              <a:t>22/07/2021</a:t>
             </a:fld>
             <a:endParaRPr lang="nl-BE"/>
           </a:p>
@@ -4312,7 +4304,7 @@
           <a:p>
             <a:fld id="{C80E15A5-E95B-43EB-9AC7-9A96397448C0}" type="datetimeFigureOut">
               <a:rPr lang="nl-BE" smtClean="0"/>
-              <a:t>10/07/2021</a:t>
+              <a:t>22/07/2021</a:t>
             </a:fld>
             <a:endParaRPr lang="nl-BE"/>
           </a:p>
@@ -4589,7 +4581,7 @@
           <a:p>
             <a:fld id="{C80E15A5-E95B-43EB-9AC7-9A96397448C0}" type="datetimeFigureOut">
               <a:rPr lang="nl-BE" smtClean="0"/>
-              <a:t>10/07/2021</a:t>
+              <a:t>22/07/2021</a:t>
             </a:fld>
             <a:endParaRPr lang="nl-BE"/>
           </a:p>
@@ -4842,7 +4834,7 @@
           <a:p>
             <a:fld id="{C80E15A5-E95B-43EB-9AC7-9A96397448C0}" type="datetimeFigureOut">
               <a:rPr lang="nl-BE" smtClean="0"/>
-              <a:t>10/07/2021</a:t>
+              <a:t>22/07/2021</a:t>
             </a:fld>
             <a:endParaRPr lang="nl-BE"/>
           </a:p>
@@ -5055,7 +5047,7 @@
           <a:p>
             <a:fld id="{C80E15A5-E95B-43EB-9AC7-9A96397448C0}" type="datetimeFigureOut">
               <a:rPr lang="nl-BE" smtClean="0"/>
-              <a:t>10/07/2021</a:t>
+              <a:t>22/07/2021</a:t>
             </a:fld>
             <a:endParaRPr lang="nl-BE"/>
           </a:p>
@@ -5465,7 +5457,7 @@
           <p:cNvPr id="2" name="Título 1">
             <a:extLst>
               <a:ext uri="{FF2B5EF4-FFF2-40B4-BE49-F238E27FC236}">
-                <a16:creationId xmlns="" xmlns:a16="http://schemas.microsoft.com/office/drawing/2014/main" id="{32666AC8-2E17-4DB4-B0F5-60C640CCFD2E}"/>
+                <a16:creationId xmlns:a16="http://schemas.microsoft.com/office/drawing/2014/main" xmlns="" id="{32666AC8-2E17-4DB4-B0F5-60C640CCFD2E}"/>
               </a:ext>
             </a:extLst>
           </p:cNvPr>
@@ -5524,7 +5516,7 @@
           <p:cNvPr id="4" name="CaixaDeTexto 3">
             <a:extLst>
               <a:ext uri="{FF2B5EF4-FFF2-40B4-BE49-F238E27FC236}">
-                <a16:creationId xmlns="" xmlns:a16="http://schemas.microsoft.com/office/drawing/2014/main" id="{430EB894-B7D4-434C-9D1A-A14094D9BEEC}"/>
+                <a16:creationId xmlns:a16="http://schemas.microsoft.com/office/drawing/2014/main" xmlns="" id="{430EB894-B7D4-434C-9D1A-A14094D9BEEC}"/>
               </a:ext>
             </a:extLst>
           </p:cNvPr>
@@ -5565,7 +5557,7 @@
           <p:cNvPr id="1026" name="Picture 2" descr="Logo">
             <a:extLst>
               <a:ext uri="{FF2B5EF4-FFF2-40B4-BE49-F238E27FC236}">
-                <a16:creationId xmlns="" xmlns:a16="http://schemas.microsoft.com/office/drawing/2014/main" id="{3F2642E0-4F6A-4196-8F58-E77D36E9A33F}"/>
+                <a16:creationId xmlns:a16="http://schemas.microsoft.com/office/drawing/2014/main" xmlns="" id="{3F2642E0-4F6A-4196-8F58-E77D36E9A33F}"/>
               </a:ext>
             </a:extLst>
           </p:cNvPr>
@@ -5610,7 +5602,7 @@
           <p:cNvPr id="5122" name="Picture 2" descr="Image result for machine learning">
             <a:extLst>
               <a:ext uri="{FF2B5EF4-FFF2-40B4-BE49-F238E27FC236}">
-                <a16:creationId xmlns="" xmlns:a16="http://schemas.microsoft.com/office/drawing/2014/main" id="{810CE0A2-4102-44A6-A370-175E7896CDCB}"/>
+                <a16:creationId xmlns:a16="http://schemas.microsoft.com/office/drawing/2014/main" xmlns="" id="{810CE0A2-4102-44A6-A370-175E7896CDCB}"/>
               </a:ext>
             </a:extLst>
           </p:cNvPr>
@@ -5777,8 +5769,8 @@
           </p:sp>
         </mc:Fallback>
       </mc:AlternateContent>
-      <mc:AlternateContent xmlns:mc="http://schemas.openxmlformats.org/markup-compatibility/2006">
-        <mc:Choice xmlns:a14="http://schemas.microsoft.com/office/drawing/2010/main" Requires="a14">
+      <mc:AlternateContent xmlns:mc="http://schemas.openxmlformats.org/markup-compatibility/2006" xmlns:a14="http://schemas.microsoft.com/office/drawing/2010/main">
+        <mc:Choice Requires="a14">
           <p:sp>
             <p:nvSpPr>
               <p:cNvPr id="3" name="Content Placeholder 2"/>
@@ -5884,11 +5876,7 @@
                 </a:r>
                 <a:r>
                   <a:rPr lang="pt-BR" sz="1800" dirty="0" smtClean="0"/>
-                  <a:t>direção </a:t>
-                </a:r>
-                <a:r>
-                  <a:rPr lang="pt-BR" sz="1800" dirty="0" smtClean="0"/>
-                  <a:t>ao </a:t>
+                  <a:t>direção ao </a:t>
                 </a:r>
                 <a:r>
                   <a:rPr lang="pt-BR" sz="1800" dirty="0"/>
@@ -6004,7 +5992,7 @@
             </p:txBody>
           </p:sp>
         </mc:Choice>
-        <mc:Fallback>
+        <mc:Fallback xmlns="">
           <p:sp>
             <p:nvSpPr>
               <p:cNvPr id="3" name="Content Placeholder 2"/>
@@ -7144,15 +7132,15 @@
             </a:r>
             <a:r>
               <a:rPr lang="pt-BR" i="1" dirty="0" smtClean="0"/>
-              <a:t>III </a:t>
+              <a:t>III</a:t>
             </a:r>
             <a:r>
-              <a:rPr lang="pt-BR" i="1" dirty="0"/>
-              <a:t>(1S2021)</a:t>
+              <a:rPr lang="pt-BR" dirty="0" smtClean="0"/>
+              <a:t>” </a:t>
             </a:r>
             <a:r>
               <a:rPr lang="pt-BR" dirty="0"/>
-              <a:t>” que se encontra no MS Teams.</a:t>
+              <a:t>que se encontra no MS Teams.</a:t>
             </a:r>
           </a:p>
           <a:p>
@@ -7264,7 +7252,7 @@
           <p:cNvPr id="4" name="Título 1">
             <a:extLst>
               <a:ext uri="{FF2B5EF4-FFF2-40B4-BE49-F238E27FC236}">
-                <a16:creationId xmlns="" xmlns:a16="http://schemas.microsoft.com/office/drawing/2014/main" id="{32666AC8-2E17-4DB4-B0F5-60C640CCFD2E}"/>
+                <a16:creationId xmlns:a16="http://schemas.microsoft.com/office/drawing/2014/main" xmlns="" id="{32666AC8-2E17-4DB4-B0F5-60C640CCFD2E}"/>
               </a:ext>
             </a:extLst>
           </p:cNvPr>
@@ -25279,8 +25267,8 @@
           </a:p>
         </p:txBody>
       </p:sp>
-      <mc:AlternateContent xmlns:mc="http://schemas.openxmlformats.org/markup-compatibility/2006">
-        <mc:Choice xmlns:a14="http://schemas.microsoft.com/office/drawing/2010/main" Requires="a14">
+      <mc:AlternateContent xmlns:mc="http://schemas.openxmlformats.org/markup-compatibility/2006" xmlns:a14="http://schemas.microsoft.com/office/drawing/2010/main">
+        <mc:Choice Requires="a14">
           <p:sp>
             <p:nvSpPr>
               <p:cNvPr id="3" name="Content Placeholder 2"/>
@@ -25305,11 +25293,7 @@
               <a:p>
                 <a:r>
                   <a:rPr lang="pt-BR" dirty="0" smtClean="0"/>
-                  <a:t>Conforme nós já aprendemos, enquanto </a:t>
-                </a:r>
-                <a:r>
-                  <a:rPr lang="pt-BR" dirty="0" smtClean="0"/>
-                  <a:t>a </a:t>
+                  <a:t>Conforme nós já aprendemos, enquanto a </a:t>
                 </a:r>
                 <a:r>
                   <a:rPr lang="pt-BR" b="1" i="1" dirty="0" smtClean="0"/>
@@ -25325,11 +25309,7 @@
                 </a:r>
                 <a:r>
                   <a:rPr lang="pt-BR" dirty="0" smtClean="0"/>
-                  <a:t>ponto de mínimo </a:t>
-                </a:r>
-                <a:r>
-                  <a:rPr lang="pt-BR" dirty="0" smtClean="0"/>
-                  <a:t>é determinada </a:t>
+                  <a:t>ponto de mínimo é determinada </a:t>
                 </a:r>
                 <a:r>
                   <a:rPr lang="pt-BR" dirty="0"/>
@@ -25371,7 +25351,6 @@
                   <a:rPr lang="pt-BR" dirty="0" smtClean="0"/>
                   <a:t>direção.</a:t>
                 </a:r>
-                <a:endParaRPr lang="pt-BR" dirty="0" smtClean="0"/>
               </a:p>
               <a:p>
                 <a:pPr marL="0" indent="0">
@@ -25635,7 +25614,7 @@
             </p:txBody>
           </p:sp>
         </mc:Choice>
-        <mc:Fallback>
+        <mc:Fallback xmlns="">
           <p:sp>
             <p:nvSpPr>
               <p:cNvPr id="3" name="Content Placeholder 2"/>

--- a/slides/T319_Regressão_Linear (Parte III).pptx
+++ b/slides/T319_Regressão_Linear (Parte III).pptx
@@ -548,7 +548,7 @@
           <a:p>
             <a:fld id="{DAF0AF11-6A8A-4E64-94F5-26D4FBA2A01D}" type="datetimeFigureOut">
               <a:rPr lang="nl-BE" smtClean="0"/>
-              <a:t>22/07/2021</a:t>
+              <a:t>22/10/2021</a:t>
             </a:fld>
             <a:endParaRPr lang="nl-BE"/>
           </a:p>
@@ -2726,7 +2726,7 @@
           <a:p>
             <a:fld id="{C80E15A5-E95B-43EB-9AC7-9A96397448C0}" type="datetimeFigureOut">
               <a:rPr lang="nl-BE" smtClean="0"/>
-              <a:t>22/07/2021</a:t>
+              <a:t>22/10/2021</a:t>
             </a:fld>
             <a:endParaRPr lang="nl-BE"/>
           </a:p>
@@ -2896,7 +2896,7 @@
           <a:p>
             <a:fld id="{C80E15A5-E95B-43EB-9AC7-9A96397448C0}" type="datetimeFigureOut">
               <a:rPr lang="nl-BE" smtClean="0"/>
-              <a:t>22/07/2021</a:t>
+              <a:t>22/10/2021</a:t>
             </a:fld>
             <a:endParaRPr lang="nl-BE"/>
           </a:p>
@@ -3076,7 +3076,7 @@
           <a:p>
             <a:fld id="{C80E15A5-E95B-43EB-9AC7-9A96397448C0}" type="datetimeFigureOut">
               <a:rPr lang="nl-BE" smtClean="0"/>
-              <a:t>22/07/2021</a:t>
+              <a:t>22/10/2021</a:t>
             </a:fld>
             <a:endParaRPr lang="nl-BE"/>
           </a:p>
@@ -3246,7 +3246,7 @@
           <a:p>
             <a:fld id="{C80E15A5-E95B-43EB-9AC7-9A96397448C0}" type="datetimeFigureOut">
               <a:rPr lang="nl-BE" smtClean="0"/>
-              <a:t>22/07/2021</a:t>
+              <a:t>22/10/2021</a:t>
             </a:fld>
             <a:endParaRPr lang="nl-BE"/>
           </a:p>
@@ -3492,7 +3492,7 @@
           <a:p>
             <a:fld id="{C80E15A5-E95B-43EB-9AC7-9A96397448C0}" type="datetimeFigureOut">
               <a:rPr lang="nl-BE" smtClean="0"/>
-              <a:t>22/07/2021</a:t>
+              <a:t>22/10/2021</a:t>
             </a:fld>
             <a:endParaRPr lang="nl-BE"/>
           </a:p>
@@ -3724,7 +3724,7 @@
           <a:p>
             <a:fld id="{C80E15A5-E95B-43EB-9AC7-9A96397448C0}" type="datetimeFigureOut">
               <a:rPr lang="nl-BE" smtClean="0"/>
-              <a:t>22/07/2021</a:t>
+              <a:t>22/10/2021</a:t>
             </a:fld>
             <a:endParaRPr lang="nl-BE"/>
           </a:p>
@@ -4091,7 +4091,7 @@
           <a:p>
             <a:fld id="{C80E15A5-E95B-43EB-9AC7-9A96397448C0}" type="datetimeFigureOut">
               <a:rPr lang="nl-BE" smtClean="0"/>
-              <a:t>22/07/2021</a:t>
+              <a:t>22/10/2021</a:t>
             </a:fld>
             <a:endParaRPr lang="nl-BE"/>
           </a:p>
@@ -4209,7 +4209,7 @@
           <a:p>
             <a:fld id="{C80E15A5-E95B-43EB-9AC7-9A96397448C0}" type="datetimeFigureOut">
               <a:rPr lang="nl-BE" smtClean="0"/>
-              <a:t>22/07/2021</a:t>
+              <a:t>22/10/2021</a:t>
             </a:fld>
             <a:endParaRPr lang="nl-BE"/>
           </a:p>
@@ -4304,7 +4304,7 @@
           <a:p>
             <a:fld id="{C80E15A5-E95B-43EB-9AC7-9A96397448C0}" type="datetimeFigureOut">
               <a:rPr lang="nl-BE" smtClean="0"/>
-              <a:t>22/07/2021</a:t>
+              <a:t>22/10/2021</a:t>
             </a:fld>
             <a:endParaRPr lang="nl-BE"/>
           </a:p>
@@ -4581,7 +4581,7 @@
           <a:p>
             <a:fld id="{C80E15A5-E95B-43EB-9AC7-9A96397448C0}" type="datetimeFigureOut">
               <a:rPr lang="nl-BE" smtClean="0"/>
-              <a:t>22/07/2021</a:t>
+              <a:t>22/10/2021</a:t>
             </a:fld>
             <a:endParaRPr lang="nl-BE"/>
           </a:p>
@@ -4834,7 +4834,7 @@
           <a:p>
             <a:fld id="{C80E15A5-E95B-43EB-9AC7-9A96397448C0}" type="datetimeFigureOut">
               <a:rPr lang="nl-BE" smtClean="0"/>
-              <a:t>22/07/2021</a:t>
+              <a:t>22/10/2021</a:t>
             </a:fld>
             <a:endParaRPr lang="nl-BE"/>
           </a:p>
@@ -5047,7 +5047,7 @@
           <a:p>
             <a:fld id="{C80E15A5-E95B-43EB-9AC7-9A96397448C0}" type="datetimeFigureOut">
               <a:rPr lang="nl-BE" smtClean="0"/>
-              <a:t>22/07/2021</a:t>
+              <a:t>22/10/2021</a:t>
             </a:fld>
             <a:endParaRPr lang="nl-BE"/>
           </a:p>
@@ -5769,8 +5769,8 @@
           </p:sp>
         </mc:Fallback>
       </mc:AlternateContent>
-      <mc:AlternateContent xmlns:mc="http://schemas.openxmlformats.org/markup-compatibility/2006" xmlns:a14="http://schemas.microsoft.com/office/drawing/2010/main">
-        <mc:Choice Requires="a14">
+      <mc:AlternateContent xmlns:mc="http://schemas.openxmlformats.org/markup-compatibility/2006">
+        <mc:Choice xmlns:a14="http://schemas.microsoft.com/office/drawing/2010/main" Requires="a14">
           <p:sp>
             <p:nvSpPr>
               <p:cNvPr id="3" name="Content Placeholder 2"/>
@@ -5940,7 +5940,15 @@
                 </a:pPr>
                 <a:r>
                   <a:rPr lang="pt-BR" sz="1800" dirty="0" smtClean="0"/>
-                  <a:t>O passo inicial com valor grande e diminui ao longo das iterações, </a:t>
+                  <a:t>O passo inicial com valor grande </a:t>
+                </a:r>
+                <a:r>
+                  <a:rPr lang="pt-BR" sz="1800" dirty="0" smtClean="0"/>
+                  <a:t>e que </a:t>
+                </a:r>
+                <a:r>
+                  <a:rPr lang="pt-BR" sz="1800" dirty="0" smtClean="0"/>
+                  <a:t>diminui ao longo das iterações, </a:t>
                 </a:r>
                 <a:r>
                   <a:rPr lang="pt-BR" sz="1800" dirty="0"/>
@@ -5992,7 +6000,7 @@
             </p:txBody>
           </p:sp>
         </mc:Choice>
-        <mc:Fallback xmlns="">
+        <mc:Fallback>
           <p:sp>
             <p:nvSpPr>
               <p:cNvPr id="3" name="Content Placeholder 2"/>
@@ -15252,6 +15260,20 @@
                 <a:r>
                   <a:rPr lang="pt-BR" dirty="0" smtClean="0"/>
                   <a:t>para a resolução de problemas de otimização.</a:t>
+                </a:r>
+              </a:p>
+              <a:p>
+                <a:pPr lvl="1"/>
+                <a:r>
+                  <a:rPr lang="pt-BR" dirty="0" smtClean="0"/>
+                  <a:t>Gradiente Ascendente</a:t>
+                </a:r>
+              </a:p>
+              <a:p>
+                <a:pPr lvl="1"/>
+                <a:r>
+                  <a:rPr lang="pt-BR" dirty="0" smtClean="0"/>
+                  <a:t>Gradiente Descendente</a:t>
                 </a:r>
               </a:p>
               <a:p>
@@ -28095,8 +28117,8 @@
           </a:p>
         </p:txBody>
       </p:sp>
-      <mc:AlternateContent xmlns:mc="http://schemas.openxmlformats.org/markup-compatibility/2006" xmlns:a14="http://schemas.microsoft.com/office/drawing/2010/main">
-        <mc:Choice Requires="a14">
+      <mc:AlternateContent xmlns:mc="http://schemas.openxmlformats.org/markup-compatibility/2006">
+        <mc:Choice xmlns:a14="http://schemas.microsoft.com/office/drawing/2010/main" Requires="a14">
           <p:sp>
             <p:nvSpPr>
               <p:cNvPr id="3" name="Content Placeholder 2"/>
@@ -28137,7 +28159,23 @@
                 </a:r>
                 <a:r>
                   <a:rPr lang="pt-BR" dirty="0"/>
-                  <a:t> (</a:t>
+                  <a:t> </a:t>
+                </a:r>
+                <a:r>
+                  <a:rPr lang="pt-BR" dirty="0"/>
+                  <a:t>o algoritmo do </a:t>
+                </a:r>
+                <a:r>
+                  <a:rPr lang="pt-BR" b="1" i="1" dirty="0"/>
+                  <a:t>gradiente </a:t>
+                </a:r>
+                <a:r>
+                  <a:rPr lang="pt-BR" b="1" i="1" dirty="0" smtClean="0"/>
+                  <a:t>descendente</a:t>
+                </a:r>
+                <a:r>
+                  <a:rPr lang="pt-BR" i="1" dirty="0" smtClean="0"/>
+                  <a:t>, </a:t>
                 </a:r>
                 <a:r>
                   <a:rPr lang="pt-BR" dirty="0" smtClean="0"/>
@@ -28152,16 +28190,12 @@
                   <a:t>da superfície de </a:t>
                 </a:r>
                 <a:r>
-                  <a:rPr lang="pt-BR" dirty="0"/>
-                  <a:t>contorno) o algoritmo do </a:t>
-                </a:r>
-                <a:r>
-                  <a:rPr lang="pt-BR" b="1" i="1" dirty="0"/>
-                  <a:t>gradiente descendente </a:t>
+                  <a:rPr lang="pt-BR" dirty="0" smtClean="0"/>
+                  <a:t>contorno, é </a:t>
                 </a:r>
                 <a:r>
                   <a:rPr lang="pt-BR" dirty="0"/>
-                  <a:t>é plotar o gráfico </a:t>
+                  <a:t>plotar o gráfico </a:t>
                 </a:r>
                 <a:r>
                   <a:rPr lang="pt-BR" dirty="0" smtClean="0"/>
@@ -28205,9 +28239,10 @@
                   <a:t>ideal: </a:t>
                 </a:r>
                 <a:r>
-                  <a:rPr lang="pt-BR" dirty="0"/>
-                  <a:t>converge rapidamente </a:t>
+                  <a:rPr lang="pt-BR" dirty="0" smtClean="0"/>
+                  <a:t>convegência rápida</a:t>
                 </a:r>
+                <a:endParaRPr lang="pt-BR" dirty="0"/>
               </a:p>
               <a:p>
                 <a:pPr lvl="2"/>
@@ -28281,7 +28316,7 @@
             </p:txBody>
           </p:sp>
         </mc:Choice>
-        <mc:Fallback xmlns="">
+        <mc:Fallback>
           <p:sp>
             <p:nvSpPr>
               <p:cNvPr id="3" name="Content Placeholder 2"/>
@@ -28300,7 +28335,7 @@
               <a:blipFill rotWithShape="0">
                 <a:blip r:embed="rId3"/>
                 <a:stretch>
-                  <a:fillRect l="-872" t="-2595"/>
+                  <a:fillRect l="-872" t="-2595" b="-3633"/>
                 </a:stretch>
               </a:blipFill>
             </p:spPr>
@@ -29168,8 +29203,8 @@
           </a:p>
         </p:txBody>
       </p:sp>
-      <mc:AlternateContent xmlns:mc="http://schemas.openxmlformats.org/markup-compatibility/2006" xmlns:a14="http://schemas.microsoft.com/office/drawing/2010/main">
-        <mc:Choice Requires="a14">
+      <mc:AlternateContent xmlns:mc="http://schemas.openxmlformats.org/markup-compatibility/2006">
+        <mc:Choice xmlns:a14="http://schemas.microsoft.com/office/drawing/2010/main" Requires="a14">
           <p:sp>
             <p:nvSpPr>
               <p:cNvPr id="3" name="Content Placeholder 2"/>
@@ -29182,8 +29217,8 @@
             </p:nvSpPr>
             <p:spPr>
               <a:xfrm>
-                <a:off x="838200" y="1828128"/>
-                <a:ext cx="11049000" cy="4831981"/>
+                <a:off x="838199" y="1828128"/>
+                <a:ext cx="11083507" cy="5029872"/>
               </a:xfrm>
             </p:spPr>
             <p:txBody>
@@ -29276,7 +29311,11 @@
                 </a:r>
                 <a:r>
                   <a:rPr lang="pt-BR" dirty="0"/>
-                  <a:t>passo de aprendizagem ao longo do processo de treinamento. </a:t>
+                  <a:t>passo de aprendizagem ao longo do processo de </a:t>
+                </a:r>
+                <a:r>
+                  <a:rPr lang="pt-BR" dirty="0" smtClean="0"/>
+                  <a:t>treinamento, ou seja, ao longo das iterações. </a:t>
                 </a:r>
                 <a:endParaRPr lang="pt-BR" dirty="0" smtClean="0"/>
               </a:p>
@@ -29356,12 +29395,29 @@
                 </a:r>
                 <a:r>
                   <a:rPr lang="pt-BR" dirty="0"/>
-                  <a:t>adaptativamente ajustado de acordo com a performance do modelo além disso, pode ter passos diferentes para cada peso do modelo e os atualiza independentemente</a:t>
+                  <a:t>adaptativamente ajustado de acordo com a performance do </a:t>
                 </a:r>
                 <a:r>
                   <a:rPr lang="pt-BR" dirty="0" smtClean="0"/>
-                  <a:t>.</a:t>
+                  <a:t>modelo, </a:t>
                 </a:r>
+                <a:r>
+                  <a:rPr lang="pt-BR" dirty="0"/>
+                  <a:t>além disso, </a:t>
+                </a:r>
+                <a:r>
+                  <a:rPr lang="pt-BR" dirty="0" smtClean="0"/>
+                  <a:t>pode-se </a:t>
+                </a:r>
+                <a:r>
+                  <a:rPr lang="pt-BR" dirty="0"/>
+                  <a:t>ter passos diferentes para cada peso do modelo </a:t>
+                </a:r>
+                <a:r>
+                  <a:rPr lang="pt-BR" dirty="0" smtClean="0"/>
+                  <a:t>e atualizá-los de forma independente.</a:t>
+                </a:r>
+                <a:endParaRPr lang="pt-BR" dirty="0" smtClean="0"/>
               </a:p>
               <a:p>
                 <a:pPr lvl="1">
@@ -29397,7 +29453,7 @@
             </p:txBody>
           </p:sp>
         </mc:Choice>
-        <mc:Fallback xmlns="">
+        <mc:Fallback>
           <p:sp>
             <p:nvSpPr>
               <p:cNvPr id="3" name="Content Placeholder 2"/>
@@ -29410,13 +29466,13 @@
             </p:nvSpPr>
             <p:spPr>
               <a:xfrm>
-                <a:off x="838200" y="1828128"/>
-                <a:ext cx="11049000" cy="4831981"/>
+                <a:off x="838199" y="1828128"/>
+                <a:ext cx="11083507" cy="5029872"/>
               </a:xfrm>
               <a:blipFill rotWithShape="0">
                 <a:blip r:embed="rId3"/>
                 <a:stretch>
-                  <a:fillRect l="-1159" t="-2900" r="-1325"/>
+                  <a:fillRect l="-1100" t="-2788"/>
                 </a:stretch>
               </a:blipFill>
             </p:spPr>
@@ -29502,8 +29558,8 @@
           </a:p>
         </p:txBody>
       </p:sp>
-      <mc:AlternateContent xmlns:mc="http://schemas.openxmlformats.org/markup-compatibility/2006" xmlns:a14="http://schemas.microsoft.com/office/drawing/2010/main">
-        <mc:Choice Requires="a14">
+      <mc:AlternateContent xmlns:mc="http://schemas.openxmlformats.org/markup-compatibility/2006">
+        <mc:Choice xmlns:a14="http://schemas.microsoft.com/office/drawing/2010/main" Requires="a14">
           <p:sp>
             <p:nvSpPr>
               <p:cNvPr id="3" name="Content Placeholder 2"/>
@@ -29602,22 +29658,11 @@
                 </a:r>
                 <a:r>
                   <a:rPr lang="pt-BR" dirty="0" smtClean="0"/>
-                  <a:t>um fator </a:t>
+                  <a:t>um </a:t>
                 </a:r>
-                <a14:m>
-                  <m:oMath xmlns:m="http://schemas.openxmlformats.org/officeDocument/2006/math">
-                    <m:r>
-                      <a:rPr lang="pt-BR" i="1" smtClean="0">
-                        <a:latin typeface="Cambria Math" panose="02040503050406030204" pitchFamily="18" charset="0"/>
-                        <a:ea typeface="Cambria Math" panose="02040503050406030204" pitchFamily="18" charset="0"/>
-                      </a:rPr>
-                      <m:t>𝛼</m:t>
-                    </m:r>
-                  </m:oMath>
-                </a14:m>
                 <a:r>
                   <a:rPr lang="pt-BR" dirty="0" smtClean="0"/>
-                  <a:t> inicial, </a:t>
+                  <a:t>fator, </a:t>
                 </a:r>
                 <a14:m>
                   <m:oMath xmlns:m="http://schemas.openxmlformats.org/officeDocument/2006/math">
@@ -29632,11 +29677,11 @@
                       </m:sSubPr>
                       <m:e>
                         <m:r>
-                          <a:rPr lang="pt-BR" i="1">
+                          <a:rPr lang="pt-BR" i="1" smtClean="0">
                             <a:latin typeface="Cambria Math" panose="02040503050406030204" pitchFamily="18" charset="0"/>
                             <a:ea typeface="Cambria Math" panose="02040503050406030204" pitchFamily="18" charset="0"/>
                           </a:rPr>
-                          <m:t>𝛼</m:t>
+                          <m:t>𝜏</m:t>
                         </m:r>
                       </m:e>
                       <m:sub>
@@ -29684,20 +29729,42 @@
                 </a:r>
                 <a:r>
                   <a:rPr lang="pt-BR" dirty="0" smtClean="0"/>
-                  <a:t>é de </a:t>
+                  <a:t>é </a:t>
+                </a:r>
+                <a:r>
+                  <a:rPr lang="pt-BR" dirty="0" smtClean="0"/>
+                  <a:t>de </a:t>
                 </a:r>
                 <a14:m>
                   <m:oMath xmlns:m="http://schemas.openxmlformats.org/officeDocument/2006/math">
-                    <m:r>
-                      <m:rPr>
-                        <m:sty m:val="p"/>
-                      </m:rPr>
-                      <a:rPr lang="el-GR" i="1" smtClean="0">
-                        <a:latin typeface="Cambria Math" panose="02040503050406030204" pitchFamily="18" charset="0"/>
-                        <a:ea typeface="Cambria Math" panose="02040503050406030204" pitchFamily="18" charset="0"/>
-                      </a:rPr>
-                      <m:t>α</m:t>
-                    </m:r>
+                    <m:sSub>
+                      <m:sSubPr>
+                        <m:ctrlPr>
+                          <a:rPr lang="pt-BR" i="1">
+                            <a:latin typeface="Cambria Math" panose="02040503050406030204" pitchFamily="18" charset="0"/>
+                            <a:ea typeface="Cambria Math" panose="02040503050406030204" pitchFamily="18" charset="0"/>
+                          </a:rPr>
+                        </m:ctrlPr>
+                      </m:sSubPr>
+                      <m:e>
+                        <m:r>
+                          <a:rPr lang="pt-BR" i="1">
+                            <a:latin typeface="Cambria Math" panose="02040503050406030204" pitchFamily="18" charset="0"/>
+                            <a:ea typeface="Cambria Math" panose="02040503050406030204" pitchFamily="18" charset="0"/>
+                          </a:rPr>
+                          <m:t>𝜏</m:t>
+                        </m:r>
+                      </m:e>
+                      <m:sub>
+                        <m:r>
+                          <a:rPr lang="pt-BR" i="1">
+                            <a:latin typeface="Cambria Math" panose="02040503050406030204" pitchFamily="18" charset="0"/>
+                            <a:ea typeface="Cambria Math" panose="02040503050406030204" pitchFamily="18" charset="0"/>
+                          </a:rPr>
+                          <m:t>0</m:t>
+                        </m:r>
+                      </m:sub>
+                    </m:sSub>
                     <m:r>
                       <a:rPr lang="pt-BR" b="0" i="1" smtClean="0">
                         <a:latin typeface="Cambria Math" panose="02040503050406030204" pitchFamily="18" charset="0"/>
@@ -29917,7 +29984,11 @@
                 </a:r>
                 <a:r>
                   <a:rPr lang="pt-BR" dirty="0" smtClean="0"/>
-                  <a:t>atual (pode-se se </a:t>
+                  <a:t>atual (</a:t>
+                </a:r>
+                <a:r>
+                  <a:rPr lang="pt-BR" dirty="0" smtClean="0"/>
+                  <a:t>pode-se </a:t>
                 </a:r>
                 <a:r>
                   <a:rPr lang="pt-BR" dirty="0"/>
@@ -30178,7 +30249,7 @@
             </p:txBody>
           </p:sp>
         </mc:Choice>
-        <mc:Fallback xmlns="">
+        <mc:Fallback>
           <p:sp>
             <p:nvSpPr>
               <p:cNvPr id="3" name="Content Placeholder 2"/>
@@ -30197,7 +30268,7 @@
               <a:blipFill rotWithShape="0">
                 <a:blip r:embed="rId2"/>
                 <a:stretch>
-                  <a:fillRect l="-985" t="-2520" r="-1095" b="-115"/>
+                  <a:fillRect l="-985" t="-2520" r="-1423" b="-115"/>
                 </a:stretch>
               </a:blipFill>
             </p:spPr>

--- a/slides/T319_Regressão_Linear (Parte III).pptx
+++ b/slides/T319_Regressão_Linear (Parte III).pptx
@@ -548,7 +548,7 @@
           <a:p>
             <a:fld id="{DAF0AF11-6A8A-4E64-94F5-26D4FBA2A01D}" type="datetimeFigureOut">
               <a:rPr lang="nl-BE" smtClean="0"/>
-              <a:t>22/10/2021</a:t>
+              <a:t>29/04/2022</a:t>
             </a:fld>
             <a:endParaRPr lang="nl-BE"/>
           </a:p>
@@ -707,7 +707,7 @@
           <a:p>
             <a:fld id="{DA8B99DF-01BC-492A-8CEF-4FD88D18DD9D}" type="slidenum">
               <a:rPr lang="nl-BE" smtClean="0"/>
-              <a:t>‹#›</a:t>
+              <a:t>‹nº›</a:t>
             </a:fld>
             <a:endParaRPr lang="nl-BE"/>
           </a:p>
@@ -1223,8 +1223,60 @@
             </a:r>
             <a:r>
               <a:rPr lang="pt-BR" dirty="0" smtClean="0"/>
-              <a:t>: https://mybinder.org/v2/gh/zz4fap/t319_aprendizado_de_maquina/main?filepath=notebooks%2Fregression%2Flinear_regression_selecting_the_learning_rate.ipynb</a:t>
+              <a:t>: https://</a:t>
             </a:r>
+            <a:r>
+              <a:rPr lang="pt-BR" dirty="0" smtClean="0"/>
+              <a:t>mybinder.org/v2/gh/zz4fap/t319_aprendizado_de_maquina/main?filepath=notebooks%2Fregression%2Flinear_regression_selecting_the_learning_rate.ipynb</a:t>
+            </a:r>
+          </a:p>
+          <a:p>
+            <a:pPr marL="0" marR="0" lvl="0" indent="0" algn="l" defTabSz="914400" rtl="0" eaLnBrk="1" fontAlgn="auto" latinLnBrk="0" hangingPunct="1">
+              <a:lnSpc>
+                <a:spcPct val="100000"/>
+              </a:lnSpc>
+              <a:spcBef>
+                <a:spcPts val="0"/>
+              </a:spcBef>
+              <a:spcAft>
+                <a:spcPts val="0"/>
+              </a:spcAft>
+              <a:buClrTx/>
+              <a:buSzTx/>
+              <a:buFontTx/>
+              <a:buNone/>
+              <a:tabLst/>
+              <a:defRPr/>
+            </a:pPr>
+            <a:endParaRPr lang="pt-BR" dirty="0" smtClean="0"/>
+          </a:p>
+          <a:p>
+            <a:pPr marL="0" marR="0" lvl="0" indent="0" algn="l" defTabSz="914400" rtl="0" eaLnBrk="1" fontAlgn="auto" latinLnBrk="0" hangingPunct="1">
+              <a:lnSpc>
+                <a:spcPct val="100000"/>
+              </a:lnSpc>
+              <a:spcBef>
+                <a:spcPts val="0"/>
+              </a:spcBef>
+              <a:spcAft>
+                <a:spcPts val="0"/>
+              </a:spcAft>
+              <a:buClrTx/>
+              <a:buSzTx/>
+              <a:buFontTx/>
+              <a:buNone/>
+              <a:tabLst/>
+              <a:defRPr/>
+            </a:pPr>
+            <a:r>
+              <a:rPr lang="pt-BR" b="1" dirty="0" smtClean="0"/>
+              <a:t>Exemplo</a:t>
+            </a:r>
+            <a:r>
+              <a:rPr lang="pt-BR" dirty="0" smtClean="0"/>
+              <a:t>: https://colab.research.google.com/github/zz4fap/t319_aprendizado_de_maquina/blob/main/notebooks/regression/linear_regression_selecting_the_learning_rate.ipynb</a:t>
+            </a:r>
+            <a:endParaRPr lang="pt-BR" dirty="0" smtClean="0"/>
           </a:p>
           <a:p>
             <a:pPr marL="0" marR="0" lvl="0" indent="0" algn="l" defTabSz="914400" rtl="0" eaLnBrk="1" fontAlgn="auto" latinLnBrk="0" hangingPunct="1">
@@ -1453,7 +1505,15 @@
             </a:r>
             <a:r>
               <a:rPr lang="pt-BR" dirty="0"/>
-              <a:t> de aprendizagem for muito pequeno, o algoritmo precisará passar por muitas iterações para convergir, o que levará muito tempo.</a:t>
+              <a:t> de aprendizagem for muito pequeno, o algoritmo precisará passar por muitas iterações </a:t>
+            </a:r>
+            <a:r>
+              <a:rPr lang="pt-BR" dirty="0" smtClean="0"/>
+              <a:t>até convergir</a:t>
+            </a:r>
+            <a:r>
+              <a:rPr lang="pt-BR" dirty="0"/>
+              <a:t>, o que levará muito tempo.</a:t>
             </a:r>
           </a:p>
           <a:p>
@@ -2197,8 +2257,68 @@
             </a:r>
             <a:r>
               <a:rPr lang="pt-BR" dirty="0" smtClean="0"/>
-              <a:t>: https://mybinder.org/v2/gh/zz4fap/t319_aprendizado_de_maquina/main?filepath=notebooks%2Fregression%2Fgd_versions%2Fstocastic_gradient_descent_with_learning_schedule_and_with_figures.ipynb</a:t>
+              <a:t>: https://</a:t>
             </a:r>
+            <a:r>
+              <a:rPr lang="pt-BR" dirty="0" smtClean="0"/>
+              <a:t>mybinder.org/v2/gh/zz4fap/t319_aprendizado_de_maquina/main?filepath=notebooks%2Fregression%2Fgd_versions%2Fstocastic_gradient_descent_with_learning_schedule_and_with_figures.ipynb</a:t>
+            </a:r>
+          </a:p>
+          <a:p>
+            <a:pPr marL="0" marR="0" lvl="0" indent="0" algn="l" defTabSz="914400" rtl="0" eaLnBrk="1" fontAlgn="auto" latinLnBrk="0" hangingPunct="1">
+              <a:lnSpc>
+                <a:spcPct val="100000"/>
+              </a:lnSpc>
+              <a:spcBef>
+                <a:spcPts val="0"/>
+              </a:spcBef>
+              <a:spcAft>
+                <a:spcPts val="0"/>
+              </a:spcAft>
+              <a:buClrTx/>
+              <a:buSzTx/>
+              <a:buFontTx/>
+              <a:buNone/>
+              <a:tabLst/>
+              <a:defRPr/>
+            </a:pPr>
+            <a:endParaRPr lang="pt-BR" dirty="0" smtClean="0"/>
+          </a:p>
+          <a:p>
+            <a:pPr marL="0" marR="0" lvl="0" indent="0" algn="l" defTabSz="914400" rtl="0" eaLnBrk="1" fontAlgn="auto" latinLnBrk="0" hangingPunct="1">
+              <a:lnSpc>
+                <a:spcPct val="100000"/>
+              </a:lnSpc>
+              <a:spcBef>
+                <a:spcPts val="0"/>
+              </a:spcBef>
+              <a:spcAft>
+                <a:spcPts val="0"/>
+              </a:spcAft>
+              <a:buClrTx/>
+              <a:buSzTx/>
+              <a:buFontTx/>
+              <a:buNone/>
+              <a:tabLst/>
+              <a:defRPr/>
+            </a:pPr>
+            <a:r>
+              <a:rPr lang="pt-BR" b="1" dirty="0" smtClean="0"/>
+              <a:t>Exemplo</a:t>
+            </a:r>
+            <a:r>
+              <a:rPr lang="pt-BR" dirty="0" smtClean="0"/>
+              <a:t>:</a:t>
+            </a:r>
+            <a:r>
+              <a:rPr lang="pt-BR" baseline="0" dirty="0" smtClean="0"/>
+              <a:t> </a:t>
+            </a:r>
+            <a:r>
+              <a:rPr lang="pt-BR" dirty="0" smtClean="0"/>
+              <a:t>https://colab.research.google.com/github/zz4fap/t319_aprendizado_de_maquina/blob/main/notebooks/regression/gd_versions/stocastic_gradient_descent_with_learning_schedule_and_with_figures.ipynb</a:t>
+            </a:r>
+            <a:endParaRPr lang="pt-BR" dirty="0" smtClean="0"/>
           </a:p>
           <a:p>
             <a:endParaRPr lang="pt-BR" sz="1200" baseline="0" dirty="0" smtClean="0"/>
@@ -2726,7 +2846,7 @@
           <a:p>
             <a:fld id="{C80E15A5-E95B-43EB-9AC7-9A96397448C0}" type="datetimeFigureOut">
               <a:rPr lang="nl-BE" smtClean="0"/>
-              <a:t>22/10/2021</a:t>
+              <a:t>29/04/2022</a:t>
             </a:fld>
             <a:endParaRPr lang="nl-BE"/>
           </a:p>
@@ -2768,7 +2888,7 @@
           <a:p>
             <a:fld id="{67C3C120-4544-49C4-A71C-C78FE5187513}" type="slidenum">
               <a:rPr lang="nl-BE" smtClean="0"/>
-              <a:t>‹#›</a:t>
+              <a:t>‹nº›</a:t>
             </a:fld>
             <a:endParaRPr lang="nl-BE"/>
           </a:p>
@@ -2896,7 +3016,7 @@
           <a:p>
             <a:fld id="{C80E15A5-E95B-43EB-9AC7-9A96397448C0}" type="datetimeFigureOut">
               <a:rPr lang="nl-BE" smtClean="0"/>
-              <a:t>22/10/2021</a:t>
+              <a:t>29/04/2022</a:t>
             </a:fld>
             <a:endParaRPr lang="nl-BE"/>
           </a:p>
@@ -2938,7 +3058,7 @@
           <a:p>
             <a:fld id="{67C3C120-4544-49C4-A71C-C78FE5187513}" type="slidenum">
               <a:rPr lang="nl-BE" smtClean="0"/>
-              <a:t>‹#›</a:t>
+              <a:t>‹nº›</a:t>
             </a:fld>
             <a:endParaRPr lang="nl-BE"/>
           </a:p>
@@ -3076,7 +3196,7 @@
           <a:p>
             <a:fld id="{C80E15A5-E95B-43EB-9AC7-9A96397448C0}" type="datetimeFigureOut">
               <a:rPr lang="nl-BE" smtClean="0"/>
-              <a:t>22/10/2021</a:t>
+              <a:t>29/04/2022</a:t>
             </a:fld>
             <a:endParaRPr lang="nl-BE"/>
           </a:p>
@@ -3118,7 +3238,7 @@
           <a:p>
             <a:fld id="{67C3C120-4544-49C4-A71C-C78FE5187513}" type="slidenum">
               <a:rPr lang="nl-BE" smtClean="0"/>
-              <a:t>‹#›</a:t>
+              <a:t>‹nº›</a:t>
             </a:fld>
             <a:endParaRPr lang="nl-BE"/>
           </a:p>
@@ -3246,7 +3366,7 @@
           <a:p>
             <a:fld id="{C80E15A5-E95B-43EB-9AC7-9A96397448C0}" type="datetimeFigureOut">
               <a:rPr lang="nl-BE" smtClean="0"/>
-              <a:t>22/10/2021</a:t>
+              <a:t>29/04/2022</a:t>
             </a:fld>
             <a:endParaRPr lang="nl-BE"/>
           </a:p>
@@ -3288,7 +3408,7 @@
           <a:p>
             <a:fld id="{67C3C120-4544-49C4-A71C-C78FE5187513}" type="slidenum">
               <a:rPr lang="nl-BE" smtClean="0"/>
-              <a:t>‹#›</a:t>
+              <a:t>‹nº›</a:t>
             </a:fld>
             <a:endParaRPr lang="nl-BE"/>
           </a:p>
@@ -3492,7 +3612,7 @@
           <a:p>
             <a:fld id="{C80E15A5-E95B-43EB-9AC7-9A96397448C0}" type="datetimeFigureOut">
               <a:rPr lang="nl-BE" smtClean="0"/>
-              <a:t>22/10/2021</a:t>
+              <a:t>29/04/2022</a:t>
             </a:fld>
             <a:endParaRPr lang="nl-BE"/>
           </a:p>
@@ -3534,7 +3654,7 @@
           <a:p>
             <a:fld id="{67C3C120-4544-49C4-A71C-C78FE5187513}" type="slidenum">
               <a:rPr lang="nl-BE" smtClean="0"/>
-              <a:t>‹#›</a:t>
+              <a:t>‹nº›</a:t>
             </a:fld>
             <a:endParaRPr lang="nl-BE"/>
           </a:p>
@@ -3724,7 +3844,7 @@
           <a:p>
             <a:fld id="{C80E15A5-E95B-43EB-9AC7-9A96397448C0}" type="datetimeFigureOut">
               <a:rPr lang="nl-BE" smtClean="0"/>
-              <a:t>22/10/2021</a:t>
+              <a:t>29/04/2022</a:t>
             </a:fld>
             <a:endParaRPr lang="nl-BE"/>
           </a:p>
@@ -3766,7 +3886,7 @@
           <a:p>
             <a:fld id="{67C3C120-4544-49C4-A71C-C78FE5187513}" type="slidenum">
               <a:rPr lang="nl-BE" smtClean="0"/>
-              <a:t>‹#›</a:t>
+              <a:t>‹nº›</a:t>
             </a:fld>
             <a:endParaRPr lang="nl-BE"/>
           </a:p>
@@ -4091,7 +4211,7 @@
           <a:p>
             <a:fld id="{C80E15A5-E95B-43EB-9AC7-9A96397448C0}" type="datetimeFigureOut">
               <a:rPr lang="nl-BE" smtClean="0"/>
-              <a:t>22/10/2021</a:t>
+              <a:t>29/04/2022</a:t>
             </a:fld>
             <a:endParaRPr lang="nl-BE"/>
           </a:p>
@@ -4133,7 +4253,7 @@
           <a:p>
             <a:fld id="{67C3C120-4544-49C4-A71C-C78FE5187513}" type="slidenum">
               <a:rPr lang="nl-BE" smtClean="0"/>
-              <a:t>‹#›</a:t>
+              <a:t>‹nº›</a:t>
             </a:fld>
             <a:endParaRPr lang="nl-BE"/>
           </a:p>
@@ -4209,7 +4329,7 @@
           <a:p>
             <a:fld id="{C80E15A5-E95B-43EB-9AC7-9A96397448C0}" type="datetimeFigureOut">
               <a:rPr lang="nl-BE" smtClean="0"/>
-              <a:t>22/10/2021</a:t>
+              <a:t>29/04/2022</a:t>
             </a:fld>
             <a:endParaRPr lang="nl-BE"/>
           </a:p>
@@ -4251,7 +4371,7 @@
           <a:p>
             <a:fld id="{67C3C120-4544-49C4-A71C-C78FE5187513}" type="slidenum">
               <a:rPr lang="nl-BE" smtClean="0"/>
-              <a:t>‹#›</a:t>
+              <a:t>‹nº›</a:t>
             </a:fld>
             <a:endParaRPr lang="nl-BE"/>
           </a:p>
@@ -4304,7 +4424,7 @@
           <a:p>
             <a:fld id="{C80E15A5-E95B-43EB-9AC7-9A96397448C0}" type="datetimeFigureOut">
               <a:rPr lang="nl-BE" smtClean="0"/>
-              <a:t>22/10/2021</a:t>
+              <a:t>29/04/2022</a:t>
             </a:fld>
             <a:endParaRPr lang="nl-BE"/>
           </a:p>
@@ -4346,7 +4466,7 @@
           <a:p>
             <a:fld id="{67C3C120-4544-49C4-A71C-C78FE5187513}" type="slidenum">
               <a:rPr lang="nl-BE" smtClean="0"/>
-              <a:t>‹#›</a:t>
+              <a:t>‹nº›</a:t>
             </a:fld>
             <a:endParaRPr lang="nl-BE"/>
           </a:p>
@@ -4581,7 +4701,7 @@
           <a:p>
             <a:fld id="{C80E15A5-E95B-43EB-9AC7-9A96397448C0}" type="datetimeFigureOut">
               <a:rPr lang="nl-BE" smtClean="0"/>
-              <a:t>22/10/2021</a:t>
+              <a:t>29/04/2022</a:t>
             </a:fld>
             <a:endParaRPr lang="nl-BE"/>
           </a:p>
@@ -4623,7 +4743,7 @@
           <a:p>
             <a:fld id="{67C3C120-4544-49C4-A71C-C78FE5187513}" type="slidenum">
               <a:rPr lang="nl-BE" smtClean="0"/>
-              <a:t>‹#›</a:t>
+              <a:t>‹nº›</a:t>
             </a:fld>
             <a:endParaRPr lang="nl-BE"/>
           </a:p>
@@ -4834,7 +4954,7 @@
           <a:p>
             <a:fld id="{C80E15A5-E95B-43EB-9AC7-9A96397448C0}" type="datetimeFigureOut">
               <a:rPr lang="nl-BE" smtClean="0"/>
-              <a:t>22/10/2021</a:t>
+              <a:t>29/04/2022</a:t>
             </a:fld>
             <a:endParaRPr lang="nl-BE"/>
           </a:p>
@@ -4876,7 +4996,7 @@
           <a:p>
             <a:fld id="{67C3C120-4544-49C4-A71C-C78FE5187513}" type="slidenum">
               <a:rPr lang="nl-BE" smtClean="0"/>
-              <a:t>‹#›</a:t>
+              <a:t>‹nº›</a:t>
             </a:fld>
             <a:endParaRPr lang="nl-BE"/>
           </a:p>
@@ -5047,7 +5167,7 @@
           <a:p>
             <a:fld id="{C80E15A5-E95B-43EB-9AC7-9A96397448C0}" type="datetimeFigureOut">
               <a:rPr lang="nl-BE" smtClean="0"/>
-              <a:t>22/10/2021</a:t>
+              <a:t>29/04/2022</a:t>
             </a:fld>
             <a:endParaRPr lang="nl-BE"/>
           </a:p>
@@ -5125,7 +5245,7 @@
           <a:p>
             <a:fld id="{67C3C120-4544-49C4-A71C-C78FE5187513}" type="slidenum">
               <a:rPr lang="nl-BE" smtClean="0"/>
-              <a:t>‹#›</a:t>
+              <a:t>‹nº›</a:t>
             </a:fld>
             <a:endParaRPr lang="nl-BE"/>
           </a:p>
@@ -5457,7 +5577,7 @@
           <p:cNvPr id="2" name="Título 1">
             <a:extLst>
               <a:ext uri="{FF2B5EF4-FFF2-40B4-BE49-F238E27FC236}">
-                <a16:creationId xmlns:a16="http://schemas.microsoft.com/office/drawing/2014/main" xmlns="" id="{32666AC8-2E17-4DB4-B0F5-60C640CCFD2E}"/>
+                <a16:creationId xmlns="" xmlns:a16="http://schemas.microsoft.com/office/drawing/2014/main" id="{32666AC8-2E17-4DB4-B0F5-60C640CCFD2E}"/>
               </a:ext>
             </a:extLst>
           </p:cNvPr>
@@ -5516,7 +5636,7 @@
           <p:cNvPr id="4" name="CaixaDeTexto 3">
             <a:extLst>
               <a:ext uri="{FF2B5EF4-FFF2-40B4-BE49-F238E27FC236}">
-                <a16:creationId xmlns:a16="http://schemas.microsoft.com/office/drawing/2014/main" xmlns="" id="{430EB894-B7D4-434C-9D1A-A14094D9BEEC}"/>
+                <a16:creationId xmlns="" xmlns:a16="http://schemas.microsoft.com/office/drawing/2014/main" id="{430EB894-B7D4-434C-9D1A-A14094D9BEEC}"/>
               </a:ext>
             </a:extLst>
           </p:cNvPr>
@@ -5557,7 +5677,7 @@
           <p:cNvPr id="1026" name="Picture 2" descr="Logo">
             <a:extLst>
               <a:ext uri="{FF2B5EF4-FFF2-40B4-BE49-F238E27FC236}">
-                <a16:creationId xmlns:a16="http://schemas.microsoft.com/office/drawing/2014/main" xmlns="" id="{3F2642E0-4F6A-4196-8F58-E77D36E9A33F}"/>
+                <a16:creationId xmlns="" xmlns:a16="http://schemas.microsoft.com/office/drawing/2014/main" id="{3F2642E0-4F6A-4196-8F58-E77D36E9A33F}"/>
               </a:ext>
             </a:extLst>
           </p:cNvPr>
@@ -5602,7 +5722,7 @@
           <p:cNvPr id="5122" name="Picture 2" descr="Image result for machine learning">
             <a:extLst>
               <a:ext uri="{FF2B5EF4-FFF2-40B4-BE49-F238E27FC236}">
-                <a16:creationId xmlns:a16="http://schemas.microsoft.com/office/drawing/2014/main" xmlns="" id="{810CE0A2-4102-44A6-A370-175E7896CDCB}"/>
+                <a16:creationId xmlns="" xmlns:a16="http://schemas.microsoft.com/office/drawing/2014/main" id="{810CE0A2-4102-44A6-A370-175E7896CDCB}"/>
               </a:ext>
             </a:extLst>
           </p:cNvPr>
@@ -5769,8 +5889,8 @@
           </p:sp>
         </mc:Fallback>
       </mc:AlternateContent>
-      <mc:AlternateContent xmlns:mc="http://schemas.openxmlformats.org/markup-compatibility/2006">
-        <mc:Choice xmlns:a14="http://schemas.microsoft.com/office/drawing/2010/main" Requires="a14">
+      <mc:AlternateContent xmlns:mc="http://schemas.openxmlformats.org/markup-compatibility/2006" xmlns:a14="http://schemas.microsoft.com/office/drawing/2010/main">
+        <mc:Choice Requires="a14">
           <p:sp>
             <p:nvSpPr>
               <p:cNvPr id="3" name="Content Placeholder 2"/>
@@ -5940,15 +6060,7 @@
                 </a:pPr>
                 <a:r>
                   <a:rPr lang="pt-BR" sz="1800" dirty="0" smtClean="0"/>
-                  <a:t>O passo inicial com valor grande </a:t>
-                </a:r>
-                <a:r>
-                  <a:rPr lang="pt-BR" sz="1800" dirty="0" smtClean="0"/>
-                  <a:t>e que </a:t>
-                </a:r>
-                <a:r>
-                  <a:rPr lang="pt-BR" sz="1800" dirty="0" smtClean="0"/>
-                  <a:t>diminui ao longo das iterações, </a:t>
+                  <a:t>O passo inicial com valor grande e que diminui ao longo das iterações, </a:t>
                 </a:r>
                 <a:r>
                   <a:rPr lang="pt-BR" sz="1800" dirty="0"/>
@@ -6000,7 +6112,7 @@
             </p:txBody>
           </p:sp>
         </mc:Choice>
-        <mc:Fallback>
+        <mc:Fallback xmlns="">
           <p:sp>
             <p:nvSpPr>
               <p:cNvPr id="3" name="Content Placeholder 2"/>
@@ -7260,7 +7372,7 @@
           <p:cNvPr id="4" name="Título 1">
             <a:extLst>
               <a:ext uri="{FF2B5EF4-FFF2-40B4-BE49-F238E27FC236}">
-                <a16:creationId xmlns:a16="http://schemas.microsoft.com/office/drawing/2014/main" xmlns="" id="{32666AC8-2E17-4DB4-B0F5-60C640CCFD2E}"/>
+                <a16:creationId xmlns="" xmlns:a16="http://schemas.microsoft.com/office/drawing/2014/main" id="{32666AC8-2E17-4DB4-B0F5-60C640CCFD2E}"/>
               </a:ext>
             </a:extLst>
           </p:cNvPr>
@@ -15226,8 +15338,8 @@
           </a:p>
         </p:txBody>
       </p:sp>
-      <mc:AlternateContent xmlns:mc="http://schemas.openxmlformats.org/markup-compatibility/2006" xmlns:a14="http://schemas.microsoft.com/office/drawing/2010/main">
-        <mc:Choice Requires="a14">
+      <mc:AlternateContent xmlns:mc="http://schemas.openxmlformats.org/markup-compatibility/2006">
+        <mc:Choice xmlns:a14="http://schemas.microsoft.com/office/drawing/2010/main" Requires="a14">
           <p:sp>
             <p:nvSpPr>
               <p:cNvPr id="3" name="Content Placeholder 2"/>
@@ -15266,15 +15378,25 @@
                 <a:pPr lvl="1"/>
                 <a:r>
                   <a:rPr lang="pt-BR" dirty="0" smtClean="0"/>
-                  <a:t>Gradiente Ascendente</a:t>
+                  <a:t>Gradiente </a:t>
                 </a:r>
+                <a:r>
+                  <a:rPr lang="pt-BR" dirty="0" smtClean="0"/>
+                  <a:t>Ascendente para problemas de maximização.</a:t>
+                </a:r>
+                <a:endParaRPr lang="pt-BR" dirty="0" smtClean="0"/>
               </a:p>
               <a:p>
                 <a:pPr lvl="1"/>
                 <a:r>
                   <a:rPr lang="pt-BR" dirty="0" smtClean="0"/>
-                  <a:t>Gradiente Descendente</a:t>
+                  <a:t>Gradiente </a:t>
                 </a:r>
+                <a:r>
+                  <a:rPr lang="pt-BR" dirty="0" smtClean="0"/>
+                  <a:t>Descendente para problemas de minimização.</a:t>
+                </a:r>
+                <a:endParaRPr lang="pt-BR" dirty="0" smtClean="0"/>
               </a:p>
               <a:p>
                 <a:r>
@@ -15307,7 +15429,7 @@
             </p:txBody>
           </p:sp>
         </mc:Choice>
-        <mc:Fallback xmlns="">
+        <mc:Fallback>
           <p:sp>
             <p:nvSpPr>
               <p:cNvPr id="3" name="Content Placeholder 2"/>
@@ -25674,53 +25796,6 @@
           </p:sp>
         </mc:Fallback>
       </mc:AlternateContent>
-      <p:sp>
-        <p:nvSpPr>
-          <p:cNvPr id="4" name="Rectangle 3"/>
-          <p:cNvSpPr/>
-          <p:nvPr/>
-        </p:nvSpPr>
-        <p:spPr>
-          <a:xfrm>
-            <a:off x="195384" y="6400800"/>
-            <a:ext cx="5563972" cy="338554"/>
-          </a:xfrm>
-          <a:prstGeom prst="rect">
-            <a:avLst/>
-          </a:prstGeom>
-        </p:spPr>
-        <p:txBody>
-          <a:bodyPr wrap="square">
-            <a:spAutoFit/>
-          </a:bodyPr>
-          <a:lstStyle/>
-          <a:p>
-            <a:r>
-              <a:rPr lang="nl-BE" sz="1600" u="sng" dirty="0" smtClean="0">
-                <a:solidFill>
-                  <a:srgbClr val="00B0F0"/>
-                </a:solidFill>
-                <a:hlinkClick r:id="rId4"/>
-              </a:rPr>
-              <a:t>Exemplo: </a:t>
-            </a:r>
-            <a:r>
-              <a:rPr lang="pt-BR" sz="1600" u="sng" dirty="0" smtClean="0">
-                <a:solidFill>
-                  <a:srgbClr val="00B0F0"/>
-                </a:solidFill>
-                <a:hlinkClick r:id="rId4"/>
-              </a:rPr>
-              <a:t>linear_regression_selecting_the_learning_rate.ipynb</a:t>
-            </a:r>
-            <a:endParaRPr lang="pt-BR" sz="1600" u="sng" dirty="0">
-              <a:solidFill>
-                <a:srgbClr val="00B0F0"/>
-              </a:solidFill>
-            </a:endParaRPr>
-          </a:p>
-        </p:txBody>
-      </p:sp>
       <p:pic>
         <p:nvPicPr>
           <p:cNvPr id="6" name="Picture 5"/>
@@ -25730,7 +25805,7 @@
           <p:nvPr/>
         </p:nvPicPr>
         <p:blipFill rotWithShape="1">
-          <a:blip r:embed="rId5" cstate="print">
+          <a:blip r:embed="rId4" cstate="print">
             <a:extLst>
               <a:ext uri="{28A0092B-C50C-407E-A947-70E740481C1C}">
                 <a14:useLocalDpi xmlns:a14="http://schemas.microsoft.com/office/drawing/2010/main" val="0"/>
@@ -25759,7 +25834,7 @@
           <p:nvPr/>
         </p:nvPicPr>
         <p:blipFill rotWithShape="1">
-          <a:blip r:embed="rId6" cstate="print">
+          <a:blip r:embed="rId5" cstate="print">
             <a:extLst>
               <a:ext uri="{28A0092B-C50C-407E-A947-70E740481C1C}">
                 <a14:useLocalDpi xmlns:a14="http://schemas.microsoft.com/office/drawing/2010/main" val="0"/>
@@ -25788,7 +25863,7 @@
           <p:nvPr/>
         </p:nvPicPr>
         <p:blipFill rotWithShape="1">
-          <a:blip r:embed="rId7" cstate="print">
+          <a:blip r:embed="rId6" cstate="print">
             <a:extLst>
               <a:ext uri="{28A0092B-C50C-407E-A947-70E740481C1C}">
                 <a14:useLocalDpi xmlns:a14="http://schemas.microsoft.com/office/drawing/2010/main" val="0"/>
@@ -25976,7 +26051,7 @@
         </p:nvSpPr>
         <p:spPr>
           <a:xfrm>
-            <a:off x="838200" y="228645"/>
+            <a:off x="838200" y="112895"/>
             <a:ext cx="10515600" cy="1325563"/>
           </a:xfrm>
         </p:spPr>
@@ -26008,8 +26083,8 @@
           </a:p>
         </p:txBody>
       </p:sp>
-      <mc:AlternateContent xmlns:mc="http://schemas.openxmlformats.org/markup-compatibility/2006" xmlns:a14="http://schemas.microsoft.com/office/drawing/2010/main">
-        <mc:Choice Requires="a14">
+      <mc:AlternateContent xmlns:mc="http://schemas.openxmlformats.org/markup-compatibility/2006">
+        <mc:Choice xmlns:a14="http://schemas.microsoft.com/office/drawing/2010/main" Requires="a14">
           <p:sp>
             <p:nvSpPr>
               <p:cNvPr id="3" name="Content Placeholder 2"/>
@@ -26135,7 +26210,15 @@
                 </a14:m>
                 <a:r>
                   <a:rPr lang="pt-BR" dirty="0" smtClean="0"/>
-                  <a:t>é bem grande, a </a:t>
+                  <a:t>é </a:t>
+                </a:r>
+                <a:r>
+                  <a:rPr lang="pt-BR" dirty="0" smtClean="0"/>
+                  <a:t>muito grande</a:t>
+                </a:r>
+                <a:r>
+                  <a:rPr lang="pt-BR" dirty="0" smtClean="0"/>
+                  <a:t>, a </a:t>
                 </a:r>
                 <a:r>
                   <a:rPr lang="pt-BR" dirty="0"/>
@@ -26150,7 +26233,7 @@
             </p:txBody>
           </p:sp>
         </mc:Choice>
-        <mc:Fallback xmlns="">
+        <mc:Fallback>
           <p:sp>
             <p:nvSpPr>
               <p:cNvPr id="3" name="Content Placeholder 2"/>
@@ -26699,6 +26782,53 @@
           </p:sp>
         </mc:Fallback>
       </mc:AlternateContent>
+      <p:sp>
+        <p:nvSpPr>
+          <p:cNvPr id="13" name="Rectangle 3"/>
+          <p:cNvSpPr/>
+          <p:nvPr/>
+        </p:nvSpPr>
+        <p:spPr>
+          <a:xfrm>
+            <a:off x="6633354" y="1144896"/>
+            <a:ext cx="5563972" cy="338554"/>
+          </a:xfrm>
+          <a:prstGeom prst="rect">
+            <a:avLst/>
+          </a:prstGeom>
+        </p:spPr>
+        <p:txBody>
+          <a:bodyPr wrap="square">
+            <a:spAutoFit/>
+          </a:bodyPr>
+          <a:lstStyle/>
+          <a:p>
+            <a:r>
+              <a:rPr lang="nl-BE" sz="1600" u="sng" dirty="0" smtClean="0">
+                <a:solidFill>
+                  <a:srgbClr val="00B0F0"/>
+                </a:solidFill>
+                <a:hlinkClick r:id="rId12"/>
+              </a:rPr>
+              <a:t>Exemplo: </a:t>
+            </a:r>
+            <a:r>
+              <a:rPr lang="pt-BR" sz="1600" u="sng" dirty="0" smtClean="0">
+                <a:solidFill>
+                  <a:srgbClr val="00B0F0"/>
+                </a:solidFill>
+                <a:hlinkClick r:id="rId12"/>
+              </a:rPr>
+              <a:t>linear_regression_selecting_the_learning_rate.ipynb</a:t>
+            </a:r>
+            <a:endParaRPr lang="pt-BR" sz="1600" u="sng" dirty="0">
+              <a:solidFill>
+                <a:srgbClr val="00B0F0"/>
+              </a:solidFill>
+            </a:endParaRPr>
+          </a:p>
+        </p:txBody>
+      </p:sp>
     </p:spTree>
     <p:extLst>
       <p:ext uri="{BB962C8B-B14F-4D97-AF65-F5344CB8AC3E}">
@@ -28159,11 +28289,7 @@
                 </a:r>
                 <a:r>
                   <a:rPr lang="pt-BR" dirty="0"/>
-                  <a:t> </a:t>
-                </a:r>
-                <a:r>
-                  <a:rPr lang="pt-BR" dirty="0"/>
-                  <a:t>o algoritmo do </a:t>
+                  <a:t> o algoritmo do </a:t>
                 </a:r>
                 <a:r>
                   <a:rPr lang="pt-BR" b="1" i="1" dirty="0"/>
@@ -28187,11 +28313,7 @@
                 </a:r>
                 <a:r>
                   <a:rPr lang="pt-BR" dirty="0" smtClean="0"/>
-                  <a:t>da superfície de </a:t>
-                </a:r>
-                <a:r>
-                  <a:rPr lang="pt-BR" dirty="0" smtClean="0"/>
-                  <a:t>contorno, é </a:t>
+                  <a:t>da superfície de contorno, é </a:t>
                 </a:r>
                 <a:r>
                   <a:rPr lang="pt-BR" dirty="0"/>
@@ -28207,12 +28329,9 @@
                 </a:r>
                 <a:r>
                   <a:rPr lang="pt-BR" dirty="0" smtClean="0"/>
-                  <a:t>iterações ou épocas</a:t>
+                  <a:t>iterações. </a:t>
                 </a:r>
-                <a:r>
-                  <a:rPr lang="pt-BR" dirty="0"/>
-                  <a:t>. </a:t>
-                </a:r>
+                <a:endParaRPr lang="pt-BR" dirty="0"/>
               </a:p>
               <a:p>
                 <a:pPr lvl="1"/>
@@ -28236,11 +28355,7 @@
                 </a:r>
                 <a:r>
                   <a:rPr lang="pt-BR" dirty="0" smtClean="0"/>
-                  <a:t>ideal: </a:t>
-                </a:r>
-                <a:r>
-                  <a:rPr lang="pt-BR" dirty="0" smtClean="0"/>
-                  <a:t>convegência rápida</a:t>
+                  <a:t>ideal: convegência rápida</a:t>
                 </a:r>
                 <a:endParaRPr lang="pt-BR" dirty="0"/>
               </a:p>
@@ -28255,7 +28370,15 @@
                 <a:pPr lvl="2"/>
                 <a:r>
                   <a:rPr lang="pt-BR" dirty="0"/>
-                  <a:t>Convergência pode ser declarada quando o erro entre duas </a:t>
+                  <a:t>Convergência pode ser </a:t>
+                </a:r>
+                <a:r>
+                  <a:rPr lang="pt-BR" dirty="0" smtClean="0"/>
+                  <a:t>declarada, por exemplo, </a:t>
+                </a:r>
+                <a:r>
+                  <a:rPr lang="pt-BR" dirty="0"/>
+                  <a:t>quando o erro entre duas </a:t>
                 </a:r>
                 <a:r>
                   <a:rPr lang="pt-BR" dirty="0" smtClean="0"/>
@@ -28305,11 +28428,11 @@
                 </a14:m>
                 <a:r>
                   <a:rPr lang="pt-BR" dirty="0"/>
-                  <a:t>Passo grande demais: divergência</a:t>
+                  <a:t>Passo grande demais: </a:t>
                 </a:r>
                 <a:r>
                   <a:rPr lang="pt-BR" dirty="0" smtClean="0"/>
-                  <a:t>.</a:t>
+                  <a:t>divergência e oscilação.</a:t>
                 </a:r>
                 <a:endParaRPr lang="pt-BR" dirty="0"/>
               </a:p>
@@ -28335,7 +28458,7 @@
               <a:blipFill rotWithShape="0">
                 <a:blip r:embed="rId3"/>
                 <a:stretch>
-                  <a:fillRect l="-872" t="-2595" b="-3633"/>
+                  <a:fillRect l="-872" t="-2595"/>
                 </a:stretch>
               </a:blipFill>
             </p:spPr>
@@ -29203,8 +29326,8 @@
           </a:p>
         </p:txBody>
       </p:sp>
-      <mc:AlternateContent xmlns:mc="http://schemas.openxmlformats.org/markup-compatibility/2006">
-        <mc:Choice xmlns:a14="http://schemas.microsoft.com/office/drawing/2010/main" Requires="a14">
+      <mc:AlternateContent xmlns:mc="http://schemas.openxmlformats.org/markup-compatibility/2006" xmlns:a14="http://schemas.microsoft.com/office/drawing/2010/main">
+        <mc:Choice Requires="a14">
           <p:sp>
             <p:nvSpPr>
               <p:cNvPr id="3" name="Content Placeholder 2"/>
@@ -29317,7 +29440,6 @@
                   <a:rPr lang="pt-BR" dirty="0" smtClean="0"/>
                   <a:t>treinamento, ou seja, ao longo das iterações. </a:t>
                 </a:r>
-                <a:endParaRPr lang="pt-BR" dirty="0" smtClean="0"/>
               </a:p>
               <a:p>
                 <a:pPr lvl="1"/>
@@ -29417,7 +29539,6 @@
                   <a:rPr lang="pt-BR" dirty="0" smtClean="0"/>
                   <a:t>e atualizá-los de forma independente.</a:t>
                 </a:r>
-                <a:endParaRPr lang="pt-BR" dirty="0" smtClean="0"/>
               </a:p>
               <a:p>
                 <a:pPr lvl="1">
@@ -29453,7 +29574,7 @@
             </p:txBody>
           </p:sp>
         </mc:Choice>
-        <mc:Fallback>
+        <mc:Fallback xmlns="">
           <p:sp>
             <p:nvSpPr>
               <p:cNvPr id="3" name="Content Placeholder 2"/>
@@ -29572,13 +29693,13 @@
             </p:nvSpPr>
             <p:spPr>
               <a:xfrm>
-                <a:off x="838200" y="1538288"/>
-                <a:ext cx="11137900" cy="5319712"/>
+                <a:off x="838200" y="1620456"/>
+                <a:ext cx="11137900" cy="5237544"/>
               </a:xfrm>
             </p:spPr>
             <p:txBody>
               <a:bodyPr>
-                <a:normAutofit lnSpcReduction="10000"/>
+                <a:normAutofit fontScale="92500" lnSpcReduction="10000"/>
               </a:bodyPr>
               <a:lstStyle/>
               <a:p>
@@ -29658,11 +29779,7 @@
                 </a:r>
                 <a:r>
                   <a:rPr lang="pt-BR" dirty="0" smtClean="0"/>
-                  <a:t>um </a:t>
-                </a:r>
-                <a:r>
-                  <a:rPr lang="pt-BR" dirty="0" smtClean="0"/>
-                  <a:t>fator, </a:t>
+                  <a:t>um fator, </a:t>
                 </a:r>
                 <a14:m>
                   <m:oMath xmlns:m="http://schemas.openxmlformats.org/officeDocument/2006/math">
@@ -29729,11 +29846,7 @@
                 </a:r>
                 <a:r>
                   <a:rPr lang="pt-BR" dirty="0" smtClean="0"/>
-                  <a:t>é </a:t>
-                </a:r>
-                <a:r>
-                  <a:rPr lang="pt-BR" dirty="0" smtClean="0"/>
-                  <a:t>de </a:t>
+                  <a:t>é de </a:t>
                 </a:r>
                 <a14:m>
                   <m:oMath xmlns:m="http://schemas.openxmlformats.org/officeDocument/2006/math">
@@ -29812,12 +29925,8 @@
                   <a:t>: </a:t>
                 </a:r>
                 <a:r>
-                  <a:rPr lang="pt-BR" dirty="0"/>
-                  <a:t>tem a forma </a:t>
-                </a:r>
-                <a:r>
                   <a:rPr lang="pt-BR" dirty="0" smtClean="0"/>
-                  <a:t>matemática </a:t>
+                  <a:t>é expresso pela equação </a:t>
                 </a:r>
                 <a14:m>
                   <m:oMath xmlns:m="http://schemas.openxmlformats.org/officeDocument/2006/math">
@@ -29980,24 +30089,13 @@
                 </a:r>
                 <a:r>
                   <a:rPr lang="pt-BR" dirty="0"/>
-                  <a:t>é o número da iteração </a:t>
+                  <a:t>é o número da </a:t>
                 </a:r>
                 <a:r>
                   <a:rPr lang="pt-BR" dirty="0" smtClean="0"/>
-                  <a:t>atual (</a:t>
+                  <a:t>iteração ou época corrente.</a:t>
                 </a:r>
-                <a:r>
-                  <a:rPr lang="pt-BR" dirty="0" smtClean="0"/>
-                  <a:t>pode-se </a:t>
-                </a:r>
-                <a:r>
-                  <a:rPr lang="pt-BR" dirty="0"/>
-                  <a:t>usar </a:t>
-                </a:r>
-                <a:r>
-                  <a:rPr lang="pt-BR" dirty="0" smtClean="0"/>
-                  <a:t>também o número de épocas).</a:t>
-                </a:r>
+                <a:endParaRPr lang="pt-BR" dirty="0" smtClean="0"/>
               </a:p>
               <a:p>
                 <a:pPr lvl="1">
@@ -30014,11 +30112,11 @@
                 </a:r>
                 <a:r>
                   <a:rPr lang="pt-BR" dirty="0" smtClean="0"/>
-                  <a:t>: tem </a:t>
+                  <a:t>: </a:t>
                 </a:r>
                 <a:r>
                   <a:rPr lang="pt-BR" dirty="0"/>
-                  <a:t>a forma matemática </a:t>
+                  <a:t>é expresso pela equação </a:t>
                 </a:r>
                 <a14:m>
                   <m:oMath xmlns:m="http://schemas.openxmlformats.org/officeDocument/2006/math">
@@ -30190,8 +30288,13 @@
                 </a:r>
                 <a:r>
                   <a:rPr lang="pt-BR" dirty="0"/>
-                  <a:t>é o número da iteração.</a:t>
+                  <a:t>é o número da </a:t>
                 </a:r>
+                <a:r>
+                  <a:rPr lang="pt-BR" dirty="0" smtClean="0"/>
+                  <a:t>iteração ou época corrente.</a:t>
+                </a:r>
+                <a:endParaRPr lang="pt-BR" dirty="0"/>
               </a:p>
               <a:p>
                 <a:r>
@@ -30220,11 +30323,70 @@
                 </a:r>
                 <a:r>
                   <a:rPr lang="pt-BR" dirty="0"/>
-                  <a:t>a fração de decaimento e os intervalos de </a:t>
+                  <a:t>a </a:t>
                 </a:r>
                 <a:r>
                   <a:rPr lang="pt-BR" dirty="0" smtClean="0"/>
-                  <a:t>tempo para redução) </a:t>
+                  <a:t>taxa de decaimento, </a:t>
+                </a:r>
+                <a14:m>
+                  <m:oMath xmlns:m="http://schemas.openxmlformats.org/officeDocument/2006/math">
+                    <m:sSub>
+                      <m:sSubPr>
+                        <m:ctrlPr>
+                          <a:rPr lang="pt-BR" i="1">
+                            <a:latin typeface="Cambria Math" panose="02040503050406030204" pitchFamily="18" charset="0"/>
+                            <a:ea typeface="Cambria Math" panose="02040503050406030204" pitchFamily="18" charset="0"/>
+                          </a:rPr>
+                        </m:ctrlPr>
+                      </m:sSubPr>
+                      <m:e>
+                        <m:r>
+                          <a:rPr lang="pt-BR" i="1">
+                            <a:latin typeface="Cambria Math" panose="02040503050406030204" pitchFamily="18" charset="0"/>
+                            <a:ea typeface="Cambria Math" panose="02040503050406030204" pitchFamily="18" charset="0"/>
+                          </a:rPr>
+                          <m:t>𝜏</m:t>
+                        </m:r>
+                      </m:e>
+                      <m:sub>
+                        <m:r>
+                          <a:rPr lang="pt-BR" i="1">
+                            <a:latin typeface="Cambria Math" panose="02040503050406030204" pitchFamily="18" charset="0"/>
+                            <a:ea typeface="Cambria Math" panose="02040503050406030204" pitchFamily="18" charset="0"/>
+                          </a:rPr>
+                          <m:t>0</m:t>
+                        </m:r>
+                      </m:sub>
+                    </m:sSub>
+                  </m:oMath>
+                </a14:m>
+                <a:r>
+                  <a:rPr lang="pt-BR" dirty="0" smtClean="0"/>
+                  <a:t>, </a:t>
+                </a:r>
+                <a:r>
+                  <a:rPr lang="pt-BR" dirty="0"/>
+                  <a:t>e </a:t>
+                </a:r>
+                <a:r>
+                  <a:rPr lang="pt-BR" dirty="0" smtClean="0"/>
+                  <a:t>o intervalo para redução, </a:t>
+                </a:r>
+                <a14:m>
+                  <m:oMath xmlns:m="http://schemas.openxmlformats.org/officeDocument/2006/math">
+                    <m:r>
+                      <a:rPr lang="pt-BR" i="1">
+                        <a:latin typeface="Cambria Math" panose="02040503050406030204" pitchFamily="18" charset="0"/>
+                        <a:ea typeface="Cambria Math" panose="02040503050406030204" pitchFamily="18" charset="0"/>
+                      </a:rPr>
+                      <m:t>𝛽</m:t>
+                    </m:r>
+                  </m:oMath>
+                </a14:m>
+                <a:r>
+                  <a:rPr lang="pt-BR" dirty="0" smtClean="0"/>
+                  <a:t>) </a:t>
                 </a:r>
                 <a:r>
                   <a:rPr lang="pt-BR" dirty="0"/>
@@ -30243,8 +30405,27 @@
                 </a14:m>
                 <a:r>
                   <a:rPr lang="pt-BR" dirty="0" smtClean="0"/>
-                  <a:t>, que dita a taxa de decaimento do passo de aprendizagem.</a:t>
+                  <a:t>, que dita a taxa de decaimento do passo de aprendizagem</a:t>
                 </a:r>
+                <a:r>
+                  <a:rPr lang="pt-BR" dirty="0" smtClean="0"/>
+                  <a:t>.</a:t>
+                </a:r>
+              </a:p>
+              <a:p>
+                <a:r>
+                  <a:rPr lang="pt-BR" dirty="0" smtClean="0"/>
+                  <a:t>Mas percebam que ainda temos que encontrar os </a:t>
+                </a:r>
+                <a:r>
+                  <a:rPr lang="pt-BR" b="1" i="1" dirty="0" err="1" smtClean="0"/>
+                  <a:t>hiperparâmetros</a:t>
+                </a:r>
+                <a:r>
+                  <a:rPr lang="pt-BR" dirty="0" smtClean="0"/>
+                  <a:t>.</a:t>
+                </a:r>
+                <a:endParaRPr lang="pt-BR" dirty="0" smtClean="0"/>
               </a:p>
             </p:txBody>
           </p:sp>
@@ -30262,13 +30443,13 @@
             </p:nvSpPr>
             <p:spPr>
               <a:xfrm>
-                <a:off x="838200" y="1538288"/>
-                <a:ext cx="11137900" cy="5319712"/>
+                <a:off x="838200" y="1620456"/>
+                <a:ext cx="11137900" cy="5237544"/>
               </a:xfrm>
               <a:blipFill rotWithShape="0">
                 <a:blip r:embed="rId2"/>
                 <a:stretch>
-                  <a:fillRect l="-985" t="-2520" r="-1423" b="-115"/>
+                  <a:fillRect l="-876" t="-2328" r="-1587"/>
                 </a:stretch>
               </a:blipFill>
             </p:spPr>

--- a/slides/T319_Regressão_Linear (Parte III).pptx
+++ b/slides/T319_Regressão_Linear (Parte III).pptx
@@ -548,7 +548,7 @@
           <a:p>
             <a:fld id="{DAF0AF11-6A8A-4E64-94F5-26D4FBA2A01D}" type="datetimeFigureOut">
               <a:rPr lang="nl-BE" smtClean="0"/>
-              <a:t>29/04/2022</a:t>
+              <a:t>13/05/2022</a:t>
             </a:fld>
             <a:endParaRPr lang="nl-BE"/>
           </a:p>
@@ -965,6 +965,90 @@
           <a:p>
             <a:fld id="{DA8B99DF-01BC-492A-8CEF-4FD88D18DD9D}" type="slidenum">
               <a:rPr lang="nl-BE" smtClean="0"/>
+              <a:t>16</a:t>
+            </a:fld>
+            <a:endParaRPr lang="nl-BE"/>
+          </a:p>
+        </p:txBody>
+      </p:sp>
+    </p:spTree>
+    <p:extLst>
+      <p:ext uri="{BB962C8B-B14F-4D97-AF65-F5344CB8AC3E}">
+        <p14:creationId xmlns:p14="http://schemas.microsoft.com/office/powerpoint/2010/main" val="3474938315"/>
+      </p:ext>
+    </p:extLst>
+  </p:cSld>
+  <p:clrMapOvr>
+    <a:masterClrMapping/>
+  </p:clrMapOvr>
+</p:notes>
+</file>
+
+<file path=ppt/notesSlides/notesSlide11.xml><?xml version="1.0" encoding="utf-8"?>
+<p:notes xmlns:a="http://schemas.openxmlformats.org/drawingml/2006/main" xmlns:r="http://schemas.openxmlformats.org/officeDocument/2006/relationships" xmlns:p="http://schemas.openxmlformats.org/presentationml/2006/main">
+  <p:cSld>
+    <p:spTree>
+      <p:nvGrpSpPr>
+        <p:cNvPr id="1" name=""/>
+        <p:cNvGrpSpPr/>
+        <p:nvPr/>
+      </p:nvGrpSpPr>
+      <p:grpSpPr>
+        <a:xfrm>
+          <a:off x="0" y="0"/>
+          <a:ext cx="0" cy="0"/>
+          <a:chOff x="0" y="0"/>
+          <a:chExt cx="0" cy="0"/>
+        </a:xfrm>
+      </p:grpSpPr>
+      <p:sp>
+        <p:nvSpPr>
+          <p:cNvPr id="2" name="Slide Image Placeholder 1"/>
+          <p:cNvSpPr>
+            <a:spLocks noGrp="1" noRot="1" noChangeAspect="1"/>
+          </p:cNvSpPr>
+          <p:nvPr>
+            <p:ph type="sldImg"/>
+          </p:nvPr>
+        </p:nvSpPr>
+        <p:spPr/>
+      </p:sp>
+      <p:sp>
+        <p:nvSpPr>
+          <p:cNvPr id="3" name="Notes Placeholder 2"/>
+          <p:cNvSpPr>
+            <a:spLocks noGrp="1"/>
+          </p:cNvSpPr>
+          <p:nvPr>
+            <p:ph type="body" idx="1"/>
+          </p:nvPr>
+        </p:nvSpPr>
+        <p:spPr/>
+        <p:txBody>
+          <a:bodyPr/>
+          <a:lstStyle/>
+          <a:p>
+            <a:endParaRPr lang="nl-BE" dirty="0"/>
+          </a:p>
+        </p:txBody>
+      </p:sp>
+      <p:sp>
+        <p:nvSpPr>
+          <p:cNvPr id="4" name="Slide Number Placeholder 3"/>
+          <p:cNvSpPr>
+            <a:spLocks noGrp="1"/>
+          </p:cNvSpPr>
+          <p:nvPr>
+            <p:ph type="sldNum" sz="quarter" idx="10"/>
+          </p:nvPr>
+        </p:nvSpPr>
+        <p:spPr/>
+        <p:txBody>
+          <a:bodyPr/>
+          <a:lstStyle/>
+          <a:p>
+            <a:fld id="{DA8B99DF-01BC-492A-8CEF-4FD88D18DD9D}" type="slidenum">
+              <a:rPr lang="nl-BE" smtClean="0"/>
               <a:t>17</a:t>
             </a:fld>
             <a:endParaRPr lang="nl-BE"/>
@@ -984,7 +1068,7 @@
 </p:notes>
 </file>
 
-<file path=ppt/notesSlides/notesSlide11.xml><?xml version="1.0" encoding="utf-8"?>
+<file path=ppt/notesSlides/notesSlide12.xml><?xml version="1.0" encoding="utf-8"?>
 <p:notes xmlns:a="http://schemas.openxmlformats.org/drawingml/2006/main" xmlns:r="http://schemas.openxmlformats.org/officeDocument/2006/relationships" xmlns:p="http://schemas.openxmlformats.org/presentationml/2006/main">
   <p:cSld>
     <p:spTree>
@@ -1068,7 +1152,7 @@
 </p:notes>
 </file>
 
-<file path=ppt/notesSlides/notesSlide12.xml><?xml version="1.0" encoding="utf-8"?>
+<file path=ppt/notesSlides/notesSlide13.xml><?xml version="1.0" encoding="utf-8"?>
 <p:notes xmlns:a="http://schemas.openxmlformats.org/drawingml/2006/main" xmlns:r="http://schemas.openxmlformats.org/officeDocument/2006/relationships" xmlns:p="http://schemas.openxmlformats.org/presentationml/2006/main">
   <p:cSld>
     <p:spTree>
@@ -1223,11 +1307,7 @@
             </a:r>
             <a:r>
               <a:rPr lang="pt-BR" dirty="0" smtClean="0"/>
-              <a:t>: https://</a:t>
-            </a:r>
-            <a:r>
-              <a:rPr lang="pt-BR" dirty="0" smtClean="0"/>
-              <a:t>mybinder.org/v2/gh/zz4fap/t319_aprendizado_de_maquina/main?filepath=notebooks%2Fregression%2Flinear_regression_selecting_the_learning_rate.ipynb</a:t>
+              <a:t>: https://mybinder.org/v2/gh/zz4fap/t319_aprendizado_de_maquina/main?filepath=notebooks%2Fregression%2Flinear_regression_selecting_the_learning_rate.ipynb</a:t>
             </a:r>
           </a:p>
           <a:p>
@@ -1276,7 +1356,6 @@
               <a:rPr lang="pt-BR" dirty="0" smtClean="0"/>
               <a:t>: https://colab.research.google.com/github/zz4fap/t319_aprendizado_de_maquina/blob/main/notebooks/regression/linear_regression_selecting_the_learning_rate.ipynb</a:t>
             </a:r>
-            <a:endParaRPr lang="pt-BR" dirty="0" smtClean="0"/>
           </a:p>
           <a:p>
             <a:pPr marL="0" marR="0" lvl="0" indent="0" algn="l" defTabSz="914400" rtl="0" eaLnBrk="1" fontAlgn="auto" latinLnBrk="0" hangingPunct="1">
@@ -1873,12 +1952,30 @@
           <a:lstStyle/>
           <a:p>
             <a:r>
-              <a:rPr lang="pt-BR" dirty="0"/>
+              <a:rPr lang="pt-BR" dirty="0" smtClean="0"/>
+              <a:t>Como sabemos se o gradiente</a:t>
+            </a:r>
+            <a:r>
+              <a:rPr lang="pt-BR" baseline="0" dirty="0" smtClean="0"/>
+              <a:t> descendente está funcionando corretamente em relação ao aprendizado?</a:t>
+            </a:r>
+            <a:endParaRPr lang="pt-BR" dirty="0" smtClean="0"/>
+          </a:p>
+          <a:p>
+            <a:endParaRPr lang="pt-BR" dirty="0" smtClean="0"/>
+          </a:p>
+          <a:p>
+            <a:r>
+              <a:rPr lang="pt-BR" dirty="0" smtClean="0"/>
               <a:t>Como</a:t>
             </a:r>
             <a:r>
+              <a:rPr lang="pt-BR" baseline="0" dirty="0" smtClean="0"/>
+              <a:t> </a:t>
+            </a:r>
+            <a:r>
               <a:rPr lang="pt-BR" baseline="0" dirty="0"/>
-              <a:t> você consegue debugar/depurar o algoritmo do gradiente descendente quando não é possível se plotar o gráfico de contorno e verificar o caminho seguido pelo algoritmo?</a:t>
+              <a:t>você consegue debugar/depurar o algoritmo do gradiente descendente quando não é possível se plotar o gráfico de contorno e verificar o caminho seguido pelo algoritmo?</a:t>
             </a:r>
             <a:endParaRPr lang="pt-BR" dirty="0"/>
           </a:p>
@@ -1921,6 +2018,90 @@
 </file>
 
 <file path=ppt/notesSlides/notesSlide6.xml><?xml version="1.0" encoding="utf-8"?>
+<p:notes xmlns:a="http://schemas.openxmlformats.org/drawingml/2006/main" xmlns:r="http://schemas.openxmlformats.org/officeDocument/2006/relationships" xmlns:p="http://schemas.openxmlformats.org/presentationml/2006/main">
+  <p:cSld>
+    <p:spTree>
+      <p:nvGrpSpPr>
+        <p:cNvPr id="1" name=""/>
+        <p:cNvGrpSpPr/>
+        <p:nvPr/>
+      </p:nvGrpSpPr>
+      <p:grpSpPr>
+        <a:xfrm>
+          <a:off x="0" y="0"/>
+          <a:ext cx="0" cy="0"/>
+          <a:chOff x="0" y="0"/>
+          <a:chExt cx="0" cy="0"/>
+        </a:xfrm>
+      </p:grpSpPr>
+      <p:sp>
+        <p:nvSpPr>
+          <p:cNvPr id="2" name="Espaço Reservado para Imagem de Slide 1"/>
+          <p:cNvSpPr>
+            <a:spLocks noGrp="1" noRot="1" noChangeAspect="1"/>
+          </p:cNvSpPr>
+          <p:nvPr>
+            <p:ph type="sldImg"/>
+          </p:nvPr>
+        </p:nvSpPr>
+        <p:spPr/>
+      </p:sp>
+      <p:sp>
+        <p:nvSpPr>
+          <p:cNvPr id="3" name="Espaço Reservado para Anotações 2"/>
+          <p:cNvSpPr>
+            <a:spLocks noGrp="1"/>
+          </p:cNvSpPr>
+          <p:nvPr>
+            <p:ph type="body" idx="1"/>
+          </p:nvPr>
+        </p:nvSpPr>
+        <p:spPr/>
+        <p:txBody>
+          <a:bodyPr/>
+          <a:lstStyle/>
+          <a:p>
+            <a:endParaRPr lang="pt-BR" dirty="0"/>
+          </a:p>
+        </p:txBody>
+      </p:sp>
+      <p:sp>
+        <p:nvSpPr>
+          <p:cNvPr id="4" name="Espaço Reservado para Número de Slide 3"/>
+          <p:cNvSpPr>
+            <a:spLocks noGrp="1"/>
+          </p:cNvSpPr>
+          <p:nvPr>
+            <p:ph type="sldNum" sz="quarter" idx="10"/>
+          </p:nvPr>
+        </p:nvSpPr>
+        <p:spPr/>
+        <p:txBody>
+          <a:bodyPr/>
+          <a:lstStyle/>
+          <a:p>
+            <a:fld id="{DA8B99DF-01BC-492A-8CEF-4FD88D18DD9D}" type="slidenum">
+              <a:rPr lang="nl-BE" smtClean="0"/>
+              <a:t>7</a:t>
+            </a:fld>
+            <a:endParaRPr lang="nl-BE"/>
+          </a:p>
+        </p:txBody>
+      </p:sp>
+    </p:spTree>
+    <p:extLst>
+      <p:ext uri="{BB962C8B-B14F-4D97-AF65-F5344CB8AC3E}">
+        <p14:creationId xmlns:p14="http://schemas.microsoft.com/office/powerpoint/2010/main" val="1874720266"/>
+      </p:ext>
+    </p:extLst>
+  </p:cSld>
+  <p:clrMapOvr>
+    <a:masterClrMapping/>
+  </p:clrMapOvr>
+</p:notes>
+</file>
+
+<file path=ppt/notesSlides/notesSlide7.xml><?xml version="1.0" encoding="utf-8"?>
 <p:notes xmlns:a="http://schemas.openxmlformats.org/drawingml/2006/main" xmlns:r="http://schemas.openxmlformats.org/officeDocument/2006/relationships" xmlns:p="http://schemas.openxmlformats.org/presentationml/2006/main">
   <p:cSld>
     <p:spTree>
@@ -2190,7 +2371,7 @@
 </p:notes>
 </file>
 
-<file path=ppt/notesSlides/notesSlide7.xml><?xml version="1.0" encoding="utf-8"?>
+<file path=ppt/notesSlides/notesSlide8.xml><?xml version="1.0" encoding="utf-8"?>
 <p:notes xmlns:a="http://schemas.openxmlformats.org/drawingml/2006/main" xmlns:r="http://schemas.openxmlformats.org/officeDocument/2006/relationships" xmlns:p="http://schemas.openxmlformats.org/presentationml/2006/main">
   <p:cSld>
     <p:spTree>
@@ -2257,11 +2438,7 @@
             </a:r>
             <a:r>
               <a:rPr lang="pt-BR" dirty="0" smtClean="0"/>
-              <a:t>: https://</a:t>
-            </a:r>
-            <a:r>
-              <a:rPr lang="pt-BR" dirty="0" smtClean="0"/>
-              <a:t>mybinder.org/v2/gh/zz4fap/t319_aprendizado_de_maquina/main?filepath=notebooks%2Fregression%2Fgd_versions%2Fstocastic_gradient_descent_with_learning_schedule_and_with_figures.ipynb</a:t>
+              <a:t>: https://mybinder.org/v2/gh/zz4fap/t319_aprendizado_de_maquina/main?filepath=notebooks%2Fregression%2Fgd_versions%2Fstocastic_gradient_descent_with_learning_schedule_and_with_figures.ipynb</a:t>
             </a:r>
           </a:p>
           <a:p>
@@ -2318,7 +2495,6 @@
               <a:rPr lang="pt-BR" dirty="0" smtClean="0"/>
               <a:t>https://colab.research.google.com/github/zz4fap/t319_aprendizado_de_maquina/blob/main/notebooks/regression/gd_versions/stocastic_gradient_descent_with_learning_schedule_and_with_figures.ipynb</a:t>
             </a:r>
-            <a:endParaRPr lang="pt-BR" dirty="0" smtClean="0"/>
           </a:p>
           <a:p>
             <a:endParaRPr lang="pt-BR" sz="1200" baseline="0" dirty="0" smtClean="0"/>
@@ -2516,7 +2692,7 @@
 </p:notes>
 </file>
 
-<file path=ppt/notesSlides/notesSlide8.xml><?xml version="1.0" encoding="utf-8"?>
+<file path=ppt/notesSlides/notesSlide9.xml><?xml version="1.0" encoding="utf-8"?>
 <p:notes xmlns:a="http://schemas.openxmlformats.org/drawingml/2006/main" xmlns:r="http://schemas.openxmlformats.org/officeDocument/2006/relationships" xmlns:p="http://schemas.openxmlformats.org/presentationml/2006/main">
   <p:cSld>
     <p:spTree>
@@ -2622,90 +2798,6 @@
     <p:extLst>
       <p:ext uri="{BB962C8B-B14F-4D97-AF65-F5344CB8AC3E}">
         <p14:creationId xmlns:p14="http://schemas.microsoft.com/office/powerpoint/2010/main" val="1119925003"/>
-      </p:ext>
-    </p:extLst>
-  </p:cSld>
-  <p:clrMapOvr>
-    <a:masterClrMapping/>
-  </p:clrMapOvr>
-</p:notes>
-</file>
-
-<file path=ppt/notesSlides/notesSlide9.xml><?xml version="1.0" encoding="utf-8"?>
-<p:notes xmlns:a="http://schemas.openxmlformats.org/drawingml/2006/main" xmlns:r="http://schemas.openxmlformats.org/officeDocument/2006/relationships" xmlns:p="http://schemas.openxmlformats.org/presentationml/2006/main">
-  <p:cSld>
-    <p:spTree>
-      <p:nvGrpSpPr>
-        <p:cNvPr id="1" name=""/>
-        <p:cNvGrpSpPr/>
-        <p:nvPr/>
-      </p:nvGrpSpPr>
-      <p:grpSpPr>
-        <a:xfrm>
-          <a:off x="0" y="0"/>
-          <a:ext cx="0" cy="0"/>
-          <a:chOff x="0" y="0"/>
-          <a:chExt cx="0" cy="0"/>
-        </a:xfrm>
-      </p:grpSpPr>
-      <p:sp>
-        <p:nvSpPr>
-          <p:cNvPr id="2" name="Slide Image Placeholder 1"/>
-          <p:cNvSpPr>
-            <a:spLocks noGrp="1" noRot="1" noChangeAspect="1"/>
-          </p:cNvSpPr>
-          <p:nvPr>
-            <p:ph type="sldImg"/>
-          </p:nvPr>
-        </p:nvSpPr>
-        <p:spPr/>
-      </p:sp>
-      <p:sp>
-        <p:nvSpPr>
-          <p:cNvPr id="3" name="Notes Placeholder 2"/>
-          <p:cNvSpPr>
-            <a:spLocks noGrp="1"/>
-          </p:cNvSpPr>
-          <p:nvPr>
-            <p:ph type="body" idx="1"/>
-          </p:nvPr>
-        </p:nvSpPr>
-        <p:spPr/>
-        <p:txBody>
-          <a:bodyPr/>
-          <a:lstStyle/>
-          <a:p>
-            <a:endParaRPr lang="nl-BE" dirty="0"/>
-          </a:p>
-        </p:txBody>
-      </p:sp>
-      <p:sp>
-        <p:nvSpPr>
-          <p:cNvPr id="4" name="Slide Number Placeholder 3"/>
-          <p:cNvSpPr>
-            <a:spLocks noGrp="1"/>
-          </p:cNvSpPr>
-          <p:nvPr>
-            <p:ph type="sldNum" sz="quarter" idx="10"/>
-          </p:nvPr>
-        </p:nvSpPr>
-        <p:spPr/>
-        <p:txBody>
-          <a:bodyPr/>
-          <a:lstStyle/>
-          <a:p>
-            <a:fld id="{DA8B99DF-01BC-492A-8CEF-4FD88D18DD9D}" type="slidenum">
-              <a:rPr lang="nl-BE" smtClean="0"/>
-              <a:t>16</a:t>
-            </a:fld>
-            <a:endParaRPr lang="nl-BE"/>
-          </a:p>
-        </p:txBody>
-      </p:sp>
-    </p:spTree>
-    <p:extLst>
-      <p:ext uri="{BB962C8B-B14F-4D97-AF65-F5344CB8AC3E}">
-        <p14:creationId xmlns:p14="http://schemas.microsoft.com/office/powerpoint/2010/main" val="3474938315"/>
       </p:ext>
     </p:extLst>
   </p:cSld>
@@ -2846,7 +2938,7 @@
           <a:p>
             <a:fld id="{C80E15A5-E95B-43EB-9AC7-9A96397448C0}" type="datetimeFigureOut">
               <a:rPr lang="nl-BE" smtClean="0"/>
-              <a:t>29/04/2022</a:t>
+              <a:t>13/05/2022</a:t>
             </a:fld>
             <a:endParaRPr lang="nl-BE"/>
           </a:p>
@@ -3016,7 +3108,7 @@
           <a:p>
             <a:fld id="{C80E15A5-E95B-43EB-9AC7-9A96397448C0}" type="datetimeFigureOut">
               <a:rPr lang="nl-BE" smtClean="0"/>
-              <a:t>29/04/2022</a:t>
+              <a:t>13/05/2022</a:t>
             </a:fld>
             <a:endParaRPr lang="nl-BE"/>
           </a:p>
@@ -3196,7 +3288,7 @@
           <a:p>
             <a:fld id="{C80E15A5-E95B-43EB-9AC7-9A96397448C0}" type="datetimeFigureOut">
               <a:rPr lang="nl-BE" smtClean="0"/>
-              <a:t>29/04/2022</a:t>
+              <a:t>13/05/2022</a:t>
             </a:fld>
             <a:endParaRPr lang="nl-BE"/>
           </a:p>
@@ -3366,7 +3458,7 @@
           <a:p>
             <a:fld id="{C80E15A5-E95B-43EB-9AC7-9A96397448C0}" type="datetimeFigureOut">
               <a:rPr lang="nl-BE" smtClean="0"/>
-              <a:t>29/04/2022</a:t>
+              <a:t>13/05/2022</a:t>
             </a:fld>
             <a:endParaRPr lang="nl-BE"/>
           </a:p>
@@ -3612,7 +3704,7 @@
           <a:p>
             <a:fld id="{C80E15A5-E95B-43EB-9AC7-9A96397448C0}" type="datetimeFigureOut">
               <a:rPr lang="nl-BE" smtClean="0"/>
-              <a:t>29/04/2022</a:t>
+              <a:t>13/05/2022</a:t>
             </a:fld>
             <a:endParaRPr lang="nl-BE"/>
           </a:p>
@@ -3844,7 +3936,7 @@
           <a:p>
             <a:fld id="{C80E15A5-E95B-43EB-9AC7-9A96397448C0}" type="datetimeFigureOut">
               <a:rPr lang="nl-BE" smtClean="0"/>
-              <a:t>29/04/2022</a:t>
+              <a:t>13/05/2022</a:t>
             </a:fld>
             <a:endParaRPr lang="nl-BE"/>
           </a:p>
@@ -4211,7 +4303,7 @@
           <a:p>
             <a:fld id="{C80E15A5-E95B-43EB-9AC7-9A96397448C0}" type="datetimeFigureOut">
               <a:rPr lang="nl-BE" smtClean="0"/>
-              <a:t>29/04/2022</a:t>
+              <a:t>13/05/2022</a:t>
             </a:fld>
             <a:endParaRPr lang="nl-BE"/>
           </a:p>
@@ -4329,7 +4421,7 @@
           <a:p>
             <a:fld id="{C80E15A5-E95B-43EB-9AC7-9A96397448C0}" type="datetimeFigureOut">
               <a:rPr lang="nl-BE" smtClean="0"/>
-              <a:t>29/04/2022</a:t>
+              <a:t>13/05/2022</a:t>
             </a:fld>
             <a:endParaRPr lang="nl-BE"/>
           </a:p>
@@ -4424,7 +4516,7 @@
           <a:p>
             <a:fld id="{C80E15A5-E95B-43EB-9AC7-9A96397448C0}" type="datetimeFigureOut">
               <a:rPr lang="nl-BE" smtClean="0"/>
-              <a:t>29/04/2022</a:t>
+              <a:t>13/05/2022</a:t>
             </a:fld>
             <a:endParaRPr lang="nl-BE"/>
           </a:p>
@@ -4701,7 +4793,7 @@
           <a:p>
             <a:fld id="{C80E15A5-E95B-43EB-9AC7-9A96397448C0}" type="datetimeFigureOut">
               <a:rPr lang="nl-BE" smtClean="0"/>
-              <a:t>29/04/2022</a:t>
+              <a:t>13/05/2022</a:t>
             </a:fld>
             <a:endParaRPr lang="nl-BE"/>
           </a:p>
@@ -4954,7 +5046,7 @@
           <a:p>
             <a:fld id="{C80E15A5-E95B-43EB-9AC7-9A96397448C0}" type="datetimeFigureOut">
               <a:rPr lang="nl-BE" smtClean="0"/>
-              <a:t>29/04/2022</a:t>
+              <a:t>13/05/2022</a:t>
             </a:fld>
             <a:endParaRPr lang="nl-BE"/>
           </a:p>
@@ -5167,7 +5259,7 @@
           <a:p>
             <a:fld id="{C80E15A5-E95B-43EB-9AC7-9A96397448C0}" type="datetimeFigureOut">
               <a:rPr lang="nl-BE" smtClean="0"/>
-              <a:t>29/04/2022</a:t>
+              <a:t>13/05/2022</a:t>
             </a:fld>
             <a:endParaRPr lang="nl-BE"/>
           </a:p>
@@ -5577,7 +5669,7 @@
           <p:cNvPr id="2" name="Título 1">
             <a:extLst>
               <a:ext uri="{FF2B5EF4-FFF2-40B4-BE49-F238E27FC236}">
-                <a16:creationId xmlns="" xmlns:a16="http://schemas.microsoft.com/office/drawing/2014/main" id="{32666AC8-2E17-4DB4-B0F5-60C640CCFD2E}"/>
+                <a16:creationId xmlns:a16="http://schemas.microsoft.com/office/drawing/2014/main" xmlns="" id="{32666AC8-2E17-4DB4-B0F5-60C640CCFD2E}"/>
               </a:ext>
             </a:extLst>
           </p:cNvPr>
@@ -5636,7 +5728,7 @@
           <p:cNvPr id="4" name="CaixaDeTexto 3">
             <a:extLst>
               <a:ext uri="{FF2B5EF4-FFF2-40B4-BE49-F238E27FC236}">
-                <a16:creationId xmlns="" xmlns:a16="http://schemas.microsoft.com/office/drawing/2014/main" id="{430EB894-B7D4-434C-9D1A-A14094D9BEEC}"/>
+                <a16:creationId xmlns:a16="http://schemas.microsoft.com/office/drawing/2014/main" xmlns="" id="{430EB894-B7D4-434C-9D1A-A14094D9BEEC}"/>
               </a:ext>
             </a:extLst>
           </p:cNvPr>
@@ -5677,7 +5769,7 @@
           <p:cNvPr id="1026" name="Picture 2" descr="Logo">
             <a:extLst>
               <a:ext uri="{FF2B5EF4-FFF2-40B4-BE49-F238E27FC236}">
-                <a16:creationId xmlns="" xmlns:a16="http://schemas.microsoft.com/office/drawing/2014/main" id="{3F2642E0-4F6A-4196-8F58-E77D36E9A33F}"/>
+                <a16:creationId xmlns:a16="http://schemas.microsoft.com/office/drawing/2014/main" xmlns="" id="{3F2642E0-4F6A-4196-8F58-E77D36E9A33F}"/>
               </a:ext>
             </a:extLst>
           </p:cNvPr>
@@ -5722,7 +5814,7 @@
           <p:cNvPr id="5122" name="Picture 2" descr="Image result for machine learning">
             <a:extLst>
               <a:ext uri="{FF2B5EF4-FFF2-40B4-BE49-F238E27FC236}">
-                <a16:creationId xmlns="" xmlns:a16="http://schemas.microsoft.com/office/drawing/2014/main" id="{810CE0A2-4102-44A6-A370-175E7896CDCB}"/>
+                <a16:creationId xmlns:a16="http://schemas.microsoft.com/office/drawing/2014/main" xmlns="" id="{810CE0A2-4102-44A6-A370-175E7896CDCB}"/>
               </a:ext>
             </a:extLst>
           </p:cNvPr>
@@ -5889,8 +5981,8 @@
           </p:sp>
         </mc:Fallback>
       </mc:AlternateContent>
-      <mc:AlternateContent xmlns:mc="http://schemas.openxmlformats.org/markup-compatibility/2006" xmlns:a14="http://schemas.microsoft.com/office/drawing/2010/main">
-        <mc:Choice Requires="a14">
+      <mc:AlternateContent xmlns:mc="http://schemas.openxmlformats.org/markup-compatibility/2006">
+        <mc:Choice xmlns:a14="http://schemas.microsoft.com/office/drawing/2010/main" Requires="a14">
           <p:sp>
             <p:nvSpPr>
               <p:cNvPr id="3" name="Content Placeholder 2"/>
@@ -6060,19 +6152,26 @@
                 </a:pPr>
                 <a:r>
                   <a:rPr lang="pt-BR" sz="1800" dirty="0" smtClean="0"/>
-                  <a:t>O passo inicial com valor grande e que diminui ao longo das iterações, </a:t>
-                </a:r>
-                <a:r>
-                  <a:rPr lang="pt-BR" sz="1800" dirty="0"/>
-                  <a:t>permitindo que o algoritmo se estabilize próximo </a:t>
+                  <a:t>Conseguimos </a:t>
                 </a:r>
                 <a:r>
                   <a:rPr lang="pt-BR" sz="1800" dirty="0" smtClean="0"/>
-                  <a:t>ao ponto de </a:t>
+                  <a:t>visualizar melhor o efeito da redução de </a:t>
                 </a:r>
+                <a14:m>
+                  <m:oMath xmlns:m="http://schemas.openxmlformats.org/officeDocument/2006/math">
+                    <m:r>
+                      <a:rPr lang="pt-BR" sz="1800" i="1">
+                        <a:latin typeface="Cambria Math" panose="02040503050406030204" pitchFamily="18" charset="0"/>
+                        <a:ea typeface="Cambria Math" panose="02040503050406030204" pitchFamily="18" charset="0"/>
+                      </a:rPr>
+                      <m:t>𝛼</m:t>
+                    </m:r>
+                  </m:oMath>
+                </a14:m>
                 <a:r>
-                  <a:rPr lang="pt-BR" sz="1800" dirty="0"/>
-                  <a:t>mínimo global</a:t>
+                  <a:rPr lang="pt-BR" sz="1800" dirty="0" smtClean="0"/>
+                  <a:t> nas figuras que mostram o gradiente</a:t>
                 </a:r>
                 <a:r>
                   <a:rPr lang="pt-BR" sz="1800" dirty="0" smtClean="0"/>
@@ -6089,30 +6188,35 @@
                   </a:spcBef>
                 </a:pPr>
                 <a:r>
-                  <a:rPr lang="pt-BR" sz="1800" dirty="0" smtClean="0"/>
-                  <a:t>Conseguimos visualizar melhor o efeito da redução de </a:t>
+                  <a:rPr lang="pt-BR" sz="1800" b="1" dirty="0" smtClean="0"/>
+                  <a:t>Conclusão</a:t>
                 </a:r>
-                <a14:m>
-                  <m:oMath xmlns:m="http://schemas.openxmlformats.org/officeDocument/2006/math">
-                    <m:r>
-                      <a:rPr lang="pt-BR" sz="1800" i="1">
-                        <a:latin typeface="Cambria Math" panose="02040503050406030204" pitchFamily="18" charset="0"/>
-                        <a:ea typeface="Cambria Math" panose="02040503050406030204" pitchFamily="18" charset="0"/>
-                      </a:rPr>
-                      <m:t>𝛼</m:t>
-                    </m:r>
-                  </m:oMath>
-                </a14:m>
                 <a:r>
                   <a:rPr lang="pt-BR" sz="1800" dirty="0" smtClean="0"/>
-                  <a:t> nas figuras que mostram o gradiente.</a:t>
+                  <a:t>: um passo de aprendizagem que </a:t>
+                </a:r>
+                <a:r>
+                  <a:rPr lang="pt-BR" sz="1800" dirty="0"/>
+                  <a:t>diminui ao longo das </a:t>
+                </a:r>
+                <a:r>
+                  <a:rPr lang="pt-BR" sz="1800" dirty="0" smtClean="0"/>
+                  <a:t>iterações permite </a:t>
+                </a:r>
+                <a:r>
+                  <a:rPr lang="pt-BR" sz="1800" dirty="0"/>
+                  <a:t>que o algoritmo se estabilize próximo ao ponto de mínimo global</a:t>
+                </a:r>
+                <a:r>
+                  <a:rPr lang="pt-BR" sz="1800" dirty="0" smtClean="0"/>
+                  <a:t>.</a:t>
                 </a:r>
                 <a:endParaRPr lang="pt-BR" sz="1800" dirty="0"/>
               </a:p>
             </p:txBody>
           </p:sp>
         </mc:Choice>
-        <mc:Fallback xmlns="">
+        <mc:Fallback>
           <p:sp>
             <p:nvSpPr>
               <p:cNvPr id="3" name="Content Placeholder 2"/>
@@ -6131,7 +6235,7 @@
               <a:blipFill rotWithShape="0">
                 <a:blip r:embed="rId4"/>
                 <a:stretch>
-                  <a:fillRect l="-1019" t="-584" r="-1601"/>
+                  <a:fillRect l="-1019" t="-584" r="-582"/>
                 </a:stretch>
               </a:blipFill>
             </p:spPr>
@@ -6527,14 +6631,14 @@
       </p:pic>
       <p:sp>
         <p:nvSpPr>
-          <p:cNvPr id="18" name="Rectangle 17"/>
+          <p:cNvPr id="4" name="Retângulo 3"/>
           <p:cNvSpPr/>
           <p:nvPr/>
         </p:nvSpPr>
         <p:spPr>
           <a:xfrm>
-            <a:off x="2572685" y="4693241"/>
-            <a:ext cx="3001625" cy="830997"/>
+            <a:off x="2631686" y="4632487"/>
+            <a:ext cx="3128623" cy="707886"/>
           </a:xfrm>
           <a:prstGeom prst="rect">
             <a:avLst/>
@@ -6547,7 +6651,7 @@
           <a:lstStyle/>
           <a:p>
             <a:r>
-              <a:rPr lang="pt-BR" sz="800" dirty="0" smtClean="0">
+              <a:rPr lang="pt-BR" sz="800" dirty="0">
                 <a:solidFill>
                   <a:srgbClr val="008000"/>
                 </a:solidFill>
@@ -6558,6 +6662,17 @@
               <a:t># </a:t>
             </a:r>
             <a:r>
+              <a:rPr lang="pt-BR" sz="800" dirty="0" err="1">
+                <a:solidFill>
+                  <a:srgbClr val="008000"/>
+                </a:solidFill>
+                <a:highlight>
+                  <a:srgbClr val="FFFFFF"/>
+                </a:highlight>
+              </a:rPr>
+              <a:t>learning</a:t>
+            </a:r>
+            <a:r>
               <a:rPr lang="pt-BR" sz="800" dirty="0">
                 <a:solidFill>
                   <a:srgbClr val="008000"/>
@@ -6566,7 +6681,29 @@
                   <a:srgbClr val="FFFFFF"/>
                 </a:highlight>
               </a:rPr>
-              <a:t>Learning schedule function.</a:t>
+              <a:t> schedule: Gradual </a:t>
+            </a:r>
+            <a:r>
+              <a:rPr lang="pt-BR" sz="800" dirty="0" err="1">
+                <a:solidFill>
+                  <a:srgbClr val="008000"/>
+                </a:solidFill>
+                <a:highlight>
+                  <a:srgbClr val="FFFFFF"/>
+                </a:highlight>
+              </a:rPr>
+              <a:t>decay</a:t>
+            </a:r>
+            <a:r>
+              <a:rPr lang="pt-BR" sz="800" dirty="0">
+                <a:solidFill>
+                  <a:srgbClr val="008000"/>
+                </a:solidFill>
+                <a:highlight>
+                  <a:srgbClr val="FFFFFF"/>
+                </a:highlight>
+              </a:rPr>
+              <a:t>.</a:t>
             </a:r>
             <a:endParaRPr lang="pt-BR" sz="800" dirty="0">
               <a:solidFill>
@@ -6579,7 +6716,7 @@
           </a:p>
           <a:p>
             <a:r>
-              <a:rPr lang="pt-BR" sz="800" b="1" dirty="0" smtClean="0">
+              <a:rPr lang="pt-BR" sz="800" b="1" dirty="0" err="1">
                 <a:solidFill>
                   <a:srgbClr val="0000FF"/>
                 </a:solidFill>
@@ -6590,7 +6727,7 @@
               <a:t>def</a:t>
             </a:r>
             <a:r>
-              <a:rPr lang="pt-BR" sz="800" dirty="0" smtClean="0">
+              <a:rPr lang="pt-BR" sz="800" dirty="0">
                 <a:solidFill>
                   <a:srgbClr val="000000"/>
                 </a:solidFill>
@@ -6601,7 +6738,7 @@
               <a:t> </a:t>
             </a:r>
             <a:r>
-              <a:rPr lang="pt-BR" sz="800" dirty="0" smtClean="0">
+              <a:rPr lang="pt-BR" sz="800" dirty="0" err="1">
                 <a:solidFill>
                   <a:srgbClr val="FF00FF"/>
                 </a:solidFill>
@@ -6609,10 +6746,10 @@
                   <a:srgbClr val="FFFFFF"/>
                 </a:highlight>
               </a:rPr>
-              <a:t>stepDecay </a:t>
+              <a:t>stepDecay</a:t>
             </a:r>
             <a:r>
-              <a:rPr lang="pt-BR" sz="800" b="1" dirty="0" smtClean="0">
+              <a:rPr lang="pt-BR" sz="800" b="1" dirty="0">
                 <a:solidFill>
                   <a:srgbClr val="000080"/>
                 </a:solidFill>
@@ -6623,7 +6760,7 @@
               <a:t>(</a:t>
             </a:r>
             <a:r>
-              <a:rPr lang="pt-BR" sz="800" dirty="0" smtClean="0">
+              <a:rPr lang="pt-BR" sz="800" dirty="0" err="1">
                 <a:solidFill>
                   <a:srgbClr val="000000"/>
                 </a:solidFill>
@@ -6634,7 +6771,7 @@
               <a:t>alpha_init</a:t>
             </a:r>
             <a:r>
-              <a:rPr lang="pt-BR" sz="800" b="1" dirty="0" smtClean="0">
+              <a:rPr lang="pt-BR" sz="800" b="1" dirty="0">
                 <a:solidFill>
                   <a:srgbClr val="000080"/>
                 </a:solidFill>
@@ -6645,7 +6782,73 @@
               <a:t>,</a:t>
             </a:r>
             <a:r>
-              <a:rPr lang="pt-BR" sz="800" dirty="0" smtClean="0">
+              <a:rPr lang="pt-BR" sz="800" dirty="0">
+                <a:solidFill>
+                  <a:srgbClr val="000000"/>
+                </a:solidFill>
+                <a:highlight>
+                  <a:srgbClr val="FFFFFF"/>
+                </a:highlight>
+              </a:rPr>
+              <a:t> t</a:t>
+            </a:r>
+            <a:r>
+              <a:rPr lang="pt-BR" sz="800" b="1" dirty="0">
+                <a:solidFill>
+                  <a:srgbClr val="000080"/>
+                </a:solidFill>
+                <a:highlight>
+                  <a:srgbClr val="FFFFFF"/>
+                </a:highlight>
+              </a:rPr>
+              <a:t>,</a:t>
+            </a:r>
+            <a:r>
+              <a:rPr lang="pt-BR" sz="800" dirty="0">
+                <a:solidFill>
+                  <a:srgbClr val="000000"/>
+                </a:solidFill>
+                <a:highlight>
+                  <a:srgbClr val="FFFFFF"/>
+                </a:highlight>
+              </a:rPr>
+              <a:t> beta</a:t>
+            </a:r>
+            <a:r>
+              <a:rPr lang="pt-BR" sz="800" b="1" dirty="0">
+                <a:solidFill>
+                  <a:srgbClr val="000080"/>
+                </a:solidFill>
+                <a:highlight>
+                  <a:srgbClr val="FFFFFF"/>
+                </a:highlight>
+              </a:rPr>
+              <a:t>=</a:t>
+            </a:r>
+            <a:r>
+              <a:rPr lang="pt-BR" sz="800" dirty="0">
+                <a:solidFill>
+                  <a:srgbClr val="FF0000"/>
+                </a:solidFill>
+                <a:highlight>
+                  <a:srgbClr val="FFFFFF"/>
+                </a:highlight>
+              </a:rPr>
+              <a:t>8.0</a:t>
+            </a:r>
+            <a:r>
+              <a:rPr lang="pt-BR" sz="800" b="1" dirty="0">
+                <a:solidFill>
+                  <a:srgbClr val="000080"/>
+                </a:solidFill>
+                <a:highlight>
+                  <a:srgbClr val="FFFFFF"/>
+                </a:highlight>
+              </a:rPr>
+              <a:t>,</a:t>
+            </a:r>
+            <a:r>
+              <a:rPr lang="pt-BR" sz="800" dirty="0">
                 <a:solidFill>
                   <a:srgbClr val="000000"/>
                 </a:solidFill>
@@ -6656,7 +6859,7 @@
               <a:t> </a:t>
             </a:r>
             <a:r>
-              <a:rPr lang="pt-BR" sz="800" dirty="0">
+              <a:rPr lang="pt-BR" sz="800" dirty="0" err="1">
                 <a:solidFill>
                   <a:srgbClr val="000000"/>
                 </a:solidFill>
@@ -6664,33 +6867,32 @@
                   <a:srgbClr val="FFFFFF"/>
                 </a:highlight>
               </a:rPr>
-              <a:t>t, </a:t>
+              <a:t>drop</a:t>
             </a:r>
             <a:r>
-              <a:rPr lang="pt-BR" sz="800" dirty="0" smtClean="0">
+              <a:rPr lang="pt-BR" sz="800" b="1" dirty="0">
                 <a:solidFill>
-                  <a:srgbClr val="000000"/>
+                  <a:srgbClr val="000080"/>
                 </a:solidFill>
                 <a:highlight>
                   <a:srgbClr val="FFFFFF"/>
                 </a:highlight>
               </a:rPr>
-              <a:t>epochs_drop=</a:t>
+              <a:t>=</a:t>
             </a:r>
             <a:r>
-              <a:rPr lang="pt-BR" sz="800" dirty="0" smtClean="0">
+              <a:rPr lang="pt-BR" sz="800" dirty="0">
                 <a:solidFill>
                   <a:srgbClr val="FF0000"/>
                 </a:solidFill>
                 <a:highlight>
                   <a:srgbClr val="FFFFFF"/>
                 </a:highlight>
-                <a:latin typeface="Courier New" panose="02070309020205020404" pitchFamily="49" charset="0"/>
               </a:rPr>
-              <a:t>8</a:t>
+              <a:t>0.5</a:t>
             </a:r>
             <a:r>
-              <a:rPr lang="pt-BR" sz="800" b="1" dirty="0" smtClean="0">
+              <a:rPr lang="pt-BR" sz="800" b="1" dirty="0">
                 <a:solidFill>
                   <a:srgbClr val="000080"/>
                 </a:solidFill>
@@ -6719,10 +6921,53 @@
                   <a:srgbClr val="FFFFFF"/>
                 </a:highlight>
               </a:rPr>
-              <a:t> </a:t>
+              <a:t>    </a:t>
             </a:r>
             <a:r>
-              <a:rPr lang="pt-BR" sz="800" dirty="0" smtClean="0">
+              <a:rPr lang="pt-BR" sz="800" dirty="0">
+                <a:solidFill>
+                  <a:srgbClr val="FF8000"/>
+                </a:solidFill>
+                <a:highlight>
+                  <a:srgbClr val="FFFFFF"/>
+                </a:highlight>
+              </a:rPr>
+              <a:t>'''Gradual </a:t>
+            </a:r>
+            <a:r>
+              <a:rPr lang="pt-BR" sz="800" dirty="0" err="1">
+                <a:solidFill>
+                  <a:srgbClr val="FF8000"/>
+                </a:solidFill>
+                <a:highlight>
+                  <a:srgbClr val="FFFFFF"/>
+                </a:highlight>
+              </a:rPr>
+              <a:t>decay</a:t>
+            </a:r>
+            <a:r>
+              <a:rPr lang="pt-BR" sz="800" dirty="0">
+                <a:solidFill>
+                  <a:srgbClr val="FF8000"/>
+                </a:solidFill>
+                <a:highlight>
+                  <a:srgbClr val="FFFFFF"/>
+                </a:highlight>
+              </a:rPr>
+              <a:t>.'''</a:t>
+            </a:r>
+            <a:endParaRPr lang="pt-BR" sz="800" dirty="0">
+              <a:solidFill>
+                <a:srgbClr val="000000"/>
+              </a:solidFill>
+              <a:highlight>
+                <a:srgbClr val="FFFFFF"/>
+              </a:highlight>
+            </a:endParaRPr>
+          </a:p>
+          <a:p>
+            <a:r>
+              <a:rPr lang="pt-BR" sz="800" dirty="0">
                 <a:solidFill>
                   <a:srgbClr val="000000"/>
                 </a:solidFill>
@@ -6730,17 +6975,49 @@
                   <a:srgbClr val="FFFFFF"/>
                 </a:highlight>
               </a:rPr>
-              <a:t>  drop</a:t>
+              <a:t>    alpha </a:t>
             </a:r>
             <a:r>
-              <a:rPr lang="pt-BR" sz="800" dirty="0" smtClean="0">
+              <a:rPr lang="pt-BR" sz="800" b="1" dirty="0">
+                <a:solidFill>
+                  <a:srgbClr val="000080"/>
+                </a:solidFill>
+                <a:highlight>
+                  <a:srgbClr val="FFFFFF"/>
+                </a:highlight>
+              </a:rPr>
+              <a:t>=</a:t>
+            </a:r>
+            <a:r>
+              <a:rPr lang="pt-BR" sz="800" dirty="0">
                 <a:solidFill>
                   <a:srgbClr val="000000"/>
                 </a:solidFill>
                 <a:highlight>
                   <a:srgbClr val="FFFFFF"/>
                 </a:highlight>
-                <a:latin typeface="Courier New" panose="02070309020205020404" pitchFamily="49" charset="0"/>
+              </a:rPr>
+              <a:t> </a:t>
+            </a:r>
+            <a:r>
+              <a:rPr lang="pt-BR" sz="800" dirty="0" err="1">
+                <a:solidFill>
+                  <a:srgbClr val="000000"/>
+                </a:solidFill>
+                <a:highlight>
+                  <a:srgbClr val="FFFFFF"/>
+                </a:highlight>
+              </a:rPr>
+              <a:t>alpha_init</a:t>
+            </a:r>
+            <a:r>
+              <a:rPr lang="pt-BR" sz="800" dirty="0">
+                <a:solidFill>
+                  <a:srgbClr val="000000"/>
+                </a:solidFill>
+                <a:highlight>
+                  <a:srgbClr val="FFFFFF"/>
+                </a:highlight>
               </a:rPr>
               <a:t> </a:t>
             </a:r>
@@ -6752,9 +7029,8 @@
                 <a:highlight>
                   <a:srgbClr val="FFFFFF"/>
                 </a:highlight>
-                <a:latin typeface="Courier New" panose="02070309020205020404" pitchFamily="49" charset="0"/>
               </a:rPr>
-              <a:t>=</a:t>
+              <a:t>*</a:t>
             </a:r>
             <a:r>
               <a:rPr lang="pt-BR" sz="800" dirty="0">
@@ -6764,47 +7040,11 @@
                 <a:highlight>
                   <a:srgbClr val="FFFFFF"/>
                 </a:highlight>
-                <a:latin typeface="Courier New" panose="02070309020205020404" pitchFamily="49" charset="0"/>
               </a:rPr>
               <a:t> </a:t>
             </a:r>
             <a:r>
-              <a:rPr lang="pt-BR" sz="800" dirty="0" smtClean="0">
-                <a:solidFill>
-                  <a:srgbClr val="FF0000"/>
-                </a:solidFill>
-                <a:highlight>
-                  <a:srgbClr val="FFFFFF"/>
-                </a:highlight>
-                <a:latin typeface="Courier New" panose="02070309020205020404" pitchFamily="49" charset="0"/>
-              </a:rPr>
-              <a:t>0.5</a:t>
-            </a:r>
-            <a:endParaRPr lang="pt-BR" sz="800" dirty="0">
-              <a:solidFill>
-                <a:srgbClr val="000000"/>
-              </a:solidFill>
-              <a:highlight>
-                <a:srgbClr val="FFFFFF"/>
-              </a:highlight>
-              <a:latin typeface="Courier New" panose="02070309020205020404" pitchFamily="49" charset="0"/>
-            </a:endParaRPr>
-          </a:p>
-          <a:p>
-            <a:r>
-              <a:rPr lang="pt-BR" sz="800" dirty="0">
-                <a:solidFill>
-                  <a:srgbClr val="000000"/>
-                </a:solidFill>
-                <a:highlight>
-                  <a:srgbClr val="FFFFFF"/>
-                </a:highlight>
-                <a:latin typeface="Courier New" panose="02070309020205020404" pitchFamily="49" charset="0"/>
-              </a:rPr>
-              <a:t> </a:t>
-            </a:r>
-            <a:r>
-              <a:rPr lang="pt-BR" sz="800" dirty="0" smtClean="0">
+              <a:rPr lang="pt-BR" sz="800" dirty="0" err="1">
                 <a:solidFill>
                   <a:srgbClr val="000000"/>
                 </a:solidFill>
@@ -6812,153 +7052,23 @@
                   <a:srgbClr val="FFFFFF"/>
                 </a:highlight>
               </a:rPr>
-              <a:t>epochs_drop</a:t>
+              <a:t>math</a:t>
             </a:r>
             <a:r>
-              <a:rPr lang="pt-BR" sz="800" dirty="0" smtClean="0">
-                <a:solidFill>
-                  <a:srgbClr val="000000"/>
-                </a:solidFill>
-                <a:highlight>
-                  <a:srgbClr val="FFFFFF"/>
-                </a:highlight>
-                <a:latin typeface="Courier New" panose="02070309020205020404" pitchFamily="49" charset="0"/>
-              </a:rPr>
-              <a:t> </a:t>
-            </a:r>
-            <a:r>
-              <a:rPr lang="pt-BR" sz="800" b="1" dirty="0">
+              <a:rPr lang="pt-BR" sz="800" b="1" dirty="0" err="1">
                 <a:solidFill>
                   <a:srgbClr val="000080"/>
                 </a:solidFill>
                 <a:highlight>
                   <a:srgbClr val="FFFFFF"/>
                 </a:highlight>
-                <a:latin typeface="Courier New" panose="02070309020205020404" pitchFamily="49" charset="0"/>
               </a:rPr>
-              <a:t>=</a:t>
+              <a:t>.</a:t>
             </a:r>
             <a:r>
-              <a:rPr lang="pt-BR" sz="800" dirty="0">
+              <a:rPr lang="pt-BR" sz="800" b="1" dirty="0" err="1">
                 <a:solidFill>
-                  <a:srgbClr val="000000"/>
-                </a:solidFill>
-                <a:highlight>
-                  <a:srgbClr val="FFFFFF"/>
-                </a:highlight>
-                <a:latin typeface="Courier New" panose="02070309020205020404" pitchFamily="49" charset="0"/>
-              </a:rPr>
-              <a:t> </a:t>
-            </a:r>
-            <a:r>
-              <a:rPr lang="pt-BR" sz="800" dirty="0" smtClean="0">
-                <a:solidFill>
-                  <a:srgbClr val="FF0000"/>
-                </a:solidFill>
-                <a:highlight>
-                  <a:srgbClr val="FFFFFF"/>
-                </a:highlight>
-                <a:latin typeface="Courier New" panose="02070309020205020404" pitchFamily="49" charset="0"/>
-              </a:rPr>
-              <a:t>4.0</a:t>
-            </a:r>
-            <a:endParaRPr lang="pt-BR" sz="800" dirty="0">
-              <a:solidFill>
-                <a:srgbClr val="000000"/>
-              </a:solidFill>
-              <a:highlight>
-                <a:srgbClr val="FFFFFF"/>
-              </a:highlight>
-              <a:latin typeface="Courier New" panose="02070309020205020404" pitchFamily="49" charset="0"/>
-            </a:endParaRPr>
-          </a:p>
-          <a:p>
-            <a:r>
-              <a:rPr lang="pt-BR" sz="800" dirty="0">
-                <a:solidFill>
-                  <a:srgbClr val="000000"/>
-                </a:solidFill>
-                <a:highlight>
-                  <a:srgbClr val="FFFFFF"/>
-                </a:highlight>
-                <a:latin typeface="Courier New" panose="02070309020205020404" pitchFamily="49" charset="0"/>
-              </a:rPr>
-              <a:t> </a:t>
-            </a:r>
-            <a:r>
-              <a:rPr lang="pt-BR" sz="800" dirty="0" smtClean="0">
-                <a:solidFill>
-                  <a:srgbClr val="000000"/>
-                </a:solidFill>
-                <a:highlight>
-                  <a:srgbClr val="FFFFFF"/>
-                </a:highlight>
-              </a:rPr>
-              <a:t>alpha</a:t>
-            </a:r>
-            <a:r>
-              <a:rPr lang="pt-BR" sz="800" dirty="0" smtClean="0">
-                <a:solidFill>
-                  <a:srgbClr val="000000"/>
-                </a:solidFill>
-                <a:highlight>
-                  <a:srgbClr val="FFFFFF"/>
-                </a:highlight>
-                <a:latin typeface="Courier New" panose="02070309020205020404" pitchFamily="49" charset="0"/>
-              </a:rPr>
-              <a:t> </a:t>
-            </a:r>
-            <a:r>
-              <a:rPr lang="pt-BR" sz="800" b="1" dirty="0">
-                <a:solidFill>
-                  <a:srgbClr val="000080"/>
-                </a:solidFill>
-                <a:highlight>
-                  <a:srgbClr val="FFFFFF"/>
-                </a:highlight>
-                <a:latin typeface="Courier New" panose="02070309020205020404" pitchFamily="49" charset="0"/>
-              </a:rPr>
-              <a:t>=</a:t>
-            </a:r>
-            <a:r>
-              <a:rPr lang="pt-BR" sz="800" dirty="0">
-                <a:solidFill>
-                  <a:srgbClr val="000000"/>
-                </a:solidFill>
-                <a:highlight>
-                  <a:srgbClr val="FFFFFF"/>
-                </a:highlight>
-                <a:latin typeface="Courier New" panose="02070309020205020404" pitchFamily="49" charset="0"/>
-              </a:rPr>
-              <a:t> </a:t>
-            </a:r>
-            <a:r>
-              <a:rPr lang="pt-BR" sz="800" dirty="0" smtClean="0">
-                <a:solidFill>
-                  <a:srgbClr val="000000"/>
-                </a:solidFill>
-                <a:highlight>
-                  <a:srgbClr val="FFFFFF"/>
-                </a:highlight>
-              </a:rPr>
-              <a:t>alpha_init</a:t>
-            </a:r>
-            <a:r>
-              <a:rPr lang="pt-BR" sz="800" b="1" dirty="0" smtClean="0">
-                <a:solidFill>
-                  <a:srgbClr val="000080"/>
-                </a:solidFill>
-                <a:highlight>
-                  <a:srgbClr val="FFFFFF"/>
-                </a:highlight>
-                <a:latin typeface="Courier New" panose="02070309020205020404" pitchFamily="49" charset="0"/>
-              </a:rPr>
-              <a:t>*</a:t>
-            </a:r>
-            <a:r>
-              <a:rPr lang="pt-BR" sz="800" dirty="0" smtClean="0">
-                <a:solidFill>
-                  <a:srgbClr val="000000"/>
+                  <a:srgbClr val="880088"/>
                 </a:solidFill>
                 <a:highlight>
                   <a:srgbClr val="FFFFFF"/>
@@ -6967,7 +7077,7 @@
               <a:t>pow</a:t>
             </a:r>
             <a:r>
-              <a:rPr lang="pt-BR" sz="800" b="1" dirty="0" smtClean="0">
+              <a:rPr lang="pt-BR" sz="800" b="1" dirty="0">
                 <a:solidFill>
                   <a:srgbClr val="000080"/>
                 </a:solidFill>
@@ -6978,7 +7088,7 @@
               <a:t>(</a:t>
             </a:r>
             <a:r>
-              <a:rPr lang="pt-BR" sz="800" dirty="0" smtClean="0">
+              <a:rPr lang="pt-BR" sz="800" dirty="0" err="1">
                 <a:solidFill>
                   <a:srgbClr val="000000"/>
                 </a:solidFill>
@@ -6989,19 +7099,51 @@
               <a:t>drop</a:t>
             </a:r>
             <a:r>
-              <a:rPr lang="pt-BR" sz="800" b="1" dirty="0" smtClean="0">
+              <a:rPr lang="pt-BR" sz="800" b="1" dirty="0">
                 <a:solidFill>
                   <a:srgbClr val="000080"/>
                 </a:solidFill>
                 <a:highlight>
                   <a:srgbClr val="FFFFFF"/>
                 </a:highlight>
-                <a:latin typeface="Courier New" panose="02070309020205020404" pitchFamily="49" charset="0"/>
               </a:rPr>
               <a:t>,</a:t>
             </a:r>
             <a:r>
-              <a:rPr lang="pt-BR" sz="800" dirty="0" smtClean="0">
+              <a:rPr lang="pt-BR" sz="800" dirty="0">
+                <a:solidFill>
+                  <a:srgbClr val="000000"/>
+                </a:solidFill>
+                <a:highlight>
+                  <a:srgbClr val="FFFFFF"/>
+                </a:highlight>
+              </a:rPr>
+              <a:t> </a:t>
+            </a:r>
+            <a:r>
+              <a:rPr lang="pt-BR" sz="800" dirty="0" err="1">
+                <a:solidFill>
+                  <a:srgbClr val="000000"/>
+                </a:solidFill>
+                <a:highlight>
+                  <a:srgbClr val="FFFFFF"/>
+                </a:highlight>
+              </a:rPr>
+              <a:t>math</a:t>
+            </a:r>
+            <a:r>
+              <a:rPr lang="pt-BR" sz="800" b="1" dirty="0" err="1">
+                <a:solidFill>
+                  <a:srgbClr val="000080"/>
+                </a:solidFill>
+                <a:highlight>
+                  <a:srgbClr val="FFFFFF"/>
+                </a:highlight>
+              </a:rPr>
+              <a:t>.</a:t>
+            </a:r>
+            <a:r>
+              <a:rPr lang="pt-BR" sz="800" dirty="0" err="1">
                 <a:solidFill>
                   <a:srgbClr val="000000"/>
                 </a:solidFill>
@@ -7019,7 +7161,6 @@
                 <a:highlight>
                   <a:srgbClr val="FFFFFF"/>
                 </a:highlight>
-                <a:latin typeface="Courier New" panose="02070309020205020404" pitchFamily="49" charset="0"/>
               </a:rPr>
               <a:t>((</a:t>
             </a:r>
@@ -7031,7 +7172,6 @@
                 <a:highlight>
                   <a:srgbClr val="FFFFFF"/>
                 </a:highlight>
-                <a:latin typeface="Courier New" panose="02070309020205020404" pitchFamily="49" charset="0"/>
               </a:rPr>
               <a:t>1</a:t>
             </a:r>
@@ -7043,7 +7183,6 @@
                 <a:highlight>
                   <a:srgbClr val="FFFFFF"/>
                 </a:highlight>
-                <a:latin typeface="Courier New" panose="02070309020205020404" pitchFamily="49" charset="0"/>
               </a:rPr>
               <a:t>+</a:t>
             </a:r>
@@ -7055,7 +7194,6 @@
                 <a:highlight>
                   <a:srgbClr val="FFFFFF"/>
                 </a:highlight>
-                <a:latin typeface="Courier New" panose="02070309020205020404" pitchFamily="49" charset="0"/>
               </a:rPr>
               <a:t>t</a:t>
             </a:r>
@@ -7067,7 +7205,6 @@
                 <a:highlight>
                   <a:srgbClr val="FFFFFF"/>
                 </a:highlight>
-                <a:latin typeface="Courier New" panose="02070309020205020404" pitchFamily="49" charset="0"/>
               </a:rPr>
               <a:t>)/</a:t>
             </a:r>
@@ -7080,17 +7217,16 @@
                   <a:srgbClr val="FFFFFF"/>
                 </a:highlight>
               </a:rPr>
-              <a:t>epochs_drop</a:t>
+              <a:t>beta</a:t>
             </a:r>
             <a:r>
-              <a:rPr lang="pt-BR" sz="800" b="1" dirty="0" smtClean="0">
+              <a:rPr lang="pt-BR" sz="800" b="1" dirty="0">
                 <a:solidFill>
                   <a:srgbClr val="000080"/>
                 </a:solidFill>
                 <a:highlight>
                   <a:srgbClr val="FFFFFF"/>
                 </a:highlight>
-                <a:latin typeface="Courier New" panose="02070309020205020404" pitchFamily="49" charset="0"/>
               </a:rPr>
               <a:t>))</a:t>
             </a:r>
@@ -7101,48 +7237,11 @@
               <a:highlight>
                 <a:srgbClr val="FFFFFF"/>
               </a:highlight>
-              <a:latin typeface="Courier New" panose="02070309020205020404" pitchFamily="49" charset="0"/>
             </a:endParaRPr>
           </a:p>
           <a:p>
             <a:r>
-              <a:rPr lang="pt-BR" sz="800" b="1" dirty="0">
-                <a:solidFill>
-                  <a:srgbClr val="000000"/>
-                </a:solidFill>
-                <a:highlight>
-                  <a:srgbClr val="FFFFFF"/>
-                </a:highlight>
-                <a:latin typeface="Courier New" panose="02070309020205020404" pitchFamily="49" charset="0"/>
-              </a:rPr>
-              <a:t> </a:t>
-            </a:r>
-            <a:r>
-              <a:rPr lang="pt-BR" sz="800" b="1" dirty="0" smtClean="0">
-                <a:solidFill>
-                  <a:srgbClr val="0000FF"/>
-                </a:solidFill>
-                <a:highlight>
-                  <a:srgbClr val="FFFFFF"/>
-                </a:highlight>
-                <a:latin typeface="Courier New" panose="02070309020205020404" pitchFamily="49" charset="0"/>
-              </a:rPr>
-              <a:t>return</a:t>
-            </a:r>
-            <a:r>
-              <a:rPr lang="pt-BR" sz="800" dirty="0" smtClean="0">
-                <a:solidFill>
-                  <a:srgbClr val="000000"/>
-                </a:solidFill>
-                <a:highlight>
-                  <a:srgbClr val="FFFFFF"/>
-                </a:highlight>
-                <a:latin typeface="Courier New" panose="02070309020205020404" pitchFamily="49" charset="0"/>
-              </a:rPr>
-              <a:t> </a:t>
-            </a:r>
-            <a:r>
-              <a:rPr lang="pt-BR" sz="800" dirty="0" smtClean="0">
+              <a:rPr lang="pt-BR" sz="800" dirty="0">
                 <a:solidFill>
                   <a:srgbClr val="000000"/>
                 </a:solidFill>
@@ -7150,16 +7249,31 @@
                   <a:srgbClr val="FFFFFF"/>
                 </a:highlight>
               </a:rPr>
-              <a:t>alpha</a:t>
+              <a:t>    </a:t>
             </a:r>
-            <a:endParaRPr lang="pt-BR" sz="800" dirty="0">
-              <a:solidFill>
-                <a:srgbClr val="000000"/>
-              </a:solidFill>
-              <a:highlight>
-                <a:srgbClr val="FFFFFF"/>
-              </a:highlight>
-            </a:endParaRPr>
+            <a:r>
+              <a:rPr lang="pt-BR" sz="800" b="1" dirty="0" err="1">
+                <a:solidFill>
+                  <a:srgbClr val="0000FF"/>
+                </a:solidFill>
+                <a:highlight>
+                  <a:srgbClr val="FFFFFF"/>
+                </a:highlight>
+              </a:rPr>
+              <a:t>return</a:t>
+            </a:r>
+            <a:r>
+              <a:rPr lang="pt-BR" sz="800" dirty="0">
+                <a:solidFill>
+                  <a:srgbClr val="000000"/>
+                </a:solidFill>
+                <a:highlight>
+                  <a:srgbClr val="FFFFFF"/>
+                </a:highlight>
+              </a:rPr>
+              <a:t> alpha</a:t>
+            </a:r>
+            <a:endParaRPr lang="pt-BR" sz="800" dirty="0"/>
           </a:p>
         </p:txBody>
       </p:sp>
@@ -7372,7 +7486,7 @@
           <p:cNvPr id="4" name="Título 1">
             <a:extLst>
               <a:ext uri="{FF2B5EF4-FFF2-40B4-BE49-F238E27FC236}">
-                <a16:creationId xmlns="" xmlns:a16="http://schemas.microsoft.com/office/drawing/2014/main" id="{32666AC8-2E17-4DB4-B0F5-60C640CCFD2E}"/>
+                <a16:creationId xmlns:a16="http://schemas.microsoft.com/office/drawing/2014/main" xmlns="" id="{32666AC8-2E17-4DB4-B0F5-60C640CCFD2E}"/>
               </a:ext>
             </a:extLst>
           </p:cNvPr>
@@ -15338,8 +15452,8 @@
           </a:p>
         </p:txBody>
       </p:sp>
-      <mc:AlternateContent xmlns:mc="http://schemas.openxmlformats.org/markup-compatibility/2006">
-        <mc:Choice xmlns:a14="http://schemas.microsoft.com/office/drawing/2010/main" Requires="a14">
+      <mc:AlternateContent xmlns:mc="http://schemas.openxmlformats.org/markup-compatibility/2006" xmlns:a14="http://schemas.microsoft.com/office/drawing/2010/main">
+        <mc:Choice Requires="a14">
           <p:sp>
             <p:nvSpPr>
               <p:cNvPr id="3" name="Content Placeholder 2"/>
@@ -15378,25 +15492,15 @@
                 <a:pPr lvl="1"/>
                 <a:r>
                   <a:rPr lang="pt-BR" dirty="0" smtClean="0"/>
-                  <a:t>Gradiente </a:t>
+                  <a:t>Gradiente Ascendente para problemas de maximização.</a:t>
                 </a:r>
-                <a:r>
-                  <a:rPr lang="pt-BR" dirty="0" smtClean="0"/>
-                  <a:t>Ascendente para problemas de maximização.</a:t>
-                </a:r>
-                <a:endParaRPr lang="pt-BR" dirty="0" smtClean="0"/>
               </a:p>
               <a:p>
                 <a:pPr lvl="1"/>
                 <a:r>
                   <a:rPr lang="pt-BR" dirty="0" smtClean="0"/>
-                  <a:t>Gradiente </a:t>
+                  <a:t>Gradiente Descendente para problemas de minimização.</a:t>
                 </a:r>
-                <a:r>
-                  <a:rPr lang="pt-BR" dirty="0" smtClean="0"/>
-                  <a:t>Descendente para problemas de minimização.</a:t>
-                </a:r>
-                <a:endParaRPr lang="pt-BR" dirty="0" smtClean="0"/>
               </a:p>
               <a:p>
                 <a:r>
@@ -15429,7 +15533,7 @@
             </p:txBody>
           </p:sp>
         </mc:Choice>
-        <mc:Fallback>
+        <mc:Fallback xmlns="">
           <p:sp>
             <p:nvSpPr>
               <p:cNvPr id="3" name="Content Placeholder 2"/>
@@ -26161,11 +26265,23 @@
                 </a:r>
                 <a:r>
                   <a:rPr lang="pt-BR" dirty="0" smtClean="0"/>
-                  <a:t>da superfície até </a:t>
+                  <a:t>da </a:t>
+                </a:r>
+                <a:r>
+                  <a:rPr lang="pt-BR" dirty="0" smtClean="0"/>
+                  <a:t>superfície de erro </a:t>
+                </a:r>
+                <a:r>
+                  <a:rPr lang="pt-BR" dirty="0" smtClean="0"/>
+                  <a:t>até </a:t>
+                </a:r>
+                <a:r>
+                  <a:rPr lang="pt-BR" dirty="0" smtClean="0"/>
+                  <a:t>que ele </a:t>
                 </a:r>
                 <a:r>
                   <a:rPr lang="pt-BR" dirty="0"/>
-                  <a:t>que converge, por sorte (veja exemplo </a:t>
+                  <a:t>converge, por sorte (veja exemplo </a:t>
                 </a:r>
                 <a:r>
                   <a:rPr lang="pt-BR" dirty="0" smtClean="0"/>
@@ -26210,15 +26326,7 @@
                 </a14:m>
                 <a:r>
                   <a:rPr lang="pt-BR" dirty="0" smtClean="0"/>
-                  <a:t>é </a:t>
-                </a:r>
-                <a:r>
-                  <a:rPr lang="pt-BR" dirty="0" smtClean="0"/>
-                  <a:t>muito grande</a:t>
-                </a:r>
-                <a:r>
-                  <a:rPr lang="pt-BR" dirty="0" smtClean="0"/>
-                  <a:t>, a </a:t>
+                  <a:t>é muito grande, a </a:t>
                 </a:r>
                 <a:r>
                   <a:rPr lang="pt-BR" dirty="0"/>
@@ -26252,7 +26360,7 @@
               <a:blipFill rotWithShape="0">
                 <a:blip r:embed="rId3"/>
                 <a:stretch>
-                  <a:fillRect l="-879" t="-6527" b="-5483"/>
+                  <a:fillRect l="-879" t="-6527" r="-1208" b="-5483"/>
                 </a:stretch>
               </a:blipFill>
             </p:spPr>
@@ -26692,8 +26800,8 @@
           </p:sp>
         </mc:Fallback>
       </mc:AlternateContent>
-      <mc:AlternateContent xmlns:mc="http://schemas.openxmlformats.org/markup-compatibility/2006" xmlns:a14="http://schemas.microsoft.com/office/drawing/2010/main">
-        <mc:Choice Requires="a14">
+      <mc:AlternateContent xmlns:mc="http://schemas.openxmlformats.org/markup-compatibility/2006">
+        <mc:Choice xmlns:a14="http://schemas.microsoft.com/office/drawing/2010/main" Requires="a14">
           <p:sp>
             <p:nvSpPr>
               <p:cNvPr id="6" name="Rectangle 5"/>
@@ -26737,13 +26845,18 @@
                 </a14:m>
                 <a:r>
                   <a:rPr lang="pt-BR" sz="1400" dirty="0"/>
-                  <a:t>estouro da precisão numérica</a:t>
+                  <a:t>estouro da precisão </a:t>
                 </a:r>
+                <a:r>
+                  <a:rPr lang="pt-BR" sz="1400" dirty="0" smtClean="0"/>
+                  <a:t>numérica.</a:t>
+                </a:r>
+                <a:endParaRPr lang="pt-BR" sz="1400" dirty="0"/>
               </a:p>
             </p:txBody>
           </p:sp>
         </mc:Choice>
-        <mc:Fallback xmlns="">
+        <mc:Fallback>
           <p:sp>
             <p:nvSpPr>
               <p:cNvPr id="6" name="Rectangle 5"/>
@@ -26826,6 +26939,46 @@
                 <a:srgbClr val="00B0F0"/>
               </a:solidFill>
             </a:endParaRPr>
+          </a:p>
+        </p:txBody>
+      </p:sp>
+      <p:sp>
+        <p:nvSpPr>
+          <p:cNvPr id="7" name="Seta para a direita 6"/>
+          <p:cNvSpPr/>
+          <p:nvPr/>
+        </p:nvSpPr>
+        <p:spPr>
+          <a:xfrm>
+            <a:off x="2752388" y="4575291"/>
+            <a:ext cx="381964" cy="335881"/>
+          </a:xfrm>
+          <a:prstGeom prst="rightArrow">
+            <a:avLst/>
+          </a:prstGeom>
+        </p:spPr>
+        <p:style>
+          <a:lnRef idx="2">
+            <a:schemeClr val="accent1">
+              <a:shade val="50000"/>
+            </a:schemeClr>
+          </a:lnRef>
+          <a:fillRef idx="1">
+            <a:schemeClr val="accent1"/>
+          </a:fillRef>
+          <a:effectRef idx="0">
+            <a:schemeClr val="accent1"/>
+          </a:effectRef>
+          <a:fontRef idx="minor">
+            <a:schemeClr val="lt1"/>
+          </a:fontRef>
+        </p:style>
+        <p:txBody>
+          <a:bodyPr rtlCol="0" anchor="ctr"/>
+          <a:lstStyle/>
+          <a:p>
+            <a:pPr algn="ctr"/>
+            <a:endParaRPr lang="pt-BR"/>
           </a:p>
         </p:txBody>
       </p:sp>
@@ -28334,7 +28487,10 @@
                 <a:endParaRPr lang="pt-BR" dirty="0"/>
               </a:p>
               <a:p>
-                <a:pPr lvl="1"/>
+                <a:pPr lvl="1">
+                  <a:buFont typeface="Wingdings" panose="05000000000000000000" pitchFamily="2" charset="2"/>
+                  <a:buChar char="§"/>
+                </a:pPr>
                 <a:r>
                   <a:rPr lang="pt-BR" dirty="0"/>
                   <a:t>Figura A </a:t>
@@ -28360,14 +28516,20 @@
                 <a:endParaRPr lang="pt-BR" dirty="0"/>
               </a:p>
               <a:p>
-                <a:pPr lvl="2"/>
+                <a:pPr lvl="2">
+                  <a:buFont typeface="Courier New" panose="02070309020205020404" pitchFamily="49" charset="0"/>
+                  <a:buChar char="o"/>
+                </a:pPr>
                 <a:r>
                   <a:rPr lang="pt-BR" dirty="0"/>
                   <a:t>Erro diminui rapidamente nas primeiras épocas e depois diminui quase que a uma taxa constante.</a:t>
                 </a:r>
               </a:p>
               <a:p>
-                <a:pPr lvl="2"/>
+                <a:pPr lvl="2">
+                  <a:buFont typeface="Courier New" panose="02070309020205020404" pitchFamily="49" charset="0"/>
+                  <a:buChar char="o"/>
+                </a:pPr>
                 <a:r>
                   <a:rPr lang="pt-BR" dirty="0"/>
                   <a:t>Convergência pode ser </a:t>
@@ -28390,7 +28552,10 @@
                 </a:r>
               </a:p>
               <a:p>
-                <a:pPr lvl="1"/>
+                <a:pPr lvl="1">
+                  <a:buFont typeface="Wingdings" panose="05000000000000000000" pitchFamily="2" charset="2"/>
+                  <a:buChar char="§"/>
+                </a:pPr>
                 <a:r>
                   <a:rPr lang="pt-BR" dirty="0"/>
                   <a:t>Figura B </a:t>
@@ -28411,7 +28576,10 @@
                 </a:r>
               </a:p>
               <a:p>
-                <a:pPr lvl="1"/>
+                <a:pPr lvl="1">
+                  <a:buFont typeface="Wingdings" panose="05000000000000000000" pitchFamily="2" charset="2"/>
+                  <a:buChar char="§"/>
+                </a:pPr>
                 <a:r>
                   <a:rPr lang="pt-BR" dirty="0"/>
                   <a:t>Figuras C e D </a:t>
@@ -28432,7 +28600,15 @@
                 </a:r>
                 <a:r>
                   <a:rPr lang="pt-BR" dirty="0" smtClean="0"/>
-                  <a:t>divergência e oscilação.</a:t>
+                  <a:t>divergência (C) </a:t>
+                </a:r>
+                <a:r>
+                  <a:rPr lang="pt-BR" dirty="0" smtClean="0"/>
+                  <a:t>e </a:t>
+                </a:r>
+                <a:r>
+                  <a:rPr lang="pt-BR" dirty="0" smtClean="0"/>
+                  <a:t>oscilação (D).</a:t>
                 </a:r>
                 <a:endParaRPr lang="pt-BR" dirty="0"/>
               </a:p>
@@ -28850,7 +29026,7 @@
           <p:nvPr/>
         </p:nvPicPr>
         <p:blipFill rotWithShape="1">
-          <a:blip r:embed="rId2">
+          <a:blip r:embed="rId3">
             <a:extLst>
               <a:ext uri="{28A0092B-C50C-407E-A947-70E740481C1C}">
                 <a14:useLocalDpi xmlns:a14="http://schemas.microsoft.com/office/drawing/2010/main" val="0"/>
@@ -28879,7 +29055,7 @@
           <p:nvPr/>
         </p:nvPicPr>
         <p:blipFill rotWithShape="1">
-          <a:blip r:embed="rId3">
+          <a:blip r:embed="rId4">
             <a:extLst>
               <a:ext uri="{28A0092B-C50C-407E-A947-70E740481C1C}">
                 <a14:useLocalDpi xmlns:a14="http://schemas.microsoft.com/office/drawing/2010/main" val="0"/>
@@ -28908,7 +29084,7 @@
           <p:nvPr/>
         </p:nvPicPr>
         <p:blipFill rotWithShape="1">
-          <a:blip r:embed="rId4">
+          <a:blip r:embed="rId5">
             <a:extLst>
               <a:ext uri="{28A0092B-C50C-407E-A947-70E740481C1C}">
                 <a14:useLocalDpi xmlns:a14="http://schemas.microsoft.com/office/drawing/2010/main" val="0"/>
@@ -28937,7 +29113,7 @@
           <p:nvPr/>
         </p:nvPicPr>
         <p:blipFill rotWithShape="1">
-          <a:blip r:embed="rId5">
+          <a:blip r:embed="rId6">
             <a:extLst>
               <a:ext uri="{28A0092B-C50C-407E-A947-70E740481C1C}">
                 <a14:useLocalDpi xmlns:a14="http://schemas.microsoft.com/office/drawing/2010/main" val="0"/>
@@ -28966,7 +29142,7 @@
           <p:nvPr/>
         </p:nvPicPr>
         <p:blipFill rotWithShape="1">
-          <a:blip r:embed="rId6">
+          <a:blip r:embed="rId7">
             <a:extLst>
               <a:ext uri="{28A0092B-C50C-407E-A947-70E740481C1C}">
                 <a14:useLocalDpi xmlns:a14="http://schemas.microsoft.com/office/drawing/2010/main" val="0"/>
@@ -28995,7 +29171,7 @@
           <p:nvPr/>
         </p:nvPicPr>
         <p:blipFill rotWithShape="1">
-          <a:blip r:embed="rId7">
+          <a:blip r:embed="rId8">
             <a:extLst>
               <a:ext uri="{28A0092B-C50C-407E-A947-70E740481C1C}">
                 <a14:useLocalDpi xmlns:a14="http://schemas.microsoft.com/office/drawing/2010/main" val="0"/>
@@ -29024,7 +29200,7 @@
           <p:nvPr/>
         </p:nvPicPr>
         <p:blipFill rotWithShape="1">
-          <a:blip r:embed="rId8">
+          <a:blip r:embed="rId9">
             <a:extLst>
               <a:ext uri="{28A0092B-C50C-407E-A947-70E740481C1C}">
                 <a14:useLocalDpi xmlns:a14="http://schemas.microsoft.com/office/drawing/2010/main" val="0"/>
@@ -29053,7 +29229,7 @@
           <p:nvPr/>
         </p:nvPicPr>
         <p:blipFill rotWithShape="1">
-          <a:blip r:embed="rId9">
+          <a:blip r:embed="rId10">
             <a:extLst>
               <a:ext uri="{28A0092B-C50C-407E-A947-70E740481C1C}">
                 <a14:useLocalDpi xmlns:a14="http://schemas.microsoft.com/office/drawing/2010/main" val="0"/>
@@ -29326,8 +29502,8 @@
           </a:p>
         </p:txBody>
       </p:sp>
-      <mc:AlternateContent xmlns:mc="http://schemas.openxmlformats.org/markup-compatibility/2006" xmlns:a14="http://schemas.microsoft.com/office/drawing/2010/main">
-        <mc:Choice Requires="a14">
+      <mc:AlternateContent xmlns:mc="http://schemas.openxmlformats.org/markup-compatibility/2006">
+        <mc:Choice xmlns:a14="http://schemas.microsoft.com/office/drawing/2010/main" Requires="a14">
           <p:sp>
             <p:nvSpPr>
               <p:cNvPr id="3" name="Content Placeholder 2"/>
@@ -29430,11 +29606,37 @@
                 </a:r>
                 <a:r>
                   <a:rPr lang="pt-BR" dirty="0" smtClean="0"/>
-                  <a:t>redução do </a:t>
+                  <a:t>redução </a:t>
+                </a:r>
+                <a:r>
+                  <a:rPr lang="pt-BR" dirty="0" smtClean="0"/>
+                  <a:t>de </a:t>
+                </a:r>
+                <a14:m>
+                  <m:oMath xmlns:m="http://schemas.openxmlformats.org/officeDocument/2006/math">
+                    <m:r>
+                      <a:rPr lang="pt-BR" i="1">
+                        <a:latin typeface="Cambria Math" panose="02040503050406030204" pitchFamily="18" charset="0"/>
+                        <a:ea typeface="Cambria Math" panose="02040503050406030204" pitchFamily="18" charset="0"/>
+                      </a:rPr>
+                      <m:t>𝛼</m:t>
+                    </m:r>
+                    <m:r>
+                      <a:rPr lang="pt-BR" i="1">
+                        <a:latin typeface="Cambria Math" panose="02040503050406030204" pitchFamily="18" charset="0"/>
+                        <a:ea typeface="Cambria Math" panose="02040503050406030204" pitchFamily="18" charset="0"/>
+                      </a:rPr>
+                      <m:t> </m:t>
+                    </m:r>
+                  </m:oMath>
+                </a14:m>
+                <a:r>
+                  <a:rPr lang="pt-BR" dirty="0" smtClean="0"/>
+                  <a:t>ao </a:t>
                 </a:r>
                 <a:r>
                   <a:rPr lang="pt-BR" dirty="0"/>
-                  <a:t>passo de aprendizagem ao longo do processo de </a:t>
+                  <a:t>longo do processo de </a:t>
                 </a:r>
                 <a:r>
                   <a:rPr lang="pt-BR" dirty="0" smtClean="0"/>
@@ -29574,7 +29776,7 @@
             </p:txBody>
           </p:sp>
         </mc:Choice>
-        <mc:Fallback xmlns="">
+        <mc:Fallback>
           <p:sp>
             <p:nvSpPr>
               <p:cNvPr id="3" name="Content Placeholder 2"/>
@@ -29771,7 +29973,43 @@
                 </a:r>
                 <a:r>
                   <a:rPr lang="pt-BR" dirty="0" smtClean="0"/>
-                  <a:t>aprendizagem </a:t>
+                  <a:t>aprendizagem inicial, </a:t>
+                </a:r>
+                <a14:m>
+                  <m:oMath xmlns:m="http://schemas.openxmlformats.org/officeDocument/2006/math">
+                    <m:sSub>
+                      <m:sSubPr>
+                        <m:ctrlPr>
+                          <a:rPr lang="pt-BR" i="1">
+                            <a:latin typeface="Cambria Math" panose="02040503050406030204" pitchFamily="18" charset="0"/>
+                            <a:ea typeface="Cambria Math" panose="02040503050406030204" pitchFamily="18" charset="0"/>
+                          </a:rPr>
+                        </m:ctrlPr>
+                      </m:sSubPr>
+                      <m:e>
+                        <m:r>
+                          <a:rPr lang="pt-BR" i="1">
+                            <a:latin typeface="Cambria Math" panose="02040503050406030204" pitchFamily="18" charset="0"/>
+                            <a:ea typeface="Cambria Math" panose="02040503050406030204" pitchFamily="18" charset="0"/>
+                          </a:rPr>
+                          <m:t>𝛼</m:t>
+                        </m:r>
+                      </m:e>
+                      <m:sub>
+                        <m:r>
+                          <a:rPr lang="pt-BR" i="1">
+                            <a:latin typeface="Cambria Math" panose="02040503050406030204" pitchFamily="18" charset="0"/>
+                            <a:ea typeface="Cambria Math" panose="02040503050406030204" pitchFamily="18" charset="0"/>
+                          </a:rPr>
+                          <m:t>0</m:t>
+                        </m:r>
+                      </m:sub>
+                    </m:sSub>
+                  </m:oMath>
+                </a14:m>
+                <a:r>
+                  <a:rPr lang="pt-BR" dirty="0" smtClean="0"/>
+                  <a:t>, </a:t>
                 </a:r>
                 <a:r>
                   <a:rPr lang="pt-BR" dirty="0"/>
@@ -29819,11 +30057,11 @@
                 </a:r>
                 <a:r>
                   <a:rPr lang="pt-BR" dirty="0"/>
-                  <a:t>cada número pré-definido de iterações ou </a:t>
+                  <a:t>cada número pré-definido de </a:t>
                 </a:r>
                 <a:r>
                   <a:rPr lang="pt-BR" dirty="0" smtClean="0"/>
-                  <a:t>épocas, </a:t>
+                  <a:t>iterações ou épocas, </a:t>
                 </a:r>
                 <a14:m>
                   <m:oMath xmlns:m="http://schemas.openxmlformats.org/officeDocument/2006/math">
@@ -29922,11 +30160,7 @@
                 </a:r>
                 <a:r>
                   <a:rPr lang="pt-BR" dirty="0" smtClean="0"/>
-                  <a:t>: </a:t>
-                </a:r>
-                <a:r>
-                  <a:rPr lang="pt-BR" dirty="0" smtClean="0"/>
-                  <a:t>é expresso pela equação </a:t>
+                  <a:t>: é expresso pela equação </a:t>
                 </a:r>
                 <a14:m>
                   <m:oMath xmlns:m="http://schemas.openxmlformats.org/officeDocument/2006/math">
@@ -30095,7 +30329,6 @@
                   <a:rPr lang="pt-BR" dirty="0" smtClean="0"/>
                   <a:t>iteração ou época corrente.</a:t>
                 </a:r>
-                <a:endParaRPr lang="pt-BR" dirty="0" smtClean="0"/>
               </a:p>
               <a:p>
                 <a:pPr lvl="1">
@@ -30405,11 +30638,7 @@
                 </a14:m>
                 <a:r>
                   <a:rPr lang="pt-BR" dirty="0" smtClean="0"/>
-                  <a:t>, que dita a taxa de decaimento do passo de aprendizagem</a:t>
-                </a:r>
-                <a:r>
-                  <a:rPr lang="pt-BR" dirty="0" smtClean="0"/>
-                  <a:t>.</a:t>
+                  <a:t>, que dita a taxa de decaimento do passo de aprendizagem.</a:t>
                 </a:r>
               </a:p>
               <a:p>
@@ -30425,7 +30654,6 @@
                   <a:rPr lang="pt-BR" dirty="0" smtClean="0"/>
                   <a:t>.</a:t>
                 </a:r>
-                <a:endParaRPr lang="pt-BR" dirty="0" smtClean="0"/>
               </a:p>
             </p:txBody>
           </p:sp>

--- a/slides/T319_Regressão_Linear (Parte III).pptx
+++ b/slides/T319_Regressão_Linear (Parte III).pptx
@@ -548,7 +548,7 @@
           <a:p>
             <a:fld id="{DAF0AF11-6A8A-4E64-94F5-26D4FBA2A01D}" type="datetimeFigureOut">
               <a:rPr lang="nl-BE" smtClean="0"/>
-              <a:t>13/05/2022</a:t>
+              <a:t>30/09/2022</a:t>
             </a:fld>
             <a:endParaRPr lang="nl-BE"/>
           </a:p>
@@ -2938,7 +2938,7 @@
           <a:p>
             <a:fld id="{C80E15A5-E95B-43EB-9AC7-9A96397448C0}" type="datetimeFigureOut">
               <a:rPr lang="nl-BE" smtClean="0"/>
-              <a:t>13/05/2022</a:t>
+              <a:t>30/09/2022</a:t>
             </a:fld>
             <a:endParaRPr lang="nl-BE"/>
           </a:p>
@@ -3108,7 +3108,7 @@
           <a:p>
             <a:fld id="{C80E15A5-E95B-43EB-9AC7-9A96397448C0}" type="datetimeFigureOut">
               <a:rPr lang="nl-BE" smtClean="0"/>
-              <a:t>13/05/2022</a:t>
+              <a:t>30/09/2022</a:t>
             </a:fld>
             <a:endParaRPr lang="nl-BE"/>
           </a:p>
@@ -3288,7 +3288,7 @@
           <a:p>
             <a:fld id="{C80E15A5-E95B-43EB-9AC7-9A96397448C0}" type="datetimeFigureOut">
               <a:rPr lang="nl-BE" smtClean="0"/>
-              <a:t>13/05/2022</a:t>
+              <a:t>30/09/2022</a:t>
             </a:fld>
             <a:endParaRPr lang="nl-BE"/>
           </a:p>
@@ -3458,7 +3458,7 @@
           <a:p>
             <a:fld id="{C80E15A5-E95B-43EB-9AC7-9A96397448C0}" type="datetimeFigureOut">
               <a:rPr lang="nl-BE" smtClean="0"/>
-              <a:t>13/05/2022</a:t>
+              <a:t>30/09/2022</a:t>
             </a:fld>
             <a:endParaRPr lang="nl-BE"/>
           </a:p>
@@ -3704,7 +3704,7 @@
           <a:p>
             <a:fld id="{C80E15A5-E95B-43EB-9AC7-9A96397448C0}" type="datetimeFigureOut">
               <a:rPr lang="nl-BE" smtClean="0"/>
-              <a:t>13/05/2022</a:t>
+              <a:t>30/09/2022</a:t>
             </a:fld>
             <a:endParaRPr lang="nl-BE"/>
           </a:p>
@@ -3936,7 +3936,7 @@
           <a:p>
             <a:fld id="{C80E15A5-E95B-43EB-9AC7-9A96397448C0}" type="datetimeFigureOut">
               <a:rPr lang="nl-BE" smtClean="0"/>
-              <a:t>13/05/2022</a:t>
+              <a:t>30/09/2022</a:t>
             </a:fld>
             <a:endParaRPr lang="nl-BE"/>
           </a:p>
@@ -4303,7 +4303,7 @@
           <a:p>
             <a:fld id="{C80E15A5-E95B-43EB-9AC7-9A96397448C0}" type="datetimeFigureOut">
               <a:rPr lang="nl-BE" smtClean="0"/>
-              <a:t>13/05/2022</a:t>
+              <a:t>30/09/2022</a:t>
             </a:fld>
             <a:endParaRPr lang="nl-BE"/>
           </a:p>
@@ -4421,7 +4421,7 @@
           <a:p>
             <a:fld id="{C80E15A5-E95B-43EB-9AC7-9A96397448C0}" type="datetimeFigureOut">
               <a:rPr lang="nl-BE" smtClean="0"/>
-              <a:t>13/05/2022</a:t>
+              <a:t>30/09/2022</a:t>
             </a:fld>
             <a:endParaRPr lang="nl-BE"/>
           </a:p>
@@ -4516,7 +4516,7 @@
           <a:p>
             <a:fld id="{C80E15A5-E95B-43EB-9AC7-9A96397448C0}" type="datetimeFigureOut">
               <a:rPr lang="nl-BE" smtClean="0"/>
-              <a:t>13/05/2022</a:t>
+              <a:t>30/09/2022</a:t>
             </a:fld>
             <a:endParaRPr lang="nl-BE"/>
           </a:p>
@@ -4793,7 +4793,7 @@
           <a:p>
             <a:fld id="{C80E15A5-E95B-43EB-9AC7-9A96397448C0}" type="datetimeFigureOut">
               <a:rPr lang="nl-BE" smtClean="0"/>
-              <a:t>13/05/2022</a:t>
+              <a:t>30/09/2022</a:t>
             </a:fld>
             <a:endParaRPr lang="nl-BE"/>
           </a:p>
@@ -5046,7 +5046,7 @@
           <a:p>
             <a:fld id="{C80E15A5-E95B-43EB-9AC7-9A96397448C0}" type="datetimeFigureOut">
               <a:rPr lang="nl-BE" smtClean="0"/>
-              <a:t>13/05/2022</a:t>
+              <a:t>30/09/2022</a:t>
             </a:fld>
             <a:endParaRPr lang="nl-BE"/>
           </a:p>
@@ -5259,7 +5259,7 @@
           <a:p>
             <a:fld id="{C80E15A5-E95B-43EB-9AC7-9A96397448C0}" type="datetimeFigureOut">
               <a:rPr lang="nl-BE" smtClean="0"/>
-              <a:t>13/05/2022</a:t>
+              <a:t>30/09/2022</a:t>
             </a:fld>
             <a:endParaRPr lang="nl-BE"/>
           </a:p>
@@ -5669,7 +5669,7 @@
           <p:cNvPr id="2" name="Título 1">
             <a:extLst>
               <a:ext uri="{FF2B5EF4-FFF2-40B4-BE49-F238E27FC236}">
-                <a16:creationId xmlns:a16="http://schemas.microsoft.com/office/drawing/2014/main" xmlns="" id="{32666AC8-2E17-4DB4-B0F5-60C640CCFD2E}"/>
+                <a16:creationId xmlns="" xmlns:a16="http://schemas.microsoft.com/office/drawing/2014/main" id="{32666AC8-2E17-4DB4-B0F5-60C640CCFD2E}"/>
               </a:ext>
             </a:extLst>
           </p:cNvPr>
@@ -5728,7 +5728,7 @@
           <p:cNvPr id="4" name="CaixaDeTexto 3">
             <a:extLst>
               <a:ext uri="{FF2B5EF4-FFF2-40B4-BE49-F238E27FC236}">
-                <a16:creationId xmlns:a16="http://schemas.microsoft.com/office/drawing/2014/main" xmlns="" id="{430EB894-B7D4-434C-9D1A-A14094D9BEEC}"/>
+                <a16:creationId xmlns="" xmlns:a16="http://schemas.microsoft.com/office/drawing/2014/main" id="{430EB894-B7D4-434C-9D1A-A14094D9BEEC}"/>
               </a:ext>
             </a:extLst>
           </p:cNvPr>
@@ -5769,7 +5769,7 @@
           <p:cNvPr id="1026" name="Picture 2" descr="Logo">
             <a:extLst>
               <a:ext uri="{FF2B5EF4-FFF2-40B4-BE49-F238E27FC236}">
-                <a16:creationId xmlns:a16="http://schemas.microsoft.com/office/drawing/2014/main" xmlns="" id="{3F2642E0-4F6A-4196-8F58-E77D36E9A33F}"/>
+                <a16:creationId xmlns="" xmlns:a16="http://schemas.microsoft.com/office/drawing/2014/main" id="{3F2642E0-4F6A-4196-8F58-E77D36E9A33F}"/>
               </a:ext>
             </a:extLst>
           </p:cNvPr>
@@ -5814,7 +5814,7 @@
           <p:cNvPr id="5122" name="Picture 2" descr="Image result for machine learning">
             <a:extLst>
               <a:ext uri="{FF2B5EF4-FFF2-40B4-BE49-F238E27FC236}">
-                <a16:creationId xmlns:a16="http://schemas.microsoft.com/office/drawing/2014/main" xmlns="" id="{810CE0A2-4102-44A6-A370-175E7896CDCB}"/>
+                <a16:creationId xmlns="" xmlns:a16="http://schemas.microsoft.com/office/drawing/2014/main" id="{810CE0A2-4102-44A6-A370-175E7896CDCB}"/>
               </a:ext>
             </a:extLst>
           </p:cNvPr>
@@ -6084,11 +6084,19 @@
                 </a:pPr>
                 <a:r>
                   <a:rPr lang="pt-BR" sz="1800" dirty="0"/>
-                  <a:t>Apresenta algumas mudanças de </a:t>
+                  <a:t>Apresenta </a:t>
+                </a:r>
+                <a:r>
+                  <a:rPr lang="pt-BR" sz="1800" b="1" i="1" dirty="0"/>
+                  <a:t>algumas mudanças de </a:t>
+                </a:r>
+                <a:r>
+                  <a:rPr lang="pt-BR" sz="1800" b="1" i="1" dirty="0" smtClean="0"/>
+                  <a:t>direção</a:t>
                 </a:r>
                 <a:r>
                   <a:rPr lang="pt-BR" sz="1800" dirty="0" smtClean="0"/>
-                  <a:t>direção ao </a:t>
+                  <a:t> ao </a:t>
                 </a:r>
                 <a:r>
                   <a:rPr lang="pt-BR" sz="1800" dirty="0"/>
@@ -6106,15 +6114,27 @@
                 </a:pPr>
                 <a:r>
                   <a:rPr lang="pt-BR" sz="1800" dirty="0" smtClean="0"/>
-                  <a:t>Porém, a oscilação </a:t>
-                </a:r>
-                <a:r>
-                  <a:rPr lang="pt-BR" sz="1800" dirty="0"/>
-                  <a:t>em torno do mínimo é bastante minimizada </a:t>
+                  <a:t>Porém, a </a:t>
+                </a:r>
+                <a:r>
+                  <a:rPr lang="pt-BR" sz="1800" b="1" i="1" dirty="0" smtClean="0"/>
+                  <a:t>oscilação </a:t>
+                </a:r>
+                <a:r>
+                  <a:rPr lang="pt-BR" sz="1800" b="1" i="1" dirty="0"/>
+                  <a:t>em torno do mínimo é bastante </a:t>
+                </a:r>
+                <a:r>
+                  <a:rPr lang="pt-BR" sz="1800" b="1" i="1" dirty="0" smtClean="0"/>
+                  <a:t>reduzida </a:t>
                 </a:r>
                 <a:r>
                   <a:rPr lang="pt-BR" sz="1800" dirty="0" smtClean="0"/>
-                  <a:t>devido à </a:t>
+                  <a:t>devido </a:t>
+                </a:r>
+                <a:r>
+                  <a:rPr lang="pt-BR" sz="1800" dirty="0" smtClean="0"/>
+                  <a:t>à </a:t>
                 </a:r>
                 <a:r>
                   <a:rPr lang="pt-BR" sz="1800" b="1" i="1" dirty="0" smtClean="0"/>
@@ -6152,11 +6172,7 @@
                 </a:pPr>
                 <a:r>
                   <a:rPr lang="pt-BR" sz="1800" dirty="0" smtClean="0"/>
-                  <a:t>Conseguimos </a:t>
-                </a:r>
-                <a:r>
-                  <a:rPr lang="pt-BR" sz="1800" dirty="0" smtClean="0"/>
-                  <a:t>visualizar melhor o efeito da redução de </a:t>
+                  <a:t>Conseguimos visualizar melhor o efeito da redução de </a:t>
                 </a:r>
                 <a14:m>
                   <m:oMath xmlns:m="http://schemas.openxmlformats.org/officeDocument/2006/math">
@@ -6171,11 +6187,7 @@
                 </a14:m>
                 <a:r>
                   <a:rPr lang="pt-BR" sz="1800" dirty="0" smtClean="0"/>
-                  <a:t> nas figuras que mostram o gradiente</a:t>
-                </a:r>
-                <a:r>
-                  <a:rPr lang="pt-BR" sz="1800" dirty="0" smtClean="0"/>
-                  <a:t>.</a:t>
+                  <a:t> nas figuras que mostram o gradiente.</a:t>
                 </a:r>
               </a:p>
               <a:p>
@@ -6235,7 +6247,7 @@
               <a:blipFill rotWithShape="0">
                 <a:blip r:embed="rId4"/>
                 <a:stretch>
-                  <a:fillRect l="-1019" t="-584" r="-582"/>
+                  <a:fillRect l="-1019" t="-584" r="-1456"/>
                 </a:stretch>
               </a:blipFill>
             </p:spPr>
@@ -6262,7 +6274,7 @@
         </p:nvSpPr>
         <p:spPr>
           <a:xfrm>
-            <a:off x="4852619" y="6495560"/>
+            <a:off x="4493804" y="6494815"/>
             <a:ext cx="7512882" cy="338554"/>
           </a:xfrm>
           <a:prstGeom prst="rect">
@@ -7486,7 +7498,7 @@
           <p:cNvPr id="4" name="Título 1">
             <a:extLst>
               <a:ext uri="{FF2B5EF4-FFF2-40B4-BE49-F238E27FC236}">
-                <a16:creationId xmlns:a16="http://schemas.microsoft.com/office/drawing/2014/main" xmlns="" id="{32666AC8-2E17-4DB4-B0F5-60C640CCFD2E}"/>
+                <a16:creationId xmlns="" xmlns:a16="http://schemas.microsoft.com/office/drawing/2014/main" id="{32666AC8-2E17-4DB4-B0F5-60C640CCFD2E}"/>
               </a:ext>
             </a:extLst>
           </p:cNvPr>
@@ -15452,8 +15464,8 @@
           </a:p>
         </p:txBody>
       </p:sp>
-      <mc:AlternateContent xmlns:mc="http://schemas.openxmlformats.org/markup-compatibility/2006" xmlns:a14="http://schemas.microsoft.com/office/drawing/2010/main">
-        <mc:Choice Requires="a14">
+      <mc:AlternateContent xmlns:mc="http://schemas.openxmlformats.org/markup-compatibility/2006">
+        <mc:Choice xmlns:a14="http://schemas.microsoft.com/office/drawing/2010/main" Requires="a14">
           <p:sp>
             <p:nvSpPr>
               <p:cNvPr id="3" name="Content Placeholder 2"/>
@@ -15464,9 +15476,16 @@
                 <p:ph idx="1"/>
               </p:nvPr>
             </p:nvSpPr>
-            <p:spPr/>
+            <p:spPr>
+              <a:xfrm>
+                <a:off x="838199" y="1825624"/>
+                <a:ext cx="11002701" cy="5032376"/>
+              </a:xfrm>
+            </p:spPr>
             <p:txBody>
-              <a:bodyPr/>
+              <a:bodyPr>
+                <a:normAutofit/>
+              </a:bodyPr>
               <a:lstStyle/>
               <a:p>
                 <a:r>
@@ -15489,14 +15508,20 @@
                 </a:r>
               </a:p>
               <a:p>
-                <a:pPr lvl="1"/>
+                <a:pPr lvl="1">
+                  <a:buFont typeface="Wingdings" panose="05000000000000000000" pitchFamily="2" charset="2"/>
+                  <a:buChar char="§"/>
+                </a:pPr>
                 <a:r>
                   <a:rPr lang="pt-BR" dirty="0" smtClean="0"/>
                   <a:t>Gradiente Ascendente para problemas de maximização.</a:t>
                 </a:r>
               </a:p>
               <a:p>
-                <a:pPr lvl="1"/>
+                <a:pPr lvl="1">
+                  <a:buFont typeface="Wingdings" panose="05000000000000000000" pitchFamily="2" charset="2"/>
+                  <a:buChar char="§"/>
+                </a:pPr>
                 <a:r>
                   <a:rPr lang="pt-BR" dirty="0" smtClean="0"/>
                   <a:t>Gradiente Descendente para problemas de minimização.</a:t>
@@ -15505,8 +15530,43 @@
               <a:p>
                 <a:r>
                   <a:rPr lang="pt-BR" dirty="0" smtClean="0"/>
-                  <a:t>Vimos as três versões do gradiente descendente e as comparamos.</a:t>
-                </a:r>
+                  <a:t>Vimos as três versões do gradiente descendente e as comparamos</a:t>
+                </a:r>
+                <a:r>
+                  <a:rPr lang="pt-BR" dirty="0" smtClean="0"/>
+                  <a:t>.</a:t>
+                </a:r>
+              </a:p>
+              <a:p>
+                <a:pPr lvl="1">
+                  <a:buFont typeface="Wingdings" panose="05000000000000000000" pitchFamily="2" charset="2"/>
+                  <a:buChar char="§"/>
+                </a:pPr>
+                <a:r>
+                  <a:rPr lang="pt-BR" dirty="0" smtClean="0"/>
+                  <a:t>Batelada</a:t>
+                </a:r>
+              </a:p>
+              <a:p>
+                <a:pPr lvl="1">
+                  <a:buFont typeface="Wingdings" panose="05000000000000000000" pitchFamily="2" charset="2"/>
+                  <a:buChar char="§"/>
+                </a:pPr>
+                <a:r>
+                  <a:rPr lang="pt-BR" dirty="0" smtClean="0"/>
+                  <a:t>Estocástico</a:t>
+                </a:r>
+              </a:p>
+              <a:p>
+                <a:pPr lvl="1">
+                  <a:buFont typeface="Wingdings" panose="05000000000000000000" pitchFamily="2" charset="2"/>
+                  <a:buChar char="§"/>
+                </a:pPr>
+                <a:r>
+                  <a:rPr lang="pt-BR" dirty="0" err="1" smtClean="0"/>
+                  <a:t>Mini-Batch</a:t>
+                </a:r>
+                <a:endParaRPr lang="pt-BR" dirty="0" smtClean="0"/>
               </a:p>
               <a:p>
                 <a:r>
@@ -15533,7 +15593,7 @@
             </p:txBody>
           </p:sp>
         </mc:Choice>
-        <mc:Fallback xmlns="">
+        <mc:Fallback>
           <p:sp>
             <p:nvSpPr>
               <p:cNvPr id="3" name="Content Placeholder 2"/>
@@ -15545,10 +15605,14 @@
               </p:nvPr>
             </p:nvSpPr>
             <p:spPr>
+              <a:xfrm>
+                <a:off x="838199" y="1825624"/>
+                <a:ext cx="11002701" cy="5032376"/>
+              </a:xfrm>
               <a:blipFill rotWithShape="0">
                 <a:blip r:embed="rId2"/>
                 <a:stretch>
-                  <a:fillRect l="-1043" t="-2241"/>
+                  <a:fillRect l="-942" t="-1937"/>
                 </a:stretch>
               </a:blipFill>
             </p:spPr>
@@ -25515,8 +25579,8 @@
           </a:p>
         </p:txBody>
       </p:sp>
-      <mc:AlternateContent xmlns:mc="http://schemas.openxmlformats.org/markup-compatibility/2006" xmlns:a14="http://schemas.microsoft.com/office/drawing/2010/main">
-        <mc:Choice Requires="a14">
+      <mc:AlternateContent xmlns:mc="http://schemas.openxmlformats.org/markup-compatibility/2006">
+        <mc:Choice xmlns:a14="http://schemas.microsoft.com/office/drawing/2010/main" Requires="a14">
           <p:sp>
             <p:nvSpPr>
               <p:cNvPr id="3" name="Content Placeholder 2"/>
@@ -25530,18 +25594,38 @@
             <p:spPr>
               <a:xfrm>
                 <a:off x="838199" y="1413164"/>
-                <a:ext cx="8472056" cy="4987635"/>
+                <a:ext cx="8472056" cy="5444836"/>
               </a:xfrm>
             </p:spPr>
             <p:txBody>
               <a:bodyPr>
-                <a:normAutofit fontScale="92500"/>
+                <a:normAutofit lnSpcReduction="10000"/>
               </a:bodyPr>
               <a:lstStyle/>
               <a:p>
                 <a:r>
                   <a:rPr lang="pt-BR" dirty="0" smtClean="0"/>
-                  <a:t>Conforme nós já aprendemos, enquanto a </a:t>
+                  <a:t>Conforme </a:t>
+                </a:r>
+                <a:r>
+                  <a:rPr lang="pt-BR" dirty="0" smtClean="0"/>
+                  <a:t>nós vimos, </a:t>
+                </a:r>
+                <a:r>
+                  <a:rPr lang="pt-BR" dirty="0" smtClean="0"/>
+                  <a:t>enquanto </a:t>
+                </a:r>
+                <a:r>
+                  <a:rPr lang="pt-BR" dirty="0" smtClean="0"/>
+                  <a:t>a </a:t>
+                </a:r>
+                <a:r>
+                  <a:rPr lang="pt-BR" b="1" i="1" dirty="0" smtClean="0"/>
+                  <a:t>taxa</a:t>
+                </a:r>
+                <a:r>
+                  <a:rPr lang="pt-BR" dirty="0" smtClean="0"/>
+                  <a:t> e a </a:t>
                 </a:r>
                 <a:r>
                   <a:rPr lang="pt-BR" b="1" i="1" dirty="0" smtClean="0"/>
@@ -25552,32 +25636,56 @@
                   <a:t> </a:t>
                 </a:r>
                 <a:r>
-                  <a:rPr lang="pt-BR" dirty="0"/>
-                  <a:t>para o </a:t>
-                </a:r>
-                <a:r>
                   <a:rPr lang="pt-BR" dirty="0" smtClean="0"/>
-                  <a:t>ponto de mínimo é determinada </a:t>
+                  <a:t>de </a:t>
+                </a:r>
+                <a:r>
+                  <a:rPr lang="pt-BR" b="1" i="1" dirty="0" smtClean="0"/>
+                  <a:t>máximo declive </a:t>
+                </a:r>
+                <a:r>
+                  <a:rPr lang="pt-BR" dirty="0" smtClean="0"/>
+                  <a:t>da </a:t>
+                </a:r>
+                <a:r>
+                  <a:rPr lang="pt-BR" b="1" i="1" dirty="0" smtClean="0"/>
+                  <a:t>função de erro </a:t>
+                </a:r>
+                <a:r>
+                  <a:rPr lang="pt-BR" dirty="0" smtClean="0"/>
+                  <a:t>são</a:t>
+                </a:r>
+                <a:r>
+                  <a:rPr lang="pt-BR" dirty="0" smtClean="0"/>
+                  <a:t> determinadas </a:t>
                 </a:r>
                 <a:r>
                   <a:rPr lang="pt-BR" dirty="0"/>
                   <a:t>pelo </a:t>
                 </a:r>
                 <a:r>
+                  <a:rPr lang="pt-BR" dirty="0" smtClean="0"/>
+                  <a:t>valor negativo do </a:t>
+                </a:r>
+                <a:r>
+                  <a:rPr lang="pt-BR" b="1" i="1" dirty="0" smtClean="0"/>
+                  <a:t>vetor </a:t>
+                </a:r>
+                <a:r>
                   <a:rPr lang="pt-BR" b="1" i="1" dirty="0"/>
-                  <a:t>vetor gradiente</a:t>
+                  <a:t>gradiente</a:t>
                 </a:r>
                 <a:r>
                   <a:rPr lang="pt-BR" dirty="0"/>
                   <a:t> da </a:t>
                 </a:r>
                 <a:r>
-                  <a:rPr lang="pt-BR" b="1" i="1" dirty="0"/>
-                  <a:t>função de erro</a:t>
+                  <a:rPr lang="pt-BR" dirty="0" smtClean="0"/>
+                  <a:t>função, </a:t>
                 </a:r>
                 <a:r>
                   <a:rPr lang="pt-BR" dirty="0"/>
-                  <a:t>, o </a:t>
+                  <a:t>o </a:t>
                 </a:r>
                 <a:r>
                   <a:rPr lang="pt-BR" b="1" i="1" dirty="0"/>
@@ -25589,11 +25697,11 @@
                 </a:r>
                 <a:r>
                   <a:rPr lang="pt-BR" dirty="0" smtClean="0"/>
-                  <a:t>esse </a:t>
-                </a:r>
-                <a:r>
-                  <a:rPr lang="pt-BR" dirty="0"/>
-                  <a:t>passo é dado naquela </a:t>
+                  <a:t>a atualização dos pesos é feita </a:t>
+                </a:r>
+                <a:r>
+                  <a:rPr lang="pt-BR" dirty="0" smtClean="0"/>
+                  <a:t>naquela </a:t>
                 </a:r>
                 <a:r>
                   <a:rPr lang="pt-BR" dirty="0" smtClean="0"/>
@@ -25776,8 +25884,8 @@
               </a:p>
               <a:p>
                 <a:pPr lvl="1">
-                  <a:buFont typeface="Courier New" panose="02070309020205020404" pitchFamily="49" charset="0"/>
-                  <a:buChar char="o"/>
+                  <a:buFont typeface="Wingdings" panose="05000000000000000000" pitchFamily="2" charset="2"/>
+                  <a:buChar char="§"/>
                 </a:pPr>
                 <a:r>
                   <a:rPr lang="pt-BR" dirty="0"/>
@@ -25789,13 +25897,18 @@
                 </a:r>
                 <a:r>
                   <a:rPr lang="pt-BR" dirty="0"/>
-                  <a:t>muito pequeno, a convergência do algoritmo levará muito tempo.</a:t>
-                </a:r>
+                  <a:t>muito pequeno, a convergência do algoritmo </a:t>
+                </a:r>
+                <a:r>
+                  <a:rPr lang="pt-BR" dirty="0" smtClean="0"/>
+                  <a:t>será lenta.</a:t>
+                </a:r>
+                <a:endParaRPr lang="pt-BR" dirty="0"/>
               </a:p>
               <a:p>
                 <a:pPr lvl="1">
-                  <a:buFont typeface="Courier New" panose="02070309020205020404" pitchFamily="49" charset="0"/>
-                  <a:buChar char="o"/>
+                  <a:buFont typeface="Wingdings" panose="05000000000000000000" pitchFamily="2" charset="2"/>
+                  <a:buChar char="§"/>
                 </a:pPr>
                 <a:r>
                   <a:rPr lang="pt-BR" b="1" dirty="0"/>
@@ -25834,8 +25947,8 @@
               </a:p>
               <a:p>
                 <a:pPr lvl="2">
-                  <a:buFont typeface="Wingdings" panose="05000000000000000000" pitchFamily="2" charset="2"/>
-                  <a:buChar char="§"/>
+                  <a:buFont typeface="Courier New" panose="02070309020205020404" pitchFamily="49" charset="0"/>
+                  <a:buChar char="o"/>
                 </a:pPr>
                 <a:r>
                   <a:rPr lang="pt-BR" dirty="0" smtClean="0"/>
@@ -25862,7 +25975,7 @@
             </p:txBody>
           </p:sp>
         </mc:Choice>
-        <mc:Fallback xmlns="">
+        <mc:Fallback>
           <p:sp>
             <p:nvSpPr>
               <p:cNvPr id="3" name="Content Placeholder 2"/>
@@ -25876,12 +25989,12 @@
             <p:spPr>
               <a:xfrm>
                 <a:off x="838199" y="1413164"/>
-                <a:ext cx="8472056" cy="4987635"/>
+                <a:ext cx="8472056" cy="5444836"/>
               </a:xfrm>
               <a:blipFill rotWithShape="0">
                 <a:blip r:embed="rId3"/>
                 <a:stretch>
-                  <a:fillRect l="-1079" t="-1834" b="-1589"/>
+                  <a:fillRect l="-1223" t="-2576"/>
                 </a:stretch>
               </a:blipFill>
             </p:spPr>
@@ -26106,6 +26219,53 @@
           </p:sp>
         </mc:Fallback>
       </mc:AlternateContent>
+      <p:sp>
+        <p:nvSpPr>
+          <p:cNvPr id="9" name="Rectangle 3"/>
+          <p:cNvSpPr/>
+          <p:nvPr/>
+        </p:nvSpPr>
+        <p:spPr>
+          <a:xfrm>
+            <a:off x="5074227" y="6558042"/>
+            <a:ext cx="4841366" cy="307777"/>
+          </a:xfrm>
+          <a:prstGeom prst="rect">
+            <a:avLst/>
+          </a:prstGeom>
+        </p:spPr>
+        <p:txBody>
+          <a:bodyPr wrap="square">
+            <a:spAutoFit/>
+          </a:bodyPr>
+          <a:lstStyle/>
+          <a:p>
+            <a:r>
+              <a:rPr lang="nl-BE" sz="1400" u="sng" dirty="0" smtClean="0">
+                <a:solidFill>
+                  <a:srgbClr val="00B0F0"/>
+                </a:solidFill>
+                <a:hlinkClick r:id="rId9"/>
+              </a:rPr>
+              <a:t>Exemplo: </a:t>
+            </a:r>
+            <a:r>
+              <a:rPr lang="pt-BR" sz="1400" u="sng" dirty="0" smtClean="0">
+                <a:solidFill>
+                  <a:srgbClr val="00B0F0"/>
+                </a:solidFill>
+                <a:hlinkClick r:id="rId9"/>
+              </a:rPr>
+              <a:t>linear_regression_selecting_the_learning_rate.ipynb</a:t>
+            </a:r>
+            <a:endParaRPr lang="pt-BR" sz="1400" u="sng" dirty="0">
+              <a:solidFill>
+                <a:srgbClr val="00B0F0"/>
+              </a:solidFill>
+            </a:endParaRPr>
+          </a:p>
+        </p:txBody>
+      </p:sp>
     </p:spTree>
     <p:extLst>
       <p:ext uri="{BB962C8B-B14F-4D97-AF65-F5344CB8AC3E}">
@@ -26187,8 +26347,8 @@
           </a:p>
         </p:txBody>
       </p:sp>
-      <mc:AlternateContent xmlns:mc="http://schemas.openxmlformats.org/markup-compatibility/2006">
-        <mc:Choice xmlns:a14="http://schemas.microsoft.com/office/drawing/2010/main" Requires="a14">
+      <mc:AlternateContent xmlns:mc="http://schemas.openxmlformats.org/markup-compatibility/2006" xmlns:a14="http://schemas.microsoft.com/office/drawing/2010/main">
+        <mc:Choice Requires="a14">
           <p:sp>
             <p:nvSpPr>
               <p:cNvPr id="3" name="Content Placeholder 2"/>
@@ -26265,19 +26425,7 @@
                 </a:r>
                 <a:r>
                   <a:rPr lang="pt-BR" dirty="0" smtClean="0"/>
-                  <a:t>da </a:t>
-                </a:r>
-                <a:r>
-                  <a:rPr lang="pt-BR" dirty="0" smtClean="0"/>
-                  <a:t>superfície de erro </a:t>
-                </a:r>
-                <a:r>
-                  <a:rPr lang="pt-BR" dirty="0" smtClean="0"/>
-                  <a:t>até </a:t>
-                </a:r>
-                <a:r>
-                  <a:rPr lang="pt-BR" dirty="0" smtClean="0"/>
-                  <a:t>que ele </a:t>
+                  <a:t>da superfície de erro até que ele </a:t>
                 </a:r>
                 <a:r>
                   <a:rPr lang="pt-BR" dirty="0"/>
@@ -26341,7 +26489,7 @@
             </p:txBody>
           </p:sp>
         </mc:Choice>
-        <mc:Fallback>
+        <mc:Fallback xmlns="">
           <p:sp>
             <p:nvSpPr>
               <p:cNvPr id="3" name="Content Placeholder 2"/>
@@ -26800,8 +26948,8 @@
           </p:sp>
         </mc:Fallback>
       </mc:AlternateContent>
-      <mc:AlternateContent xmlns:mc="http://schemas.openxmlformats.org/markup-compatibility/2006">
-        <mc:Choice xmlns:a14="http://schemas.microsoft.com/office/drawing/2010/main" Requires="a14">
+      <mc:AlternateContent xmlns:mc="http://schemas.openxmlformats.org/markup-compatibility/2006" xmlns:a14="http://schemas.microsoft.com/office/drawing/2010/main">
+        <mc:Choice Requires="a14">
           <p:sp>
             <p:nvSpPr>
               <p:cNvPr id="6" name="Rectangle 5"/>
@@ -26856,7 +27004,7 @@
             </p:txBody>
           </p:sp>
         </mc:Choice>
-        <mc:Fallback>
+        <mc:Fallback xmlns="">
           <p:sp>
             <p:nvSpPr>
               <p:cNvPr id="6" name="Rectangle 5"/>
@@ -26895,53 +27043,6 @@
           </p:sp>
         </mc:Fallback>
       </mc:AlternateContent>
-      <p:sp>
-        <p:nvSpPr>
-          <p:cNvPr id="13" name="Rectangle 3"/>
-          <p:cNvSpPr/>
-          <p:nvPr/>
-        </p:nvSpPr>
-        <p:spPr>
-          <a:xfrm>
-            <a:off x="6633354" y="1144896"/>
-            <a:ext cx="5563972" cy="338554"/>
-          </a:xfrm>
-          <a:prstGeom prst="rect">
-            <a:avLst/>
-          </a:prstGeom>
-        </p:spPr>
-        <p:txBody>
-          <a:bodyPr wrap="square">
-            <a:spAutoFit/>
-          </a:bodyPr>
-          <a:lstStyle/>
-          <a:p>
-            <a:r>
-              <a:rPr lang="nl-BE" sz="1600" u="sng" dirty="0" smtClean="0">
-                <a:solidFill>
-                  <a:srgbClr val="00B0F0"/>
-                </a:solidFill>
-                <a:hlinkClick r:id="rId12"/>
-              </a:rPr>
-              <a:t>Exemplo: </a:t>
-            </a:r>
-            <a:r>
-              <a:rPr lang="pt-BR" sz="1600" u="sng" dirty="0" smtClean="0">
-                <a:solidFill>
-                  <a:srgbClr val="00B0F0"/>
-                </a:solidFill>
-                <a:hlinkClick r:id="rId12"/>
-              </a:rPr>
-              <a:t>linear_regression_selecting_the_learning_rate.ipynb</a:t>
-            </a:r>
-            <a:endParaRPr lang="pt-BR" sz="1600" u="sng" dirty="0">
-              <a:solidFill>
-                <a:srgbClr val="00B0F0"/>
-              </a:solidFill>
-            </a:endParaRPr>
-          </a:p>
-        </p:txBody>
-      </p:sp>
       <p:sp>
         <p:nvSpPr>
           <p:cNvPr id="7" name="Seta para a direita 6"/>
@@ -27040,31 +27141,15 @@
           <a:lstStyle/>
           <a:p>
             <a:r>
-              <a:rPr lang="en-US" dirty="0" err="1"/>
-              <a:t>Escolha</a:t>
+              <a:rPr lang="pt-BR" dirty="0" smtClean="0"/>
+              <a:t>Escolha do Passo de Aprendizagem</a:t>
             </a:r>
-            <a:r>
-              <a:rPr lang="en-US" dirty="0"/>
-              <a:t> do </a:t>
-            </a:r>
-            <a:r>
-              <a:rPr lang="en-US" dirty="0" err="1"/>
-              <a:t>Passo</a:t>
-            </a:r>
-            <a:r>
-              <a:rPr lang="en-US" dirty="0"/>
-              <a:t> de </a:t>
-            </a:r>
-            <a:r>
-              <a:rPr lang="en-US" dirty="0" err="1"/>
-              <a:t>Aprendizagem</a:t>
-            </a:r>
-            <a:endParaRPr lang="nl-BE" dirty="0"/>
+            <a:endParaRPr lang="pt-BR" dirty="0"/>
           </a:p>
         </p:txBody>
       </p:sp>
-      <mc:AlternateContent xmlns:mc="http://schemas.openxmlformats.org/markup-compatibility/2006" xmlns:a14="http://schemas.microsoft.com/office/drawing/2010/main">
-        <mc:Choice Requires="a14">
+      <mc:AlternateContent xmlns:mc="http://schemas.openxmlformats.org/markup-compatibility/2006">
+        <mc:Choice xmlns:a14="http://schemas.microsoft.com/office/drawing/2010/main" Requires="a14">
           <p:sp>
             <p:nvSpPr>
               <p:cNvPr id="3" name="Content Placeholder 2"/>
@@ -27092,8 +27177,8 @@
                   <a:t>Portanto, o </a:t>
                 </a:r>
                 <a:r>
-                  <a:rPr lang="pt-BR" dirty="0"/>
-                  <a:t>valor </a:t>
+                  <a:rPr lang="pt-BR" dirty="0" smtClean="0"/>
+                  <a:t>valor do </a:t>
                 </a:r>
                 <a:r>
                   <a:rPr lang="pt-BR" b="1" i="1" dirty="0"/>
@@ -27223,7 +27308,15 @@
                 </a:r>
                 <a:r>
                   <a:rPr lang="pt-BR" dirty="0" smtClean="0"/>
-                  <a:t>empírica para exploração do passo de aprendizagem é usar a seguinte sequência (</a:t>
+                  <a:t>empírica para </a:t>
+                </a:r>
+                <a:r>
+                  <a:rPr lang="pt-BR" b="1" i="1" dirty="0" smtClean="0"/>
+                  <a:t>exploração</a:t>
+                </a:r>
+                <a:r>
+                  <a:rPr lang="pt-BR" dirty="0" smtClean="0"/>
+                  <a:t> do passo de aprendizagem é usar a seguinte sequência (</a:t>
                 </a:r>
                 <a:r>
                   <a:rPr lang="pt-BR" b="1" i="1" dirty="0" smtClean="0"/>
@@ -27270,7 +27363,7 @@
             </p:txBody>
           </p:sp>
         </mc:Choice>
-        <mc:Fallback xmlns="">
+        <mc:Fallback>
           <p:sp>
             <p:nvSpPr>
               <p:cNvPr id="3" name="Content Placeholder 2"/>
@@ -28521,9 +28614,26 @@
                   <a:buChar char="o"/>
                 </a:pPr>
                 <a:r>
+                  <a:rPr lang="pt-BR" b="1" i="1" dirty="0"/>
+                  <a:t>Erro diminui rapidamente nas primeiras épocas </a:t>
+                </a:r>
+                <a:r>
                   <a:rPr lang="pt-BR" dirty="0"/>
-                  <a:t>Erro diminui rapidamente nas primeiras épocas e depois diminui quase que a uma taxa constante.</a:t>
-                </a:r>
+                  <a:t>e depois diminui quase que a uma </a:t>
+                </a:r>
+                <a:r>
+                  <a:rPr lang="pt-BR" b="1" i="1" dirty="0"/>
+                  <a:t>taxa </a:t>
+                </a:r>
+                <a:r>
+                  <a:rPr lang="pt-BR" b="1" i="1" dirty="0" smtClean="0"/>
+                  <a:t>constante</a:t>
+                </a:r>
+                <a:r>
+                  <a:rPr lang="pt-BR" dirty="0" smtClean="0"/>
+                  <a:t>, pois os pesos não são mais praticamente atualizados (mínimo da função foi atingido).</a:t>
+                </a:r>
+                <a:endParaRPr lang="pt-BR" dirty="0"/>
               </a:p>
               <a:p>
                 <a:pPr lvl="2">
@@ -28600,15 +28710,7 @@
                 </a:r>
                 <a:r>
                   <a:rPr lang="pt-BR" dirty="0" smtClean="0"/>
-                  <a:t>divergência (C) </a:t>
-                </a:r>
-                <a:r>
-                  <a:rPr lang="pt-BR" dirty="0" smtClean="0"/>
-                  <a:t>e </a:t>
-                </a:r>
-                <a:r>
-                  <a:rPr lang="pt-BR" dirty="0" smtClean="0"/>
-                  <a:t>oscilação (D).</a:t>
+                  <a:t>divergência (C) e oscilação (D).</a:t>
                 </a:r>
                 <a:endParaRPr lang="pt-BR" dirty="0"/>
               </a:p>
@@ -28634,7 +28736,7 @@
               <a:blipFill rotWithShape="0">
                 <a:blip r:embed="rId3"/>
                 <a:stretch>
-                  <a:fillRect l="-872" t="-2595"/>
+                  <a:fillRect l="-872" t="-2595" b="-865"/>
                 </a:stretch>
               </a:blipFill>
             </p:spPr>
@@ -29517,12 +29619,12 @@
             <p:spPr>
               <a:xfrm>
                 <a:off x="838199" y="1828128"/>
-                <a:ext cx="11083507" cy="5029872"/>
+                <a:ext cx="11211047" cy="5029872"/>
               </a:xfrm>
             </p:spPr>
             <p:txBody>
               <a:bodyPr>
-                <a:normAutofit lnSpcReduction="10000"/>
+                <a:normAutofit fontScale="92500" lnSpcReduction="20000"/>
               </a:bodyPr>
               <a:lstStyle/>
               <a:p>
@@ -29606,11 +29708,7 @@
                 </a:r>
                 <a:r>
                   <a:rPr lang="pt-BR" dirty="0" smtClean="0"/>
-                  <a:t>redução </a:t>
-                </a:r>
-                <a:r>
-                  <a:rPr lang="pt-BR" dirty="0" smtClean="0"/>
-                  <a:t>de </a:t>
+                  <a:t>redução de </a:t>
                 </a:r>
                 <a14:m>
                   <m:oMath xmlns:m="http://schemas.openxmlformats.org/officeDocument/2006/math">
@@ -29640,45 +29738,72 @@
                 </a:r>
                 <a:r>
                   <a:rPr lang="pt-BR" dirty="0" smtClean="0"/>
-                  <a:t>treinamento, ou seja, ao longo das iterações. </a:t>
-                </a:r>
+                  <a:t>treinamento, ou seja, ao longo das </a:t>
+                </a:r>
+                <a:r>
+                  <a:rPr lang="pt-BR" dirty="0" smtClean="0"/>
+                  <a:t>iterações, de forma a garantir a convergência. </a:t>
+                </a:r>
+                <a:endParaRPr lang="pt-BR" dirty="0" smtClean="0"/>
               </a:p>
               <a:p>
-                <a:pPr lvl="1"/>
+                <a:r>
+                  <a:rPr lang="pt-BR" b="1" dirty="0" smtClean="0"/>
+                  <a:t>Termo momentum</a:t>
+                </a:r>
                 <a:r>
                   <a:rPr lang="pt-BR" dirty="0" smtClean="0"/>
-                  <a:t>A </a:t>
+                  <a:t>: </a:t>
                 </a:r>
                 <a:r>
                   <a:rPr lang="pt-BR" dirty="0"/>
-                  <a:t>forma mais simples é diminuir o passo de aprendizagem linearmente de um valor inicial </a:t>
+                  <a:t>adiciona a </a:t>
+                </a:r>
+                <a:r>
+                  <a:rPr lang="pt-BR" b="1" i="1" dirty="0"/>
+                  <a:t>média do histórico de atualizações </a:t>
                 </a:r>
                 <a:r>
                   <a:rPr lang="pt-BR" dirty="0" smtClean="0"/>
-                  <a:t>grande </a:t>
+                  <a:t>à equação de atualização </a:t>
                 </a:r>
                 <a:r>
                   <a:rPr lang="pt-BR" dirty="0"/>
-                  <a:t>até </a:t>
+                  <a:t>dos </a:t>
                 </a:r>
                 <a:r>
                   <a:rPr lang="pt-BR" dirty="0" smtClean="0"/>
-                  <a:t>um </a:t>
+                  <a:t>pesos, tornando </a:t>
                 </a:r>
                 <a:r>
                   <a:rPr lang="pt-BR" dirty="0"/>
-                  <a:t>valor </a:t>
+                  <a:t>as atualizações menos ruidosas, e, consequentemente, acelerando a convergência do </a:t>
                 </a:r>
                 <a:r>
                   <a:rPr lang="pt-BR" dirty="0" smtClean="0"/>
-                  <a:t>pequeno.</a:t>
+                  <a:t>algoritmo.</a:t>
                 </a:r>
               </a:p>
               <a:p>
-                <a:pPr lvl="1"/>
                 <a:r>
                   <a:rPr lang="pt-BR" dirty="0" smtClean="0"/>
-                  <a:t>Abordagem muito usada com GD estocástico e mini-batch para garantir a convergência para o ponto de mínimo.</a:t>
+                  <a:t>As duas últimas abordagens são usadas </a:t>
+                </a:r>
+                <a:r>
+                  <a:rPr lang="pt-BR" dirty="0"/>
+                  <a:t>com GDE e </a:t>
+                </a:r>
+                <a:r>
+                  <a:rPr lang="pt-BR" dirty="0" err="1"/>
+                  <a:t>mini-batch</a:t>
+                </a:r>
+                <a:r>
+                  <a:rPr lang="pt-BR" dirty="0"/>
+                  <a:t> para garantir a convergência</a:t>
+                </a:r>
+                <a:r>
+                  <a:rPr lang="pt-BR" dirty="0" smtClean="0"/>
+                  <a:t>.</a:t>
                 </a:r>
                 <a:endParaRPr lang="pt-BR" dirty="0"/>
               </a:p>
@@ -29719,11 +29844,11 @@
                 </a:r>
                 <a:r>
                   <a:rPr lang="pt-BR" dirty="0"/>
-                  <a:t>adaptativamente ajustado de acordo com a performance do </a:t>
+                  <a:t>adaptativamente ajustado de acordo com a </a:t>
                 </a:r>
                 <a:r>
                   <a:rPr lang="pt-BR" dirty="0" smtClean="0"/>
-                  <a:t>modelo, </a:t>
+                  <a:t>inclinação da superfície, </a:t>
                 </a:r>
                 <a:r>
                   <a:rPr lang="pt-BR" dirty="0"/>
@@ -29731,16 +29856,37 @@
                 </a:r>
                 <a:r>
                   <a:rPr lang="pt-BR" dirty="0" smtClean="0"/>
-                  <a:t>pode-se </a:t>
+                  <a:t>usa passos </a:t>
                 </a:r>
                 <a:r>
                   <a:rPr lang="pt-BR" dirty="0"/>
-                  <a:t>ter passos diferentes para cada peso do modelo </a:t>
+                  <a:t>diferentes para cada peso do </a:t>
                 </a:r>
                 <a:r>
                   <a:rPr lang="pt-BR" dirty="0" smtClean="0"/>
-                  <a:t>e atualizá-los de forma independente.</a:t>
-                </a:r>
+                  <a:t>modelo, os atualizando </a:t>
+                </a:r>
+                <a:r>
+                  <a:rPr lang="pt-BR" dirty="0" smtClean="0"/>
+                  <a:t>de forma </a:t>
+                </a:r>
+                <a:r>
+                  <a:rPr lang="pt-BR" dirty="0" smtClean="0"/>
+                  <a:t>independente de acordo com a inclinação </a:t>
+                </a:r>
+                <a:r>
+                  <a:rPr lang="pt-BR" dirty="0"/>
+                  <a:t>na direção destes </a:t>
+                </a:r>
+                <a:r>
+                  <a:rPr lang="pt-BR" dirty="0" smtClean="0"/>
+                  <a:t>pesos</a:t>
+                </a:r>
+                <a:r>
+                  <a:rPr lang="pt-BR" dirty="0" smtClean="0"/>
+                  <a:t>.</a:t>
+                </a:r>
+                <a:endParaRPr lang="pt-BR" dirty="0" smtClean="0"/>
               </a:p>
               <a:p>
                 <a:pPr lvl="1">
@@ -29790,12 +29936,12 @@
             <p:spPr>
               <a:xfrm>
                 <a:off x="838199" y="1828128"/>
-                <a:ext cx="11083507" cy="5029872"/>
+                <a:ext cx="11211047" cy="5029872"/>
               </a:xfrm>
               <a:blipFill rotWithShape="0">
                 <a:blip r:embed="rId3"/>
                 <a:stretch>
-                  <a:fillRect l="-1100" t="-2788"/>
+                  <a:fillRect l="-924" t="-3030" r="-1033"/>
                 </a:stretch>
               </a:blipFill>
             </p:spPr>
@@ -29901,7 +30047,7 @@
             </p:spPr>
             <p:txBody>
               <a:bodyPr>
-                <a:normAutofit fontScale="92500" lnSpcReduction="10000"/>
+                <a:normAutofit lnSpcReduction="10000"/>
               </a:bodyPr>
               <a:lstStyle/>
               <a:p>
@@ -29918,8 +30064,8 @@
                   <a:t>mais comuns </a:t>
                 </a:r>
                 <a:r>
-                  <a:rPr lang="pt-BR" dirty="0"/>
-                  <a:t>de implementação da </a:t>
+                  <a:rPr lang="pt-BR" dirty="0" smtClean="0"/>
+                  <a:t>para a </a:t>
                 </a:r>
                 <a:r>
                   <a:rPr lang="pt-BR" b="1" i="1" dirty="0"/>
@@ -29931,7 +30077,26 @@
                 </a:r>
                 <a:r>
                   <a:rPr lang="pt-BR" dirty="0" smtClean="0"/>
-                  <a:t>do passo de aprendizagem são:</a:t>
+                  <a:t>de </a:t>
+                </a:r>
+                <a14:m>
+                  <m:oMath xmlns:m="http://schemas.openxmlformats.org/officeDocument/2006/math">
+                    <m:r>
+                      <a:rPr lang="pt-BR" i="1" smtClean="0">
+                        <a:latin typeface="Cambria Math" panose="02040503050406030204" pitchFamily="18" charset="0"/>
+                        <a:ea typeface="Cambria Math" panose="02040503050406030204" pitchFamily="18" charset="0"/>
+                      </a:rPr>
+                      <m:t>𝛼</m:t>
+                    </m:r>
+                  </m:oMath>
+                </a14:m>
+                <a:r>
+                  <a:rPr lang="pt-BR" dirty="0" smtClean="0"/>
+                  <a:t> são</a:t>
+                </a:r>
+                <a:r>
+                  <a:rPr lang="pt-BR" dirty="0" smtClean="0"/>
+                  <a:t>:</a:t>
                 </a:r>
               </a:p>
               <a:p>
@@ -29965,7 +30130,15 @@
                 </a:r>
                 <a:r>
                   <a:rPr lang="pt-BR" dirty="0" smtClean="0"/>
-                  <a:t>. Ele reduz </a:t>
+                  <a:t>. </a:t>
+                </a:r>
+                <a:r>
+                  <a:rPr lang="pt-BR" dirty="0"/>
+                  <a:t>R</a:t>
+                </a:r>
+                <a:r>
+                  <a:rPr lang="pt-BR" dirty="0" smtClean="0"/>
+                  <a:t>eduz </a:t>
                 </a:r>
                 <a:r>
                   <a:rPr lang="pt-BR" dirty="0"/>
@@ -30061,7 +30234,7 @@
                 </a:r>
                 <a:r>
                   <a:rPr lang="pt-BR" dirty="0" smtClean="0"/>
-                  <a:t>iterações ou épocas, </a:t>
+                  <a:t>iterações, </a:t>
                 </a:r>
                 <a14:m>
                   <m:oMath xmlns:m="http://schemas.openxmlformats.org/officeDocument/2006/math">
@@ -30137,15 +30310,26 @@
                 </a:r>
                 <a:r>
                   <a:rPr lang="pt-BR" dirty="0"/>
-                  <a:t>a cada número pré-definido de </a:t>
+                  <a:t>a cada </a:t>
+                </a:r>
+                <a14:m>
+                  <m:oMath xmlns:m="http://schemas.openxmlformats.org/officeDocument/2006/math">
+                    <m:r>
+                      <a:rPr lang="pt-BR" i="1">
+                        <a:latin typeface="Cambria Math" panose="02040503050406030204" pitchFamily="18" charset="0"/>
+                        <a:ea typeface="Cambria Math" panose="02040503050406030204" pitchFamily="18" charset="0"/>
+                      </a:rPr>
+                      <m:t>𝛽</m:t>
+                    </m:r>
+                  </m:oMath>
+                </a14:m>
+                <a:r>
+                  <a:rPr lang="pt-BR" dirty="0"/>
+                  <a:t> de </a:t>
                 </a:r>
                 <a:r>
                   <a:rPr lang="pt-BR" dirty="0" smtClean="0"/>
-                  <a:t>épocas</a:t>
-                </a:r>
-                <a:r>
-                  <a:rPr lang="pt-BR" dirty="0"/>
-                  <a:t>.</a:t>
+                  <a:t>iterações.</a:t>
                 </a:r>
                 <a:endParaRPr lang="pt-BR" dirty="0" smtClean="0"/>
               </a:p>
@@ -30327,7 +30511,15 @@
                 </a:r>
                 <a:r>
                   <a:rPr lang="pt-BR" dirty="0" smtClean="0"/>
-                  <a:t>iteração ou época corrente.</a:t>
+                  <a:t>iteração </a:t>
+                </a:r>
+                <a:r>
+                  <a:rPr lang="pt-BR" dirty="0" smtClean="0"/>
+                  <a:t>corrente</a:t>
+                </a:r>
+                <a:r>
+                  <a:rPr lang="pt-BR" dirty="0" smtClean="0"/>
+                  <a:t>.</a:t>
                 </a:r>
               </a:p>
               <a:p>
@@ -30525,7 +30717,15 @@
                 </a:r>
                 <a:r>
                   <a:rPr lang="pt-BR" dirty="0" smtClean="0"/>
-                  <a:t>iteração ou época corrente.</a:t>
+                  <a:t>iteração </a:t>
+                </a:r>
+                <a:r>
+                  <a:rPr lang="pt-BR" dirty="0" smtClean="0"/>
+                  <a:t>corrente</a:t>
+                </a:r>
+                <a:r>
+                  <a:rPr lang="pt-BR" dirty="0" smtClean="0"/>
+                  <a:t>.</a:t>
                 </a:r>
                 <a:endParaRPr lang="pt-BR" dirty="0"/>
               </a:p>
@@ -30677,7 +30877,7 @@
               <a:blipFill rotWithShape="0">
                 <a:blip r:embed="rId2"/>
                 <a:stretch>
-                  <a:fillRect l="-876" t="-2328" r="-1587"/>
+                  <a:fillRect l="-985" t="-2678" r="-1587"/>
                 </a:stretch>
               </a:blipFill>
             </p:spPr>

--- a/slides/T319_Regressão_Linear (Parte III).pptx
+++ b/slides/T319_Regressão_Linear (Parte III).pptx
@@ -548,7 +548,7 @@
           <a:p>
             <a:fld id="{DAF0AF11-6A8A-4E64-94F5-26D4FBA2A01D}" type="datetimeFigureOut">
               <a:rPr lang="nl-BE" smtClean="0"/>
-              <a:t>30/09/2022</a:t>
+              <a:t>14/10/2022</a:t>
             </a:fld>
             <a:endParaRPr lang="nl-BE"/>
           </a:p>
@@ -2938,7 +2938,7 @@
           <a:p>
             <a:fld id="{C80E15A5-E95B-43EB-9AC7-9A96397448C0}" type="datetimeFigureOut">
               <a:rPr lang="nl-BE" smtClean="0"/>
-              <a:t>30/09/2022</a:t>
+              <a:t>14/10/2022</a:t>
             </a:fld>
             <a:endParaRPr lang="nl-BE"/>
           </a:p>
@@ -3108,7 +3108,7 @@
           <a:p>
             <a:fld id="{C80E15A5-E95B-43EB-9AC7-9A96397448C0}" type="datetimeFigureOut">
               <a:rPr lang="nl-BE" smtClean="0"/>
-              <a:t>30/09/2022</a:t>
+              <a:t>14/10/2022</a:t>
             </a:fld>
             <a:endParaRPr lang="nl-BE"/>
           </a:p>
@@ -3288,7 +3288,7 @@
           <a:p>
             <a:fld id="{C80E15A5-E95B-43EB-9AC7-9A96397448C0}" type="datetimeFigureOut">
               <a:rPr lang="nl-BE" smtClean="0"/>
-              <a:t>30/09/2022</a:t>
+              <a:t>14/10/2022</a:t>
             </a:fld>
             <a:endParaRPr lang="nl-BE"/>
           </a:p>
@@ -3458,7 +3458,7 @@
           <a:p>
             <a:fld id="{C80E15A5-E95B-43EB-9AC7-9A96397448C0}" type="datetimeFigureOut">
               <a:rPr lang="nl-BE" smtClean="0"/>
-              <a:t>30/09/2022</a:t>
+              <a:t>14/10/2022</a:t>
             </a:fld>
             <a:endParaRPr lang="nl-BE"/>
           </a:p>
@@ -3704,7 +3704,7 @@
           <a:p>
             <a:fld id="{C80E15A5-E95B-43EB-9AC7-9A96397448C0}" type="datetimeFigureOut">
               <a:rPr lang="nl-BE" smtClean="0"/>
-              <a:t>30/09/2022</a:t>
+              <a:t>14/10/2022</a:t>
             </a:fld>
             <a:endParaRPr lang="nl-BE"/>
           </a:p>
@@ -3936,7 +3936,7 @@
           <a:p>
             <a:fld id="{C80E15A5-E95B-43EB-9AC7-9A96397448C0}" type="datetimeFigureOut">
               <a:rPr lang="nl-BE" smtClean="0"/>
-              <a:t>30/09/2022</a:t>
+              <a:t>14/10/2022</a:t>
             </a:fld>
             <a:endParaRPr lang="nl-BE"/>
           </a:p>
@@ -4303,7 +4303,7 @@
           <a:p>
             <a:fld id="{C80E15A5-E95B-43EB-9AC7-9A96397448C0}" type="datetimeFigureOut">
               <a:rPr lang="nl-BE" smtClean="0"/>
-              <a:t>30/09/2022</a:t>
+              <a:t>14/10/2022</a:t>
             </a:fld>
             <a:endParaRPr lang="nl-BE"/>
           </a:p>
@@ -4421,7 +4421,7 @@
           <a:p>
             <a:fld id="{C80E15A5-E95B-43EB-9AC7-9A96397448C0}" type="datetimeFigureOut">
               <a:rPr lang="nl-BE" smtClean="0"/>
-              <a:t>30/09/2022</a:t>
+              <a:t>14/10/2022</a:t>
             </a:fld>
             <a:endParaRPr lang="nl-BE"/>
           </a:p>
@@ -4516,7 +4516,7 @@
           <a:p>
             <a:fld id="{C80E15A5-E95B-43EB-9AC7-9A96397448C0}" type="datetimeFigureOut">
               <a:rPr lang="nl-BE" smtClean="0"/>
-              <a:t>30/09/2022</a:t>
+              <a:t>14/10/2022</a:t>
             </a:fld>
             <a:endParaRPr lang="nl-BE"/>
           </a:p>
@@ -4793,7 +4793,7 @@
           <a:p>
             <a:fld id="{C80E15A5-E95B-43EB-9AC7-9A96397448C0}" type="datetimeFigureOut">
               <a:rPr lang="nl-BE" smtClean="0"/>
-              <a:t>30/09/2022</a:t>
+              <a:t>14/10/2022</a:t>
             </a:fld>
             <a:endParaRPr lang="nl-BE"/>
           </a:p>
@@ -5046,7 +5046,7 @@
           <a:p>
             <a:fld id="{C80E15A5-E95B-43EB-9AC7-9A96397448C0}" type="datetimeFigureOut">
               <a:rPr lang="nl-BE" smtClean="0"/>
-              <a:t>30/09/2022</a:t>
+              <a:t>14/10/2022</a:t>
             </a:fld>
             <a:endParaRPr lang="nl-BE"/>
           </a:p>
@@ -5259,7 +5259,7 @@
           <a:p>
             <a:fld id="{C80E15A5-E95B-43EB-9AC7-9A96397448C0}" type="datetimeFigureOut">
               <a:rPr lang="nl-BE" smtClean="0"/>
-              <a:t>30/09/2022</a:t>
+              <a:t>14/10/2022</a:t>
             </a:fld>
             <a:endParaRPr lang="nl-BE"/>
           </a:p>
@@ -5669,7 +5669,7 @@
           <p:cNvPr id="2" name="Título 1">
             <a:extLst>
               <a:ext uri="{FF2B5EF4-FFF2-40B4-BE49-F238E27FC236}">
-                <a16:creationId xmlns="" xmlns:a16="http://schemas.microsoft.com/office/drawing/2014/main" id="{32666AC8-2E17-4DB4-B0F5-60C640CCFD2E}"/>
+                <a16:creationId xmlns:a16="http://schemas.microsoft.com/office/drawing/2014/main" xmlns="" id="{32666AC8-2E17-4DB4-B0F5-60C640CCFD2E}"/>
               </a:ext>
             </a:extLst>
           </p:cNvPr>
@@ -5728,7 +5728,7 @@
           <p:cNvPr id="4" name="CaixaDeTexto 3">
             <a:extLst>
               <a:ext uri="{FF2B5EF4-FFF2-40B4-BE49-F238E27FC236}">
-                <a16:creationId xmlns="" xmlns:a16="http://schemas.microsoft.com/office/drawing/2014/main" id="{430EB894-B7D4-434C-9D1A-A14094D9BEEC}"/>
+                <a16:creationId xmlns:a16="http://schemas.microsoft.com/office/drawing/2014/main" xmlns="" id="{430EB894-B7D4-434C-9D1A-A14094D9BEEC}"/>
               </a:ext>
             </a:extLst>
           </p:cNvPr>
@@ -5769,7 +5769,7 @@
           <p:cNvPr id="1026" name="Picture 2" descr="Logo">
             <a:extLst>
               <a:ext uri="{FF2B5EF4-FFF2-40B4-BE49-F238E27FC236}">
-                <a16:creationId xmlns="" xmlns:a16="http://schemas.microsoft.com/office/drawing/2014/main" id="{3F2642E0-4F6A-4196-8F58-E77D36E9A33F}"/>
+                <a16:creationId xmlns:a16="http://schemas.microsoft.com/office/drawing/2014/main" xmlns="" id="{3F2642E0-4F6A-4196-8F58-E77D36E9A33F}"/>
               </a:ext>
             </a:extLst>
           </p:cNvPr>
@@ -5814,7 +5814,7 @@
           <p:cNvPr id="5122" name="Picture 2" descr="Image result for machine learning">
             <a:extLst>
               <a:ext uri="{FF2B5EF4-FFF2-40B4-BE49-F238E27FC236}">
-                <a16:creationId xmlns="" xmlns:a16="http://schemas.microsoft.com/office/drawing/2014/main" id="{810CE0A2-4102-44A6-A370-175E7896CDCB}"/>
+                <a16:creationId xmlns:a16="http://schemas.microsoft.com/office/drawing/2014/main" xmlns="" id="{810CE0A2-4102-44A6-A370-175E7896CDCB}"/>
               </a:ext>
             </a:extLst>
           </p:cNvPr>
@@ -5981,8 +5981,8 @@
           </p:sp>
         </mc:Fallback>
       </mc:AlternateContent>
-      <mc:AlternateContent xmlns:mc="http://schemas.openxmlformats.org/markup-compatibility/2006">
-        <mc:Choice xmlns:a14="http://schemas.microsoft.com/office/drawing/2010/main" Requires="a14">
+      <mc:AlternateContent xmlns:mc="http://schemas.openxmlformats.org/markup-compatibility/2006" xmlns:a14="http://schemas.microsoft.com/office/drawing/2010/main">
+        <mc:Choice Requires="a14">
           <p:sp>
             <p:nvSpPr>
               <p:cNvPr id="3" name="Content Placeholder 2"/>
@@ -6130,11 +6130,7 @@
                 </a:r>
                 <a:r>
                   <a:rPr lang="pt-BR" sz="1800" dirty="0" smtClean="0"/>
-                  <a:t>devido </a:t>
-                </a:r>
-                <a:r>
-                  <a:rPr lang="pt-BR" sz="1800" dirty="0" smtClean="0"/>
-                  <a:t>à </a:t>
+                  <a:t>devido à </a:t>
                 </a:r>
                 <a:r>
                   <a:rPr lang="pt-BR" sz="1800" b="1" i="1" dirty="0" smtClean="0"/>
@@ -6228,7 +6224,7 @@
             </p:txBody>
           </p:sp>
         </mc:Choice>
-        <mc:Fallback>
+        <mc:Fallback xmlns="">
           <p:sp>
             <p:nvSpPr>
               <p:cNvPr id="3" name="Content Placeholder 2"/>
@@ -7359,7 +7355,12 @@
             <p:ph idx="1"/>
           </p:nvPr>
         </p:nvSpPr>
-        <p:spPr/>
+        <p:spPr>
+          <a:xfrm>
+            <a:off x="838199" y="1825624"/>
+            <a:ext cx="10863805" cy="4818243"/>
+          </a:xfrm>
+        </p:spPr>
         <p:txBody>
           <a:bodyPr/>
           <a:lstStyle/>
@@ -7417,21 +7418,53 @@
             <a:endParaRPr lang="pt-BR" dirty="0"/>
           </a:p>
           <a:p>
-            <a:pPr lvl="1"/>
+            <a:pPr lvl="1">
+              <a:buFont typeface="Wingdings" panose="05000000000000000000" pitchFamily="2" charset="2"/>
+              <a:buChar char="§"/>
+            </a:pPr>
             <a:r>
               <a:rPr lang="pt-BR" dirty="0"/>
-              <a:t>Pode ser baixado do MS Teams ou do GitHub.</a:t>
+              <a:t>Pode ser acessado através do link acima (Google </a:t>
+            </a:r>
+            <a:r>
+              <a:rPr lang="pt-BR" dirty="0" err="1"/>
+              <a:t>Colab</a:t>
+            </a:r>
+            <a:r>
+              <a:rPr lang="pt-BR" dirty="0"/>
+              <a:t>) ou no GitHub.</a:t>
             </a:r>
           </a:p>
           <a:p>
-            <a:pPr lvl="1"/>
+            <a:pPr lvl="1">
+              <a:buFont typeface="Wingdings" panose="05000000000000000000" pitchFamily="2" charset="2"/>
+              <a:buChar char="§"/>
+            </a:pPr>
             <a:r>
               <a:rPr lang="pt-BR" dirty="0"/>
-              <a:t>Pode ser respondido através do link acima (na nuvem) ou localmente.</a:t>
+              <a:t>Vídeo explicando o laboratório: Arquivos -&gt; Material de Aula -&gt; Laboratório </a:t>
+            </a:r>
+            <a:r>
+              <a:rPr lang="pt-BR" dirty="0" smtClean="0"/>
+              <a:t>#4</a:t>
+            </a:r>
+            <a:endParaRPr lang="pt-BR" dirty="0"/>
+          </a:p>
+          <a:p>
+            <a:pPr lvl="1">
+              <a:buFont typeface="Wingdings" panose="05000000000000000000" pitchFamily="2" charset="2"/>
+              <a:buChar char="§"/>
+            </a:pPr>
+            <a:r>
+              <a:rPr lang="pt-BR" dirty="0"/>
+              <a:t>Se atentem aos prazos de entrega.</a:t>
             </a:r>
           </a:p>
           <a:p>
-            <a:pPr lvl="1"/>
+            <a:pPr lvl="1">
+              <a:buFont typeface="Wingdings" panose="05000000000000000000" pitchFamily="2" charset="2"/>
+              <a:buChar char="§"/>
+            </a:pPr>
             <a:r>
               <a:rPr lang="pt-BR" dirty="0">
                 <a:hlinkClick r:id="rId4"/>
@@ -7439,20 +7472,28 @@
               <a:t>Instruções para resolução e entrega dos laboratórios</a:t>
             </a:r>
             <a:r>
-              <a:rPr lang="pt-BR" dirty="0" smtClean="0"/>
+              <a:rPr lang="pt-BR" dirty="0"/>
               <a:t>.</a:t>
             </a:r>
           </a:p>
           <a:p>
-            <a:pPr lvl="1"/>
+            <a:pPr lvl="1">
+              <a:buFont typeface="Wingdings" panose="05000000000000000000" pitchFamily="2" charset="2"/>
+              <a:buChar char="§"/>
+            </a:pPr>
             <a:r>
               <a:rPr lang="pt-BR" b="1" dirty="0">
                 <a:solidFill>
                   <a:srgbClr val="FF0000"/>
                 </a:solidFill>
               </a:rPr>
-              <a:t>Laboratórios podem ser feitos em grupo, mas as entregas devem ser individuais.</a:t>
+              <a:t>Laboratórios podem ser resolvidos em grupo, mas as entregas devem ser individuais.</a:t>
             </a:r>
+            <a:endParaRPr lang="pt-BR" b="1" dirty="0">
+              <a:solidFill>
+                <a:srgbClr val="FF0000"/>
+              </a:solidFill>
+            </a:endParaRPr>
           </a:p>
         </p:txBody>
       </p:sp>
@@ -7498,7 +7539,7 @@
           <p:cNvPr id="4" name="Título 1">
             <a:extLst>
               <a:ext uri="{FF2B5EF4-FFF2-40B4-BE49-F238E27FC236}">
-                <a16:creationId xmlns="" xmlns:a16="http://schemas.microsoft.com/office/drawing/2014/main" id="{32666AC8-2E17-4DB4-B0F5-60C640CCFD2E}"/>
+                <a16:creationId xmlns:a16="http://schemas.microsoft.com/office/drawing/2014/main" xmlns="" id="{32666AC8-2E17-4DB4-B0F5-60C640CCFD2E}"/>
               </a:ext>
             </a:extLst>
           </p:cNvPr>
@@ -15464,8 +15505,8 @@
           </a:p>
         </p:txBody>
       </p:sp>
-      <mc:AlternateContent xmlns:mc="http://schemas.openxmlformats.org/markup-compatibility/2006">
-        <mc:Choice xmlns:a14="http://schemas.microsoft.com/office/drawing/2010/main" Requires="a14">
+      <mc:AlternateContent xmlns:mc="http://schemas.openxmlformats.org/markup-compatibility/2006" xmlns:a14="http://schemas.microsoft.com/office/drawing/2010/main">
+        <mc:Choice Requires="a14">
           <p:sp>
             <p:nvSpPr>
               <p:cNvPr id="3" name="Content Placeholder 2"/>
@@ -15530,11 +15571,7 @@
               <a:p>
                 <a:r>
                   <a:rPr lang="pt-BR" dirty="0" smtClean="0"/>
-                  <a:t>Vimos as três versões do gradiente descendente e as comparamos</a:t>
-                </a:r>
-                <a:r>
-                  <a:rPr lang="pt-BR" dirty="0" smtClean="0"/>
-                  <a:t>.</a:t>
+                  <a:t>Vimos as três versões do gradiente descendente e as comparamos.</a:t>
                 </a:r>
               </a:p>
               <a:p>
@@ -15593,7 +15630,7 @@
             </p:txBody>
           </p:sp>
         </mc:Choice>
-        <mc:Fallback>
+        <mc:Fallback xmlns="">
           <p:sp>
             <p:nvSpPr>
               <p:cNvPr id="3" name="Content Placeholder 2"/>
@@ -25579,8 +25616,8 @@
           </a:p>
         </p:txBody>
       </p:sp>
-      <mc:AlternateContent xmlns:mc="http://schemas.openxmlformats.org/markup-compatibility/2006">
-        <mc:Choice xmlns:a14="http://schemas.microsoft.com/office/drawing/2010/main" Requires="a14">
+      <mc:AlternateContent xmlns:mc="http://schemas.openxmlformats.org/markup-compatibility/2006" xmlns:a14="http://schemas.microsoft.com/office/drawing/2010/main">
+        <mc:Choice Requires="a14">
           <p:sp>
             <p:nvSpPr>
               <p:cNvPr id="3" name="Content Placeholder 2"/>
@@ -25605,19 +25642,7 @@
               <a:p>
                 <a:r>
                   <a:rPr lang="pt-BR" dirty="0" smtClean="0"/>
-                  <a:t>Conforme </a:t>
-                </a:r>
-                <a:r>
-                  <a:rPr lang="pt-BR" dirty="0" smtClean="0"/>
-                  <a:t>nós vimos, </a:t>
-                </a:r>
-                <a:r>
-                  <a:rPr lang="pt-BR" dirty="0" smtClean="0"/>
-                  <a:t>enquanto </a:t>
-                </a:r>
-                <a:r>
-                  <a:rPr lang="pt-BR" dirty="0" smtClean="0"/>
-                  <a:t>a </a:t>
+                  <a:t>Conforme nós vimos, enquanto a </a:t>
                 </a:r>
                 <a:r>
                   <a:rPr lang="pt-BR" b="1" i="1" dirty="0" smtClean="0"/>
@@ -25633,11 +25658,7 @@
                 </a:r>
                 <a:r>
                   <a:rPr lang="pt-BR" dirty="0" smtClean="0"/>
-                  <a:t> </a:t>
-                </a:r>
-                <a:r>
-                  <a:rPr lang="pt-BR" dirty="0" smtClean="0"/>
-                  <a:t>de </a:t>
+                  <a:t> de </a:t>
                 </a:r>
                 <a:r>
                   <a:rPr lang="pt-BR" b="1" i="1" dirty="0" smtClean="0"/>
@@ -25653,11 +25674,7 @@
                 </a:r>
                 <a:r>
                   <a:rPr lang="pt-BR" dirty="0" smtClean="0"/>
-                  <a:t>são</a:t>
-                </a:r>
-                <a:r>
-                  <a:rPr lang="pt-BR" dirty="0" smtClean="0"/>
-                  <a:t> determinadas </a:t>
+                  <a:t>são determinadas </a:t>
                 </a:r>
                 <a:r>
                   <a:rPr lang="pt-BR" dirty="0"/>
@@ -25697,15 +25714,7 @@
                 </a:r>
                 <a:r>
                   <a:rPr lang="pt-BR" dirty="0" smtClean="0"/>
-                  <a:t>a atualização dos pesos é feita </a:t>
-                </a:r>
-                <a:r>
-                  <a:rPr lang="pt-BR" dirty="0" smtClean="0"/>
-                  <a:t>naquela </a:t>
-                </a:r>
-                <a:r>
-                  <a:rPr lang="pt-BR" dirty="0" smtClean="0"/>
-                  <a:t>direção.</a:t>
+                  <a:t>a atualização dos pesos é feita naquela direção.</a:t>
                 </a:r>
               </a:p>
               <a:p>
@@ -25975,7 +25984,7 @@
             </p:txBody>
           </p:sp>
         </mc:Choice>
-        <mc:Fallback>
+        <mc:Fallback xmlns="">
           <p:sp>
             <p:nvSpPr>
               <p:cNvPr id="3" name="Content Placeholder 2"/>
@@ -27148,8 +27157,8 @@
           </a:p>
         </p:txBody>
       </p:sp>
-      <mc:AlternateContent xmlns:mc="http://schemas.openxmlformats.org/markup-compatibility/2006">
-        <mc:Choice xmlns:a14="http://schemas.microsoft.com/office/drawing/2010/main" Requires="a14">
+      <mc:AlternateContent xmlns:mc="http://schemas.openxmlformats.org/markup-compatibility/2006" xmlns:a14="http://schemas.microsoft.com/office/drawing/2010/main">
+        <mc:Choice Requires="a14">
           <p:sp>
             <p:nvSpPr>
               <p:cNvPr id="3" name="Content Placeholder 2"/>
@@ -27174,11 +27183,7 @@
               <a:p>
                 <a:r>
                   <a:rPr lang="pt-BR" dirty="0" smtClean="0"/>
-                  <a:t>Portanto, o </a:t>
-                </a:r>
-                <a:r>
-                  <a:rPr lang="pt-BR" dirty="0" smtClean="0"/>
-                  <a:t>valor do </a:t>
+                  <a:t>Portanto, o valor do </a:t>
                 </a:r>
                 <a:r>
                   <a:rPr lang="pt-BR" b="1" i="1" dirty="0"/>
@@ -27363,7 +27368,7 @@
             </p:txBody>
           </p:sp>
         </mc:Choice>
-        <mc:Fallback>
+        <mc:Fallback xmlns="">
           <p:sp>
             <p:nvSpPr>
               <p:cNvPr id="3" name="Content Placeholder 2"/>
@@ -28493,8 +28498,8 @@
           </a:p>
         </p:txBody>
       </p:sp>
-      <mc:AlternateContent xmlns:mc="http://schemas.openxmlformats.org/markup-compatibility/2006">
-        <mc:Choice xmlns:a14="http://schemas.microsoft.com/office/drawing/2010/main" Requires="a14">
+      <mc:AlternateContent xmlns:mc="http://schemas.openxmlformats.org/markup-compatibility/2006" xmlns:a14="http://schemas.microsoft.com/office/drawing/2010/main">
+        <mc:Choice Requires="a14">
           <p:sp>
             <p:nvSpPr>
               <p:cNvPr id="3" name="Content Placeholder 2"/>
@@ -28717,7 +28722,7 @@
             </p:txBody>
           </p:sp>
         </mc:Choice>
-        <mc:Fallback>
+        <mc:Fallback xmlns="">
           <p:sp>
             <p:nvSpPr>
               <p:cNvPr id="3" name="Content Placeholder 2"/>
@@ -29604,8 +29609,8 @@
           </a:p>
         </p:txBody>
       </p:sp>
-      <mc:AlternateContent xmlns:mc="http://schemas.openxmlformats.org/markup-compatibility/2006">
-        <mc:Choice xmlns:a14="http://schemas.microsoft.com/office/drawing/2010/main" Requires="a14">
+      <mc:AlternateContent xmlns:mc="http://schemas.openxmlformats.org/markup-compatibility/2006" xmlns:a14="http://schemas.microsoft.com/office/drawing/2010/main">
+        <mc:Choice Requires="a14">
           <p:sp>
             <p:nvSpPr>
               <p:cNvPr id="3" name="Content Placeholder 2"/>
@@ -29738,13 +29743,8 @@
                 </a:r>
                 <a:r>
                   <a:rPr lang="pt-BR" dirty="0" smtClean="0"/>
-                  <a:t>treinamento, ou seja, ao longo das </a:t>
-                </a:r>
-                <a:r>
-                  <a:rPr lang="pt-BR" dirty="0" smtClean="0"/>
-                  <a:t>iterações, de forma a garantir a convergência. </a:t>
-                </a:r>
-                <a:endParaRPr lang="pt-BR" dirty="0" smtClean="0"/>
+                  <a:t>treinamento, ou seja, ao longo das iterações, de forma a garantir a convergência. </a:t>
+                </a:r>
               </a:p>
               <a:p>
                 <a:r>
@@ -29864,15 +29864,7 @@
                 </a:r>
                 <a:r>
                   <a:rPr lang="pt-BR" dirty="0" smtClean="0"/>
-                  <a:t>modelo, os atualizando </a:t>
-                </a:r>
-                <a:r>
-                  <a:rPr lang="pt-BR" dirty="0" smtClean="0"/>
-                  <a:t>de forma </a:t>
-                </a:r>
-                <a:r>
-                  <a:rPr lang="pt-BR" dirty="0" smtClean="0"/>
-                  <a:t>independente de acordo com a inclinação </a:t>
+                  <a:t>modelo, os atualizando de forma independente de acordo com a inclinação </a:t>
                 </a:r>
                 <a:r>
                   <a:rPr lang="pt-BR" dirty="0"/>
@@ -29880,13 +29872,8 @@
                 </a:r>
                 <a:r>
                   <a:rPr lang="pt-BR" dirty="0" smtClean="0"/>
-                  <a:t>pesos</a:t>
-                </a:r>
-                <a:r>
-                  <a:rPr lang="pt-BR" dirty="0" smtClean="0"/>
-                  <a:t>.</a:t>
-                </a:r>
-                <a:endParaRPr lang="pt-BR" dirty="0" smtClean="0"/>
+                  <a:t>pesos.</a:t>
+                </a:r>
               </a:p>
               <a:p>
                 <a:pPr lvl="1">
@@ -29922,7 +29909,7 @@
             </p:txBody>
           </p:sp>
         </mc:Choice>
-        <mc:Fallback>
+        <mc:Fallback xmlns="">
           <p:sp>
             <p:nvSpPr>
               <p:cNvPr id="3" name="Content Placeholder 2"/>
@@ -30061,11 +30048,7 @@
                 </a:r>
                 <a:r>
                   <a:rPr lang="pt-BR" dirty="0" smtClean="0"/>
-                  <a:t>mais comuns </a:t>
-                </a:r>
-                <a:r>
-                  <a:rPr lang="pt-BR" dirty="0" smtClean="0"/>
-                  <a:t>para a </a:t>
+                  <a:t>mais comuns para a </a:t>
                 </a:r>
                 <a:r>
                   <a:rPr lang="pt-BR" b="1" i="1" dirty="0"/>
@@ -30092,11 +30075,7 @@
                 </a14:m>
                 <a:r>
                   <a:rPr lang="pt-BR" dirty="0" smtClean="0"/>
-                  <a:t> são</a:t>
-                </a:r>
-                <a:r>
-                  <a:rPr lang="pt-BR" dirty="0" smtClean="0"/>
-                  <a:t>:</a:t>
+                  <a:t> são:</a:t>
                 </a:r>
               </a:p>
               <a:p>
@@ -30190,43 +30169,30 @@
                 </a:r>
                 <a:r>
                   <a:rPr lang="pt-BR" dirty="0" smtClean="0"/>
-                  <a:t>um fator, </a:t>
+                  <a:t>um fator</a:t>
+                </a:r>
+                <a:r>
+                  <a:rPr lang="pt-BR" dirty="0" smtClean="0"/>
+                  <a:t>, </a:t>
                 </a:r>
                 <a14:m>
                   <m:oMath xmlns:m="http://schemas.openxmlformats.org/officeDocument/2006/math">
-                    <m:sSub>
-                      <m:sSubPr>
-                        <m:ctrlPr>
-                          <a:rPr lang="pt-BR" i="1">
-                            <a:latin typeface="Cambria Math" panose="02040503050406030204" pitchFamily="18" charset="0"/>
-                            <a:ea typeface="Cambria Math" panose="02040503050406030204" pitchFamily="18" charset="0"/>
-                          </a:rPr>
-                        </m:ctrlPr>
-                      </m:sSubPr>
-                      <m:e>
-                        <m:r>
-                          <a:rPr lang="pt-BR" i="1" smtClean="0">
-                            <a:latin typeface="Cambria Math" panose="02040503050406030204" pitchFamily="18" charset="0"/>
-                            <a:ea typeface="Cambria Math" panose="02040503050406030204" pitchFamily="18" charset="0"/>
-                          </a:rPr>
-                          <m:t>𝜏</m:t>
-                        </m:r>
-                      </m:e>
-                      <m:sub>
-                        <m:r>
-                          <a:rPr lang="pt-BR" i="1">
-                            <a:latin typeface="Cambria Math" panose="02040503050406030204" pitchFamily="18" charset="0"/>
-                            <a:ea typeface="Cambria Math" panose="02040503050406030204" pitchFamily="18" charset="0"/>
-                          </a:rPr>
-                          <m:t>0</m:t>
-                        </m:r>
-                      </m:sub>
-                    </m:sSub>
+                    <m:r>
+                      <a:rPr lang="pt-BR" i="1" smtClean="0">
+                        <a:latin typeface="Cambria Math" panose="02040503050406030204" pitchFamily="18" charset="0"/>
+                        <a:ea typeface="Cambria Math" panose="02040503050406030204" pitchFamily="18" charset="0"/>
+                      </a:rPr>
+                      <m:t>𝜏</m:t>
+                    </m:r>
                   </m:oMath>
                 </a14:m>
                 <a:r>
                   <a:rPr lang="pt-BR" dirty="0" smtClean="0"/>
-                  <a:t>, a </a:t>
+                  <a:t>, </a:t>
+                </a:r>
+                <a:r>
+                  <a:rPr lang="pt-BR" dirty="0" smtClean="0"/>
+                  <a:t>a </a:t>
                 </a:r>
                 <a:r>
                   <a:rPr lang="pt-BR" dirty="0"/>
@@ -30257,38 +30223,21 @@
                 </a:r>
                 <a:r>
                   <a:rPr lang="pt-BR" dirty="0" smtClean="0"/>
-                  <a:t>é de </a:t>
+                  <a:t>é de</a:t>
+                </a:r>
+                <a:r>
+                  <a:rPr lang="pt-BR" dirty="0" smtClean="0"/>
+                  <a:t> </a:t>
                 </a:r>
                 <a14:m>
                   <m:oMath xmlns:m="http://schemas.openxmlformats.org/officeDocument/2006/math">
-                    <m:sSub>
-                      <m:sSubPr>
-                        <m:ctrlPr>
-                          <a:rPr lang="pt-BR" i="1">
-                            <a:latin typeface="Cambria Math" panose="02040503050406030204" pitchFamily="18" charset="0"/>
-                            <a:ea typeface="Cambria Math" panose="02040503050406030204" pitchFamily="18" charset="0"/>
-                          </a:rPr>
-                        </m:ctrlPr>
-                      </m:sSubPr>
-                      <m:e>
-                        <m:r>
-                          <a:rPr lang="pt-BR" i="1">
-                            <a:latin typeface="Cambria Math" panose="02040503050406030204" pitchFamily="18" charset="0"/>
-                            <a:ea typeface="Cambria Math" panose="02040503050406030204" pitchFamily="18" charset="0"/>
-                          </a:rPr>
-                          <m:t>𝜏</m:t>
-                        </m:r>
-                      </m:e>
-                      <m:sub>
-                        <m:r>
-                          <a:rPr lang="pt-BR" i="1">
-                            <a:latin typeface="Cambria Math" panose="02040503050406030204" pitchFamily="18" charset="0"/>
-                            <a:ea typeface="Cambria Math" panose="02040503050406030204" pitchFamily="18" charset="0"/>
-                          </a:rPr>
-                          <m:t>0</m:t>
-                        </m:r>
-                      </m:sub>
-                    </m:sSub>
+                    <m:r>
+                      <a:rPr lang="pt-BR" i="1">
+                        <a:latin typeface="Cambria Math" panose="02040503050406030204" pitchFamily="18" charset="0"/>
+                        <a:ea typeface="Cambria Math" panose="02040503050406030204" pitchFamily="18" charset="0"/>
+                      </a:rPr>
+                      <m:t>𝜏</m:t>
+                    </m:r>
                     <m:r>
                       <a:rPr lang="pt-BR" b="0" i="1" smtClean="0">
                         <a:latin typeface="Cambria Math" panose="02040503050406030204" pitchFamily="18" charset="0"/>
@@ -30331,7 +30280,6 @@
                   <a:rPr lang="pt-BR" dirty="0" smtClean="0"/>
                   <a:t>iterações.</a:t>
                 </a:r>
-                <a:endParaRPr lang="pt-BR" dirty="0" smtClean="0"/>
               </a:p>
               <a:p>
                 <a:pPr lvl="1">
@@ -30511,15 +30459,7 @@
                 </a:r>
                 <a:r>
                   <a:rPr lang="pt-BR" dirty="0" smtClean="0"/>
-                  <a:t>iteração </a:t>
-                </a:r>
-                <a:r>
-                  <a:rPr lang="pt-BR" dirty="0" smtClean="0"/>
-                  <a:t>corrente</a:t>
-                </a:r>
-                <a:r>
-                  <a:rPr lang="pt-BR" dirty="0" smtClean="0"/>
-                  <a:t>.</a:t>
+                  <a:t>iteração corrente.</a:t>
                 </a:r>
               </a:p>
               <a:p>
@@ -30717,15 +30657,7 @@
                 </a:r>
                 <a:r>
                   <a:rPr lang="pt-BR" dirty="0" smtClean="0"/>
-                  <a:t>iteração </a:t>
-                </a:r>
-                <a:r>
-                  <a:rPr lang="pt-BR" dirty="0" smtClean="0"/>
-                  <a:t>corrente</a:t>
-                </a:r>
-                <a:r>
-                  <a:rPr lang="pt-BR" dirty="0" smtClean="0"/>
-                  <a:t>.</a:t>
+                  <a:t>iteração corrente.</a:t>
                 </a:r>
                 <a:endParaRPr lang="pt-BR" dirty="0"/>
               </a:p>
@@ -30760,38 +30692,21 @@
                 </a:r>
                 <a:r>
                   <a:rPr lang="pt-BR" dirty="0" smtClean="0"/>
-                  <a:t>taxa de decaimento, </a:t>
+                  <a:t>taxa de decaimento</a:t>
+                </a:r>
+                <a:r>
+                  <a:rPr lang="pt-BR" dirty="0" smtClean="0"/>
+                  <a:t>, </a:t>
                 </a:r>
                 <a14:m>
                   <m:oMath xmlns:m="http://schemas.openxmlformats.org/officeDocument/2006/math">
-                    <m:sSub>
-                      <m:sSubPr>
-                        <m:ctrlPr>
-                          <a:rPr lang="pt-BR" i="1">
-                            <a:latin typeface="Cambria Math" panose="02040503050406030204" pitchFamily="18" charset="0"/>
-                            <a:ea typeface="Cambria Math" panose="02040503050406030204" pitchFamily="18" charset="0"/>
-                          </a:rPr>
-                        </m:ctrlPr>
-                      </m:sSubPr>
-                      <m:e>
-                        <m:r>
-                          <a:rPr lang="pt-BR" i="1">
-                            <a:latin typeface="Cambria Math" panose="02040503050406030204" pitchFamily="18" charset="0"/>
-                            <a:ea typeface="Cambria Math" panose="02040503050406030204" pitchFamily="18" charset="0"/>
-                          </a:rPr>
-                          <m:t>𝜏</m:t>
-                        </m:r>
-                      </m:e>
-                      <m:sub>
-                        <m:r>
-                          <a:rPr lang="pt-BR" i="1">
-                            <a:latin typeface="Cambria Math" panose="02040503050406030204" pitchFamily="18" charset="0"/>
-                            <a:ea typeface="Cambria Math" panose="02040503050406030204" pitchFamily="18" charset="0"/>
-                          </a:rPr>
-                          <m:t>0</m:t>
-                        </m:r>
-                      </m:sub>
-                    </m:sSub>
+                    <m:r>
+                      <a:rPr lang="pt-BR" i="1">
+                        <a:latin typeface="Cambria Math" panose="02040503050406030204" pitchFamily="18" charset="0"/>
+                        <a:ea typeface="Cambria Math" panose="02040503050406030204" pitchFamily="18" charset="0"/>
+                      </a:rPr>
+                      <m:t>𝜏</m:t>
+                    </m:r>
                   </m:oMath>
                 </a14:m>
                 <a:r>
@@ -30877,7 +30792,7 @@
               <a:blipFill rotWithShape="0">
                 <a:blip r:embed="rId2"/>
                 <a:stretch>
-                  <a:fillRect l="-985" t="-2678" r="-1587"/>
+                  <a:fillRect l="-985" t="-2678" r="-164"/>
                 </a:stretch>
               </a:blipFill>
             </p:spPr>

--- a/slides/T319_Regressão_Linear (Parte III).pptx
+++ b/slides/T319_Regressão_Linear (Parte III).pptx
@@ -5,7 +5,7 @@
     <p:sldMasterId id="2147483648" r:id="rId1"/>
   </p:sldMasterIdLst>
   <p:notesMasterIdLst>
-    <p:notesMasterId r:id="rId36"/>
+    <p:notesMasterId r:id="rId33"/>
   </p:notesMasterIdLst>
   <p:sldIdLst>
     <p:sldId id="259" r:id="rId2"/>
@@ -14,34 +14,31 @@
     <p:sldId id="487" r:id="rId5"/>
     <p:sldId id="489" r:id="rId6"/>
     <p:sldId id="488" r:id="rId7"/>
-    <p:sldId id="491" r:id="rId8"/>
-    <p:sldId id="486" r:id="rId9"/>
-    <p:sldId id="492" r:id="rId10"/>
-    <p:sldId id="493" r:id="rId11"/>
-    <p:sldId id="494" r:id="rId12"/>
-    <p:sldId id="490" r:id="rId13"/>
-    <p:sldId id="466" r:id="rId14"/>
-    <p:sldId id="467" r:id="rId15"/>
-    <p:sldId id="291" r:id="rId16"/>
-    <p:sldId id="412" r:id="rId17"/>
-    <p:sldId id="472" r:id="rId18"/>
-    <p:sldId id="479" r:id="rId19"/>
-    <p:sldId id="480" r:id="rId20"/>
-    <p:sldId id="482" r:id="rId21"/>
-    <p:sldId id="317" r:id="rId22"/>
-    <p:sldId id="332" r:id="rId23"/>
-    <p:sldId id="299" r:id="rId24"/>
-    <p:sldId id="285" r:id="rId25"/>
-    <p:sldId id="415" r:id="rId26"/>
-    <p:sldId id="283" r:id="rId27"/>
-    <p:sldId id="274" r:id="rId28"/>
-    <p:sldId id="278" r:id="rId29"/>
-    <p:sldId id="292" r:id="rId30"/>
-    <p:sldId id="295" r:id="rId31"/>
-    <p:sldId id="396" r:id="rId32"/>
-    <p:sldId id="484" r:id="rId33"/>
-    <p:sldId id="421" r:id="rId34"/>
-    <p:sldId id="423" r:id="rId35"/>
+    <p:sldId id="486" r:id="rId8"/>
+    <p:sldId id="492" r:id="rId9"/>
+    <p:sldId id="493" r:id="rId10"/>
+    <p:sldId id="494" r:id="rId11"/>
+    <p:sldId id="490" r:id="rId12"/>
+    <p:sldId id="291" r:id="rId13"/>
+    <p:sldId id="412" r:id="rId14"/>
+    <p:sldId id="472" r:id="rId15"/>
+    <p:sldId id="479" r:id="rId16"/>
+    <p:sldId id="480" r:id="rId17"/>
+    <p:sldId id="482" r:id="rId18"/>
+    <p:sldId id="317" r:id="rId19"/>
+    <p:sldId id="332" r:id="rId20"/>
+    <p:sldId id="299" r:id="rId21"/>
+    <p:sldId id="285" r:id="rId22"/>
+    <p:sldId id="415" r:id="rId23"/>
+    <p:sldId id="283" r:id="rId24"/>
+    <p:sldId id="274" r:id="rId25"/>
+    <p:sldId id="278" r:id="rId26"/>
+    <p:sldId id="292" r:id="rId27"/>
+    <p:sldId id="295" r:id="rId28"/>
+    <p:sldId id="396" r:id="rId29"/>
+    <p:sldId id="484" r:id="rId30"/>
+    <p:sldId id="421" r:id="rId31"/>
+    <p:sldId id="423" r:id="rId32"/>
   </p:sldIdLst>
   <p:sldSz cx="12192000" cy="6858000"/>
   <p:notesSz cx="6858000" cy="9144000"/>
@@ -953,276 +950,6 @@
           <a:bodyPr/>
           <a:lstStyle/>
           <a:p>
-            <a:pPr marL="0" marR="0" indent="0" algn="l" defTabSz="914400" rtl="0" eaLnBrk="1" fontAlgn="auto" latinLnBrk="0" hangingPunct="1">
-              <a:lnSpc>
-                <a:spcPct val="100000"/>
-              </a:lnSpc>
-              <a:spcBef>
-                <a:spcPts val="0"/>
-              </a:spcBef>
-              <a:spcAft>
-                <a:spcPts val="0"/>
-              </a:spcAft>
-              <a:buClrTx/>
-              <a:buSzTx/>
-              <a:buFontTx/>
-              <a:buNone/>
-              <a:tabLst/>
-              <a:defRPr/>
-            </a:pPr>
-            <a:r>
-              <a:rPr lang="pt-BR" dirty="0"/>
-              <a:t>Um valor muito pequeno pode resultar em um longo processo de treinamento que pode ficar preso.</a:t>
-            </a:r>
-          </a:p>
-          <a:p>
-            <a:pPr marL="0" marR="0" indent="0" algn="l" defTabSz="914400" rtl="0" eaLnBrk="1" fontAlgn="auto" latinLnBrk="0" hangingPunct="1">
-              <a:lnSpc>
-                <a:spcPct val="100000"/>
-              </a:lnSpc>
-              <a:spcBef>
-                <a:spcPts val="0"/>
-              </a:spcBef>
-              <a:spcAft>
-                <a:spcPts val="0"/>
-              </a:spcAft>
-              <a:buClrTx/>
-              <a:buSzTx/>
-              <a:buFontTx/>
-              <a:buNone/>
-              <a:tabLst/>
-              <a:defRPr/>
-            </a:pPr>
-            <a:r>
-              <a:rPr lang="pt-BR" dirty="0"/>
-              <a:t>Um valor muito alto pode resultar na aprendizagem de um conjunto subótimo de pesos rápido demais ou em um processo de treinamento instável.</a:t>
-            </a:r>
-          </a:p>
-          <a:p>
-            <a:pPr marL="0" marR="0" indent="0" algn="l" defTabSz="914400" rtl="0" eaLnBrk="1" fontAlgn="auto" latinLnBrk="0" hangingPunct="1">
-              <a:lnSpc>
-                <a:spcPct val="100000"/>
-              </a:lnSpc>
-              <a:spcBef>
-                <a:spcPts val="0"/>
-              </a:spcBef>
-              <a:spcAft>
-                <a:spcPts val="0"/>
-              </a:spcAft>
-              <a:buClrTx/>
-              <a:buSzTx/>
-              <a:buFontTx/>
-              <a:buNone/>
-              <a:tabLst/>
-              <a:defRPr/>
-            </a:pPr>
-            <a:endParaRPr lang="pt-BR" dirty="0"/>
-          </a:p>
-          <a:p>
-            <a:pPr marL="0" marR="0" indent="0" algn="l" defTabSz="914400" rtl="0" eaLnBrk="1" fontAlgn="auto" latinLnBrk="0" hangingPunct="1">
-              <a:lnSpc>
-                <a:spcPct val="100000"/>
-              </a:lnSpc>
-              <a:spcBef>
-                <a:spcPts val="0"/>
-              </a:spcBef>
-              <a:spcAft>
-                <a:spcPts val="0"/>
-              </a:spcAft>
-              <a:buClrTx/>
-              <a:buSzTx/>
-              <a:buFontTx/>
-              <a:buNone/>
-              <a:tabLst/>
-              <a:defRPr/>
-            </a:pPr>
-            <a:r>
-              <a:rPr lang="pt-BR" dirty="0"/>
-              <a:t>A maneira pela qual a taxa de aprendizado muda com o tempo (iteração/época) é chamada de cronograma/programa da taxa de aprendizado ou decaimento da taxa de aprendizado.</a:t>
-            </a:r>
-          </a:p>
-          <a:p>
-            <a:endParaRPr lang="pt-BR" dirty="0"/>
-          </a:p>
-          <a:p>
-            <a:r>
-              <a:rPr lang="pt-BR" b="1" dirty="0"/>
-              <a:t>Alguns tipos de esquema para ajuste do passo de aprendizagem são:</a:t>
-            </a:r>
-          </a:p>
-          <a:p>
-            <a:pPr marL="171450" indent="-171450">
-              <a:buFont typeface="Arial" panose="020B0604020202020204" pitchFamily="34" charset="0"/>
-              <a:buChar char="•"/>
-            </a:pPr>
-            <a:r>
-              <a:rPr lang="pt-BR" b="1" dirty="0"/>
-              <a:t>Decaimento por etapas ou degraus</a:t>
-            </a:r>
-            <a:r>
-              <a:rPr lang="pt-BR" dirty="0"/>
-              <a:t>: reduz a taxa de aprendizado de algum fator a cada número pré-definido de iterações ou épocas. Os valores típicos são utilizados para reduzir a taxa de aprendizado pela metade a cada número pré-definido de épocas. Esses números dependem muito do tipo de problema e do modelo. Uma heurística que você pode ver na prática é observar o erro de validação durante o treinamento com uma taxa de aprendizado fixa e reduzir a taxa de aprendizado em uma constante (por exemplo, 0,5) sempre que o erro de validação parar de decrescer.</a:t>
-            </a:r>
-          </a:p>
-          <a:p>
-            <a:pPr marL="171450" indent="-171450">
-              <a:buFont typeface="Arial" panose="020B0604020202020204" pitchFamily="34" charset="0"/>
-              <a:buChar char="•"/>
-            </a:pPr>
-            <a:r>
-              <a:rPr lang="pt-BR" b="1" dirty="0"/>
-              <a:t>Decaimento exponencial</a:t>
-            </a:r>
-            <a:r>
-              <a:rPr lang="pt-BR" dirty="0"/>
-              <a:t>: tem a forma matemática α = α0 e^(-kt), onde α0, k são hiperparâmetros e t é o número da iteração (mas você também pode usar o número de épocas).</a:t>
-            </a:r>
-          </a:p>
-          <a:p>
-            <a:pPr marL="171450" indent="-171450">
-              <a:buFont typeface="Arial" panose="020B0604020202020204" pitchFamily="34" charset="0"/>
-              <a:buChar char="•"/>
-            </a:pPr>
-            <a:r>
-              <a:rPr lang="pt-BR" b="1" dirty="0"/>
-              <a:t>Decaimento temporal</a:t>
-            </a:r>
-            <a:r>
-              <a:rPr lang="pt-BR" dirty="0"/>
-              <a:t>: tem a forma matemática α = α0 / (1 + kt), onde a0, k são hiperparâmetros e t é o número da iteração.</a:t>
-            </a:r>
-          </a:p>
-          <a:p>
-            <a:pPr marL="171450" indent="-171450">
-              <a:buFont typeface="Arial" panose="020B0604020202020204" pitchFamily="34" charset="0"/>
-              <a:buChar char="•"/>
-            </a:pPr>
-            <a:endParaRPr lang="pt-BR" dirty="0"/>
-          </a:p>
-          <a:p>
-            <a:pPr marL="0" indent="0">
-              <a:buFont typeface="Arial" panose="020B0604020202020204" pitchFamily="34" charset="0"/>
-              <a:buNone/>
-            </a:pPr>
-            <a:r>
-              <a:rPr lang="pt-BR" b="1" dirty="0"/>
-              <a:t>Modificação Adaptativa:</a:t>
-            </a:r>
-          </a:p>
-          <a:p>
-            <a:pPr marL="0" indent="0">
-              <a:buFont typeface="Arial" panose="020B0604020202020204" pitchFamily="34" charset="0"/>
-              <a:buNone/>
-            </a:pPr>
-            <a:r>
-              <a:rPr lang="pt-BR" dirty="0"/>
-              <a:t>As abordagens anteriores manipulam a taxa de aprendizado global e igualmente para todos os parâmetros. Ajustar a taxa de aprendizado é um processo caro, muito trabalho foi desenvolvido para a criação de métodos que possam ajustar adaptativamente as taxas de aprendizado, e até fazê-lo por parâmetro. Muitos desses métodos ainda podem exigir outras configurações de hiperparâmetro, mas o argumento é que eles são bem-comportados para uma faixa mais ampla de valores de hiperparâmetro do que o ajuste do passo de aprendizado. </a:t>
-            </a:r>
-          </a:p>
-          <a:p>
-            <a:pPr marL="171450" indent="-171450">
-              <a:buFont typeface="Arial" panose="020B0604020202020204" pitchFamily="34" charset="0"/>
-              <a:buChar char="•"/>
-            </a:pPr>
-            <a:endParaRPr lang="pt-BR" dirty="0"/>
-          </a:p>
-          <a:p>
-            <a:r>
-              <a:rPr lang="nl-BE" b="1" u="none" dirty="0"/>
-              <a:t>Referências:</a:t>
-            </a:r>
-          </a:p>
-          <a:p>
-            <a:r>
-              <a:rPr lang="nl-BE" u="sng" dirty="0"/>
-              <a:t>[1] https://machinelearningmastery.com/learning-rate-for-deep-learning-neural-networks/</a:t>
-            </a:r>
-          </a:p>
-          <a:p>
-            <a:endParaRPr lang="pt-BR" dirty="0"/>
-          </a:p>
-        </p:txBody>
-      </p:sp>
-      <p:sp>
-        <p:nvSpPr>
-          <p:cNvPr id="4" name="Slide Number Placeholder 3"/>
-          <p:cNvSpPr>
-            <a:spLocks noGrp="1"/>
-          </p:cNvSpPr>
-          <p:nvPr>
-            <p:ph type="sldNum" sz="quarter" idx="10"/>
-          </p:nvPr>
-        </p:nvSpPr>
-        <p:spPr/>
-        <p:txBody>
-          <a:bodyPr/>
-          <a:lstStyle/>
-          <a:p>
-            <a:fld id="{DA8B99DF-01BC-492A-8CEF-4FD88D18DD9D}" type="slidenum">
-              <a:rPr lang="nl-BE" smtClean="0"/>
-              <a:t>17</a:t>
-            </a:fld>
-            <a:endParaRPr lang="nl-BE"/>
-          </a:p>
-        </p:txBody>
-      </p:sp>
-    </p:spTree>
-    <p:extLst>
-      <p:ext uri="{BB962C8B-B14F-4D97-AF65-F5344CB8AC3E}">
-        <p14:creationId xmlns:p14="http://schemas.microsoft.com/office/powerpoint/2010/main" val="2261858195"/>
-      </p:ext>
-    </p:extLst>
-  </p:cSld>
-  <p:clrMapOvr>
-    <a:masterClrMapping/>
-  </p:clrMapOvr>
-</p:notes>
-</file>
-
-<file path=ppt/notesSlides/notesSlide11.xml><?xml version="1.0" encoding="utf-8"?>
-<p:notes xmlns:a="http://schemas.openxmlformats.org/drawingml/2006/main" xmlns:r="http://schemas.openxmlformats.org/officeDocument/2006/relationships" xmlns:p="http://schemas.openxmlformats.org/presentationml/2006/main">
-  <p:cSld>
-    <p:spTree>
-      <p:nvGrpSpPr>
-        <p:cNvPr id="1" name=""/>
-        <p:cNvGrpSpPr/>
-        <p:nvPr/>
-      </p:nvGrpSpPr>
-      <p:grpSpPr>
-        <a:xfrm>
-          <a:off x="0" y="0"/>
-          <a:ext cx="0" cy="0"/>
-          <a:chOff x="0" y="0"/>
-          <a:chExt cx="0" cy="0"/>
-        </a:xfrm>
-      </p:grpSpPr>
-      <p:sp>
-        <p:nvSpPr>
-          <p:cNvPr id="2" name="Slide Image Placeholder 1"/>
-          <p:cNvSpPr>
-            <a:spLocks noGrp="1" noRot="1" noChangeAspect="1"/>
-          </p:cNvSpPr>
-          <p:nvPr>
-            <p:ph type="sldImg"/>
-          </p:nvPr>
-        </p:nvSpPr>
-        <p:spPr/>
-      </p:sp>
-      <p:sp>
-        <p:nvSpPr>
-          <p:cNvPr id="3" name="Notes Placeholder 2"/>
-          <p:cNvSpPr>
-            <a:spLocks noGrp="1"/>
-          </p:cNvSpPr>
-          <p:nvPr>
-            <p:ph type="body" idx="1"/>
-          </p:nvPr>
-        </p:nvSpPr>
-        <p:spPr/>
-        <p:txBody>
-          <a:bodyPr/>
-          <a:lstStyle/>
-          <a:p>
             <a:pPr marL="0" marR="0" lvl="0" indent="0" algn="l" defTabSz="914400" rtl="0" eaLnBrk="1" fontAlgn="auto" latinLnBrk="0" hangingPunct="1">
               <a:lnSpc>
                 <a:spcPct val="100000"/>
@@ -1469,7 +1196,7 @@
           <a:p>
             <a:fld id="{DA8B99DF-01BC-492A-8CEF-4FD88D18DD9D}" type="slidenum">
               <a:rPr lang="nl-BE" smtClean="0"/>
-              <a:t>19</a:t>
+              <a:t>16</a:t>
             </a:fld>
             <a:endParaRPr lang="nl-BE"/>
           </a:p>
@@ -1488,7 +1215,7 @@
 </p:notes>
 </file>
 
-<file path=ppt/notesSlides/notesSlide12.xml><?xml version="1.0" encoding="utf-8"?>
+<file path=ppt/notesSlides/notesSlide11.xml><?xml version="1.0" encoding="utf-8"?>
 <p:notes xmlns:a="http://schemas.openxmlformats.org/drawingml/2006/main" xmlns:r="http://schemas.openxmlformats.org/officeDocument/2006/relationships" xmlns:p="http://schemas.openxmlformats.org/presentationml/2006/main">
   <p:cSld>
     <p:spTree>
@@ -1584,7 +1311,7 @@
           <a:p>
             <a:fld id="{DA8B99DF-01BC-492A-8CEF-4FD88D18DD9D}" type="slidenum">
               <a:rPr lang="nl-BE" smtClean="0"/>
-              <a:t>20</a:t>
+              <a:t>17</a:t>
             </a:fld>
             <a:endParaRPr lang="nl-BE"/>
           </a:p>
@@ -1594,6 +1321,90 @@
     <p:extLst>
       <p:ext uri="{BB962C8B-B14F-4D97-AF65-F5344CB8AC3E}">
         <p14:creationId xmlns:p14="http://schemas.microsoft.com/office/powerpoint/2010/main" val="1119925003"/>
+      </p:ext>
+    </p:extLst>
+  </p:cSld>
+  <p:clrMapOvr>
+    <a:masterClrMapping/>
+  </p:clrMapOvr>
+</p:notes>
+</file>
+
+<file path=ppt/notesSlides/notesSlide12.xml><?xml version="1.0" encoding="utf-8"?>
+<p:notes xmlns:a="http://schemas.openxmlformats.org/drawingml/2006/main" xmlns:r="http://schemas.openxmlformats.org/officeDocument/2006/relationships" xmlns:p="http://schemas.openxmlformats.org/presentationml/2006/main">
+  <p:cSld>
+    <p:spTree>
+      <p:nvGrpSpPr>
+        <p:cNvPr id="1" name=""/>
+        <p:cNvGrpSpPr/>
+        <p:nvPr/>
+      </p:nvGrpSpPr>
+      <p:grpSpPr>
+        <a:xfrm>
+          <a:off x="0" y="0"/>
+          <a:ext cx="0" cy="0"/>
+          <a:chOff x="0" y="0"/>
+          <a:chExt cx="0" cy="0"/>
+        </a:xfrm>
+      </p:grpSpPr>
+      <p:sp>
+        <p:nvSpPr>
+          <p:cNvPr id="2" name="Slide Image Placeholder 1"/>
+          <p:cNvSpPr>
+            <a:spLocks noGrp="1" noRot="1" noChangeAspect="1"/>
+          </p:cNvSpPr>
+          <p:nvPr>
+            <p:ph type="sldImg"/>
+          </p:nvPr>
+        </p:nvSpPr>
+        <p:spPr/>
+      </p:sp>
+      <p:sp>
+        <p:nvSpPr>
+          <p:cNvPr id="3" name="Notes Placeholder 2"/>
+          <p:cNvSpPr>
+            <a:spLocks noGrp="1"/>
+          </p:cNvSpPr>
+          <p:nvPr>
+            <p:ph type="body" idx="1"/>
+          </p:nvPr>
+        </p:nvSpPr>
+        <p:spPr/>
+        <p:txBody>
+          <a:bodyPr/>
+          <a:lstStyle/>
+          <a:p>
+            <a:endParaRPr lang="nl-BE" dirty="0"/>
+          </a:p>
+        </p:txBody>
+      </p:sp>
+      <p:sp>
+        <p:nvSpPr>
+          <p:cNvPr id="4" name="Slide Number Placeholder 3"/>
+          <p:cNvSpPr>
+            <a:spLocks noGrp="1"/>
+          </p:cNvSpPr>
+          <p:nvPr>
+            <p:ph type="sldNum" sz="quarter" idx="10"/>
+          </p:nvPr>
+        </p:nvSpPr>
+        <p:spPr/>
+        <p:txBody>
+          <a:bodyPr/>
+          <a:lstStyle/>
+          <a:p>
+            <a:fld id="{DA8B99DF-01BC-492A-8CEF-4FD88D18DD9D}" type="slidenum">
+              <a:rPr lang="nl-BE" smtClean="0"/>
+              <a:t>22</a:t>
+            </a:fld>
+            <a:endParaRPr lang="nl-BE"/>
+          </a:p>
+        </p:txBody>
+      </p:sp>
+    </p:spTree>
+    <p:extLst>
+      <p:ext uri="{BB962C8B-B14F-4D97-AF65-F5344CB8AC3E}">
+        <p14:creationId xmlns:p14="http://schemas.microsoft.com/office/powerpoint/2010/main" val="3474938315"/>
       </p:ext>
     </p:extLst>
   </p:cSld>
@@ -1668,7 +1479,7 @@
           <a:p>
             <a:fld id="{DA8B99DF-01BC-492A-8CEF-4FD88D18DD9D}" type="slidenum">
               <a:rPr lang="nl-BE" smtClean="0"/>
-              <a:t>25</a:t>
+              <a:t>23</a:t>
             </a:fld>
             <a:endParaRPr lang="nl-BE"/>
           </a:p>
@@ -1677,7 +1488,7 @@
     </p:spTree>
     <p:extLst>
       <p:ext uri="{BB962C8B-B14F-4D97-AF65-F5344CB8AC3E}">
-        <p14:creationId xmlns:p14="http://schemas.microsoft.com/office/powerpoint/2010/main" val="3474938315"/>
+        <p14:creationId xmlns:p14="http://schemas.microsoft.com/office/powerpoint/2010/main" val="127471941"/>
       </p:ext>
     </p:extLst>
   </p:cSld>
@@ -1761,7 +1572,7 @@
     </p:spTree>
     <p:extLst>
       <p:ext uri="{BB962C8B-B14F-4D97-AF65-F5344CB8AC3E}">
-        <p14:creationId xmlns:p14="http://schemas.microsoft.com/office/powerpoint/2010/main" val="127471941"/>
+        <p14:creationId xmlns:p14="http://schemas.microsoft.com/office/powerpoint/2010/main" val="1535109884"/>
       </p:ext>
     </p:extLst>
   </p:cSld>
@@ -1772,90 +1583,6 @@
 </file>
 
 <file path=ppt/notesSlides/notesSlide15.xml><?xml version="1.0" encoding="utf-8"?>
-<p:notes xmlns:a="http://schemas.openxmlformats.org/drawingml/2006/main" xmlns:r="http://schemas.openxmlformats.org/officeDocument/2006/relationships" xmlns:p="http://schemas.openxmlformats.org/presentationml/2006/main">
-  <p:cSld>
-    <p:spTree>
-      <p:nvGrpSpPr>
-        <p:cNvPr id="1" name=""/>
-        <p:cNvGrpSpPr/>
-        <p:nvPr/>
-      </p:nvGrpSpPr>
-      <p:grpSpPr>
-        <a:xfrm>
-          <a:off x="0" y="0"/>
-          <a:ext cx="0" cy="0"/>
-          <a:chOff x="0" y="0"/>
-          <a:chExt cx="0" cy="0"/>
-        </a:xfrm>
-      </p:grpSpPr>
-      <p:sp>
-        <p:nvSpPr>
-          <p:cNvPr id="2" name="Slide Image Placeholder 1"/>
-          <p:cNvSpPr>
-            <a:spLocks noGrp="1" noRot="1" noChangeAspect="1"/>
-          </p:cNvSpPr>
-          <p:nvPr>
-            <p:ph type="sldImg"/>
-          </p:nvPr>
-        </p:nvSpPr>
-        <p:spPr/>
-      </p:sp>
-      <p:sp>
-        <p:nvSpPr>
-          <p:cNvPr id="3" name="Notes Placeholder 2"/>
-          <p:cNvSpPr>
-            <a:spLocks noGrp="1"/>
-          </p:cNvSpPr>
-          <p:nvPr>
-            <p:ph type="body" idx="1"/>
-          </p:nvPr>
-        </p:nvSpPr>
-        <p:spPr/>
-        <p:txBody>
-          <a:bodyPr/>
-          <a:lstStyle/>
-          <a:p>
-            <a:endParaRPr lang="nl-BE" dirty="0"/>
-          </a:p>
-        </p:txBody>
-      </p:sp>
-      <p:sp>
-        <p:nvSpPr>
-          <p:cNvPr id="4" name="Slide Number Placeholder 3"/>
-          <p:cNvSpPr>
-            <a:spLocks noGrp="1"/>
-          </p:cNvSpPr>
-          <p:nvPr>
-            <p:ph type="sldNum" sz="quarter" idx="10"/>
-          </p:nvPr>
-        </p:nvSpPr>
-        <p:spPr/>
-        <p:txBody>
-          <a:bodyPr/>
-          <a:lstStyle/>
-          <a:p>
-            <a:fld id="{DA8B99DF-01BC-492A-8CEF-4FD88D18DD9D}" type="slidenum">
-              <a:rPr lang="nl-BE" smtClean="0"/>
-              <a:t>29</a:t>
-            </a:fld>
-            <a:endParaRPr lang="nl-BE"/>
-          </a:p>
-        </p:txBody>
-      </p:sp>
-    </p:spTree>
-    <p:extLst>
-      <p:ext uri="{BB962C8B-B14F-4D97-AF65-F5344CB8AC3E}">
-        <p14:creationId xmlns:p14="http://schemas.microsoft.com/office/powerpoint/2010/main" val="1535109884"/>
-      </p:ext>
-    </p:extLst>
-  </p:cSld>
-  <p:clrMapOvr>
-    <a:masterClrMapping/>
-  </p:clrMapOvr>
-</p:notes>
-</file>
-
-<file path=ppt/notesSlides/notesSlide16.xml><?xml version="1.0" encoding="utf-8"?>
 <p:notes xmlns:a="http://schemas.openxmlformats.org/drawingml/2006/main" xmlns:r="http://schemas.openxmlformats.org/officeDocument/2006/relationships" xmlns:p="http://schemas.openxmlformats.org/presentationml/2006/main">
   <p:cSld>
     <p:spTree>
@@ -1923,7 +1650,7 @@
           <a:p>
             <a:fld id="{DA8B99DF-01BC-492A-8CEF-4FD88D18DD9D}" type="slidenum">
               <a:rPr lang="nl-BE" smtClean="0"/>
-              <a:t>34</a:t>
+              <a:t>31</a:t>
             </a:fld>
             <a:endParaRPr lang="nl-BE"/>
           </a:p>
@@ -1943,6 +1670,219 @@
 </file>
 
 <file path=ppt/notesSlides/notesSlide2.xml><?xml version="1.0" encoding="utf-8"?>
+<p:notes xmlns:a="http://schemas.openxmlformats.org/drawingml/2006/main" xmlns:r="http://schemas.openxmlformats.org/officeDocument/2006/relationships" xmlns:p="http://schemas.openxmlformats.org/presentationml/2006/main">
+  <p:cSld>
+    <p:spTree>
+      <p:nvGrpSpPr>
+        <p:cNvPr id="1" name=""/>
+        <p:cNvGrpSpPr/>
+        <p:nvPr/>
+      </p:nvGrpSpPr>
+      <p:grpSpPr>
+        <a:xfrm>
+          <a:off x="0" y="0"/>
+          <a:ext cx="0" cy="0"/>
+          <a:chOff x="0" y="0"/>
+          <a:chExt cx="0" cy="0"/>
+        </a:xfrm>
+      </p:grpSpPr>
+      <p:sp>
+        <p:nvSpPr>
+          <p:cNvPr id="2" name="Espaço Reservado para Imagem de Slide 1"/>
+          <p:cNvSpPr>
+            <a:spLocks noGrp="1" noRot="1" noChangeAspect="1"/>
+          </p:cNvSpPr>
+          <p:nvPr>
+            <p:ph type="sldImg"/>
+          </p:nvPr>
+        </p:nvSpPr>
+        <p:spPr/>
+      </p:sp>
+      <p:sp>
+        <p:nvSpPr>
+          <p:cNvPr id="3" name="Espaço Reservado para Anotações 2"/>
+          <p:cNvSpPr>
+            <a:spLocks noGrp="1"/>
+          </p:cNvSpPr>
+          <p:nvPr>
+            <p:ph type="body" idx="1"/>
+          </p:nvPr>
+        </p:nvSpPr>
+        <p:spPr/>
+        <p:txBody>
+          <a:bodyPr/>
+          <a:lstStyle/>
+          <a:p>
+            <a:r>
+              <a:rPr lang="pt-BR" sz="1200" dirty="0"/>
+              <a:t>Se o</a:t>
+            </a:r>
+            <a:r>
+              <a:rPr lang="pt-BR" sz="1200" baseline="0" dirty="0"/>
+              <a:t> passo</a:t>
+            </a:r>
+            <a:r>
+              <a:rPr lang="pt-BR" sz="1200" dirty="0"/>
+              <a:t> de aprendizagem for muito pequeno, o algoritmo precisará passar por muitas iterações para convergir, o que levará muito tempo.</a:t>
+            </a:r>
+          </a:p>
+          <a:p>
+            <a:endParaRPr lang="pt-BR" sz="1200" dirty="0"/>
+          </a:p>
+          <a:p>
+            <a:r>
+              <a:rPr lang="pt-BR" sz="1200" dirty="0"/>
+              <a:t>Por outro lado, se ele</a:t>
+            </a:r>
+            <a:r>
+              <a:rPr lang="pt-BR" sz="1200" baseline="0" dirty="0"/>
+              <a:t> </a:t>
+            </a:r>
+            <a:r>
+              <a:rPr lang="pt-BR" sz="1200" dirty="0"/>
+              <a:t>for muito grande, você pode pular o vale e acabar do outro lado, possivelmente até mais alto do que antes. Isso pode fazer o algoritmo divergir, com valores cada vez maiores, falhando em encontrar uma boa solução.</a:t>
+            </a:r>
+          </a:p>
+          <a:p>
+            <a:endParaRPr lang="pt-BR" sz="1200" dirty="0"/>
+          </a:p>
+          <a:p>
+            <a:r>
+              <a:rPr lang="pt-BR" sz="1200" dirty="0"/>
+              <a:t>Assim, o</a:t>
+            </a:r>
+            <a:r>
+              <a:rPr lang="pt-BR" sz="1200" baseline="0" dirty="0"/>
+              <a:t> passo </a:t>
+            </a:r>
+            <a:r>
+              <a:rPr lang="pt-BR" sz="1200" dirty="0"/>
+              <a:t>de aprendizagem deve ser experimentado/explorado para encontrar o melhor valor que acelere a descida do gradiente.</a:t>
+            </a:r>
+          </a:p>
+          <a:p>
+            <a:endParaRPr lang="pt-BR" sz="1200" dirty="0"/>
+          </a:p>
+          <a:p>
+            <a:r>
+              <a:rPr lang="pt-BR" sz="1200" dirty="0"/>
+              <a:t>O momentum adiciona uma fração da atualização de peso anterior a atual. Quando o gradiente continua apontando na mesma direção por atualizações consecutivas, isso aumentará o tamanho dos passos dados em direção ao mínimo.</a:t>
+            </a:r>
+            <a:r>
+              <a:rPr lang="pt-BR" sz="1200" baseline="0" dirty="0"/>
+              <a:t> </a:t>
+            </a:r>
+            <a:r>
+              <a:rPr lang="pt-BR" sz="1200" dirty="0"/>
+              <a:t>Por outro lado, quando o gradiente continua mudando de direção, o momentum suaviza as variações, ou seja, as atualizações.</a:t>
+            </a:r>
+          </a:p>
+          <a:p>
+            <a:endParaRPr lang="pt-BR" sz="1200" dirty="0"/>
+          </a:p>
+          <a:p>
+            <a:r>
+              <a:rPr lang="pt-BR" sz="1200" b="1" dirty="0"/>
+              <a:t>OBS</a:t>
+            </a:r>
+            <a:r>
+              <a:rPr lang="pt-BR" sz="1200" dirty="0"/>
+              <a:t>.: Passos largos durante as iterações iniciais e curtos conforme o algoritmo se aproxima do mínimo podem acelerar a convergência.</a:t>
+            </a:r>
+            <a:r>
+              <a:rPr lang="pt-BR" sz="1200" baseline="0" dirty="0"/>
+              <a:t> </a:t>
+            </a:r>
+            <a:r>
+              <a:rPr lang="pt-BR" sz="1200" dirty="0"/>
+              <a:t>Este tipo de abordagem é implementada por </a:t>
+            </a:r>
+            <a:r>
+              <a:rPr lang="pt-BR" sz="1200" b="1" i="1" dirty="0"/>
+              <a:t>esquemas de variação programada</a:t>
+            </a:r>
+            <a:r>
+              <a:rPr lang="pt-BR" sz="1200" dirty="0"/>
+              <a:t> do passo de aprendizagem </a:t>
+            </a:r>
+          </a:p>
+          <a:p>
+            <a:pPr marL="171450" indent="-171450">
+              <a:buFont typeface="Arial" panose="020B0604020202020204" pitchFamily="34" charset="0"/>
+              <a:buChar char="•"/>
+            </a:pPr>
+            <a:r>
+              <a:rPr lang="pt-BR" sz="1200" dirty="0"/>
+              <a:t>Por exemplo: momentum, </a:t>
+            </a:r>
+            <a:r>
+              <a:rPr lang="pt-BR" sz="1200" dirty="0" err="1"/>
+              <a:t>anelamento</a:t>
+            </a:r>
+            <a:r>
+              <a:rPr lang="pt-BR" sz="1200" dirty="0"/>
+              <a:t>, algoritmos de otimização com ajuste adaptativo do passo de aprendizagem (</a:t>
+            </a:r>
+            <a:r>
+              <a:rPr lang="pt-BR" sz="1200" dirty="0" err="1"/>
+              <a:t>RMSProp</a:t>
+            </a:r>
+            <a:r>
+              <a:rPr lang="pt-BR" sz="1200" dirty="0"/>
+              <a:t>, </a:t>
+            </a:r>
+            <a:r>
+              <a:rPr lang="pt-BR" sz="1200" dirty="0" err="1"/>
+              <a:t>AdaGrad</a:t>
+            </a:r>
+            <a:r>
+              <a:rPr lang="pt-BR" sz="1200" dirty="0"/>
+              <a:t>, Adam, etc.).</a:t>
+            </a:r>
+            <a:endParaRPr lang="nl-BE" sz="1200" dirty="0"/>
+          </a:p>
+          <a:p>
+            <a:endParaRPr lang="pt-BR" dirty="0"/>
+          </a:p>
+        </p:txBody>
+      </p:sp>
+      <p:sp>
+        <p:nvSpPr>
+          <p:cNvPr id="4" name="Espaço Reservado para Número de Slide 3"/>
+          <p:cNvSpPr>
+            <a:spLocks noGrp="1"/>
+          </p:cNvSpPr>
+          <p:nvPr>
+            <p:ph type="sldNum" sz="quarter" idx="5"/>
+          </p:nvPr>
+        </p:nvSpPr>
+        <p:spPr/>
+        <p:txBody>
+          <a:bodyPr/>
+          <a:lstStyle/>
+          <a:p>
+            <a:fld id="{DA8B99DF-01BC-492A-8CEF-4FD88D18DD9D}" type="slidenum">
+              <a:rPr lang="nl-BE" smtClean="0"/>
+              <a:t>6</a:t>
+            </a:fld>
+            <a:endParaRPr lang="nl-BE"/>
+          </a:p>
+        </p:txBody>
+      </p:sp>
+    </p:spTree>
+    <p:extLst>
+      <p:ext uri="{BB962C8B-B14F-4D97-AF65-F5344CB8AC3E}">
+        <p14:creationId xmlns:p14="http://schemas.microsoft.com/office/powerpoint/2010/main" val="3755092460"/>
+      </p:ext>
+    </p:extLst>
+  </p:cSld>
+  <p:clrMapOvr>
+    <a:masterClrMapping/>
+  </p:clrMapOvr>
+</p:notes>
+</file>
+
+<file path=ppt/notesSlides/notesSlide3.xml><?xml version="1.0" encoding="utf-8"?>
 <p:notes xmlns:a="http://schemas.openxmlformats.org/drawingml/2006/main" xmlns:r="http://schemas.openxmlformats.org/officeDocument/2006/relationships" xmlns:p="http://schemas.openxmlformats.org/presentationml/2006/main">
   <p:cSld>
     <p:spTree>
@@ -2140,7 +2080,7 @@
           <a:p>
             <a:fld id="{DA8B99DF-01BC-492A-8CEF-4FD88D18DD9D}" type="slidenum">
               <a:rPr lang="nl-BE" smtClean="0"/>
-              <a:t>8</a:t>
+              <a:t>7</a:t>
             </a:fld>
             <a:endParaRPr lang="nl-BE"/>
           </a:p>
@@ -2150,209 +2090,6 @@
     <p:extLst>
       <p:ext uri="{BB962C8B-B14F-4D97-AF65-F5344CB8AC3E}">
         <p14:creationId xmlns:p14="http://schemas.microsoft.com/office/powerpoint/2010/main" val="3595689694"/>
-      </p:ext>
-    </p:extLst>
-  </p:cSld>
-  <p:clrMapOvr>
-    <a:masterClrMapping/>
-  </p:clrMapOvr>
-</p:notes>
-</file>
-
-<file path=ppt/notesSlides/notesSlide3.xml><?xml version="1.0" encoding="utf-8"?>
-<p:notes xmlns:a="http://schemas.openxmlformats.org/drawingml/2006/main" xmlns:r="http://schemas.openxmlformats.org/officeDocument/2006/relationships" xmlns:p="http://schemas.openxmlformats.org/presentationml/2006/main">
-  <p:cSld>
-    <p:spTree>
-      <p:nvGrpSpPr>
-        <p:cNvPr id="1" name=""/>
-        <p:cNvGrpSpPr/>
-        <p:nvPr/>
-      </p:nvGrpSpPr>
-      <p:grpSpPr>
-        <a:xfrm>
-          <a:off x="0" y="0"/>
-          <a:ext cx="0" cy="0"/>
-          <a:chOff x="0" y="0"/>
-          <a:chExt cx="0" cy="0"/>
-        </a:xfrm>
-      </p:grpSpPr>
-      <p:sp>
-        <p:nvSpPr>
-          <p:cNvPr id="2" name="Espaço Reservado para Imagem de Slide 1"/>
-          <p:cNvSpPr>
-            <a:spLocks noGrp="1" noRot="1" noChangeAspect="1"/>
-          </p:cNvSpPr>
-          <p:nvPr>
-            <p:ph type="sldImg"/>
-          </p:nvPr>
-        </p:nvSpPr>
-        <p:spPr/>
-      </p:sp>
-      <p:sp>
-        <p:nvSpPr>
-          <p:cNvPr id="3" name="Espaço Reservado para Anotações 2"/>
-          <p:cNvSpPr>
-            <a:spLocks noGrp="1"/>
-          </p:cNvSpPr>
-          <p:nvPr>
-            <p:ph type="body" idx="1"/>
-          </p:nvPr>
-        </p:nvSpPr>
-        <p:spPr/>
-        <p:txBody>
-          <a:bodyPr/>
-          <a:lstStyle/>
-          <a:p>
-            <a:r>
-              <a:rPr lang="pt-BR" dirty="0"/>
-              <a:t>Enquanto </a:t>
-            </a:r>
-            <a:r>
-              <a:rPr lang="pt-BR" baseline="0" dirty="0"/>
-              <a:t>a </a:t>
-            </a:r>
-            <a:r>
-              <a:rPr lang="pt-BR" dirty="0"/>
-              <a:t>direção é determinada pelo</a:t>
-            </a:r>
-            <a:r>
-              <a:rPr lang="pt-BR" baseline="0" dirty="0"/>
-              <a:t> vetor</a:t>
-            </a:r>
-            <a:r>
-              <a:rPr lang="pt-BR" dirty="0"/>
-              <a:t> gradiente da função de erro, a taxa de aprendizado determina o quão grande um passo é dado nessa direção.</a:t>
-            </a:r>
-          </a:p>
-          <a:p>
-            <a:endParaRPr lang="pt-BR" dirty="0"/>
-          </a:p>
-          <a:p>
-            <a:r>
-              <a:rPr lang="pt-BR" dirty="0"/>
-              <a:t>Se o</a:t>
-            </a:r>
-            <a:r>
-              <a:rPr lang="pt-BR" baseline="0" dirty="0"/>
-              <a:t> passo</a:t>
-            </a:r>
-            <a:r>
-              <a:rPr lang="pt-BR" dirty="0"/>
-              <a:t> de aprendizagem for muito pequeno, o algoritmo precisará passar por muitas iterações até convergir, o que levará muito tempo.</a:t>
-            </a:r>
-          </a:p>
-          <a:p>
-            <a:endParaRPr lang="pt-BR" dirty="0"/>
-          </a:p>
-          <a:p>
-            <a:r>
-              <a:rPr lang="pt-BR" dirty="0"/>
-              <a:t>Por outro lado, se ele</a:t>
-            </a:r>
-            <a:r>
-              <a:rPr lang="pt-BR" baseline="0" dirty="0"/>
-              <a:t> </a:t>
-            </a:r>
-            <a:r>
-              <a:rPr lang="pt-BR" dirty="0"/>
-              <a:t>for muito grande, você pode pular o vale e acabar do outro lado, possivelmente até mais alto do que antes. Isso pode fazer o algoritmo divergir, com valores cada vez maiores, falhando em encontrar uma boa solução.</a:t>
-            </a:r>
-          </a:p>
-          <a:p>
-            <a:endParaRPr lang="pt-BR" dirty="0"/>
-          </a:p>
-          <a:p>
-            <a:r>
-              <a:rPr lang="pt-BR" dirty="0"/>
-              <a:t>Assim, o</a:t>
-            </a:r>
-            <a:r>
-              <a:rPr lang="pt-BR" baseline="0" dirty="0"/>
-              <a:t> passo </a:t>
-            </a:r>
-            <a:r>
-              <a:rPr lang="pt-BR" dirty="0"/>
-              <a:t>de aprendizagem deve ser experimentado/explorado para encontrar o melhor valor que acelere a descida do gradiente.</a:t>
-            </a:r>
-          </a:p>
-          <a:p>
-            <a:endParaRPr lang="pt-BR" dirty="0"/>
-          </a:p>
-          <a:p>
-            <a:r>
-              <a:rPr lang="pt-BR" dirty="0"/>
-              <a:t>Ao usar grandes valores para o passo de aprendizagem, é possível encontrar um ciclo de feedback positivo no qual grandes valores induzem grandes gradientes que, então, induzem uma grande atualização dos pesos. Se essas atualizações aumentarem consistentemente o tamanho dos pesos, então [os pesos] se afastam rapidamente do</a:t>
-            </a:r>
-            <a:r>
-              <a:rPr lang="pt-BR" baseline="0" dirty="0"/>
-              <a:t> ponto de mínimo </a:t>
-            </a:r>
-            <a:r>
-              <a:rPr lang="pt-BR" dirty="0"/>
-              <a:t>até que ocorra o estouro da precisão numérica.</a:t>
-            </a:r>
-          </a:p>
-          <a:p>
-            <a:endParaRPr lang="pt-BR" dirty="0"/>
-          </a:p>
-          <a:p>
-            <a:pPr marL="0" marR="0" lvl="0" indent="0" algn="l" defTabSz="914400" rtl="0" eaLnBrk="1" fontAlgn="auto" latinLnBrk="0" hangingPunct="1">
-              <a:lnSpc>
-                <a:spcPct val="100000"/>
-              </a:lnSpc>
-              <a:spcBef>
-                <a:spcPts val="0"/>
-              </a:spcBef>
-              <a:spcAft>
-                <a:spcPts val="0"/>
-              </a:spcAft>
-              <a:buClrTx/>
-              <a:buSzTx/>
-              <a:buFontTx/>
-              <a:buNone/>
-              <a:tabLst/>
-              <a:defRPr/>
-            </a:pPr>
-            <a:r>
-              <a:rPr lang="pt-BR" dirty="0"/>
-              <a:t>Uma boa intuição para se ter em mente é que, com uma alta taxa de aprendizado o vetor de pesos “oscila” ou “pula” caoticamente, incapaz de convergir para áreas mais profundas, porém mais estreitas, da superfície de erro. </a:t>
-            </a:r>
-          </a:p>
-          <a:p>
-            <a:endParaRPr lang="nl-BE" dirty="0"/>
-          </a:p>
-          <a:p>
-            <a:endParaRPr lang="pt-BR" dirty="0"/>
-          </a:p>
-        </p:txBody>
-      </p:sp>
-      <p:sp>
-        <p:nvSpPr>
-          <p:cNvPr id="4" name="Espaço Reservado para Número de Slide 3"/>
-          <p:cNvSpPr>
-            <a:spLocks noGrp="1"/>
-          </p:cNvSpPr>
-          <p:nvPr>
-            <p:ph type="sldNum" sz="quarter" idx="5"/>
-          </p:nvPr>
-        </p:nvSpPr>
-        <p:spPr/>
-        <p:txBody>
-          <a:bodyPr/>
-          <a:lstStyle/>
-          <a:p>
-            <a:fld id="{DA8B99DF-01BC-492A-8CEF-4FD88D18DD9D}" type="slidenum">
-              <a:rPr lang="nl-BE" smtClean="0"/>
-              <a:t>9</a:t>
-            </a:fld>
-            <a:endParaRPr lang="nl-BE"/>
-          </a:p>
-        </p:txBody>
-      </p:sp>
-    </p:spTree>
-    <p:extLst>
-      <p:ext uri="{BB962C8B-B14F-4D97-AF65-F5344CB8AC3E}">
-        <p14:creationId xmlns:p14="http://schemas.microsoft.com/office/powerpoint/2010/main" val="2293088979"/>
       </p:ext>
     </p:extLst>
   </p:cSld>
@@ -2546,7 +2283,7 @@
           <a:p>
             <a:fld id="{DA8B99DF-01BC-492A-8CEF-4FD88D18DD9D}" type="slidenum">
               <a:rPr lang="nl-BE" smtClean="0"/>
-              <a:t>10</a:t>
+              <a:t>8</a:t>
             </a:fld>
             <a:endParaRPr lang="nl-BE"/>
           </a:p>
@@ -2555,7 +2292,7 @@
     </p:spTree>
     <p:extLst>
       <p:ext uri="{BB962C8B-B14F-4D97-AF65-F5344CB8AC3E}">
-        <p14:creationId xmlns:p14="http://schemas.microsoft.com/office/powerpoint/2010/main" val="1520696515"/>
+        <p14:creationId xmlns:p14="http://schemas.microsoft.com/office/powerpoint/2010/main" val="2293088979"/>
       </p:ext>
     </p:extLst>
   </p:cSld>
@@ -2749,7 +2486,7 @@
           <a:p>
             <a:fld id="{DA8B99DF-01BC-492A-8CEF-4FD88D18DD9D}" type="slidenum">
               <a:rPr lang="nl-BE" smtClean="0"/>
-              <a:t>11</a:t>
+              <a:t>9</a:t>
             </a:fld>
             <a:endParaRPr lang="nl-BE"/>
           </a:p>
@@ -2758,7 +2495,7 @@
     </p:spTree>
     <p:extLst>
       <p:ext uri="{BB962C8B-B14F-4D97-AF65-F5344CB8AC3E}">
-        <p14:creationId xmlns:p14="http://schemas.microsoft.com/office/powerpoint/2010/main" val="3919986911"/>
+        <p14:creationId xmlns:p14="http://schemas.microsoft.com/office/powerpoint/2010/main" val="1520696515"/>
       </p:ext>
     </p:extLst>
   </p:cSld>
@@ -2787,7 +2524,7 @@
       </p:grpSpPr>
       <p:sp>
         <p:nvSpPr>
-          <p:cNvPr id="2" name="Slide Image Placeholder 1"/>
+          <p:cNvPr id="2" name="Espaço Reservado para Imagem de Slide 1"/>
           <p:cNvSpPr>
             <a:spLocks noGrp="1" noRot="1" noChangeAspect="1"/>
           </p:cNvSpPr>
@@ -2799,207 +2536,7 @@
       </p:sp>
       <p:sp>
         <p:nvSpPr>
-          <p:cNvPr id="3" name="Notes Placeholder 2"/>
-          <p:cNvSpPr>
-            <a:spLocks noGrp="1"/>
-          </p:cNvSpPr>
-          <p:nvPr>
-            <p:ph type="body" idx="1"/>
-          </p:nvPr>
-        </p:nvSpPr>
-        <p:spPr/>
-        <p:txBody>
-          <a:bodyPr/>
-          <a:lstStyle/>
-          <a:p>
-            <a:r>
-              <a:rPr lang="pt-BR" dirty="0"/>
-              <a:t>Enquanto </a:t>
-            </a:r>
-            <a:r>
-              <a:rPr lang="pt-BR" baseline="0" dirty="0"/>
-              <a:t>a </a:t>
-            </a:r>
-            <a:r>
-              <a:rPr lang="pt-BR" dirty="0"/>
-              <a:t>direção é determinada pelo</a:t>
-            </a:r>
-            <a:r>
-              <a:rPr lang="pt-BR" baseline="0" dirty="0"/>
-              <a:t> vetor</a:t>
-            </a:r>
-            <a:r>
-              <a:rPr lang="pt-BR" dirty="0"/>
-              <a:t> gradiente da função de erro, a taxa de aprendizado determina o quão grande um passo é dado nessa direção.</a:t>
-            </a:r>
-          </a:p>
-          <a:p>
-            <a:endParaRPr lang="pt-BR" dirty="0"/>
-          </a:p>
-          <a:p>
-            <a:r>
-              <a:rPr lang="pt-BR" dirty="0"/>
-              <a:t>Se o</a:t>
-            </a:r>
-            <a:r>
-              <a:rPr lang="pt-BR" baseline="0" dirty="0"/>
-              <a:t> passo</a:t>
-            </a:r>
-            <a:r>
-              <a:rPr lang="pt-BR" dirty="0"/>
-              <a:t> de aprendizagem for muito pequeno, o algoritmo precisará passar por muitas iterações até convergir, o que levará muito tempo.</a:t>
-            </a:r>
-          </a:p>
-          <a:p>
-            <a:endParaRPr lang="pt-BR" dirty="0"/>
-          </a:p>
-          <a:p>
-            <a:r>
-              <a:rPr lang="pt-BR" dirty="0"/>
-              <a:t>Por outro lado, se ele</a:t>
-            </a:r>
-            <a:r>
-              <a:rPr lang="pt-BR" baseline="0" dirty="0"/>
-              <a:t> </a:t>
-            </a:r>
-            <a:r>
-              <a:rPr lang="pt-BR" dirty="0"/>
-              <a:t>for muito grande, você pode pular o vale e acabar do outro lado, possivelmente até mais alto do que antes. Isso pode fazer o algoritmo divergir, com valores cada vez maiores, falhando em encontrar uma boa solução.</a:t>
-            </a:r>
-          </a:p>
-          <a:p>
-            <a:endParaRPr lang="pt-BR" dirty="0"/>
-          </a:p>
-          <a:p>
-            <a:r>
-              <a:rPr lang="pt-BR" dirty="0"/>
-              <a:t>Assim, o</a:t>
-            </a:r>
-            <a:r>
-              <a:rPr lang="pt-BR" baseline="0" dirty="0"/>
-              <a:t> passo </a:t>
-            </a:r>
-            <a:r>
-              <a:rPr lang="pt-BR" dirty="0"/>
-              <a:t>de aprendizagem deve ser experimentado/explorado para encontrar o melhor valor que acelere a descida do gradiente.</a:t>
-            </a:r>
-          </a:p>
-          <a:p>
-            <a:endParaRPr lang="pt-BR" dirty="0"/>
-          </a:p>
-          <a:p>
-            <a:r>
-              <a:rPr lang="pt-BR" dirty="0"/>
-              <a:t>Ao usar grandes valores para o passo de aprendizagem, é possível encontrar um ciclo de feedback positivo no qual grandes valores induzem grandes gradientes que, então, induzem uma grande atualização dos pesos. Se essas atualizações aumentarem consistentemente o tamanho dos pesos, então [os pesos] se afastam rapidamente do</a:t>
-            </a:r>
-            <a:r>
-              <a:rPr lang="pt-BR" baseline="0" dirty="0"/>
-              <a:t> ponto de mínimo </a:t>
-            </a:r>
-            <a:r>
-              <a:rPr lang="pt-BR" dirty="0"/>
-              <a:t>até que ocorra o estouro da precisão numérica.</a:t>
-            </a:r>
-          </a:p>
-          <a:p>
-            <a:endParaRPr lang="pt-BR" dirty="0"/>
-          </a:p>
-          <a:p>
-            <a:pPr marL="0" marR="0" lvl="0" indent="0" algn="l" defTabSz="914400" rtl="0" eaLnBrk="1" fontAlgn="auto" latinLnBrk="0" hangingPunct="1">
-              <a:lnSpc>
-                <a:spcPct val="100000"/>
-              </a:lnSpc>
-              <a:spcBef>
-                <a:spcPts val="0"/>
-              </a:spcBef>
-              <a:spcAft>
-                <a:spcPts val="0"/>
-              </a:spcAft>
-              <a:buClrTx/>
-              <a:buSzTx/>
-              <a:buFontTx/>
-              <a:buNone/>
-              <a:tabLst/>
-              <a:defRPr/>
-            </a:pPr>
-            <a:r>
-              <a:rPr lang="pt-BR" dirty="0"/>
-              <a:t>Uma boa intuição para se ter em mente é que, com uma alta taxa de aprendizado o vetor de pesos “oscila” ou “pula” caoticamente, incapaz de convergir para áreas mais profundas, porém mais estreitas, da superfície de erro. </a:t>
-            </a:r>
-          </a:p>
-          <a:p>
-            <a:endParaRPr lang="nl-BE" dirty="0"/>
-          </a:p>
-        </p:txBody>
-      </p:sp>
-      <p:sp>
-        <p:nvSpPr>
-          <p:cNvPr id="4" name="Slide Number Placeholder 3"/>
-          <p:cNvSpPr>
-            <a:spLocks noGrp="1"/>
-          </p:cNvSpPr>
-          <p:nvPr>
-            <p:ph type="sldNum" sz="quarter" idx="10"/>
-          </p:nvPr>
-        </p:nvSpPr>
-        <p:spPr/>
-        <p:txBody>
-          <a:bodyPr/>
-          <a:lstStyle/>
-          <a:p>
-            <a:fld id="{DA8B99DF-01BC-492A-8CEF-4FD88D18DD9D}" type="slidenum">
-              <a:rPr lang="nl-BE" smtClean="0"/>
-              <a:t>13</a:t>
-            </a:fld>
-            <a:endParaRPr lang="nl-BE"/>
-          </a:p>
-        </p:txBody>
-      </p:sp>
-    </p:spTree>
-    <p:extLst>
-      <p:ext uri="{BB962C8B-B14F-4D97-AF65-F5344CB8AC3E}">
-        <p14:creationId xmlns:p14="http://schemas.microsoft.com/office/powerpoint/2010/main" val="2845659316"/>
-      </p:ext>
-    </p:extLst>
-  </p:cSld>
-  <p:clrMapOvr>
-    <a:masterClrMapping/>
-  </p:clrMapOvr>
-</p:notes>
-</file>
-
-<file path=ppt/notesSlides/notesSlide7.xml><?xml version="1.0" encoding="utf-8"?>
-<p:notes xmlns:a="http://schemas.openxmlformats.org/drawingml/2006/main" xmlns:r="http://schemas.openxmlformats.org/officeDocument/2006/relationships" xmlns:p="http://schemas.openxmlformats.org/presentationml/2006/main">
-  <p:cSld>
-    <p:spTree>
-      <p:nvGrpSpPr>
-        <p:cNvPr id="1" name=""/>
-        <p:cNvGrpSpPr/>
-        <p:nvPr/>
-      </p:nvGrpSpPr>
-      <p:grpSpPr>
-        <a:xfrm>
-          <a:off x="0" y="0"/>
-          <a:ext cx="0" cy="0"/>
-          <a:chOff x="0" y="0"/>
-          <a:chExt cx="0" cy="0"/>
-        </a:xfrm>
-      </p:grpSpPr>
-      <p:sp>
-        <p:nvSpPr>
-          <p:cNvPr id="2" name="Slide Image Placeholder 1"/>
-          <p:cNvSpPr>
-            <a:spLocks noGrp="1" noRot="1" noChangeAspect="1"/>
-          </p:cNvSpPr>
-          <p:nvPr>
-            <p:ph type="sldImg"/>
-          </p:nvPr>
-        </p:nvSpPr>
-        <p:spPr/>
-      </p:sp>
-      <p:sp>
-        <p:nvSpPr>
-          <p:cNvPr id="3" name="Notes Placeholder 2"/>
+          <p:cNvPr id="3" name="Espaço Reservado para Anotações 2"/>
           <p:cNvSpPr>
             <a:spLocks noGrp="1"/>
           </p:cNvSpPr>
@@ -3112,7 +2649,31 @@
             </a:pPr>
             <a:r>
               <a:rPr lang="pt-BR" sz="1200" dirty="0"/>
-              <a:t>Por exemplo: momentum, anelamento, algoritmos de otimização com ajuste adaptativo do passo de aprendizagem (RMSProp, AdaGrad, Adam, etc.).</a:t>
+              <a:t>Por exemplo: momentum, </a:t>
+            </a:r>
+            <a:r>
+              <a:rPr lang="pt-BR" sz="1200" dirty="0" err="1"/>
+              <a:t>anelamento</a:t>
+            </a:r>
+            <a:r>
+              <a:rPr lang="pt-BR" sz="1200" dirty="0"/>
+              <a:t>, algoritmos de otimização com ajuste adaptativo do passo de aprendizagem (</a:t>
+            </a:r>
+            <a:r>
+              <a:rPr lang="pt-BR" sz="1200" dirty="0" err="1"/>
+              <a:t>RMSProp</a:t>
+            </a:r>
+            <a:r>
+              <a:rPr lang="pt-BR" sz="1200" dirty="0"/>
+              <a:t>, </a:t>
+            </a:r>
+            <a:r>
+              <a:rPr lang="pt-BR" sz="1200" dirty="0" err="1"/>
+              <a:t>AdaGrad</a:t>
+            </a:r>
+            <a:r>
+              <a:rPr lang="pt-BR" sz="1200" dirty="0"/>
+              <a:t>, Adam, etc.).</a:t>
             </a:r>
             <a:endParaRPr lang="nl-BE" sz="1200" dirty="0"/>
           </a:p>
@@ -3120,12 +2681,12 @@
       </p:sp>
       <p:sp>
         <p:nvSpPr>
-          <p:cNvPr id="4" name="Slide Number Placeholder 3"/>
+          <p:cNvPr id="4" name="Espaço Reservado para Número de Slide 3"/>
           <p:cNvSpPr>
             <a:spLocks noGrp="1"/>
           </p:cNvSpPr>
           <p:nvPr>
-            <p:ph type="sldNum" sz="quarter" idx="10"/>
+            <p:ph type="sldNum" sz="quarter" idx="5"/>
           </p:nvPr>
         </p:nvSpPr>
         <p:spPr/>
@@ -3135,7 +2696,7 @@
           <a:p>
             <a:fld id="{DA8B99DF-01BC-492A-8CEF-4FD88D18DD9D}" type="slidenum">
               <a:rPr lang="nl-BE" smtClean="0"/>
-              <a:t>14</a:t>
+              <a:t>10</a:t>
             </a:fld>
             <a:endParaRPr lang="nl-BE"/>
           </a:p>
@@ -3144,7 +2705,7 @@
     </p:spTree>
     <p:extLst>
       <p:ext uri="{BB962C8B-B14F-4D97-AF65-F5344CB8AC3E}">
-        <p14:creationId xmlns:p14="http://schemas.microsoft.com/office/powerpoint/2010/main" val="3258830253"/>
+        <p14:creationId xmlns:p14="http://schemas.microsoft.com/office/powerpoint/2010/main" val="3919986911"/>
       </p:ext>
     </p:extLst>
   </p:cSld>
@@ -3154,7 +2715,7 @@
 </p:notes>
 </file>
 
-<file path=ppt/notesSlides/notesSlide8.xml><?xml version="1.0" encoding="utf-8"?>
+<file path=ppt/notesSlides/notesSlide7.xml><?xml version="1.0" encoding="utf-8"?>
 <p:notes xmlns:a="http://schemas.openxmlformats.org/drawingml/2006/main" xmlns:r="http://schemas.openxmlformats.org/officeDocument/2006/relationships" xmlns:p="http://schemas.openxmlformats.org/presentationml/2006/main">
   <p:cSld>
     <p:spTree>
@@ -3241,7 +2802,7 @@
           <a:p>
             <a:fld id="{DA8B99DF-01BC-492A-8CEF-4FD88D18DD9D}" type="slidenum">
               <a:rPr lang="nl-BE" smtClean="0"/>
-              <a:t>15</a:t>
+              <a:t>12</a:t>
             </a:fld>
             <a:endParaRPr lang="nl-BE"/>
           </a:p>
@@ -3260,7 +2821,7 @@
 </p:notes>
 </file>
 
-<file path=ppt/notesSlides/notesSlide9.xml><?xml version="1.0" encoding="utf-8"?>
+<file path=ppt/notesSlides/notesSlide8.xml><?xml version="1.0" encoding="utf-8"?>
 <p:notes xmlns:a="http://schemas.openxmlformats.org/drawingml/2006/main" xmlns:r="http://schemas.openxmlformats.org/officeDocument/2006/relationships" xmlns:p="http://schemas.openxmlformats.org/presentationml/2006/main">
   <p:cSld>
     <p:spTree>
@@ -3325,7 +2886,7 @@
           <a:p>
             <a:fld id="{DA8B99DF-01BC-492A-8CEF-4FD88D18DD9D}" type="slidenum">
               <a:rPr lang="nl-BE" smtClean="0"/>
-              <a:t>16</a:t>
+              <a:t>13</a:t>
             </a:fld>
             <a:endParaRPr lang="nl-BE"/>
           </a:p>
@@ -3335,6 +2896,276 @@
     <p:extLst>
       <p:ext uri="{BB962C8B-B14F-4D97-AF65-F5344CB8AC3E}">
         <p14:creationId xmlns:p14="http://schemas.microsoft.com/office/powerpoint/2010/main" val="1874720266"/>
+      </p:ext>
+    </p:extLst>
+  </p:cSld>
+  <p:clrMapOvr>
+    <a:masterClrMapping/>
+  </p:clrMapOvr>
+</p:notes>
+</file>
+
+<file path=ppt/notesSlides/notesSlide9.xml><?xml version="1.0" encoding="utf-8"?>
+<p:notes xmlns:a="http://schemas.openxmlformats.org/drawingml/2006/main" xmlns:r="http://schemas.openxmlformats.org/officeDocument/2006/relationships" xmlns:p="http://schemas.openxmlformats.org/presentationml/2006/main">
+  <p:cSld>
+    <p:spTree>
+      <p:nvGrpSpPr>
+        <p:cNvPr id="1" name=""/>
+        <p:cNvGrpSpPr/>
+        <p:nvPr/>
+      </p:nvGrpSpPr>
+      <p:grpSpPr>
+        <a:xfrm>
+          <a:off x="0" y="0"/>
+          <a:ext cx="0" cy="0"/>
+          <a:chOff x="0" y="0"/>
+          <a:chExt cx="0" cy="0"/>
+        </a:xfrm>
+      </p:grpSpPr>
+      <p:sp>
+        <p:nvSpPr>
+          <p:cNvPr id="2" name="Slide Image Placeholder 1"/>
+          <p:cNvSpPr>
+            <a:spLocks noGrp="1" noRot="1" noChangeAspect="1"/>
+          </p:cNvSpPr>
+          <p:nvPr>
+            <p:ph type="sldImg"/>
+          </p:nvPr>
+        </p:nvSpPr>
+        <p:spPr/>
+      </p:sp>
+      <p:sp>
+        <p:nvSpPr>
+          <p:cNvPr id="3" name="Notes Placeholder 2"/>
+          <p:cNvSpPr>
+            <a:spLocks noGrp="1"/>
+          </p:cNvSpPr>
+          <p:nvPr>
+            <p:ph type="body" idx="1"/>
+          </p:nvPr>
+        </p:nvSpPr>
+        <p:spPr/>
+        <p:txBody>
+          <a:bodyPr/>
+          <a:lstStyle/>
+          <a:p>
+            <a:pPr marL="0" marR="0" indent="0" algn="l" defTabSz="914400" rtl="0" eaLnBrk="1" fontAlgn="auto" latinLnBrk="0" hangingPunct="1">
+              <a:lnSpc>
+                <a:spcPct val="100000"/>
+              </a:lnSpc>
+              <a:spcBef>
+                <a:spcPts val="0"/>
+              </a:spcBef>
+              <a:spcAft>
+                <a:spcPts val="0"/>
+              </a:spcAft>
+              <a:buClrTx/>
+              <a:buSzTx/>
+              <a:buFontTx/>
+              <a:buNone/>
+              <a:tabLst/>
+              <a:defRPr/>
+            </a:pPr>
+            <a:r>
+              <a:rPr lang="pt-BR" dirty="0"/>
+              <a:t>Um valor muito pequeno pode resultar em um longo processo de treinamento que pode ficar preso.</a:t>
+            </a:r>
+          </a:p>
+          <a:p>
+            <a:pPr marL="0" marR="0" indent="0" algn="l" defTabSz="914400" rtl="0" eaLnBrk="1" fontAlgn="auto" latinLnBrk="0" hangingPunct="1">
+              <a:lnSpc>
+                <a:spcPct val="100000"/>
+              </a:lnSpc>
+              <a:spcBef>
+                <a:spcPts val="0"/>
+              </a:spcBef>
+              <a:spcAft>
+                <a:spcPts val="0"/>
+              </a:spcAft>
+              <a:buClrTx/>
+              <a:buSzTx/>
+              <a:buFontTx/>
+              <a:buNone/>
+              <a:tabLst/>
+              <a:defRPr/>
+            </a:pPr>
+            <a:r>
+              <a:rPr lang="pt-BR" dirty="0"/>
+              <a:t>Um valor muito alto pode resultar na aprendizagem de um conjunto subótimo de pesos rápido demais ou em um processo de treinamento instável.</a:t>
+            </a:r>
+          </a:p>
+          <a:p>
+            <a:pPr marL="0" marR="0" indent="0" algn="l" defTabSz="914400" rtl="0" eaLnBrk="1" fontAlgn="auto" latinLnBrk="0" hangingPunct="1">
+              <a:lnSpc>
+                <a:spcPct val="100000"/>
+              </a:lnSpc>
+              <a:spcBef>
+                <a:spcPts val="0"/>
+              </a:spcBef>
+              <a:spcAft>
+                <a:spcPts val="0"/>
+              </a:spcAft>
+              <a:buClrTx/>
+              <a:buSzTx/>
+              <a:buFontTx/>
+              <a:buNone/>
+              <a:tabLst/>
+              <a:defRPr/>
+            </a:pPr>
+            <a:endParaRPr lang="pt-BR" dirty="0"/>
+          </a:p>
+          <a:p>
+            <a:pPr marL="0" marR="0" indent="0" algn="l" defTabSz="914400" rtl="0" eaLnBrk="1" fontAlgn="auto" latinLnBrk="0" hangingPunct="1">
+              <a:lnSpc>
+                <a:spcPct val="100000"/>
+              </a:lnSpc>
+              <a:spcBef>
+                <a:spcPts val="0"/>
+              </a:spcBef>
+              <a:spcAft>
+                <a:spcPts val="0"/>
+              </a:spcAft>
+              <a:buClrTx/>
+              <a:buSzTx/>
+              <a:buFontTx/>
+              <a:buNone/>
+              <a:tabLst/>
+              <a:defRPr/>
+            </a:pPr>
+            <a:r>
+              <a:rPr lang="pt-BR" dirty="0"/>
+              <a:t>A maneira pela qual a taxa de aprendizado muda com o tempo (iteração/época) é chamada de cronograma/programa da taxa de aprendizado ou decaimento da taxa de aprendizado.</a:t>
+            </a:r>
+          </a:p>
+          <a:p>
+            <a:endParaRPr lang="pt-BR" dirty="0"/>
+          </a:p>
+          <a:p>
+            <a:r>
+              <a:rPr lang="pt-BR" b="1" dirty="0"/>
+              <a:t>Alguns tipos de esquema para ajuste do passo de aprendizagem são:</a:t>
+            </a:r>
+          </a:p>
+          <a:p>
+            <a:pPr marL="171450" indent="-171450">
+              <a:buFont typeface="Arial" panose="020B0604020202020204" pitchFamily="34" charset="0"/>
+              <a:buChar char="•"/>
+            </a:pPr>
+            <a:r>
+              <a:rPr lang="pt-BR" b="1" dirty="0"/>
+              <a:t>Decaimento por etapas ou degraus</a:t>
+            </a:r>
+            <a:r>
+              <a:rPr lang="pt-BR" dirty="0"/>
+              <a:t>: reduz a taxa de aprendizado de algum fator a cada número pré-definido de iterações ou épocas. Os valores típicos são utilizados para reduzir a taxa de aprendizado pela metade a cada número pré-definido de épocas. Esses números dependem muito do tipo de problema e do modelo. Uma heurística que você pode ver na prática é observar o erro de validação durante o treinamento com uma taxa de aprendizado fixa e reduzir a taxa de aprendizado em uma constante (por exemplo, 0,5) sempre que o erro de validação parar de decrescer.</a:t>
+            </a:r>
+          </a:p>
+          <a:p>
+            <a:pPr marL="171450" indent="-171450">
+              <a:buFont typeface="Arial" panose="020B0604020202020204" pitchFamily="34" charset="0"/>
+              <a:buChar char="•"/>
+            </a:pPr>
+            <a:r>
+              <a:rPr lang="pt-BR" b="1" dirty="0"/>
+              <a:t>Decaimento exponencial</a:t>
+            </a:r>
+            <a:r>
+              <a:rPr lang="pt-BR" dirty="0"/>
+              <a:t>: tem a forma matemática α = α0 e^(-kt), onde α0, k são hiperparâmetros e t é o número da iteração (mas você também pode usar o número de épocas).</a:t>
+            </a:r>
+          </a:p>
+          <a:p>
+            <a:pPr marL="171450" indent="-171450">
+              <a:buFont typeface="Arial" panose="020B0604020202020204" pitchFamily="34" charset="0"/>
+              <a:buChar char="•"/>
+            </a:pPr>
+            <a:r>
+              <a:rPr lang="pt-BR" b="1" dirty="0"/>
+              <a:t>Decaimento temporal</a:t>
+            </a:r>
+            <a:r>
+              <a:rPr lang="pt-BR" dirty="0"/>
+              <a:t>: tem a forma matemática α = α0 / (1 + kt), onde a0, k são hiperparâmetros e t é o número da iteração.</a:t>
+            </a:r>
+          </a:p>
+          <a:p>
+            <a:pPr marL="171450" indent="-171450">
+              <a:buFont typeface="Arial" panose="020B0604020202020204" pitchFamily="34" charset="0"/>
+              <a:buChar char="•"/>
+            </a:pPr>
+            <a:endParaRPr lang="pt-BR" dirty="0"/>
+          </a:p>
+          <a:p>
+            <a:pPr marL="0" indent="0">
+              <a:buFont typeface="Arial" panose="020B0604020202020204" pitchFamily="34" charset="0"/>
+              <a:buNone/>
+            </a:pPr>
+            <a:r>
+              <a:rPr lang="pt-BR" b="1" dirty="0"/>
+              <a:t>Modificação Adaptativa:</a:t>
+            </a:r>
+          </a:p>
+          <a:p>
+            <a:pPr marL="0" indent="0">
+              <a:buFont typeface="Arial" panose="020B0604020202020204" pitchFamily="34" charset="0"/>
+              <a:buNone/>
+            </a:pPr>
+            <a:r>
+              <a:rPr lang="pt-BR" dirty="0"/>
+              <a:t>As abordagens anteriores manipulam a taxa de aprendizado global e igualmente para todos os parâmetros. Ajustar a taxa de aprendizado é um processo caro, muito trabalho foi desenvolvido para a criação de métodos que possam ajustar adaptativamente as taxas de aprendizado, e até fazê-lo por parâmetro. Muitos desses métodos ainda podem exigir outras configurações de hiperparâmetro, mas o argumento é que eles são bem-comportados para uma faixa mais ampla de valores de hiperparâmetro do que o ajuste do passo de aprendizado. </a:t>
+            </a:r>
+          </a:p>
+          <a:p>
+            <a:pPr marL="171450" indent="-171450">
+              <a:buFont typeface="Arial" panose="020B0604020202020204" pitchFamily="34" charset="0"/>
+              <a:buChar char="•"/>
+            </a:pPr>
+            <a:endParaRPr lang="pt-BR" dirty="0"/>
+          </a:p>
+          <a:p>
+            <a:r>
+              <a:rPr lang="nl-BE" b="1" u="none" dirty="0"/>
+              <a:t>Referências:</a:t>
+            </a:r>
+          </a:p>
+          <a:p>
+            <a:r>
+              <a:rPr lang="nl-BE" u="sng" dirty="0"/>
+              <a:t>[1] https://machinelearningmastery.com/learning-rate-for-deep-learning-neural-networks/</a:t>
+            </a:r>
+          </a:p>
+          <a:p>
+            <a:endParaRPr lang="pt-BR" dirty="0"/>
+          </a:p>
+        </p:txBody>
+      </p:sp>
+      <p:sp>
+        <p:nvSpPr>
+          <p:cNvPr id="4" name="Slide Number Placeholder 3"/>
+          <p:cNvSpPr>
+            <a:spLocks noGrp="1"/>
+          </p:cNvSpPr>
+          <p:nvPr>
+            <p:ph type="sldNum" sz="quarter" idx="10"/>
+          </p:nvPr>
+        </p:nvSpPr>
+        <p:spPr/>
+        <p:txBody>
+          <a:bodyPr/>
+          <a:lstStyle/>
+          <a:p>
+            <a:fld id="{DA8B99DF-01BC-492A-8CEF-4FD88D18DD9D}" type="slidenum">
+              <a:rPr lang="nl-BE" smtClean="0"/>
+              <a:t>14</a:t>
+            </a:fld>
+            <a:endParaRPr lang="nl-BE"/>
+          </a:p>
+        </p:txBody>
+      </p:sp>
+    </p:spTree>
+    <p:extLst>
+      <p:ext uri="{BB962C8B-B14F-4D97-AF65-F5344CB8AC3E}">
+        <p14:creationId xmlns:p14="http://schemas.microsoft.com/office/powerpoint/2010/main" val="2261858195"/>
       </p:ext>
     </p:extLst>
   </p:cSld>
@@ -6427,7 +6258,7 @@
           <a:p>
             <a:r>
               <a:rPr lang="pt-BR" dirty="0"/>
-              <a:t>Passo de aprendizado grande</a:t>
+              <a:t>Passo de aprendizado ideal</a:t>
             </a:r>
           </a:p>
         </p:txBody>
@@ -6452,8 +6283,8 @@
             </p:nvSpPr>
             <p:spPr>
               <a:xfrm>
-                <a:off x="6400800" y="1825625"/>
-                <a:ext cx="4953000" cy="4351338"/>
+                <a:off x="838201" y="1825624"/>
+                <a:ext cx="11179628" cy="5032375"/>
               </a:xfrm>
             </p:spPr>
             <p:txBody>
@@ -6462,29 +6293,122 @@
               <a:p>
                 <a:r>
                   <a:rPr lang="pt-BR" dirty="0"/>
-                  <a:t>Em outros casos, quado </a:t>
+                  <a:t>Portanto, o valor do passo de aprendizagem deve ser </a:t>
+                </a:r>
+                <a:r>
+                  <a:rPr lang="pt-BR" b="1" i="1" dirty="0">
+                    <a:solidFill>
+                      <a:srgbClr val="00B050"/>
+                    </a:solidFill>
+                  </a:rPr>
+                  <a:t>explorado</a:t>
+                </a:r>
+                <a:r>
+                  <a:rPr lang="pt-BR" dirty="0"/>
+                  <a:t> para se encontrar um </a:t>
+                </a:r>
+                <a:r>
+                  <a:rPr lang="pt-BR" b="1" i="1" dirty="0">
+                    <a:solidFill>
+                      <a:srgbClr val="00B050"/>
+                    </a:solidFill>
+                  </a:rPr>
+                  <a:t>valor ideal </a:t>
+                </a:r>
+                <a:r>
+                  <a:rPr lang="pt-BR" dirty="0"/>
+                  <a:t>que </a:t>
+                </a:r>
+                <a:r>
+                  <a:rPr lang="pt-BR" b="1" i="1" dirty="0">
+                    <a:solidFill>
+                      <a:srgbClr val="00B050"/>
+                    </a:solidFill>
+                  </a:rPr>
+                  <a:t>acelere a convergência </a:t>
+                </a:r>
+                <a:r>
+                  <a:rPr lang="pt-BR" dirty="0"/>
+                  <a:t>de forma </a:t>
+                </a:r>
+                <a:r>
+                  <a:rPr lang="pt-BR" b="1" i="1" dirty="0">
+                    <a:solidFill>
+                      <a:srgbClr val="00B050"/>
+                    </a:solidFill>
+                  </a:rPr>
+                  <a:t>estável</a:t>
+                </a:r>
+                <a:r>
+                  <a:rPr lang="pt-BR" dirty="0"/>
+                  <a:t>, ou seja, sem oscilações.</a:t>
+                </a:r>
+              </a:p>
+              <a:p>
+                <a:r>
+                  <a:rPr lang="pt-BR" dirty="0"/>
+                  <a:t>O exemplo abaixo, com </a:t>
                 </a:r>
                 <a14:m>
                   <m:oMath xmlns:m="http://schemas.openxmlformats.org/officeDocument/2006/math">
                     <m:r>
-                      <a:rPr lang="pt-BR" i="1">
+                      <a:rPr lang="pt-BR" i="1" smtClean="0">
                         <a:latin typeface="Cambria Math" panose="02040503050406030204" pitchFamily="18" charset="0"/>
                         <a:ea typeface="Cambria Math" panose="02040503050406030204" pitchFamily="18" charset="0"/>
                       </a:rPr>
                       <m:t>𝛼</m:t>
                     </m:r>
                     <m:r>
-                      <a:rPr lang="pt-BR" i="1">
+                      <a:rPr lang="pt-BR" i="1" smtClean="0">
                         <a:latin typeface="Cambria Math" panose="02040503050406030204" pitchFamily="18" charset="0"/>
                         <a:ea typeface="Cambria Math" panose="02040503050406030204" pitchFamily="18" charset="0"/>
                       </a:rPr>
-                      <m:t> </m:t>
+                      <m:t>=</m:t>
                     </m:r>
+                    <m:sSup>
+                      <m:sSupPr>
+                        <m:ctrlPr>
+                          <a:rPr lang="pt-BR" b="0" i="1" smtClean="0">
+                            <a:latin typeface="Cambria Math" panose="02040503050406030204" pitchFamily="18" charset="0"/>
+                          </a:rPr>
+                        </m:ctrlPr>
+                      </m:sSupPr>
+                      <m:e>
+                        <m:r>
+                          <a:rPr lang="pt-BR" b="0" i="1" smtClean="0">
+                            <a:latin typeface="Cambria Math" panose="02040503050406030204" pitchFamily="18" charset="0"/>
+                          </a:rPr>
+                          <m:t>10</m:t>
+                        </m:r>
+                      </m:e>
+                      <m:sup>
+                        <m:r>
+                          <a:rPr lang="pt-BR" b="0" i="1" smtClean="0">
+                            <a:latin typeface="Cambria Math" panose="02040503050406030204" pitchFamily="18" charset="0"/>
+                          </a:rPr>
+                          <m:t>−</m:t>
+                        </m:r>
+                        <m:r>
+                          <a:rPr lang="pt-BR" b="0" i="1" smtClean="0">
+                            <a:latin typeface="Cambria Math" panose="02040503050406030204" pitchFamily="18" charset="0"/>
+                          </a:rPr>
+                          <m:t>4</m:t>
+                        </m:r>
+                      </m:sup>
+                    </m:sSup>
                   </m:oMath>
                 </a14:m>
                 <a:r>
                   <a:rPr lang="pt-BR" dirty="0"/>
-                  <a:t>é muito grande, a cada iteração o algoritmo “pula” para um valor mais alto que antes, e assim, divergindo.</a:t>
+                  <a:t>, o algoritmo converge de forma estável para o </a:t>
+                </a:r>
+                <a:r>
+                  <a:rPr lang="pt-BR" b="1" i="1" dirty="0"/>
+                  <a:t>mínimo global </a:t>
+                </a:r>
+                <a:r>
+                  <a:rPr lang="pt-BR" dirty="0"/>
+                  <a:t>em apenas 3 épocas.</a:t>
                 </a:r>
               </a:p>
             </p:txBody>
@@ -6509,13 +6433,13 @@
             </p:nvSpPr>
             <p:spPr>
               <a:xfrm>
-                <a:off x="6400800" y="1825625"/>
-                <a:ext cx="4953000" cy="4351338"/>
+                <a:off x="838201" y="1825624"/>
+                <a:ext cx="11179628" cy="5032375"/>
               </a:xfrm>
               <a:blipFill>
                 <a:blip r:embed="rId3"/>
                 <a:stretch>
-                  <a:fillRect l="-2214" t="-2241"/>
+                  <a:fillRect l="-982" t="-1937" r="-1691"/>
                 </a:stretch>
               </a:blipFill>
             </p:spPr>
@@ -6536,296 +6460,6 @@
       </mc:AlternateContent>
       <p:pic>
         <p:nvPicPr>
-          <p:cNvPr id="4" name="Picture 4">
-            <a:extLst>
-              <a:ext uri="{FF2B5EF4-FFF2-40B4-BE49-F238E27FC236}">
-                <a16:creationId xmlns:a16="http://schemas.microsoft.com/office/drawing/2014/main" id="{5A818B0E-3846-85AC-CA3B-8E7732D8537B}"/>
-              </a:ext>
-            </a:extLst>
-          </p:cNvPr>
-          <p:cNvPicPr>
-            <a:picLocks noChangeAspect="1"/>
-          </p:cNvPicPr>
-          <p:nvPr/>
-        </p:nvPicPr>
-        <p:blipFill rotWithShape="1">
-          <a:blip r:embed="rId4">
-            <a:extLst>
-              <a:ext uri="{28A0092B-C50C-407E-A947-70E740481C1C}">
-                <a14:useLocalDpi xmlns:a14="http://schemas.microsoft.com/office/drawing/2010/main" val="0"/>
-              </a:ext>
-            </a:extLst>
-          </a:blip>
-          <a:srcRect t="48053" r="2828" b="2316"/>
-          <a:stretch/>
-        </p:blipFill>
-        <p:spPr>
-          <a:xfrm>
-            <a:off x="1583780" y="2451844"/>
-            <a:ext cx="3548545" cy="2311685"/>
-          </a:xfrm>
-          <a:prstGeom prst="rect">
-            <a:avLst/>
-          </a:prstGeom>
-        </p:spPr>
-      </p:pic>
-      <mc:AlternateContent xmlns:mc="http://schemas.openxmlformats.org/markup-compatibility/2006">
-        <mc:Choice xmlns:a14="http://schemas.microsoft.com/office/drawing/2010/main" Requires="a14">
-          <p:sp>
-            <p:nvSpPr>
-              <p:cNvPr id="5" name="Rectangle 5">
-                <a:extLst>
-                  <a:ext uri="{FF2B5EF4-FFF2-40B4-BE49-F238E27FC236}">
-                    <a16:creationId xmlns:a16="http://schemas.microsoft.com/office/drawing/2014/main" id="{85F634B8-E175-3AAC-9CEE-E3119B65ED10}"/>
-                  </a:ext>
-                </a:extLst>
-              </p:cNvPr>
-              <p:cNvSpPr/>
-              <p:nvPr/>
-            </p:nvSpPr>
-            <p:spPr>
-              <a:xfrm>
-                <a:off x="2652927" y="2310328"/>
-                <a:ext cx="2218788" cy="523220"/>
-              </a:xfrm>
-              <a:prstGeom prst="rect">
-                <a:avLst/>
-              </a:prstGeom>
-            </p:spPr>
-            <p:txBody>
-              <a:bodyPr wrap="square">
-                <a:spAutoFit/>
-              </a:bodyPr>
-              <a:lstStyle/>
-              <a:p>
-                <a:pPr algn="ctr"/>
-                <a:r>
-                  <a:rPr lang="pt-BR" sz="1400" dirty="0"/>
-                  <a:t>feedback positivo</a:t>
-                </a:r>
-                <a14:m>
-                  <m:oMath xmlns:m="http://schemas.openxmlformats.org/officeDocument/2006/math">
-                    <m:r>
-                      <a:rPr lang="pt-BR" sz="1400" i="1" smtClean="0">
-                        <a:latin typeface="Cambria Math" panose="02040503050406030204" pitchFamily="18" charset="0"/>
-                        <a:ea typeface="Cambria Math" panose="02040503050406030204" pitchFamily="18" charset="0"/>
-                      </a:rPr>
-                      <m:t>→</m:t>
-                    </m:r>
-                  </m:oMath>
-                </a14:m>
-                <a:r>
-                  <a:rPr lang="pt-BR" sz="1400" dirty="0"/>
-                  <a:t>estouro da precisão numérica.</a:t>
-                </a:r>
-              </a:p>
-            </p:txBody>
-          </p:sp>
-        </mc:Choice>
-        <mc:Fallback>
-          <p:sp>
-            <p:nvSpPr>
-              <p:cNvPr id="5" name="Rectangle 5">
-                <a:extLst>
-                  <a:ext uri="{FF2B5EF4-FFF2-40B4-BE49-F238E27FC236}">
-                    <a16:creationId xmlns:a16="http://schemas.microsoft.com/office/drawing/2014/main" id="{85F634B8-E175-3AAC-9CEE-E3119B65ED10}"/>
-                  </a:ext>
-                </a:extLst>
-              </p:cNvPr>
-              <p:cNvSpPr>
-                <a:spLocks noRot="1" noChangeAspect="1" noMove="1" noResize="1" noEditPoints="1" noAdjustHandles="1" noChangeArrowheads="1" noChangeShapeType="1" noTextEdit="1"/>
-              </p:cNvSpPr>
-              <p:nvPr/>
-            </p:nvSpPr>
-            <p:spPr>
-              <a:xfrm>
-                <a:off x="2652927" y="2310328"/>
-                <a:ext cx="2218788" cy="523220"/>
-              </a:xfrm>
-              <a:prstGeom prst="rect">
-                <a:avLst/>
-              </a:prstGeom>
-              <a:blipFill>
-                <a:blip r:embed="rId5"/>
-                <a:stretch>
-                  <a:fillRect t="-2326" r="-1374" b="-10465"/>
-                </a:stretch>
-              </a:blipFill>
-            </p:spPr>
-            <p:txBody>
-              <a:bodyPr/>
-              <a:lstStyle/>
-              <a:p>
-                <a:r>
-                  <a:rPr lang="pt-BR">
-                    <a:noFill/>
-                  </a:rPr>
-                  <a:t> </a:t>
-                </a:r>
-              </a:p>
-            </p:txBody>
-          </p:sp>
-        </mc:Fallback>
-      </mc:AlternateContent>
-    </p:spTree>
-    <p:extLst>
-      <p:ext uri="{BB962C8B-B14F-4D97-AF65-F5344CB8AC3E}">
-        <p14:creationId xmlns:p14="http://schemas.microsoft.com/office/powerpoint/2010/main" val="213373256"/>
-      </p:ext>
-    </p:extLst>
-  </p:cSld>
-  <p:clrMapOvr>
-    <a:masterClrMapping/>
-  </p:clrMapOvr>
-</p:sld>
-</file>
-
-<file path=ppt/slides/slide11.xml><?xml version="1.0" encoding="utf-8"?>
-<p:sld xmlns:a="http://schemas.openxmlformats.org/drawingml/2006/main" xmlns:r="http://schemas.openxmlformats.org/officeDocument/2006/relationships" xmlns:p="http://schemas.openxmlformats.org/presentationml/2006/main">
-  <p:cSld>
-    <p:spTree>
-      <p:nvGrpSpPr>
-        <p:cNvPr id="1" name=""/>
-        <p:cNvGrpSpPr/>
-        <p:nvPr/>
-      </p:nvGrpSpPr>
-      <p:grpSpPr>
-        <a:xfrm>
-          <a:off x="0" y="0"/>
-          <a:ext cx="0" cy="0"/>
-          <a:chOff x="0" y="0"/>
-          <a:chExt cx="0" cy="0"/>
-        </a:xfrm>
-      </p:grpSpPr>
-      <p:sp>
-        <p:nvSpPr>
-          <p:cNvPr id="2" name="Título 1">
-            <a:extLst>
-              <a:ext uri="{FF2B5EF4-FFF2-40B4-BE49-F238E27FC236}">
-                <a16:creationId xmlns:a16="http://schemas.microsoft.com/office/drawing/2014/main" id="{4A86A124-E47D-3417-36BC-8BEE00BC4668}"/>
-              </a:ext>
-            </a:extLst>
-          </p:cNvPr>
-          <p:cNvSpPr>
-            <a:spLocks noGrp="1"/>
-          </p:cNvSpPr>
-          <p:nvPr>
-            <p:ph type="title"/>
-          </p:nvPr>
-        </p:nvSpPr>
-        <p:spPr/>
-        <p:txBody>
-          <a:bodyPr/>
-          <a:lstStyle/>
-          <a:p>
-            <a:r>
-              <a:rPr lang="pt-BR" dirty="0"/>
-              <a:t>Passo de aprendizado ideal</a:t>
-            </a:r>
-          </a:p>
-        </p:txBody>
-      </p:sp>
-      <p:sp>
-        <p:nvSpPr>
-          <p:cNvPr id="3" name="Espaço Reservado para Conteúdo 2">
-            <a:extLst>
-              <a:ext uri="{FF2B5EF4-FFF2-40B4-BE49-F238E27FC236}">
-                <a16:creationId xmlns:a16="http://schemas.microsoft.com/office/drawing/2014/main" id="{AD6B1EE1-E6EE-4E0B-FB14-A459C7084856}"/>
-              </a:ext>
-            </a:extLst>
-          </p:cNvPr>
-          <p:cNvSpPr>
-            <a:spLocks noGrp="1"/>
-          </p:cNvSpPr>
-          <p:nvPr>
-            <p:ph idx="1"/>
-          </p:nvPr>
-        </p:nvSpPr>
-        <p:spPr>
-          <a:xfrm>
-            <a:off x="838201" y="1825624"/>
-            <a:ext cx="11179628" cy="5032375"/>
-          </a:xfrm>
-        </p:spPr>
-        <p:txBody>
-          <a:bodyPr/>
-          <a:lstStyle/>
-          <a:p>
-            <a:r>
-              <a:rPr lang="pt-BR" dirty="0"/>
-              <a:t>Portanto, o valor do </a:t>
-            </a:r>
-            <a:r>
-              <a:rPr lang="pt-BR" b="1" i="1" dirty="0"/>
-              <a:t>passo de aprendizagem </a:t>
-            </a:r>
-            <a:r>
-              <a:rPr lang="pt-BR" dirty="0"/>
-              <a:t>deve ser </a:t>
-            </a:r>
-            <a:r>
-              <a:rPr lang="pt-BR" b="1" i="1" dirty="0"/>
-              <a:t>explorado</a:t>
-            </a:r>
-            <a:r>
-              <a:rPr lang="pt-BR" dirty="0"/>
-              <a:t> para se encontrar um </a:t>
-            </a:r>
-            <a:r>
-              <a:rPr lang="pt-BR" b="1" i="1" dirty="0"/>
-              <a:t>valor ideal </a:t>
-            </a:r>
-            <a:r>
-              <a:rPr lang="pt-BR" dirty="0"/>
-              <a:t>que </a:t>
-            </a:r>
-            <a:r>
-              <a:rPr lang="pt-BR" b="1" i="1" dirty="0">
-                <a:solidFill>
-                  <a:srgbClr val="00B050"/>
-                </a:solidFill>
-              </a:rPr>
-              <a:t>acelere</a:t>
-            </a:r>
-            <a:r>
-              <a:rPr lang="pt-BR" dirty="0"/>
-              <a:t> a </a:t>
-            </a:r>
-            <a:r>
-              <a:rPr lang="pt-BR" b="1" i="1" dirty="0"/>
-              <a:t>descida do gradiente </a:t>
-            </a:r>
-            <a:r>
-              <a:rPr lang="pt-BR" dirty="0"/>
-              <a:t>de forma </a:t>
-            </a:r>
-            <a:r>
-              <a:rPr lang="pt-BR" b="1" i="1" dirty="0"/>
-              <a:t>estável</a:t>
-            </a:r>
-            <a:r>
-              <a:rPr lang="pt-BR" dirty="0"/>
-              <a:t> (ou seja, acelere a convergência).</a:t>
-            </a:r>
-          </a:p>
-          <a:p>
-            <a:r>
-              <a:rPr lang="pt-BR" dirty="0"/>
-              <a:t>O exemplo ao lado, converge para o </a:t>
-            </a:r>
-            <a:r>
-              <a:rPr lang="pt-BR" b="1" i="1" dirty="0"/>
-              <a:t>mínimo global </a:t>
-            </a:r>
-            <a:r>
-              <a:rPr lang="pt-BR" dirty="0"/>
-              <a:t>em apenas 2 iterações.</a:t>
-            </a:r>
-          </a:p>
-        </p:txBody>
-      </p:sp>
-      <p:pic>
-        <p:nvPicPr>
           <p:cNvPr id="6" name="Picture 7">
             <a:extLst>
               <a:ext uri="{FF2B5EF4-FFF2-40B4-BE49-F238E27FC236}">
@@ -6839,7 +6473,7 @@
           <p:nvPr/>
         </p:nvPicPr>
         <p:blipFill rotWithShape="1">
-          <a:blip r:embed="rId3" cstate="print">
+          <a:blip r:embed="rId4" cstate="print">
             <a:extLst>
               <a:ext uri="{28A0092B-C50C-407E-A947-70E740481C1C}">
                 <a14:useLocalDpi xmlns:a14="http://schemas.microsoft.com/office/drawing/2010/main" val="0"/>
@@ -6874,7 +6508,7 @@
           <p:nvPr/>
         </p:nvPicPr>
         <p:blipFill rotWithShape="1">
-          <a:blip r:embed="rId4" cstate="print">
+          <a:blip r:embed="rId5" cstate="print">
             <a:extLst>
               <a:ext uri="{28A0092B-C50C-407E-A947-70E740481C1C}">
                 <a14:useLocalDpi xmlns:a14="http://schemas.microsoft.com/office/drawing/2010/main" val="0"/>
@@ -6886,43 +6520,8 @@
         </p:blipFill>
         <p:spPr>
           <a:xfrm>
-            <a:off x="4675645" y="4473508"/>
+            <a:off x="5371384" y="4473509"/>
             <a:ext cx="2532017" cy="2183104"/>
-          </a:xfrm>
-          <a:prstGeom prst="rect">
-            <a:avLst/>
-          </a:prstGeom>
-        </p:spPr>
-      </p:pic>
-      <p:pic>
-        <p:nvPicPr>
-          <p:cNvPr id="8" name="Picture 8">
-            <a:extLst>
-              <a:ext uri="{FF2B5EF4-FFF2-40B4-BE49-F238E27FC236}">
-                <a16:creationId xmlns:a16="http://schemas.microsoft.com/office/drawing/2014/main" id="{E1297CD3-E9C0-D6C5-B101-244C00D2CDC2}"/>
-              </a:ext>
-            </a:extLst>
-          </p:cNvPr>
-          <p:cNvPicPr>
-            <a:picLocks noChangeAspect="1"/>
-          </p:cNvPicPr>
-          <p:nvPr/>
-        </p:nvPicPr>
-        <p:blipFill rotWithShape="1">
-          <a:blip r:embed="rId5" cstate="print">
-            <a:extLst>
-              <a:ext uri="{28A0092B-C50C-407E-A947-70E740481C1C}">
-                <a14:useLocalDpi xmlns:a14="http://schemas.microsoft.com/office/drawing/2010/main" val="0"/>
-              </a:ext>
-            </a:extLst>
-          </a:blip>
-          <a:srcRect t="6985" r="6334" b="2682"/>
-          <a:stretch/>
-        </p:blipFill>
-        <p:spPr>
-          <a:xfrm>
-            <a:off x="9213294" y="4469480"/>
-            <a:ext cx="2636627" cy="2187131"/>
           </a:xfrm>
           <a:prstGeom prst="rect">
             <a:avLst/>
@@ -6946,7 +6545,7 @@
         </p:nvCxnSpPr>
         <p:spPr>
           <a:xfrm flipV="1">
-            <a:off x="4675644" y="6492875"/>
+            <a:off x="5371383" y="6492876"/>
             <a:ext cx="231207" cy="72737"/>
           </a:xfrm>
           <a:prstGeom prst="straightConnector1">
@@ -6990,7 +6589,7 @@
             </p:nvSpPr>
             <p:spPr>
               <a:xfrm>
-                <a:off x="4005329" y="6273224"/>
+                <a:off x="4701068" y="6273225"/>
                 <a:ext cx="670315" cy="584775"/>
               </a:xfrm>
               <a:prstGeom prst="rect">
@@ -7040,7 +6639,7 @@
             </p:nvSpPr>
             <p:spPr>
               <a:xfrm>
-                <a:off x="4005329" y="6273224"/>
+                <a:off x="4701068" y="6273225"/>
                 <a:ext cx="670315" cy="584775"/>
               </a:xfrm>
               <a:prstGeom prst="rect">
@@ -7068,6 +6667,51 @@
           </p:sp>
         </mc:Fallback>
       </mc:AlternateContent>
+      <p:pic>
+        <p:nvPicPr>
+          <p:cNvPr id="3074" name="Picture 2">
+            <a:extLst>
+              <a:ext uri="{FF2B5EF4-FFF2-40B4-BE49-F238E27FC236}">
+                <a16:creationId xmlns:a16="http://schemas.microsoft.com/office/drawing/2014/main" id="{D97E89BE-830C-9FF1-89B2-40ABC6CE0F0D}"/>
+              </a:ext>
+            </a:extLst>
+          </p:cNvPr>
+          <p:cNvPicPr>
+            <a:picLocks noChangeAspect="1" noChangeArrowheads="1"/>
+          </p:cNvPicPr>
+          <p:nvPr/>
+        </p:nvPicPr>
+        <p:blipFill rotWithShape="1">
+          <a:blip r:embed="rId7">
+            <a:extLst>
+              <a:ext uri="{28A0092B-C50C-407E-A947-70E740481C1C}">
+                <a14:useLocalDpi xmlns:a14="http://schemas.microsoft.com/office/drawing/2010/main" val="0"/>
+              </a:ext>
+            </a:extLst>
+          </a:blip>
+          <a:srcRect l="49356"/>
+          <a:stretch/>
+        </p:blipFill>
+        <p:spPr bwMode="auto">
+          <a:xfrm>
+            <a:off x="9679905" y="4469480"/>
+            <a:ext cx="2022177" cy="2187131"/>
+          </a:xfrm>
+          <a:prstGeom prst="rect">
+            <a:avLst/>
+          </a:prstGeom>
+          <a:noFill/>
+          <a:extLst>
+            <a:ext uri="{909E8E84-426E-40DD-AFC4-6F175D3DCCD1}">
+              <a14:hiddenFill xmlns:a14="http://schemas.microsoft.com/office/drawing/2010/main">
+                <a:solidFill>
+                  <a:srgbClr val="FFFFFF"/>
+                </a:solidFill>
+              </a14:hiddenFill>
+            </a:ext>
+          </a:extLst>
+        </p:spPr>
+      </p:pic>
     </p:spTree>
     <p:extLst>
       <p:ext uri="{BB962C8B-B14F-4D97-AF65-F5344CB8AC3E}">
@@ -7081,7 +6725,7 @@
 </p:sld>
 </file>
 
-<file path=ppt/slides/slide12.xml><?xml version="1.0" encoding="utf-8"?>
+<file path=ppt/slides/slide11.xml><?xml version="1.0" encoding="utf-8"?>
 <p:sld xmlns:a="http://schemas.openxmlformats.org/drawingml/2006/main" xmlns:r="http://schemas.openxmlformats.org/officeDocument/2006/relationships" xmlns:p="http://schemas.openxmlformats.org/presentationml/2006/main">
   <p:cSld>
     <p:spTree>
@@ -7161,2042 +6805,7 @@
 </p:sld>
 </file>
 
-<file path=ppt/slides/slide13.xml><?xml version="1.0" encoding="utf-8"?>
-<p:sld xmlns:a="http://schemas.openxmlformats.org/drawingml/2006/main" xmlns:r="http://schemas.openxmlformats.org/officeDocument/2006/relationships" xmlns:p="http://schemas.openxmlformats.org/presentationml/2006/main">
-  <p:cSld>
-    <p:spTree>
-      <p:nvGrpSpPr>
-        <p:cNvPr id="1" name=""/>
-        <p:cNvGrpSpPr/>
-        <p:nvPr/>
-      </p:nvGrpSpPr>
-      <p:grpSpPr>
-        <a:xfrm>
-          <a:off x="0" y="0"/>
-          <a:ext cx="0" cy="0"/>
-          <a:chOff x="0" y="0"/>
-          <a:chExt cx="0" cy="0"/>
-        </a:xfrm>
-      </p:grpSpPr>
-      <p:sp>
-        <p:nvSpPr>
-          <p:cNvPr id="2" name="Title 1"/>
-          <p:cNvSpPr>
-            <a:spLocks noGrp="1"/>
-          </p:cNvSpPr>
-          <p:nvPr>
-            <p:ph type="title"/>
-          </p:nvPr>
-        </p:nvSpPr>
-        <p:spPr>
-          <a:xfrm>
-            <a:off x="838200" y="112895"/>
-            <a:ext cx="10515600" cy="1325563"/>
-          </a:xfrm>
-        </p:spPr>
-        <p:txBody>
-          <a:bodyPr/>
-          <a:lstStyle/>
-          <a:p>
-            <a:r>
-              <a:rPr lang="en-US" dirty="0" err="1"/>
-              <a:t>Escolha</a:t>
-            </a:r>
-            <a:r>
-              <a:rPr lang="en-US" dirty="0"/>
-              <a:t> do </a:t>
-            </a:r>
-            <a:r>
-              <a:rPr lang="en-US" dirty="0" err="1"/>
-              <a:t>Passo</a:t>
-            </a:r>
-            <a:r>
-              <a:rPr lang="en-US" dirty="0"/>
-              <a:t> de </a:t>
-            </a:r>
-            <a:r>
-              <a:rPr lang="en-US" dirty="0" err="1"/>
-              <a:t>Aprendizagem</a:t>
-            </a:r>
-            <a:endParaRPr lang="nl-BE" dirty="0"/>
-          </a:p>
-        </p:txBody>
-      </p:sp>
-      <mc:AlternateContent xmlns:mc="http://schemas.openxmlformats.org/markup-compatibility/2006" xmlns:a14="http://schemas.microsoft.com/office/drawing/2010/main">
-        <mc:Choice Requires="a14">
-          <p:sp>
-            <p:nvSpPr>
-              <p:cNvPr id="3" name="Content Placeholder 2"/>
-              <p:cNvSpPr>
-                <a:spLocks noGrp="1"/>
-              </p:cNvSpPr>
-              <p:nvPr>
-                <p:ph idx="1"/>
-              </p:nvPr>
-            </p:nvSpPr>
-            <p:spPr>
-              <a:xfrm>
-                <a:off x="838200" y="1554208"/>
-                <a:ext cx="11102788" cy="2337551"/>
-              </a:xfrm>
-            </p:spPr>
-            <p:txBody>
-              <a:bodyPr>
-                <a:normAutofit fontScale="92500" lnSpcReduction="20000"/>
-              </a:bodyPr>
-              <a:lstStyle/>
-              <a:p>
-                <a:r>
-                  <a:rPr lang="pt-BR" dirty="0"/>
-                  <a:t>Caso o </a:t>
-                </a:r>
-                <a:r>
-                  <a:rPr lang="pt-BR" b="1" i="1" dirty="0"/>
-                  <a:t>passo de  aprendizagem </a:t>
-                </a:r>
-                <a:r>
-                  <a:rPr lang="pt-BR" dirty="0"/>
-                  <a:t>seja muito grande, o algoritmo pode nunca convergir.</a:t>
-                </a:r>
-              </a:p>
-              <a:p>
-                <a:r>
-                  <a:rPr lang="pt-BR" dirty="0"/>
-                  <a:t>Se </a:t>
-                </a:r>
-                <a14:m>
-                  <m:oMath xmlns:m="http://schemas.openxmlformats.org/officeDocument/2006/math">
-                    <m:r>
-                      <a:rPr lang="pt-BR" i="1">
-                        <a:latin typeface="Cambria Math" panose="02040503050406030204" pitchFamily="18" charset="0"/>
-                        <a:ea typeface="Cambria Math" panose="02040503050406030204" pitchFamily="18" charset="0"/>
-                      </a:rPr>
-                      <m:t>𝛼</m:t>
-                    </m:r>
-                    <m:r>
-                      <a:rPr lang="pt-BR" i="1">
-                        <a:latin typeface="Cambria Math" panose="02040503050406030204" pitchFamily="18" charset="0"/>
-                        <a:ea typeface="Cambria Math" panose="02040503050406030204" pitchFamily="18" charset="0"/>
-                      </a:rPr>
-                      <m:t> </m:t>
-                    </m:r>
-                  </m:oMath>
-                </a14:m>
-                <a:r>
-                  <a:rPr lang="pt-BR" dirty="0"/>
-                  <a:t>for grande, mas não tão grande assim, o algoritmo fica “pulando” ou “oscilando” de um lado para o outro da superfície de erro até que ele converge, por sorte (veja exemplo #1).</a:t>
-                </a:r>
-              </a:p>
-              <a:p>
-                <a:r>
-                  <a:rPr lang="pt-BR" dirty="0"/>
-                  <a:t>Em outros casos, quado </a:t>
-                </a:r>
-                <a14:m>
-                  <m:oMath xmlns:m="http://schemas.openxmlformats.org/officeDocument/2006/math">
-                    <m:r>
-                      <a:rPr lang="pt-BR" i="1">
-                        <a:latin typeface="Cambria Math" panose="02040503050406030204" pitchFamily="18" charset="0"/>
-                        <a:ea typeface="Cambria Math" panose="02040503050406030204" pitchFamily="18" charset="0"/>
-                      </a:rPr>
-                      <m:t>𝛼</m:t>
-                    </m:r>
-                    <m:r>
-                      <a:rPr lang="pt-BR" i="1">
-                        <a:latin typeface="Cambria Math" panose="02040503050406030204" pitchFamily="18" charset="0"/>
-                        <a:ea typeface="Cambria Math" panose="02040503050406030204" pitchFamily="18" charset="0"/>
-                      </a:rPr>
-                      <m:t> </m:t>
-                    </m:r>
-                  </m:oMath>
-                </a14:m>
-                <a:r>
-                  <a:rPr lang="pt-BR" dirty="0"/>
-                  <a:t>é muito grande, a cada iteração o algoritmo “pula” para um valor mais alto que antes, e assim, divergindo (veja exemplo #2).</a:t>
-                </a:r>
-              </a:p>
-            </p:txBody>
-          </p:sp>
-        </mc:Choice>
-        <mc:Fallback xmlns="">
-          <p:sp>
-            <p:nvSpPr>
-              <p:cNvPr id="3" name="Content Placeholder 2"/>
-              <p:cNvSpPr>
-                <a:spLocks noGrp="1" noRot="1" noChangeAspect="1" noMove="1" noResize="1" noEditPoints="1" noAdjustHandles="1" noChangeArrowheads="1" noChangeShapeType="1" noTextEdit="1"/>
-              </p:cNvSpPr>
-              <p:nvPr>
-                <p:ph idx="1"/>
-              </p:nvPr>
-            </p:nvSpPr>
-            <p:spPr>
-              <a:xfrm>
-                <a:off x="838200" y="1554208"/>
-                <a:ext cx="11102788" cy="2337551"/>
-              </a:xfrm>
-              <a:blipFill rotWithShape="0">
-                <a:blip r:embed="rId3"/>
-                <a:stretch>
-                  <a:fillRect l="-879" t="-6527" r="-1208" b="-5483"/>
-                </a:stretch>
-              </a:blipFill>
-            </p:spPr>
-            <p:txBody>
-              <a:bodyPr/>
-              <a:lstStyle/>
-              <a:p>
-                <a:r>
-                  <a:rPr lang="pt-BR">
-                    <a:noFill/>
-                  </a:rPr>
-                  <a:t> </a:t>
-                </a:r>
-              </a:p>
-            </p:txBody>
-          </p:sp>
-        </mc:Fallback>
-      </mc:AlternateContent>
-      <p:pic>
-        <p:nvPicPr>
-          <p:cNvPr id="5" name="Picture 4"/>
-          <p:cNvPicPr>
-            <a:picLocks noChangeAspect="1"/>
-          </p:cNvPicPr>
-          <p:nvPr/>
-        </p:nvPicPr>
-        <p:blipFill rotWithShape="1">
-          <a:blip r:embed="rId4">
-            <a:extLst>
-              <a:ext uri="{28A0092B-C50C-407E-A947-70E740481C1C}">
-                <a14:useLocalDpi xmlns:a14="http://schemas.microsoft.com/office/drawing/2010/main" val="0"/>
-              </a:ext>
-            </a:extLst>
-          </a:blip>
-          <a:srcRect t="48053" r="2828" b="2316"/>
-          <a:stretch/>
-        </p:blipFill>
-        <p:spPr>
-          <a:xfrm>
-            <a:off x="8579666" y="4062929"/>
-            <a:ext cx="3548545" cy="2311685"/>
-          </a:xfrm>
-          <a:prstGeom prst="rect">
-            <a:avLst/>
-          </a:prstGeom>
-        </p:spPr>
-      </p:pic>
-      <p:pic>
-        <p:nvPicPr>
-          <p:cNvPr id="9" name="Picture 8"/>
-          <p:cNvPicPr>
-            <a:picLocks noChangeAspect="1"/>
-          </p:cNvPicPr>
-          <p:nvPr/>
-        </p:nvPicPr>
-        <p:blipFill rotWithShape="1">
-          <a:blip r:embed="rId5" cstate="print">
-            <a:extLst>
-              <a:ext uri="{28A0092B-C50C-407E-A947-70E740481C1C}">
-                <a14:useLocalDpi xmlns:a14="http://schemas.microsoft.com/office/drawing/2010/main" val="0"/>
-              </a:ext>
-            </a:extLst>
-          </a:blip>
-          <a:srcRect l="1394" t="13692" r="22970" b="19399"/>
-          <a:stretch/>
-        </p:blipFill>
-        <p:spPr>
-          <a:xfrm>
-            <a:off x="92637" y="3878723"/>
-            <a:ext cx="3041715" cy="2690748"/>
-          </a:xfrm>
-          <a:prstGeom prst="rect">
-            <a:avLst/>
-          </a:prstGeom>
-        </p:spPr>
-      </p:pic>
-      <p:pic>
-        <p:nvPicPr>
-          <p:cNvPr id="4" name="Picture 3"/>
-          <p:cNvPicPr>
-            <a:picLocks noChangeAspect="1"/>
-          </p:cNvPicPr>
-          <p:nvPr/>
-        </p:nvPicPr>
-        <p:blipFill rotWithShape="1">
-          <a:blip r:embed="rId6" cstate="print">
-            <a:extLst>
-              <a:ext uri="{28A0092B-C50C-407E-A947-70E740481C1C}">
-                <a14:useLocalDpi xmlns:a14="http://schemas.microsoft.com/office/drawing/2010/main" val="0"/>
-              </a:ext>
-            </a:extLst>
-          </a:blip>
-          <a:srcRect t="6940" r="9378" b="2314"/>
-          <a:stretch/>
-        </p:blipFill>
-        <p:spPr>
-          <a:xfrm>
-            <a:off x="3104407" y="3876281"/>
-            <a:ext cx="2691942" cy="2695633"/>
-          </a:xfrm>
-          <a:prstGeom prst="rect">
-            <a:avLst/>
-          </a:prstGeom>
-        </p:spPr>
-      </p:pic>
-      <p:pic>
-        <p:nvPicPr>
-          <p:cNvPr id="10" name="Picture 9"/>
-          <p:cNvPicPr>
-            <a:picLocks noChangeAspect="1"/>
-          </p:cNvPicPr>
-          <p:nvPr/>
-        </p:nvPicPr>
-        <p:blipFill rotWithShape="1">
-          <a:blip r:embed="rId7" cstate="print">
-            <a:extLst>
-              <a:ext uri="{28A0092B-C50C-407E-A947-70E740481C1C}">
-                <a14:useLocalDpi xmlns:a14="http://schemas.microsoft.com/office/drawing/2010/main" val="0"/>
-              </a:ext>
-            </a:extLst>
-          </a:blip>
-          <a:srcRect t="7239" r="7811" b="2910"/>
-          <a:stretch/>
-        </p:blipFill>
-        <p:spPr>
-          <a:xfrm>
-            <a:off x="5816383" y="3876281"/>
-            <a:ext cx="2763283" cy="2693190"/>
-          </a:xfrm>
-          <a:prstGeom prst="rect">
-            <a:avLst/>
-          </a:prstGeom>
-        </p:spPr>
-      </p:pic>
-      <p:cxnSp>
-        <p:nvCxnSpPr>
-          <p:cNvPr id="8" name="Straight Arrow Connector 7"/>
-          <p:cNvCxnSpPr/>
-          <p:nvPr/>
-        </p:nvCxnSpPr>
-        <p:spPr>
-          <a:xfrm flipV="1">
-            <a:off x="3251200" y="6271260"/>
-            <a:ext cx="200660" cy="313690"/>
-          </a:xfrm>
-          <a:prstGeom prst="straightConnector1">
-            <a:avLst/>
-          </a:prstGeom>
-          <a:ln>
-            <a:solidFill>
-              <a:srgbClr val="FF0000"/>
-            </a:solidFill>
-            <a:tailEnd type="triangle"/>
-          </a:ln>
-        </p:spPr>
-        <p:style>
-          <a:lnRef idx="1">
-            <a:schemeClr val="accent1"/>
-          </a:lnRef>
-          <a:fillRef idx="0">
-            <a:schemeClr val="accent1"/>
-          </a:fillRef>
-          <a:effectRef idx="0">
-            <a:schemeClr val="accent1"/>
-          </a:effectRef>
-          <a:fontRef idx="minor">
-            <a:schemeClr val="tx1"/>
-          </a:fontRef>
-        </p:style>
-      </p:cxnSp>
-      <mc:AlternateContent xmlns:mc="http://schemas.openxmlformats.org/markup-compatibility/2006" xmlns:a14="http://schemas.microsoft.com/office/drawing/2010/main">
-        <mc:Choice Requires="a14">
-          <p:sp>
-            <p:nvSpPr>
-              <p:cNvPr id="11" name="TextBox 10"/>
-              <p:cNvSpPr txBox="1"/>
-              <p:nvPr/>
-            </p:nvSpPr>
-            <p:spPr>
-              <a:xfrm>
-                <a:off x="2657561" y="6485354"/>
-                <a:ext cx="1263477" cy="338554"/>
-              </a:xfrm>
-              <a:prstGeom prst="rect">
-                <a:avLst/>
-              </a:prstGeom>
-              <a:noFill/>
-            </p:spPr>
-            <p:txBody>
-              <a:bodyPr wrap="square" rtlCol="0">
-                <a:spAutoFit/>
-              </a:bodyPr>
-              <a:lstStyle/>
-              <a:p>
-                <a:pPr algn="ctr"/>
-                <a14:m>
-                  <m:oMath xmlns:m="http://schemas.openxmlformats.org/officeDocument/2006/math">
-                    <m:r>
-                      <a:rPr lang="pt-BR" sz="1600" b="1" i="1" smtClean="0">
-                        <a:latin typeface="Cambria Math" panose="02040503050406030204" pitchFamily="18" charset="0"/>
-                      </a:rPr>
-                      <m:t>𝒂</m:t>
-                    </m:r>
-                  </m:oMath>
-                </a14:m>
-                <a:r>
-                  <a:rPr lang="pt-BR" sz="1600" dirty="0"/>
-                  <a:t> inicial</a:t>
-                </a:r>
-              </a:p>
-            </p:txBody>
-          </p:sp>
-        </mc:Choice>
-        <mc:Fallback xmlns="">
-          <p:sp>
-            <p:nvSpPr>
-              <p:cNvPr id="11" name="TextBox 10"/>
-              <p:cNvSpPr txBox="1">
-                <a:spLocks noRot="1" noChangeAspect="1" noMove="1" noResize="1" noEditPoints="1" noAdjustHandles="1" noChangeArrowheads="1" noChangeShapeType="1" noTextEdit="1"/>
-              </p:cNvSpPr>
-              <p:nvPr/>
-            </p:nvSpPr>
-            <p:spPr>
-              <a:xfrm>
-                <a:off x="2657561" y="6485354"/>
-                <a:ext cx="1263477" cy="338554"/>
-              </a:xfrm>
-              <a:prstGeom prst="rect">
-                <a:avLst/>
-              </a:prstGeom>
-              <a:blipFill rotWithShape="0">
-                <a:blip r:embed="rId8"/>
-                <a:stretch>
-                  <a:fillRect t="-5455" b="-23636"/>
-                </a:stretch>
-              </a:blipFill>
-            </p:spPr>
-            <p:txBody>
-              <a:bodyPr/>
-              <a:lstStyle/>
-              <a:p>
-                <a:r>
-                  <a:rPr lang="pt-BR">
-                    <a:noFill/>
-                  </a:rPr>
-                  <a:t> </a:t>
-                </a:r>
-              </a:p>
-            </p:txBody>
-          </p:sp>
-        </mc:Fallback>
-      </mc:AlternateContent>
-      <mc:AlternateContent xmlns:mc="http://schemas.openxmlformats.org/markup-compatibility/2006" xmlns:a14="http://schemas.microsoft.com/office/drawing/2010/main">
-        <mc:Choice Requires="a14">
-          <p:sp>
-            <p:nvSpPr>
-              <p:cNvPr id="12" name="TextBox 11"/>
-              <p:cNvSpPr txBox="1"/>
-              <p:nvPr/>
-            </p:nvSpPr>
-            <p:spPr>
-              <a:xfrm>
-                <a:off x="4037886" y="6516131"/>
-                <a:ext cx="1263477" cy="307777"/>
-              </a:xfrm>
-              <a:prstGeom prst="rect">
-                <a:avLst/>
-              </a:prstGeom>
-              <a:noFill/>
-            </p:spPr>
-            <p:txBody>
-              <a:bodyPr wrap="square" rtlCol="0">
-                <a:spAutoFit/>
-              </a:bodyPr>
-              <a:lstStyle/>
-              <a:p>
-                <a:pPr algn="ctr"/>
-                <a14:m>
-                  <m:oMathPara xmlns:m="http://schemas.openxmlformats.org/officeDocument/2006/math">
-                    <m:oMathParaPr>
-                      <m:jc m:val="centerGroup"/>
-                    </m:oMathParaPr>
-                    <m:oMath xmlns:m="http://schemas.openxmlformats.org/officeDocument/2006/math">
-                      <m:r>
-                        <m:rPr>
-                          <m:sty m:val="p"/>
-                        </m:rPr>
-                        <a:rPr lang="pt-BR" sz="1400" b="0" i="0" smtClean="0">
-                          <a:latin typeface="Cambria Math" panose="02040503050406030204" pitchFamily="18" charset="0"/>
-                        </a:rPr>
-                        <m:t>Exemplo</m:t>
-                      </m:r>
-                      <m:r>
-                        <a:rPr lang="pt-BR" sz="1400" b="0" i="0" smtClean="0">
-                          <a:latin typeface="Cambria Math" panose="02040503050406030204" pitchFamily="18" charset="0"/>
-                        </a:rPr>
-                        <m:t> #1</m:t>
-                      </m:r>
-                    </m:oMath>
-                  </m:oMathPara>
-                </a14:m>
-                <a:endParaRPr lang="pt-BR" sz="1400" dirty="0"/>
-              </a:p>
-            </p:txBody>
-          </p:sp>
-        </mc:Choice>
-        <mc:Fallback xmlns="">
-          <p:sp>
-            <p:nvSpPr>
-              <p:cNvPr id="12" name="TextBox 11"/>
-              <p:cNvSpPr txBox="1">
-                <a:spLocks noRot="1" noChangeAspect="1" noMove="1" noResize="1" noEditPoints="1" noAdjustHandles="1" noChangeArrowheads="1" noChangeShapeType="1" noTextEdit="1"/>
-              </p:cNvSpPr>
-              <p:nvPr/>
-            </p:nvSpPr>
-            <p:spPr>
-              <a:xfrm>
-                <a:off x="4037886" y="6516131"/>
-                <a:ext cx="1263477" cy="307777"/>
-              </a:xfrm>
-              <a:prstGeom prst="rect">
-                <a:avLst/>
-              </a:prstGeom>
-              <a:blipFill rotWithShape="0">
-                <a:blip r:embed="rId9"/>
-                <a:stretch>
-                  <a:fillRect b="-8000"/>
-                </a:stretch>
-              </a:blipFill>
-            </p:spPr>
-            <p:txBody>
-              <a:bodyPr/>
-              <a:lstStyle/>
-              <a:p>
-                <a:r>
-                  <a:rPr lang="pt-BR">
-                    <a:noFill/>
-                  </a:rPr>
-                  <a:t> </a:t>
-                </a:r>
-              </a:p>
-            </p:txBody>
-          </p:sp>
-        </mc:Fallback>
-      </mc:AlternateContent>
-      <mc:AlternateContent xmlns:mc="http://schemas.openxmlformats.org/markup-compatibility/2006" xmlns:a14="http://schemas.microsoft.com/office/drawing/2010/main">
-        <mc:Choice Requires="a14">
-          <p:sp>
-            <p:nvSpPr>
-              <p:cNvPr id="14" name="TextBox 13"/>
-              <p:cNvSpPr txBox="1"/>
-              <p:nvPr/>
-            </p:nvSpPr>
-            <p:spPr>
-              <a:xfrm>
-                <a:off x="9722200" y="6516130"/>
-                <a:ext cx="1263477" cy="307777"/>
-              </a:xfrm>
-              <a:prstGeom prst="rect">
-                <a:avLst/>
-              </a:prstGeom>
-              <a:noFill/>
-            </p:spPr>
-            <p:txBody>
-              <a:bodyPr wrap="square" rtlCol="0">
-                <a:spAutoFit/>
-              </a:bodyPr>
-              <a:lstStyle/>
-              <a:p>
-                <a:pPr algn="ctr"/>
-                <a14:m>
-                  <m:oMathPara xmlns:m="http://schemas.openxmlformats.org/officeDocument/2006/math">
-                    <m:oMathParaPr>
-                      <m:jc m:val="centerGroup"/>
-                    </m:oMathParaPr>
-                    <m:oMath xmlns:m="http://schemas.openxmlformats.org/officeDocument/2006/math">
-                      <m:r>
-                        <m:rPr>
-                          <m:sty m:val="p"/>
-                        </m:rPr>
-                        <a:rPr lang="pt-BR" sz="1400" b="0" i="0" smtClean="0">
-                          <a:latin typeface="Cambria Math" panose="02040503050406030204" pitchFamily="18" charset="0"/>
-                        </a:rPr>
-                        <m:t>Exemplo</m:t>
-                      </m:r>
-                      <m:r>
-                        <a:rPr lang="pt-BR" sz="1400" b="0" i="0" smtClean="0">
-                          <a:latin typeface="Cambria Math" panose="02040503050406030204" pitchFamily="18" charset="0"/>
-                        </a:rPr>
-                        <m:t> #2</m:t>
-                      </m:r>
-                    </m:oMath>
-                  </m:oMathPara>
-                </a14:m>
-                <a:endParaRPr lang="pt-BR" sz="1400" dirty="0"/>
-              </a:p>
-            </p:txBody>
-          </p:sp>
-        </mc:Choice>
-        <mc:Fallback xmlns="">
-          <p:sp>
-            <p:nvSpPr>
-              <p:cNvPr id="14" name="TextBox 13"/>
-              <p:cNvSpPr txBox="1">
-                <a:spLocks noRot="1" noChangeAspect="1" noMove="1" noResize="1" noEditPoints="1" noAdjustHandles="1" noChangeArrowheads="1" noChangeShapeType="1" noTextEdit="1"/>
-              </p:cNvSpPr>
-              <p:nvPr/>
-            </p:nvSpPr>
-            <p:spPr>
-              <a:xfrm>
-                <a:off x="9722200" y="6516130"/>
-                <a:ext cx="1263477" cy="307777"/>
-              </a:xfrm>
-              <a:prstGeom prst="rect">
-                <a:avLst/>
-              </a:prstGeom>
-              <a:blipFill rotWithShape="0">
-                <a:blip r:embed="rId10"/>
-                <a:stretch>
-                  <a:fillRect b="-8000"/>
-                </a:stretch>
-              </a:blipFill>
-            </p:spPr>
-            <p:txBody>
-              <a:bodyPr/>
-              <a:lstStyle/>
-              <a:p>
-                <a:r>
-                  <a:rPr lang="pt-BR">
-                    <a:noFill/>
-                  </a:rPr>
-                  <a:t> </a:t>
-                </a:r>
-              </a:p>
-            </p:txBody>
-          </p:sp>
-        </mc:Fallback>
-      </mc:AlternateContent>
-      <mc:AlternateContent xmlns:mc="http://schemas.openxmlformats.org/markup-compatibility/2006" xmlns:a14="http://schemas.microsoft.com/office/drawing/2010/main">
-        <mc:Choice Requires="a14">
-          <p:sp>
-            <p:nvSpPr>
-              <p:cNvPr id="6" name="Rectangle 5"/>
-              <p:cNvSpPr/>
-              <p:nvPr/>
-            </p:nvSpPr>
-            <p:spPr>
-              <a:xfrm>
-                <a:off x="9648813" y="3921413"/>
-                <a:ext cx="2218788" cy="523220"/>
-              </a:xfrm>
-              <a:prstGeom prst="rect">
-                <a:avLst/>
-              </a:prstGeom>
-            </p:spPr>
-            <p:txBody>
-              <a:bodyPr wrap="square">
-                <a:spAutoFit/>
-              </a:bodyPr>
-              <a:lstStyle/>
-              <a:p>
-                <a:pPr algn="ctr"/>
-                <a:r>
-                  <a:rPr lang="pt-BR" sz="1400" dirty="0"/>
-                  <a:t>feedback positivo</a:t>
-                </a:r>
-                <a14:m>
-                  <m:oMath xmlns:m="http://schemas.openxmlformats.org/officeDocument/2006/math">
-                    <m:r>
-                      <a:rPr lang="pt-BR" sz="1400" i="1" smtClean="0">
-                        <a:latin typeface="Cambria Math" panose="02040503050406030204" pitchFamily="18" charset="0"/>
-                        <a:ea typeface="Cambria Math" panose="02040503050406030204" pitchFamily="18" charset="0"/>
-                      </a:rPr>
-                      <m:t>→</m:t>
-                    </m:r>
-                  </m:oMath>
-                </a14:m>
-                <a:r>
-                  <a:rPr lang="pt-BR" sz="1400" dirty="0"/>
-                  <a:t>estouro da precisão numérica.</a:t>
-                </a:r>
-              </a:p>
-            </p:txBody>
-          </p:sp>
-        </mc:Choice>
-        <mc:Fallback xmlns="">
-          <p:sp>
-            <p:nvSpPr>
-              <p:cNvPr id="6" name="Rectangle 5"/>
-              <p:cNvSpPr>
-                <a:spLocks noRot="1" noChangeAspect="1" noMove="1" noResize="1" noEditPoints="1" noAdjustHandles="1" noChangeArrowheads="1" noChangeShapeType="1" noTextEdit="1"/>
-              </p:cNvSpPr>
-              <p:nvPr/>
-            </p:nvSpPr>
-            <p:spPr>
-              <a:xfrm>
-                <a:off x="9648813" y="3921413"/>
-                <a:ext cx="2218788" cy="523220"/>
-              </a:xfrm>
-              <a:prstGeom prst="rect">
-                <a:avLst/>
-              </a:prstGeom>
-              <a:blipFill rotWithShape="0">
-                <a:blip r:embed="rId11"/>
-                <a:stretch>
-                  <a:fillRect t="-1163" r="-1374" b="-11628"/>
-                </a:stretch>
-              </a:blipFill>
-            </p:spPr>
-            <p:txBody>
-              <a:bodyPr/>
-              <a:lstStyle/>
-              <a:p>
-                <a:r>
-                  <a:rPr lang="pt-BR">
-                    <a:noFill/>
-                  </a:rPr>
-                  <a:t> </a:t>
-                </a:r>
-              </a:p>
-            </p:txBody>
-          </p:sp>
-        </mc:Fallback>
-      </mc:AlternateContent>
-      <p:sp>
-        <p:nvSpPr>
-          <p:cNvPr id="7" name="Seta para a direita 6"/>
-          <p:cNvSpPr/>
-          <p:nvPr/>
-        </p:nvSpPr>
-        <p:spPr>
-          <a:xfrm>
-            <a:off x="2752388" y="4575291"/>
-            <a:ext cx="381964" cy="335881"/>
-          </a:xfrm>
-          <a:prstGeom prst="rightArrow">
-            <a:avLst/>
-          </a:prstGeom>
-        </p:spPr>
-        <p:style>
-          <a:lnRef idx="2">
-            <a:schemeClr val="accent1">
-              <a:shade val="50000"/>
-            </a:schemeClr>
-          </a:lnRef>
-          <a:fillRef idx="1">
-            <a:schemeClr val="accent1"/>
-          </a:fillRef>
-          <a:effectRef idx="0">
-            <a:schemeClr val="accent1"/>
-          </a:effectRef>
-          <a:fontRef idx="minor">
-            <a:schemeClr val="lt1"/>
-          </a:fontRef>
-        </p:style>
-        <p:txBody>
-          <a:bodyPr rtlCol="0" anchor="ctr"/>
-          <a:lstStyle/>
-          <a:p>
-            <a:pPr algn="ctr"/>
-            <a:endParaRPr lang="pt-BR"/>
-          </a:p>
-        </p:txBody>
-      </p:sp>
-    </p:spTree>
-    <p:extLst>
-      <p:ext uri="{BB962C8B-B14F-4D97-AF65-F5344CB8AC3E}">
-        <p14:creationId xmlns:p14="http://schemas.microsoft.com/office/powerpoint/2010/main" val="1659360499"/>
-      </p:ext>
-    </p:extLst>
-  </p:cSld>
-  <p:clrMapOvr>
-    <a:masterClrMapping/>
-  </p:clrMapOvr>
-</p:sld>
-</file>
-
-<file path=ppt/slides/slide14.xml><?xml version="1.0" encoding="utf-8"?>
-<p:sld xmlns:a="http://schemas.openxmlformats.org/drawingml/2006/main" xmlns:r="http://schemas.openxmlformats.org/officeDocument/2006/relationships" xmlns:p="http://schemas.openxmlformats.org/presentationml/2006/main">
-  <p:cSld>
-    <p:spTree>
-      <p:nvGrpSpPr>
-        <p:cNvPr id="1" name=""/>
-        <p:cNvGrpSpPr/>
-        <p:nvPr/>
-      </p:nvGrpSpPr>
-      <p:grpSpPr>
-        <a:xfrm>
-          <a:off x="0" y="0"/>
-          <a:ext cx="0" cy="0"/>
-          <a:chOff x="0" y="0"/>
-          <a:chExt cx="0" cy="0"/>
-        </a:xfrm>
-      </p:grpSpPr>
-      <p:sp>
-        <p:nvSpPr>
-          <p:cNvPr id="2" name="Title 1"/>
-          <p:cNvSpPr>
-            <a:spLocks noGrp="1"/>
-          </p:cNvSpPr>
-          <p:nvPr>
-            <p:ph type="title"/>
-          </p:nvPr>
-        </p:nvSpPr>
-        <p:spPr>
-          <a:xfrm>
-            <a:off x="838200" y="92166"/>
-            <a:ext cx="10515600" cy="1081314"/>
-          </a:xfrm>
-        </p:spPr>
-        <p:txBody>
-          <a:bodyPr/>
-          <a:lstStyle/>
-          <a:p>
-            <a:r>
-              <a:rPr lang="pt-BR" dirty="0"/>
-              <a:t>Escolha do Passo de Aprendizagem</a:t>
-            </a:r>
-          </a:p>
-        </p:txBody>
-      </p:sp>
-      <mc:AlternateContent xmlns:mc="http://schemas.openxmlformats.org/markup-compatibility/2006" xmlns:a14="http://schemas.microsoft.com/office/drawing/2010/main">
-        <mc:Choice Requires="a14">
-          <p:sp>
-            <p:nvSpPr>
-              <p:cNvPr id="3" name="Content Placeholder 2"/>
-              <p:cNvSpPr>
-                <a:spLocks noGrp="1"/>
-              </p:cNvSpPr>
-              <p:nvPr>
-                <p:ph idx="1"/>
-              </p:nvPr>
-            </p:nvSpPr>
-            <p:spPr>
-              <a:xfrm>
-                <a:off x="838200" y="1465092"/>
-                <a:ext cx="8654144" cy="5180999"/>
-              </a:xfrm>
-            </p:spPr>
-            <p:txBody>
-              <a:bodyPr>
-                <a:normAutofit lnSpcReduction="10000"/>
-              </a:bodyPr>
-              <a:lstStyle/>
-              <a:p>
-                <a:r>
-                  <a:rPr lang="pt-BR" dirty="0"/>
-                  <a:t>Portanto, o valor do </a:t>
-                </a:r>
-                <a:r>
-                  <a:rPr lang="pt-BR" b="1" i="1" dirty="0"/>
-                  <a:t>passo de aprendizagem </a:t>
-                </a:r>
-                <a:r>
-                  <a:rPr lang="pt-BR" dirty="0"/>
-                  <a:t>deve ser </a:t>
-                </a:r>
-                <a:r>
-                  <a:rPr lang="pt-BR" b="1" i="1" dirty="0"/>
-                  <a:t>explorado</a:t>
-                </a:r>
-                <a:r>
-                  <a:rPr lang="pt-BR" dirty="0"/>
-                  <a:t> para se encontrar um </a:t>
-                </a:r>
-                <a:r>
-                  <a:rPr lang="pt-BR" b="1" i="1" dirty="0"/>
-                  <a:t>valor ideal </a:t>
-                </a:r>
-                <a:r>
-                  <a:rPr lang="pt-BR" dirty="0"/>
-                  <a:t>que acelere a </a:t>
-                </a:r>
-                <a:r>
-                  <a:rPr lang="pt-BR" b="1" i="1" dirty="0"/>
-                  <a:t>descida do gradiente </a:t>
-                </a:r>
-                <a:r>
-                  <a:rPr lang="pt-BR" dirty="0"/>
-                  <a:t>de forma </a:t>
-                </a:r>
-                <a:r>
-                  <a:rPr lang="pt-BR" b="1" i="1" dirty="0"/>
-                  <a:t>estável</a:t>
-                </a:r>
-                <a:r>
-                  <a:rPr lang="pt-BR" dirty="0"/>
-                  <a:t> (ou seja, acelere a convergência).</a:t>
-                </a:r>
-              </a:p>
-              <a:p>
-                <a:pPr lvl="1">
-                  <a:buFont typeface="Wingdings" panose="05000000000000000000" pitchFamily="2" charset="2"/>
-                  <a:buChar char="§"/>
-                </a:pPr>
-                <a:r>
-                  <a:rPr lang="pt-BR" dirty="0"/>
-                  <a:t>O exemplo ao lado, converge para o </a:t>
-                </a:r>
-                <a:r>
-                  <a:rPr lang="pt-BR" b="1" i="1" dirty="0"/>
-                  <a:t>mínimo global </a:t>
-                </a:r>
-                <a:r>
-                  <a:rPr lang="pt-BR" dirty="0"/>
-                  <a:t>em apenas 2 iterações.</a:t>
-                </a:r>
-              </a:p>
-              <a:p>
-                <a:r>
-                  <a:rPr lang="pt-BR" dirty="0"/>
-                  <a:t>Portanto, a escolha do </a:t>
-                </a:r>
-                <a:r>
-                  <a:rPr lang="pt-BR" b="1" i="1" dirty="0"/>
-                  <a:t>passo de aprendizagem</a:t>
-                </a:r>
-                <a:r>
-                  <a:rPr lang="pt-BR" dirty="0"/>
-                  <a:t> pode ser bastante demorada.</a:t>
-                </a:r>
-              </a:p>
-              <a:p>
-                <a:r>
-                  <a:rPr lang="pt-BR" dirty="0"/>
-                  <a:t>Uma regra empírica para </a:t>
-                </a:r>
-                <a:r>
-                  <a:rPr lang="pt-BR" b="1" i="1" dirty="0"/>
-                  <a:t>exploração</a:t>
-                </a:r>
-                <a:r>
-                  <a:rPr lang="pt-BR" dirty="0"/>
-                  <a:t> do passo de aprendizagem é usar a seguinte sequência (</a:t>
-                </a:r>
-                <a:r>
-                  <a:rPr lang="pt-BR" b="1" i="1" dirty="0"/>
-                  <a:t>ajuste manual</a:t>
-                </a:r>
-                <a:r>
-                  <a:rPr lang="pt-BR" dirty="0"/>
-                  <a:t>):</a:t>
-                </a:r>
-              </a:p>
-              <a:p>
-                <a:pPr marL="0" indent="0">
-                  <a:buNone/>
-                </a:pPr>
-                <a:endParaRPr lang="pt-BR" sz="1400" dirty="0"/>
-              </a:p>
-              <a:p>
-                <a:pPr marL="0" indent="0">
-                  <a:buNone/>
-                </a:pPr>
-                <a14:m>
-                  <m:oMathPara xmlns:m="http://schemas.openxmlformats.org/officeDocument/2006/math">
-                    <m:oMathParaPr>
-                      <m:jc m:val="centerGroup"/>
-                    </m:oMathParaPr>
-                    <m:oMath xmlns:m="http://schemas.openxmlformats.org/officeDocument/2006/math">
-                      <m:r>
-                        <a:rPr lang="pt-BR" i="1" smtClean="0">
-                          <a:latin typeface="Cambria Math" panose="02040503050406030204" pitchFamily="18" charset="0"/>
-                        </a:rPr>
-                        <m:t>…</m:t>
-                      </m:r>
-                      <m:r>
-                        <a:rPr lang="pt-BR" b="0" i="1" smtClean="0">
-                          <a:latin typeface="Cambria Math" panose="02040503050406030204" pitchFamily="18" charset="0"/>
-                        </a:rPr>
-                        <m:t>, 0.001, 0.003, 0.01, 0.03, 0.1, 0.3, 1.0, …</m:t>
-                      </m:r>
-                    </m:oMath>
-                  </m:oMathPara>
-                </a14:m>
-                <a:endParaRPr lang="pt-BR" dirty="0"/>
-              </a:p>
-            </p:txBody>
-          </p:sp>
-        </mc:Choice>
-        <mc:Fallback xmlns="">
-          <p:sp>
-            <p:nvSpPr>
-              <p:cNvPr id="3" name="Content Placeholder 2"/>
-              <p:cNvSpPr>
-                <a:spLocks noGrp="1" noRot="1" noChangeAspect="1" noMove="1" noResize="1" noEditPoints="1" noAdjustHandles="1" noChangeArrowheads="1" noChangeShapeType="1" noTextEdit="1"/>
-              </p:cNvSpPr>
-              <p:nvPr>
-                <p:ph idx="1"/>
-              </p:nvPr>
-            </p:nvSpPr>
-            <p:spPr>
-              <a:xfrm>
-                <a:off x="838200" y="1465092"/>
-                <a:ext cx="8654144" cy="5180999"/>
-              </a:xfrm>
-              <a:blipFill rotWithShape="0">
-                <a:blip r:embed="rId3"/>
-                <a:stretch>
-                  <a:fillRect l="-1268" t="-2588" r="-1198"/>
-                </a:stretch>
-              </a:blipFill>
-            </p:spPr>
-            <p:txBody>
-              <a:bodyPr/>
-              <a:lstStyle/>
-              <a:p>
-                <a:r>
-                  <a:rPr lang="pt-BR">
-                    <a:noFill/>
-                  </a:rPr>
-                  <a:t> </a:t>
-                </a:r>
-              </a:p>
-            </p:txBody>
-          </p:sp>
-        </mc:Fallback>
-      </mc:AlternateContent>
-      <p:pic>
-        <p:nvPicPr>
-          <p:cNvPr id="8" name="Picture 7"/>
-          <p:cNvPicPr>
-            <a:picLocks noChangeAspect="1"/>
-          </p:cNvPicPr>
-          <p:nvPr/>
-        </p:nvPicPr>
-        <p:blipFill rotWithShape="1">
-          <a:blip r:embed="rId4" cstate="print">
-            <a:extLst>
-              <a:ext uri="{28A0092B-C50C-407E-A947-70E740481C1C}">
-                <a14:useLocalDpi xmlns:a14="http://schemas.microsoft.com/office/drawing/2010/main" val="0"/>
-              </a:ext>
-            </a:extLst>
-          </a:blip>
-          <a:srcRect l="1394" t="13692" r="22970" b="19399"/>
-          <a:stretch/>
-        </p:blipFill>
-        <p:spPr>
-          <a:xfrm>
-            <a:off x="9472518" y="169946"/>
-            <a:ext cx="2673762" cy="2034418"/>
-          </a:xfrm>
-          <a:prstGeom prst="rect">
-            <a:avLst/>
-          </a:prstGeom>
-        </p:spPr>
-      </p:pic>
-      <p:pic>
-        <p:nvPicPr>
-          <p:cNvPr id="6" name="Picture 5"/>
-          <p:cNvPicPr>
-            <a:picLocks noChangeAspect="1"/>
-          </p:cNvPicPr>
-          <p:nvPr/>
-        </p:nvPicPr>
-        <p:blipFill rotWithShape="1">
-          <a:blip r:embed="rId5" cstate="print">
-            <a:extLst>
-              <a:ext uri="{28A0092B-C50C-407E-A947-70E740481C1C}">
-                <a14:useLocalDpi xmlns:a14="http://schemas.microsoft.com/office/drawing/2010/main" val="0"/>
-              </a:ext>
-            </a:extLst>
-          </a:blip>
-          <a:srcRect t="6771" r="9667" b="2678"/>
-          <a:stretch/>
-        </p:blipFill>
-        <p:spPr>
-          <a:xfrm>
-            <a:off x="9492344" y="2338444"/>
-            <a:ext cx="2532017" cy="2183104"/>
-          </a:xfrm>
-          <a:prstGeom prst="rect">
-            <a:avLst/>
-          </a:prstGeom>
-        </p:spPr>
-      </p:pic>
-      <p:pic>
-        <p:nvPicPr>
-          <p:cNvPr id="9" name="Picture 8"/>
-          <p:cNvPicPr>
-            <a:picLocks noChangeAspect="1"/>
-          </p:cNvPicPr>
-          <p:nvPr/>
-        </p:nvPicPr>
-        <p:blipFill rotWithShape="1">
-          <a:blip r:embed="rId6" cstate="print">
-            <a:extLst>
-              <a:ext uri="{28A0092B-C50C-407E-A947-70E740481C1C}">
-                <a14:useLocalDpi xmlns:a14="http://schemas.microsoft.com/office/drawing/2010/main" val="0"/>
-              </a:ext>
-            </a:extLst>
-          </a:blip>
-          <a:srcRect t="6985" r="6334" b="2682"/>
-          <a:stretch/>
-        </p:blipFill>
-        <p:spPr>
-          <a:xfrm>
-            <a:off x="9477712" y="4655628"/>
-            <a:ext cx="2636627" cy="2187131"/>
-          </a:xfrm>
-          <a:prstGeom prst="rect">
-            <a:avLst/>
-          </a:prstGeom>
-        </p:spPr>
-      </p:pic>
-      <p:sp>
-        <p:nvSpPr>
-          <p:cNvPr id="17" name="Arc 16"/>
-          <p:cNvSpPr/>
-          <p:nvPr/>
-        </p:nvSpPr>
-        <p:spPr>
-          <a:xfrm rot="7589185">
-            <a:off x="2965808" y="5137974"/>
-            <a:ext cx="1059543" cy="1393371"/>
-          </a:xfrm>
-          <a:prstGeom prst="arc">
-            <a:avLst/>
-          </a:prstGeom>
-          <a:ln>
-            <a:headEnd type="triangle" w="med" len="med"/>
-            <a:tailEnd type="none" w="med" len="med"/>
-          </a:ln>
-        </p:spPr>
-        <p:style>
-          <a:lnRef idx="1">
-            <a:schemeClr val="accent1"/>
-          </a:lnRef>
-          <a:fillRef idx="0">
-            <a:schemeClr val="accent1"/>
-          </a:fillRef>
-          <a:effectRef idx="0">
-            <a:schemeClr val="accent1"/>
-          </a:effectRef>
-          <a:fontRef idx="minor">
-            <a:schemeClr val="tx1"/>
-          </a:fontRef>
-        </p:style>
-        <p:txBody>
-          <a:bodyPr rtlCol="0" anchor="ctr"/>
-          <a:lstStyle/>
-          <a:p>
-            <a:pPr algn="ctr"/>
-            <a:endParaRPr lang="pt-BR"/>
-          </a:p>
-        </p:txBody>
-      </p:sp>
-      <mc:AlternateContent xmlns:mc="http://schemas.openxmlformats.org/markup-compatibility/2006" xmlns:a14="http://schemas.microsoft.com/office/drawing/2010/main">
-        <mc:Choice Requires="a14">
-          <p:sp>
-            <p:nvSpPr>
-              <p:cNvPr id="18" name="TextBox 17"/>
-              <p:cNvSpPr txBox="1"/>
-              <p:nvPr/>
-            </p:nvSpPr>
-            <p:spPr>
-              <a:xfrm>
-                <a:off x="3062395" y="6423768"/>
-                <a:ext cx="1059543" cy="369332"/>
-              </a:xfrm>
-              <a:prstGeom prst="rect">
-                <a:avLst/>
-              </a:prstGeom>
-              <a:noFill/>
-            </p:spPr>
-            <p:txBody>
-              <a:bodyPr wrap="square" rtlCol="0">
-                <a:spAutoFit/>
-              </a:bodyPr>
-              <a:lstStyle/>
-              <a:p>
-                <a:pPr/>
-                <a14:m>
-                  <m:oMathPara xmlns:m="http://schemas.openxmlformats.org/officeDocument/2006/math">
-                    <m:oMathParaPr>
-                      <m:jc m:val="centerGroup"/>
-                    </m:oMathParaPr>
-                    <m:oMath xmlns:m="http://schemas.openxmlformats.org/officeDocument/2006/math">
-                      <m:r>
-                        <a:rPr lang="pt-BR" b="0" i="1" smtClean="0">
-                          <a:latin typeface="Cambria Math" panose="02040503050406030204" pitchFamily="18" charset="0"/>
-                        </a:rPr>
-                        <m:t>3</m:t>
-                      </m:r>
-                      <m:r>
-                        <a:rPr lang="pt-BR" b="0" i="1" smtClean="0">
-                          <a:latin typeface="Cambria Math" panose="02040503050406030204" pitchFamily="18" charset="0"/>
-                          <a:ea typeface="Cambria Math" panose="02040503050406030204" pitchFamily="18" charset="0"/>
-                        </a:rPr>
-                        <m:t>×</m:t>
-                      </m:r>
-                    </m:oMath>
-                  </m:oMathPara>
-                </a14:m>
-                <a:endParaRPr lang="pt-BR" dirty="0"/>
-              </a:p>
-            </p:txBody>
-          </p:sp>
-        </mc:Choice>
-        <mc:Fallback xmlns="">
-          <p:sp>
-            <p:nvSpPr>
-              <p:cNvPr id="18" name="TextBox 17"/>
-              <p:cNvSpPr txBox="1">
-                <a:spLocks noRot="1" noChangeAspect="1" noMove="1" noResize="1" noEditPoints="1" noAdjustHandles="1" noChangeArrowheads="1" noChangeShapeType="1" noTextEdit="1"/>
-              </p:cNvSpPr>
-              <p:nvPr/>
-            </p:nvSpPr>
-            <p:spPr>
-              <a:xfrm>
-                <a:off x="3062395" y="6423768"/>
-                <a:ext cx="1059543" cy="369332"/>
-              </a:xfrm>
-              <a:prstGeom prst="rect">
-                <a:avLst/>
-              </a:prstGeom>
-              <a:blipFill rotWithShape="0">
-                <a:blip r:embed="rId7"/>
-                <a:stretch>
-                  <a:fillRect/>
-                </a:stretch>
-              </a:blipFill>
-            </p:spPr>
-            <p:txBody>
-              <a:bodyPr/>
-              <a:lstStyle/>
-              <a:p>
-                <a:r>
-                  <a:rPr lang="pt-BR">
-                    <a:noFill/>
-                  </a:rPr>
-                  <a:t> </a:t>
-                </a:r>
-              </a:p>
-            </p:txBody>
-          </p:sp>
-        </mc:Fallback>
-      </mc:AlternateContent>
-      <p:sp>
-        <p:nvSpPr>
-          <p:cNvPr id="19" name="Arc 18"/>
-          <p:cNvSpPr/>
-          <p:nvPr/>
-        </p:nvSpPr>
-        <p:spPr>
-          <a:xfrm rot="7589185">
-            <a:off x="3942337" y="5164344"/>
-            <a:ext cx="1059543" cy="1393371"/>
-          </a:xfrm>
-          <a:prstGeom prst="arc">
-            <a:avLst/>
-          </a:prstGeom>
-          <a:ln>
-            <a:headEnd type="triangle" w="med" len="med"/>
-            <a:tailEnd type="none" w="med" len="med"/>
-          </a:ln>
-        </p:spPr>
-        <p:style>
-          <a:lnRef idx="1">
-            <a:schemeClr val="accent1"/>
-          </a:lnRef>
-          <a:fillRef idx="0">
-            <a:schemeClr val="accent1"/>
-          </a:fillRef>
-          <a:effectRef idx="0">
-            <a:schemeClr val="accent1"/>
-          </a:effectRef>
-          <a:fontRef idx="minor">
-            <a:schemeClr val="tx1"/>
-          </a:fontRef>
-        </p:style>
-        <p:txBody>
-          <a:bodyPr rtlCol="0" anchor="ctr"/>
-          <a:lstStyle/>
-          <a:p>
-            <a:pPr algn="ctr"/>
-            <a:endParaRPr lang="pt-BR"/>
-          </a:p>
-        </p:txBody>
-      </p:sp>
-      <mc:AlternateContent xmlns:mc="http://schemas.openxmlformats.org/markup-compatibility/2006" xmlns:a14="http://schemas.microsoft.com/office/drawing/2010/main">
-        <mc:Choice Requires="a14">
-          <p:sp>
-            <p:nvSpPr>
-              <p:cNvPr id="20" name="TextBox 19"/>
-              <p:cNvSpPr txBox="1"/>
-              <p:nvPr/>
-            </p:nvSpPr>
-            <p:spPr>
-              <a:xfrm>
-                <a:off x="4090104" y="6443283"/>
-                <a:ext cx="1059543" cy="369332"/>
-              </a:xfrm>
-              <a:prstGeom prst="rect">
-                <a:avLst/>
-              </a:prstGeom>
-              <a:noFill/>
-            </p:spPr>
-            <p:txBody>
-              <a:bodyPr wrap="square" rtlCol="0">
-                <a:spAutoFit/>
-              </a:bodyPr>
-              <a:lstStyle/>
-              <a:p>
-                <a:pPr/>
-                <a14:m>
-                  <m:oMathPara xmlns:m="http://schemas.openxmlformats.org/officeDocument/2006/math">
-                    <m:oMathParaPr>
-                      <m:jc m:val="centerGroup"/>
-                    </m:oMathParaPr>
-                    <m:oMath xmlns:m="http://schemas.openxmlformats.org/officeDocument/2006/math">
-                      <m:r>
-                        <a:rPr lang="pt-BR" b="0" i="1" smtClean="0">
-                          <a:latin typeface="Cambria Math" panose="02040503050406030204" pitchFamily="18" charset="0"/>
-                          <a:ea typeface="Cambria Math" panose="02040503050406030204" pitchFamily="18" charset="0"/>
-                        </a:rPr>
-                        <m:t>≈</m:t>
-                      </m:r>
-                      <m:r>
-                        <a:rPr lang="pt-BR" b="0" i="1" smtClean="0">
-                          <a:latin typeface="Cambria Math" panose="02040503050406030204" pitchFamily="18" charset="0"/>
-                        </a:rPr>
-                        <m:t>3</m:t>
-                      </m:r>
-                      <m:r>
-                        <a:rPr lang="pt-BR" b="0" i="1" smtClean="0">
-                          <a:latin typeface="Cambria Math" panose="02040503050406030204" pitchFamily="18" charset="0"/>
-                          <a:ea typeface="Cambria Math" panose="02040503050406030204" pitchFamily="18" charset="0"/>
-                        </a:rPr>
-                        <m:t>×</m:t>
-                      </m:r>
-                    </m:oMath>
-                  </m:oMathPara>
-                </a14:m>
-                <a:endParaRPr lang="pt-BR" dirty="0"/>
-              </a:p>
-            </p:txBody>
-          </p:sp>
-        </mc:Choice>
-        <mc:Fallback xmlns="">
-          <p:sp>
-            <p:nvSpPr>
-              <p:cNvPr id="20" name="TextBox 19"/>
-              <p:cNvSpPr txBox="1">
-                <a:spLocks noRot="1" noChangeAspect="1" noMove="1" noResize="1" noEditPoints="1" noAdjustHandles="1" noChangeArrowheads="1" noChangeShapeType="1" noTextEdit="1"/>
-              </p:cNvSpPr>
-              <p:nvPr/>
-            </p:nvSpPr>
-            <p:spPr>
-              <a:xfrm>
-                <a:off x="4090104" y="6443283"/>
-                <a:ext cx="1059543" cy="369332"/>
-              </a:xfrm>
-              <a:prstGeom prst="rect">
-                <a:avLst/>
-              </a:prstGeom>
-              <a:blipFill rotWithShape="0">
-                <a:blip r:embed="rId8"/>
-                <a:stretch>
-                  <a:fillRect/>
-                </a:stretch>
-              </a:blipFill>
-            </p:spPr>
-            <p:txBody>
-              <a:bodyPr/>
-              <a:lstStyle/>
-              <a:p>
-                <a:r>
-                  <a:rPr lang="pt-BR">
-                    <a:noFill/>
-                  </a:rPr>
-                  <a:t> </a:t>
-                </a:r>
-              </a:p>
-            </p:txBody>
-          </p:sp>
-        </mc:Fallback>
-      </mc:AlternateContent>
-      <p:sp>
-        <p:nvSpPr>
-          <p:cNvPr id="21" name="Arc 20"/>
-          <p:cNvSpPr/>
-          <p:nvPr/>
-        </p:nvSpPr>
-        <p:spPr>
-          <a:xfrm rot="7381844">
-            <a:off x="4907718" y="5373166"/>
-            <a:ext cx="821031" cy="1155237"/>
-          </a:xfrm>
-          <a:prstGeom prst="arc">
-            <a:avLst/>
-          </a:prstGeom>
-          <a:ln>
-            <a:headEnd type="triangle" w="med" len="med"/>
-            <a:tailEnd type="none" w="med" len="med"/>
-          </a:ln>
-        </p:spPr>
-        <p:style>
-          <a:lnRef idx="1">
-            <a:schemeClr val="accent1"/>
-          </a:lnRef>
-          <a:fillRef idx="0">
-            <a:schemeClr val="accent1"/>
-          </a:fillRef>
-          <a:effectRef idx="0">
-            <a:schemeClr val="accent1"/>
-          </a:effectRef>
-          <a:fontRef idx="minor">
-            <a:schemeClr val="tx1"/>
-          </a:fontRef>
-        </p:style>
-        <p:txBody>
-          <a:bodyPr rtlCol="0" anchor="ctr"/>
-          <a:lstStyle/>
-          <a:p>
-            <a:pPr algn="ctr"/>
-            <a:endParaRPr lang="pt-BR"/>
-          </a:p>
-        </p:txBody>
-      </p:sp>
-      <mc:AlternateContent xmlns:mc="http://schemas.openxmlformats.org/markup-compatibility/2006" xmlns:a14="http://schemas.microsoft.com/office/drawing/2010/main">
-        <mc:Choice Requires="a14">
-          <p:sp>
-            <p:nvSpPr>
-              <p:cNvPr id="22" name="TextBox 21"/>
-              <p:cNvSpPr txBox="1"/>
-              <p:nvPr/>
-            </p:nvSpPr>
-            <p:spPr>
-              <a:xfrm>
-                <a:off x="4869056" y="6423023"/>
-                <a:ext cx="1059543" cy="369332"/>
-              </a:xfrm>
-              <a:prstGeom prst="rect">
-                <a:avLst/>
-              </a:prstGeom>
-              <a:noFill/>
-            </p:spPr>
-            <p:txBody>
-              <a:bodyPr wrap="square" rtlCol="0">
-                <a:spAutoFit/>
-              </a:bodyPr>
-              <a:lstStyle/>
-              <a:p>
-                <a:pPr/>
-                <a14:m>
-                  <m:oMathPara xmlns:m="http://schemas.openxmlformats.org/officeDocument/2006/math">
-                    <m:oMathParaPr>
-                      <m:jc m:val="centerGroup"/>
-                    </m:oMathParaPr>
-                    <m:oMath xmlns:m="http://schemas.openxmlformats.org/officeDocument/2006/math">
-                      <m:r>
-                        <a:rPr lang="pt-BR" b="0" i="1" smtClean="0">
-                          <a:latin typeface="Cambria Math" panose="02040503050406030204" pitchFamily="18" charset="0"/>
-                        </a:rPr>
-                        <m:t>3</m:t>
-                      </m:r>
-                      <m:r>
-                        <a:rPr lang="pt-BR" b="0" i="1" smtClean="0">
-                          <a:latin typeface="Cambria Math" panose="02040503050406030204" pitchFamily="18" charset="0"/>
-                          <a:ea typeface="Cambria Math" panose="02040503050406030204" pitchFamily="18" charset="0"/>
-                        </a:rPr>
-                        <m:t>×</m:t>
-                      </m:r>
-                    </m:oMath>
-                  </m:oMathPara>
-                </a14:m>
-                <a:endParaRPr lang="pt-BR" dirty="0"/>
-              </a:p>
-            </p:txBody>
-          </p:sp>
-        </mc:Choice>
-        <mc:Fallback xmlns="">
-          <p:sp>
-            <p:nvSpPr>
-              <p:cNvPr id="22" name="TextBox 21"/>
-              <p:cNvSpPr txBox="1">
-                <a:spLocks noRot="1" noChangeAspect="1" noMove="1" noResize="1" noEditPoints="1" noAdjustHandles="1" noChangeArrowheads="1" noChangeShapeType="1" noTextEdit="1"/>
-              </p:cNvSpPr>
-              <p:nvPr/>
-            </p:nvSpPr>
-            <p:spPr>
-              <a:xfrm>
-                <a:off x="4869056" y="6423023"/>
-                <a:ext cx="1059543" cy="369332"/>
-              </a:xfrm>
-              <a:prstGeom prst="rect">
-                <a:avLst/>
-              </a:prstGeom>
-              <a:blipFill rotWithShape="0">
-                <a:blip r:embed="rId9"/>
-                <a:stretch>
-                  <a:fillRect/>
-                </a:stretch>
-              </a:blipFill>
-            </p:spPr>
-            <p:txBody>
-              <a:bodyPr/>
-              <a:lstStyle/>
-              <a:p>
-                <a:r>
-                  <a:rPr lang="pt-BR">
-                    <a:noFill/>
-                  </a:rPr>
-                  <a:t> </a:t>
-                </a:r>
-              </a:p>
-            </p:txBody>
-          </p:sp>
-        </mc:Fallback>
-      </mc:AlternateContent>
-      <p:sp>
-        <p:nvSpPr>
-          <p:cNvPr id="23" name="Arc 22"/>
-          <p:cNvSpPr/>
-          <p:nvPr/>
-        </p:nvSpPr>
-        <p:spPr>
-          <a:xfrm rot="7285154">
-            <a:off x="5711297" y="5436294"/>
-            <a:ext cx="729866" cy="1080087"/>
-          </a:xfrm>
-          <a:prstGeom prst="arc">
-            <a:avLst/>
-          </a:prstGeom>
-          <a:ln>
-            <a:headEnd type="triangle" w="med" len="med"/>
-            <a:tailEnd type="none" w="med" len="med"/>
-          </a:ln>
-        </p:spPr>
-        <p:style>
-          <a:lnRef idx="1">
-            <a:schemeClr val="accent1"/>
-          </a:lnRef>
-          <a:fillRef idx="0">
-            <a:schemeClr val="accent1"/>
-          </a:fillRef>
-          <a:effectRef idx="0">
-            <a:schemeClr val="accent1"/>
-          </a:effectRef>
-          <a:fontRef idx="minor">
-            <a:schemeClr val="tx1"/>
-          </a:fontRef>
-        </p:style>
-        <p:txBody>
-          <a:bodyPr rtlCol="0" anchor="ctr"/>
-          <a:lstStyle/>
-          <a:p>
-            <a:pPr algn="ctr"/>
-            <a:endParaRPr lang="pt-BR"/>
-          </a:p>
-        </p:txBody>
-      </p:sp>
-      <p:cxnSp>
-        <p:nvCxnSpPr>
-          <p:cNvPr id="24" name="Straight Arrow Connector 23"/>
-          <p:cNvCxnSpPr/>
-          <p:nvPr/>
-        </p:nvCxnSpPr>
-        <p:spPr>
-          <a:xfrm flipV="1">
-            <a:off x="9442261" y="4392622"/>
-            <a:ext cx="200660" cy="313690"/>
-          </a:xfrm>
-          <a:prstGeom prst="straightConnector1">
-            <a:avLst/>
-          </a:prstGeom>
-          <a:ln>
-            <a:solidFill>
-              <a:srgbClr val="FF0000"/>
-            </a:solidFill>
-            <a:tailEnd type="triangle"/>
-          </a:ln>
-        </p:spPr>
-        <p:style>
-          <a:lnRef idx="1">
-            <a:schemeClr val="accent1"/>
-          </a:lnRef>
-          <a:fillRef idx="0">
-            <a:schemeClr val="accent1"/>
-          </a:fillRef>
-          <a:effectRef idx="0">
-            <a:schemeClr val="accent1"/>
-          </a:effectRef>
-          <a:fontRef idx="minor">
-            <a:schemeClr val="tx1"/>
-          </a:fontRef>
-        </p:style>
-      </p:cxnSp>
-      <mc:AlternateContent xmlns:mc="http://schemas.openxmlformats.org/markup-compatibility/2006" xmlns:a14="http://schemas.microsoft.com/office/drawing/2010/main">
-        <mc:Choice Requires="a14">
-          <p:sp>
-            <p:nvSpPr>
-              <p:cNvPr id="25" name="TextBox 24"/>
-              <p:cNvSpPr txBox="1"/>
-              <p:nvPr/>
-            </p:nvSpPr>
-            <p:spPr>
-              <a:xfrm>
-                <a:off x="8880981" y="4438720"/>
-                <a:ext cx="801812" cy="584775"/>
-              </a:xfrm>
-              <a:prstGeom prst="rect">
-                <a:avLst/>
-              </a:prstGeom>
-              <a:noFill/>
-            </p:spPr>
-            <p:txBody>
-              <a:bodyPr wrap="square" rtlCol="0">
-                <a:spAutoFit/>
-              </a:bodyPr>
-              <a:lstStyle/>
-              <a:p>
-                <a:pPr algn="ctr"/>
-                <a14:m>
-                  <m:oMath xmlns:m="http://schemas.openxmlformats.org/officeDocument/2006/math">
-                    <m:r>
-                      <a:rPr lang="pt-BR" sz="1600" b="1" i="1" smtClean="0">
-                        <a:latin typeface="Cambria Math" panose="02040503050406030204" pitchFamily="18" charset="0"/>
-                      </a:rPr>
-                      <m:t>𝒂</m:t>
-                    </m:r>
-                  </m:oMath>
-                </a14:m>
-                <a:r>
-                  <a:rPr lang="pt-BR" sz="1600" dirty="0"/>
-                  <a:t> inicial</a:t>
-                </a:r>
-              </a:p>
-            </p:txBody>
-          </p:sp>
-        </mc:Choice>
-        <mc:Fallback xmlns="">
-          <p:sp>
-            <p:nvSpPr>
-              <p:cNvPr id="25" name="TextBox 24"/>
-              <p:cNvSpPr txBox="1">
-                <a:spLocks noRot="1" noChangeAspect="1" noMove="1" noResize="1" noEditPoints="1" noAdjustHandles="1" noChangeArrowheads="1" noChangeShapeType="1" noTextEdit="1"/>
-              </p:cNvSpPr>
-              <p:nvPr/>
-            </p:nvSpPr>
-            <p:spPr>
-              <a:xfrm>
-                <a:off x="8880981" y="4438720"/>
-                <a:ext cx="801812" cy="584775"/>
-              </a:xfrm>
-              <a:prstGeom prst="rect">
-                <a:avLst/>
-              </a:prstGeom>
-              <a:blipFill rotWithShape="0">
-                <a:blip r:embed="rId10"/>
-                <a:stretch>
-                  <a:fillRect b="-12500"/>
-                </a:stretch>
-              </a:blipFill>
-            </p:spPr>
-            <p:txBody>
-              <a:bodyPr/>
-              <a:lstStyle/>
-              <a:p>
-                <a:r>
-                  <a:rPr lang="pt-BR">
-                    <a:noFill/>
-                  </a:rPr>
-                  <a:t> </a:t>
-                </a:r>
-              </a:p>
-            </p:txBody>
-          </p:sp>
-        </mc:Fallback>
-      </mc:AlternateContent>
-      <p:sp>
-        <p:nvSpPr>
-          <p:cNvPr id="26" name="Arc 25"/>
-          <p:cNvSpPr/>
-          <p:nvPr/>
-        </p:nvSpPr>
-        <p:spPr>
-          <a:xfrm rot="7043539">
-            <a:off x="6427954" y="5590098"/>
-            <a:ext cx="574483" cy="919370"/>
-          </a:xfrm>
-          <a:prstGeom prst="arc">
-            <a:avLst/>
-          </a:prstGeom>
-          <a:ln>
-            <a:headEnd type="triangle" w="med" len="med"/>
-            <a:tailEnd type="none" w="med" len="med"/>
-          </a:ln>
-        </p:spPr>
-        <p:style>
-          <a:lnRef idx="1">
-            <a:schemeClr val="accent1"/>
-          </a:lnRef>
-          <a:fillRef idx="0">
-            <a:schemeClr val="accent1"/>
-          </a:fillRef>
-          <a:effectRef idx="0">
-            <a:schemeClr val="accent1"/>
-          </a:effectRef>
-          <a:fontRef idx="minor">
-            <a:schemeClr val="tx1"/>
-          </a:fontRef>
-        </p:style>
-        <p:txBody>
-          <a:bodyPr rtlCol="0" anchor="ctr"/>
-          <a:lstStyle/>
-          <a:p>
-            <a:pPr algn="ctr"/>
-            <a:endParaRPr lang="pt-BR"/>
-          </a:p>
-        </p:txBody>
-      </p:sp>
-      <p:sp>
-        <p:nvSpPr>
-          <p:cNvPr id="27" name="Arc 26"/>
-          <p:cNvSpPr/>
-          <p:nvPr/>
-        </p:nvSpPr>
-        <p:spPr>
-          <a:xfrm rot="7439932">
-            <a:off x="7023781" y="5669136"/>
-            <a:ext cx="492730" cy="824698"/>
-          </a:xfrm>
-          <a:prstGeom prst="arc">
-            <a:avLst>
-              <a:gd name="adj1" fmla="val 15558147"/>
-              <a:gd name="adj2" fmla="val 20915483"/>
-            </a:avLst>
-          </a:prstGeom>
-          <a:ln>
-            <a:headEnd type="triangle" w="med" len="med"/>
-            <a:tailEnd type="none" w="med" len="med"/>
-          </a:ln>
-        </p:spPr>
-        <p:style>
-          <a:lnRef idx="1">
-            <a:schemeClr val="accent1"/>
-          </a:lnRef>
-          <a:fillRef idx="0">
-            <a:schemeClr val="accent1"/>
-          </a:fillRef>
-          <a:effectRef idx="0">
-            <a:schemeClr val="accent1"/>
-          </a:effectRef>
-          <a:fontRef idx="minor">
-            <a:schemeClr val="tx1"/>
-          </a:fontRef>
-        </p:style>
-        <p:txBody>
-          <a:bodyPr rtlCol="0" anchor="ctr"/>
-          <a:lstStyle/>
-          <a:p>
-            <a:pPr algn="ctr"/>
-            <a:endParaRPr lang="pt-BR"/>
-          </a:p>
-        </p:txBody>
-      </p:sp>
-      <mc:AlternateContent xmlns:mc="http://schemas.openxmlformats.org/markup-compatibility/2006" xmlns:a14="http://schemas.microsoft.com/office/drawing/2010/main">
-        <mc:Choice Requires="a14">
-          <p:sp>
-            <p:nvSpPr>
-              <p:cNvPr id="28" name="TextBox 27"/>
-              <p:cNvSpPr txBox="1"/>
-              <p:nvPr/>
-            </p:nvSpPr>
-            <p:spPr>
-              <a:xfrm>
-                <a:off x="5680626" y="6440340"/>
-                <a:ext cx="1059543" cy="369332"/>
-              </a:xfrm>
-              <a:prstGeom prst="rect">
-                <a:avLst/>
-              </a:prstGeom>
-              <a:noFill/>
-            </p:spPr>
-            <p:txBody>
-              <a:bodyPr wrap="square" rtlCol="0">
-                <a:spAutoFit/>
-              </a:bodyPr>
-              <a:lstStyle/>
-              <a:p>
-                <a:pPr/>
-                <a14:m>
-                  <m:oMathPara xmlns:m="http://schemas.openxmlformats.org/officeDocument/2006/math">
-                    <m:oMathParaPr>
-                      <m:jc m:val="centerGroup"/>
-                    </m:oMathParaPr>
-                    <m:oMath xmlns:m="http://schemas.openxmlformats.org/officeDocument/2006/math">
-                      <m:r>
-                        <a:rPr lang="pt-BR" b="0" i="1" smtClean="0">
-                          <a:latin typeface="Cambria Math" panose="02040503050406030204" pitchFamily="18" charset="0"/>
-                          <a:ea typeface="Cambria Math" panose="02040503050406030204" pitchFamily="18" charset="0"/>
-                        </a:rPr>
-                        <m:t>≈</m:t>
-                      </m:r>
-                      <m:r>
-                        <a:rPr lang="pt-BR" b="0" i="1" smtClean="0">
-                          <a:latin typeface="Cambria Math" panose="02040503050406030204" pitchFamily="18" charset="0"/>
-                        </a:rPr>
-                        <m:t>3</m:t>
-                      </m:r>
-                      <m:r>
-                        <a:rPr lang="pt-BR" b="0" i="1" smtClean="0">
-                          <a:latin typeface="Cambria Math" panose="02040503050406030204" pitchFamily="18" charset="0"/>
-                          <a:ea typeface="Cambria Math" panose="02040503050406030204" pitchFamily="18" charset="0"/>
-                        </a:rPr>
-                        <m:t>×</m:t>
-                      </m:r>
-                    </m:oMath>
-                  </m:oMathPara>
-                </a14:m>
-                <a:endParaRPr lang="pt-BR" dirty="0"/>
-              </a:p>
-            </p:txBody>
-          </p:sp>
-        </mc:Choice>
-        <mc:Fallback xmlns="">
-          <p:sp>
-            <p:nvSpPr>
-              <p:cNvPr id="28" name="TextBox 27"/>
-              <p:cNvSpPr txBox="1">
-                <a:spLocks noRot="1" noChangeAspect="1" noMove="1" noResize="1" noEditPoints="1" noAdjustHandles="1" noChangeArrowheads="1" noChangeShapeType="1" noTextEdit="1"/>
-              </p:cNvSpPr>
-              <p:nvPr/>
-            </p:nvSpPr>
-            <p:spPr>
-              <a:xfrm>
-                <a:off x="5680626" y="6440340"/>
-                <a:ext cx="1059543" cy="369332"/>
-              </a:xfrm>
-              <a:prstGeom prst="rect">
-                <a:avLst/>
-              </a:prstGeom>
-              <a:blipFill rotWithShape="0">
-                <a:blip r:embed="rId11"/>
-                <a:stretch>
-                  <a:fillRect/>
-                </a:stretch>
-              </a:blipFill>
-            </p:spPr>
-            <p:txBody>
-              <a:bodyPr/>
-              <a:lstStyle/>
-              <a:p>
-                <a:r>
-                  <a:rPr lang="pt-BR">
-                    <a:noFill/>
-                  </a:rPr>
-                  <a:t> </a:t>
-                </a:r>
-              </a:p>
-            </p:txBody>
-          </p:sp>
-        </mc:Fallback>
-      </mc:AlternateContent>
-      <mc:AlternateContent xmlns:mc="http://schemas.openxmlformats.org/markup-compatibility/2006" xmlns:a14="http://schemas.microsoft.com/office/drawing/2010/main">
-        <mc:Choice Requires="a14">
-          <p:sp>
-            <p:nvSpPr>
-              <p:cNvPr id="29" name="TextBox 28"/>
-              <p:cNvSpPr txBox="1"/>
-              <p:nvPr/>
-            </p:nvSpPr>
-            <p:spPr>
-              <a:xfrm>
-                <a:off x="6325945" y="6425700"/>
-                <a:ext cx="1059543" cy="369332"/>
-              </a:xfrm>
-              <a:prstGeom prst="rect">
-                <a:avLst/>
-              </a:prstGeom>
-              <a:noFill/>
-            </p:spPr>
-            <p:txBody>
-              <a:bodyPr wrap="square" rtlCol="0">
-                <a:spAutoFit/>
-              </a:bodyPr>
-              <a:lstStyle/>
-              <a:p>
-                <a:pPr/>
-                <a14:m>
-                  <m:oMathPara xmlns:m="http://schemas.openxmlformats.org/officeDocument/2006/math">
-                    <m:oMathParaPr>
-                      <m:jc m:val="centerGroup"/>
-                    </m:oMathParaPr>
-                    <m:oMath xmlns:m="http://schemas.openxmlformats.org/officeDocument/2006/math">
-                      <m:r>
-                        <a:rPr lang="pt-BR" b="0" i="1" smtClean="0">
-                          <a:latin typeface="Cambria Math" panose="02040503050406030204" pitchFamily="18" charset="0"/>
-                        </a:rPr>
-                        <m:t>3</m:t>
-                      </m:r>
-                      <m:r>
-                        <a:rPr lang="pt-BR" b="0" i="1" smtClean="0">
-                          <a:latin typeface="Cambria Math" panose="02040503050406030204" pitchFamily="18" charset="0"/>
-                          <a:ea typeface="Cambria Math" panose="02040503050406030204" pitchFamily="18" charset="0"/>
-                        </a:rPr>
-                        <m:t>×</m:t>
-                      </m:r>
-                    </m:oMath>
-                  </m:oMathPara>
-                </a14:m>
-                <a:endParaRPr lang="pt-BR" dirty="0"/>
-              </a:p>
-            </p:txBody>
-          </p:sp>
-        </mc:Choice>
-        <mc:Fallback xmlns="">
-          <p:sp>
-            <p:nvSpPr>
-              <p:cNvPr id="29" name="TextBox 28"/>
-              <p:cNvSpPr txBox="1">
-                <a:spLocks noRot="1" noChangeAspect="1" noMove="1" noResize="1" noEditPoints="1" noAdjustHandles="1" noChangeArrowheads="1" noChangeShapeType="1" noTextEdit="1"/>
-              </p:cNvSpPr>
-              <p:nvPr/>
-            </p:nvSpPr>
-            <p:spPr>
-              <a:xfrm>
-                <a:off x="6325945" y="6425700"/>
-                <a:ext cx="1059543" cy="369332"/>
-              </a:xfrm>
-              <a:prstGeom prst="rect">
-                <a:avLst/>
-              </a:prstGeom>
-              <a:blipFill rotWithShape="0">
-                <a:blip r:embed="rId12"/>
-                <a:stretch>
-                  <a:fillRect/>
-                </a:stretch>
-              </a:blipFill>
-            </p:spPr>
-            <p:txBody>
-              <a:bodyPr/>
-              <a:lstStyle/>
-              <a:p>
-                <a:r>
-                  <a:rPr lang="pt-BR">
-                    <a:noFill/>
-                  </a:rPr>
-                  <a:t> </a:t>
-                </a:r>
-              </a:p>
-            </p:txBody>
-          </p:sp>
-        </mc:Fallback>
-      </mc:AlternateContent>
-      <mc:AlternateContent xmlns:mc="http://schemas.openxmlformats.org/markup-compatibility/2006" xmlns:a14="http://schemas.microsoft.com/office/drawing/2010/main">
-        <mc:Choice Requires="a14">
-          <p:sp>
-            <p:nvSpPr>
-              <p:cNvPr id="30" name="TextBox 29"/>
-              <p:cNvSpPr txBox="1"/>
-              <p:nvPr/>
-            </p:nvSpPr>
-            <p:spPr>
-              <a:xfrm>
-                <a:off x="6962824" y="6446659"/>
-                <a:ext cx="1059543" cy="369332"/>
-              </a:xfrm>
-              <a:prstGeom prst="rect">
-                <a:avLst/>
-              </a:prstGeom>
-              <a:noFill/>
-            </p:spPr>
-            <p:txBody>
-              <a:bodyPr wrap="square" rtlCol="0">
-                <a:spAutoFit/>
-              </a:bodyPr>
-              <a:lstStyle/>
-              <a:p>
-                <a:pPr/>
-                <a14:m>
-                  <m:oMathPara xmlns:m="http://schemas.openxmlformats.org/officeDocument/2006/math">
-                    <m:oMathParaPr>
-                      <m:jc m:val="centerGroup"/>
-                    </m:oMathParaPr>
-                    <m:oMath xmlns:m="http://schemas.openxmlformats.org/officeDocument/2006/math">
-                      <m:r>
-                        <a:rPr lang="pt-BR" b="0" i="1" smtClean="0">
-                          <a:latin typeface="Cambria Math" panose="02040503050406030204" pitchFamily="18" charset="0"/>
-                          <a:ea typeface="Cambria Math" panose="02040503050406030204" pitchFamily="18" charset="0"/>
-                        </a:rPr>
-                        <m:t>≈</m:t>
-                      </m:r>
-                      <m:r>
-                        <a:rPr lang="pt-BR" b="0" i="1" smtClean="0">
-                          <a:latin typeface="Cambria Math" panose="02040503050406030204" pitchFamily="18" charset="0"/>
-                        </a:rPr>
-                        <m:t>3</m:t>
-                      </m:r>
-                      <m:r>
-                        <a:rPr lang="pt-BR" b="0" i="1" smtClean="0">
-                          <a:latin typeface="Cambria Math" panose="02040503050406030204" pitchFamily="18" charset="0"/>
-                          <a:ea typeface="Cambria Math" panose="02040503050406030204" pitchFamily="18" charset="0"/>
-                        </a:rPr>
-                        <m:t>×</m:t>
-                      </m:r>
-                    </m:oMath>
-                  </m:oMathPara>
-                </a14:m>
-                <a:endParaRPr lang="pt-BR" dirty="0"/>
-              </a:p>
-            </p:txBody>
-          </p:sp>
-        </mc:Choice>
-        <mc:Fallback xmlns="">
-          <p:sp>
-            <p:nvSpPr>
-              <p:cNvPr id="30" name="TextBox 29"/>
-              <p:cNvSpPr txBox="1">
-                <a:spLocks noRot="1" noChangeAspect="1" noMove="1" noResize="1" noEditPoints="1" noAdjustHandles="1" noChangeArrowheads="1" noChangeShapeType="1" noTextEdit="1"/>
-              </p:cNvSpPr>
-              <p:nvPr/>
-            </p:nvSpPr>
-            <p:spPr>
-              <a:xfrm>
-                <a:off x="6962824" y="6446659"/>
-                <a:ext cx="1059543" cy="369332"/>
-              </a:xfrm>
-              <a:prstGeom prst="rect">
-                <a:avLst/>
-              </a:prstGeom>
-              <a:blipFill rotWithShape="0">
-                <a:blip r:embed="rId13"/>
-                <a:stretch>
-                  <a:fillRect/>
-                </a:stretch>
-              </a:blipFill>
-            </p:spPr>
-            <p:txBody>
-              <a:bodyPr/>
-              <a:lstStyle/>
-              <a:p>
-                <a:r>
-                  <a:rPr lang="pt-BR">
-                    <a:noFill/>
-                  </a:rPr>
-                  <a:t> </a:t>
-                </a:r>
-              </a:p>
-            </p:txBody>
-          </p:sp>
-        </mc:Fallback>
-      </mc:AlternateContent>
-    </p:spTree>
-    <p:extLst>
-      <p:ext uri="{BB962C8B-B14F-4D97-AF65-F5344CB8AC3E}">
-        <p14:creationId xmlns:p14="http://schemas.microsoft.com/office/powerpoint/2010/main" val="2688576750"/>
-      </p:ext>
-    </p:extLst>
-  </p:cSld>
-  <p:clrMapOvr>
-    <a:masterClrMapping/>
-  </p:clrMapOvr>
-</p:sld>
-</file>
-
-<file path=ppt/slides/slide15.xml><?xml version="1.0" encoding="utf-8"?>
+<file path=ppt/slides/slide12.xml><?xml version="1.0" encoding="utf-8"?>
 <p:sld xmlns:a="http://schemas.openxmlformats.org/drawingml/2006/main" xmlns:r="http://schemas.openxmlformats.org/officeDocument/2006/relationships" xmlns:p="http://schemas.openxmlformats.org/presentationml/2006/main">
   <p:cSld>
     <p:spTree>
@@ -9751,7 +7360,7 @@
 </p:sld>
 </file>
 
-<file path=ppt/slides/slide16.xml><?xml version="1.0" encoding="utf-8"?>
+<file path=ppt/slides/slide13.xml><?xml version="1.0" encoding="utf-8"?>
 <p:sld xmlns:a="http://schemas.openxmlformats.org/drawingml/2006/main" xmlns:r="http://schemas.openxmlformats.org/officeDocument/2006/relationships" xmlns:p="http://schemas.openxmlformats.org/presentationml/2006/main">
   <p:cSld>
     <p:spTree>
@@ -10219,7 +7828,7 @@
 </p:sld>
 </file>
 
-<file path=ppt/slides/slide17.xml><?xml version="1.0" encoding="utf-8"?>
+<file path=ppt/slides/slide14.xml><?xml version="1.0" encoding="utf-8"?>
 <p:sld xmlns:a="http://schemas.openxmlformats.org/drawingml/2006/main" xmlns:r="http://schemas.openxmlformats.org/officeDocument/2006/relationships" xmlns:p="http://schemas.openxmlformats.org/presentationml/2006/main">
   <p:cSld>
     <p:spTree>
@@ -10512,7 +8121,7 @@
 </p:sld>
 </file>
 
-<file path=ppt/slides/slide18.xml><?xml version="1.0" encoding="utf-8"?>
+<file path=ppt/slides/slide15.xml><?xml version="1.0" encoding="utf-8"?>
 <p:sld xmlns:a="http://schemas.openxmlformats.org/drawingml/2006/main" xmlns:r="http://schemas.openxmlformats.org/officeDocument/2006/relationships" xmlns:p="http://schemas.openxmlformats.org/presentationml/2006/main">
   <p:cSld>
     <p:spTree>
@@ -11227,7 +8836,7 @@
 </p:sld>
 </file>
 
-<file path=ppt/slides/slide19.xml><?xml version="1.0" encoding="utf-8"?>
+<file path=ppt/slides/slide16.xml><?xml version="1.0" encoding="utf-8"?>
 <p:sld xmlns:a="http://schemas.openxmlformats.org/drawingml/2006/main" xmlns:r="http://schemas.openxmlformats.org/officeDocument/2006/relationships" xmlns:p="http://schemas.openxmlformats.org/presentationml/2006/main">
   <p:cSld>
     <p:spTree>
@@ -12563,245 +10172,7 @@
 </p:sld>
 </file>
 
-<file path=ppt/slides/slide2.xml><?xml version="1.0" encoding="utf-8"?>
-<p:sld xmlns:a="http://schemas.openxmlformats.org/drawingml/2006/main" xmlns:r="http://schemas.openxmlformats.org/officeDocument/2006/relationships" xmlns:p="http://schemas.openxmlformats.org/presentationml/2006/main">
-  <p:cSld>
-    <p:spTree>
-      <p:nvGrpSpPr>
-        <p:cNvPr id="1" name=""/>
-        <p:cNvGrpSpPr/>
-        <p:nvPr/>
-      </p:nvGrpSpPr>
-      <p:grpSpPr>
-        <a:xfrm>
-          <a:off x="0" y="0"/>
-          <a:ext cx="0" cy="0"/>
-          <a:chOff x="0" y="0"/>
-          <a:chExt cx="0" cy="0"/>
-        </a:xfrm>
-      </p:grpSpPr>
-      <p:sp>
-        <p:nvSpPr>
-          <p:cNvPr id="2" name="Title 1"/>
-          <p:cNvSpPr>
-            <a:spLocks noGrp="1"/>
-          </p:cNvSpPr>
-          <p:nvPr>
-            <p:ph type="title"/>
-          </p:nvPr>
-        </p:nvSpPr>
-        <p:spPr/>
-        <p:txBody>
-          <a:bodyPr/>
-          <a:lstStyle/>
-          <a:p>
-            <a:r>
-              <a:rPr lang="pt-BR"/>
-              <a:t>Recapitulando</a:t>
-            </a:r>
-            <a:endParaRPr lang="pt-BR" dirty="0"/>
-          </a:p>
-        </p:txBody>
-      </p:sp>
-      <mc:AlternateContent xmlns:mc="http://schemas.openxmlformats.org/markup-compatibility/2006">
-        <mc:Choice xmlns:a14="http://schemas.microsoft.com/office/drawing/2010/main" Requires="a14">
-          <p:sp>
-            <p:nvSpPr>
-              <p:cNvPr id="3" name="Content Placeholder 2"/>
-              <p:cNvSpPr>
-                <a:spLocks noGrp="1"/>
-              </p:cNvSpPr>
-              <p:nvPr>
-                <p:ph idx="1"/>
-              </p:nvPr>
-            </p:nvSpPr>
-            <p:spPr>
-              <a:xfrm>
-                <a:off x="838199" y="1825624"/>
-                <a:ext cx="11077282" cy="5032376"/>
-              </a:xfrm>
-            </p:spPr>
-            <p:txBody>
-              <a:bodyPr>
-                <a:normAutofit lnSpcReduction="10000"/>
-              </a:bodyPr>
-              <a:lstStyle/>
-              <a:p>
-                <a:r>
-                  <a:rPr lang="pt-BR" dirty="0"/>
-                  <a:t>No tópico anterior, discutimos o vetor gradiente.</a:t>
-                </a:r>
-              </a:p>
-              <a:p>
-                <a:r>
-                  <a:rPr lang="pt-BR" dirty="0"/>
-                  <a:t>Aprendemos dois algoritmos que usam o vetor gradiente para a resolução de problemas de otimização.</a:t>
-                </a:r>
-              </a:p>
-              <a:p>
-                <a:pPr lvl="1">
-                  <a:buFont typeface="Wingdings" panose="05000000000000000000" pitchFamily="2" charset="2"/>
-                  <a:buChar char="§"/>
-                </a:pPr>
-                <a:r>
-                  <a:rPr lang="pt-BR" b="1" i="1" dirty="0"/>
-                  <a:t>Gradiente ascendente </a:t>
-                </a:r>
-                <a:r>
-                  <a:rPr lang="pt-BR" dirty="0"/>
-                  <a:t>para problemas de </a:t>
-                </a:r>
-                <a:r>
-                  <a:rPr lang="pt-BR" b="1" i="1" dirty="0">
-                    <a:solidFill>
-                      <a:srgbClr val="00B050"/>
-                    </a:solidFill>
-                  </a:rPr>
-                  <a:t>maximização</a:t>
-                </a:r>
-                <a:r>
-                  <a:rPr lang="pt-BR" dirty="0"/>
-                  <a:t>.</a:t>
-                </a:r>
-              </a:p>
-              <a:p>
-                <a:pPr lvl="1">
-                  <a:buFont typeface="Wingdings" panose="05000000000000000000" pitchFamily="2" charset="2"/>
-                  <a:buChar char="§"/>
-                </a:pPr>
-                <a:r>
-                  <a:rPr lang="pt-BR" b="1" i="1" dirty="0"/>
-                  <a:t>Gradiente descendente</a:t>
-                </a:r>
-                <a:r>
-                  <a:rPr lang="pt-BR" dirty="0"/>
-                  <a:t> para problemas de </a:t>
-                </a:r>
-                <a:r>
-                  <a:rPr lang="pt-BR" b="1" i="1" dirty="0">
-                    <a:solidFill>
-                      <a:srgbClr val="00B050"/>
-                    </a:solidFill>
-                  </a:rPr>
-                  <a:t>minimização</a:t>
-                </a:r>
-                <a:r>
-                  <a:rPr lang="pt-BR" dirty="0"/>
-                  <a:t>.</a:t>
-                </a:r>
-              </a:p>
-              <a:p>
-                <a:r>
-                  <a:rPr lang="pt-BR" dirty="0"/>
-                  <a:t>Falamos sobre as três versões do gradiente descendente e as comparamos:</a:t>
-                </a:r>
-              </a:p>
-              <a:p>
-                <a:pPr lvl="1">
-                  <a:buFont typeface="Wingdings" panose="05000000000000000000" pitchFamily="2" charset="2"/>
-                  <a:buChar char="§"/>
-                </a:pPr>
-                <a:r>
-                  <a:rPr lang="pt-BR" dirty="0"/>
-                  <a:t>Batelada</a:t>
-                </a:r>
-              </a:p>
-              <a:p>
-                <a:pPr lvl="1">
-                  <a:buFont typeface="Wingdings" panose="05000000000000000000" pitchFamily="2" charset="2"/>
-                  <a:buChar char="§"/>
-                </a:pPr>
-                <a:r>
-                  <a:rPr lang="pt-BR" dirty="0"/>
-                  <a:t>Estocástico</a:t>
-                </a:r>
-              </a:p>
-              <a:p>
-                <a:pPr lvl="1">
-                  <a:buFont typeface="Wingdings" panose="05000000000000000000" pitchFamily="2" charset="2"/>
-                  <a:buChar char="§"/>
-                </a:pPr>
-                <a:r>
-                  <a:rPr lang="pt-BR" dirty="0"/>
-                  <a:t>Mini-batch</a:t>
-                </a:r>
-              </a:p>
-              <a:p>
-                <a:r>
-                  <a:rPr lang="pt-BR" dirty="0"/>
-                  <a:t>Neste tópico, discutiremos o quão importante é o ajuste do passo de aprendizagem, </a:t>
-                </a:r>
-                <a14:m>
-                  <m:oMath xmlns:m="http://schemas.openxmlformats.org/officeDocument/2006/math">
-                    <m:r>
-                      <a:rPr lang="pt-BR" i="1" smtClean="0">
-                        <a:latin typeface="Cambria Math" panose="02040503050406030204" pitchFamily="18" charset="0"/>
-                        <a:ea typeface="Cambria Math" panose="02040503050406030204" pitchFamily="18" charset="0"/>
-                      </a:rPr>
-                      <m:t>𝛼</m:t>
-                    </m:r>
-                  </m:oMath>
-                </a14:m>
-                <a:r>
-                  <a:rPr lang="pt-BR" dirty="0"/>
-                  <a:t>.</a:t>
-                </a:r>
-              </a:p>
-            </p:txBody>
-          </p:sp>
-        </mc:Choice>
-        <mc:Fallback>
-          <p:sp>
-            <p:nvSpPr>
-              <p:cNvPr id="3" name="Content Placeholder 2"/>
-              <p:cNvSpPr>
-                <a:spLocks noGrp="1" noRot="1" noChangeAspect="1" noMove="1" noResize="1" noEditPoints="1" noAdjustHandles="1" noChangeArrowheads="1" noChangeShapeType="1" noTextEdit="1"/>
-              </p:cNvSpPr>
-              <p:nvPr>
-                <p:ph idx="1"/>
-              </p:nvPr>
-            </p:nvSpPr>
-            <p:spPr>
-              <a:xfrm>
-                <a:off x="838199" y="1825624"/>
-                <a:ext cx="11077282" cy="5032376"/>
-              </a:xfrm>
-              <a:blipFill>
-                <a:blip r:embed="rId2"/>
-                <a:stretch>
-                  <a:fillRect l="-935" t="-2663" r="-1760"/>
-                </a:stretch>
-              </a:blipFill>
-            </p:spPr>
-            <p:txBody>
-              <a:bodyPr/>
-              <a:lstStyle/>
-              <a:p>
-                <a:r>
-                  <a:rPr lang="pt-BR">
-                    <a:noFill/>
-                  </a:rPr>
-                  <a:t> </a:t>
-                </a:r>
-              </a:p>
-            </p:txBody>
-          </p:sp>
-        </mc:Fallback>
-      </mc:AlternateContent>
-    </p:spTree>
-    <p:extLst>
-      <p:ext uri="{BB962C8B-B14F-4D97-AF65-F5344CB8AC3E}">
-        <p14:creationId xmlns:p14="http://schemas.microsoft.com/office/powerpoint/2010/main" val="3057771208"/>
-      </p:ext>
-    </p:extLst>
-  </p:cSld>
-  <p:clrMapOvr>
-    <a:masterClrMapping/>
-  </p:clrMapOvr>
-</p:sld>
-</file>
-
-<file path=ppt/slides/slide20.xml><?xml version="1.0" encoding="utf-8"?>
+<file path=ppt/slides/slide17.xml><?xml version="1.0" encoding="utf-8"?>
 <p:sld xmlns:a="http://schemas.openxmlformats.org/drawingml/2006/main" xmlns:r="http://schemas.openxmlformats.org/officeDocument/2006/relationships" xmlns:p="http://schemas.openxmlformats.org/presentationml/2006/main">
   <p:cSld>
     <p:spTree>
@@ -12853,7 +10224,7 @@
         <p:spPr>
           <a:xfrm>
             <a:off x="838199" y="1825624"/>
-            <a:ext cx="11058428" cy="5032376"/>
+            <a:ext cx="11145254" cy="5032376"/>
           </a:xfrm>
         </p:spPr>
         <p:txBody>
@@ -12980,7 +10351,7 @@
 </p:sld>
 </file>
 
-<file path=ppt/slides/slide21.xml><?xml version="1.0" encoding="utf-8"?>
+<file path=ppt/slides/slide18.xml><?xml version="1.0" encoding="utf-8"?>
 <p:sld xmlns:a="http://schemas.openxmlformats.org/drawingml/2006/main" xmlns:r="http://schemas.openxmlformats.org/officeDocument/2006/relationships" xmlns:p="http://schemas.openxmlformats.org/presentationml/2006/main">
   <p:cSld>
     <p:spTree>
@@ -13065,7 +10436,7 @@
 </p:sld>
 </file>
 
-<file path=ppt/slides/slide22.xml><?xml version="1.0" encoding="utf-8"?>
+<file path=ppt/slides/slide19.xml><?xml version="1.0" encoding="utf-8"?>
 <p:sld xmlns:a="http://schemas.openxmlformats.org/drawingml/2006/main" xmlns:r="http://schemas.openxmlformats.org/officeDocument/2006/relationships" xmlns:p="http://schemas.openxmlformats.org/presentationml/2006/main">
   <p:cSld>
     <p:spTree>
@@ -13341,7 +10712,245 @@
 </p:sld>
 </file>
 
-<file path=ppt/slides/slide23.xml><?xml version="1.0" encoding="utf-8"?>
+<file path=ppt/slides/slide2.xml><?xml version="1.0" encoding="utf-8"?>
+<p:sld xmlns:a="http://schemas.openxmlformats.org/drawingml/2006/main" xmlns:r="http://schemas.openxmlformats.org/officeDocument/2006/relationships" xmlns:p="http://schemas.openxmlformats.org/presentationml/2006/main">
+  <p:cSld>
+    <p:spTree>
+      <p:nvGrpSpPr>
+        <p:cNvPr id="1" name=""/>
+        <p:cNvGrpSpPr/>
+        <p:nvPr/>
+      </p:nvGrpSpPr>
+      <p:grpSpPr>
+        <a:xfrm>
+          <a:off x="0" y="0"/>
+          <a:ext cx="0" cy="0"/>
+          <a:chOff x="0" y="0"/>
+          <a:chExt cx="0" cy="0"/>
+        </a:xfrm>
+      </p:grpSpPr>
+      <p:sp>
+        <p:nvSpPr>
+          <p:cNvPr id="2" name="Title 1"/>
+          <p:cNvSpPr>
+            <a:spLocks noGrp="1"/>
+          </p:cNvSpPr>
+          <p:nvPr>
+            <p:ph type="title"/>
+          </p:nvPr>
+        </p:nvSpPr>
+        <p:spPr/>
+        <p:txBody>
+          <a:bodyPr/>
+          <a:lstStyle/>
+          <a:p>
+            <a:r>
+              <a:rPr lang="pt-BR"/>
+              <a:t>Recapitulando</a:t>
+            </a:r>
+            <a:endParaRPr lang="pt-BR" dirty="0"/>
+          </a:p>
+        </p:txBody>
+      </p:sp>
+      <mc:AlternateContent xmlns:mc="http://schemas.openxmlformats.org/markup-compatibility/2006" xmlns:a14="http://schemas.microsoft.com/office/drawing/2010/main">
+        <mc:Choice Requires="a14">
+          <p:sp>
+            <p:nvSpPr>
+              <p:cNvPr id="3" name="Content Placeholder 2"/>
+              <p:cNvSpPr>
+                <a:spLocks noGrp="1"/>
+              </p:cNvSpPr>
+              <p:nvPr>
+                <p:ph idx="1"/>
+              </p:nvPr>
+            </p:nvSpPr>
+            <p:spPr>
+              <a:xfrm>
+                <a:off x="838199" y="1825624"/>
+                <a:ext cx="11077282" cy="5032376"/>
+              </a:xfrm>
+            </p:spPr>
+            <p:txBody>
+              <a:bodyPr>
+                <a:normAutofit lnSpcReduction="10000"/>
+              </a:bodyPr>
+              <a:lstStyle/>
+              <a:p>
+                <a:r>
+                  <a:rPr lang="pt-BR" dirty="0"/>
+                  <a:t>No tópico anterior, discutimos o vetor gradiente.</a:t>
+                </a:r>
+              </a:p>
+              <a:p>
+                <a:r>
+                  <a:rPr lang="pt-BR" dirty="0"/>
+                  <a:t>Aprendemos dois algoritmos que usam o vetor gradiente para a resolução de problemas de otimização.</a:t>
+                </a:r>
+              </a:p>
+              <a:p>
+                <a:pPr lvl="1">
+                  <a:buFont typeface="Wingdings" panose="05000000000000000000" pitchFamily="2" charset="2"/>
+                  <a:buChar char="§"/>
+                </a:pPr>
+                <a:r>
+                  <a:rPr lang="pt-BR" b="1" i="1" dirty="0"/>
+                  <a:t>Gradiente ascendente </a:t>
+                </a:r>
+                <a:r>
+                  <a:rPr lang="pt-BR" dirty="0"/>
+                  <a:t>para problemas de </a:t>
+                </a:r>
+                <a:r>
+                  <a:rPr lang="pt-BR" b="1" i="1" dirty="0">
+                    <a:solidFill>
+                      <a:srgbClr val="00B050"/>
+                    </a:solidFill>
+                  </a:rPr>
+                  <a:t>maximização</a:t>
+                </a:r>
+                <a:r>
+                  <a:rPr lang="pt-BR" dirty="0"/>
+                  <a:t>.</a:t>
+                </a:r>
+              </a:p>
+              <a:p>
+                <a:pPr lvl="1">
+                  <a:buFont typeface="Wingdings" panose="05000000000000000000" pitchFamily="2" charset="2"/>
+                  <a:buChar char="§"/>
+                </a:pPr>
+                <a:r>
+                  <a:rPr lang="pt-BR" b="1" i="1" dirty="0"/>
+                  <a:t>Gradiente descendente</a:t>
+                </a:r>
+                <a:r>
+                  <a:rPr lang="pt-BR" dirty="0"/>
+                  <a:t> para problemas de </a:t>
+                </a:r>
+                <a:r>
+                  <a:rPr lang="pt-BR" b="1" i="1" dirty="0">
+                    <a:solidFill>
+                      <a:srgbClr val="00B050"/>
+                    </a:solidFill>
+                  </a:rPr>
+                  <a:t>minimização</a:t>
+                </a:r>
+                <a:r>
+                  <a:rPr lang="pt-BR" dirty="0"/>
+                  <a:t>.</a:t>
+                </a:r>
+              </a:p>
+              <a:p>
+                <a:r>
+                  <a:rPr lang="pt-BR" dirty="0"/>
+                  <a:t>Falamos sobre as três versões do gradiente descendente e as comparamos:</a:t>
+                </a:r>
+              </a:p>
+              <a:p>
+                <a:pPr lvl="1">
+                  <a:buFont typeface="Wingdings" panose="05000000000000000000" pitchFamily="2" charset="2"/>
+                  <a:buChar char="§"/>
+                </a:pPr>
+                <a:r>
+                  <a:rPr lang="pt-BR" dirty="0"/>
+                  <a:t>Batelada</a:t>
+                </a:r>
+              </a:p>
+              <a:p>
+                <a:pPr lvl="1">
+                  <a:buFont typeface="Wingdings" panose="05000000000000000000" pitchFamily="2" charset="2"/>
+                  <a:buChar char="§"/>
+                </a:pPr>
+                <a:r>
+                  <a:rPr lang="pt-BR" dirty="0"/>
+                  <a:t>Estocástico</a:t>
+                </a:r>
+              </a:p>
+              <a:p>
+                <a:pPr lvl="1">
+                  <a:buFont typeface="Wingdings" panose="05000000000000000000" pitchFamily="2" charset="2"/>
+                  <a:buChar char="§"/>
+                </a:pPr>
+                <a:r>
+                  <a:rPr lang="pt-BR" dirty="0"/>
+                  <a:t>Mini-batch</a:t>
+                </a:r>
+              </a:p>
+              <a:p>
+                <a:r>
+                  <a:rPr lang="pt-BR" dirty="0"/>
+                  <a:t>Neste tópico, discutiremos o quão importante é o ajuste do passo de aprendizagem, </a:t>
+                </a:r>
+                <a14:m>
+                  <m:oMath xmlns:m="http://schemas.openxmlformats.org/officeDocument/2006/math">
+                    <m:r>
+                      <a:rPr lang="pt-BR" i="1" smtClean="0">
+                        <a:latin typeface="Cambria Math" panose="02040503050406030204" pitchFamily="18" charset="0"/>
+                        <a:ea typeface="Cambria Math" panose="02040503050406030204" pitchFamily="18" charset="0"/>
+                      </a:rPr>
+                      <m:t>𝛼</m:t>
+                    </m:r>
+                  </m:oMath>
+                </a14:m>
+                <a:r>
+                  <a:rPr lang="pt-BR" dirty="0"/>
+                  <a:t>.</a:t>
+                </a:r>
+              </a:p>
+            </p:txBody>
+          </p:sp>
+        </mc:Choice>
+        <mc:Fallback xmlns="">
+          <p:sp>
+            <p:nvSpPr>
+              <p:cNvPr id="3" name="Content Placeholder 2"/>
+              <p:cNvSpPr>
+                <a:spLocks noGrp="1" noRot="1" noChangeAspect="1" noMove="1" noResize="1" noEditPoints="1" noAdjustHandles="1" noChangeArrowheads="1" noChangeShapeType="1" noTextEdit="1"/>
+              </p:cNvSpPr>
+              <p:nvPr>
+                <p:ph idx="1"/>
+              </p:nvPr>
+            </p:nvSpPr>
+            <p:spPr>
+              <a:xfrm>
+                <a:off x="838199" y="1825624"/>
+                <a:ext cx="11077282" cy="5032376"/>
+              </a:xfrm>
+              <a:blipFill>
+                <a:blip r:embed="rId2"/>
+                <a:stretch>
+                  <a:fillRect l="-935" t="-2663" r="-1760"/>
+                </a:stretch>
+              </a:blipFill>
+            </p:spPr>
+            <p:txBody>
+              <a:bodyPr/>
+              <a:lstStyle/>
+              <a:p>
+                <a:r>
+                  <a:rPr lang="pt-BR">
+                    <a:noFill/>
+                  </a:rPr>
+                  <a:t> </a:t>
+                </a:r>
+              </a:p>
+            </p:txBody>
+          </p:sp>
+        </mc:Fallback>
+      </mc:AlternateContent>
+    </p:spTree>
+    <p:extLst>
+      <p:ext uri="{BB962C8B-B14F-4D97-AF65-F5344CB8AC3E}">
+        <p14:creationId xmlns:p14="http://schemas.microsoft.com/office/powerpoint/2010/main" val="3057771208"/>
+      </p:ext>
+    </p:extLst>
+  </p:cSld>
+  <p:clrMapOvr>
+    <a:masterClrMapping/>
+  </p:clrMapOvr>
+</p:sld>
+</file>
+
+<file path=ppt/slides/slide20.xml><?xml version="1.0" encoding="utf-8"?>
 <p:sld xmlns:a="http://schemas.openxmlformats.org/drawingml/2006/main" xmlns:r="http://schemas.openxmlformats.org/officeDocument/2006/relationships" xmlns:p="http://schemas.openxmlformats.org/presentationml/2006/main">
   <p:cSld>
     <p:spTree>
@@ -13399,7 +11008,7 @@
 </p:sld>
 </file>
 
-<file path=ppt/slides/slide24.xml><?xml version="1.0" encoding="utf-8"?>
+<file path=ppt/slides/slide21.xml><?xml version="1.0" encoding="utf-8"?>
 <p:sld xmlns:a="http://schemas.openxmlformats.org/drawingml/2006/main" xmlns:r="http://schemas.openxmlformats.org/officeDocument/2006/relationships" xmlns:p="http://schemas.openxmlformats.org/presentationml/2006/main">
   <p:cSld>
     <p:spTree>
@@ -15148,7 +12757,7 @@
 </p:sld>
 </file>
 
-<file path=ppt/slides/slide25.xml><?xml version="1.0" encoding="utf-8"?>
+<file path=ppt/slides/slide22.xml><?xml version="1.0" encoding="utf-8"?>
 <p:sld xmlns:a="http://schemas.openxmlformats.org/drawingml/2006/main" xmlns:r="http://schemas.openxmlformats.org/officeDocument/2006/relationships" xmlns:p="http://schemas.openxmlformats.org/presentationml/2006/main">
   <p:cSld>
     <p:spTree>
@@ -17089,7 +14698,7 @@
 </p:sld>
 </file>
 
-<file path=ppt/slides/slide26.xml><?xml version="1.0" encoding="utf-8"?>
+<file path=ppt/slides/slide23.xml><?xml version="1.0" encoding="utf-8"?>
 <p:sld xmlns:a="http://schemas.openxmlformats.org/drawingml/2006/main" xmlns:r="http://schemas.openxmlformats.org/officeDocument/2006/relationships" xmlns:p="http://schemas.openxmlformats.org/presentationml/2006/main">
   <p:cSld>
     <p:spTree>
@@ -18239,7 +15848,7 @@
 </p:sld>
 </file>
 
-<file path=ppt/slides/slide27.xml><?xml version="1.0" encoding="utf-8"?>
+<file path=ppt/slides/slide24.xml><?xml version="1.0" encoding="utf-8"?>
 <p:sld xmlns:a="http://schemas.openxmlformats.org/drawingml/2006/main" xmlns:r="http://schemas.openxmlformats.org/officeDocument/2006/relationships" xmlns:p="http://schemas.openxmlformats.org/presentationml/2006/main">
   <p:cSld>
     <p:spTree>
@@ -19584,7 +17193,7 @@
 </p:sld>
 </file>
 
-<file path=ppt/slides/slide28.xml><?xml version="1.0" encoding="utf-8"?>
+<file path=ppt/slides/slide25.xml><?xml version="1.0" encoding="utf-8"?>
 <p:sld xmlns:a="http://schemas.openxmlformats.org/drawingml/2006/main" xmlns:r="http://schemas.openxmlformats.org/officeDocument/2006/relationships" xmlns:p="http://schemas.openxmlformats.org/presentationml/2006/main">
   <p:cSld>
     <p:spTree>
@@ -20928,7 +18537,7 @@
 </p:sld>
 </file>
 
-<file path=ppt/slides/slide29.xml><?xml version="1.0" encoding="utf-8"?>
+<file path=ppt/slides/slide26.xml><?xml version="1.0" encoding="utf-8"?>
 <p:sld xmlns:a="http://schemas.openxmlformats.org/drawingml/2006/main" xmlns:r="http://schemas.openxmlformats.org/officeDocument/2006/relationships" xmlns:p="http://schemas.openxmlformats.org/presentationml/2006/main">
   <p:cSld>
     <p:spTree>
@@ -22680,327 +20289,7 @@
 </p:sld>
 </file>
 
-<file path=ppt/slides/slide3.xml><?xml version="1.0" encoding="utf-8"?>
-<p:sld xmlns:a="http://schemas.openxmlformats.org/drawingml/2006/main" xmlns:r="http://schemas.openxmlformats.org/officeDocument/2006/relationships" xmlns:p="http://schemas.openxmlformats.org/presentationml/2006/main">
-  <p:cSld>
-    <p:spTree>
-      <p:nvGrpSpPr>
-        <p:cNvPr id="1" name=""/>
-        <p:cNvGrpSpPr/>
-        <p:nvPr/>
-      </p:nvGrpSpPr>
-      <p:grpSpPr>
-        <a:xfrm>
-          <a:off x="0" y="0"/>
-          <a:ext cx="0" cy="0"/>
-          <a:chOff x="0" y="0"/>
-          <a:chExt cx="0" cy="0"/>
-        </a:xfrm>
-      </p:grpSpPr>
-      <p:sp>
-        <p:nvSpPr>
-          <p:cNvPr id="2" name="Título 1">
-            <a:extLst>
-              <a:ext uri="{FF2B5EF4-FFF2-40B4-BE49-F238E27FC236}">
-                <a16:creationId xmlns:a16="http://schemas.microsoft.com/office/drawing/2014/main" id="{B4A549E3-7E5B-04E3-09ED-A7C3171C6D5F}"/>
-              </a:ext>
-            </a:extLst>
-          </p:cNvPr>
-          <p:cNvSpPr>
-            <a:spLocks noGrp="1"/>
-          </p:cNvSpPr>
-          <p:nvPr>
-            <p:ph type="title"/>
-          </p:nvPr>
-        </p:nvSpPr>
-        <p:spPr/>
-        <p:txBody>
-          <a:bodyPr/>
-          <a:lstStyle/>
-          <a:p>
-            <a:r>
-              <a:rPr lang="pt-BR" dirty="0"/>
-              <a:t>Escolha do passo de aprendizagem</a:t>
-            </a:r>
-          </a:p>
-        </p:txBody>
-      </p:sp>
-      <mc:AlternateContent xmlns:mc="http://schemas.openxmlformats.org/markup-compatibility/2006">
-        <mc:Choice xmlns:a14="http://schemas.microsoft.com/office/drawing/2010/main" Requires="a14">
-          <p:sp>
-            <p:nvSpPr>
-              <p:cNvPr id="3" name="Espaço Reservado para Conteúdo 2">
-                <a:extLst>
-                  <a:ext uri="{FF2B5EF4-FFF2-40B4-BE49-F238E27FC236}">
-                    <a16:creationId xmlns:a16="http://schemas.microsoft.com/office/drawing/2014/main" id="{3323DEB1-E32D-5111-52A9-A936D5B18776}"/>
-                  </a:ext>
-                </a:extLst>
-              </p:cNvPr>
-              <p:cNvSpPr>
-                <a:spLocks noGrp="1"/>
-              </p:cNvSpPr>
-              <p:nvPr>
-                <p:ph idx="1"/>
-              </p:nvPr>
-            </p:nvSpPr>
-            <p:spPr>
-              <a:xfrm>
-                <a:off x="5693790" y="1825624"/>
-                <a:ext cx="6306533" cy="5032375"/>
-              </a:xfrm>
-            </p:spPr>
-            <p:txBody>
-              <a:bodyPr>
-                <a:normAutofit/>
-              </a:bodyPr>
-              <a:lstStyle/>
-              <a:p>
-                <a:r>
-                  <a:rPr lang="pt-BR" dirty="0"/>
-                  <a:t>Conforme nós vimos, no gradiente descendente, o </a:t>
-                </a:r>
-                <a:r>
-                  <a:rPr lang="pt-BR" b="1" i="1" dirty="0">
-                    <a:solidFill>
-                      <a:srgbClr val="FF0000"/>
-                    </a:solidFill>
-                  </a:rPr>
-                  <a:t>negativo</a:t>
-                </a:r>
-                <a:r>
-                  <a:rPr lang="pt-BR" dirty="0"/>
-                  <a:t> do </a:t>
-                </a:r>
-                <a:r>
-                  <a:rPr lang="pt-BR" b="1" i="1" dirty="0">
-                    <a:solidFill>
-                      <a:srgbClr val="7030A0"/>
-                    </a:solidFill>
-                  </a:rPr>
-                  <a:t>vetor gradiente</a:t>
-                </a:r>
-                <a:r>
-                  <a:rPr lang="pt-BR" dirty="0"/>
-                  <a:t>, </a:t>
-                </a:r>
-                <a14:m>
-                  <m:oMath xmlns:m="http://schemas.openxmlformats.org/officeDocument/2006/math">
-                    <m:r>
-                      <a:rPr lang="pt-BR" b="0" i="0" smtClean="0">
-                        <a:latin typeface="Cambria Math" panose="02040503050406030204" pitchFamily="18" charset="0"/>
-                        <a:ea typeface="Cambria Math" panose="02040503050406030204" pitchFamily="18" charset="0"/>
-                      </a:rPr>
-                      <m:t>−</m:t>
-                    </m:r>
-                    <m:r>
-                      <a:rPr lang="pt-BR" i="1" smtClean="0">
-                        <a:latin typeface="Cambria Math" panose="02040503050406030204" pitchFamily="18" charset="0"/>
-                        <a:ea typeface="Cambria Math" panose="02040503050406030204" pitchFamily="18" charset="0"/>
-                      </a:rPr>
-                      <m:t>𝛻</m:t>
-                    </m:r>
-                    <m:r>
-                      <a:rPr lang="pt-BR" i="1" smtClean="0">
-                        <a:latin typeface="Cambria Math" panose="02040503050406030204" pitchFamily="18" charset="0"/>
-                        <a:ea typeface="Cambria Math" panose="02040503050406030204" pitchFamily="18" charset="0"/>
-                      </a:rPr>
-                      <m:t>𝑓</m:t>
-                    </m:r>
-                    <m:d>
-                      <m:dPr>
-                        <m:ctrlPr>
-                          <a:rPr lang="pt-BR" i="1">
-                            <a:latin typeface="Cambria Math" panose="02040503050406030204" pitchFamily="18" charset="0"/>
-                            <a:ea typeface="Cambria Math" panose="02040503050406030204" pitchFamily="18" charset="0"/>
-                          </a:rPr>
-                        </m:ctrlPr>
-                      </m:dPr>
-                      <m:e>
-                        <m:r>
-                          <a:rPr lang="pt-BR" i="1">
-                            <a:latin typeface="Cambria Math" panose="02040503050406030204" pitchFamily="18" charset="0"/>
-                          </a:rPr>
-                          <m:t>𝑥</m:t>
-                        </m:r>
-                      </m:e>
-                    </m:d>
-                  </m:oMath>
-                </a14:m>
-                <a:r>
-                  <a:rPr lang="pt-BR" dirty="0"/>
-                  <a:t>, dá a </a:t>
-                </a:r>
-                <a:r>
-                  <a:rPr lang="pt-BR" b="1" i="1" dirty="0">
-                    <a:solidFill>
-                      <a:srgbClr val="00B050"/>
-                    </a:solidFill>
-                  </a:rPr>
-                  <a:t>direção </a:t>
-                </a:r>
-                <a:r>
-                  <a:rPr lang="pt-BR" b="1" i="1" dirty="0">
-                    <a:solidFill>
-                      <a:srgbClr val="00B050"/>
-                    </a:solidFill>
-                    <a:effectLst/>
-                  </a:rPr>
-                  <a:t>de decrescimento mais rápido de uma função</a:t>
-                </a:r>
-                <a:r>
-                  <a:rPr lang="pt-BR" b="0" i="0" dirty="0">
-                    <a:effectLst/>
-                  </a:rPr>
-                  <a:t> a partir de um ponto e sua </a:t>
-                </a:r>
-                <a:r>
-                  <a:rPr lang="pt-BR" b="1" i="1" dirty="0">
-                    <a:solidFill>
-                      <a:srgbClr val="00B050"/>
-                    </a:solidFill>
-                    <a:effectLst/>
-                  </a:rPr>
-                  <a:t>magnitude</a:t>
-                </a:r>
-                <a:r>
-                  <a:rPr lang="pt-BR" b="0" i="0" dirty="0">
-                    <a:effectLst/>
-                  </a:rPr>
-                  <a:t> indica a </a:t>
-                </a:r>
-                <a:r>
-                  <a:rPr lang="pt-BR" b="1" i="1" dirty="0">
-                    <a:solidFill>
-                      <a:srgbClr val="00B050"/>
-                    </a:solidFill>
-                    <a:effectLst/>
-                  </a:rPr>
-                  <a:t>taxa de variação da função</a:t>
-                </a:r>
-                <a:r>
-                  <a:rPr lang="pt-BR" b="0" i="0" dirty="0">
-                    <a:effectLst/>
-                  </a:rPr>
-                  <a:t> nessa direção.</a:t>
-                </a:r>
-                <a:endParaRPr lang="pt-BR" b="1" i="1" dirty="0">
-                  <a:effectLst/>
-                </a:endParaRPr>
-              </a:p>
-              <a:p>
-                <a:r>
-                  <a:rPr lang="pt-BR" dirty="0"/>
-                  <a:t>Porém, ele não nos informa a </a:t>
-                </a:r>
-                <a:r>
-                  <a:rPr lang="pt-BR" b="1" i="1" dirty="0">
-                    <a:solidFill>
-                      <a:srgbClr val="00B050"/>
-                    </a:solidFill>
-                  </a:rPr>
-                  <a:t>distância</a:t>
-                </a:r>
-                <a:r>
-                  <a:rPr lang="pt-BR" dirty="0"/>
-                  <a:t> até o ponto de máximo.</a:t>
-                </a:r>
-              </a:p>
-            </p:txBody>
-          </p:sp>
-        </mc:Choice>
-        <mc:Fallback>
-          <p:sp>
-            <p:nvSpPr>
-              <p:cNvPr id="3" name="Espaço Reservado para Conteúdo 2">
-                <a:extLst>
-                  <a:ext uri="{FF2B5EF4-FFF2-40B4-BE49-F238E27FC236}">
-                    <a16:creationId xmlns:a16="http://schemas.microsoft.com/office/drawing/2014/main" id="{3323DEB1-E32D-5111-52A9-A936D5B18776}"/>
-                  </a:ext>
-                </a:extLst>
-              </p:cNvPr>
-              <p:cNvSpPr>
-                <a:spLocks noGrp="1" noRot="1" noChangeAspect="1" noMove="1" noResize="1" noEditPoints="1" noAdjustHandles="1" noChangeArrowheads="1" noChangeShapeType="1" noTextEdit="1"/>
-              </p:cNvSpPr>
-              <p:nvPr>
-                <p:ph idx="1"/>
-              </p:nvPr>
-            </p:nvSpPr>
-            <p:spPr>
-              <a:xfrm>
-                <a:off x="5693790" y="1825624"/>
-                <a:ext cx="6306533" cy="5032375"/>
-              </a:xfrm>
-              <a:blipFill>
-                <a:blip r:embed="rId2"/>
-                <a:stretch>
-                  <a:fillRect l="-1739" t="-1937" r="-1449"/>
-                </a:stretch>
-              </a:blipFill>
-            </p:spPr>
-            <p:txBody>
-              <a:bodyPr/>
-              <a:lstStyle/>
-              <a:p>
-                <a:r>
-                  <a:rPr lang="pt-BR">
-                    <a:noFill/>
-                  </a:rPr>
-                  <a:t> </a:t>
-                </a:r>
-              </a:p>
-            </p:txBody>
-          </p:sp>
-        </mc:Fallback>
-      </mc:AlternateContent>
-      <p:pic>
-        <p:nvPicPr>
-          <p:cNvPr id="4" name="Imagem 3">
-            <a:extLst>
-              <a:ext uri="{FF2B5EF4-FFF2-40B4-BE49-F238E27FC236}">
-                <a16:creationId xmlns:a16="http://schemas.microsoft.com/office/drawing/2014/main" id="{860F9137-10B0-2765-3CAF-0E8F4196E620}"/>
-              </a:ext>
-            </a:extLst>
-          </p:cNvPr>
-          <p:cNvPicPr>
-            <a:picLocks noChangeAspect="1"/>
-          </p:cNvPicPr>
-          <p:nvPr/>
-        </p:nvPicPr>
-        <p:blipFill rotWithShape="1">
-          <a:blip r:embed="rId3">
-            <a:extLst>
-              <a:ext uri="{28A0092B-C50C-407E-A947-70E740481C1C}">
-                <a14:useLocalDpi xmlns:a14="http://schemas.microsoft.com/office/drawing/2010/main" val="0"/>
-              </a:ext>
-            </a:extLst>
-          </a:blip>
-          <a:srcRect t="47746"/>
-          <a:stretch/>
-        </p:blipFill>
-        <p:spPr>
-          <a:xfrm>
-            <a:off x="191677" y="2780906"/>
-            <a:ext cx="5270984" cy="1888343"/>
-          </a:xfrm>
-          <a:prstGeom prst="rect">
-            <a:avLst/>
-          </a:prstGeom>
-        </p:spPr>
-      </p:pic>
-    </p:spTree>
-    <p:extLst>
-      <p:ext uri="{BB962C8B-B14F-4D97-AF65-F5344CB8AC3E}">
-        <p14:creationId xmlns:p14="http://schemas.microsoft.com/office/powerpoint/2010/main" val="1489300720"/>
-      </p:ext>
-    </p:extLst>
-  </p:cSld>
-  <p:clrMapOvr>
-    <a:masterClrMapping/>
-  </p:clrMapOvr>
-</p:sld>
-</file>
-
-<file path=ppt/slides/slide30.xml><?xml version="1.0" encoding="utf-8"?>
+<file path=ppt/slides/slide27.xml><?xml version="1.0" encoding="utf-8"?>
 <p:sld xmlns:a="http://schemas.openxmlformats.org/drawingml/2006/main" xmlns:r="http://schemas.openxmlformats.org/officeDocument/2006/relationships" xmlns:p="http://schemas.openxmlformats.org/presentationml/2006/main">
   <p:cSld>
     <p:spTree>
@@ -26426,7 +23715,7 @@
 </p:sld>
 </file>
 
-<file path=ppt/slides/slide31.xml><?xml version="1.0" encoding="utf-8"?>
+<file path=ppt/slides/slide28.xml><?xml version="1.0" encoding="utf-8"?>
 <p:sld xmlns:a="http://schemas.openxmlformats.org/drawingml/2006/main" xmlns:r="http://schemas.openxmlformats.org/officeDocument/2006/relationships" xmlns:p="http://schemas.openxmlformats.org/presentationml/2006/main">
   <p:cSld>
     <p:spTree>
@@ -28501,7 +25790,7 @@
 </p:sld>
 </file>
 
-<file path=ppt/slides/slide32.xml><?xml version="1.0" encoding="utf-8"?>
+<file path=ppt/slides/slide29.xml><?xml version="1.0" encoding="utf-8"?>
 <p:sld xmlns:a="http://schemas.openxmlformats.org/drawingml/2006/main" xmlns:r="http://schemas.openxmlformats.org/officeDocument/2006/relationships" xmlns:p="http://schemas.openxmlformats.org/presentationml/2006/main">
   <p:cSld>
     <p:spTree>
@@ -28606,7 +25895,327 @@
 </p:sld>
 </file>
 
-<file path=ppt/slides/slide33.xml><?xml version="1.0" encoding="utf-8"?>
+<file path=ppt/slides/slide3.xml><?xml version="1.0" encoding="utf-8"?>
+<p:sld xmlns:a="http://schemas.openxmlformats.org/drawingml/2006/main" xmlns:r="http://schemas.openxmlformats.org/officeDocument/2006/relationships" xmlns:p="http://schemas.openxmlformats.org/presentationml/2006/main">
+  <p:cSld>
+    <p:spTree>
+      <p:nvGrpSpPr>
+        <p:cNvPr id="1" name=""/>
+        <p:cNvGrpSpPr/>
+        <p:nvPr/>
+      </p:nvGrpSpPr>
+      <p:grpSpPr>
+        <a:xfrm>
+          <a:off x="0" y="0"/>
+          <a:ext cx="0" cy="0"/>
+          <a:chOff x="0" y="0"/>
+          <a:chExt cx="0" cy="0"/>
+        </a:xfrm>
+      </p:grpSpPr>
+      <p:sp>
+        <p:nvSpPr>
+          <p:cNvPr id="2" name="Título 1">
+            <a:extLst>
+              <a:ext uri="{FF2B5EF4-FFF2-40B4-BE49-F238E27FC236}">
+                <a16:creationId xmlns:a16="http://schemas.microsoft.com/office/drawing/2014/main" id="{B4A549E3-7E5B-04E3-09ED-A7C3171C6D5F}"/>
+              </a:ext>
+            </a:extLst>
+          </p:cNvPr>
+          <p:cNvSpPr>
+            <a:spLocks noGrp="1"/>
+          </p:cNvSpPr>
+          <p:nvPr>
+            <p:ph type="title"/>
+          </p:nvPr>
+        </p:nvSpPr>
+        <p:spPr/>
+        <p:txBody>
+          <a:bodyPr/>
+          <a:lstStyle/>
+          <a:p>
+            <a:r>
+              <a:rPr lang="pt-BR" dirty="0"/>
+              <a:t>Escolha do passo de aprendizagem</a:t>
+            </a:r>
+          </a:p>
+        </p:txBody>
+      </p:sp>
+      <mc:AlternateContent xmlns:mc="http://schemas.openxmlformats.org/markup-compatibility/2006" xmlns:a14="http://schemas.microsoft.com/office/drawing/2010/main">
+        <mc:Choice Requires="a14">
+          <p:sp>
+            <p:nvSpPr>
+              <p:cNvPr id="3" name="Espaço Reservado para Conteúdo 2">
+                <a:extLst>
+                  <a:ext uri="{FF2B5EF4-FFF2-40B4-BE49-F238E27FC236}">
+                    <a16:creationId xmlns:a16="http://schemas.microsoft.com/office/drawing/2014/main" id="{3323DEB1-E32D-5111-52A9-A936D5B18776}"/>
+                  </a:ext>
+                </a:extLst>
+              </p:cNvPr>
+              <p:cNvSpPr>
+                <a:spLocks noGrp="1"/>
+              </p:cNvSpPr>
+              <p:nvPr>
+                <p:ph idx="1"/>
+              </p:nvPr>
+            </p:nvSpPr>
+            <p:spPr>
+              <a:xfrm>
+                <a:off x="5693790" y="1825624"/>
+                <a:ext cx="6306533" cy="5032375"/>
+              </a:xfrm>
+            </p:spPr>
+            <p:txBody>
+              <a:bodyPr>
+                <a:normAutofit/>
+              </a:bodyPr>
+              <a:lstStyle/>
+              <a:p>
+                <a:r>
+                  <a:rPr lang="pt-BR" dirty="0"/>
+                  <a:t>Conforme nós vimos, no gradiente descendente, o </a:t>
+                </a:r>
+                <a:r>
+                  <a:rPr lang="pt-BR" b="1" i="1" dirty="0">
+                    <a:solidFill>
+                      <a:srgbClr val="FF0000"/>
+                    </a:solidFill>
+                  </a:rPr>
+                  <a:t>negativo</a:t>
+                </a:r>
+                <a:r>
+                  <a:rPr lang="pt-BR" dirty="0"/>
+                  <a:t> do </a:t>
+                </a:r>
+                <a:r>
+                  <a:rPr lang="pt-BR" b="1" i="1" dirty="0">
+                    <a:solidFill>
+                      <a:srgbClr val="7030A0"/>
+                    </a:solidFill>
+                  </a:rPr>
+                  <a:t>vetor gradiente</a:t>
+                </a:r>
+                <a:r>
+                  <a:rPr lang="pt-BR" dirty="0"/>
+                  <a:t>, </a:t>
+                </a:r>
+                <a14:m>
+                  <m:oMath xmlns:m="http://schemas.openxmlformats.org/officeDocument/2006/math">
+                    <m:r>
+                      <a:rPr lang="pt-BR" b="0" i="0" smtClean="0">
+                        <a:latin typeface="Cambria Math" panose="02040503050406030204" pitchFamily="18" charset="0"/>
+                        <a:ea typeface="Cambria Math" panose="02040503050406030204" pitchFamily="18" charset="0"/>
+                      </a:rPr>
+                      <m:t>−</m:t>
+                    </m:r>
+                    <m:r>
+                      <a:rPr lang="pt-BR" i="1" smtClean="0">
+                        <a:latin typeface="Cambria Math" panose="02040503050406030204" pitchFamily="18" charset="0"/>
+                        <a:ea typeface="Cambria Math" panose="02040503050406030204" pitchFamily="18" charset="0"/>
+                      </a:rPr>
+                      <m:t>𝛻</m:t>
+                    </m:r>
+                    <m:r>
+                      <a:rPr lang="pt-BR" i="1" smtClean="0">
+                        <a:latin typeface="Cambria Math" panose="02040503050406030204" pitchFamily="18" charset="0"/>
+                        <a:ea typeface="Cambria Math" panose="02040503050406030204" pitchFamily="18" charset="0"/>
+                      </a:rPr>
+                      <m:t>𝑓</m:t>
+                    </m:r>
+                    <m:d>
+                      <m:dPr>
+                        <m:ctrlPr>
+                          <a:rPr lang="pt-BR" i="1">
+                            <a:latin typeface="Cambria Math" panose="02040503050406030204" pitchFamily="18" charset="0"/>
+                            <a:ea typeface="Cambria Math" panose="02040503050406030204" pitchFamily="18" charset="0"/>
+                          </a:rPr>
+                        </m:ctrlPr>
+                      </m:dPr>
+                      <m:e>
+                        <m:r>
+                          <a:rPr lang="pt-BR" i="1">
+                            <a:latin typeface="Cambria Math" panose="02040503050406030204" pitchFamily="18" charset="0"/>
+                          </a:rPr>
+                          <m:t>𝑥</m:t>
+                        </m:r>
+                      </m:e>
+                    </m:d>
+                  </m:oMath>
+                </a14:m>
+                <a:r>
+                  <a:rPr lang="pt-BR" dirty="0"/>
+                  <a:t>, dá a </a:t>
+                </a:r>
+                <a:r>
+                  <a:rPr lang="pt-BR" b="1" i="1" dirty="0">
+                    <a:solidFill>
+                      <a:srgbClr val="00B050"/>
+                    </a:solidFill>
+                  </a:rPr>
+                  <a:t>direção </a:t>
+                </a:r>
+                <a:r>
+                  <a:rPr lang="pt-BR" b="1" i="1" dirty="0">
+                    <a:solidFill>
+                      <a:srgbClr val="00B050"/>
+                    </a:solidFill>
+                    <a:effectLst/>
+                  </a:rPr>
+                  <a:t>de decrescimento mais rápido de uma função</a:t>
+                </a:r>
+                <a:r>
+                  <a:rPr lang="pt-BR" b="0" i="0" dirty="0">
+                    <a:effectLst/>
+                  </a:rPr>
+                  <a:t> a partir de um ponto e sua </a:t>
+                </a:r>
+                <a:r>
+                  <a:rPr lang="pt-BR" b="1" i="1" dirty="0">
+                    <a:solidFill>
+                      <a:srgbClr val="00B050"/>
+                    </a:solidFill>
+                    <a:effectLst/>
+                  </a:rPr>
+                  <a:t>magnitude</a:t>
+                </a:r>
+                <a:r>
+                  <a:rPr lang="pt-BR" b="0" i="0" dirty="0">
+                    <a:effectLst/>
+                  </a:rPr>
+                  <a:t> indica a </a:t>
+                </a:r>
+                <a:r>
+                  <a:rPr lang="pt-BR" b="1" i="1" dirty="0">
+                    <a:solidFill>
+                      <a:srgbClr val="00B050"/>
+                    </a:solidFill>
+                    <a:effectLst/>
+                  </a:rPr>
+                  <a:t>taxa de variação da função</a:t>
+                </a:r>
+                <a:r>
+                  <a:rPr lang="pt-BR" b="0" i="0" dirty="0">
+                    <a:effectLst/>
+                  </a:rPr>
+                  <a:t> nessa direção.</a:t>
+                </a:r>
+                <a:endParaRPr lang="pt-BR" b="1" i="1" dirty="0">
+                  <a:effectLst/>
+                </a:endParaRPr>
+              </a:p>
+              <a:p>
+                <a:r>
+                  <a:rPr lang="pt-BR" dirty="0"/>
+                  <a:t>Porém, ele não nos informa a </a:t>
+                </a:r>
+                <a:r>
+                  <a:rPr lang="pt-BR" b="1" i="1" dirty="0">
+                    <a:solidFill>
+                      <a:srgbClr val="00B050"/>
+                    </a:solidFill>
+                  </a:rPr>
+                  <a:t>distância</a:t>
+                </a:r>
+                <a:r>
+                  <a:rPr lang="pt-BR" dirty="0"/>
+                  <a:t> até o ponto de máximo.</a:t>
+                </a:r>
+              </a:p>
+            </p:txBody>
+          </p:sp>
+        </mc:Choice>
+        <mc:Fallback xmlns="">
+          <p:sp>
+            <p:nvSpPr>
+              <p:cNvPr id="3" name="Espaço Reservado para Conteúdo 2">
+                <a:extLst>
+                  <a:ext uri="{FF2B5EF4-FFF2-40B4-BE49-F238E27FC236}">
+                    <a16:creationId xmlns:a16="http://schemas.microsoft.com/office/drawing/2014/main" id="{3323DEB1-E32D-5111-52A9-A936D5B18776}"/>
+                  </a:ext>
+                </a:extLst>
+              </p:cNvPr>
+              <p:cNvSpPr>
+                <a:spLocks noGrp="1" noRot="1" noChangeAspect="1" noMove="1" noResize="1" noEditPoints="1" noAdjustHandles="1" noChangeArrowheads="1" noChangeShapeType="1" noTextEdit="1"/>
+              </p:cNvSpPr>
+              <p:nvPr>
+                <p:ph idx="1"/>
+              </p:nvPr>
+            </p:nvSpPr>
+            <p:spPr>
+              <a:xfrm>
+                <a:off x="5693790" y="1825624"/>
+                <a:ext cx="6306533" cy="5032375"/>
+              </a:xfrm>
+              <a:blipFill>
+                <a:blip r:embed="rId2"/>
+                <a:stretch>
+                  <a:fillRect l="-1739" t="-1937" r="-1449"/>
+                </a:stretch>
+              </a:blipFill>
+            </p:spPr>
+            <p:txBody>
+              <a:bodyPr/>
+              <a:lstStyle/>
+              <a:p>
+                <a:r>
+                  <a:rPr lang="pt-BR">
+                    <a:noFill/>
+                  </a:rPr>
+                  <a:t> </a:t>
+                </a:r>
+              </a:p>
+            </p:txBody>
+          </p:sp>
+        </mc:Fallback>
+      </mc:AlternateContent>
+      <p:pic>
+        <p:nvPicPr>
+          <p:cNvPr id="4" name="Imagem 3">
+            <a:extLst>
+              <a:ext uri="{FF2B5EF4-FFF2-40B4-BE49-F238E27FC236}">
+                <a16:creationId xmlns:a16="http://schemas.microsoft.com/office/drawing/2014/main" id="{860F9137-10B0-2765-3CAF-0E8F4196E620}"/>
+              </a:ext>
+            </a:extLst>
+          </p:cNvPr>
+          <p:cNvPicPr>
+            <a:picLocks noChangeAspect="1"/>
+          </p:cNvPicPr>
+          <p:nvPr/>
+        </p:nvPicPr>
+        <p:blipFill rotWithShape="1">
+          <a:blip r:embed="rId3">
+            <a:extLst>
+              <a:ext uri="{28A0092B-C50C-407E-A947-70E740481C1C}">
+                <a14:useLocalDpi xmlns:a14="http://schemas.microsoft.com/office/drawing/2010/main" val="0"/>
+              </a:ext>
+            </a:extLst>
+          </a:blip>
+          <a:srcRect t="47746"/>
+          <a:stretch/>
+        </p:blipFill>
+        <p:spPr>
+          <a:xfrm>
+            <a:off x="191677" y="2780906"/>
+            <a:ext cx="5270984" cy="1888343"/>
+          </a:xfrm>
+          <a:prstGeom prst="rect">
+            <a:avLst/>
+          </a:prstGeom>
+        </p:spPr>
+      </p:pic>
+    </p:spTree>
+    <p:extLst>
+      <p:ext uri="{BB962C8B-B14F-4D97-AF65-F5344CB8AC3E}">
+        <p14:creationId xmlns:p14="http://schemas.microsoft.com/office/powerpoint/2010/main" val="1489300720"/>
+      </p:ext>
+    </p:extLst>
+  </p:cSld>
+  <p:clrMapOvr>
+    <a:masterClrMapping/>
+  </p:clrMapOvr>
+</p:sld>
+</file>
+
+<file path=ppt/slides/slide30.xml><?xml version="1.0" encoding="utf-8"?>
 <p:sld xmlns:a="http://schemas.openxmlformats.org/drawingml/2006/main" xmlns:r="http://schemas.openxmlformats.org/officeDocument/2006/relationships" xmlns:p="http://schemas.openxmlformats.org/presentationml/2006/main">
   <p:cSld>
     <p:spTree>
@@ -30750,7 +28359,7 @@
 </p:sld>
 </file>
 
-<file path=ppt/slides/slide34.xml><?xml version="1.0" encoding="utf-8"?>
+<file path=ppt/slides/slide31.xml><?xml version="1.0" encoding="utf-8"?>
 <p:sld xmlns:a="http://schemas.openxmlformats.org/drawingml/2006/main" xmlns:r="http://schemas.openxmlformats.org/officeDocument/2006/relationships" xmlns:p="http://schemas.openxmlformats.org/presentationml/2006/main">
   <p:cSld>
     <p:spTree>
@@ -31166,8 +28775,8 @@
           </a:p>
         </p:txBody>
       </p:sp>
-      <mc:AlternateContent xmlns:mc="http://schemas.openxmlformats.org/markup-compatibility/2006">
-        <mc:Choice xmlns:a14="http://schemas.microsoft.com/office/drawing/2010/main" Requires="a14">
+      <mc:AlternateContent xmlns:mc="http://schemas.openxmlformats.org/markup-compatibility/2006" xmlns:a14="http://schemas.microsoft.com/office/drawing/2010/main">
+        <mc:Choice Requires="a14">
           <p:sp>
             <p:nvSpPr>
               <p:cNvPr id="3" name="Espaço Reservado para Conteúdo 2">
@@ -31246,6 +28855,7 @@
                   <m:oMath xmlns:m="http://schemas.openxmlformats.org/officeDocument/2006/math">
                     <m:r>
                       <a:rPr lang="pt-BR" i="1" smtClean="0">
+                        <a:latin typeface="Cambria Math" panose="02040503050406030204" pitchFamily="18" charset="0"/>
                         <a:ea typeface="Cambria Math" panose="02040503050406030204" pitchFamily="18" charset="0"/>
                       </a:rPr>
                       <m:t>𝛼</m:t>
@@ -31344,7 +28954,7 @@
             </p:txBody>
           </p:sp>
         </mc:Choice>
-        <mc:Fallback>
+        <mc:Fallback xmlns="">
           <p:sp>
             <p:nvSpPr>
               <p:cNvPr id="3" name="Espaço Reservado para Conteúdo 2">
@@ -31388,8 +28998,8 @@
           </p:sp>
         </mc:Fallback>
       </mc:AlternateContent>
-      <mc:AlternateContent xmlns:mc="http://schemas.openxmlformats.org/markup-compatibility/2006">
-        <mc:Choice xmlns:a14="http://schemas.microsoft.com/office/drawing/2010/main" Requires="a14">
+      <mc:AlternateContent xmlns:mc="http://schemas.openxmlformats.org/markup-compatibility/2006" xmlns:a14="http://schemas.microsoft.com/office/drawing/2010/main">
+        <mc:Choice Requires="a14">
           <p:sp>
             <p:nvSpPr>
               <p:cNvPr id="6" name="CaixaDeTexto 5">
@@ -31598,7 +29208,7 @@
             </p:txBody>
           </p:sp>
         </mc:Choice>
-        <mc:Fallback>
+        <mc:Fallback xmlns="">
           <p:sp>
             <p:nvSpPr>
               <p:cNvPr id="6" name="CaixaDeTexto 5">
@@ -31769,8 +29379,8 @@
           </a:p>
         </p:txBody>
       </p:sp>
-      <mc:AlternateContent xmlns:mc="http://schemas.openxmlformats.org/markup-compatibility/2006">
-        <mc:Choice xmlns:a14="http://schemas.microsoft.com/office/drawing/2010/main" Requires="a14">
+      <mc:AlternateContent xmlns:mc="http://schemas.openxmlformats.org/markup-compatibility/2006" xmlns:a14="http://schemas.microsoft.com/office/drawing/2010/main">
+        <mc:Choice Requires="a14">
           <p:sp>
             <p:nvSpPr>
               <p:cNvPr id="3" name="Espaço Reservado para Conteúdo 2">
@@ -32010,7 +29620,7 @@
             </p:txBody>
           </p:sp>
         </mc:Choice>
-        <mc:Fallback>
+        <mc:Fallback xmlns="">
           <p:sp>
             <p:nvSpPr>
               <p:cNvPr id="3" name="Espaço Reservado para Conteúdo 2">
@@ -32033,7 +29643,7 @@
                 <a:ext cx="11180974" cy="5032375"/>
               </a:xfrm>
               <a:blipFill>
-                <a:blip r:embed="rId2"/>
+                <a:blip r:embed="rId3"/>
                 <a:stretch>
                   <a:fillRect l="-981" t="-2663" r="-1254"/>
                 </a:stretch>
@@ -32102,8 +29712,8 @@
           </a:p>
         </p:txBody>
       </p:sp>
-      <mc:AlternateContent xmlns:mc="http://schemas.openxmlformats.org/markup-compatibility/2006">
-        <mc:Choice xmlns:a14="http://schemas.microsoft.com/office/drawing/2010/main" Requires="a14">
+      <mc:AlternateContent xmlns:mc="http://schemas.openxmlformats.org/markup-compatibility/2006" xmlns:a14="http://schemas.microsoft.com/office/drawing/2010/main">
+        <mc:Choice Requires="a14">
           <p:sp>
             <p:nvSpPr>
               <p:cNvPr id="7" name="TextBox 17">
@@ -32160,7 +29770,7 @@
             </p:txBody>
           </p:sp>
         </mc:Choice>
-        <mc:Fallback>
+        <mc:Fallback xmlns="">
           <p:sp>
             <p:nvSpPr>
               <p:cNvPr id="7" name="TextBox 17">
@@ -32184,7 +29794,7 @@
                 <a:avLst/>
               </a:prstGeom>
               <a:blipFill>
-                <a:blip r:embed="rId3"/>
+                <a:blip r:embed="rId4"/>
                 <a:stretch>
                   <a:fillRect/>
                 </a:stretch>
@@ -32253,8 +29863,8 @@
           </a:p>
         </p:txBody>
       </p:sp>
-      <mc:AlternateContent xmlns:mc="http://schemas.openxmlformats.org/markup-compatibility/2006">
-        <mc:Choice xmlns:a14="http://schemas.microsoft.com/office/drawing/2010/main" Requires="a14">
+      <mc:AlternateContent xmlns:mc="http://schemas.openxmlformats.org/markup-compatibility/2006" xmlns:a14="http://schemas.microsoft.com/office/drawing/2010/main">
+        <mc:Choice Requires="a14">
           <p:sp>
             <p:nvSpPr>
               <p:cNvPr id="9" name="TextBox 19">
@@ -32318,7 +29928,7 @@
             </p:txBody>
           </p:sp>
         </mc:Choice>
-        <mc:Fallback>
+        <mc:Fallback xmlns="">
           <p:sp>
             <p:nvSpPr>
               <p:cNvPr id="9" name="TextBox 19">
@@ -32342,7 +29952,7 @@
                 <a:avLst/>
               </a:prstGeom>
               <a:blipFill>
-                <a:blip r:embed="rId4"/>
+                <a:blip r:embed="rId5"/>
                 <a:stretch>
                   <a:fillRect/>
                 </a:stretch>
@@ -32411,8 +30021,8 @@
           </a:p>
         </p:txBody>
       </p:sp>
-      <mc:AlternateContent xmlns:mc="http://schemas.openxmlformats.org/markup-compatibility/2006">
-        <mc:Choice xmlns:a14="http://schemas.microsoft.com/office/drawing/2010/main" Requires="a14">
+      <mc:AlternateContent xmlns:mc="http://schemas.openxmlformats.org/markup-compatibility/2006" xmlns:a14="http://schemas.microsoft.com/office/drawing/2010/main">
+        <mc:Choice Requires="a14">
           <p:sp>
             <p:nvSpPr>
               <p:cNvPr id="11" name="TextBox 21">
@@ -32469,7 +30079,7 @@
             </p:txBody>
           </p:sp>
         </mc:Choice>
-        <mc:Fallback>
+        <mc:Fallback xmlns="">
           <p:sp>
             <p:nvSpPr>
               <p:cNvPr id="11" name="TextBox 21">
@@ -32493,7 +30103,7 @@
                 <a:avLst/>
               </a:prstGeom>
               <a:blipFill>
-                <a:blip r:embed="rId5"/>
+                <a:blip r:embed="rId6"/>
                 <a:stretch>
                   <a:fillRect/>
                 </a:stretch>
@@ -32661,8 +30271,8 @@
           </a:p>
         </p:txBody>
       </p:sp>
-      <mc:AlternateContent xmlns:mc="http://schemas.openxmlformats.org/markup-compatibility/2006">
-        <mc:Choice xmlns:a14="http://schemas.microsoft.com/office/drawing/2010/main" Requires="a14">
+      <mc:AlternateContent xmlns:mc="http://schemas.openxmlformats.org/markup-compatibility/2006" xmlns:a14="http://schemas.microsoft.com/office/drawing/2010/main">
+        <mc:Choice Requires="a14">
           <p:sp>
             <p:nvSpPr>
               <p:cNvPr id="15" name="TextBox 28">
@@ -32719,7 +30329,7 @@
             </p:txBody>
           </p:sp>
         </mc:Choice>
-        <mc:Fallback>
+        <mc:Fallback xmlns="">
           <p:sp>
             <p:nvSpPr>
               <p:cNvPr id="15" name="TextBox 28">
@@ -32743,7 +30353,7 @@
                 <a:avLst/>
               </a:prstGeom>
               <a:blipFill>
-                <a:blip r:embed="rId6"/>
+                <a:blip r:embed="rId7"/>
                 <a:stretch>
                   <a:fillRect/>
                 </a:stretch>
@@ -32764,8 +30374,8 @@
           </p:sp>
         </mc:Fallback>
       </mc:AlternateContent>
-      <mc:AlternateContent xmlns:mc="http://schemas.openxmlformats.org/markup-compatibility/2006">
-        <mc:Choice xmlns:a14="http://schemas.microsoft.com/office/drawing/2010/main" Requires="a14">
+      <mc:AlternateContent xmlns:mc="http://schemas.openxmlformats.org/markup-compatibility/2006" xmlns:a14="http://schemas.microsoft.com/office/drawing/2010/main">
+        <mc:Choice Requires="a14">
           <p:sp>
             <p:nvSpPr>
               <p:cNvPr id="16" name="TextBox 29">
@@ -32829,7 +30439,7 @@
             </p:txBody>
           </p:sp>
         </mc:Choice>
-        <mc:Fallback>
+        <mc:Fallback xmlns="">
           <p:sp>
             <p:nvSpPr>
               <p:cNvPr id="16" name="TextBox 29">
@@ -32853,7 +30463,7 @@
                 <a:avLst/>
               </a:prstGeom>
               <a:blipFill>
-                <a:blip r:embed="rId7"/>
+                <a:blip r:embed="rId8"/>
                 <a:stretch>
                   <a:fillRect/>
                 </a:stretch>
@@ -32874,8 +30484,8 @@
           </p:sp>
         </mc:Fallback>
       </mc:AlternateContent>
-      <mc:AlternateContent xmlns:mc="http://schemas.openxmlformats.org/markup-compatibility/2006">
-        <mc:Choice xmlns:a14="http://schemas.microsoft.com/office/drawing/2010/main" Requires="a14">
+      <mc:AlternateContent xmlns:mc="http://schemas.openxmlformats.org/markup-compatibility/2006" xmlns:a14="http://schemas.microsoft.com/office/drawing/2010/main">
+        <mc:Choice Requires="a14">
           <p:sp>
             <p:nvSpPr>
               <p:cNvPr id="17" name="TextBox 19">
@@ -32939,7 +30549,7 @@
             </p:txBody>
           </p:sp>
         </mc:Choice>
-        <mc:Fallback>
+        <mc:Fallback xmlns="">
           <p:sp>
             <p:nvSpPr>
               <p:cNvPr id="17" name="TextBox 19">
@@ -32963,7 +30573,7 @@
                 <a:avLst/>
               </a:prstGeom>
               <a:blipFill>
-                <a:blip r:embed="rId8"/>
+                <a:blip r:embed="rId9"/>
                 <a:stretch>
                   <a:fillRect/>
                 </a:stretch>
@@ -33013,13 +30623,13 @@
           <a:p>
             <a:r>
               <a:rPr lang="nl-BE" sz="1200" dirty="0">
-                <a:hlinkClick r:id="rId9"/>
+                <a:hlinkClick r:id="rId10"/>
               </a:rPr>
               <a:t>Exemplo: </a:t>
             </a:r>
             <a:r>
               <a:rPr lang="pt-BR" sz="1200" dirty="0" err="1">
-                <a:hlinkClick r:id="rId9"/>
+                <a:hlinkClick r:id="rId10"/>
               </a:rPr>
               <a:t>selecionando_o_passo_de_aprendizagem.ipynb</a:t>
             </a:r>
@@ -33041,86 +30651,6 @@
 </file>
 
 <file path=ppt/slides/slide7.xml><?xml version="1.0" encoding="utf-8"?>
-<p:sld xmlns:a="http://schemas.openxmlformats.org/drawingml/2006/main" xmlns:r="http://schemas.openxmlformats.org/officeDocument/2006/relationships" xmlns:p="http://schemas.openxmlformats.org/presentationml/2006/main">
-  <p:cSld>
-    <p:spTree>
-      <p:nvGrpSpPr>
-        <p:cNvPr id="1" name=""/>
-        <p:cNvGrpSpPr/>
-        <p:nvPr/>
-      </p:nvGrpSpPr>
-      <p:grpSpPr>
-        <a:xfrm>
-          <a:off x="0" y="0"/>
-          <a:ext cx="0" cy="0"/>
-          <a:chOff x="0" y="0"/>
-          <a:chExt cx="0" cy="0"/>
-        </a:xfrm>
-      </p:grpSpPr>
-      <p:sp>
-        <p:nvSpPr>
-          <p:cNvPr id="2" name="Título 1">
-            <a:extLst>
-              <a:ext uri="{FF2B5EF4-FFF2-40B4-BE49-F238E27FC236}">
-                <a16:creationId xmlns:a16="http://schemas.microsoft.com/office/drawing/2014/main" id="{2634FA1F-7DF5-8CB6-C57B-EEBB2C81EFF9}"/>
-              </a:ext>
-            </a:extLst>
-          </p:cNvPr>
-          <p:cNvSpPr>
-            <a:spLocks noGrp="1"/>
-          </p:cNvSpPr>
-          <p:nvPr>
-            <p:ph type="title"/>
-          </p:nvPr>
-        </p:nvSpPr>
-        <p:spPr/>
-        <p:txBody>
-          <a:bodyPr/>
-          <a:lstStyle/>
-          <a:p>
-            <a:endParaRPr lang="pt-BR"/>
-          </a:p>
-        </p:txBody>
-      </p:sp>
-      <p:sp>
-        <p:nvSpPr>
-          <p:cNvPr id="3" name="Espaço Reservado para Conteúdo 2">
-            <a:extLst>
-              <a:ext uri="{FF2B5EF4-FFF2-40B4-BE49-F238E27FC236}">
-                <a16:creationId xmlns:a16="http://schemas.microsoft.com/office/drawing/2014/main" id="{784FC7A1-17CB-2E7E-BB8C-B76233CD65EE}"/>
-              </a:ext>
-            </a:extLst>
-          </p:cNvPr>
-          <p:cNvSpPr>
-            <a:spLocks noGrp="1"/>
-          </p:cNvSpPr>
-          <p:nvPr>
-            <p:ph idx="1"/>
-          </p:nvPr>
-        </p:nvSpPr>
-        <p:spPr/>
-        <p:txBody>
-          <a:bodyPr/>
-          <a:lstStyle/>
-          <a:p>
-            <a:endParaRPr lang="pt-BR"/>
-          </a:p>
-        </p:txBody>
-      </p:sp>
-    </p:spTree>
-    <p:extLst>
-      <p:ext uri="{BB962C8B-B14F-4D97-AF65-F5344CB8AC3E}">
-        <p14:creationId xmlns:p14="http://schemas.microsoft.com/office/powerpoint/2010/main" val="2729489963"/>
-      </p:ext>
-    </p:extLst>
-  </p:cSld>
-  <p:clrMapOvr>
-    <a:masterClrMapping/>
-  </p:clrMapOvr>
-</p:sld>
-</file>
-
-<file path=ppt/slides/slide8.xml><?xml version="1.0" encoding="utf-8"?>
 <p:sld xmlns:a="http://schemas.openxmlformats.org/drawingml/2006/main" xmlns:r="http://schemas.openxmlformats.org/officeDocument/2006/relationships" xmlns:p="http://schemas.openxmlformats.org/presentationml/2006/main">
   <p:cSld>
     <p:spTree>
@@ -33186,7 +30716,7 @@
             <p:spPr>
               <a:xfrm>
                 <a:off x="843481" y="1825624"/>
-                <a:ext cx="11218682" cy="2615469"/>
+                <a:ext cx="11218682" cy="2703957"/>
               </a:xfrm>
             </p:spPr>
             <p:txBody>
@@ -33197,13 +30727,37 @@
               <a:p>
                 <a:r>
                   <a:rPr lang="pt-BR" dirty="0"/>
-                  <a:t>Caso ele seja muito pequeno, a convergência do algoritmo será lenta.</a:t>
+                  <a:t>Caso o passo de aprendizagem seja </a:t>
+                </a:r>
+                <a:r>
+                  <a:rPr lang="pt-BR" b="1" i="1" dirty="0">
+                    <a:solidFill>
+                      <a:srgbClr val="00B050"/>
+                    </a:solidFill>
+                  </a:rPr>
+                  <a:t>muito pequeno</a:t>
+                </a:r>
+                <a:r>
+                  <a:rPr lang="pt-BR" dirty="0"/>
+                  <a:t>, a </a:t>
+                </a:r>
+                <a:r>
+                  <a:rPr lang="pt-BR" b="1" i="1" dirty="0">
+                    <a:solidFill>
+                      <a:srgbClr val="00B050"/>
+                    </a:solidFill>
+                  </a:rPr>
+                  <a:t>convergência do algoritmo será muito lenta</a:t>
+                </a:r>
+                <a:r>
+                  <a:rPr lang="pt-BR" dirty="0"/>
+                  <a:t>.</a:t>
                 </a:r>
               </a:p>
               <a:p>
                 <a:r>
                   <a:rPr lang="pt-BR" dirty="0"/>
-                  <a:t>No exemplo das figuras abaixo, com </a:t>
+                  <a:t>No exemplo abaixo, com </a:t>
                 </a:r>
                 <a14:m>
                   <m:oMath xmlns:m="http://schemas.openxmlformats.org/officeDocument/2006/math">
@@ -33219,13 +30773,41 @@
                         <a:latin typeface="Cambria Math" panose="02040503050406030204" pitchFamily="18" charset="0"/>
                         <a:ea typeface="Cambria Math" panose="02040503050406030204" pitchFamily="18" charset="0"/>
                       </a:rPr>
-                      <m:t>=0.01</m:t>
+                      <m:t>=</m:t>
                     </m:r>
+                    <m:sSup>
+                      <m:sSupPr>
+                        <m:ctrlPr>
+                          <a:rPr lang="pt-BR" b="0" i="1" smtClean="0">
+                            <a:latin typeface="Cambria Math" panose="02040503050406030204" pitchFamily="18" charset="0"/>
+                            <a:ea typeface="Cambria Math" panose="02040503050406030204" pitchFamily="18" charset="0"/>
+                          </a:rPr>
+                        </m:ctrlPr>
+                      </m:sSupPr>
+                      <m:e>
+                        <m:r>
+                          <a:rPr lang="pt-BR" b="0" i="1" smtClean="0">
+                            <a:latin typeface="Cambria Math" panose="02040503050406030204" pitchFamily="18" charset="0"/>
+                            <a:ea typeface="Cambria Math" panose="02040503050406030204" pitchFamily="18" charset="0"/>
+                          </a:rPr>
+                          <m:t>10</m:t>
+                        </m:r>
+                      </m:e>
+                      <m:sup>
+                        <m:r>
+                          <a:rPr lang="pt-BR" b="0" i="1" smtClean="0">
+                            <a:latin typeface="Cambria Math" panose="02040503050406030204" pitchFamily="18" charset="0"/>
+                            <a:ea typeface="Cambria Math" panose="02040503050406030204" pitchFamily="18" charset="0"/>
+                          </a:rPr>
+                          <m:t>−6</m:t>
+                        </m:r>
+                      </m:sup>
+                    </m:sSup>
                   </m:oMath>
                 </a14:m>
                 <a:r>
                   <a:rPr lang="pt-BR" dirty="0"/>
-                  <a:t>, o algoritmo atinge o valor ótimo após mais de 250 épocas.</a:t>
+                  <a:t>, o algoritmo atinge o ponto de mínimo, i.e., converge, após mais de 250 épocas.</a:t>
                 </a:r>
               </a:p>
               <a:p>
@@ -33254,19 +30836,6 @@
                   <a:t>.</a:t>
                 </a:r>
               </a:p>
-              <a:p>
-                <a:pPr lvl="1">
-                  <a:buFont typeface="Wingdings" panose="05000000000000000000" pitchFamily="2" charset="2"/>
-                  <a:buChar char="§"/>
-                </a:pPr>
-                <a:r>
-                  <a:rPr lang="pt-BR" dirty="0"/>
-                  <a:t>A convergência só ocorre após mais de 250 épocas.</a:t>
-                </a:r>
-              </a:p>
-              <a:p>
-                <a:endParaRPr lang="pt-BR" dirty="0"/>
-              </a:p>
             </p:txBody>
           </p:sp>
         </mc:Choice>
@@ -33290,12 +30859,12 @@
             <p:spPr>
               <a:xfrm>
                 <a:off x="843481" y="1825624"/>
-                <a:ext cx="11218682" cy="2615469"/>
+                <a:ext cx="11218682" cy="2703957"/>
               </a:xfrm>
               <a:blipFill>
                 <a:blip r:embed="rId3"/>
                 <a:stretch>
-                  <a:fillRect l="-978" t="-3721"/>
+                  <a:fillRect l="-978" t="-3604" r="-1630"/>
                 </a:stretch>
               </a:blipFill>
             </p:spPr>
@@ -33341,7 +30910,7 @@
         </p:blipFill>
         <p:spPr>
           <a:xfrm>
-            <a:off x="838200" y="4441093"/>
+            <a:off x="838200" y="4529581"/>
             <a:ext cx="2794921" cy="2233394"/>
           </a:xfrm>
           <a:prstGeom prst="rect">
@@ -33376,7 +30945,7 @@
         </p:blipFill>
         <p:spPr>
           <a:xfrm>
-            <a:off x="5117246" y="4441093"/>
+            <a:off x="5117246" y="4529581"/>
             <a:ext cx="2461767" cy="2230891"/>
           </a:xfrm>
           <a:prstGeom prst="rect">
@@ -33400,7 +30969,7 @@
         </p:nvCxnSpPr>
         <p:spPr>
           <a:xfrm flipV="1">
-            <a:off x="5125691" y="6462402"/>
+            <a:off x="5119618" y="6502653"/>
             <a:ext cx="303166" cy="257819"/>
           </a:xfrm>
           <a:prstGeom prst="straightConnector1">
@@ -33444,7 +31013,7 @@
             </p:nvSpPr>
             <p:spPr>
               <a:xfrm>
-                <a:off x="4352229" y="6566332"/>
+                <a:off x="4428429" y="6550223"/>
                 <a:ext cx="812715" cy="307777"/>
               </a:xfrm>
               <a:prstGeom prst="rect">
@@ -33494,7 +31063,7 @@
             </p:nvSpPr>
             <p:spPr>
               <a:xfrm>
-                <a:off x="4352229" y="6566332"/>
+                <a:off x="4428429" y="6550223"/>
                 <a:ext cx="812715" cy="307777"/>
               </a:xfrm>
               <a:prstGeom prst="rect">
@@ -33503,7 +31072,7 @@
               <a:blipFill>
                 <a:blip r:embed="rId6"/>
                 <a:stretch>
-                  <a:fillRect t="-3922" b="-19608"/>
+                  <a:fillRect t="-4000" b="-20000"/>
                 </a:stretch>
               </a:blipFill>
             </p:spPr>
@@ -33524,10 +31093,10 @@
       </mc:AlternateContent>
       <p:pic>
         <p:nvPicPr>
-          <p:cNvPr id="1026" name="Picture 2">
+          <p:cNvPr id="4" name="Picture 2">
             <a:extLst>
               <a:ext uri="{FF2B5EF4-FFF2-40B4-BE49-F238E27FC236}">
-                <a16:creationId xmlns:a16="http://schemas.microsoft.com/office/drawing/2014/main" id="{1A6CAB77-9B3B-8906-E327-E3052F972CEF}"/>
+                <a16:creationId xmlns:a16="http://schemas.microsoft.com/office/drawing/2014/main" id="{F21DC2AF-EDF3-1582-F5C3-58459BFDB97F}"/>
               </a:ext>
             </a:extLst>
           </p:cNvPr>
@@ -33544,13 +31113,13 @@
               </a:ext>
             </a:extLst>
           </a:blip>
-          <a:srcRect l="50318"/>
+          <a:srcRect l="50000"/>
           <a:stretch/>
         </p:blipFill>
         <p:spPr bwMode="auto">
           <a:xfrm>
-            <a:off x="9357489" y="4303313"/>
-            <a:ext cx="2188993" cy="2416907"/>
+            <a:off x="9420224" y="4529582"/>
+            <a:ext cx="2010613" cy="2230890"/>
           </a:xfrm>
           <a:prstGeom prst="rect">
             <a:avLst/>
@@ -33580,7 +31149,7 @@
 </p:sld>
 </file>
 
-<file path=ppt/slides/slide9.xml><?xml version="1.0" encoding="utf-8"?>
+<file path=ppt/slides/slide8.xml><?xml version="1.0" encoding="utf-8"?>
 <p:sld xmlns:a="http://schemas.openxmlformats.org/drawingml/2006/main" xmlns:r="http://schemas.openxmlformats.org/officeDocument/2006/relationships" xmlns:p="http://schemas.openxmlformats.org/presentationml/2006/main">
   <p:cSld>
     <p:spTree>
@@ -33646,7 +31215,7 @@
             <p:spPr>
               <a:xfrm>
                 <a:off x="838200" y="1825624"/>
-                <a:ext cx="11253715" cy="4667251"/>
+                <a:ext cx="11253715" cy="4881733"/>
               </a:xfrm>
             </p:spPr>
             <p:txBody>
@@ -33657,15 +31226,7 @@
               <a:p>
                 <a:r>
                   <a:rPr lang="pt-BR" dirty="0"/>
-                  <a:t>Caso o </a:t>
-                </a:r>
-                <a:r>
-                  <a:rPr lang="pt-BR" b="1" i="1" dirty="0"/>
-                  <a:t>passo de  aprendizagem </a:t>
-                </a:r>
-                <a:r>
-                  <a:rPr lang="pt-BR" dirty="0"/>
-                  <a:t>seja grande, o algoritmo pode nunca convergir.</a:t>
+                  <a:t>Caso o passo seja grande, o algoritmo pode nunca convergir.</a:t>
                 </a:r>
               </a:p>
               <a:p>
@@ -33686,7 +31247,114 @@
                 </a14:m>
                 <a:r>
                   <a:rPr lang="pt-BR" dirty="0"/>
-                  <a:t>for grande, mas não tão grande assim, o algoritmo fica “pulando” ou “oscilando” de um lado para o outro da superfície de erro até que ele converge, por sorte</a:t>
+                  <a:t>for grande, </a:t>
+                </a:r>
+                <a:r>
+                  <a:rPr lang="pt-BR" b="1" i="1" dirty="0">
+                    <a:solidFill>
+                      <a:srgbClr val="00B050"/>
+                    </a:solidFill>
+                  </a:rPr>
+                  <a:t>mas não tão grande assim</a:t>
+                </a:r>
+                <a:r>
+                  <a:rPr lang="pt-BR" dirty="0"/>
+                  <a:t>, o algoritmo pode ficar “</a:t>
+                </a:r>
+                <a:r>
+                  <a:rPr lang="pt-BR" b="1" i="1" dirty="0">
+                    <a:solidFill>
+                      <a:srgbClr val="00B050"/>
+                    </a:solidFill>
+                  </a:rPr>
+                  <a:t>pulando</a:t>
+                </a:r>
+                <a:r>
+                  <a:rPr lang="pt-BR" dirty="0"/>
+                  <a:t>” ou “</a:t>
+                </a:r>
+                <a:r>
+                  <a:rPr lang="pt-BR" b="1" i="1" dirty="0">
+                    <a:solidFill>
+                      <a:srgbClr val="00B050"/>
+                    </a:solidFill>
+                  </a:rPr>
+                  <a:t>oscilando</a:t>
+                </a:r>
+                <a:r>
+                  <a:rPr lang="pt-BR" dirty="0"/>
+                  <a:t>” </a:t>
+                </a:r>
+                <a:r>
+                  <a:rPr lang="pt-BR" b="1" i="1" dirty="0">
+                    <a:solidFill>
+                      <a:srgbClr val="00B050"/>
+                    </a:solidFill>
+                  </a:rPr>
+                  <a:t>de um lado para o outro da superfície de erro </a:t>
+                </a:r>
+                <a:r>
+                  <a:rPr lang="pt-BR" dirty="0"/>
+                  <a:t>até que, por sorte, ele converge.</a:t>
+                </a:r>
+              </a:p>
+              <a:p>
+                <a:pPr lvl="1">
+                  <a:buFont typeface="Wingdings" panose="05000000000000000000" pitchFamily="2" charset="2"/>
+                  <a:buChar char="§"/>
+                </a:pPr>
+                <a:r>
+                  <a:rPr lang="pt-BR" dirty="0">
+                    <a:ea typeface="Cambria Math" panose="02040503050406030204" pitchFamily="18" charset="0"/>
+                  </a:rPr>
+                  <a:t>No exemplo abaixo, com </a:t>
+                </a:r>
+                <a14:m>
+                  <m:oMath xmlns:m="http://schemas.openxmlformats.org/officeDocument/2006/math">
+                    <m:r>
+                      <a:rPr lang="pt-BR" i="1">
+                        <a:latin typeface="Cambria Math" panose="02040503050406030204" pitchFamily="18" charset="0"/>
+                        <a:ea typeface="Cambria Math" panose="02040503050406030204" pitchFamily="18" charset="0"/>
+                      </a:rPr>
+                      <m:t>𝛼</m:t>
+                    </m:r>
+                    <m:r>
+                      <a:rPr lang="pt-BR" i="1">
+                        <a:latin typeface="Cambria Math" panose="02040503050406030204" pitchFamily="18" charset="0"/>
+                        <a:ea typeface="Cambria Math" panose="02040503050406030204" pitchFamily="18" charset="0"/>
+                      </a:rPr>
+                      <m:t>=1.3×</m:t>
+                    </m:r>
+                    <m:sSup>
+                      <m:sSupPr>
+                        <m:ctrlPr>
+                          <a:rPr lang="pt-BR" b="0" i="1" smtClean="0">
+                            <a:latin typeface="Cambria Math" panose="02040503050406030204" pitchFamily="18" charset="0"/>
+                          </a:rPr>
+                        </m:ctrlPr>
+                      </m:sSupPr>
+                      <m:e>
+                        <m:r>
+                          <a:rPr lang="pt-BR" b="0" i="1" smtClean="0">
+                            <a:latin typeface="Cambria Math" panose="02040503050406030204" pitchFamily="18" charset="0"/>
+                          </a:rPr>
+                          <m:t>10</m:t>
+                        </m:r>
+                      </m:e>
+                      <m:sup>
+                        <m:r>
+                          <a:rPr lang="pt-BR" b="0" i="1" smtClean="0">
+                            <a:latin typeface="Cambria Math" panose="02040503050406030204" pitchFamily="18" charset="0"/>
+                          </a:rPr>
+                          <m:t>−3</m:t>
+                        </m:r>
+                      </m:sup>
+                    </m:sSup>
+                  </m:oMath>
+                </a14:m>
+                <a:r>
+                  <a:rPr lang="pt-BR" dirty="0"/>
+                  <a:t>, o algoritmo oscila inicialmente, mas acaba convergindo após 20 épocas.</a:t>
                 </a:r>
               </a:p>
             </p:txBody>
@@ -33712,12 +31380,12 @@
             <p:spPr>
               <a:xfrm>
                 <a:off x="838200" y="1825624"/>
-                <a:ext cx="11253715" cy="4667251"/>
+                <a:ext cx="11253715" cy="4881733"/>
               </a:xfrm>
               <a:blipFill>
                 <a:blip r:embed="rId3"/>
                 <a:stretch>
-                  <a:fillRect l="-975" t="-2089"/>
+                  <a:fillRect l="-975" t="-1998"/>
                 </a:stretch>
               </a:blipFill>
             </p:spPr>
@@ -33763,8 +31431,8 @@
         </p:blipFill>
         <p:spPr>
           <a:xfrm>
-            <a:off x="1498357" y="3934620"/>
-            <a:ext cx="3041715" cy="2690748"/>
+            <a:off x="1172949" y="4372942"/>
+            <a:ext cx="2677839" cy="2368858"/>
           </a:xfrm>
           <a:prstGeom prst="rect">
             <a:avLst/>
@@ -33798,43 +31466,8 @@
         </p:blipFill>
         <p:spPr>
           <a:xfrm>
-            <a:off x="4510127" y="3932178"/>
-            <a:ext cx="2691942" cy="2695633"/>
-          </a:xfrm>
-          <a:prstGeom prst="rect">
-            <a:avLst/>
-          </a:prstGeom>
-        </p:spPr>
-      </p:pic>
-      <p:pic>
-        <p:nvPicPr>
-          <p:cNvPr id="6" name="Picture 9">
-            <a:extLst>
-              <a:ext uri="{FF2B5EF4-FFF2-40B4-BE49-F238E27FC236}">
-                <a16:creationId xmlns:a16="http://schemas.microsoft.com/office/drawing/2014/main" id="{3A015FA6-8F9A-24FD-4E83-3D31FA12A3D7}"/>
-              </a:ext>
-            </a:extLst>
-          </p:cNvPr>
-          <p:cNvPicPr>
-            <a:picLocks noChangeAspect="1"/>
-          </p:cNvPicPr>
-          <p:nvPr/>
-        </p:nvPicPr>
-        <p:blipFill rotWithShape="1">
-          <a:blip r:embed="rId6" cstate="print">
-            <a:extLst>
-              <a:ext uri="{28A0092B-C50C-407E-A947-70E740481C1C}">
-                <a14:useLocalDpi xmlns:a14="http://schemas.microsoft.com/office/drawing/2010/main" val="0"/>
-              </a:ext>
-            </a:extLst>
-          </a:blip>
-          <a:srcRect t="7239" r="7811" b="2910"/>
-          <a:stretch/>
-        </p:blipFill>
-        <p:spPr>
-          <a:xfrm>
-            <a:off x="7222103" y="3932178"/>
-            <a:ext cx="2763283" cy="2693190"/>
+            <a:off x="5413644" y="4373526"/>
+            <a:ext cx="2369910" cy="2373159"/>
           </a:xfrm>
           <a:prstGeom prst="rect">
             <a:avLst/>
@@ -33850,13 +31483,15 @@
               </a:ext>
             </a:extLst>
           </p:cNvPr>
-          <p:cNvCxnSpPr/>
+          <p:cNvCxnSpPr>
+            <a:cxnSpLocks/>
+          </p:cNvCxnSpPr>
           <p:nvPr/>
         </p:nvCxnSpPr>
         <p:spPr>
           <a:xfrm flipV="1">
-            <a:off x="4656920" y="6327157"/>
-            <a:ext cx="200660" cy="313690"/>
+            <a:off x="5385153" y="6533910"/>
+            <a:ext cx="277779" cy="165718"/>
           </a:xfrm>
           <a:prstGeom prst="straightConnector1">
             <a:avLst/>
@@ -33899,7 +31534,7 @@
             </p:nvSpPr>
             <p:spPr>
               <a:xfrm>
-                <a:off x="4063281" y="6541251"/>
+                <a:off x="4380464" y="6530351"/>
                 <a:ext cx="1263477" cy="338554"/>
               </a:xfrm>
               <a:prstGeom prst="rect">
@@ -33949,14 +31584,14 @@
             </p:nvSpPr>
             <p:spPr>
               <a:xfrm>
-                <a:off x="4063281" y="6541251"/>
+                <a:off x="4380464" y="6530351"/>
                 <a:ext cx="1263477" cy="338554"/>
               </a:xfrm>
               <a:prstGeom prst="rect">
                 <a:avLst/>
               </a:prstGeom>
               <a:blipFill>
-                <a:blip r:embed="rId7"/>
+                <a:blip r:embed="rId6"/>
                 <a:stretch>
                   <a:fillRect t="-5357" b="-21429"/>
                 </a:stretch>
@@ -33977,62 +31612,218 @@
           </p:sp>
         </mc:Fallback>
       </mc:AlternateContent>
+      <p:pic>
+        <p:nvPicPr>
+          <p:cNvPr id="2050" name="Picture 2">
+            <a:extLst>
+              <a:ext uri="{FF2B5EF4-FFF2-40B4-BE49-F238E27FC236}">
+                <a16:creationId xmlns:a16="http://schemas.microsoft.com/office/drawing/2014/main" id="{6232E825-A6A5-D6AD-ED62-433ACECDE117}"/>
+              </a:ext>
+            </a:extLst>
+          </p:cNvPr>
+          <p:cNvPicPr>
+            <a:picLocks noChangeAspect="1" noChangeArrowheads="1"/>
+          </p:cNvPicPr>
+          <p:nvPr/>
+        </p:nvPicPr>
+        <p:blipFill rotWithShape="1">
+          <a:blip r:embed="rId7">
+            <a:extLst>
+              <a:ext uri="{28A0092B-C50C-407E-A947-70E740481C1C}">
+                <a14:useLocalDpi xmlns:a14="http://schemas.microsoft.com/office/drawing/2010/main" val="0"/>
+              </a:ext>
+            </a:extLst>
+          </a:blip>
+          <a:srcRect l="50000"/>
+          <a:stretch/>
+        </p:blipFill>
+        <p:spPr bwMode="auto">
+          <a:xfrm>
+            <a:off x="9337328" y="4375353"/>
+            <a:ext cx="2129926" cy="2363275"/>
+          </a:xfrm>
+          <a:prstGeom prst="rect">
+            <a:avLst/>
+          </a:prstGeom>
+          <a:noFill/>
+          <a:extLst>
+            <a:ext uri="{909E8E84-426E-40DD-AFC4-6F175D3DCCD1}">
+              <a14:hiddenFill xmlns:a14="http://schemas.microsoft.com/office/drawing/2010/main">
+                <a:solidFill>
+                  <a:srgbClr val="FFFFFF"/>
+                </a:solidFill>
+              </a14:hiddenFill>
+            </a:ext>
+          </a:extLst>
+        </p:spPr>
+      </p:pic>
+    </p:spTree>
+    <p:extLst>
+      <p:ext uri="{BB962C8B-B14F-4D97-AF65-F5344CB8AC3E}">
+        <p14:creationId xmlns:p14="http://schemas.microsoft.com/office/powerpoint/2010/main" val="3605936758"/>
+      </p:ext>
+    </p:extLst>
+  </p:cSld>
+  <p:clrMapOvr>
+    <a:masterClrMapping/>
+  </p:clrMapOvr>
+</p:sld>
+</file>
+
+<file path=ppt/slides/slide9.xml><?xml version="1.0" encoding="utf-8"?>
+<p:sld xmlns:a="http://schemas.openxmlformats.org/drawingml/2006/main" xmlns:r="http://schemas.openxmlformats.org/officeDocument/2006/relationships" xmlns:p="http://schemas.openxmlformats.org/presentationml/2006/main">
+  <p:cSld>
+    <p:spTree>
+      <p:nvGrpSpPr>
+        <p:cNvPr id="1" name=""/>
+        <p:cNvGrpSpPr/>
+        <p:nvPr/>
+      </p:nvGrpSpPr>
+      <p:grpSpPr>
+        <a:xfrm>
+          <a:off x="0" y="0"/>
+          <a:ext cx="0" cy="0"/>
+          <a:chOff x="0" y="0"/>
+          <a:chExt cx="0" cy="0"/>
+        </a:xfrm>
+      </p:grpSpPr>
+      <p:sp>
+        <p:nvSpPr>
+          <p:cNvPr id="2" name="Título 1">
+            <a:extLst>
+              <a:ext uri="{FF2B5EF4-FFF2-40B4-BE49-F238E27FC236}">
+                <a16:creationId xmlns:a16="http://schemas.microsoft.com/office/drawing/2014/main" id="{4A86A124-E47D-3417-36BC-8BEE00BC4668}"/>
+              </a:ext>
+            </a:extLst>
+          </p:cNvPr>
+          <p:cNvSpPr>
+            <a:spLocks noGrp="1"/>
+          </p:cNvSpPr>
+          <p:nvPr>
+            <p:ph type="title"/>
+          </p:nvPr>
+        </p:nvSpPr>
+        <p:spPr/>
+        <p:txBody>
+          <a:bodyPr/>
+          <a:lstStyle/>
+          <a:p>
+            <a:r>
+              <a:rPr lang="pt-BR" dirty="0"/>
+              <a:t>Passo de aprendizado grande</a:t>
+            </a:r>
+          </a:p>
+        </p:txBody>
+      </p:sp>
       <mc:AlternateContent xmlns:mc="http://schemas.openxmlformats.org/markup-compatibility/2006">
         <mc:Choice xmlns:a14="http://schemas.microsoft.com/office/drawing/2010/main" Requires="a14">
           <p:sp>
             <p:nvSpPr>
-              <p:cNvPr id="9" name="TextBox 11">
+              <p:cNvPr id="3" name="Espaço Reservado para Conteúdo 2">
                 <a:extLst>
                   <a:ext uri="{FF2B5EF4-FFF2-40B4-BE49-F238E27FC236}">
-                    <a16:creationId xmlns:a16="http://schemas.microsoft.com/office/drawing/2014/main" id="{52DBBD48-47C4-CC8C-F0AB-71247E72EF10}"/>
+                    <a16:creationId xmlns:a16="http://schemas.microsoft.com/office/drawing/2014/main" id="{AD6B1EE1-E6EE-4E0B-FB14-A459C7084856}"/>
                   </a:ext>
                 </a:extLst>
               </p:cNvPr>
-              <p:cNvSpPr txBox="1"/>
-              <p:nvPr/>
+              <p:cNvSpPr>
+                <a:spLocks noGrp="1"/>
+              </p:cNvSpPr>
+              <p:nvPr>
+                <p:ph idx="1"/>
+              </p:nvPr>
             </p:nvSpPr>
             <p:spPr>
               <a:xfrm>
-                <a:off x="5443606" y="6572028"/>
-                <a:ext cx="1263477" cy="307777"/>
+                <a:off x="5456583" y="1825624"/>
+                <a:ext cx="6541454" cy="5032375"/>
               </a:xfrm>
-              <a:prstGeom prst="rect">
-                <a:avLst/>
-              </a:prstGeom>
-              <a:noFill/>
             </p:spPr>
             <p:txBody>
-              <a:bodyPr wrap="square" rtlCol="0">
-                <a:spAutoFit/>
+              <a:bodyPr>
+                <a:normAutofit/>
               </a:bodyPr>
               <a:lstStyle/>
               <a:p>
-                <a:pPr algn="ctr"/>
+                <a:r>
+                  <a:rPr lang="pt-BR" dirty="0"/>
+                  <a:t>Em outros casos, quando o passo</a:t>
+                </a:r>
                 <a14:m>
-                  <m:oMathPara xmlns:m="http://schemas.openxmlformats.org/officeDocument/2006/math">
-                    <m:oMathParaPr>
-                      <m:jc m:val="centerGroup"/>
-                    </m:oMathParaPr>
-                    <m:oMath xmlns:m="http://schemas.openxmlformats.org/officeDocument/2006/math">
-                      <m:r>
-                        <m:rPr>
-                          <m:sty m:val="p"/>
-                        </m:rPr>
-                        <a:rPr lang="pt-BR" sz="1400" b="0" i="0" smtClean="0">
-                          <a:latin typeface="Cambria Math" panose="02040503050406030204" pitchFamily="18" charset="0"/>
-                        </a:rPr>
-                        <m:t>Exemplo</m:t>
-                      </m:r>
-                      <m:r>
-                        <a:rPr lang="pt-BR" sz="1400" b="0" i="0" smtClean="0">
-                          <a:latin typeface="Cambria Math" panose="02040503050406030204" pitchFamily="18" charset="0"/>
-                        </a:rPr>
-                        <m:t> #1</m:t>
-                      </m:r>
-                    </m:oMath>
-                  </m:oMathPara>
+                  <m:oMath xmlns:m="http://schemas.openxmlformats.org/officeDocument/2006/math">
+                    <m:r>
+                      <a:rPr lang="pt-BR" i="1">
+                        <a:latin typeface="Cambria Math" panose="02040503050406030204" pitchFamily="18" charset="0"/>
+                        <a:ea typeface="Cambria Math" panose="02040503050406030204" pitchFamily="18" charset="0"/>
+                      </a:rPr>
+                      <m:t> </m:t>
+                    </m:r>
+                  </m:oMath>
                 </a14:m>
-                <a:endParaRPr lang="pt-BR" sz="1400" dirty="0"/>
+                <a:r>
+                  <a:rPr lang="pt-BR" dirty="0"/>
+                  <a:t>é muito grande, a cada época, o algoritmo “pula” para um valor mais alto do que o anterior, e assim, acaba divergindo.</a:t>
+                </a:r>
+              </a:p>
+              <a:p>
+                <a:r>
+                  <a:rPr lang="pt-BR" dirty="0"/>
+                  <a:t>Ou seja, ao invés de se aproximar do ponto de mínimo a cada época, ele se distancia dele.</a:t>
+                </a:r>
+              </a:p>
+              <a:p>
+                <a:r>
+                  <a:rPr lang="pt-BR" dirty="0"/>
+                  <a:t>Nesse caso ocorre um </a:t>
+                </a:r>
+                <a:r>
+                  <a:rPr lang="pt-BR" b="1" i="1" dirty="0">
+                    <a:solidFill>
+                      <a:srgbClr val="00B050"/>
+                    </a:solidFill>
+                  </a:rPr>
+                  <a:t>ciclo de feedback positivo </a:t>
+                </a:r>
+                <a:r>
+                  <a:rPr lang="pt-BR" dirty="0"/>
+                  <a:t>onde </a:t>
+                </a:r>
+                <a:r>
+                  <a:rPr lang="pt-BR" b="1" i="1" dirty="0">
+                    <a:solidFill>
+                      <a:srgbClr val="00B050"/>
+                    </a:solidFill>
+                  </a:rPr>
+                  <a:t>a cada época </a:t>
+                </a:r>
+                <a:r>
+                  <a:rPr lang="pt-BR" dirty="0"/>
+                  <a:t>os valores dos </a:t>
+                </a:r>
+                <a:r>
+                  <a:rPr lang="pt-BR" b="1" i="1" dirty="0">
+                    <a:solidFill>
+                      <a:srgbClr val="00B050"/>
+                    </a:solidFill>
+                  </a:rPr>
+                  <a:t>pesos se tornam maiores e maiores </a:t>
+                </a:r>
+                <a:r>
+                  <a:rPr lang="pt-BR" dirty="0"/>
+                  <a:t>até que ocorra o </a:t>
+                </a:r>
+                <a:r>
+                  <a:rPr lang="pt-BR" b="1" i="1" dirty="0">
+                    <a:solidFill>
+                      <a:srgbClr val="00B050"/>
+                    </a:solidFill>
+                  </a:rPr>
+                  <a:t>estouro da precisão numérica</a:t>
+                </a:r>
+                <a:r>
+                  <a:rPr lang="pt-BR" dirty="0"/>
+                  <a:t>.</a:t>
+                </a:r>
               </a:p>
             </p:txBody>
           </p:sp>
@@ -34040,30 +31831,29 @@
         <mc:Fallback>
           <p:sp>
             <p:nvSpPr>
-              <p:cNvPr id="9" name="TextBox 11">
+              <p:cNvPr id="3" name="Espaço Reservado para Conteúdo 2">
                 <a:extLst>
                   <a:ext uri="{FF2B5EF4-FFF2-40B4-BE49-F238E27FC236}">
-                    <a16:creationId xmlns:a16="http://schemas.microsoft.com/office/drawing/2014/main" id="{52DBBD48-47C4-CC8C-F0AB-71247E72EF10}"/>
+                    <a16:creationId xmlns:a16="http://schemas.microsoft.com/office/drawing/2014/main" id="{AD6B1EE1-E6EE-4E0B-FB14-A459C7084856}"/>
                   </a:ext>
                 </a:extLst>
               </p:cNvPr>
-              <p:cNvSpPr txBox="1">
-                <a:spLocks noRot="1" noChangeAspect="1" noMove="1" noResize="1" noEditPoints="1" noAdjustHandles="1" noChangeArrowheads="1" noChangeShapeType="1" noTextEdit="1"/>
+              <p:cNvSpPr>
+                <a:spLocks noGrp="1" noRot="1" noChangeAspect="1" noMove="1" noResize="1" noEditPoints="1" noAdjustHandles="1" noChangeArrowheads="1" noChangeShapeType="1" noTextEdit="1"/>
               </p:cNvSpPr>
-              <p:nvPr/>
+              <p:nvPr>
+                <p:ph idx="1"/>
+              </p:nvPr>
             </p:nvSpPr>
             <p:spPr>
               <a:xfrm>
-                <a:off x="5443606" y="6572028"/>
-                <a:ext cx="1263477" cy="307777"/>
+                <a:off x="5456583" y="1825624"/>
+                <a:ext cx="6541454" cy="5032375"/>
               </a:xfrm>
-              <a:prstGeom prst="rect">
-                <a:avLst/>
-              </a:prstGeom>
               <a:blipFill>
-                <a:blip r:embed="rId8"/>
+                <a:blip r:embed="rId3"/>
                 <a:stretch>
-                  <a:fillRect b="-5882"/>
+                  <a:fillRect l="-1678" t="-1937" r="-2982" b="-1816"/>
                 </a:stretch>
               </a:blipFill>
             </p:spPr>
@@ -34082,56 +31872,171 @@
           </p:sp>
         </mc:Fallback>
       </mc:AlternateContent>
-      <p:sp>
-        <p:nvSpPr>
-          <p:cNvPr id="10" name="Seta para a direita 6">
+      <p:grpSp>
+        <p:nvGrpSpPr>
+          <p:cNvPr id="6" name="Agrupar 5">
             <a:extLst>
               <a:ext uri="{FF2B5EF4-FFF2-40B4-BE49-F238E27FC236}">
-                <a16:creationId xmlns:a16="http://schemas.microsoft.com/office/drawing/2014/main" id="{458FC35C-D0A5-7000-6496-36D57D279F7F}"/>
+                <a16:creationId xmlns:a16="http://schemas.microsoft.com/office/drawing/2014/main" id="{E0A98745-EC18-6F40-59B4-A8FC12CA3344}"/>
               </a:ext>
             </a:extLst>
           </p:cNvPr>
-          <p:cNvSpPr/>
+          <p:cNvGrpSpPr/>
           <p:nvPr/>
-        </p:nvSpPr>
-        <p:spPr>
+        </p:nvGrpSpPr>
+        <p:grpSpPr>
           <a:xfrm>
-            <a:off x="4158108" y="4631188"/>
-            <a:ext cx="381964" cy="335881"/>
+            <a:off x="838200" y="2419395"/>
+            <a:ext cx="4151243" cy="3007892"/>
+            <a:chOff x="767703" y="2398995"/>
+            <a:chExt cx="3868625" cy="2806985"/>
           </a:xfrm>
-          <a:prstGeom prst="rightArrow">
-            <a:avLst/>
-          </a:prstGeom>
-        </p:spPr>
-        <p:style>
-          <a:lnRef idx="2">
-            <a:schemeClr val="accent1">
-              <a:shade val="50000"/>
-            </a:schemeClr>
-          </a:lnRef>
-          <a:fillRef idx="1">
-            <a:schemeClr val="accent1"/>
-          </a:fillRef>
-          <a:effectRef idx="0">
-            <a:schemeClr val="accent1"/>
-          </a:effectRef>
-          <a:fontRef idx="minor">
-            <a:schemeClr val="lt1"/>
-          </a:fontRef>
-        </p:style>
-        <p:txBody>
-          <a:bodyPr rtlCol="0" anchor="ctr"/>
-          <a:lstStyle/>
-          <a:p>
-            <a:pPr algn="ctr"/>
-            <a:endParaRPr lang="pt-BR"/>
-          </a:p>
-        </p:txBody>
-      </p:sp>
+        </p:grpSpPr>
+        <p:pic>
+          <p:nvPicPr>
+            <p:cNvPr id="4" name="Picture 4">
+              <a:extLst>
+                <a:ext uri="{FF2B5EF4-FFF2-40B4-BE49-F238E27FC236}">
+                  <a16:creationId xmlns:a16="http://schemas.microsoft.com/office/drawing/2014/main" id="{5A818B0E-3846-85AC-CA3B-8E7732D8537B}"/>
+                </a:ext>
+              </a:extLst>
+            </p:cNvPr>
+            <p:cNvPicPr>
+              <a:picLocks noChangeAspect="1"/>
+            </p:cNvPicPr>
+            <p:nvPr/>
+          </p:nvPicPr>
+          <p:blipFill rotWithShape="1">
+            <a:blip r:embed="rId4">
+              <a:extLst>
+                <a:ext uri="{28A0092B-C50C-407E-A947-70E740481C1C}">
+                  <a14:useLocalDpi xmlns:a14="http://schemas.microsoft.com/office/drawing/2010/main" val="0"/>
+                </a:ext>
+              </a:extLst>
+            </a:blip>
+            <a:srcRect t="48053" r="2828" b="2316"/>
+            <a:stretch/>
+          </p:blipFill>
+          <p:spPr>
+            <a:xfrm>
+              <a:off x="767703" y="2894295"/>
+              <a:ext cx="3548545" cy="2311685"/>
+            </a:xfrm>
+            <a:prstGeom prst="rect">
+              <a:avLst/>
+            </a:prstGeom>
+          </p:spPr>
+        </p:pic>
+        <mc:AlternateContent xmlns:mc="http://schemas.openxmlformats.org/markup-compatibility/2006">
+          <mc:Choice xmlns:a14="http://schemas.microsoft.com/office/drawing/2010/main" Requires="a14">
+            <p:sp>
+              <p:nvSpPr>
+                <p:cNvPr id="5" name="Rectangle 5">
+                  <a:extLst>
+                    <a:ext uri="{FF2B5EF4-FFF2-40B4-BE49-F238E27FC236}">
+                      <a16:creationId xmlns:a16="http://schemas.microsoft.com/office/drawing/2014/main" id="{85F634B8-E175-3AAC-9CEE-E3119B65ED10}"/>
+                    </a:ext>
+                  </a:extLst>
+                </p:cNvPr>
+                <p:cNvSpPr/>
+                <p:nvPr/>
+              </p:nvSpPr>
+              <p:spPr>
+                <a:xfrm>
+                  <a:off x="767703" y="2398995"/>
+                  <a:ext cx="3868625" cy="307777"/>
+                </a:xfrm>
+                <a:prstGeom prst="rect">
+                  <a:avLst/>
+                </a:prstGeom>
+              </p:spPr>
+              <p:txBody>
+                <a:bodyPr wrap="square">
+                  <a:spAutoFit/>
+                </a:bodyPr>
+                <a:lstStyle/>
+                <a:p>
+                  <a:pPr algn="ctr"/>
+                  <a:r>
+                    <a:rPr lang="pt-BR" sz="1400" dirty="0"/>
+                    <a:t>feedback positivo</a:t>
+                  </a:r>
+                  <a14:m>
+                    <m:oMath xmlns:m="http://schemas.openxmlformats.org/officeDocument/2006/math">
+                      <m:r>
+                        <a:rPr lang="pt-BR" sz="1400" b="0" i="0" smtClean="0">
+                          <a:latin typeface="Cambria Math" panose="02040503050406030204" pitchFamily="18" charset="0"/>
+                          <a:ea typeface="Cambria Math" panose="02040503050406030204" pitchFamily="18" charset="0"/>
+                        </a:rPr>
+                        <m:t> </m:t>
+                      </m:r>
+                      <m:r>
+                        <a:rPr lang="pt-BR" sz="1400" i="1" smtClean="0">
+                          <a:latin typeface="Cambria Math" panose="02040503050406030204" pitchFamily="18" charset="0"/>
+                          <a:ea typeface="Cambria Math" panose="02040503050406030204" pitchFamily="18" charset="0"/>
+                        </a:rPr>
+                        <m:t>→</m:t>
+                      </m:r>
+                    </m:oMath>
+                  </a14:m>
+                  <a:r>
+                    <a:rPr lang="pt-BR" sz="1400" dirty="0"/>
+                    <a:t> estouro da precisão numérica</a:t>
+                  </a:r>
+                </a:p>
+              </p:txBody>
+            </p:sp>
+          </mc:Choice>
+          <mc:Fallback>
+            <p:sp>
+              <p:nvSpPr>
+                <p:cNvPr id="5" name="Rectangle 5">
+                  <a:extLst>
+                    <a:ext uri="{FF2B5EF4-FFF2-40B4-BE49-F238E27FC236}">
+                      <a16:creationId xmlns:a16="http://schemas.microsoft.com/office/drawing/2014/main" id="{85F634B8-E175-3AAC-9CEE-E3119B65ED10}"/>
+                    </a:ext>
+                  </a:extLst>
+                </p:cNvPr>
+                <p:cNvSpPr>
+                  <a:spLocks noRot="1" noChangeAspect="1" noMove="1" noResize="1" noEditPoints="1" noAdjustHandles="1" noChangeArrowheads="1" noChangeShapeType="1" noTextEdit="1"/>
+                </p:cNvSpPr>
+                <p:nvPr/>
+              </p:nvSpPr>
+              <p:spPr>
+                <a:xfrm>
+                  <a:off x="767703" y="2398995"/>
+                  <a:ext cx="3868625" cy="307777"/>
+                </a:xfrm>
+                <a:prstGeom prst="rect">
+                  <a:avLst/>
+                </a:prstGeom>
+                <a:blipFill>
+                  <a:blip r:embed="rId5"/>
+                  <a:stretch>
+                    <a:fillRect t="-3704" b="-11111"/>
+                  </a:stretch>
+                </a:blipFill>
+              </p:spPr>
+              <p:txBody>
+                <a:bodyPr/>
+                <a:lstStyle/>
+                <a:p>
+                  <a:r>
+                    <a:rPr lang="pt-BR">
+                      <a:noFill/>
+                    </a:rPr>
+                    <a:t> </a:t>
+                  </a:r>
+                </a:p>
+              </p:txBody>
+            </p:sp>
+          </mc:Fallback>
+        </mc:AlternateContent>
+      </p:grpSp>
     </p:spTree>
     <p:extLst>
       <p:ext uri="{BB962C8B-B14F-4D97-AF65-F5344CB8AC3E}">
-        <p14:creationId xmlns:p14="http://schemas.microsoft.com/office/powerpoint/2010/main" val="3605936758"/>
+        <p14:creationId xmlns:p14="http://schemas.microsoft.com/office/powerpoint/2010/main" val="213373256"/>
       </p:ext>
     </p:extLst>
   </p:cSld>

--- a/slides/T319_Regressão_Linear (Parte III).pptx
+++ b/slides/T319_Regressão_Linear (Parte III).pptx
@@ -5,7 +5,7 @@
     <p:sldMasterId id="2147483648" r:id="rId1"/>
   </p:sldMasterIdLst>
   <p:notesMasterIdLst>
-    <p:notesMasterId r:id="rId33"/>
+    <p:notesMasterId r:id="rId34"/>
   </p:notesMasterIdLst>
   <p:sldIdLst>
     <p:sldId id="259" r:id="rId2"/>
@@ -21,24 +21,25 @@
     <p:sldId id="490" r:id="rId12"/>
     <p:sldId id="291" r:id="rId13"/>
     <p:sldId id="412" r:id="rId14"/>
-    <p:sldId id="472" r:id="rId15"/>
-    <p:sldId id="479" r:id="rId16"/>
-    <p:sldId id="480" r:id="rId17"/>
-    <p:sldId id="482" r:id="rId18"/>
-    <p:sldId id="317" r:id="rId19"/>
-    <p:sldId id="332" r:id="rId20"/>
-    <p:sldId id="299" r:id="rId21"/>
-    <p:sldId id="285" r:id="rId22"/>
-    <p:sldId id="415" r:id="rId23"/>
-    <p:sldId id="283" r:id="rId24"/>
-    <p:sldId id="274" r:id="rId25"/>
-    <p:sldId id="278" r:id="rId26"/>
-    <p:sldId id="292" r:id="rId27"/>
-    <p:sldId id="295" r:id="rId28"/>
-    <p:sldId id="396" r:id="rId29"/>
-    <p:sldId id="484" r:id="rId30"/>
-    <p:sldId id="421" r:id="rId31"/>
-    <p:sldId id="423" r:id="rId32"/>
+    <p:sldId id="495" r:id="rId15"/>
+    <p:sldId id="472" r:id="rId16"/>
+    <p:sldId id="479" r:id="rId17"/>
+    <p:sldId id="480" r:id="rId18"/>
+    <p:sldId id="482" r:id="rId19"/>
+    <p:sldId id="317" r:id="rId20"/>
+    <p:sldId id="332" r:id="rId21"/>
+    <p:sldId id="299" r:id="rId22"/>
+    <p:sldId id="285" r:id="rId23"/>
+    <p:sldId id="415" r:id="rId24"/>
+    <p:sldId id="283" r:id="rId25"/>
+    <p:sldId id="274" r:id="rId26"/>
+    <p:sldId id="278" r:id="rId27"/>
+    <p:sldId id="292" r:id="rId28"/>
+    <p:sldId id="295" r:id="rId29"/>
+    <p:sldId id="396" r:id="rId30"/>
+    <p:sldId id="484" r:id="rId31"/>
+    <p:sldId id="421" r:id="rId32"/>
+    <p:sldId id="423" r:id="rId33"/>
   </p:sldIdLst>
   <p:sldSz cx="12192000" cy="6858000"/>
   <p:notesSz cx="6858000" cy="9144000"/>
@@ -1196,7 +1197,7 @@
           <a:p>
             <a:fld id="{DA8B99DF-01BC-492A-8CEF-4FD88D18DD9D}" type="slidenum">
               <a:rPr lang="nl-BE" smtClean="0"/>
-              <a:t>16</a:t>
+              <a:t>17</a:t>
             </a:fld>
             <a:endParaRPr lang="nl-BE"/>
           </a:p>
@@ -1311,7 +1312,7 @@
           <a:p>
             <a:fld id="{DA8B99DF-01BC-492A-8CEF-4FD88D18DD9D}" type="slidenum">
               <a:rPr lang="nl-BE" smtClean="0"/>
-              <a:t>17</a:t>
+              <a:t>18</a:t>
             </a:fld>
             <a:endParaRPr lang="nl-BE"/>
           </a:p>
@@ -1395,7 +1396,7 @@
           <a:p>
             <a:fld id="{DA8B99DF-01BC-492A-8CEF-4FD88D18DD9D}" type="slidenum">
               <a:rPr lang="nl-BE" smtClean="0"/>
-              <a:t>22</a:t>
+              <a:t>23</a:t>
             </a:fld>
             <a:endParaRPr lang="nl-BE"/>
           </a:p>
@@ -1479,7 +1480,7 @@
           <a:p>
             <a:fld id="{DA8B99DF-01BC-492A-8CEF-4FD88D18DD9D}" type="slidenum">
               <a:rPr lang="nl-BE" smtClean="0"/>
-              <a:t>23</a:t>
+              <a:t>24</a:t>
             </a:fld>
             <a:endParaRPr lang="nl-BE"/>
           </a:p>
@@ -1563,7 +1564,7 @@
           <a:p>
             <a:fld id="{DA8B99DF-01BC-492A-8CEF-4FD88D18DD9D}" type="slidenum">
               <a:rPr lang="nl-BE" smtClean="0"/>
-              <a:t>26</a:t>
+              <a:t>27</a:t>
             </a:fld>
             <a:endParaRPr lang="nl-BE"/>
           </a:p>
@@ -1650,7 +1651,7 @@
           <a:p>
             <a:fld id="{DA8B99DF-01BC-492A-8CEF-4FD88D18DD9D}" type="slidenum">
               <a:rPr lang="nl-BE" smtClean="0"/>
-              <a:t>31</a:t>
+              <a:t>32</a:t>
             </a:fld>
             <a:endParaRPr lang="nl-BE"/>
           </a:p>
@@ -3156,7 +3157,7 @@
           <a:p>
             <a:fld id="{DA8B99DF-01BC-492A-8CEF-4FD88D18DD9D}" type="slidenum">
               <a:rPr lang="nl-BE" smtClean="0"/>
-              <a:t>14</a:t>
+              <a:t>15</a:t>
             </a:fld>
             <a:endParaRPr lang="nl-BE"/>
           </a:p>
@@ -6263,8 +6264,8 @@
           </a:p>
         </p:txBody>
       </p:sp>
-      <mc:AlternateContent xmlns:mc="http://schemas.openxmlformats.org/markup-compatibility/2006">
-        <mc:Choice xmlns:a14="http://schemas.microsoft.com/office/drawing/2010/main" Requires="a14">
+      <mc:AlternateContent xmlns:mc="http://schemas.openxmlformats.org/markup-compatibility/2006" xmlns:a14="http://schemas.microsoft.com/office/drawing/2010/main">
+        <mc:Choice Requires="a14">
           <p:sp>
             <p:nvSpPr>
               <p:cNvPr id="3" name="Espaço Reservado para Conteúdo 2">
@@ -6386,13 +6387,7 @@
                           <a:rPr lang="pt-BR" b="0" i="1" smtClean="0">
                             <a:latin typeface="Cambria Math" panose="02040503050406030204" pitchFamily="18" charset="0"/>
                           </a:rPr>
-                          <m:t>−</m:t>
-                        </m:r>
-                        <m:r>
-                          <a:rPr lang="pt-BR" b="0" i="1" smtClean="0">
-                            <a:latin typeface="Cambria Math" panose="02040503050406030204" pitchFamily="18" charset="0"/>
-                          </a:rPr>
-                          <m:t>4</m:t>
+                          <m:t>−4</m:t>
                         </m:r>
                       </m:sup>
                     </m:sSup>
@@ -6414,7 +6409,7 @@
             </p:txBody>
           </p:sp>
         </mc:Choice>
-        <mc:Fallback>
+        <mc:Fallback xmlns="">
           <p:sp>
             <p:nvSpPr>
               <p:cNvPr id="3" name="Espaço Reservado para Conteúdo 2">
@@ -6573,8 +6568,8 @@
           </a:fontRef>
         </p:style>
       </p:cxnSp>
-      <mc:AlternateContent xmlns:mc="http://schemas.openxmlformats.org/markup-compatibility/2006">
-        <mc:Choice xmlns:a14="http://schemas.microsoft.com/office/drawing/2010/main" Requires="a14">
+      <mc:AlternateContent xmlns:mc="http://schemas.openxmlformats.org/markup-compatibility/2006" xmlns:a14="http://schemas.microsoft.com/office/drawing/2010/main">
+        <mc:Choice Requires="a14">
           <p:sp>
             <p:nvSpPr>
               <p:cNvPr id="10" name="TextBox 24">
@@ -6622,7 +6617,7 @@
             </p:txBody>
           </p:sp>
         </mc:Choice>
-        <mc:Fallback>
+        <mc:Fallback xmlns="">
           <p:sp>
             <p:nvSpPr>
               <p:cNvPr id="10" name="TextBox 24">
@@ -7847,6 +7842,132 @@
       </p:grpSpPr>
       <p:sp>
         <p:nvSpPr>
+          <p:cNvPr id="2" name="Título 1">
+            <a:extLst>
+              <a:ext uri="{FF2B5EF4-FFF2-40B4-BE49-F238E27FC236}">
+                <a16:creationId xmlns:a16="http://schemas.microsoft.com/office/drawing/2014/main" id="{E3B1AA5C-2DDF-9C9C-CE89-50D9B6F2FC20}"/>
+              </a:ext>
+            </a:extLst>
+          </p:cNvPr>
+          <p:cNvSpPr>
+            <a:spLocks noGrp="1"/>
+          </p:cNvSpPr>
+          <p:nvPr>
+            <p:ph type="title"/>
+          </p:nvPr>
+        </p:nvSpPr>
+        <p:spPr/>
+        <p:txBody>
+          <a:bodyPr/>
+          <a:lstStyle/>
+          <a:p>
+            <a:endParaRPr lang="pt-BR"/>
+          </a:p>
+        </p:txBody>
+      </p:sp>
+      <p:sp>
+        <p:nvSpPr>
+          <p:cNvPr id="3" name="Espaço Reservado para Conteúdo 2">
+            <a:extLst>
+              <a:ext uri="{FF2B5EF4-FFF2-40B4-BE49-F238E27FC236}">
+                <a16:creationId xmlns:a16="http://schemas.microsoft.com/office/drawing/2014/main" id="{83A38DD3-AAC8-CEBB-5966-BFE9490F478F}"/>
+              </a:ext>
+            </a:extLst>
+          </p:cNvPr>
+          <p:cNvSpPr>
+            <a:spLocks noGrp="1"/>
+          </p:cNvSpPr>
+          <p:nvPr>
+            <p:ph idx="1"/>
+          </p:nvPr>
+        </p:nvSpPr>
+        <p:spPr/>
+        <p:txBody>
+          <a:bodyPr/>
+          <a:lstStyle/>
+          <a:p>
+            <a:r>
+              <a:rPr lang="pt-BR" dirty="0"/>
+              <a:t>Vocês se lembram que o gradiente descendente estocástico e </a:t>
+            </a:r>
+            <a:r>
+              <a:rPr lang="pt-BR" dirty="0" err="1"/>
+              <a:t>minmi-batch</a:t>
+            </a:r>
+            <a:r>
+              <a:rPr lang="pt-BR" dirty="0"/>
+              <a:t> (com MB </a:t>
+            </a:r>
+            <a:r>
+              <a:rPr lang="pt-BR" dirty="0" err="1"/>
+              <a:t>pequeni</a:t>
+            </a:r>
+            <a:r>
+              <a:rPr lang="pt-BR" dirty="0"/>
+              <a:t>) tem um caminho irregular para o ponto de mínimo e quando as amostras estão corrompidas com ruido eles não convergem para o ponto de mínimo?</a:t>
+            </a:r>
+          </a:p>
+          <a:p>
+            <a:r>
+              <a:rPr lang="pt-BR" dirty="0"/>
+              <a:t>Eles ficam oscilando ao redor dele.</a:t>
+            </a:r>
+          </a:p>
+          <a:p>
+            <a:r>
+              <a:rPr lang="pt-BR" dirty="0"/>
+              <a:t>Eu comentei que existem algumas formas de minimizar esses problemas, deixando essas versões do GD mais </a:t>
+            </a:r>
+            <a:r>
+              <a:rPr lang="pt-BR" dirty="0" err="1"/>
+              <a:t>comprtadas</a:t>
+            </a:r>
+            <a:r>
+              <a:rPr lang="pt-BR"/>
+              <a:t>.</a:t>
+            </a:r>
+            <a:endParaRPr lang="pt-BR" dirty="0"/>
+          </a:p>
+          <a:p>
+            <a:endParaRPr lang="pt-BR" dirty="0"/>
+          </a:p>
+          <a:p>
+            <a:endParaRPr lang="pt-BR" dirty="0"/>
+          </a:p>
+        </p:txBody>
+      </p:sp>
+    </p:spTree>
+    <p:extLst>
+      <p:ext uri="{BB962C8B-B14F-4D97-AF65-F5344CB8AC3E}">
+        <p14:creationId xmlns:p14="http://schemas.microsoft.com/office/powerpoint/2010/main" val="3840997202"/>
+      </p:ext>
+    </p:extLst>
+  </p:cSld>
+  <p:clrMapOvr>
+    <a:masterClrMapping/>
+  </p:clrMapOvr>
+</p:sld>
+</file>
+
+<file path=ppt/slides/slide15.xml><?xml version="1.0" encoding="utf-8"?>
+<p:sld xmlns:a="http://schemas.openxmlformats.org/drawingml/2006/main" xmlns:r="http://schemas.openxmlformats.org/officeDocument/2006/relationships" xmlns:p="http://schemas.openxmlformats.org/presentationml/2006/main">
+  <p:cSld>
+    <p:spTree>
+      <p:nvGrpSpPr>
+        <p:cNvPr id="1" name=""/>
+        <p:cNvGrpSpPr/>
+        <p:nvPr/>
+      </p:nvGrpSpPr>
+      <p:grpSpPr>
+        <a:xfrm>
+          <a:off x="0" y="0"/>
+          <a:ext cx="0" cy="0"/>
+          <a:chOff x="0" y="0"/>
+          <a:chExt cx="0" cy="0"/>
+        </a:xfrm>
+      </p:grpSpPr>
+      <p:sp>
+        <p:nvSpPr>
           <p:cNvPr id="2" name="Title 1"/>
           <p:cNvSpPr>
             <a:spLocks noGrp="1"/>
@@ -8121,7 +8242,7 @@
 </p:sld>
 </file>
 
-<file path=ppt/slides/slide15.xml><?xml version="1.0" encoding="utf-8"?>
+<file path=ppt/slides/slide16.xml><?xml version="1.0" encoding="utf-8"?>
 <p:sld xmlns:a="http://schemas.openxmlformats.org/drawingml/2006/main" xmlns:r="http://schemas.openxmlformats.org/officeDocument/2006/relationships" xmlns:p="http://schemas.openxmlformats.org/presentationml/2006/main">
   <p:cSld>
     <p:spTree>
@@ -8836,7 +8957,7 @@
 </p:sld>
 </file>
 
-<file path=ppt/slides/slide16.xml><?xml version="1.0" encoding="utf-8"?>
+<file path=ppt/slides/slide17.xml><?xml version="1.0" encoding="utf-8"?>
 <p:sld xmlns:a="http://schemas.openxmlformats.org/drawingml/2006/main" xmlns:r="http://schemas.openxmlformats.org/officeDocument/2006/relationships" xmlns:p="http://schemas.openxmlformats.org/presentationml/2006/main">
   <p:cSld>
     <p:spTree>
@@ -10172,7 +10293,7 @@
 </p:sld>
 </file>
 
-<file path=ppt/slides/slide17.xml><?xml version="1.0" encoding="utf-8"?>
+<file path=ppt/slides/slide18.xml><?xml version="1.0" encoding="utf-8"?>
 <p:sld xmlns:a="http://schemas.openxmlformats.org/drawingml/2006/main" xmlns:r="http://schemas.openxmlformats.org/officeDocument/2006/relationships" xmlns:p="http://schemas.openxmlformats.org/presentationml/2006/main">
   <p:cSld>
     <p:spTree>
@@ -10351,7 +10472,7 @@
 </p:sld>
 </file>
 
-<file path=ppt/slides/slide18.xml><?xml version="1.0" encoding="utf-8"?>
+<file path=ppt/slides/slide19.xml><?xml version="1.0" encoding="utf-8"?>
 <p:sld xmlns:a="http://schemas.openxmlformats.org/drawingml/2006/main" xmlns:r="http://schemas.openxmlformats.org/officeDocument/2006/relationships" xmlns:p="http://schemas.openxmlformats.org/presentationml/2006/main">
   <p:cSld>
     <p:spTree>
@@ -10436,7 +10557,245 @@
 </p:sld>
 </file>
 
-<file path=ppt/slides/slide19.xml><?xml version="1.0" encoding="utf-8"?>
+<file path=ppt/slides/slide2.xml><?xml version="1.0" encoding="utf-8"?>
+<p:sld xmlns:a="http://schemas.openxmlformats.org/drawingml/2006/main" xmlns:r="http://schemas.openxmlformats.org/officeDocument/2006/relationships" xmlns:p="http://schemas.openxmlformats.org/presentationml/2006/main">
+  <p:cSld>
+    <p:spTree>
+      <p:nvGrpSpPr>
+        <p:cNvPr id="1" name=""/>
+        <p:cNvGrpSpPr/>
+        <p:nvPr/>
+      </p:nvGrpSpPr>
+      <p:grpSpPr>
+        <a:xfrm>
+          <a:off x="0" y="0"/>
+          <a:ext cx="0" cy="0"/>
+          <a:chOff x="0" y="0"/>
+          <a:chExt cx="0" cy="0"/>
+        </a:xfrm>
+      </p:grpSpPr>
+      <p:sp>
+        <p:nvSpPr>
+          <p:cNvPr id="2" name="Title 1"/>
+          <p:cNvSpPr>
+            <a:spLocks noGrp="1"/>
+          </p:cNvSpPr>
+          <p:nvPr>
+            <p:ph type="title"/>
+          </p:nvPr>
+        </p:nvSpPr>
+        <p:spPr/>
+        <p:txBody>
+          <a:bodyPr/>
+          <a:lstStyle/>
+          <a:p>
+            <a:r>
+              <a:rPr lang="pt-BR"/>
+              <a:t>Recapitulando</a:t>
+            </a:r>
+            <a:endParaRPr lang="pt-BR" dirty="0"/>
+          </a:p>
+        </p:txBody>
+      </p:sp>
+      <mc:AlternateContent xmlns:mc="http://schemas.openxmlformats.org/markup-compatibility/2006" xmlns:a14="http://schemas.microsoft.com/office/drawing/2010/main">
+        <mc:Choice Requires="a14">
+          <p:sp>
+            <p:nvSpPr>
+              <p:cNvPr id="3" name="Content Placeholder 2"/>
+              <p:cNvSpPr>
+                <a:spLocks noGrp="1"/>
+              </p:cNvSpPr>
+              <p:nvPr>
+                <p:ph idx="1"/>
+              </p:nvPr>
+            </p:nvSpPr>
+            <p:spPr>
+              <a:xfrm>
+                <a:off x="838199" y="1825624"/>
+                <a:ext cx="11077282" cy="5032376"/>
+              </a:xfrm>
+            </p:spPr>
+            <p:txBody>
+              <a:bodyPr>
+                <a:normAutofit lnSpcReduction="10000"/>
+              </a:bodyPr>
+              <a:lstStyle/>
+              <a:p>
+                <a:r>
+                  <a:rPr lang="pt-BR" dirty="0"/>
+                  <a:t>No tópico anterior, discutimos o vetor gradiente.</a:t>
+                </a:r>
+              </a:p>
+              <a:p>
+                <a:r>
+                  <a:rPr lang="pt-BR" dirty="0"/>
+                  <a:t>Aprendemos dois algoritmos que usam o vetor gradiente para a resolução de problemas de otimização.</a:t>
+                </a:r>
+              </a:p>
+              <a:p>
+                <a:pPr lvl="1">
+                  <a:buFont typeface="Wingdings" panose="05000000000000000000" pitchFamily="2" charset="2"/>
+                  <a:buChar char="§"/>
+                </a:pPr>
+                <a:r>
+                  <a:rPr lang="pt-BR" b="1" i="1" dirty="0"/>
+                  <a:t>Gradiente ascendente </a:t>
+                </a:r>
+                <a:r>
+                  <a:rPr lang="pt-BR" dirty="0"/>
+                  <a:t>para problemas de </a:t>
+                </a:r>
+                <a:r>
+                  <a:rPr lang="pt-BR" b="1" i="1" dirty="0">
+                    <a:solidFill>
+                      <a:srgbClr val="00B050"/>
+                    </a:solidFill>
+                  </a:rPr>
+                  <a:t>maximização</a:t>
+                </a:r>
+                <a:r>
+                  <a:rPr lang="pt-BR" dirty="0"/>
+                  <a:t>.</a:t>
+                </a:r>
+              </a:p>
+              <a:p>
+                <a:pPr lvl="1">
+                  <a:buFont typeface="Wingdings" panose="05000000000000000000" pitchFamily="2" charset="2"/>
+                  <a:buChar char="§"/>
+                </a:pPr>
+                <a:r>
+                  <a:rPr lang="pt-BR" b="1" i="1" dirty="0"/>
+                  <a:t>Gradiente descendente</a:t>
+                </a:r>
+                <a:r>
+                  <a:rPr lang="pt-BR" dirty="0"/>
+                  <a:t> para problemas de </a:t>
+                </a:r>
+                <a:r>
+                  <a:rPr lang="pt-BR" b="1" i="1" dirty="0">
+                    <a:solidFill>
+                      <a:srgbClr val="00B050"/>
+                    </a:solidFill>
+                  </a:rPr>
+                  <a:t>minimização</a:t>
+                </a:r>
+                <a:r>
+                  <a:rPr lang="pt-BR" dirty="0"/>
+                  <a:t>.</a:t>
+                </a:r>
+              </a:p>
+              <a:p>
+                <a:r>
+                  <a:rPr lang="pt-BR" dirty="0"/>
+                  <a:t>Falamos sobre as três versões do gradiente descendente e as comparamos:</a:t>
+                </a:r>
+              </a:p>
+              <a:p>
+                <a:pPr lvl="1">
+                  <a:buFont typeface="Wingdings" panose="05000000000000000000" pitchFamily="2" charset="2"/>
+                  <a:buChar char="§"/>
+                </a:pPr>
+                <a:r>
+                  <a:rPr lang="pt-BR" dirty="0"/>
+                  <a:t>Batelada</a:t>
+                </a:r>
+              </a:p>
+              <a:p>
+                <a:pPr lvl="1">
+                  <a:buFont typeface="Wingdings" panose="05000000000000000000" pitchFamily="2" charset="2"/>
+                  <a:buChar char="§"/>
+                </a:pPr>
+                <a:r>
+                  <a:rPr lang="pt-BR" dirty="0"/>
+                  <a:t>Estocástico</a:t>
+                </a:r>
+              </a:p>
+              <a:p>
+                <a:pPr lvl="1">
+                  <a:buFont typeface="Wingdings" panose="05000000000000000000" pitchFamily="2" charset="2"/>
+                  <a:buChar char="§"/>
+                </a:pPr>
+                <a:r>
+                  <a:rPr lang="pt-BR" dirty="0"/>
+                  <a:t>Mini-batch</a:t>
+                </a:r>
+              </a:p>
+              <a:p>
+                <a:r>
+                  <a:rPr lang="pt-BR" dirty="0"/>
+                  <a:t>Neste tópico, discutiremos o quão importante é o ajuste do passo de aprendizagem, </a:t>
+                </a:r>
+                <a14:m>
+                  <m:oMath xmlns:m="http://schemas.openxmlformats.org/officeDocument/2006/math">
+                    <m:r>
+                      <a:rPr lang="pt-BR" i="1" smtClean="0">
+                        <a:latin typeface="Cambria Math" panose="02040503050406030204" pitchFamily="18" charset="0"/>
+                        <a:ea typeface="Cambria Math" panose="02040503050406030204" pitchFamily="18" charset="0"/>
+                      </a:rPr>
+                      <m:t>𝛼</m:t>
+                    </m:r>
+                  </m:oMath>
+                </a14:m>
+                <a:r>
+                  <a:rPr lang="pt-BR" dirty="0"/>
+                  <a:t>.</a:t>
+                </a:r>
+              </a:p>
+            </p:txBody>
+          </p:sp>
+        </mc:Choice>
+        <mc:Fallback xmlns="">
+          <p:sp>
+            <p:nvSpPr>
+              <p:cNvPr id="3" name="Content Placeholder 2"/>
+              <p:cNvSpPr>
+                <a:spLocks noGrp="1" noRot="1" noChangeAspect="1" noMove="1" noResize="1" noEditPoints="1" noAdjustHandles="1" noChangeArrowheads="1" noChangeShapeType="1" noTextEdit="1"/>
+              </p:cNvSpPr>
+              <p:nvPr>
+                <p:ph idx="1"/>
+              </p:nvPr>
+            </p:nvSpPr>
+            <p:spPr>
+              <a:xfrm>
+                <a:off x="838199" y="1825624"/>
+                <a:ext cx="11077282" cy="5032376"/>
+              </a:xfrm>
+              <a:blipFill>
+                <a:blip r:embed="rId2"/>
+                <a:stretch>
+                  <a:fillRect l="-935" t="-2663" r="-1760"/>
+                </a:stretch>
+              </a:blipFill>
+            </p:spPr>
+            <p:txBody>
+              <a:bodyPr/>
+              <a:lstStyle/>
+              <a:p>
+                <a:r>
+                  <a:rPr lang="pt-BR">
+                    <a:noFill/>
+                  </a:rPr>
+                  <a:t> </a:t>
+                </a:r>
+              </a:p>
+            </p:txBody>
+          </p:sp>
+        </mc:Fallback>
+      </mc:AlternateContent>
+    </p:spTree>
+    <p:extLst>
+      <p:ext uri="{BB962C8B-B14F-4D97-AF65-F5344CB8AC3E}">
+        <p14:creationId xmlns:p14="http://schemas.microsoft.com/office/powerpoint/2010/main" val="3057771208"/>
+      </p:ext>
+    </p:extLst>
+  </p:cSld>
+  <p:clrMapOvr>
+    <a:masterClrMapping/>
+  </p:clrMapOvr>
+</p:sld>
+</file>
+
+<file path=ppt/slides/slide20.xml><?xml version="1.0" encoding="utf-8"?>
 <p:sld xmlns:a="http://schemas.openxmlformats.org/drawingml/2006/main" xmlns:r="http://schemas.openxmlformats.org/officeDocument/2006/relationships" xmlns:p="http://schemas.openxmlformats.org/presentationml/2006/main">
   <p:cSld>
     <p:spTree>
@@ -10712,245 +11071,7 @@
 </p:sld>
 </file>
 
-<file path=ppt/slides/slide2.xml><?xml version="1.0" encoding="utf-8"?>
-<p:sld xmlns:a="http://schemas.openxmlformats.org/drawingml/2006/main" xmlns:r="http://schemas.openxmlformats.org/officeDocument/2006/relationships" xmlns:p="http://schemas.openxmlformats.org/presentationml/2006/main">
-  <p:cSld>
-    <p:spTree>
-      <p:nvGrpSpPr>
-        <p:cNvPr id="1" name=""/>
-        <p:cNvGrpSpPr/>
-        <p:nvPr/>
-      </p:nvGrpSpPr>
-      <p:grpSpPr>
-        <a:xfrm>
-          <a:off x="0" y="0"/>
-          <a:ext cx="0" cy="0"/>
-          <a:chOff x="0" y="0"/>
-          <a:chExt cx="0" cy="0"/>
-        </a:xfrm>
-      </p:grpSpPr>
-      <p:sp>
-        <p:nvSpPr>
-          <p:cNvPr id="2" name="Title 1"/>
-          <p:cNvSpPr>
-            <a:spLocks noGrp="1"/>
-          </p:cNvSpPr>
-          <p:nvPr>
-            <p:ph type="title"/>
-          </p:nvPr>
-        </p:nvSpPr>
-        <p:spPr/>
-        <p:txBody>
-          <a:bodyPr/>
-          <a:lstStyle/>
-          <a:p>
-            <a:r>
-              <a:rPr lang="pt-BR"/>
-              <a:t>Recapitulando</a:t>
-            </a:r>
-            <a:endParaRPr lang="pt-BR" dirty="0"/>
-          </a:p>
-        </p:txBody>
-      </p:sp>
-      <mc:AlternateContent xmlns:mc="http://schemas.openxmlformats.org/markup-compatibility/2006" xmlns:a14="http://schemas.microsoft.com/office/drawing/2010/main">
-        <mc:Choice Requires="a14">
-          <p:sp>
-            <p:nvSpPr>
-              <p:cNvPr id="3" name="Content Placeholder 2"/>
-              <p:cNvSpPr>
-                <a:spLocks noGrp="1"/>
-              </p:cNvSpPr>
-              <p:nvPr>
-                <p:ph idx="1"/>
-              </p:nvPr>
-            </p:nvSpPr>
-            <p:spPr>
-              <a:xfrm>
-                <a:off x="838199" y="1825624"/>
-                <a:ext cx="11077282" cy="5032376"/>
-              </a:xfrm>
-            </p:spPr>
-            <p:txBody>
-              <a:bodyPr>
-                <a:normAutofit lnSpcReduction="10000"/>
-              </a:bodyPr>
-              <a:lstStyle/>
-              <a:p>
-                <a:r>
-                  <a:rPr lang="pt-BR" dirty="0"/>
-                  <a:t>No tópico anterior, discutimos o vetor gradiente.</a:t>
-                </a:r>
-              </a:p>
-              <a:p>
-                <a:r>
-                  <a:rPr lang="pt-BR" dirty="0"/>
-                  <a:t>Aprendemos dois algoritmos que usam o vetor gradiente para a resolução de problemas de otimização.</a:t>
-                </a:r>
-              </a:p>
-              <a:p>
-                <a:pPr lvl="1">
-                  <a:buFont typeface="Wingdings" panose="05000000000000000000" pitchFamily="2" charset="2"/>
-                  <a:buChar char="§"/>
-                </a:pPr>
-                <a:r>
-                  <a:rPr lang="pt-BR" b="1" i="1" dirty="0"/>
-                  <a:t>Gradiente ascendente </a:t>
-                </a:r>
-                <a:r>
-                  <a:rPr lang="pt-BR" dirty="0"/>
-                  <a:t>para problemas de </a:t>
-                </a:r>
-                <a:r>
-                  <a:rPr lang="pt-BR" b="1" i="1" dirty="0">
-                    <a:solidFill>
-                      <a:srgbClr val="00B050"/>
-                    </a:solidFill>
-                  </a:rPr>
-                  <a:t>maximização</a:t>
-                </a:r>
-                <a:r>
-                  <a:rPr lang="pt-BR" dirty="0"/>
-                  <a:t>.</a:t>
-                </a:r>
-              </a:p>
-              <a:p>
-                <a:pPr lvl="1">
-                  <a:buFont typeface="Wingdings" panose="05000000000000000000" pitchFamily="2" charset="2"/>
-                  <a:buChar char="§"/>
-                </a:pPr>
-                <a:r>
-                  <a:rPr lang="pt-BR" b="1" i="1" dirty="0"/>
-                  <a:t>Gradiente descendente</a:t>
-                </a:r>
-                <a:r>
-                  <a:rPr lang="pt-BR" dirty="0"/>
-                  <a:t> para problemas de </a:t>
-                </a:r>
-                <a:r>
-                  <a:rPr lang="pt-BR" b="1" i="1" dirty="0">
-                    <a:solidFill>
-                      <a:srgbClr val="00B050"/>
-                    </a:solidFill>
-                  </a:rPr>
-                  <a:t>minimização</a:t>
-                </a:r>
-                <a:r>
-                  <a:rPr lang="pt-BR" dirty="0"/>
-                  <a:t>.</a:t>
-                </a:r>
-              </a:p>
-              <a:p>
-                <a:r>
-                  <a:rPr lang="pt-BR" dirty="0"/>
-                  <a:t>Falamos sobre as três versões do gradiente descendente e as comparamos:</a:t>
-                </a:r>
-              </a:p>
-              <a:p>
-                <a:pPr lvl="1">
-                  <a:buFont typeface="Wingdings" panose="05000000000000000000" pitchFamily="2" charset="2"/>
-                  <a:buChar char="§"/>
-                </a:pPr>
-                <a:r>
-                  <a:rPr lang="pt-BR" dirty="0"/>
-                  <a:t>Batelada</a:t>
-                </a:r>
-              </a:p>
-              <a:p>
-                <a:pPr lvl="1">
-                  <a:buFont typeface="Wingdings" panose="05000000000000000000" pitchFamily="2" charset="2"/>
-                  <a:buChar char="§"/>
-                </a:pPr>
-                <a:r>
-                  <a:rPr lang="pt-BR" dirty="0"/>
-                  <a:t>Estocástico</a:t>
-                </a:r>
-              </a:p>
-              <a:p>
-                <a:pPr lvl="1">
-                  <a:buFont typeface="Wingdings" panose="05000000000000000000" pitchFamily="2" charset="2"/>
-                  <a:buChar char="§"/>
-                </a:pPr>
-                <a:r>
-                  <a:rPr lang="pt-BR" dirty="0"/>
-                  <a:t>Mini-batch</a:t>
-                </a:r>
-              </a:p>
-              <a:p>
-                <a:r>
-                  <a:rPr lang="pt-BR" dirty="0"/>
-                  <a:t>Neste tópico, discutiremos o quão importante é o ajuste do passo de aprendizagem, </a:t>
-                </a:r>
-                <a14:m>
-                  <m:oMath xmlns:m="http://schemas.openxmlformats.org/officeDocument/2006/math">
-                    <m:r>
-                      <a:rPr lang="pt-BR" i="1" smtClean="0">
-                        <a:latin typeface="Cambria Math" panose="02040503050406030204" pitchFamily="18" charset="0"/>
-                        <a:ea typeface="Cambria Math" panose="02040503050406030204" pitchFamily="18" charset="0"/>
-                      </a:rPr>
-                      <m:t>𝛼</m:t>
-                    </m:r>
-                  </m:oMath>
-                </a14:m>
-                <a:r>
-                  <a:rPr lang="pt-BR" dirty="0"/>
-                  <a:t>.</a:t>
-                </a:r>
-              </a:p>
-            </p:txBody>
-          </p:sp>
-        </mc:Choice>
-        <mc:Fallback xmlns="">
-          <p:sp>
-            <p:nvSpPr>
-              <p:cNvPr id="3" name="Content Placeholder 2"/>
-              <p:cNvSpPr>
-                <a:spLocks noGrp="1" noRot="1" noChangeAspect="1" noMove="1" noResize="1" noEditPoints="1" noAdjustHandles="1" noChangeArrowheads="1" noChangeShapeType="1" noTextEdit="1"/>
-              </p:cNvSpPr>
-              <p:nvPr>
-                <p:ph idx="1"/>
-              </p:nvPr>
-            </p:nvSpPr>
-            <p:spPr>
-              <a:xfrm>
-                <a:off x="838199" y="1825624"/>
-                <a:ext cx="11077282" cy="5032376"/>
-              </a:xfrm>
-              <a:blipFill>
-                <a:blip r:embed="rId2"/>
-                <a:stretch>
-                  <a:fillRect l="-935" t="-2663" r="-1760"/>
-                </a:stretch>
-              </a:blipFill>
-            </p:spPr>
-            <p:txBody>
-              <a:bodyPr/>
-              <a:lstStyle/>
-              <a:p>
-                <a:r>
-                  <a:rPr lang="pt-BR">
-                    <a:noFill/>
-                  </a:rPr>
-                  <a:t> </a:t>
-                </a:r>
-              </a:p>
-            </p:txBody>
-          </p:sp>
-        </mc:Fallback>
-      </mc:AlternateContent>
-    </p:spTree>
-    <p:extLst>
-      <p:ext uri="{BB962C8B-B14F-4D97-AF65-F5344CB8AC3E}">
-        <p14:creationId xmlns:p14="http://schemas.microsoft.com/office/powerpoint/2010/main" val="3057771208"/>
-      </p:ext>
-    </p:extLst>
-  </p:cSld>
-  <p:clrMapOvr>
-    <a:masterClrMapping/>
-  </p:clrMapOvr>
-</p:sld>
-</file>
-
-<file path=ppt/slides/slide20.xml><?xml version="1.0" encoding="utf-8"?>
+<file path=ppt/slides/slide21.xml><?xml version="1.0" encoding="utf-8"?>
 <p:sld xmlns:a="http://schemas.openxmlformats.org/drawingml/2006/main" xmlns:r="http://schemas.openxmlformats.org/officeDocument/2006/relationships" xmlns:p="http://schemas.openxmlformats.org/presentationml/2006/main">
   <p:cSld>
     <p:spTree>
@@ -11008,7 +11129,7 @@
 </p:sld>
 </file>
 
-<file path=ppt/slides/slide21.xml><?xml version="1.0" encoding="utf-8"?>
+<file path=ppt/slides/slide22.xml><?xml version="1.0" encoding="utf-8"?>
 <p:sld xmlns:a="http://schemas.openxmlformats.org/drawingml/2006/main" xmlns:r="http://schemas.openxmlformats.org/officeDocument/2006/relationships" xmlns:p="http://schemas.openxmlformats.org/presentationml/2006/main">
   <p:cSld>
     <p:spTree>
@@ -12757,7 +12878,7 @@
 </p:sld>
 </file>
 
-<file path=ppt/slides/slide22.xml><?xml version="1.0" encoding="utf-8"?>
+<file path=ppt/slides/slide23.xml><?xml version="1.0" encoding="utf-8"?>
 <p:sld xmlns:a="http://schemas.openxmlformats.org/drawingml/2006/main" xmlns:r="http://schemas.openxmlformats.org/officeDocument/2006/relationships" xmlns:p="http://schemas.openxmlformats.org/presentationml/2006/main">
   <p:cSld>
     <p:spTree>
@@ -14698,7 +14819,7 @@
 </p:sld>
 </file>
 
-<file path=ppt/slides/slide23.xml><?xml version="1.0" encoding="utf-8"?>
+<file path=ppt/slides/slide24.xml><?xml version="1.0" encoding="utf-8"?>
 <p:sld xmlns:a="http://schemas.openxmlformats.org/drawingml/2006/main" xmlns:r="http://schemas.openxmlformats.org/officeDocument/2006/relationships" xmlns:p="http://schemas.openxmlformats.org/presentationml/2006/main">
   <p:cSld>
     <p:spTree>
@@ -15848,7 +15969,7 @@
 </p:sld>
 </file>
 
-<file path=ppt/slides/slide24.xml><?xml version="1.0" encoding="utf-8"?>
+<file path=ppt/slides/slide25.xml><?xml version="1.0" encoding="utf-8"?>
 <p:sld xmlns:a="http://schemas.openxmlformats.org/drawingml/2006/main" xmlns:r="http://schemas.openxmlformats.org/officeDocument/2006/relationships" xmlns:p="http://schemas.openxmlformats.org/presentationml/2006/main">
   <p:cSld>
     <p:spTree>
@@ -17193,7 +17314,7 @@
 </p:sld>
 </file>
 
-<file path=ppt/slides/slide25.xml><?xml version="1.0" encoding="utf-8"?>
+<file path=ppt/slides/slide26.xml><?xml version="1.0" encoding="utf-8"?>
 <p:sld xmlns:a="http://schemas.openxmlformats.org/drawingml/2006/main" xmlns:r="http://schemas.openxmlformats.org/officeDocument/2006/relationships" xmlns:p="http://schemas.openxmlformats.org/presentationml/2006/main">
   <p:cSld>
     <p:spTree>
@@ -18537,7 +18658,7 @@
 </p:sld>
 </file>
 
-<file path=ppt/slides/slide26.xml><?xml version="1.0" encoding="utf-8"?>
+<file path=ppt/slides/slide27.xml><?xml version="1.0" encoding="utf-8"?>
 <p:sld xmlns:a="http://schemas.openxmlformats.org/drawingml/2006/main" xmlns:r="http://schemas.openxmlformats.org/officeDocument/2006/relationships" xmlns:p="http://schemas.openxmlformats.org/presentationml/2006/main">
   <p:cSld>
     <p:spTree>
@@ -20289,7 +20410,7 @@
 </p:sld>
 </file>
 
-<file path=ppt/slides/slide27.xml><?xml version="1.0" encoding="utf-8"?>
+<file path=ppt/slides/slide28.xml><?xml version="1.0" encoding="utf-8"?>
 <p:sld xmlns:a="http://schemas.openxmlformats.org/drawingml/2006/main" xmlns:r="http://schemas.openxmlformats.org/officeDocument/2006/relationships" xmlns:p="http://schemas.openxmlformats.org/presentationml/2006/main">
   <p:cSld>
     <p:spTree>
@@ -23715,7 +23836,7 @@
 </p:sld>
 </file>
 
-<file path=ppt/slides/slide28.xml><?xml version="1.0" encoding="utf-8"?>
+<file path=ppt/slides/slide29.xml><?xml version="1.0" encoding="utf-8"?>
 <p:sld xmlns:a="http://schemas.openxmlformats.org/drawingml/2006/main" xmlns:r="http://schemas.openxmlformats.org/officeDocument/2006/relationships" xmlns:p="http://schemas.openxmlformats.org/presentationml/2006/main">
   <p:cSld>
     <p:spTree>
@@ -25790,111 +25911,6 @@
 </p:sld>
 </file>
 
-<file path=ppt/slides/slide29.xml><?xml version="1.0" encoding="utf-8"?>
-<p:sld xmlns:a="http://schemas.openxmlformats.org/drawingml/2006/main" xmlns:r="http://schemas.openxmlformats.org/officeDocument/2006/relationships" xmlns:p="http://schemas.openxmlformats.org/presentationml/2006/main">
-  <p:cSld>
-    <p:spTree>
-      <p:nvGrpSpPr>
-        <p:cNvPr id="1" name=""/>
-        <p:cNvGrpSpPr/>
-        <p:nvPr/>
-      </p:nvGrpSpPr>
-      <p:grpSpPr>
-        <a:xfrm>
-          <a:off x="0" y="0"/>
-          <a:ext cx="0" cy="0"/>
-          <a:chOff x="0" y="0"/>
-          <a:chExt cx="0" cy="0"/>
-        </a:xfrm>
-      </p:grpSpPr>
-      <p:grpSp>
-        <p:nvGrpSpPr>
-          <p:cNvPr id="4" name="Group 3"/>
-          <p:cNvGrpSpPr/>
-          <p:nvPr/>
-        </p:nvGrpSpPr>
-        <p:grpSpPr>
-          <a:xfrm>
-            <a:off x="3825535" y="2360642"/>
-            <a:ext cx="3217781" cy="2544915"/>
-            <a:chOff x="8677971" y="3786094"/>
-            <a:chExt cx="3514029" cy="2730463"/>
-          </a:xfrm>
-        </p:grpSpPr>
-        <p:pic>
-          <p:nvPicPr>
-            <p:cNvPr id="5" name="Picture 4"/>
-            <p:cNvPicPr>
-              <a:picLocks noChangeAspect="1"/>
-            </p:cNvPicPr>
-            <p:nvPr/>
-          </p:nvPicPr>
-          <p:blipFill>
-            <a:blip r:embed="rId2">
-              <a:extLst>
-                <a:ext uri="{28A0092B-C50C-407E-A947-70E740481C1C}">
-                  <a14:useLocalDpi xmlns:a14="http://schemas.microsoft.com/office/drawing/2010/main" val="0"/>
-                </a:ext>
-              </a:extLst>
-            </a:blip>
-            <a:stretch>
-              <a:fillRect/>
-            </a:stretch>
-          </p:blipFill>
-          <p:spPr>
-            <a:xfrm>
-              <a:off x="8677971" y="4063458"/>
-              <a:ext cx="3514029" cy="2453099"/>
-            </a:xfrm>
-            <a:prstGeom prst="rect">
-              <a:avLst/>
-            </a:prstGeom>
-          </p:spPr>
-        </p:pic>
-        <p:sp>
-          <p:nvSpPr>
-            <p:cNvPr id="6" name="TextBox 5"/>
-            <p:cNvSpPr txBox="1"/>
-            <p:nvPr/>
-          </p:nvSpPr>
-          <p:spPr>
-            <a:xfrm>
-              <a:off x="9107097" y="3786094"/>
-              <a:ext cx="2606874" cy="646331"/>
-            </a:xfrm>
-            <a:prstGeom prst="rect">
-              <a:avLst/>
-            </a:prstGeom>
-            <a:noFill/>
-          </p:spPr>
-          <p:txBody>
-            <a:bodyPr wrap="square" rtlCol="0">
-              <a:spAutoFit/>
-            </a:bodyPr>
-            <a:lstStyle/>
-            <a:p>
-              <a:pPr algn="ctr"/>
-              <a:r>
-                <a:rPr lang="pt-BR" dirty="0"/>
-                <a:t>Gradiente Descendente Estocástico</a:t>
-              </a:r>
-            </a:p>
-          </p:txBody>
-        </p:sp>
-      </p:grpSp>
-    </p:spTree>
-    <p:extLst>
-      <p:ext uri="{BB962C8B-B14F-4D97-AF65-F5344CB8AC3E}">
-        <p14:creationId xmlns:p14="http://schemas.microsoft.com/office/powerpoint/2010/main" val="1190685457"/>
-      </p:ext>
-    </p:extLst>
-  </p:cSld>
-  <p:clrMapOvr>
-    <a:masterClrMapping/>
-  </p:clrMapOvr>
-</p:sld>
-</file>
-
 <file path=ppt/slides/slide3.xml><?xml version="1.0" encoding="utf-8"?>
 <p:sld xmlns:a="http://schemas.openxmlformats.org/drawingml/2006/main" xmlns:r="http://schemas.openxmlformats.org/officeDocument/2006/relationships" xmlns:p="http://schemas.openxmlformats.org/presentationml/2006/main">
   <p:cSld>
@@ -26216,6 +26232,111 @@
 </file>
 
 <file path=ppt/slides/slide30.xml><?xml version="1.0" encoding="utf-8"?>
+<p:sld xmlns:a="http://schemas.openxmlformats.org/drawingml/2006/main" xmlns:r="http://schemas.openxmlformats.org/officeDocument/2006/relationships" xmlns:p="http://schemas.openxmlformats.org/presentationml/2006/main">
+  <p:cSld>
+    <p:spTree>
+      <p:nvGrpSpPr>
+        <p:cNvPr id="1" name=""/>
+        <p:cNvGrpSpPr/>
+        <p:nvPr/>
+      </p:nvGrpSpPr>
+      <p:grpSpPr>
+        <a:xfrm>
+          <a:off x="0" y="0"/>
+          <a:ext cx="0" cy="0"/>
+          <a:chOff x="0" y="0"/>
+          <a:chExt cx="0" cy="0"/>
+        </a:xfrm>
+      </p:grpSpPr>
+      <p:grpSp>
+        <p:nvGrpSpPr>
+          <p:cNvPr id="4" name="Group 3"/>
+          <p:cNvGrpSpPr/>
+          <p:nvPr/>
+        </p:nvGrpSpPr>
+        <p:grpSpPr>
+          <a:xfrm>
+            <a:off x="3825535" y="2360642"/>
+            <a:ext cx="3217781" cy="2544915"/>
+            <a:chOff x="8677971" y="3786094"/>
+            <a:chExt cx="3514029" cy="2730463"/>
+          </a:xfrm>
+        </p:grpSpPr>
+        <p:pic>
+          <p:nvPicPr>
+            <p:cNvPr id="5" name="Picture 4"/>
+            <p:cNvPicPr>
+              <a:picLocks noChangeAspect="1"/>
+            </p:cNvPicPr>
+            <p:nvPr/>
+          </p:nvPicPr>
+          <p:blipFill>
+            <a:blip r:embed="rId2">
+              <a:extLst>
+                <a:ext uri="{28A0092B-C50C-407E-A947-70E740481C1C}">
+                  <a14:useLocalDpi xmlns:a14="http://schemas.microsoft.com/office/drawing/2010/main" val="0"/>
+                </a:ext>
+              </a:extLst>
+            </a:blip>
+            <a:stretch>
+              <a:fillRect/>
+            </a:stretch>
+          </p:blipFill>
+          <p:spPr>
+            <a:xfrm>
+              <a:off x="8677971" y="4063458"/>
+              <a:ext cx="3514029" cy="2453099"/>
+            </a:xfrm>
+            <a:prstGeom prst="rect">
+              <a:avLst/>
+            </a:prstGeom>
+          </p:spPr>
+        </p:pic>
+        <p:sp>
+          <p:nvSpPr>
+            <p:cNvPr id="6" name="TextBox 5"/>
+            <p:cNvSpPr txBox="1"/>
+            <p:nvPr/>
+          </p:nvSpPr>
+          <p:spPr>
+            <a:xfrm>
+              <a:off x="9107097" y="3786094"/>
+              <a:ext cx="2606874" cy="646331"/>
+            </a:xfrm>
+            <a:prstGeom prst="rect">
+              <a:avLst/>
+            </a:prstGeom>
+            <a:noFill/>
+          </p:spPr>
+          <p:txBody>
+            <a:bodyPr wrap="square" rtlCol="0">
+              <a:spAutoFit/>
+            </a:bodyPr>
+            <a:lstStyle/>
+            <a:p>
+              <a:pPr algn="ctr"/>
+              <a:r>
+                <a:rPr lang="pt-BR" dirty="0"/>
+                <a:t>Gradiente Descendente Estocástico</a:t>
+              </a:r>
+            </a:p>
+          </p:txBody>
+        </p:sp>
+      </p:grpSp>
+    </p:spTree>
+    <p:extLst>
+      <p:ext uri="{BB962C8B-B14F-4D97-AF65-F5344CB8AC3E}">
+        <p14:creationId xmlns:p14="http://schemas.microsoft.com/office/powerpoint/2010/main" val="1190685457"/>
+      </p:ext>
+    </p:extLst>
+  </p:cSld>
+  <p:clrMapOvr>
+    <a:masterClrMapping/>
+  </p:clrMapOvr>
+</p:sld>
+</file>
+
+<file path=ppt/slides/slide31.xml><?xml version="1.0" encoding="utf-8"?>
 <p:sld xmlns:a="http://schemas.openxmlformats.org/drawingml/2006/main" xmlns:r="http://schemas.openxmlformats.org/officeDocument/2006/relationships" xmlns:p="http://schemas.openxmlformats.org/presentationml/2006/main">
   <p:cSld>
     <p:spTree>
@@ -28359,7 +28480,7 @@
 </p:sld>
 </file>
 
-<file path=ppt/slides/slide31.xml><?xml version="1.0" encoding="utf-8"?>
+<file path=ppt/slides/slide32.xml><?xml version="1.0" encoding="utf-8"?>
 <p:sld xmlns:a="http://schemas.openxmlformats.org/drawingml/2006/main" xmlns:r="http://schemas.openxmlformats.org/officeDocument/2006/relationships" xmlns:p="http://schemas.openxmlformats.org/presentationml/2006/main">
   <p:cSld>
     <p:spTree>
@@ -30695,8 +30816,8 @@
           </a:p>
         </p:txBody>
       </p:sp>
-      <mc:AlternateContent xmlns:mc="http://schemas.openxmlformats.org/markup-compatibility/2006">
-        <mc:Choice xmlns:a14="http://schemas.microsoft.com/office/drawing/2010/main" Requires="a14">
+      <mc:AlternateContent xmlns:mc="http://schemas.openxmlformats.org/markup-compatibility/2006" xmlns:a14="http://schemas.microsoft.com/office/drawing/2010/main">
+        <mc:Choice Requires="a14">
           <p:sp>
             <p:nvSpPr>
               <p:cNvPr id="3" name="Espaço Reservado para Conteúdo 2">
@@ -30839,7 +30960,7 @@
             </p:txBody>
           </p:sp>
         </mc:Choice>
-        <mc:Fallback>
+        <mc:Fallback xmlns="">
           <p:sp>
             <p:nvSpPr>
               <p:cNvPr id="3" name="Espaço Reservado para Conteúdo 2">
@@ -30997,8 +31118,8 @@
           </a:fontRef>
         </p:style>
       </p:cxnSp>
-      <mc:AlternateContent xmlns:mc="http://schemas.openxmlformats.org/markup-compatibility/2006">
-        <mc:Choice xmlns:a14="http://schemas.microsoft.com/office/drawing/2010/main" Requires="a14">
+      <mc:AlternateContent xmlns:mc="http://schemas.openxmlformats.org/markup-compatibility/2006" xmlns:a14="http://schemas.microsoft.com/office/drawing/2010/main">
+        <mc:Choice Requires="a14">
           <p:sp>
             <p:nvSpPr>
               <p:cNvPr id="9" name="TextBox 11">
@@ -31046,7 +31167,7 @@
             </p:txBody>
           </p:sp>
         </mc:Choice>
-        <mc:Fallback>
+        <mc:Fallback xmlns="">
           <p:sp>
             <p:nvSpPr>
               <p:cNvPr id="9" name="TextBox 11">
@@ -31194,8 +31315,8 @@
           </a:p>
         </p:txBody>
       </p:sp>
-      <mc:AlternateContent xmlns:mc="http://schemas.openxmlformats.org/markup-compatibility/2006">
-        <mc:Choice xmlns:a14="http://schemas.microsoft.com/office/drawing/2010/main" Requires="a14">
+      <mc:AlternateContent xmlns:mc="http://schemas.openxmlformats.org/markup-compatibility/2006" xmlns:a14="http://schemas.microsoft.com/office/drawing/2010/main">
+        <mc:Choice Requires="a14">
           <p:sp>
             <p:nvSpPr>
               <p:cNvPr id="3" name="Espaço Reservado para Conteúdo 2">
@@ -31360,7 +31481,7 @@
             </p:txBody>
           </p:sp>
         </mc:Choice>
-        <mc:Fallback>
+        <mc:Fallback xmlns="">
           <p:sp>
             <p:nvSpPr>
               <p:cNvPr id="3" name="Espaço Reservado para Conteúdo 2">
@@ -31518,8 +31639,8 @@
           </a:fontRef>
         </p:style>
       </p:cxnSp>
-      <mc:AlternateContent xmlns:mc="http://schemas.openxmlformats.org/markup-compatibility/2006">
-        <mc:Choice xmlns:a14="http://schemas.microsoft.com/office/drawing/2010/main" Requires="a14">
+      <mc:AlternateContent xmlns:mc="http://schemas.openxmlformats.org/markup-compatibility/2006" xmlns:a14="http://schemas.microsoft.com/office/drawing/2010/main">
+        <mc:Choice Requires="a14">
           <p:sp>
             <p:nvSpPr>
               <p:cNvPr id="8" name="TextBox 10">
@@ -31567,7 +31688,7 @@
             </p:txBody>
           </p:sp>
         </mc:Choice>
-        <mc:Fallback>
+        <mc:Fallback xmlns="">
           <p:sp>
             <p:nvSpPr>
               <p:cNvPr id="8" name="TextBox 10">
@@ -31715,8 +31836,8 @@
           </a:p>
         </p:txBody>
       </p:sp>
-      <mc:AlternateContent xmlns:mc="http://schemas.openxmlformats.org/markup-compatibility/2006">
-        <mc:Choice xmlns:a14="http://schemas.microsoft.com/office/drawing/2010/main" Requires="a14">
+      <mc:AlternateContent xmlns:mc="http://schemas.openxmlformats.org/markup-compatibility/2006" xmlns:a14="http://schemas.microsoft.com/office/drawing/2010/main">
+        <mc:Choice Requires="a14">
           <p:sp>
             <p:nvSpPr>
               <p:cNvPr id="3" name="Espaço Reservado para Conteúdo 2">
@@ -31828,7 +31949,7 @@
             </p:txBody>
           </p:sp>
         </mc:Choice>
-        <mc:Fallback>
+        <mc:Fallback xmlns="">
           <p:sp>
             <p:nvSpPr>
               <p:cNvPr id="3" name="Espaço Reservado para Conteúdo 2">
@@ -31927,8 +32048,8 @@
             </a:prstGeom>
           </p:spPr>
         </p:pic>
-        <mc:AlternateContent xmlns:mc="http://schemas.openxmlformats.org/markup-compatibility/2006">
-          <mc:Choice xmlns:a14="http://schemas.microsoft.com/office/drawing/2010/main" Requires="a14">
+        <mc:AlternateContent xmlns:mc="http://schemas.openxmlformats.org/markup-compatibility/2006" xmlns:a14="http://schemas.microsoft.com/office/drawing/2010/main">
+          <mc:Choice Requires="a14">
             <p:sp>
               <p:nvSpPr>
                 <p:cNvPr id="5" name="Rectangle 5">
@@ -31987,7 +32108,7 @@
               </p:txBody>
             </p:sp>
           </mc:Choice>
-          <mc:Fallback>
+          <mc:Fallback xmlns="">
             <p:sp>
               <p:nvSpPr>
                 <p:cNvPr id="5" name="Rectangle 5">

--- a/slides/T319_Regressão_Linear (Parte III).pptx
+++ b/slides/T319_Regressão_Linear (Parte III).pptx
@@ -5,7 +5,7 @@
     <p:sldMasterId id="2147483648" r:id="rId1"/>
   </p:sldMasterIdLst>
   <p:notesMasterIdLst>
-    <p:notesMasterId r:id="rId34"/>
+    <p:notesMasterId r:id="rId43"/>
   </p:notesMasterIdLst>
   <p:sldIdLst>
     <p:sldId id="259" r:id="rId2"/>
@@ -17,29 +17,38 @@
     <p:sldId id="486" r:id="rId8"/>
     <p:sldId id="492" r:id="rId9"/>
     <p:sldId id="493" r:id="rId10"/>
-    <p:sldId id="494" r:id="rId11"/>
-    <p:sldId id="490" r:id="rId12"/>
-    <p:sldId id="291" r:id="rId13"/>
-    <p:sldId id="412" r:id="rId14"/>
-    <p:sldId id="495" r:id="rId15"/>
-    <p:sldId id="472" r:id="rId16"/>
-    <p:sldId id="479" r:id="rId17"/>
-    <p:sldId id="480" r:id="rId18"/>
-    <p:sldId id="482" r:id="rId19"/>
-    <p:sldId id="317" r:id="rId20"/>
-    <p:sldId id="332" r:id="rId21"/>
-    <p:sldId id="299" r:id="rId22"/>
-    <p:sldId id="285" r:id="rId23"/>
-    <p:sldId id="415" r:id="rId24"/>
-    <p:sldId id="283" r:id="rId25"/>
-    <p:sldId id="274" r:id="rId26"/>
-    <p:sldId id="278" r:id="rId27"/>
-    <p:sldId id="292" r:id="rId28"/>
-    <p:sldId id="295" r:id="rId29"/>
-    <p:sldId id="396" r:id="rId30"/>
-    <p:sldId id="484" r:id="rId31"/>
-    <p:sldId id="421" r:id="rId32"/>
-    <p:sldId id="423" r:id="rId33"/>
+    <p:sldId id="501" r:id="rId11"/>
+    <p:sldId id="494" r:id="rId12"/>
+    <p:sldId id="490" r:id="rId13"/>
+    <p:sldId id="497" r:id="rId14"/>
+    <p:sldId id="499" r:id="rId15"/>
+    <p:sldId id="500" r:id="rId16"/>
+    <p:sldId id="502" r:id="rId17"/>
+    <p:sldId id="495" r:id="rId18"/>
+    <p:sldId id="496" r:id="rId19"/>
+    <p:sldId id="504" r:id="rId20"/>
+    <p:sldId id="506" r:id="rId21"/>
+    <p:sldId id="505" r:id="rId22"/>
+    <p:sldId id="503" r:id="rId23"/>
+    <p:sldId id="472" r:id="rId24"/>
+    <p:sldId id="479" r:id="rId25"/>
+    <p:sldId id="480" r:id="rId26"/>
+    <p:sldId id="482" r:id="rId27"/>
+    <p:sldId id="317" r:id="rId28"/>
+    <p:sldId id="332" r:id="rId29"/>
+    <p:sldId id="299" r:id="rId30"/>
+    <p:sldId id="285" r:id="rId31"/>
+    <p:sldId id="415" r:id="rId32"/>
+    <p:sldId id="283" r:id="rId33"/>
+    <p:sldId id="274" r:id="rId34"/>
+    <p:sldId id="278" r:id="rId35"/>
+    <p:sldId id="292" r:id="rId36"/>
+    <p:sldId id="498" r:id="rId37"/>
+    <p:sldId id="295" r:id="rId38"/>
+    <p:sldId id="396" r:id="rId39"/>
+    <p:sldId id="484" r:id="rId40"/>
+    <p:sldId id="421" r:id="rId41"/>
+    <p:sldId id="423" r:id="rId42"/>
   </p:sldIdLst>
   <p:sldSz cx="12192000" cy="6858000"/>
   <p:notesSz cx="6858000" cy="9144000"/>
@@ -555,7 +564,7 @@
           <a:p>
             <a:fld id="{DAF0AF11-6A8A-4E64-94F5-26D4FBA2A01D}" type="datetimeFigureOut">
               <a:rPr lang="nl-BE" smtClean="0"/>
-              <a:t>28/09/2023</a:t>
+              <a:t>29/09/2023</a:t>
             </a:fld>
             <a:endParaRPr lang="nl-BE"/>
           </a:p>
@@ -1197,7 +1206,7 @@
           <a:p>
             <a:fld id="{DA8B99DF-01BC-492A-8CEF-4FD88D18DD9D}" type="slidenum">
               <a:rPr lang="nl-BE" smtClean="0"/>
-              <a:t>17</a:t>
+              <a:t>25</a:t>
             </a:fld>
             <a:endParaRPr lang="nl-BE"/>
           </a:p>
@@ -1312,7 +1321,7 @@
           <a:p>
             <a:fld id="{DA8B99DF-01BC-492A-8CEF-4FD88D18DD9D}" type="slidenum">
               <a:rPr lang="nl-BE" smtClean="0"/>
-              <a:t>18</a:t>
+              <a:t>26</a:t>
             </a:fld>
             <a:endParaRPr lang="nl-BE"/>
           </a:p>
@@ -1396,7 +1405,7 @@
           <a:p>
             <a:fld id="{DA8B99DF-01BC-492A-8CEF-4FD88D18DD9D}" type="slidenum">
               <a:rPr lang="nl-BE" smtClean="0"/>
-              <a:t>23</a:t>
+              <a:t>31</a:t>
             </a:fld>
             <a:endParaRPr lang="nl-BE"/>
           </a:p>
@@ -1480,7 +1489,7 @@
           <a:p>
             <a:fld id="{DA8B99DF-01BC-492A-8CEF-4FD88D18DD9D}" type="slidenum">
               <a:rPr lang="nl-BE" smtClean="0"/>
-              <a:t>24</a:t>
+              <a:t>32</a:t>
             </a:fld>
             <a:endParaRPr lang="nl-BE"/>
           </a:p>
@@ -1564,7 +1573,7 @@
           <a:p>
             <a:fld id="{DA8B99DF-01BC-492A-8CEF-4FD88D18DD9D}" type="slidenum">
               <a:rPr lang="nl-BE" smtClean="0"/>
-              <a:t>27</a:t>
+              <a:t>35</a:t>
             </a:fld>
             <a:endParaRPr lang="nl-BE"/>
           </a:p>
@@ -1627,10 +1636,7 @@
           <a:bodyPr/>
           <a:lstStyle/>
           <a:p>
-            <a:r>
-              <a:rPr lang="pt-BR" dirty="0"/>
-              <a:t>O termo momentum aumenta para dimensões cujos gradientes apontam nas mesmas direções e reduz atualizações para dimensões cujos gradientes mudam de direção. Como resultado, temos convergência mais rápida e oscilação reduzida.</a:t>
-            </a:r>
+            <a:endParaRPr lang="nl-BE" dirty="0"/>
           </a:p>
         </p:txBody>
       </p:sp>
@@ -1651,7 +1657,94 @@
           <a:p>
             <a:fld id="{DA8B99DF-01BC-492A-8CEF-4FD88D18DD9D}" type="slidenum">
               <a:rPr lang="nl-BE" smtClean="0"/>
-              <a:t>32</a:t>
+              <a:t>36</a:t>
+            </a:fld>
+            <a:endParaRPr lang="nl-BE"/>
+          </a:p>
+        </p:txBody>
+      </p:sp>
+    </p:spTree>
+    <p:extLst>
+      <p:ext uri="{BB962C8B-B14F-4D97-AF65-F5344CB8AC3E}">
+        <p14:creationId xmlns:p14="http://schemas.microsoft.com/office/powerpoint/2010/main" val="4087609378"/>
+      </p:ext>
+    </p:extLst>
+  </p:cSld>
+  <p:clrMapOvr>
+    <a:masterClrMapping/>
+  </p:clrMapOvr>
+</p:notes>
+</file>
+
+<file path=ppt/notesSlides/notesSlide16.xml><?xml version="1.0" encoding="utf-8"?>
+<p:notes xmlns:a="http://schemas.openxmlformats.org/drawingml/2006/main" xmlns:r="http://schemas.openxmlformats.org/officeDocument/2006/relationships" xmlns:p="http://schemas.openxmlformats.org/presentationml/2006/main">
+  <p:cSld>
+    <p:spTree>
+      <p:nvGrpSpPr>
+        <p:cNvPr id="1" name=""/>
+        <p:cNvGrpSpPr/>
+        <p:nvPr/>
+      </p:nvGrpSpPr>
+      <p:grpSpPr>
+        <a:xfrm>
+          <a:off x="0" y="0"/>
+          <a:ext cx="0" cy="0"/>
+          <a:chOff x="0" y="0"/>
+          <a:chExt cx="0" cy="0"/>
+        </a:xfrm>
+      </p:grpSpPr>
+      <p:sp>
+        <p:nvSpPr>
+          <p:cNvPr id="2" name="Slide Image Placeholder 1"/>
+          <p:cNvSpPr>
+            <a:spLocks noGrp="1" noRot="1" noChangeAspect="1"/>
+          </p:cNvSpPr>
+          <p:nvPr>
+            <p:ph type="sldImg"/>
+          </p:nvPr>
+        </p:nvSpPr>
+        <p:spPr/>
+      </p:sp>
+      <p:sp>
+        <p:nvSpPr>
+          <p:cNvPr id="3" name="Notes Placeholder 2"/>
+          <p:cNvSpPr>
+            <a:spLocks noGrp="1"/>
+          </p:cNvSpPr>
+          <p:nvPr>
+            <p:ph type="body" idx="1"/>
+          </p:nvPr>
+        </p:nvSpPr>
+        <p:spPr/>
+        <p:txBody>
+          <a:bodyPr/>
+          <a:lstStyle/>
+          <a:p>
+            <a:r>
+              <a:rPr lang="pt-BR" dirty="0"/>
+              <a:t>O termo momentum aumenta para dimensões cujos gradientes apontam nas mesmas direções e reduz atualizações para dimensões cujos gradientes mudam de direção. Como resultado, temos convergência mais rápida e oscilação reduzida.</a:t>
+            </a:r>
+          </a:p>
+        </p:txBody>
+      </p:sp>
+      <p:sp>
+        <p:nvSpPr>
+          <p:cNvPr id="4" name="Slide Number Placeholder 3"/>
+          <p:cNvSpPr>
+            <a:spLocks noGrp="1"/>
+          </p:cNvSpPr>
+          <p:nvPr>
+            <p:ph type="sldNum" sz="quarter" idx="10"/>
+          </p:nvPr>
+        </p:nvSpPr>
+        <p:spPr/>
+        <p:txBody>
+          <a:bodyPr/>
+          <a:lstStyle/>
+          <a:p>
+            <a:fld id="{DA8B99DF-01BC-492A-8CEF-4FD88D18DD9D}" type="slidenum">
+              <a:rPr lang="nl-BE" smtClean="0"/>
+              <a:t>41</a:t>
             </a:fld>
             <a:endParaRPr lang="nl-BE"/>
           </a:p>
@@ -2551,132 +2644,125 @@
           <a:lstStyle/>
           <a:p>
             <a:r>
-              <a:rPr lang="pt-BR" sz="1200" dirty="0"/>
-              <a:t>Se o</a:t>
-            </a:r>
-            <a:r>
-              <a:rPr lang="pt-BR" sz="1200" baseline="0" dirty="0"/>
-              <a:t> passo</a:t>
-            </a:r>
-            <a:r>
-              <a:rPr lang="pt-BR" sz="1200" dirty="0"/>
-              <a:t> de aprendizagem for muito pequeno, o algoritmo precisará passar por muitas iterações para convergir, o que levará muito tempo.</a:t>
+              <a:rPr lang="pt-BR" dirty="0"/>
+              <a:t>Enquanto </a:t>
+            </a:r>
+            <a:r>
+              <a:rPr lang="pt-BR" baseline="0" dirty="0"/>
+              <a:t>a </a:t>
+            </a:r>
+            <a:r>
+              <a:rPr lang="pt-BR" dirty="0"/>
+              <a:t>direção é determinada pelo</a:t>
+            </a:r>
+            <a:r>
+              <a:rPr lang="pt-BR" baseline="0" dirty="0"/>
+              <a:t> vetor</a:t>
+            </a:r>
+            <a:r>
+              <a:rPr lang="pt-BR" dirty="0"/>
+              <a:t> gradiente da função de erro, a taxa de aprendizado determina o quão grande um passo é dado nessa direção.</a:t>
             </a:r>
           </a:p>
           <a:p>
-            <a:endParaRPr lang="pt-BR" sz="1200" dirty="0"/>
+            <a:endParaRPr lang="pt-BR" dirty="0"/>
           </a:p>
           <a:p>
             <a:r>
-              <a:rPr lang="pt-BR" sz="1200" dirty="0"/>
-              <a:t>Por outro lado, se ele</a:t>
-            </a:r>
-            <a:r>
-              <a:rPr lang="pt-BR" sz="1200" baseline="0" dirty="0"/>
-              <a:t> </a:t>
-            </a:r>
-            <a:r>
-              <a:rPr lang="pt-BR" sz="1200" dirty="0"/>
-              <a:t>for muito grande, você pode pular o vale e acabar do outro lado, possivelmente até mais alto do que antes. Isso pode fazer o algoritmo divergir, com valores cada vez maiores, falhando em encontrar uma boa solução.</a:t>
+              <a:rPr lang="pt-BR" dirty="0"/>
+              <a:t>Se o</a:t>
+            </a:r>
+            <a:r>
+              <a:rPr lang="pt-BR" baseline="0" dirty="0"/>
+              <a:t> passo</a:t>
+            </a:r>
+            <a:r>
+              <a:rPr lang="pt-BR" dirty="0"/>
+              <a:t> de aprendizagem for muito pequeno, o algoritmo precisará passar por muitas iterações até convergir, o que levará muito tempo.</a:t>
             </a:r>
           </a:p>
           <a:p>
-            <a:endParaRPr lang="pt-BR" sz="1200" dirty="0"/>
+            <a:endParaRPr lang="pt-BR" dirty="0"/>
           </a:p>
           <a:p>
             <a:r>
-              <a:rPr lang="pt-BR" sz="1200" dirty="0"/>
-              <a:t>Assim, o</a:t>
-            </a:r>
-            <a:r>
-              <a:rPr lang="pt-BR" sz="1200" baseline="0" dirty="0"/>
-              <a:t> passo </a:t>
-            </a:r>
-            <a:r>
-              <a:rPr lang="pt-BR" sz="1200" dirty="0"/>
-              <a:t>de aprendizagem deve ser experimentado/explorado para encontrar o melhor valor que acelere a descida do gradiente.</a:t>
+              <a:rPr lang="pt-BR" dirty="0"/>
+              <a:t>Por outro lado, se ele</a:t>
+            </a:r>
+            <a:r>
+              <a:rPr lang="pt-BR" baseline="0" dirty="0"/>
+              <a:t> </a:t>
+            </a:r>
+            <a:r>
+              <a:rPr lang="pt-BR" dirty="0"/>
+              <a:t>for muito grande, você pode pular o vale e acabar do outro lado, possivelmente até mais alto do que antes. Isso pode fazer o algoritmo divergir, com valores cada vez maiores, falhando em encontrar uma boa solução.</a:t>
             </a:r>
           </a:p>
           <a:p>
-            <a:endParaRPr lang="pt-BR" sz="1200" dirty="0"/>
+            <a:endParaRPr lang="pt-BR" dirty="0"/>
           </a:p>
           <a:p>
             <a:r>
-              <a:rPr lang="pt-BR" sz="1200" dirty="0"/>
-              <a:t>O momentum adiciona uma fração da atualização de peso anterior a atual. Quando o gradiente continua apontando na mesma direção por atualizações consecutivas, isso aumentará o tamanho dos passos dados em direção ao mínimo.</a:t>
-            </a:r>
-            <a:r>
-              <a:rPr lang="pt-BR" sz="1200" baseline="0" dirty="0"/>
-              <a:t> </a:t>
-            </a:r>
-            <a:r>
-              <a:rPr lang="pt-BR" sz="1200" dirty="0"/>
-              <a:t>Por outro lado, quando o gradiente continua mudando de direção, o momentum suaviza as variações, ou seja, as atualizações.</a:t>
+              <a:rPr lang="pt-BR" dirty="0"/>
+              <a:t>Assim, o</a:t>
+            </a:r>
+            <a:r>
+              <a:rPr lang="pt-BR" baseline="0" dirty="0"/>
+              <a:t> passo </a:t>
+            </a:r>
+            <a:r>
+              <a:rPr lang="pt-BR" dirty="0"/>
+              <a:t>de aprendizagem deve ser experimentado/explorado para encontrar o melhor valor que acelere a descida do gradiente.</a:t>
             </a:r>
           </a:p>
           <a:p>
-            <a:endParaRPr lang="pt-BR" sz="1200" dirty="0"/>
+            <a:endParaRPr lang="pt-BR" dirty="0"/>
           </a:p>
           <a:p>
             <a:r>
-              <a:rPr lang="pt-BR" sz="1200" b="1" dirty="0"/>
-              <a:t>OBS</a:t>
-            </a:r>
-            <a:r>
-              <a:rPr lang="pt-BR" sz="1200" dirty="0"/>
-              <a:t>.: Passos largos durante as iterações iniciais e curtos conforme o algoritmo se aproxima do mínimo podem acelerar a convergência.</a:t>
-            </a:r>
-            <a:r>
-              <a:rPr lang="pt-BR" sz="1200" baseline="0" dirty="0"/>
-              <a:t> </a:t>
-            </a:r>
-            <a:r>
-              <a:rPr lang="pt-BR" sz="1200" dirty="0"/>
-              <a:t>Este tipo de abordagem é implementada por </a:t>
-            </a:r>
-            <a:r>
-              <a:rPr lang="pt-BR" sz="1200" b="1" i="1" dirty="0"/>
-              <a:t>esquemas de variação programada</a:t>
-            </a:r>
-            <a:r>
-              <a:rPr lang="pt-BR" sz="1200" dirty="0"/>
-              <a:t> do passo de aprendizagem </a:t>
+              <a:rPr lang="pt-BR" dirty="0"/>
+              <a:t>Ao usar grandes valores para o passo de aprendizagem, é possível encontrar um ciclo de feedback positivo no qual grandes valores induzem grandes gradientes que, então, induzem uma grande atualização dos pesos. Se essas atualizações aumentarem consistentemente o tamanho dos pesos, então [os pesos] se afastam rapidamente do</a:t>
+            </a:r>
+            <a:r>
+              <a:rPr lang="pt-BR" baseline="0" dirty="0"/>
+              <a:t> ponto de mínimo </a:t>
+            </a:r>
+            <a:r>
+              <a:rPr lang="pt-BR" dirty="0"/>
+              <a:t>até que ocorra o estouro da precisão numérica.</a:t>
             </a:r>
           </a:p>
           <a:p>
-            <a:pPr marL="171450" indent="-171450">
-              <a:buFont typeface="Arial" panose="020B0604020202020204" pitchFamily="34" charset="0"/>
-              <a:buChar char="•"/>
+            <a:endParaRPr lang="pt-BR" dirty="0"/>
+          </a:p>
+          <a:p>
+            <a:pPr marL="0" marR="0" lvl="0" indent="0" algn="l" defTabSz="914400" rtl="0" eaLnBrk="1" fontAlgn="auto" latinLnBrk="0" hangingPunct="1">
+              <a:lnSpc>
+                <a:spcPct val="100000"/>
+              </a:lnSpc>
+              <a:spcBef>
+                <a:spcPts val="0"/>
+              </a:spcBef>
+              <a:spcAft>
+                <a:spcPts val="0"/>
+              </a:spcAft>
+              <a:buClrTx/>
+              <a:buSzTx/>
+              <a:buFontTx/>
+              <a:buNone/>
+              <a:tabLst/>
+              <a:defRPr/>
             </a:pPr>
             <a:r>
-              <a:rPr lang="pt-BR" sz="1200" dirty="0"/>
-              <a:t>Por exemplo: momentum, </a:t>
-            </a:r>
-            <a:r>
-              <a:rPr lang="pt-BR" sz="1200" dirty="0" err="1"/>
-              <a:t>anelamento</a:t>
-            </a:r>
-            <a:r>
-              <a:rPr lang="pt-BR" sz="1200" dirty="0"/>
-              <a:t>, algoritmos de otimização com ajuste adaptativo do passo de aprendizagem (</a:t>
-            </a:r>
-            <a:r>
-              <a:rPr lang="pt-BR" sz="1200" dirty="0" err="1"/>
-              <a:t>RMSProp</a:t>
-            </a:r>
-            <a:r>
-              <a:rPr lang="pt-BR" sz="1200" dirty="0"/>
-              <a:t>, </a:t>
-            </a:r>
-            <a:r>
-              <a:rPr lang="pt-BR" sz="1200" dirty="0" err="1"/>
-              <a:t>AdaGrad</a:t>
-            </a:r>
-            <a:r>
-              <a:rPr lang="pt-BR" sz="1200" dirty="0"/>
-              <a:t>, Adam, etc.).</a:t>
-            </a:r>
-            <a:endParaRPr lang="nl-BE" sz="1200" dirty="0"/>
+              <a:rPr lang="pt-BR" dirty="0"/>
+              <a:t>Uma boa intuição para se ter em mente é que, com uma alta taxa de aprendizado o vetor de pesos “oscila” ou “pula” caoticamente, incapaz de convergir para áreas mais profundas, porém mais estreitas, da superfície de erro. </a:t>
+            </a:r>
+          </a:p>
+          <a:p>
+            <a:endParaRPr lang="nl-BE" dirty="0"/>
+          </a:p>
+          <a:p>
+            <a:endParaRPr lang="pt-BR" dirty="0"/>
           </a:p>
         </p:txBody>
       </p:sp>
@@ -2706,7 +2792,7 @@
     </p:spTree>
     <p:extLst>
       <p:ext uri="{BB962C8B-B14F-4D97-AF65-F5344CB8AC3E}">
-        <p14:creationId xmlns:p14="http://schemas.microsoft.com/office/powerpoint/2010/main" val="3919986911"/>
+        <p14:creationId xmlns:p14="http://schemas.microsoft.com/office/powerpoint/2010/main" val="785167618"/>
       </p:ext>
     </p:extLst>
   </p:cSld>
@@ -2735,7 +2821,7 @@
       </p:grpSpPr>
       <p:sp>
         <p:nvSpPr>
-          <p:cNvPr id="2" name="Slide Image Placeholder 1"/>
+          <p:cNvPr id="2" name="Espaço Reservado para Imagem de Slide 1"/>
           <p:cNvSpPr>
             <a:spLocks noGrp="1" noRot="1" noChangeAspect="1"/>
           </p:cNvSpPr>
@@ -2747,7 +2833,7 @@
       </p:sp>
       <p:sp>
         <p:nvSpPr>
-          <p:cNvPr id="3" name="Notes Placeholder 2"/>
+          <p:cNvPr id="3" name="Espaço Reservado para Anotações 2"/>
           <p:cNvSpPr>
             <a:spLocks noGrp="1"/>
           </p:cNvSpPr>
@@ -2761,39 +2847,143 @@
           <a:lstStyle/>
           <a:p>
             <a:r>
-              <a:rPr lang="pt-BR" dirty="0"/>
-              <a:t>Como sabemos se o gradiente</a:t>
-            </a:r>
-            <a:r>
-              <a:rPr lang="pt-BR" baseline="0" dirty="0"/>
-              <a:t> descendente está funcionando corretamente em relação ao aprendizado?</a:t>
-            </a:r>
-            <a:endParaRPr lang="pt-BR" dirty="0"/>
+              <a:rPr lang="pt-BR" sz="1200" dirty="0"/>
+              <a:t>Se o</a:t>
+            </a:r>
+            <a:r>
+              <a:rPr lang="pt-BR" sz="1200" baseline="0" dirty="0"/>
+              <a:t> passo</a:t>
+            </a:r>
+            <a:r>
+              <a:rPr lang="pt-BR" sz="1200" dirty="0"/>
+              <a:t> de aprendizagem for muito pequeno, o algoritmo precisará passar por muitas iterações para convergir, o que levará muito tempo.</a:t>
+            </a:r>
           </a:p>
           <a:p>
-            <a:endParaRPr lang="pt-BR" dirty="0"/>
+            <a:endParaRPr lang="pt-BR" sz="1200" dirty="0"/>
           </a:p>
           <a:p>
             <a:r>
-              <a:rPr lang="pt-BR" dirty="0"/>
-              <a:t>Como</a:t>
-            </a:r>
-            <a:r>
-              <a:rPr lang="pt-BR" baseline="0" dirty="0"/>
-              <a:t> você consegue debugar/depurar o algoritmo do gradiente descendente quando não é possível se plotar o gráfico de contorno e verificar o caminho seguido pelo algoritmo?</a:t>
-            </a:r>
-            <a:endParaRPr lang="pt-BR" dirty="0"/>
+              <a:rPr lang="pt-BR" sz="1200" dirty="0"/>
+              <a:t>Por outro lado, se ele</a:t>
+            </a:r>
+            <a:r>
+              <a:rPr lang="pt-BR" sz="1200" baseline="0" dirty="0"/>
+              <a:t> </a:t>
+            </a:r>
+            <a:r>
+              <a:rPr lang="pt-BR" sz="1200" dirty="0"/>
+              <a:t>for muito grande, você pode pular o vale e acabar do outro lado, possivelmente até mais alto do que antes. Isso pode fazer o algoritmo divergir, com valores cada vez maiores, falhando em encontrar uma boa solução.</a:t>
+            </a:r>
+          </a:p>
+          <a:p>
+            <a:endParaRPr lang="pt-BR" sz="1200" dirty="0"/>
+          </a:p>
+          <a:p>
+            <a:r>
+              <a:rPr lang="pt-BR" sz="1200" dirty="0"/>
+              <a:t>Assim, o</a:t>
+            </a:r>
+            <a:r>
+              <a:rPr lang="pt-BR" sz="1200" baseline="0" dirty="0"/>
+              <a:t> passo </a:t>
+            </a:r>
+            <a:r>
+              <a:rPr lang="pt-BR" sz="1200" dirty="0"/>
+              <a:t>de aprendizagem deve ser experimentado/explorado para encontrar o melhor valor que acelere a descida do gradiente.</a:t>
+            </a:r>
+          </a:p>
+          <a:p>
+            <a:endParaRPr lang="pt-BR" sz="1200" dirty="0"/>
+          </a:p>
+          <a:p>
+            <a:r>
+              <a:rPr lang="pt-BR" sz="1200" dirty="0"/>
+              <a:t>O momentum adiciona uma fração da atualização de peso anterior a atual. Quando o gradiente continua apontando na mesma direção por atualizações consecutivas, isso aumentará o tamanho dos passos dados em direção ao mínimo.</a:t>
+            </a:r>
+            <a:r>
+              <a:rPr lang="pt-BR" sz="1200" baseline="0" dirty="0"/>
+              <a:t> </a:t>
+            </a:r>
+            <a:r>
+              <a:rPr lang="pt-BR" sz="1200" dirty="0"/>
+              <a:t>Por outro lado, quando o gradiente continua mudando de direção, o momentum suaviza as variações, ou seja, as atualizações.</a:t>
+            </a:r>
+          </a:p>
+          <a:p>
+            <a:endParaRPr lang="pt-BR" sz="1200" dirty="0"/>
+          </a:p>
+          <a:p>
+            <a:r>
+              <a:rPr lang="pt-BR" sz="1200" b="1" dirty="0"/>
+              <a:t>OBS</a:t>
+            </a:r>
+            <a:r>
+              <a:rPr lang="pt-BR" sz="1200" dirty="0"/>
+              <a:t>.: Passos largos durante as iterações iniciais e curtos conforme o algoritmo se aproxima do mínimo podem acelerar a convergência.</a:t>
+            </a:r>
+            <a:r>
+              <a:rPr lang="pt-BR" sz="1200" baseline="0" dirty="0"/>
+              <a:t> </a:t>
+            </a:r>
+            <a:r>
+              <a:rPr lang="pt-BR" sz="1200" dirty="0"/>
+              <a:t>Este tipo de abordagem é implementada por </a:t>
+            </a:r>
+            <a:r>
+              <a:rPr lang="pt-BR" sz="1200" b="1" i="1" dirty="0"/>
+              <a:t>esquemas de variação programada</a:t>
+            </a:r>
+            <a:r>
+              <a:rPr lang="pt-BR" sz="1200" dirty="0"/>
+              <a:t> do passo de aprendizagem </a:t>
+            </a:r>
+          </a:p>
+          <a:p>
+            <a:pPr marL="171450" indent="-171450">
+              <a:buFont typeface="Arial" panose="020B0604020202020204" pitchFamily="34" charset="0"/>
+              <a:buChar char="•"/>
+            </a:pPr>
+            <a:r>
+              <a:rPr lang="pt-BR" sz="1200" dirty="0"/>
+              <a:t>Por exemplo: momentum, </a:t>
+            </a:r>
+            <a:r>
+              <a:rPr lang="pt-BR" sz="1200" dirty="0" err="1"/>
+              <a:t>anelamento</a:t>
+            </a:r>
+            <a:r>
+              <a:rPr lang="pt-BR" sz="1200" dirty="0"/>
+              <a:t>, algoritmos de otimização com ajuste adaptativo do passo de aprendizagem (</a:t>
+            </a:r>
+            <a:r>
+              <a:rPr lang="pt-BR" sz="1200" dirty="0" err="1"/>
+              <a:t>RMSProp</a:t>
+            </a:r>
+            <a:r>
+              <a:rPr lang="pt-BR" sz="1200" dirty="0"/>
+              <a:t>, </a:t>
+            </a:r>
+            <a:r>
+              <a:rPr lang="pt-BR" sz="1200" dirty="0" err="1"/>
+              <a:t>AdaGrad</a:t>
+            </a:r>
+            <a:r>
+              <a:rPr lang="pt-BR" sz="1200" dirty="0"/>
+              <a:t>, Adam, etc.).</a:t>
+            </a:r>
+            <a:endParaRPr lang="nl-BE" sz="1200" dirty="0"/>
           </a:p>
         </p:txBody>
       </p:sp>
       <p:sp>
         <p:nvSpPr>
-          <p:cNvPr id="4" name="Slide Number Placeholder 3"/>
+          <p:cNvPr id="4" name="Espaço Reservado para Número de Slide 3"/>
           <p:cNvSpPr>
             <a:spLocks noGrp="1"/>
           </p:cNvSpPr>
           <p:nvPr>
-            <p:ph type="sldNum" sz="quarter" idx="10"/>
+            <p:ph type="sldNum" sz="quarter" idx="5"/>
           </p:nvPr>
         </p:nvSpPr>
         <p:spPr/>
@@ -2803,7 +2993,7 @@
           <a:p>
             <a:fld id="{DA8B99DF-01BC-492A-8CEF-4FD88D18DD9D}" type="slidenum">
               <a:rPr lang="nl-BE" smtClean="0"/>
-              <a:t>12</a:t>
+              <a:t>11</a:t>
             </a:fld>
             <a:endParaRPr lang="nl-BE"/>
           </a:p>
@@ -2812,7 +3002,7 @@
     </p:spTree>
     <p:extLst>
       <p:ext uri="{BB962C8B-B14F-4D97-AF65-F5344CB8AC3E}">
-        <p14:creationId xmlns:p14="http://schemas.microsoft.com/office/powerpoint/2010/main" val="2537345172"/>
+        <p14:creationId xmlns:p14="http://schemas.microsoft.com/office/powerpoint/2010/main" val="3919986911"/>
       </p:ext>
     </p:extLst>
   </p:cSld>
@@ -2866,6 +3056,39 @@
           <a:bodyPr/>
           <a:lstStyle/>
           <a:p>
+            <a:r>
+              <a:rPr lang="pt-BR" dirty="0"/>
+              <a:t>Como sabemos se o gradiente</a:t>
+            </a:r>
+            <a:r>
+              <a:rPr lang="pt-BR" baseline="0" dirty="0"/>
+              <a:t> descendente está funcionando corretamente em relação ao aprendizado?</a:t>
+            </a:r>
+            <a:endParaRPr lang="pt-BR" dirty="0"/>
+          </a:p>
+          <a:p>
+            <a:endParaRPr lang="pt-BR" dirty="0"/>
+          </a:p>
+          <a:p>
+            <a:r>
+              <a:rPr lang="pt-BR" dirty="0"/>
+              <a:t>Como</a:t>
+            </a:r>
+            <a:r>
+              <a:rPr lang="pt-BR" baseline="0" dirty="0"/>
+              <a:t> você consegue </a:t>
+            </a:r>
+            <a:r>
+              <a:rPr lang="pt-BR" baseline="0" dirty="0" err="1"/>
+              <a:t>debugar</a:t>
+            </a:r>
+            <a:r>
+              <a:rPr lang="pt-BR" baseline="0" dirty="0"/>
+              <a:t>/depurar o algoritmo do gradiente descendente quando não é possível se plotar o gráfico de contorno e verificar o caminho seguido pelo algoritmo?</a:t>
+            </a:r>
+            <a:endParaRPr lang="pt-BR" dirty="0"/>
+          </a:p>
+          <a:p>
             <a:endParaRPr lang="pt-BR" dirty="0"/>
           </a:p>
         </p:txBody>
@@ -2877,7 +3100,7 @@
             <a:spLocks noGrp="1"/>
           </p:cNvSpPr>
           <p:nvPr>
-            <p:ph type="sldNum" sz="quarter" idx="10"/>
+            <p:ph type="sldNum" sz="quarter" idx="5"/>
           </p:nvPr>
         </p:nvSpPr>
         <p:spPr/>
@@ -2887,7 +3110,7 @@
           <a:p>
             <a:fld id="{DA8B99DF-01BC-492A-8CEF-4FD88D18DD9D}" type="slidenum">
               <a:rPr lang="nl-BE" smtClean="0"/>
-              <a:t>13</a:t>
+              <a:t>12</a:t>
             </a:fld>
             <a:endParaRPr lang="nl-BE"/>
           </a:p>
@@ -2896,7 +3119,7 @@
     </p:spTree>
     <p:extLst>
       <p:ext uri="{BB962C8B-B14F-4D97-AF65-F5344CB8AC3E}">
-        <p14:creationId xmlns:p14="http://schemas.microsoft.com/office/powerpoint/2010/main" val="1874720266"/>
+        <p14:creationId xmlns:p14="http://schemas.microsoft.com/office/powerpoint/2010/main" val="602861601"/>
       </p:ext>
     </p:extLst>
   </p:cSld>
@@ -3157,7 +3380,7 @@
           <a:p>
             <a:fld id="{DA8B99DF-01BC-492A-8CEF-4FD88D18DD9D}" type="slidenum">
               <a:rPr lang="nl-BE" smtClean="0"/>
-              <a:t>15</a:t>
+              <a:t>23</a:t>
             </a:fld>
             <a:endParaRPr lang="nl-BE"/>
           </a:p>
@@ -3307,7 +3530,7 @@
           <a:p>
             <a:fld id="{C80E15A5-E95B-43EB-9AC7-9A96397448C0}" type="datetimeFigureOut">
               <a:rPr lang="nl-BE" smtClean="0"/>
-              <a:t>28/09/2023</a:t>
+              <a:t>29/09/2023</a:t>
             </a:fld>
             <a:endParaRPr lang="nl-BE"/>
           </a:p>
@@ -3477,7 +3700,7 @@
           <a:p>
             <a:fld id="{C80E15A5-E95B-43EB-9AC7-9A96397448C0}" type="datetimeFigureOut">
               <a:rPr lang="nl-BE" smtClean="0"/>
-              <a:t>28/09/2023</a:t>
+              <a:t>29/09/2023</a:t>
             </a:fld>
             <a:endParaRPr lang="nl-BE"/>
           </a:p>
@@ -3657,7 +3880,7 @@
           <a:p>
             <a:fld id="{C80E15A5-E95B-43EB-9AC7-9A96397448C0}" type="datetimeFigureOut">
               <a:rPr lang="nl-BE" smtClean="0"/>
-              <a:t>28/09/2023</a:t>
+              <a:t>29/09/2023</a:t>
             </a:fld>
             <a:endParaRPr lang="nl-BE"/>
           </a:p>
@@ -3827,7 +4050,7 @@
           <a:p>
             <a:fld id="{C80E15A5-E95B-43EB-9AC7-9A96397448C0}" type="datetimeFigureOut">
               <a:rPr lang="nl-BE" smtClean="0"/>
-              <a:t>28/09/2023</a:t>
+              <a:t>29/09/2023</a:t>
             </a:fld>
             <a:endParaRPr lang="nl-BE"/>
           </a:p>
@@ -4073,7 +4296,7 @@
           <a:p>
             <a:fld id="{C80E15A5-E95B-43EB-9AC7-9A96397448C0}" type="datetimeFigureOut">
               <a:rPr lang="nl-BE" smtClean="0"/>
-              <a:t>28/09/2023</a:t>
+              <a:t>29/09/2023</a:t>
             </a:fld>
             <a:endParaRPr lang="nl-BE"/>
           </a:p>
@@ -4305,7 +4528,7 @@
           <a:p>
             <a:fld id="{C80E15A5-E95B-43EB-9AC7-9A96397448C0}" type="datetimeFigureOut">
               <a:rPr lang="nl-BE" smtClean="0"/>
-              <a:t>28/09/2023</a:t>
+              <a:t>29/09/2023</a:t>
             </a:fld>
             <a:endParaRPr lang="nl-BE"/>
           </a:p>
@@ -4672,7 +4895,7 @@
           <a:p>
             <a:fld id="{C80E15A5-E95B-43EB-9AC7-9A96397448C0}" type="datetimeFigureOut">
               <a:rPr lang="nl-BE" smtClean="0"/>
-              <a:t>28/09/2023</a:t>
+              <a:t>29/09/2023</a:t>
             </a:fld>
             <a:endParaRPr lang="nl-BE"/>
           </a:p>
@@ -4790,7 +5013,7 @@
           <a:p>
             <a:fld id="{C80E15A5-E95B-43EB-9AC7-9A96397448C0}" type="datetimeFigureOut">
               <a:rPr lang="nl-BE" smtClean="0"/>
-              <a:t>28/09/2023</a:t>
+              <a:t>29/09/2023</a:t>
             </a:fld>
             <a:endParaRPr lang="nl-BE"/>
           </a:p>
@@ -4885,7 +5108,7 @@
           <a:p>
             <a:fld id="{C80E15A5-E95B-43EB-9AC7-9A96397448C0}" type="datetimeFigureOut">
               <a:rPr lang="nl-BE" smtClean="0"/>
-              <a:t>28/09/2023</a:t>
+              <a:t>29/09/2023</a:t>
             </a:fld>
             <a:endParaRPr lang="nl-BE"/>
           </a:p>
@@ -5162,7 +5385,7 @@
           <a:p>
             <a:fld id="{C80E15A5-E95B-43EB-9AC7-9A96397448C0}" type="datetimeFigureOut">
               <a:rPr lang="nl-BE" smtClean="0"/>
-              <a:t>28/09/2023</a:t>
+              <a:t>29/09/2023</a:t>
             </a:fld>
             <a:endParaRPr lang="nl-BE"/>
           </a:p>
@@ -5415,7 +5638,7 @@
           <a:p>
             <a:fld id="{C80E15A5-E95B-43EB-9AC7-9A96397448C0}" type="datetimeFigureOut">
               <a:rPr lang="nl-BE" smtClean="0"/>
-              <a:t>28/09/2023</a:t>
+              <a:t>29/09/2023</a:t>
             </a:fld>
             <a:endParaRPr lang="nl-BE"/>
           </a:p>
@@ -5628,7 +5851,7 @@
           <a:p>
             <a:fld id="{C80E15A5-E95B-43EB-9AC7-9A96397448C0}" type="datetimeFigureOut">
               <a:rPr lang="nl-BE" smtClean="0"/>
-              <a:t>28/09/2023</a:t>
+              <a:t>29/09/2023</a:t>
             </a:fld>
             <a:endParaRPr lang="nl-BE"/>
           </a:p>
@@ -6220,6 +6443,330 @@
 </file>
 
 <file path=ppt/slides/slide10.xml><?xml version="1.0" encoding="utf-8"?>
+<p:sld xmlns:a="http://schemas.openxmlformats.org/drawingml/2006/main" xmlns:r="http://schemas.openxmlformats.org/officeDocument/2006/relationships" xmlns:p="http://schemas.openxmlformats.org/presentationml/2006/main">
+  <p:cSld>
+    <p:spTree>
+      <p:nvGrpSpPr>
+        <p:cNvPr id="1" name=""/>
+        <p:cNvGrpSpPr/>
+        <p:nvPr/>
+      </p:nvGrpSpPr>
+      <p:grpSpPr>
+        <a:xfrm>
+          <a:off x="0" y="0"/>
+          <a:ext cx="0" cy="0"/>
+          <a:chOff x="0" y="0"/>
+          <a:chExt cx="0" cy="0"/>
+        </a:xfrm>
+      </p:grpSpPr>
+      <p:sp>
+        <p:nvSpPr>
+          <p:cNvPr id="2" name="Título 1">
+            <a:extLst>
+              <a:ext uri="{FF2B5EF4-FFF2-40B4-BE49-F238E27FC236}">
+                <a16:creationId xmlns:a16="http://schemas.microsoft.com/office/drawing/2014/main" id="{4A86A124-E47D-3417-36BC-8BEE00BC4668}"/>
+              </a:ext>
+            </a:extLst>
+          </p:cNvPr>
+          <p:cNvSpPr>
+            <a:spLocks noGrp="1"/>
+          </p:cNvSpPr>
+          <p:nvPr>
+            <p:ph type="title"/>
+          </p:nvPr>
+        </p:nvSpPr>
+        <p:spPr/>
+        <p:txBody>
+          <a:bodyPr/>
+          <a:lstStyle/>
+          <a:p>
+            <a:r>
+              <a:rPr lang="pt-BR" dirty="0"/>
+              <a:t>Passo de aprendizado grande</a:t>
+            </a:r>
+          </a:p>
+        </p:txBody>
+      </p:sp>
+      <p:sp>
+        <p:nvSpPr>
+          <p:cNvPr id="3" name="Espaço Reservado para Conteúdo 2">
+            <a:extLst>
+              <a:ext uri="{FF2B5EF4-FFF2-40B4-BE49-F238E27FC236}">
+                <a16:creationId xmlns:a16="http://schemas.microsoft.com/office/drawing/2014/main" id="{AD6B1EE1-E6EE-4E0B-FB14-A459C7084856}"/>
+              </a:ext>
+            </a:extLst>
+          </p:cNvPr>
+          <p:cNvSpPr>
+            <a:spLocks noGrp="1"/>
+          </p:cNvSpPr>
+          <p:nvPr>
+            <p:ph idx="1"/>
+          </p:nvPr>
+        </p:nvSpPr>
+        <p:spPr>
+          <a:xfrm>
+            <a:off x="5642811" y="1825624"/>
+            <a:ext cx="6424863" cy="5032375"/>
+          </a:xfrm>
+        </p:spPr>
+        <p:txBody>
+          <a:bodyPr>
+            <a:normAutofit/>
+          </a:bodyPr>
+          <a:lstStyle/>
+          <a:p>
+            <a:r>
+              <a:rPr lang="pt-BR" dirty="0"/>
+              <a:t>Nesse caso ocorre um </a:t>
+            </a:r>
+            <a:r>
+              <a:rPr lang="pt-BR" b="1" i="1" dirty="0">
+                <a:solidFill>
+                  <a:srgbClr val="00B050"/>
+                </a:solidFill>
+              </a:rPr>
+              <a:t>ciclo de feedback positivo </a:t>
+            </a:r>
+            <a:r>
+              <a:rPr lang="pt-BR" dirty="0"/>
+              <a:t>onde </a:t>
+            </a:r>
+            <a:r>
+              <a:rPr lang="pt-BR" b="1" i="1" dirty="0">
+                <a:solidFill>
+                  <a:srgbClr val="00B050"/>
+                </a:solidFill>
+              </a:rPr>
+              <a:t>a cada época </a:t>
+            </a:r>
+            <a:r>
+              <a:rPr lang="pt-BR" dirty="0"/>
+              <a:t>os valores dos </a:t>
+            </a:r>
+            <a:r>
+              <a:rPr lang="pt-BR" b="1" i="1" dirty="0">
+                <a:solidFill>
+                  <a:srgbClr val="00B050"/>
+                </a:solidFill>
+              </a:rPr>
+              <a:t>gradientes</a:t>
+            </a:r>
+            <a:r>
+              <a:rPr lang="pt-BR" dirty="0"/>
+              <a:t> e, consequentemente, dos </a:t>
+            </a:r>
+            <a:r>
+              <a:rPr lang="pt-BR" b="1" i="1" dirty="0">
+                <a:solidFill>
+                  <a:srgbClr val="00B050"/>
+                </a:solidFill>
+              </a:rPr>
+              <a:t>pesos se tornam maiores e maiores </a:t>
+            </a:r>
+            <a:r>
+              <a:rPr lang="pt-BR" dirty="0"/>
+              <a:t>até que ocorra o </a:t>
+            </a:r>
+            <a:r>
+              <a:rPr lang="pt-BR" b="1" i="1" dirty="0">
+                <a:solidFill>
+                  <a:srgbClr val="7030A0"/>
+                </a:solidFill>
+              </a:rPr>
+              <a:t>estouro da representação numérica</a:t>
+            </a:r>
+            <a:r>
+              <a:rPr lang="pt-BR" dirty="0"/>
+              <a:t>.</a:t>
+            </a:r>
+          </a:p>
+          <a:p>
+            <a:pPr lvl="1">
+              <a:buFont typeface="Wingdings" panose="05000000000000000000" pitchFamily="2" charset="2"/>
+              <a:buChar char="§"/>
+            </a:pPr>
+            <a:r>
+              <a:rPr lang="pt-BR" dirty="0"/>
+              <a:t>Problema que o ocorre quando uma variável não pode representar um valor, pois ele é maior do que o intervalo que ela pode armazenar.</a:t>
+            </a:r>
+          </a:p>
+        </p:txBody>
+      </p:sp>
+      <p:grpSp>
+        <p:nvGrpSpPr>
+          <p:cNvPr id="6" name="Agrupar 5">
+            <a:extLst>
+              <a:ext uri="{FF2B5EF4-FFF2-40B4-BE49-F238E27FC236}">
+                <a16:creationId xmlns:a16="http://schemas.microsoft.com/office/drawing/2014/main" id="{E0A98745-EC18-6F40-59B4-A8FC12CA3344}"/>
+              </a:ext>
+            </a:extLst>
+          </p:cNvPr>
+          <p:cNvGrpSpPr/>
+          <p:nvPr/>
+        </p:nvGrpSpPr>
+        <p:grpSpPr>
+          <a:xfrm>
+            <a:off x="1030705" y="2383300"/>
+            <a:ext cx="4151243" cy="3007892"/>
+            <a:chOff x="767703" y="2398995"/>
+            <a:chExt cx="3868625" cy="2806985"/>
+          </a:xfrm>
+        </p:grpSpPr>
+        <p:pic>
+          <p:nvPicPr>
+            <p:cNvPr id="4" name="Picture 4">
+              <a:extLst>
+                <a:ext uri="{FF2B5EF4-FFF2-40B4-BE49-F238E27FC236}">
+                  <a16:creationId xmlns:a16="http://schemas.microsoft.com/office/drawing/2014/main" id="{5A818B0E-3846-85AC-CA3B-8E7732D8537B}"/>
+                </a:ext>
+              </a:extLst>
+            </p:cNvPr>
+            <p:cNvPicPr>
+              <a:picLocks noChangeAspect="1"/>
+            </p:cNvPicPr>
+            <p:nvPr/>
+          </p:nvPicPr>
+          <p:blipFill rotWithShape="1">
+            <a:blip r:embed="rId3">
+              <a:extLst>
+                <a:ext uri="{28A0092B-C50C-407E-A947-70E740481C1C}">
+                  <a14:useLocalDpi xmlns:a14="http://schemas.microsoft.com/office/drawing/2010/main" val="0"/>
+                </a:ext>
+              </a:extLst>
+            </a:blip>
+            <a:srcRect t="48053" r="2828" b="2316"/>
+            <a:stretch/>
+          </p:blipFill>
+          <p:spPr>
+            <a:xfrm>
+              <a:off x="767703" y="2894295"/>
+              <a:ext cx="3548545" cy="2311685"/>
+            </a:xfrm>
+            <a:prstGeom prst="rect">
+              <a:avLst/>
+            </a:prstGeom>
+          </p:spPr>
+        </p:pic>
+        <mc:AlternateContent xmlns:mc="http://schemas.openxmlformats.org/markup-compatibility/2006" xmlns:a14="http://schemas.microsoft.com/office/drawing/2010/main">
+          <mc:Choice Requires="a14">
+            <p:sp>
+              <p:nvSpPr>
+                <p:cNvPr id="5" name="Rectangle 5">
+                  <a:extLst>
+                    <a:ext uri="{FF2B5EF4-FFF2-40B4-BE49-F238E27FC236}">
+                      <a16:creationId xmlns:a16="http://schemas.microsoft.com/office/drawing/2014/main" id="{85F634B8-E175-3AAC-9CEE-E3119B65ED10}"/>
+                    </a:ext>
+                  </a:extLst>
+                </p:cNvPr>
+                <p:cNvSpPr/>
+                <p:nvPr/>
+              </p:nvSpPr>
+              <p:spPr>
+                <a:xfrm>
+                  <a:off x="767703" y="2398995"/>
+                  <a:ext cx="3868625" cy="307777"/>
+                </a:xfrm>
+                <a:prstGeom prst="rect">
+                  <a:avLst/>
+                </a:prstGeom>
+              </p:spPr>
+              <p:txBody>
+                <a:bodyPr wrap="square">
+                  <a:spAutoFit/>
+                </a:bodyPr>
+                <a:lstStyle/>
+                <a:p>
+                  <a:pPr algn="ctr"/>
+                  <a:r>
+                    <a:rPr lang="pt-BR" sz="1400" dirty="0"/>
+                    <a:t>feedback positivo</a:t>
+                  </a:r>
+                  <a14:m>
+                    <m:oMath xmlns:m="http://schemas.openxmlformats.org/officeDocument/2006/math">
+                      <m:r>
+                        <a:rPr lang="pt-BR" sz="1400" b="0" i="0" smtClean="0">
+                          <a:latin typeface="Cambria Math" panose="02040503050406030204" pitchFamily="18" charset="0"/>
+                          <a:ea typeface="Cambria Math" panose="02040503050406030204" pitchFamily="18" charset="0"/>
+                        </a:rPr>
+                        <m:t> </m:t>
+                      </m:r>
+                      <m:r>
+                        <a:rPr lang="pt-BR" sz="1400" i="1" smtClean="0">
+                          <a:latin typeface="Cambria Math" panose="02040503050406030204" pitchFamily="18" charset="0"/>
+                          <a:ea typeface="Cambria Math" panose="02040503050406030204" pitchFamily="18" charset="0"/>
+                        </a:rPr>
+                        <m:t>→</m:t>
+                      </m:r>
+                    </m:oMath>
+                  </a14:m>
+                  <a:r>
+                    <a:rPr lang="pt-BR" sz="1400" dirty="0"/>
+                    <a:t> estouro da precisão numérica</a:t>
+                  </a:r>
+                </a:p>
+              </p:txBody>
+            </p:sp>
+          </mc:Choice>
+          <mc:Fallback xmlns="">
+            <p:sp>
+              <p:nvSpPr>
+                <p:cNvPr id="5" name="Rectangle 5">
+                  <a:extLst>
+                    <a:ext uri="{FF2B5EF4-FFF2-40B4-BE49-F238E27FC236}">
+                      <a16:creationId xmlns:a16="http://schemas.microsoft.com/office/drawing/2014/main" id="{85F634B8-E175-3AAC-9CEE-E3119B65ED10}"/>
+                    </a:ext>
+                  </a:extLst>
+                </p:cNvPr>
+                <p:cNvSpPr>
+                  <a:spLocks noRot="1" noChangeAspect="1" noMove="1" noResize="1" noEditPoints="1" noAdjustHandles="1" noChangeArrowheads="1" noChangeShapeType="1" noTextEdit="1"/>
+                </p:cNvSpPr>
+                <p:nvPr/>
+              </p:nvSpPr>
+              <p:spPr>
+                <a:xfrm>
+                  <a:off x="767703" y="2398995"/>
+                  <a:ext cx="3868625" cy="307777"/>
+                </a:xfrm>
+                <a:prstGeom prst="rect">
+                  <a:avLst/>
+                </a:prstGeom>
+                <a:blipFill>
+                  <a:blip r:embed="rId5"/>
+                  <a:stretch>
+                    <a:fillRect t="-3704" b="-11111"/>
+                  </a:stretch>
+                </a:blipFill>
+              </p:spPr>
+              <p:txBody>
+                <a:bodyPr/>
+                <a:lstStyle/>
+                <a:p>
+                  <a:r>
+                    <a:rPr lang="pt-BR">
+                      <a:noFill/>
+                    </a:rPr>
+                    <a:t> </a:t>
+                  </a:r>
+                </a:p>
+              </p:txBody>
+            </p:sp>
+          </mc:Fallback>
+        </mc:AlternateContent>
+      </p:grpSp>
+    </p:spTree>
+    <p:extLst>
+      <p:ext uri="{BB962C8B-B14F-4D97-AF65-F5344CB8AC3E}">
+        <p14:creationId xmlns:p14="http://schemas.microsoft.com/office/powerpoint/2010/main" val="730120183"/>
+      </p:ext>
+    </p:extLst>
+  </p:cSld>
+  <p:clrMapOvr>
+    <a:masterClrMapping/>
+  </p:clrMapOvr>
+</p:sld>
+</file>
+
+<file path=ppt/slides/slide11.xml><?xml version="1.0" encoding="utf-8"?>
 <p:sld xmlns:a="http://schemas.openxmlformats.org/drawingml/2006/main" xmlns:r="http://schemas.openxmlformats.org/officeDocument/2006/relationships" xmlns:p="http://schemas.openxmlformats.org/presentationml/2006/main">
   <p:cSld>
     <p:spTree>
@@ -6720,7 +7267,7 @@
 </p:sld>
 </file>
 
-<file path=ppt/slides/slide11.xml><?xml version="1.0" encoding="utf-8"?>
+<file path=ppt/slides/slide12.xml><?xml version="1.0" encoding="utf-8"?>
 <p:sld xmlns:a="http://schemas.openxmlformats.org/drawingml/2006/main" xmlns:r="http://schemas.openxmlformats.org/officeDocument/2006/relationships" xmlns:p="http://schemas.openxmlformats.org/presentationml/2006/main">
   <p:cSld>
     <p:spTree>
@@ -6758,7 +7305,10 @@
           <a:bodyPr/>
           <a:lstStyle/>
           <a:p>
-            <a:endParaRPr lang="pt-BR"/>
+            <a:r>
+              <a:rPr lang="pt-BR" dirty="0"/>
+              <a:t>Analisando o treinamento de um modelo</a:t>
+            </a:r>
           </a:p>
         </p:txBody>
       </p:sp>
@@ -6778,59 +7328,10 @@
             <p:ph idx="1"/>
           </p:nvPr>
         </p:nvSpPr>
-        <p:spPr/>
-        <p:txBody>
-          <a:bodyPr/>
-          <a:lstStyle/>
-          <a:p>
-            <a:endParaRPr lang="pt-BR"/>
-          </a:p>
-        </p:txBody>
-      </p:sp>
-    </p:spTree>
-    <p:extLst>
-      <p:ext uri="{BB962C8B-B14F-4D97-AF65-F5344CB8AC3E}">
-        <p14:creationId xmlns:p14="http://schemas.microsoft.com/office/powerpoint/2010/main" val="2383821699"/>
-      </p:ext>
-    </p:extLst>
-  </p:cSld>
-  <p:clrMapOvr>
-    <a:masterClrMapping/>
-  </p:clrMapOvr>
-</p:sld>
-</file>
-
-<file path=ppt/slides/slide12.xml><?xml version="1.0" encoding="utf-8"?>
-<p:sld xmlns:a="http://schemas.openxmlformats.org/drawingml/2006/main" xmlns:r="http://schemas.openxmlformats.org/officeDocument/2006/relationships" xmlns:p="http://schemas.openxmlformats.org/presentationml/2006/main">
-  <p:cSld>
-    <p:spTree>
-      <p:nvGrpSpPr>
-        <p:cNvPr id="1" name=""/>
-        <p:cNvGrpSpPr/>
-        <p:nvPr/>
-      </p:nvGrpSpPr>
-      <p:grpSpPr>
-        <a:xfrm>
-          <a:off x="0" y="0"/>
-          <a:ext cx="0" cy="0"/>
-          <a:chOff x="0" y="0"/>
-          <a:chExt cx="0" cy="0"/>
-        </a:xfrm>
-      </p:grpSpPr>
-      <p:sp>
-        <p:nvSpPr>
-          <p:cNvPr id="2" name="Title 1"/>
-          <p:cNvSpPr>
-            <a:spLocks noGrp="1"/>
-          </p:cNvSpPr>
-          <p:nvPr>
-            <p:ph type="title"/>
-          </p:nvPr>
-        </p:nvSpPr>
         <p:spPr>
           <a:xfrm>
-            <a:off x="838200" y="51221"/>
-            <a:ext cx="10515600" cy="1325563"/>
+            <a:off x="5269832" y="1825624"/>
+            <a:ext cx="6809873" cy="5032375"/>
           </a:xfrm>
         </p:spPr>
         <p:txBody>
@@ -6838,514 +7339,107 @@
           <a:lstStyle/>
           <a:p>
             <a:r>
+              <a:rPr lang="pt-BR" b="1" i="1" dirty="0">
+                <a:solidFill>
+                  <a:srgbClr val="00B050"/>
+                </a:solidFill>
+              </a:rPr>
+              <a:t>Nem sempre iremos conseguir plotar a superfície de erro e de contorno </a:t>
+            </a:r>
+            <a:r>
               <a:rPr lang="pt-BR" dirty="0"/>
-              <a:t>Como depurar o algoritmo do GD?</a:t>
+              <a:t>para analisarmos o treinamento e o desempenho de um modelo.</a:t>
+            </a:r>
+          </a:p>
+          <a:p>
+            <a:r>
+              <a:rPr lang="pt-BR" dirty="0"/>
+              <a:t>Por exemplo, quando tivermos </a:t>
+            </a:r>
+            <a:r>
+              <a:rPr lang="pt-BR" b="1" i="1" dirty="0">
+                <a:solidFill>
+                  <a:srgbClr val="00B050"/>
+                </a:solidFill>
+              </a:rPr>
+              <a:t>três atributos</a:t>
+            </a:r>
+            <a:r>
+              <a:rPr lang="pt-BR" dirty="0"/>
+              <a:t>, a </a:t>
+            </a:r>
+            <a:r>
+              <a:rPr lang="pt-BR" b="1" i="1" dirty="0">
+                <a:solidFill>
+                  <a:srgbClr val="00B050"/>
+                </a:solidFill>
+              </a:rPr>
+              <a:t>superfície de erro terá quatro dimensões</a:t>
+            </a:r>
+            <a:r>
+              <a:rPr lang="pt-BR" dirty="0"/>
+              <a:t>, tornando sua análise mais difícil.</a:t>
+            </a:r>
+          </a:p>
+          <a:p>
+            <a:r>
+              <a:rPr lang="pt-BR" dirty="0"/>
+              <a:t>Assim, em geral, usamos a </a:t>
+            </a:r>
+            <a:r>
+              <a:rPr lang="pt-BR" b="1" i="1" dirty="0">
+                <a:solidFill>
+                  <a:srgbClr val="00B050"/>
+                </a:solidFill>
+              </a:rPr>
+              <a:t>curva do erro (i.e., EQM) em função das épocas</a:t>
+            </a:r>
+            <a:r>
+              <a:rPr lang="pt-BR" dirty="0"/>
+              <a:t> (ou iterações) de treinamento para analisar o treinamento de um modelo.</a:t>
             </a:r>
           </a:p>
         </p:txBody>
       </p:sp>
-      <mc:AlternateContent xmlns:mc="http://schemas.openxmlformats.org/markup-compatibility/2006" xmlns:a14="http://schemas.microsoft.com/office/drawing/2010/main">
-        <mc:Choice Requires="a14">
-          <p:sp>
-            <p:nvSpPr>
-              <p:cNvPr id="3" name="Content Placeholder 2"/>
-              <p:cNvSpPr>
-                <a:spLocks noGrp="1"/>
-              </p:cNvSpPr>
-              <p:nvPr>
-                <p:ph idx="1"/>
-              </p:nvPr>
-            </p:nvSpPr>
-            <p:spPr>
-              <a:xfrm>
-                <a:off x="838200" y="1269242"/>
-                <a:ext cx="11180815" cy="3525168"/>
-              </a:xfrm>
-            </p:spPr>
-            <p:txBody>
-              <a:bodyPr>
-                <a:normAutofit fontScale="92500"/>
-              </a:bodyPr>
-              <a:lstStyle/>
-              <a:p>
-                <a:r>
-                  <a:rPr lang="pt-BR" dirty="0"/>
-                  <a:t>Uma maneira de se </a:t>
-                </a:r>
-                <a:r>
-                  <a:rPr lang="pt-BR" b="1" i="1" dirty="0"/>
-                  <a:t>depurar</a:t>
-                </a:r>
-                <a:r>
-                  <a:rPr lang="pt-BR" dirty="0"/>
-                  <a:t> o algoritmo do </a:t>
-                </a:r>
-                <a:r>
-                  <a:rPr lang="pt-BR" b="1" i="1" dirty="0"/>
-                  <a:t>gradiente descendente</a:t>
-                </a:r>
-                <a:r>
-                  <a:rPr lang="pt-BR" i="1" dirty="0"/>
-                  <a:t>, </a:t>
-                </a:r>
-                <a:r>
-                  <a:rPr lang="pt-BR" dirty="0"/>
-                  <a:t>principalmente quando não é possível se plotar o gráfico da superfície de contorno, é plotar o gráfico do erro (EQM) em função do número de iterações. </a:t>
-                </a:r>
-              </a:p>
-              <a:p>
-                <a:pPr lvl="1">
-                  <a:buFont typeface="Wingdings" panose="05000000000000000000" pitchFamily="2" charset="2"/>
-                  <a:buChar char="§"/>
-                </a:pPr>
-                <a:r>
-                  <a:rPr lang="pt-BR" dirty="0"/>
-                  <a:t>Figura A </a:t>
-                </a:r>
-                <a14:m>
-                  <m:oMath xmlns:m="http://schemas.openxmlformats.org/officeDocument/2006/math">
-                    <m:r>
-                      <a:rPr lang="pt-BR" b="0" i="1" smtClean="0">
-                        <a:latin typeface="Cambria Math" panose="02040503050406030204" pitchFamily="18" charset="0"/>
-                      </a:rPr>
-                      <m:t>⇒</m:t>
-                    </m:r>
-                  </m:oMath>
-                </a14:m>
-                <a:r>
-                  <a:rPr lang="pt-BR" dirty="0"/>
-                  <a:t> Passo ideal: convegência rápida</a:t>
-                </a:r>
-              </a:p>
-              <a:p>
-                <a:pPr lvl="2">
-                  <a:buFont typeface="Courier New" panose="02070309020205020404" pitchFamily="49" charset="0"/>
-                  <a:buChar char="o"/>
-                </a:pPr>
-                <a:r>
-                  <a:rPr lang="pt-BR" b="1" i="1" dirty="0"/>
-                  <a:t>Erro diminui rapidamente nas primeiras épocas </a:t>
-                </a:r>
-                <a:r>
-                  <a:rPr lang="pt-BR" dirty="0"/>
-                  <a:t>e depois diminui quase que a uma </a:t>
-                </a:r>
-                <a:r>
-                  <a:rPr lang="pt-BR" b="1" i="1" dirty="0"/>
-                  <a:t>taxa constante</a:t>
-                </a:r>
-                <a:r>
-                  <a:rPr lang="pt-BR" dirty="0"/>
-                  <a:t>, pois os pesos não são mais praticamente atualizados (mínimo da função foi atingido).</a:t>
-                </a:r>
-              </a:p>
-              <a:p>
-                <a:pPr lvl="2">
-                  <a:buFont typeface="Courier New" panose="02070309020205020404" pitchFamily="49" charset="0"/>
-                  <a:buChar char="o"/>
-                </a:pPr>
-                <a:r>
-                  <a:rPr lang="pt-BR" dirty="0"/>
-                  <a:t>Convergência pode ser declarada, por exemplo, quando o erro entre duas iterações subsequentes for menor do que um limiar pré-definido (e.g., 1e-3).</a:t>
-                </a:r>
-              </a:p>
-              <a:p>
-                <a:pPr lvl="1">
-                  <a:buFont typeface="Wingdings" panose="05000000000000000000" pitchFamily="2" charset="2"/>
-                  <a:buChar char="§"/>
-                </a:pPr>
-                <a:r>
-                  <a:rPr lang="pt-BR" dirty="0"/>
-                  <a:t>Figura B </a:t>
-                </a:r>
-                <a14:m>
-                  <m:oMath xmlns:m="http://schemas.openxmlformats.org/officeDocument/2006/math">
-                    <m:r>
-                      <a:rPr lang="pt-BR" i="1">
-                        <a:latin typeface="Cambria Math" panose="02040503050406030204" pitchFamily="18" charset="0"/>
-                      </a:rPr>
-                      <m:t>⇒ </m:t>
-                    </m:r>
-                  </m:oMath>
-                </a14:m>
-                <a:r>
-                  <a:rPr lang="pt-BR" dirty="0"/>
-                  <a:t>Passo pequeno demais: convergência lenta.</a:t>
-                </a:r>
-              </a:p>
-              <a:p>
-                <a:pPr lvl="1">
-                  <a:buFont typeface="Wingdings" panose="05000000000000000000" pitchFamily="2" charset="2"/>
-                  <a:buChar char="§"/>
-                </a:pPr>
-                <a:r>
-                  <a:rPr lang="pt-BR" dirty="0"/>
-                  <a:t>Figuras C e D </a:t>
-                </a:r>
-                <a14:m>
-                  <m:oMath xmlns:m="http://schemas.openxmlformats.org/officeDocument/2006/math">
-                    <m:r>
-                      <a:rPr lang="pt-BR" i="1">
-                        <a:latin typeface="Cambria Math" panose="02040503050406030204" pitchFamily="18" charset="0"/>
-                      </a:rPr>
-                      <m:t>⇒ </m:t>
-                    </m:r>
-                  </m:oMath>
-                </a14:m>
-                <a:r>
-                  <a:rPr lang="pt-BR" dirty="0"/>
-                  <a:t>Passo grande demais: divergência (C) e oscilação (D).</a:t>
-                </a:r>
-              </a:p>
-            </p:txBody>
-          </p:sp>
-        </mc:Choice>
-        <mc:Fallback xmlns="">
-          <p:sp>
-            <p:nvSpPr>
-              <p:cNvPr id="3" name="Content Placeholder 2"/>
-              <p:cNvSpPr>
-                <a:spLocks noGrp="1" noRot="1" noChangeAspect="1" noMove="1" noResize="1" noEditPoints="1" noAdjustHandles="1" noChangeArrowheads="1" noChangeShapeType="1" noTextEdit="1"/>
-              </p:cNvSpPr>
-              <p:nvPr>
-                <p:ph idx="1"/>
-              </p:nvPr>
-            </p:nvSpPr>
-            <p:spPr>
-              <a:xfrm>
-                <a:off x="838200" y="1269242"/>
-                <a:ext cx="11180815" cy="3525168"/>
-              </a:xfrm>
-              <a:blipFill rotWithShape="0">
-                <a:blip r:embed="rId3"/>
-                <a:stretch>
-                  <a:fillRect l="-872" t="-2595" b="-865"/>
-                </a:stretch>
-              </a:blipFill>
-            </p:spPr>
-            <p:txBody>
-              <a:bodyPr/>
-              <a:lstStyle/>
-              <a:p>
-                <a:r>
-                  <a:rPr lang="pt-BR">
-                    <a:noFill/>
-                  </a:rPr>
-                  <a:t> </a:t>
-                </a:r>
-              </a:p>
-            </p:txBody>
-          </p:sp>
-        </mc:Fallback>
-      </mc:AlternateContent>
       <p:pic>
         <p:nvPicPr>
-          <p:cNvPr id="4" name="Picture 3"/>
+          <p:cNvPr id="4" name="Picture 7">
+            <a:extLst>
+              <a:ext uri="{FF2B5EF4-FFF2-40B4-BE49-F238E27FC236}">
+                <a16:creationId xmlns:a16="http://schemas.microsoft.com/office/drawing/2014/main" id="{3AA8C8C3-3C48-8D40-77C8-31C7934D9AE5}"/>
+              </a:ext>
+            </a:extLst>
+          </p:cNvPr>
           <p:cNvPicPr>
             <a:picLocks noChangeAspect="1"/>
           </p:cNvPicPr>
           <p:nvPr/>
         </p:nvPicPr>
         <p:blipFill rotWithShape="1">
-          <a:blip r:embed="rId4">
+          <a:blip r:embed="rId3" cstate="print">
             <a:extLst>
               <a:ext uri="{28A0092B-C50C-407E-A947-70E740481C1C}">
                 <a14:useLocalDpi xmlns:a14="http://schemas.microsoft.com/office/drawing/2010/main" val="0"/>
               </a:ext>
             </a:extLst>
           </a:blip>
-          <a:srcRect l="343" t="1520" r="3315" b="6468"/>
+          <a:srcRect l="1394" t="13692" r="22970" b="19399"/>
           <a:stretch/>
         </p:blipFill>
         <p:spPr>
           <a:xfrm>
-            <a:off x="304800" y="4857883"/>
-            <a:ext cx="2811351" cy="1727680"/>
+            <a:off x="838200" y="2276307"/>
+            <a:ext cx="3965906" cy="3017588"/>
           </a:xfrm>
           <a:prstGeom prst="rect">
             <a:avLst/>
           </a:prstGeom>
         </p:spPr>
       </p:pic>
-      <p:pic>
-        <p:nvPicPr>
-          <p:cNvPr id="5" name="Picture 4"/>
-          <p:cNvPicPr>
-            <a:picLocks noChangeAspect="1"/>
-          </p:cNvPicPr>
-          <p:nvPr/>
-        </p:nvPicPr>
-        <p:blipFill rotWithShape="1">
-          <a:blip r:embed="rId5">
-            <a:extLst>
-              <a:ext uri="{28A0092B-C50C-407E-A947-70E740481C1C}">
-                <a14:useLocalDpi xmlns:a14="http://schemas.microsoft.com/office/drawing/2010/main" val="0"/>
-              </a:ext>
-            </a:extLst>
-          </a:blip>
-          <a:srcRect t="1851" r="3314" b="5807"/>
-          <a:stretch/>
-        </p:blipFill>
-        <p:spPr>
-          <a:xfrm>
-            <a:off x="3257841" y="4866730"/>
-            <a:ext cx="2811309" cy="1727680"/>
-          </a:xfrm>
-          <a:prstGeom prst="rect">
-            <a:avLst/>
-          </a:prstGeom>
-        </p:spPr>
-      </p:pic>
-      <p:pic>
-        <p:nvPicPr>
-          <p:cNvPr id="6" name="Picture 5"/>
-          <p:cNvPicPr>
-            <a:picLocks noChangeAspect="1"/>
-          </p:cNvPicPr>
-          <p:nvPr/>
-        </p:nvPicPr>
-        <p:blipFill rotWithShape="1">
-          <a:blip r:embed="rId6">
-            <a:extLst>
-              <a:ext uri="{28A0092B-C50C-407E-A947-70E740481C1C}">
-                <a14:useLocalDpi xmlns:a14="http://schemas.microsoft.com/office/drawing/2010/main" val="0"/>
-              </a:ext>
-            </a:extLst>
-          </a:blip>
-          <a:srcRect t="2181" r="2890" b="6468"/>
-          <a:stretch/>
-        </p:blipFill>
-        <p:spPr>
-          <a:xfrm>
-            <a:off x="6188627" y="4855271"/>
-            <a:ext cx="2854230" cy="1727680"/>
-          </a:xfrm>
-          <a:prstGeom prst="rect">
-            <a:avLst/>
-          </a:prstGeom>
-        </p:spPr>
-      </p:pic>
-      <p:sp>
-        <p:nvSpPr>
-          <p:cNvPr id="7" name="TextBox 6"/>
-          <p:cNvSpPr txBox="1"/>
-          <p:nvPr/>
-        </p:nvSpPr>
-        <p:spPr>
-          <a:xfrm>
-            <a:off x="161550" y="6472468"/>
-            <a:ext cx="2954601" cy="369332"/>
-          </a:xfrm>
-          <a:prstGeom prst="rect">
-            <a:avLst/>
-          </a:prstGeom>
-          <a:noFill/>
-        </p:spPr>
-        <p:txBody>
-          <a:bodyPr wrap="square" rtlCol="0">
-            <a:spAutoFit/>
-          </a:bodyPr>
-          <a:lstStyle/>
-          <a:p>
-            <a:pPr algn="ctr"/>
-            <a:r>
-              <a:rPr lang="pt-BR" dirty="0"/>
-              <a:t>Figura A</a:t>
-            </a:r>
-          </a:p>
-        </p:txBody>
-      </p:sp>
-      <p:sp>
-        <p:nvSpPr>
-          <p:cNvPr id="8" name="TextBox 7"/>
-          <p:cNvSpPr txBox="1"/>
-          <p:nvPr/>
-        </p:nvSpPr>
-        <p:spPr>
-          <a:xfrm>
-            <a:off x="3116150" y="6488696"/>
-            <a:ext cx="2952999" cy="369332"/>
-          </a:xfrm>
-          <a:prstGeom prst="rect">
-            <a:avLst/>
-          </a:prstGeom>
-          <a:noFill/>
-        </p:spPr>
-        <p:txBody>
-          <a:bodyPr wrap="square" rtlCol="0">
-            <a:spAutoFit/>
-          </a:bodyPr>
-          <a:lstStyle/>
-          <a:p>
-            <a:pPr algn="ctr"/>
-            <a:r>
-              <a:rPr lang="pt-BR" dirty="0"/>
-              <a:t>Figura B</a:t>
-            </a:r>
-          </a:p>
-        </p:txBody>
-      </p:sp>
-      <p:sp>
-        <p:nvSpPr>
-          <p:cNvPr id="9" name="TextBox 8"/>
-          <p:cNvSpPr txBox="1"/>
-          <p:nvPr/>
-        </p:nvSpPr>
-        <p:spPr>
-          <a:xfrm>
-            <a:off x="6069148" y="6479041"/>
-            <a:ext cx="2973707" cy="369332"/>
-          </a:xfrm>
-          <a:prstGeom prst="rect">
-            <a:avLst/>
-          </a:prstGeom>
-          <a:noFill/>
-        </p:spPr>
-        <p:txBody>
-          <a:bodyPr wrap="square" rtlCol="0">
-            <a:spAutoFit/>
-          </a:bodyPr>
-          <a:lstStyle/>
-          <a:p>
-            <a:pPr algn="ctr"/>
-            <a:r>
-              <a:rPr lang="pt-BR" dirty="0"/>
-              <a:t>Figura C</a:t>
-            </a:r>
-          </a:p>
-        </p:txBody>
-      </p:sp>
-      <p:pic>
-        <p:nvPicPr>
-          <p:cNvPr id="10" name="Picture 9"/>
-          <p:cNvPicPr>
-            <a:picLocks noChangeAspect="1"/>
-          </p:cNvPicPr>
-          <p:nvPr/>
-        </p:nvPicPr>
-        <p:blipFill rotWithShape="1">
-          <a:blip r:embed="rId7">
-            <a:extLst>
-              <a:ext uri="{28A0092B-C50C-407E-A947-70E740481C1C}">
-                <a14:useLocalDpi xmlns:a14="http://schemas.microsoft.com/office/drawing/2010/main" val="0"/>
-              </a:ext>
-            </a:extLst>
-          </a:blip>
-          <a:srcRect r="3101" b="5546"/>
-          <a:stretch/>
-        </p:blipFill>
-        <p:spPr>
-          <a:xfrm>
-            <a:off x="9162531" y="4801212"/>
-            <a:ext cx="2858937" cy="1793198"/>
-          </a:xfrm>
-          <a:prstGeom prst="rect">
-            <a:avLst/>
-          </a:prstGeom>
-        </p:spPr>
-      </p:pic>
-      <p:sp>
-        <p:nvSpPr>
-          <p:cNvPr id="11" name="TextBox 10"/>
-          <p:cNvSpPr txBox="1"/>
-          <p:nvPr/>
-        </p:nvSpPr>
-        <p:spPr>
-          <a:xfrm>
-            <a:off x="9045308" y="6469386"/>
-            <a:ext cx="2973707" cy="369332"/>
-          </a:xfrm>
-          <a:prstGeom prst="rect">
-            <a:avLst/>
-          </a:prstGeom>
-          <a:noFill/>
-        </p:spPr>
-        <p:txBody>
-          <a:bodyPr wrap="square" rtlCol="0">
-            <a:spAutoFit/>
-          </a:bodyPr>
-          <a:lstStyle/>
-          <a:p>
-            <a:pPr algn="ctr"/>
-            <a:r>
-              <a:rPr lang="pt-BR" dirty="0"/>
-              <a:t>Figura D</a:t>
-            </a:r>
-          </a:p>
-        </p:txBody>
-      </p:sp>
-      <p:sp>
-        <p:nvSpPr>
-          <p:cNvPr id="12" name="TextBox 11"/>
-          <p:cNvSpPr txBox="1"/>
-          <p:nvPr/>
-        </p:nvSpPr>
-        <p:spPr>
-          <a:xfrm>
-            <a:off x="1480456" y="5170232"/>
-            <a:ext cx="1248229" cy="461665"/>
-          </a:xfrm>
-          <a:prstGeom prst="rect">
-            <a:avLst/>
-          </a:prstGeom>
-          <a:noFill/>
-        </p:spPr>
-        <p:txBody>
-          <a:bodyPr wrap="square" rtlCol="0">
-            <a:spAutoFit/>
-          </a:bodyPr>
-          <a:lstStyle/>
-          <a:p>
-            <a:pPr algn="ctr"/>
-            <a:r>
-              <a:rPr lang="pt-BR" sz="1200" b="1" dirty="0"/>
-              <a:t>Comportamento esperado</a:t>
-            </a:r>
-          </a:p>
-        </p:txBody>
-      </p:sp>
-      <p:cxnSp>
-        <p:nvCxnSpPr>
-          <p:cNvPr id="14" name="Straight Arrow Connector 13"/>
-          <p:cNvCxnSpPr>
-            <a:stCxn id="12" idx="1"/>
-          </p:cNvCxnSpPr>
-          <p:nvPr/>
-        </p:nvCxnSpPr>
-        <p:spPr>
-          <a:xfrm flipH="1">
-            <a:off x="1016000" y="5401065"/>
-            <a:ext cx="464456" cy="433678"/>
-          </a:xfrm>
-          <a:prstGeom prst="straightConnector1">
-            <a:avLst/>
-          </a:prstGeom>
-          <a:ln>
-            <a:solidFill>
-              <a:srgbClr val="FF0000"/>
-            </a:solidFill>
-            <a:tailEnd type="triangle"/>
-          </a:ln>
-        </p:spPr>
-        <p:style>
-          <a:lnRef idx="1">
-            <a:schemeClr val="accent1"/>
-          </a:lnRef>
-          <a:fillRef idx="0">
-            <a:schemeClr val="accent1"/>
-          </a:fillRef>
-          <a:effectRef idx="0">
-            <a:schemeClr val="accent1"/>
-          </a:effectRef>
-          <a:fontRef idx="minor">
-            <a:schemeClr val="tx1"/>
-          </a:fontRef>
-        </p:style>
-      </p:cxnSp>
     </p:spTree>
     <p:extLst>
       <p:ext uri="{BB962C8B-B14F-4D97-AF65-F5344CB8AC3E}">
-        <p14:creationId xmlns:p14="http://schemas.microsoft.com/office/powerpoint/2010/main" val="1987046615"/>
+        <p14:creationId xmlns:p14="http://schemas.microsoft.com/office/powerpoint/2010/main" val="2383821699"/>
       </p:ext>
     </p:extLst>
   </p:cSld>
@@ -7374,7 +7468,13 @@
       </p:grpSpPr>
       <p:sp>
         <p:nvSpPr>
-          <p:cNvPr id="2" name="Title 1"/>
+          <p:cNvPr id="2" name="Título 1">
+            <a:extLst>
+              <a:ext uri="{FF2B5EF4-FFF2-40B4-BE49-F238E27FC236}">
+                <a16:creationId xmlns:a16="http://schemas.microsoft.com/office/drawing/2014/main" id="{5EF6A69E-096D-D007-28F5-17618266C5EB}"/>
+              </a:ext>
+            </a:extLst>
+          </p:cNvPr>
           <p:cNvSpPr>
             <a:spLocks noGrp="1"/>
           </p:cNvSpPr>
@@ -7389,14 +7489,242 @@
           <a:p>
             <a:r>
               <a:rPr lang="pt-BR" dirty="0"/>
-              <a:t>Como depurar o algoritmo do GD?</a:t>
+              <a:t>Analisando o treinamento de um modelo</a:t>
+            </a:r>
+          </a:p>
+        </p:txBody>
+      </p:sp>
+      <p:sp>
+        <p:nvSpPr>
+          <p:cNvPr id="3" name="Espaço Reservado para Conteúdo 2">
+            <a:extLst>
+              <a:ext uri="{FF2B5EF4-FFF2-40B4-BE49-F238E27FC236}">
+                <a16:creationId xmlns:a16="http://schemas.microsoft.com/office/drawing/2014/main" id="{5323D308-AFC7-C3C4-ED4E-8ADAA65191E4}"/>
+              </a:ext>
+            </a:extLst>
+          </p:cNvPr>
+          <p:cNvSpPr>
+            <a:spLocks noGrp="1"/>
+          </p:cNvSpPr>
+          <p:nvPr>
+            <p:ph idx="1"/>
+          </p:nvPr>
+        </p:nvSpPr>
+        <p:spPr>
+          <a:xfrm>
+            <a:off x="4860759" y="1825624"/>
+            <a:ext cx="7146758" cy="5032375"/>
+          </a:xfrm>
+        </p:spPr>
+        <p:txBody>
+          <a:bodyPr>
+            <a:normAutofit lnSpcReduction="10000"/>
+          </a:bodyPr>
+          <a:lstStyle/>
+          <a:p>
+            <a:r>
+              <a:rPr lang="pt-BR" dirty="0"/>
+              <a:t>A figura mostra o </a:t>
+            </a:r>
+            <a:r>
+              <a:rPr lang="pt-BR" b="1" i="1" dirty="0">
+                <a:solidFill>
+                  <a:srgbClr val="00B050"/>
+                </a:solidFill>
+              </a:rPr>
+              <a:t>comportamento esperado</a:t>
+            </a:r>
+            <a:r>
+              <a:rPr lang="pt-BR" dirty="0"/>
+              <a:t> quando o </a:t>
+            </a:r>
+            <a:r>
+              <a:rPr lang="pt-BR" b="1" i="1" dirty="0">
+                <a:solidFill>
+                  <a:srgbClr val="00B050"/>
+                </a:solidFill>
+              </a:rPr>
+              <a:t>passo tem o tamanho ideal</a:t>
+            </a:r>
+            <a:r>
+              <a:rPr lang="pt-BR" dirty="0"/>
+              <a:t>.</a:t>
+            </a:r>
+          </a:p>
+          <a:p>
+            <a:r>
+              <a:rPr lang="pt-BR" dirty="0"/>
+              <a:t>A </a:t>
+            </a:r>
+            <a:r>
+              <a:rPr lang="pt-BR" b="1" i="1" dirty="0">
+                <a:solidFill>
+                  <a:srgbClr val="00B050"/>
+                </a:solidFill>
+              </a:rPr>
+              <a:t>convergência</a:t>
+            </a:r>
+            <a:r>
+              <a:rPr lang="pt-BR" dirty="0"/>
+              <a:t> nesse caso é </a:t>
+            </a:r>
+            <a:r>
+              <a:rPr lang="pt-BR" b="1" i="1" dirty="0">
+                <a:solidFill>
+                  <a:srgbClr val="00B050"/>
+                </a:solidFill>
+              </a:rPr>
+              <a:t>rápida</a:t>
+            </a:r>
+            <a:r>
+              <a:rPr lang="pt-BR" dirty="0"/>
+              <a:t>.</a:t>
+            </a:r>
+          </a:p>
+          <a:p>
+            <a:pPr lvl="1">
+              <a:buFont typeface="Wingdings" panose="05000000000000000000" pitchFamily="2" charset="2"/>
+              <a:buChar char="§"/>
+            </a:pPr>
+            <a:r>
+              <a:rPr lang="pt-BR" dirty="0"/>
+              <a:t>O</a:t>
+            </a:r>
+            <a:r>
+              <a:rPr lang="pt-BR" b="1" i="1" dirty="0"/>
+              <a:t> </a:t>
+            </a:r>
+            <a:r>
+              <a:rPr lang="pt-BR" b="1" i="1" dirty="0">
+                <a:solidFill>
+                  <a:srgbClr val="00B050"/>
+                </a:solidFill>
+              </a:rPr>
+              <a:t>erro diminui rapidamente nas primeiras épocas </a:t>
+            </a:r>
+            <a:r>
+              <a:rPr lang="pt-BR" dirty="0"/>
+              <a:t>(ou iterações).</a:t>
+            </a:r>
+          </a:p>
+          <a:p>
+            <a:pPr lvl="1">
+              <a:buFont typeface="Wingdings" panose="05000000000000000000" pitchFamily="2" charset="2"/>
+              <a:buChar char="§"/>
+            </a:pPr>
+            <a:r>
+              <a:rPr lang="pt-BR" b="0" i="0" dirty="0">
+                <a:effectLst/>
+              </a:rPr>
+              <a:t>Conforme o treinamento continua, o </a:t>
+            </a:r>
+            <a:r>
+              <a:rPr lang="pt-BR" b="1" i="1" dirty="0">
+                <a:solidFill>
+                  <a:srgbClr val="00B050"/>
+                </a:solidFill>
+                <a:effectLst/>
+              </a:rPr>
+              <a:t>erro se estabiliza e exibe uma redução suave </a:t>
+            </a:r>
+            <a:r>
+              <a:rPr lang="pt-BR" b="0" i="0" dirty="0">
+                <a:effectLst/>
+              </a:rPr>
+              <a:t>(i.e., mais lenta).</a:t>
+            </a:r>
+            <a:endParaRPr lang="pt-BR" dirty="0"/>
+          </a:p>
+          <a:p>
+            <a:pPr lvl="1">
+              <a:buFont typeface="Wingdings" panose="05000000000000000000" pitchFamily="2" charset="2"/>
+              <a:buChar char="§"/>
+            </a:pPr>
+            <a:r>
+              <a:rPr lang="pt-BR" dirty="0"/>
+              <a:t>A </a:t>
+            </a:r>
+            <a:r>
+              <a:rPr lang="pt-BR" b="1" i="1" dirty="0">
+                <a:solidFill>
+                  <a:srgbClr val="00B050"/>
+                </a:solidFill>
+              </a:rPr>
+              <a:t>convergência é atingida quando o erro se torna praticamente constante</a:t>
+            </a:r>
+            <a:r>
+              <a:rPr lang="pt-BR" dirty="0"/>
+              <a:t> ao longo das épocas, indicando que os </a:t>
+            </a:r>
+            <a:r>
+              <a:rPr lang="pt-BR" b="1" i="1" dirty="0">
+                <a:solidFill>
+                  <a:srgbClr val="00B050"/>
+                </a:solidFill>
+              </a:rPr>
+              <a:t>pesos não são mais atualizados</a:t>
+            </a:r>
+            <a:r>
+              <a:rPr lang="pt-BR" dirty="0"/>
+              <a:t>, pois o mínimo da função foi atingido.</a:t>
+            </a:r>
+          </a:p>
+          <a:p>
+            <a:pPr lvl="1">
+              <a:buFont typeface="Wingdings" panose="05000000000000000000" pitchFamily="2" charset="2"/>
+              <a:buChar char="§"/>
+            </a:pPr>
+            <a:r>
+              <a:rPr lang="pt-BR" dirty="0"/>
+              <a:t>O treinamento pode ser encerrado quando o erro entre duas épocas consecutivas for menor do que um limiar pré-definido (e.g., 1e-5).</a:t>
             </a:r>
           </a:p>
         </p:txBody>
       </p:sp>
       <p:pic>
         <p:nvPicPr>
-          <p:cNvPr id="4" name="Picture 3"/>
+          <p:cNvPr id="9" name="Imagem 8">
+            <a:extLst>
+              <a:ext uri="{FF2B5EF4-FFF2-40B4-BE49-F238E27FC236}">
+                <a16:creationId xmlns:a16="http://schemas.microsoft.com/office/drawing/2014/main" id="{6293314C-8B6C-5D4F-5881-F59368845658}"/>
+              </a:ext>
+            </a:extLst>
+          </p:cNvPr>
+          <p:cNvPicPr>
+            <a:picLocks noChangeAspect="1"/>
+          </p:cNvPicPr>
+          <p:nvPr/>
+        </p:nvPicPr>
+        <p:blipFill rotWithShape="1">
+          <a:blip r:embed="rId2" cstate="print">
+            <a:extLst>
+              <a:ext uri="{28A0092B-C50C-407E-A947-70E740481C1C}">
+                <a14:useLocalDpi xmlns:a14="http://schemas.microsoft.com/office/drawing/2010/main" val="0"/>
+              </a:ext>
+            </a:extLst>
+          </a:blip>
+          <a:srcRect t="2439" r="5247" b="4211"/>
+          <a:stretch/>
+        </p:blipFill>
+        <p:spPr>
+          <a:xfrm>
+            <a:off x="1126965" y="1825624"/>
+            <a:ext cx="3016083" cy="2318698"/>
+          </a:xfrm>
+          <a:prstGeom prst="rect">
+            <a:avLst/>
+          </a:prstGeom>
+        </p:spPr>
+      </p:pic>
+      <p:pic>
+        <p:nvPicPr>
+          <p:cNvPr id="10" name="Picture 45">
+            <a:extLst>
+              <a:ext uri="{FF2B5EF4-FFF2-40B4-BE49-F238E27FC236}">
+                <a16:creationId xmlns:a16="http://schemas.microsoft.com/office/drawing/2014/main" id="{66C6627B-DA15-B458-83D7-BE121EE1615D}"/>
+              </a:ext>
+            </a:extLst>
+          </p:cNvPr>
           <p:cNvPicPr>
             <a:picLocks noChangeAspect="1"/>
           </p:cNvPicPr>
@@ -7410,216 +7738,13 @@
               </a:ext>
             </a:extLst>
           </a:blip>
-          <a:srcRect l="343" t="1520" r="3315" b="6468"/>
-          <a:stretch/>
-        </p:blipFill>
-        <p:spPr>
-          <a:xfrm>
-            <a:off x="357650" y="2178841"/>
-            <a:ext cx="2929033" cy="1800000"/>
-          </a:xfrm>
-          <a:prstGeom prst="rect">
-            <a:avLst/>
-          </a:prstGeom>
-        </p:spPr>
-      </p:pic>
-      <p:pic>
-        <p:nvPicPr>
-          <p:cNvPr id="5" name="Picture 4"/>
-          <p:cNvPicPr>
-            <a:picLocks noChangeAspect="1"/>
-          </p:cNvPicPr>
-          <p:nvPr/>
-        </p:nvPicPr>
-        <p:blipFill rotWithShape="1">
-          <a:blip r:embed="rId4">
-            <a:extLst>
-              <a:ext uri="{28A0092B-C50C-407E-A947-70E740481C1C}">
-                <a14:useLocalDpi xmlns:a14="http://schemas.microsoft.com/office/drawing/2010/main" val="0"/>
-              </a:ext>
-            </a:extLst>
-          </a:blip>
-          <a:srcRect t="1851" r="3314" b="5807"/>
-          <a:stretch/>
-        </p:blipFill>
-        <p:spPr>
-          <a:xfrm>
-            <a:off x="3310693" y="2187688"/>
-            <a:ext cx="2928989" cy="1800000"/>
-          </a:xfrm>
-          <a:prstGeom prst="rect">
-            <a:avLst/>
-          </a:prstGeom>
-        </p:spPr>
-      </p:pic>
-      <p:pic>
-        <p:nvPicPr>
-          <p:cNvPr id="6" name="Picture 5"/>
-          <p:cNvPicPr>
-            <a:picLocks noChangeAspect="1"/>
-          </p:cNvPicPr>
-          <p:nvPr/>
-        </p:nvPicPr>
-        <p:blipFill rotWithShape="1">
-          <a:blip r:embed="rId5">
-            <a:extLst>
-              <a:ext uri="{28A0092B-C50C-407E-A947-70E740481C1C}">
-                <a14:useLocalDpi xmlns:a14="http://schemas.microsoft.com/office/drawing/2010/main" val="0"/>
-              </a:ext>
-            </a:extLst>
-          </a:blip>
-          <a:srcRect t="2181" r="2890" b="6468"/>
-          <a:stretch/>
-        </p:blipFill>
-        <p:spPr>
-          <a:xfrm>
-            <a:off x="6239682" y="2176229"/>
-            <a:ext cx="2973707" cy="1800000"/>
-          </a:xfrm>
-          <a:prstGeom prst="rect">
-            <a:avLst/>
-          </a:prstGeom>
-        </p:spPr>
-      </p:pic>
-      <p:pic>
-        <p:nvPicPr>
-          <p:cNvPr id="10" name="Picture 9"/>
-          <p:cNvPicPr>
-            <a:picLocks noChangeAspect="1"/>
-          </p:cNvPicPr>
-          <p:nvPr/>
-        </p:nvPicPr>
-        <p:blipFill rotWithShape="1">
-          <a:blip r:embed="rId6">
-            <a:extLst>
-              <a:ext uri="{28A0092B-C50C-407E-A947-70E740481C1C}">
-                <a14:useLocalDpi xmlns:a14="http://schemas.microsoft.com/office/drawing/2010/main" val="0"/>
-              </a:ext>
-            </a:extLst>
-          </a:blip>
-          <a:srcRect r="3101" b="5546"/>
-          <a:stretch/>
-        </p:blipFill>
-        <p:spPr>
-          <a:xfrm>
-            <a:off x="9213389" y="2119427"/>
-            <a:ext cx="2978611" cy="1868261"/>
-          </a:xfrm>
-          <a:prstGeom prst="rect">
-            <a:avLst/>
-          </a:prstGeom>
-        </p:spPr>
-      </p:pic>
-      <p:pic>
-        <p:nvPicPr>
-          <p:cNvPr id="46" name="Picture 45"/>
-          <p:cNvPicPr>
-            <a:picLocks noChangeAspect="1"/>
-          </p:cNvPicPr>
-          <p:nvPr/>
-        </p:nvPicPr>
-        <p:blipFill rotWithShape="1">
-          <a:blip r:embed="rId7">
-            <a:extLst>
-              <a:ext uri="{28A0092B-C50C-407E-A947-70E740481C1C}">
-                <a14:useLocalDpi xmlns:a14="http://schemas.microsoft.com/office/drawing/2010/main" val="0"/>
-              </a:ext>
-            </a:extLst>
-          </a:blip>
           <a:srcRect t="47676" r="2118" b="6675"/>
           <a:stretch/>
         </p:blipFill>
         <p:spPr>
           <a:xfrm>
-            <a:off x="353761" y="4692316"/>
-            <a:ext cx="2932922" cy="1744579"/>
-          </a:xfrm>
-          <a:prstGeom prst="rect">
-            <a:avLst/>
-          </a:prstGeom>
-        </p:spPr>
-      </p:pic>
-      <p:pic>
-        <p:nvPicPr>
-          <p:cNvPr id="47" name="Picture 46"/>
-          <p:cNvPicPr>
-            <a:picLocks noChangeAspect="1"/>
-          </p:cNvPicPr>
-          <p:nvPr/>
-        </p:nvPicPr>
-        <p:blipFill rotWithShape="1">
-          <a:blip r:embed="rId8">
-            <a:extLst>
-              <a:ext uri="{28A0092B-C50C-407E-A947-70E740481C1C}">
-                <a14:useLocalDpi xmlns:a14="http://schemas.microsoft.com/office/drawing/2010/main" val="0"/>
-              </a:ext>
-            </a:extLst>
-          </a:blip>
-          <a:srcRect t="48192" r="2447" b="7099"/>
-          <a:stretch/>
-        </p:blipFill>
-        <p:spPr>
-          <a:xfrm>
-            <a:off x="3316957" y="4740445"/>
-            <a:ext cx="2922725" cy="1708484"/>
-          </a:xfrm>
-          <a:prstGeom prst="rect">
-            <a:avLst/>
-          </a:prstGeom>
-        </p:spPr>
-      </p:pic>
-      <p:pic>
-        <p:nvPicPr>
-          <p:cNvPr id="48" name="Picture 47"/>
-          <p:cNvPicPr>
-            <a:picLocks noChangeAspect="1"/>
-          </p:cNvPicPr>
-          <p:nvPr/>
-        </p:nvPicPr>
-        <p:blipFill rotWithShape="1">
-          <a:blip r:embed="rId9">
-            <a:extLst>
-              <a:ext uri="{28A0092B-C50C-407E-A947-70E740481C1C}">
-                <a14:useLocalDpi xmlns:a14="http://schemas.microsoft.com/office/drawing/2010/main" val="0"/>
-              </a:ext>
-            </a:extLst>
-          </a:blip>
-          <a:srcRect t="48192" r="2118" b="2470"/>
-          <a:stretch/>
-        </p:blipFill>
-        <p:spPr>
-          <a:xfrm>
-            <a:off x="6204288" y="4720273"/>
-            <a:ext cx="3009101" cy="1934540"/>
-          </a:xfrm>
-          <a:prstGeom prst="rect">
-            <a:avLst/>
-          </a:prstGeom>
-        </p:spPr>
-      </p:pic>
-      <p:pic>
-        <p:nvPicPr>
-          <p:cNvPr id="49" name="Picture 48"/>
-          <p:cNvPicPr>
-            <a:picLocks noChangeAspect="1"/>
-          </p:cNvPicPr>
-          <p:nvPr/>
-        </p:nvPicPr>
-        <p:blipFill rotWithShape="1">
-          <a:blip r:embed="rId10">
-            <a:extLst>
-              <a:ext uri="{28A0092B-C50C-407E-A947-70E740481C1C}">
-                <a14:useLocalDpi xmlns:a14="http://schemas.microsoft.com/office/drawing/2010/main" val="0"/>
-              </a:ext>
-            </a:extLst>
-          </a:blip>
-          <a:srcRect l="360" t="48707" r="2776" b="2150"/>
-          <a:stretch/>
-        </p:blipFill>
-        <p:spPr>
-          <a:xfrm>
-            <a:off x="9213389" y="4826016"/>
-            <a:ext cx="2829823" cy="1828797"/>
+            <a:off x="1126964" y="4793527"/>
+            <a:ext cx="3016082" cy="1794045"/>
           </a:xfrm>
           <a:prstGeom prst="rect">
             <a:avLst/>
@@ -7628,151 +7753,19 @@
       </p:pic>
       <p:sp>
         <p:nvSpPr>
-          <p:cNvPr id="50" name="Right Arrow 49"/>
+          <p:cNvPr id="11" name="Right Arrow 50">
+            <a:extLst>
+              <a:ext uri="{FF2B5EF4-FFF2-40B4-BE49-F238E27FC236}">
+                <a16:creationId xmlns:a16="http://schemas.microsoft.com/office/drawing/2014/main" id="{4EB6EC90-C16B-1D01-E136-93055342AD29}"/>
+              </a:ext>
+            </a:extLst>
+          </p:cNvPr>
           <p:cNvSpPr/>
           <p:nvPr/>
         </p:nvSpPr>
         <p:spPr>
           <a:xfrm rot="5400000">
-            <a:off x="4575461" y="4274136"/>
-            <a:ext cx="511340" cy="421105"/>
-          </a:xfrm>
-          <a:prstGeom prst="rightArrow">
-            <a:avLst/>
-          </a:prstGeom>
-          <a:noFill/>
-          <a:ln>
-            <a:solidFill>
-              <a:schemeClr val="tx1"/>
-            </a:solidFill>
-          </a:ln>
-        </p:spPr>
-        <p:style>
-          <a:lnRef idx="2">
-            <a:schemeClr val="accent1">
-              <a:shade val="50000"/>
-            </a:schemeClr>
-          </a:lnRef>
-          <a:fillRef idx="1">
-            <a:schemeClr val="accent1"/>
-          </a:fillRef>
-          <a:effectRef idx="0">
-            <a:schemeClr val="accent1"/>
-          </a:effectRef>
-          <a:fontRef idx="minor">
-            <a:schemeClr val="lt1"/>
-          </a:fontRef>
-        </p:style>
-        <p:txBody>
-          <a:bodyPr rtlCol="0" anchor="ctr"/>
-          <a:lstStyle/>
-          <a:p>
-            <a:pPr algn="ctr"/>
-            <a:endParaRPr lang="pt-BR"/>
-          </a:p>
-        </p:txBody>
-      </p:sp>
-      <p:sp>
-        <p:nvSpPr>
-          <p:cNvPr id="51" name="Right Arrow 50"/>
-          <p:cNvSpPr/>
-          <p:nvPr/>
-        </p:nvSpPr>
-        <p:spPr>
-          <a:xfrm rot="5400000">
-            <a:off x="1716951" y="4277426"/>
-            <a:ext cx="511340" cy="421105"/>
-          </a:xfrm>
-          <a:prstGeom prst="rightArrow">
-            <a:avLst/>
-          </a:prstGeom>
-          <a:noFill/>
-          <a:ln>
-            <a:solidFill>
-              <a:schemeClr val="tx1"/>
-            </a:solidFill>
-          </a:ln>
-        </p:spPr>
-        <p:style>
-          <a:lnRef idx="2">
-            <a:schemeClr val="accent1">
-              <a:shade val="50000"/>
-            </a:schemeClr>
-          </a:lnRef>
-          <a:fillRef idx="1">
-            <a:schemeClr val="accent1"/>
-          </a:fillRef>
-          <a:effectRef idx="0">
-            <a:schemeClr val="accent1"/>
-          </a:effectRef>
-          <a:fontRef idx="minor">
-            <a:schemeClr val="lt1"/>
-          </a:fontRef>
-        </p:style>
-        <p:txBody>
-          <a:bodyPr rtlCol="0" anchor="ctr"/>
-          <a:lstStyle/>
-          <a:p>
-            <a:pPr algn="ctr"/>
-            <a:endParaRPr lang="pt-BR"/>
-          </a:p>
-        </p:txBody>
-      </p:sp>
-      <p:sp>
-        <p:nvSpPr>
-          <p:cNvPr id="52" name="Right Arrow 51"/>
-          <p:cNvSpPr/>
-          <p:nvPr/>
-        </p:nvSpPr>
-        <p:spPr>
-          <a:xfrm rot="5400000">
-            <a:off x="7493066" y="4274137"/>
-            <a:ext cx="511340" cy="421105"/>
-          </a:xfrm>
-          <a:prstGeom prst="rightArrow">
-            <a:avLst/>
-          </a:prstGeom>
-          <a:noFill/>
-          <a:ln>
-            <a:solidFill>
-              <a:schemeClr val="tx1"/>
-            </a:solidFill>
-          </a:ln>
-        </p:spPr>
-        <p:style>
-          <a:lnRef idx="2">
-            <a:schemeClr val="accent1">
-              <a:shade val="50000"/>
-            </a:schemeClr>
-          </a:lnRef>
-          <a:fillRef idx="1">
-            <a:schemeClr val="accent1"/>
-          </a:fillRef>
-          <a:effectRef idx="0">
-            <a:schemeClr val="accent1"/>
-          </a:effectRef>
-          <a:fontRef idx="minor">
-            <a:schemeClr val="lt1"/>
-          </a:fontRef>
-        </p:style>
-        <p:txBody>
-          <a:bodyPr rtlCol="0" anchor="ctr"/>
-          <a:lstStyle/>
-          <a:p>
-            <a:pPr algn="ctr"/>
-            <a:endParaRPr lang="pt-BR"/>
-          </a:p>
-        </p:txBody>
-      </p:sp>
-      <p:sp>
-        <p:nvSpPr>
-          <p:cNvPr id="53" name="Right Arrow 52"/>
-          <p:cNvSpPr/>
-          <p:nvPr/>
-        </p:nvSpPr>
-        <p:spPr>
-          <a:xfrm rot="5400000">
-            <a:off x="10410670" y="4274136"/>
+            <a:off x="2379334" y="4258372"/>
             <a:ext cx="511340" cy="421105"/>
           </a:xfrm>
           <a:prstGeom prst="rightArrow">
@@ -7813,7 +7806,7 @@
     </p:spTree>
     <p:extLst>
       <p:ext uri="{BB962C8B-B14F-4D97-AF65-F5344CB8AC3E}">
-        <p14:creationId xmlns:p14="http://schemas.microsoft.com/office/powerpoint/2010/main" val="2183487544"/>
+        <p14:creationId xmlns:p14="http://schemas.microsoft.com/office/powerpoint/2010/main" val="3306057982"/>
       </p:ext>
     </p:extLst>
   </p:cSld>
@@ -7824,6 +7817,864 @@
 </file>
 
 <file path=ppt/slides/slide14.xml><?xml version="1.0" encoding="utf-8"?>
+<p:sld xmlns:a="http://schemas.openxmlformats.org/drawingml/2006/main" xmlns:r="http://schemas.openxmlformats.org/officeDocument/2006/relationships" xmlns:p="http://schemas.openxmlformats.org/presentationml/2006/main">
+  <p:cSld>
+    <p:spTree>
+      <p:nvGrpSpPr>
+        <p:cNvPr id="1" name=""/>
+        <p:cNvGrpSpPr/>
+        <p:nvPr/>
+      </p:nvGrpSpPr>
+      <p:grpSpPr>
+        <a:xfrm>
+          <a:off x="0" y="0"/>
+          <a:ext cx="0" cy="0"/>
+          <a:chOff x="0" y="0"/>
+          <a:chExt cx="0" cy="0"/>
+        </a:xfrm>
+      </p:grpSpPr>
+      <p:sp>
+        <p:nvSpPr>
+          <p:cNvPr id="2" name="Título 1">
+            <a:extLst>
+              <a:ext uri="{FF2B5EF4-FFF2-40B4-BE49-F238E27FC236}">
+                <a16:creationId xmlns:a16="http://schemas.microsoft.com/office/drawing/2014/main" id="{5EF6A69E-096D-D007-28F5-17618266C5EB}"/>
+              </a:ext>
+            </a:extLst>
+          </p:cNvPr>
+          <p:cNvSpPr>
+            <a:spLocks noGrp="1"/>
+          </p:cNvSpPr>
+          <p:nvPr>
+            <p:ph type="title"/>
+          </p:nvPr>
+        </p:nvSpPr>
+        <p:spPr/>
+        <p:txBody>
+          <a:bodyPr/>
+          <a:lstStyle/>
+          <a:p>
+            <a:r>
+              <a:rPr lang="pt-BR" dirty="0"/>
+              <a:t>Analisando o treinamento de um modelo</a:t>
+            </a:r>
+          </a:p>
+        </p:txBody>
+      </p:sp>
+      <p:sp>
+        <p:nvSpPr>
+          <p:cNvPr id="3" name="Espaço Reservado para Conteúdo 2">
+            <a:extLst>
+              <a:ext uri="{FF2B5EF4-FFF2-40B4-BE49-F238E27FC236}">
+                <a16:creationId xmlns:a16="http://schemas.microsoft.com/office/drawing/2014/main" id="{5323D308-AFC7-C3C4-ED4E-8ADAA65191E4}"/>
+              </a:ext>
+            </a:extLst>
+          </p:cNvPr>
+          <p:cNvSpPr>
+            <a:spLocks noGrp="1"/>
+          </p:cNvSpPr>
+          <p:nvPr>
+            <p:ph idx="1"/>
+          </p:nvPr>
+        </p:nvSpPr>
+        <p:spPr>
+          <a:xfrm>
+            <a:off x="5378115" y="1825624"/>
+            <a:ext cx="6629401" cy="5032375"/>
+          </a:xfrm>
+        </p:spPr>
+        <p:txBody>
+          <a:bodyPr>
+            <a:normAutofit/>
+          </a:bodyPr>
+          <a:lstStyle/>
+          <a:p>
+            <a:r>
+              <a:rPr lang="pt-BR" dirty="0"/>
+              <a:t>A figura mostra o caso onde o </a:t>
+            </a:r>
+            <a:r>
+              <a:rPr lang="pt-BR" b="1" i="1" dirty="0">
+                <a:solidFill>
+                  <a:srgbClr val="00B050"/>
+                </a:solidFill>
+              </a:rPr>
+              <a:t>passo de aprendizagem é muito pequeno</a:t>
+            </a:r>
+            <a:r>
+              <a:rPr lang="pt-BR" dirty="0"/>
+              <a:t>.</a:t>
+            </a:r>
+          </a:p>
+          <a:p>
+            <a:r>
+              <a:rPr lang="pt-BR" dirty="0"/>
+              <a:t>Nesse caso, a </a:t>
+            </a:r>
+            <a:r>
+              <a:rPr lang="pt-BR" b="1" i="1" dirty="0">
+                <a:solidFill>
+                  <a:srgbClr val="00B050"/>
+                </a:solidFill>
+              </a:rPr>
+              <a:t>convergência é muito lenta</a:t>
+            </a:r>
+            <a:r>
+              <a:rPr lang="pt-BR" dirty="0"/>
+              <a:t>.</a:t>
+            </a:r>
+          </a:p>
+          <a:p>
+            <a:r>
+              <a:rPr lang="pt-BR" b="1" i="1" dirty="0">
+                <a:solidFill>
+                  <a:srgbClr val="00B050"/>
+                </a:solidFill>
+              </a:rPr>
+              <a:t>Após várias épocas </a:t>
+            </a:r>
+            <a:r>
+              <a:rPr lang="pt-BR" dirty="0"/>
+              <a:t>de treinamento, o </a:t>
+            </a:r>
+            <a:r>
+              <a:rPr lang="pt-BR" b="1" i="1" dirty="0">
+                <a:solidFill>
+                  <a:srgbClr val="00B050"/>
+                </a:solidFill>
+              </a:rPr>
+              <a:t>erro ainda não se estabilizou</a:t>
+            </a:r>
+            <a:r>
+              <a:rPr lang="pt-BR" dirty="0"/>
+              <a:t>.</a:t>
+            </a:r>
+          </a:p>
+          <a:p>
+            <a:r>
+              <a:rPr lang="pt-BR" dirty="0"/>
+              <a:t>Levaria </a:t>
+            </a:r>
+            <a:r>
+              <a:rPr lang="pt-BR" b="1" i="1" dirty="0">
+                <a:solidFill>
+                  <a:srgbClr val="00B050"/>
+                </a:solidFill>
+              </a:rPr>
+              <a:t>muito tempo </a:t>
+            </a:r>
+            <a:r>
+              <a:rPr lang="pt-BR" dirty="0"/>
+              <a:t>para que o modelo atingisse o </a:t>
+            </a:r>
+            <a:r>
+              <a:rPr lang="pt-BR" b="1" i="1" dirty="0">
+                <a:solidFill>
+                  <a:srgbClr val="00B050"/>
+                </a:solidFill>
+              </a:rPr>
+              <a:t>ponto de mínimo</a:t>
+            </a:r>
+            <a:r>
+              <a:rPr lang="pt-BR" dirty="0"/>
+              <a:t>.</a:t>
+            </a:r>
+          </a:p>
+        </p:txBody>
+      </p:sp>
+      <p:pic>
+        <p:nvPicPr>
+          <p:cNvPr id="7" name="Imagem 6">
+            <a:extLst>
+              <a:ext uri="{FF2B5EF4-FFF2-40B4-BE49-F238E27FC236}">
+                <a16:creationId xmlns:a16="http://schemas.microsoft.com/office/drawing/2014/main" id="{2A4D98EC-18C1-B474-4AD7-1E84455AA95B}"/>
+              </a:ext>
+            </a:extLst>
+          </p:cNvPr>
+          <p:cNvPicPr>
+            <a:picLocks noChangeAspect="1"/>
+          </p:cNvPicPr>
+          <p:nvPr/>
+        </p:nvPicPr>
+        <p:blipFill>
+          <a:blip r:embed="rId2" cstate="print">
+            <a:extLst>
+              <a:ext uri="{28A0092B-C50C-407E-A947-70E740481C1C}">
+                <a14:useLocalDpi xmlns:a14="http://schemas.microsoft.com/office/drawing/2010/main" val="0"/>
+              </a:ext>
+            </a:extLst>
+          </a:blip>
+          <a:stretch>
+            <a:fillRect/>
+          </a:stretch>
+        </p:blipFill>
+        <p:spPr>
+          <a:xfrm>
+            <a:off x="1331495" y="1690688"/>
+            <a:ext cx="3313792" cy="2682314"/>
+          </a:xfrm>
+          <a:prstGeom prst="rect">
+            <a:avLst/>
+          </a:prstGeom>
+        </p:spPr>
+      </p:pic>
+      <p:pic>
+        <p:nvPicPr>
+          <p:cNvPr id="9" name="Picture 46">
+            <a:extLst>
+              <a:ext uri="{FF2B5EF4-FFF2-40B4-BE49-F238E27FC236}">
+                <a16:creationId xmlns:a16="http://schemas.microsoft.com/office/drawing/2014/main" id="{C7BFA423-C107-AD7A-127F-D33717E52BCE}"/>
+              </a:ext>
+            </a:extLst>
+          </p:cNvPr>
+          <p:cNvPicPr>
+            <a:picLocks noChangeAspect="1"/>
+          </p:cNvPicPr>
+          <p:nvPr/>
+        </p:nvPicPr>
+        <p:blipFill rotWithShape="1">
+          <a:blip r:embed="rId3">
+            <a:extLst>
+              <a:ext uri="{28A0092B-C50C-407E-A947-70E740481C1C}">
+                <a14:useLocalDpi xmlns:a14="http://schemas.microsoft.com/office/drawing/2010/main" val="0"/>
+              </a:ext>
+            </a:extLst>
+          </a:blip>
+          <a:srcRect t="48192" r="2447" b="7099"/>
+          <a:stretch/>
+        </p:blipFill>
+        <p:spPr>
+          <a:xfrm>
+            <a:off x="1331495" y="4788569"/>
+            <a:ext cx="3313799" cy="1937087"/>
+          </a:xfrm>
+          <a:prstGeom prst="rect">
+            <a:avLst/>
+          </a:prstGeom>
+        </p:spPr>
+      </p:pic>
+      <p:sp>
+        <p:nvSpPr>
+          <p:cNvPr id="10" name="Right Arrow 50">
+            <a:extLst>
+              <a:ext uri="{FF2B5EF4-FFF2-40B4-BE49-F238E27FC236}">
+                <a16:creationId xmlns:a16="http://schemas.microsoft.com/office/drawing/2014/main" id="{BA2D2D3D-32FC-6420-C5CF-5B8A6005C115}"/>
+              </a:ext>
+            </a:extLst>
+          </p:cNvPr>
+          <p:cNvSpPr/>
+          <p:nvPr/>
+        </p:nvSpPr>
+        <p:spPr>
+          <a:xfrm rot="5400000">
+            <a:off x="2732720" y="4322347"/>
+            <a:ext cx="511340" cy="421105"/>
+          </a:xfrm>
+          <a:prstGeom prst="rightArrow">
+            <a:avLst/>
+          </a:prstGeom>
+          <a:noFill/>
+          <a:ln>
+            <a:solidFill>
+              <a:schemeClr val="tx1"/>
+            </a:solidFill>
+          </a:ln>
+        </p:spPr>
+        <p:style>
+          <a:lnRef idx="2">
+            <a:schemeClr val="accent1">
+              <a:shade val="50000"/>
+            </a:schemeClr>
+          </a:lnRef>
+          <a:fillRef idx="1">
+            <a:schemeClr val="accent1"/>
+          </a:fillRef>
+          <a:effectRef idx="0">
+            <a:schemeClr val="accent1"/>
+          </a:effectRef>
+          <a:fontRef idx="minor">
+            <a:schemeClr val="lt1"/>
+          </a:fontRef>
+        </p:style>
+        <p:txBody>
+          <a:bodyPr rtlCol="0" anchor="ctr"/>
+          <a:lstStyle/>
+          <a:p>
+            <a:pPr algn="ctr"/>
+            <a:endParaRPr lang="pt-BR"/>
+          </a:p>
+        </p:txBody>
+      </p:sp>
+    </p:spTree>
+    <p:extLst>
+      <p:ext uri="{BB962C8B-B14F-4D97-AF65-F5344CB8AC3E}">
+        <p14:creationId xmlns:p14="http://schemas.microsoft.com/office/powerpoint/2010/main" val="1319161894"/>
+      </p:ext>
+    </p:extLst>
+  </p:cSld>
+  <p:clrMapOvr>
+    <a:masterClrMapping/>
+  </p:clrMapOvr>
+</p:sld>
+</file>
+
+<file path=ppt/slides/slide15.xml><?xml version="1.0" encoding="utf-8"?>
+<p:sld xmlns:a="http://schemas.openxmlformats.org/drawingml/2006/main" xmlns:r="http://schemas.openxmlformats.org/officeDocument/2006/relationships" xmlns:p="http://schemas.openxmlformats.org/presentationml/2006/main">
+  <p:cSld>
+    <p:spTree>
+      <p:nvGrpSpPr>
+        <p:cNvPr id="1" name=""/>
+        <p:cNvGrpSpPr/>
+        <p:nvPr/>
+      </p:nvGrpSpPr>
+      <p:grpSpPr>
+        <a:xfrm>
+          <a:off x="0" y="0"/>
+          <a:ext cx="0" cy="0"/>
+          <a:chOff x="0" y="0"/>
+          <a:chExt cx="0" cy="0"/>
+        </a:xfrm>
+      </p:grpSpPr>
+      <p:sp>
+        <p:nvSpPr>
+          <p:cNvPr id="2" name="Título 1">
+            <a:extLst>
+              <a:ext uri="{FF2B5EF4-FFF2-40B4-BE49-F238E27FC236}">
+                <a16:creationId xmlns:a16="http://schemas.microsoft.com/office/drawing/2014/main" id="{5EF6A69E-096D-D007-28F5-17618266C5EB}"/>
+              </a:ext>
+            </a:extLst>
+          </p:cNvPr>
+          <p:cNvSpPr>
+            <a:spLocks noGrp="1"/>
+          </p:cNvSpPr>
+          <p:nvPr>
+            <p:ph type="title"/>
+          </p:nvPr>
+        </p:nvSpPr>
+        <p:spPr/>
+        <p:txBody>
+          <a:bodyPr/>
+          <a:lstStyle/>
+          <a:p>
+            <a:r>
+              <a:rPr lang="pt-BR" dirty="0"/>
+              <a:t>Analisando o treinamento de um modelo</a:t>
+            </a:r>
+          </a:p>
+        </p:txBody>
+      </p:sp>
+      <p:sp>
+        <p:nvSpPr>
+          <p:cNvPr id="3" name="Espaço Reservado para Conteúdo 2">
+            <a:extLst>
+              <a:ext uri="{FF2B5EF4-FFF2-40B4-BE49-F238E27FC236}">
+                <a16:creationId xmlns:a16="http://schemas.microsoft.com/office/drawing/2014/main" id="{5323D308-AFC7-C3C4-ED4E-8ADAA65191E4}"/>
+              </a:ext>
+            </a:extLst>
+          </p:cNvPr>
+          <p:cNvSpPr>
+            <a:spLocks noGrp="1"/>
+          </p:cNvSpPr>
+          <p:nvPr>
+            <p:ph idx="1"/>
+          </p:nvPr>
+        </p:nvSpPr>
+        <p:spPr>
+          <a:xfrm>
+            <a:off x="5378115" y="1825624"/>
+            <a:ext cx="6629401" cy="5032375"/>
+          </a:xfrm>
+        </p:spPr>
+        <p:txBody>
+          <a:bodyPr>
+            <a:normAutofit/>
+          </a:bodyPr>
+          <a:lstStyle/>
+          <a:p>
+            <a:r>
+              <a:rPr lang="pt-BR" dirty="0"/>
+              <a:t>A figura mostra o caso onde o </a:t>
+            </a:r>
+            <a:r>
+              <a:rPr lang="pt-BR" b="1" i="1" dirty="0">
+                <a:solidFill>
+                  <a:srgbClr val="00B050"/>
+                </a:solidFill>
+              </a:rPr>
+              <a:t>passo de aprendizagem é muito grande</a:t>
+            </a:r>
+            <a:r>
+              <a:rPr lang="pt-BR" dirty="0"/>
+              <a:t>.</a:t>
+            </a:r>
+          </a:p>
+          <a:p>
+            <a:r>
+              <a:rPr lang="pt-BR" dirty="0"/>
+              <a:t>Nesse caso, ocorre </a:t>
+            </a:r>
+            <a:r>
+              <a:rPr lang="pt-BR" b="1" i="1" dirty="0">
+                <a:solidFill>
+                  <a:srgbClr val="00B050"/>
+                </a:solidFill>
+              </a:rPr>
+              <a:t>divergência</a:t>
+            </a:r>
+            <a:r>
+              <a:rPr lang="pt-BR" dirty="0"/>
+              <a:t>.</a:t>
+            </a:r>
+          </a:p>
+          <a:p>
+            <a:r>
+              <a:rPr lang="pt-BR" dirty="0"/>
+              <a:t>Ou seja, o </a:t>
+            </a:r>
+            <a:r>
+              <a:rPr lang="pt-BR" b="1" i="1" dirty="0">
+                <a:solidFill>
+                  <a:srgbClr val="00B050"/>
+                </a:solidFill>
+              </a:rPr>
+              <a:t>erro aumenta mais e mais ao longo do treinamento</a:t>
+            </a:r>
+            <a:r>
+              <a:rPr lang="pt-BR" dirty="0"/>
+              <a:t>, indicando que o algoritmo está se </a:t>
+            </a:r>
+            <a:r>
+              <a:rPr lang="pt-BR" b="1" i="1" dirty="0">
+                <a:solidFill>
+                  <a:srgbClr val="00B050"/>
+                </a:solidFill>
+              </a:rPr>
+              <a:t>distanciando do ponto de mínimo</a:t>
+            </a:r>
+            <a:r>
+              <a:rPr lang="pt-BR" dirty="0"/>
+              <a:t>.</a:t>
+            </a:r>
+          </a:p>
+          <a:p>
+            <a:r>
+              <a:rPr lang="pt-BR" dirty="0"/>
+              <a:t>Se o treinamento continuar, os gradientes e pesos podem se tornar tão grandes que ocorre o </a:t>
+            </a:r>
+            <a:r>
+              <a:rPr lang="pt-BR" b="1" i="1" dirty="0">
+                <a:solidFill>
+                  <a:srgbClr val="00B050"/>
+                </a:solidFill>
+              </a:rPr>
+              <a:t>estouro da representação numérica</a:t>
+            </a:r>
+            <a:r>
+              <a:rPr lang="pt-BR" dirty="0"/>
+              <a:t>.</a:t>
+            </a:r>
+          </a:p>
+        </p:txBody>
+      </p:sp>
+      <p:pic>
+        <p:nvPicPr>
+          <p:cNvPr id="5" name="Imagem 4">
+            <a:extLst>
+              <a:ext uri="{FF2B5EF4-FFF2-40B4-BE49-F238E27FC236}">
+                <a16:creationId xmlns:a16="http://schemas.microsoft.com/office/drawing/2014/main" id="{D0FC005A-1D53-9B54-E0D7-5694609ACA1D}"/>
+              </a:ext>
+            </a:extLst>
+          </p:cNvPr>
+          <p:cNvPicPr>
+            <a:picLocks noChangeAspect="1"/>
+          </p:cNvPicPr>
+          <p:nvPr/>
+        </p:nvPicPr>
+        <p:blipFill>
+          <a:blip r:embed="rId2" cstate="print">
+            <a:extLst>
+              <a:ext uri="{28A0092B-C50C-407E-A947-70E740481C1C}">
+                <a14:useLocalDpi xmlns:a14="http://schemas.microsoft.com/office/drawing/2010/main" val="0"/>
+              </a:ext>
+            </a:extLst>
+          </a:blip>
+          <a:stretch>
+            <a:fillRect/>
+          </a:stretch>
+        </p:blipFill>
+        <p:spPr>
+          <a:xfrm>
+            <a:off x="1295399" y="1690688"/>
+            <a:ext cx="3269165" cy="2604586"/>
+          </a:xfrm>
+          <a:prstGeom prst="rect">
+            <a:avLst/>
+          </a:prstGeom>
+        </p:spPr>
+      </p:pic>
+      <p:pic>
+        <p:nvPicPr>
+          <p:cNvPr id="6" name="Picture 47">
+            <a:extLst>
+              <a:ext uri="{FF2B5EF4-FFF2-40B4-BE49-F238E27FC236}">
+                <a16:creationId xmlns:a16="http://schemas.microsoft.com/office/drawing/2014/main" id="{1B70BF55-F459-13C2-D9A0-CD0EAFBFA24D}"/>
+              </a:ext>
+            </a:extLst>
+          </p:cNvPr>
+          <p:cNvPicPr>
+            <a:picLocks noChangeAspect="1"/>
+          </p:cNvPicPr>
+          <p:nvPr/>
+        </p:nvPicPr>
+        <p:blipFill rotWithShape="1">
+          <a:blip r:embed="rId3">
+            <a:extLst>
+              <a:ext uri="{28A0092B-C50C-407E-A947-70E740481C1C}">
+                <a14:useLocalDpi xmlns:a14="http://schemas.microsoft.com/office/drawing/2010/main" val="0"/>
+              </a:ext>
+            </a:extLst>
+          </a:blip>
+          <a:srcRect t="48192" r="2118" b="2470"/>
+          <a:stretch/>
+        </p:blipFill>
+        <p:spPr>
+          <a:xfrm>
+            <a:off x="1295399" y="4632159"/>
+            <a:ext cx="3267945" cy="2100950"/>
+          </a:xfrm>
+          <a:prstGeom prst="rect">
+            <a:avLst/>
+          </a:prstGeom>
+        </p:spPr>
+      </p:pic>
+      <p:sp>
+        <p:nvSpPr>
+          <p:cNvPr id="8" name="Right Arrow 50">
+            <a:extLst>
+              <a:ext uri="{FF2B5EF4-FFF2-40B4-BE49-F238E27FC236}">
+                <a16:creationId xmlns:a16="http://schemas.microsoft.com/office/drawing/2014/main" id="{4CE3CAAF-5324-581B-5F00-C22061374152}"/>
+              </a:ext>
+            </a:extLst>
+          </p:cNvPr>
+          <p:cNvSpPr/>
+          <p:nvPr/>
+        </p:nvSpPr>
+        <p:spPr>
+          <a:xfrm rot="5400000">
+            <a:off x="2673700" y="4253165"/>
+            <a:ext cx="511340" cy="421105"/>
+          </a:xfrm>
+          <a:prstGeom prst="rightArrow">
+            <a:avLst/>
+          </a:prstGeom>
+          <a:noFill/>
+          <a:ln>
+            <a:solidFill>
+              <a:schemeClr val="tx1"/>
+            </a:solidFill>
+          </a:ln>
+        </p:spPr>
+        <p:style>
+          <a:lnRef idx="2">
+            <a:schemeClr val="accent1">
+              <a:shade val="50000"/>
+            </a:schemeClr>
+          </a:lnRef>
+          <a:fillRef idx="1">
+            <a:schemeClr val="accent1"/>
+          </a:fillRef>
+          <a:effectRef idx="0">
+            <a:schemeClr val="accent1"/>
+          </a:effectRef>
+          <a:fontRef idx="minor">
+            <a:schemeClr val="lt1"/>
+          </a:fontRef>
+        </p:style>
+        <p:txBody>
+          <a:bodyPr rtlCol="0" anchor="ctr"/>
+          <a:lstStyle/>
+          <a:p>
+            <a:pPr algn="ctr"/>
+            <a:endParaRPr lang="pt-BR"/>
+          </a:p>
+        </p:txBody>
+      </p:sp>
+    </p:spTree>
+    <p:extLst>
+      <p:ext uri="{BB962C8B-B14F-4D97-AF65-F5344CB8AC3E}">
+        <p14:creationId xmlns:p14="http://schemas.microsoft.com/office/powerpoint/2010/main" val="1060140038"/>
+      </p:ext>
+    </p:extLst>
+  </p:cSld>
+  <p:clrMapOvr>
+    <a:masterClrMapping/>
+  </p:clrMapOvr>
+</p:sld>
+</file>
+
+<file path=ppt/slides/slide16.xml><?xml version="1.0" encoding="utf-8"?>
+<p:sld xmlns:a="http://schemas.openxmlformats.org/drawingml/2006/main" xmlns:r="http://schemas.openxmlformats.org/officeDocument/2006/relationships" xmlns:p="http://schemas.openxmlformats.org/presentationml/2006/main">
+  <p:cSld>
+    <p:spTree>
+      <p:nvGrpSpPr>
+        <p:cNvPr id="1" name=""/>
+        <p:cNvGrpSpPr/>
+        <p:nvPr/>
+      </p:nvGrpSpPr>
+      <p:grpSpPr>
+        <a:xfrm>
+          <a:off x="0" y="0"/>
+          <a:ext cx="0" cy="0"/>
+          <a:chOff x="0" y="0"/>
+          <a:chExt cx="0" cy="0"/>
+        </a:xfrm>
+      </p:grpSpPr>
+      <p:sp>
+        <p:nvSpPr>
+          <p:cNvPr id="2" name="Título 1">
+            <a:extLst>
+              <a:ext uri="{FF2B5EF4-FFF2-40B4-BE49-F238E27FC236}">
+                <a16:creationId xmlns:a16="http://schemas.microsoft.com/office/drawing/2014/main" id="{5EF6A69E-096D-D007-28F5-17618266C5EB}"/>
+              </a:ext>
+            </a:extLst>
+          </p:cNvPr>
+          <p:cNvSpPr>
+            <a:spLocks noGrp="1"/>
+          </p:cNvSpPr>
+          <p:nvPr>
+            <p:ph type="title"/>
+          </p:nvPr>
+        </p:nvSpPr>
+        <p:spPr/>
+        <p:txBody>
+          <a:bodyPr/>
+          <a:lstStyle/>
+          <a:p>
+            <a:r>
+              <a:rPr lang="pt-BR" dirty="0"/>
+              <a:t>Analisando o treinamento de um modelo</a:t>
+            </a:r>
+          </a:p>
+        </p:txBody>
+      </p:sp>
+      <p:sp>
+        <p:nvSpPr>
+          <p:cNvPr id="8" name="Espaço Reservado para Conteúdo 7">
+            <a:extLst>
+              <a:ext uri="{FF2B5EF4-FFF2-40B4-BE49-F238E27FC236}">
+                <a16:creationId xmlns:a16="http://schemas.microsoft.com/office/drawing/2014/main" id="{7B9D9473-4E8E-377D-B1BB-4267C247D364}"/>
+              </a:ext>
+            </a:extLst>
+          </p:cNvPr>
+          <p:cNvSpPr>
+            <a:spLocks noGrp="1"/>
+          </p:cNvSpPr>
+          <p:nvPr>
+            <p:ph idx="1"/>
+          </p:nvPr>
+        </p:nvSpPr>
+        <p:spPr>
+          <a:xfrm>
+            <a:off x="5835316" y="1825624"/>
+            <a:ext cx="6196264" cy="5032375"/>
+          </a:xfrm>
+        </p:spPr>
+        <p:txBody>
+          <a:bodyPr/>
+          <a:lstStyle/>
+          <a:p>
+            <a:r>
+              <a:rPr lang="pt-BR" dirty="0"/>
+              <a:t>A figura mostra o caso onde o </a:t>
+            </a:r>
+            <a:r>
+              <a:rPr lang="pt-BR" b="1" i="1" dirty="0">
+                <a:solidFill>
+                  <a:srgbClr val="00B050"/>
+                </a:solidFill>
+              </a:rPr>
+              <a:t>passo de aprendizagem é grande, mas não tão grande assim</a:t>
+            </a:r>
+            <a:r>
+              <a:rPr lang="pt-BR" dirty="0"/>
+              <a:t>.</a:t>
+            </a:r>
+          </a:p>
+          <a:p>
+            <a:r>
+              <a:rPr lang="pt-BR" dirty="0"/>
+              <a:t>Nesse caso, o </a:t>
+            </a:r>
+            <a:r>
+              <a:rPr lang="pt-BR" b="1" i="1" dirty="0">
+                <a:solidFill>
+                  <a:srgbClr val="00B050"/>
+                </a:solidFill>
+              </a:rPr>
+              <a:t>erro oscila</a:t>
+            </a:r>
+            <a:r>
+              <a:rPr lang="pt-BR" dirty="0"/>
+              <a:t> entre valores grandes e pequenos.</a:t>
+            </a:r>
+          </a:p>
+          <a:p>
+            <a:r>
+              <a:rPr lang="pt-BR" dirty="0"/>
+              <a:t>Por ventura, a </a:t>
+            </a:r>
+            <a:r>
+              <a:rPr lang="pt-BR" b="1" i="1" dirty="0">
+                <a:solidFill>
+                  <a:srgbClr val="00B050"/>
+                </a:solidFill>
+              </a:rPr>
+              <a:t>convergência pode ocorrer após algumas épocas</a:t>
+            </a:r>
+            <a:r>
+              <a:rPr lang="pt-BR" dirty="0"/>
+              <a:t>.</a:t>
+            </a:r>
+          </a:p>
+        </p:txBody>
+      </p:sp>
+      <p:pic>
+        <p:nvPicPr>
+          <p:cNvPr id="9" name="Espaço Reservado para Conteúdo 5">
+            <a:extLst>
+              <a:ext uri="{FF2B5EF4-FFF2-40B4-BE49-F238E27FC236}">
+                <a16:creationId xmlns:a16="http://schemas.microsoft.com/office/drawing/2014/main" id="{35860255-3691-3223-4E56-075772F72262}"/>
+              </a:ext>
+            </a:extLst>
+          </p:cNvPr>
+          <p:cNvPicPr>
+            <a:picLocks noChangeAspect="1"/>
+          </p:cNvPicPr>
+          <p:nvPr/>
+        </p:nvPicPr>
+        <p:blipFill>
+          <a:blip r:embed="rId2" cstate="print">
+            <a:extLst>
+              <a:ext uri="{28A0092B-C50C-407E-A947-70E740481C1C}">
+                <a14:useLocalDpi xmlns:a14="http://schemas.microsoft.com/office/drawing/2010/main" val="0"/>
+              </a:ext>
+            </a:extLst>
+          </a:blip>
+          <a:stretch>
+            <a:fillRect/>
+          </a:stretch>
+        </p:blipFill>
+        <p:spPr>
+          <a:xfrm>
+            <a:off x="1584158" y="1568783"/>
+            <a:ext cx="3281108" cy="2688807"/>
+          </a:xfrm>
+          <a:prstGeom prst="rect">
+            <a:avLst/>
+          </a:prstGeom>
+        </p:spPr>
+      </p:pic>
+      <p:pic>
+        <p:nvPicPr>
+          <p:cNvPr id="10" name="Picture 48">
+            <a:extLst>
+              <a:ext uri="{FF2B5EF4-FFF2-40B4-BE49-F238E27FC236}">
+                <a16:creationId xmlns:a16="http://schemas.microsoft.com/office/drawing/2014/main" id="{D5B8F54A-8717-FA32-510A-0E14A5CF8749}"/>
+              </a:ext>
+            </a:extLst>
+          </p:cNvPr>
+          <p:cNvPicPr>
+            <a:picLocks noChangeAspect="1"/>
+          </p:cNvPicPr>
+          <p:nvPr/>
+        </p:nvPicPr>
+        <p:blipFill rotWithShape="1">
+          <a:blip r:embed="rId3">
+            <a:extLst>
+              <a:ext uri="{28A0092B-C50C-407E-A947-70E740481C1C}">
+                <a14:useLocalDpi xmlns:a14="http://schemas.microsoft.com/office/drawing/2010/main" val="0"/>
+              </a:ext>
+            </a:extLst>
+          </a:blip>
+          <a:srcRect l="360" t="48707" r="2776" b="2150"/>
+          <a:stretch/>
+        </p:blipFill>
+        <p:spPr>
+          <a:xfrm>
+            <a:off x="1594185" y="4653334"/>
+            <a:ext cx="3281108" cy="2120444"/>
+          </a:xfrm>
+          <a:prstGeom prst="rect">
+            <a:avLst/>
+          </a:prstGeom>
+        </p:spPr>
+      </p:pic>
+      <p:sp>
+        <p:nvSpPr>
+          <p:cNvPr id="11" name="Right Arrow 50">
+            <a:extLst>
+              <a:ext uri="{FF2B5EF4-FFF2-40B4-BE49-F238E27FC236}">
+                <a16:creationId xmlns:a16="http://schemas.microsoft.com/office/drawing/2014/main" id="{05CC92E3-E5FB-1345-F6D4-88C0AEB16050}"/>
+              </a:ext>
+            </a:extLst>
+          </p:cNvPr>
+          <p:cNvSpPr/>
+          <p:nvPr/>
+        </p:nvSpPr>
+        <p:spPr>
+          <a:xfrm rot="5400000">
+            <a:off x="2979068" y="4187112"/>
+            <a:ext cx="511340" cy="421105"/>
+          </a:xfrm>
+          <a:prstGeom prst="rightArrow">
+            <a:avLst/>
+          </a:prstGeom>
+          <a:noFill/>
+          <a:ln>
+            <a:solidFill>
+              <a:schemeClr val="tx1"/>
+            </a:solidFill>
+          </a:ln>
+        </p:spPr>
+        <p:style>
+          <a:lnRef idx="2">
+            <a:schemeClr val="accent1">
+              <a:shade val="50000"/>
+            </a:schemeClr>
+          </a:lnRef>
+          <a:fillRef idx="1">
+            <a:schemeClr val="accent1"/>
+          </a:fillRef>
+          <a:effectRef idx="0">
+            <a:schemeClr val="accent1"/>
+          </a:effectRef>
+          <a:fontRef idx="minor">
+            <a:schemeClr val="lt1"/>
+          </a:fontRef>
+        </p:style>
+        <p:txBody>
+          <a:bodyPr rtlCol="0" anchor="ctr"/>
+          <a:lstStyle/>
+          <a:p>
+            <a:pPr algn="ctr"/>
+            <a:endParaRPr lang="pt-BR"/>
+          </a:p>
+        </p:txBody>
+      </p:sp>
+    </p:spTree>
+    <p:extLst>
+      <p:ext uri="{BB962C8B-B14F-4D97-AF65-F5344CB8AC3E}">
+        <p14:creationId xmlns:p14="http://schemas.microsoft.com/office/powerpoint/2010/main" val="755122316"/>
+      </p:ext>
+    </p:extLst>
+  </p:cSld>
+  <p:clrMapOvr>
+    <a:masterClrMapping/>
+  </p:clrMapOvr>
+</p:sld>
+</file>
+
+<file path=ppt/slides/slide17.xml><?xml version="1.0" encoding="utf-8"?>
 <p:sld xmlns:a="http://schemas.openxmlformats.org/drawingml/2006/main" xmlns:r="http://schemas.openxmlformats.org/officeDocument/2006/relationships" xmlns:p="http://schemas.openxmlformats.org/presentationml/2006/main">
   <p:cSld>
     <p:spTree>
@@ -7861,6 +8712,1720 @@
           <a:bodyPr/>
           <a:lstStyle/>
           <a:p>
+            <a:r>
+              <a:rPr lang="pt-BR" dirty="0"/>
+              <a:t>Melhorando a convergência</a:t>
+            </a:r>
+          </a:p>
+        </p:txBody>
+      </p:sp>
+      <mc:AlternateContent xmlns:mc="http://schemas.openxmlformats.org/markup-compatibility/2006">
+        <mc:Choice xmlns:a14="http://schemas.microsoft.com/office/drawing/2010/main" Requires="a14">
+          <p:sp>
+            <p:nvSpPr>
+              <p:cNvPr id="3" name="Espaço Reservado para Conteúdo 2">
+                <a:extLst>
+                  <a:ext uri="{FF2B5EF4-FFF2-40B4-BE49-F238E27FC236}">
+                    <a16:creationId xmlns:a16="http://schemas.microsoft.com/office/drawing/2014/main" id="{83A38DD3-AAC8-CEBB-5966-BFE9490F478F}"/>
+                  </a:ext>
+                </a:extLst>
+              </p:cNvPr>
+              <p:cNvSpPr>
+                <a:spLocks noGrp="1"/>
+              </p:cNvSpPr>
+              <p:nvPr>
+                <p:ph idx="1"/>
+              </p:nvPr>
+            </p:nvSpPr>
+            <p:spPr>
+              <a:xfrm>
+                <a:off x="838199" y="1825624"/>
+                <a:ext cx="11188701" cy="5032375"/>
+              </a:xfrm>
+            </p:spPr>
+            <p:txBody>
+              <a:bodyPr>
+                <a:normAutofit lnSpcReduction="10000"/>
+              </a:bodyPr>
+              <a:lstStyle/>
+              <a:p>
+                <a:r>
+                  <a:rPr lang="pt-BR" dirty="0"/>
+                  <a:t>As versões estocástica e mini-</a:t>
+                </a:r>
+                <a:r>
+                  <a:rPr lang="pt-BR" i="1" dirty="0"/>
+                  <a:t>batch</a:t>
+                </a:r>
+                <a:r>
+                  <a:rPr lang="pt-BR" dirty="0"/>
+                  <a:t> (principalmente quando </a:t>
+                </a:r>
+                <a14:m>
+                  <m:oMath xmlns:m="http://schemas.openxmlformats.org/officeDocument/2006/math">
+                    <m:r>
+                      <a:rPr lang="pt-BR" b="0" i="1" smtClean="0">
+                        <a:latin typeface="Cambria Math" panose="02040503050406030204" pitchFamily="18" charset="0"/>
+                      </a:rPr>
+                      <m:t>𝑀𝐵</m:t>
+                    </m:r>
+                  </m:oMath>
+                </a14:m>
+                <a:r>
+                  <a:rPr lang="pt-BR" dirty="0"/>
+                  <a:t> é pequeno) do gradiente descendente têm um </a:t>
+                </a:r>
+                <a:r>
+                  <a:rPr lang="pt-BR" b="1" i="1" dirty="0">
+                    <a:solidFill>
+                      <a:srgbClr val="00B050"/>
+                    </a:solidFill>
+                  </a:rPr>
+                  <a:t>caminho irregular para o ponto de mínimo</a:t>
+                </a:r>
+                <a:r>
+                  <a:rPr lang="pt-BR" dirty="0"/>
+                  <a:t>.</a:t>
+                </a:r>
+              </a:p>
+              <a:p>
+                <a:r>
+                  <a:rPr lang="pt-BR" dirty="0"/>
+                  <a:t>Além disso, quando as </a:t>
+                </a:r>
+                <a:r>
+                  <a:rPr lang="pt-BR" b="1" i="1" dirty="0">
+                    <a:solidFill>
+                      <a:srgbClr val="00B050"/>
+                    </a:solidFill>
+                  </a:rPr>
+                  <a:t>amostras</a:t>
+                </a:r>
+                <a:r>
+                  <a:rPr lang="pt-BR" dirty="0"/>
+                  <a:t> do conjunto de treinamento estão </a:t>
+                </a:r>
+                <a:r>
+                  <a:rPr lang="pt-BR" b="1" i="1" dirty="0">
+                    <a:solidFill>
+                      <a:srgbClr val="00B050"/>
+                    </a:solidFill>
+                  </a:rPr>
+                  <a:t>contaminadas com ruido</a:t>
+                </a:r>
+                <a:r>
+                  <a:rPr lang="pt-BR" dirty="0"/>
+                  <a:t>, eles </a:t>
+                </a:r>
+                <a:r>
+                  <a:rPr lang="pt-BR" b="1" i="1" dirty="0">
+                    <a:solidFill>
+                      <a:srgbClr val="00B050"/>
+                    </a:solidFill>
+                  </a:rPr>
+                  <a:t>podem não convergir </a:t>
+                </a:r>
+                <a:r>
+                  <a:rPr lang="pt-BR" dirty="0"/>
+                  <a:t>para o mínimo (oscilam ao redor dele).</a:t>
+                </a:r>
+              </a:p>
+              <a:p>
+                <a:r>
+                  <a:rPr lang="pt-BR" dirty="0"/>
+                  <a:t>Esses problemas </a:t>
+                </a:r>
+                <a:r>
+                  <a:rPr lang="pt-BR" b="1" i="1" dirty="0">
+                    <a:solidFill>
+                      <a:srgbClr val="00B050"/>
+                    </a:solidFill>
+                  </a:rPr>
+                  <a:t>impactam</a:t>
+                </a:r>
+                <a:r>
+                  <a:rPr lang="pt-BR" dirty="0"/>
+                  <a:t> o </a:t>
+                </a:r>
+                <a:r>
+                  <a:rPr lang="pt-BR" b="1" i="1" dirty="0">
+                    <a:solidFill>
+                      <a:srgbClr val="00B050"/>
+                    </a:solidFill>
+                  </a:rPr>
+                  <a:t>desempenho do modelo </a:t>
+                </a:r>
+                <a:r>
+                  <a:rPr lang="pt-BR" dirty="0"/>
+                  <a:t>e deixam o </a:t>
+                </a:r>
+                <a:r>
+                  <a:rPr lang="pt-BR" b="1" i="1" dirty="0">
+                    <a:solidFill>
+                      <a:srgbClr val="00B050"/>
+                    </a:solidFill>
+                  </a:rPr>
+                  <a:t>treinamento lento </a:t>
+                </a:r>
+                <a:r>
+                  <a:rPr lang="pt-BR" dirty="0"/>
+                  <a:t>e, possivelmente, </a:t>
+                </a:r>
+                <a:r>
+                  <a:rPr lang="pt-BR" b="1" i="1" dirty="0">
+                    <a:solidFill>
+                      <a:srgbClr val="00B050"/>
+                    </a:solidFill>
+                  </a:rPr>
+                  <a:t>instável</a:t>
+                </a:r>
+                <a:r>
+                  <a:rPr lang="pt-BR" dirty="0"/>
+                  <a:t>.</a:t>
+                </a:r>
+              </a:p>
+              <a:p>
+                <a:r>
+                  <a:rPr lang="pt-BR" dirty="0"/>
+                  <a:t>Entretanto, existem </a:t>
+                </a:r>
+                <a:r>
+                  <a:rPr lang="pt-BR" b="1" i="1" dirty="0">
+                    <a:solidFill>
+                      <a:srgbClr val="00B050"/>
+                    </a:solidFill>
+                  </a:rPr>
+                  <a:t>técnicas para minimizar </a:t>
+                </a:r>
+                <a:r>
+                  <a:rPr lang="pt-BR" dirty="0"/>
+                  <a:t>esses problemas, deixando essas versões do GD </a:t>
+                </a:r>
+                <a:r>
+                  <a:rPr lang="pt-BR" b="1" i="1" dirty="0">
+                    <a:solidFill>
+                      <a:srgbClr val="00B050"/>
+                    </a:solidFill>
+                  </a:rPr>
+                  <a:t>mais comportadas</a:t>
+                </a:r>
+                <a:r>
+                  <a:rPr lang="pt-BR" dirty="0"/>
+                  <a:t>.</a:t>
+                </a:r>
+              </a:p>
+              <a:p>
+                <a:r>
+                  <a:rPr lang="pt-BR" dirty="0"/>
+                  <a:t>As mais conhecidas envolvem o </a:t>
+                </a:r>
+                <a:r>
+                  <a:rPr lang="pt-BR" b="1" i="1" dirty="0">
+                    <a:solidFill>
+                      <a:srgbClr val="7030A0"/>
+                    </a:solidFill>
+                  </a:rPr>
+                  <a:t>ajuste do passo de aprendizagem </a:t>
+                </a:r>
+                <a:r>
+                  <a:rPr lang="pt-BR" dirty="0"/>
+                  <a:t>ou do </a:t>
+                </a:r>
+                <a:r>
+                  <a:rPr lang="pt-BR" b="1" i="1" dirty="0">
+                    <a:solidFill>
+                      <a:srgbClr val="7030A0"/>
+                    </a:solidFill>
+                  </a:rPr>
+                  <a:t>termo de atualização dos pesos</a:t>
+                </a:r>
+                <a:r>
+                  <a:rPr lang="pt-BR" dirty="0"/>
+                  <a:t>.</a:t>
+                </a:r>
+              </a:p>
+            </p:txBody>
+          </p:sp>
+        </mc:Choice>
+        <mc:Fallback>
+          <p:sp>
+            <p:nvSpPr>
+              <p:cNvPr id="3" name="Espaço Reservado para Conteúdo 2">
+                <a:extLst>
+                  <a:ext uri="{FF2B5EF4-FFF2-40B4-BE49-F238E27FC236}">
+                    <a16:creationId xmlns:a16="http://schemas.microsoft.com/office/drawing/2014/main" id="{83A38DD3-AAC8-CEBB-5966-BFE9490F478F}"/>
+                  </a:ext>
+                </a:extLst>
+              </p:cNvPr>
+              <p:cNvSpPr>
+                <a:spLocks noGrp="1" noRot="1" noChangeAspect="1" noMove="1" noResize="1" noEditPoints="1" noAdjustHandles="1" noChangeArrowheads="1" noChangeShapeType="1" noTextEdit="1"/>
+              </p:cNvSpPr>
+              <p:nvPr>
+                <p:ph idx="1"/>
+              </p:nvPr>
+            </p:nvSpPr>
+            <p:spPr>
+              <a:xfrm>
+                <a:off x="838199" y="1825624"/>
+                <a:ext cx="11188701" cy="5032375"/>
+              </a:xfrm>
+              <a:blipFill>
+                <a:blip r:embed="rId2"/>
+                <a:stretch>
+                  <a:fillRect l="-926" t="-2663"/>
+                </a:stretch>
+              </a:blipFill>
+            </p:spPr>
+            <p:txBody>
+              <a:bodyPr/>
+              <a:lstStyle/>
+              <a:p>
+                <a:r>
+                  <a:rPr lang="pt-BR">
+                    <a:noFill/>
+                  </a:rPr>
+                  <a:t> </a:t>
+                </a:r>
+              </a:p>
+            </p:txBody>
+          </p:sp>
+        </mc:Fallback>
+      </mc:AlternateContent>
+    </p:spTree>
+    <p:extLst>
+      <p:ext uri="{BB962C8B-B14F-4D97-AF65-F5344CB8AC3E}">
+        <p14:creationId xmlns:p14="http://schemas.microsoft.com/office/powerpoint/2010/main" val="3840997202"/>
+      </p:ext>
+    </p:extLst>
+  </p:cSld>
+  <p:clrMapOvr>
+    <a:masterClrMapping/>
+  </p:clrMapOvr>
+</p:sld>
+</file>
+
+<file path=ppt/slides/slide18.xml><?xml version="1.0" encoding="utf-8"?>
+<p:sld xmlns:a="http://schemas.openxmlformats.org/drawingml/2006/main" xmlns:r="http://schemas.openxmlformats.org/officeDocument/2006/relationships" xmlns:p="http://schemas.openxmlformats.org/presentationml/2006/main">
+  <p:cSld>
+    <p:spTree>
+      <p:nvGrpSpPr>
+        <p:cNvPr id="1" name=""/>
+        <p:cNvGrpSpPr/>
+        <p:nvPr/>
+      </p:nvGrpSpPr>
+      <p:grpSpPr>
+        <a:xfrm>
+          <a:off x="0" y="0"/>
+          <a:ext cx="0" cy="0"/>
+          <a:chOff x="0" y="0"/>
+          <a:chExt cx="0" cy="0"/>
+        </a:xfrm>
+      </p:grpSpPr>
+      <p:sp>
+        <p:nvSpPr>
+          <p:cNvPr id="2" name="Título 1">
+            <a:extLst>
+              <a:ext uri="{FF2B5EF4-FFF2-40B4-BE49-F238E27FC236}">
+                <a16:creationId xmlns:a16="http://schemas.microsoft.com/office/drawing/2014/main" id="{8FE2DAD2-5657-42A1-35B9-4BB9FD00F794}"/>
+              </a:ext>
+            </a:extLst>
+          </p:cNvPr>
+          <p:cNvSpPr>
+            <a:spLocks noGrp="1"/>
+          </p:cNvSpPr>
+          <p:nvPr>
+            <p:ph type="title"/>
+          </p:nvPr>
+        </p:nvSpPr>
+        <p:spPr/>
+        <p:txBody>
+          <a:bodyPr/>
+          <a:lstStyle/>
+          <a:p>
+            <a:r>
+              <a:rPr lang="pt-BR" dirty="0"/>
+              <a:t>Ajuste do passo de aprendizagem</a:t>
+            </a:r>
+          </a:p>
+        </p:txBody>
+      </p:sp>
+      <mc:AlternateContent xmlns:mc="http://schemas.openxmlformats.org/markup-compatibility/2006">
+        <mc:Choice xmlns:a14="http://schemas.microsoft.com/office/drawing/2010/main" Requires="a14">
+          <p:sp>
+            <p:nvSpPr>
+              <p:cNvPr id="3" name="Espaço Reservado para Conteúdo 2">
+                <a:extLst>
+                  <a:ext uri="{FF2B5EF4-FFF2-40B4-BE49-F238E27FC236}">
+                    <a16:creationId xmlns:a16="http://schemas.microsoft.com/office/drawing/2014/main" id="{90C1EAA3-4293-62D4-5778-91C90AA88537}"/>
+                  </a:ext>
+                </a:extLst>
+              </p:cNvPr>
+              <p:cNvSpPr>
+                <a:spLocks noGrp="1"/>
+              </p:cNvSpPr>
+              <p:nvPr>
+                <p:ph idx="1"/>
+              </p:nvPr>
+            </p:nvSpPr>
+            <p:spPr>
+              <a:xfrm>
+                <a:off x="838200" y="1825624"/>
+                <a:ext cx="11217441" cy="5032375"/>
+              </a:xfrm>
+            </p:spPr>
+            <p:txBody>
+              <a:bodyPr>
+                <a:normAutofit/>
+              </a:bodyPr>
+              <a:lstStyle/>
+              <a:p>
+                <a:r>
+                  <a:rPr lang="pt-BR" b="1" i="1" dirty="0">
+                    <a:solidFill>
+                      <a:srgbClr val="7030A0"/>
+                    </a:solidFill>
+                  </a:rPr>
+                  <a:t>Redução gradual </a:t>
+                </a:r>
+                <a:r>
+                  <a:rPr lang="pt-BR" dirty="0"/>
+                  <a:t>(ou decaimento) do passo de aprendizagem </a:t>
+                </a:r>
+                <a:r>
+                  <a:rPr lang="pt-BR" b="1" i="1" dirty="0">
+                    <a:solidFill>
+                      <a:srgbClr val="00B050"/>
+                    </a:solidFill>
+                  </a:rPr>
+                  <a:t>diminui gradualmente o passo de aprendizagem</a:t>
+                </a:r>
+                <a:r>
+                  <a:rPr lang="pt-BR" dirty="0"/>
+                  <a:t> ao longo do treinamento.</a:t>
+                </a:r>
+                <a:endParaRPr lang="pt-BR" b="1" dirty="0"/>
+              </a:p>
+              <a:p>
+                <a:r>
+                  <a:rPr lang="pt-BR" b="0" i="0" dirty="0">
+                    <a:effectLst/>
+                  </a:rPr>
+                  <a:t>A redução da taxa de aprendizagem faz com que as </a:t>
+                </a:r>
+                <a:r>
+                  <a:rPr lang="pt-BR" b="1" i="1" dirty="0">
+                    <a:solidFill>
+                      <a:srgbClr val="00B050"/>
+                    </a:solidFill>
+                    <a:effectLst/>
+                  </a:rPr>
+                  <a:t>atualizações dos pesos se tornem cada vez menores</a:t>
+                </a:r>
+                <a:r>
+                  <a:rPr lang="pt-BR" b="0" i="0" dirty="0">
+                    <a:effectLst/>
+                  </a:rPr>
+                  <a:t> à medida que o treinamento progride, o que pode </a:t>
+                </a:r>
+                <a:r>
+                  <a:rPr lang="pt-BR" b="1" i="1" dirty="0">
+                    <a:solidFill>
+                      <a:srgbClr val="00B050"/>
+                    </a:solidFill>
+                    <a:effectLst/>
+                  </a:rPr>
+                  <a:t>melhorar (ou forçar) a convergência</a:t>
+                </a:r>
+                <a:r>
+                  <a:rPr lang="pt-BR" b="0" i="0" dirty="0">
+                    <a:effectLst/>
+                  </a:rPr>
+                  <a:t>.</a:t>
+                </a:r>
+              </a:p>
+              <a:p>
+                <a:pPr marL="0" indent="0">
+                  <a:buNone/>
+                </a:pPr>
+                <a:endParaRPr lang="pt-BR" sz="800" b="0" i="0" dirty="0">
+                  <a:effectLst/>
+                </a:endParaRPr>
+              </a:p>
+              <a:p>
+                <a:pPr marL="0" indent="0">
+                  <a:buNone/>
+                </a:pPr>
+                <a14:m>
+                  <m:oMathPara xmlns:m="http://schemas.openxmlformats.org/officeDocument/2006/math">
+                    <m:oMathParaPr>
+                      <m:jc m:val="centerGroup"/>
+                    </m:oMathParaPr>
+                    <m:oMath xmlns:m="http://schemas.openxmlformats.org/officeDocument/2006/math">
+                      <m:r>
+                        <a:rPr lang="pt-BR" sz="2800" b="1" i="1" smtClean="0">
+                          <a:solidFill>
+                            <a:schemeClr val="tx1"/>
+                          </a:solidFill>
+                          <a:latin typeface="Cambria Math" panose="02040503050406030204" pitchFamily="18" charset="0"/>
+                        </a:rPr>
+                        <m:t>𝒂</m:t>
+                      </m:r>
+                      <m:d>
+                        <m:dPr>
+                          <m:ctrlPr>
+                            <a:rPr lang="pt-BR" sz="2800" b="0" i="1" smtClean="0">
+                              <a:solidFill>
+                                <a:schemeClr val="tx1"/>
+                              </a:solidFill>
+                              <a:latin typeface="Cambria Math" panose="02040503050406030204" pitchFamily="18" charset="0"/>
+                            </a:rPr>
+                          </m:ctrlPr>
+                        </m:dPr>
+                        <m:e>
+                          <m:r>
+                            <a:rPr lang="pt-BR" sz="2800" b="0" i="1" smtClean="0">
+                              <a:solidFill>
+                                <a:schemeClr val="tx1"/>
+                              </a:solidFill>
+                              <a:latin typeface="Cambria Math" panose="02040503050406030204" pitchFamily="18" charset="0"/>
+                            </a:rPr>
+                            <m:t>𝑖</m:t>
+                          </m:r>
+                          <m:r>
+                            <a:rPr lang="pt-BR" sz="2800" b="0" i="0" smtClean="0">
+                              <a:solidFill>
+                                <a:schemeClr val="tx1"/>
+                              </a:solidFill>
+                              <a:latin typeface="Cambria Math" panose="02040503050406030204" pitchFamily="18" charset="0"/>
+                            </a:rPr>
+                            <m:t>+1</m:t>
+                          </m:r>
+                        </m:e>
+                      </m:d>
+                      <m:r>
+                        <a:rPr lang="pt-BR" sz="2800" b="1" i="1" smtClean="0">
+                          <a:solidFill>
+                            <a:schemeClr val="tx1"/>
+                          </a:solidFill>
+                          <a:latin typeface="Cambria Math" panose="02040503050406030204" pitchFamily="18" charset="0"/>
+                        </a:rPr>
+                        <m:t>=</m:t>
+                      </m:r>
+                      <m:r>
+                        <a:rPr lang="pt-BR" sz="2800" b="1" i="1">
+                          <a:solidFill>
+                            <a:schemeClr val="tx1"/>
+                          </a:solidFill>
+                          <a:latin typeface="Cambria Math" panose="02040503050406030204" pitchFamily="18" charset="0"/>
+                        </a:rPr>
+                        <m:t>𝒂</m:t>
+                      </m:r>
+                      <m:d>
+                        <m:dPr>
+                          <m:ctrlPr>
+                            <a:rPr lang="pt-BR" sz="2800" b="1" i="1">
+                              <a:solidFill>
+                                <a:schemeClr val="tx1"/>
+                              </a:solidFill>
+                              <a:latin typeface="Cambria Math" panose="02040503050406030204" pitchFamily="18" charset="0"/>
+                            </a:rPr>
+                          </m:ctrlPr>
+                        </m:dPr>
+                        <m:e>
+                          <m:r>
+                            <a:rPr lang="pt-BR" sz="2800" i="1">
+                              <a:latin typeface="Cambria Math" panose="02040503050406030204" pitchFamily="18" charset="0"/>
+                            </a:rPr>
+                            <m:t>𝑖</m:t>
+                          </m:r>
+                        </m:e>
+                      </m:d>
+                      <m:r>
+                        <a:rPr lang="pt-BR" sz="2800" i="1">
+                          <a:solidFill>
+                            <a:schemeClr val="tx1"/>
+                          </a:solidFill>
+                          <a:latin typeface="Cambria Math" panose="02040503050406030204" pitchFamily="18" charset="0"/>
+                          <a:ea typeface="Cambria Math" panose="02040503050406030204" pitchFamily="18" charset="0"/>
+                        </a:rPr>
+                        <m:t>−</m:t>
+                      </m:r>
+                      <m:r>
+                        <a:rPr lang="pt-BR" sz="2800" i="1">
+                          <a:solidFill>
+                            <a:schemeClr val="tx1"/>
+                          </a:solidFill>
+                          <a:latin typeface="Cambria Math" panose="02040503050406030204" pitchFamily="18" charset="0"/>
+                          <a:ea typeface="Cambria Math" panose="02040503050406030204" pitchFamily="18" charset="0"/>
+                        </a:rPr>
+                        <m:t>𝛼</m:t>
+                      </m:r>
+                      <m:d>
+                        <m:dPr>
+                          <m:ctrlPr>
+                            <a:rPr lang="pt-BR" sz="2800" i="1">
+                              <a:solidFill>
+                                <a:schemeClr val="tx1"/>
+                              </a:solidFill>
+                              <a:latin typeface="Cambria Math" panose="02040503050406030204" pitchFamily="18" charset="0"/>
+                              <a:ea typeface="Cambria Math" panose="02040503050406030204" pitchFamily="18" charset="0"/>
+                            </a:rPr>
+                          </m:ctrlPr>
+                        </m:dPr>
+                        <m:e>
+                          <m:r>
+                            <a:rPr lang="pt-BR" sz="2800" i="1">
+                              <a:latin typeface="Cambria Math" panose="02040503050406030204" pitchFamily="18" charset="0"/>
+                            </a:rPr>
+                            <m:t>𝑖</m:t>
+                          </m:r>
+                        </m:e>
+                      </m:d>
+                      <m:f>
+                        <m:fPr>
+                          <m:ctrlPr>
+                            <a:rPr lang="pt-BR" sz="2800" i="1">
+                              <a:solidFill>
+                                <a:schemeClr val="tx1"/>
+                              </a:solidFill>
+                              <a:latin typeface="Cambria Math" panose="02040503050406030204" pitchFamily="18" charset="0"/>
+                              <a:ea typeface="Cambria Math" panose="02040503050406030204" pitchFamily="18" charset="0"/>
+                            </a:rPr>
+                          </m:ctrlPr>
+                        </m:fPr>
+                        <m:num>
+                          <m:r>
+                            <a:rPr lang="pt-BR" sz="2800" i="1">
+                              <a:solidFill>
+                                <a:schemeClr val="tx1"/>
+                              </a:solidFill>
+                              <a:latin typeface="Cambria Math" panose="02040503050406030204" pitchFamily="18" charset="0"/>
+                              <a:ea typeface="Cambria Math" panose="02040503050406030204" pitchFamily="18" charset="0"/>
+                            </a:rPr>
+                            <m:t>𝜕</m:t>
+                          </m:r>
+                          <m:sSub>
+                            <m:sSubPr>
+                              <m:ctrlPr>
+                                <a:rPr lang="pt-BR" sz="2800" i="1">
+                                  <a:solidFill>
+                                    <a:schemeClr val="tx1"/>
+                                  </a:solidFill>
+                                  <a:latin typeface="Cambria Math" panose="02040503050406030204" pitchFamily="18" charset="0"/>
+                                  <a:ea typeface="Cambria Math" panose="02040503050406030204" pitchFamily="18" charset="0"/>
+                                </a:rPr>
+                              </m:ctrlPr>
+                            </m:sSubPr>
+                            <m:e>
+                              <m:r>
+                                <a:rPr lang="pt-BR" sz="2800" i="1">
+                                  <a:solidFill>
+                                    <a:schemeClr val="tx1"/>
+                                  </a:solidFill>
+                                  <a:latin typeface="Cambria Math" panose="02040503050406030204" pitchFamily="18" charset="0"/>
+                                  <a:ea typeface="Cambria Math" panose="02040503050406030204" pitchFamily="18" charset="0"/>
+                                </a:rPr>
+                                <m:t>𝐽</m:t>
+                              </m:r>
+                            </m:e>
+                            <m:sub>
+                              <m:r>
+                                <a:rPr lang="pt-BR" sz="2800" i="1">
+                                  <a:solidFill>
+                                    <a:schemeClr val="tx1"/>
+                                  </a:solidFill>
+                                  <a:latin typeface="Cambria Math" panose="02040503050406030204" pitchFamily="18" charset="0"/>
+                                  <a:ea typeface="Cambria Math" panose="02040503050406030204" pitchFamily="18" charset="0"/>
+                                </a:rPr>
+                                <m:t>𝑒</m:t>
+                              </m:r>
+                            </m:sub>
+                          </m:sSub>
+                          <m:d>
+                            <m:dPr>
+                              <m:ctrlPr>
+                                <a:rPr lang="pt-BR" sz="2800" i="1">
+                                  <a:solidFill>
+                                    <a:schemeClr val="tx1"/>
+                                  </a:solidFill>
+                                  <a:latin typeface="Cambria Math" panose="02040503050406030204" pitchFamily="18" charset="0"/>
+                                  <a:ea typeface="Cambria Math" panose="02040503050406030204" pitchFamily="18" charset="0"/>
+                                </a:rPr>
+                              </m:ctrlPr>
+                            </m:dPr>
+                            <m:e>
+                              <m:r>
+                                <a:rPr lang="pt-BR" sz="2800" b="1" i="1">
+                                  <a:solidFill>
+                                    <a:schemeClr val="tx1"/>
+                                  </a:solidFill>
+                                  <a:latin typeface="Cambria Math" panose="02040503050406030204" pitchFamily="18" charset="0"/>
+                                  <a:ea typeface="Cambria Math" panose="02040503050406030204" pitchFamily="18" charset="0"/>
+                                </a:rPr>
+                                <m:t>𝒂</m:t>
+                              </m:r>
+                              <m:d>
+                                <m:dPr>
+                                  <m:ctrlPr>
+                                    <a:rPr lang="pt-BR" sz="2800" b="1" i="1">
+                                      <a:solidFill>
+                                        <a:schemeClr val="tx1"/>
+                                      </a:solidFill>
+                                      <a:latin typeface="Cambria Math" panose="02040503050406030204" pitchFamily="18" charset="0"/>
+                                      <a:ea typeface="Cambria Math" panose="02040503050406030204" pitchFamily="18" charset="0"/>
+                                    </a:rPr>
+                                  </m:ctrlPr>
+                                </m:dPr>
+                                <m:e>
+                                  <m:r>
+                                    <a:rPr lang="pt-BR" sz="2800" i="1">
+                                      <a:latin typeface="Cambria Math" panose="02040503050406030204" pitchFamily="18" charset="0"/>
+                                    </a:rPr>
+                                    <m:t>𝑖</m:t>
+                                  </m:r>
+                                </m:e>
+                              </m:d>
+                            </m:e>
+                          </m:d>
+                        </m:num>
+                        <m:den>
+                          <m:r>
+                            <a:rPr lang="pt-BR" sz="2800" i="1">
+                              <a:solidFill>
+                                <a:schemeClr val="tx1"/>
+                              </a:solidFill>
+                              <a:latin typeface="Cambria Math" panose="02040503050406030204" pitchFamily="18" charset="0"/>
+                              <a:ea typeface="Cambria Math" panose="02040503050406030204" pitchFamily="18" charset="0"/>
+                            </a:rPr>
+                            <m:t>𝜕</m:t>
+                          </m:r>
+                          <m:r>
+                            <a:rPr lang="pt-BR" sz="2800" b="1" i="1">
+                              <a:solidFill>
+                                <a:schemeClr val="tx1"/>
+                              </a:solidFill>
+                              <a:latin typeface="Cambria Math" panose="02040503050406030204" pitchFamily="18" charset="0"/>
+                            </a:rPr>
+                            <m:t>𝒂</m:t>
+                          </m:r>
+                        </m:den>
+                      </m:f>
+                      <m:r>
+                        <a:rPr lang="pt-BR" sz="2800" b="1" i="1" smtClean="0">
+                          <a:solidFill>
+                            <a:schemeClr val="tx1"/>
+                          </a:solidFill>
+                          <a:latin typeface="Cambria Math" panose="02040503050406030204" pitchFamily="18" charset="0"/>
+                        </a:rPr>
+                        <m:t>.</m:t>
+                      </m:r>
+                    </m:oMath>
+                  </m:oMathPara>
+                </a14:m>
+                <a:endParaRPr lang="pt-BR" dirty="0"/>
+              </a:p>
+              <a:p>
+                <a:r>
+                  <a:rPr lang="pt-BR" dirty="0"/>
+                  <a:t>Essa é a técnica mais simples, porém, precisamos encontrar a taxa ideal de redução do passo.</a:t>
+                </a:r>
+              </a:p>
+              <a:p>
+                <a:r>
+                  <a:rPr lang="pt-BR" dirty="0"/>
+                  <a:t>Veremos um exemplo de como ela funciona. </a:t>
+                </a:r>
+              </a:p>
+            </p:txBody>
+          </p:sp>
+        </mc:Choice>
+        <mc:Fallback>
+          <p:sp>
+            <p:nvSpPr>
+              <p:cNvPr id="3" name="Espaço Reservado para Conteúdo 2">
+                <a:extLst>
+                  <a:ext uri="{FF2B5EF4-FFF2-40B4-BE49-F238E27FC236}">
+                    <a16:creationId xmlns:a16="http://schemas.microsoft.com/office/drawing/2014/main" id="{90C1EAA3-4293-62D4-5778-91C90AA88537}"/>
+                  </a:ext>
+                </a:extLst>
+              </p:cNvPr>
+              <p:cNvSpPr>
+                <a:spLocks noGrp="1" noRot="1" noChangeAspect="1" noMove="1" noResize="1" noEditPoints="1" noAdjustHandles="1" noChangeArrowheads="1" noChangeShapeType="1" noTextEdit="1"/>
+              </p:cNvSpPr>
+              <p:nvPr>
+                <p:ph idx="1"/>
+              </p:nvPr>
+            </p:nvSpPr>
+            <p:spPr>
+              <a:xfrm>
+                <a:off x="838200" y="1825624"/>
+                <a:ext cx="11217441" cy="5032375"/>
+              </a:xfrm>
+              <a:blipFill>
+                <a:blip r:embed="rId2"/>
+                <a:stretch>
+                  <a:fillRect l="-978" t="-1937" r="-1522"/>
+                </a:stretch>
+              </a:blipFill>
+            </p:spPr>
+            <p:txBody>
+              <a:bodyPr/>
+              <a:lstStyle/>
+              <a:p>
+                <a:r>
+                  <a:rPr lang="pt-BR">
+                    <a:noFill/>
+                  </a:rPr>
+                  <a:t> </a:t>
+                </a:r>
+              </a:p>
+            </p:txBody>
+          </p:sp>
+        </mc:Fallback>
+      </mc:AlternateContent>
+      <p:sp>
+        <p:nvSpPr>
+          <p:cNvPr id="5" name="Retângulo 4">
+            <a:extLst>
+              <a:ext uri="{FF2B5EF4-FFF2-40B4-BE49-F238E27FC236}">
+                <a16:creationId xmlns:a16="http://schemas.microsoft.com/office/drawing/2014/main" id="{F3C49CDB-DEA1-DD50-127B-71A2D929D6C4}"/>
+              </a:ext>
+            </a:extLst>
+          </p:cNvPr>
+          <p:cNvSpPr/>
+          <p:nvPr/>
+        </p:nvSpPr>
+        <p:spPr>
+          <a:xfrm>
+            <a:off x="6667499" y="4295274"/>
+            <a:ext cx="692151" cy="589548"/>
+          </a:xfrm>
+          <a:prstGeom prst="rect">
+            <a:avLst/>
+          </a:prstGeom>
+          <a:noFill/>
+          <a:ln w="28575">
+            <a:solidFill>
+              <a:srgbClr val="FF0000"/>
+            </a:solidFill>
+          </a:ln>
+        </p:spPr>
+        <p:style>
+          <a:lnRef idx="2">
+            <a:schemeClr val="accent1">
+              <a:shade val="15000"/>
+            </a:schemeClr>
+          </a:lnRef>
+          <a:fillRef idx="1">
+            <a:schemeClr val="accent1"/>
+          </a:fillRef>
+          <a:effectRef idx="0">
+            <a:schemeClr val="accent1"/>
+          </a:effectRef>
+          <a:fontRef idx="minor">
+            <a:schemeClr val="lt1"/>
+          </a:fontRef>
+        </p:style>
+        <p:txBody>
+          <a:bodyPr rtlCol="0" anchor="ctr"/>
+          <a:lstStyle/>
+          <a:p>
+            <a:pPr algn="ctr"/>
+            <a:endParaRPr lang="pt-BR"/>
+          </a:p>
+        </p:txBody>
+      </p:sp>
+    </p:spTree>
+    <p:extLst>
+      <p:ext uri="{BB962C8B-B14F-4D97-AF65-F5344CB8AC3E}">
+        <p14:creationId xmlns:p14="http://schemas.microsoft.com/office/powerpoint/2010/main" val="2395276624"/>
+      </p:ext>
+    </p:extLst>
+  </p:cSld>
+  <p:clrMapOvr>
+    <a:masterClrMapping/>
+  </p:clrMapOvr>
+</p:sld>
+</file>
+
+<file path=ppt/slides/slide19.xml><?xml version="1.0" encoding="utf-8"?>
+<p:sld xmlns:a="http://schemas.openxmlformats.org/drawingml/2006/main" xmlns:r="http://schemas.openxmlformats.org/officeDocument/2006/relationships" xmlns:p="http://schemas.openxmlformats.org/presentationml/2006/main">
+  <p:cSld>
+    <p:spTree>
+      <p:nvGrpSpPr>
+        <p:cNvPr id="1" name=""/>
+        <p:cNvGrpSpPr/>
+        <p:nvPr/>
+      </p:nvGrpSpPr>
+      <p:grpSpPr>
+        <a:xfrm>
+          <a:off x="0" y="0"/>
+          <a:ext cx="0" cy="0"/>
+          <a:chOff x="0" y="0"/>
+          <a:chExt cx="0" cy="0"/>
+        </a:xfrm>
+      </p:grpSpPr>
+      <p:sp>
+        <p:nvSpPr>
+          <p:cNvPr id="2" name="Título 1">
+            <a:extLst>
+              <a:ext uri="{FF2B5EF4-FFF2-40B4-BE49-F238E27FC236}">
+                <a16:creationId xmlns:a16="http://schemas.microsoft.com/office/drawing/2014/main" id="{8FE2DAD2-5657-42A1-35B9-4BB9FD00F794}"/>
+              </a:ext>
+            </a:extLst>
+          </p:cNvPr>
+          <p:cNvSpPr>
+            <a:spLocks noGrp="1"/>
+          </p:cNvSpPr>
+          <p:nvPr>
+            <p:ph type="title"/>
+          </p:nvPr>
+        </p:nvSpPr>
+        <p:spPr/>
+        <p:txBody>
+          <a:bodyPr/>
+          <a:lstStyle/>
+          <a:p>
+            <a:r>
+              <a:rPr lang="pt-BR" dirty="0"/>
+              <a:t>Ajuste do termo de atualização dos pesos</a:t>
+            </a:r>
+          </a:p>
+        </p:txBody>
+      </p:sp>
+      <mc:AlternateContent xmlns:mc="http://schemas.openxmlformats.org/markup-compatibility/2006">
+        <mc:Choice xmlns:a14="http://schemas.microsoft.com/office/drawing/2010/main" Requires="a14">
+          <p:sp>
+            <p:nvSpPr>
+              <p:cNvPr id="3" name="Espaço Reservado para Conteúdo 2">
+                <a:extLst>
+                  <a:ext uri="{FF2B5EF4-FFF2-40B4-BE49-F238E27FC236}">
+                    <a16:creationId xmlns:a16="http://schemas.microsoft.com/office/drawing/2014/main" id="{90C1EAA3-4293-62D4-5778-91C90AA88537}"/>
+                  </a:ext>
+                </a:extLst>
+              </p:cNvPr>
+              <p:cNvSpPr>
+                <a:spLocks noGrp="1"/>
+              </p:cNvSpPr>
+              <p:nvPr>
+                <p:ph idx="1"/>
+              </p:nvPr>
+            </p:nvSpPr>
+            <p:spPr>
+              <a:xfrm>
+                <a:off x="838199" y="1825624"/>
+                <a:ext cx="11112501" cy="5032375"/>
+              </a:xfrm>
+            </p:spPr>
+            <p:txBody>
+              <a:bodyPr>
+                <a:normAutofit/>
+              </a:bodyPr>
+              <a:lstStyle/>
+              <a:p>
+                <a:r>
+                  <a:rPr lang="pt-BR" dirty="0"/>
+                  <a:t>O </a:t>
+                </a:r>
+                <a:r>
+                  <a:rPr lang="pt-BR" b="1" i="1" dirty="0">
+                    <a:solidFill>
+                      <a:srgbClr val="7030A0"/>
+                    </a:solidFill>
+                  </a:rPr>
+                  <a:t>termo momentum </a:t>
+                </a:r>
+                <a:r>
+                  <a:rPr lang="pt-BR" dirty="0"/>
+                  <a:t>adiciona a </a:t>
+                </a:r>
+                <a:r>
+                  <a:rPr lang="pt-BR" b="1" i="1" dirty="0">
+                    <a:solidFill>
+                      <a:srgbClr val="00B050"/>
+                    </a:solidFill>
+                  </a:rPr>
+                  <a:t>média do histórico de gradientes</a:t>
+                </a:r>
+                <a:r>
+                  <a:rPr lang="pt-BR" dirty="0"/>
+                  <a:t>, </a:t>
+                </a:r>
+                <a14:m>
+                  <m:oMath xmlns:m="http://schemas.openxmlformats.org/officeDocument/2006/math">
+                    <m:r>
+                      <a:rPr lang="en-US" sz="2800" b="1" i="1" smtClean="0">
+                        <a:latin typeface="Cambria Math" panose="02040503050406030204" pitchFamily="18" charset="0"/>
+                        <a:ea typeface="Cambria Math" panose="02040503050406030204" pitchFamily="18" charset="0"/>
+                      </a:rPr>
+                      <m:t>𝝂</m:t>
+                    </m:r>
+                  </m:oMath>
+                </a14:m>
+                <a:r>
+                  <a:rPr lang="pt-BR" dirty="0"/>
+                  <a:t>,</a:t>
+                </a:r>
+                <a:r>
+                  <a:rPr lang="pt-BR" b="1" i="1" dirty="0"/>
+                  <a:t> </a:t>
+                </a:r>
+                <a:r>
+                  <a:rPr lang="pt-BR" dirty="0"/>
+                  <a:t>à equação de atualização dos pesos, </a:t>
+                </a:r>
+                <a:r>
+                  <a:rPr lang="pt-BR" b="1" i="1" dirty="0">
+                    <a:solidFill>
+                      <a:srgbClr val="00B050"/>
+                    </a:solidFill>
+                  </a:rPr>
+                  <a:t>tornando as atualizações menos ruidosas</a:t>
+                </a:r>
+                <a:r>
+                  <a:rPr lang="pt-BR" dirty="0"/>
+                  <a:t>, e, consequentemente, </a:t>
+                </a:r>
+                <a:r>
+                  <a:rPr lang="pt-BR" b="1" i="1" dirty="0">
+                    <a:solidFill>
+                      <a:srgbClr val="00B050"/>
+                    </a:solidFill>
+                  </a:rPr>
+                  <a:t>acelerando a convergência </a:t>
+                </a:r>
+                <a:r>
+                  <a:rPr lang="pt-BR" dirty="0"/>
+                  <a:t>do algoritmo.</a:t>
+                </a:r>
+              </a:p>
+              <a:p>
+                <a:pPr marL="0" indent="0">
+                  <a:buNone/>
+                </a:pPr>
+                <a:endParaRPr lang="pt-BR" sz="800" dirty="0"/>
+              </a:p>
+              <a:p>
+                <a:pPr marL="0" indent="0" algn="ctr">
+                  <a:buNone/>
+                </a:pPr>
+                <a14:m>
+                  <m:oMathPara xmlns:m="http://schemas.openxmlformats.org/officeDocument/2006/math">
+                    <m:oMathParaPr>
+                      <m:jc m:val="centerGroup"/>
+                    </m:oMathParaPr>
+                    <m:oMath xmlns:m="http://schemas.openxmlformats.org/officeDocument/2006/math">
+                      <m:r>
+                        <a:rPr lang="en-US" sz="2800" b="1" i="1" smtClean="0">
+                          <a:latin typeface="Cambria Math" panose="02040503050406030204" pitchFamily="18" charset="0"/>
+                          <a:ea typeface="Cambria Math" panose="02040503050406030204" pitchFamily="18" charset="0"/>
+                        </a:rPr>
+                        <m:t>𝝂</m:t>
+                      </m:r>
+                      <m:r>
+                        <a:rPr lang="en-US" sz="2800" b="1" i="1">
+                          <a:latin typeface="Cambria Math" panose="02040503050406030204" pitchFamily="18" charset="0"/>
+                          <a:ea typeface="Cambria Math" panose="02040503050406030204" pitchFamily="18" charset="0"/>
+                        </a:rPr>
+                        <m:t>←</m:t>
+                      </m:r>
+                      <m:r>
+                        <m:rPr>
+                          <m:sty m:val="p"/>
+                        </m:rPr>
+                        <a:rPr lang="el-GR" sz="2800" i="1">
+                          <a:latin typeface="Cambria Math" panose="02040503050406030204" pitchFamily="18" charset="0"/>
+                          <a:ea typeface="Cambria Math" panose="02040503050406030204" pitchFamily="18" charset="0"/>
+                        </a:rPr>
+                        <m:t>μ</m:t>
+                      </m:r>
+                      <m:r>
+                        <a:rPr lang="el-GR" sz="2800" b="1" i="1" smtClean="0">
+                          <a:latin typeface="Cambria Math" panose="02040503050406030204" pitchFamily="18" charset="0"/>
+                          <a:ea typeface="Cambria Math" panose="02040503050406030204" pitchFamily="18" charset="0"/>
+                        </a:rPr>
+                        <m:t>𝝂</m:t>
+                      </m:r>
+                      <m:r>
+                        <a:rPr lang="pt-BR" sz="2800" b="0" i="1" smtClean="0">
+                          <a:latin typeface="Cambria Math" panose="02040503050406030204" pitchFamily="18" charset="0"/>
+                          <a:ea typeface="Cambria Math" panose="02040503050406030204" pitchFamily="18" charset="0"/>
+                        </a:rPr>
+                        <m:t>+</m:t>
+                      </m:r>
+                      <m:d>
+                        <m:dPr>
+                          <m:ctrlPr>
+                            <a:rPr lang="pt-BR" sz="2800" b="0" i="1" smtClean="0">
+                              <a:latin typeface="Cambria Math" panose="02040503050406030204" pitchFamily="18" charset="0"/>
+                              <a:ea typeface="Cambria Math" panose="02040503050406030204" pitchFamily="18" charset="0"/>
+                            </a:rPr>
+                          </m:ctrlPr>
+                        </m:dPr>
+                        <m:e>
+                          <m:r>
+                            <a:rPr lang="pt-BR" sz="2800" b="0" i="1" smtClean="0">
+                              <a:latin typeface="Cambria Math" panose="02040503050406030204" pitchFamily="18" charset="0"/>
+                              <a:ea typeface="Cambria Math" panose="02040503050406030204" pitchFamily="18" charset="0"/>
+                            </a:rPr>
+                            <m:t>1−</m:t>
+                          </m:r>
+                          <m:r>
+                            <m:rPr>
+                              <m:sty m:val="p"/>
+                            </m:rPr>
+                            <a:rPr lang="el-GR" sz="2800" i="1">
+                              <a:latin typeface="Cambria Math" panose="02040503050406030204" pitchFamily="18" charset="0"/>
+                              <a:ea typeface="Cambria Math" panose="02040503050406030204" pitchFamily="18" charset="0"/>
+                            </a:rPr>
+                            <m:t>μ</m:t>
+                          </m:r>
+                        </m:e>
+                      </m:d>
+                      <m:r>
+                        <a:rPr lang="pt-BR" sz="2800" i="1" smtClean="0">
+                          <a:latin typeface="Cambria Math" panose="02040503050406030204" pitchFamily="18" charset="0"/>
+                          <a:ea typeface="Cambria Math" panose="02040503050406030204" pitchFamily="18" charset="0"/>
+                        </a:rPr>
+                        <m:t>𝛻</m:t>
+                      </m:r>
+                      <m:acc>
+                        <m:accPr>
+                          <m:chr m:val="̂"/>
+                          <m:ctrlPr>
+                            <a:rPr lang="pt-BR" sz="2800" i="1">
+                              <a:latin typeface="Cambria Math" panose="02040503050406030204" pitchFamily="18" charset="0"/>
+                              <a:ea typeface="Cambria Math" panose="02040503050406030204" pitchFamily="18" charset="0"/>
+                            </a:rPr>
+                          </m:ctrlPr>
+                        </m:accPr>
+                        <m:e>
+                          <m:sSub>
+                            <m:sSubPr>
+                              <m:ctrlPr>
+                                <a:rPr lang="pt-BR" sz="2800" i="1">
+                                  <a:latin typeface="Cambria Math" panose="02040503050406030204" pitchFamily="18" charset="0"/>
+                                  <a:ea typeface="Cambria Math" panose="02040503050406030204" pitchFamily="18" charset="0"/>
+                                </a:rPr>
+                              </m:ctrlPr>
+                            </m:sSubPr>
+                            <m:e>
+                              <m:r>
+                                <a:rPr lang="pt-BR" sz="2800" i="1">
+                                  <a:latin typeface="Cambria Math" panose="02040503050406030204" pitchFamily="18" charset="0"/>
+                                  <a:ea typeface="Cambria Math" panose="02040503050406030204" pitchFamily="18" charset="0"/>
+                                </a:rPr>
+                                <m:t>𝐽</m:t>
+                              </m:r>
+                            </m:e>
+                            <m:sub>
+                              <m:r>
+                                <a:rPr lang="pt-BR" sz="2800" i="1">
+                                  <a:latin typeface="Cambria Math" panose="02040503050406030204" pitchFamily="18" charset="0"/>
+                                  <a:ea typeface="Cambria Math" panose="02040503050406030204" pitchFamily="18" charset="0"/>
+                                </a:rPr>
+                                <m:t>𝑒</m:t>
+                              </m:r>
+                            </m:sub>
+                          </m:sSub>
+                        </m:e>
+                      </m:acc>
+                      <m:r>
+                        <a:rPr lang="pt-BR" sz="2800" i="1">
+                          <a:latin typeface="Cambria Math" panose="02040503050406030204" pitchFamily="18" charset="0"/>
+                          <a:ea typeface="Cambria Math" panose="02040503050406030204" pitchFamily="18" charset="0"/>
+                        </a:rPr>
+                        <m:t> </m:t>
+                      </m:r>
+                      <m:d>
+                        <m:dPr>
+                          <m:ctrlPr>
+                            <a:rPr lang="pt-BR" sz="2800" i="1">
+                              <a:latin typeface="Cambria Math" panose="02040503050406030204" pitchFamily="18" charset="0"/>
+                              <a:ea typeface="Cambria Math" panose="02040503050406030204" pitchFamily="18" charset="0"/>
+                            </a:rPr>
+                          </m:ctrlPr>
+                        </m:dPr>
+                        <m:e>
+                          <m:r>
+                            <a:rPr lang="pt-BR" sz="2800" b="1" i="1">
+                              <a:latin typeface="Cambria Math" panose="02040503050406030204" pitchFamily="18" charset="0"/>
+                              <a:ea typeface="Cambria Math" panose="02040503050406030204" pitchFamily="18" charset="0"/>
+                            </a:rPr>
+                            <m:t>𝒂</m:t>
+                          </m:r>
+                        </m:e>
+                      </m:d>
+                      <m:r>
+                        <a:rPr lang="pt-BR" sz="2800" b="1" i="1" smtClean="0">
+                          <a:latin typeface="Cambria Math" panose="02040503050406030204" pitchFamily="18" charset="0"/>
+                          <a:ea typeface="Cambria Math" panose="02040503050406030204" pitchFamily="18" charset="0"/>
+                        </a:rPr>
+                        <m:t>,</m:t>
+                      </m:r>
+                    </m:oMath>
+                  </m:oMathPara>
+                </a14:m>
+                <a:endParaRPr lang="pt-BR" sz="2800" i="1" dirty="0">
+                  <a:latin typeface="Cambria Math" panose="02040503050406030204" pitchFamily="18" charset="0"/>
+                  <a:ea typeface="Cambria Math" panose="02040503050406030204" pitchFamily="18" charset="0"/>
+                </a:endParaRPr>
+              </a:p>
+              <a:p>
+                <a:pPr marL="0" indent="0">
+                  <a:buNone/>
+                </a:pPr>
+                <a14:m>
+                  <m:oMathPara xmlns:m="http://schemas.openxmlformats.org/officeDocument/2006/math">
+                    <m:oMathParaPr>
+                      <m:jc m:val="centerGroup"/>
+                    </m:oMathParaPr>
+                    <m:oMath xmlns:m="http://schemas.openxmlformats.org/officeDocument/2006/math">
+                      <m:r>
+                        <a:rPr lang="pt-BR" sz="2800" i="1" smtClean="0">
+                          <a:latin typeface="Cambria Math" panose="02040503050406030204" pitchFamily="18" charset="0"/>
+                          <a:ea typeface="Cambria Math" panose="02040503050406030204" pitchFamily="18" charset="0"/>
+                        </a:rPr>
+                        <m:t> </m:t>
+                      </m:r>
+                      <m:r>
+                        <a:rPr lang="pt-BR" sz="2800" b="1" i="1" smtClean="0">
+                          <a:latin typeface="Cambria Math" panose="02040503050406030204" pitchFamily="18" charset="0"/>
+                          <a:ea typeface="Cambria Math" panose="02040503050406030204" pitchFamily="18" charset="0"/>
+                        </a:rPr>
+                        <m:t>𝒂</m:t>
+                      </m:r>
+                      <m:r>
+                        <a:rPr lang="en-US" sz="2800" b="1" i="1">
+                          <a:latin typeface="Cambria Math" panose="02040503050406030204" pitchFamily="18" charset="0"/>
+                          <a:ea typeface="Cambria Math" panose="02040503050406030204" pitchFamily="18" charset="0"/>
+                        </a:rPr>
+                        <m:t>←</m:t>
+                      </m:r>
+                      <m:r>
+                        <a:rPr lang="pt-BR" sz="2800" b="1" i="1">
+                          <a:latin typeface="Cambria Math" panose="02040503050406030204" pitchFamily="18" charset="0"/>
+                          <a:ea typeface="Cambria Math" panose="02040503050406030204" pitchFamily="18" charset="0"/>
+                        </a:rPr>
+                        <m:t>𝒂</m:t>
+                      </m:r>
+                      <m:r>
+                        <a:rPr lang="pt-BR" sz="2800" b="0" i="0" smtClean="0">
+                          <a:latin typeface="Cambria Math" panose="02040503050406030204" pitchFamily="18" charset="0"/>
+                          <a:ea typeface="Cambria Math" panose="02040503050406030204" pitchFamily="18" charset="0"/>
+                        </a:rPr>
+                        <m:t>−</m:t>
+                      </m:r>
+                      <m:r>
+                        <a:rPr lang="pt-BR" sz="2800" i="1">
+                          <a:latin typeface="Cambria Math" panose="02040503050406030204" pitchFamily="18" charset="0"/>
+                          <a:ea typeface="Cambria Math" panose="02040503050406030204" pitchFamily="18" charset="0"/>
+                        </a:rPr>
+                        <m:t>𝛼</m:t>
+                      </m:r>
+                      <m:r>
+                        <a:rPr lang="el-GR" sz="2800" b="1" i="1" smtClean="0">
+                          <a:latin typeface="Cambria Math" panose="02040503050406030204" pitchFamily="18" charset="0"/>
+                          <a:ea typeface="Cambria Math" panose="02040503050406030204" pitchFamily="18" charset="0"/>
+                        </a:rPr>
+                        <m:t>𝝂</m:t>
+                      </m:r>
+                      <m:r>
+                        <a:rPr lang="pt-BR" sz="2800" b="1" i="1" smtClean="0">
+                          <a:latin typeface="Cambria Math" panose="02040503050406030204" pitchFamily="18" charset="0"/>
+                          <a:ea typeface="Cambria Math" panose="02040503050406030204" pitchFamily="18" charset="0"/>
+                        </a:rPr>
+                        <m:t>.</m:t>
+                      </m:r>
+                    </m:oMath>
+                  </m:oMathPara>
+                </a14:m>
+                <a:endParaRPr lang="pt-BR" dirty="0"/>
+              </a:p>
+              <a:p>
+                <a:pPr marL="0" indent="0">
+                  <a:buNone/>
+                </a:pPr>
+                <a:r>
+                  <a:rPr lang="pt-BR" dirty="0"/>
+                  <a:t>onde </a:t>
+                </a:r>
+                <a14:m>
+                  <m:oMath xmlns:m="http://schemas.openxmlformats.org/officeDocument/2006/math">
+                    <m:r>
+                      <a:rPr lang="pt-BR" sz="2800" i="1" smtClean="0">
+                        <a:latin typeface="Cambria Math" panose="02040503050406030204" pitchFamily="18" charset="0"/>
+                        <a:ea typeface="Cambria Math" panose="02040503050406030204" pitchFamily="18" charset="0"/>
+                      </a:rPr>
+                      <m:t>𝛻</m:t>
+                    </m:r>
+                    <m:acc>
+                      <m:accPr>
+                        <m:chr m:val="̂"/>
+                        <m:ctrlPr>
+                          <a:rPr lang="pt-BR" sz="2800" i="1">
+                            <a:latin typeface="Cambria Math" panose="02040503050406030204" pitchFamily="18" charset="0"/>
+                            <a:ea typeface="Cambria Math" panose="02040503050406030204" pitchFamily="18" charset="0"/>
+                          </a:rPr>
+                        </m:ctrlPr>
+                      </m:accPr>
+                      <m:e>
+                        <m:sSub>
+                          <m:sSubPr>
+                            <m:ctrlPr>
+                              <a:rPr lang="pt-BR" sz="2800" i="1">
+                                <a:latin typeface="Cambria Math" panose="02040503050406030204" pitchFamily="18" charset="0"/>
+                                <a:ea typeface="Cambria Math" panose="02040503050406030204" pitchFamily="18" charset="0"/>
+                              </a:rPr>
+                            </m:ctrlPr>
+                          </m:sSubPr>
+                          <m:e>
+                            <m:r>
+                              <a:rPr lang="pt-BR" sz="2800" i="1">
+                                <a:latin typeface="Cambria Math" panose="02040503050406030204" pitchFamily="18" charset="0"/>
+                                <a:ea typeface="Cambria Math" panose="02040503050406030204" pitchFamily="18" charset="0"/>
+                              </a:rPr>
+                              <m:t>𝐽</m:t>
+                            </m:r>
+                          </m:e>
+                          <m:sub>
+                            <m:r>
+                              <a:rPr lang="pt-BR" sz="2800" i="1">
+                                <a:latin typeface="Cambria Math" panose="02040503050406030204" pitchFamily="18" charset="0"/>
+                                <a:ea typeface="Cambria Math" panose="02040503050406030204" pitchFamily="18" charset="0"/>
+                              </a:rPr>
+                              <m:t>𝑒</m:t>
+                            </m:r>
+                          </m:sub>
+                        </m:sSub>
+                      </m:e>
+                    </m:acc>
+                    <m:r>
+                      <a:rPr lang="pt-BR" sz="2800" i="1">
+                        <a:latin typeface="Cambria Math" panose="02040503050406030204" pitchFamily="18" charset="0"/>
+                        <a:ea typeface="Cambria Math" panose="02040503050406030204" pitchFamily="18" charset="0"/>
+                      </a:rPr>
+                      <m:t> </m:t>
+                    </m:r>
+                    <m:d>
+                      <m:dPr>
+                        <m:ctrlPr>
+                          <a:rPr lang="pt-BR" sz="2800" i="1">
+                            <a:latin typeface="Cambria Math" panose="02040503050406030204" pitchFamily="18" charset="0"/>
+                            <a:ea typeface="Cambria Math" panose="02040503050406030204" pitchFamily="18" charset="0"/>
+                          </a:rPr>
+                        </m:ctrlPr>
+                      </m:dPr>
+                      <m:e>
+                        <m:r>
+                          <a:rPr lang="pt-BR" sz="2800" b="1" i="1">
+                            <a:latin typeface="Cambria Math" panose="02040503050406030204" pitchFamily="18" charset="0"/>
+                            <a:ea typeface="Cambria Math" panose="02040503050406030204" pitchFamily="18" charset="0"/>
+                          </a:rPr>
+                          <m:t>𝒂</m:t>
+                        </m:r>
+                      </m:e>
+                    </m:d>
+                  </m:oMath>
+                </a14:m>
+                <a:r>
+                  <a:rPr lang="pt-BR" dirty="0"/>
+                  <a:t> é a aproximação do vetor gradiente e </a:t>
+                </a:r>
+                <a14:m>
+                  <m:oMath xmlns:m="http://schemas.openxmlformats.org/officeDocument/2006/math">
+                    <m:r>
+                      <m:rPr>
+                        <m:sty m:val="p"/>
+                      </m:rPr>
+                      <a:rPr lang="el-GR" i="1">
+                        <a:latin typeface="Cambria Math" panose="02040503050406030204" pitchFamily="18" charset="0"/>
+                        <a:ea typeface="Cambria Math" panose="02040503050406030204" pitchFamily="18" charset="0"/>
+                      </a:rPr>
+                      <m:t>μ</m:t>
+                    </m:r>
+                  </m:oMath>
+                </a14:m>
+                <a:r>
+                  <a:rPr lang="pt-BR" dirty="0"/>
+                  <a:t> determina a quantidade de gradientes anteriores que são considerados no cálculo da média.</a:t>
+                </a:r>
+              </a:p>
+              <a:p>
+                <a:r>
+                  <a:rPr lang="pt-BR" dirty="0"/>
+                  <a:t>A desvantagem é que precisamos encontrar as valores ideais de </a:t>
+                </a:r>
+                <a14:m>
+                  <m:oMath xmlns:m="http://schemas.openxmlformats.org/officeDocument/2006/math">
+                    <m:r>
+                      <a:rPr lang="pt-BR" sz="2800" i="1" smtClean="0">
+                        <a:latin typeface="Cambria Math" panose="02040503050406030204" pitchFamily="18" charset="0"/>
+                        <a:ea typeface="Cambria Math" panose="02040503050406030204" pitchFamily="18" charset="0"/>
+                      </a:rPr>
+                      <m:t>𝛼</m:t>
+                    </m:r>
+                  </m:oMath>
+                </a14:m>
+                <a:r>
+                  <a:rPr lang="pt-BR" dirty="0"/>
+                  <a:t> e </a:t>
+                </a:r>
+                <a14:m>
+                  <m:oMath xmlns:m="http://schemas.openxmlformats.org/officeDocument/2006/math">
+                    <m:r>
+                      <m:rPr>
+                        <m:sty m:val="p"/>
+                      </m:rPr>
+                      <a:rPr lang="el-GR" i="1">
+                        <a:latin typeface="Cambria Math" panose="02040503050406030204" pitchFamily="18" charset="0"/>
+                        <a:ea typeface="Cambria Math" panose="02040503050406030204" pitchFamily="18" charset="0"/>
+                      </a:rPr>
+                      <m:t>μ</m:t>
+                    </m:r>
+                  </m:oMath>
+                </a14:m>
+                <a:r>
+                  <a:rPr lang="pt-BR" dirty="0"/>
+                  <a:t>. </a:t>
+                </a:r>
+              </a:p>
+            </p:txBody>
+          </p:sp>
+        </mc:Choice>
+        <mc:Fallback>
+          <p:sp>
+            <p:nvSpPr>
+              <p:cNvPr id="3" name="Espaço Reservado para Conteúdo 2">
+                <a:extLst>
+                  <a:ext uri="{FF2B5EF4-FFF2-40B4-BE49-F238E27FC236}">
+                    <a16:creationId xmlns:a16="http://schemas.microsoft.com/office/drawing/2014/main" id="{90C1EAA3-4293-62D4-5778-91C90AA88537}"/>
+                  </a:ext>
+                </a:extLst>
+              </p:cNvPr>
+              <p:cNvSpPr>
+                <a:spLocks noGrp="1" noRot="1" noChangeAspect="1" noMove="1" noResize="1" noEditPoints="1" noAdjustHandles="1" noChangeArrowheads="1" noChangeShapeType="1" noTextEdit="1"/>
+              </p:cNvSpPr>
+              <p:nvPr>
+                <p:ph idx="1"/>
+              </p:nvPr>
+            </p:nvSpPr>
+            <p:spPr>
+              <a:xfrm>
+                <a:off x="838199" y="1825624"/>
+                <a:ext cx="11112501" cy="5032375"/>
+              </a:xfrm>
+              <a:blipFill>
+                <a:blip r:embed="rId2"/>
+                <a:stretch>
+                  <a:fillRect l="-1097" t="-1937" r="-1042"/>
+                </a:stretch>
+              </a:blipFill>
+            </p:spPr>
+            <p:txBody>
+              <a:bodyPr/>
+              <a:lstStyle/>
+              <a:p>
+                <a:r>
+                  <a:rPr lang="pt-BR">
+                    <a:noFill/>
+                  </a:rPr>
+                  <a:t> </a:t>
+                </a:r>
+              </a:p>
+            </p:txBody>
+          </p:sp>
+        </mc:Fallback>
+      </mc:AlternateContent>
+    </p:spTree>
+    <p:extLst>
+      <p:ext uri="{BB962C8B-B14F-4D97-AF65-F5344CB8AC3E}">
+        <p14:creationId xmlns:p14="http://schemas.microsoft.com/office/powerpoint/2010/main" val="3839855749"/>
+      </p:ext>
+    </p:extLst>
+  </p:cSld>
+  <p:clrMapOvr>
+    <a:masterClrMapping/>
+  </p:clrMapOvr>
+</p:sld>
+</file>
+
+<file path=ppt/slides/slide2.xml><?xml version="1.0" encoding="utf-8"?>
+<p:sld xmlns:a="http://schemas.openxmlformats.org/drawingml/2006/main" xmlns:r="http://schemas.openxmlformats.org/officeDocument/2006/relationships" xmlns:p="http://schemas.openxmlformats.org/presentationml/2006/main">
+  <p:cSld>
+    <p:spTree>
+      <p:nvGrpSpPr>
+        <p:cNvPr id="1" name=""/>
+        <p:cNvGrpSpPr/>
+        <p:nvPr/>
+      </p:nvGrpSpPr>
+      <p:grpSpPr>
+        <a:xfrm>
+          <a:off x="0" y="0"/>
+          <a:ext cx="0" cy="0"/>
+          <a:chOff x="0" y="0"/>
+          <a:chExt cx="0" cy="0"/>
+        </a:xfrm>
+      </p:grpSpPr>
+      <p:sp>
+        <p:nvSpPr>
+          <p:cNvPr id="2" name="Title 1"/>
+          <p:cNvSpPr>
+            <a:spLocks noGrp="1"/>
+          </p:cNvSpPr>
+          <p:nvPr>
+            <p:ph type="title"/>
+          </p:nvPr>
+        </p:nvSpPr>
+        <p:spPr/>
+        <p:txBody>
+          <a:bodyPr/>
+          <a:lstStyle/>
+          <a:p>
+            <a:r>
+              <a:rPr lang="pt-BR"/>
+              <a:t>Recapitulando</a:t>
+            </a:r>
+            <a:endParaRPr lang="pt-BR" dirty="0"/>
+          </a:p>
+        </p:txBody>
+      </p:sp>
+      <mc:AlternateContent xmlns:mc="http://schemas.openxmlformats.org/markup-compatibility/2006" xmlns:a14="http://schemas.microsoft.com/office/drawing/2010/main">
+        <mc:Choice Requires="a14">
+          <p:sp>
+            <p:nvSpPr>
+              <p:cNvPr id="3" name="Content Placeholder 2"/>
+              <p:cNvSpPr>
+                <a:spLocks noGrp="1"/>
+              </p:cNvSpPr>
+              <p:nvPr>
+                <p:ph idx="1"/>
+              </p:nvPr>
+            </p:nvSpPr>
+            <p:spPr>
+              <a:xfrm>
+                <a:off x="838199" y="1825624"/>
+                <a:ext cx="11077282" cy="5032376"/>
+              </a:xfrm>
+            </p:spPr>
+            <p:txBody>
+              <a:bodyPr>
+                <a:normAutofit lnSpcReduction="10000"/>
+              </a:bodyPr>
+              <a:lstStyle/>
+              <a:p>
+                <a:r>
+                  <a:rPr lang="pt-BR" dirty="0"/>
+                  <a:t>No tópico anterior, discutimos o vetor gradiente.</a:t>
+                </a:r>
+              </a:p>
+              <a:p>
+                <a:r>
+                  <a:rPr lang="pt-BR" dirty="0"/>
+                  <a:t>Aprendemos dois algoritmos que usam o vetor gradiente para a resolução de problemas de otimização.</a:t>
+                </a:r>
+              </a:p>
+              <a:p>
+                <a:pPr lvl="1">
+                  <a:buFont typeface="Wingdings" panose="05000000000000000000" pitchFamily="2" charset="2"/>
+                  <a:buChar char="§"/>
+                </a:pPr>
+                <a:r>
+                  <a:rPr lang="pt-BR" b="1" i="1" dirty="0"/>
+                  <a:t>Gradiente ascendente </a:t>
+                </a:r>
+                <a:r>
+                  <a:rPr lang="pt-BR" dirty="0"/>
+                  <a:t>para problemas de </a:t>
+                </a:r>
+                <a:r>
+                  <a:rPr lang="pt-BR" b="1" i="1" dirty="0">
+                    <a:solidFill>
+                      <a:srgbClr val="00B050"/>
+                    </a:solidFill>
+                  </a:rPr>
+                  <a:t>maximização</a:t>
+                </a:r>
+                <a:r>
+                  <a:rPr lang="pt-BR" dirty="0"/>
+                  <a:t>.</a:t>
+                </a:r>
+              </a:p>
+              <a:p>
+                <a:pPr lvl="1">
+                  <a:buFont typeface="Wingdings" panose="05000000000000000000" pitchFamily="2" charset="2"/>
+                  <a:buChar char="§"/>
+                </a:pPr>
+                <a:r>
+                  <a:rPr lang="pt-BR" b="1" i="1" dirty="0"/>
+                  <a:t>Gradiente descendente</a:t>
+                </a:r>
+                <a:r>
+                  <a:rPr lang="pt-BR" dirty="0"/>
+                  <a:t> para problemas de </a:t>
+                </a:r>
+                <a:r>
+                  <a:rPr lang="pt-BR" b="1" i="1" dirty="0">
+                    <a:solidFill>
+                      <a:srgbClr val="00B050"/>
+                    </a:solidFill>
+                  </a:rPr>
+                  <a:t>minimização</a:t>
+                </a:r>
+                <a:r>
+                  <a:rPr lang="pt-BR" dirty="0"/>
+                  <a:t>.</a:t>
+                </a:r>
+              </a:p>
+              <a:p>
+                <a:r>
+                  <a:rPr lang="pt-BR" dirty="0"/>
+                  <a:t>Falamos sobre as três versões do gradiente descendente e as comparamos:</a:t>
+                </a:r>
+              </a:p>
+              <a:p>
+                <a:pPr lvl="1">
+                  <a:buFont typeface="Wingdings" panose="05000000000000000000" pitchFamily="2" charset="2"/>
+                  <a:buChar char="§"/>
+                </a:pPr>
+                <a:r>
+                  <a:rPr lang="pt-BR" dirty="0"/>
+                  <a:t>Batelada</a:t>
+                </a:r>
+              </a:p>
+              <a:p>
+                <a:pPr lvl="1">
+                  <a:buFont typeface="Wingdings" panose="05000000000000000000" pitchFamily="2" charset="2"/>
+                  <a:buChar char="§"/>
+                </a:pPr>
+                <a:r>
+                  <a:rPr lang="pt-BR" dirty="0"/>
+                  <a:t>Estocástico</a:t>
+                </a:r>
+              </a:p>
+              <a:p>
+                <a:pPr lvl="1">
+                  <a:buFont typeface="Wingdings" panose="05000000000000000000" pitchFamily="2" charset="2"/>
+                  <a:buChar char="§"/>
+                </a:pPr>
+                <a:r>
+                  <a:rPr lang="pt-BR" dirty="0"/>
+                  <a:t>Mini-batch</a:t>
+                </a:r>
+              </a:p>
+              <a:p>
+                <a:r>
+                  <a:rPr lang="pt-BR" dirty="0"/>
+                  <a:t>Neste tópico, discutiremos o quão importante é o ajuste do passo de aprendizagem, </a:t>
+                </a:r>
+                <a14:m>
+                  <m:oMath xmlns:m="http://schemas.openxmlformats.org/officeDocument/2006/math">
+                    <m:r>
+                      <a:rPr lang="pt-BR" i="1" smtClean="0">
+                        <a:latin typeface="Cambria Math" panose="02040503050406030204" pitchFamily="18" charset="0"/>
+                        <a:ea typeface="Cambria Math" panose="02040503050406030204" pitchFamily="18" charset="0"/>
+                      </a:rPr>
+                      <m:t>𝛼</m:t>
+                    </m:r>
+                  </m:oMath>
+                </a14:m>
+                <a:r>
+                  <a:rPr lang="pt-BR" dirty="0"/>
+                  <a:t>.</a:t>
+                </a:r>
+              </a:p>
+            </p:txBody>
+          </p:sp>
+        </mc:Choice>
+        <mc:Fallback xmlns="">
+          <p:sp>
+            <p:nvSpPr>
+              <p:cNvPr id="3" name="Content Placeholder 2"/>
+              <p:cNvSpPr>
+                <a:spLocks noGrp="1" noRot="1" noChangeAspect="1" noMove="1" noResize="1" noEditPoints="1" noAdjustHandles="1" noChangeArrowheads="1" noChangeShapeType="1" noTextEdit="1"/>
+              </p:cNvSpPr>
+              <p:nvPr>
+                <p:ph idx="1"/>
+              </p:nvPr>
+            </p:nvSpPr>
+            <p:spPr>
+              <a:xfrm>
+                <a:off x="838199" y="1825624"/>
+                <a:ext cx="11077282" cy="5032376"/>
+              </a:xfrm>
+              <a:blipFill>
+                <a:blip r:embed="rId2"/>
+                <a:stretch>
+                  <a:fillRect l="-935" t="-2663" r="-1760"/>
+                </a:stretch>
+              </a:blipFill>
+            </p:spPr>
+            <p:txBody>
+              <a:bodyPr/>
+              <a:lstStyle/>
+              <a:p>
+                <a:r>
+                  <a:rPr lang="pt-BR">
+                    <a:noFill/>
+                  </a:rPr>
+                  <a:t> </a:t>
+                </a:r>
+              </a:p>
+            </p:txBody>
+          </p:sp>
+        </mc:Fallback>
+      </mc:AlternateContent>
+    </p:spTree>
+    <p:extLst>
+      <p:ext uri="{BB962C8B-B14F-4D97-AF65-F5344CB8AC3E}">
+        <p14:creationId xmlns:p14="http://schemas.microsoft.com/office/powerpoint/2010/main" val="3057771208"/>
+      </p:ext>
+    </p:extLst>
+  </p:cSld>
+  <p:clrMapOvr>
+    <a:masterClrMapping/>
+  </p:clrMapOvr>
+</p:sld>
+</file>
+
+<file path=ppt/slides/slide20.xml><?xml version="1.0" encoding="utf-8"?>
+<p:sld xmlns:a="http://schemas.openxmlformats.org/drawingml/2006/main" xmlns:r="http://schemas.openxmlformats.org/officeDocument/2006/relationships" xmlns:p="http://schemas.openxmlformats.org/presentationml/2006/main">
+  <p:cSld>
+    <p:spTree>
+      <p:nvGrpSpPr>
+        <p:cNvPr id="1" name=""/>
+        <p:cNvGrpSpPr/>
+        <p:nvPr/>
+      </p:nvGrpSpPr>
+      <p:grpSpPr>
+        <a:xfrm>
+          <a:off x="0" y="0"/>
+          <a:ext cx="0" cy="0"/>
+          <a:chOff x="0" y="0"/>
+          <a:chExt cx="0" cy="0"/>
+        </a:xfrm>
+      </p:grpSpPr>
+      <p:sp>
+        <p:nvSpPr>
+          <p:cNvPr id="2" name="Título 1">
+            <a:extLst>
+              <a:ext uri="{FF2B5EF4-FFF2-40B4-BE49-F238E27FC236}">
+                <a16:creationId xmlns:a16="http://schemas.microsoft.com/office/drawing/2014/main" id="{DB255A38-76C0-7175-916E-69A9F0C04233}"/>
+              </a:ext>
+            </a:extLst>
+          </p:cNvPr>
+          <p:cNvSpPr>
+            <a:spLocks noGrp="1"/>
+          </p:cNvSpPr>
+          <p:nvPr>
+            <p:ph type="title"/>
+          </p:nvPr>
+        </p:nvSpPr>
+        <p:spPr/>
+        <p:txBody>
+          <a:bodyPr/>
+          <a:lstStyle/>
+          <a:p>
             <a:endParaRPr lang="pt-BR"/>
           </a:p>
         </p:txBody>
@@ -7870,7 +10435,7 @@
           <p:cNvPr id="3" name="Espaço Reservado para Conteúdo 2">
             <a:extLst>
               <a:ext uri="{FF2B5EF4-FFF2-40B4-BE49-F238E27FC236}">
-                <a16:creationId xmlns:a16="http://schemas.microsoft.com/office/drawing/2014/main" id="{83A38DD3-AAC8-CEBB-5966-BFE9490F478F}"/>
+                <a16:creationId xmlns:a16="http://schemas.microsoft.com/office/drawing/2014/main" id="{2B8DD716-F1C7-FC10-D293-679A9711A4E9}"/>
               </a:ext>
             </a:extLst>
           </p:cNvPr>
@@ -7886,60 +10451,14 @@
           <a:bodyPr/>
           <a:lstStyle/>
           <a:p>
-            <a:r>
-              <a:rPr lang="pt-BR" dirty="0"/>
-              <a:t>Vocês se lembram que o gradiente descendente estocástico e </a:t>
-            </a:r>
-            <a:r>
-              <a:rPr lang="pt-BR" dirty="0" err="1"/>
-              <a:t>minmi-batch</a:t>
-            </a:r>
-            <a:r>
-              <a:rPr lang="pt-BR" dirty="0"/>
-              <a:t> (com MB </a:t>
-            </a:r>
-            <a:r>
-              <a:rPr lang="pt-BR" dirty="0" err="1"/>
-              <a:t>pequeni</a:t>
-            </a:r>
-            <a:r>
-              <a:rPr lang="pt-BR" dirty="0"/>
-              <a:t>) tem um caminho irregular para o ponto de mínimo e quando as amostras estão corrompidas com ruido eles não convergem para o ponto de mínimo?</a:t>
-            </a:r>
-          </a:p>
-          <a:p>
-            <a:r>
-              <a:rPr lang="pt-BR" dirty="0"/>
-              <a:t>Eles ficam oscilando ao redor dele.</a:t>
-            </a:r>
-          </a:p>
-          <a:p>
-            <a:r>
-              <a:rPr lang="pt-BR" dirty="0"/>
-              <a:t>Eu comentei que existem algumas formas de minimizar esses problemas, deixando essas versões do GD mais </a:t>
-            </a:r>
-            <a:r>
-              <a:rPr lang="pt-BR" dirty="0" err="1"/>
-              <a:t>comprtadas</a:t>
-            </a:r>
-            <a:r>
-              <a:rPr lang="pt-BR"/>
-              <a:t>.</a:t>
-            </a:r>
-            <a:endParaRPr lang="pt-BR" dirty="0"/>
-          </a:p>
-          <a:p>
-            <a:endParaRPr lang="pt-BR" dirty="0"/>
-          </a:p>
-          <a:p>
-            <a:endParaRPr lang="pt-BR" dirty="0"/>
+            <a:endParaRPr lang="pt-BR"/>
           </a:p>
         </p:txBody>
       </p:sp>
     </p:spTree>
     <p:extLst>
       <p:ext uri="{BB962C8B-B14F-4D97-AF65-F5344CB8AC3E}">
-        <p14:creationId xmlns:p14="http://schemas.microsoft.com/office/powerpoint/2010/main" val="3840997202"/>
+        <p14:creationId xmlns:p14="http://schemas.microsoft.com/office/powerpoint/2010/main" val="4085806396"/>
       </p:ext>
     </p:extLst>
   </p:cSld>
@@ -7949,7 +10468,309 @@
 </p:sld>
 </file>
 
-<file path=ppt/slides/slide15.xml><?xml version="1.0" encoding="utf-8"?>
+<file path=ppt/slides/slide21.xml><?xml version="1.0" encoding="utf-8"?>
+<p:sld xmlns:a="http://schemas.openxmlformats.org/drawingml/2006/main" xmlns:r="http://schemas.openxmlformats.org/officeDocument/2006/relationships" xmlns:p="http://schemas.openxmlformats.org/presentationml/2006/main">
+  <p:cSld>
+    <p:spTree>
+      <p:nvGrpSpPr>
+        <p:cNvPr id="1" name=""/>
+        <p:cNvGrpSpPr/>
+        <p:nvPr/>
+      </p:nvGrpSpPr>
+      <p:grpSpPr>
+        <a:xfrm>
+          <a:off x="0" y="0"/>
+          <a:ext cx="0" cy="0"/>
+          <a:chOff x="0" y="0"/>
+          <a:chExt cx="0" cy="0"/>
+        </a:xfrm>
+      </p:grpSpPr>
+      <p:sp>
+        <p:nvSpPr>
+          <p:cNvPr id="2" name="Título 1">
+            <a:extLst>
+              <a:ext uri="{FF2B5EF4-FFF2-40B4-BE49-F238E27FC236}">
+                <a16:creationId xmlns:a16="http://schemas.microsoft.com/office/drawing/2014/main" id="{8FE2DAD2-5657-42A1-35B9-4BB9FD00F794}"/>
+              </a:ext>
+            </a:extLst>
+          </p:cNvPr>
+          <p:cNvSpPr>
+            <a:spLocks noGrp="1"/>
+          </p:cNvSpPr>
+          <p:nvPr>
+            <p:ph type="title"/>
+          </p:nvPr>
+        </p:nvSpPr>
+        <p:spPr/>
+        <p:txBody>
+          <a:bodyPr/>
+          <a:lstStyle/>
+          <a:p>
+            <a:r>
+              <a:rPr lang="pt-BR" dirty="0"/>
+              <a:t>Ajuste do termo de atualização dos pesos</a:t>
+            </a:r>
+          </a:p>
+        </p:txBody>
+      </p:sp>
+      <mc:AlternateContent xmlns:mc="http://schemas.openxmlformats.org/markup-compatibility/2006">
+        <mc:Choice xmlns:a14="http://schemas.microsoft.com/office/drawing/2010/main" Requires="a14">
+          <p:sp>
+            <p:nvSpPr>
+              <p:cNvPr id="3" name="Espaço Reservado para Conteúdo 2">
+                <a:extLst>
+                  <a:ext uri="{FF2B5EF4-FFF2-40B4-BE49-F238E27FC236}">
+                    <a16:creationId xmlns:a16="http://schemas.microsoft.com/office/drawing/2014/main" id="{90C1EAA3-4293-62D4-5778-91C90AA88537}"/>
+                  </a:ext>
+                </a:extLst>
+              </p:cNvPr>
+              <p:cNvSpPr>
+                <a:spLocks noGrp="1"/>
+              </p:cNvSpPr>
+              <p:nvPr>
+                <p:ph idx="1"/>
+              </p:nvPr>
+            </p:nvSpPr>
+            <p:spPr>
+              <a:xfrm>
+                <a:off x="838199" y="1825624"/>
+                <a:ext cx="11085095" cy="5032375"/>
+              </a:xfrm>
+            </p:spPr>
+            <p:txBody>
+              <a:bodyPr>
+                <a:normAutofit lnSpcReduction="10000"/>
+              </a:bodyPr>
+              <a:lstStyle/>
+              <a:p>
+                <a:r>
+                  <a:rPr lang="pt-BR" b="1" dirty="0"/>
+                  <a:t>Variação adaptativa</a:t>
+                </a:r>
+                <a:r>
+                  <a:rPr lang="pt-BR" dirty="0"/>
+                  <a:t>: o passo</a:t>
+                </a:r>
+                <a14:m>
+                  <m:oMath xmlns:m="http://schemas.openxmlformats.org/officeDocument/2006/math">
+                    <m:r>
+                      <a:rPr lang="pt-BR" i="1">
+                        <a:latin typeface="Cambria Math" panose="02040503050406030204" pitchFamily="18" charset="0"/>
+                        <a:ea typeface="Cambria Math" panose="02040503050406030204" pitchFamily="18" charset="0"/>
+                      </a:rPr>
+                      <m:t> </m:t>
+                    </m:r>
+                  </m:oMath>
+                </a14:m>
+                <a:r>
+                  <a:rPr lang="pt-BR" dirty="0"/>
+                  <a:t>é ajustado adaptativamente de acordo com a inclinação da superfície de erro, além disso, usa passos diferentes para cada peso do modelo, os atualizando de forma independente de acordo com a inclinação na direção destes pesos.</a:t>
+                </a:r>
+              </a:p>
+              <a:p>
+                <a:pPr lvl="1">
+                  <a:buFont typeface="Wingdings" panose="05000000000000000000" pitchFamily="2" charset="2"/>
+                  <a:buChar char="§"/>
+                </a:pPr>
+                <a:r>
+                  <a:rPr lang="pt-BR" b="1" dirty="0"/>
+                  <a:t>Vantagem</a:t>
+                </a:r>
+                <a:r>
+                  <a:rPr lang="pt-BR" dirty="0"/>
+                  <a:t>: na maioria dos casos, não é necessário se ajustar manualmente nenhum </a:t>
+                </a:r>
+                <a:r>
+                  <a:rPr lang="pt-BR" b="1" i="1" dirty="0"/>
+                  <a:t>hiperparâmetro</a:t>
+                </a:r>
+                <a:r>
+                  <a:rPr lang="pt-BR" dirty="0"/>
+                  <a:t> como no caso dos esquemas de redução programada.</a:t>
+                </a:r>
+              </a:p>
+              <a:p>
+                <a:r>
+                  <a:rPr lang="pt-BR" b="1" dirty="0"/>
+                  <a:t>Variação adaptativa</a:t>
+                </a:r>
+                <a:r>
+                  <a:rPr lang="pt-BR" dirty="0"/>
+                  <a:t>: adapta </a:t>
+                </a:r>
+                <a:r>
+                  <a:rPr lang="pt-BR" b="1" i="1" dirty="0">
+                    <a:solidFill>
+                      <a:srgbClr val="00B050"/>
+                    </a:solidFill>
+                  </a:rPr>
+                  <a:t>os passos </a:t>
+                </a:r>
+                <a:r>
+                  <a:rPr lang="pt-BR" dirty="0"/>
+                  <a:t>de aprendizagem de acordo com as estatísticas dos gradientes em cada iteração do algoritmo. Usa passos de aprendizagem diferentes para cada elemento do vetor gradiente, os quais são ajustados de forma independente, permitindo que o algoritmo se adapte a diferentes magnitudes dos pesos.</a:t>
+                </a:r>
+              </a:p>
+              <a:p>
+                <a:r>
+                  <a:rPr lang="pt-BR" dirty="0"/>
+                  <a:t>Pode ser usado em conjunto com o termo momentum para ajustar termo de atualização dos pesos, melhorando ainda mais a convergência.</a:t>
+                </a:r>
+              </a:p>
+              <a:p>
+                <a:pPr lvl="1">
+                  <a:buFont typeface="Wingdings" panose="05000000000000000000" pitchFamily="2" charset="2"/>
+                  <a:buChar char="§"/>
+                </a:pPr>
+                <a:endParaRPr lang="pt-BR" dirty="0"/>
+              </a:p>
+              <a:p>
+                <a:pPr marL="0" indent="0">
+                  <a:buNone/>
+                </a:pPr>
+                <a:endParaRPr lang="pt-BR" dirty="0"/>
+              </a:p>
+            </p:txBody>
+          </p:sp>
+        </mc:Choice>
+        <mc:Fallback>
+          <p:sp>
+            <p:nvSpPr>
+              <p:cNvPr id="3" name="Espaço Reservado para Conteúdo 2">
+                <a:extLst>
+                  <a:ext uri="{FF2B5EF4-FFF2-40B4-BE49-F238E27FC236}">
+                    <a16:creationId xmlns:a16="http://schemas.microsoft.com/office/drawing/2014/main" id="{90C1EAA3-4293-62D4-5778-91C90AA88537}"/>
+                  </a:ext>
+                </a:extLst>
+              </p:cNvPr>
+              <p:cNvSpPr>
+                <a:spLocks noGrp="1" noRot="1" noChangeAspect="1" noMove="1" noResize="1" noEditPoints="1" noAdjustHandles="1" noChangeArrowheads="1" noChangeShapeType="1" noTextEdit="1"/>
+              </p:cNvSpPr>
+              <p:nvPr>
+                <p:ph idx="1"/>
+              </p:nvPr>
+            </p:nvSpPr>
+            <p:spPr>
+              <a:xfrm>
+                <a:off x="838199" y="1825624"/>
+                <a:ext cx="11085095" cy="5032375"/>
+              </a:xfrm>
+              <a:blipFill>
+                <a:blip r:embed="rId2"/>
+                <a:stretch>
+                  <a:fillRect l="-935" t="-2663" r="-1100"/>
+                </a:stretch>
+              </a:blipFill>
+            </p:spPr>
+            <p:txBody>
+              <a:bodyPr/>
+              <a:lstStyle/>
+              <a:p>
+                <a:r>
+                  <a:rPr lang="pt-BR">
+                    <a:noFill/>
+                  </a:rPr>
+                  <a:t> </a:t>
+                </a:r>
+              </a:p>
+            </p:txBody>
+          </p:sp>
+        </mc:Fallback>
+      </mc:AlternateContent>
+    </p:spTree>
+    <p:extLst>
+      <p:ext uri="{BB962C8B-B14F-4D97-AF65-F5344CB8AC3E}">
+        <p14:creationId xmlns:p14="http://schemas.microsoft.com/office/powerpoint/2010/main" val="3484290040"/>
+      </p:ext>
+    </p:extLst>
+  </p:cSld>
+  <p:clrMapOvr>
+    <a:masterClrMapping/>
+  </p:clrMapOvr>
+</p:sld>
+</file>
+
+<file path=ppt/slides/slide22.xml><?xml version="1.0" encoding="utf-8"?>
+<p:sld xmlns:a="http://schemas.openxmlformats.org/drawingml/2006/main" xmlns:r="http://schemas.openxmlformats.org/officeDocument/2006/relationships" xmlns:p="http://schemas.openxmlformats.org/presentationml/2006/main">
+  <p:cSld>
+    <p:spTree>
+      <p:nvGrpSpPr>
+        <p:cNvPr id="1" name=""/>
+        <p:cNvGrpSpPr/>
+        <p:nvPr/>
+      </p:nvGrpSpPr>
+      <p:grpSpPr>
+        <a:xfrm>
+          <a:off x="0" y="0"/>
+          <a:ext cx="0" cy="0"/>
+          <a:chOff x="0" y="0"/>
+          <a:chExt cx="0" cy="0"/>
+        </a:xfrm>
+      </p:grpSpPr>
+      <p:sp>
+        <p:nvSpPr>
+          <p:cNvPr id="2" name="Título 1">
+            <a:extLst>
+              <a:ext uri="{FF2B5EF4-FFF2-40B4-BE49-F238E27FC236}">
+                <a16:creationId xmlns:a16="http://schemas.microsoft.com/office/drawing/2014/main" id="{AA4B62AC-2EA5-D087-1B78-194E859E3AAA}"/>
+              </a:ext>
+            </a:extLst>
+          </p:cNvPr>
+          <p:cNvSpPr>
+            <a:spLocks noGrp="1"/>
+          </p:cNvSpPr>
+          <p:nvPr>
+            <p:ph type="title"/>
+          </p:nvPr>
+        </p:nvSpPr>
+        <p:spPr/>
+        <p:txBody>
+          <a:bodyPr/>
+          <a:lstStyle/>
+          <a:p>
+            <a:endParaRPr lang="pt-BR"/>
+          </a:p>
+        </p:txBody>
+      </p:sp>
+      <p:sp>
+        <p:nvSpPr>
+          <p:cNvPr id="3" name="Espaço Reservado para Conteúdo 2">
+            <a:extLst>
+              <a:ext uri="{FF2B5EF4-FFF2-40B4-BE49-F238E27FC236}">
+                <a16:creationId xmlns:a16="http://schemas.microsoft.com/office/drawing/2014/main" id="{0EBC8142-9B3A-86FE-79CB-348430410440}"/>
+              </a:ext>
+            </a:extLst>
+          </p:cNvPr>
+          <p:cNvSpPr>
+            <a:spLocks noGrp="1"/>
+          </p:cNvSpPr>
+          <p:nvPr>
+            <p:ph idx="1"/>
+          </p:nvPr>
+        </p:nvSpPr>
+        <p:spPr/>
+        <p:txBody>
+          <a:bodyPr/>
+          <a:lstStyle/>
+          <a:p>
+            <a:endParaRPr lang="pt-BR"/>
+          </a:p>
+        </p:txBody>
+      </p:sp>
+    </p:spTree>
+    <p:extLst>
+      <p:ext uri="{BB962C8B-B14F-4D97-AF65-F5344CB8AC3E}">
+        <p14:creationId xmlns:p14="http://schemas.microsoft.com/office/powerpoint/2010/main" val="1924812330"/>
+      </p:ext>
+    </p:extLst>
+  </p:cSld>
+  <p:clrMapOvr>
+    <a:masterClrMapping/>
+  </p:clrMapOvr>
+</p:sld>
+</file>
+
+<file path=ppt/slides/slide23.xml><?xml version="1.0" encoding="utf-8"?>
 <p:sld xmlns:a="http://schemas.openxmlformats.org/drawingml/2006/main" xmlns:r="http://schemas.openxmlformats.org/officeDocument/2006/relationships" xmlns:p="http://schemas.openxmlformats.org/presentationml/2006/main">
   <p:cSld>
     <p:spTree>
@@ -8242,7 +11063,7 @@
 </p:sld>
 </file>
 
-<file path=ppt/slides/slide16.xml><?xml version="1.0" encoding="utf-8"?>
+<file path=ppt/slides/slide24.xml><?xml version="1.0" encoding="utf-8"?>
 <p:sld xmlns:a="http://schemas.openxmlformats.org/drawingml/2006/main" xmlns:r="http://schemas.openxmlformats.org/officeDocument/2006/relationships" xmlns:p="http://schemas.openxmlformats.org/presentationml/2006/main">
   <p:cSld>
     <p:spTree>
@@ -8957,7 +11778,7 @@
 </p:sld>
 </file>
 
-<file path=ppt/slides/slide17.xml><?xml version="1.0" encoding="utf-8"?>
+<file path=ppt/slides/slide25.xml><?xml version="1.0" encoding="utf-8"?>
 <p:sld xmlns:a="http://schemas.openxmlformats.org/drawingml/2006/main" xmlns:r="http://schemas.openxmlformats.org/officeDocument/2006/relationships" xmlns:p="http://schemas.openxmlformats.org/presentationml/2006/main">
   <p:cSld>
     <p:spTree>
@@ -10293,7 +13114,7 @@
 </p:sld>
 </file>
 
-<file path=ppt/slides/slide18.xml><?xml version="1.0" encoding="utf-8"?>
+<file path=ppt/slides/slide26.xml><?xml version="1.0" encoding="utf-8"?>
 <p:sld xmlns:a="http://schemas.openxmlformats.org/drawingml/2006/main" xmlns:r="http://schemas.openxmlformats.org/officeDocument/2006/relationships" xmlns:p="http://schemas.openxmlformats.org/presentationml/2006/main">
   <p:cSld>
     <p:spTree>
@@ -10472,7 +13293,7 @@
 </p:sld>
 </file>
 
-<file path=ppt/slides/slide19.xml><?xml version="1.0" encoding="utf-8"?>
+<file path=ppt/slides/slide27.xml><?xml version="1.0" encoding="utf-8"?>
 <p:sld xmlns:a="http://schemas.openxmlformats.org/drawingml/2006/main" xmlns:r="http://schemas.openxmlformats.org/officeDocument/2006/relationships" xmlns:p="http://schemas.openxmlformats.org/presentationml/2006/main">
   <p:cSld>
     <p:spTree>
@@ -10557,245 +13378,7 @@
 </p:sld>
 </file>
 
-<file path=ppt/slides/slide2.xml><?xml version="1.0" encoding="utf-8"?>
-<p:sld xmlns:a="http://schemas.openxmlformats.org/drawingml/2006/main" xmlns:r="http://schemas.openxmlformats.org/officeDocument/2006/relationships" xmlns:p="http://schemas.openxmlformats.org/presentationml/2006/main">
-  <p:cSld>
-    <p:spTree>
-      <p:nvGrpSpPr>
-        <p:cNvPr id="1" name=""/>
-        <p:cNvGrpSpPr/>
-        <p:nvPr/>
-      </p:nvGrpSpPr>
-      <p:grpSpPr>
-        <a:xfrm>
-          <a:off x="0" y="0"/>
-          <a:ext cx="0" cy="0"/>
-          <a:chOff x="0" y="0"/>
-          <a:chExt cx="0" cy="0"/>
-        </a:xfrm>
-      </p:grpSpPr>
-      <p:sp>
-        <p:nvSpPr>
-          <p:cNvPr id="2" name="Title 1"/>
-          <p:cNvSpPr>
-            <a:spLocks noGrp="1"/>
-          </p:cNvSpPr>
-          <p:nvPr>
-            <p:ph type="title"/>
-          </p:nvPr>
-        </p:nvSpPr>
-        <p:spPr/>
-        <p:txBody>
-          <a:bodyPr/>
-          <a:lstStyle/>
-          <a:p>
-            <a:r>
-              <a:rPr lang="pt-BR"/>
-              <a:t>Recapitulando</a:t>
-            </a:r>
-            <a:endParaRPr lang="pt-BR" dirty="0"/>
-          </a:p>
-        </p:txBody>
-      </p:sp>
-      <mc:AlternateContent xmlns:mc="http://schemas.openxmlformats.org/markup-compatibility/2006" xmlns:a14="http://schemas.microsoft.com/office/drawing/2010/main">
-        <mc:Choice Requires="a14">
-          <p:sp>
-            <p:nvSpPr>
-              <p:cNvPr id="3" name="Content Placeholder 2"/>
-              <p:cNvSpPr>
-                <a:spLocks noGrp="1"/>
-              </p:cNvSpPr>
-              <p:nvPr>
-                <p:ph idx="1"/>
-              </p:nvPr>
-            </p:nvSpPr>
-            <p:spPr>
-              <a:xfrm>
-                <a:off x="838199" y="1825624"/>
-                <a:ext cx="11077282" cy="5032376"/>
-              </a:xfrm>
-            </p:spPr>
-            <p:txBody>
-              <a:bodyPr>
-                <a:normAutofit lnSpcReduction="10000"/>
-              </a:bodyPr>
-              <a:lstStyle/>
-              <a:p>
-                <a:r>
-                  <a:rPr lang="pt-BR" dirty="0"/>
-                  <a:t>No tópico anterior, discutimos o vetor gradiente.</a:t>
-                </a:r>
-              </a:p>
-              <a:p>
-                <a:r>
-                  <a:rPr lang="pt-BR" dirty="0"/>
-                  <a:t>Aprendemos dois algoritmos que usam o vetor gradiente para a resolução de problemas de otimização.</a:t>
-                </a:r>
-              </a:p>
-              <a:p>
-                <a:pPr lvl="1">
-                  <a:buFont typeface="Wingdings" panose="05000000000000000000" pitchFamily="2" charset="2"/>
-                  <a:buChar char="§"/>
-                </a:pPr>
-                <a:r>
-                  <a:rPr lang="pt-BR" b="1" i="1" dirty="0"/>
-                  <a:t>Gradiente ascendente </a:t>
-                </a:r>
-                <a:r>
-                  <a:rPr lang="pt-BR" dirty="0"/>
-                  <a:t>para problemas de </a:t>
-                </a:r>
-                <a:r>
-                  <a:rPr lang="pt-BR" b="1" i="1" dirty="0">
-                    <a:solidFill>
-                      <a:srgbClr val="00B050"/>
-                    </a:solidFill>
-                  </a:rPr>
-                  <a:t>maximização</a:t>
-                </a:r>
-                <a:r>
-                  <a:rPr lang="pt-BR" dirty="0"/>
-                  <a:t>.</a:t>
-                </a:r>
-              </a:p>
-              <a:p>
-                <a:pPr lvl="1">
-                  <a:buFont typeface="Wingdings" panose="05000000000000000000" pitchFamily="2" charset="2"/>
-                  <a:buChar char="§"/>
-                </a:pPr>
-                <a:r>
-                  <a:rPr lang="pt-BR" b="1" i="1" dirty="0"/>
-                  <a:t>Gradiente descendente</a:t>
-                </a:r>
-                <a:r>
-                  <a:rPr lang="pt-BR" dirty="0"/>
-                  <a:t> para problemas de </a:t>
-                </a:r>
-                <a:r>
-                  <a:rPr lang="pt-BR" b="1" i="1" dirty="0">
-                    <a:solidFill>
-                      <a:srgbClr val="00B050"/>
-                    </a:solidFill>
-                  </a:rPr>
-                  <a:t>minimização</a:t>
-                </a:r>
-                <a:r>
-                  <a:rPr lang="pt-BR" dirty="0"/>
-                  <a:t>.</a:t>
-                </a:r>
-              </a:p>
-              <a:p>
-                <a:r>
-                  <a:rPr lang="pt-BR" dirty="0"/>
-                  <a:t>Falamos sobre as três versões do gradiente descendente e as comparamos:</a:t>
-                </a:r>
-              </a:p>
-              <a:p>
-                <a:pPr lvl="1">
-                  <a:buFont typeface="Wingdings" panose="05000000000000000000" pitchFamily="2" charset="2"/>
-                  <a:buChar char="§"/>
-                </a:pPr>
-                <a:r>
-                  <a:rPr lang="pt-BR" dirty="0"/>
-                  <a:t>Batelada</a:t>
-                </a:r>
-              </a:p>
-              <a:p>
-                <a:pPr lvl="1">
-                  <a:buFont typeface="Wingdings" panose="05000000000000000000" pitchFamily="2" charset="2"/>
-                  <a:buChar char="§"/>
-                </a:pPr>
-                <a:r>
-                  <a:rPr lang="pt-BR" dirty="0"/>
-                  <a:t>Estocástico</a:t>
-                </a:r>
-              </a:p>
-              <a:p>
-                <a:pPr lvl="1">
-                  <a:buFont typeface="Wingdings" panose="05000000000000000000" pitchFamily="2" charset="2"/>
-                  <a:buChar char="§"/>
-                </a:pPr>
-                <a:r>
-                  <a:rPr lang="pt-BR" dirty="0"/>
-                  <a:t>Mini-batch</a:t>
-                </a:r>
-              </a:p>
-              <a:p>
-                <a:r>
-                  <a:rPr lang="pt-BR" dirty="0"/>
-                  <a:t>Neste tópico, discutiremos o quão importante é o ajuste do passo de aprendizagem, </a:t>
-                </a:r>
-                <a14:m>
-                  <m:oMath xmlns:m="http://schemas.openxmlformats.org/officeDocument/2006/math">
-                    <m:r>
-                      <a:rPr lang="pt-BR" i="1" smtClean="0">
-                        <a:latin typeface="Cambria Math" panose="02040503050406030204" pitchFamily="18" charset="0"/>
-                        <a:ea typeface="Cambria Math" panose="02040503050406030204" pitchFamily="18" charset="0"/>
-                      </a:rPr>
-                      <m:t>𝛼</m:t>
-                    </m:r>
-                  </m:oMath>
-                </a14:m>
-                <a:r>
-                  <a:rPr lang="pt-BR" dirty="0"/>
-                  <a:t>.</a:t>
-                </a:r>
-              </a:p>
-            </p:txBody>
-          </p:sp>
-        </mc:Choice>
-        <mc:Fallback xmlns="">
-          <p:sp>
-            <p:nvSpPr>
-              <p:cNvPr id="3" name="Content Placeholder 2"/>
-              <p:cNvSpPr>
-                <a:spLocks noGrp="1" noRot="1" noChangeAspect="1" noMove="1" noResize="1" noEditPoints="1" noAdjustHandles="1" noChangeArrowheads="1" noChangeShapeType="1" noTextEdit="1"/>
-              </p:cNvSpPr>
-              <p:nvPr>
-                <p:ph idx="1"/>
-              </p:nvPr>
-            </p:nvSpPr>
-            <p:spPr>
-              <a:xfrm>
-                <a:off x="838199" y="1825624"/>
-                <a:ext cx="11077282" cy="5032376"/>
-              </a:xfrm>
-              <a:blipFill>
-                <a:blip r:embed="rId2"/>
-                <a:stretch>
-                  <a:fillRect l="-935" t="-2663" r="-1760"/>
-                </a:stretch>
-              </a:blipFill>
-            </p:spPr>
-            <p:txBody>
-              <a:bodyPr/>
-              <a:lstStyle/>
-              <a:p>
-                <a:r>
-                  <a:rPr lang="pt-BR">
-                    <a:noFill/>
-                  </a:rPr>
-                  <a:t> </a:t>
-                </a:r>
-              </a:p>
-            </p:txBody>
-          </p:sp>
-        </mc:Fallback>
-      </mc:AlternateContent>
-    </p:spTree>
-    <p:extLst>
-      <p:ext uri="{BB962C8B-B14F-4D97-AF65-F5344CB8AC3E}">
-        <p14:creationId xmlns:p14="http://schemas.microsoft.com/office/powerpoint/2010/main" val="3057771208"/>
-      </p:ext>
-    </p:extLst>
-  </p:cSld>
-  <p:clrMapOvr>
-    <a:masterClrMapping/>
-  </p:clrMapOvr>
-</p:sld>
-</file>
-
-<file path=ppt/slides/slide20.xml><?xml version="1.0" encoding="utf-8"?>
+<file path=ppt/slides/slide28.xml><?xml version="1.0" encoding="utf-8"?>
 <p:sld xmlns:a="http://schemas.openxmlformats.org/drawingml/2006/main" xmlns:r="http://schemas.openxmlformats.org/officeDocument/2006/relationships" xmlns:p="http://schemas.openxmlformats.org/presentationml/2006/main">
   <p:cSld>
     <p:spTree>
@@ -11071,7 +13654,7 @@
 </p:sld>
 </file>
 
-<file path=ppt/slides/slide21.xml><?xml version="1.0" encoding="utf-8"?>
+<file path=ppt/slides/slide29.xml><?xml version="1.0" encoding="utf-8"?>
 <p:sld xmlns:a="http://schemas.openxmlformats.org/drawingml/2006/main" xmlns:r="http://schemas.openxmlformats.org/officeDocument/2006/relationships" xmlns:p="http://schemas.openxmlformats.org/presentationml/2006/main">
   <p:cSld>
     <p:spTree>
@@ -11129,7 +13712,327 @@
 </p:sld>
 </file>
 
-<file path=ppt/slides/slide22.xml><?xml version="1.0" encoding="utf-8"?>
+<file path=ppt/slides/slide3.xml><?xml version="1.0" encoding="utf-8"?>
+<p:sld xmlns:a="http://schemas.openxmlformats.org/drawingml/2006/main" xmlns:r="http://schemas.openxmlformats.org/officeDocument/2006/relationships" xmlns:p="http://schemas.openxmlformats.org/presentationml/2006/main">
+  <p:cSld>
+    <p:spTree>
+      <p:nvGrpSpPr>
+        <p:cNvPr id="1" name=""/>
+        <p:cNvGrpSpPr/>
+        <p:nvPr/>
+      </p:nvGrpSpPr>
+      <p:grpSpPr>
+        <a:xfrm>
+          <a:off x="0" y="0"/>
+          <a:ext cx="0" cy="0"/>
+          <a:chOff x="0" y="0"/>
+          <a:chExt cx="0" cy="0"/>
+        </a:xfrm>
+      </p:grpSpPr>
+      <p:sp>
+        <p:nvSpPr>
+          <p:cNvPr id="2" name="Título 1">
+            <a:extLst>
+              <a:ext uri="{FF2B5EF4-FFF2-40B4-BE49-F238E27FC236}">
+                <a16:creationId xmlns:a16="http://schemas.microsoft.com/office/drawing/2014/main" id="{B4A549E3-7E5B-04E3-09ED-A7C3171C6D5F}"/>
+              </a:ext>
+            </a:extLst>
+          </p:cNvPr>
+          <p:cNvSpPr>
+            <a:spLocks noGrp="1"/>
+          </p:cNvSpPr>
+          <p:nvPr>
+            <p:ph type="title"/>
+          </p:nvPr>
+        </p:nvSpPr>
+        <p:spPr/>
+        <p:txBody>
+          <a:bodyPr/>
+          <a:lstStyle/>
+          <a:p>
+            <a:r>
+              <a:rPr lang="pt-BR" dirty="0"/>
+              <a:t>Escolha do passo de aprendizagem</a:t>
+            </a:r>
+          </a:p>
+        </p:txBody>
+      </p:sp>
+      <mc:AlternateContent xmlns:mc="http://schemas.openxmlformats.org/markup-compatibility/2006" xmlns:a14="http://schemas.microsoft.com/office/drawing/2010/main">
+        <mc:Choice Requires="a14">
+          <p:sp>
+            <p:nvSpPr>
+              <p:cNvPr id="3" name="Espaço Reservado para Conteúdo 2">
+                <a:extLst>
+                  <a:ext uri="{FF2B5EF4-FFF2-40B4-BE49-F238E27FC236}">
+                    <a16:creationId xmlns:a16="http://schemas.microsoft.com/office/drawing/2014/main" id="{3323DEB1-E32D-5111-52A9-A936D5B18776}"/>
+                  </a:ext>
+                </a:extLst>
+              </p:cNvPr>
+              <p:cNvSpPr>
+                <a:spLocks noGrp="1"/>
+              </p:cNvSpPr>
+              <p:nvPr>
+                <p:ph idx="1"/>
+              </p:nvPr>
+            </p:nvSpPr>
+            <p:spPr>
+              <a:xfrm>
+                <a:off x="5693790" y="1825624"/>
+                <a:ext cx="6306533" cy="5032375"/>
+              </a:xfrm>
+            </p:spPr>
+            <p:txBody>
+              <a:bodyPr>
+                <a:normAutofit/>
+              </a:bodyPr>
+              <a:lstStyle/>
+              <a:p>
+                <a:r>
+                  <a:rPr lang="pt-BR" dirty="0"/>
+                  <a:t>Conforme nós vimos, no gradiente descendente, o </a:t>
+                </a:r>
+                <a:r>
+                  <a:rPr lang="pt-BR" b="1" i="1" dirty="0">
+                    <a:solidFill>
+                      <a:srgbClr val="FF0000"/>
+                    </a:solidFill>
+                  </a:rPr>
+                  <a:t>negativo</a:t>
+                </a:r>
+                <a:r>
+                  <a:rPr lang="pt-BR" dirty="0"/>
+                  <a:t> do </a:t>
+                </a:r>
+                <a:r>
+                  <a:rPr lang="pt-BR" b="1" i="1" dirty="0">
+                    <a:solidFill>
+                      <a:srgbClr val="7030A0"/>
+                    </a:solidFill>
+                  </a:rPr>
+                  <a:t>vetor gradiente</a:t>
+                </a:r>
+                <a:r>
+                  <a:rPr lang="pt-BR" dirty="0"/>
+                  <a:t>, </a:t>
+                </a:r>
+                <a14:m>
+                  <m:oMath xmlns:m="http://schemas.openxmlformats.org/officeDocument/2006/math">
+                    <m:r>
+                      <a:rPr lang="pt-BR" b="0" i="0" smtClean="0">
+                        <a:latin typeface="Cambria Math" panose="02040503050406030204" pitchFamily="18" charset="0"/>
+                        <a:ea typeface="Cambria Math" panose="02040503050406030204" pitchFamily="18" charset="0"/>
+                      </a:rPr>
+                      <m:t>−</m:t>
+                    </m:r>
+                    <m:r>
+                      <a:rPr lang="pt-BR" i="1" smtClean="0">
+                        <a:latin typeface="Cambria Math" panose="02040503050406030204" pitchFamily="18" charset="0"/>
+                        <a:ea typeface="Cambria Math" panose="02040503050406030204" pitchFamily="18" charset="0"/>
+                      </a:rPr>
+                      <m:t>𝛻</m:t>
+                    </m:r>
+                    <m:r>
+                      <a:rPr lang="pt-BR" i="1" smtClean="0">
+                        <a:latin typeface="Cambria Math" panose="02040503050406030204" pitchFamily="18" charset="0"/>
+                        <a:ea typeface="Cambria Math" panose="02040503050406030204" pitchFamily="18" charset="0"/>
+                      </a:rPr>
+                      <m:t>𝑓</m:t>
+                    </m:r>
+                    <m:d>
+                      <m:dPr>
+                        <m:ctrlPr>
+                          <a:rPr lang="pt-BR" i="1">
+                            <a:latin typeface="Cambria Math" panose="02040503050406030204" pitchFamily="18" charset="0"/>
+                            <a:ea typeface="Cambria Math" panose="02040503050406030204" pitchFamily="18" charset="0"/>
+                          </a:rPr>
+                        </m:ctrlPr>
+                      </m:dPr>
+                      <m:e>
+                        <m:r>
+                          <a:rPr lang="pt-BR" i="1">
+                            <a:latin typeface="Cambria Math" panose="02040503050406030204" pitchFamily="18" charset="0"/>
+                          </a:rPr>
+                          <m:t>𝑥</m:t>
+                        </m:r>
+                      </m:e>
+                    </m:d>
+                  </m:oMath>
+                </a14:m>
+                <a:r>
+                  <a:rPr lang="pt-BR" dirty="0"/>
+                  <a:t>, dá a </a:t>
+                </a:r>
+                <a:r>
+                  <a:rPr lang="pt-BR" b="1" i="1" dirty="0">
+                    <a:solidFill>
+                      <a:srgbClr val="00B050"/>
+                    </a:solidFill>
+                  </a:rPr>
+                  <a:t>direção </a:t>
+                </a:r>
+                <a:r>
+                  <a:rPr lang="pt-BR" b="1" i="1" dirty="0">
+                    <a:solidFill>
+                      <a:srgbClr val="00B050"/>
+                    </a:solidFill>
+                    <a:effectLst/>
+                  </a:rPr>
+                  <a:t>de decrescimento mais rápido de uma função</a:t>
+                </a:r>
+                <a:r>
+                  <a:rPr lang="pt-BR" b="0" i="0" dirty="0">
+                    <a:effectLst/>
+                  </a:rPr>
+                  <a:t> a partir de um ponto e sua </a:t>
+                </a:r>
+                <a:r>
+                  <a:rPr lang="pt-BR" b="1" i="1" dirty="0">
+                    <a:solidFill>
+                      <a:srgbClr val="00B050"/>
+                    </a:solidFill>
+                    <a:effectLst/>
+                  </a:rPr>
+                  <a:t>magnitude</a:t>
+                </a:r>
+                <a:r>
+                  <a:rPr lang="pt-BR" b="0" i="0" dirty="0">
+                    <a:effectLst/>
+                  </a:rPr>
+                  <a:t> indica a </a:t>
+                </a:r>
+                <a:r>
+                  <a:rPr lang="pt-BR" b="1" i="1" dirty="0">
+                    <a:solidFill>
+                      <a:srgbClr val="00B050"/>
+                    </a:solidFill>
+                    <a:effectLst/>
+                  </a:rPr>
+                  <a:t>taxa de variação da função</a:t>
+                </a:r>
+                <a:r>
+                  <a:rPr lang="pt-BR" b="0" i="0" dirty="0">
+                    <a:effectLst/>
+                  </a:rPr>
+                  <a:t> nessa direção.</a:t>
+                </a:r>
+                <a:endParaRPr lang="pt-BR" b="1" i="1" dirty="0">
+                  <a:effectLst/>
+                </a:endParaRPr>
+              </a:p>
+              <a:p>
+                <a:r>
+                  <a:rPr lang="pt-BR" dirty="0"/>
+                  <a:t>Porém, ele não nos informa a </a:t>
+                </a:r>
+                <a:r>
+                  <a:rPr lang="pt-BR" b="1" i="1" dirty="0">
+                    <a:solidFill>
+                      <a:srgbClr val="00B050"/>
+                    </a:solidFill>
+                  </a:rPr>
+                  <a:t>distância</a:t>
+                </a:r>
+                <a:r>
+                  <a:rPr lang="pt-BR" dirty="0"/>
+                  <a:t> até o ponto de máximo.</a:t>
+                </a:r>
+              </a:p>
+            </p:txBody>
+          </p:sp>
+        </mc:Choice>
+        <mc:Fallback xmlns="">
+          <p:sp>
+            <p:nvSpPr>
+              <p:cNvPr id="3" name="Espaço Reservado para Conteúdo 2">
+                <a:extLst>
+                  <a:ext uri="{FF2B5EF4-FFF2-40B4-BE49-F238E27FC236}">
+                    <a16:creationId xmlns:a16="http://schemas.microsoft.com/office/drawing/2014/main" id="{3323DEB1-E32D-5111-52A9-A936D5B18776}"/>
+                  </a:ext>
+                </a:extLst>
+              </p:cNvPr>
+              <p:cNvSpPr>
+                <a:spLocks noGrp="1" noRot="1" noChangeAspect="1" noMove="1" noResize="1" noEditPoints="1" noAdjustHandles="1" noChangeArrowheads="1" noChangeShapeType="1" noTextEdit="1"/>
+              </p:cNvSpPr>
+              <p:nvPr>
+                <p:ph idx="1"/>
+              </p:nvPr>
+            </p:nvSpPr>
+            <p:spPr>
+              <a:xfrm>
+                <a:off x="5693790" y="1825624"/>
+                <a:ext cx="6306533" cy="5032375"/>
+              </a:xfrm>
+              <a:blipFill>
+                <a:blip r:embed="rId2"/>
+                <a:stretch>
+                  <a:fillRect l="-1739" t="-1937" r="-1449"/>
+                </a:stretch>
+              </a:blipFill>
+            </p:spPr>
+            <p:txBody>
+              <a:bodyPr/>
+              <a:lstStyle/>
+              <a:p>
+                <a:r>
+                  <a:rPr lang="pt-BR">
+                    <a:noFill/>
+                  </a:rPr>
+                  <a:t> </a:t>
+                </a:r>
+              </a:p>
+            </p:txBody>
+          </p:sp>
+        </mc:Fallback>
+      </mc:AlternateContent>
+      <p:pic>
+        <p:nvPicPr>
+          <p:cNvPr id="4" name="Imagem 3">
+            <a:extLst>
+              <a:ext uri="{FF2B5EF4-FFF2-40B4-BE49-F238E27FC236}">
+                <a16:creationId xmlns:a16="http://schemas.microsoft.com/office/drawing/2014/main" id="{860F9137-10B0-2765-3CAF-0E8F4196E620}"/>
+              </a:ext>
+            </a:extLst>
+          </p:cNvPr>
+          <p:cNvPicPr>
+            <a:picLocks noChangeAspect="1"/>
+          </p:cNvPicPr>
+          <p:nvPr/>
+        </p:nvPicPr>
+        <p:blipFill rotWithShape="1">
+          <a:blip r:embed="rId3">
+            <a:extLst>
+              <a:ext uri="{28A0092B-C50C-407E-A947-70E740481C1C}">
+                <a14:useLocalDpi xmlns:a14="http://schemas.microsoft.com/office/drawing/2010/main" val="0"/>
+              </a:ext>
+            </a:extLst>
+          </a:blip>
+          <a:srcRect t="47746"/>
+          <a:stretch/>
+        </p:blipFill>
+        <p:spPr>
+          <a:xfrm>
+            <a:off x="191677" y="2780906"/>
+            <a:ext cx="5270984" cy="1888343"/>
+          </a:xfrm>
+          <a:prstGeom prst="rect">
+            <a:avLst/>
+          </a:prstGeom>
+        </p:spPr>
+      </p:pic>
+    </p:spTree>
+    <p:extLst>
+      <p:ext uri="{BB962C8B-B14F-4D97-AF65-F5344CB8AC3E}">
+        <p14:creationId xmlns:p14="http://schemas.microsoft.com/office/powerpoint/2010/main" val="1489300720"/>
+      </p:ext>
+    </p:extLst>
+  </p:cSld>
+  <p:clrMapOvr>
+    <a:masterClrMapping/>
+  </p:clrMapOvr>
+</p:sld>
+</file>
+
+<file path=ppt/slides/slide30.xml><?xml version="1.0" encoding="utf-8"?>
 <p:sld xmlns:a="http://schemas.openxmlformats.org/drawingml/2006/main" xmlns:r="http://schemas.openxmlformats.org/officeDocument/2006/relationships" xmlns:p="http://schemas.openxmlformats.org/presentationml/2006/main">
   <p:cSld>
     <p:spTree>
@@ -12878,7 +15781,7 @@
 </p:sld>
 </file>
 
-<file path=ppt/slides/slide23.xml><?xml version="1.0" encoding="utf-8"?>
+<file path=ppt/slides/slide31.xml><?xml version="1.0" encoding="utf-8"?>
 <p:sld xmlns:a="http://schemas.openxmlformats.org/drawingml/2006/main" xmlns:r="http://schemas.openxmlformats.org/officeDocument/2006/relationships" xmlns:p="http://schemas.openxmlformats.org/presentationml/2006/main">
   <p:cSld>
     <p:spTree>
@@ -14819,7 +17722,7 @@
 </p:sld>
 </file>
 
-<file path=ppt/slides/slide24.xml><?xml version="1.0" encoding="utf-8"?>
+<file path=ppt/slides/slide32.xml><?xml version="1.0" encoding="utf-8"?>
 <p:sld xmlns:a="http://schemas.openxmlformats.org/drawingml/2006/main" xmlns:r="http://schemas.openxmlformats.org/officeDocument/2006/relationships" xmlns:p="http://schemas.openxmlformats.org/presentationml/2006/main">
   <p:cSld>
     <p:spTree>
@@ -15969,7 +18872,7 @@
 </p:sld>
 </file>
 
-<file path=ppt/slides/slide25.xml><?xml version="1.0" encoding="utf-8"?>
+<file path=ppt/slides/slide33.xml><?xml version="1.0" encoding="utf-8"?>
 <p:sld xmlns:a="http://schemas.openxmlformats.org/drawingml/2006/main" xmlns:r="http://schemas.openxmlformats.org/officeDocument/2006/relationships" xmlns:p="http://schemas.openxmlformats.org/presentationml/2006/main">
   <p:cSld>
     <p:spTree>
@@ -17314,7 +20217,7 @@
 </p:sld>
 </file>
 
-<file path=ppt/slides/slide26.xml><?xml version="1.0" encoding="utf-8"?>
+<file path=ppt/slides/slide34.xml><?xml version="1.0" encoding="utf-8"?>
 <p:sld xmlns:a="http://schemas.openxmlformats.org/drawingml/2006/main" xmlns:r="http://schemas.openxmlformats.org/officeDocument/2006/relationships" xmlns:p="http://schemas.openxmlformats.org/presentationml/2006/main">
   <p:cSld>
     <p:spTree>
@@ -18658,7 +21561,7 @@
 </p:sld>
 </file>
 
-<file path=ppt/slides/slide27.xml><?xml version="1.0" encoding="utf-8"?>
+<file path=ppt/slides/slide35.xml><?xml version="1.0" encoding="utf-8"?>
 <p:sld xmlns:a="http://schemas.openxmlformats.org/drawingml/2006/main" xmlns:r="http://schemas.openxmlformats.org/officeDocument/2006/relationships" xmlns:p="http://schemas.openxmlformats.org/presentationml/2006/main">
   <p:cSld>
     <p:spTree>
@@ -20410,7 +23313,1767 @@
 </p:sld>
 </file>
 
-<file path=ppt/slides/slide28.xml><?xml version="1.0" encoding="utf-8"?>
+<file path=ppt/slides/slide36.xml><?xml version="1.0" encoding="utf-8"?>
+<p:sld xmlns:a="http://schemas.openxmlformats.org/drawingml/2006/main" xmlns:r="http://schemas.openxmlformats.org/officeDocument/2006/relationships" xmlns:p="http://schemas.openxmlformats.org/presentationml/2006/main">
+  <p:cSld>
+    <p:spTree>
+      <p:nvGrpSpPr>
+        <p:cNvPr id="1" name=""/>
+        <p:cNvGrpSpPr/>
+        <p:nvPr/>
+      </p:nvGrpSpPr>
+      <p:grpSpPr>
+        <a:xfrm>
+          <a:off x="0" y="0"/>
+          <a:ext cx="0" cy="0"/>
+          <a:chOff x="0" y="0"/>
+          <a:chExt cx="0" cy="0"/>
+        </a:xfrm>
+      </p:grpSpPr>
+      <p:grpSp>
+        <p:nvGrpSpPr>
+          <p:cNvPr id="30" name="Group 29"/>
+          <p:cNvGrpSpPr/>
+          <p:nvPr/>
+        </p:nvGrpSpPr>
+        <p:grpSpPr>
+          <a:xfrm>
+            <a:off x="510540" y="739715"/>
+            <a:ext cx="3197975" cy="2476760"/>
+            <a:chOff x="6426200" y="2839619"/>
+            <a:chExt cx="3197975" cy="2476760"/>
+          </a:xfrm>
+        </p:grpSpPr>
+        <p:cxnSp>
+          <p:nvCxnSpPr>
+            <p:cNvPr id="18" name="Straight Arrow Connector 17"/>
+            <p:cNvCxnSpPr/>
+            <p:nvPr/>
+          </p:nvCxnSpPr>
+          <p:spPr>
+            <a:xfrm>
+              <a:off x="6432550" y="2924872"/>
+              <a:ext cx="0" cy="1800000"/>
+            </a:xfrm>
+            <a:prstGeom prst="straightConnector1">
+              <a:avLst/>
+            </a:prstGeom>
+            <a:ln w="12700">
+              <a:solidFill>
+                <a:schemeClr val="tx1"/>
+              </a:solidFill>
+              <a:headEnd type="triangle" w="med" len="med"/>
+              <a:tailEnd type="none" w="med" len="med"/>
+            </a:ln>
+          </p:spPr>
+          <p:style>
+            <a:lnRef idx="1">
+              <a:schemeClr val="accent1"/>
+            </a:lnRef>
+            <a:fillRef idx="0">
+              <a:schemeClr val="accent1"/>
+            </a:fillRef>
+            <a:effectRef idx="0">
+              <a:schemeClr val="accent1"/>
+            </a:effectRef>
+            <a:fontRef idx="minor">
+              <a:schemeClr val="tx1"/>
+            </a:fontRef>
+          </p:style>
+        </p:cxnSp>
+        <p:cxnSp>
+          <p:nvCxnSpPr>
+            <p:cNvPr id="19" name="Straight Arrow Connector 18"/>
+            <p:cNvCxnSpPr/>
+            <p:nvPr/>
+          </p:nvCxnSpPr>
+          <p:spPr>
+            <a:xfrm flipH="1">
+              <a:off x="6426200" y="4726109"/>
+              <a:ext cx="2592000" cy="0"/>
+            </a:xfrm>
+            <a:prstGeom prst="straightConnector1">
+              <a:avLst/>
+            </a:prstGeom>
+            <a:ln w="12700">
+              <a:solidFill>
+                <a:schemeClr val="tx1"/>
+              </a:solidFill>
+              <a:headEnd type="triangle" w="med" len="med"/>
+              <a:tailEnd type="none" w="med" len="med"/>
+            </a:ln>
+          </p:spPr>
+          <p:style>
+            <a:lnRef idx="1">
+              <a:schemeClr val="accent1"/>
+            </a:lnRef>
+            <a:fillRef idx="0">
+              <a:schemeClr val="accent1"/>
+            </a:fillRef>
+            <a:effectRef idx="0">
+              <a:schemeClr val="accent1"/>
+            </a:effectRef>
+            <a:fontRef idx="minor">
+              <a:schemeClr val="tx1"/>
+            </a:fontRef>
+          </p:style>
+        </p:cxnSp>
+        <mc:AlternateContent xmlns:mc="http://schemas.openxmlformats.org/markup-compatibility/2006" xmlns:a14="http://schemas.microsoft.com/office/drawing/2010/main">
+          <mc:Choice Requires="a14">
+            <p:sp>
+              <p:nvSpPr>
+                <p:cNvPr id="20" name="Rectangle 19"/>
+                <p:cNvSpPr/>
+                <p:nvPr/>
+              </p:nvSpPr>
+              <p:spPr>
+                <a:xfrm>
+                  <a:off x="6498442" y="2839619"/>
+                  <a:ext cx="753220" cy="369332"/>
+                </a:xfrm>
+                <a:prstGeom prst="rect">
+                  <a:avLst/>
+                </a:prstGeom>
+              </p:spPr>
+              <p:txBody>
+                <a:bodyPr wrap="none">
+                  <a:spAutoFit/>
+                </a:bodyPr>
+                <a:lstStyle/>
+                <a:p>
+                  <a:pPr/>
+                  <a14:m>
+                    <m:oMathPara xmlns:m="http://schemas.openxmlformats.org/officeDocument/2006/math">
+                      <m:oMathParaPr>
+                        <m:jc m:val="centerGroup"/>
+                      </m:oMathParaPr>
+                      <m:oMath xmlns:m="http://schemas.openxmlformats.org/officeDocument/2006/math">
+                        <m:sSub>
+                          <m:sSubPr>
+                            <m:ctrlPr>
+                              <a:rPr lang="pt-BR" i="1">
+                                <a:latin typeface="Cambria Math" panose="02040503050406030204" pitchFamily="18" charset="0"/>
+                                <a:ea typeface="Cambria Math" panose="02040503050406030204" pitchFamily="18" charset="0"/>
+                              </a:rPr>
+                            </m:ctrlPr>
+                          </m:sSubPr>
+                          <m:e>
+                            <m:r>
+                              <a:rPr lang="pt-BR" i="1">
+                                <a:latin typeface="Cambria Math" panose="02040503050406030204" pitchFamily="18" charset="0"/>
+                                <a:ea typeface="Cambria Math" panose="02040503050406030204" pitchFamily="18" charset="0"/>
+                              </a:rPr>
+                              <m:t>𝐽</m:t>
+                            </m:r>
+                          </m:e>
+                          <m:sub>
+                            <m:r>
+                              <a:rPr lang="pt-BR" i="1">
+                                <a:latin typeface="Cambria Math" panose="02040503050406030204" pitchFamily="18" charset="0"/>
+                                <a:ea typeface="Cambria Math" panose="02040503050406030204" pitchFamily="18" charset="0"/>
+                              </a:rPr>
+                              <m:t>𝑒</m:t>
+                            </m:r>
+                          </m:sub>
+                        </m:sSub>
+                        <m:r>
+                          <a:rPr lang="pt-BR" i="1">
+                            <a:latin typeface="Cambria Math" panose="02040503050406030204" pitchFamily="18" charset="0"/>
+                            <a:ea typeface="Cambria Math" panose="02040503050406030204" pitchFamily="18" charset="0"/>
+                          </a:rPr>
+                          <m:t>(</m:t>
+                        </m:r>
+                        <m:r>
+                          <a:rPr lang="pt-BR" b="1" i="1">
+                            <a:latin typeface="Cambria Math" panose="02040503050406030204" pitchFamily="18" charset="0"/>
+                            <a:ea typeface="Cambria Math" panose="02040503050406030204" pitchFamily="18" charset="0"/>
+                          </a:rPr>
+                          <m:t>𝒂</m:t>
+                        </m:r>
+                        <m:r>
+                          <a:rPr lang="pt-BR" i="1">
+                            <a:latin typeface="Cambria Math" panose="02040503050406030204" pitchFamily="18" charset="0"/>
+                            <a:ea typeface="Cambria Math" panose="02040503050406030204" pitchFamily="18" charset="0"/>
+                          </a:rPr>
+                          <m:t>)</m:t>
+                        </m:r>
+                      </m:oMath>
+                    </m:oMathPara>
+                  </a14:m>
+                  <a:endParaRPr lang="nl-BE" dirty="0"/>
+                </a:p>
+              </p:txBody>
+            </p:sp>
+          </mc:Choice>
+          <mc:Fallback xmlns="">
+            <p:sp>
+              <p:nvSpPr>
+                <p:cNvPr id="20" name="Rectangle 19"/>
+                <p:cNvSpPr>
+                  <a:spLocks noRot="1" noChangeAspect="1" noMove="1" noResize="1" noEditPoints="1" noAdjustHandles="1" noChangeArrowheads="1" noChangeShapeType="1" noTextEdit="1"/>
+                </p:cNvSpPr>
+                <p:nvPr/>
+              </p:nvSpPr>
+              <p:spPr>
+                <a:xfrm>
+                  <a:off x="6498442" y="2839619"/>
+                  <a:ext cx="753220" cy="369332"/>
+                </a:xfrm>
+                <a:prstGeom prst="rect">
+                  <a:avLst/>
+                </a:prstGeom>
+                <a:blipFill>
+                  <a:blip r:embed="rId3"/>
+                  <a:stretch>
+                    <a:fillRect b="-13333"/>
+                  </a:stretch>
+                </a:blipFill>
+              </p:spPr>
+              <p:txBody>
+                <a:bodyPr/>
+                <a:lstStyle/>
+                <a:p>
+                  <a:r>
+                    <a:rPr lang="pt-BR">
+                      <a:noFill/>
+                    </a:rPr>
+                    <a:t> </a:t>
+                  </a:r>
+                </a:p>
+              </p:txBody>
+            </p:sp>
+          </mc:Fallback>
+        </mc:AlternateContent>
+        <p:sp>
+          <p:nvSpPr>
+            <p:cNvPr id="21" name="Rectangle 20"/>
+            <p:cNvSpPr/>
+            <p:nvPr/>
+          </p:nvSpPr>
+          <p:spPr>
+            <a:xfrm>
+              <a:off x="8409450" y="4731604"/>
+              <a:ext cx="1214725" cy="584775"/>
+            </a:xfrm>
+            <a:prstGeom prst="rect">
+              <a:avLst/>
+            </a:prstGeom>
+          </p:spPr>
+          <p:txBody>
+            <a:bodyPr wrap="square">
+              <a:spAutoFit/>
+            </a:bodyPr>
+            <a:lstStyle/>
+            <a:p>
+              <a:pPr algn="ctr"/>
+              <a:r>
+                <a:rPr lang="nl-BE" sz="1600" dirty="0"/>
+                <a:t>Épocas ou</a:t>
+              </a:r>
+            </a:p>
+            <a:p>
+              <a:pPr algn="ctr"/>
+              <a:r>
+                <a:rPr lang="nl-BE" sz="1600" dirty="0"/>
+                <a:t>iterações</a:t>
+              </a:r>
+            </a:p>
+          </p:txBody>
+        </p:sp>
+        <p:sp>
+          <p:nvSpPr>
+            <p:cNvPr id="29" name="Freeform 28"/>
+            <p:cNvSpPr/>
+            <p:nvPr/>
+          </p:nvSpPr>
+          <p:spPr>
+            <a:xfrm>
+              <a:off x="6575413" y="3276600"/>
+              <a:ext cx="2209800" cy="1387355"/>
+            </a:xfrm>
+            <a:custGeom>
+              <a:avLst/>
+              <a:gdLst>
+                <a:gd name="connsiteX0" fmla="*/ 0 w 1699260"/>
+                <a:gd name="connsiteY0" fmla="*/ 0 h 1575619"/>
+                <a:gd name="connsiteX1" fmla="*/ 365760 w 1699260"/>
+                <a:gd name="connsiteY1" fmla="*/ 1348740 h 1575619"/>
+                <a:gd name="connsiteX2" fmla="*/ 1699260 w 1699260"/>
+                <a:gd name="connsiteY2" fmla="*/ 1562100 h 1575619"/>
+              </a:gdLst>
+              <a:ahLst/>
+              <a:cxnLst>
+                <a:cxn ang="0">
+                  <a:pos x="connsiteX0" y="connsiteY0"/>
+                </a:cxn>
+                <a:cxn ang="0">
+                  <a:pos x="connsiteX1" y="connsiteY1"/>
+                </a:cxn>
+                <a:cxn ang="0">
+                  <a:pos x="connsiteX2" y="connsiteY2"/>
+                </a:cxn>
+              </a:cxnLst>
+              <a:rect l="l" t="t" r="r" b="b"/>
+              <a:pathLst>
+                <a:path w="1699260" h="1575619">
+                  <a:moveTo>
+                    <a:pt x="0" y="0"/>
+                  </a:moveTo>
+                  <a:cubicBezTo>
+                    <a:pt x="41275" y="544195"/>
+                    <a:pt x="82550" y="1088390"/>
+                    <a:pt x="365760" y="1348740"/>
+                  </a:cubicBezTo>
+                  <a:cubicBezTo>
+                    <a:pt x="648970" y="1609090"/>
+                    <a:pt x="1174115" y="1585595"/>
+                    <a:pt x="1699260" y="1562100"/>
+                  </a:cubicBezTo>
+                </a:path>
+              </a:pathLst>
+            </a:custGeom>
+            <a:noFill/>
+          </p:spPr>
+          <p:style>
+            <a:lnRef idx="2">
+              <a:schemeClr val="accent1">
+                <a:shade val="50000"/>
+              </a:schemeClr>
+            </a:lnRef>
+            <a:fillRef idx="1">
+              <a:schemeClr val="accent1"/>
+            </a:fillRef>
+            <a:effectRef idx="0">
+              <a:schemeClr val="accent1"/>
+            </a:effectRef>
+            <a:fontRef idx="minor">
+              <a:schemeClr val="lt1"/>
+            </a:fontRef>
+          </p:style>
+          <p:txBody>
+            <a:bodyPr rtlCol="0" anchor="ctr"/>
+            <a:lstStyle/>
+            <a:p>
+              <a:pPr algn="ctr"/>
+              <a:endParaRPr lang="pt-BR"/>
+            </a:p>
+          </p:txBody>
+        </p:sp>
+      </p:grpSp>
+      <p:grpSp>
+        <p:nvGrpSpPr>
+          <p:cNvPr id="32" name="Group 31"/>
+          <p:cNvGrpSpPr/>
+          <p:nvPr/>
+        </p:nvGrpSpPr>
+        <p:grpSpPr>
+          <a:xfrm>
+            <a:off x="4236720" y="758544"/>
+            <a:ext cx="3069922" cy="2495521"/>
+            <a:chOff x="4224020" y="1913568"/>
+            <a:chExt cx="3069922" cy="2495521"/>
+          </a:xfrm>
+        </p:grpSpPr>
+        <p:cxnSp>
+          <p:nvCxnSpPr>
+            <p:cNvPr id="37" name="Straight Arrow Connector 36"/>
+            <p:cNvCxnSpPr/>
+            <p:nvPr/>
+          </p:nvCxnSpPr>
+          <p:spPr>
+            <a:xfrm>
+              <a:off x="4230370" y="1998821"/>
+              <a:ext cx="0" cy="1800000"/>
+            </a:xfrm>
+            <a:prstGeom prst="straightConnector1">
+              <a:avLst/>
+            </a:prstGeom>
+            <a:ln w="12700">
+              <a:solidFill>
+                <a:schemeClr val="tx1"/>
+              </a:solidFill>
+              <a:headEnd type="triangle" w="med" len="med"/>
+              <a:tailEnd type="none" w="med" len="med"/>
+            </a:ln>
+          </p:spPr>
+          <p:style>
+            <a:lnRef idx="1">
+              <a:schemeClr val="accent1"/>
+            </a:lnRef>
+            <a:fillRef idx="0">
+              <a:schemeClr val="accent1"/>
+            </a:fillRef>
+            <a:effectRef idx="0">
+              <a:schemeClr val="accent1"/>
+            </a:effectRef>
+            <a:fontRef idx="minor">
+              <a:schemeClr val="tx1"/>
+            </a:fontRef>
+          </p:style>
+        </p:cxnSp>
+        <p:cxnSp>
+          <p:nvCxnSpPr>
+            <p:cNvPr id="43" name="Straight Arrow Connector 42"/>
+            <p:cNvCxnSpPr/>
+            <p:nvPr/>
+          </p:nvCxnSpPr>
+          <p:spPr>
+            <a:xfrm flipH="1">
+              <a:off x="4224020" y="3800058"/>
+              <a:ext cx="2592000" cy="0"/>
+            </a:xfrm>
+            <a:prstGeom prst="straightConnector1">
+              <a:avLst/>
+            </a:prstGeom>
+            <a:ln w="12700">
+              <a:solidFill>
+                <a:schemeClr val="tx1"/>
+              </a:solidFill>
+              <a:headEnd type="triangle" w="med" len="med"/>
+              <a:tailEnd type="none" w="med" len="med"/>
+            </a:ln>
+          </p:spPr>
+          <p:style>
+            <a:lnRef idx="1">
+              <a:schemeClr val="accent1"/>
+            </a:lnRef>
+            <a:fillRef idx="0">
+              <a:schemeClr val="accent1"/>
+            </a:fillRef>
+            <a:effectRef idx="0">
+              <a:schemeClr val="accent1"/>
+            </a:effectRef>
+            <a:fontRef idx="minor">
+              <a:schemeClr val="tx1"/>
+            </a:fontRef>
+          </p:style>
+        </p:cxnSp>
+        <mc:AlternateContent xmlns:mc="http://schemas.openxmlformats.org/markup-compatibility/2006" xmlns:a14="http://schemas.microsoft.com/office/drawing/2010/main">
+          <mc:Choice Requires="a14">
+            <p:sp>
+              <p:nvSpPr>
+                <p:cNvPr id="44" name="Rectangle 43"/>
+                <p:cNvSpPr/>
+                <p:nvPr/>
+              </p:nvSpPr>
+              <p:spPr>
+                <a:xfrm>
+                  <a:off x="4296262" y="1913568"/>
+                  <a:ext cx="753220" cy="369332"/>
+                </a:xfrm>
+                <a:prstGeom prst="rect">
+                  <a:avLst/>
+                </a:prstGeom>
+              </p:spPr>
+              <p:txBody>
+                <a:bodyPr wrap="none">
+                  <a:spAutoFit/>
+                </a:bodyPr>
+                <a:lstStyle/>
+                <a:p>
+                  <a:pPr/>
+                  <a14:m>
+                    <m:oMathPara xmlns:m="http://schemas.openxmlformats.org/officeDocument/2006/math">
+                      <m:oMathParaPr>
+                        <m:jc m:val="centerGroup"/>
+                      </m:oMathParaPr>
+                      <m:oMath xmlns:m="http://schemas.openxmlformats.org/officeDocument/2006/math">
+                        <m:sSub>
+                          <m:sSubPr>
+                            <m:ctrlPr>
+                              <a:rPr lang="pt-BR" i="1">
+                                <a:latin typeface="Cambria Math" panose="02040503050406030204" pitchFamily="18" charset="0"/>
+                                <a:ea typeface="Cambria Math" panose="02040503050406030204" pitchFamily="18" charset="0"/>
+                              </a:rPr>
+                            </m:ctrlPr>
+                          </m:sSubPr>
+                          <m:e>
+                            <m:r>
+                              <a:rPr lang="pt-BR" i="1">
+                                <a:latin typeface="Cambria Math" panose="02040503050406030204" pitchFamily="18" charset="0"/>
+                                <a:ea typeface="Cambria Math" panose="02040503050406030204" pitchFamily="18" charset="0"/>
+                              </a:rPr>
+                              <m:t>𝐽</m:t>
+                            </m:r>
+                          </m:e>
+                          <m:sub>
+                            <m:r>
+                              <a:rPr lang="pt-BR" i="1">
+                                <a:latin typeface="Cambria Math" panose="02040503050406030204" pitchFamily="18" charset="0"/>
+                                <a:ea typeface="Cambria Math" panose="02040503050406030204" pitchFamily="18" charset="0"/>
+                              </a:rPr>
+                              <m:t>𝑒</m:t>
+                            </m:r>
+                          </m:sub>
+                        </m:sSub>
+                        <m:r>
+                          <a:rPr lang="pt-BR" i="1">
+                            <a:latin typeface="Cambria Math" panose="02040503050406030204" pitchFamily="18" charset="0"/>
+                            <a:ea typeface="Cambria Math" panose="02040503050406030204" pitchFamily="18" charset="0"/>
+                          </a:rPr>
+                          <m:t>(</m:t>
+                        </m:r>
+                        <m:r>
+                          <a:rPr lang="pt-BR" b="1" i="1">
+                            <a:latin typeface="Cambria Math" panose="02040503050406030204" pitchFamily="18" charset="0"/>
+                            <a:ea typeface="Cambria Math" panose="02040503050406030204" pitchFamily="18" charset="0"/>
+                          </a:rPr>
+                          <m:t>𝒂</m:t>
+                        </m:r>
+                        <m:r>
+                          <a:rPr lang="pt-BR" i="1">
+                            <a:latin typeface="Cambria Math" panose="02040503050406030204" pitchFamily="18" charset="0"/>
+                            <a:ea typeface="Cambria Math" panose="02040503050406030204" pitchFamily="18" charset="0"/>
+                          </a:rPr>
+                          <m:t>)</m:t>
+                        </m:r>
+                      </m:oMath>
+                    </m:oMathPara>
+                  </a14:m>
+                  <a:endParaRPr lang="nl-BE" dirty="0"/>
+                </a:p>
+              </p:txBody>
+            </p:sp>
+          </mc:Choice>
+          <mc:Fallback xmlns="">
+            <p:sp>
+              <p:nvSpPr>
+                <p:cNvPr id="44" name="Rectangle 43"/>
+                <p:cNvSpPr>
+                  <a:spLocks noRot="1" noChangeAspect="1" noMove="1" noResize="1" noEditPoints="1" noAdjustHandles="1" noChangeArrowheads="1" noChangeShapeType="1" noTextEdit="1"/>
+                </p:cNvSpPr>
+                <p:nvPr/>
+              </p:nvSpPr>
+              <p:spPr>
+                <a:xfrm>
+                  <a:off x="4296262" y="1913568"/>
+                  <a:ext cx="753220" cy="369332"/>
+                </a:xfrm>
+                <a:prstGeom prst="rect">
+                  <a:avLst/>
+                </a:prstGeom>
+                <a:blipFill>
+                  <a:blip r:embed="rId4"/>
+                  <a:stretch>
+                    <a:fillRect b="-13333"/>
+                  </a:stretch>
+                </a:blipFill>
+              </p:spPr>
+              <p:txBody>
+                <a:bodyPr/>
+                <a:lstStyle/>
+                <a:p>
+                  <a:r>
+                    <a:rPr lang="pt-BR">
+                      <a:noFill/>
+                    </a:rPr>
+                    <a:t> </a:t>
+                  </a:r>
+                </a:p>
+              </p:txBody>
+            </p:sp>
+          </mc:Fallback>
+        </mc:AlternateContent>
+        <p:sp>
+          <p:nvSpPr>
+            <p:cNvPr id="45" name="Rectangle 44"/>
+            <p:cNvSpPr/>
+            <p:nvPr/>
+          </p:nvSpPr>
+          <p:spPr>
+            <a:xfrm>
+              <a:off x="6266344" y="3824314"/>
+              <a:ext cx="1027598" cy="584775"/>
+            </a:xfrm>
+            <a:prstGeom prst="rect">
+              <a:avLst/>
+            </a:prstGeom>
+          </p:spPr>
+          <p:txBody>
+            <a:bodyPr wrap="square">
+              <a:spAutoFit/>
+            </a:bodyPr>
+            <a:lstStyle/>
+            <a:p>
+              <a:pPr algn="ctr"/>
+              <a:r>
+                <a:rPr lang="nl-BE" sz="1600" dirty="0"/>
+                <a:t>Épocas ou</a:t>
+              </a:r>
+            </a:p>
+            <a:p>
+              <a:pPr algn="ctr"/>
+              <a:r>
+                <a:rPr lang="nl-BE" sz="1600" dirty="0"/>
+                <a:t>iterações</a:t>
+              </a:r>
+            </a:p>
+          </p:txBody>
+        </p:sp>
+        <p:sp>
+          <p:nvSpPr>
+            <p:cNvPr id="31" name="Freeform 30"/>
+            <p:cNvSpPr/>
+            <p:nvPr/>
+          </p:nvSpPr>
+          <p:spPr>
+            <a:xfrm>
+              <a:off x="4419600" y="2415540"/>
+              <a:ext cx="2209800" cy="1104900"/>
+            </a:xfrm>
+            <a:custGeom>
+              <a:avLst/>
+              <a:gdLst>
+                <a:gd name="connsiteX0" fmla="*/ 0 w 2209800"/>
+                <a:gd name="connsiteY0" fmla="*/ 0 h 1104900"/>
+                <a:gd name="connsiteX1" fmla="*/ 800100 w 2209800"/>
+                <a:gd name="connsiteY1" fmla="*/ 838200 h 1104900"/>
+                <a:gd name="connsiteX2" fmla="*/ 2209800 w 2209800"/>
+                <a:gd name="connsiteY2" fmla="*/ 1104900 h 1104900"/>
+              </a:gdLst>
+              <a:ahLst/>
+              <a:cxnLst>
+                <a:cxn ang="0">
+                  <a:pos x="connsiteX0" y="connsiteY0"/>
+                </a:cxn>
+                <a:cxn ang="0">
+                  <a:pos x="connsiteX1" y="connsiteY1"/>
+                </a:cxn>
+                <a:cxn ang="0">
+                  <a:pos x="connsiteX2" y="connsiteY2"/>
+                </a:cxn>
+              </a:cxnLst>
+              <a:rect l="l" t="t" r="r" b="b"/>
+              <a:pathLst>
+                <a:path w="2209800" h="1104900">
+                  <a:moveTo>
+                    <a:pt x="0" y="0"/>
+                  </a:moveTo>
+                  <a:cubicBezTo>
+                    <a:pt x="215900" y="327025"/>
+                    <a:pt x="431800" y="654050"/>
+                    <a:pt x="800100" y="838200"/>
+                  </a:cubicBezTo>
+                  <a:cubicBezTo>
+                    <a:pt x="1168400" y="1022350"/>
+                    <a:pt x="1902460" y="1054100"/>
+                    <a:pt x="2209800" y="1104900"/>
+                  </a:cubicBezTo>
+                </a:path>
+              </a:pathLst>
+            </a:custGeom>
+            <a:noFill/>
+          </p:spPr>
+          <p:style>
+            <a:lnRef idx="2">
+              <a:schemeClr val="accent1">
+                <a:shade val="50000"/>
+              </a:schemeClr>
+            </a:lnRef>
+            <a:fillRef idx="1">
+              <a:schemeClr val="accent1"/>
+            </a:fillRef>
+            <a:effectRef idx="0">
+              <a:schemeClr val="accent1"/>
+            </a:effectRef>
+            <a:fontRef idx="minor">
+              <a:schemeClr val="lt1"/>
+            </a:fontRef>
+          </p:style>
+          <p:txBody>
+            <a:bodyPr rtlCol="0" anchor="ctr"/>
+            <a:lstStyle/>
+            <a:p>
+              <a:pPr algn="ctr"/>
+              <a:endParaRPr lang="pt-BR"/>
+            </a:p>
+          </p:txBody>
+        </p:sp>
+      </p:grpSp>
+      <p:grpSp>
+        <p:nvGrpSpPr>
+          <p:cNvPr id="34" name="Group 33"/>
+          <p:cNvGrpSpPr/>
+          <p:nvPr/>
+        </p:nvGrpSpPr>
+        <p:grpSpPr>
+          <a:xfrm>
+            <a:off x="8406332" y="824968"/>
+            <a:ext cx="3105799" cy="2479912"/>
+            <a:chOff x="8393632" y="1979992"/>
+            <a:chExt cx="3105799" cy="2479912"/>
+          </a:xfrm>
+        </p:grpSpPr>
+        <p:cxnSp>
+          <p:nvCxnSpPr>
+            <p:cNvPr id="48" name="Straight Arrow Connector 47"/>
+            <p:cNvCxnSpPr/>
+            <p:nvPr/>
+          </p:nvCxnSpPr>
+          <p:spPr>
+            <a:xfrm>
+              <a:off x="8399982" y="2065245"/>
+              <a:ext cx="0" cy="1800000"/>
+            </a:xfrm>
+            <a:prstGeom prst="straightConnector1">
+              <a:avLst/>
+            </a:prstGeom>
+            <a:ln w="12700">
+              <a:solidFill>
+                <a:schemeClr val="tx1"/>
+              </a:solidFill>
+              <a:headEnd type="triangle" w="med" len="med"/>
+              <a:tailEnd type="none" w="med" len="med"/>
+            </a:ln>
+          </p:spPr>
+          <p:style>
+            <a:lnRef idx="1">
+              <a:schemeClr val="accent1"/>
+            </a:lnRef>
+            <a:fillRef idx="0">
+              <a:schemeClr val="accent1"/>
+            </a:fillRef>
+            <a:effectRef idx="0">
+              <a:schemeClr val="accent1"/>
+            </a:effectRef>
+            <a:fontRef idx="minor">
+              <a:schemeClr val="tx1"/>
+            </a:fontRef>
+          </p:style>
+        </p:cxnSp>
+        <p:cxnSp>
+          <p:nvCxnSpPr>
+            <p:cNvPr id="49" name="Straight Arrow Connector 48"/>
+            <p:cNvCxnSpPr/>
+            <p:nvPr/>
+          </p:nvCxnSpPr>
+          <p:spPr>
+            <a:xfrm flipH="1">
+              <a:off x="8393632" y="3866482"/>
+              <a:ext cx="2592000" cy="0"/>
+            </a:xfrm>
+            <a:prstGeom prst="straightConnector1">
+              <a:avLst/>
+            </a:prstGeom>
+            <a:ln w="12700">
+              <a:solidFill>
+                <a:schemeClr val="tx1"/>
+              </a:solidFill>
+              <a:headEnd type="triangle" w="med" len="med"/>
+              <a:tailEnd type="none" w="med" len="med"/>
+            </a:ln>
+          </p:spPr>
+          <p:style>
+            <a:lnRef idx="1">
+              <a:schemeClr val="accent1"/>
+            </a:lnRef>
+            <a:fillRef idx="0">
+              <a:schemeClr val="accent1"/>
+            </a:fillRef>
+            <a:effectRef idx="0">
+              <a:schemeClr val="accent1"/>
+            </a:effectRef>
+            <a:fontRef idx="minor">
+              <a:schemeClr val="tx1"/>
+            </a:fontRef>
+          </p:style>
+        </p:cxnSp>
+        <mc:AlternateContent xmlns:mc="http://schemas.openxmlformats.org/markup-compatibility/2006" xmlns:a14="http://schemas.microsoft.com/office/drawing/2010/main">
+          <mc:Choice Requires="a14">
+            <p:sp>
+              <p:nvSpPr>
+                <p:cNvPr id="50" name="Rectangle 49"/>
+                <p:cNvSpPr/>
+                <p:nvPr/>
+              </p:nvSpPr>
+              <p:spPr>
+                <a:xfrm>
+                  <a:off x="8465874" y="1979992"/>
+                  <a:ext cx="753220" cy="369332"/>
+                </a:xfrm>
+                <a:prstGeom prst="rect">
+                  <a:avLst/>
+                </a:prstGeom>
+              </p:spPr>
+              <p:txBody>
+                <a:bodyPr wrap="none">
+                  <a:spAutoFit/>
+                </a:bodyPr>
+                <a:lstStyle/>
+                <a:p>
+                  <a:pPr/>
+                  <a14:m>
+                    <m:oMathPara xmlns:m="http://schemas.openxmlformats.org/officeDocument/2006/math">
+                      <m:oMathParaPr>
+                        <m:jc m:val="centerGroup"/>
+                      </m:oMathParaPr>
+                      <m:oMath xmlns:m="http://schemas.openxmlformats.org/officeDocument/2006/math">
+                        <m:sSub>
+                          <m:sSubPr>
+                            <m:ctrlPr>
+                              <a:rPr lang="pt-BR" i="1">
+                                <a:latin typeface="Cambria Math" panose="02040503050406030204" pitchFamily="18" charset="0"/>
+                                <a:ea typeface="Cambria Math" panose="02040503050406030204" pitchFamily="18" charset="0"/>
+                              </a:rPr>
+                            </m:ctrlPr>
+                          </m:sSubPr>
+                          <m:e>
+                            <m:r>
+                              <a:rPr lang="pt-BR" i="1">
+                                <a:latin typeface="Cambria Math" panose="02040503050406030204" pitchFamily="18" charset="0"/>
+                                <a:ea typeface="Cambria Math" panose="02040503050406030204" pitchFamily="18" charset="0"/>
+                              </a:rPr>
+                              <m:t>𝐽</m:t>
+                            </m:r>
+                          </m:e>
+                          <m:sub>
+                            <m:r>
+                              <a:rPr lang="pt-BR" i="1">
+                                <a:latin typeface="Cambria Math" panose="02040503050406030204" pitchFamily="18" charset="0"/>
+                                <a:ea typeface="Cambria Math" panose="02040503050406030204" pitchFamily="18" charset="0"/>
+                              </a:rPr>
+                              <m:t>𝑒</m:t>
+                            </m:r>
+                          </m:sub>
+                        </m:sSub>
+                        <m:r>
+                          <a:rPr lang="pt-BR" i="1">
+                            <a:latin typeface="Cambria Math" panose="02040503050406030204" pitchFamily="18" charset="0"/>
+                            <a:ea typeface="Cambria Math" panose="02040503050406030204" pitchFamily="18" charset="0"/>
+                          </a:rPr>
+                          <m:t>(</m:t>
+                        </m:r>
+                        <m:r>
+                          <a:rPr lang="pt-BR" b="1" i="1">
+                            <a:latin typeface="Cambria Math" panose="02040503050406030204" pitchFamily="18" charset="0"/>
+                            <a:ea typeface="Cambria Math" panose="02040503050406030204" pitchFamily="18" charset="0"/>
+                          </a:rPr>
+                          <m:t>𝒂</m:t>
+                        </m:r>
+                        <m:r>
+                          <a:rPr lang="pt-BR" i="1">
+                            <a:latin typeface="Cambria Math" panose="02040503050406030204" pitchFamily="18" charset="0"/>
+                            <a:ea typeface="Cambria Math" panose="02040503050406030204" pitchFamily="18" charset="0"/>
+                          </a:rPr>
+                          <m:t>)</m:t>
+                        </m:r>
+                      </m:oMath>
+                    </m:oMathPara>
+                  </a14:m>
+                  <a:endParaRPr lang="nl-BE" dirty="0"/>
+                </a:p>
+              </p:txBody>
+            </p:sp>
+          </mc:Choice>
+          <mc:Fallback xmlns="">
+            <p:sp>
+              <p:nvSpPr>
+                <p:cNvPr id="50" name="Rectangle 49"/>
+                <p:cNvSpPr>
+                  <a:spLocks noRot="1" noChangeAspect="1" noMove="1" noResize="1" noEditPoints="1" noAdjustHandles="1" noChangeArrowheads="1" noChangeShapeType="1" noTextEdit="1"/>
+                </p:cNvSpPr>
+                <p:nvPr/>
+              </p:nvSpPr>
+              <p:spPr>
+                <a:xfrm>
+                  <a:off x="8465874" y="1979992"/>
+                  <a:ext cx="753220" cy="369332"/>
+                </a:xfrm>
+                <a:prstGeom prst="rect">
+                  <a:avLst/>
+                </a:prstGeom>
+                <a:blipFill>
+                  <a:blip r:embed="rId5"/>
+                  <a:stretch>
+                    <a:fillRect b="-13333"/>
+                  </a:stretch>
+                </a:blipFill>
+              </p:spPr>
+              <p:txBody>
+                <a:bodyPr/>
+                <a:lstStyle/>
+                <a:p>
+                  <a:r>
+                    <a:rPr lang="pt-BR">
+                      <a:noFill/>
+                    </a:rPr>
+                    <a:t> </a:t>
+                  </a:r>
+                </a:p>
+              </p:txBody>
+            </p:sp>
+          </mc:Fallback>
+        </mc:AlternateContent>
+        <p:sp>
+          <p:nvSpPr>
+            <p:cNvPr id="51" name="Rectangle 50"/>
+            <p:cNvSpPr/>
+            <p:nvPr/>
+          </p:nvSpPr>
+          <p:spPr>
+            <a:xfrm>
+              <a:off x="10471833" y="3875129"/>
+              <a:ext cx="1027598" cy="584775"/>
+            </a:xfrm>
+            <a:prstGeom prst="rect">
+              <a:avLst/>
+            </a:prstGeom>
+          </p:spPr>
+          <p:txBody>
+            <a:bodyPr wrap="square">
+              <a:spAutoFit/>
+            </a:bodyPr>
+            <a:lstStyle/>
+            <a:p>
+              <a:pPr algn="ctr"/>
+              <a:r>
+                <a:rPr lang="nl-BE" sz="1600" dirty="0"/>
+                <a:t>Épocas ou</a:t>
+              </a:r>
+            </a:p>
+            <a:p>
+              <a:pPr algn="ctr"/>
+              <a:r>
+                <a:rPr lang="nl-BE" sz="1600" dirty="0"/>
+                <a:t>iterações</a:t>
+              </a:r>
+            </a:p>
+          </p:txBody>
+        </p:sp>
+        <p:sp>
+          <p:nvSpPr>
+            <p:cNvPr id="33" name="Freeform 32"/>
+            <p:cNvSpPr/>
+            <p:nvPr/>
+          </p:nvSpPr>
+          <p:spPr>
+            <a:xfrm>
+              <a:off x="8511540" y="2247900"/>
+              <a:ext cx="1676400" cy="929640"/>
+            </a:xfrm>
+            <a:custGeom>
+              <a:avLst/>
+              <a:gdLst>
+                <a:gd name="connsiteX0" fmla="*/ 0 w 1676400"/>
+                <a:gd name="connsiteY0" fmla="*/ 929640 h 929640"/>
+                <a:gd name="connsiteX1" fmla="*/ 1379220 w 1676400"/>
+                <a:gd name="connsiteY1" fmla="*/ 746760 h 929640"/>
+                <a:gd name="connsiteX2" fmla="*/ 1676400 w 1676400"/>
+                <a:gd name="connsiteY2" fmla="*/ 0 h 929640"/>
+              </a:gdLst>
+              <a:ahLst/>
+              <a:cxnLst>
+                <a:cxn ang="0">
+                  <a:pos x="connsiteX0" y="connsiteY0"/>
+                </a:cxn>
+                <a:cxn ang="0">
+                  <a:pos x="connsiteX1" y="connsiteY1"/>
+                </a:cxn>
+                <a:cxn ang="0">
+                  <a:pos x="connsiteX2" y="connsiteY2"/>
+                </a:cxn>
+              </a:cxnLst>
+              <a:rect l="l" t="t" r="r" b="b"/>
+              <a:pathLst>
+                <a:path w="1676400" h="929640">
+                  <a:moveTo>
+                    <a:pt x="0" y="929640"/>
+                  </a:moveTo>
+                  <a:cubicBezTo>
+                    <a:pt x="549910" y="915670"/>
+                    <a:pt x="1099820" y="901700"/>
+                    <a:pt x="1379220" y="746760"/>
+                  </a:cubicBezTo>
+                  <a:cubicBezTo>
+                    <a:pt x="1658620" y="591820"/>
+                    <a:pt x="1667510" y="295910"/>
+                    <a:pt x="1676400" y="0"/>
+                  </a:cubicBezTo>
+                </a:path>
+              </a:pathLst>
+            </a:custGeom>
+            <a:noFill/>
+          </p:spPr>
+          <p:style>
+            <a:lnRef idx="2">
+              <a:schemeClr val="accent1">
+                <a:shade val="50000"/>
+              </a:schemeClr>
+            </a:lnRef>
+            <a:fillRef idx="1">
+              <a:schemeClr val="accent1"/>
+            </a:fillRef>
+            <a:effectRef idx="0">
+              <a:schemeClr val="accent1"/>
+            </a:effectRef>
+            <a:fontRef idx="minor">
+              <a:schemeClr val="lt1"/>
+            </a:fontRef>
+          </p:style>
+          <p:txBody>
+            <a:bodyPr rtlCol="0" anchor="ctr"/>
+            <a:lstStyle/>
+            <a:p>
+              <a:pPr algn="ctr"/>
+              <a:endParaRPr lang="pt-BR"/>
+            </a:p>
+          </p:txBody>
+        </p:sp>
+      </p:grpSp>
+      <p:grpSp>
+        <p:nvGrpSpPr>
+          <p:cNvPr id="3" name="Group 2"/>
+          <p:cNvGrpSpPr/>
+          <p:nvPr/>
+        </p:nvGrpSpPr>
+        <p:grpSpPr>
+          <a:xfrm>
+            <a:off x="4236720" y="3937354"/>
+            <a:ext cx="3002261" cy="2470028"/>
+            <a:chOff x="4230370" y="4542555"/>
+            <a:chExt cx="3002261" cy="2470028"/>
+          </a:xfrm>
+        </p:grpSpPr>
+        <p:cxnSp>
+          <p:nvCxnSpPr>
+            <p:cNvPr id="23" name="Straight Arrow Connector 22"/>
+            <p:cNvCxnSpPr/>
+            <p:nvPr/>
+          </p:nvCxnSpPr>
+          <p:spPr>
+            <a:xfrm>
+              <a:off x="4236720" y="4627808"/>
+              <a:ext cx="0" cy="1800000"/>
+            </a:xfrm>
+            <a:prstGeom prst="straightConnector1">
+              <a:avLst/>
+            </a:prstGeom>
+            <a:ln w="12700">
+              <a:solidFill>
+                <a:schemeClr val="tx1"/>
+              </a:solidFill>
+              <a:headEnd type="triangle" w="med" len="med"/>
+              <a:tailEnd type="none" w="med" len="med"/>
+            </a:ln>
+          </p:spPr>
+          <p:style>
+            <a:lnRef idx="1">
+              <a:schemeClr val="accent1"/>
+            </a:lnRef>
+            <a:fillRef idx="0">
+              <a:schemeClr val="accent1"/>
+            </a:fillRef>
+            <a:effectRef idx="0">
+              <a:schemeClr val="accent1"/>
+            </a:effectRef>
+            <a:fontRef idx="minor">
+              <a:schemeClr val="tx1"/>
+            </a:fontRef>
+          </p:style>
+        </p:cxnSp>
+        <p:cxnSp>
+          <p:nvCxnSpPr>
+            <p:cNvPr id="24" name="Straight Arrow Connector 23"/>
+            <p:cNvCxnSpPr/>
+            <p:nvPr/>
+          </p:nvCxnSpPr>
+          <p:spPr>
+            <a:xfrm flipH="1">
+              <a:off x="4230370" y="6429045"/>
+              <a:ext cx="2592000" cy="0"/>
+            </a:xfrm>
+            <a:prstGeom prst="straightConnector1">
+              <a:avLst/>
+            </a:prstGeom>
+            <a:ln w="12700">
+              <a:solidFill>
+                <a:schemeClr val="tx1"/>
+              </a:solidFill>
+              <a:headEnd type="triangle" w="med" len="med"/>
+              <a:tailEnd type="none" w="med" len="med"/>
+            </a:ln>
+          </p:spPr>
+          <p:style>
+            <a:lnRef idx="1">
+              <a:schemeClr val="accent1"/>
+            </a:lnRef>
+            <a:fillRef idx="0">
+              <a:schemeClr val="accent1"/>
+            </a:fillRef>
+            <a:effectRef idx="0">
+              <a:schemeClr val="accent1"/>
+            </a:effectRef>
+            <a:fontRef idx="minor">
+              <a:schemeClr val="tx1"/>
+            </a:fontRef>
+          </p:style>
+        </p:cxnSp>
+        <mc:AlternateContent xmlns:mc="http://schemas.openxmlformats.org/markup-compatibility/2006" xmlns:a14="http://schemas.microsoft.com/office/drawing/2010/main">
+          <mc:Choice Requires="a14">
+            <p:sp>
+              <p:nvSpPr>
+                <p:cNvPr id="25" name="Rectangle 24"/>
+                <p:cNvSpPr/>
+                <p:nvPr/>
+              </p:nvSpPr>
+              <p:spPr>
+                <a:xfrm>
+                  <a:off x="4302612" y="4542555"/>
+                  <a:ext cx="753220" cy="369332"/>
+                </a:xfrm>
+                <a:prstGeom prst="rect">
+                  <a:avLst/>
+                </a:prstGeom>
+              </p:spPr>
+              <p:txBody>
+                <a:bodyPr wrap="none">
+                  <a:spAutoFit/>
+                </a:bodyPr>
+                <a:lstStyle/>
+                <a:p>
+                  <a:pPr/>
+                  <a14:m>
+                    <m:oMathPara xmlns:m="http://schemas.openxmlformats.org/officeDocument/2006/math">
+                      <m:oMathParaPr>
+                        <m:jc m:val="centerGroup"/>
+                      </m:oMathParaPr>
+                      <m:oMath xmlns:m="http://schemas.openxmlformats.org/officeDocument/2006/math">
+                        <m:sSub>
+                          <m:sSubPr>
+                            <m:ctrlPr>
+                              <a:rPr lang="pt-BR" i="1">
+                                <a:latin typeface="Cambria Math" panose="02040503050406030204" pitchFamily="18" charset="0"/>
+                                <a:ea typeface="Cambria Math" panose="02040503050406030204" pitchFamily="18" charset="0"/>
+                              </a:rPr>
+                            </m:ctrlPr>
+                          </m:sSubPr>
+                          <m:e>
+                            <m:r>
+                              <a:rPr lang="pt-BR" i="1">
+                                <a:latin typeface="Cambria Math" panose="02040503050406030204" pitchFamily="18" charset="0"/>
+                                <a:ea typeface="Cambria Math" panose="02040503050406030204" pitchFamily="18" charset="0"/>
+                              </a:rPr>
+                              <m:t>𝐽</m:t>
+                            </m:r>
+                          </m:e>
+                          <m:sub>
+                            <m:r>
+                              <a:rPr lang="pt-BR" i="1">
+                                <a:latin typeface="Cambria Math" panose="02040503050406030204" pitchFamily="18" charset="0"/>
+                                <a:ea typeface="Cambria Math" panose="02040503050406030204" pitchFamily="18" charset="0"/>
+                              </a:rPr>
+                              <m:t>𝑒</m:t>
+                            </m:r>
+                          </m:sub>
+                        </m:sSub>
+                        <m:r>
+                          <a:rPr lang="pt-BR" i="1">
+                            <a:latin typeface="Cambria Math" panose="02040503050406030204" pitchFamily="18" charset="0"/>
+                            <a:ea typeface="Cambria Math" panose="02040503050406030204" pitchFamily="18" charset="0"/>
+                          </a:rPr>
+                          <m:t>(</m:t>
+                        </m:r>
+                        <m:r>
+                          <a:rPr lang="pt-BR" b="1" i="1">
+                            <a:latin typeface="Cambria Math" panose="02040503050406030204" pitchFamily="18" charset="0"/>
+                            <a:ea typeface="Cambria Math" panose="02040503050406030204" pitchFamily="18" charset="0"/>
+                          </a:rPr>
+                          <m:t>𝒂</m:t>
+                        </m:r>
+                        <m:r>
+                          <a:rPr lang="pt-BR" i="1">
+                            <a:latin typeface="Cambria Math" panose="02040503050406030204" pitchFamily="18" charset="0"/>
+                            <a:ea typeface="Cambria Math" panose="02040503050406030204" pitchFamily="18" charset="0"/>
+                          </a:rPr>
+                          <m:t>)</m:t>
+                        </m:r>
+                      </m:oMath>
+                    </m:oMathPara>
+                  </a14:m>
+                  <a:endParaRPr lang="nl-BE" dirty="0"/>
+                </a:p>
+              </p:txBody>
+            </p:sp>
+          </mc:Choice>
+          <mc:Fallback xmlns="">
+            <p:sp>
+              <p:nvSpPr>
+                <p:cNvPr id="25" name="Rectangle 24"/>
+                <p:cNvSpPr>
+                  <a:spLocks noRot="1" noChangeAspect="1" noMove="1" noResize="1" noEditPoints="1" noAdjustHandles="1" noChangeArrowheads="1" noChangeShapeType="1" noTextEdit="1"/>
+                </p:cNvSpPr>
+                <p:nvPr/>
+              </p:nvSpPr>
+              <p:spPr>
+                <a:xfrm>
+                  <a:off x="4302612" y="4542555"/>
+                  <a:ext cx="753220" cy="369332"/>
+                </a:xfrm>
+                <a:prstGeom prst="rect">
+                  <a:avLst/>
+                </a:prstGeom>
+                <a:blipFill>
+                  <a:blip r:embed="rId6"/>
+                  <a:stretch>
+                    <a:fillRect b="-13115"/>
+                  </a:stretch>
+                </a:blipFill>
+              </p:spPr>
+              <p:txBody>
+                <a:bodyPr/>
+                <a:lstStyle/>
+                <a:p>
+                  <a:r>
+                    <a:rPr lang="pt-BR">
+                      <a:noFill/>
+                    </a:rPr>
+                    <a:t> </a:t>
+                  </a:r>
+                </a:p>
+              </p:txBody>
+            </p:sp>
+          </mc:Fallback>
+        </mc:AlternateContent>
+        <p:sp>
+          <p:nvSpPr>
+            <p:cNvPr id="26" name="Rectangle 25"/>
+            <p:cNvSpPr/>
+            <p:nvPr/>
+          </p:nvSpPr>
+          <p:spPr>
+            <a:xfrm>
+              <a:off x="6205033" y="6427808"/>
+              <a:ext cx="1027598" cy="584775"/>
+            </a:xfrm>
+            <a:prstGeom prst="rect">
+              <a:avLst/>
+            </a:prstGeom>
+          </p:spPr>
+          <p:txBody>
+            <a:bodyPr wrap="square">
+              <a:spAutoFit/>
+            </a:bodyPr>
+            <a:lstStyle/>
+            <a:p>
+              <a:pPr algn="ctr"/>
+              <a:r>
+                <a:rPr lang="nl-BE" sz="1600" dirty="0"/>
+                <a:t>Épocas ou</a:t>
+              </a:r>
+            </a:p>
+            <a:p>
+              <a:pPr algn="ctr"/>
+              <a:r>
+                <a:rPr lang="nl-BE" sz="1600" dirty="0"/>
+                <a:t>iterações</a:t>
+              </a:r>
+            </a:p>
+          </p:txBody>
+        </p:sp>
+        <p:grpSp>
+          <p:nvGrpSpPr>
+            <p:cNvPr id="2" name="Group 1"/>
+            <p:cNvGrpSpPr/>
+            <p:nvPr/>
+          </p:nvGrpSpPr>
+          <p:grpSpPr>
+            <a:xfrm>
+              <a:off x="4296262" y="5421973"/>
+              <a:ext cx="2422570" cy="464820"/>
+              <a:chOff x="4856408" y="5438056"/>
+              <a:chExt cx="2422570" cy="464820"/>
+            </a:xfrm>
+          </p:grpSpPr>
+          <p:sp>
+            <p:nvSpPr>
+              <p:cNvPr id="27" name="Freeform 26"/>
+              <p:cNvSpPr/>
+              <p:nvPr/>
+            </p:nvSpPr>
+            <p:spPr>
+              <a:xfrm>
+                <a:off x="5256786" y="5438056"/>
+                <a:ext cx="403200" cy="464820"/>
+              </a:xfrm>
+              <a:custGeom>
+                <a:avLst/>
+                <a:gdLst>
+                  <a:gd name="connsiteX0" fmla="*/ 0 w 1676400"/>
+                  <a:gd name="connsiteY0" fmla="*/ 929640 h 929640"/>
+                  <a:gd name="connsiteX1" fmla="*/ 1379220 w 1676400"/>
+                  <a:gd name="connsiteY1" fmla="*/ 746760 h 929640"/>
+                  <a:gd name="connsiteX2" fmla="*/ 1676400 w 1676400"/>
+                  <a:gd name="connsiteY2" fmla="*/ 0 h 929640"/>
+                </a:gdLst>
+                <a:ahLst/>
+                <a:cxnLst>
+                  <a:cxn ang="0">
+                    <a:pos x="connsiteX0" y="connsiteY0"/>
+                  </a:cxn>
+                  <a:cxn ang="0">
+                    <a:pos x="connsiteX1" y="connsiteY1"/>
+                  </a:cxn>
+                  <a:cxn ang="0">
+                    <a:pos x="connsiteX2" y="connsiteY2"/>
+                  </a:cxn>
+                </a:cxnLst>
+                <a:rect l="l" t="t" r="r" b="b"/>
+                <a:pathLst>
+                  <a:path w="1676400" h="929640">
+                    <a:moveTo>
+                      <a:pt x="0" y="929640"/>
+                    </a:moveTo>
+                    <a:cubicBezTo>
+                      <a:pt x="549910" y="915670"/>
+                      <a:pt x="1099820" y="901700"/>
+                      <a:pt x="1379220" y="746760"/>
+                    </a:cubicBezTo>
+                    <a:cubicBezTo>
+                      <a:pt x="1658620" y="591820"/>
+                      <a:pt x="1667510" y="295910"/>
+                      <a:pt x="1676400" y="0"/>
+                    </a:cubicBezTo>
+                  </a:path>
+                </a:pathLst>
+              </a:custGeom>
+              <a:noFill/>
+            </p:spPr>
+            <p:style>
+              <a:lnRef idx="2">
+                <a:schemeClr val="accent1">
+                  <a:shade val="50000"/>
+                </a:schemeClr>
+              </a:lnRef>
+              <a:fillRef idx="1">
+                <a:schemeClr val="accent1"/>
+              </a:fillRef>
+              <a:effectRef idx="0">
+                <a:schemeClr val="accent1"/>
+              </a:effectRef>
+              <a:fontRef idx="minor">
+                <a:schemeClr val="lt1"/>
+              </a:fontRef>
+            </p:style>
+            <p:txBody>
+              <a:bodyPr rtlCol="0" anchor="ctr"/>
+              <a:lstStyle/>
+              <a:p>
+                <a:pPr algn="ctr"/>
+                <a:endParaRPr lang="pt-BR"/>
+              </a:p>
+            </p:txBody>
+          </p:sp>
+          <p:sp>
+            <p:nvSpPr>
+              <p:cNvPr id="28" name="Freeform 27"/>
+              <p:cNvSpPr/>
+              <p:nvPr/>
+            </p:nvSpPr>
+            <p:spPr>
+              <a:xfrm flipH="1">
+                <a:off x="5658106" y="5438056"/>
+                <a:ext cx="401318" cy="464820"/>
+              </a:xfrm>
+              <a:custGeom>
+                <a:avLst/>
+                <a:gdLst>
+                  <a:gd name="connsiteX0" fmla="*/ 0 w 1676400"/>
+                  <a:gd name="connsiteY0" fmla="*/ 929640 h 929640"/>
+                  <a:gd name="connsiteX1" fmla="*/ 1379220 w 1676400"/>
+                  <a:gd name="connsiteY1" fmla="*/ 746760 h 929640"/>
+                  <a:gd name="connsiteX2" fmla="*/ 1676400 w 1676400"/>
+                  <a:gd name="connsiteY2" fmla="*/ 0 h 929640"/>
+                </a:gdLst>
+                <a:ahLst/>
+                <a:cxnLst>
+                  <a:cxn ang="0">
+                    <a:pos x="connsiteX0" y="connsiteY0"/>
+                  </a:cxn>
+                  <a:cxn ang="0">
+                    <a:pos x="connsiteX1" y="connsiteY1"/>
+                  </a:cxn>
+                  <a:cxn ang="0">
+                    <a:pos x="connsiteX2" y="connsiteY2"/>
+                  </a:cxn>
+                </a:cxnLst>
+                <a:rect l="l" t="t" r="r" b="b"/>
+                <a:pathLst>
+                  <a:path w="1676400" h="929640">
+                    <a:moveTo>
+                      <a:pt x="0" y="929640"/>
+                    </a:moveTo>
+                    <a:cubicBezTo>
+                      <a:pt x="549910" y="915670"/>
+                      <a:pt x="1099820" y="901700"/>
+                      <a:pt x="1379220" y="746760"/>
+                    </a:cubicBezTo>
+                    <a:cubicBezTo>
+                      <a:pt x="1658620" y="591820"/>
+                      <a:pt x="1667510" y="295910"/>
+                      <a:pt x="1676400" y="0"/>
+                    </a:cubicBezTo>
+                  </a:path>
+                </a:pathLst>
+              </a:custGeom>
+              <a:noFill/>
+            </p:spPr>
+            <p:style>
+              <a:lnRef idx="2">
+                <a:schemeClr val="accent1">
+                  <a:shade val="50000"/>
+                </a:schemeClr>
+              </a:lnRef>
+              <a:fillRef idx="1">
+                <a:schemeClr val="accent1"/>
+              </a:fillRef>
+              <a:effectRef idx="0">
+                <a:schemeClr val="accent1"/>
+              </a:effectRef>
+              <a:fontRef idx="minor">
+                <a:schemeClr val="lt1"/>
+              </a:fontRef>
+            </p:style>
+            <p:txBody>
+              <a:bodyPr rtlCol="0" anchor="ctr"/>
+              <a:lstStyle/>
+              <a:p>
+                <a:pPr algn="ctr"/>
+                <a:endParaRPr lang="pt-BR"/>
+              </a:p>
+            </p:txBody>
+          </p:sp>
+          <p:sp>
+            <p:nvSpPr>
+              <p:cNvPr id="35" name="Freeform 34"/>
+              <p:cNvSpPr/>
+              <p:nvPr/>
+            </p:nvSpPr>
+            <p:spPr>
+              <a:xfrm>
+                <a:off x="6059424" y="5438056"/>
+                <a:ext cx="401318" cy="464820"/>
+              </a:xfrm>
+              <a:custGeom>
+                <a:avLst/>
+                <a:gdLst>
+                  <a:gd name="connsiteX0" fmla="*/ 0 w 1676400"/>
+                  <a:gd name="connsiteY0" fmla="*/ 929640 h 929640"/>
+                  <a:gd name="connsiteX1" fmla="*/ 1379220 w 1676400"/>
+                  <a:gd name="connsiteY1" fmla="*/ 746760 h 929640"/>
+                  <a:gd name="connsiteX2" fmla="*/ 1676400 w 1676400"/>
+                  <a:gd name="connsiteY2" fmla="*/ 0 h 929640"/>
+                </a:gdLst>
+                <a:ahLst/>
+                <a:cxnLst>
+                  <a:cxn ang="0">
+                    <a:pos x="connsiteX0" y="connsiteY0"/>
+                  </a:cxn>
+                  <a:cxn ang="0">
+                    <a:pos x="connsiteX1" y="connsiteY1"/>
+                  </a:cxn>
+                  <a:cxn ang="0">
+                    <a:pos x="connsiteX2" y="connsiteY2"/>
+                  </a:cxn>
+                </a:cxnLst>
+                <a:rect l="l" t="t" r="r" b="b"/>
+                <a:pathLst>
+                  <a:path w="1676400" h="929640">
+                    <a:moveTo>
+                      <a:pt x="0" y="929640"/>
+                    </a:moveTo>
+                    <a:cubicBezTo>
+                      <a:pt x="549910" y="915670"/>
+                      <a:pt x="1099820" y="901700"/>
+                      <a:pt x="1379220" y="746760"/>
+                    </a:cubicBezTo>
+                    <a:cubicBezTo>
+                      <a:pt x="1658620" y="591820"/>
+                      <a:pt x="1667510" y="295910"/>
+                      <a:pt x="1676400" y="0"/>
+                    </a:cubicBezTo>
+                  </a:path>
+                </a:pathLst>
+              </a:custGeom>
+              <a:noFill/>
+            </p:spPr>
+            <p:style>
+              <a:lnRef idx="2">
+                <a:schemeClr val="accent1">
+                  <a:shade val="50000"/>
+                </a:schemeClr>
+              </a:lnRef>
+              <a:fillRef idx="1">
+                <a:schemeClr val="accent1"/>
+              </a:fillRef>
+              <a:effectRef idx="0">
+                <a:schemeClr val="accent1"/>
+              </a:effectRef>
+              <a:fontRef idx="minor">
+                <a:schemeClr val="lt1"/>
+              </a:fontRef>
+            </p:style>
+            <p:txBody>
+              <a:bodyPr rtlCol="0" anchor="ctr"/>
+              <a:lstStyle/>
+              <a:p>
+                <a:pPr algn="ctr"/>
+                <a:endParaRPr lang="pt-BR"/>
+              </a:p>
+            </p:txBody>
+          </p:sp>
+          <p:sp>
+            <p:nvSpPr>
+              <p:cNvPr id="36" name="Freeform 35"/>
+              <p:cNvSpPr/>
+              <p:nvPr/>
+            </p:nvSpPr>
+            <p:spPr>
+              <a:xfrm flipH="1">
+                <a:off x="6467601" y="5438056"/>
+                <a:ext cx="403200" cy="464820"/>
+              </a:xfrm>
+              <a:custGeom>
+                <a:avLst/>
+                <a:gdLst>
+                  <a:gd name="connsiteX0" fmla="*/ 0 w 1676400"/>
+                  <a:gd name="connsiteY0" fmla="*/ 929640 h 929640"/>
+                  <a:gd name="connsiteX1" fmla="*/ 1379220 w 1676400"/>
+                  <a:gd name="connsiteY1" fmla="*/ 746760 h 929640"/>
+                  <a:gd name="connsiteX2" fmla="*/ 1676400 w 1676400"/>
+                  <a:gd name="connsiteY2" fmla="*/ 0 h 929640"/>
+                </a:gdLst>
+                <a:ahLst/>
+                <a:cxnLst>
+                  <a:cxn ang="0">
+                    <a:pos x="connsiteX0" y="connsiteY0"/>
+                  </a:cxn>
+                  <a:cxn ang="0">
+                    <a:pos x="connsiteX1" y="connsiteY1"/>
+                  </a:cxn>
+                  <a:cxn ang="0">
+                    <a:pos x="connsiteX2" y="connsiteY2"/>
+                  </a:cxn>
+                </a:cxnLst>
+                <a:rect l="l" t="t" r="r" b="b"/>
+                <a:pathLst>
+                  <a:path w="1676400" h="929640">
+                    <a:moveTo>
+                      <a:pt x="0" y="929640"/>
+                    </a:moveTo>
+                    <a:cubicBezTo>
+                      <a:pt x="549910" y="915670"/>
+                      <a:pt x="1099820" y="901700"/>
+                      <a:pt x="1379220" y="746760"/>
+                    </a:cubicBezTo>
+                    <a:cubicBezTo>
+                      <a:pt x="1658620" y="591820"/>
+                      <a:pt x="1667510" y="295910"/>
+                      <a:pt x="1676400" y="0"/>
+                    </a:cubicBezTo>
+                  </a:path>
+                </a:pathLst>
+              </a:custGeom>
+              <a:noFill/>
+            </p:spPr>
+            <p:style>
+              <a:lnRef idx="2">
+                <a:schemeClr val="accent1">
+                  <a:shade val="50000"/>
+                </a:schemeClr>
+              </a:lnRef>
+              <a:fillRef idx="1">
+                <a:schemeClr val="accent1"/>
+              </a:fillRef>
+              <a:effectRef idx="0">
+                <a:schemeClr val="accent1"/>
+              </a:effectRef>
+              <a:fontRef idx="minor">
+                <a:schemeClr val="lt1"/>
+              </a:fontRef>
+            </p:style>
+            <p:txBody>
+              <a:bodyPr rtlCol="0" anchor="ctr"/>
+              <a:lstStyle/>
+              <a:p>
+                <a:pPr algn="ctr"/>
+                <a:endParaRPr lang="pt-BR"/>
+              </a:p>
+            </p:txBody>
+          </p:sp>
+          <p:sp>
+            <p:nvSpPr>
+              <p:cNvPr id="38" name="Freeform 37"/>
+              <p:cNvSpPr/>
+              <p:nvPr/>
+            </p:nvSpPr>
+            <p:spPr>
+              <a:xfrm>
+                <a:off x="6877660" y="5438056"/>
+                <a:ext cx="401318" cy="464820"/>
+              </a:xfrm>
+              <a:custGeom>
+                <a:avLst/>
+                <a:gdLst>
+                  <a:gd name="connsiteX0" fmla="*/ 0 w 1676400"/>
+                  <a:gd name="connsiteY0" fmla="*/ 929640 h 929640"/>
+                  <a:gd name="connsiteX1" fmla="*/ 1379220 w 1676400"/>
+                  <a:gd name="connsiteY1" fmla="*/ 746760 h 929640"/>
+                  <a:gd name="connsiteX2" fmla="*/ 1676400 w 1676400"/>
+                  <a:gd name="connsiteY2" fmla="*/ 0 h 929640"/>
+                </a:gdLst>
+                <a:ahLst/>
+                <a:cxnLst>
+                  <a:cxn ang="0">
+                    <a:pos x="connsiteX0" y="connsiteY0"/>
+                  </a:cxn>
+                  <a:cxn ang="0">
+                    <a:pos x="connsiteX1" y="connsiteY1"/>
+                  </a:cxn>
+                  <a:cxn ang="0">
+                    <a:pos x="connsiteX2" y="connsiteY2"/>
+                  </a:cxn>
+                </a:cxnLst>
+                <a:rect l="l" t="t" r="r" b="b"/>
+                <a:pathLst>
+                  <a:path w="1676400" h="929640">
+                    <a:moveTo>
+                      <a:pt x="0" y="929640"/>
+                    </a:moveTo>
+                    <a:cubicBezTo>
+                      <a:pt x="549910" y="915670"/>
+                      <a:pt x="1099820" y="901700"/>
+                      <a:pt x="1379220" y="746760"/>
+                    </a:cubicBezTo>
+                    <a:cubicBezTo>
+                      <a:pt x="1658620" y="591820"/>
+                      <a:pt x="1667510" y="295910"/>
+                      <a:pt x="1676400" y="0"/>
+                    </a:cubicBezTo>
+                  </a:path>
+                </a:pathLst>
+              </a:custGeom>
+              <a:noFill/>
+            </p:spPr>
+            <p:style>
+              <a:lnRef idx="2">
+                <a:schemeClr val="accent1">
+                  <a:shade val="50000"/>
+                </a:schemeClr>
+              </a:lnRef>
+              <a:fillRef idx="1">
+                <a:schemeClr val="accent1"/>
+              </a:fillRef>
+              <a:effectRef idx="0">
+                <a:schemeClr val="accent1"/>
+              </a:effectRef>
+              <a:fontRef idx="minor">
+                <a:schemeClr val="lt1"/>
+              </a:fontRef>
+            </p:style>
+            <p:txBody>
+              <a:bodyPr rtlCol="0" anchor="ctr"/>
+              <a:lstStyle/>
+              <a:p>
+                <a:pPr algn="ctr"/>
+                <a:endParaRPr lang="pt-BR"/>
+              </a:p>
+            </p:txBody>
+          </p:sp>
+          <p:sp>
+            <p:nvSpPr>
+              <p:cNvPr id="39" name="Freeform 38"/>
+              <p:cNvSpPr/>
+              <p:nvPr/>
+            </p:nvSpPr>
+            <p:spPr>
+              <a:xfrm flipH="1">
+                <a:off x="4856408" y="5438056"/>
+                <a:ext cx="401318" cy="464820"/>
+              </a:xfrm>
+              <a:custGeom>
+                <a:avLst/>
+                <a:gdLst>
+                  <a:gd name="connsiteX0" fmla="*/ 0 w 1676400"/>
+                  <a:gd name="connsiteY0" fmla="*/ 929640 h 929640"/>
+                  <a:gd name="connsiteX1" fmla="*/ 1379220 w 1676400"/>
+                  <a:gd name="connsiteY1" fmla="*/ 746760 h 929640"/>
+                  <a:gd name="connsiteX2" fmla="*/ 1676400 w 1676400"/>
+                  <a:gd name="connsiteY2" fmla="*/ 0 h 929640"/>
+                </a:gdLst>
+                <a:ahLst/>
+                <a:cxnLst>
+                  <a:cxn ang="0">
+                    <a:pos x="connsiteX0" y="connsiteY0"/>
+                  </a:cxn>
+                  <a:cxn ang="0">
+                    <a:pos x="connsiteX1" y="connsiteY1"/>
+                  </a:cxn>
+                  <a:cxn ang="0">
+                    <a:pos x="connsiteX2" y="connsiteY2"/>
+                  </a:cxn>
+                </a:cxnLst>
+                <a:rect l="l" t="t" r="r" b="b"/>
+                <a:pathLst>
+                  <a:path w="1676400" h="929640">
+                    <a:moveTo>
+                      <a:pt x="0" y="929640"/>
+                    </a:moveTo>
+                    <a:cubicBezTo>
+                      <a:pt x="549910" y="915670"/>
+                      <a:pt x="1099820" y="901700"/>
+                      <a:pt x="1379220" y="746760"/>
+                    </a:cubicBezTo>
+                    <a:cubicBezTo>
+                      <a:pt x="1658620" y="591820"/>
+                      <a:pt x="1667510" y="295910"/>
+                      <a:pt x="1676400" y="0"/>
+                    </a:cubicBezTo>
+                  </a:path>
+                </a:pathLst>
+              </a:custGeom>
+              <a:noFill/>
+            </p:spPr>
+            <p:style>
+              <a:lnRef idx="2">
+                <a:schemeClr val="accent1">
+                  <a:shade val="50000"/>
+                </a:schemeClr>
+              </a:lnRef>
+              <a:fillRef idx="1">
+                <a:schemeClr val="accent1"/>
+              </a:fillRef>
+              <a:effectRef idx="0">
+                <a:schemeClr val="accent1"/>
+              </a:effectRef>
+              <a:fontRef idx="minor">
+                <a:schemeClr val="lt1"/>
+              </a:fontRef>
+            </p:style>
+            <p:txBody>
+              <a:bodyPr rtlCol="0" anchor="ctr"/>
+              <a:lstStyle/>
+              <a:p>
+                <a:pPr algn="ctr"/>
+                <a:endParaRPr lang="pt-BR"/>
+              </a:p>
+            </p:txBody>
+          </p:sp>
+        </p:grpSp>
+      </p:grpSp>
+    </p:spTree>
+    <p:extLst>
+      <p:ext uri="{BB962C8B-B14F-4D97-AF65-F5344CB8AC3E}">
+        <p14:creationId xmlns:p14="http://schemas.microsoft.com/office/powerpoint/2010/main" val="1587213906"/>
+      </p:ext>
+    </p:extLst>
+  </p:cSld>
+  <p:clrMapOvr>
+    <a:masterClrMapping/>
+  </p:clrMapOvr>
+</p:sld>
+</file>
+
+<file path=ppt/slides/slide37.xml><?xml version="1.0" encoding="utf-8"?>
 <p:sld xmlns:a="http://schemas.openxmlformats.org/drawingml/2006/main" xmlns:r="http://schemas.openxmlformats.org/officeDocument/2006/relationships" xmlns:p="http://schemas.openxmlformats.org/presentationml/2006/main">
   <p:cSld>
     <p:spTree>
@@ -23836,7 +28499,7 @@
 </p:sld>
 </file>
 
-<file path=ppt/slides/slide29.xml><?xml version="1.0" encoding="utf-8"?>
+<file path=ppt/slides/slide38.xml><?xml version="1.0" encoding="utf-8"?>
 <p:sld xmlns:a="http://schemas.openxmlformats.org/drawingml/2006/main" xmlns:r="http://schemas.openxmlformats.org/officeDocument/2006/relationships" xmlns:p="http://schemas.openxmlformats.org/presentationml/2006/main">
   <p:cSld>
     <p:spTree>
@@ -25911,327 +30574,7 @@
 </p:sld>
 </file>
 
-<file path=ppt/slides/slide3.xml><?xml version="1.0" encoding="utf-8"?>
-<p:sld xmlns:a="http://schemas.openxmlformats.org/drawingml/2006/main" xmlns:r="http://schemas.openxmlformats.org/officeDocument/2006/relationships" xmlns:p="http://schemas.openxmlformats.org/presentationml/2006/main">
-  <p:cSld>
-    <p:spTree>
-      <p:nvGrpSpPr>
-        <p:cNvPr id="1" name=""/>
-        <p:cNvGrpSpPr/>
-        <p:nvPr/>
-      </p:nvGrpSpPr>
-      <p:grpSpPr>
-        <a:xfrm>
-          <a:off x="0" y="0"/>
-          <a:ext cx="0" cy="0"/>
-          <a:chOff x="0" y="0"/>
-          <a:chExt cx="0" cy="0"/>
-        </a:xfrm>
-      </p:grpSpPr>
-      <p:sp>
-        <p:nvSpPr>
-          <p:cNvPr id="2" name="Título 1">
-            <a:extLst>
-              <a:ext uri="{FF2B5EF4-FFF2-40B4-BE49-F238E27FC236}">
-                <a16:creationId xmlns:a16="http://schemas.microsoft.com/office/drawing/2014/main" id="{B4A549E3-7E5B-04E3-09ED-A7C3171C6D5F}"/>
-              </a:ext>
-            </a:extLst>
-          </p:cNvPr>
-          <p:cNvSpPr>
-            <a:spLocks noGrp="1"/>
-          </p:cNvSpPr>
-          <p:nvPr>
-            <p:ph type="title"/>
-          </p:nvPr>
-        </p:nvSpPr>
-        <p:spPr/>
-        <p:txBody>
-          <a:bodyPr/>
-          <a:lstStyle/>
-          <a:p>
-            <a:r>
-              <a:rPr lang="pt-BR" dirty="0"/>
-              <a:t>Escolha do passo de aprendizagem</a:t>
-            </a:r>
-          </a:p>
-        </p:txBody>
-      </p:sp>
-      <mc:AlternateContent xmlns:mc="http://schemas.openxmlformats.org/markup-compatibility/2006" xmlns:a14="http://schemas.microsoft.com/office/drawing/2010/main">
-        <mc:Choice Requires="a14">
-          <p:sp>
-            <p:nvSpPr>
-              <p:cNvPr id="3" name="Espaço Reservado para Conteúdo 2">
-                <a:extLst>
-                  <a:ext uri="{FF2B5EF4-FFF2-40B4-BE49-F238E27FC236}">
-                    <a16:creationId xmlns:a16="http://schemas.microsoft.com/office/drawing/2014/main" id="{3323DEB1-E32D-5111-52A9-A936D5B18776}"/>
-                  </a:ext>
-                </a:extLst>
-              </p:cNvPr>
-              <p:cNvSpPr>
-                <a:spLocks noGrp="1"/>
-              </p:cNvSpPr>
-              <p:nvPr>
-                <p:ph idx="1"/>
-              </p:nvPr>
-            </p:nvSpPr>
-            <p:spPr>
-              <a:xfrm>
-                <a:off x="5693790" y="1825624"/>
-                <a:ext cx="6306533" cy="5032375"/>
-              </a:xfrm>
-            </p:spPr>
-            <p:txBody>
-              <a:bodyPr>
-                <a:normAutofit/>
-              </a:bodyPr>
-              <a:lstStyle/>
-              <a:p>
-                <a:r>
-                  <a:rPr lang="pt-BR" dirty="0"/>
-                  <a:t>Conforme nós vimos, no gradiente descendente, o </a:t>
-                </a:r>
-                <a:r>
-                  <a:rPr lang="pt-BR" b="1" i="1" dirty="0">
-                    <a:solidFill>
-                      <a:srgbClr val="FF0000"/>
-                    </a:solidFill>
-                  </a:rPr>
-                  <a:t>negativo</a:t>
-                </a:r>
-                <a:r>
-                  <a:rPr lang="pt-BR" dirty="0"/>
-                  <a:t> do </a:t>
-                </a:r>
-                <a:r>
-                  <a:rPr lang="pt-BR" b="1" i="1" dirty="0">
-                    <a:solidFill>
-                      <a:srgbClr val="7030A0"/>
-                    </a:solidFill>
-                  </a:rPr>
-                  <a:t>vetor gradiente</a:t>
-                </a:r>
-                <a:r>
-                  <a:rPr lang="pt-BR" dirty="0"/>
-                  <a:t>, </a:t>
-                </a:r>
-                <a14:m>
-                  <m:oMath xmlns:m="http://schemas.openxmlformats.org/officeDocument/2006/math">
-                    <m:r>
-                      <a:rPr lang="pt-BR" b="0" i="0" smtClean="0">
-                        <a:latin typeface="Cambria Math" panose="02040503050406030204" pitchFamily="18" charset="0"/>
-                        <a:ea typeface="Cambria Math" panose="02040503050406030204" pitchFamily="18" charset="0"/>
-                      </a:rPr>
-                      <m:t>−</m:t>
-                    </m:r>
-                    <m:r>
-                      <a:rPr lang="pt-BR" i="1" smtClean="0">
-                        <a:latin typeface="Cambria Math" panose="02040503050406030204" pitchFamily="18" charset="0"/>
-                        <a:ea typeface="Cambria Math" panose="02040503050406030204" pitchFamily="18" charset="0"/>
-                      </a:rPr>
-                      <m:t>𝛻</m:t>
-                    </m:r>
-                    <m:r>
-                      <a:rPr lang="pt-BR" i="1" smtClean="0">
-                        <a:latin typeface="Cambria Math" panose="02040503050406030204" pitchFamily="18" charset="0"/>
-                        <a:ea typeface="Cambria Math" panose="02040503050406030204" pitchFamily="18" charset="0"/>
-                      </a:rPr>
-                      <m:t>𝑓</m:t>
-                    </m:r>
-                    <m:d>
-                      <m:dPr>
-                        <m:ctrlPr>
-                          <a:rPr lang="pt-BR" i="1">
-                            <a:latin typeface="Cambria Math" panose="02040503050406030204" pitchFamily="18" charset="0"/>
-                            <a:ea typeface="Cambria Math" panose="02040503050406030204" pitchFamily="18" charset="0"/>
-                          </a:rPr>
-                        </m:ctrlPr>
-                      </m:dPr>
-                      <m:e>
-                        <m:r>
-                          <a:rPr lang="pt-BR" i="1">
-                            <a:latin typeface="Cambria Math" panose="02040503050406030204" pitchFamily="18" charset="0"/>
-                          </a:rPr>
-                          <m:t>𝑥</m:t>
-                        </m:r>
-                      </m:e>
-                    </m:d>
-                  </m:oMath>
-                </a14:m>
-                <a:r>
-                  <a:rPr lang="pt-BR" dirty="0"/>
-                  <a:t>, dá a </a:t>
-                </a:r>
-                <a:r>
-                  <a:rPr lang="pt-BR" b="1" i="1" dirty="0">
-                    <a:solidFill>
-                      <a:srgbClr val="00B050"/>
-                    </a:solidFill>
-                  </a:rPr>
-                  <a:t>direção </a:t>
-                </a:r>
-                <a:r>
-                  <a:rPr lang="pt-BR" b="1" i="1" dirty="0">
-                    <a:solidFill>
-                      <a:srgbClr val="00B050"/>
-                    </a:solidFill>
-                    <a:effectLst/>
-                  </a:rPr>
-                  <a:t>de decrescimento mais rápido de uma função</a:t>
-                </a:r>
-                <a:r>
-                  <a:rPr lang="pt-BR" b="0" i="0" dirty="0">
-                    <a:effectLst/>
-                  </a:rPr>
-                  <a:t> a partir de um ponto e sua </a:t>
-                </a:r>
-                <a:r>
-                  <a:rPr lang="pt-BR" b="1" i="1" dirty="0">
-                    <a:solidFill>
-                      <a:srgbClr val="00B050"/>
-                    </a:solidFill>
-                    <a:effectLst/>
-                  </a:rPr>
-                  <a:t>magnitude</a:t>
-                </a:r>
-                <a:r>
-                  <a:rPr lang="pt-BR" b="0" i="0" dirty="0">
-                    <a:effectLst/>
-                  </a:rPr>
-                  <a:t> indica a </a:t>
-                </a:r>
-                <a:r>
-                  <a:rPr lang="pt-BR" b="1" i="1" dirty="0">
-                    <a:solidFill>
-                      <a:srgbClr val="00B050"/>
-                    </a:solidFill>
-                    <a:effectLst/>
-                  </a:rPr>
-                  <a:t>taxa de variação da função</a:t>
-                </a:r>
-                <a:r>
-                  <a:rPr lang="pt-BR" b="0" i="0" dirty="0">
-                    <a:effectLst/>
-                  </a:rPr>
-                  <a:t> nessa direção.</a:t>
-                </a:r>
-                <a:endParaRPr lang="pt-BR" b="1" i="1" dirty="0">
-                  <a:effectLst/>
-                </a:endParaRPr>
-              </a:p>
-              <a:p>
-                <a:r>
-                  <a:rPr lang="pt-BR" dirty="0"/>
-                  <a:t>Porém, ele não nos informa a </a:t>
-                </a:r>
-                <a:r>
-                  <a:rPr lang="pt-BR" b="1" i="1" dirty="0">
-                    <a:solidFill>
-                      <a:srgbClr val="00B050"/>
-                    </a:solidFill>
-                  </a:rPr>
-                  <a:t>distância</a:t>
-                </a:r>
-                <a:r>
-                  <a:rPr lang="pt-BR" dirty="0"/>
-                  <a:t> até o ponto de máximo.</a:t>
-                </a:r>
-              </a:p>
-            </p:txBody>
-          </p:sp>
-        </mc:Choice>
-        <mc:Fallback xmlns="">
-          <p:sp>
-            <p:nvSpPr>
-              <p:cNvPr id="3" name="Espaço Reservado para Conteúdo 2">
-                <a:extLst>
-                  <a:ext uri="{FF2B5EF4-FFF2-40B4-BE49-F238E27FC236}">
-                    <a16:creationId xmlns:a16="http://schemas.microsoft.com/office/drawing/2014/main" id="{3323DEB1-E32D-5111-52A9-A936D5B18776}"/>
-                  </a:ext>
-                </a:extLst>
-              </p:cNvPr>
-              <p:cNvSpPr>
-                <a:spLocks noGrp="1" noRot="1" noChangeAspect="1" noMove="1" noResize="1" noEditPoints="1" noAdjustHandles="1" noChangeArrowheads="1" noChangeShapeType="1" noTextEdit="1"/>
-              </p:cNvSpPr>
-              <p:nvPr>
-                <p:ph idx="1"/>
-              </p:nvPr>
-            </p:nvSpPr>
-            <p:spPr>
-              <a:xfrm>
-                <a:off x="5693790" y="1825624"/>
-                <a:ext cx="6306533" cy="5032375"/>
-              </a:xfrm>
-              <a:blipFill>
-                <a:blip r:embed="rId2"/>
-                <a:stretch>
-                  <a:fillRect l="-1739" t="-1937" r="-1449"/>
-                </a:stretch>
-              </a:blipFill>
-            </p:spPr>
-            <p:txBody>
-              <a:bodyPr/>
-              <a:lstStyle/>
-              <a:p>
-                <a:r>
-                  <a:rPr lang="pt-BR">
-                    <a:noFill/>
-                  </a:rPr>
-                  <a:t> </a:t>
-                </a:r>
-              </a:p>
-            </p:txBody>
-          </p:sp>
-        </mc:Fallback>
-      </mc:AlternateContent>
-      <p:pic>
-        <p:nvPicPr>
-          <p:cNvPr id="4" name="Imagem 3">
-            <a:extLst>
-              <a:ext uri="{FF2B5EF4-FFF2-40B4-BE49-F238E27FC236}">
-                <a16:creationId xmlns:a16="http://schemas.microsoft.com/office/drawing/2014/main" id="{860F9137-10B0-2765-3CAF-0E8F4196E620}"/>
-              </a:ext>
-            </a:extLst>
-          </p:cNvPr>
-          <p:cNvPicPr>
-            <a:picLocks noChangeAspect="1"/>
-          </p:cNvPicPr>
-          <p:nvPr/>
-        </p:nvPicPr>
-        <p:blipFill rotWithShape="1">
-          <a:blip r:embed="rId3">
-            <a:extLst>
-              <a:ext uri="{28A0092B-C50C-407E-A947-70E740481C1C}">
-                <a14:useLocalDpi xmlns:a14="http://schemas.microsoft.com/office/drawing/2010/main" val="0"/>
-              </a:ext>
-            </a:extLst>
-          </a:blip>
-          <a:srcRect t="47746"/>
-          <a:stretch/>
-        </p:blipFill>
-        <p:spPr>
-          <a:xfrm>
-            <a:off x="191677" y="2780906"/>
-            <a:ext cx="5270984" cy="1888343"/>
-          </a:xfrm>
-          <a:prstGeom prst="rect">
-            <a:avLst/>
-          </a:prstGeom>
-        </p:spPr>
-      </p:pic>
-    </p:spTree>
-    <p:extLst>
-      <p:ext uri="{BB962C8B-B14F-4D97-AF65-F5344CB8AC3E}">
-        <p14:creationId xmlns:p14="http://schemas.microsoft.com/office/powerpoint/2010/main" val="1489300720"/>
-      </p:ext>
-    </p:extLst>
-  </p:cSld>
-  <p:clrMapOvr>
-    <a:masterClrMapping/>
-  </p:clrMapOvr>
-</p:sld>
-</file>
-
-<file path=ppt/slides/slide30.xml><?xml version="1.0" encoding="utf-8"?>
+<file path=ppt/slides/slide39.xml><?xml version="1.0" encoding="utf-8"?>
 <p:sld xmlns:a="http://schemas.openxmlformats.org/drawingml/2006/main" xmlns:r="http://schemas.openxmlformats.org/officeDocument/2006/relationships" xmlns:p="http://schemas.openxmlformats.org/presentationml/2006/main">
   <p:cSld>
     <p:spTree>
@@ -26336,7 +30679,543 @@
 </p:sld>
 </file>
 
-<file path=ppt/slides/slide31.xml><?xml version="1.0" encoding="utf-8"?>
+<file path=ppt/slides/slide4.xml><?xml version="1.0" encoding="utf-8"?>
+<p:sld xmlns:a="http://schemas.openxmlformats.org/drawingml/2006/main" xmlns:r="http://schemas.openxmlformats.org/officeDocument/2006/relationships" xmlns:p="http://schemas.openxmlformats.org/presentationml/2006/main">
+  <p:cSld>
+    <p:spTree>
+      <p:nvGrpSpPr>
+        <p:cNvPr id="1" name=""/>
+        <p:cNvGrpSpPr/>
+        <p:nvPr/>
+      </p:nvGrpSpPr>
+      <p:grpSpPr>
+        <a:xfrm>
+          <a:off x="0" y="0"/>
+          <a:ext cx="0" cy="0"/>
+          <a:chOff x="0" y="0"/>
+          <a:chExt cx="0" cy="0"/>
+        </a:xfrm>
+      </p:grpSpPr>
+      <p:sp>
+        <p:nvSpPr>
+          <p:cNvPr id="2" name="Título 1">
+            <a:extLst>
+              <a:ext uri="{FF2B5EF4-FFF2-40B4-BE49-F238E27FC236}">
+                <a16:creationId xmlns:a16="http://schemas.microsoft.com/office/drawing/2014/main" id="{B4A549E3-7E5B-04E3-09ED-A7C3171C6D5F}"/>
+              </a:ext>
+            </a:extLst>
+          </p:cNvPr>
+          <p:cNvSpPr>
+            <a:spLocks noGrp="1"/>
+          </p:cNvSpPr>
+          <p:nvPr>
+            <p:ph type="title"/>
+          </p:nvPr>
+        </p:nvSpPr>
+        <p:spPr/>
+        <p:txBody>
+          <a:bodyPr/>
+          <a:lstStyle/>
+          <a:p>
+            <a:r>
+              <a:rPr lang="pt-BR" dirty="0"/>
+              <a:t>Escolha do passo de aprendizagem</a:t>
+            </a:r>
+          </a:p>
+        </p:txBody>
+      </p:sp>
+      <mc:AlternateContent xmlns:mc="http://schemas.openxmlformats.org/markup-compatibility/2006" xmlns:a14="http://schemas.microsoft.com/office/drawing/2010/main">
+        <mc:Choice Requires="a14">
+          <p:sp>
+            <p:nvSpPr>
+              <p:cNvPr id="3" name="Espaço Reservado para Conteúdo 2">
+                <a:extLst>
+                  <a:ext uri="{FF2B5EF4-FFF2-40B4-BE49-F238E27FC236}">
+                    <a16:creationId xmlns:a16="http://schemas.microsoft.com/office/drawing/2014/main" id="{3323DEB1-E32D-5111-52A9-A936D5B18776}"/>
+                  </a:ext>
+                </a:extLst>
+              </p:cNvPr>
+              <p:cNvSpPr>
+                <a:spLocks noGrp="1"/>
+              </p:cNvSpPr>
+              <p:nvPr>
+                <p:ph idx="1"/>
+              </p:nvPr>
+            </p:nvSpPr>
+            <p:spPr>
+              <a:xfrm>
+                <a:off x="5533534" y="1825624"/>
+                <a:ext cx="6466789" cy="5032375"/>
+              </a:xfrm>
+            </p:spPr>
+            <p:txBody>
+              <a:bodyPr>
+                <a:normAutofit lnSpcReduction="10000"/>
+              </a:bodyPr>
+              <a:lstStyle/>
+              <a:p>
+                <a:r>
+                  <a:rPr lang="pt-BR" dirty="0"/>
+                  <a:t>Portanto, para </a:t>
+                </a:r>
+                <a:r>
+                  <a:rPr lang="pt-BR" b="1" i="1" dirty="0">
+                    <a:solidFill>
+                      <a:srgbClr val="00B050"/>
+                    </a:solidFill>
+                  </a:rPr>
+                  <a:t>andarmos na direção apontada pelo gradiente</a:t>
+                </a:r>
+                <a:r>
+                  <a:rPr lang="pt-BR" dirty="0"/>
+                  <a:t>, usamos uma </a:t>
+                </a:r>
+                <a:r>
+                  <a:rPr lang="pt-BR" b="1" i="1" dirty="0">
+                    <a:solidFill>
+                      <a:srgbClr val="7030A0"/>
+                    </a:solidFill>
+                  </a:rPr>
+                  <a:t>porcentagem</a:t>
+                </a:r>
+                <a:r>
+                  <a:rPr lang="pt-BR" dirty="0"/>
+                  <a:t> de seu valor.</a:t>
+                </a:r>
+              </a:p>
+              <a:p>
+                <a:r>
+                  <a:rPr lang="pt-BR" dirty="0"/>
+                  <a:t>Essa porcentagem é dada pelo </a:t>
+                </a:r>
+                <a:r>
+                  <a:rPr lang="pt-BR" b="1" i="1" dirty="0">
+                    <a:solidFill>
+                      <a:srgbClr val="00B050"/>
+                    </a:solidFill>
+                  </a:rPr>
+                  <a:t>passo de aprendizagem</a:t>
+                </a:r>
+                <a:r>
+                  <a:rPr lang="pt-BR" dirty="0"/>
+                  <a:t>, </a:t>
+                </a:r>
+                <a14:m>
+                  <m:oMath xmlns:m="http://schemas.openxmlformats.org/officeDocument/2006/math">
+                    <m:r>
+                      <a:rPr lang="pt-BR" i="1" smtClean="0">
+                        <a:latin typeface="Cambria Math" panose="02040503050406030204" pitchFamily="18" charset="0"/>
+                        <a:ea typeface="Cambria Math" panose="02040503050406030204" pitchFamily="18" charset="0"/>
+                      </a:rPr>
+                      <m:t>𝛼</m:t>
+                    </m:r>
+                  </m:oMath>
+                </a14:m>
+                <a:r>
+                  <a:rPr lang="pt-BR" dirty="0"/>
+                  <a:t>.</a:t>
+                </a:r>
+              </a:p>
+              <a:p>
+                <a:r>
+                  <a:rPr lang="pt-BR" dirty="0"/>
+                  <a:t>O</a:t>
+                </a:r>
+                <a:r>
+                  <a:rPr lang="pt-BR" b="0" i="0" dirty="0">
+                    <a:effectLst/>
+                  </a:rPr>
+                  <a:t> passo de aprendizagem </a:t>
+                </a:r>
+                <a:r>
+                  <a:rPr lang="pt-BR" b="1" i="1" dirty="0">
+                    <a:solidFill>
+                      <a:srgbClr val="00B050"/>
+                    </a:solidFill>
+                    <a:effectLst/>
+                  </a:rPr>
+                  <a:t>controla o quão "grande" ou "pequena"</a:t>
+                </a:r>
+                <a:r>
+                  <a:rPr lang="pt-BR" b="0" i="0" dirty="0">
+                    <a:effectLst/>
+                  </a:rPr>
+                  <a:t> </a:t>
+                </a:r>
+                <a:r>
+                  <a:rPr lang="pt-BR" b="1" i="1" dirty="0">
+                    <a:solidFill>
+                      <a:srgbClr val="00B050"/>
+                    </a:solidFill>
+                    <a:effectLst/>
+                  </a:rPr>
+                  <a:t>é a</a:t>
+                </a:r>
+                <a:r>
+                  <a:rPr lang="pt-BR" b="0" i="0" dirty="0">
+                    <a:effectLst/>
+                  </a:rPr>
+                  <a:t> </a:t>
+                </a:r>
+                <a:r>
+                  <a:rPr lang="pt-BR" b="1" i="1" dirty="0">
+                    <a:solidFill>
+                      <a:srgbClr val="00B050"/>
+                    </a:solidFill>
+                    <a:effectLst/>
+                  </a:rPr>
+                  <a:t>atualização aplicada aos pesos </a:t>
+                </a:r>
+                <a:r>
+                  <a:rPr lang="pt-BR" b="0" i="0" dirty="0">
+                    <a:effectLst/>
+                  </a:rPr>
+                  <a:t>do modelo em cada iteração do processo de treinamento.</a:t>
+                </a:r>
+              </a:p>
+              <a:p>
+                <a:r>
+                  <a:rPr lang="pt-BR" dirty="0"/>
+                  <a:t>Ou seja, ele determina o </a:t>
+                </a:r>
+                <a:r>
+                  <a:rPr lang="pt-BR" b="1" i="1" dirty="0">
+                    <a:solidFill>
+                      <a:srgbClr val="00B050"/>
+                    </a:solidFill>
+                  </a:rPr>
+                  <a:t>tamanho do passo dado na direção oposta à indicada pelo vetor gradiente</a:t>
+                </a:r>
+                <a:r>
+                  <a:rPr lang="pt-BR" dirty="0"/>
+                  <a:t>.</a:t>
+                </a:r>
+                <a:endParaRPr lang="pt-BR" b="0" i="0" dirty="0">
+                  <a:effectLst/>
+                </a:endParaRPr>
+              </a:p>
+              <a:p>
+                <a:endParaRPr lang="pt-BR" dirty="0"/>
+              </a:p>
+              <a:p>
+                <a:endParaRPr lang="pt-BR" dirty="0"/>
+              </a:p>
+            </p:txBody>
+          </p:sp>
+        </mc:Choice>
+        <mc:Fallback xmlns="">
+          <p:sp>
+            <p:nvSpPr>
+              <p:cNvPr id="3" name="Espaço Reservado para Conteúdo 2">
+                <a:extLst>
+                  <a:ext uri="{FF2B5EF4-FFF2-40B4-BE49-F238E27FC236}">
+                    <a16:creationId xmlns:a16="http://schemas.microsoft.com/office/drawing/2014/main" id="{3323DEB1-E32D-5111-52A9-A936D5B18776}"/>
+                  </a:ext>
+                </a:extLst>
+              </p:cNvPr>
+              <p:cNvSpPr>
+                <a:spLocks noGrp="1" noRot="1" noChangeAspect="1" noMove="1" noResize="1" noEditPoints="1" noAdjustHandles="1" noChangeArrowheads="1" noChangeShapeType="1" noTextEdit="1"/>
+              </p:cNvSpPr>
+              <p:nvPr>
+                <p:ph idx="1"/>
+              </p:nvPr>
+            </p:nvSpPr>
+            <p:spPr>
+              <a:xfrm>
+                <a:off x="5533534" y="1825624"/>
+                <a:ext cx="6466789" cy="5032375"/>
+              </a:xfrm>
+              <a:blipFill>
+                <a:blip r:embed="rId2"/>
+                <a:stretch>
+                  <a:fillRect l="-1697" t="-2663" r="-2168" b="-1211"/>
+                </a:stretch>
+              </a:blipFill>
+            </p:spPr>
+            <p:txBody>
+              <a:bodyPr/>
+              <a:lstStyle/>
+              <a:p>
+                <a:r>
+                  <a:rPr lang="pt-BR">
+                    <a:noFill/>
+                  </a:rPr>
+                  <a:t> </a:t>
+                </a:r>
+              </a:p>
+            </p:txBody>
+          </p:sp>
+        </mc:Fallback>
+      </mc:AlternateContent>
+      <mc:AlternateContent xmlns:mc="http://schemas.openxmlformats.org/markup-compatibility/2006" xmlns:a14="http://schemas.microsoft.com/office/drawing/2010/main">
+        <mc:Choice Requires="a14">
+          <p:sp>
+            <p:nvSpPr>
+              <p:cNvPr id="6" name="CaixaDeTexto 5">
+                <a:extLst>
+                  <a:ext uri="{FF2B5EF4-FFF2-40B4-BE49-F238E27FC236}">
+                    <a16:creationId xmlns:a16="http://schemas.microsoft.com/office/drawing/2014/main" id="{C0979B72-FA06-3341-0C8C-22E5606766C2}"/>
+                  </a:ext>
+                </a:extLst>
+              </p:cNvPr>
+              <p:cNvSpPr txBox="1"/>
+              <p:nvPr/>
+            </p:nvSpPr>
+            <p:spPr>
+              <a:xfrm>
+                <a:off x="1074655" y="3428804"/>
+                <a:ext cx="3777792" cy="913007"/>
+              </a:xfrm>
+              <a:prstGeom prst="rect">
+                <a:avLst/>
+              </a:prstGeom>
+              <a:noFill/>
+            </p:spPr>
+            <p:txBody>
+              <a:bodyPr wrap="square">
+                <a:spAutoFit/>
+              </a:bodyPr>
+              <a:lstStyle/>
+              <a:p>
+                <a:pPr/>
+                <a14:m>
+                  <m:oMathPara xmlns:m="http://schemas.openxmlformats.org/officeDocument/2006/math">
+                    <m:oMathParaPr>
+                      <m:jc m:val="centerGroup"/>
+                    </m:oMathParaPr>
+                    <m:oMath xmlns:m="http://schemas.openxmlformats.org/officeDocument/2006/math">
+                      <m:r>
+                        <a:rPr lang="pt-BR" sz="2800" b="1" i="1" smtClean="0">
+                          <a:solidFill>
+                            <a:schemeClr val="tx1"/>
+                          </a:solidFill>
+                          <a:latin typeface="Cambria Math" panose="02040503050406030204" pitchFamily="18" charset="0"/>
+                        </a:rPr>
+                        <m:t>𝒂</m:t>
+                      </m:r>
+                      <m:r>
+                        <a:rPr lang="en-US" sz="2800" b="1" i="1">
+                          <a:solidFill>
+                            <a:schemeClr val="tx1"/>
+                          </a:solidFill>
+                          <a:latin typeface="Cambria Math" panose="02040503050406030204" pitchFamily="18" charset="0"/>
+                          <a:ea typeface="Cambria Math" panose="02040503050406030204" pitchFamily="18" charset="0"/>
+                        </a:rPr>
+                        <m:t>←</m:t>
+                      </m:r>
+                      <m:r>
+                        <a:rPr lang="pt-BR" sz="2800" b="1" i="1">
+                          <a:solidFill>
+                            <a:schemeClr val="tx1"/>
+                          </a:solidFill>
+                          <a:latin typeface="Cambria Math" panose="02040503050406030204" pitchFamily="18" charset="0"/>
+                        </a:rPr>
+                        <m:t>𝒂</m:t>
+                      </m:r>
+                      <m:r>
+                        <a:rPr lang="pt-BR" sz="2800" i="1">
+                          <a:solidFill>
+                            <a:schemeClr val="tx1"/>
+                          </a:solidFill>
+                          <a:latin typeface="Cambria Math" panose="02040503050406030204" pitchFamily="18" charset="0"/>
+                          <a:ea typeface="Cambria Math" panose="02040503050406030204" pitchFamily="18" charset="0"/>
+                        </a:rPr>
+                        <m:t>−</m:t>
+                      </m:r>
+                      <m:r>
+                        <a:rPr lang="pt-BR" sz="2800" i="1">
+                          <a:solidFill>
+                            <a:schemeClr val="tx1"/>
+                          </a:solidFill>
+                          <a:latin typeface="Cambria Math" panose="02040503050406030204" pitchFamily="18" charset="0"/>
+                          <a:ea typeface="Cambria Math" panose="02040503050406030204" pitchFamily="18" charset="0"/>
+                        </a:rPr>
+                        <m:t>𝛼</m:t>
+                      </m:r>
+                      <m:f>
+                        <m:fPr>
+                          <m:ctrlPr>
+                            <a:rPr lang="pt-BR" sz="2800" i="1">
+                              <a:solidFill>
+                                <a:schemeClr val="tx1"/>
+                              </a:solidFill>
+                              <a:latin typeface="Cambria Math" panose="02040503050406030204" pitchFamily="18" charset="0"/>
+                              <a:ea typeface="Cambria Math" panose="02040503050406030204" pitchFamily="18" charset="0"/>
+                            </a:rPr>
+                          </m:ctrlPr>
+                        </m:fPr>
+                        <m:num>
+                          <m:r>
+                            <a:rPr lang="pt-BR" sz="2800" i="1">
+                              <a:solidFill>
+                                <a:schemeClr val="tx1"/>
+                              </a:solidFill>
+                              <a:latin typeface="Cambria Math" panose="02040503050406030204" pitchFamily="18" charset="0"/>
+                              <a:ea typeface="Cambria Math" panose="02040503050406030204" pitchFamily="18" charset="0"/>
+                            </a:rPr>
+                            <m:t>𝜕</m:t>
+                          </m:r>
+                          <m:sSub>
+                            <m:sSubPr>
+                              <m:ctrlPr>
+                                <a:rPr lang="pt-BR" sz="2800" i="1">
+                                  <a:solidFill>
+                                    <a:schemeClr val="tx1"/>
+                                  </a:solidFill>
+                                  <a:latin typeface="Cambria Math" panose="02040503050406030204" pitchFamily="18" charset="0"/>
+                                  <a:ea typeface="Cambria Math" panose="02040503050406030204" pitchFamily="18" charset="0"/>
+                                </a:rPr>
+                              </m:ctrlPr>
+                            </m:sSubPr>
+                            <m:e>
+                              <m:r>
+                                <a:rPr lang="pt-BR" sz="2800" i="1">
+                                  <a:solidFill>
+                                    <a:schemeClr val="tx1"/>
+                                  </a:solidFill>
+                                  <a:latin typeface="Cambria Math" panose="02040503050406030204" pitchFamily="18" charset="0"/>
+                                  <a:ea typeface="Cambria Math" panose="02040503050406030204" pitchFamily="18" charset="0"/>
+                                </a:rPr>
+                                <m:t>𝐽</m:t>
+                              </m:r>
+                            </m:e>
+                            <m:sub>
+                              <m:r>
+                                <a:rPr lang="pt-BR" sz="2800" i="1">
+                                  <a:solidFill>
+                                    <a:schemeClr val="tx1"/>
+                                  </a:solidFill>
+                                  <a:latin typeface="Cambria Math" panose="02040503050406030204" pitchFamily="18" charset="0"/>
+                                  <a:ea typeface="Cambria Math" panose="02040503050406030204" pitchFamily="18" charset="0"/>
+                                </a:rPr>
+                                <m:t>𝑒</m:t>
+                              </m:r>
+                            </m:sub>
+                          </m:sSub>
+                          <m:r>
+                            <a:rPr lang="pt-BR" sz="2800" i="1">
+                              <a:solidFill>
+                                <a:schemeClr val="tx1"/>
+                              </a:solidFill>
+                              <a:latin typeface="Cambria Math" panose="02040503050406030204" pitchFamily="18" charset="0"/>
+                              <a:ea typeface="Cambria Math" panose="02040503050406030204" pitchFamily="18" charset="0"/>
+                            </a:rPr>
+                            <m:t>(</m:t>
+                          </m:r>
+                          <m:r>
+                            <a:rPr lang="pt-BR" sz="2800" b="1" i="1">
+                              <a:solidFill>
+                                <a:schemeClr val="tx1"/>
+                              </a:solidFill>
+                              <a:latin typeface="Cambria Math" panose="02040503050406030204" pitchFamily="18" charset="0"/>
+                              <a:ea typeface="Cambria Math" panose="02040503050406030204" pitchFamily="18" charset="0"/>
+                            </a:rPr>
+                            <m:t>𝒂</m:t>
+                          </m:r>
+                          <m:r>
+                            <a:rPr lang="pt-BR" sz="2800" i="1">
+                              <a:solidFill>
+                                <a:schemeClr val="tx1"/>
+                              </a:solidFill>
+                              <a:latin typeface="Cambria Math" panose="02040503050406030204" pitchFamily="18" charset="0"/>
+                              <a:ea typeface="Cambria Math" panose="02040503050406030204" pitchFamily="18" charset="0"/>
+                            </a:rPr>
+                            <m:t>)</m:t>
+                          </m:r>
+                        </m:num>
+                        <m:den>
+                          <m:r>
+                            <a:rPr lang="pt-BR" sz="2800" i="1">
+                              <a:solidFill>
+                                <a:schemeClr val="tx1"/>
+                              </a:solidFill>
+                              <a:latin typeface="Cambria Math" panose="02040503050406030204" pitchFamily="18" charset="0"/>
+                              <a:ea typeface="Cambria Math" panose="02040503050406030204" pitchFamily="18" charset="0"/>
+                            </a:rPr>
+                            <m:t>𝜕</m:t>
+                          </m:r>
+                          <m:r>
+                            <a:rPr lang="pt-BR" sz="2800" b="1" i="1">
+                              <a:solidFill>
+                                <a:schemeClr val="tx1"/>
+                              </a:solidFill>
+                              <a:latin typeface="Cambria Math" panose="02040503050406030204" pitchFamily="18" charset="0"/>
+                            </a:rPr>
+                            <m:t>𝒂</m:t>
+                          </m:r>
+                        </m:den>
+                      </m:f>
+                    </m:oMath>
+                  </m:oMathPara>
+                </a14:m>
+                <a:endParaRPr lang="pt-BR" sz="2800" dirty="0">
+                  <a:solidFill>
+                    <a:schemeClr val="tx1"/>
+                  </a:solidFill>
+                </a:endParaRPr>
+              </a:p>
+            </p:txBody>
+          </p:sp>
+        </mc:Choice>
+        <mc:Fallback xmlns="">
+          <p:sp>
+            <p:nvSpPr>
+              <p:cNvPr id="6" name="CaixaDeTexto 5">
+                <a:extLst>
+                  <a:ext uri="{FF2B5EF4-FFF2-40B4-BE49-F238E27FC236}">
+                    <a16:creationId xmlns:a16="http://schemas.microsoft.com/office/drawing/2014/main" id="{C0979B72-FA06-3341-0C8C-22E5606766C2}"/>
+                  </a:ext>
+                </a:extLst>
+              </p:cNvPr>
+              <p:cNvSpPr txBox="1">
+                <a:spLocks noRot="1" noChangeAspect="1" noMove="1" noResize="1" noEditPoints="1" noAdjustHandles="1" noChangeArrowheads="1" noChangeShapeType="1" noTextEdit="1"/>
+              </p:cNvSpPr>
+              <p:nvPr/>
+            </p:nvSpPr>
+            <p:spPr>
+              <a:xfrm>
+                <a:off x="1074655" y="3428804"/>
+                <a:ext cx="3777792" cy="913007"/>
+              </a:xfrm>
+              <a:prstGeom prst="rect">
+                <a:avLst/>
+              </a:prstGeom>
+              <a:blipFill>
+                <a:blip r:embed="rId3"/>
+                <a:stretch>
+                  <a:fillRect/>
+                </a:stretch>
+              </a:blipFill>
+            </p:spPr>
+            <p:txBody>
+              <a:bodyPr/>
+              <a:lstStyle/>
+              <a:p>
+                <a:r>
+                  <a:rPr lang="pt-BR">
+                    <a:noFill/>
+                  </a:rPr>
+                  <a:t> </a:t>
+                </a:r>
+              </a:p>
+            </p:txBody>
+          </p:sp>
+        </mc:Fallback>
+      </mc:AlternateContent>
+    </p:spTree>
+    <p:extLst>
+      <p:ext uri="{BB962C8B-B14F-4D97-AF65-F5344CB8AC3E}">
+        <p14:creationId xmlns:p14="http://schemas.microsoft.com/office/powerpoint/2010/main" val="2681891839"/>
+      </p:ext>
+    </p:extLst>
+  </p:cSld>
+  <p:clrMapOvr>
+    <a:masterClrMapping/>
+  </p:clrMapOvr>
+</p:sld>
+</file>
+
+<file path=ppt/slides/slide40.xml><?xml version="1.0" encoding="utf-8"?>
 <p:sld xmlns:a="http://schemas.openxmlformats.org/drawingml/2006/main" xmlns:r="http://schemas.openxmlformats.org/officeDocument/2006/relationships" xmlns:p="http://schemas.openxmlformats.org/presentationml/2006/main">
   <p:cSld>
     <p:spTree>
@@ -28480,7 +33359,7 @@
 </p:sld>
 </file>
 
-<file path=ppt/slides/slide32.xml><?xml version="1.0" encoding="utf-8"?>
+<file path=ppt/slides/slide41.xml><?xml version="1.0" encoding="utf-8"?>
 <p:sld xmlns:a="http://schemas.openxmlformats.org/drawingml/2006/main" xmlns:r="http://schemas.openxmlformats.org/officeDocument/2006/relationships" xmlns:p="http://schemas.openxmlformats.org/presentationml/2006/main">
   <p:cSld>
     <p:spTree>
@@ -28842,542 +33721,6 @@
     <p:extLst>
       <p:ext uri="{BB962C8B-B14F-4D97-AF65-F5344CB8AC3E}">
         <p14:creationId xmlns:p14="http://schemas.microsoft.com/office/powerpoint/2010/main" val="2626221759"/>
-      </p:ext>
-    </p:extLst>
-  </p:cSld>
-  <p:clrMapOvr>
-    <a:masterClrMapping/>
-  </p:clrMapOvr>
-</p:sld>
-</file>
-
-<file path=ppt/slides/slide4.xml><?xml version="1.0" encoding="utf-8"?>
-<p:sld xmlns:a="http://schemas.openxmlformats.org/drawingml/2006/main" xmlns:r="http://schemas.openxmlformats.org/officeDocument/2006/relationships" xmlns:p="http://schemas.openxmlformats.org/presentationml/2006/main">
-  <p:cSld>
-    <p:spTree>
-      <p:nvGrpSpPr>
-        <p:cNvPr id="1" name=""/>
-        <p:cNvGrpSpPr/>
-        <p:nvPr/>
-      </p:nvGrpSpPr>
-      <p:grpSpPr>
-        <a:xfrm>
-          <a:off x="0" y="0"/>
-          <a:ext cx="0" cy="0"/>
-          <a:chOff x="0" y="0"/>
-          <a:chExt cx="0" cy="0"/>
-        </a:xfrm>
-      </p:grpSpPr>
-      <p:sp>
-        <p:nvSpPr>
-          <p:cNvPr id="2" name="Título 1">
-            <a:extLst>
-              <a:ext uri="{FF2B5EF4-FFF2-40B4-BE49-F238E27FC236}">
-                <a16:creationId xmlns:a16="http://schemas.microsoft.com/office/drawing/2014/main" id="{B4A549E3-7E5B-04E3-09ED-A7C3171C6D5F}"/>
-              </a:ext>
-            </a:extLst>
-          </p:cNvPr>
-          <p:cNvSpPr>
-            <a:spLocks noGrp="1"/>
-          </p:cNvSpPr>
-          <p:nvPr>
-            <p:ph type="title"/>
-          </p:nvPr>
-        </p:nvSpPr>
-        <p:spPr/>
-        <p:txBody>
-          <a:bodyPr/>
-          <a:lstStyle/>
-          <a:p>
-            <a:r>
-              <a:rPr lang="pt-BR" dirty="0"/>
-              <a:t>Escolha do passo de aprendizagem</a:t>
-            </a:r>
-          </a:p>
-        </p:txBody>
-      </p:sp>
-      <mc:AlternateContent xmlns:mc="http://schemas.openxmlformats.org/markup-compatibility/2006" xmlns:a14="http://schemas.microsoft.com/office/drawing/2010/main">
-        <mc:Choice Requires="a14">
-          <p:sp>
-            <p:nvSpPr>
-              <p:cNvPr id="3" name="Espaço Reservado para Conteúdo 2">
-                <a:extLst>
-                  <a:ext uri="{FF2B5EF4-FFF2-40B4-BE49-F238E27FC236}">
-                    <a16:creationId xmlns:a16="http://schemas.microsoft.com/office/drawing/2014/main" id="{3323DEB1-E32D-5111-52A9-A936D5B18776}"/>
-                  </a:ext>
-                </a:extLst>
-              </p:cNvPr>
-              <p:cNvSpPr>
-                <a:spLocks noGrp="1"/>
-              </p:cNvSpPr>
-              <p:nvPr>
-                <p:ph idx="1"/>
-              </p:nvPr>
-            </p:nvSpPr>
-            <p:spPr>
-              <a:xfrm>
-                <a:off x="5533534" y="1825624"/>
-                <a:ext cx="6466789" cy="5032375"/>
-              </a:xfrm>
-            </p:spPr>
-            <p:txBody>
-              <a:bodyPr>
-                <a:normAutofit lnSpcReduction="10000"/>
-              </a:bodyPr>
-              <a:lstStyle/>
-              <a:p>
-                <a:r>
-                  <a:rPr lang="pt-BR" dirty="0"/>
-                  <a:t>Portanto, para </a:t>
-                </a:r>
-                <a:r>
-                  <a:rPr lang="pt-BR" b="1" i="1" dirty="0">
-                    <a:solidFill>
-                      <a:srgbClr val="00B050"/>
-                    </a:solidFill>
-                  </a:rPr>
-                  <a:t>andarmos na direção apontada pelo gradiente</a:t>
-                </a:r>
-                <a:r>
-                  <a:rPr lang="pt-BR" dirty="0"/>
-                  <a:t>, usamos uma </a:t>
-                </a:r>
-                <a:r>
-                  <a:rPr lang="pt-BR" b="1" i="1" dirty="0">
-                    <a:solidFill>
-                      <a:srgbClr val="7030A0"/>
-                    </a:solidFill>
-                  </a:rPr>
-                  <a:t>porcentagem</a:t>
-                </a:r>
-                <a:r>
-                  <a:rPr lang="pt-BR" dirty="0"/>
-                  <a:t> de seu valor.</a:t>
-                </a:r>
-              </a:p>
-              <a:p>
-                <a:r>
-                  <a:rPr lang="pt-BR" dirty="0"/>
-                  <a:t>Essa porcentagem é dada pelo </a:t>
-                </a:r>
-                <a:r>
-                  <a:rPr lang="pt-BR" b="1" i="1" dirty="0">
-                    <a:solidFill>
-                      <a:srgbClr val="00B050"/>
-                    </a:solidFill>
-                  </a:rPr>
-                  <a:t>passo de aprendizagem</a:t>
-                </a:r>
-                <a:r>
-                  <a:rPr lang="pt-BR" dirty="0"/>
-                  <a:t>, </a:t>
-                </a:r>
-                <a14:m>
-                  <m:oMath xmlns:m="http://schemas.openxmlformats.org/officeDocument/2006/math">
-                    <m:r>
-                      <a:rPr lang="pt-BR" i="1" smtClean="0">
-                        <a:latin typeface="Cambria Math" panose="02040503050406030204" pitchFamily="18" charset="0"/>
-                        <a:ea typeface="Cambria Math" panose="02040503050406030204" pitchFamily="18" charset="0"/>
-                      </a:rPr>
-                      <m:t>𝛼</m:t>
-                    </m:r>
-                  </m:oMath>
-                </a14:m>
-                <a:r>
-                  <a:rPr lang="pt-BR" dirty="0"/>
-                  <a:t>.</a:t>
-                </a:r>
-              </a:p>
-              <a:p>
-                <a:r>
-                  <a:rPr lang="pt-BR" dirty="0"/>
-                  <a:t>O</a:t>
-                </a:r>
-                <a:r>
-                  <a:rPr lang="pt-BR" b="0" i="0" dirty="0">
-                    <a:effectLst/>
-                  </a:rPr>
-                  <a:t> passo de aprendizagem </a:t>
-                </a:r>
-                <a:r>
-                  <a:rPr lang="pt-BR" b="1" i="1" dirty="0">
-                    <a:solidFill>
-                      <a:srgbClr val="00B050"/>
-                    </a:solidFill>
-                    <a:effectLst/>
-                  </a:rPr>
-                  <a:t>controla o quão "grande" ou "pequena"</a:t>
-                </a:r>
-                <a:r>
-                  <a:rPr lang="pt-BR" b="0" i="0" dirty="0">
-                    <a:effectLst/>
-                  </a:rPr>
-                  <a:t> </a:t>
-                </a:r>
-                <a:r>
-                  <a:rPr lang="pt-BR" b="1" i="1" dirty="0">
-                    <a:solidFill>
-                      <a:srgbClr val="00B050"/>
-                    </a:solidFill>
-                    <a:effectLst/>
-                  </a:rPr>
-                  <a:t>é a</a:t>
-                </a:r>
-                <a:r>
-                  <a:rPr lang="pt-BR" b="0" i="0" dirty="0">
-                    <a:effectLst/>
-                  </a:rPr>
-                  <a:t> </a:t>
-                </a:r>
-                <a:r>
-                  <a:rPr lang="pt-BR" b="1" i="1" dirty="0">
-                    <a:solidFill>
-                      <a:srgbClr val="00B050"/>
-                    </a:solidFill>
-                    <a:effectLst/>
-                  </a:rPr>
-                  <a:t>atualização aplicada aos pesos </a:t>
-                </a:r>
-                <a:r>
-                  <a:rPr lang="pt-BR" b="0" i="0" dirty="0">
-                    <a:effectLst/>
-                  </a:rPr>
-                  <a:t>do modelo em cada iteração do processo de treinamento.</a:t>
-                </a:r>
-              </a:p>
-              <a:p>
-                <a:r>
-                  <a:rPr lang="pt-BR" dirty="0"/>
-                  <a:t>Ou seja, ele determina o </a:t>
-                </a:r>
-                <a:r>
-                  <a:rPr lang="pt-BR" b="1" i="1" dirty="0">
-                    <a:solidFill>
-                      <a:srgbClr val="00B050"/>
-                    </a:solidFill>
-                  </a:rPr>
-                  <a:t>tamanho do passo dado na direção oposta à indicada pelo vetor gradiente</a:t>
-                </a:r>
-                <a:r>
-                  <a:rPr lang="pt-BR" dirty="0"/>
-                  <a:t>.</a:t>
-                </a:r>
-                <a:endParaRPr lang="pt-BR" b="0" i="0" dirty="0">
-                  <a:effectLst/>
-                </a:endParaRPr>
-              </a:p>
-              <a:p>
-                <a:endParaRPr lang="pt-BR" dirty="0"/>
-              </a:p>
-              <a:p>
-                <a:endParaRPr lang="pt-BR" dirty="0"/>
-              </a:p>
-            </p:txBody>
-          </p:sp>
-        </mc:Choice>
-        <mc:Fallback xmlns="">
-          <p:sp>
-            <p:nvSpPr>
-              <p:cNvPr id="3" name="Espaço Reservado para Conteúdo 2">
-                <a:extLst>
-                  <a:ext uri="{FF2B5EF4-FFF2-40B4-BE49-F238E27FC236}">
-                    <a16:creationId xmlns:a16="http://schemas.microsoft.com/office/drawing/2014/main" id="{3323DEB1-E32D-5111-52A9-A936D5B18776}"/>
-                  </a:ext>
-                </a:extLst>
-              </p:cNvPr>
-              <p:cNvSpPr>
-                <a:spLocks noGrp="1" noRot="1" noChangeAspect="1" noMove="1" noResize="1" noEditPoints="1" noAdjustHandles="1" noChangeArrowheads="1" noChangeShapeType="1" noTextEdit="1"/>
-              </p:cNvSpPr>
-              <p:nvPr>
-                <p:ph idx="1"/>
-              </p:nvPr>
-            </p:nvSpPr>
-            <p:spPr>
-              <a:xfrm>
-                <a:off x="5533534" y="1825624"/>
-                <a:ext cx="6466789" cy="5032375"/>
-              </a:xfrm>
-              <a:blipFill>
-                <a:blip r:embed="rId2"/>
-                <a:stretch>
-                  <a:fillRect l="-1697" t="-2663" r="-2168" b="-1211"/>
-                </a:stretch>
-              </a:blipFill>
-            </p:spPr>
-            <p:txBody>
-              <a:bodyPr/>
-              <a:lstStyle/>
-              <a:p>
-                <a:r>
-                  <a:rPr lang="pt-BR">
-                    <a:noFill/>
-                  </a:rPr>
-                  <a:t> </a:t>
-                </a:r>
-              </a:p>
-            </p:txBody>
-          </p:sp>
-        </mc:Fallback>
-      </mc:AlternateContent>
-      <mc:AlternateContent xmlns:mc="http://schemas.openxmlformats.org/markup-compatibility/2006" xmlns:a14="http://schemas.microsoft.com/office/drawing/2010/main">
-        <mc:Choice Requires="a14">
-          <p:sp>
-            <p:nvSpPr>
-              <p:cNvPr id="6" name="CaixaDeTexto 5">
-                <a:extLst>
-                  <a:ext uri="{FF2B5EF4-FFF2-40B4-BE49-F238E27FC236}">
-                    <a16:creationId xmlns:a16="http://schemas.microsoft.com/office/drawing/2014/main" id="{C0979B72-FA06-3341-0C8C-22E5606766C2}"/>
-                  </a:ext>
-                </a:extLst>
-              </p:cNvPr>
-              <p:cNvSpPr txBox="1"/>
-              <p:nvPr/>
-            </p:nvSpPr>
-            <p:spPr>
-              <a:xfrm>
-                <a:off x="1074655" y="3428804"/>
-                <a:ext cx="3777792" cy="913007"/>
-              </a:xfrm>
-              <a:prstGeom prst="rect">
-                <a:avLst/>
-              </a:prstGeom>
-              <a:noFill/>
-            </p:spPr>
-            <p:txBody>
-              <a:bodyPr wrap="square">
-                <a:spAutoFit/>
-              </a:bodyPr>
-              <a:lstStyle/>
-              <a:p>
-                <a:pPr/>
-                <a14:m>
-                  <m:oMathPara xmlns:m="http://schemas.openxmlformats.org/officeDocument/2006/math">
-                    <m:oMathParaPr>
-                      <m:jc m:val="centerGroup"/>
-                    </m:oMathParaPr>
-                    <m:oMath xmlns:m="http://schemas.openxmlformats.org/officeDocument/2006/math">
-                      <m:r>
-                        <a:rPr lang="pt-BR" sz="2800" b="1" i="1" smtClean="0">
-                          <a:solidFill>
-                            <a:schemeClr val="tx1"/>
-                          </a:solidFill>
-                          <a:latin typeface="Cambria Math" panose="02040503050406030204" pitchFamily="18" charset="0"/>
-                        </a:rPr>
-                        <m:t>𝒂</m:t>
-                      </m:r>
-                      <m:r>
-                        <a:rPr lang="en-US" sz="2800" b="1" i="1">
-                          <a:solidFill>
-                            <a:schemeClr val="tx1"/>
-                          </a:solidFill>
-                          <a:latin typeface="Cambria Math" panose="02040503050406030204" pitchFamily="18" charset="0"/>
-                          <a:ea typeface="Cambria Math" panose="02040503050406030204" pitchFamily="18" charset="0"/>
-                        </a:rPr>
-                        <m:t>←</m:t>
-                      </m:r>
-                      <m:r>
-                        <a:rPr lang="pt-BR" sz="2800" b="1" i="1">
-                          <a:solidFill>
-                            <a:schemeClr val="tx1"/>
-                          </a:solidFill>
-                          <a:latin typeface="Cambria Math" panose="02040503050406030204" pitchFamily="18" charset="0"/>
-                        </a:rPr>
-                        <m:t>𝒂</m:t>
-                      </m:r>
-                      <m:r>
-                        <a:rPr lang="pt-BR" sz="2800" i="1">
-                          <a:solidFill>
-                            <a:schemeClr val="tx1"/>
-                          </a:solidFill>
-                          <a:latin typeface="Cambria Math" panose="02040503050406030204" pitchFamily="18" charset="0"/>
-                          <a:ea typeface="Cambria Math" panose="02040503050406030204" pitchFamily="18" charset="0"/>
-                        </a:rPr>
-                        <m:t>−</m:t>
-                      </m:r>
-                      <m:r>
-                        <a:rPr lang="pt-BR" sz="2800" i="1">
-                          <a:solidFill>
-                            <a:schemeClr val="tx1"/>
-                          </a:solidFill>
-                          <a:latin typeface="Cambria Math" panose="02040503050406030204" pitchFamily="18" charset="0"/>
-                          <a:ea typeface="Cambria Math" panose="02040503050406030204" pitchFamily="18" charset="0"/>
-                        </a:rPr>
-                        <m:t>𝛼</m:t>
-                      </m:r>
-                      <m:f>
-                        <m:fPr>
-                          <m:ctrlPr>
-                            <a:rPr lang="pt-BR" sz="2800" i="1">
-                              <a:solidFill>
-                                <a:schemeClr val="tx1"/>
-                              </a:solidFill>
-                              <a:latin typeface="Cambria Math" panose="02040503050406030204" pitchFamily="18" charset="0"/>
-                              <a:ea typeface="Cambria Math" panose="02040503050406030204" pitchFamily="18" charset="0"/>
-                            </a:rPr>
-                          </m:ctrlPr>
-                        </m:fPr>
-                        <m:num>
-                          <m:r>
-                            <a:rPr lang="pt-BR" sz="2800" i="1">
-                              <a:solidFill>
-                                <a:schemeClr val="tx1"/>
-                              </a:solidFill>
-                              <a:latin typeface="Cambria Math" panose="02040503050406030204" pitchFamily="18" charset="0"/>
-                              <a:ea typeface="Cambria Math" panose="02040503050406030204" pitchFamily="18" charset="0"/>
-                            </a:rPr>
-                            <m:t>𝜕</m:t>
-                          </m:r>
-                          <m:sSub>
-                            <m:sSubPr>
-                              <m:ctrlPr>
-                                <a:rPr lang="pt-BR" sz="2800" i="1">
-                                  <a:solidFill>
-                                    <a:schemeClr val="tx1"/>
-                                  </a:solidFill>
-                                  <a:latin typeface="Cambria Math" panose="02040503050406030204" pitchFamily="18" charset="0"/>
-                                  <a:ea typeface="Cambria Math" panose="02040503050406030204" pitchFamily="18" charset="0"/>
-                                </a:rPr>
-                              </m:ctrlPr>
-                            </m:sSubPr>
-                            <m:e>
-                              <m:r>
-                                <a:rPr lang="pt-BR" sz="2800" i="1">
-                                  <a:solidFill>
-                                    <a:schemeClr val="tx1"/>
-                                  </a:solidFill>
-                                  <a:latin typeface="Cambria Math" panose="02040503050406030204" pitchFamily="18" charset="0"/>
-                                  <a:ea typeface="Cambria Math" panose="02040503050406030204" pitchFamily="18" charset="0"/>
-                                </a:rPr>
-                                <m:t>𝐽</m:t>
-                              </m:r>
-                            </m:e>
-                            <m:sub>
-                              <m:r>
-                                <a:rPr lang="pt-BR" sz="2800" i="1">
-                                  <a:solidFill>
-                                    <a:schemeClr val="tx1"/>
-                                  </a:solidFill>
-                                  <a:latin typeface="Cambria Math" panose="02040503050406030204" pitchFamily="18" charset="0"/>
-                                  <a:ea typeface="Cambria Math" panose="02040503050406030204" pitchFamily="18" charset="0"/>
-                                </a:rPr>
-                                <m:t>𝑒</m:t>
-                              </m:r>
-                            </m:sub>
-                          </m:sSub>
-                          <m:r>
-                            <a:rPr lang="pt-BR" sz="2800" i="1">
-                              <a:solidFill>
-                                <a:schemeClr val="tx1"/>
-                              </a:solidFill>
-                              <a:latin typeface="Cambria Math" panose="02040503050406030204" pitchFamily="18" charset="0"/>
-                              <a:ea typeface="Cambria Math" panose="02040503050406030204" pitchFamily="18" charset="0"/>
-                            </a:rPr>
-                            <m:t>(</m:t>
-                          </m:r>
-                          <m:r>
-                            <a:rPr lang="pt-BR" sz="2800" b="1" i="1">
-                              <a:solidFill>
-                                <a:schemeClr val="tx1"/>
-                              </a:solidFill>
-                              <a:latin typeface="Cambria Math" panose="02040503050406030204" pitchFamily="18" charset="0"/>
-                              <a:ea typeface="Cambria Math" panose="02040503050406030204" pitchFamily="18" charset="0"/>
-                            </a:rPr>
-                            <m:t>𝒂</m:t>
-                          </m:r>
-                          <m:r>
-                            <a:rPr lang="pt-BR" sz="2800" i="1">
-                              <a:solidFill>
-                                <a:schemeClr val="tx1"/>
-                              </a:solidFill>
-                              <a:latin typeface="Cambria Math" panose="02040503050406030204" pitchFamily="18" charset="0"/>
-                              <a:ea typeface="Cambria Math" panose="02040503050406030204" pitchFamily="18" charset="0"/>
-                            </a:rPr>
-                            <m:t>)</m:t>
-                          </m:r>
-                        </m:num>
-                        <m:den>
-                          <m:r>
-                            <a:rPr lang="pt-BR" sz="2800" i="1">
-                              <a:solidFill>
-                                <a:schemeClr val="tx1"/>
-                              </a:solidFill>
-                              <a:latin typeface="Cambria Math" panose="02040503050406030204" pitchFamily="18" charset="0"/>
-                              <a:ea typeface="Cambria Math" panose="02040503050406030204" pitchFamily="18" charset="0"/>
-                            </a:rPr>
-                            <m:t>𝜕</m:t>
-                          </m:r>
-                          <m:r>
-                            <a:rPr lang="pt-BR" sz="2800" b="1" i="1">
-                              <a:solidFill>
-                                <a:schemeClr val="tx1"/>
-                              </a:solidFill>
-                              <a:latin typeface="Cambria Math" panose="02040503050406030204" pitchFamily="18" charset="0"/>
-                            </a:rPr>
-                            <m:t>𝒂</m:t>
-                          </m:r>
-                        </m:den>
-                      </m:f>
-                    </m:oMath>
-                  </m:oMathPara>
-                </a14:m>
-                <a:endParaRPr lang="pt-BR" sz="2800" dirty="0">
-                  <a:solidFill>
-                    <a:schemeClr val="tx1"/>
-                  </a:solidFill>
-                </a:endParaRPr>
-              </a:p>
-            </p:txBody>
-          </p:sp>
-        </mc:Choice>
-        <mc:Fallback xmlns="">
-          <p:sp>
-            <p:nvSpPr>
-              <p:cNvPr id="6" name="CaixaDeTexto 5">
-                <a:extLst>
-                  <a:ext uri="{FF2B5EF4-FFF2-40B4-BE49-F238E27FC236}">
-                    <a16:creationId xmlns:a16="http://schemas.microsoft.com/office/drawing/2014/main" id="{C0979B72-FA06-3341-0C8C-22E5606766C2}"/>
-                  </a:ext>
-                </a:extLst>
-              </p:cNvPr>
-              <p:cNvSpPr txBox="1">
-                <a:spLocks noRot="1" noChangeAspect="1" noMove="1" noResize="1" noEditPoints="1" noAdjustHandles="1" noChangeArrowheads="1" noChangeShapeType="1" noTextEdit="1"/>
-              </p:cNvSpPr>
-              <p:nvPr/>
-            </p:nvSpPr>
-            <p:spPr>
-              <a:xfrm>
-                <a:off x="1074655" y="3428804"/>
-                <a:ext cx="3777792" cy="913007"/>
-              </a:xfrm>
-              <a:prstGeom prst="rect">
-                <a:avLst/>
-              </a:prstGeom>
-              <a:blipFill>
-                <a:blip r:embed="rId3"/>
-                <a:stretch>
-                  <a:fillRect/>
-                </a:stretch>
-              </a:blipFill>
-            </p:spPr>
-            <p:txBody>
-              <a:bodyPr/>
-              <a:lstStyle/>
-              <a:p>
-                <a:r>
-                  <a:rPr lang="pt-BR">
-                    <a:noFill/>
-                  </a:rPr>
-                  <a:t> </a:t>
-                </a:r>
-              </a:p>
-            </p:txBody>
-          </p:sp>
-        </mc:Fallback>
-      </mc:AlternateContent>
-    </p:spTree>
-    <p:extLst>
-      <p:ext uri="{BB962C8B-B14F-4D97-AF65-F5344CB8AC3E}">
-        <p14:creationId xmlns:p14="http://schemas.microsoft.com/office/powerpoint/2010/main" val="2681891839"/>
       </p:ext>
     </p:extLst>
   </p:cSld>
@@ -31836,8 +36179,8 @@
           </a:p>
         </p:txBody>
       </p:sp>
-      <mc:AlternateContent xmlns:mc="http://schemas.openxmlformats.org/markup-compatibility/2006" xmlns:a14="http://schemas.microsoft.com/office/drawing/2010/main">
-        <mc:Choice Requires="a14">
+      <mc:AlternateContent xmlns:mc="http://schemas.openxmlformats.org/markup-compatibility/2006">
+        <mc:Choice xmlns:a14="http://schemas.microsoft.com/office/drawing/2010/main" Requires="a14">
           <p:sp>
             <p:nvSpPr>
               <p:cNvPr id="3" name="Espaço Reservado para Conteúdo 2">
@@ -31856,8 +36199,8 @@
             </p:nvSpPr>
             <p:spPr>
               <a:xfrm>
-                <a:off x="5456583" y="1825624"/>
-                <a:ext cx="6541454" cy="5032375"/>
+                <a:off x="5763126" y="1825624"/>
+                <a:ext cx="6304548" cy="5032375"/>
               </a:xfrm>
             </p:spPr>
             <p:txBody>
@@ -31883,7 +36226,19 @@
                 </a14:m>
                 <a:r>
                   <a:rPr lang="pt-BR" dirty="0"/>
-                  <a:t>é muito grande, a cada época, o algoritmo “pula” para um valor mais alto do que o anterior, e assim, acaba divergindo.</a:t>
+                  <a:t>é </a:t>
+                </a:r>
+                <a:r>
+                  <a:rPr lang="pt-BR" b="1" i="1" dirty="0">
+                    <a:solidFill>
+                      <a:srgbClr val="00B050"/>
+                    </a:solidFill>
+                  </a:rPr>
+                  <a:t>muito grande</a:t>
+                </a:r>
+                <a:r>
+                  <a:rPr lang="pt-BR" dirty="0"/>
+                  <a:t>, a cada época, o algoritmo “pula” para um valor mais alto do que o anterior, e assim, acaba divergindo.</a:t>
                 </a:r>
               </a:p>
               <a:p>
@@ -31892,64 +36247,10 @@
                   <a:t>Ou seja, ao invés de se aproximar do ponto de mínimo a cada época, ele se distancia dele.</a:t>
                 </a:r>
               </a:p>
-              <a:p>
-                <a:r>
-                  <a:rPr lang="pt-BR" dirty="0"/>
-                  <a:t>Nesse caso ocorre um </a:t>
-                </a:r>
-                <a:r>
-                  <a:rPr lang="pt-BR" b="1" i="1" dirty="0">
-                    <a:solidFill>
-                      <a:srgbClr val="00B050"/>
-                    </a:solidFill>
-                  </a:rPr>
-                  <a:t>ciclo de feedback positivo </a:t>
-                </a:r>
-                <a:r>
-                  <a:rPr lang="pt-BR" dirty="0"/>
-                  <a:t>onde </a:t>
-                </a:r>
-                <a:r>
-                  <a:rPr lang="pt-BR" b="1" i="1" dirty="0">
-                    <a:solidFill>
-                      <a:srgbClr val="00B050"/>
-                    </a:solidFill>
-                  </a:rPr>
-                  <a:t>a cada época </a:t>
-                </a:r>
-                <a:r>
-                  <a:rPr lang="pt-BR" dirty="0"/>
-                  <a:t>os valores dos </a:t>
-                </a:r>
-                <a:r>
-                  <a:rPr lang="pt-BR" b="1" i="1" dirty="0">
-                    <a:solidFill>
-                      <a:srgbClr val="00B050"/>
-                    </a:solidFill>
-                  </a:rPr>
-                  <a:t>pesos se tornam maiores e maiores </a:t>
-                </a:r>
-                <a:r>
-                  <a:rPr lang="pt-BR" dirty="0"/>
-                  <a:t>até que ocorra o </a:t>
-                </a:r>
-                <a:r>
-                  <a:rPr lang="pt-BR" b="1" i="1" dirty="0">
-                    <a:solidFill>
-                      <a:srgbClr val="00B050"/>
-                    </a:solidFill>
-                  </a:rPr>
-                  <a:t>estouro da precisão numérica</a:t>
-                </a:r>
-                <a:r>
-                  <a:rPr lang="pt-BR" dirty="0"/>
-                  <a:t>.</a:t>
-                </a:r>
-              </a:p>
             </p:txBody>
           </p:sp>
         </mc:Choice>
-        <mc:Fallback xmlns="">
+        <mc:Fallback>
           <p:sp>
             <p:nvSpPr>
               <p:cNvPr id="3" name="Espaço Reservado para Conteúdo 2">
@@ -31968,13 +36269,13 @@
             </p:nvSpPr>
             <p:spPr>
               <a:xfrm>
-                <a:off x="5456583" y="1825624"/>
-                <a:ext cx="6541454" cy="5032375"/>
+                <a:off x="5763126" y="1825624"/>
+                <a:ext cx="6304548" cy="5032375"/>
               </a:xfrm>
               <a:blipFill>
                 <a:blip r:embed="rId3"/>
                 <a:stretch>
-                  <a:fillRect l="-1678" t="-1937" r="-2982" b="-1816"/>
+                  <a:fillRect l="-1739" t="-1937" r="-3092"/>
                 </a:stretch>
               </a:blipFill>
             </p:spPr>
@@ -32007,7 +36308,7 @@
         </p:nvGrpSpPr>
         <p:grpSpPr>
           <a:xfrm>
-            <a:off x="838200" y="2419395"/>
+            <a:off x="1042736" y="2371269"/>
             <a:ext cx="4151243" cy="3007892"/>
             <a:chOff x="767703" y="2398995"/>
             <a:chExt cx="3868625" cy="2806985"/>

--- a/slides/T319_Regressão_Linear (Parte III).pptx
+++ b/slides/T319_Regressão_Linear (Parte III).pptx
@@ -5,7 +5,7 @@
     <p:sldMasterId id="2147483648" r:id="rId1"/>
   </p:sldMasterIdLst>
   <p:notesMasterIdLst>
-    <p:notesMasterId r:id="rId41"/>
+    <p:notesMasterId r:id="rId42"/>
   </p:notesMasterIdLst>
   <p:sldIdLst>
     <p:sldId id="259" r:id="rId2"/>
@@ -28,25 +28,26 @@
     <p:sldId id="496" r:id="rId19"/>
     <p:sldId id="504" r:id="rId20"/>
     <p:sldId id="505" r:id="rId21"/>
-    <p:sldId id="506" r:id="rId22"/>
-    <p:sldId id="503" r:id="rId23"/>
-    <p:sldId id="480" r:id="rId24"/>
-    <p:sldId id="482" r:id="rId25"/>
-    <p:sldId id="317" r:id="rId26"/>
-    <p:sldId id="332" r:id="rId27"/>
-    <p:sldId id="299" r:id="rId28"/>
-    <p:sldId id="285" r:id="rId29"/>
-    <p:sldId id="415" r:id="rId30"/>
-    <p:sldId id="283" r:id="rId31"/>
-    <p:sldId id="274" r:id="rId32"/>
-    <p:sldId id="278" r:id="rId33"/>
-    <p:sldId id="292" r:id="rId34"/>
-    <p:sldId id="498" r:id="rId35"/>
-    <p:sldId id="295" r:id="rId36"/>
-    <p:sldId id="396" r:id="rId37"/>
-    <p:sldId id="484" r:id="rId38"/>
-    <p:sldId id="421" r:id="rId39"/>
-    <p:sldId id="423" r:id="rId40"/>
+    <p:sldId id="507" r:id="rId22"/>
+    <p:sldId id="508" r:id="rId23"/>
+    <p:sldId id="510" r:id="rId24"/>
+    <p:sldId id="511" r:id="rId25"/>
+    <p:sldId id="482" r:id="rId26"/>
+    <p:sldId id="317" r:id="rId27"/>
+    <p:sldId id="332" r:id="rId28"/>
+    <p:sldId id="299" r:id="rId29"/>
+    <p:sldId id="285" r:id="rId30"/>
+    <p:sldId id="415" r:id="rId31"/>
+    <p:sldId id="283" r:id="rId32"/>
+    <p:sldId id="274" r:id="rId33"/>
+    <p:sldId id="278" r:id="rId34"/>
+    <p:sldId id="292" r:id="rId35"/>
+    <p:sldId id="498" r:id="rId36"/>
+    <p:sldId id="295" r:id="rId37"/>
+    <p:sldId id="396" r:id="rId38"/>
+    <p:sldId id="484" r:id="rId39"/>
+    <p:sldId id="421" r:id="rId40"/>
+    <p:sldId id="423" r:id="rId41"/>
   </p:sldIdLst>
   <p:sldSz cx="12192000" cy="6858000"/>
   <p:notesSz cx="6858000" cy="9144000"/>
@@ -562,7 +563,7 @@
           <a:p>
             <a:fld id="{DAF0AF11-6A8A-4E64-94F5-26D4FBA2A01D}" type="datetimeFigureOut">
               <a:rPr lang="nl-BE" smtClean="0"/>
-              <a:t>29/09/2023</a:t>
+              <a:t>10/10/2023</a:t>
             </a:fld>
             <a:endParaRPr lang="nl-BE"/>
           </a:p>
@@ -933,7 +934,7 @@
       </p:grpSpPr>
       <p:sp>
         <p:nvSpPr>
-          <p:cNvPr id="2" name="Slide Image Placeholder 1"/>
+          <p:cNvPr id="2" name="Espaço Reservado para Imagem de Slide 1"/>
           <p:cNvSpPr>
             <a:spLocks noGrp="1" noRot="1" noChangeAspect="1"/>
           </p:cNvSpPr>
@@ -945,7 +946,7 @@
       </p:sp>
       <p:sp>
         <p:nvSpPr>
-          <p:cNvPr id="3" name="Notes Placeholder 2"/>
+          <p:cNvPr id="3" name="Espaço Reservado para Anotações 2"/>
           <p:cNvSpPr>
             <a:spLocks noGrp="1"/>
           </p:cNvSpPr>
@@ -976,8 +977,12 @@
               <a:defRPr/>
             </a:pPr>
             <a:r>
+              <a:rPr lang="pt-BR" b="1" dirty="0"/>
+              <a:t>Exemplo</a:t>
+            </a:r>
+            <a:r>
               <a:rPr lang="pt-BR" dirty="0"/>
-              <a:t>COLAB:</a:t>
+              <a:t>:</a:t>
             </a:r>
             <a:r>
               <a:rPr lang="pt-BR" baseline="0" dirty="0"/>
@@ -985,7 +990,182 @@
             </a:r>
             <a:r>
               <a:rPr lang="pt-BR" dirty="0"/>
-              <a:t>https://colab.research.google.com/github/zz4fap/t319_aprendizado_de_maquina/blob/main/labs/Laboratorio4.ipynb</a:t>
+              <a:t>https://colab.research.google.com/</a:t>
+            </a:r>
+            <a:r>
+              <a:rPr lang="pt-BR" dirty="0" err="1"/>
+              <a:t>github</a:t>
+            </a:r>
+            <a:r>
+              <a:rPr lang="pt-BR" dirty="0"/>
+              <a:t>/zz4fap/t319_aprendizado_de_maquina/</a:t>
+            </a:r>
+            <a:r>
+              <a:rPr lang="pt-BR" dirty="0" err="1"/>
+              <a:t>blob</a:t>
+            </a:r>
+            <a:r>
+              <a:rPr lang="pt-BR" dirty="0"/>
+              <a:t>/</a:t>
+            </a:r>
+            <a:r>
+              <a:rPr lang="pt-BR" dirty="0" err="1"/>
+              <a:t>main</a:t>
+            </a:r>
+            <a:r>
+              <a:rPr lang="pt-BR" dirty="0"/>
+              <a:t>/notebooks/</a:t>
+            </a:r>
+            <a:r>
+              <a:rPr lang="pt-BR" dirty="0" err="1"/>
+              <a:t>regression</a:t>
+            </a:r>
+            <a:r>
+              <a:rPr lang="pt-BR" dirty="0"/>
+              <a:t>/</a:t>
+            </a:r>
+            <a:r>
+              <a:rPr lang="pt-BR" dirty="0" err="1"/>
+              <a:t>gd_versions</a:t>
+            </a:r>
+            <a:r>
+              <a:rPr lang="pt-BR" dirty="0"/>
+              <a:t>/</a:t>
+            </a:r>
+            <a:r>
+              <a:rPr lang="pt-BR" dirty="0" err="1"/>
+              <a:t>gde_com_redução_gradual.ipynb</a:t>
+            </a:r>
+            <a:endParaRPr lang="pt-BR" dirty="0"/>
+          </a:p>
+          <a:p>
+            <a:endParaRPr lang="pt-BR" sz="1200" baseline="0" dirty="0"/>
+          </a:p>
+          <a:p>
+            <a:r>
+              <a:rPr lang="pt-BR" sz="1200" baseline="0" dirty="0"/>
+              <a:t>Os passos começam com grandes valores (o que ajuda a progredir rapidamente e a escapar de mínimos locais, casos em que a superfície de erro seja bastante irregular) e depois diminuem cada vez mais, permitindo que o algoritmo se estabilize no mínimo global.</a:t>
+            </a:r>
+          </a:p>
+          <a:p>
+            <a:endParaRPr lang="pt-BR" sz="1200" baseline="0" dirty="0"/>
+          </a:p>
+          <a:p>
+            <a:r>
+              <a:rPr lang="pt-BR" dirty="0"/>
+              <a:t>Se a taxa de aprendizagem for reduzida muito rapidamente, o algoritmo poderá ficar preso no mínimo local ou até ficar</a:t>
+            </a:r>
+            <a:r>
+              <a:rPr lang="pt-BR" baseline="0" dirty="0"/>
+              <a:t> travado antes de chegar ao mínimo</a:t>
+            </a:r>
+            <a:r>
+              <a:rPr lang="pt-BR" dirty="0"/>
+              <a:t>. Se a taxa de aprendizado for reduzida muito lentamente, o algoritmo poderá oscilar ao</a:t>
+            </a:r>
+            <a:r>
+              <a:rPr lang="pt-BR" baseline="0" dirty="0"/>
+              <a:t> redor do</a:t>
+            </a:r>
+            <a:r>
+              <a:rPr lang="pt-BR" dirty="0"/>
+              <a:t> mínimo por um longo tempo e acabar com uma solução não ótima (</a:t>
+            </a:r>
+            <a:r>
+              <a:rPr lang="pt-BR" dirty="0" err="1"/>
+              <a:t>sub-ótima</a:t>
+            </a:r>
+            <a:r>
+              <a:rPr lang="pt-BR" dirty="0"/>
+              <a:t>) caso o treinamento se encerre muito cedo.</a:t>
+            </a:r>
+          </a:p>
+          <a:p>
+            <a:endParaRPr lang="pt-BR" dirty="0"/>
+          </a:p>
+          <a:p>
+            <a:r>
+              <a:rPr lang="pt-BR" b="1" dirty="0"/>
+              <a:t>Alguns tipos de esquema para ajuste do passo de aprendizagem são:</a:t>
+            </a:r>
+          </a:p>
+          <a:p>
+            <a:pPr marL="171450" indent="-171450">
+              <a:buFont typeface="Arial" panose="020B0604020202020204" pitchFamily="34" charset="0"/>
+              <a:buChar char="•"/>
+            </a:pPr>
+            <a:r>
+              <a:rPr lang="pt-BR" b="1" dirty="0"/>
+              <a:t>Decaimento por etapas ou degraus</a:t>
+            </a:r>
+            <a:r>
+              <a:rPr lang="pt-BR" dirty="0"/>
+              <a:t>: reduz a taxa de aprendizado de algum fator a cada número pré-definido de iterações ou épocas. Os valores típicos são utilizados para reduzir a taxa de aprendizado pela metade a cada número pré-definido de épocas. Esses números dependem muito do tipo de problema e do modelo. Uma heurística que você pode ver na prática é observar o erro de validação durante o treinamento com uma taxa de aprendizado fixa e reduzir a taxa de aprendizado em uma constante (por exemplo, 0,5) sempre que o erro de validação parar de decrescer.</a:t>
+            </a:r>
+          </a:p>
+          <a:p>
+            <a:pPr marL="171450" indent="-171450">
+              <a:buFont typeface="Arial" panose="020B0604020202020204" pitchFamily="34" charset="0"/>
+              <a:buChar char="•"/>
+            </a:pPr>
+            <a:r>
+              <a:rPr lang="pt-BR" b="1" dirty="0"/>
+              <a:t>Decaimento exponencial</a:t>
+            </a:r>
+            <a:r>
+              <a:rPr lang="pt-BR" dirty="0"/>
+              <a:t>: tem a forma matemática α = α0 e^(-</a:t>
+            </a:r>
+            <a:r>
+              <a:rPr lang="pt-BR" dirty="0" err="1"/>
+              <a:t>kt</a:t>
+            </a:r>
+            <a:r>
+              <a:rPr lang="pt-BR" dirty="0"/>
+              <a:t>), onde α0, k são hiperparâmetros e t é o número da iteração (mas você também pode usar o número de épocas).</a:t>
+            </a:r>
+          </a:p>
+          <a:p>
+            <a:pPr marL="171450" indent="-171450">
+              <a:buFont typeface="Arial" panose="020B0604020202020204" pitchFamily="34" charset="0"/>
+              <a:buChar char="•"/>
+            </a:pPr>
+            <a:r>
+              <a:rPr lang="pt-BR" b="1" dirty="0"/>
+              <a:t>Decaimento temporal</a:t>
+            </a:r>
+            <a:r>
+              <a:rPr lang="pt-BR" dirty="0"/>
+              <a:t>: tem a forma matemática α = α0 / (1 + </a:t>
+            </a:r>
+            <a:r>
+              <a:rPr lang="pt-BR" dirty="0" err="1"/>
+              <a:t>kt</a:t>
+            </a:r>
+            <a:r>
+              <a:rPr lang="pt-BR" dirty="0"/>
+              <a:t>), onde a0, k são hiperparâmetros e t é o número da iteração.</a:t>
+            </a:r>
+          </a:p>
+          <a:p>
+            <a:pPr marL="171450" indent="-171450">
+              <a:buFont typeface="Arial" panose="020B0604020202020204" pitchFamily="34" charset="0"/>
+              <a:buChar char="•"/>
+            </a:pPr>
+            <a:endParaRPr lang="pt-BR" dirty="0"/>
+          </a:p>
+          <a:p>
+            <a:pPr marL="0" indent="0">
+              <a:buFont typeface="Arial" panose="020B0604020202020204" pitchFamily="34" charset="0"/>
+              <a:buNone/>
+            </a:pPr>
+            <a:r>
+              <a:rPr lang="pt-BR" b="1" dirty="0"/>
+              <a:t>Exemplo</a:t>
+            </a:r>
+            <a:r>
+              <a:rPr lang="pt-BR" dirty="0"/>
+              <a:t>: stocastic_gradient_descent_with_learning_schedule_and_with_figures.ipynb</a:t>
             </a:r>
           </a:p>
           <a:p>
@@ -995,12 +1175,12 @@
       </p:sp>
       <p:sp>
         <p:nvSpPr>
-          <p:cNvPr id="4" name="Slide Number Placeholder 3"/>
+          <p:cNvPr id="4" name="Espaço Reservado para Número de Slide 3"/>
           <p:cNvSpPr>
             <a:spLocks noGrp="1"/>
           </p:cNvSpPr>
           <p:nvPr>
-            <p:ph type="sldNum" sz="quarter" idx="10"/>
+            <p:ph type="sldNum" sz="quarter" idx="5"/>
           </p:nvPr>
         </p:nvSpPr>
         <p:spPr/>
@@ -1010,7 +1190,7 @@
           <a:p>
             <a:fld id="{DA8B99DF-01BC-492A-8CEF-4FD88D18DD9D}" type="slidenum">
               <a:rPr lang="nl-BE" smtClean="0"/>
-              <a:t>24</a:t>
+              <a:t>23</a:t>
             </a:fld>
             <a:endParaRPr lang="nl-BE"/>
           </a:p>
@@ -1019,7 +1199,7 @@
     </p:spTree>
     <p:extLst>
       <p:ext uri="{BB962C8B-B14F-4D97-AF65-F5344CB8AC3E}">
-        <p14:creationId xmlns:p14="http://schemas.microsoft.com/office/powerpoint/2010/main" val="1119925003"/>
+        <p14:creationId xmlns:p14="http://schemas.microsoft.com/office/powerpoint/2010/main" val="3245870633"/>
       </p:ext>
     </p:extLst>
   </p:cSld>
@@ -1048,7 +1228,7 @@
       </p:grpSpPr>
       <p:sp>
         <p:nvSpPr>
-          <p:cNvPr id="2" name="Slide Image Placeholder 1"/>
+          <p:cNvPr id="2" name="Espaço Reservado para Imagem de Slide 1"/>
           <p:cNvSpPr>
             <a:spLocks noGrp="1" noRot="1" noChangeAspect="1"/>
           </p:cNvSpPr>
@@ -1060,7 +1240,7 @@
       </p:sp>
       <p:sp>
         <p:nvSpPr>
-          <p:cNvPr id="3" name="Notes Placeholder 2"/>
+          <p:cNvPr id="3" name="Espaço Reservado para Anotações 2"/>
           <p:cNvSpPr>
             <a:spLocks noGrp="1"/>
           </p:cNvSpPr>
@@ -1073,18 +1253,228 @@
           <a:bodyPr/>
           <a:lstStyle/>
           <a:p>
-            <a:endParaRPr lang="nl-BE" dirty="0"/>
+            <a:pPr marL="0" marR="0" lvl="0" indent="0" algn="l" defTabSz="914400" rtl="0" eaLnBrk="1" fontAlgn="auto" latinLnBrk="0" hangingPunct="1">
+              <a:lnSpc>
+                <a:spcPct val="100000"/>
+              </a:lnSpc>
+              <a:spcBef>
+                <a:spcPts val="0"/>
+              </a:spcBef>
+              <a:spcAft>
+                <a:spcPts val="0"/>
+              </a:spcAft>
+              <a:buClrTx/>
+              <a:buSzTx/>
+              <a:buFontTx/>
+              <a:buNone/>
+              <a:tabLst/>
+              <a:defRPr/>
+            </a:pPr>
+            <a:r>
+              <a:rPr lang="pt-BR" b="1" dirty="0"/>
+              <a:t>Exemplo</a:t>
+            </a:r>
+            <a:r>
+              <a:rPr lang="pt-BR" dirty="0"/>
+              <a:t>:</a:t>
+            </a:r>
+            <a:r>
+              <a:rPr lang="pt-BR" baseline="0" dirty="0"/>
+              <a:t> </a:t>
+            </a:r>
+            <a:r>
+              <a:rPr lang="pt-BR" dirty="0"/>
+              <a:t>https://colab.research.google.com/</a:t>
+            </a:r>
+            <a:r>
+              <a:rPr lang="pt-BR" dirty="0" err="1"/>
+              <a:t>github</a:t>
+            </a:r>
+            <a:r>
+              <a:rPr lang="pt-BR" dirty="0"/>
+              <a:t>/zz4fap/t319_aprendizado_de_maquina/</a:t>
+            </a:r>
+            <a:r>
+              <a:rPr lang="pt-BR" dirty="0" err="1"/>
+              <a:t>blob</a:t>
+            </a:r>
+            <a:r>
+              <a:rPr lang="pt-BR" dirty="0"/>
+              <a:t>/</a:t>
+            </a:r>
+            <a:r>
+              <a:rPr lang="pt-BR" dirty="0" err="1"/>
+              <a:t>main</a:t>
+            </a:r>
+            <a:r>
+              <a:rPr lang="pt-BR" dirty="0"/>
+              <a:t>/notebooks/</a:t>
+            </a:r>
+            <a:r>
+              <a:rPr lang="pt-BR" dirty="0" err="1"/>
+              <a:t>regression</a:t>
+            </a:r>
+            <a:r>
+              <a:rPr lang="pt-BR" dirty="0"/>
+              <a:t>/</a:t>
+            </a:r>
+            <a:r>
+              <a:rPr lang="pt-BR" dirty="0" err="1"/>
+              <a:t>gd_versions</a:t>
+            </a:r>
+            <a:r>
+              <a:rPr lang="pt-BR" dirty="0"/>
+              <a:t>/</a:t>
+            </a:r>
+            <a:r>
+              <a:rPr lang="pt-BR" dirty="0" err="1"/>
+              <a:t>gde_com_redução_gradual.ipynb</a:t>
+            </a:r>
+            <a:endParaRPr lang="pt-BR" dirty="0"/>
+          </a:p>
+          <a:p>
+            <a:endParaRPr lang="pt-BR" sz="1200" baseline="0" dirty="0"/>
+          </a:p>
+          <a:p>
+            <a:r>
+              <a:rPr lang="pt-BR" sz="1200" baseline="0" dirty="0"/>
+              <a:t>Os passos começam com grandes valores (o que ajuda a progredir rapidamente e a escapar de mínimos locais, casos em que a superfície de erro seja bastante irregular) e depois diminuem cada vez mais, permitindo que o algoritmo se estabilize no mínimo global.</a:t>
+            </a:r>
+          </a:p>
+          <a:p>
+            <a:endParaRPr lang="pt-BR" sz="1200" baseline="0" dirty="0"/>
+          </a:p>
+          <a:p>
+            <a:r>
+              <a:rPr lang="pt-BR" dirty="0"/>
+              <a:t>Se a taxa de aprendizagem for reduzida muito rapidamente, o algoritmo poderá ficar preso no mínimo local ou até ficar</a:t>
+            </a:r>
+            <a:r>
+              <a:rPr lang="pt-BR" baseline="0" dirty="0"/>
+              <a:t> travado antes de chegar ao mínimo</a:t>
+            </a:r>
+            <a:r>
+              <a:rPr lang="pt-BR" dirty="0"/>
+              <a:t>. Se a taxa de aprendizado for reduzida muito lentamente, o algoritmo poderá oscilar ao</a:t>
+            </a:r>
+            <a:r>
+              <a:rPr lang="pt-BR" baseline="0" dirty="0"/>
+              <a:t> redor do</a:t>
+            </a:r>
+            <a:r>
+              <a:rPr lang="pt-BR" dirty="0"/>
+              <a:t> mínimo por um longo tempo e acabar com uma solução não ótima (</a:t>
+            </a:r>
+            <a:r>
+              <a:rPr lang="pt-BR" dirty="0" err="1"/>
+              <a:t>sub-ótima</a:t>
+            </a:r>
+            <a:r>
+              <a:rPr lang="pt-BR" dirty="0"/>
+              <a:t>) caso o treinamento se encerre muito cedo.</a:t>
+            </a:r>
+          </a:p>
+          <a:p>
+            <a:endParaRPr lang="pt-BR" dirty="0"/>
+          </a:p>
+          <a:p>
+            <a:r>
+              <a:rPr lang="pt-BR" b="1" dirty="0"/>
+              <a:t>Alguns tipos de esquema para ajuste do passo de aprendizagem são:</a:t>
+            </a:r>
+          </a:p>
+          <a:p>
+            <a:pPr marL="171450" indent="-171450">
+              <a:buFont typeface="Arial" panose="020B0604020202020204" pitchFamily="34" charset="0"/>
+              <a:buChar char="•"/>
+            </a:pPr>
+            <a:r>
+              <a:rPr lang="pt-BR" b="1" dirty="0"/>
+              <a:t>Decaimento por etapas ou degraus</a:t>
+            </a:r>
+            <a:r>
+              <a:rPr lang="pt-BR" dirty="0"/>
+              <a:t>: reduz a taxa de aprendizado de algum fator a cada número pré-definido de iterações ou épocas. Os valores típicos são utilizados para reduzir a taxa de aprendizado pela metade a cada número pré-definido de épocas. Esses números dependem muito do tipo de problema e do modelo. Uma heurística que você pode ver na prática é observar o erro de validação durante o treinamento com uma taxa de aprendizado fixa e reduzir a taxa de aprendizado em uma constante (por exemplo, 0,5) sempre que o erro de validação parar de decrescer.</a:t>
+            </a:r>
+          </a:p>
+          <a:p>
+            <a:pPr marL="171450" indent="-171450">
+              <a:buFont typeface="Arial" panose="020B0604020202020204" pitchFamily="34" charset="0"/>
+              <a:buChar char="•"/>
+            </a:pPr>
+            <a:r>
+              <a:rPr lang="pt-BR" b="1" dirty="0"/>
+              <a:t>Decaimento exponencial</a:t>
+            </a:r>
+            <a:r>
+              <a:rPr lang="pt-BR" dirty="0"/>
+              <a:t>: tem a forma matemática α = α0 e^(-</a:t>
+            </a:r>
+            <a:r>
+              <a:rPr lang="pt-BR" dirty="0" err="1"/>
+              <a:t>kt</a:t>
+            </a:r>
+            <a:r>
+              <a:rPr lang="pt-BR" dirty="0"/>
+              <a:t>), onde α0, k são hiperparâmetros e t é o número da iteração (mas você também pode usar o número de épocas).</a:t>
+            </a:r>
+          </a:p>
+          <a:p>
+            <a:pPr marL="171450" indent="-171450">
+              <a:buFont typeface="Arial" panose="020B0604020202020204" pitchFamily="34" charset="0"/>
+              <a:buChar char="•"/>
+            </a:pPr>
+            <a:r>
+              <a:rPr lang="pt-BR" b="1" dirty="0"/>
+              <a:t>Decaimento temporal</a:t>
+            </a:r>
+            <a:r>
+              <a:rPr lang="pt-BR" dirty="0"/>
+              <a:t>: tem a forma matemática α = α0 / (1 + </a:t>
+            </a:r>
+            <a:r>
+              <a:rPr lang="pt-BR" dirty="0" err="1"/>
+              <a:t>kt</a:t>
+            </a:r>
+            <a:r>
+              <a:rPr lang="pt-BR" dirty="0"/>
+              <a:t>), onde a0, k são hiperparâmetros e t é o número da iteração.</a:t>
+            </a:r>
+          </a:p>
+          <a:p>
+            <a:pPr marL="171450" indent="-171450">
+              <a:buFont typeface="Arial" panose="020B0604020202020204" pitchFamily="34" charset="0"/>
+              <a:buChar char="•"/>
+            </a:pPr>
+            <a:endParaRPr lang="pt-BR" dirty="0"/>
+          </a:p>
+          <a:p>
+            <a:pPr marL="0" indent="0">
+              <a:buFont typeface="Arial" panose="020B0604020202020204" pitchFamily="34" charset="0"/>
+              <a:buNone/>
+            </a:pPr>
+            <a:r>
+              <a:rPr lang="pt-BR" b="1" dirty="0"/>
+              <a:t>Exemplo</a:t>
+            </a:r>
+            <a:r>
+              <a:rPr lang="pt-BR" dirty="0"/>
+              <a:t>: stocastic_gradient_descent_with_learning_schedule_and_with_figures.ipynb</a:t>
+            </a:r>
+          </a:p>
+          <a:p>
+            <a:endParaRPr lang="pt-BR" dirty="0"/>
           </a:p>
         </p:txBody>
       </p:sp>
       <p:sp>
         <p:nvSpPr>
-          <p:cNvPr id="4" name="Slide Number Placeholder 3"/>
+          <p:cNvPr id="4" name="Espaço Reservado para Número de Slide 3"/>
           <p:cNvSpPr>
             <a:spLocks noGrp="1"/>
           </p:cNvSpPr>
           <p:nvPr>
-            <p:ph type="sldNum" sz="quarter" idx="10"/>
+            <p:ph type="sldNum" sz="quarter" idx="5"/>
           </p:nvPr>
         </p:nvSpPr>
         <p:spPr/>
@@ -1094,7 +1484,7 @@
           <a:p>
             <a:fld id="{DA8B99DF-01BC-492A-8CEF-4FD88D18DD9D}" type="slidenum">
               <a:rPr lang="nl-BE" smtClean="0"/>
-              <a:t>29</a:t>
+              <a:t>24</a:t>
             </a:fld>
             <a:endParaRPr lang="nl-BE"/>
           </a:p>
@@ -1103,7 +1493,7 @@
     </p:spTree>
     <p:extLst>
       <p:ext uri="{BB962C8B-B14F-4D97-AF65-F5344CB8AC3E}">
-        <p14:creationId xmlns:p14="http://schemas.microsoft.com/office/powerpoint/2010/main" val="3474938315"/>
+        <p14:creationId xmlns:p14="http://schemas.microsoft.com/office/powerpoint/2010/main" val="3702569322"/>
       </p:ext>
     </p:extLst>
   </p:cSld>
@@ -1157,7 +1547,38 @@
           <a:bodyPr/>
           <a:lstStyle/>
           <a:p>
-            <a:endParaRPr lang="nl-BE" dirty="0"/>
+            <a:pPr marL="0" marR="0" lvl="0" indent="0" algn="l" defTabSz="914400" rtl="0" eaLnBrk="1" fontAlgn="auto" latinLnBrk="0" hangingPunct="1">
+              <a:lnSpc>
+                <a:spcPct val="100000"/>
+              </a:lnSpc>
+              <a:spcBef>
+                <a:spcPts val="0"/>
+              </a:spcBef>
+              <a:spcAft>
+                <a:spcPts val="0"/>
+              </a:spcAft>
+              <a:buClrTx/>
+              <a:buSzTx/>
+              <a:buFontTx/>
+              <a:buNone/>
+              <a:tabLst/>
+              <a:defRPr/>
+            </a:pPr>
+            <a:r>
+              <a:rPr lang="pt-BR" dirty="0"/>
+              <a:t>COLAB:</a:t>
+            </a:r>
+            <a:r>
+              <a:rPr lang="pt-BR" baseline="0" dirty="0"/>
+              <a:t> </a:t>
+            </a:r>
+            <a:r>
+              <a:rPr lang="pt-BR" dirty="0"/>
+              <a:t>https://colab.research.google.com/github/zz4fap/t319_aprendizado_de_maquina/blob/main/labs/Laboratorio4.ipynb</a:t>
+            </a:r>
+          </a:p>
+          <a:p>
+            <a:endParaRPr lang="pt-BR" dirty="0"/>
           </a:p>
         </p:txBody>
       </p:sp>
@@ -1178,7 +1599,7 @@
           <a:p>
             <a:fld id="{DA8B99DF-01BC-492A-8CEF-4FD88D18DD9D}" type="slidenum">
               <a:rPr lang="nl-BE" smtClean="0"/>
-              <a:t>30</a:t>
+              <a:t>25</a:t>
             </a:fld>
             <a:endParaRPr lang="nl-BE"/>
           </a:p>
@@ -1187,7 +1608,7 @@
     </p:spTree>
     <p:extLst>
       <p:ext uri="{BB962C8B-B14F-4D97-AF65-F5344CB8AC3E}">
-        <p14:creationId xmlns:p14="http://schemas.microsoft.com/office/powerpoint/2010/main" val="127471941"/>
+        <p14:creationId xmlns:p14="http://schemas.microsoft.com/office/powerpoint/2010/main" val="1119925003"/>
       </p:ext>
     </p:extLst>
   </p:cSld>
@@ -1262,7 +1683,7 @@
           <a:p>
             <a:fld id="{DA8B99DF-01BC-492A-8CEF-4FD88D18DD9D}" type="slidenum">
               <a:rPr lang="nl-BE" smtClean="0"/>
-              <a:t>33</a:t>
+              <a:t>30</a:t>
             </a:fld>
             <a:endParaRPr lang="nl-BE"/>
           </a:p>
@@ -1271,7 +1692,7 @@
     </p:spTree>
     <p:extLst>
       <p:ext uri="{BB962C8B-B14F-4D97-AF65-F5344CB8AC3E}">
-        <p14:creationId xmlns:p14="http://schemas.microsoft.com/office/powerpoint/2010/main" val="1535109884"/>
+        <p14:creationId xmlns:p14="http://schemas.microsoft.com/office/powerpoint/2010/main" val="3474938315"/>
       </p:ext>
     </p:extLst>
   </p:cSld>
@@ -1346,7 +1767,7 @@
           <a:p>
             <a:fld id="{DA8B99DF-01BC-492A-8CEF-4FD88D18DD9D}" type="slidenum">
               <a:rPr lang="nl-BE" smtClean="0"/>
-              <a:t>34</a:t>
+              <a:t>31</a:t>
             </a:fld>
             <a:endParaRPr lang="nl-BE"/>
           </a:p>
@@ -1355,7 +1776,7 @@
     </p:spTree>
     <p:extLst>
       <p:ext uri="{BB962C8B-B14F-4D97-AF65-F5344CB8AC3E}">
-        <p14:creationId xmlns:p14="http://schemas.microsoft.com/office/powerpoint/2010/main" val="4087609378"/>
+        <p14:creationId xmlns:p14="http://schemas.microsoft.com/office/powerpoint/2010/main" val="127471941"/>
       </p:ext>
     </p:extLst>
   </p:cSld>
@@ -1409,10 +1830,7 @@
           <a:bodyPr/>
           <a:lstStyle/>
           <a:p>
-            <a:r>
-              <a:rPr lang="pt-BR" dirty="0"/>
-              <a:t>O termo momentum aumenta para dimensões cujos gradientes apontam nas mesmas direções e reduz atualizações para dimensões cujos gradientes mudam de direção. Como resultado, temos convergência mais rápida e oscilação reduzida.</a:t>
-            </a:r>
+            <a:endParaRPr lang="nl-BE" dirty="0"/>
           </a:p>
         </p:txBody>
       </p:sp>
@@ -1433,7 +1851,178 @@
           <a:p>
             <a:fld id="{DA8B99DF-01BC-492A-8CEF-4FD88D18DD9D}" type="slidenum">
               <a:rPr lang="nl-BE" smtClean="0"/>
-              <a:t>39</a:t>
+              <a:t>34</a:t>
+            </a:fld>
+            <a:endParaRPr lang="nl-BE"/>
+          </a:p>
+        </p:txBody>
+      </p:sp>
+    </p:spTree>
+    <p:extLst>
+      <p:ext uri="{BB962C8B-B14F-4D97-AF65-F5344CB8AC3E}">
+        <p14:creationId xmlns:p14="http://schemas.microsoft.com/office/powerpoint/2010/main" val="1535109884"/>
+      </p:ext>
+    </p:extLst>
+  </p:cSld>
+  <p:clrMapOvr>
+    <a:masterClrMapping/>
+  </p:clrMapOvr>
+</p:notes>
+</file>
+
+<file path=ppt/notesSlides/notesSlide16.xml><?xml version="1.0" encoding="utf-8"?>
+<p:notes xmlns:a="http://schemas.openxmlformats.org/drawingml/2006/main" xmlns:r="http://schemas.openxmlformats.org/officeDocument/2006/relationships" xmlns:p="http://schemas.openxmlformats.org/presentationml/2006/main">
+  <p:cSld>
+    <p:spTree>
+      <p:nvGrpSpPr>
+        <p:cNvPr id="1" name=""/>
+        <p:cNvGrpSpPr/>
+        <p:nvPr/>
+      </p:nvGrpSpPr>
+      <p:grpSpPr>
+        <a:xfrm>
+          <a:off x="0" y="0"/>
+          <a:ext cx="0" cy="0"/>
+          <a:chOff x="0" y="0"/>
+          <a:chExt cx="0" cy="0"/>
+        </a:xfrm>
+      </p:grpSpPr>
+      <p:sp>
+        <p:nvSpPr>
+          <p:cNvPr id="2" name="Slide Image Placeholder 1"/>
+          <p:cNvSpPr>
+            <a:spLocks noGrp="1" noRot="1" noChangeAspect="1"/>
+          </p:cNvSpPr>
+          <p:nvPr>
+            <p:ph type="sldImg"/>
+          </p:nvPr>
+        </p:nvSpPr>
+        <p:spPr/>
+      </p:sp>
+      <p:sp>
+        <p:nvSpPr>
+          <p:cNvPr id="3" name="Notes Placeholder 2"/>
+          <p:cNvSpPr>
+            <a:spLocks noGrp="1"/>
+          </p:cNvSpPr>
+          <p:nvPr>
+            <p:ph type="body" idx="1"/>
+          </p:nvPr>
+        </p:nvSpPr>
+        <p:spPr/>
+        <p:txBody>
+          <a:bodyPr/>
+          <a:lstStyle/>
+          <a:p>
+            <a:endParaRPr lang="nl-BE" dirty="0"/>
+          </a:p>
+        </p:txBody>
+      </p:sp>
+      <p:sp>
+        <p:nvSpPr>
+          <p:cNvPr id="4" name="Slide Number Placeholder 3"/>
+          <p:cNvSpPr>
+            <a:spLocks noGrp="1"/>
+          </p:cNvSpPr>
+          <p:nvPr>
+            <p:ph type="sldNum" sz="quarter" idx="10"/>
+          </p:nvPr>
+        </p:nvSpPr>
+        <p:spPr/>
+        <p:txBody>
+          <a:bodyPr/>
+          <a:lstStyle/>
+          <a:p>
+            <a:fld id="{DA8B99DF-01BC-492A-8CEF-4FD88D18DD9D}" type="slidenum">
+              <a:rPr lang="nl-BE" smtClean="0"/>
+              <a:t>35</a:t>
+            </a:fld>
+            <a:endParaRPr lang="nl-BE"/>
+          </a:p>
+        </p:txBody>
+      </p:sp>
+    </p:spTree>
+    <p:extLst>
+      <p:ext uri="{BB962C8B-B14F-4D97-AF65-F5344CB8AC3E}">
+        <p14:creationId xmlns:p14="http://schemas.microsoft.com/office/powerpoint/2010/main" val="4087609378"/>
+      </p:ext>
+    </p:extLst>
+  </p:cSld>
+  <p:clrMapOvr>
+    <a:masterClrMapping/>
+  </p:clrMapOvr>
+</p:notes>
+</file>
+
+<file path=ppt/notesSlides/notesSlide17.xml><?xml version="1.0" encoding="utf-8"?>
+<p:notes xmlns:a="http://schemas.openxmlformats.org/drawingml/2006/main" xmlns:r="http://schemas.openxmlformats.org/officeDocument/2006/relationships" xmlns:p="http://schemas.openxmlformats.org/presentationml/2006/main">
+  <p:cSld>
+    <p:spTree>
+      <p:nvGrpSpPr>
+        <p:cNvPr id="1" name=""/>
+        <p:cNvGrpSpPr/>
+        <p:nvPr/>
+      </p:nvGrpSpPr>
+      <p:grpSpPr>
+        <a:xfrm>
+          <a:off x="0" y="0"/>
+          <a:ext cx="0" cy="0"/>
+          <a:chOff x="0" y="0"/>
+          <a:chExt cx="0" cy="0"/>
+        </a:xfrm>
+      </p:grpSpPr>
+      <p:sp>
+        <p:nvSpPr>
+          <p:cNvPr id="2" name="Slide Image Placeholder 1"/>
+          <p:cNvSpPr>
+            <a:spLocks noGrp="1" noRot="1" noChangeAspect="1"/>
+          </p:cNvSpPr>
+          <p:nvPr>
+            <p:ph type="sldImg"/>
+          </p:nvPr>
+        </p:nvSpPr>
+        <p:spPr/>
+      </p:sp>
+      <p:sp>
+        <p:nvSpPr>
+          <p:cNvPr id="3" name="Notes Placeholder 2"/>
+          <p:cNvSpPr>
+            <a:spLocks noGrp="1"/>
+          </p:cNvSpPr>
+          <p:nvPr>
+            <p:ph type="body" idx="1"/>
+          </p:nvPr>
+        </p:nvSpPr>
+        <p:spPr/>
+        <p:txBody>
+          <a:bodyPr/>
+          <a:lstStyle/>
+          <a:p>
+            <a:r>
+              <a:rPr lang="pt-BR" dirty="0"/>
+              <a:t>O termo momentum aumenta para dimensões cujos gradientes apontam nas mesmas direções e reduz atualizações para dimensões cujos gradientes mudam de direção. Como resultado, temos convergência mais rápida e oscilação reduzida.</a:t>
+            </a:r>
+          </a:p>
+        </p:txBody>
+      </p:sp>
+      <p:sp>
+        <p:nvSpPr>
+          <p:cNvPr id="4" name="Slide Number Placeholder 3"/>
+          <p:cNvSpPr>
+            <a:spLocks noGrp="1"/>
+          </p:cNvSpPr>
+          <p:nvPr>
+            <p:ph type="sldNum" sz="quarter" idx="10"/>
+          </p:nvPr>
+        </p:nvSpPr>
+        <p:spPr/>
+        <p:txBody>
+          <a:bodyPr/>
+          <a:lstStyle/>
+          <a:p>
+            <a:fld id="{DA8B99DF-01BC-492A-8CEF-4FD88D18DD9D}" type="slidenum">
+              <a:rPr lang="nl-BE" smtClean="0"/>
+              <a:t>40</a:t>
             </a:fld>
             <a:endParaRPr lang="nl-BE"/>
           </a:p>
@@ -2833,7 +3422,7 @@
       </p:grpSpPr>
       <p:sp>
         <p:nvSpPr>
-          <p:cNvPr id="2" name="Slide Image Placeholder 1"/>
+          <p:cNvPr id="2" name="Espaço Reservado para Imagem de Slide 1"/>
           <p:cNvSpPr>
             <a:spLocks noGrp="1" noRot="1" noChangeAspect="1"/>
           </p:cNvSpPr>
@@ -2845,7 +3434,7 @@
       </p:sp>
       <p:sp>
         <p:nvSpPr>
-          <p:cNvPr id="3" name="Notes Placeholder 2"/>
+          <p:cNvPr id="3" name="Espaço Reservado para Anotações 2"/>
           <p:cNvSpPr>
             <a:spLocks noGrp="1"/>
           </p:cNvSpPr>
@@ -2881,53 +3470,6 @@
             </a:r>
             <a:r>
               <a:rPr lang="pt-BR" dirty="0"/>
-              <a:t>: https://mybinder.org/v2/gh/zz4fap/t319_aprendizado_de_maquina/main?filepath=notebooks%2Fregression%2Fgd_versions%2Fstocastic_gradient_descent_with_learning_schedule_and_with_figures.ipynb</a:t>
-            </a:r>
-          </a:p>
-          <a:p>
-            <a:pPr marL="0" marR="0" lvl="0" indent="0" algn="l" defTabSz="914400" rtl="0" eaLnBrk="1" fontAlgn="auto" latinLnBrk="0" hangingPunct="1">
-              <a:lnSpc>
-                <a:spcPct val="100000"/>
-              </a:lnSpc>
-              <a:spcBef>
-                <a:spcPts val="0"/>
-              </a:spcBef>
-              <a:spcAft>
-                <a:spcPts val="0"/>
-              </a:spcAft>
-              <a:buClrTx/>
-              <a:buSzTx/>
-              <a:buFontTx/>
-              <a:buNone/>
-              <a:tabLst/>
-              <a:defRPr/>
-            </a:pPr>
-            <a:endParaRPr lang="pt-BR" dirty="0"/>
-          </a:p>
-          <a:p>
-            <a:pPr marL="0" marR="0" lvl="0" indent="0" algn="l" defTabSz="914400" rtl="0" eaLnBrk="1" fontAlgn="auto" latinLnBrk="0" hangingPunct="1">
-              <a:lnSpc>
-                <a:spcPct val="100000"/>
-              </a:lnSpc>
-              <a:spcBef>
-                <a:spcPts val="0"/>
-              </a:spcBef>
-              <a:spcAft>
-                <a:spcPts val="0"/>
-              </a:spcAft>
-              <a:buClrTx/>
-              <a:buSzTx/>
-              <a:buFontTx/>
-              <a:buNone/>
-              <a:tabLst/>
-              <a:defRPr/>
-            </a:pPr>
-            <a:r>
-              <a:rPr lang="pt-BR" b="1" dirty="0"/>
-              <a:t>Exemplo</a:t>
-            </a:r>
-            <a:r>
-              <a:rPr lang="pt-BR" dirty="0"/>
               <a:t>:</a:t>
             </a:r>
             <a:r>
@@ -2936,8 +3478,53 @@
             </a:r>
             <a:r>
               <a:rPr lang="pt-BR" dirty="0"/>
-              <a:t>https://colab.research.google.com/github/zz4fap/t319_aprendizado_de_maquina/blob/main/notebooks/regression/gd_versions/stocastic_gradient_descent_with_learning_schedule_and_with_figures.ipynb</a:t>
-            </a:r>
+              <a:t>https://colab.research.google.com/</a:t>
+            </a:r>
+            <a:r>
+              <a:rPr lang="pt-BR" dirty="0" err="1"/>
+              <a:t>github</a:t>
+            </a:r>
+            <a:r>
+              <a:rPr lang="pt-BR" dirty="0"/>
+              <a:t>/zz4fap/t319_aprendizado_de_maquina/</a:t>
+            </a:r>
+            <a:r>
+              <a:rPr lang="pt-BR" dirty="0" err="1"/>
+              <a:t>blob</a:t>
+            </a:r>
+            <a:r>
+              <a:rPr lang="pt-BR" dirty="0"/>
+              <a:t>/</a:t>
+            </a:r>
+            <a:r>
+              <a:rPr lang="pt-BR" dirty="0" err="1"/>
+              <a:t>main</a:t>
+            </a:r>
+            <a:r>
+              <a:rPr lang="pt-BR" dirty="0"/>
+              <a:t>/notebooks/</a:t>
+            </a:r>
+            <a:r>
+              <a:rPr lang="pt-BR" dirty="0" err="1"/>
+              <a:t>regression</a:t>
+            </a:r>
+            <a:r>
+              <a:rPr lang="pt-BR" dirty="0"/>
+              <a:t>/</a:t>
+            </a:r>
+            <a:r>
+              <a:rPr lang="pt-BR" dirty="0" err="1"/>
+              <a:t>gd_versions</a:t>
+            </a:r>
+            <a:r>
+              <a:rPr lang="pt-BR" dirty="0"/>
+              <a:t>/</a:t>
+            </a:r>
+            <a:r>
+              <a:rPr lang="pt-BR" dirty="0" err="1"/>
+              <a:t>gde_com_redução_gradual.ipynb</a:t>
+            </a:r>
+            <a:endParaRPr lang="pt-BR" dirty="0"/>
           </a:p>
           <a:p>
             <a:endParaRPr lang="pt-BR" sz="1200" baseline="0" dirty="0"/>
@@ -3023,15 +3610,7 @@
             </a:r>
             <a:r>
               <a:rPr lang="pt-BR" dirty="0"/>
-              <a:t>), onde α0, k são </a:t>
-            </a:r>
-            <a:r>
-              <a:rPr lang="pt-BR" dirty="0" err="1"/>
-              <a:t>hiperparâmetros</a:t>
-            </a:r>
-            <a:r>
-              <a:rPr lang="pt-BR" dirty="0"/>
-              <a:t> e t é o número da iteração (mas você também pode usar o número de épocas).</a:t>
+              <a:t>), onde α0, k são hiperparâmetros e t é o número da iteração (mas você também pode usar o número de épocas).</a:t>
             </a:r>
           </a:p>
           <a:p>
@@ -3053,15 +3632,7 @@
             </a:r>
             <a:r>
               <a:rPr lang="pt-BR" dirty="0"/>
-              <a:t>), onde a0, k são </a:t>
-            </a:r>
-            <a:r>
-              <a:rPr lang="pt-BR" dirty="0" err="1"/>
-              <a:t>hiperparâmetros</a:t>
-            </a:r>
-            <a:r>
-              <a:rPr lang="pt-BR" dirty="0"/>
-              <a:t> e t é o número da iteração.</a:t>
+              <a:t>), onde a0, k são hiperparâmetros e t é o número da iteração.</a:t>
             </a:r>
           </a:p>
           <a:p>
@@ -3085,16 +3656,19 @@
               <a:t>: stocastic_gradient_descent_with_learning_schedule_and_with_figures.ipynb</a:t>
             </a:r>
           </a:p>
+          <a:p>
+            <a:endParaRPr lang="pt-BR" dirty="0"/>
+          </a:p>
         </p:txBody>
       </p:sp>
       <p:sp>
         <p:nvSpPr>
-          <p:cNvPr id="4" name="Slide Number Placeholder 3"/>
+          <p:cNvPr id="4" name="Espaço Reservado para Número de Slide 3"/>
           <p:cNvSpPr>
             <a:spLocks noGrp="1"/>
           </p:cNvSpPr>
           <p:nvPr>
-            <p:ph type="sldNum" sz="quarter" idx="10"/>
+            <p:ph type="sldNum" sz="quarter" idx="5"/>
           </p:nvPr>
         </p:nvSpPr>
         <p:spPr/>
@@ -3104,7 +3678,7 @@
           <a:p>
             <a:fld id="{DA8B99DF-01BC-492A-8CEF-4FD88D18DD9D}" type="slidenum">
               <a:rPr lang="nl-BE" smtClean="0"/>
-              <a:t>23</a:t>
+              <a:t>22</a:t>
             </a:fld>
             <a:endParaRPr lang="nl-BE"/>
           </a:p>
@@ -3113,7 +3687,7 @@
     </p:spTree>
     <p:extLst>
       <p:ext uri="{BB962C8B-B14F-4D97-AF65-F5344CB8AC3E}">
-        <p14:creationId xmlns:p14="http://schemas.microsoft.com/office/powerpoint/2010/main" val="2251400576"/>
+        <p14:creationId xmlns:p14="http://schemas.microsoft.com/office/powerpoint/2010/main" val="626906048"/>
       </p:ext>
     </p:extLst>
   </p:cSld>
@@ -3254,7 +3828,7 @@
           <a:p>
             <a:fld id="{C80E15A5-E95B-43EB-9AC7-9A96397448C0}" type="datetimeFigureOut">
               <a:rPr lang="nl-BE" smtClean="0"/>
-              <a:t>29/09/2023</a:t>
+              <a:t>10/10/2023</a:t>
             </a:fld>
             <a:endParaRPr lang="nl-BE"/>
           </a:p>
@@ -3424,7 +3998,7 @@
           <a:p>
             <a:fld id="{C80E15A5-E95B-43EB-9AC7-9A96397448C0}" type="datetimeFigureOut">
               <a:rPr lang="nl-BE" smtClean="0"/>
-              <a:t>29/09/2023</a:t>
+              <a:t>10/10/2023</a:t>
             </a:fld>
             <a:endParaRPr lang="nl-BE"/>
           </a:p>
@@ -3604,7 +4178,7 @@
           <a:p>
             <a:fld id="{C80E15A5-E95B-43EB-9AC7-9A96397448C0}" type="datetimeFigureOut">
               <a:rPr lang="nl-BE" smtClean="0"/>
-              <a:t>29/09/2023</a:t>
+              <a:t>10/10/2023</a:t>
             </a:fld>
             <a:endParaRPr lang="nl-BE"/>
           </a:p>
@@ -3774,7 +4348,7 @@
           <a:p>
             <a:fld id="{C80E15A5-E95B-43EB-9AC7-9A96397448C0}" type="datetimeFigureOut">
               <a:rPr lang="nl-BE" smtClean="0"/>
-              <a:t>29/09/2023</a:t>
+              <a:t>10/10/2023</a:t>
             </a:fld>
             <a:endParaRPr lang="nl-BE"/>
           </a:p>
@@ -4020,7 +4594,7 @@
           <a:p>
             <a:fld id="{C80E15A5-E95B-43EB-9AC7-9A96397448C0}" type="datetimeFigureOut">
               <a:rPr lang="nl-BE" smtClean="0"/>
-              <a:t>29/09/2023</a:t>
+              <a:t>10/10/2023</a:t>
             </a:fld>
             <a:endParaRPr lang="nl-BE"/>
           </a:p>
@@ -4252,7 +4826,7 @@
           <a:p>
             <a:fld id="{C80E15A5-E95B-43EB-9AC7-9A96397448C0}" type="datetimeFigureOut">
               <a:rPr lang="nl-BE" smtClean="0"/>
-              <a:t>29/09/2023</a:t>
+              <a:t>10/10/2023</a:t>
             </a:fld>
             <a:endParaRPr lang="nl-BE"/>
           </a:p>
@@ -4619,7 +5193,7 @@
           <a:p>
             <a:fld id="{C80E15A5-E95B-43EB-9AC7-9A96397448C0}" type="datetimeFigureOut">
               <a:rPr lang="nl-BE" smtClean="0"/>
-              <a:t>29/09/2023</a:t>
+              <a:t>10/10/2023</a:t>
             </a:fld>
             <a:endParaRPr lang="nl-BE"/>
           </a:p>
@@ -4737,7 +5311,7 @@
           <a:p>
             <a:fld id="{C80E15A5-E95B-43EB-9AC7-9A96397448C0}" type="datetimeFigureOut">
               <a:rPr lang="nl-BE" smtClean="0"/>
-              <a:t>29/09/2023</a:t>
+              <a:t>10/10/2023</a:t>
             </a:fld>
             <a:endParaRPr lang="nl-BE"/>
           </a:p>
@@ -4832,7 +5406,7 @@
           <a:p>
             <a:fld id="{C80E15A5-E95B-43EB-9AC7-9A96397448C0}" type="datetimeFigureOut">
               <a:rPr lang="nl-BE" smtClean="0"/>
-              <a:t>29/09/2023</a:t>
+              <a:t>10/10/2023</a:t>
             </a:fld>
             <a:endParaRPr lang="nl-BE"/>
           </a:p>
@@ -5109,7 +5683,7 @@
           <a:p>
             <a:fld id="{C80E15A5-E95B-43EB-9AC7-9A96397448C0}" type="datetimeFigureOut">
               <a:rPr lang="nl-BE" smtClean="0"/>
-              <a:t>29/09/2023</a:t>
+              <a:t>10/10/2023</a:t>
             </a:fld>
             <a:endParaRPr lang="nl-BE"/>
           </a:p>
@@ -5362,7 +5936,7 @@
           <a:p>
             <a:fld id="{C80E15A5-E95B-43EB-9AC7-9A96397448C0}" type="datetimeFigureOut">
               <a:rPr lang="nl-BE" smtClean="0"/>
-              <a:t>29/09/2023</a:t>
+              <a:t>10/10/2023</a:t>
             </a:fld>
             <a:endParaRPr lang="nl-BE"/>
           </a:p>
@@ -5575,7 +6149,7 @@
           <a:p>
             <a:fld id="{C80E15A5-E95B-43EB-9AC7-9A96397448C0}" type="datetimeFigureOut">
               <a:rPr lang="nl-BE" smtClean="0"/>
-              <a:t>29/09/2023</a:t>
+              <a:t>10/10/2023</a:t>
             </a:fld>
             <a:endParaRPr lang="nl-BE"/>
           </a:p>
@@ -8653,7 +9227,7 @@
                 </a:r>
                 <a:r>
                   <a:rPr lang="pt-BR" dirty="0"/>
-                  <a:t>ou do </a:t>
+                  <a:t>e/ou do </a:t>
                 </a:r>
                 <a:r>
                   <a:rPr lang="pt-BR" b="1" i="1" dirty="0">
@@ -8696,7 +9270,7 @@
               <a:blipFill>
                 <a:blip r:embed="rId2"/>
                 <a:stretch>
-                  <a:fillRect l="-926" t="-2663" r="-545"/>
+                  <a:fillRect l="-926" t="-2663" r="-1634"/>
                 </a:stretch>
               </a:blipFill>
             </p:spPr>
@@ -8773,8 +9347,8 @@
           </a:p>
         </p:txBody>
       </p:sp>
-      <mc:AlternateContent xmlns:mc="http://schemas.openxmlformats.org/markup-compatibility/2006" xmlns:a14="http://schemas.microsoft.com/office/drawing/2010/main">
-        <mc:Choice Requires="a14">
+      <mc:AlternateContent xmlns:mc="http://schemas.openxmlformats.org/markup-compatibility/2006">
+        <mc:Choice xmlns:a14="http://schemas.microsoft.com/office/drawing/2010/main" Requires="a14">
           <p:sp>
             <p:nvSpPr>
               <p:cNvPr id="3" name="Espaço Reservado para Conteúdo 2">
@@ -9151,7 +9725,7 @@
               <a:p>
                 <a:r>
                   <a:rPr lang="pt-BR" dirty="0"/>
-                  <a:t>Essa é a técnica mais simples, porém, precisamos encontrar a taxa ideal de redução do passo.</a:t>
+                  <a:t>Essa é a técnica mais simples, mas, precisamos encontrar a taxa ideal de redução do passo.</a:t>
                 </a:r>
               </a:p>
               <a:p>
@@ -9163,7 +9737,7 @@
             </p:txBody>
           </p:sp>
         </mc:Choice>
-        <mc:Fallback xmlns="">
+        <mc:Fallback>
           <p:sp>
             <p:nvSpPr>
               <p:cNvPr id="3" name="Espaço Reservado para Conteúdo 2">
@@ -9317,8 +9891,8 @@
           </a:p>
         </p:txBody>
       </p:sp>
-      <mc:AlternateContent xmlns:mc="http://schemas.openxmlformats.org/markup-compatibility/2006">
-        <mc:Choice xmlns:a14="http://schemas.microsoft.com/office/drawing/2010/main" Requires="a14">
+      <mc:AlternateContent xmlns:mc="http://schemas.openxmlformats.org/markup-compatibility/2006" xmlns:a14="http://schemas.microsoft.com/office/drawing/2010/main">
+        <mc:Choice Requires="a14">
           <p:sp>
             <p:nvSpPr>
               <p:cNvPr id="3" name="Espaço Reservado para Conteúdo 2">
@@ -9817,7 +10391,7 @@
             </p:txBody>
           </p:sp>
         </mc:Choice>
-        <mc:Fallback>
+        <mc:Fallback xmlns="">
           <p:sp>
             <p:nvSpPr>
               <p:cNvPr id="3" name="Espaço Reservado para Conteúdo 2">
@@ -10145,20 +10719,25 @@
             <p:ph type="title"/>
           </p:nvPr>
         </p:nvSpPr>
-        <p:spPr/>
+        <p:spPr>
+          <a:xfrm>
+            <a:off x="838200" y="365125"/>
+            <a:ext cx="10896600" cy="1325563"/>
+          </a:xfrm>
+        </p:spPr>
         <p:txBody>
           <a:bodyPr/>
           <a:lstStyle/>
           <a:p>
             <a:r>
               <a:rPr lang="pt-BR" dirty="0"/>
-              <a:t>Ajuste dos pesos e do termo de atualização dos pesos</a:t>
+              <a:t>Ajuste dos pesos e de seu termo de atualização</a:t>
             </a:r>
           </a:p>
         </p:txBody>
       </p:sp>
-      <mc:AlternateContent xmlns:mc="http://schemas.openxmlformats.org/markup-compatibility/2006">
-        <mc:Choice xmlns:a14="http://schemas.microsoft.com/office/drawing/2010/main" Requires="a14">
+      <mc:AlternateContent xmlns:mc="http://schemas.openxmlformats.org/markup-compatibility/2006" xmlns:a14="http://schemas.microsoft.com/office/drawing/2010/main">
+        <mc:Choice Requires="a14">
           <p:sp>
             <p:nvSpPr>
               <p:cNvPr id="3" name="Espaço Reservado para Conteúdo 2">
@@ -10311,7 +10890,7 @@
             </p:txBody>
           </p:sp>
         </mc:Choice>
-        <mc:Fallback>
+        <mc:Fallback xmlns="">
           <p:sp>
             <p:nvSpPr>
               <p:cNvPr id="3" name="Espaço Reservado para Conteúdo 2">
@@ -10390,7 +10969,7 @@
           <p:cNvPr id="2" name="Título 1">
             <a:extLst>
               <a:ext uri="{FF2B5EF4-FFF2-40B4-BE49-F238E27FC236}">
-                <a16:creationId xmlns:a16="http://schemas.microsoft.com/office/drawing/2014/main" id="{DB255A38-76C0-7175-916E-69A9F0C04233}"/>
+                <a16:creationId xmlns:a16="http://schemas.microsoft.com/office/drawing/2014/main" id="{5DB853DE-E713-4707-319D-273A1EFA97B0}"/>
               </a:ext>
             </a:extLst>
           </p:cNvPr>
@@ -10406,89 +10985,9 @@
           <a:bodyPr/>
           <a:lstStyle/>
           <a:p>
-            <a:endParaRPr lang="pt-BR"/>
-          </a:p>
-        </p:txBody>
-      </p:sp>
-      <p:sp>
-        <p:nvSpPr>
-          <p:cNvPr id="3" name="Espaço Reservado para Conteúdo 2">
-            <a:extLst>
-              <a:ext uri="{FF2B5EF4-FFF2-40B4-BE49-F238E27FC236}">
-                <a16:creationId xmlns:a16="http://schemas.microsoft.com/office/drawing/2014/main" id="{2B8DD716-F1C7-FC10-D293-679A9711A4E9}"/>
-              </a:ext>
-            </a:extLst>
-          </p:cNvPr>
-          <p:cNvSpPr>
-            <a:spLocks noGrp="1"/>
-          </p:cNvSpPr>
-          <p:nvPr>
-            <p:ph idx="1"/>
-          </p:nvPr>
-        </p:nvSpPr>
-        <p:spPr/>
-        <p:txBody>
-          <a:bodyPr/>
-          <a:lstStyle/>
-          <a:p>
-            <a:endParaRPr lang="pt-BR"/>
-          </a:p>
-        </p:txBody>
-      </p:sp>
-    </p:spTree>
-    <p:extLst>
-      <p:ext uri="{BB962C8B-B14F-4D97-AF65-F5344CB8AC3E}">
-        <p14:creationId xmlns:p14="http://schemas.microsoft.com/office/powerpoint/2010/main" val="4085806396"/>
-      </p:ext>
-    </p:extLst>
-  </p:cSld>
-  <p:clrMapOvr>
-    <a:masterClrMapping/>
-  </p:clrMapOvr>
-</p:sld>
-</file>
-
-<file path=ppt/slides/slide22.xml><?xml version="1.0" encoding="utf-8"?>
-<p:sld xmlns:a="http://schemas.openxmlformats.org/drawingml/2006/main" xmlns:r="http://schemas.openxmlformats.org/officeDocument/2006/relationships" xmlns:p="http://schemas.openxmlformats.org/presentationml/2006/main">
-  <p:cSld>
-    <p:spTree>
-      <p:nvGrpSpPr>
-        <p:cNvPr id="1" name=""/>
-        <p:cNvGrpSpPr/>
-        <p:nvPr/>
-      </p:nvGrpSpPr>
-      <p:grpSpPr>
-        <a:xfrm>
-          <a:off x="0" y="0"/>
-          <a:ext cx="0" cy="0"/>
-          <a:chOff x="0" y="0"/>
-          <a:chExt cx="0" cy="0"/>
-        </a:xfrm>
-      </p:grpSpPr>
-      <p:sp>
-        <p:nvSpPr>
-          <p:cNvPr id="2" name="Título 1">
-            <a:extLst>
-              <a:ext uri="{FF2B5EF4-FFF2-40B4-BE49-F238E27FC236}">
-                <a16:creationId xmlns:a16="http://schemas.microsoft.com/office/drawing/2014/main" id="{AA4B62AC-2EA5-D087-1B78-194E859E3AAA}"/>
-              </a:ext>
-            </a:extLst>
-          </p:cNvPr>
-          <p:cNvSpPr>
-            <a:spLocks noGrp="1"/>
-          </p:cNvSpPr>
-          <p:nvPr>
-            <p:ph type="title"/>
-          </p:nvPr>
-        </p:nvSpPr>
-        <p:spPr/>
-        <p:txBody>
-          <a:bodyPr/>
-          <a:lstStyle/>
-          <a:p>
             <a:r>
               <a:rPr lang="pt-BR" dirty="0"/>
-              <a:t>Redução gradual do passo de aprendizagem</a:t>
+              <a:t>Técnicas mais comuns para a redução gradual</a:t>
             </a:r>
           </a:p>
         </p:txBody>
@@ -10500,7 +10999,7 @@
               <p:cNvPr id="3" name="Espaço Reservado para Conteúdo 2">
                 <a:extLst>
                   <a:ext uri="{FF2B5EF4-FFF2-40B4-BE49-F238E27FC236}">
-                    <a16:creationId xmlns:a16="http://schemas.microsoft.com/office/drawing/2014/main" id="{0EBC8142-9B3A-86FE-79CB-348430410440}"/>
+                    <a16:creationId xmlns:a16="http://schemas.microsoft.com/office/drawing/2014/main" id="{233A3F22-CF42-B5C5-F43D-BEC6A4313FC6}"/>
                   </a:ext>
                 </a:extLst>
               </p:cNvPr>
@@ -10513,27 +11012,25 @@
             </p:nvSpPr>
             <p:spPr>
               <a:xfrm>
-                <a:off x="838200" y="1825624"/>
-                <a:ext cx="11085214" cy="5032375"/>
+                <a:off x="838199" y="1825624"/>
+                <a:ext cx="11070771" cy="5032375"/>
               </a:xfrm>
             </p:spPr>
             <p:txBody>
-              <a:bodyPr>
-                <a:normAutofit fontScale="92500" lnSpcReduction="10000"/>
-              </a:bodyPr>
+              <a:bodyPr/>
               <a:lstStyle/>
               <a:p>
                 <a:r>
                   <a:rPr lang="pt-BR" dirty="0"/>
-                  <a:t>Os três tipos mais comuns para a </a:t>
+                  <a:t>As três técnicas mais comuns para a </a:t>
                 </a:r>
                 <a:r>
                   <a:rPr lang="pt-BR" b="1" i="1" dirty="0"/>
-                  <a:t>redução programada</a:t>
+                  <a:t>redução gradual</a:t>
                 </a:r>
                 <a:r>
                   <a:rPr lang="pt-BR" dirty="0"/>
-                  <a:t> de </a:t>
+                  <a:t> do passo de aprendizagem, </a:t>
                 </a:r>
                 <a14:m>
                   <m:oMath xmlns:m="http://schemas.openxmlformats.org/officeDocument/2006/math">
@@ -10548,7 +11045,7 @@
                 </a14:m>
                 <a:r>
                   <a:rPr lang="pt-BR" dirty="0"/>
-                  <a:t> são:</a:t>
+                  <a:t>, são:</a:t>
                 </a:r>
               </a:p>
               <a:p>
@@ -10558,27 +11055,11 @@
                 </a:pPr>
                 <a:r>
                   <a:rPr lang="pt-BR" b="1" dirty="0"/>
-                  <a:t>Decaimento gradual</a:t>
+                  <a:t>Decaimento por etapas ou degraus</a:t>
                 </a:r>
                 <a:r>
                   <a:rPr lang="pt-BR" dirty="0"/>
-                  <a:t>: também conhecido como </a:t>
-                </a:r>
-                <a:r>
-                  <a:rPr lang="pt-BR" b="1" i="1" dirty="0"/>
-                  <a:t>decaimento por etapas </a:t>
-                </a:r>
-                <a:r>
-                  <a:rPr lang="pt-BR" dirty="0"/>
-                  <a:t>ou </a:t>
-                </a:r>
-                <a:r>
-                  <a:rPr lang="pt-BR" b="1" i="1" dirty="0"/>
-                  <a:t>por degraus</a:t>
-                </a:r>
-                <a:r>
-                  <a:rPr lang="pt-BR" dirty="0"/>
-                  <a:t>. Reduz a taxa de aprendizagem inicial, </a:t>
+                  <a:t>: reduz o passo de aprendizagem inicial, </a:t>
                 </a:r>
                 <a14:m>
                   <m:oMath xmlns:m="http://schemas.openxmlformats.org/officeDocument/2006/math">
@@ -10701,7 +11182,7 @@
                 </a:r>
                 <a:r>
                   <a:rPr lang="pt-BR" dirty="0"/>
-                  <a:t>: é expresso pela equação </a:t>
+                  <a:t>: é dado pela equação </a:t>
                 </a:r>
                 <a14:m>
                   <m:oMath xmlns:m="http://schemas.openxmlformats.org/officeDocument/2006/math">
@@ -10822,7 +11303,7 @@
                 </a14:m>
                 <a:r>
                   <a:rPr lang="pt-BR" dirty="0"/>
-                  <a:t> e </a:t>
+                  <a:t>, </a:t>
                 </a:r>
                 <a14:m>
                   <m:oMath xmlns:m="http://schemas.openxmlformats.org/officeDocument/2006/math">
@@ -10837,7 +11318,7 @@
                 </a14:m>
                 <a:r>
                   <a:rPr lang="pt-BR" dirty="0"/>
-                  <a:t> são hiperparâmetros e </a:t>
+                  <a:t> e </a:t>
                 </a:r>
                 <a14:m>
                   <m:oMath xmlns:m="http://schemas.openxmlformats.org/officeDocument/2006/math">
@@ -10852,7 +11333,7 @@
                 </a14:m>
                 <a:r>
                   <a:rPr lang="pt-BR" dirty="0"/>
-                  <a:t> é o número da iteração corrente.</a:t>
+                  <a:t> são passo de aprendizagem inicial, a taxa de decrescimento e o número da iteração de atualização atual, respectivamente.</a:t>
                 </a:r>
               </a:p>
               <a:p>
@@ -10866,7 +11347,7 @@
                 </a:r>
                 <a:r>
                   <a:rPr lang="pt-BR" dirty="0"/>
-                  <a:t>: é expresso pela equação </a:t>
+                  <a:t>: é dado pela equação </a:t>
                 </a:r>
                 <a14:m>
                   <m:oMath xmlns:m="http://schemas.openxmlformats.org/officeDocument/2006/math">
@@ -10993,7 +11474,7 @@
                 </a14:m>
                 <a:r>
                   <a:rPr lang="pt-BR" dirty="0"/>
-                  <a:t> e </a:t>
+                  <a:t>, </a:t>
                 </a:r>
                 <a14:m>
                   <m:oMath xmlns:m="http://schemas.openxmlformats.org/officeDocument/2006/math">
@@ -11004,18 +11485,11 @@
                       </a:rPr>
                       <m:t>𝑘</m:t>
                     </m:r>
-                    <m:r>
-                      <a:rPr lang="pt-BR" i="1">
-                        <a:latin typeface="Cambria Math" panose="02040503050406030204" pitchFamily="18" charset="0"/>
-                        <a:ea typeface="Cambria Math" panose="02040503050406030204" pitchFamily="18" charset="0"/>
-                      </a:rPr>
-                      <m:t> </m:t>
-                    </m:r>
                   </m:oMath>
                 </a14:m>
                 <a:r>
                   <a:rPr lang="pt-BR" dirty="0"/>
-                  <a:t>são hiperparâmetros e </a:t>
+                  <a:t> e </a:t>
                 </a:r>
                 <a14:m>
                   <m:oMath xmlns:m="http://schemas.openxmlformats.org/officeDocument/2006/math">
@@ -11030,21 +11504,13 @@
                 </a14:m>
                 <a:r>
                   <a:rPr lang="pt-BR" dirty="0"/>
-                  <a:t> é o número da iteração corrente.</a:t>
+                  <a:t> tem o mesmo significado que no decaimento exponencial.</a:t>
                 </a:r>
               </a:p>
               <a:p>
                 <a:r>
                   <a:rPr lang="pt-BR" dirty="0"/>
-                  <a:t>Na prática, o </a:t>
-                </a:r>
-                <a:r>
-                  <a:rPr lang="pt-BR" b="1" i="1" dirty="0"/>
-                  <a:t>decaimento gradual </a:t>
-                </a:r>
-                <a:r>
-                  <a:rPr lang="pt-BR" dirty="0"/>
-                  <a:t>é o mais utilizado entre os 3, pois seus </a:t>
+                  <a:t>Entretanto, percebam que ainda temos que encontrar os valores ideais para os </a:t>
                 </a:r>
                 <a:r>
                   <a:rPr lang="pt-BR" b="1" i="1" dirty="0"/>
@@ -11052,7 +11518,43 @@
                 </a:r>
                 <a:r>
                   <a:rPr lang="pt-BR" dirty="0"/>
-                  <a:t> (a taxa de decaimento, </a:t>
+                  <a:t> </a:t>
+                </a:r>
+                <a14:m>
+                  <m:oMath xmlns:m="http://schemas.openxmlformats.org/officeDocument/2006/math">
+                    <m:sSub>
+                      <m:sSubPr>
+                        <m:ctrlPr>
+                          <a:rPr lang="pt-BR" i="1" smtClean="0">
+                            <a:latin typeface="Cambria Math" panose="02040503050406030204" pitchFamily="18" charset="0"/>
+                            <a:ea typeface="Cambria Math" panose="02040503050406030204" pitchFamily="18" charset="0"/>
+                          </a:rPr>
+                        </m:ctrlPr>
+                      </m:sSubPr>
+                      <m:e>
+                        <m:r>
+                          <a:rPr lang="pt-BR" i="1">
+                            <a:latin typeface="Cambria Math" panose="02040503050406030204" pitchFamily="18" charset="0"/>
+                            <a:ea typeface="Cambria Math" panose="02040503050406030204" pitchFamily="18" charset="0"/>
+                          </a:rPr>
+                          <m:t>𝛼</m:t>
+                        </m:r>
+                      </m:e>
+                      <m:sub>
+                        <m:r>
+                          <a:rPr lang="pt-BR" i="1">
+                            <a:latin typeface="Cambria Math" panose="02040503050406030204" pitchFamily="18" charset="0"/>
+                            <a:ea typeface="Cambria Math" panose="02040503050406030204" pitchFamily="18" charset="0"/>
+                          </a:rPr>
+                          <m:t>0</m:t>
+                        </m:r>
+                      </m:sub>
+                    </m:sSub>
+                  </m:oMath>
+                </a14:m>
+                <a:r>
+                  <a:rPr lang="pt-BR" dirty="0"/>
+                  <a:t>, </a:t>
                 </a:r>
                 <a14:m>
                   <m:oMath xmlns:m="http://schemas.openxmlformats.org/officeDocument/2006/math">
@@ -11067,7 +11569,7 @@
                 </a14:m>
                 <a:r>
                   <a:rPr lang="pt-BR" dirty="0"/>
-                  <a:t>, e o intervalo para redução, </a:t>
+                  <a:t>, </a:t>
                 </a:r>
                 <a14:m>
                   <m:oMath xmlns:m="http://schemas.openxmlformats.org/officeDocument/2006/math">
@@ -11082,7 +11584,7 @@
                 </a14:m>
                 <a:r>
                   <a:rPr lang="pt-BR" dirty="0"/>
-                  <a:t>) são mais interpretáveis do que o hiperparâmetro </a:t>
+                  <a:t> e </a:t>
                 </a:r>
                 <a14:m>
                   <m:oMath xmlns:m="http://schemas.openxmlformats.org/officeDocument/2006/math">
@@ -11097,20 +11599,6 @@
                 </a14:m>
                 <a:r>
                   <a:rPr lang="pt-BR" dirty="0"/>
-                  <a:t>, que dita a taxa de decaimento do passo de aprendizagem.</a:t>
-                </a:r>
-              </a:p>
-              <a:p>
-                <a:r>
-                  <a:rPr lang="pt-BR" dirty="0"/>
-                  <a:t>Mas percebam que ainda temos que encontrar os </a:t>
-                </a:r>
-                <a:r>
-                  <a:rPr lang="pt-BR" b="1" i="1" dirty="0"/>
-                  <a:t>hiperparâmetros</a:t>
-                </a:r>
-                <a:r>
-                  <a:rPr lang="pt-BR" dirty="0"/>
                   <a:t>.</a:t>
                 </a:r>
               </a:p>
@@ -11123,7 +11611,7 @@
               <p:cNvPr id="3" name="Espaço Reservado para Conteúdo 2">
                 <a:extLst>
                   <a:ext uri="{FF2B5EF4-FFF2-40B4-BE49-F238E27FC236}">
-                    <a16:creationId xmlns:a16="http://schemas.microsoft.com/office/drawing/2014/main" id="{0EBC8142-9B3A-86FE-79CB-348430410440}"/>
+                    <a16:creationId xmlns:a16="http://schemas.microsoft.com/office/drawing/2014/main" id="{233A3F22-CF42-B5C5-F43D-BEC6A4313FC6}"/>
                   </a:ext>
                 </a:extLst>
               </p:cNvPr>
@@ -11136,13 +11624,13 @@
             </p:nvSpPr>
             <p:spPr>
               <a:xfrm>
-                <a:off x="838200" y="1825624"/>
-                <a:ext cx="11085214" cy="5032375"/>
+                <a:off x="838199" y="1825624"/>
+                <a:ext cx="11070771" cy="5032375"/>
               </a:xfrm>
               <a:blipFill>
                 <a:blip r:embed="rId2"/>
                 <a:stretch>
-                  <a:fillRect l="-880" t="-2421"/>
+                  <a:fillRect l="-936" t="-1937" r="-1046"/>
                 </a:stretch>
               </a:blipFill>
             </p:spPr>
@@ -11164,7 +11652,7 @@
     </p:spTree>
     <p:extLst>
       <p:ext uri="{BB962C8B-B14F-4D97-AF65-F5344CB8AC3E}">
-        <p14:creationId xmlns:p14="http://schemas.microsoft.com/office/powerpoint/2010/main" val="1924812330"/>
+        <p14:creationId xmlns:p14="http://schemas.microsoft.com/office/powerpoint/2010/main" val="2756048527"/>
       </p:ext>
     </p:extLst>
   </p:cSld>
@@ -11174,7 +11662,7 @@
 </p:sld>
 </file>
 
-<file path=ppt/slides/slide23.xml><?xml version="1.0" encoding="utf-8"?>
+<file path=ppt/slides/slide22.xml><?xml version="1.0" encoding="utf-8"?>
 <p:sld xmlns:a="http://schemas.openxmlformats.org/drawingml/2006/main" xmlns:r="http://schemas.openxmlformats.org/officeDocument/2006/relationships" xmlns:p="http://schemas.openxmlformats.org/presentationml/2006/main">
   <p:cSld>
     <p:spTree>
@@ -11191,359 +11679,50 @@
           <a:chExt cx="0" cy="0"/>
         </a:xfrm>
       </p:grpSpPr>
-      <mc:AlternateContent xmlns:mc="http://schemas.openxmlformats.org/markup-compatibility/2006" xmlns:a14="http://schemas.microsoft.com/office/drawing/2010/main">
-        <mc:Choice Requires="a14">
-          <p:sp>
-            <p:nvSpPr>
-              <p:cNvPr id="2" name="Title 1"/>
-              <p:cNvSpPr>
-                <a:spLocks noGrp="1"/>
-              </p:cNvSpPr>
-              <p:nvPr>
-                <p:ph type="title"/>
-              </p:nvPr>
-            </p:nvSpPr>
-            <p:spPr>
-              <a:xfrm>
-                <a:off x="838199" y="48127"/>
-                <a:ext cx="11024616" cy="927254"/>
-              </a:xfrm>
-            </p:spPr>
-            <p:txBody>
-              <a:bodyPr>
-                <a:normAutofit/>
-              </a:bodyPr>
-              <a:lstStyle/>
-              <a:p>
-                <a:r>
-                  <a:rPr lang="pt-BR" dirty="0"/>
-                  <a:t>Exemplo: GDE com Redução Programada de </a:t>
-                </a:r>
-                <a14:m>
-                  <m:oMath xmlns:m="http://schemas.openxmlformats.org/officeDocument/2006/math">
-                    <m:r>
-                      <a:rPr lang="pt-BR" i="1" smtClean="0">
-                        <a:latin typeface="Cambria Math" panose="02040503050406030204" pitchFamily="18" charset="0"/>
-                        <a:ea typeface="Cambria Math" panose="02040503050406030204" pitchFamily="18" charset="0"/>
-                      </a:rPr>
-                      <m:t>𝛼</m:t>
-                    </m:r>
-                  </m:oMath>
-                </a14:m>
-                <a:endParaRPr lang="pt-BR" dirty="0"/>
-              </a:p>
-            </p:txBody>
-          </p:sp>
-        </mc:Choice>
-        <mc:Fallback xmlns="">
-          <p:sp>
-            <p:nvSpPr>
-              <p:cNvPr id="2" name="Title 1"/>
-              <p:cNvSpPr>
-                <a:spLocks noGrp="1" noRot="1" noChangeAspect="1" noMove="1" noResize="1" noEditPoints="1" noAdjustHandles="1" noChangeArrowheads="1" noChangeShapeType="1" noTextEdit="1"/>
-              </p:cNvSpPr>
-              <p:nvPr>
-                <p:ph type="title"/>
-              </p:nvPr>
-            </p:nvSpPr>
-            <p:spPr>
-              <a:xfrm>
-                <a:off x="838199" y="48127"/>
-                <a:ext cx="11024616" cy="927254"/>
-              </a:xfrm>
-              <a:blipFill rotWithShape="0">
-                <a:blip r:embed="rId3"/>
-                <a:stretch>
-                  <a:fillRect l="-2211" t="-8553" b="-19079"/>
-                </a:stretch>
-              </a:blipFill>
-            </p:spPr>
-            <p:txBody>
-              <a:bodyPr/>
-              <a:lstStyle/>
-              <a:p>
-                <a:r>
-                  <a:rPr lang="pt-BR">
-                    <a:noFill/>
-                  </a:rPr>
-                  <a:t> </a:t>
-                </a:r>
-              </a:p>
-            </p:txBody>
-          </p:sp>
-        </mc:Fallback>
-      </mc:AlternateContent>
-      <mc:AlternateContent xmlns:mc="http://schemas.openxmlformats.org/markup-compatibility/2006" xmlns:a14="http://schemas.microsoft.com/office/drawing/2010/main">
-        <mc:Choice Requires="a14">
-          <p:sp>
-            <p:nvSpPr>
-              <p:cNvPr id="3" name="Content Placeholder 2"/>
-              <p:cNvSpPr>
-                <a:spLocks noGrp="1"/>
-              </p:cNvSpPr>
-              <p:nvPr>
-                <p:ph idx="1"/>
-              </p:nvPr>
-            </p:nvSpPr>
-            <p:spPr>
-              <a:xfrm>
-                <a:off x="8001219" y="1244569"/>
-                <a:ext cx="4190781" cy="5217763"/>
-              </a:xfrm>
-            </p:spPr>
-            <p:txBody>
-              <a:bodyPr>
-                <a:noAutofit/>
-              </a:bodyPr>
-              <a:lstStyle/>
-              <a:p>
-                <a:pPr>
-                  <a:lnSpc>
-                    <a:spcPct val="100000"/>
-                  </a:lnSpc>
-                  <a:spcBef>
-                    <a:spcPts val="0"/>
-                  </a:spcBef>
-                </a:pPr>
-                <a:r>
-                  <a:rPr lang="pt-BR" sz="1800" dirty="0"/>
-                  <a:t>Exemplo usando GDE com </a:t>
-                </a:r>
-                <a:r>
-                  <a:rPr lang="pt-BR" sz="1800" b="1" i="1" dirty="0"/>
-                  <a:t>decaimento gradual</a:t>
-                </a:r>
-                <a:r>
-                  <a:rPr lang="pt-BR" sz="1800" dirty="0"/>
-                  <a:t>.</a:t>
-                </a:r>
-              </a:p>
-              <a:p>
-                <a:pPr>
-                  <a:lnSpc>
-                    <a:spcPct val="100000"/>
-                  </a:lnSpc>
-                  <a:spcBef>
-                    <a:spcPts val="0"/>
-                  </a:spcBef>
-                </a:pPr>
-                <a:r>
-                  <a:rPr lang="pt-BR" sz="1800" dirty="0"/>
-                  <a:t>O caminho com </a:t>
-                </a:r>
-                <a:r>
-                  <a:rPr lang="pt-BR" sz="1800" b="1" i="1" dirty="0"/>
-                  <a:t>decaimento gradudal </a:t>
-                </a:r>
-                <a:r>
-                  <a:rPr lang="pt-BR" sz="1800" dirty="0"/>
-                  <a:t>também não é regular para o ponto de mínimo.</a:t>
-                </a:r>
-              </a:p>
-              <a:p>
-                <a:pPr>
-                  <a:lnSpc>
-                    <a:spcPct val="100000"/>
-                  </a:lnSpc>
-                  <a:spcBef>
-                    <a:spcPts val="0"/>
-                  </a:spcBef>
-                </a:pPr>
-                <a:r>
-                  <a:rPr lang="pt-BR" sz="1800" dirty="0"/>
-                  <a:t>Apresenta </a:t>
-                </a:r>
-                <a:r>
-                  <a:rPr lang="pt-BR" sz="1800" b="1" i="1" dirty="0"/>
-                  <a:t>algumas mudanças de direção</a:t>
-                </a:r>
-                <a:r>
-                  <a:rPr lang="pt-BR" sz="1800" dirty="0"/>
-                  <a:t> ao longo do caminho.</a:t>
-                </a:r>
-              </a:p>
-              <a:p>
-                <a:pPr>
-                  <a:lnSpc>
-                    <a:spcPct val="100000"/>
-                  </a:lnSpc>
-                  <a:spcBef>
-                    <a:spcPts val="0"/>
-                  </a:spcBef>
-                </a:pPr>
-                <a:r>
-                  <a:rPr lang="pt-BR" sz="1800" dirty="0"/>
-                  <a:t>Porém, a </a:t>
-                </a:r>
-                <a:r>
-                  <a:rPr lang="pt-BR" sz="1800" b="1" i="1" dirty="0"/>
-                  <a:t>oscilação em torno do mínimo é bastante reduzida </a:t>
-                </a:r>
-                <a:r>
-                  <a:rPr lang="pt-BR" sz="1800" dirty="0"/>
-                  <a:t>devido à </a:t>
-                </a:r>
-                <a:r>
-                  <a:rPr lang="pt-BR" sz="1800" b="1" i="1" dirty="0"/>
-                  <a:t>diminuição gradual </a:t>
-                </a:r>
-                <a:r>
-                  <a:rPr lang="pt-BR" sz="1800" dirty="0"/>
-                  <a:t>de </a:t>
-                </a:r>
-                <a14:m>
-                  <m:oMath xmlns:m="http://schemas.openxmlformats.org/officeDocument/2006/math">
-                    <m:r>
-                      <a:rPr lang="pt-BR" sz="1800" i="1">
-                        <a:latin typeface="Cambria Math" panose="02040503050406030204" pitchFamily="18" charset="0"/>
-                        <a:ea typeface="Cambria Math" panose="02040503050406030204" pitchFamily="18" charset="0"/>
-                      </a:rPr>
-                      <m:t>𝛼</m:t>
-                    </m:r>
-                  </m:oMath>
-                </a14:m>
-                <a:r>
-                  <a:rPr lang="pt-BR" sz="1800" dirty="0"/>
-                  <a:t>.</a:t>
-                </a:r>
-              </a:p>
-              <a:p>
-                <a:pPr>
-                  <a:lnSpc>
-                    <a:spcPct val="100000"/>
-                  </a:lnSpc>
-                  <a:spcBef>
-                    <a:spcPts val="0"/>
-                  </a:spcBef>
-                </a:pPr>
-                <a:r>
-                  <a:rPr lang="pt-BR" sz="1800" dirty="0"/>
-                  <a:t>Conseguimos visualizar melhor o efeito da redução de </a:t>
-                </a:r>
-                <a14:m>
-                  <m:oMath xmlns:m="http://schemas.openxmlformats.org/officeDocument/2006/math">
-                    <m:r>
-                      <a:rPr lang="pt-BR" sz="1800" i="1">
-                        <a:latin typeface="Cambria Math" panose="02040503050406030204" pitchFamily="18" charset="0"/>
-                        <a:ea typeface="Cambria Math" panose="02040503050406030204" pitchFamily="18" charset="0"/>
-                      </a:rPr>
-                      <m:t>𝛼</m:t>
-                    </m:r>
-                  </m:oMath>
-                </a14:m>
-                <a:r>
-                  <a:rPr lang="pt-BR" sz="1800" dirty="0"/>
-                  <a:t> nas figuras que mostram o gradiente.</a:t>
-                </a:r>
-              </a:p>
-              <a:p>
-                <a:pPr>
-                  <a:lnSpc>
-                    <a:spcPct val="100000"/>
-                  </a:lnSpc>
-                  <a:spcBef>
-                    <a:spcPts val="0"/>
-                  </a:spcBef>
-                </a:pPr>
-                <a:r>
-                  <a:rPr lang="pt-BR" sz="1800" b="1" dirty="0"/>
-                  <a:t>Conclusão</a:t>
-                </a:r>
-                <a:r>
-                  <a:rPr lang="pt-BR" sz="1800" dirty="0"/>
-                  <a:t>: um passo de aprendizagem que diminui ao longo das iterações permite que o algoritmo se estabilize próximo ao ponto de mínimo global.</a:t>
-                </a:r>
-              </a:p>
-            </p:txBody>
-          </p:sp>
-        </mc:Choice>
-        <mc:Fallback xmlns="">
-          <p:sp>
-            <p:nvSpPr>
-              <p:cNvPr id="3" name="Content Placeholder 2"/>
-              <p:cNvSpPr>
-                <a:spLocks noGrp="1" noRot="1" noChangeAspect="1" noMove="1" noResize="1" noEditPoints="1" noAdjustHandles="1" noChangeArrowheads="1" noChangeShapeType="1" noTextEdit="1"/>
-              </p:cNvSpPr>
-              <p:nvPr>
-                <p:ph idx="1"/>
-              </p:nvPr>
-            </p:nvSpPr>
-            <p:spPr>
-              <a:xfrm>
-                <a:off x="8001219" y="1244569"/>
-                <a:ext cx="4190781" cy="5217763"/>
-              </a:xfrm>
-              <a:blipFill rotWithShape="0">
-                <a:blip r:embed="rId4"/>
-                <a:stretch>
-                  <a:fillRect l="-1019" t="-584" r="-1456"/>
-                </a:stretch>
-              </a:blipFill>
-            </p:spPr>
-            <p:txBody>
-              <a:bodyPr/>
-              <a:lstStyle/>
-              <a:p>
-                <a:r>
-                  <a:rPr lang="pt-BR">
-                    <a:noFill/>
-                  </a:rPr>
-                  <a:t> </a:t>
-                </a:r>
-              </a:p>
-            </p:txBody>
-          </p:sp>
-        </mc:Fallback>
-      </mc:AlternateContent>
       <p:sp>
         <p:nvSpPr>
-          <p:cNvPr id="8" name="TextBox 7"/>
-          <p:cNvSpPr txBox="1"/>
-          <p:nvPr/>
+          <p:cNvPr id="2" name="Título 1">
+            <a:extLst>
+              <a:ext uri="{FF2B5EF4-FFF2-40B4-BE49-F238E27FC236}">
+                <a16:creationId xmlns:a16="http://schemas.microsoft.com/office/drawing/2014/main" id="{F3FC6600-DEC0-B4A2-D13C-D4016F1FB30A}"/>
+              </a:ext>
+            </a:extLst>
+          </p:cNvPr>
+          <p:cNvSpPr>
+            <a:spLocks noGrp="1"/>
+          </p:cNvSpPr>
+          <p:nvPr>
+            <p:ph type="title"/>
+          </p:nvPr>
         </p:nvSpPr>
-        <p:spPr>
-          <a:xfrm>
-            <a:off x="4493804" y="6494815"/>
-            <a:ext cx="7512882" cy="338554"/>
-          </a:xfrm>
-          <a:prstGeom prst="rect">
-            <a:avLst/>
-          </a:prstGeom>
-          <a:noFill/>
-        </p:spPr>
+        <p:spPr/>
         <p:txBody>
-          <a:bodyPr wrap="square" rtlCol="0">
-            <a:spAutoFit/>
-          </a:bodyPr>
+          <a:bodyPr/>
           <a:lstStyle/>
           <a:p>
             <a:r>
-              <a:rPr lang="pt-BR" sz="1600" u="sng" dirty="0">
-                <a:solidFill>
-                  <a:srgbClr val="00B0F0"/>
-                </a:solidFill>
-                <a:hlinkClick r:id="rId5"/>
-              </a:rPr>
-              <a:t>Exemplo: stocastic_gradient_descent_with_learning_schedule_and_with_figures.ipynb</a:t>
-            </a:r>
-            <a:endParaRPr lang="pt-BR" sz="1600" u="sng" dirty="0">
-              <a:solidFill>
-                <a:srgbClr val="00B0F0"/>
-              </a:solidFill>
-            </a:endParaRPr>
+              <a:rPr lang="pt-BR" dirty="0"/>
+              <a:t>Exemplo de redução programada com GDE</a:t>
+            </a:r>
           </a:p>
         </p:txBody>
       </p:sp>
       <p:pic>
         <p:nvPicPr>
-          <p:cNvPr id="7" name="Picture 6"/>
+          <p:cNvPr id="4" name="Picture 6">
+            <a:extLst>
+              <a:ext uri="{FF2B5EF4-FFF2-40B4-BE49-F238E27FC236}">
+                <a16:creationId xmlns:a16="http://schemas.microsoft.com/office/drawing/2014/main" id="{C9DE8AF1-A842-9D71-1CC8-28F862E816AF}"/>
+              </a:ext>
+            </a:extLst>
+          </p:cNvPr>
           <p:cNvPicPr>
             <a:picLocks noChangeAspect="1"/>
           </p:cNvPicPr>
           <p:nvPr/>
         </p:nvPicPr>
         <p:blipFill rotWithShape="1">
-          <a:blip r:embed="rId6" cstate="print">
+          <a:blip r:embed="rId3" cstate="print">
             <a:extLst>
               <a:ext uri="{28A0092B-C50C-407E-A947-70E740481C1C}">
                 <a14:useLocalDpi xmlns:a14="http://schemas.microsoft.com/office/drawing/2010/main" val="0"/>
@@ -11555,7 +11734,7 @@
         </p:blipFill>
         <p:spPr>
           <a:xfrm>
-            <a:off x="5505107" y="1378281"/>
+            <a:off x="5548638" y="1879026"/>
             <a:ext cx="2426907" cy="2419249"/>
           </a:xfrm>
           <a:prstGeom prst="rect">
@@ -11565,14 +11744,20 @@
       </p:pic>
       <p:pic>
         <p:nvPicPr>
-          <p:cNvPr id="11" name="Picture 10"/>
+          <p:cNvPr id="5" name="Picture 10">
+            <a:extLst>
+              <a:ext uri="{FF2B5EF4-FFF2-40B4-BE49-F238E27FC236}">
+                <a16:creationId xmlns:a16="http://schemas.microsoft.com/office/drawing/2014/main" id="{F78E7DEF-7734-D99E-0342-DD800946C131}"/>
+              </a:ext>
+            </a:extLst>
+          </p:cNvPr>
           <p:cNvPicPr>
             <a:picLocks noChangeAspect="1"/>
           </p:cNvPicPr>
           <p:nvPr/>
         </p:nvPicPr>
         <p:blipFill rotWithShape="1">
-          <a:blip r:embed="rId7" cstate="print">
+          <a:blip r:embed="rId4" cstate="print">
             <a:extLst>
               <a:ext uri="{28A0092B-C50C-407E-A947-70E740481C1C}">
                 <a14:useLocalDpi xmlns:a14="http://schemas.microsoft.com/office/drawing/2010/main" val="0"/>
@@ -11584,7 +11769,7 @@
         </p:blipFill>
         <p:spPr>
           <a:xfrm>
-            <a:off x="2746959" y="1375067"/>
+            <a:off x="2790490" y="1875812"/>
             <a:ext cx="2501738" cy="2414463"/>
           </a:xfrm>
           <a:prstGeom prst="rect">
@@ -11594,14 +11779,20 @@
       </p:pic>
       <p:pic>
         <p:nvPicPr>
-          <p:cNvPr id="5" name="Picture 4"/>
+          <p:cNvPr id="6" name="Picture 4">
+            <a:extLst>
+              <a:ext uri="{FF2B5EF4-FFF2-40B4-BE49-F238E27FC236}">
+                <a16:creationId xmlns:a16="http://schemas.microsoft.com/office/drawing/2014/main" id="{6E6CD326-3A16-EA54-BA43-F3EECE9E7143}"/>
+              </a:ext>
+            </a:extLst>
+          </p:cNvPr>
           <p:cNvPicPr>
             <a:picLocks noChangeAspect="1"/>
           </p:cNvPicPr>
           <p:nvPr/>
         </p:nvPicPr>
         <p:blipFill rotWithShape="1">
-          <a:blip r:embed="rId8" cstate="print">
+          <a:blip r:embed="rId5" cstate="print">
             <a:extLst>
               <a:ext uri="{28A0092B-C50C-407E-A947-70E740481C1C}">
                 <a14:useLocalDpi xmlns:a14="http://schemas.microsoft.com/office/drawing/2010/main" val="0"/>
@@ -11613,7 +11804,7 @@
         </p:blipFill>
         <p:spPr>
           <a:xfrm>
-            <a:off x="55672" y="1357114"/>
+            <a:off x="99203" y="1857859"/>
             <a:ext cx="2447809" cy="2440416"/>
           </a:xfrm>
           <a:prstGeom prst="rect">
@@ -11623,13 +11814,19 @@
       </p:pic>
       <p:sp>
         <p:nvSpPr>
-          <p:cNvPr id="6" name="Right Arrow 5"/>
+          <p:cNvPr id="7" name="Right Arrow 5">
+            <a:extLst>
+              <a:ext uri="{FF2B5EF4-FFF2-40B4-BE49-F238E27FC236}">
+                <a16:creationId xmlns:a16="http://schemas.microsoft.com/office/drawing/2014/main" id="{646C8848-ECB5-43A8-887E-6C6224DA20CE}"/>
+              </a:ext>
+            </a:extLst>
+          </p:cNvPr>
           <p:cNvSpPr/>
           <p:nvPr/>
         </p:nvSpPr>
         <p:spPr>
           <a:xfrm>
-            <a:off x="2516413" y="2452657"/>
+            <a:off x="2559944" y="2953402"/>
             <a:ext cx="230546" cy="249330"/>
           </a:xfrm>
           <a:prstGeom prst="rightArrow">
@@ -11663,13 +11860,19 @@
       </p:sp>
       <p:sp>
         <p:nvSpPr>
-          <p:cNvPr id="10" name="Right Arrow 9"/>
+          <p:cNvPr id="8" name="Right Arrow 9">
+            <a:extLst>
+              <a:ext uri="{FF2B5EF4-FFF2-40B4-BE49-F238E27FC236}">
+                <a16:creationId xmlns:a16="http://schemas.microsoft.com/office/drawing/2014/main" id="{E3175E18-3692-B822-9276-B519FA351945}"/>
+              </a:ext>
+            </a:extLst>
+          </p:cNvPr>
           <p:cNvSpPr/>
           <p:nvPr/>
         </p:nvSpPr>
         <p:spPr>
           <a:xfrm>
-            <a:off x="5261629" y="2452657"/>
+            <a:off x="5305160" y="2953402"/>
             <a:ext cx="230546" cy="249330"/>
           </a:xfrm>
           <a:prstGeom prst="rightArrow">
@@ -11703,13 +11906,19 @@
       </p:sp>
       <p:sp>
         <p:nvSpPr>
-          <p:cNvPr id="9" name="TextBox 8"/>
+          <p:cNvPr id="9" name="TextBox 8">
+            <a:extLst>
+              <a:ext uri="{FF2B5EF4-FFF2-40B4-BE49-F238E27FC236}">
+                <a16:creationId xmlns:a16="http://schemas.microsoft.com/office/drawing/2014/main" id="{E6068310-215C-317B-267D-CA3C444CE0D0}"/>
+              </a:ext>
+            </a:extLst>
+          </p:cNvPr>
           <p:cNvSpPr txBox="1"/>
           <p:nvPr/>
         </p:nvSpPr>
         <p:spPr>
           <a:xfrm>
-            <a:off x="183876" y="1008609"/>
+            <a:off x="227407" y="1509354"/>
             <a:ext cx="2447810" cy="307777"/>
           </a:xfrm>
           <a:prstGeom prst="rect">
@@ -11726,20 +11935,26 @@
             <a:pPr algn="ctr"/>
             <a:r>
               <a:rPr lang="pt-BR" sz="1400" b="1" dirty="0"/>
-              <a:t>GDE sem redução programada</a:t>
+              <a:t>Sem redução gradual</a:t>
             </a:r>
           </a:p>
         </p:txBody>
       </p:sp>
       <p:sp>
         <p:nvSpPr>
-          <p:cNvPr id="12" name="TextBox 11"/>
+          <p:cNvPr id="10" name="TextBox 11">
+            <a:extLst>
+              <a:ext uri="{FF2B5EF4-FFF2-40B4-BE49-F238E27FC236}">
+                <a16:creationId xmlns:a16="http://schemas.microsoft.com/office/drawing/2014/main" id="{450AFFF9-22CC-9859-7E00-7B8E3941F4B9}"/>
+              </a:ext>
+            </a:extLst>
+          </p:cNvPr>
           <p:cNvSpPr txBox="1"/>
           <p:nvPr/>
         </p:nvSpPr>
         <p:spPr>
           <a:xfrm>
-            <a:off x="5632104" y="1049318"/>
+            <a:off x="5675635" y="1550063"/>
             <a:ext cx="2447810" cy="307777"/>
           </a:xfrm>
           <a:prstGeom prst="rect">
@@ -11756,20 +11971,26 @@
             <a:pPr algn="ctr"/>
             <a:r>
               <a:rPr lang="pt-BR" sz="1400" b="1" dirty="0"/>
-              <a:t>GDE com redução programada</a:t>
+              <a:t>Com redução gradual</a:t>
             </a:r>
           </a:p>
         </p:txBody>
       </p:sp>
       <p:sp>
         <p:nvSpPr>
-          <p:cNvPr id="13" name="TextBox 12"/>
+          <p:cNvPr id="11" name="TextBox 12">
+            <a:extLst>
+              <a:ext uri="{FF2B5EF4-FFF2-40B4-BE49-F238E27FC236}">
+                <a16:creationId xmlns:a16="http://schemas.microsoft.com/office/drawing/2014/main" id="{3BFE194A-0346-7D7C-F6E3-8EDC2A897055}"/>
+              </a:ext>
+            </a:extLst>
+          </p:cNvPr>
           <p:cNvSpPr txBox="1"/>
           <p:nvPr/>
         </p:nvSpPr>
         <p:spPr>
           <a:xfrm>
-            <a:off x="2929092" y="1010377"/>
+            <a:off x="2972623" y="1511122"/>
             <a:ext cx="2447810" cy="307777"/>
           </a:xfrm>
           <a:prstGeom prst="rect">
@@ -11786,21 +12007,27 @@
             <a:pPr algn="ctr"/>
             <a:r>
               <a:rPr lang="pt-BR" sz="1400" b="1" dirty="0"/>
-              <a:t>Redução programada</a:t>
+              <a:t>Redução gradual por degraus</a:t>
             </a:r>
           </a:p>
         </p:txBody>
       </p:sp>
       <p:pic>
         <p:nvPicPr>
-          <p:cNvPr id="14" name="Picture 13"/>
+          <p:cNvPr id="12" name="Picture 13">
+            <a:extLst>
+              <a:ext uri="{FF2B5EF4-FFF2-40B4-BE49-F238E27FC236}">
+                <a16:creationId xmlns:a16="http://schemas.microsoft.com/office/drawing/2014/main" id="{00D43F0F-39F1-EC1E-61E5-33F4E9C254A4}"/>
+              </a:ext>
+            </a:extLst>
+          </p:cNvPr>
           <p:cNvPicPr>
             <a:picLocks noChangeAspect="1"/>
           </p:cNvPicPr>
           <p:nvPr/>
         </p:nvPicPr>
         <p:blipFill rotWithShape="1">
-          <a:blip r:embed="rId9" cstate="print">
+          <a:blip r:embed="rId6" cstate="print">
             <a:extLst>
               <a:ext uri="{28A0092B-C50C-407E-A947-70E740481C1C}">
                 <a14:useLocalDpi xmlns:a14="http://schemas.microsoft.com/office/drawing/2010/main" val="0"/>
@@ -11812,7 +12039,7 @@
         </p:blipFill>
         <p:spPr>
           <a:xfrm>
-            <a:off x="5495069" y="3881776"/>
+            <a:off x="5538600" y="4382521"/>
             <a:ext cx="2436946" cy="2453928"/>
           </a:xfrm>
           <a:prstGeom prst="rect">
@@ -11822,14 +12049,20 @@
       </p:pic>
       <p:pic>
         <p:nvPicPr>
-          <p:cNvPr id="15" name="Picture 14"/>
+          <p:cNvPr id="13" name="Picture 14">
+            <a:extLst>
+              <a:ext uri="{FF2B5EF4-FFF2-40B4-BE49-F238E27FC236}">
+                <a16:creationId xmlns:a16="http://schemas.microsoft.com/office/drawing/2014/main" id="{ADF16116-0DAB-0C62-94B9-3C0073F9E748}"/>
+              </a:ext>
+            </a:extLst>
+          </p:cNvPr>
           <p:cNvPicPr>
             <a:picLocks noChangeAspect="1"/>
           </p:cNvPicPr>
           <p:nvPr/>
         </p:nvPicPr>
         <p:blipFill rotWithShape="1">
-          <a:blip r:embed="rId10" cstate="print">
+          <a:blip r:embed="rId7" cstate="print">
             <a:extLst>
               <a:ext uri="{28A0092B-C50C-407E-A947-70E740481C1C}">
                 <a14:useLocalDpi xmlns:a14="http://schemas.microsoft.com/office/drawing/2010/main" val="0"/>
@@ -11841,7 +12074,7 @@
         </p:blipFill>
         <p:spPr>
           <a:xfrm>
-            <a:off x="55671" y="3898235"/>
+            <a:off x="99202" y="4398980"/>
             <a:ext cx="2447810" cy="2421010"/>
           </a:xfrm>
           <a:prstGeom prst="rect">
@@ -11851,13 +12084,19 @@
       </p:pic>
       <p:sp>
         <p:nvSpPr>
-          <p:cNvPr id="4" name="Retângulo 3"/>
+          <p:cNvPr id="14" name="Retângulo 13">
+            <a:extLst>
+              <a:ext uri="{FF2B5EF4-FFF2-40B4-BE49-F238E27FC236}">
+                <a16:creationId xmlns:a16="http://schemas.microsoft.com/office/drawing/2014/main" id="{E57C527A-0756-EBDB-9504-B3DF44D98DF4}"/>
+              </a:ext>
+            </a:extLst>
+          </p:cNvPr>
           <p:cNvSpPr/>
           <p:nvPr/>
         </p:nvSpPr>
         <p:spPr>
           <a:xfrm>
-            <a:off x="2631686" y="4632487"/>
+            <a:off x="2632216" y="5171714"/>
             <a:ext cx="3128623" cy="707886"/>
           </a:xfrm>
           <a:prstGeom prst="rect">
@@ -12046,6 +12285,17 @@
               <a:t>=</a:t>
             </a:r>
             <a:r>
+              <a:rPr lang="pt-BR" sz="800" b="1" dirty="0">
+                <a:solidFill>
+                  <a:srgbClr val="FF0000"/>
+                </a:solidFill>
+                <a:highlight>
+                  <a:srgbClr val="FFFFFF"/>
+                </a:highlight>
+              </a:rPr>
+              <a:t>6</a:t>
+            </a:r>
+            <a:r>
               <a:rPr lang="pt-BR" sz="800" dirty="0">
                 <a:solidFill>
                   <a:srgbClr val="FF0000"/>
@@ -12054,7 +12304,7 @@
                   <a:srgbClr val="FFFFFF"/>
                 </a:highlight>
               </a:rPr>
-              <a:t>8.0</a:t>
+              <a:t>.0</a:t>
             </a:r>
             <a:r>
               <a:rPr lang="pt-BR" sz="800" b="1" dirty="0">
@@ -12497,10 +12747,1394 @@
           </a:p>
         </p:txBody>
       </p:sp>
+      <p:sp>
+        <p:nvSpPr>
+          <p:cNvPr id="15" name="Espaço Reservado para Conteúdo 2">
+            <a:extLst>
+              <a:ext uri="{FF2B5EF4-FFF2-40B4-BE49-F238E27FC236}">
+                <a16:creationId xmlns:a16="http://schemas.microsoft.com/office/drawing/2014/main" id="{239AA1F2-5E3F-7BEB-1556-BB737E131038}"/>
+              </a:ext>
+            </a:extLst>
+          </p:cNvPr>
+          <p:cNvSpPr>
+            <a:spLocks noGrp="1"/>
+          </p:cNvSpPr>
+          <p:nvPr>
+            <p:ph idx="1"/>
+          </p:nvPr>
+        </p:nvSpPr>
+        <p:spPr>
+          <a:xfrm>
+            <a:off x="8123445" y="1825624"/>
+            <a:ext cx="3969351" cy="5032375"/>
+          </a:xfrm>
+        </p:spPr>
+        <p:txBody>
+          <a:bodyPr>
+            <a:normAutofit lnSpcReduction="10000"/>
+          </a:bodyPr>
+          <a:lstStyle/>
+          <a:p>
+            <a:pPr>
+              <a:lnSpc>
+                <a:spcPct val="100000"/>
+              </a:lnSpc>
+              <a:spcBef>
+                <a:spcPts val="0"/>
+              </a:spcBef>
+            </a:pPr>
+            <a:r>
+              <a:rPr lang="pt-BR" sz="2800" dirty="0"/>
+              <a:t>O caminho com </a:t>
+            </a:r>
+            <a:r>
+              <a:rPr lang="pt-BR" sz="2800" b="1" i="1" dirty="0"/>
+              <a:t>decaimento gradual </a:t>
+            </a:r>
+            <a:r>
+              <a:rPr lang="pt-BR" sz="2800" dirty="0"/>
+              <a:t>também não é regular para o ponto de mínimo.</a:t>
+            </a:r>
+          </a:p>
+          <a:p>
+            <a:pPr>
+              <a:lnSpc>
+                <a:spcPct val="100000"/>
+              </a:lnSpc>
+              <a:spcBef>
+                <a:spcPts val="0"/>
+              </a:spcBef>
+            </a:pPr>
+            <a:r>
+              <a:rPr lang="pt-BR" dirty="0"/>
+              <a:t>Ele a</a:t>
+            </a:r>
+            <a:r>
+              <a:rPr lang="pt-BR" sz="2800" dirty="0"/>
+              <a:t>presenta </a:t>
+            </a:r>
+            <a:r>
+              <a:rPr lang="pt-BR" sz="2800" b="1" i="1" dirty="0"/>
+              <a:t>algumas mudanças de direção</a:t>
+            </a:r>
+            <a:r>
+              <a:rPr lang="pt-BR" sz="2800" dirty="0"/>
+              <a:t> ao longo do caminho.</a:t>
+            </a:r>
+          </a:p>
+          <a:p>
+            <a:pPr>
+              <a:lnSpc>
+                <a:spcPct val="100000"/>
+              </a:lnSpc>
+              <a:spcBef>
+                <a:spcPts val="0"/>
+              </a:spcBef>
+            </a:pPr>
+            <a:r>
+              <a:rPr lang="pt-BR" dirty="0"/>
+              <a:t>O passo não influencia na direção, apenas no tamanho do deslocamento. </a:t>
+            </a:r>
+            <a:endParaRPr lang="pt-BR" sz="2800" dirty="0"/>
+          </a:p>
+        </p:txBody>
+      </p:sp>
+      <p:sp>
+        <p:nvSpPr>
+          <p:cNvPr id="18" name="TextBox 7">
+            <a:extLst>
+              <a:ext uri="{FF2B5EF4-FFF2-40B4-BE49-F238E27FC236}">
+                <a16:creationId xmlns:a16="http://schemas.microsoft.com/office/drawing/2014/main" id="{E442B2E9-3D88-DFD3-E99D-F5C7DD986DCA}"/>
+              </a:ext>
+            </a:extLst>
+          </p:cNvPr>
+          <p:cNvSpPr txBox="1"/>
+          <p:nvPr/>
+        </p:nvSpPr>
+        <p:spPr>
+          <a:xfrm>
+            <a:off x="9341636" y="6597096"/>
+            <a:ext cx="2899059" cy="276999"/>
+          </a:xfrm>
+          <a:prstGeom prst="rect">
+            <a:avLst/>
+          </a:prstGeom>
+          <a:noFill/>
+        </p:spPr>
+        <p:txBody>
+          <a:bodyPr wrap="square" rtlCol="0">
+            <a:spAutoFit/>
+          </a:bodyPr>
+          <a:lstStyle/>
+          <a:p>
+            <a:r>
+              <a:rPr lang="pt-BR" sz="1200" dirty="0">
+                <a:hlinkClick r:id="rId8"/>
+              </a:rPr>
+              <a:t>Exemplo: </a:t>
+            </a:r>
+            <a:r>
+              <a:rPr lang="pt-BR" sz="1200" dirty="0" err="1">
+                <a:hlinkClick r:id="rId8"/>
+              </a:rPr>
+              <a:t>gde_com_redução_gradual.ipynb</a:t>
+            </a:r>
+            <a:endParaRPr lang="pt-BR" sz="1200" dirty="0"/>
+          </a:p>
+        </p:txBody>
+      </p:sp>
     </p:spTree>
     <p:extLst>
       <p:ext uri="{BB962C8B-B14F-4D97-AF65-F5344CB8AC3E}">
-        <p14:creationId xmlns:p14="http://schemas.microsoft.com/office/powerpoint/2010/main" val="2403932125"/>
+        <p14:creationId xmlns:p14="http://schemas.microsoft.com/office/powerpoint/2010/main" val="3401087915"/>
+      </p:ext>
+    </p:extLst>
+  </p:cSld>
+  <p:clrMapOvr>
+    <a:masterClrMapping/>
+  </p:clrMapOvr>
+</p:sld>
+</file>
+
+<file path=ppt/slides/slide23.xml><?xml version="1.0" encoding="utf-8"?>
+<p:sld xmlns:a="http://schemas.openxmlformats.org/drawingml/2006/main" xmlns:r="http://schemas.openxmlformats.org/officeDocument/2006/relationships" xmlns:p="http://schemas.openxmlformats.org/presentationml/2006/main">
+  <p:cSld>
+    <p:spTree>
+      <p:nvGrpSpPr>
+        <p:cNvPr id="1" name=""/>
+        <p:cNvGrpSpPr/>
+        <p:nvPr/>
+      </p:nvGrpSpPr>
+      <p:grpSpPr>
+        <a:xfrm>
+          <a:off x="0" y="0"/>
+          <a:ext cx="0" cy="0"/>
+          <a:chOff x="0" y="0"/>
+          <a:chExt cx="0" cy="0"/>
+        </a:xfrm>
+      </p:grpSpPr>
+      <p:sp>
+        <p:nvSpPr>
+          <p:cNvPr id="2" name="Título 1">
+            <a:extLst>
+              <a:ext uri="{FF2B5EF4-FFF2-40B4-BE49-F238E27FC236}">
+                <a16:creationId xmlns:a16="http://schemas.microsoft.com/office/drawing/2014/main" id="{F3FC6600-DEC0-B4A2-D13C-D4016F1FB30A}"/>
+              </a:ext>
+            </a:extLst>
+          </p:cNvPr>
+          <p:cNvSpPr>
+            <a:spLocks noGrp="1"/>
+          </p:cNvSpPr>
+          <p:nvPr>
+            <p:ph type="title"/>
+          </p:nvPr>
+        </p:nvSpPr>
+        <p:spPr/>
+        <p:txBody>
+          <a:bodyPr/>
+          <a:lstStyle/>
+          <a:p>
+            <a:r>
+              <a:rPr lang="pt-BR" dirty="0"/>
+              <a:t>Exemplo de redução programada com GDE</a:t>
+            </a:r>
+          </a:p>
+        </p:txBody>
+      </p:sp>
+      <p:pic>
+        <p:nvPicPr>
+          <p:cNvPr id="4" name="Picture 6">
+            <a:extLst>
+              <a:ext uri="{FF2B5EF4-FFF2-40B4-BE49-F238E27FC236}">
+                <a16:creationId xmlns:a16="http://schemas.microsoft.com/office/drawing/2014/main" id="{C9DE8AF1-A842-9D71-1CC8-28F862E816AF}"/>
+              </a:ext>
+            </a:extLst>
+          </p:cNvPr>
+          <p:cNvPicPr>
+            <a:picLocks noChangeAspect="1"/>
+          </p:cNvPicPr>
+          <p:nvPr/>
+        </p:nvPicPr>
+        <p:blipFill rotWithShape="1">
+          <a:blip r:embed="rId3" cstate="print">
+            <a:extLst>
+              <a:ext uri="{28A0092B-C50C-407E-A947-70E740481C1C}">
+                <a14:useLocalDpi xmlns:a14="http://schemas.microsoft.com/office/drawing/2010/main" val="0"/>
+              </a:ext>
+            </a:extLst>
+          </a:blip>
+          <a:srcRect t="6579" r="8947" b="2656"/>
+          <a:stretch/>
+        </p:blipFill>
+        <p:spPr>
+          <a:xfrm>
+            <a:off x="5548638" y="1879026"/>
+            <a:ext cx="2426907" cy="2419249"/>
+          </a:xfrm>
+          <a:prstGeom prst="rect">
+            <a:avLst/>
+          </a:prstGeom>
+        </p:spPr>
+      </p:pic>
+      <p:pic>
+        <p:nvPicPr>
+          <p:cNvPr id="5" name="Picture 10">
+            <a:extLst>
+              <a:ext uri="{FF2B5EF4-FFF2-40B4-BE49-F238E27FC236}">
+                <a16:creationId xmlns:a16="http://schemas.microsoft.com/office/drawing/2014/main" id="{F78E7DEF-7734-D99E-0342-DD800946C131}"/>
+              </a:ext>
+            </a:extLst>
+          </p:cNvPr>
+          <p:cNvPicPr>
+            <a:picLocks noChangeAspect="1"/>
+          </p:cNvPicPr>
+          <p:nvPr/>
+        </p:nvPicPr>
+        <p:blipFill rotWithShape="1">
+          <a:blip r:embed="rId4" cstate="print">
+            <a:extLst>
+              <a:ext uri="{28A0092B-C50C-407E-A947-70E740481C1C}">
+                <a14:useLocalDpi xmlns:a14="http://schemas.microsoft.com/office/drawing/2010/main" val="0"/>
+              </a:ext>
+            </a:extLst>
+          </a:blip>
+          <a:srcRect t="7997" r="9413" b="4577"/>
+          <a:stretch/>
+        </p:blipFill>
+        <p:spPr>
+          <a:xfrm>
+            <a:off x="2790490" y="1875812"/>
+            <a:ext cx="2501738" cy="2414463"/>
+          </a:xfrm>
+          <a:prstGeom prst="rect">
+            <a:avLst/>
+          </a:prstGeom>
+        </p:spPr>
+      </p:pic>
+      <p:pic>
+        <p:nvPicPr>
+          <p:cNvPr id="6" name="Picture 4">
+            <a:extLst>
+              <a:ext uri="{FF2B5EF4-FFF2-40B4-BE49-F238E27FC236}">
+                <a16:creationId xmlns:a16="http://schemas.microsoft.com/office/drawing/2014/main" id="{6E6CD326-3A16-EA54-BA43-F3EECE9E7143}"/>
+              </a:ext>
+            </a:extLst>
+          </p:cNvPr>
+          <p:cNvPicPr>
+            <a:picLocks noChangeAspect="1"/>
+          </p:cNvPicPr>
+          <p:nvPr/>
+        </p:nvPicPr>
+        <p:blipFill rotWithShape="1">
+          <a:blip r:embed="rId5" cstate="print">
+            <a:extLst>
+              <a:ext uri="{28A0092B-C50C-407E-A947-70E740481C1C}">
+                <a14:useLocalDpi xmlns:a14="http://schemas.microsoft.com/office/drawing/2010/main" val="0"/>
+              </a:ext>
+            </a:extLst>
+          </a:blip>
+          <a:srcRect t="7082" r="9437" b="2629"/>
+          <a:stretch/>
+        </p:blipFill>
+        <p:spPr>
+          <a:xfrm>
+            <a:off x="99203" y="1857859"/>
+            <a:ext cx="2447809" cy="2440416"/>
+          </a:xfrm>
+          <a:prstGeom prst="rect">
+            <a:avLst/>
+          </a:prstGeom>
+        </p:spPr>
+      </p:pic>
+      <p:sp>
+        <p:nvSpPr>
+          <p:cNvPr id="7" name="Right Arrow 5">
+            <a:extLst>
+              <a:ext uri="{FF2B5EF4-FFF2-40B4-BE49-F238E27FC236}">
+                <a16:creationId xmlns:a16="http://schemas.microsoft.com/office/drawing/2014/main" id="{646C8848-ECB5-43A8-887E-6C6224DA20CE}"/>
+              </a:ext>
+            </a:extLst>
+          </p:cNvPr>
+          <p:cNvSpPr/>
+          <p:nvPr/>
+        </p:nvSpPr>
+        <p:spPr>
+          <a:xfrm>
+            <a:off x="2559944" y="2953402"/>
+            <a:ext cx="230546" cy="249330"/>
+          </a:xfrm>
+          <a:prstGeom prst="rightArrow">
+            <a:avLst/>
+          </a:prstGeom>
+        </p:spPr>
+        <p:style>
+          <a:lnRef idx="2">
+            <a:schemeClr val="accent1">
+              <a:shade val="50000"/>
+            </a:schemeClr>
+          </a:lnRef>
+          <a:fillRef idx="1">
+            <a:schemeClr val="accent1"/>
+          </a:fillRef>
+          <a:effectRef idx="0">
+            <a:schemeClr val="accent1"/>
+          </a:effectRef>
+          <a:fontRef idx="minor">
+            <a:schemeClr val="lt1"/>
+          </a:fontRef>
+        </p:style>
+        <p:txBody>
+          <a:bodyPr rtlCol="0" anchor="ctr"/>
+          <a:lstStyle/>
+          <a:p>
+            <a:pPr algn="ctr"/>
+            <a:endParaRPr lang="pt-BR"/>
+          </a:p>
+        </p:txBody>
+      </p:sp>
+      <p:sp>
+        <p:nvSpPr>
+          <p:cNvPr id="8" name="Right Arrow 9">
+            <a:extLst>
+              <a:ext uri="{FF2B5EF4-FFF2-40B4-BE49-F238E27FC236}">
+                <a16:creationId xmlns:a16="http://schemas.microsoft.com/office/drawing/2014/main" id="{E3175E18-3692-B822-9276-B519FA351945}"/>
+              </a:ext>
+            </a:extLst>
+          </p:cNvPr>
+          <p:cNvSpPr/>
+          <p:nvPr/>
+        </p:nvSpPr>
+        <p:spPr>
+          <a:xfrm>
+            <a:off x="5305160" y="2953402"/>
+            <a:ext cx="230546" cy="249330"/>
+          </a:xfrm>
+          <a:prstGeom prst="rightArrow">
+            <a:avLst/>
+          </a:prstGeom>
+        </p:spPr>
+        <p:style>
+          <a:lnRef idx="2">
+            <a:schemeClr val="accent1">
+              <a:shade val="50000"/>
+            </a:schemeClr>
+          </a:lnRef>
+          <a:fillRef idx="1">
+            <a:schemeClr val="accent1"/>
+          </a:fillRef>
+          <a:effectRef idx="0">
+            <a:schemeClr val="accent1"/>
+          </a:effectRef>
+          <a:fontRef idx="minor">
+            <a:schemeClr val="lt1"/>
+          </a:fontRef>
+        </p:style>
+        <p:txBody>
+          <a:bodyPr rtlCol="0" anchor="ctr"/>
+          <a:lstStyle/>
+          <a:p>
+            <a:pPr algn="ctr"/>
+            <a:endParaRPr lang="pt-BR"/>
+          </a:p>
+        </p:txBody>
+      </p:sp>
+      <p:sp>
+        <p:nvSpPr>
+          <p:cNvPr id="9" name="TextBox 8">
+            <a:extLst>
+              <a:ext uri="{FF2B5EF4-FFF2-40B4-BE49-F238E27FC236}">
+                <a16:creationId xmlns:a16="http://schemas.microsoft.com/office/drawing/2014/main" id="{E6068310-215C-317B-267D-CA3C444CE0D0}"/>
+              </a:ext>
+            </a:extLst>
+          </p:cNvPr>
+          <p:cNvSpPr txBox="1"/>
+          <p:nvPr/>
+        </p:nvSpPr>
+        <p:spPr>
+          <a:xfrm>
+            <a:off x="227407" y="1509354"/>
+            <a:ext cx="2447810" cy="307777"/>
+          </a:xfrm>
+          <a:prstGeom prst="rect">
+            <a:avLst/>
+          </a:prstGeom>
+          <a:noFill/>
+        </p:spPr>
+        <p:txBody>
+          <a:bodyPr wrap="square" rtlCol="0">
+            <a:spAutoFit/>
+          </a:bodyPr>
+          <a:lstStyle/>
+          <a:p>
+            <a:pPr algn="ctr"/>
+            <a:r>
+              <a:rPr lang="pt-BR" sz="1400" b="1" dirty="0"/>
+              <a:t>Sem redução gradual</a:t>
+            </a:r>
+          </a:p>
+        </p:txBody>
+      </p:sp>
+      <p:sp>
+        <p:nvSpPr>
+          <p:cNvPr id="10" name="TextBox 11">
+            <a:extLst>
+              <a:ext uri="{FF2B5EF4-FFF2-40B4-BE49-F238E27FC236}">
+                <a16:creationId xmlns:a16="http://schemas.microsoft.com/office/drawing/2014/main" id="{450AFFF9-22CC-9859-7E00-7B8E3941F4B9}"/>
+              </a:ext>
+            </a:extLst>
+          </p:cNvPr>
+          <p:cNvSpPr txBox="1"/>
+          <p:nvPr/>
+        </p:nvSpPr>
+        <p:spPr>
+          <a:xfrm>
+            <a:off x="5675635" y="1550063"/>
+            <a:ext cx="2447810" cy="307777"/>
+          </a:xfrm>
+          <a:prstGeom prst="rect">
+            <a:avLst/>
+          </a:prstGeom>
+          <a:noFill/>
+        </p:spPr>
+        <p:txBody>
+          <a:bodyPr wrap="square" rtlCol="0">
+            <a:spAutoFit/>
+          </a:bodyPr>
+          <a:lstStyle/>
+          <a:p>
+            <a:pPr algn="ctr"/>
+            <a:r>
+              <a:rPr lang="pt-BR" sz="1400" b="1" dirty="0"/>
+              <a:t>Com redução gradual</a:t>
+            </a:r>
+          </a:p>
+        </p:txBody>
+      </p:sp>
+      <p:sp>
+        <p:nvSpPr>
+          <p:cNvPr id="11" name="TextBox 12">
+            <a:extLst>
+              <a:ext uri="{FF2B5EF4-FFF2-40B4-BE49-F238E27FC236}">
+                <a16:creationId xmlns:a16="http://schemas.microsoft.com/office/drawing/2014/main" id="{3BFE194A-0346-7D7C-F6E3-8EDC2A897055}"/>
+              </a:ext>
+            </a:extLst>
+          </p:cNvPr>
+          <p:cNvSpPr txBox="1"/>
+          <p:nvPr/>
+        </p:nvSpPr>
+        <p:spPr>
+          <a:xfrm>
+            <a:off x="2972623" y="1511122"/>
+            <a:ext cx="2447810" cy="307777"/>
+          </a:xfrm>
+          <a:prstGeom prst="rect">
+            <a:avLst/>
+          </a:prstGeom>
+          <a:noFill/>
+        </p:spPr>
+        <p:txBody>
+          <a:bodyPr wrap="square" rtlCol="0">
+            <a:spAutoFit/>
+          </a:bodyPr>
+          <a:lstStyle/>
+          <a:p>
+            <a:pPr algn="ctr"/>
+            <a:r>
+              <a:rPr lang="pt-BR" sz="1400" b="1" dirty="0"/>
+              <a:t>Redução por degraus</a:t>
+            </a:r>
+          </a:p>
+        </p:txBody>
+      </p:sp>
+      <p:pic>
+        <p:nvPicPr>
+          <p:cNvPr id="12" name="Picture 13">
+            <a:extLst>
+              <a:ext uri="{FF2B5EF4-FFF2-40B4-BE49-F238E27FC236}">
+                <a16:creationId xmlns:a16="http://schemas.microsoft.com/office/drawing/2014/main" id="{00D43F0F-39F1-EC1E-61E5-33F4E9C254A4}"/>
+              </a:ext>
+            </a:extLst>
+          </p:cNvPr>
+          <p:cNvPicPr>
+            <a:picLocks noChangeAspect="1"/>
+          </p:cNvPicPr>
+          <p:nvPr/>
+        </p:nvPicPr>
+        <p:blipFill rotWithShape="1">
+          <a:blip r:embed="rId6" cstate="print">
+            <a:extLst>
+              <a:ext uri="{28A0092B-C50C-407E-A947-70E740481C1C}">
+                <a14:useLocalDpi xmlns:a14="http://schemas.microsoft.com/office/drawing/2010/main" val="0"/>
+              </a:ext>
+            </a:extLst>
+          </a:blip>
+          <a:srcRect l="2307" t="7344" r="9385" b="3733"/>
+          <a:stretch/>
+        </p:blipFill>
+        <p:spPr>
+          <a:xfrm>
+            <a:off x="5538600" y="4382521"/>
+            <a:ext cx="2436946" cy="2453928"/>
+          </a:xfrm>
+          <a:prstGeom prst="rect">
+            <a:avLst/>
+          </a:prstGeom>
+        </p:spPr>
+      </p:pic>
+      <p:pic>
+        <p:nvPicPr>
+          <p:cNvPr id="13" name="Picture 14">
+            <a:extLst>
+              <a:ext uri="{FF2B5EF4-FFF2-40B4-BE49-F238E27FC236}">
+                <a16:creationId xmlns:a16="http://schemas.microsoft.com/office/drawing/2014/main" id="{ADF16116-0DAB-0C62-94B9-3C0073F9E748}"/>
+              </a:ext>
+            </a:extLst>
+          </p:cNvPr>
+          <p:cNvPicPr>
+            <a:picLocks noChangeAspect="1"/>
+          </p:cNvPicPr>
+          <p:nvPr/>
+        </p:nvPicPr>
+        <p:blipFill rotWithShape="1">
+          <a:blip r:embed="rId7" cstate="print">
+            <a:extLst>
+              <a:ext uri="{28A0092B-C50C-407E-A947-70E740481C1C}">
+                <a14:useLocalDpi xmlns:a14="http://schemas.microsoft.com/office/drawing/2010/main" val="0"/>
+              </a:ext>
+            </a:extLst>
+          </a:blip>
+          <a:srcRect t="6779" r="9397" b="3612"/>
+          <a:stretch/>
+        </p:blipFill>
+        <p:spPr>
+          <a:xfrm>
+            <a:off x="99202" y="4398980"/>
+            <a:ext cx="2447810" cy="2421010"/>
+          </a:xfrm>
+          <a:prstGeom prst="rect">
+            <a:avLst/>
+          </a:prstGeom>
+        </p:spPr>
+      </p:pic>
+      <p:sp>
+        <p:nvSpPr>
+          <p:cNvPr id="14" name="Retângulo 13">
+            <a:extLst>
+              <a:ext uri="{FF2B5EF4-FFF2-40B4-BE49-F238E27FC236}">
+                <a16:creationId xmlns:a16="http://schemas.microsoft.com/office/drawing/2014/main" id="{E57C527A-0756-EBDB-9504-B3DF44D98DF4}"/>
+              </a:ext>
+            </a:extLst>
+          </p:cNvPr>
+          <p:cNvSpPr/>
+          <p:nvPr/>
+        </p:nvSpPr>
+        <p:spPr>
+          <a:xfrm>
+            <a:off x="2632216" y="5171714"/>
+            <a:ext cx="3128623" cy="707886"/>
+          </a:xfrm>
+          <a:prstGeom prst="rect">
+            <a:avLst/>
+          </a:prstGeom>
+        </p:spPr>
+        <p:txBody>
+          <a:bodyPr wrap="square">
+            <a:spAutoFit/>
+          </a:bodyPr>
+          <a:lstStyle/>
+          <a:p>
+            <a:r>
+              <a:rPr lang="pt-BR" sz="800" dirty="0">
+                <a:solidFill>
+                  <a:srgbClr val="008000"/>
+                </a:solidFill>
+                <a:highlight>
+                  <a:srgbClr val="FFFFFF"/>
+                </a:highlight>
+              </a:rPr>
+              <a:t># </a:t>
+            </a:r>
+            <a:r>
+              <a:rPr lang="pt-BR" sz="800" dirty="0" err="1">
+                <a:solidFill>
+                  <a:srgbClr val="008000"/>
+                </a:solidFill>
+                <a:highlight>
+                  <a:srgbClr val="FFFFFF"/>
+                </a:highlight>
+              </a:rPr>
+              <a:t>learning</a:t>
+            </a:r>
+            <a:r>
+              <a:rPr lang="pt-BR" sz="800" dirty="0">
+                <a:solidFill>
+                  <a:srgbClr val="008000"/>
+                </a:solidFill>
+                <a:highlight>
+                  <a:srgbClr val="FFFFFF"/>
+                </a:highlight>
+              </a:rPr>
+              <a:t> schedule: Gradual </a:t>
+            </a:r>
+            <a:r>
+              <a:rPr lang="pt-BR" sz="800" dirty="0" err="1">
+                <a:solidFill>
+                  <a:srgbClr val="008000"/>
+                </a:solidFill>
+                <a:highlight>
+                  <a:srgbClr val="FFFFFF"/>
+                </a:highlight>
+              </a:rPr>
+              <a:t>decay</a:t>
+            </a:r>
+            <a:r>
+              <a:rPr lang="pt-BR" sz="800" dirty="0">
+                <a:solidFill>
+                  <a:srgbClr val="008000"/>
+                </a:solidFill>
+                <a:highlight>
+                  <a:srgbClr val="FFFFFF"/>
+                </a:highlight>
+              </a:rPr>
+              <a:t>.</a:t>
+            </a:r>
+            <a:endParaRPr lang="pt-BR" sz="800" dirty="0">
+              <a:solidFill>
+                <a:srgbClr val="000000"/>
+              </a:solidFill>
+              <a:highlight>
+                <a:srgbClr val="FFFFFF"/>
+              </a:highlight>
+            </a:endParaRPr>
+          </a:p>
+          <a:p>
+            <a:r>
+              <a:rPr lang="pt-BR" sz="800" b="1" dirty="0" err="1">
+                <a:solidFill>
+                  <a:srgbClr val="0000FF"/>
+                </a:solidFill>
+                <a:highlight>
+                  <a:srgbClr val="FFFFFF"/>
+                </a:highlight>
+              </a:rPr>
+              <a:t>def</a:t>
+            </a:r>
+            <a:r>
+              <a:rPr lang="pt-BR" sz="800" dirty="0">
+                <a:solidFill>
+                  <a:srgbClr val="000000"/>
+                </a:solidFill>
+                <a:highlight>
+                  <a:srgbClr val="FFFFFF"/>
+                </a:highlight>
+              </a:rPr>
+              <a:t> </a:t>
+            </a:r>
+            <a:r>
+              <a:rPr lang="pt-BR" sz="800" dirty="0" err="1">
+                <a:solidFill>
+                  <a:srgbClr val="FF00FF"/>
+                </a:solidFill>
+                <a:highlight>
+                  <a:srgbClr val="FFFFFF"/>
+                </a:highlight>
+              </a:rPr>
+              <a:t>stepDecay</a:t>
+            </a:r>
+            <a:r>
+              <a:rPr lang="pt-BR" sz="800" b="1" dirty="0">
+                <a:solidFill>
+                  <a:srgbClr val="000080"/>
+                </a:solidFill>
+                <a:highlight>
+                  <a:srgbClr val="FFFFFF"/>
+                </a:highlight>
+              </a:rPr>
+              <a:t>(</a:t>
+            </a:r>
+            <a:r>
+              <a:rPr lang="pt-BR" sz="800" dirty="0" err="1">
+                <a:solidFill>
+                  <a:srgbClr val="000000"/>
+                </a:solidFill>
+                <a:highlight>
+                  <a:srgbClr val="FFFFFF"/>
+                </a:highlight>
+              </a:rPr>
+              <a:t>alpha_init</a:t>
+            </a:r>
+            <a:r>
+              <a:rPr lang="pt-BR" sz="800" b="1" dirty="0">
+                <a:solidFill>
+                  <a:srgbClr val="000080"/>
+                </a:solidFill>
+                <a:highlight>
+                  <a:srgbClr val="FFFFFF"/>
+                </a:highlight>
+              </a:rPr>
+              <a:t>,</a:t>
+            </a:r>
+            <a:r>
+              <a:rPr lang="pt-BR" sz="800" dirty="0">
+                <a:solidFill>
+                  <a:srgbClr val="000000"/>
+                </a:solidFill>
+                <a:highlight>
+                  <a:srgbClr val="FFFFFF"/>
+                </a:highlight>
+              </a:rPr>
+              <a:t> t</a:t>
+            </a:r>
+            <a:r>
+              <a:rPr lang="pt-BR" sz="800" b="1" dirty="0">
+                <a:solidFill>
+                  <a:srgbClr val="000080"/>
+                </a:solidFill>
+                <a:highlight>
+                  <a:srgbClr val="FFFFFF"/>
+                </a:highlight>
+              </a:rPr>
+              <a:t>,</a:t>
+            </a:r>
+            <a:r>
+              <a:rPr lang="pt-BR" sz="800" dirty="0">
+                <a:solidFill>
+                  <a:srgbClr val="000000"/>
+                </a:solidFill>
+                <a:highlight>
+                  <a:srgbClr val="FFFFFF"/>
+                </a:highlight>
+              </a:rPr>
+              <a:t> beta</a:t>
+            </a:r>
+            <a:r>
+              <a:rPr lang="pt-BR" sz="800" b="1" dirty="0">
+                <a:solidFill>
+                  <a:srgbClr val="000080"/>
+                </a:solidFill>
+                <a:highlight>
+                  <a:srgbClr val="FFFFFF"/>
+                </a:highlight>
+              </a:rPr>
+              <a:t>=</a:t>
+            </a:r>
+            <a:r>
+              <a:rPr lang="pt-BR" sz="800" b="1" dirty="0">
+                <a:solidFill>
+                  <a:srgbClr val="FF0000"/>
+                </a:solidFill>
+                <a:highlight>
+                  <a:srgbClr val="FFFFFF"/>
+                </a:highlight>
+              </a:rPr>
+              <a:t>6</a:t>
+            </a:r>
+            <a:r>
+              <a:rPr lang="pt-BR" sz="800" dirty="0">
+                <a:solidFill>
+                  <a:srgbClr val="FF0000"/>
+                </a:solidFill>
+                <a:highlight>
+                  <a:srgbClr val="FFFFFF"/>
+                </a:highlight>
+              </a:rPr>
+              <a:t>.0</a:t>
+            </a:r>
+            <a:r>
+              <a:rPr lang="pt-BR" sz="800" b="1" dirty="0">
+                <a:solidFill>
+                  <a:srgbClr val="000080"/>
+                </a:solidFill>
+                <a:highlight>
+                  <a:srgbClr val="FFFFFF"/>
+                </a:highlight>
+              </a:rPr>
+              <a:t>,</a:t>
+            </a:r>
+            <a:r>
+              <a:rPr lang="pt-BR" sz="800" dirty="0">
+                <a:solidFill>
+                  <a:srgbClr val="000000"/>
+                </a:solidFill>
+                <a:highlight>
+                  <a:srgbClr val="FFFFFF"/>
+                </a:highlight>
+              </a:rPr>
+              <a:t> </a:t>
+            </a:r>
+            <a:r>
+              <a:rPr lang="pt-BR" sz="800" dirty="0" err="1">
+                <a:solidFill>
+                  <a:srgbClr val="000000"/>
+                </a:solidFill>
+                <a:highlight>
+                  <a:srgbClr val="FFFFFF"/>
+                </a:highlight>
+              </a:rPr>
+              <a:t>drop</a:t>
+            </a:r>
+            <a:r>
+              <a:rPr lang="pt-BR" sz="800" b="1" dirty="0">
+                <a:solidFill>
+                  <a:srgbClr val="000080"/>
+                </a:solidFill>
+                <a:highlight>
+                  <a:srgbClr val="FFFFFF"/>
+                </a:highlight>
+              </a:rPr>
+              <a:t>=</a:t>
+            </a:r>
+            <a:r>
+              <a:rPr lang="pt-BR" sz="800" dirty="0">
+                <a:solidFill>
+                  <a:srgbClr val="FF0000"/>
+                </a:solidFill>
+                <a:highlight>
+                  <a:srgbClr val="FFFFFF"/>
+                </a:highlight>
+              </a:rPr>
+              <a:t>0.5</a:t>
+            </a:r>
+            <a:r>
+              <a:rPr lang="pt-BR" sz="800" b="1" dirty="0">
+                <a:solidFill>
+                  <a:srgbClr val="000080"/>
+                </a:solidFill>
+                <a:highlight>
+                  <a:srgbClr val="FFFFFF"/>
+                </a:highlight>
+              </a:rPr>
+              <a:t>):</a:t>
+            </a:r>
+            <a:endParaRPr lang="pt-BR" sz="800" dirty="0">
+              <a:solidFill>
+                <a:srgbClr val="000000"/>
+              </a:solidFill>
+              <a:highlight>
+                <a:srgbClr val="FFFFFF"/>
+              </a:highlight>
+            </a:endParaRPr>
+          </a:p>
+          <a:p>
+            <a:r>
+              <a:rPr lang="pt-BR" sz="800" dirty="0">
+                <a:solidFill>
+                  <a:srgbClr val="000000"/>
+                </a:solidFill>
+                <a:highlight>
+                  <a:srgbClr val="FFFFFF"/>
+                </a:highlight>
+              </a:rPr>
+              <a:t>    </a:t>
+            </a:r>
+            <a:r>
+              <a:rPr lang="pt-BR" sz="800" dirty="0">
+                <a:solidFill>
+                  <a:srgbClr val="FF8000"/>
+                </a:solidFill>
+                <a:highlight>
+                  <a:srgbClr val="FFFFFF"/>
+                </a:highlight>
+              </a:rPr>
+              <a:t>'''Gradual </a:t>
+            </a:r>
+            <a:r>
+              <a:rPr lang="pt-BR" sz="800" dirty="0" err="1">
+                <a:solidFill>
+                  <a:srgbClr val="FF8000"/>
+                </a:solidFill>
+                <a:highlight>
+                  <a:srgbClr val="FFFFFF"/>
+                </a:highlight>
+              </a:rPr>
+              <a:t>decay</a:t>
+            </a:r>
+            <a:r>
+              <a:rPr lang="pt-BR" sz="800" dirty="0">
+                <a:solidFill>
+                  <a:srgbClr val="FF8000"/>
+                </a:solidFill>
+                <a:highlight>
+                  <a:srgbClr val="FFFFFF"/>
+                </a:highlight>
+              </a:rPr>
+              <a:t>.'''</a:t>
+            </a:r>
+            <a:endParaRPr lang="pt-BR" sz="800" dirty="0">
+              <a:solidFill>
+                <a:srgbClr val="000000"/>
+              </a:solidFill>
+              <a:highlight>
+                <a:srgbClr val="FFFFFF"/>
+              </a:highlight>
+            </a:endParaRPr>
+          </a:p>
+          <a:p>
+            <a:r>
+              <a:rPr lang="pt-BR" sz="800" dirty="0">
+                <a:solidFill>
+                  <a:srgbClr val="000000"/>
+                </a:solidFill>
+                <a:highlight>
+                  <a:srgbClr val="FFFFFF"/>
+                </a:highlight>
+              </a:rPr>
+              <a:t>    alpha </a:t>
+            </a:r>
+            <a:r>
+              <a:rPr lang="pt-BR" sz="800" b="1" dirty="0">
+                <a:solidFill>
+                  <a:srgbClr val="000080"/>
+                </a:solidFill>
+                <a:highlight>
+                  <a:srgbClr val="FFFFFF"/>
+                </a:highlight>
+              </a:rPr>
+              <a:t>=</a:t>
+            </a:r>
+            <a:r>
+              <a:rPr lang="pt-BR" sz="800" dirty="0">
+                <a:solidFill>
+                  <a:srgbClr val="000000"/>
+                </a:solidFill>
+                <a:highlight>
+                  <a:srgbClr val="FFFFFF"/>
+                </a:highlight>
+              </a:rPr>
+              <a:t> </a:t>
+            </a:r>
+            <a:r>
+              <a:rPr lang="pt-BR" sz="800" dirty="0" err="1">
+                <a:solidFill>
+                  <a:srgbClr val="000000"/>
+                </a:solidFill>
+                <a:highlight>
+                  <a:srgbClr val="FFFFFF"/>
+                </a:highlight>
+              </a:rPr>
+              <a:t>alpha_init</a:t>
+            </a:r>
+            <a:r>
+              <a:rPr lang="pt-BR" sz="800" dirty="0">
+                <a:solidFill>
+                  <a:srgbClr val="000000"/>
+                </a:solidFill>
+                <a:highlight>
+                  <a:srgbClr val="FFFFFF"/>
+                </a:highlight>
+              </a:rPr>
+              <a:t> </a:t>
+            </a:r>
+            <a:r>
+              <a:rPr lang="pt-BR" sz="800" b="1" dirty="0">
+                <a:solidFill>
+                  <a:srgbClr val="000080"/>
+                </a:solidFill>
+                <a:highlight>
+                  <a:srgbClr val="FFFFFF"/>
+                </a:highlight>
+              </a:rPr>
+              <a:t>*</a:t>
+            </a:r>
+            <a:r>
+              <a:rPr lang="pt-BR" sz="800" dirty="0">
+                <a:solidFill>
+                  <a:srgbClr val="000000"/>
+                </a:solidFill>
+                <a:highlight>
+                  <a:srgbClr val="FFFFFF"/>
+                </a:highlight>
+              </a:rPr>
+              <a:t> </a:t>
+            </a:r>
+            <a:r>
+              <a:rPr lang="pt-BR" sz="800" dirty="0" err="1">
+                <a:solidFill>
+                  <a:srgbClr val="000000"/>
+                </a:solidFill>
+                <a:highlight>
+                  <a:srgbClr val="FFFFFF"/>
+                </a:highlight>
+              </a:rPr>
+              <a:t>math</a:t>
+            </a:r>
+            <a:r>
+              <a:rPr lang="pt-BR" sz="800" b="1" dirty="0" err="1">
+                <a:solidFill>
+                  <a:srgbClr val="000080"/>
+                </a:solidFill>
+                <a:highlight>
+                  <a:srgbClr val="FFFFFF"/>
+                </a:highlight>
+              </a:rPr>
+              <a:t>.</a:t>
+            </a:r>
+            <a:r>
+              <a:rPr lang="pt-BR" sz="800" b="1" dirty="0" err="1">
+                <a:solidFill>
+                  <a:srgbClr val="880088"/>
+                </a:solidFill>
+                <a:highlight>
+                  <a:srgbClr val="FFFFFF"/>
+                </a:highlight>
+              </a:rPr>
+              <a:t>pow</a:t>
+            </a:r>
+            <a:r>
+              <a:rPr lang="pt-BR" sz="800" b="1" dirty="0">
+                <a:solidFill>
+                  <a:srgbClr val="000080"/>
+                </a:solidFill>
+                <a:highlight>
+                  <a:srgbClr val="FFFFFF"/>
+                </a:highlight>
+              </a:rPr>
+              <a:t>(</a:t>
+            </a:r>
+            <a:r>
+              <a:rPr lang="pt-BR" sz="800" dirty="0" err="1">
+                <a:solidFill>
+                  <a:srgbClr val="000000"/>
+                </a:solidFill>
+                <a:highlight>
+                  <a:srgbClr val="FFFFFF"/>
+                </a:highlight>
+              </a:rPr>
+              <a:t>drop</a:t>
+            </a:r>
+            <a:r>
+              <a:rPr lang="pt-BR" sz="800" b="1" dirty="0">
+                <a:solidFill>
+                  <a:srgbClr val="000080"/>
+                </a:solidFill>
+                <a:highlight>
+                  <a:srgbClr val="FFFFFF"/>
+                </a:highlight>
+              </a:rPr>
+              <a:t>,</a:t>
+            </a:r>
+            <a:r>
+              <a:rPr lang="pt-BR" sz="800" dirty="0">
+                <a:solidFill>
+                  <a:srgbClr val="000000"/>
+                </a:solidFill>
+                <a:highlight>
+                  <a:srgbClr val="FFFFFF"/>
+                </a:highlight>
+              </a:rPr>
+              <a:t> </a:t>
+            </a:r>
+            <a:r>
+              <a:rPr lang="pt-BR" sz="800" dirty="0" err="1">
+                <a:solidFill>
+                  <a:srgbClr val="000000"/>
+                </a:solidFill>
+                <a:highlight>
+                  <a:srgbClr val="FFFFFF"/>
+                </a:highlight>
+              </a:rPr>
+              <a:t>math</a:t>
+            </a:r>
+            <a:r>
+              <a:rPr lang="pt-BR" sz="800" b="1" dirty="0" err="1">
+                <a:solidFill>
+                  <a:srgbClr val="000080"/>
+                </a:solidFill>
+                <a:highlight>
+                  <a:srgbClr val="FFFFFF"/>
+                </a:highlight>
+              </a:rPr>
+              <a:t>.</a:t>
+            </a:r>
+            <a:r>
+              <a:rPr lang="pt-BR" sz="800" dirty="0" err="1">
+                <a:solidFill>
+                  <a:srgbClr val="000000"/>
+                </a:solidFill>
+                <a:highlight>
+                  <a:srgbClr val="FFFFFF"/>
+                </a:highlight>
+              </a:rPr>
+              <a:t>floor</a:t>
+            </a:r>
+            <a:r>
+              <a:rPr lang="pt-BR" sz="800" b="1" dirty="0">
+                <a:solidFill>
+                  <a:srgbClr val="000080"/>
+                </a:solidFill>
+                <a:highlight>
+                  <a:srgbClr val="FFFFFF"/>
+                </a:highlight>
+              </a:rPr>
+              <a:t>((</a:t>
+            </a:r>
+            <a:r>
+              <a:rPr lang="pt-BR" sz="800" dirty="0">
+                <a:solidFill>
+                  <a:srgbClr val="FF0000"/>
+                </a:solidFill>
+                <a:highlight>
+                  <a:srgbClr val="FFFFFF"/>
+                </a:highlight>
+              </a:rPr>
+              <a:t>1</a:t>
+            </a:r>
+            <a:r>
+              <a:rPr lang="pt-BR" sz="800" b="1" dirty="0">
+                <a:solidFill>
+                  <a:srgbClr val="000080"/>
+                </a:solidFill>
+                <a:highlight>
+                  <a:srgbClr val="FFFFFF"/>
+                </a:highlight>
+              </a:rPr>
+              <a:t>+</a:t>
+            </a:r>
+            <a:r>
+              <a:rPr lang="pt-BR" sz="800" dirty="0">
+                <a:solidFill>
+                  <a:srgbClr val="000000"/>
+                </a:solidFill>
+                <a:highlight>
+                  <a:srgbClr val="FFFFFF"/>
+                </a:highlight>
+              </a:rPr>
+              <a:t>t</a:t>
+            </a:r>
+            <a:r>
+              <a:rPr lang="pt-BR" sz="800" b="1" dirty="0">
+                <a:solidFill>
+                  <a:srgbClr val="000080"/>
+                </a:solidFill>
+                <a:highlight>
+                  <a:srgbClr val="FFFFFF"/>
+                </a:highlight>
+              </a:rPr>
+              <a:t>)/</a:t>
+            </a:r>
+            <a:r>
+              <a:rPr lang="pt-BR" sz="800" dirty="0">
+                <a:solidFill>
+                  <a:srgbClr val="000000"/>
+                </a:solidFill>
+                <a:highlight>
+                  <a:srgbClr val="FFFFFF"/>
+                </a:highlight>
+              </a:rPr>
+              <a:t>beta</a:t>
+            </a:r>
+            <a:r>
+              <a:rPr lang="pt-BR" sz="800" b="1" dirty="0">
+                <a:solidFill>
+                  <a:srgbClr val="000080"/>
+                </a:solidFill>
+                <a:highlight>
+                  <a:srgbClr val="FFFFFF"/>
+                </a:highlight>
+              </a:rPr>
+              <a:t>))</a:t>
+            </a:r>
+            <a:endParaRPr lang="pt-BR" sz="800" dirty="0">
+              <a:solidFill>
+                <a:srgbClr val="000000"/>
+              </a:solidFill>
+              <a:highlight>
+                <a:srgbClr val="FFFFFF"/>
+              </a:highlight>
+            </a:endParaRPr>
+          </a:p>
+          <a:p>
+            <a:r>
+              <a:rPr lang="pt-BR" sz="800" dirty="0">
+                <a:solidFill>
+                  <a:srgbClr val="000000"/>
+                </a:solidFill>
+                <a:highlight>
+                  <a:srgbClr val="FFFFFF"/>
+                </a:highlight>
+              </a:rPr>
+              <a:t>    </a:t>
+            </a:r>
+            <a:r>
+              <a:rPr lang="pt-BR" sz="800" b="1" dirty="0" err="1">
+                <a:solidFill>
+                  <a:srgbClr val="0000FF"/>
+                </a:solidFill>
+                <a:highlight>
+                  <a:srgbClr val="FFFFFF"/>
+                </a:highlight>
+              </a:rPr>
+              <a:t>return</a:t>
+            </a:r>
+            <a:r>
+              <a:rPr lang="pt-BR" sz="800" dirty="0">
+                <a:solidFill>
+                  <a:srgbClr val="000000"/>
+                </a:solidFill>
+                <a:highlight>
+                  <a:srgbClr val="FFFFFF"/>
+                </a:highlight>
+              </a:rPr>
+              <a:t> alpha</a:t>
+            </a:r>
+            <a:endParaRPr lang="pt-BR" sz="800" dirty="0"/>
+          </a:p>
+        </p:txBody>
+      </p:sp>
+      <mc:AlternateContent xmlns:mc="http://schemas.openxmlformats.org/markup-compatibility/2006">
+        <mc:Choice xmlns:a14="http://schemas.microsoft.com/office/drawing/2010/main" Requires="a14">
+          <p:sp>
+            <p:nvSpPr>
+              <p:cNvPr id="15" name="Espaço Reservado para Conteúdo 2">
+                <a:extLst>
+                  <a:ext uri="{FF2B5EF4-FFF2-40B4-BE49-F238E27FC236}">
+                    <a16:creationId xmlns:a16="http://schemas.microsoft.com/office/drawing/2014/main" id="{239AA1F2-5E3F-7BEB-1556-BB737E131038}"/>
+                  </a:ext>
+                </a:extLst>
+              </p:cNvPr>
+              <p:cNvSpPr>
+                <a:spLocks noGrp="1"/>
+              </p:cNvSpPr>
+              <p:nvPr>
+                <p:ph idx="1"/>
+              </p:nvPr>
+            </p:nvSpPr>
+            <p:spPr>
+              <a:xfrm>
+                <a:off x="8123445" y="1825624"/>
+                <a:ext cx="3969351" cy="5032375"/>
+              </a:xfrm>
+            </p:spPr>
+            <p:txBody>
+              <a:bodyPr>
+                <a:normAutofit lnSpcReduction="10000"/>
+              </a:bodyPr>
+              <a:lstStyle/>
+              <a:p>
+                <a:pPr>
+                  <a:lnSpc>
+                    <a:spcPct val="100000"/>
+                  </a:lnSpc>
+                  <a:spcBef>
+                    <a:spcPts val="0"/>
+                  </a:spcBef>
+                </a:pPr>
+                <a:r>
+                  <a:rPr lang="pt-BR" sz="2800" dirty="0"/>
+                  <a:t>Porém, a </a:t>
+                </a:r>
+                <a:r>
+                  <a:rPr lang="pt-BR" sz="2800" b="1" i="1" dirty="0"/>
+                  <a:t>oscilação em torno do mínimo é bastante reduzida </a:t>
+                </a:r>
+                <a:r>
+                  <a:rPr lang="pt-BR" sz="2800" dirty="0"/>
+                  <a:t>devido à </a:t>
+                </a:r>
+                <a:r>
+                  <a:rPr lang="pt-BR" sz="2800" b="1" i="1" dirty="0"/>
+                  <a:t>diminuição gradual </a:t>
+                </a:r>
+                <a:r>
+                  <a:rPr lang="pt-BR" sz="2800" dirty="0"/>
+                  <a:t>do passo de aprendizagem, </a:t>
+                </a:r>
+                <a14:m>
+                  <m:oMath xmlns:m="http://schemas.openxmlformats.org/officeDocument/2006/math">
+                    <m:r>
+                      <a:rPr lang="pt-BR" sz="2800" i="1" smtClean="0">
+                        <a:latin typeface="Cambria Math" panose="02040503050406030204" pitchFamily="18" charset="0"/>
+                        <a:ea typeface="Cambria Math" panose="02040503050406030204" pitchFamily="18" charset="0"/>
+                      </a:rPr>
+                      <m:t>𝛼</m:t>
+                    </m:r>
+                  </m:oMath>
+                </a14:m>
+                <a:r>
+                  <a:rPr lang="pt-BR" sz="2800" dirty="0"/>
+                  <a:t>.</a:t>
+                </a:r>
+              </a:p>
+              <a:p>
+                <a:pPr>
+                  <a:lnSpc>
+                    <a:spcPct val="100000"/>
+                  </a:lnSpc>
+                  <a:spcBef>
+                    <a:spcPts val="0"/>
+                  </a:spcBef>
+                </a:pPr>
+                <a:r>
+                  <a:rPr lang="pt-BR" sz="2800" dirty="0"/>
+                  <a:t>Conseguimos visualizar melhor o efeito da redução de </a:t>
+                </a:r>
+                <a14:m>
+                  <m:oMath xmlns:m="http://schemas.openxmlformats.org/officeDocument/2006/math">
+                    <m:r>
+                      <a:rPr lang="pt-BR" sz="2800" i="1">
+                        <a:latin typeface="Cambria Math" panose="02040503050406030204" pitchFamily="18" charset="0"/>
+                        <a:ea typeface="Cambria Math" panose="02040503050406030204" pitchFamily="18" charset="0"/>
+                      </a:rPr>
+                      <m:t>𝛼</m:t>
+                    </m:r>
+                  </m:oMath>
+                </a14:m>
+                <a:r>
+                  <a:rPr lang="pt-BR" sz="2800" dirty="0"/>
+                  <a:t> nas figuras que mostram os elementos do vetor gradiente.</a:t>
+                </a:r>
+              </a:p>
+            </p:txBody>
+          </p:sp>
+        </mc:Choice>
+        <mc:Fallback>
+          <p:sp>
+            <p:nvSpPr>
+              <p:cNvPr id="15" name="Espaço Reservado para Conteúdo 2">
+                <a:extLst>
+                  <a:ext uri="{FF2B5EF4-FFF2-40B4-BE49-F238E27FC236}">
+                    <a16:creationId xmlns:a16="http://schemas.microsoft.com/office/drawing/2014/main" id="{239AA1F2-5E3F-7BEB-1556-BB737E131038}"/>
+                  </a:ext>
+                </a:extLst>
+              </p:cNvPr>
+              <p:cNvSpPr>
+                <a:spLocks noGrp="1" noRot="1" noChangeAspect="1" noMove="1" noResize="1" noEditPoints="1" noAdjustHandles="1" noChangeArrowheads="1" noChangeShapeType="1" noTextEdit="1"/>
+              </p:cNvSpPr>
+              <p:nvPr>
+                <p:ph idx="1"/>
+              </p:nvPr>
+            </p:nvSpPr>
+            <p:spPr>
+              <a:xfrm>
+                <a:off x="8123445" y="1825624"/>
+                <a:ext cx="3969351" cy="5032375"/>
+              </a:xfrm>
+              <a:blipFill>
+                <a:blip r:embed="rId8"/>
+                <a:stretch>
+                  <a:fillRect l="-2765" t="-1937" r="-5069"/>
+                </a:stretch>
+              </a:blipFill>
+            </p:spPr>
+            <p:txBody>
+              <a:bodyPr/>
+              <a:lstStyle/>
+              <a:p>
+                <a:r>
+                  <a:rPr lang="pt-BR">
+                    <a:noFill/>
+                  </a:rPr>
+                  <a:t> </a:t>
+                </a:r>
+              </a:p>
+            </p:txBody>
+          </p:sp>
+        </mc:Fallback>
+      </mc:AlternateContent>
+    </p:spTree>
+    <p:extLst>
+      <p:ext uri="{BB962C8B-B14F-4D97-AF65-F5344CB8AC3E}">
+        <p14:creationId xmlns:p14="http://schemas.microsoft.com/office/powerpoint/2010/main" val="1926192289"/>
       </p:ext>
     </p:extLst>
   </p:cSld>
@@ -12511,6 +14145,1149 @@
 </file>
 
 <file path=ppt/slides/slide24.xml><?xml version="1.0" encoding="utf-8"?>
+<p:sld xmlns:a="http://schemas.openxmlformats.org/drawingml/2006/main" xmlns:r="http://schemas.openxmlformats.org/officeDocument/2006/relationships" xmlns:p="http://schemas.openxmlformats.org/presentationml/2006/main">
+  <p:cSld>
+    <p:spTree>
+      <p:nvGrpSpPr>
+        <p:cNvPr id="1" name=""/>
+        <p:cNvGrpSpPr/>
+        <p:nvPr/>
+      </p:nvGrpSpPr>
+      <p:grpSpPr>
+        <a:xfrm>
+          <a:off x="0" y="0"/>
+          <a:ext cx="0" cy="0"/>
+          <a:chOff x="0" y="0"/>
+          <a:chExt cx="0" cy="0"/>
+        </a:xfrm>
+      </p:grpSpPr>
+      <p:sp>
+        <p:nvSpPr>
+          <p:cNvPr id="2" name="Título 1">
+            <a:extLst>
+              <a:ext uri="{FF2B5EF4-FFF2-40B4-BE49-F238E27FC236}">
+                <a16:creationId xmlns:a16="http://schemas.microsoft.com/office/drawing/2014/main" id="{F3FC6600-DEC0-B4A2-D13C-D4016F1FB30A}"/>
+              </a:ext>
+            </a:extLst>
+          </p:cNvPr>
+          <p:cNvSpPr>
+            <a:spLocks noGrp="1"/>
+          </p:cNvSpPr>
+          <p:nvPr>
+            <p:ph type="title"/>
+          </p:nvPr>
+        </p:nvSpPr>
+        <p:spPr/>
+        <p:txBody>
+          <a:bodyPr/>
+          <a:lstStyle/>
+          <a:p>
+            <a:r>
+              <a:rPr lang="pt-BR" dirty="0"/>
+              <a:t>Exemplo de redução programada com GDE</a:t>
+            </a:r>
+          </a:p>
+        </p:txBody>
+      </p:sp>
+      <p:pic>
+        <p:nvPicPr>
+          <p:cNvPr id="4" name="Picture 6">
+            <a:extLst>
+              <a:ext uri="{FF2B5EF4-FFF2-40B4-BE49-F238E27FC236}">
+                <a16:creationId xmlns:a16="http://schemas.microsoft.com/office/drawing/2014/main" id="{C9DE8AF1-A842-9D71-1CC8-28F862E816AF}"/>
+              </a:ext>
+            </a:extLst>
+          </p:cNvPr>
+          <p:cNvPicPr>
+            <a:picLocks noChangeAspect="1"/>
+          </p:cNvPicPr>
+          <p:nvPr/>
+        </p:nvPicPr>
+        <p:blipFill rotWithShape="1">
+          <a:blip r:embed="rId3" cstate="print">
+            <a:extLst>
+              <a:ext uri="{28A0092B-C50C-407E-A947-70E740481C1C}">
+                <a14:useLocalDpi xmlns:a14="http://schemas.microsoft.com/office/drawing/2010/main" val="0"/>
+              </a:ext>
+            </a:extLst>
+          </a:blip>
+          <a:srcRect t="6579" r="8947" b="2656"/>
+          <a:stretch/>
+        </p:blipFill>
+        <p:spPr>
+          <a:xfrm>
+            <a:off x="5548638" y="1879026"/>
+            <a:ext cx="2426907" cy="2419249"/>
+          </a:xfrm>
+          <a:prstGeom prst="rect">
+            <a:avLst/>
+          </a:prstGeom>
+        </p:spPr>
+      </p:pic>
+      <p:pic>
+        <p:nvPicPr>
+          <p:cNvPr id="5" name="Picture 10">
+            <a:extLst>
+              <a:ext uri="{FF2B5EF4-FFF2-40B4-BE49-F238E27FC236}">
+                <a16:creationId xmlns:a16="http://schemas.microsoft.com/office/drawing/2014/main" id="{F78E7DEF-7734-D99E-0342-DD800946C131}"/>
+              </a:ext>
+            </a:extLst>
+          </p:cNvPr>
+          <p:cNvPicPr>
+            <a:picLocks noChangeAspect="1"/>
+          </p:cNvPicPr>
+          <p:nvPr/>
+        </p:nvPicPr>
+        <p:blipFill rotWithShape="1">
+          <a:blip r:embed="rId4" cstate="print">
+            <a:extLst>
+              <a:ext uri="{28A0092B-C50C-407E-A947-70E740481C1C}">
+                <a14:useLocalDpi xmlns:a14="http://schemas.microsoft.com/office/drawing/2010/main" val="0"/>
+              </a:ext>
+            </a:extLst>
+          </a:blip>
+          <a:srcRect t="7997" r="9413" b="4577"/>
+          <a:stretch/>
+        </p:blipFill>
+        <p:spPr>
+          <a:xfrm>
+            <a:off x="2790490" y="1875812"/>
+            <a:ext cx="2501738" cy="2414463"/>
+          </a:xfrm>
+          <a:prstGeom prst="rect">
+            <a:avLst/>
+          </a:prstGeom>
+        </p:spPr>
+      </p:pic>
+      <p:pic>
+        <p:nvPicPr>
+          <p:cNvPr id="6" name="Picture 4">
+            <a:extLst>
+              <a:ext uri="{FF2B5EF4-FFF2-40B4-BE49-F238E27FC236}">
+                <a16:creationId xmlns:a16="http://schemas.microsoft.com/office/drawing/2014/main" id="{6E6CD326-3A16-EA54-BA43-F3EECE9E7143}"/>
+              </a:ext>
+            </a:extLst>
+          </p:cNvPr>
+          <p:cNvPicPr>
+            <a:picLocks noChangeAspect="1"/>
+          </p:cNvPicPr>
+          <p:nvPr/>
+        </p:nvPicPr>
+        <p:blipFill rotWithShape="1">
+          <a:blip r:embed="rId5" cstate="print">
+            <a:extLst>
+              <a:ext uri="{28A0092B-C50C-407E-A947-70E740481C1C}">
+                <a14:useLocalDpi xmlns:a14="http://schemas.microsoft.com/office/drawing/2010/main" val="0"/>
+              </a:ext>
+            </a:extLst>
+          </a:blip>
+          <a:srcRect t="7082" r="9437" b="2629"/>
+          <a:stretch/>
+        </p:blipFill>
+        <p:spPr>
+          <a:xfrm>
+            <a:off x="99203" y="1857859"/>
+            <a:ext cx="2447809" cy="2440416"/>
+          </a:xfrm>
+          <a:prstGeom prst="rect">
+            <a:avLst/>
+          </a:prstGeom>
+        </p:spPr>
+      </p:pic>
+      <p:sp>
+        <p:nvSpPr>
+          <p:cNvPr id="7" name="Right Arrow 5">
+            <a:extLst>
+              <a:ext uri="{FF2B5EF4-FFF2-40B4-BE49-F238E27FC236}">
+                <a16:creationId xmlns:a16="http://schemas.microsoft.com/office/drawing/2014/main" id="{646C8848-ECB5-43A8-887E-6C6224DA20CE}"/>
+              </a:ext>
+            </a:extLst>
+          </p:cNvPr>
+          <p:cNvSpPr/>
+          <p:nvPr/>
+        </p:nvSpPr>
+        <p:spPr>
+          <a:xfrm>
+            <a:off x="2559944" y="2953402"/>
+            <a:ext cx="230546" cy="249330"/>
+          </a:xfrm>
+          <a:prstGeom prst="rightArrow">
+            <a:avLst/>
+          </a:prstGeom>
+        </p:spPr>
+        <p:style>
+          <a:lnRef idx="2">
+            <a:schemeClr val="accent1">
+              <a:shade val="50000"/>
+            </a:schemeClr>
+          </a:lnRef>
+          <a:fillRef idx="1">
+            <a:schemeClr val="accent1"/>
+          </a:fillRef>
+          <a:effectRef idx="0">
+            <a:schemeClr val="accent1"/>
+          </a:effectRef>
+          <a:fontRef idx="minor">
+            <a:schemeClr val="lt1"/>
+          </a:fontRef>
+        </p:style>
+        <p:txBody>
+          <a:bodyPr rtlCol="0" anchor="ctr"/>
+          <a:lstStyle/>
+          <a:p>
+            <a:pPr algn="ctr"/>
+            <a:endParaRPr lang="pt-BR"/>
+          </a:p>
+        </p:txBody>
+      </p:sp>
+      <p:sp>
+        <p:nvSpPr>
+          <p:cNvPr id="8" name="Right Arrow 9">
+            <a:extLst>
+              <a:ext uri="{FF2B5EF4-FFF2-40B4-BE49-F238E27FC236}">
+                <a16:creationId xmlns:a16="http://schemas.microsoft.com/office/drawing/2014/main" id="{E3175E18-3692-B822-9276-B519FA351945}"/>
+              </a:ext>
+            </a:extLst>
+          </p:cNvPr>
+          <p:cNvSpPr/>
+          <p:nvPr/>
+        </p:nvSpPr>
+        <p:spPr>
+          <a:xfrm>
+            <a:off x="5305160" y="2953402"/>
+            <a:ext cx="230546" cy="249330"/>
+          </a:xfrm>
+          <a:prstGeom prst="rightArrow">
+            <a:avLst/>
+          </a:prstGeom>
+        </p:spPr>
+        <p:style>
+          <a:lnRef idx="2">
+            <a:schemeClr val="accent1">
+              <a:shade val="50000"/>
+            </a:schemeClr>
+          </a:lnRef>
+          <a:fillRef idx="1">
+            <a:schemeClr val="accent1"/>
+          </a:fillRef>
+          <a:effectRef idx="0">
+            <a:schemeClr val="accent1"/>
+          </a:effectRef>
+          <a:fontRef idx="minor">
+            <a:schemeClr val="lt1"/>
+          </a:fontRef>
+        </p:style>
+        <p:txBody>
+          <a:bodyPr rtlCol="0" anchor="ctr"/>
+          <a:lstStyle/>
+          <a:p>
+            <a:pPr algn="ctr"/>
+            <a:endParaRPr lang="pt-BR"/>
+          </a:p>
+        </p:txBody>
+      </p:sp>
+      <p:sp>
+        <p:nvSpPr>
+          <p:cNvPr id="9" name="TextBox 8">
+            <a:extLst>
+              <a:ext uri="{FF2B5EF4-FFF2-40B4-BE49-F238E27FC236}">
+                <a16:creationId xmlns:a16="http://schemas.microsoft.com/office/drawing/2014/main" id="{E6068310-215C-317B-267D-CA3C444CE0D0}"/>
+              </a:ext>
+            </a:extLst>
+          </p:cNvPr>
+          <p:cNvSpPr txBox="1"/>
+          <p:nvPr/>
+        </p:nvSpPr>
+        <p:spPr>
+          <a:xfrm>
+            <a:off x="227407" y="1509354"/>
+            <a:ext cx="2447810" cy="307777"/>
+          </a:xfrm>
+          <a:prstGeom prst="rect">
+            <a:avLst/>
+          </a:prstGeom>
+          <a:noFill/>
+        </p:spPr>
+        <p:txBody>
+          <a:bodyPr wrap="square" rtlCol="0">
+            <a:spAutoFit/>
+          </a:bodyPr>
+          <a:lstStyle/>
+          <a:p>
+            <a:pPr algn="ctr"/>
+            <a:r>
+              <a:rPr lang="pt-BR" sz="1400" b="1" dirty="0"/>
+              <a:t>Sem redução gradual</a:t>
+            </a:r>
+          </a:p>
+        </p:txBody>
+      </p:sp>
+      <p:sp>
+        <p:nvSpPr>
+          <p:cNvPr id="10" name="TextBox 11">
+            <a:extLst>
+              <a:ext uri="{FF2B5EF4-FFF2-40B4-BE49-F238E27FC236}">
+                <a16:creationId xmlns:a16="http://schemas.microsoft.com/office/drawing/2014/main" id="{450AFFF9-22CC-9859-7E00-7B8E3941F4B9}"/>
+              </a:ext>
+            </a:extLst>
+          </p:cNvPr>
+          <p:cNvSpPr txBox="1"/>
+          <p:nvPr/>
+        </p:nvSpPr>
+        <p:spPr>
+          <a:xfrm>
+            <a:off x="5675635" y="1550063"/>
+            <a:ext cx="2447810" cy="307777"/>
+          </a:xfrm>
+          <a:prstGeom prst="rect">
+            <a:avLst/>
+          </a:prstGeom>
+          <a:noFill/>
+        </p:spPr>
+        <p:txBody>
+          <a:bodyPr wrap="square" rtlCol="0">
+            <a:spAutoFit/>
+          </a:bodyPr>
+          <a:lstStyle/>
+          <a:p>
+            <a:pPr algn="ctr"/>
+            <a:r>
+              <a:rPr lang="pt-BR" sz="1400" b="1" dirty="0"/>
+              <a:t>Com redução gradual</a:t>
+            </a:r>
+          </a:p>
+        </p:txBody>
+      </p:sp>
+      <p:sp>
+        <p:nvSpPr>
+          <p:cNvPr id="11" name="TextBox 12">
+            <a:extLst>
+              <a:ext uri="{FF2B5EF4-FFF2-40B4-BE49-F238E27FC236}">
+                <a16:creationId xmlns:a16="http://schemas.microsoft.com/office/drawing/2014/main" id="{3BFE194A-0346-7D7C-F6E3-8EDC2A897055}"/>
+              </a:ext>
+            </a:extLst>
+          </p:cNvPr>
+          <p:cNvSpPr txBox="1"/>
+          <p:nvPr/>
+        </p:nvSpPr>
+        <p:spPr>
+          <a:xfrm>
+            <a:off x="2972623" y="1511122"/>
+            <a:ext cx="2447810" cy="307777"/>
+          </a:xfrm>
+          <a:prstGeom prst="rect">
+            <a:avLst/>
+          </a:prstGeom>
+          <a:noFill/>
+        </p:spPr>
+        <p:txBody>
+          <a:bodyPr wrap="square" rtlCol="0">
+            <a:spAutoFit/>
+          </a:bodyPr>
+          <a:lstStyle/>
+          <a:p>
+            <a:pPr algn="ctr"/>
+            <a:r>
+              <a:rPr lang="pt-BR" sz="1400" b="1" dirty="0"/>
+              <a:t>Redução por degraus</a:t>
+            </a:r>
+          </a:p>
+        </p:txBody>
+      </p:sp>
+      <p:pic>
+        <p:nvPicPr>
+          <p:cNvPr id="12" name="Picture 13">
+            <a:extLst>
+              <a:ext uri="{FF2B5EF4-FFF2-40B4-BE49-F238E27FC236}">
+                <a16:creationId xmlns:a16="http://schemas.microsoft.com/office/drawing/2014/main" id="{00D43F0F-39F1-EC1E-61E5-33F4E9C254A4}"/>
+              </a:ext>
+            </a:extLst>
+          </p:cNvPr>
+          <p:cNvPicPr>
+            <a:picLocks noChangeAspect="1"/>
+          </p:cNvPicPr>
+          <p:nvPr/>
+        </p:nvPicPr>
+        <p:blipFill rotWithShape="1">
+          <a:blip r:embed="rId6" cstate="print">
+            <a:extLst>
+              <a:ext uri="{28A0092B-C50C-407E-A947-70E740481C1C}">
+                <a14:useLocalDpi xmlns:a14="http://schemas.microsoft.com/office/drawing/2010/main" val="0"/>
+              </a:ext>
+            </a:extLst>
+          </a:blip>
+          <a:srcRect l="2307" t="7344" r="9385" b="3733"/>
+          <a:stretch/>
+        </p:blipFill>
+        <p:spPr>
+          <a:xfrm>
+            <a:off x="5538600" y="4382521"/>
+            <a:ext cx="2436946" cy="2453928"/>
+          </a:xfrm>
+          <a:prstGeom prst="rect">
+            <a:avLst/>
+          </a:prstGeom>
+        </p:spPr>
+      </p:pic>
+      <p:pic>
+        <p:nvPicPr>
+          <p:cNvPr id="13" name="Picture 14">
+            <a:extLst>
+              <a:ext uri="{FF2B5EF4-FFF2-40B4-BE49-F238E27FC236}">
+                <a16:creationId xmlns:a16="http://schemas.microsoft.com/office/drawing/2014/main" id="{ADF16116-0DAB-0C62-94B9-3C0073F9E748}"/>
+              </a:ext>
+            </a:extLst>
+          </p:cNvPr>
+          <p:cNvPicPr>
+            <a:picLocks noChangeAspect="1"/>
+          </p:cNvPicPr>
+          <p:nvPr/>
+        </p:nvPicPr>
+        <p:blipFill rotWithShape="1">
+          <a:blip r:embed="rId7" cstate="print">
+            <a:extLst>
+              <a:ext uri="{28A0092B-C50C-407E-A947-70E740481C1C}">
+                <a14:useLocalDpi xmlns:a14="http://schemas.microsoft.com/office/drawing/2010/main" val="0"/>
+              </a:ext>
+            </a:extLst>
+          </a:blip>
+          <a:srcRect t="6779" r="9397" b="3612"/>
+          <a:stretch/>
+        </p:blipFill>
+        <p:spPr>
+          <a:xfrm>
+            <a:off x="99202" y="4398980"/>
+            <a:ext cx="2447810" cy="2421010"/>
+          </a:xfrm>
+          <a:prstGeom prst="rect">
+            <a:avLst/>
+          </a:prstGeom>
+        </p:spPr>
+      </p:pic>
+      <p:sp>
+        <p:nvSpPr>
+          <p:cNvPr id="14" name="Retângulo 13">
+            <a:extLst>
+              <a:ext uri="{FF2B5EF4-FFF2-40B4-BE49-F238E27FC236}">
+                <a16:creationId xmlns:a16="http://schemas.microsoft.com/office/drawing/2014/main" id="{E57C527A-0756-EBDB-9504-B3DF44D98DF4}"/>
+              </a:ext>
+            </a:extLst>
+          </p:cNvPr>
+          <p:cNvSpPr/>
+          <p:nvPr/>
+        </p:nvSpPr>
+        <p:spPr>
+          <a:xfrm>
+            <a:off x="2632216" y="5171714"/>
+            <a:ext cx="3128623" cy="707886"/>
+          </a:xfrm>
+          <a:prstGeom prst="rect">
+            <a:avLst/>
+          </a:prstGeom>
+        </p:spPr>
+        <p:txBody>
+          <a:bodyPr wrap="square">
+            <a:spAutoFit/>
+          </a:bodyPr>
+          <a:lstStyle/>
+          <a:p>
+            <a:r>
+              <a:rPr lang="pt-BR" sz="800" dirty="0">
+                <a:solidFill>
+                  <a:srgbClr val="008000"/>
+                </a:solidFill>
+                <a:highlight>
+                  <a:srgbClr val="FFFFFF"/>
+                </a:highlight>
+              </a:rPr>
+              <a:t># </a:t>
+            </a:r>
+            <a:r>
+              <a:rPr lang="pt-BR" sz="800" dirty="0" err="1">
+                <a:solidFill>
+                  <a:srgbClr val="008000"/>
+                </a:solidFill>
+                <a:highlight>
+                  <a:srgbClr val="FFFFFF"/>
+                </a:highlight>
+              </a:rPr>
+              <a:t>learning</a:t>
+            </a:r>
+            <a:r>
+              <a:rPr lang="pt-BR" sz="800" dirty="0">
+                <a:solidFill>
+                  <a:srgbClr val="008000"/>
+                </a:solidFill>
+                <a:highlight>
+                  <a:srgbClr val="FFFFFF"/>
+                </a:highlight>
+              </a:rPr>
+              <a:t> schedule: Gradual </a:t>
+            </a:r>
+            <a:r>
+              <a:rPr lang="pt-BR" sz="800" dirty="0" err="1">
+                <a:solidFill>
+                  <a:srgbClr val="008000"/>
+                </a:solidFill>
+                <a:highlight>
+                  <a:srgbClr val="FFFFFF"/>
+                </a:highlight>
+              </a:rPr>
+              <a:t>decay</a:t>
+            </a:r>
+            <a:r>
+              <a:rPr lang="pt-BR" sz="800" dirty="0">
+                <a:solidFill>
+                  <a:srgbClr val="008000"/>
+                </a:solidFill>
+                <a:highlight>
+                  <a:srgbClr val="FFFFFF"/>
+                </a:highlight>
+              </a:rPr>
+              <a:t>.</a:t>
+            </a:r>
+            <a:endParaRPr lang="pt-BR" sz="800" dirty="0">
+              <a:solidFill>
+                <a:srgbClr val="000000"/>
+              </a:solidFill>
+              <a:highlight>
+                <a:srgbClr val="FFFFFF"/>
+              </a:highlight>
+            </a:endParaRPr>
+          </a:p>
+          <a:p>
+            <a:r>
+              <a:rPr lang="pt-BR" sz="800" b="1" dirty="0" err="1">
+                <a:solidFill>
+                  <a:srgbClr val="0000FF"/>
+                </a:solidFill>
+                <a:highlight>
+                  <a:srgbClr val="FFFFFF"/>
+                </a:highlight>
+              </a:rPr>
+              <a:t>def</a:t>
+            </a:r>
+            <a:r>
+              <a:rPr lang="pt-BR" sz="800" dirty="0">
+                <a:solidFill>
+                  <a:srgbClr val="000000"/>
+                </a:solidFill>
+                <a:highlight>
+                  <a:srgbClr val="FFFFFF"/>
+                </a:highlight>
+              </a:rPr>
+              <a:t> </a:t>
+            </a:r>
+            <a:r>
+              <a:rPr lang="pt-BR" sz="800" dirty="0" err="1">
+                <a:solidFill>
+                  <a:srgbClr val="FF00FF"/>
+                </a:solidFill>
+                <a:highlight>
+                  <a:srgbClr val="FFFFFF"/>
+                </a:highlight>
+              </a:rPr>
+              <a:t>stepDecay</a:t>
+            </a:r>
+            <a:r>
+              <a:rPr lang="pt-BR" sz="800" b="1" dirty="0">
+                <a:solidFill>
+                  <a:srgbClr val="000080"/>
+                </a:solidFill>
+                <a:highlight>
+                  <a:srgbClr val="FFFFFF"/>
+                </a:highlight>
+              </a:rPr>
+              <a:t>(</a:t>
+            </a:r>
+            <a:r>
+              <a:rPr lang="pt-BR" sz="800" dirty="0" err="1">
+                <a:solidFill>
+                  <a:srgbClr val="000000"/>
+                </a:solidFill>
+                <a:highlight>
+                  <a:srgbClr val="FFFFFF"/>
+                </a:highlight>
+              </a:rPr>
+              <a:t>alpha_init</a:t>
+            </a:r>
+            <a:r>
+              <a:rPr lang="pt-BR" sz="800" b="1" dirty="0">
+                <a:solidFill>
+                  <a:srgbClr val="000080"/>
+                </a:solidFill>
+                <a:highlight>
+                  <a:srgbClr val="FFFFFF"/>
+                </a:highlight>
+              </a:rPr>
+              <a:t>,</a:t>
+            </a:r>
+            <a:r>
+              <a:rPr lang="pt-BR" sz="800" dirty="0">
+                <a:solidFill>
+                  <a:srgbClr val="000000"/>
+                </a:solidFill>
+                <a:highlight>
+                  <a:srgbClr val="FFFFFF"/>
+                </a:highlight>
+              </a:rPr>
+              <a:t> t</a:t>
+            </a:r>
+            <a:r>
+              <a:rPr lang="pt-BR" sz="800" b="1" dirty="0">
+                <a:solidFill>
+                  <a:srgbClr val="000080"/>
+                </a:solidFill>
+                <a:highlight>
+                  <a:srgbClr val="FFFFFF"/>
+                </a:highlight>
+              </a:rPr>
+              <a:t>,</a:t>
+            </a:r>
+            <a:r>
+              <a:rPr lang="pt-BR" sz="800" dirty="0">
+                <a:solidFill>
+                  <a:srgbClr val="000000"/>
+                </a:solidFill>
+                <a:highlight>
+                  <a:srgbClr val="FFFFFF"/>
+                </a:highlight>
+              </a:rPr>
+              <a:t> beta</a:t>
+            </a:r>
+            <a:r>
+              <a:rPr lang="pt-BR" sz="800" b="1" dirty="0">
+                <a:solidFill>
+                  <a:srgbClr val="000080"/>
+                </a:solidFill>
+                <a:highlight>
+                  <a:srgbClr val="FFFFFF"/>
+                </a:highlight>
+              </a:rPr>
+              <a:t>=</a:t>
+            </a:r>
+            <a:r>
+              <a:rPr lang="pt-BR" sz="800" b="1" dirty="0">
+                <a:solidFill>
+                  <a:srgbClr val="FF0000"/>
+                </a:solidFill>
+                <a:highlight>
+                  <a:srgbClr val="FFFFFF"/>
+                </a:highlight>
+              </a:rPr>
+              <a:t>6</a:t>
+            </a:r>
+            <a:r>
+              <a:rPr lang="pt-BR" sz="800" dirty="0">
+                <a:solidFill>
+                  <a:srgbClr val="FF0000"/>
+                </a:solidFill>
+                <a:highlight>
+                  <a:srgbClr val="FFFFFF"/>
+                </a:highlight>
+              </a:rPr>
+              <a:t>.0</a:t>
+            </a:r>
+            <a:r>
+              <a:rPr lang="pt-BR" sz="800" b="1" dirty="0">
+                <a:solidFill>
+                  <a:srgbClr val="000080"/>
+                </a:solidFill>
+                <a:highlight>
+                  <a:srgbClr val="FFFFFF"/>
+                </a:highlight>
+              </a:rPr>
+              <a:t>,</a:t>
+            </a:r>
+            <a:r>
+              <a:rPr lang="pt-BR" sz="800" dirty="0">
+                <a:solidFill>
+                  <a:srgbClr val="000000"/>
+                </a:solidFill>
+                <a:highlight>
+                  <a:srgbClr val="FFFFFF"/>
+                </a:highlight>
+              </a:rPr>
+              <a:t> </a:t>
+            </a:r>
+            <a:r>
+              <a:rPr lang="pt-BR" sz="800" dirty="0" err="1">
+                <a:solidFill>
+                  <a:srgbClr val="000000"/>
+                </a:solidFill>
+                <a:highlight>
+                  <a:srgbClr val="FFFFFF"/>
+                </a:highlight>
+              </a:rPr>
+              <a:t>drop</a:t>
+            </a:r>
+            <a:r>
+              <a:rPr lang="pt-BR" sz="800" b="1" dirty="0">
+                <a:solidFill>
+                  <a:srgbClr val="000080"/>
+                </a:solidFill>
+                <a:highlight>
+                  <a:srgbClr val="FFFFFF"/>
+                </a:highlight>
+              </a:rPr>
+              <a:t>=</a:t>
+            </a:r>
+            <a:r>
+              <a:rPr lang="pt-BR" sz="800" dirty="0">
+                <a:solidFill>
+                  <a:srgbClr val="FF0000"/>
+                </a:solidFill>
+                <a:highlight>
+                  <a:srgbClr val="FFFFFF"/>
+                </a:highlight>
+              </a:rPr>
+              <a:t>0.5</a:t>
+            </a:r>
+            <a:r>
+              <a:rPr lang="pt-BR" sz="800" b="1" dirty="0">
+                <a:solidFill>
+                  <a:srgbClr val="000080"/>
+                </a:solidFill>
+                <a:highlight>
+                  <a:srgbClr val="FFFFFF"/>
+                </a:highlight>
+              </a:rPr>
+              <a:t>):</a:t>
+            </a:r>
+            <a:endParaRPr lang="pt-BR" sz="800" dirty="0">
+              <a:solidFill>
+                <a:srgbClr val="000000"/>
+              </a:solidFill>
+              <a:highlight>
+                <a:srgbClr val="FFFFFF"/>
+              </a:highlight>
+            </a:endParaRPr>
+          </a:p>
+          <a:p>
+            <a:r>
+              <a:rPr lang="pt-BR" sz="800" dirty="0">
+                <a:solidFill>
+                  <a:srgbClr val="000000"/>
+                </a:solidFill>
+                <a:highlight>
+                  <a:srgbClr val="FFFFFF"/>
+                </a:highlight>
+              </a:rPr>
+              <a:t>    </a:t>
+            </a:r>
+            <a:r>
+              <a:rPr lang="pt-BR" sz="800" dirty="0">
+                <a:solidFill>
+                  <a:srgbClr val="FF8000"/>
+                </a:solidFill>
+                <a:highlight>
+                  <a:srgbClr val="FFFFFF"/>
+                </a:highlight>
+              </a:rPr>
+              <a:t>'''Gradual </a:t>
+            </a:r>
+            <a:r>
+              <a:rPr lang="pt-BR" sz="800" dirty="0" err="1">
+                <a:solidFill>
+                  <a:srgbClr val="FF8000"/>
+                </a:solidFill>
+                <a:highlight>
+                  <a:srgbClr val="FFFFFF"/>
+                </a:highlight>
+              </a:rPr>
+              <a:t>decay</a:t>
+            </a:r>
+            <a:r>
+              <a:rPr lang="pt-BR" sz="800" dirty="0">
+                <a:solidFill>
+                  <a:srgbClr val="FF8000"/>
+                </a:solidFill>
+                <a:highlight>
+                  <a:srgbClr val="FFFFFF"/>
+                </a:highlight>
+              </a:rPr>
+              <a:t>.'''</a:t>
+            </a:r>
+            <a:endParaRPr lang="pt-BR" sz="800" dirty="0">
+              <a:solidFill>
+                <a:srgbClr val="000000"/>
+              </a:solidFill>
+              <a:highlight>
+                <a:srgbClr val="FFFFFF"/>
+              </a:highlight>
+            </a:endParaRPr>
+          </a:p>
+          <a:p>
+            <a:r>
+              <a:rPr lang="pt-BR" sz="800" dirty="0">
+                <a:solidFill>
+                  <a:srgbClr val="000000"/>
+                </a:solidFill>
+                <a:highlight>
+                  <a:srgbClr val="FFFFFF"/>
+                </a:highlight>
+              </a:rPr>
+              <a:t>    alpha </a:t>
+            </a:r>
+            <a:r>
+              <a:rPr lang="pt-BR" sz="800" b="1" dirty="0">
+                <a:solidFill>
+                  <a:srgbClr val="000080"/>
+                </a:solidFill>
+                <a:highlight>
+                  <a:srgbClr val="FFFFFF"/>
+                </a:highlight>
+              </a:rPr>
+              <a:t>=</a:t>
+            </a:r>
+            <a:r>
+              <a:rPr lang="pt-BR" sz="800" dirty="0">
+                <a:solidFill>
+                  <a:srgbClr val="000000"/>
+                </a:solidFill>
+                <a:highlight>
+                  <a:srgbClr val="FFFFFF"/>
+                </a:highlight>
+              </a:rPr>
+              <a:t> </a:t>
+            </a:r>
+            <a:r>
+              <a:rPr lang="pt-BR" sz="800" dirty="0" err="1">
+                <a:solidFill>
+                  <a:srgbClr val="000000"/>
+                </a:solidFill>
+                <a:highlight>
+                  <a:srgbClr val="FFFFFF"/>
+                </a:highlight>
+              </a:rPr>
+              <a:t>alpha_init</a:t>
+            </a:r>
+            <a:r>
+              <a:rPr lang="pt-BR" sz="800" dirty="0">
+                <a:solidFill>
+                  <a:srgbClr val="000000"/>
+                </a:solidFill>
+                <a:highlight>
+                  <a:srgbClr val="FFFFFF"/>
+                </a:highlight>
+              </a:rPr>
+              <a:t> </a:t>
+            </a:r>
+            <a:r>
+              <a:rPr lang="pt-BR" sz="800" b="1" dirty="0">
+                <a:solidFill>
+                  <a:srgbClr val="000080"/>
+                </a:solidFill>
+                <a:highlight>
+                  <a:srgbClr val="FFFFFF"/>
+                </a:highlight>
+              </a:rPr>
+              <a:t>*</a:t>
+            </a:r>
+            <a:r>
+              <a:rPr lang="pt-BR" sz="800" dirty="0">
+                <a:solidFill>
+                  <a:srgbClr val="000000"/>
+                </a:solidFill>
+                <a:highlight>
+                  <a:srgbClr val="FFFFFF"/>
+                </a:highlight>
+              </a:rPr>
+              <a:t> </a:t>
+            </a:r>
+            <a:r>
+              <a:rPr lang="pt-BR" sz="800" dirty="0" err="1">
+                <a:solidFill>
+                  <a:srgbClr val="000000"/>
+                </a:solidFill>
+                <a:highlight>
+                  <a:srgbClr val="FFFFFF"/>
+                </a:highlight>
+              </a:rPr>
+              <a:t>math</a:t>
+            </a:r>
+            <a:r>
+              <a:rPr lang="pt-BR" sz="800" b="1" dirty="0" err="1">
+                <a:solidFill>
+                  <a:srgbClr val="000080"/>
+                </a:solidFill>
+                <a:highlight>
+                  <a:srgbClr val="FFFFFF"/>
+                </a:highlight>
+              </a:rPr>
+              <a:t>.</a:t>
+            </a:r>
+            <a:r>
+              <a:rPr lang="pt-BR" sz="800" b="1" dirty="0" err="1">
+                <a:solidFill>
+                  <a:srgbClr val="880088"/>
+                </a:solidFill>
+                <a:highlight>
+                  <a:srgbClr val="FFFFFF"/>
+                </a:highlight>
+              </a:rPr>
+              <a:t>pow</a:t>
+            </a:r>
+            <a:r>
+              <a:rPr lang="pt-BR" sz="800" b="1" dirty="0">
+                <a:solidFill>
+                  <a:srgbClr val="000080"/>
+                </a:solidFill>
+                <a:highlight>
+                  <a:srgbClr val="FFFFFF"/>
+                </a:highlight>
+              </a:rPr>
+              <a:t>(</a:t>
+            </a:r>
+            <a:r>
+              <a:rPr lang="pt-BR" sz="800" dirty="0" err="1">
+                <a:solidFill>
+                  <a:srgbClr val="000000"/>
+                </a:solidFill>
+                <a:highlight>
+                  <a:srgbClr val="FFFFFF"/>
+                </a:highlight>
+              </a:rPr>
+              <a:t>drop</a:t>
+            </a:r>
+            <a:r>
+              <a:rPr lang="pt-BR" sz="800" b="1" dirty="0">
+                <a:solidFill>
+                  <a:srgbClr val="000080"/>
+                </a:solidFill>
+                <a:highlight>
+                  <a:srgbClr val="FFFFFF"/>
+                </a:highlight>
+              </a:rPr>
+              <a:t>,</a:t>
+            </a:r>
+            <a:r>
+              <a:rPr lang="pt-BR" sz="800" dirty="0">
+                <a:solidFill>
+                  <a:srgbClr val="000000"/>
+                </a:solidFill>
+                <a:highlight>
+                  <a:srgbClr val="FFFFFF"/>
+                </a:highlight>
+              </a:rPr>
+              <a:t> </a:t>
+            </a:r>
+            <a:r>
+              <a:rPr lang="pt-BR" sz="800" dirty="0" err="1">
+                <a:solidFill>
+                  <a:srgbClr val="000000"/>
+                </a:solidFill>
+                <a:highlight>
+                  <a:srgbClr val="FFFFFF"/>
+                </a:highlight>
+              </a:rPr>
+              <a:t>math</a:t>
+            </a:r>
+            <a:r>
+              <a:rPr lang="pt-BR" sz="800" b="1" dirty="0" err="1">
+                <a:solidFill>
+                  <a:srgbClr val="000080"/>
+                </a:solidFill>
+                <a:highlight>
+                  <a:srgbClr val="FFFFFF"/>
+                </a:highlight>
+              </a:rPr>
+              <a:t>.</a:t>
+            </a:r>
+            <a:r>
+              <a:rPr lang="pt-BR" sz="800" dirty="0" err="1">
+                <a:solidFill>
+                  <a:srgbClr val="000000"/>
+                </a:solidFill>
+                <a:highlight>
+                  <a:srgbClr val="FFFFFF"/>
+                </a:highlight>
+              </a:rPr>
+              <a:t>floor</a:t>
+            </a:r>
+            <a:r>
+              <a:rPr lang="pt-BR" sz="800" b="1" dirty="0">
+                <a:solidFill>
+                  <a:srgbClr val="000080"/>
+                </a:solidFill>
+                <a:highlight>
+                  <a:srgbClr val="FFFFFF"/>
+                </a:highlight>
+              </a:rPr>
+              <a:t>((</a:t>
+            </a:r>
+            <a:r>
+              <a:rPr lang="pt-BR" sz="800" dirty="0">
+                <a:solidFill>
+                  <a:srgbClr val="FF0000"/>
+                </a:solidFill>
+                <a:highlight>
+                  <a:srgbClr val="FFFFFF"/>
+                </a:highlight>
+              </a:rPr>
+              <a:t>1</a:t>
+            </a:r>
+            <a:r>
+              <a:rPr lang="pt-BR" sz="800" b="1" dirty="0">
+                <a:solidFill>
+                  <a:srgbClr val="000080"/>
+                </a:solidFill>
+                <a:highlight>
+                  <a:srgbClr val="FFFFFF"/>
+                </a:highlight>
+              </a:rPr>
+              <a:t>+</a:t>
+            </a:r>
+            <a:r>
+              <a:rPr lang="pt-BR" sz="800" dirty="0">
+                <a:solidFill>
+                  <a:srgbClr val="000000"/>
+                </a:solidFill>
+                <a:highlight>
+                  <a:srgbClr val="FFFFFF"/>
+                </a:highlight>
+              </a:rPr>
+              <a:t>t</a:t>
+            </a:r>
+            <a:r>
+              <a:rPr lang="pt-BR" sz="800" b="1" dirty="0">
+                <a:solidFill>
+                  <a:srgbClr val="000080"/>
+                </a:solidFill>
+                <a:highlight>
+                  <a:srgbClr val="FFFFFF"/>
+                </a:highlight>
+              </a:rPr>
+              <a:t>)/</a:t>
+            </a:r>
+            <a:r>
+              <a:rPr lang="pt-BR" sz="800" dirty="0">
+                <a:solidFill>
+                  <a:srgbClr val="000000"/>
+                </a:solidFill>
+                <a:highlight>
+                  <a:srgbClr val="FFFFFF"/>
+                </a:highlight>
+              </a:rPr>
+              <a:t>beta</a:t>
+            </a:r>
+            <a:r>
+              <a:rPr lang="pt-BR" sz="800" b="1" dirty="0">
+                <a:solidFill>
+                  <a:srgbClr val="000080"/>
+                </a:solidFill>
+                <a:highlight>
+                  <a:srgbClr val="FFFFFF"/>
+                </a:highlight>
+              </a:rPr>
+              <a:t>))</a:t>
+            </a:r>
+            <a:endParaRPr lang="pt-BR" sz="800" dirty="0">
+              <a:solidFill>
+                <a:srgbClr val="000000"/>
+              </a:solidFill>
+              <a:highlight>
+                <a:srgbClr val="FFFFFF"/>
+              </a:highlight>
+            </a:endParaRPr>
+          </a:p>
+          <a:p>
+            <a:r>
+              <a:rPr lang="pt-BR" sz="800" dirty="0">
+                <a:solidFill>
+                  <a:srgbClr val="000000"/>
+                </a:solidFill>
+                <a:highlight>
+                  <a:srgbClr val="FFFFFF"/>
+                </a:highlight>
+              </a:rPr>
+              <a:t>    </a:t>
+            </a:r>
+            <a:r>
+              <a:rPr lang="pt-BR" sz="800" b="1" dirty="0" err="1">
+                <a:solidFill>
+                  <a:srgbClr val="0000FF"/>
+                </a:solidFill>
+                <a:highlight>
+                  <a:srgbClr val="FFFFFF"/>
+                </a:highlight>
+              </a:rPr>
+              <a:t>return</a:t>
+            </a:r>
+            <a:r>
+              <a:rPr lang="pt-BR" sz="800" dirty="0">
+                <a:solidFill>
+                  <a:srgbClr val="000000"/>
+                </a:solidFill>
+                <a:highlight>
+                  <a:srgbClr val="FFFFFF"/>
+                </a:highlight>
+              </a:rPr>
+              <a:t> alpha</a:t>
+            </a:r>
+            <a:endParaRPr lang="pt-BR" sz="800" dirty="0"/>
+          </a:p>
+        </p:txBody>
+      </p:sp>
+      <p:sp>
+        <p:nvSpPr>
+          <p:cNvPr id="15" name="Espaço Reservado para Conteúdo 2">
+            <a:extLst>
+              <a:ext uri="{FF2B5EF4-FFF2-40B4-BE49-F238E27FC236}">
+                <a16:creationId xmlns:a16="http://schemas.microsoft.com/office/drawing/2014/main" id="{239AA1F2-5E3F-7BEB-1556-BB737E131038}"/>
+              </a:ext>
+            </a:extLst>
+          </p:cNvPr>
+          <p:cNvSpPr>
+            <a:spLocks noGrp="1"/>
+          </p:cNvSpPr>
+          <p:nvPr>
+            <p:ph idx="1"/>
+          </p:nvPr>
+        </p:nvSpPr>
+        <p:spPr>
+          <a:xfrm>
+            <a:off x="8123445" y="1825624"/>
+            <a:ext cx="3969351" cy="5032375"/>
+          </a:xfrm>
+        </p:spPr>
+        <p:txBody>
+          <a:bodyPr/>
+          <a:lstStyle/>
+          <a:p>
+            <a:pPr>
+              <a:lnSpc>
+                <a:spcPct val="100000"/>
+              </a:lnSpc>
+              <a:spcBef>
+                <a:spcPts val="0"/>
+              </a:spcBef>
+            </a:pPr>
+            <a:r>
+              <a:rPr lang="pt-BR" sz="2800" b="1" dirty="0"/>
+              <a:t>Conclusão</a:t>
+            </a:r>
+            <a:r>
+              <a:rPr lang="pt-BR" sz="2800" dirty="0"/>
+              <a:t>: um passo de aprendizagem que tem seu valor reduzido ao longo das iterações de treinamento permite que que versões estocásticas do gradiente descendente se estabilizem próximo ao ponto de mínimo global.</a:t>
+            </a:r>
+          </a:p>
+        </p:txBody>
+      </p:sp>
+    </p:spTree>
+    <p:extLst>
+      <p:ext uri="{BB962C8B-B14F-4D97-AF65-F5344CB8AC3E}">
+        <p14:creationId xmlns:p14="http://schemas.microsoft.com/office/powerpoint/2010/main" val="3629485599"/>
+      </p:ext>
+    </p:extLst>
+  </p:cSld>
+  <p:clrMapOvr>
+    <a:masterClrMapping/>
+  </p:clrMapOvr>
+</p:sld>
+</file>
+
+<file path=ppt/slides/slide25.xml><?xml version="1.0" encoding="utf-8"?>
 <p:sld xmlns:a="http://schemas.openxmlformats.org/drawingml/2006/main" xmlns:r="http://schemas.openxmlformats.org/officeDocument/2006/relationships" xmlns:p="http://schemas.openxmlformats.org/presentationml/2006/main">
   <p:cSld>
     <p:spTree>
@@ -12689,7 +15466,7 @@
 </p:sld>
 </file>
 
-<file path=ppt/slides/slide25.xml><?xml version="1.0" encoding="utf-8"?>
+<file path=ppt/slides/slide26.xml><?xml version="1.0" encoding="utf-8"?>
 <p:sld xmlns:a="http://schemas.openxmlformats.org/drawingml/2006/main" xmlns:r="http://schemas.openxmlformats.org/officeDocument/2006/relationships" xmlns:p="http://schemas.openxmlformats.org/presentationml/2006/main">
   <p:cSld>
     <p:spTree>
@@ -12774,7 +15551,7 @@
 </p:sld>
 </file>
 
-<file path=ppt/slides/slide26.xml><?xml version="1.0" encoding="utf-8"?>
+<file path=ppt/slides/slide27.xml><?xml version="1.0" encoding="utf-8"?>
 <p:sld xmlns:a="http://schemas.openxmlformats.org/drawingml/2006/main" xmlns:r="http://schemas.openxmlformats.org/officeDocument/2006/relationships" xmlns:p="http://schemas.openxmlformats.org/presentationml/2006/main">
   <p:cSld>
     <p:spTree>
@@ -13050,7 +15827,7 @@
 </p:sld>
 </file>
 
-<file path=ppt/slides/slide27.xml><?xml version="1.0" encoding="utf-8"?>
+<file path=ppt/slides/slide28.xml><?xml version="1.0" encoding="utf-8"?>
 <p:sld xmlns:a="http://schemas.openxmlformats.org/drawingml/2006/main" xmlns:r="http://schemas.openxmlformats.org/officeDocument/2006/relationships" xmlns:p="http://schemas.openxmlformats.org/presentationml/2006/main">
   <p:cSld>
     <p:spTree>
@@ -13108,7 +15885,7 @@
 </p:sld>
 </file>
 
-<file path=ppt/slides/slide28.xml><?xml version="1.0" encoding="utf-8"?>
+<file path=ppt/slides/slide29.xml><?xml version="1.0" encoding="utf-8"?>
 <p:sld xmlns:a="http://schemas.openxmlformats.org/drawingml/2006/main" xmlns:r="http://schemas.openxmlformats.org/officeDocument/2006/relationships" xmlns:p="http://schemas.openxmlformats.org/presentationml/2006/main">
   <p:cSld>
     <p:spTree>
@@ -14848,1947 +17625,6 @@
     <p:extLst>
       <p:ext uri="{BB962C8B-B14F-4D97-AF65-F5344CB8AC3E}">
         <p14:creationId xmlns:p14="http://schemas.microsoft.com/office/powerpoint/2010/main" val="3895923728"/>
-      </p:ext>
-    </p:extLst>
-  </p:cSld>
-  <p:clrMapOvr>
-    <a:masterClrMapping/>
-  </p:clrMapOvr>
-</p:sld>
-</file>
-
-<file path=ppt/slides/slide29.xml><?xml version="1.0" encoding="utf-8"?>
-<p:sld xmlns:a="http://schemas.openxmlformats.org/drawingml/2006/main" xmlns:r="http://schemas.openxmlformats.org/officeDocument/2006/relationships" xmlns:p="http://schemas.openxmlformats.org/presentationml/2006/main">
-  <p:cSld>
-    <p:spTree>
-      <p:nvGrpSpPr>
-        <p:cNvPr id="1" name=""/>
-        <p:cNvGrpSpPr/>
-        <p:nvPr/>
-      </p:nvGrpSpPr>
-      <p:grpSpPr>
-        <a:xfrm>
-          <a:off x="0" y="0"/>
-          <a:ext cx="0" cy="0"/>
-          <a:chOff x="0" y="0"/>
-          <a:chExt cx="0" cy="0"/>
-        </a:xfrm>
-      </p:grpSpPr>
-      <p:grpSp>
-        <p:nvGrpSpPr>
-          <p:cNvPr id="65" name="Group 64"/>
-          <p:cNvGrpSpPr/>
-          <p:nvPr/>
-        </p:nvGrpSpPr>
-        <p:grpSpPr>
-          <a:xfrm>
-            <a:off x="6426200" y="644806"/>
-            <a:ext cx="3578724" cy="4590907"/>
-            <a:chOff x="6426200" y="644806"/>
-            <a:chExt cx="3578724" cy="4590907"/>
-          </a:xfrm>
-        </p:grpSpPr>
-        <p:grpSp>
-          <p:nvGrpSpPr>
-            <p:cNvPr id="12" name="Group 11"/>
-            <p:cNvGrpSpPr/>
-            <p:nvPr/>
-          </p:nvGrpSpPr>
-          <p:grpSpPr>
-            <a:xfrm rot="10800000">
-              <a:off x="6769100" y="644806"/>
-              <a:ext cx="2806700" cy="4067687"/>
-              <a:chOff x="5943600" y="2032000"/>
-              <a:chExt cx="2806700" cy="4067687"/>
-            </a:xfrm>
-          </p:grpSpPr>
-          <p:sp>
-            <p:nvSpPr>
-              <p:cNvPr id="13" name="Oval 12"/>
-              <p:cNvSpPr/>
-              <p:nvPr/>
-            </p:nvSpPr>
-            <p:spPr>
-              <a:xfrm>
-                <a:off x="6012753" y="2032000"/>
-                <a:ext cx="2661347" cy="3911600"/>
-              </a:xfrm>
-              <a:prstGeom prst="ellipse">
-                <a:avLst/>
-              </a:prstGeom>
-              <a:noFill/>
-              <a:ln>
-                <a:solidFill>
-                  <a:schemeClr val="tx1"/>
-                </a:solidFill>
-              </a:ln>
-            </p:spPr>
-            <p:style>
-              <a:lnRef idx="2">
-                <a:schemeClr val="accent1">
-                  <a:shade val="50000"/>
-                </a:schemeClr>
-              </a:lnRef>
-              <a:fillRef idx="1">
-                <a:schemeClr val="accent1"/>
-              </a:fillRef>
-              <a:effectRef idx="0">
-                <a:schemeClr val="accent1"/>
-              </a:effectRef>
-              <a:fontRef idx="minor">
-                <a:schemeClr val="lt1"/>
-              </a:fontRef>
-            </p:style>
-            <p:txBody>
-              <a:bodyPr rtlCol="0" anchor="ctr"/>
-              <a:lstStyle/>
-              <a:p>
-                <a:pPr algn="ctr"/>
-                <a:endParaRPr lang="nl-BE"/>
-              </a:p>
-            </p:txBody>
-          </p:sp>
-          <p:sp>
-            <p:nvSpPr>
-              <p:cNvPr id="14" name="Rectangle 13"/>
-              <p:cNvSpPr/>
-              <p:nvPr/>
-            </p:nvSpPr>
-            <p:spPr>
-              <a:xfrm>
-                <a:off x="5943600" y="3415504"/>
-                <a:ext cx="2806700" cy="2684183"/>
-              </a:xfrm>
-              <a:prstGeom prst="rect">
-                <a:avLst/>
-              </a:prstGeom>
-              <a:solidFill>
-                <a:schemeClr val="bg1"/>
-              </a:solidFill>
-              <a:ln>
-                <a:solidFill>
-                  <a:schemeClr val="bg1"/>
-                </a:solidFill>
-              </a:ln>
-            </p:spPr>
-            <p:style>
-              <a:lnRef idx="2">
-                <a:schemeClr val="accent1">
-                  <a:shade val="50000"/>
-                </a:schemeClr>
-              </a:lnRef>
-              <a:fillRef idx="1">
-                <a:schemeClr val="accent1"/>
-              </a:fillRef>
-              <a:effectRef idx="0">
-                <a:schemeClr val="accent1"/>
-              </a:effectRef>
-              <a:fontRef idx="minor">
-                <a:schemeClr val="lt1"/>
-              </a:fontRef>
-            </p:style>
-            <p:txBody>
-              <a:bodyPr rtlCol="0" anchor="ctr"/>
-              <a:lstStyle/>
-              <a:p>
-                <a:pPr algn="ctr"/>
-                <a:endParaRPr lang="nl-BE"/>
-              </a:p>
-            </p:txBody>
-          </p:sp>
-        </p:grpSp>
-        <p:sp>
-          <p:nvSpPr>
-            <p:cNvPr id="17" name="Flowchart: Connector 16"/>
-            <p:cNvSpPr/>
-            <p:nvPr/>
-          </p:nvSpPr>
-          <p:spPr>
-            <a:xfrm>
-              <a:off x="8115300" y="4669997"/>
-              <a:ext cx="85725" cy="101516"/>
-            </a:xfrm>
-            <a:prstGeom prst="flowChartConnector">
-              <a:avLst/>
-            </a:prstGeom>
-            <a:solidFill>
-              <a:srgbClr val="FF0000"/>
-            </a:solidFill>
-            <a:ln>
-              <a:solidFill>
-                <a:srgbClr val="FF0000"/>
-              </a:solidFill>
-            </a:ln>
-          </p:spPr>
-          <p:style>
-            <a:lnRef idx="2">
-              <a:schemeClr val="accent1">
-                <a:shade val="50000"/>
-              </a:schemeClr>
-            </a:lnRef>
-            <a:fillRef idx="1">
-              <a:schemeClr val="accent1"/>
-            </a:fillRef>
-            <a:effectRef idx="0">
-              <a:schemeClr val="accent1"/>
-            </a:effectRef>
-            <a:fontRef idx="minor">
-              <a:schemeClr val="lt1"/>
-            </a:fontRef>
-          </p:style>
-          <p:txBody>
-            <a:bodyPr rtlCol="0" anchor="ctr"/>
-            <a:lstStyle/>
-            <a:p>
-              <a:pPr algn="ctr"/>
-              <a:endParaRPr lang="nl-BE"/>
-            </a:p>
-          </p:txBody>
-        </p:sp>
-        <p:cxnSp>
-          <p:nvCxnSpPr>
-            <p:cNvPr id="18" name="Straight Arrow Connector 17"/>
-            <p:cNvCxnSpPr/>
-            <p:nvPr/>
-          </p:nvCxnSpPr>
-          <p:spPr>
-            <a:xfrm>
-              <a:off x="6432550" y="2924872"/>
-              <a:ext cx="0" cy="1800000"/>
-            </a:xfrm>
-            <a:prstGeom prst="straightConnector1">
-              <a:avLst/>
-            </a:prstGeom>
-            <a:ln w="12700">
-              <a:solidFill>
-                <a:schemeClr val="tx1"/>
-              </a:solidFill>
-              <a:headEnd type="triangle" w="med" len="med"/>
-              <a:tailEnd type="none" w="med" len="med"/>
-            </a:ln>
-          </p:spPr>
-          <p:style>
-            <a:lnRef idx="1">
-              <a:schemeClr val="accent1"/>
-            </a:lnRef>
-            <a:fillRef idx="0">
-              <a:schemeClr val="accent1"/>
-            </a:fillRef>
-            <a:effectRef idx="0">
-              <a:schemeClr val="accent1"/>
-            </a:effectRef>
-            <a:fontRef idx="minor">
-              <a:schemeClr val="tx1"/>
-            </a:fontRef>
-          </p:style>
-        </p:cxnSp>
-        <p:cxnSp>
-          <p:nvCxnSpPr>
-            <p:cNvPr id="19" name="Straight Arrow Connector 18"/>
-            <p:cNvCxnSpPr/>
-            <p:nvPr/>
-          </p:nvCxnSpPr>
-          <p:spPr>
-            <a:xfrm flipH="1">
-              <a:off x="6426200" y="4726109"/>
-              <a:ext cx="3168000" cy="0"/>
-            </a:xfrm>
-            <a:prstGeom prst="straightConnector1">
-              <a:avLst/>
-            </a:prstGeom>
-            <a:ln w="12700">
-              <a:solidFill>
-                <a:schemeClr val="tx1"/>
-              </a:solidFill>
-              <a:headEnd type="triangle" w="med" len="med"/>
-              <a:tailEnd type="none" w="med" len="med"/>
-            </a:ln>
-          </p:spPr>
-          <p:style>
-            <a:lnRef idx="1">
-              <a:schemeClr val="accent1"/>
-            </a:lnRef>
-            <a:fillRef idx="0">
-              <a:schemeClr val="accent1"/>
-            </a:fillRef>
-            <a:effectRef idx="0">
-              <a:schemeClr val="accent1"/>
-            </a:effectRef>
-            <a:fontRef idx="minor">
-              <a:schemeClr val="tx1"/>
-            </a:fontRef>
-          </p:style>
-        </p:cxnSp>
-        <mc:AlternateContent xmlns:mc="http://schemas.openxmlformats.org/markup-compatibility/2006" xmlns:a14="http://schemas.microsoft.com/office/drawing/2010/main">
-          <mc:Choice Requires="a14">
-            <p:sp>
-              <p:nvSpPr>
-                <p:cNvPr id="20" name="Rectangle 19"/>
-                <p:cNvSpPr/>
-                <p:nvPr/>
-              </p:nvSpPr>
-              <p:spPr>
-                <a:xfrm>
-                  <a:off x="6498442" y="2839619"/>
-                  <a:ext cx="753220" cy="369332"/>
-                </a:xfrm>
-                <a:prstGeom prst="rect">
-                  <a:avLst/>
-                </a:prstGeom>
-              </p:spPr>
-              <p:txBody>
-                <a:bodyPr wrap="none">
-                  <a:spAutoFit/>
-                </a:bodyPr>
-                <a:lstStyle/>
-                <a:p>
-                  <a:pPr/>
-                  <a14:m>
-                    <m:oMathPara xmlns:m="http://schemas.openxmlformats.org/officeDocument/2006/math">
-                      <m:oMathParaPr>
-                        <m:jc m:val="centerGroup"/>
-                      </m:oMathParaPr>
-                      <m:oMath xmlns:m="http://schemas.openxmlformats.org/officeDocument/2006/math">
-                        <m:sSub>
-                          <m:sSubPr>
-                            <m:ctrlPr>
-                              <a:rPr lang="pt-BR" i="1">
-                                <a:latin typeface="Cambria Math" panose="02040503050406030204" pitchFamily="18" charset="0"/>
-                                <a:ea typeface="Cambria Math" panose="02040503050406030204" pitchFamily="18" charset="0"/>
-                              </a:rPr>
-                            </m:ctrlPr>
-                          </m:sSubPr>
-                          <m:e>
-                            <m:r>
-                              <a:rPr lang="pt-BR" i="1">
-                                <a:latin typeface="Cambria Math" panose="02040503050406030204" pitchFamily="18" charset="0"/>
-                                <a:ea typeface="Cambria Math" panose="02040503050406030204" pitchFamily="18" charset="0"/>
-                              </a:rPr>
-                              <m:t>𝐽</m:t>
-                            </m:r>
-                          </m:e>
-                          <m:sub>
-                            <m:r>
-                              <a:rPr lang="pt-BR" i="1">
-                                <a:latin typeface="Cambria Math" panose="02040503050406030204" pitchFamily="18" charset="0"/>
-                                <a:ea typeface="Cambria Math" panose="02040503050406030204" pitchFamily="18" charset="0"/>
-                              </a:rPr>
-                              <m:t>𝑒</m:t>
-                            </m:r>
-                          </m:sub>
-                        </m:sSub>
-                        <m:r>
-                          <a:rPr lang="pt-BR" i="1">
-                            <a:latin typeface="Cambria Math" panose="02040503050406030204" pitchFamily="18" charset="0"/>
-                            <a:ea typeface="Cambria Math" panose="02040503050406030204" pitchFamily="18" charset="0"/>
-                          </a:rPr>
-                          <m:t>(</m:t>
-                        </m:r>
-                        <m:r>
-                          <a:rPr lang="pt-BR" b="1" i="1">
-                            <a:latin typeface="Cambria Math" panose="02040503050406030204" pitchFamily="18" charset="0"/>
-                            <a:ea typeface="Cambria Math" panose="02040503050406030204" pitchFamily="18" charset="0"/>
-                          </a:rPr>
-                          <m:t>𝒂</m:t>
-                        </m:r>
-                        <m:r>
-                          <a:rPr lang="pt-BR" i="1">
-                            <a:latin typeface="Cambria Math" panose="02040503050406030204" pitchFamily="18" charset="0"/>
-                            <a:ea typeface="Cambria Math" panose="02040503050406030204" pitchFamily="18" charset="0"/>
-                          </a:rPr>
-                          <m:t>)</m:t>
-                        </m:r>
-                      </m:oMath>
-                    </m:oMathPara>
-                  </a14:m>
-                  <a:endParaRPr lang="nl-BE" dirty="0"/>
-                </a:p>
-              </p:txBody>
-            </p:sp>
-          </mc:Choice>
-          <mc:Fallback xmlns="">
-            <p:sp>
-              <p:nvSpPr>
-                <p:cNvPr id="20" name="Rectangle 19"/>
-                <p:cNvSpPr>
-                  <a:spLocks noRot="1" noChangeAspect="1" noMove="1" noResize="1" noEditPoints="1" noAdjustHandles="1" noChangeArrowheads="1" noChangeShapeType="1" noTextEdit="1"/>
-                </p:cNvSpPr>
-                <p:nvPr/>
-              </p:nvSpPr>
-              <p:spPr>
-                <a:xfrm>
-                  <a:off x="6498442" y="2839619"/>
-                  <a:ext cx="753220" cy="369332"/>
-                </a:xfrm>
-                <a:prstGeom prst="rect">
-                  <a:avLst/>
-                </a:prstGeom>
-                <a:blipFill rotWithShape="0">
-                  <a:blip r:embed="rId3"/>
-                  <a:stretch>
-                    <a:fillRect b="-13333"/>
-                  </a:stretch>
-                </a:blipFill>
-              </p:spPr>
-              <p:txBody>
-                <a:bodyPr/>
-                <a:lstStyle/>
-                <a:p>
-                  <a:r>
-                    <a:rPr lang="pt-BR">
-                      <a:noFill/>
-                    </a:rPr>
-                    <a:t> </a:t>
-                  </a:r>
-                </a:p>
-              </p:txBody>
-            </p:sp>
-          </mc:Fallback>
-        </mc:AlternateContent>
-        <mc:AlternateContent xmlns:mc="http://schemas.openxmlformats.org/markup-compatibility/2006" xmlns:a14="http://schemas.microsoft.com/office/drawing/2010/main">
-          <mc:Choice Requires="a14">
-            <p:sp>
-              <p:nvSpPr>
-                <p:cNvPr id="21" name="Rectangle 20"/>
-                <p:cNvSpPr/>
-                <p:nvPr/>
-              </p:nvSpPr>
-              <p:spPr>
-                <a:xfrm>
-                  <a:off x="9633476" y="4527827"/>
-                  <a:ext cx="371448" cy="369332"/>
-                </a:xfrm>
-                <a:prstGeom prst="rect">
-                  <a:avLst/>
-                </a:prstGeom>
-              </p:spPr>
-              <p:txBody>
-                <a:bodyPr wrap="none">
-                  <a:spAutoFit/>
-                </a:bodyPr>
-                <a:lstStyle/>
-                <a:p>
-                  <a:pPr/>
-                  <a14:m>
-                    <m:oMathPara xmlns:m="http://schemas.openxmlformats.org/officeDocument/2006/math">
-                      <m:oMathParaPr>
-                        <m:jc m:val="centerGroup"/>
-                      </m:oMathParaPr>
-                      <m:oMath xmlns:m="http://schemas.openxmlformats.org/officeDocument/2006/math">
-                        <m:r>
-                          <a:rPr lang="en-US" b="0" i="1" smtClean="0">
-                            <a:latin typeface="Cambria Math" panose="02040503050406030204" pitchFamily="18" charset="0"/>
-                          </a:rPr>
-                          <m:t>𝑎</m:t>
-                        </m:r>
-                      </m:oMath>
-                    </m:oMathPara>
-                  </a14:m>
-                  <a:endParaRPr lang="nl-BE" dirty="0"/>
-                </a:p>
-              </p:txBody>
-            </p:sp>
-          </mc:Choice>
-          <mc:Fallback xmlns="">
-            <p:sp>
-              <p:nvSpPr>
-                <p:cNvPr id="21" name="Rectangle 20"/>
-                <p:cNvSpPr>
-                  <a:spLocks noRot="1" noChangeAspect="1" noMove="1" noResize="1" noEditPoints="1" noAdjustHandles="1" noChangeArrowheads="1" noChangeShapeType="1" noTextEdit="1"/>
-                </p:cNvSpPr>
-                <p:nvPr/>
-              </p:nvSpPr>
-              <p:spPr>
-                <a:xfrm>
-                  <a:off x="9633476" y="4527827"/>
-                  <a:ext cx="371448" cy="369332"/>
-                </a:xfrm>
-                <a:prstGeom prst="rect">
-                  <a:avLst/>
-                </a:prstGeom>
-                <a:blipFill rotWithShape="0">
-                  <a:blip r:embed="rId4"/>
-                  <a:stretch>
-                    <a:fillRect/>
-                  </a:stretch>
-                </a:blipFill>
-              </p:spPr>
-              <p:txBody>
-                <a:bodyPr/>
-                <a:lstStyle/>
-                <a:p>
-                  <a:r>
-                    <a:rPr lang="pt-BR">
-                      <a:noFill/>
-                    </a:rPr>
-                    <a:t> </a:t>
-                  </a:r>
-                </a:p>
-              </p:txBody>
-            </p:sp>
-          </mc:Fallback>
-        </mc:AlternateContent>
-        <p:cxnSp>
-          <p:nvCxnSpPr>
-            <p:cNvPr id="27" name="Straight Connector 26"/>
-            <p:cNvCxnSpPr/>
-            <p:nvPr/>
-          </p:nvCxnSpPr>
-          <p:spPr>
-            <a:xfrm rot="5400000">
-              <a:off x="7396226" y="4599671"/>
-              <a:ext cx="252000" cy="0"/>
-            </a:xfrm>
-            <a:prstGeom prst="line">
-              <a:avLst/>
-            </a:prstGeom>
-            <a:ln w="19050"/>
-          </p:spPr>
-          <p:style>
-            <a:lnRef idx="1">
-              <a:schemeClr val="accent1"/>
-            </a:lnRef>
-            <a:fillRef idx="0">
-              <a:schemeClr val="accent1"/>
-            </a:fillRef>
-            <a:effectRef idx="0">
-              <a:schemeClr val="accent1"/>
-            </a:effectRef>
-            <a:fontRef idx="minor">
-              <a:schemeClr val="tx1"/>
-            </a:fontRef>
-          </p:style>
-        </p:cxnSp>
-        <p:sp>
-          <p:nvSpPr>
-            <p:cNvPr id="28" name="Rectangle 27"/>
-            <p:cNvSpPr/>
-            <p:nvPr/>
-          </p:nvSpPr>
-          <p:spPr>
-            <a:xfrm>
-              <a:off x="7156540" y="4712493"/>
-              <a:ext cx="731372" cy="523220"/>
-            </a:xfrm>
-            <a:prstGeom prst="rect">
-              <a:avLst/>
-            </a:prstGeom>
-          </p:spPr>
-          <p:txBody>
-            <a:bodyPr wrap="square">
-              <a:spAutoFit/>
-            </a:bodyPr>
-            <a:lstStyle/>
-            <a:p>
-              <a:pPr algn="ctr"/>
-              <a:r>
-                <a:rPr lang="en-US" sz="1400" dirty="0"/>
-                <a:t>valor </a:t>
-              </a:r>
-              <a:r>
-                <a:rPr lang="en-US" sz="1400" dirty="0" err="1"/>
-                <a:t>inicial</a:t>
-              </a:r>
-              <a:endParaRPr lang="en-US" sz="1400" dirty="0"/>
-            </a:p>
-          </p:txBody>
-        </p:sp>
-        <p:sp>
-          <p:nvSpPr>
-            <p:cNvPr id="16" name="Flowchart: Connector 15"/>
-            <p:cNvSpPr/>
-            <p:nvPr/>
-          </p:nvSpPr>
-          <p:spPr>
-            <a:xfrm>
-              <a:off x="7479364" y="4422913"/>
-              <a:ext cx="85725" cy="101516"/>
-            </a:xfrm>
-            <a:prstGeom prst="flowChartConnector">
-              <a:avLst/>
-            </a:prstGeom>
-            <a:solidFill>
-              <a:schemeClr val="tx1"/>
-            </a:solidFill>
-            <a:ln>
-              <a:solidFill>
-                <a:schemeClr val="tx1"/>
-              </a:solidFill>
-            </a:ln>
-          </p:spPr>
-          <p:style>
-            <a:lnRef idx="2">
-              <a:schemeClr val="accent1">
-                <a:shade val="50000"/>
-              </a:schemeClr>
-            </a:lnRef>
-            <a:fillRef idx="1">
-              <a:schemeClr val="accent1"/>
-            </a:fillRef>
-            <a:effectRef idx="0">
-              <a:schemeClr val="accent1"/>
-            </a:effectRef>
-            <a:fontRef idx="minor">
-              <a:schemeClr val="lt1"/>
-            </a:fontRef>
-          </p:style>
-          <p:txBody>
-            <a:bodyPr rtlCol="0" anchor="ctr"/>
-            <a:lstStyle/>
-            <a:p>
-              <a:pPr algn="ctr"/>
-              <a:endParaRPr lang="nl-BE"/>
-            </a:p>
-          </p:txBody>
-        </p:sp>
-        <p:sp>
-          <p:nvSpPr>
-            <p:cNvPr id="38" name="Flowchart: Connector 37"/>
-            <p:cNvSpPr/>
-            <p:nvPr/>
-          </p:nvSpPr>
-          <p:spPr>
-            <a:xfrm>
-              <a:off x="8893031" y="4308697"/>
-              <a:ext cx="85725" cy="101516"/>
-            </a:xfrm>
-            <a:prstGeom prst="flowChartConnector">
-              <a:avLst/>
-            </a:prstGeom>
-            <a:solidFill>
-              <a:schemeClr val="tx1"/>
-            </a:solidFill>
-            <a:ln>
-              <a:solidFill>
-                <a:schemeClr val="tx1"/>
-              </a:solidFill>
-            </a:ln>
-          </p:spPr>
-          <p:style>
-            <a:lnRef idx="2">
-              <a:schemeClr val="accent1">
-                <a:shade val="50000"/>
-              </a:schemeClr>
-            </a:lnRef>
-            <a:fillRef idx="1">
-              <a:schemeClr val="accent1"/>
-            </a:fillRef>
-            <a:effectRef idx="0">
-              <a:schemeClr val="accent1"/>
-            </a:effectRef>
-            <a:fontRef idx="minor">
-              <a:schemeClr val="lt1"/>
-            </a:fontRef>
-          </p:style>
-          <p:txBody>
-            <a:bodyPr rtlCol="0" anchor="ctr"/>
-            <a:lstStyle/>
-            <a:p>
-              <a:pPr algn="ctr"/>
-              <a:endParaRPr lang="nl-BE"/>
-            </a:p>
-          </p:txBody>
-        </p:sp>
-        <p:sp>
-          <p:nvSpPr>
-            <p:cNvPr id="39" name="Flowchart: Connector 38"/>
-            <p:cNvSpPr/>
-            <p:nvPr/>
-          </p:nvSpPr>
-          <p:spPr>
-            <a:xfrm>
-              <a:off x="7179327" y="4068106"/>
-              <a:ext cx="85725" cy="101516"/>
-            </a:xfrm>
-            <a:prstGeom prst="flowChartConnector">
-              <a:avLst/>
-            </a:prstGeom>
-            <a:solidFill>
-              <a:schemeClr val="tx1"/>
-            </a:solidFill>
-            <a:ln>
-              <a:solidFill>
-                <a:schemeClr val="tx1"/>
-              </a:solidFill>
-            </a:ln>
-          </p:spPr>
-          <p:style>
-            <a:lnRef idx="2">
-              <a:schemeClr val="accent1">
-                <a:shade val="50000"/>
-              </a:schemeClr>
-            </a:lnRef>
-            <a:fillRef idx="1">
-              <a:schemeClr val="accent1"/>
-            </a:fillRef>
-            <a:effectRef idx="0">
-              <a:schemeClr val="accent1"/>
-            </a:effectRef>
-            <a:fontRef idx="minor">
-              <a:schemeClr val="lt1"/>
-            </a:fontRef>
-          </p:style>
-          <p:txBody>
-            <a:bodyPr rtlCol="0" anchor="ctr"/>
-            <a:lstStyle/>
-            <a:p>
-              <a:pPr algn="ctr"/>
-              <a:endParaRPr lang="nl-BE"/>
-            </a:p>
-          </p:txBody>
-        </p:sp>
-        <p:sp>
-          <p:nvSpPr>
-            <p:cNvPr id="40" name="Flowchart: Connector 39"/>
-            <p:cNvSpPr/>
-            <p:nvPr/>
-          </p:nvSpPr>
-          <p:spPr>
-            <a:xfrm>
-              <a:off x="9243870" y="3774659"/>
-              <a:ext cx="85725" cy="101516"/>
-            </a:xfrm>
-            <a:prstGeom prst="flowChartConnector">
-              <a:avLst/>
-            </a:prstGeom>
-            <a:solidFill>
-              <a:schemeClr val="tx1"/>
-            </a:solidFill>
-            <a:ln>
-              <a:solidFill>
-                <a:schemeClr val="tx1"/>
-              </a:solidFill>
-            </a:ln>
-          </p:spPr>
-          <p:style>
-            <a:lnRef idx="2">
-              <a:schemeClr val="accent1">
-                <a:shade val="50000"/>
-              </a:schemeClr>
-            </a:lnRef>
-            <a:fillRef idx="1">
-              <a:schemeClr val="accent1"/>
-            </a:fillRef>
-            <a:effectRef idx="0">
-              <a:schemeClr val="accent1"/>
-            </a:effectRef>
-            <a:fontRef idx="minor">
-              <a:schemeClr val="lt1"/>
-            </a:fontRef>
-          </p:style>
-          <p:txBody>
-            <a:bodyPr rtlCol="0" anchor="ctr"/>
-            <a:lstStyle/>
-            <a:p>
-              <a:pPr algn="ctr"/>
-              <a:endParaRPr lang="nl-BE"/>
-            </a:p>
-          </p:txBody>
-        </p:sp>
-        <p:sp>
-          <p:nvSpPr>
-            <p:cNvPr id="41" name="Flowchart: Connector 40"/>
-            <p:cNvSpPr/>
-            <p:nvPr/>
-          </p:nvSpPr>
-          <p:spPr>
-            <a:xfrm>
-              <a:off x="6936439" y="3535844"/>
-              <a:ext cx="85725" cy="101516"/>
-            </a:xfrm>
-            <a:prstGeom prst="flowChartConnector">
-              <a:avLst/>
-            </a:prstGeom>
-            <a:solidFill>
-              <a:schemeClr val="tx1"/>
-            </a:solidFill>
-            <a:ln>
-              <a:solidFill>
-                <a:schemeClr val="tx1"/>
-              </a:solidFill>
-            </a:ln>
-          </p:spPr>
-          <p:style>
-            <a:lnRef idx="2">
-              <a:schemeClr val="accent1">
-                <a:shade val="50000"/>
-              </a:schemeClr>
-            </a:lnRef>
-            <a:fillRef idx="1">
-              <a:schemeClr val="accent1"/>
-            </a:fillRef>
-            <a:effectRef idx="0">
-              <a:schemeClr val="accent1"/>
-            </a:effectRef>
-            <a:fontRef idx="minor">
-              <a:schemeClr val="lt1"/>
-            </a:fontRef>
-          </p:style>
-          <p:txBody>
-            <a:bodyPr rtlCol="0" anchor="ctr"/>
-            <a:lstStyle/>
-            <a:p>
-              <a:pPr algn="ctr"/>
-              <a:endParaRPr lang="nl-BE"/>
-            </a:p>
-          </p:txBody>
-        </p:sp>
-        <p:sp>
-          <p:nvSpPr>
-            <p:cNvPr id="42" name="Flowchart: Connector 41"/>
-            <p:cNvSpPr/>
-            <p:nvPr/>
-          </p:nvSpPr>
-          <p:spPr>
-            <a:xfrm>
-              <a:off x="9390551" y="3349850"/>
-              <a:ext cx="85725" cy="101516"/>
-            </a:xfrm>
-            <a:prstGeom prst="flowChartConnector">
-              <a:avLst/>
-            </a:prstGeom>
-            <a:solidFill>
-              <a:schemeClr val="tx1"/>
-            </a:solidFill>
-            <a:ln>
-              <a:solidFill>
-                <a:schemeClr val="tx1"/>
-              </a:solidFill>
-            </a:ln>
-          </p:spPr>
-          <p:style>
-            <a:lnRef idx="2">
-              <a:schemeClr val="accent1">
-                <a:shade val="50000"/>
-              </a:schemeClr>
-            </a:lnRef>
-            <a:fillRef idx="1">
-              <a:schemeClr val="accent1"/>
-            </a:fillRef>
-            <a:effectRef idx="0">
-              <a:schemeClr val="accent1"/>
-            </a:effectRef>
-            <a:fontRef idx="minor">
-              <a:schemeClr val="lt1"/>
-            </a:fontRef>
-          </p:style>
-          <p:txBody>
-            <a:bodyPr rtlCol="0" anchor="ctr"/>
-            <a:lstStyle/>
-            <a:p>
-              <a:pPr algn="ctr"/>
-              <a:endParaRPr lang="nl-BE"/>
-            </a:p>
-          </p:txBody>
-        </p:sp>
-        <p:cxnSp>
-          <p:nvCxnSpPr>
-            <p:cNvPr id="3" name="Straight Arrow Connector 2"/>
-            <p:cNvCxnSpPr>
-              <a:stCxn id="16" idx="6"/>
-              <a:endCxn id="38" idx="2"/>
-            </p:cNvCxnSpPr>
-            <p:nvPr/>
-          </p:nvCxnSpPr>
-          <p:spPr>
-            <a:xfrm flipV="1">
-              <a:off x="7565089" y="4359455"/>
-              <a:ext cx="1327942" cy="114216"/>
-            </a:xfrm>
-            <a:prstGeom prst="straightConnector1">
-              <a:avLst/>
-            </a:prstGeom>
-            <a:ln>
-              <a:solidFill>
-                <a:schemeClr val="tx1"/>
-              </a:solidFill>
-              <a:prstDash val="dash"/>
-              <a:tailEnd type="triangle"/>
-            </a:ln>
-          </p:spPr>
-          <p:style>
-            <a:lnRef idx="1">
-              <a:schemeClr val="accent1"/>
-            </a:lnRef>
-            <a:fillRef idx="0">
-              <a:schemeClr val="accent1"/>
-            </a:fillRef>
-            <a:effectRef idx="0">
-              <a:schemeClr val="accent1"/>
-            </a:effectRef>
-            <a:fontRef idx="minor">
-              <a:schemeClr val="tx1"/>
-            </a:fontRef>
-          </p:style>
-        </p:cxnSp>
-        <p:cxnSp>
-          <p:nvCxnSpPr>
-            <p:cNvPr id="5" name="Straight Arrow Connector 4"/>
-            <p:cNvCxnSpPr>
-              <a:stCxn id="38" idx="2"/>
-              <a:endCxn id="39" idx="6"/>
-            </p:cNvCxnSpPr>
-            <p:nvPr/>
-          </p:nvCxnSpPr>
-          <p:spPr>
-            <a:xfrm flipH="1" flipV="1">
-              <a:off x="7265052" y="4118864"/>
-              <a:ext cx="1627979" cy="240591"/>
-            </a:xfrm>
-            <a:prstGeom prst="straightConnector1">
-              <a:avLst/>
-            </a:prstGeom>
-            <a:ln>
-              <a:solidFill>
-                <a:schemeClr val="tx1"/>
-              </a:solidFill>
-              <a:prstDash val="dash"/>
-              <a:tailEnd type="triangle"/>
-            </a:ln>
-          </p:spPr>
-          <p:style>
-            <a:lnRef idx="1">
-              <a:schemeClr val="accent1"/>
-            </a:lnRef>
-            <a:fillRef idx="0">
-              <a:schemeClr val="accent1"/>
-            </a:fillRef>
-            <a:effectRef idx="0">
-              <a:schemeClr val="accent1"/>
-            </a:effectRef>
-            <a:fontRef idx="minor">
-              <a:schemeClr val="tx1"/>
-            </a:fontRef>
-          </p:style>
-        </p:cxnSp>
-        <p:cxnSp>
-          <p:nvCxnSpPr>
-            <p:cNvPr id="7" name="Straight Arrow Connector 6"/>
-            <p:cNvCxnSpPr>
-              <a:stCxn id="39" idx="6"/>
-              <a:endCxn id="40" idx="2"/>
-            </p:cNvCxnSpPr>
-            <p:nvPr/>
-          </p:nvCxnSpPr>
-          <p:spPr>
-            <a:xfrm flipV="1">
-              <a:off x="7265052" y="3825417"/>
-              <a:ext cx="1978818" cy="293447"/>
-            </a:xfrm>
-            <a:prstGeom prst="straightConnector1">
-              <a:avLst/>
-            </a:prstGeom>
-            <a:ln>
-              <a:solidFill>
-                <a:schemeClr val="tx1"/>
-              </a:solidFill>
-              <a:prstDash val="dash"/>
-              <a:tailEnd type="triangle"/>
-            </a:ln>
-          </p:spPr>
-          <p:style>
-            <a:lnRef idx="1">
-              <a:schemeClr val="accent1"/>
-            </a:lnRef>
-            <a:fillRef idx="0">
-              <a:schemeClr val="accent1"/>
-            </a:fillRef>
-            <a:effectRef idx="0">
-              <a:schemeClr val="accent1"/>
-            </a:effectRef>
-            <a:fontRef idx="minor">
-              <a:schemeClr val="tx1"/>
-            </a:fontRef>
-          </p:style>
-        </p:cxnSp>
-        <p:cxnSp>
-          <p:nvCxnSpPr>
-            <p:cNvPr id="9" name="Straight Arrow Connector 8"/>
-            <p:cNvCxnSpPr>
-              <a:stCxn id="40" idx="2"/>
-              <a:endCxn id="41" idx="6"/>
-            </p:cNvCxnSpPr>
-            <p:nvPr/>
-          </p:nvCxnSpPr>
-          <p:spPr>
-            <a:xfrm flipH="1" flipV="1">
-              <a:off x="7022164" y="3586602"/>
-              <a:ext cx="2221706" cy="238815"/>
-            </a:xfrm>
-            <a:prstGeom prst="straightConnector1">
-              <a:avLst/>
-            </a:prstGeom>
-            <a:ln>
-              <a:solidFill>
-                <a:schemeClr val="tx1"/>
-              </a:solidFill>
-              <a:prstDash val="dash"/>
-              <a:tailEnd type="triangle"/>
-            </a:ln>
-          </p:spPr>
-          <p:style>
-            <a:lnRef idx="1">
-              <a:schemeClr val="accent1"/>
-            </a:lnRef>
-            <a:fillRef idx="0">
-              <a:schemeClr val="accent1"/>
-            </a:fillRef>
-            <a:effectRef idx="0">
-              <a:schemeClr val="accent1"/>
-            </a:effectRef>
-            <a:fontRef idx="minor">
-              <a:schemeClr val="tx1"/>
-            </a:fontRef>
-          </p:style>
-        </p:cxnSp>
-        <p:cxnSp>
-          <p:nvCxnSpPr>
-            <p:cNvPr id="11" name="Straight Arrow Connector 10"/>
-            <p:cNvCxnSpPr>
-              <a:stCxn id="41" idx="6"/>
-              <a:endCxn id="42" idx="2"/>
-            </p:cNvCxnSpPr>
-            <p:nvPr/>
-          </p:nvCxnSpPr>
-          <p:spPr>
-            <a:xfrm flipV="1">
-              <a:off x="7022164" y="3400608"/>
-              <a:ext cx="2368387" cy="185994"/>
-            </a:xfrm>
-            <a:prstGeom prst="straightConnector1">
-              <a:avLst/>
-            </a:prstGeom>
-            <a:ln>
-              <a:solidFill>
-                <a:schemeClr val="tx1"/>
-              </a:solidFill>
-              <a:prstDash val="dash"/>
-              <a:tailEnd type="triangle"/>
-            </a:ln>
-          </p:spPr>
-          <p:style>
-            <a:lnRef idx="1">
-              <a:schemeClr val="accent1"/>
-            </a:lnRef>
-            <a:fillRef idx="0">
-              <a:schemeClr val="accent1"/>
-            </a:fillRef>
-            <a:effectRef idx="0">
-              <a:schemeClr val="accent1"/>
-            </a:effectRef>
-            <a:fontRef idx="minor">
-              <a:schemeClr val="tx1"/>
-            </a:fontRef>
-          </p:style>
-        </p:cxnSp>
-      </p:grpSp>
-      <p:grpSp>
-        <p:nvGrpSpPr>
-          <p:cNvPr id="64" name="Group 63"/>
-          <p:cNvGrpSpPr/>
-          <p:nvPr/>
-        </p:nvGrpSpPr>
-        <p:grpSpPr>
-          <a:xfrm>
-            <a:off x="1226234" y="657185"/>
-            <a:ext cx="3578724" cy="4587393"/>
-            <a:chOff x="1226234" y="657185"/>
-            <a:chExt cx="3578724" cy="4587393"/>
-          </a:xfrm>
-        </p:grpSpPr>
-        <p:grpSp>
-          <p:nvGrpSpPr>
-            <p:cNvPr id="25" name="Group 24"/>
-            <p:cNvGrpSpPr/>
-            <p:nvPr/>
-          </p:nvGrpSpPr>
-          <p:grpSpPr>
-            <a:xfrm rot="10800000">
-              <a:off x="1569134" y="657185"/>
-              <a:ext cx="2806700" cy="4067687"/>
-              <a:chOff x="5943600" y="2032000"/>
-              <a:chExt cx="2806700" cy="4067687"/>
-            </a:xfrm>
-          </p:grpSpPr>
-          <p:sp>
-            <p:nvSpPr>
-              <p:cNvPr id="26" name="Oval 25"/>
-              <p:cNvSpPr/>
-              <p:nvPr/>
-            </p:nvSpPr>
-            <p:spPr>
-              <a:xfrm>
-                <a:off x="6012753" y="2032000"/>
-                <a:ext cx="2661347" cy="3911600"/>
-              </a:xfrm>
-              <a:prstGeom prst="ellipse">
-                <a:avLst/>
-              </a:prstGeom>
-              <a:noFill/>
-              <a:ln>
-                <a:solidFill>
-                  <a:schemeClr val="tx1"/>
-                </a:solidFill>
-              </a:ln>
-            </p:spPr>
-            <p:style>
-              <a:lnRef idx="2">
-                <a:schemeClr val="accent1">
-                  <a:shade val="50000"/>
-                </a:schemeClr>
-              </a:lnRef>
-              <a:fillRef idx="1">
-                <a:schemeClr val="accent1"/>
-              </a:fillRef>
-              <a:effectRef idx="0">
-                <a:schemeClr val="accent1"/>
-              </a:effectRef>
-              <a:fontRef idx="minor">
-                <a:schemeClr val="lt1"/>
-              </a:fontRef>
-            </p:style>
-            <p:txBody>
-              <a:bodyPr rtlCol="0" anchor="ctr"/>
-              <a:lstStyle/>
-              <a:p>
-                <a:pPr algn="ctr"/>
-                <a:endParaRPr lang="nl-BE"/>
-              </a:p>
-            </p:txBody>
-          </p:sp>
-          <p:sp>
-            <p:nvSpPr>
-              <p:cNvPr id="29" name="Rectangle 28"/>
-              <p:cNvSpPr/>
-              <p:nvPr/>
-            </p:nvSpPr>
-            <p:spPr>
-              <a:xfrm>
-                <a:off x="5943600" y="3415504"/>
-                <a:ext cx="2806700" cy="2684183"/>
-              </a:xfrm>
-              <a:prstGeom prst="rect">
-                <a:avLst/>
-              </a:prstGeom>
-              <a:solidFill>
-                <a:schemeClr val="bg1"/>
-              </a:solidFill>
-              <a:ln>
-                <a:solidFill>
-                  <a:schemeClr val="bg1"/>
-                </a:solidFill>
-              </a:ln>
-            </p:spPr>
-            <p:style>
-              <a:lnRef idx="2">
-                <a:schemeClr val="accent1">
-                  <a:shade val="50000"/>
-                </a:schemeClr>
-              </a:lnRef>
-              <a:fillRef idx="1">
-                <a:schemeClr val="accent1"/>
-              </a:fillRef>
-              <a:effectRef idx="0">
-                <a:schemeClr val="accent1"/>
-              </a:effectRef>
-              <a:fontRef idx="minor">
-                <a:schemeClr val="lt1"/>
-              </a:fontRef>
-            </p:style>
-            <p:txBody>
-              <a:bodyPr rtlCol="0" anchor="ctr"/>
-              <a:lstStyle/>
-              <a:p>
-                <a:pPr algn="ctr"/>
-                <a:endParaRPr lang="nl-BE"/>
-              </a:p>
-            </p:txBody>
-          </p:sp>
-        </p:grpSp>
-        <p:sp>
-          <p:nvSpPr>
-            <p:cNvPr id="30" name="Flowchart: Connector 29"/>
-            <p:cNvSpPr/>
-            <p:nvPr/>
-          </p:nvSpPr>
-          <p:spPr>
-            <a:xfrm>
-              <a:off x="2915334" y="4682376"/>
-              <a:ext cx="85725" cy="101516"/>
-            </a:xfrm>
-            <a:prstGeom prst="flowChartConnector">
-              <a:avLst/>
-            </a:prstGeom>
-            <a:solidFill>
-              <a:srgbClr val="FF0000"/>
-            </a:solidFill>
-            <a:ln>
-              <a:solidFill>
-                <a:srgbClr val="FF0000"/>
-              </a:solidFill>
-            </a:ln>
-          </p:spPr>
-          <p:style>
-            <a:lnRef idx="2">
-              <a:schemeClr val="accent1">
-                <a:shade val="50000"/>
-              </a:schemeClr>
-            </a:lnRef>
-            <a:fillRef idx="1">
-              <a:schemeClr val="accent1"/>
-            </a:fillRef>
-            <a:effectRef idx="0">
-              <a:schemeClr val="accent1"/>
-            </a:effectRef>
-            <a:fontRef idx="minor">
-              <a:schemeClr val="lt1"/>
-            </a:fontRef>
-          </p:style>
-          <p:txBody>
-            <a:bodyPr rtlCol="0" anchor="ctr"/>
-            <a:lstStyle/>
-            <a:p>
-              <a:pPr algn="ctr"/>
-              <a:endParaRPr lang="nl-BE"/>
-            </a:p>
-          </p:txBody>
-        </p:sp>
-        <p:cxnSp>
-          <p:nvCxnSpPr>
-            <p:cNvPr id="31" name="Straight Arrow Connector 30"/>
-            <p:cNvCxnSpPr/>
-            <p:nvPr/>
-          </p:nvCxnSpPr>
-          <p:spPr>
-            <a:xfrm>
-              <a:off x="1232584" y="2937251"/>
-              <a:ext cx="0" cy="1800000"/>
-            </a:xfrm>
-            <a:prstGeom prst="straightConnector1">
-              <a:avLst/>
-            </a:prstGeom>
-            <a:ln w="12700">
-              <a:solidFill>
-                <a:schemeClr val="tx1"/>
-              </a:solidFill>
-              <a:headEnd type="triangle" w="med" len="med"/>
-              <a:tailEnd type="none" w="med" len="med"/>
-            </a:ln>
-          </p:spPr>
-          <p:style>
-            <a:lnRef idx="1">
-              <a:schemeClr val="accent1"/>
-            </a:lnRef>
-            <a:fillRef idx="0">
-              <a:schemeClr val="accent1"/>
-            </a:fillRef>
-            <a:effectRef idx="0">
-              <a:schemeClr val="accent1"/>
-            </a:effectRef>
-            <a:fontRef idx="minor">
-              <a:schemeClr val="tx1"/>
-            </a:fontRef>
-          </p:style>
-        </p:cxnSp>
-        <p:cxnSp>
-          <p:nvCxnSpPr>
-            <p:cNvPr id="32" name="Straight Arrow Connector 31"/>
-            <p:cNvCxnSpPr/>
-            <p:nvPr/>
-          </p:nvCxnSpPr>
-          <p:spPr>
-            <a:xfrm flipH="1">
-              <a:off x="1226234" y="4738488"/>
-              <a:ext cx="3168000" cy="0"/>
-            </a:xfrm>
-            <a:prstGeom prst="straightConnector1">
-              <a:avLst/>
-            </a:prstGeom>
-            <a:ln w="12700">
-              <a:solidFill>
-                <a:schemeClr val="tx1"/>
-              </a:solidFill>
-              <a:headEnd type="triangle" w="med" len="med"/>
-              <a:tailEnd type="none" w="med" len="med"/>
-            </a:ln>
-          </p:spPr>
-          <p:style>
-            <a:lnRef idx="1">
-              <a:schemeClr val="accent1"/>
-            </a:lnRef>
-            <a:fillRef idx="0">
-              <a:schemeClr val="accent1"/>
-            </a:fillRef>
-            <a:effectRef idx="0">
-              <a:schemeClr val="accent1"/>
-            </a:effectRef>
-            <a:fontRef idx="minor">
-              <a:schemeClr val="tx1"/>
-            </a:fontRef>
-          </p:style>
-        </p:cxnSp>
-        <mc:AlternateContent xmlns:mc="http://schemas.openxmlformats.org/markup-compatibility/2006" xmlns:a14="http://schemas.microsoft.com/office/drawing/2010/main">
-          <mc:Choice Requires="a14">
-            <p:sp>
-              <p:nvSpPr>
-                <p:cNvPr id="33" name="Rectangle 32"/>
-                <p:cNvSpPr/>
-                <p:nvPr/>
-              </p:nvSpPr>
-              <p:spPr>
-                <a:xfrm>
-                  <a:off x="1298476" y="2851998"/>
-                  <a:ext cx="753220" cy="369332"/>
-                </a:xfrm>
-                <a:prstGeom prst="rect">
-                  <a:avLst/>
-                </a:prstGeom>
-              </p:spPr>
-              <p:txBody>
-                <a:bodyPr wrap="none">
-                  <a:spAutoFit/>
-                </a:bodyPr>
-                <a:lstStyle/>
-                <a:p>
-                  <a:pPr/>
-                  <a14:m>
-                    <m:oMathPara xmlns:m="http://schemas.openxmlformats.org/officeDocument/2006/math">
-                      <m:oMathParaPr>
-                        <m:jc m:val="centerGroup"/>
-                      </m:oMathParaPr>
-                      <m:oMath xmlns:m="http://schemas.openxmlformats.org/officeDocument/2006/math">
-                        <m:sSub>
-                          <m:sSubPr>
-                            <m:ctrlPr>
-                              <a:rPr lang="pt-BR" i="1">
-                                <a:latin typeface="Cambria Math" panose="02040503050406030204" pitchFamily="18" charset="0"/>
-                                <a:ea typeface="Cambria Math" panose="02040503050406030204" pitchFamily="18" charset="0"/>
-                              </a:rPr>
-                            </m:ctrlPr>
-                          </m:sSubPr>
-                          <m:e>
-                            <m:r>
-                              <a:rPr lang="pt-BR" i="1">
-                                <a:latin typeface="Cambria Math" panose="02040503050406030204" pitchFamily="18" charset="0"/>
-                                <a:ea typeface="Cambria Math" panose="02040503050406030204" pitchFamily="18" charset="0"/>
-                              </a:rPr>
-                              <m:t>𝐽</m:t>
-                            </m:r>
-                          </m:e>
-                          <m:sub>
-                            <m:r>
-                              <a:rPr lang="pt-BR" i="1">
-                                <a:latin typeface="Cambria Math" panose="02040503050406030204" pitchFamily="18" charset="0"/>
-                                <a:ea typeface="Cambria Math" panose="02040503050406030204" pitchFamily="18" charset="0"/>
-                              </a:rPr>
-                              <m:t>𝑒</m:t>
-                            </m:r>
-                          </m:sub>
-                        </m:sSub>
-                        <m:r>
-                          <a:rPr lang="pt-BR" i="1">
-                            <a:latin typeface="Cambria Math" panose="02040503050406030204" pitchFamily="18" charset="0"/>
-                            <a:ea typeface="Cambria Math" panose="02040503050406030204" pitchFamily="18" charset="0"/>
-                          </a:rPr>
-                          <m:t>(</m:t>
-                        </m:r>
-                        <m:r>
-                          <a:rPr lang="pt-BR" b="1" i="1">
-                            <a:latin typeface="Cambria Math" panose="02040503050406030204" pitchFamily="18" charset="0"/>
-                            <a:ea typeface="Cambria Math" panose="02040503050406030204" pitchFamily="18" charset="0"/>
-                          </a:rPr>
-                          <m:t>𝒂</m:t>
-                        </m:r>
-                        <m:r>
-                          <a:rPr lang="pt-BR" i="1">
-                            <a:latin typeface="Cambria Math" panose="02040503050406030204" pitchFamily="18" charset="0"/>
-                            <a:ea typeface="Cambria Math" panose="02040503050406030204" pitchFamily="18" charset="0"/>
-                          </a:rPr>
-                          <m:t>)</m:t>
-                        </m:r>
-                      </m:oMath>
-                    </m:oMathPara>
-                  </a14:m>
-                  <a:endParaRPr lang="nl-BE" dirty="0"/>
-                </a:p>
-              </p:txBody>
-            </p:sp>
-          </mc:Choice>
-          <mc:Fallback xmlns="">
-            <p:sp>
-              <p:nvSpPr>
-                <p:cNvPr id="33" name="Rectangle 32"/>
-                <p:cNvSpPr>
-                  <a:spLocks noRot="1" noChangeAspect="1" noMove="1" noResize="1" noEditPoints="1" noAdjustHandles="1" noChangeArrowheads="1" noChangeShapeType="1" noTextEdit="1"/>
-                </p:cNvSpPr>
-                <p:nvPr/>
-              </p:nvSpPr>
-              <p:spPr>
-                <a:xfrm>
-                  <a:off x="1298476" y="2851998"/>
-                  <a:ext cx="753220" cy="369332"/>
-                </a:xfrm>
-                <a:prstGeom prst="rect">
-                  <a:avLst/>
-                </a:prstGeom>
-                <a:blipFill rotWithShape="0">
-                  <a:blip r:embed="rId5"/>
-                  <a:stretch>
-                    <a:fillRect b="-13333"/>
-                  </a:stretch>
-                </a:blipFill>
-              </p:spPr>
-              <p:txBody>
-                <a:bodyPr/>
-                <a:lstStyle/>
-                <a:p>
-                  <a:r>
-                    <a:rPr lang="pt-BR">
-                      <a:noFill/>
-                    </a:rPr>
-                    <a:t> </a:t>
-                  </a:r>
-                </a:p>
-              </p:txBody>
-            </p:sp>
-          </mc:Fallback>
-        </mc:AlternateContent>
-        <mc:AlternateContent xmlns:mc="http://schemas.openxmlformats.org/markup-compatibility/2006" xmlns:a14="http://schemas.microsoft.com/office/drawing/2010/main">
-          <mc:Choice Requires="a14">
-            <p:sp>
-              <p:nvSpPr>
-                <p:cNvPr id="34" name="Rectangle 33"/>
-                <p:cNvSpPr/>
-                <p:nvPr/>
-              </p:nvSpPr>
-              <p:spPr>
-                <a:xfrm>
-                  <a:off x="4433510" y="4540206"/>
-                  <a:ext cx="371448" cy="369332"/>
-                </a:xfrm>
-                <a:prstGeom prst="rect">
-                  <a:avLst/>
-                </a:prstGeom>
-              </p:spPr>
-              <p:txBody>
-                <a:bodyPr wrap="none">
-                  <a:spAutoFit/>
-                </a:bodyPr>
-                <a:lstStyle/>
-                <a:p>
-                  <a:pPr/>
-                  <a14:m>
-                    <m:oMathPara xmlns:m="http://schemas.openxmlformats.org/officeDocument/2006/math">
-                      <m:oMathParaPr>
-                        <m:jc m:val="centerGroup"/>
-                      </m:oMathParaPr>
-                      <m:oMath xmlns:m="http://schemas.openxmlformats.org/officeDocument/2006/math">
-                        <m:r>
-                          <a:rPr lang="en-US" b="0" i="1" smtClean="0">
-                            <a:latin typeface="Cambria Math" panose="02040503050406030204" pitchFamily="18" charset="0"/>
-                          </a:rPr>
-                          <m:t>𝑎</m:t>
-                        </m:r>
-                      </m:oMath>
-                    </m:oMathPara>
-                  </a14:m>
-                  <a:endParaRPr lang="nl-BE" dirty="0"/>
-                </a:p>
-              </p:txBody>
-            </p:sp>
-          </mc:Choice>
-          <mc:Fallback xmlns="">
-            <p:sp>
-              <p:nvSpPr>
-                <p:cNvPr id="34" name="Rectangle 33"/>
-                <p:cNvSpPr>
-                  <a:spLocks noRot="1" noChangeAspect="1" noMove="1" noResize="1" noEditPoints="1" noAdjustHandles="1" noChangeArrowheads="1" noChangeShapeType="1" noTextEdit="1"/>
-                </p:cNvSpPr>
-                <p:nvPr/>
-              </p:nvSpPr>
-              <p:spPr>
-                <a:xfrm>
-                  <a:off x="4433510" y="4540206"/>
-                  <a:ext cx="371448" cy="369332"/>
-                </a:xfrm>
-                <a:prstGeom prst="rect">
-                  <a:avLst/>
-                </a:prstGeom>
-                <a:blipFill rotWithShape="0">
-                  <a:blip r:embed="rId6"/>
-                  <a:stretch>
-                    <a:fillRect/>
-                  </a:stretch>
-                </a:blipFill>
-              </p:spPr>
-              <p:txBody>
-                <a:bodyPr/>
-                <a:lstStyle/>
-                <a:p>
-                  <a:r>
-                    <a:rPr lang="pt-BR">
-                      <a:noFill/>
-                    </a:rPr>
-                    <a:t> </a:t>
-                  </a:r>
-                </a:p>
-              </p:txBody>
-            </p:sp>
-          </mc:Fallback>
-        </mc:AlternateContent>
-        <p:cxnSp>
-          <p:nvCxnSpPr>
-            <p:cNvPr id="35" name="Straight Connector 34"/>
-            <p:cNvCxnSpPr/>
-            <p:nvPr/>
-          </p:nvCxnSpPr>
-          <p:spPr>
-            <a:xfrm rot="5400000">
-              <a:off x="1234573" y="4193493"/>
-              <a:ext cx="1080000" cy="0"/>
-            </a:xfrm>
-            <a:prstGeom prst="line">
-              <a:avLst/>
-            </a:prstGeom>
-            <a:ln w="19050"/>
-          </p:spPr>
-          <p:style>
-            <a:lnRef idx="1">
-              <a:schemeClr val="accent1"/>
-            </a:lnRef>
-            <a:fillRef idx="0">
-              <a:schemeClr val="accent1"/>
-            </a:fillRef>
-            <a:effectRef idx="0">
-              <a:schemeClr val="accent1"/>
-            </a:effectRef>
-            <a:fontRef idx="minor">
-              <a:schemeClr val="tx1"/>
-            </a:fontRef>
-          </p:style>
-        </p:cxnSp>
-        <p:sp>
-          <p:nvSpPr>
-            <p:cNvPr id="36" name="Rectangle 35"/>
-            <p:cNvSpPr/>
-            <p:nvPr/>
-          </p:nvSpPr>
-          <p:spPr>
-            <a:xfrm>
-              <a:off x="1399362" y="4721358"/>
-              <a:ext cx="731372" cy="523220"/>
-            </a:xfrm>
-            <a:prstGeom prst="rect">
-              <a:avLst/>
-            </a:prstGeom>
-          </p:spPr>
-          <p:txBody>
-            <a:bodyPr wrap="square">
-              <a:spAutoFit/>
-            </a:bodyPr>
-            <a:lstStyle/>
-            <a:p>
-              <a:pPr algn="ctr"/>
-              <a:r>
-                <a:rPr lang="en-US" sz="1400" dirty="0"/>
-                <a:t>valor </a:t>
-              </a:r>
-              <a:r>
-                <a:rPr lang="en-US" sz="1400" dirty="0" err="1"/>
-                <a:t>inicial</a:t>
-              </a:r>
-              <a:endParaRPr lang="en-US" sz="1400" dirty="0"/>
-            </a:p>
-          </p:txBody>
-        </p:sp>
-        <p:sp>
-          <p:nvSpPr>
-            <p:cNvPr id="37" name="Flowchart: Connector 36"/>
-            <p:cNvSpPr/>
-            <p:nvPr/>
-          </p:nvSpPr>
-          <p:spPr>
-            <a:xfrm>
-              <a:off x="2279398" y="4435292"/>
-              <a:ext cx="85725" cy="101516"/>
-            </a:xfrm>
-            <a:prstGeom prst="flowChartConnector">
-              <a:avLst/>
-            </a:prstGeom>
-            <a:solidFill>
-              <a:schemeClr val="tx1"/>
-            </a:solidFill>
-            <a:ln>
-              <a:solidFill>
-                <a:schemeClr val="tx1"/>
-              </a:solidFill>
-            </a:ln>
-          </p:spPr>
-          <p:style>
-            <a:lnRef idx="2">
-              <a:schemeClr val="accent1">
-                <a:shade val="50000"/>
-              </a:schemeClr>
-            </a:lnRef>
-            <a:fillRef idx="1">
-              <a:schemeClr val="accent1"/>
-            </a:fillRef>
-            <a:effectRef idx="0">
-              <a:schemeClr val="accent1"/>
-            </a:effectRef>
-            <a:fontRef idx="minor">
-              <a:schemeClr val="lt1"/>
-            </a:fontRef>
-          </p:style>
-          <p:txBody>
-            <a:bodyPr rtlCol="0" anchor="ctr"/>
-            <a:lstStyle/>
-            <a:p>
-              <a:pPr algn="ctr"/>
-              <a:endParaRPr lang="nl-BE"/>
-            </a:p>
-          </p:txBody>
-        </p:sp>
-        <p:sp>
-          <p:nvSpPr>
-            <p:cNvPr id="45" name="Flowchart: Connector 44"/>
-            <p:cNvSpPr/>
-            <p:nvPr/>
-          </p:nvSpPr>
-          <p:spPr>
-            <a:xfrm>
-              <a:off x="4090837" y="3706009"/>
-              <a:ext cx="85725" cy="101516"/>
-            </a:xfrm>
-            <a:prstGeom prst="flowChartConnector">
-              <a:avLst/>
-            </a:prstGeom>
-            <a:solidFill>
-              <a:schemeClr val="tx1"/>
-            </a:solidFill>
-            <a:ln>
-              <a:solidFill>
-                <a:schemeClr val="tx1"/>
-              </a:solidFill>
-            </a:ln>
-          </p:spPr>
-          <p:style>
-            <a:lnRef idx="2">
-              <a:schemeClr val="accent1">
-                <a:shade val="50000"/>
-              </a:schemeClr>
-            </a:lnRef>
-            <a:fillRef idx="1">
-              <a:schemeClr val="accent1"/>
-            </a:fillRef>
-            <a:effectRef idx="0">
-              <a:schemeClr val="accent1"/>
-            </a:effectRef>
-            <a:fontRef idx="minor">
-              <a:schemeClr val="lt1"/>
-            </a:fontRef>
-          </p:style>
-          <p:txBody>
-            <a:bodyPr rtlCol="0" anchor="ctr"/>
-            <a:lstStyle/>
-            <a:p>
-              <a:pPr algn="ctr"/>
-              <a:endParaRPr lang="nl-BE"/>
-            </a:p>
-          </p:txBody>
-        </p:sp>
-        <p:sp>
-          <p:nvSpPr>
-            <p:cNvPr id="46" name="Flowchart: Connector 45"/>
-            <p:cNvSpPr/>
-            <p:nvPr/>
-          </p:nvSpPr>
-          <p:spPr>
-            <a:xfrm>
-              <a:off x="1736473" y="3548223"/>
-              <a:ext cx="85725" cy="101516"/>
-            </a:xfrm>
-            <a:prstGeom prst="flowChartConnector">
-              <a:avLst/>
-            </a:prstGeom>
-            <a:solidFill>
-              <a:schemeClr val="tx1"/>
-            </a:solidFill>
-            <a:ln>
-              <a:solidFill>
-                <a:schemeClr val="tx1"/>
-              </a:solidFill>
-            </a:ln>
-          </p:spPr>
-          <p:style>
-            <a:lnRef idx="2">
-              <a:schemeClr val="accent1">
-                <a:shade val="50000"/>
-              </a:schemeClr>
-            </a:lnRef>
-            <a:fillRef idx="1">
-              <a:schemeClr val="accent1"/>
-            </a:fillRef>
-            <a:effectRef idx="0">
-              <a:schemeClr val="accent1"/>
-            </a:effectRef>
-            <a:fontRef idx="minor">
-              <a:schemeClr val="lt1"/>
-            </a:fontRef>
-          </p:style>
-          <p:txBody>
-            <a:bodyPr rtlCol="0" anchor="ctr"/>
-            <a:lstStyle/>
-            <a:p>
-              <a:pPr algn="ctr"/>
-              <a:endParaRPr lang="nl-BE"/>
-            </a:p>
-          </p:txBody>
-        </p:sp>
-        <p:cxnSp>
-          <p:nvCxnSpPr>
-            <p:cNvPr id="53" name="Curved Connector 52"/>
-            <p:cNvCxnSpPr>
-              <a:stCxn id="46" idx="7"/>
-              <a:endCxn id="37" idx="7"/>
-            </p:cNvCxnSpPr>
-            <p:nvPr/>
-          </p:nvCxnSpPr>
-          <p:spPr>
-            <a:xfrm rot="16200000" flipH="1">
-              <a:off x="1637571" y="3735162"/>
-              <a:ext cx="887069" cy="542925"/>
-            </a:xfrm>
-            <a:prstGeom prst="curvedConnector3">
-              <a:avLst>
-                <a:gd name="adj1" fmla="val -27446"/>
-              </a:avLst>
-            </a:prstGeom>
-            <a:ln>
-              <a:tailEnd type="triangle"/>
-            </a:ln>
-          </p:spPr>
-          <p:style>
-            <a:lnRef idx="1">
-              <a:schemeClr val="accent1"/>
-            </a:lnRef>
-            <a:fillRef idx="0">
-              <a:schemeClr val="accent1"/>
-            </a:fillRef>
-            <a:effectRef idx="0">
-              <a:schemeClr val="accent1"/>
-            </a:effectRef>
-            <a:fontRef idx="minor">
-              <a:schemeClr val="tx1"/>
-            </a:fontRef>
-          </p:style>
-        </p:cxnSp>
-        <p:cxnSp>
-          <p:nvCxnSpPr>
-            <p:cNvPr id="54" name="Curved Connector 53"/>
-            <p:cNvCxnSpPr>
-              <a:stCxn id="37" idx="0"/>
-            </p:cNvCxnSpPr>
-            <p:nvPr/>
-          </p:nvCxnSpPr>
-          <p:spPr>
-            <a:xfrm rot="5400000" flipH="1" flipV="1">
-              <a:off x="2876235" y="3220688"/>
-              <a:ext cx="660631" cy="1768578"/>
-            </a:xfrm>
-            <a:prstGeom prst="curvedConnector2">
-              <a:avLst/>
-            </a:prstGeom>
-            <a:ln>
-              <a:tailEnd type="triangle"/>
-            </a:ln>
-          </p:spPr>
-          <p:style>
-            <a:lnRef idx="1">
-              <a:schemeClr val="accent1"/>
-            </a:lnRef>
-            <a:fillRef idx="0">
-              <a:schemeClr val="accent1"/>
-            </a:fillRef>
-            <a:effectRef idx="0">
-              <a:schemeClr val="accent1"/>
-            </a:effectRef>
-            <a:fontRef idx="minor">
-              <a:schemeClr val="tx1"/>
-            </a:fontRef>
-          </p:style>
-        </p:cxnSp>
-        <p:sp>
-          <p:nvSpPr>
-            <p:cNvPr id="55" name="Flowchart: Connector 54"/>
-            <p:cNvSpPr/>
-            <p:nvPr/>
-          </p:nvSpPr>
-          <p:spPr>
-            <a:xfrm>
-              <a:off x="3498051" y="4497190"/>
-              <a:ext cx="85725" cy="101516"/>
-            </a:xfrm>
-            <a:prstGeom prst="flowChartConnector">
-              <a:avLst/>
-            </a:prstGeom>
-            <a:solidFill>
-              <a:schemeClr val="tx1"/>
-            </a:solidFill>
-            <a:ln>
-              <a:solidFill>
-                <a:schemeClr val="tx1"/>
-              </a:solidFill>
-            </a:ln>
-          </p:spPr>
-          <p:style>
-            <a:lnRef idx="2">
-              <a:schemeClr val="accent1">
-                <a:shade val="50000"/>
-              </a:schemeClr>
-            </a:lnRef>
-            <a:fillRef idx="1">
-              <a:schemeClr val="accent1"/>
-            </a:fillRef>
-            <a:effectRef idx="0">
-              <a:schemeClr val="accent1"/>
-            </a:effectRef>
-            <a:fontRef idx="minor">
-              <a:schemeClr val="lt1"/>
-            </a:fontRef>
-          </p:style>
-          <p:txBody>
-            <a:bodyPr rtlCol="0" anchor="ctr"/>
-            <a:lstStyle/>
-            <a:p>
-              <a:pPr algn="ctr"/>
-              <a:endParaRPr lang="nl-BE"/>
-            </a:p>
-          </p:txBody>
-        </p:sp>
-        <p:cxnSp>
-          <p:nvCxnSpPr>
-            <p:cNvPr id="56" name="Curved Connector 55"/>
-            <p:cNvCxnSpPr>
-              <a:stCxn id="45" idx="2"/>
-            </p:cNvCxnSpPr>
-            <p:nvPr/>
-          </p:nvCxnSpPr>
-          <p:spPr>
-            <a:xfrm rot="10800000" flipV="1">
-              <a:off x="3540913" y="3756767"/>
-              <a:ext cx="549924" cy="726808"/>
-            </a:xfrm>
-            <a:prstGeom prst="curvedConnector2">
-              <a:avLst/>
-            </a:prstGeom>
-            <a:ln>
-              <a:tailEnd type="triangle"/>
-            </a:ln>
-          </p:spPr>
-          <p:style>
-            <a:lnRef idx="1">
-              <a:schemeClr val="accent1"/>
-            </a:lnRef>
-            <a:fillRef idx="0">
-              <a:schemeClr val="accent1"/>
-            </a:fillRef>
-            <a:effectRef idx="0">
-              <a:schemeClr val="accent1"/>
-            </a:effectRef>
-            <a:fontRef idx="minor">
-              <a:schemeClr val="tx1"/>
-            </a:fontRef>
-          </p:style>
-        </p:cxnSp>
-        <p:sp>
-          <p:nvSpPr>
-            <p:cNvPr id="60" name="Flowchart: Connector 59"/>
-            <p:cNvSpPr/>
-            <p:nvPr/>
-          </p:nvSpPr>
-          <p:spPr>
-            <a:xfrm>
-              <a:off x="1849761" y="3820720"/>
-              <a:ext cx="85725" cy="101516"/>
-            </a:xfrm>
-            <a:prstGeom prst="flowChartConnector">
-              <a:avLst/>
-            </a:prstGeom>
-            <a:solidFill>
-              <a:schemeClr val="tx1"/>
-            </a:solidFill>
-            <a:ln>
-              <a:solidFill>
-                <a:schemeClr val="tx1"/>
-              </a:solidFill>
-            </a:ln>
-          </p:spPr>
-          <p:style>
-            <a:lnRef idx="2">
-              <a:schemeClr val="accent1">
-                <a:shade val="50000"/>
-              </a:schemeClr>
-            </a:lnRef>
-            <a:fillRef idx="1">
-              <a:schemeClr val="accent1"/>
-            </a:fillRef>
-            <a:effectRef idx="0">
-              <a:schemeClr val="accent1"/>
-            </a:effectRef>
-            <a:fontRef idx="minor">
-              <a:schemeClr val="lt1"/>
-            </a:fontRef>
-          </p:style>
-          <p:txBody>
-            <a:bodyPr rtlCol="0" anchor="ctr"/>
-            <a:lstStyle/>
-            <a:p>
-              <a:pPr algn="ctr"/>
-              <a:endParaRPr lang="nl-BE"/>
-            </a:p>
-          </p:txBody>
-        </p:sp>
-        <p:cxnSp>
-          <p:nvCxnSpPr>
-            <p:cNvPr id="61" name="Curved Connector 60"/>
-            <p:cNvCxnSpPr>
-              <a:stCxn id="55" idx="0"/>
-            </p:cNvCxnSpPr>
-            <p:nvPr/>
-          </p:nvCxnSpPr>
-          <p:spPr>
-            <a:xfrm rot="16200000" flipV="1">
-              <a:off x="2433788" y="3390064"/>
-              <a:ext cx="625712" cy="1588540"/>
-            </a:xfrm>
-            <a:prstGeom prst="curvedConnector2">
-              <a:avLst/>
-            </a:prstGeom>
-            <a:ln>
-              <a:tailEnd type="triangle"/>
-            </a:ln>
-          </p:spPr>
-          <p:style>
-            <a:lnRef idx="1">
-              <a:schemeClr val="accent1"/>
-            </a:lnRef>
-            <a:fillRef idx="0">
-              <a:schemeClr val="accent1"/>
-            </a:fillRef>
-            <a:effectRef idx="0">
-              <a:schemeClr val="accent1"/>
-            </a:effectRef>
-            <a:fontRef idx="minor">
-              <a:schemeClr val="tx1"/>
-            </a:fontRef>
-          </p:style>
-        </p:cxnSp>
-      </p:grpSp>
-    </p:spTree>
-    <p:extLst>
-      <p:ext uri="{BB962C8B-B14F-4D97-AF65-F5344CB8AC3E}">
-        <p14:creationId xmlns:p14="http://schemas.microsoft.com/office/powerpoint/2010/main" val="3885372088"/>
       </p:ext>
     </p:extLst>
   </p:cSld>
@@ -17137,6 +17973,1947 @@
       </p:grpSpPr>
       <p:grpSp>
         <p:nvGrpSpPr>
+          <p:cNvPr id="65" name="Group 64"/>
+          <p:cNvGrpSpPr/>
+          <p:nvPr/>
+        </p:nvGrpSpPr>
+        <p:grpSpPr>
+          <a:xfrm>
+            <a:off x="6426200" y="644806"/>
+            <a:ext cx="3578724" cy="4590907"/>
+            <a:chOff x="6426200" y="644806"/>
+            <a:chExt cx="3578724" cy="4590907"/>
+          </a:xfrm>
+        </p:grpSpPr>
+        <p:grpSp>
+          <p:nvGrpSpPr>
+            <p:cNvPr id="12" name="Group 11"/>
+            <p:cNvGrpSpPr/>
+            <p:nvPr/>
+          </p:nvGrpSpPr>
+          <p:grpSpPr>
+            <a:xfrm rot="10800000">
+              <a:off x="6769100" y="644806"/>
+              <a:ext cx="2806700" cy="4067687"/>
+              <a:chOff x="5943600" y="2032000"/>
+              <a:chExt cx="2806700" cy="4067687"/>
+            </a:xfrm>
+          </p:grpSpPr>
+          <p:sp>
+            <p:nvSpPr>
+              <p:cNvPr id="13" name="Oval 12"/>
+              <p:cNvSpPr/>
+              <p:nvPr/>
+            </p:nvSpPr>
+            <p:spPr>
+              <a:xfrm>
+                <a:off x="6012753" y="2032000"/>
+                <a:ext cx="2661347" cy="3911600"/>
+              </a:xfrm>
+              <a:prstGeom prst="ellipse">
+                <a:avLst/>
+              </a:prstGeom>
+              <a:noFill/>
+              <a:ln>
+                <a:solidFill>
+                  <a:schemeClr val="tx1"/>
+                </a:solidFill>
+              </a:ln>
+            </p:spPr>
+            <p:style>
+              <a:lnRef idx="2">
+                <a:schemeClr val="accent1">
+                  <a:shade val="50000"/>
+                </a:schemeClr>
+              </a:lnRef>
+              <a:fillRef idx="1">
+                <a:schemeClr val="accent1"/>
+              </a:fillRef>
+              <a:effectRef idx="0">
+                <a:schemeClr val="accent1"/>
+              </a:effectRef>
+              <a:fontRef idx="minor">
+                <a:schemeClr val="lt1"/>
+              </a:fontRef>
+            </p:style>
+            <p:txBody>
+              <a:bodyPr rtlCol="0" anchor="ctr"/>
+              <a:lstStyle/>
+              <a:p>
+                <a:pPr algn="ctr"/>
+                <a:endParaRPr lang="nl-BE"/>
+              </a:p>
+            </p:txBody>
+          </p:sp>
+          <p:sp>
+            <p:nvSpPr>
+              <p:cNvPr id="14" name="Rectangle 13"/>
+              <p:cNvSpPr/>
+              <p:nvPr/>
+            </p:nvSpPr>
+            <p:spPr>
+              <a:xfrm>
+                <a:off x="5943600" y="3415504"/>
+                <a:ext cx="2806700" cy="2684183"/>
+              </a:xfrm>
+              <a:prstGeom prst="rect">
+                <a:avLst/>
+              </a:prstGeom>
+              <a:solidFill>
+                <a:schemeClr val="bg1"/>
+              </a:solidFill>
+              <a:ln>
+                <a:solidFill>
+                  <a:schemeClr val="bg1"/>
+                </a:solidFill>
+              </a:ln>
+            </p:spPr>
+            <p:style>
+              <a:lnRef idx="2">
+                <a:schemeClr val="accent1">
+                  <a:shade val="50000"/>
+                </a:schemeClr>
+              </a:lnRef>
+              <a:fillRef idx="1">
+                <a:schemeClr val="accent1"/>
+              </a:fillRef>
+              <a:effectRef idx="0">
+                <a:schemeClr val="accent1"/>
+              </a:effectRef>
+              <a:fontRef idx="minor">
+                <a:schemeClr val="lt1"/>
+              </a:fontRef>
+            </p:style>
+            <p:txBody>
+              <a:bodyPr rtlCol="0" anchor="ctr"/>
+              <a:lstStyle/>
+              <a:p>
+                <a:pPr algn="ctr"/>
+                <a:endParaRPr lang="nl-BE"/>
+              </a:p>
+            </p:txBody>
+          </p:sp>
+        </p:grpSp>
+        <p:sp>
+          <p:nvSpPr>
+            <p:cNvPr id="17" name="Flowchart: Connector 16"/>
+            <p:cNvSpPr/>
+            <p:nvPr/>
+          </p:nvSpPr>
+          <p:spPr>
+            <a:xfrm>
+              <a:off x="8115300" y="4669997"/>
+              <a:ext cx="85725" cy="101516"/>
+            </a:xfrm>
+            <a:prstGeom prst="flowChartConnector">
+              <a:avLst/>
+            </a:prstGeom>
+            <a:solidFill>
+              <a:srgbClr val="FF0000"/>
+            </a:solidFill>
+            <a:ln>
+              <a:solidFill>
+                <a:srgbClr val="FF0000"/>
+              </a:solidFill>
+            </a:ln>
+          </p:spPr>
+          <p:style>
+            <a:lnRef idx="2">
+              <a:schemeClr val="accent1">
+                <a:shade val="50000"/>
+              </a:schemeClr>
+            </a:lnRef>
+            <a:fillRef idx="1">
+              <a:schemeClr val="accent1"/>
+            </a:fillRef>
+            <a:effectRef idx="0">
+              <a:schemeClr val="accent1"/>
+            </a:effectRef>
+            <a:fontRef idx="minor">
+              <a:schemeClr val="lt1"/>
+            </a:fontRef>
+          </p:style>
+          <p:txBody>
+            <a:bodyPr rtlCol="0" anchor="ctr"/>
+            <a:lstStyle/>
+            <a:p>
+              <a:pPr algn="ctr"/>
+              <a:endParaRPr lang="nl-BE"/>
+            </a:p>
+          </p:txBody>
+        </p:sp>
+        <p:cxnSp>
+          <p:nvCxnSpPr>
+            <p:cNvPr id="18" name="Straight Arrow Connector 17"/>
+            <p:cNvCxnSpPr/>
+            <p:nvPr/>
+          </p:nvCxnSpPr>
+          <p:spPr>
+            <a:xfrm>
+              <a:off x="6432550" y="2924872"/>
+              <a:ext cx="0" cy="1800000"/>
+            </a:xfrm>
+            <a:prstGeom prst="straightConnector1">
+              <a:avLst/>
+            </a:prstGeom>
+            <a:ln w="12700">
+              <a:solidFill>
+                <a:schemeClr val="tx1"/>
+              </a:solidFill>
+              <a:headEnd type="triangle" w="med" len="med"/>
+              <a:tailEnd type="none" w="med" len="med"/>
+            </a:ln>
+          </p:spPr>
+          <p:style>
+            <a:lnRef idx="1">
+              <a:schemeClr val="accent1"/>
+            </a:lnRef>
+            <a:fillRef idx="0">
+              <a:schemeClr val="accent1"/>
+            </a:fillRef>
+            <a:effectRef idx="0">
+              <a:schemeClr val="accent1"/>
+            </a:effectRef>
+            <a:fontRef idx="minor">
+              <a:schemeClr val="tx1"/>
+            </a:fontRef>
+          </p:style>
+        </p:cxnSp>
+        <p:cxnSp>
+          <p:nvCxnSpPr>
+            <p:cNvPr id="19" name="Straight Arrow Connector 18"/>
+            <p:cNvCxnSpPr/>
+            <p:nvPr/>
+          </p:nvCxnSpPr>
+          <p:spPr>
+            <a:xfrm flipH="1">
+              <a:off x="6426200" y="4726109"/>
+              <a:ext cx="3168000" cy="0"/>
+            </a:xfrm>
+            <a:prstGeom prst="straightConnector1">
+              <a:avLst/>
+            </a:prstGeom>
+            <a:ln w="12700">
+              <a:solidFill>
+                <a:schemeClr val="tx1"/>
+              </a:solidFill>
+              <a:headEnd type="triangle" w="med" len="med"/>
+              <a:tailEnd type="none" w="med" len="med"/>
+            </a:ln>
+          </p:spPr>
+          <p:style>
+            <a:lnRef idx="1">
+              <a:schemeClr val="accent1"/>
+            </a:lnRef>
+            <a:fillRef idx="0">
+              <a:schemeClr val="accent1"/>
+            </a:fillRef>
+            <a:effectRef idx="0">
+              <a:schemeClr val="accent1"/>
+            </a:effectRef>
+            <a:fontRef idx="minor">
+              <a:schemeClr val="tx1"/>
+            </a:fontRef>
+          </p:style>
+        </p:cxnSp>
+        <mc:AlternateContent xmlns:mc="http://schemas.openxmlformats.org/markup-compatibility/2006" xmlns:a14="http://schemas.microsoft.com/office/drawing/2010/main">
+          <mc:Choice Requires="a14">
+            <p:sp>
+              <p:nvSpPr>
+                <p:cNvPr id="20" name="Rectangle 19"/>
+                <p:cNvSpPr/>
+                <p:nvPr/>
+              </p:nvSpPr>
+              <p:spPr>
+                <a:xfrm>
+                  <a:off x="6498442" y="2839619"/>
+                  <a:ext cx="753220" cy="369332"/>
+                </a:xfrm>
+                <a:prstGeom prst="rect">
+                  <a:avLst/>
+                </a:prstGeom>
+              </p:spPr>
+              <p:txBody>
+                <a:bodyPr wrap="none">
+                  <a:spAutoFit/>
+                </a:bodyPr>
+                <a:lstStyle/>
+                <a:p>
+                  <a:pPr/>
+                  <a14:m>
+                    <m:oMathPara xmlns:m="http://schemas.openxmlformats.org/officeDocument/2006/math">
+                      <m:oMathParaPr>
+                        <m:jc m:val="centerGroup"/>
+                      </m:oMathParaPr>
+                      <m:oMath xmlns:m="http://schemas.openxmlformats.org/officeDocument/2006/math">
+                        <m:sSub>
+                          <m:sSubPr>
+                            <m:ctrlPr>
+                              <a:rPr lang="pt-BR" i="1">
+                                <a:latin typeface="Cambria Math" panose="02040503050406030204" pitchFamily="18" charset="0"/>
+                                <a:ea typeface="Cambria Math" panose="02040503050406030204" pitchFamily="18" charset="0"/>
+                              </a:rPr>
+                            </m:ctrlPr>
+                          </m:sSubPr>
+                          <m:e>
+                            <m:r>
+                              <a:rPr lang="pt-BR" i="1">
+                                <a:latin typeface="Cambria Math" panose="02040503050406030204" pitchFamily="18" charset="0"/>
+                                <a:ea typeface="Cambria Math" panose="02040503050406030204" pitchFamily="18" charset="0"/>
+                              </a:rPr>
+                              <m:t>𝐽</m:t>
+                            </m:r>
+                          </m:e>
+                          <m:sub>
+                            <m:r>
+                              <a:rPr lang="pt-BR" i="1">
+                                <a:latin typeface="Cambria Math" panose="02040503050406030204" pitchFamily="18" charset="0"/>
+                                <a:ea typeface="Cambria Math" panose="02040503050406030204" pitchFamily="18" charset="0"/>
+                              </a:rPr>
+                              <m:t>𝑒</m:t>
+                            </m:r>
+                          </m:sub>
+                        </m:sSub>
+                        <m:r>
+                          <a:rPr lang="pt-BR" i="1">
+                            <a:latin typeface="Cambria Math" panose="02040503050406030204" pitchFamily="18" charset="0"/>
+                            <a:ea typeface="Cambria Math" panose="02040503050406030204" pitchFamily="18" charset="0"/>
+                          </a:rPr>
+                          <m:t>(</m:t>
+                        </m:r>
+                        <m:r>
+                          <a:rPr lang="pt-BR" b="1" i="1">
+                            <a:latin typeface="Cambria Math" panose="02040503050406030204" pitchFamily="18" charset="0"/>
+                            <a:ea typeface="Cambria Math" panose="02040503050406030204" pitchFamily="18" charset="0"/>
+                          </a:rPr>
+                          <m:t>𝒂</m:t>
+                        </m:r>
+                        <m:r>
+                          <a:rPr lang="pt-BR" i="1">
+                            <a:latin typeface="Cambria Math" panose="02040503050406030204" pitchFamily="18" charset="0"/>
+                            <a:ea typeface="Cambria Math" panose="02040503050406030204" pitchFamily="18" charset="0"/>
+                          </a:rPr>
+                          <m:t>)</m:t>
+                        </m:r>
+                      </m:oMath>
+                    </m:oMathPara>
+                  </a14:m>
+                  <a:endParaRPr lang="nl-BE" dirty="0"/>
+                </a:p>
+              </p:txBody>
+            </p:sp>
+          </mc:Choice>
+          <mc:Fallback xmlns="">
+            <p:sp>
+              <p:nvSpPr>
+                <p:cNvPr id="20" name="Rectangle 19"/>
+                <p:cNvSpPr>
+                  <a:spLocks noRot="1" noChangeAspect="1" noMove="1" noResize="1" noEditPoints="1" noAdjustHandles="1" noChangeArrowheads="1" noChangeShapeType="1" noTextEdit="1"/>
+                </p:cNvSpPr>
+                <p:nvPr/>
+              </p:nvSpPr>
+              <p:spPr>
+                <a:xfrm>
+                  <a:off x="6498442" y="2839619"/>
+                  <a:ext cx="753220" cy="369332"/>
+                </a:xfrm>
+                <a:prstGeom prst="rect">
+                  <a:avLst/>
+                </a:prstGeom>
+                <a:blipFill rotWithShape="0">
+                  <a:blip r:embed="rId3"/>
+                  <a:stretch>
+                    <a:fillRect b="-13333"/>
+                  </a:stretch>
+                </a:blipFill>
+              </p:spPr>
+              <p:txBody>
+                <a:bodyPr/>
+                <a:lstStyle/>
+                <a:p>
+                  <a:r>
+                    <a:rPr lang="pt-BR">
+                      <a:noFill/>
+                    </a:rPr>
+                    <a:t> </a:t>
+                  </a:r>
+                </a:p>
+              </p:txBody>
+            </p:sp>
+          </mc:Fallback>
+        </mc:AlternateContent>
+        <mc:AlternateContent xmlns:mc="http://schemas.openxmlformats.org/markup-compatibility/2006" xmlns:a14="http://schemas.microsoft.com/office/drawing/2010/main">
+          <mc:Choice Requires="a14">
+            <p:sp>
+              <p:nvSpPr>
+                <p:cNvPr id="21" name="Rectangle 20"/>
+                <p:cNvSpPr/>
+                <p:nvPr/>
+              </p:nvSpPr>
+              <p:spPr>
+                <a:xfrm>
+                  <a:off x="9633476" y="4527827"/>
+                  <a:ext cx="371448" cy="369332"/>
+                </a:xfrm>
+                <a:prstGeom prst="rect">
+                  <a:avLst/>
+                </a:prstGeom>
+              </p:spPr>
+              <p:txBody>
+                <a:bodyPr wrap="none">
+                  <a:spAutoFit/>
+                </a:bodyPr>
+                <a:lstStyle/>
+                <a:p>
+                  <a:pPr/>
+                  <a14:m>
+                    <m:oMathPara xmlns:m="http://schemas.openxmlformats.org/officeDocument/2006/math">
+                      <m:oMathParaPr>
+                        <m:jc m:val="centerGroup"/>
+                      </m:oMathParaPr>
+                      <m:oMath xmlns:m="http://schemas.openxmlformats.org/officeDocument/2006/math">
+                        <m:r>
+                          <a:rPr lang="en-US" b="0" i="1" smtClean="0">
+                            <a:latin typeface="Cambria Math" panose="02040503050406030204" pitchFamily="18" charset="0"/>
+                          </a:rPr>
+                          <m:t>𝑎</m:t>
+                        </m:r>
+                      </m:oMath>
+                    </m:oMathPara>
+                  </a14:m>
+                  <a:endParaRPr lang="nl-BE" dirty="0"/>
+                </a:p>
+              </p:txBody>
+            </p:sp>
+          </mc:Choice>
+          <mc:Fallback xmlns="">
+            <p:sp>
+              <p:nvSpPr>
+                <p:cNvPr id="21" name="Rectangle 20"/>
+                <p:cNvSpPr>
+                  <a:spLocks noRot="1" noChangeAspect="1" noMove="1" noResize="1" noEditPoints="1" noAdjustHandles="1" noChangeArrowheads="1" noChangeShapeType="1" noTextEdit="1"/>
+                </p:cNvSpPr>
+                <p:nvPr/>
+              </p:nvSpPr>
+              <p:spPr>
+                <a:xfrm>
+                  <a:off x="9633476" y="4527827"/>
+                  <a:ext cx="371448" cy="369332"/>
+                </a:xfrm>
+                <a:prstGeom prst="rect">
+                  <a:avLst/>
+                </a:prstGeom>
+                <a:blipFill rotWithShape="0">
+                  <a:blip r:embed="rId4"/>
+                  <a:stretch>
+                    <a:fillRect/>
+                  </a:stretch>
+                </a:blipFill>
+              </p:spPr>
+              <p:txBody>
+                <a:bodyPr/>
+                <a:lstStyle/>
+                <a:p>
+                  <a:r>
+                    <a:rPr lang="pt-BR">
+                      <a:noFill/>
+                    </a:rPr>
+                    <a:t> </a:t>
+                  </a:r>
+                </a:p>
+              </p:txBody>
+            </p:sp>
+          </mc:Fallback>
+        </mc:AlternateContent>
+        <p:cxnSp>
+          <p:nvCxnSpPr>
+            <p:cNvPr id="27" name="Straight Connector 26"/>
+            <p:cNvCxnSpPr/>
+            <p:nvPr/>
+          </p:nvCxnSpPr>
+          <p:spPr>
+            <a:xfrm rot="5400000">
+              <a:off x="7396226" y="4599671"/>
+              <a:ext cx="252000" cy="0"/>
+            </a:xfrm>
+            <a:prstGeom prst="line">
+              <a:avLst/>
+            </a:prstGeom>
+            <a:ln w="19050"/>
+          </p:spPr>
+          <p:style>
+            <a:lnRef idx="1">
+              <a:schemeClr val="accent1"/>
+            </a:lnRef>
+            <a:fillRef idx="0">
+              <a:schemeClr val="accent1"/>
+            </a:fillRef>
+            <a:effectRef idx="0">
+              <a:schemeClr val="accent1"/>
+            </a:effectRef>
+            <a:fontRef idx="minor">
+              <a:schemeClr val="tx1"/>
+            </a:fontRef>
+          </p:style>
+        </p:cxnSp>
+        <p:sp>
+          <p:nvSpPr>
+            <p:cNvPr id="28" name="Rectangle 27"/>
+            <p:cNvSpPr/>
+            <p:nvPr/>
+          </p:nvSpPr>
+          <p:spPr>
+            <a:xfrm>
+              <a:off x="7156540" y="4712493"/>
+              <a:ext cx="731372" cy="523220"/>
+            </a:xfrm>
+            <a:prstGeom prst="rect">
+              <a:avLst/>
+            </a:prstGeom>
+          </p:spPr>
+          <p:txBody>
+            <a:bodyPr wrap="square">
+              <a:spAutoFit/>
+            </a:bodyPr>
+            <a:lstStyle/>
+            <a:p>
+              <a:pPr algn="ctr"/>
+              <a:r>
+                <a:rPr lang="en-US" sz="1400" dirty="0"/>
+                <a:t>valor </a:t>
+              </a:r>
+              <a:r>
+                <a:rPr lang="en-US" sz="1400" dirty="0" err="1"/>
+                <a:t>inicial</a:t>
+              </a:r>
+              <a:endParaRPr lang="en-US" sz="1400" dirty="0"/>
+            </a:p>
+          </p:txBody>
+        </p:sp>
+        <p:sp>
+          <p:nvSpPr>
+            <p:cNvPr id="16" name="Flowchart: Connector 15"/>
+            <p:cNvSpPr/>
+            <p:nvPr/>
+          </p:nvSpPr>
+          <p:spPr>
+            <a:xfrm>
+              <a:off x="7479364" y="4422913"/>
+              <a:ext cx="85725" cy="101516"/>
+            </a:xfrm>
+            <a:prstGeom prst="flowChartConnector">
+              <a:avLst/>
+            </a:prstGeom>
+            <a:solidFill>
+              <a:schemeClr val="tx1"/>
+            </a:solidFill>
+            <a:ln>
+              <a:solidFill>
+                <a:schemeClr val="tx1"/>
+              </a:solidFill>
+            </a:ln>
+          </p:spPr>
+          <p:style>
+            <a:lnRef idx="2">
+              <a:schemeClr val="accent1">
+                <a:shade val="50000"/>
+              </a:schemeClr>
+            </a:lnRef>
+            <a:fillRef idx="1">
+              <a:schemeClr val="accent1"/>
+            </a:fillRef>
+            <a:effectRef idx="0">
+              <a:schemeClr val="accent1"/>
+            </a:effectRef>
+            <a:fontRef idx="minor">
+              <a:schemeClr val="lt1"/>
+            </a:fontRef>
+          </p:style>
+          <p:txBody>
+            <a:bodyPr rtlCol="0" anchor="ctr"/>
+            <a:lstStyle/>
+            <a:p>
+              <a:pPr algn="ctr"/>
+              <a:endParaRPr lang="nl-BE"/>
+            </a:p>
+          </p:txBody>
+        </p:sp>
+        <p:sp>
+          <p:nvSpPr>
+            <p:cNvPr id="38" name="Flowchart: Connector 37"/>
+            <p:cNvSpPr/>
+            <p:nvPr/>
+          </p:nvSpPr>
+          <p:spPr>
+            <a:xfrm>
+              <a:off x="8893031" y="4308697"/>
+              <a:ext cx="85725" cy="101516"/>
+            </a:xfrm>
+            <a:prstGeom prst="flowChartConnector">
+              <a:avLst/>
+            </a:prstGeom>
+            <a:solidFill>
+              <a:schemeClr val="tx1"/>
+            </a:solidFill>
+            <a:ln>
+              <a:solidFill>
+                <a:schemeClr val="tx1"/>
+              </a:solidFill>
+            </a:ln>
+          </p:spPr>
+          <p:style>
+            <a:lnRef idx="2">
+              <a:schemeClr val="accent1">
+                <a:shade val="50000"/>
+              </a:schemeClr>
+            </a:lnRef>
+            <a:fillRef idx="1">
+              <a:schemeClr val="accent1"/>
+            </a:fillRef>
+            <a:effectRef idx="0">
+              <a:schemeClr val="accent1"/>
+            </a:effectRef>
+            <a:fontRef idx="minor">
+              <a:schemeClr val="lt1"/>
+            </a:fontRef>
+          </p:style>
+          <p:txBody>
+            <a:bodyPr rtlCol="0" anchor="ctr"/>
+            <a:lstStyle/>
+            <a:p>
+              <a:pPr algn="ctr"/>
+              <a:endParaRPr lang="nl-BE"/>
+            </a:p>
+          </p:txBody>
+        </p:sp>
+        <p:sp>
+          <p:nvSpPr>
+            <p:cNvPr id="39" name="Flowchart: Connector 38"/>
+            <p:cNvSpPr/>
+            <p:nvPr/>
+          </p:nvSpPr>
+          <p:spPr>
+            <a:xfrm>
+              <a:off x="7179327" y="4068106"/>
+              <a:ext cx="85725" cy="101516"/>
+            </a:xfrm>
+            <a:prstGeom prst="flowChartConnector">
+              <a:avLst/>
+            </a:prstGeom>
+            <a:solidFill>
+              <a:schemeClr val="tx1"/>
+            </a:solidFill>
+            <a:ln>
+              <a:solidFill>
+                <a:schemeClr val="tx1"/>
+              </a:solidFill>
+            </a:ln>
+          </p:spPr>
+          <p:style>
+            <a:lnRef idx="2">
+              <a:schemeClr val="accent1">
+                <a:shade val="50000"/>
+              </a:schemeClr>
+            </a:lnRef>
+            <a:fillRef idx="1">
+              <a:schemeClr val="accent1"/>
+            </a:fillRef>
+            <a:effectRef idx="0">
+              <a:schemeClr val="accent1"/>
+            </a:effectRef>
+            <a:fontRef idx="minor">
+              <a:schemeClr val="lt1"/>
+            </a:fontRef>
+          </p:style>
+          <p:txBody>
+            <a:bodyPr rtlCol="0" anchor="ctr"/>
+            <a:lstStyle/>
+            <a:p>
+              <a:pPr algn="ctr"/>
+              <a:endParaRPr lang="nl-BE"/>
+            </a:p>
+          </p:txBody>
+        </p:sp>
+        <p:sp>
+          <p:nvSpPr>
+            <p:cNvPr id="40" name="Flowchart: Connector 39"/>
+            <p:cNvSpPr/>
+            <p:nvPr/>
+          </p:nvSpPr>
+          <p:spPr>
+            <a:xfrm>
+              <a:off x="9243870" y="3774659"/>
+              <a:ext cx="85725" cy="101516"/>
+            </a:xfrm>
+            <a:prstGeom prst="flowChartConnector">
+              <a:avLst/>
+            </a:prstGeom>
+            <a:solidFill>
+              <a:schemeClr val="tx1"/>
+            </a:solidFill>
+            <a:ln>
+              <a:solidFill>
+                <a:schemeClr val="tx1"/>
+              </a:solidFill>
+            </a:ln>
+          </p:spPr>
+          <p:style>
+            <a:lnRef idx="2">
+              <a:schemeClr val="accent1">
+                <a:shade val="50000"/>
+              </a:schemeClr>
+            </a:lnRef>
+            <a:fillRef idx="1">
+              <a:schemeClr val="accent1"/>
+            </a:fillRef>
+            <a:effectRef idx="0">
+              <a:schemeClr val="accent1"/>
+            </a:effectRef>
+            <a:fontRef idx="minor">
+              <a:schemeClr val="lt1"/>
+            </a:fontRef>
+          </p:style>
+          <p:txBody>
+            <a:bodyPr rtlCol="0" anchor="ctr"/>
+            <a:lstStyle/>
+            <a:p>
+              <a:pPr algn="ctr"/>
+              <a:endParaRPr lang="nl-BE"/>
+            </a:p>
+          </p:txBody>
+        </p:sp>
+        <p:sp>
+          <p:nvSpPr>
+            <p:cNvPr id="41" name="Flowchart: Connector 40"/>
+            <p:cNvSpPr/>
+            <p:nvPr/>
+          </p:nvSpPr>
+          <p:spPr>
+            <a:xfrm>
+              <a:off x="6936439" y="3535844"/>
+              <a:ext cx="85725" cy="101516"/>
+            </a:xfrm>
+            <a:prstGeom prst="flowChartConnector">
+              <a:avLst/>
+            </a:prstGeom>
+            <a:solidFill>
+              <a:schemeClr val="tx1"/>
+            </a:solidFill>
+            <a:ln>
+              <a:solidFill>
+                <a:schemeClr val="tx1"/>
+              </a:solidFill>
+            </a:ln>
+          </p:spPr>
+          <p:style>
+            <a:lnRef idx="2">
+              <a:schemeClr val="accent1">
+                <a:shade val="50000"/>
+              </a:schemeClr>
+            </a:lnRef>
+            <a:fillRef idx="1">
+              <a:schemeClr val="accent1"/>
+            </a:fillRef>
+            <a:effectRef idx="0">
+              <a:schemeClr val="accent1"/>
+            </a:effectRef>
+            <a:fontRef idx="minor">
+              <a:schemeClr val="lt1"/>
+            </a:fontRef>
+          </p:style>
+          <p:txBody>
+            <a:bodyPr rtlCol="0" anchor="ctr"/>
+            <a:lstStyle/>
+            <a:p>
+              <a:pPr algn="ctr"/>
+              <a:endParaRPr lang="nl-BE"/>
+            </a:p>
+          </p:txBody>
+        </p:sp>
+        <p:sp>
+          <p:nvSpPr>
+            <p:cNvPr id="42" name="Flowchart: Connector 41"/>
+            <p:cNvSpPr/>
+            <p:nvPr/>
+          </p:nvSpPr>
+          <p:spPr>
+            <a:xfrm>
+              <a:off x="9390551" y="3349850"/>
+              <a:ext cx="85725" cy="101516"/>
+            </a:xfrm>
+            <a:prstGeom prst="flowChartConnector">
+              <a:avLst/>
+            </a:prstGeom>
+            <a:solidFill>
+              <a:schemeClr val="tx1"/>
+            </a:solidFill>
+            <a:ln>
+              <a:solidFill>
+                <a:schemeClr val="tx1"/>
+              </a:solidFill>
+            </a:ln>
+          </p:spPr>
+          <p:style>
+            <a:lnRef idx="2">
+              <a:schemeClr val="accent1">
+                <a:shade val="50000"/>
+              </a:schemeClr>
+            </a:lnRef>
+            <a:fillRef idx="1">
+              <a:schemeClr val="accent1"/>
+            </a:fillRef>
+            <a:effectRef idx="0">
+              <a:schemeClr val="accent1"/>
+            </a:effectRef>
+            <a:fontRef idx="minor">
+              <a:schemeClr val="lt1"/>
+            </a:fontRef>
+          </p:style>
+          <p:txBody>
+            <a:bodyPr rtlCol="0" anchor="ctr"/>
+            <a:lstStyle/>
+            <a:p>
+              <a:pPr algn="ctr"/>
+              <a:endParaRPr lang="nl-BE"/>
+            </a:p>
+          </p:txBody>
+        </p:sp>
+        <p:cxnSp>
+          <p:nvCxnSpPr>
+            <p:cNvPr id="3" name="Straight Arrow Connector 2"/>
+            <p:cNvCxnSpPr>
+              <a:stCxn id="16" idx="6"/>
+              <a:endCxn id="38" idx="2"/>
+            </p:cNvCxnSpPr>
+            <p:nvPr/>
+          </p:nvCxnSpPr>
+          <p:spPr>
+            <a:xfrm flipV="1">
+              <a:off x="7565089" y="4359455"/>
+              <a:ext cx="1327942" cy="114216"/>
+            </a:xfrm>
+            <a:prstGeom prst="straightConnector1">
+              <a:avLst/>
+            </a:prstGeom>
+            <a:ln>
+              <a:solidFill>
+                <a:schemeClr val="tx1"/>
+              </a:solidFill>
+              <a:prstDash val="dash"/>
+              <a:tailEnd type="triangle"/>
+            </a:ln>
+          </p:spPr>
+          <p:style>
+            <a:lnRef idx="1">
+              <a:schemeClr val="accent1"/>
+            </a:lnRef>
+            <a:fillRef idx="0">
+              <a:schemeClr val="accent1"/>
+            </a:fillRef>
+            <a:effectRef idx="0">
+              <a:schemeClr val="accent1"/>
+            </a:effectRef>
+            <a:fontRef idx="minor">
+              <a:schemeClr val="tx1"/>
+            </a:fontRef>
+          </p:style>
+        </p:cxnSp>
+        <p:cxnSp>
+          <p:nvCxnSpPr>
+            <p:cNvPr id="5" name="Straight Arrow Connector 4"/>
+            <p:cNvCxnSpPr>
+              <a:stCxn id="38" idx="2"/>
+              <a:endCxn id="39" idx="6"/>
+            </p:cNvCxnSpPr>
+            <p:nvPr/>
+          </p:nvCxnSpPr>
+          <p:spPr>
+            <a:xfrm flipH="1" flipV="1">
+              <a:off x="7265052" y="4118864"/>
+              <a:ext cx="1627979" cy="240591"/>
+            </a:xfrm>
+            <a:prstGeom prst="straightConnector1">
+              <a:avLst/>
+            </a:prstGeom>
+            <a:ln>
+              <a:solidFill>
+                <a:schemeClr val="tx1"/>
+              </a:solidFill>
+              <a:prstDash val="dash"/>
+              <a:tailEnd type="triangle"/>
+            </a:ln>
+          </p:spPr>
+          <p:style>
+            <a:lnRef idx="1">
+              <a:schemeClr val="accent1"/>
+            </a:lnRef>
+            <a:fillRef idx="0">
+              <a:schemeClr val="accent1"/>
+            </a:fillRef>
+            <a:effectRef idx="0">
+              <a:schemeClr val="accent1"/>
+            </a:effectRef>
+            <a:fontRef idx="minor">
+              <a:schemeClr val="tx1"/>
+            </a:fontRef>
+          </p:style>
+        </p:cxnSp>
+        <p:cxnSp>
+          <p:nvCxnSpPr>
+            <p:cNvPr id="7" name="Straight Arrow Connector 6"/>
+            <p:cNvCxnSpPr>
+              <a:stCxn id="39" idx="6"/>
+              <a:endCxn id="40" idx="2"/>
+            </p:cNvCxnSpPr>
+            <p:nvPr/>
+          </p:nvCxnSpPr>
+          <p:spPr>
+            <a:xfrm flipV="1">
+              <a:off x="7265052" y="3825417"/>
+              <a:ext cx="1978818" cy="293447"/>
+            </a:xfrm>
+            <a:prstGeom prst="straightConnector1">
+              <a:avLst/>
+            </a:prstGeom>
+            <a:ln>
+              <a:solidFill>
+                <a:schemeClr val="tx1"/>
+              </a:solidFill>
+              <a:prstDash val="dash"/>
+              <a:tailEnd type="triangle"/>
+            </a:ln>
+          </p:spPr>
+          <p:style>
+            <a:lnRef idx="1">
+              <a:schemeClr val="accent1"/>
+            </a:lnRef>
+            <a:fillRef idx="0">
+              <a:schemeClr val="accent1"/>
+            </a:fillRef>
+            <a:effectRef idx="0">
+              <a:schemeClr val="accent1"/>
+            </a:effectRef>
+            <a:fontRef idx="minor">
+              <a:schemeClr val="tx1"/>
+            </a:fontRef>
+          </p:style>
+        </p:cxnSp>
+        <p:cxnSp>
+          <p:nvCxnSpPr>
+            <p:cNvPr id="9" name="Straight Arrow Connector 8"/>
+            <p:cNvCxnSpPr>
+              <a:stCxn id="40" idx="2"/>
+              <a:endCxn id="41" idx="6"/>
+            </p:cNvCxnSpPr>
+            <p:nvPr/>
+          </p:nvCxnSpPr>
+          <p:spPr>
+            <a:xfrm flipH="1" flipV="1">
+              <a:off x="7022164" y="3586602"/>
+              <a:ext cx="2221706" cy="238815"/>
+            </a:xfrm>
+            <a:prstGeom prst="straightConnector1">
+              <a:avLst/>
+            </a:prstGeom>
+            <a:ln>
+              <a:solidFill>
+                <a:schemeClr val="tx1"/>
+              </a:solidFill>
+              <a:prstDash val="dash"/>
+              <a:tailEnd type="triangle"/>
+            </a:ln>
+          </p:spPr>
+          <p:style>
+            <a:lnRef idx="1">
+              <a:schemeClr val="accent1"/>
+            </a:lnRef>
+            <a:fillRef idx="0">
+              <a:schemeClr val="accent1"/>
+            </a:fillRef>
+            <a:effectRef idx="0">
+              <a:schemeClr val="accent1"/>
+            </a:effectRef>
+            <a:fontRef idx="minor">
+              <a:schemeClr val="tx1"/>
+            </a:fontRef>
+          </p:style>
+        </p:cxnSp>
+        <p:cxnSp>
+          <p:nvCxnSpPr>
+            <p:cNvPr id="11" name="Straight Arrow Connector 10"/>
+            <p:cNvCxnSpPr>
+              <a:stCxn id="41" idx="6"/>
+              <a:endCxn id="42" idx="2"/>
+            </p:cNvCxnSpPr>
+            <p:nvPr/>
+          </p:nvCxnSpPr>
+          <p:spPr>
+            <a:xfrm flipV="1">
+              <a:off x="7022164" y="3400608"/>
+              <a:ext cx="2368387" cy="185994"/>
+            </a:xfrm>
+            <a:prstGeom prst="straightConnector1">
+              <a:avLst/>
+            </a:prstGeom>
+            <a:ln>
+              <a:solidFill>
+                <a:schemeClr val="tx1"/>
+              </a:solidFill>
+              <a:prstDash val="dash"/>
+              <a:tailEnd type="triangle"/>
+            </a:ln>
+          </p:spPr>
+          <p:style>
+            <a:lnRef idx="1">
+              <a:schemeClr val="accent1"/>
+            </a:lnRef>
+            <a:fillRef idx="0">
+              <a:schemeClr val="accent1"/>
+            </a:fillRef>
+            <a:effectRef idx="0">
+              <a:schemeClr val="accent1"/>
+            </a:effectRef>
+            <a:fontRef idx="minor">
+              <a:schemeClr val="tx1"/>
+            </a:fontRef>
+          </p:style>
+        </p:cxnSp>
+      </p:grpSp>
+      <p:grpSp>
+        <p:nvGrpSpPr>
+          <p:cNvPr id="64" name="Group 63"/>
+          <p:cNvGrpSpPr/>
+          <p:nvPr/>
+        </p:nvGrpSpPr>
+        <p:grpSpPr>
+          <a:xfrm>
+            <a:off x="1226234" y="657185"/>
+            <a:ext cx="3578724" cy="4587393"/>
+            <a:chOff x="1226234" y="657185"/>
+            <a:chExt cx="3578724" cy="4587393"/>
+          </a:xfrm>
+        </p:grpSpPr>
+        <p:grpSp>
+          <p:nvGrpSpPr>
+            <p:cNvPr id="25" name="Group 24"/>
+            <p:cNvGrpSpPr/>
+            <p:nvPr/>
+          </p:nvGrpSpPr>
+          <p:grpSpPr>
+            <a:xfrm rot="10800000">
+              <a:off x="1569134" y="657185"/>
+              <a:ext cx="2806700" cy="4067687"/>
+              <a:chOff x="5943600" y="2032000"/>
+              <a:chExt cx="2806700" cy="4067687"/>
+            </a:xfrm>
+          </p:grpSpPr>
+          <p:sp>
+            <p:nvSpPr>
+              <p:cNvPr id="26" name="Oval 25"/>
+              <p:cNvSpPr/>
+              <p:nvPr/>
+            </p:nvSpPr>
+            <p:spPr>
+              <a:xfrm>
+                <a:off x="6012753" y="2032000"/>
+                <a:ext cx="2661347" cy="3911600"/>
+              </a:xfrm>
+              <a:prstGeom prst="ellipse">
+                <a:avLst/>
+              </a:prstGeom>
+              <a:noFill/>
+              <a:ln>
+                <a:solidFill>
+                  <a:schemeClr val="tx1"/>
+                </a:solidFill>
+              </a:ln>
+            </p:spPr>
+            <p:style>
+              <a:lnRef idx="2">
+                <a:schemeClr val="accent1">
+                  <a:shade val="50000"/>
+                </a:schemeClr>
+              </a:lnRef>
+              <a:fillRef idx="1">
+                <a:schemeClr val="accent1"/>
+              </a:fillRef>
+              <a:effectRef idx="0">
+                <a:schemeClr val="accent1"/>
+              </a:effectRef>
+              <a:fontRef idx="minor">
+                <a:schemeClr val="lt1"/>
+              </a:fontRef>
+            </p:style>
+            <p:txBody>
+              <a:bodyPr rtlCol="0" anchor="ctr"/>
+              <a:lstStyle/>
+              <a:p>
+                <a:pPr algn="ctr"/>
+                <a:endParaRPr lang="nl-BE"/>
+              </a:p>
+            </p:txBody>
+          </p:sp>
+          <p:sp>
+            <p:nvSpPr>
+              <p:cNvPr id="29" name="Rectangle 28"/>
+              <p:cNvSpPr/>
+              <p:nvPr/>
+            </p:nvSpPr>
+            <p:spPr>
+              <a:xfrm>
+                <a:off x="5943600" y="3415504"/>
+                <a:ext cx="2806700" cy="2684183"/>
+              </a:xfrm>
+              <a:prstGeom prst="rect">
+                <a:avLst/>
+              </a:prstGeom>
+              <a:solidFill>
+                <a:schemeClr val="bg1"/>
+              </a:solidFill>
+              <a:ln>
+                <a:solidFill>
+                  <a:schemeClr val="bg1"/>
+                </a:solidFill>
+              </a:ln>
+            </p:spPr>
+            <p:style>
+              <a:lnRef idx="2">
+                <a:schemeClr val="accent1">
+                  <a:shade val="50000"/>
+                </a:schemeClr>
+              </a:lnRef>
+              <a:fillRef idx="1">
+                <a:schemeClr val="accent1"/>
+              </a:fillRef>
+              <a:effectRef idx="0">
+                <a:schemeClr val="accent1"/>
+              </a:effectRef>
+              <a:fontRef idx="minor">
+                <a:schemeClr val="lt1"/>
+              </a:fontRef>
+            </p:style>
+            <p:txBody>
+              <a:bodyPr rtlCol="0" anchor="ctr"/>
+              <a:lstStyle/>
+              <a:p>
+                <a:pPr algn="ctr"/>
+                <a:endParaRPr lang="nl-BE"/>
+              </a:p>
+            </p:txBody>
+          </p:sp>
+        </p:grpSp>
+        <p:sp>
+          <p:nvSpPr>
+            <p:cNvPr id="30" name="Flowchart: Connector 29"/>
+            <p:cNvSpPr/>
+            <p:nvPr/>
+          </p:nvSpPr>
+          <p:spPr>
+            <a:xfrm>
+              <a:off x="2915334" y="4682376"/>
+              <a:ext cx="85725" cy="101516"/>
+            </a:xfrm>
+            <a:prstGeom prst="flowChartConnector">
+              <a:avLst/>
+            </a:prstGeom>
+            <a:solidFill>
+              <a:srgbClr val="FF0000"/>
+            </a:solidFill>
+            <a:ln>
+              <a:solidFill>
+                <a:srgbClr val="FF0000"/>
+              </a:solidFill>
+            </a:ln>
+          </p:spPr>
+          <p:style>
+            <a:lnRef idx="2">
+              <a:schemeClr val="accent1">
+                <a:shade val="50000"/>
+              </a:schemeClr>
+            </a:lnRef>
+            <a:fillRef idx="1">
+              <a:schemeClr val="accent1"/>
+            </a:fillRef>
+            <a:effectRef idx="0">
+              <a:schemeClr val="accent1"/>
+            </a:effectRef>
+            <a:fontRef idx="minor">
+              <a:schemeClr val="lt1"/>
+            </a:fontRef>
+          </p:style>
+          <p:txBody>
+            <a:bodyPr rtlCol="0" anchor="ctr"/>
+            <a:lstStyle/>
+            <a:p>
+              <a:pPr algn="ctr"/>
+              <a:endParaRPr lang="nl-BE"/>
+            </a:p>
+          </p:txBody>
+        </p:sp>
+        <p:cxnSp>
+          <p:nvCxnSpPr>
+            <p:cNvPr id="31" name="Straight Arrow Connector 30"/>
+            <p:cNvCxnSpPr/>
+            <p:nvPr/>
+          </p:nvCxnSpPr>
+          <p:spPr>
+            <a:xfrm>
+              <a:off x="1232584" y="2937251"/>
+              <a:ext cx="0" cy="1800000"/>
+            </a:xfrm>
+            <a:prstGeom prst="straightConnector1">
+              <a:avLst/>
+            </a:prstGeom>
+            <a:ln w="12700">
+              <a:solidFill>
+                <a:schemeClr val="tx1"/>
+              </a:solidFill>
+              <a:headEnd type="triangle" w="med" len="med"/>
+              <a:tailEnd type="none" w="med" len="med"/>
+            </a:ln>
+          </p:spPr>
+          <p:style>
+            <a:lnRef idx="1">
+              <a:schemeClr val="accent1"/>
+            </a:lnRef>
+            <a:fillRef idx="0">
+              <a:schemeClr val="accent1"/>
+            </a:fillRef>
+            <a:effectRef idx="0">
+              <a:schemeClr val="accent1"/>
+            </a:effectRef>
+            <a:fontRef idx="minor">
+              <a:schemeClr val="tx1"/>
+            </a:fontRef>
+          </p:style>
+        </p:cxnSp>
+        <p:cxnSp>
+          <p:nvCxnSpPr>
+            <p:cNvPr id="32" name="Straight Arrow Connector 31"/>
+            <p:cNvCxnSpPr/>
+            <p:nvPr/>
+          </p:nvCxnSpPr>
+          <p:spPr>
+            <a:xfrm flipH="1">
+              <a:off x="1226234" y="4738488"/>
+              <a:ext cx="3168000" cy="0"/>
+            </a:xfrm>
+            <a:prstGeom prst="straightConnector1">
+              <a:avLst/>
+            </a:prstGeom>
+            <a:ln w="12700">
+              <a:solidFill>
+                <a:schemeClr val="tx1"/>
+              </a:solidFill>
+              <a:headEnd type="triangle" w="med" len="med"/>
+              <a:tailEnd type="none" w="med" len="med"/>
+            </a:ln>
+          </p:spPr>
+          <p:style>
+            <a:lnRef idx="1">
+              <a:schemeClr val="accent1"/>
+            </a:lnRef>
+            <a:fillRef idx="0">
+              <a:schemeClr val="accent1"/>
+            </a:fillRef>
+            <a:effectRef idx="0">
+              <a:schemeClr val="accent1"/>
+            </a:effectRef>
+            <a:fontRef idx="minor">
+              <a:schemeClr val="tx1"/>
+            </a:fontRef>
+          </p:style>
+        </p:cxnSp>
+        <mc:AlternateContent xmlns:mc="http://schemas.openxmlformats.org/markup-compatibility/2006" xmlns:a14="http://schemas.microsoft.com/office/drawing/2010/main">
+          <mc:Choice Requires="a14">
+            <p:sp>
+              <p:nvSpPr>
+                <p:cNvPr id="33" name="Rectangle 32"/>
+                <p:cNvSpPr/>
+                <p:nvPr/>
+              </p:nvSpPr>
+              <p:spPr>
+                <a:xfrm>
+                  <a:off x="1298476" y="2851998"/>
+                  <a:ext cx="753220" cy="369332"/>
+                </a:xfrm>
+                <a:prstGeom prst="rect">
+                  <a:avLst/>
+                </a:prstGeom>
+              </p:spPr>
+              <p:txBody>
+                <a:bodyPr wrap="none">
+                  <a:spAutoFit/>
+                </a:bodyPr>
+                <a:lstStyle/>
+                <a:p>
+                  <a:pPr/>
+                  <a14:m>
+                    <m:oMathPara xmlns:m="http://schemas.openxmlformats.org/officeDocument/2006/math">
+                      <m:oMathParaPr>
+                        <m:jc m:val="centerGroup"/>
+                      </m:oMathParaPr>
+                      <m:oMath xmlns:m="http://schemas.openxmlformats.org/officeDocument/2006/math">
+                        <m:sSub>
+                          <m:sSubPr>
+                            <m:ctrlPr>
+                              <a:rPr lang="pt-BR" i="1">
+                                <a:latin typeface="Cambria Math" panose="02040503050406030204" pitchFamily="18" charset="0"/>
+                                <a:ea typeface="Cambria Math" panose="02040503050406030204" pitchFamily="18" charset="0"/>
+                              </a:rPr>
+                            </m:ctrlPr>
+                          </m:sSubPr>
+                          <m:e>
+                            <m:r>
+                              <a:rPr lang="pt-BR" i="1">
+                                <a:latin typeface="Cambria Math" panose="02040503050406030204" pitchFamily="18" charset="0"/>
+                                <a:ea typeface="Cambria Math" panose="02040503050406030204" pitchFamily="18" charset="0"/>
+                              </a:rPr>
+                              <m:t>𝐽</m:t>
+                            </m:r>
+                          </m:e>
+                          <m:sub>
+                            <m:r>
+                              <a:rPr lang="pt-BR" i="1">
+                                <a:latin typeface="Cambria Math" panose="02040503050406030204" pitchFamily="18" charset="0"/>
+                                <a:ea typeface="Cambria Math" panose="02040503050406030204" pitchFamily="18" charset="0"/>
+                              </a:rPr>
+                              <m:t>𝑒</m:t>
+                            </m:r>
+                          </m:sub>
+                        </m:sSub>
+                        <m:r>
+                          <a:rPr lang="pt-BR" i="1">
+                            <a:latin typeface="Cambria Math" panose="02040503050406030204" pitchFamily="18" charset="0"/>
+                            <a:ea typeface="Cambria Math" panose="02040503050406030204" pitchFamily="18" charset="0"/>
+                          </a:rPr>
+                          <m:t>(</m:t>
+                        </m:r>
+                        <m:r>
+                          <a:rPr lang="pt-BR" b="1" i="1">
+                            <a:latin typeface="Cambria Math" panose="02040503050406030204" pitchFamily="18" charset="0"/>
+                            <a:ea typeface="Cambria Math" panose="02040503050406030204" pitchFamily="18" charset="0"/>
+                          </a:rPr>
+                          <m:t>𝒂</m:t>
+                        </m:r>
+                        <m:r>
+                          <a:rPr lang="pt-BR" i="1">
+                            <a:latin typeface="Cambria Math" panose="02040503050406030204" pitchFamily="18" charset="0"/>
+                            <a:ea typeface="Cambria Math" panose="02040503050406030204" pitchFamily="18" charset="0"/>
+                          </a:rPr>
+                          <m:t>)</m:t>
+                        </m:r>
+                      </m:oMath>
+                    </m:oMathPara>
+                  </a14:m>
+                  <a:endParaRPr lang="nl-BE" dirty="0"/>
+                </a:p>
+              </p:txBody>
+            </p:sp>
+          </mc:Choice>
+          <mc:Fallback xmlns="">
+            <p:sp>
+              <p:nvSpPr>
+                <p:cNvPr id="33" name="Rectangle 32"/>
+                <p:cNvSpPr>
+                  <a:spLocks noRot="1" noChangeAspect="1" noMove="1" noResize="1" noEditPoints="1" noAdjustHandles="1" noChangeArrowheads="1" noChangeShapeType="1" noTextEdit="1"/>
+                </p:cNvSpPr>
+                <p:nvPr/>
+              </p:nvSpPr>
+              <p:spPr>
+                <a:xfrm>
+                  <a:off x="1298476" y="2851998"/>
+                  <a:ext cx="753220" cy="369332"/>
+                </a:xfrm>
+                <a:prstGeom prst="rect">
+                  <a:avLst/>
+                </a:prstGeom>
+                <a:blipFill rotWithShape="0">
+                  <a:blip r:embed="rId5"/>
+                  <a:stretch>
+                    <a:fillRect b="-13333"/>
+                  </a:stretch>
+                </a:blipFill>
+              </p:spPr>
+              <p:txBody>
+                <a:bodyPr/>
+                <a:lstStyle/>
+                <a:p>
+                  <a:r>
+                    <a:rPr lang="pt-BR">
+                      <a:noFill/>
+                    </a:rPr>
+                    <a:t> </a:t>
+                  </a:r>
+                </a:p>
+              </p:txBody>
+            </p:sp>
+          </mc:Fallback>
+        </mc:AlternateContent>
+        <mc:AlternateContent xmlns:mc="http://schemas.openxmlformats.org/markup-compatibility/2006" xmlns:a14="http://schemas.microsoft.com/office/drawing/2010/main">
+          <mc:Choice Requires="a14">
+            <p:sp>
+              <p:nvSpPr>
+                <p:cNvPr id="34" name="Rectangle 33"/>
+                <p:cNvSpPr/>
+                <p:nvPr/>
+              </p:nvSpPr>
+              <p:spPr>
+                <a:xfrm>
+                  <a:off x="4433510" y="4540206"/>
+                  <a:ext cx="371448" cy="369332"/>
+                </a:xfrm>
+                <a:prstGeom prst="rect">
+                  <a:avLst/>
+                </a:prstGeom>
+              </p:spPr>
+              <p:txBody>
+                <a:bodyPr wrap="none">
+                  <a:spAutoFit/>
+                </a:bodyPr>
+                <a:lstStyle/>
+                <a:p>
+                  <a:pPr/>
+                  <a14:m>
+                    <m:oMathPara xmlns:m="http://schemas.openxmlformats.org/officeDocument/2006/math">
+                      <m:oMathParaPr>
+                        <m:jc m:val="centerGroup"/>
+                      </m:oMathParaPr>
+                      <m:oMath xmlns:m="http://schemas.openxmlformats.org/officeDocument/2006/math">
+                        <m:r>
+                          <a:rPr lang="en-US" b="0" i="1" smtClean="0">
+                            <a:latin typeface="Cambria Math" panose="02040503050406030204" pitchFamily="18" charset="0"/>
+                          </a:rPr>
+                          <m:t>𝑎</m:t>
+                        </m:r>
+                      </m:oMath>
+                    </m:oMathPara>
+                  </a14:m>
+                  <a:endParaRPr lang="nl-BE" dirty="0"/>
+                </a:p>
+              </p:txBody>
+            </p:sp>
+          </mc:Choice>
+          <mc:Fallback xmlns="">
+            <p:sp>
+              <p:nvSpPr>
+                <p:cNvPr id="34" name="Rectangle 33"/>
+                <p:cNvSpPr>
+                  <a:spLocks noRot="1" noChangeAspect="1" noMove="1" noResize="1" noEditPoints="1" noAdjustHandles="1" noChangeArrowheads="1" noChangeShapeType="1" noTextEdit="1"/>
+                </p:cNvSpPr>
+                <p:nvPr/>
+              </p:nvSpPr>
+              <p:spPr>
+                <a:xfrm>
+                  <a:off x="4433510" y="4540206"/>
+                  <a:ext cx="371448" cy="369332"/>
+                </a:xfrm>
+                <a:prstGeom prst="rect">
+                  <a:avLst/>
+                </a:prstGeom>
+                <a:blipFill rotWithShape="0">
+                  <a:blip r:embed="rId6"/>
+                  <a:stretch>
+                    <a:fillRect/>
+                  </a:stretch>
+                </a:blipFill>
+              </p:spPr>
+              <p:txBody>
+                <a:bodyPr/>
+                <a:lstStyle/>
+                <a:p>
+                  <a:r>
+                    <a:rPr lang="pt-BR">
+                      <a:noFill/>
+                    </a:rPr>
+                    <a:t> </a:t>
+                  </a:r>
+                </a:p>
+              </p:txBody>
+            </p:sp>
+          </mc:Fallback>
+        </mc:AlternateContent>
+        <p:cxnSp>
+          <p:nvCxnSpPr>
+            <p:cNvPr id="35" name="Straight Connector 34"/>
+            <p:cNvCxnSpPr/>
+            <p:nvPr/>
+          </p:nvCxnSpPr>
+          <p:spPr>
+            <a:xfrm rot="5400000">
+              <a:off x="1234573" y="4193493"/>
+              <a:ext cx="1080000" cy="0"/>
+            </a:xfrm>
+            <a:prstGeom prst="line">
+              <a:avLst/>
+            </a:prstGeom>
+            <a:ln w="19050"/>
+          </p:spPr>
+          <p:style>
+            <a:lnRef idx="1">
+              <a:schemeClr val="accent1"/>
+            </a:lnRef>
+            <a:fillRef idx="0">
+              <a:schemeClr val="accent1"/>
+            </a:fillRef>
+            <a:effectRef idx="0">
+              <a:schemeClr val="accent1"/>
+            </a:effectRef>
+            <a:fontRef idx="minor">
+              <a:schemeClr val="tx1"/>
+            </a:fontRef>
+          </p:style>
+        </p:cxnSp>
+        <p:sp>
+          <p:nvSpPr>
+            <p:cNvPr id="36" name="Rectangle 35"/>
+            <p:cNvSpPr/>
+            <p:nvPr/>
+          </p:nvSpPr>
+          <p:spPr>
+            <a:xfrm>
+              <a:off x="1399362" y="4721358"/>
+              <a:ext cx="731372" cy="523220"/>
+            </a:xfrm>
+            <a:prstGeom prst="rect">
+              <a:avLst/>
+            </a:prstGeom>
+          </p:spPr>
+          <p:txBody>
+            <a:bodyPr wrap="square">
+              <a:spAutoFit/>
+            </a:bodyPr>
+            <a:lstStyle/>
+            <a:p>
+              <a:pPr algn="ctr"/>
+              <a:r>
+                <a:rPr lang="en-US" sz="1400" dirty="0"/>
+                <a:t>valor </a:t>
+              </a:r>
+              <a:r>
+                <a:rPr lang="en-US" sz="1400" dirty="0" err="1"/>
+                <a:t>inicial</a:t>
+              </a:r>
+              <a:endParaRPr lang="en-US" sz="1400" dirty="0"/>
+            </a:p>
+          </p:txBody>
+        </p:sp>
+        <p:sp>
+          <p:nvSpPr>
+            <p:cNvPr id="37" name="Flowchart: Connector 36"/>
+            <p:cNvSpPr/>
+            <p:nvPr/>
+          </p:nvSpPr>
+          <p:spPr>
+            <a:xfrm>
+              <a:off x="2279398" y="4435292"/>
+              <a:ext cx="85725" cy="101516"/>
+            </a:xfrm>
+            <a:prstGeom prst="flowChartConnector">
+              <a:avLst/>
+            </a:prstGeom>
+            <a:solidFill>
+              <a:schemeClr val="tx1"/>
+            </a:solidFill>
+            <a:ln>
+              <a:solidFill>
+                <a:schemeClr val="tx1"/>
+              </a:solidFill>
+            </a:ln>
+          </p:spPr>
+          <p:style>
+            <a:lnRef idx="2">
+              <a:schemeClr val="accent1">
+                <a:shade val="50000"/>
+              </a:schemeClr>
+            </a:lnRef>
+            <a:fillRef idx="1">
+              <a:schemeClr val="accent1"/>
+            </a:fillRef>
+            <a:effectRef idx="0">
+              <a:schemeClr val="accent1"/>
+            </a:effectRef>
+            <a:fontRef idx="minor">
+              <a:schemeClr val="lt1"/>
+            </a:fontRef>
+          </p:style>
+          <p:txBody>
+            <a:bodyPr rtlCol="0" anchor="ctr"/>
+            <a:lstStyle/>
+            <a:p>
+              <a:pPr algn="ctr"/>
+              <a:endParaRPr lang="nl-BE"/>
+            </a:p>
+          </p:txBody>
+        </p:sp>
+        <p:sp>
+          <p:nvSpPr>
+            <p:cNvPr id="45" name="Flowchart: Connector 44"/>
+            <p:cNvSpPr/>
+            <p:nvPr/>
+          </p:nvSpPr>
+          <p:spPr>
+            <a:xfrm>
+              <a:off x="4090837" y="3706009"/>
+              <a:ext cx="85725" cy="101516"/>
+            </a:xfrm>
+            <a:prstGeom prst="flowChartConnector">
+              <a:avLst/>
+            </a:prstGeom>
+            <a:solidFill>
+              <a:schemeClr val="tx1"/>
+            </a:solidFill>
+            <a:ln>
+              <a:solidFill>
+                <a:schemeClr val="tx1"/>
+              </a:solidFill>
+            </a:ln>
+          </p:spPr>
+          <p:style>
+            <a:lnRef idx="2">
+              <a:schemeClr val="accent1">
+                <a:shade val="50000"/>
+              </a:schemeClr>
+            </a:lnRef>
+            <a:fillRef idx="1">
+              <a:schemeClr val="accent1"/>
+            </a:fillRef>
+            <a:effectRef idx="0">
+              <a:schemeClr val="accent1"/>
+            </a:effectRef>
+            <a:fontRef idx="minor">
+              <a:schemeClr val="lt1"/>
+            </a:fontRef>
+          </p:style>
+          <p:txBody>
+            <a:bodyPr rtlCol="0" anchor="ctr"/>
+            <a:lstStyle/>
+            <a:p>
+              <a:pPr algn="ctr"/>
+              <a:endParaRPr lang="nl-BE"/>
+            </a:p>
+          </p:txBody>
+        </p:sp>
+        <p:sp>
+          <p:nvSpPr>
+            <p:cNvPr id="46" name="Flowchart: Connector 45"/>
+            <p:cNvSpPr/>
+            <p:nvPr/>
+          </p:nvSpPr>
+          <p:spPr>
+            <a:xfrm>
+              <a:off x="1736473" y="3548223"/>
+              <a:ext cx="85725" cy="101516"/>
+            </a:xfrm>
+            <a:prstGeom prst="flowChartConnector">
+              <a:avLst/>
+            </a:prstGeom>
+            <a:solidFill>
+              <a:schemeClr val="tx1"/>
+            </a:solidFill>
+            <a:ln>
+              <a:solidFill>
+                <a:schemeClr val="tx1"/>
+              </a:solidFill>
+            </a:ln>
+          </p:spPr>
+          <p:style>
+            <a:lnRef idx="2">
+              <a:schemeClr val="accent1">
+                <a:shade val="50000"/>
+              </a:schemeClr>
+            </a:lnRef>
+            <a:fillRef idx="1">
+              <a:schemeClr val="accent1"/>
+            </a:fillRef>
+            <a:effectRef idx="0">
+              <a:schemeClr val="accent1"/>
+            </a:effectRef>
+            <a:fontRef idx="minor">
+              <a:schemeClr val="lt1"/>
+            </a:fontRef>
+          </p:style>
+          <p:txBody>
+            <a:bodyPr rtlCol="0" anchor="ctr"/>
+            <a:lstStyle/>
+            <a:p>
+              <a:pPr algn="ctr"/>
+              <a:endParaRPr lang="nl-BE"/>
+            </a:p>
+          </p:txBody>
+        </p:sp>
+        <p:cxnSp>
+          <p:nvCxnSpPr>
+            <p:cNvPr id="53" name="Curved Connector 52"/>
+            <p:cNvCxnSpPr>
+              <a:stCxn id="46" idx="7"/>
+              <a:endCxn id="37" idx="7"/>
+            </p:cNvCxnSpPr>
+            <p:nvPr/>
+          </p:nvCxnSpPr>
+          <p:spPr>
+            <a:xfrm rot="16200000" flipH="1">
+              <a:off x="1637571" y="3735162"/>
+              <a:ext cx="887069" cy="542925"/>
+            </a:xfrm>
+            <a:prstGeom prst="curvedConnector3">
+              <a:avLst>
+                <a:gd name="adj1" fmla="val -27446"/>
+              </a:avLst>
+            </a:prstGeom>
+            <a:ln>
+              <a:tailEnd type="triangle"/>
+            </a:ln>
+          </p:spPr>
+          <p:style>
+            <a:lnRef idx="1">
+              <a:schemeClr val="accent1"/>
+            </a:lnRef>
+            <a:fillRef idx="0">
+              <a:schemeClr val="accent1"/>
+            </a:fillRef>
+            <a:effectRef idx="0">
+              <a:schemeClr val="accent1"/>
+            </a:effectRef>
+            <a:fontRef idx="minor">
+              <a:schemeClr val="tx1"/>
+            </a:fontRef>
+          </p:style>
+        </p:cxnSp>
+        <p:cxnSp>
+          <p:nvCxnSpPr>
+            <p:cNvPr id="54" name="Curved Connector 53"/>
+            <p:cNvCxnSpPr>
+              <a:stCxn id="37" idx="0"/>
+            </p:cNvCxnSpPr>
+            <p:nvPr/>
+          </p:nvCxnSpPr>
+          <p:spPr>
+            <a:xfrm rot="5400000" flipH="1" flipV="1">
+              <a:off x="2876235" y="3220688"/>
+              <a:ext cx="660631" cy="1768578"/>
+            </a:xfrm>
+            <a:prstGeom prst="curvedConnector2">
+              <a:avLst/>
+            </a:prstGeom>
+            <a:ln>
+              <a:tailEnd type="triangle"/>
+            </a:ln>
+          </p:spPr>
+          <p:style>
+            <a:lnRef idx="1">
+              <a:schemeClr val="accent1"/>
+            </a:lnRef>
+            <a:fillRef idx="0">
+              <a:schemeClr val="accent1"/>
+            </a:fillRef>
+            <a:effectRef idx="0">
+              <a:schemeClr val="accent1"/>
+            </a:effectRef>
+            <a:fontRef idx="minor">
+              <a:schemeClr val="tx1"/>
+            </a:fontRef>
+          </p:style>
+        </p:cxnSp>
+        <p:sp>
+          <p:nvSpPr>
+            <p:cNvPr id="55" name="Flowchart: Connector 54"/>
+            <p:cNvSpPr/>
+            <p:nvPr/>
+          </p:nvSpPr>
+          <p:spPr>
+            <a:xfrm>
+              <a:off x="3498051" y="4497190"/>
+              <a:ext cx="85725" cy="101516"/>
+            </a:xfrm>
+            <a:prstGeom prst="flowChartConnector">
+              <a:avLst/>
+            </a:prstGeom>
+            <a:solidFill>
+              <a:schemeClr val="tx1"/>
+            </a:solidFill>
+            <a:ln>
+              <a:solidFill>
+                <a:schemeClr val="tx1"/>
+              </a:solidFill>
+            </a:ln>
+          </p:spPr>
+          <p:style>
+            <a:lnRef idx="2">
+              <a:schemeClr val="accent1">
+                <a:shade val="50000"/>
+              </a:schemeClr>
+            </a:lnRef>
+            <a:fillRef idx="1">
+              <a:schemeClr val="accent1"/>
+            </a:fillRef>
+            <a:effectRef idx="0">
+              <a:schemeClr val="accent1"/>
+            </a:effectRef>
+            <a:fontRef idx="minor">
+              <a:schemeClr val="lt1"/>
+            </a:fontRef>
+          </p:style>
+          <p:txBody>
+            <a:bodyPr rtlCol="0" anchor="ctr"/>
+            <a:lstStyle/>
+            <a:p>
+              <a:pPr algn="ctr"/>
+              <a:endParaRPr lang="nl-BE"/>
+            </a:p>
+          </p:txBody>
+        </p:sp>
+        <p:cxnSp>
+          <p:nvCxnSpPr>
+            <p:cNvPr id="56" name="Curved Connector 55"/>
+            <p:cNvCxnSpPr>
+              <a:stCxn id="45" idx="2"/>
+            </p:cNvCxnSpPr>
+            <p:nvPr/>
+          </p:nvCxnSpPr>
+          <p:spPr>
+            <a:xfrm rot="10800000" flipV="1">
+              <a:off x="3540913" y="3756767"/>
+              <a:ext cx="549924" cy="726808"/>
+            </a:xfrm>
+            <a:prstGeom prst="curvedConnector2">
+              <a:avLst/>
+            </a:prstGeom>
+            <a:ln>
+              <a:tailEnd type="triangle"/>
+            </a:ln>
+          </p:spPr>
+          <p:style>
+            <a:lnRef idx="1">
+              <a:schemeClr val="accent1"/>
+            </a:lnRef>
+            <a:fillRef idx="0">
+              <a:schemeClr val="accent1"/>
+            </a:fillRef>
+            <a:effectRef idx="0">
+              <a:schemeClr val="accent1"/>
+            </a:effectRef>
+            <a:fontRef idx="minor">
+              <a:schemeClr val="tx1"/>
+            </a:fontRef>
+          </p:style>
+        </p:cxnSp>
+        <p:sp>
+          <p:nvSpPr>
+            <p:cNvPr id="60" name="Flowchart: Connector 59"/>
+            <p:cNvSpPr/>
+            <p:nvPr/>
+          </p:nvSpPr>
+          <p:spPr>
+            <a:xfrm>
+              <a:off x="1849761" y="3820720"/>
+              <a:ext cx="85725" cy="101516"/>
+            </a:xfrm>
+            <a:prstGeom prst="flowChartConnector">
+              <a:avLst/>
+            </a:prstGeom>
+            <a:solidFill>
+              <a:schemeClr val="tx1"/>
+            </a:solidFill>
+            <a:ln>
+              <a:solidFill>
+                <a:schemeClr val="tx1"/>
+              </a:solidFill>
+            </a:ln>
+          </p:spPr>
+          <p:style>
+            <a:lnRef idx="2">
+              <a:schemeClr val="accent1">
+                <a:shade val="50000"/>
+              </a:schemeClr>
+            </a:lnRef>
+            <a:fillRef idx="1">
+              <a:schemeClr val="accent1"/>
+            </a:fillRef>
+            <a:effectRef idx="0">
+              <a:schemeClr val="accent1"/>
+            </a:effectRef>
+            <a:fontRef idx="minor">
+              <a:schemeClr val="lt1"/>
+            </a:fontRef>
+          </p:style>
+          <p:txBody>
+            <a:bodyPr rtlCol="0" anchor="ctr"/>
+            <a:lstStyle/>
+            <a:p>
+              <a:pPr algn="ctr"/>
+              <a:endParaRPr lang="nl-BE"/>
+            </a:p>
+          </p:txBody>
+        </p:sp>
+        <p:cxnSp>
+          <p:nvCxnSpPr>
+            <p:cNvPr id="61" name="Curved Connector 60"/>
+            <p:cNvCxnSpPr>
+              <a:stCxn id="55" idx="0"/>
+            </p:cNvCxnSpPr>
+            <p:nvPr/>
+          </p:nvCxnSpPr>
+          <p:spPr>
+            <a:xfrm rot="16200000" flipV="1">
+              <a:off x="2433788" y="3390064"/>
+              <a:ext cx="625712" cy="1588540"/>
+            </a:xfrm>
+            <a:prstGeom prst="curvedConnector2">
+              <a:avLst/>
+            </a:prstGeom>
+            <a:ln>
+              <a:tailEnd type="triangle"/>
+            </a:ln>
+          </p:spPr>
+          <p:style>
+            <a:lnRef idx="1">
+              <a:schemeClr val="accent1"/>
+            </a:lnRef>
+            <a:fillRef idx="0">
+              <a:schemeClr val="accent1"/>
+            </a:fillRef>
+            <a:effectRef idx="0">
+              <a:schemeClr val="accent1"/>
+            </a:effectRef>
+            <a:fontRef idx="minor">
+              <a:schemeClr val="tx1"/>
+            </a:fontRef>
+          </p:style>
+        </p:cxnSp>
+      </p:grpSp>
+    </p:spTree>
+    <p:extLst>
+      <p:ext uri="{BB962C8B-B14F-4D97-AF65-F5344CB8AC3E}">
+        <p14:creationId xmlns:p14="http://schemas.microsoft.com/office/powerpoint/2010/main" val="3885372088"/>
+      </p:ext>
+    </p:extLst>
+  </p:cSld>
+  <p:clrMapOvr>
+    <a:masterClrMapping/>
+  </p:clrMapOvr>
+</p:sld>
+</file>
+
+<file path=ppt/slides/slide31.xml><?xml version="1.0" encoding="utf-8"?>
+<p:sld xmlns:a="http://schemas.openxmlformats.org/drawingml/2006/main" xmlns:r="http://schemas.openxmlformats.org/officeDocument/2006/relationships" xmlns:p="http://schemas.openxmlformats.org/presentationml/2006/main">
+  <p:cSld>
+    <p:spTree>
+      <p:nvGrpSpPr>
+        <p:cNvPr id="1" name=""/>
+        <p:cNvGrpSpPr/>
+        <p:nvPr/>
+      </p:nvGrpSpPr>
+      <p:grpSpPr>
+        <a:xfrm>
+          <a:off x="0" y="0"/>
+          <a:ext cx="0" cy="0"/>
+          <a:chOff x="0" y="0"/>
+          <a:chExt cx="0" cy="0"/>
+        </a:xfrm>
+      </p:grpSpPr>
+      <p:grpSp>
+        <p:nvGrpSpPr>
           <p:cNvPr id="15" name="Group 14"/>
           <p:cNvGrpSpPr/>
           <p:nvPr/>
@@ -18268,7 +21045,7 @@
 </p:sld>
 </file>
 
-<file path=ppt/slides/slide31.xml><?xml version="1.0" encoding="utf-8"?>
+<file path=ppt/slides/slide32.xml><?xml version="1.0" encoding="utf-8"?>
 <p:sld xmlns:a="http://schemas.openxmlformats.org/drawingml/2006/main" xmlns:r="http://schemas.openxmlformats.org/officeDocument/2006/relationships" xmlns:p="http://schemas.openxmlformats.org/presentationml/2006/main">
   <p:cSld>
     <p:spTree>
@@ -19613,7 +22390,7 @@
 </p:sld>
 </file>
 
-<file path=ppt/slides/slide32.xml><?xml version="1.0" encoding="utf-8"?>
+<file path=ppt/slides/slide33.xml><?xml version="1.0" encoding="utf-8"?>
 <p:sld xmlns:a="http://schemas.openxmlformats.org/drawingml/2006/main" xmlns:r="http://schemas.openxmlformats.org/officeDocument/2006/relationships" xmlns:p="http://schemas.openxmlformats.org/presentationml/2006/main">
   <p:cSld>
     <p:spTree>
@@ -20957,7 +23734,7 @@
 </p:sld>
 </file>
 
-<file path=ppt/slides/slide33.xml><?xml version="1.0" encoding="utf-8"?>
+<file path=ppt/slides/slide34.xml><?xml version="1.0" encoding="utf-8"?>
 <p:sld xmlns:a="http://schemas.openxmlformats.org/drawingml/2006/main" xmlns:r="http://schemas.openxmlformats.org/officeDocument/2006/relationships" xmlns:p="http://schemas.openxmlformats.org/presentationml/2006/main">
   <p:cSld>
     <p:spTree>
@@ -22709,7 +25486,7 @@
 </p:sld>
 </file>
 
-<file path=ppt/slides/slide34.xml><?xml version="1.0" encoding="utf-8"?>
+<file path=ppt/slides/slide35.xml><?xml version="1.0" encoding="utf-8"?>
 <p:sld xmlns:a="http://schemas.openxmlformats.org/drawingml/2006/main" xmlns:r="http://schemas.openxmlformats.org/officeDocument/2006/relationships" xmlns:p="http://schemas.openxmlformats.org/presentationml/2006/main">
   <p:cSld>
     <p:spTree>
@@ -24469,7 +27246,7 @@
 </p:sld>
 </file>
 
-<file path=ppt/slides/slide35.xml><?xml version="1.0" encoding="utf-8"?>
+<file path=ppt/slides/slide36.xml><?xml version="1.0" encoding="utf-8"?>
 <p:sld xmlns:a="http://schemas.openxmlformats.org/drawingml/2006/main" xmlns:r="http://schemas.openxmlformats.org/officeDocument/2006/relationships" xmlns:p="http://schemas.openxmlformats.org/presentationml/2006/main">
   <p:cSld>
     <p:spTree>
@@ -27895,7 +30672,7 @@
 </p:sld>
 </file>
 
-<file path=ppt/slides/slide36.xml><?xml version="1.0" encoding="utf-8"?>
+<file path=ppt/slides/slide37.xml><?xml version="1.0" encoding="utf-8"?>
 <p:sld xmlns:a="http://schemas.openxmlformats.org/drawingml/2006/main" xmlns:r="http://schemas.openxmlformats.org/officeDocument/2006/relationships" xmlns:p="http://schemas.openxmlformats.org/presentationml/2006/main">
   <p:cSld>
     <p:spTree>
@@ -29970,7 +32747,7 @@
 </p:sld>
 </file>
 
-<file path=ppt/slides/slide37.xml><?xml version="1.0" encoding="utf-8"?>
+<file path=ppt/slides/slide38.xml><?xml version="1.0" encoding="utf-8"?>
 <p:sld xmlns:a="http://schemas.openxmlformats.org/drawingml/2006/main" xmlns:r="http://schemas.openxmlformats.org/officeDocument/2006/relationships" xmlns:p="http://schemas.openxmlformats.org/presentationml/2006/main">
   <p:cSld>
     <p:spTree>
@@ -30075,7 +32852,7 @@
 </p:sld>
 </file>
 
-<file path=ppt/slides/slide38.xml><?xml version="1.0" encoding="utf-8"?>
+<file path=ppt/slides/slide39.xml><?xml version="1.0" encoding="utf-8"?>
 <p:sld xmlns:a="http://schemas.openxmlformats.org/drawingml/2006/main" xmlns:r="http://schemas.openxmlformats.org/officeDocument/2006/relationships" xmlns:p="http://schemas.openxmlformats.org/presentationml/2006/main">
   <p:cSld>
     <p:spTree>
@@ -32219,377 +34996,6 @@
 </p:sld>
 </file>
 
-<file path=ppt/slides/slide39.xml><?xml version="1.0" encoding="utf-8"?>
-<p:sld xmlns:a="http://schemas.openxmlformats.org/drawingml/2006/main" xmlns:r="http://schemas.openxmlformats.org/officeDocument/2006/relationships" xmlns:p="http://schemas.openxmlformats.org/presentationml/2006/main">
-  <p:cSld>
-    <p:spTree>
-      <p:nvGrpSpPr>
-        <p:cNvPr id="1" name=""/>
-        <p:cNvGrpSpPr/>
-        <p:nvPr/>
-      </p:nvGrpSpPr>
-      <p:grpSpPr>
-        <a:xfrm>
-          <a:off x="0" y="0"/>
-          <a:ext cx="0" cy="0"/>
-          <a:chOff x="0" y="0"/>
-          <a:chExt cx="0" cy="0"/>
-        </a:xfrm>
-      </p:grpSpPr>
-      <p:cxnSp>
-        <p:nvCxnSpPr>
-          <p:cNvPr id="8" name="Straight Arrow Connector 7"/>
-          <p:cNvCxnSpPr/>
-          <p:nvPr/>
-        </p:nvCxnSpPr>
-        <p:spPr>
-          <a:xfrm>
-            <a:off x="4688114" y="4847771"/>
-            <a:ext cx="1368000" cy="0"/>
-          </a:xfrm>
-          <a:prstGeom prst="straightConnector1">
-            <a:avLst/>
-          </a:prstGeom>
-          <a:ln w="28575">
-            <a:solidFill>
-              <a:srgbClr val="FF0000"/>
-            </a:solidFill>
-            <a:tailEnd type="triangle"/>
-          </a:ln>
-        </p:spPr>
-        <p:style>
-          <a:lnRef idx="1">
-            <a:schemeClr val="accent1"/>
-          </a:lnRef>
-          <a:fillRef idx="0">
-            <a:schemeClr val="accent1"/>
-          </a:fillRef>
-          <a:effectRef idx="0">
-            <a:schemeClr val="accent1"/>
-          </a:effectRef>
-          <a:fontRef idx="minor">
-            <a:schemeClr val="tx1"/>
-          </a:fontRef>
-        </p:style>
-      </p:cxnSp>
-      <p:cxnSp>
-        <p:nvCxnSpPr>
-          <p:cNvPr id="14" name="Straight Arrow Connector 13"/>
-          <p:cNvCxnSpPr/>
-          <p:nvPr/>
-        </p:nvCxnSpPr>
-        <p:spPr>
-          <a:xfrm flipV="1">
-            <a:off x="4688114" y="3586843"/>
-            <a:ext cx="1514993" cy="1260930"/>
-          </a:xfrm>
-          <a:prstGeom prst="straightConnector1">
-            <a:avLst/>
-          </a:prstGeom>
-          <a:ln w="28575">
-            <a:solidFill>
-              <a:schemeClr val="accent5"/>
-            </a:solidFill>
-            <a:tailEnd type="triangle"/>
-          </a:ln>
-        </p:spPr>
-        <p:style>
-          <a:lnRef idx="1">
-            <a:schemeClr val="accent1"/>
-          </a:lnRef>
-          <a:fillRef idx="0">
-            <a:schemeClr val="accent1"/>
-          </a:fillRef>
-          <a:effectRef idx="0">
-            <a:schemeClr val="accent1"/>
-          </a:effectRef>
-          <a:fontRef idx="minor">
-            <a:schemeClr val="tx1"/>
-          </a:fontRef>
-        </p:style>
-      </p:cxnSp>
-      <p:cxnSp>
-        <p:nvCxnSpPr>
-          <p:cNvPr id="19" name="Straight Arrow Connector 18"/>
-          <p:cNvCxnSpPr/>
-          <p:nvPr/>
-        </p:nvCxnSpPr>
-        <p:spPr>
-          <a:xfrm flipV="1">
-            <a:off x="4688114" y="3568700"/>
-            <a:ext cx="722993" cy="1279072"/>
-          </a:xfrm>
-          <a:prstGeom prst="straightConnector1">
-            <a:avLst/>
-          </a:prstGeom>
-          <a:ln w="28575">
-            <a:solidFill>
-              <a:schemeClr val="accent6">
-                <a:lumMod val="75000"/>
-              </a:schemeClr>
-            </a:solidFill>
-            <a:tailEnd type="triangle"/>
-          </a:ln>
-        </p:spPr>
-        <p:style>
-          <a:lnRef idx="1">
-            <a:schemeClr val="accent1"/>
-          </a:lnRef>
-          <a:fillRef idx="0">
-            <a:schemeClr val="accent1"/>
-          </a:fillRef>
-          <a:effectRef idx="0">
-            <a:schemeClr val="accent1"/>
-          </a:effectRef>
-          <a:fontRef idx="minor">
-            <a:schemeClr val="tx1"/>
-          </a:fontRef>
-        </p:style>
-      </p:cxnSp>
-      <p:cxnSp>
-        <p:nvCxnSpPr>
-          <p:cNvPr id="25" name="Straight Arrow Connector 24"/>
-          <p:cNvCxnSpPr/>
-          <p:nvPr/>
-        </p:nvCxnSpPr>
-        <p:spPr>
-          <a:xfrm>
-            <a:off x="5411107" y="3577771"/>
-            <a:ext cx="792000" cy="0"/>
-          </a:xfrm>
-          <a:prstGeom prst="straightConnector1">
-            <a:avLst/>
-          </a:prstGeom>
-          <a:ln w="12700">
-            <a:solidFill>
-              <a:schemeClr val="tx1"/>
-            </a:solidFill>
-            <a:prstDash val="dash"/>
-            <a:headEnd type="none" w="med" len="med"/>
-            <a:tailEnd type="none" w="med" len="med"/>
-          </a:ln>
-        </p:spPr>
-        <p:style>
-          <a:lnRef idx="1">
-            <a:schemeClr val="accent1"/>
-          </a:lnRef>
-          <a:fillRef idx="0">
-            <a:schemeClr val="accent1"/>
-          </a:fillRef>
-          <a:effectRef idx="0">
-            <a:schemeClr val="accent1"/>
-          </a:effectRef>
-          <a:fontRef idx="minor">
-            <a:schemeClr val="tx1"/>
-          </a:fontRef>
-        </p:style>
-      </p:cxnSp>
-      <p:sp>
-        <p:nvSpPr>
-          <p:cNvPr id="28" name="Oval 27"/>
-          <p:cNvSpPr/>
-          <p:nvPr/>
-        </p:nvSpPr>
-        <p:spPr>
-          <a:xfrm>
-            <a:off x="4634114" y="4793773"/>
-            <a:ext cx="108000" cy="108000"/>
-          </a:xfrm>
-          <a:prstGeom prst="ellipse">
-            <a:avLst/>
-          </a:prstGeom>
-          <a:solidFill>
-            <a:schemeClr val="tx1"/>
-          </a:solidFill>
-          <a:ln>
-            <a:solidFill>
-              <a:schemeClr val="tx1"/>
-            </a:solidFill>
-          </a:ln>
-        </p:spPr>
-        <p:style>
-          <a:lnRef idx="2">
-            <a:schemeClr val="accent1">
-              <a:shade val="50000"/>
-            </a:schemeClr>
-          </a:lnRef>
-          <a:fillRef idx="1">
-            <a:schemeClr val="accent1"/>
-          </a:fillRef>
-          <a:effectRef idx="0">
-            <a:schemeClr val="accent1"/>
-          </a:effectRef>
-          <a:fontRef idx="minor">
-            <a:schemeClr val="lt1"/>
-          </a:fontRef>
-        </p:style>
-        <p:txBody>
-          <a:bodyPr rtlCol="0" anchor="ctr"/>
-          <a:lstStyle/>
-          <a:p>
-            <a:pPr algn="ctr"/>
-            <a:endParaRPr lang="pt-BR"/>
-          </a:p>
-        </p:txBody>
-      </p:sp>
-      <p:sp>
-        <p:nvSpPr>
-          <p:cNvPr id="31" name="TextBox 30"/>
-          <p:cNvSpPr txBox="1"/>
-          <p:nvPr/>
-        </p:nvSpPr>
-        <p:spPr>
-          <a:xfrm>
-            <a:off x="4111398" y="3824968"/>
-            <a:ext cx="938212" cy="461665"/>
-          </a:xfrm>
-          <a:prstGeom prst="rect">
-            <a:avLst/>
-          </a:prstGeom>
-          <a:noFill/>
-        </p:spPr>
-        <p:txBody>
-          <a:bodyPr wrap="square" rtlCol="0">
-            <a:spAutoFit/>
-          </a:bodyPr>
-          <a:lstStyle/>
-          <a:p>
-            <a:pPr algn="ctr"/>
-            <a:r>
-              <a:rPr lang="pt-BR" sz="1200" dirty="0"/>
-              <a:t>Passo</a:t>
-            </a:r>
-          </a:p>
-          <a:p>
-            <a:pPr algn="ctr"/>
-            <a:r>
-              <a:rPr lang="pt-BR" sz="1200" dirty="0"/>
-              <a:t>momentum</a:t>
-            </a:r>
-          </a:p>
-        </p:txBody>
-      </p:sp>
-      <p:sp>
-        <p:nvSpPr>
-          <p:cNvPr id="32" name="TextBox 31"/>
-          <p:cNvSpPr txBox="1"/>
-          <p:nvPr/>
-        </p:nvSpPr>
-        <p:spPr>
-          <a:xfrm>
-            <a:off x="4868895" y="4847770"/>
-            <a:ext cx="938212" cy="461665"/>
-          </a:xfrm>
-          <a:prstGeom prst="rect">
-            <a:avLst/>
-          </a:prstGeom>
-          <a:noFill/>
-        </p:spPr>
-        <p:txBody>
-          <a:bodyPr wrap="square" rtlCol="0">
-            <a:spAutoFit/>
-          </a:bodyPr>
-          <a:lstStyle/>
-          <a:p>
-            <a:pPr algn="ctr"/>
-            <a:r>
-              <a:rPr lang="pt-BR" sz="1200" dirty="0"/>
-              <a:t>Passo</a:t>
-            </a:r>
-          </a:p>
-          <a:p>
-            <a:pPr algn="ctr"/>
-            <a:r>
-              <a:rPr lang="pt-BR" sz="1200" dirty="0"/>
-              <a:t>gradiente</a:t>
-            </a:r>
-          </a:p>
-        </p:txBody>
-      </p:sp>
-      <p:sp>
-        <p:nvSpPr>
-          <p:cNvPr id="33" name="TextBox 32"/>
-          <p:cNvSpPr txBox="1"/>
-          <p:nvPr/>
-        </p:nvSpPr>
-        <p:spPr>
-          <a:xfrm>
-            <a:off x="5462895" y="3974680"/>
-            <a:ext cx="938212" cy="461665"/>
-          </a:xfrm>
-          <a:prstGeom prst="rect">
-            <a:avLst/>
-          </a:prstGeom>
-          <a:noFill/>
-        </p:spPr>
-        <p:txBody>
-          <a:bodyPr wrap="square" rtlCol="0">
-            <a:spAutoFit/>
-          </a:bodyPr>
-          <a:lstStyle/>
-          <a:p>
-            <a:pPr algn="ctr"/>
-            <a:r>
-              <a:rPr lang="pt-BR" sz="1200" dirty="0"/>
-              <a:t>Passo corrente</a:t>
-            </a:r>
-          </a:p>
-        </p:txBody>
-      </p:sp>
-      <p:pic>
-        <p:nvPicPr>
-          <p:cNvPr id="34" name="Picture 2" descr="The Ravine - JamBase"/>
-          <p:cNvPicPr>
-            <a:picLocks noChangeAspect="1" noChangeArrowheads="1"/>
-          </p:cNvPicPr>
-          <p:nvPr/>
-        </p:nvPicPr>
-        <p:blipFill>
-          <a:blip r:embed="rId3">
-            <a:extLst>
-              <a:ext uri="{28A0092B-C50C-407E-A947-70E740481C1C}">
-                <a14:useLocalDpi xmlns:a14="http://schemas.microsoft.com/office/drawing/2010/main" val="0"/>
-              </a:ext>
-            </a:extLst>
-          </a:blip>
-          <a:srcRect/>
-          <a:stretch>
-            <a:fillRect/>
-          </a:stretch>
-        </p:blipFill>
-        <p:spPr bwMode="auto">
-          <a:xfrm>
-            <a:off x="7309147" y="1029161"/>
-            <a:ext cx="4280274" cy="4280274"/>
-          </a:xfrm>
-          <a:prstGeom prst="rect">
-            <a:avLst/>
-          </a:prstGeom>
-          <a:noFill/>
-          <a:extLst>
-            <a:ext uri="{909E8E84-426E-40DD-AFC4-6F175D3DCCD1}">
-              <a14:hiddenFill xmlns:a14="http://schemas.microsoft.com/office/drawing/2010/main">
-                <a:solidFill>
-                  <a:srgbClr val="FFFFFF"/>
-                </a:solidFill>
-              </a14:hiddenFill>
-            </a:ext>
-          </a:extLst>
-        </p:spPr>
-      </p:pic>
-    </p:spTree>
-    <p:extLst>
-      <p:ext uri="{BB962C8B-B14F-4D97-AF65-F5344CB8AC3E}">
-        <p14:creationId xmlns:p14="http://schemas.microsoft.com/office/powerpoint/2010/main" val="2626221759"/>
-      </p:ext>
-    </p:extLst>
-  </p:cSld>
-  <p:clrMapOvr>
-    <a:masterClrMapping/>
-  </p:clrMapOvr>
-</p:sld>
-</file>
-
 <file path=ppt/slides/slide4.xml><?xml version="1.0" encoding="utf-8"?>
 <p:sld xmlns:a="http://schemas.openxmlformats.org/drawingml/2006/main" xmlns:r="http://schemas.openxmlformats.org/officeDocument/2006/relationships" xmlns:p="http://schemas.openxmlformats.org/presentationml/2006/main">
   <p:cSld>
@@ -33117,6 +35523,377 @@
     <p:extLst>
       <p:ext uri="{BB962C8B-B14F-4D97-AF65-F5344CB8AC3E}">
         <p14:creationId xmlns:p14="http://schemas.microsoft.com/office/powerpoint/2010/main" val="2681891839"/>
+      </p:ext>
+    </p:extLst>
+  </p:cSld>
+  <p:clrMapOvr>
+    <a:masterClrMapping/>
+  </p:clrMapOvr>
+</p:sld>
+</file>
+
+<file path=ppt/slides/slide40.xml><?xml version="1.0" encoding="utf-8"?>
+<p:sld xmlns:a="http://schemas.openxmlformats.org/drawingml/2006/main" xmlns:r="http://schemas.openxmlformats.org/officeDocument/2006/relationships" xmlns:p="http://schemas.openxmlformats.org/presentationml/2006/main">
+  <p:cSld>
+    <p:spTree>
+      <p:nvGrpSpPr>
+        <p:cNvPr id="1" name=""/>
+        <p:cNvGrpSpPr/>
+        <p:nvPr/>
+      </p:nvGrpSpPr>
+      <p:grpSpPr>
+        <a:xfrm>
+          <a:off x="0" y="0"/>
+          <a:ext cx="0" cy="0"/>
+          <a:chOff x="0" y="0"/>
+          <a:chExt cx="0" cy="0"/>
+        </a:xfrm>
+      </p:grpSpPr>
+      <p:cxnSp>
+        <p:nvCxnSpPr>
+          <p:cNvPr id="8" name="Straight Arrow Connector 7"/>
+          <p:cNvCxnSpPr/>
+          <p:nvPr/>
+        </p:nvCxnSpPr>
+        <p:spPr>
+          <a:xfrm>
+            <a:off x="4688114" y="4847771"/>
+            <a:ext cx="1368000" cy="0"/>
+          </a:xfrm>
+          <a:prstGeom prst="straightConnector1">
+            <a:avLst/>
+          </a:prstGeom>
+          <a:ln w="28575">
+            <a:solidFill>
+              <a:srgbClr val="FF0000"/>
+            </a:solidFill>
+            <a:tailEnd type="triangle"/>
+          </a:ln>
+        </p:spPr>
+        <p:style>
+          <a:lnRef idx="1">
+            <a:schemeClr val="accent1"/>
+          </a:lnRef>
+          <a:fillRef idx="0">
+            <a:schemeClr val="accent1"/>
+          </a:fillRef>
+          <a:effectRef idx="0">
+            <a:schemeClr val="accent1"/>
+          </a:effectRef>
+          <a:fontRef idx="minor">
+            <a:schemeClr val="tx1"/>
+          </a:fontRef>
+        </p:style>
+      </p:cxnSp>
+      <p:cxnSp>
+        <p:nvCxnSpPr>
+          <p:cNvPr id="14" name="Straight Arrow Connector 13"/>
+          <p:cNvCxnSpPr/>
+          <p:nvPr/>
+        </p:nvCxnSpPr>
+        <p:spPr>
+          <a:xfrm flipV="1">
+            <a:off x="4688114" y="3586843"/>
+            <a:ext cx="1514993" cy="1260930"/>
+          </a:xfrm>
+          <a:prstGeom prst="straightConnector1">
+            <a:avLst/>
+          </a:prstGeom>
+          <a:ln w="28575">
+            <a:solidFill>
+              <a:schemeClr val="accent5"/>
+            </a:solidFill>
+            <a:tailEnd type="triangle"/>
+          </a:ln>
+        </p:spPr>
+        <p:style>
+          <a:lnRef idx="1">
+            <a:schemeClr val="accent1"/>
+          </a:lnRef>
+          <a:fillRef idx="0">
+            <a:schemeClr val="accent1"/>
+          </a:fillRef>
+          <a:effectRef idx="0">
+            <a:schemeClr val="accent1"/>
+          </a:effectRef>
+          <a:fontRef idx="minor">
+            <a:schemeClr val="tx1"/>
+          </a:fontRef>
+        </p:style>
+      </p:cxnSp>
+      <p:cxnSp>
+        <p:nvCxnSpPr>
+          <p:cNvPr id="19" name="Straight Arrow Connector 18"/>
+          <p:cNvCxnSpPr/>
+          <p:nvPr/>
+        </p:nvCxnSpPr>
+        <p:spPr>
+          <a:xfrm flipV="1">
+            <a:off x="4688114" y="3568700"/>
+            <a:ext cx="722993" cy="1279072"/>
+          </a:xfrm>
+          <a:prstGeom prst="straightConnector1">
+            <a:avLst/>
+          </a:prstGeom>
+          <a:ln w="28575">
+            <a:solidFill>
+              <a:schemeClr val="accent6">
+                <a:lumMod val="75000"/>
+              </a:schemeClr>
+            </a:solidFill>
+            <a:tailEnd type="triangle"/>
+          </a:ln>
+        </p:spPr>
+        <p:style>
+          <a:lnRef idx="1">
+            <a:schemeClr val="accent1"/>
+          </a:lnRef>
+          <a:fillRef idx="0">
+            <a:schemeClr val="accent1"/>
+          </a:fillRef>
+          <a:effectRef idx="0">
+            <a:schemeClr val="accent1"/>
+          </a:effectRef>
+          <a:fontRef idx="minor">
+            <a:schemeClr val="tx1"/>
+          </a:fontRef>
+        </p:style>
+      </p:cxnSp>
+      <p:cxnSp>
+        <p:nvCxnSpPr>
+          <p:cNvPr id="25" name="Straight Arrow Connector 24"/>
+          <p:cNvCxnSpPr/>
+          <p:nvPr/>
+        </p:nvCxnSpPr>
+        <p:spPr>
+          <a:xfrm>
+            <a:off x="5411107" y="3577771"/>
+            <a:ext cx="792000" cy="0"/>
+          </a:xfrm>
+          <a:prstGeom prst="straightConnector1">
+            <a:avLst/>
+          </a:prstGeom>
+          <a:ln w="12700">
+            <a:solidFill>
+              <a:schemeClr val="tx1"/>
+            </a:solidFill>
+            <a:prstDash val="dash"/>
+            <a:headEnd type="none" w="med" len="med"/>
+            <a:tailEnd type="none" w="med" len="med"/>
+          </a:ln>
+        </p:spPr>
+        <p:style>
+          <a:lnRef idx="1">
+            <a:schemeClr val="accent1"/>
+          </a:lnRef>
+          <a:fillRef idx="0">
+            <a:schemeClr val="accent1"/>
+          </a:fillRef>
+          <a:effectRef idx="0">
+            <a:schemeClr val="accent1"/>
+          </a:effectRef>
+          <a:fontRef idx="minor">
+            <a:schemeClr val="tx1"/>
+          </a:fontRef>
+        </p:style>
+      </p:cxnSp>
+      <p:sp>
+        <p:nvSpPr>
+          <p:cNvPr id="28" name="Oval 27"/>
+          <p:cNvSpPr/>
+          <p:nvPr/>
+        </p:nvSpPr>
+        <p:spPr>
+          <a:xfrm>
+            <a:off x="4634114" y="4793773"/>
+            <a:ext cx="108000" cy="108000"/>
+          </a:xfrm>
+          <a:prstGeom prst="ellipse">
+            <a:avLst/>
+          </a:prstGeom>
+          <a:solidFill>
+            <a:schemeClr val="tx1"/>
+          </a:solidFill>
+          <a:ln>
+            <a:solidFill>
+              <a:schemeClr val="tx1"/>
+            </a:solidFill>
+          </a:ln>
+        </p:spPr>
+        <p:style>
+          <a:lnRef idx="2">
+            <a:schemeClr val="accent1">
+              <a:shade val="50000"/>
+            </a:schemeClr>
+          </a:lnRef>
+          <a:fillRef idx="1">
+            <a:schemeClr val="accent1"/>
+          </a:fillRef>
+          <a:effectRef idx="0">
+            <a:schemeClr val="accent1"/>
+          </a:effectRef>
+          <a:fontRef idx="minor">
+            <a:schemeClr val="lt1"/>
+          </a:fontRef>
+        </p:style>
+        <p:txBody>
+          <a:bodyPr rtlCol="0" anchor="ctr"/>
+          <a:lstStyle/>
+          <a:p>
+            <a:pPr algn="ctr"/>
+            <a:endParaRPr lang="pt-BR"/>
+          </a:p>
+        </p:txBody>
+      </p:sp>
+      <p:sp>
+        <p:nvSpPr>
+          <p:cNvPr id="31" name="TextBox 30"/>
+          <p:cNvSpPr txBox="1"/>
+          <p:nvPr/>
+        </p:nvSpPr>
+        <p:spPr>
+          <a:xfrm>
+            <a:off x="4111398" y="3824968"/>
+            <a:ext cx="938212" cy="461665"/>
+          </a:xfrm>
+          <a:prstGeom prst="rect">
+            <a:avLst/>
+          </a:prstGeom>
+          <a:noFill/>
+        </p:spPr>
+        <p:txBody>
+          <a:bodyPr wrap="square" rtlCol="0">
+            <a:spAutoFit/>
+          </a:bodyPr>
+          <a:lstStyle/>
+          <a:p>
+            <a:pPr algn="ctr"/>
+            <a:r>
+              <a:rPr lang="pt-BR" sz="1200" dirty="0"/>
+              <a:t>Passo</a:t>
+            </a:r>
+          </a:p>
+          <a:p>
+            <a:pPr algn="ctr"/>
+            <a:r>
+              <a:rPr lang="pt-BR" sz="1200" dirty="0"/>
+              <a:t>momentum</a:t>
+            </a:r>
+          </a:p>
+        </p:txBody>
+      </p:sp>
+      <p:sp>
+        <p:nvSpPr>
+          <p:cNvPr id="32" name="TextBox 31"/>
+          <p:cNvSpPr txBox="1"/>
+          <p:nvPr/>
+        </p:nvSpPr>
+        <p:spPr>
+          <a:xfrm>
+            <a:off x="4868895" y="4847770"/>
+            <a:ext cx="938212" cy="461665"/>
+          </a:xfrm>
+          <a:prstGeom prst="rect">
+            <a:avLst/>
+          </a:prstGeom>
+          <a:noFill/>
+        </p:spPr>
+        <p:txBody>
+          <a:bodyPr wrap="square" rtlCol="0">
+            <a:spAutoFit/>
+          </a:bodyPr>
+          <a:lstStyle/>
+          <a:p>
+            <a:pPr algn="ctr"/>
+            <a:r>
+              <a:rPr lang="pt-BR" sz="1200" dirty="0"/>
+              <a:t>Passo</a:t>
+            </a:r>
+          </a:p>
+          <a:p>
+            <a:pPr algn="ctr"/>
+            <a:r>
+              <a:rPr lang="pt-BR" sz="1200" dirty="0"/>
+              <a:t>gradiente</a:t>
+            </a:r>
+          </a:p>
+        </p:txBody>
+      </p:sp>
+      <p:sp>
+        <p:nvSpPr>
+          <p:cNvPr id="33" name="TextBox 32"/>
+          <p:cNvSpPr txBox="1"/>
+          <p:nvPr/>
+        </p:nvSpPr>
+        <p:spPr>
+          <a:xfrm>
+            <a:off x="5462895" y="3974680"/>
+            <a:ext cx="938212" cy="461665"/>
+          </a:xfrm>
+          <a:prstGeom prst="rect">
+            <a:avLst/>
+          </a:prstGeom>
+          <a:noFill/>
+        </p:spPr>
+        <p:txBody>
+          <a:bodyPr wrap="square" rtlCol="0">
+            <a:spAutoFit/>
+          </a:bodyPr>
+          <a:lstStyle/>
+          <a:p>
+            <a:pPr algn="ctr"/>
+            <a:r>
+              <a:rPr lang="pt-BR" sz="1200" dirty="0"/>
+              <a:t>Passo corrente</a:t>
+            </a:r>
+          </a:p>
+        </p:txBody>
+      </p:sp>
+      <p:pic>
+        <p:nvPicPr>
+          <p:cNvPr id="34" name="Picture 2" descr="The Ravine - JamBase"/>
+          <p:cNvPicPr>
+            <a:picLocks noChangeAspect="1" noChangeArrowheads="1"/>
+          </p:cNvPicPr>
+          <p:nvPr/>
+        </p:nvPicPr>
+        <p:blipFill>
+          <a:blip r:embed="rId3">
+            <a:extLst>
+              <a:ext uri="{28A0092B-C50C-407E-A947-70E740481C1C}">
+                <a14:useLocalDpi xmlns:a14="http://schemas.microsoft.com/office/drawing/2010/main" val="0"/>
+              </a:ext>
+            </a:extLst>
+          </a:blip>
+          <a:srcRect/>
+          <a:stretch>
+            <a:fillRect/>
+          </a:stretch>
+        </p:blipFill>
+        <p:spPr bwMode="auto">
+          <a:xfrm>
+            <a:off x="7309147" y="1029161"/>
+            <a:ext cx="4280274" cy="4280274"/>
+          </a:xfrm>
+          <a:prstGeom prst="rect">
+            <a:avLst/>
+          </a:prstGeom>
+          <a:noFill/>
+          <a:extLst>
+            <a:ext uri="{909E8E84-426E-40DD-AFC4-6F175D3DCCD1}">
+              <a14:hiddenFill xmlns:a14="http://schemas.microsoft.com/office/drawing/2010/main">
+                <a:solidFill>
+                  <a:srgbClr val="FFFFFF"/>
+                </a:solidFill>
+              </a14:hiddenFill>
+            </a:ext>
+          </a:extLst>
+        </p:spPr>
+      </p:pic>
+    </p:spTree>
+    <p:extLst>
+      <p:ext uri="{BB962C8B-B14F-4D97-AF65-F5344CB8AC3E}">
+        <p14:creationId xmlns:p14="http://schemas.microsoft.com/office/powerpoint/2010/main" val="2626221759"/>
       </p:ext>
     </p:extLst>
   </p:cSld>

--- a/slides/T319_Regressão_Linear (Parte III).pptx
+++ b/slides/T319_Regressão_Linear (Parte III).pptx
@@ -6885,7 +6885,7 @@
             </a:pPr>
             <a:r>
               <a:rPr lang="pt-BR" dirty="0"/>
-              <a:t>Problema que o ocorre quando uma variável não pode representar um valor, pois ele é maior do que o intervalo que ela pode armazenar.</a:t>
+              <a:t>Problema que ocorre quando uma variável não pode mais representar um valor, pois ele é maior do que o intervalo que ela pode armazenar.</a:t>
             </a:r>
           </a:p>
         </p:txBody>
@@ -7816,13 +7816,13 @@
         </p:spPr>
         <p:txBody>
           <a:bodyPr>
-            <a:normAutofit lnSpcReduction="10000"/>
+            <a:normAutofit fontScale="92500"/>
           </a:bodyPr>
           <a:lstStyle/>
           <a:p>
             <a:r>
               <a:rPr lang="pt-BR" dirty="0"/>
-              <a:t>A figura mostra o </a:t>
+              <a:t>A figura ao lado mostra o </a:t>
             </a:r>
             <a:r>
               <a:rPr lang="pt-BR" b="1" i="1" dirty="0">
@@ -7974,7 +7974,7 @@
             </a:pPr>
             <a:r>
               <a:rPr lang="pt-BR" dirty="0"/>
-              <a:t>O treinamento pode ser encerrado quando o erro entre duas épocas consecutivas for menor do que um limiar pré-definido (e.g., 1e-5).</a:t>
+              <a:t>O treinamento pode ser encerrado quando o erro entre duas épocas consecutivas for menor do que um valor pré-definido (e.g., 1e-5).</a:t>
             </a:r>
           </a:p>
         </p:txBody>
@@ -9017,8 +9017,8 @@
           </a:p>
         </p:txBody>
       </p:sp>
-      <mc:AlternateContent xmlns:mc="http://schemas.openxmlformats.org/markup-compatibility/2006">
-        <mc:Choice xmlns:a14="http://schemas.microsoft.com/office/drawing/2010/main" Requires="a14">
+      <mc:AlternateContent xmlns:mc="http://schemas.openxmlformats.org/markup-compatibility/2006" xmlns:a14="http://schemas.microsoft.com/office/drawing/2010/main">
+        <mc:Choice Requires="a14">
           <p:sp>
             <p:nvSpPr>
               <p:cNvPr id="3" name="Espaço Reservado para Conteúdo 2">
@@ -9245,7 +9245,7 @@
             </p:txBody>
           </p:sp>
         </mc:Choice>
-        <mc:Fallback>
+        <mc:Fallback xmlns="">
           <p:sp>
             <p:nvSpPr>
               <p:cNvPr id="3" name="Espaço Reservado para Conteúdo 2">
@@ -9347,8 +9347,8 @@
           </a:p>
         </p:txBody>
       </p:sp>
-      <mc:AlternateContent xmlns:mc="http://schemas.openxmlformats.org/markup-compatibility/2006">
-        <mc:Choice xmlns:a14="http://schemas.microsoft.com/office/drawing/2010/main" Requires="a14">
+      <mc:AlternateContent xmlns:mc="http://schemas.openxmlformats.org/markup-compatibility/2006" xmlns:a14="http://schemas.microsoft.com/office/drawing/2010/main">
+        <mc:Choice Requires="a14">
           <p:sp>
             <p:nvSpPr>
               <p:cNvPr id="3" name="Espaço Reservado para Conteúdo 2">
@@ -9737,7 +9737,7 @@
             </p:txBody>
           </p:sp>
         </mc:Choice>
-        <mc:Fallback>
+        <mc:Fallback xmlns="">
           <p:sp>
             <p:nvSpPr>
               <p:cNvPr id="3" name="Espaço Reservado para Conteúdo 2">
@@ -10992,8 +10992,8 @@
           </a:p>
         </p:txBody>
       </p:sp>
-      <mc:AlternateContent xmlns:mc="http://schemas.openxmlformats.org/markup-compatibility/2006">
-        <mc:Choice xmlns:a14="http://schemas.microsoft.com/office/drawing/2010/main" Requires="a14">
+      <mc:AlternateContent xmlns:mc="http://schemas.openxmlformats.org/markup-compatibility/2006" xmlns:a14="http://schemas.microsoft.com/office/drawing/2010/main">
+        <mc:Choice Requires="a14">
           <p:sp>
             <p:nvSpPr>
               <p:cNvPr id="3" name="Espaço Reservado para Conteúdo 2">
@@ -11605,7 +11605,7 @@
             </p:txBody>
           </p:sp>
         </mc:Choice>
-        <mc:Fallback>
+        <mc:Fallback xmlns="">
           <p:sp>
             <p:nvSpPr>
               <p:cNvPr id="3" name="Espaço Reservado para Conteúdo 2">
@@ -13981,8 +13981,8 @@
           </a:p>
         </p:txBody>
       </p:sp>
-      <mc:AlternateContent xmlns:mc="http://schemas.openxmlformats.org/markup-compatibility/2006">
-        <mc:Choice xmlns:a14="http://schemas.microsoft.com/office/drawing/2010/main" Requires="a14">
+      <mc:AlternateContent xmlns:mc="http://schemas.openxmlformats.org/markup-compatibility/2006" xmlns:a14="http://schemas.microsoft.com/office/drawing/2010/main">
+        <mc:Choice Requires="a14">
           <p:sp>
             <p:nvSpPr>
               <p:cNvPr id="15" name="Espaço Reservado para Conteúdo 2">
@@ -14087,7 +14087,7 @@
             </p:txBody>
           </p:sp>
         </mc:Choice>
-        <mc:Fallback>
+        <mc:Fallback xmlns="">
           <p:sp>
             <p:nvSpPr>
               <p:cNvPr id="15" name="Espaço Reservado para Conteúdo 2">
@@ -37332,8 +37332,8 @@
           </a:p>
         </p:txBody>
       </p:sp>
-      <mc:AlternateContent xmlns:mc="http://schemas.openxmlformats.org/markup-compatibility/2006" xmlns:a14="http://schemas.microsoft.com/office/drawing/2010/main">
-        <mc:Choice Requires="a14">
+      <mc:AlternateContent xmlns:mc="http://schemas.openxmlformats.org/markup-compatibility/2006">
+        <mc:Choice xmlns:a14="http://schemas.microsoft.com/office/drawing/2010/main" Requires="a14">
           <p:sp>
             <p:nvSpPr>
               <p:cNvPr id="3" name="Espaço Reservado para Conteúdo 2">
@@ -37427,6 +37427,13 @@
                             <a:latin typeface="Cambria Math" panose="02040503050406030204" pitchFamily="18" charset="0"/>
                             <a:ea typeface="Cambria Math" panose="02040503050406030204" pitchFamily="18" charset="0"/>
                           </a:rPr>
+                          <m:t>2×</m:t>
+                        </m:r>
+                        <m:r>
+                          <a:rPr lang="pt-BR" b="0" i="1" smtClean="0">
+                            <a:latin typeface="Cambria Math" panose="02040503050406030204" pitchFamily="18" charset="0"/>
+                            <a:ea typeface="Cambria Math" panose="02040503050406030204" pitchFamily="18" charset="0"/>
+                          </a:rPr>
                           <m:t>10</m:t>
                         </m:r>
                       </m:e>
@@ -37476,7 +37483,7 @@
             </p:txBody>
           </p:sp>
         </mc:Choice>
-        <mc:Fallback xmlns="">
+        <mc:Fallback>
           <p:sp>
             <p:nvSpPr>
               <p:cNvPr id="3" name="Espaço Reservado para Conteúdo 2">
@@ -37501,7 +37508,7 @@
               <a:blipFill>
                 <a:blip r:embed="rId3"/>
                 <a:stretch>
-                  <a:fillRect l="-978" t="-3604" r="-1630"/>
+                  <a:fillRect l="-978" t="-3604"/>
                 </a:stretch>
               </a:blipFill>
             </p:spPr>
@@ -37831,8 +37838,8 @@
           </a:p>
         </p:txBody>
       </p:sp>
-      <mc:AlternateContent xmlns:mc="http://schemas.openxmlformats.org/markup-compatibility/2006" xmlns:a14="http://schemas.microsoft.com/office/drawing/2010/main">
-        <mc:Choice Requires="a14">
+      <mc:AlternateContent xmlns:mc="http://schemas.openxmlformats.org/markup-compatibility/2006">
+        <mc:Choice xmlns:a14="http://schemas.microsoft.com/office/drawing/2010/main" Requires="a14">
           <p:sp>
             <p:nvSpPr>
               <p:cNvPr id="3" name="Espaço Reservado para Conteúdo 2">
@@ -37960,7 +37967,7 @@
                         <a:latin typeface="Cambria Math" panose="02040503050406030204" pitchFamily="18" charset="0"/>
                         <a:ea typeface="Cambria Math" panose="02040503050406030204" pitchFamily="18" charset="0"/>
                       </a:rPr>
-                      <m:t>=1.3×</m:t>
+                      <m:t>=1.8×</m:t>
                     </m:r>
                     <m:sSup>
                       <m:sSupPr>
@@ -37983,7 +37990,13 @@
                           <a:rPr lang="pt-BR" b="0" i="1" smtClean="0">
                             <a:latin typeface="Cambria Math" panose="02040503050406030204" pitchFamily="18" charset="0"/>
                           </a:rPr>
-                          <m:t>−3</m:t>
+                          <m:t>−</m:t>
+                        </m:r>
+                        <m:r>
+                          <a:rPr lang="pt-BR" b="0" i="1" smtClean="0">
+                            <a:latin typeface="Cambria Math" panose="02040503050406030204" pitchFamily="18" charset="0"/>
+                          </a:rPr>
+                          <m:t>4</m:t>
                         </m:r>
                       </m:sup>
                     </m:sSup>
@@ -37997,7 +38010,7 @@
             </p:txBody>
           </p:sp>
         </mc:Choice>
-        <mc:Fallback xmlns="">
+        <mc:Fallback>
           <p:sp>
             <p:nvSpPr>
               <p:cNvPr id="3" name="Espaço Reservado para Conteúdo 2">
@@ -38352,8 +38365,8 @@
           </a:p>
         </p:txBody>
       </p:sp>
-      <mc:AlternateContent xmlns:mc="http://schemas.openxmlformats.org/markup-compatibility/2006" xmlns:a14="http://schemas.microsoft.com/office/drawing/2010/main">
-        <mc:Choice Requires="a14">
+      <mc:AlternateContent xmlns:mc="http://schemas.openxmlformats.org/markup-compatibility/2006">
+        <mc:Choice xmlns:a14="http://schemas.microsoft.com/office/drawing/2010/main" Requires="a14">
           <p:sp>
             <p:nvSpPr>
               <p:cNvPr id="3" name="Espaço Reservado para Conteúdo 2">
@@ -38411,7 +38424,7 @@
                 </a:r>
                 <a:r>
                   <a:rPr lang="pt-BR" dirty="0"/>
-                  <a:t>, a cada época, o algoritmo “pula” para um valor mais alto do que o anterior, e assim, acaba divergindo.</a:t>
+                  <a:t>, a cada época, o algoritmo “pula” para um valor mais alto do que o anterior e, assim, acaba divergindo.</a:t>
                 </a:r>
               </a:p>
               <a:p>
@@ -38423,7 +38436,7 @@
             </p:txBody>
           </p:sp>
         </mc:Choice>
-        <mc:Fallback xmlns="">
+        <mc:Fallback>
           <p:sp>
             <p:nvSpPr>
               <p:cNvPr id="3" name="Espaço Reservado para Conteúdo 2">

--- a/slides/T319_Regressão_Linear (Parte III).pptx
+++ b/slides/T319_Regressão_Linear (Parte III).pptx
@@ -563,7 +563,7 @@
           <a:p>
             <a:fld id="{DAF0AF11-6A8A-4E64-94F5-26D4FBA2A01D}" type="datetimeFigureOut">
               <a:rPr lang="nl-BE" smtClean="0"/>
-              <a:t>10/10/2023</a:t>
+              <a:t>11/10/2023</a:t>
             </a:fld>
             <a:endParaRPr lang="nl-BE"/>
           </a:p>
@@ -3828,7 +3828,7 @@
           <a:p>
             <a:fld id="{C80E15A5-E95B-43EB-9AC7-9A96397448C0}" type="datetimeFigureOut">
               <a:rPr lang="nl-BE" smtClean="0"/>
-              <a:t>10/10/2023</a:t>
+              <a:t>11/10/2023</a:t>
             </a:fld>
             <a:endParaRPr lang="nl-BE"/>
           </a:p>
@@ -3998,7 +3998,7 @@
           <a:p>
             <a:fld id="{C80E15A5-E95B-43EB-9AC7-9A96397448C0}" type="datetimeFigureOut">
               <a:rPr lang="nl-BE" smtClean="0"/>
-              <a:t>10/10/2023</a:t>
+              <a:t>11/10/2023</a:t>
             </a:fld>
             <a:endParaRPr lang="nl-BE"/>
           </a:p>
@@ -4178,7 +4178,7 @@
           <a:p>
             <a:fld id="{C80E15A5-E95B-43EB-9AC7-9A96397448C0}" type="datetimeFigureOut">
               <a:rPr lang="nl-BE" smtClean="0"/>
-              <a:t>10/10/2023</a:t>
+              <a:t>11/10/2023</a:t>
             </a:fld>
             <a:endParaRPr lang="nl-BE"/>
           </a:p>
@@ -4348,7 +4348,7 @@
           <a:p>
             <a:fld id="{C80E15A5-E95B-43EB-9AC7-9A96397448C0}" type="datetimeFigureOut">
               <a:rPr lang="nl-BE" smtClean="0"/>
-              <a:t>10/10/2023</a:t>
+              <a:t>11/10/2023</a:t>
             </a:fld>
             <a:endParaRPr lang="nl-BE"/>
           </a:p>
@@ -4594,7 +4594,7 @@
           <a:p>
             <a:fld id="{C80E15A5-E95B-43EB-9AC7-9A96397448C0}" type="datetimeFigureOut">
               <a:rPr lang="nl-BE" smtClean="0"/>
-              <a:t>10/10/2023</a:t>
+              <a:t>11/10/2023</a:t>
             </a:fld>
             <a:endParaRPr lang="nl-BE"/>
           </a:p>
@@ -4826,7 +4826,7 @@
           <a:p>
             <a:fld id="{C80E15A5-E95B-43EB-9AC7-9A96397448C0}" type="datetimeFigureOut">
               <a:rPr lang="nl-BE" smtClean="0"/>
-              <a:t>10/10/2023</a:t>
+              <a:t>11/10/2023</a:t>
             </a:fld>
             <a:endParaRPr lang="nl-BE"/>
           </a:p>
@@ -5193,7 +5193,7 @@
           <a:p>
             <a:fld id="{C80E15A5-E95B-43EB-9AC7-9A96397448C0}" type="datetimeFigureOut">
               <a:rPr lang="nl-BE" smtClean="0"/>
-              <a:t>10/10/2023</a:t>
+              <a:t>11/10/2023</a:t>
             </a:fld>
             <a:endParaRPr lang="nl-BE"/>
           </a:p>
@@ -5311,7 +5311,7 @@
           <a:p>
             <a:fld id="{C80E15A5-E95B-43EB-9AC7-9A96397448C0}" type="datetimeFigureOut">
               <a:rPr lang="nl-BE" smtClean="0"/>
-              <a:t>10/10/2023</a:t>
+              <a:t>11/10/2023</a:t>
             </a:fld>
             <a:endParaRPr lang="nl-BE"/>
           </a:p>
@@ -5406,7 +5406,7 @@
           <a:p>
             <a:fld id="{C80E15A5-E95B-43EB-9AC7-9A96397448C0}" type="datetimeFigureOut">
               <a:rPr lang="nl-BE" smtClean="0"/>
-              <a:t>10/10/2023</a:t>
+              <a:t>11/10/2023</a:t>
             </a:fld>
             <a:endParaRPr lang="nl-BE"/>
           </a:p>
@@ -5683,7 +5683,7 @@
           <a:p>
             <a:fld id="{C80E15A5-E95B-43EB-9AC7-9A96397448C0}" type="datetimeFigureOut">
               <a:rPr lang="nl-BE" smtClean="0"/>
-              <a:t>10/10/2023</a:t>
+              <a:t>11/10/2023</a:t>
             </a:fld>
             <a:endParaRPr lang="nl-BE"/>
           </a:p>
@@ -5936,7 +5936,7 @@
           <a:p>
             <a:fld id="{C80E15A5-E95B-43EB-9AC7-9A96397448C0}" type="datetimeFigureOut">
               <a:rPr lang="nl-BE" smtClean="0"/>
-              <a:t>10/10/2023</a:t>
+              <a:t>11/10/2023</a:t>
             </a:fld>
             <a:endParaRPr lang="nl-BE"/>
           </a:p>
@@ -6149,7 +6149,7 @@
           <a:p>
             <a:fld id="{C80E15A5-E95B-43EB-9AC7-9A96397448C0}" type="datetimeFigureOut">
               <a:rPr lang="nl-BE" smtClean="0"/>
-              <a:t>10/10/2023</a:t>
+              <a:t>11/10/2023</a:t>
             </a:fld>
             <a:endParaRPr lang="nl-BE"/>
           </a:p>
@@ -9368,7 +9368,7 @@
             <p:spPr>
               <a:xfrm>
                 <a:off x="838200" y="1825624"/>
-                <a:ext cx="11217441" cy="5032375"/>
+                <a:ext cx="11180975" cy="5032375"/>
               </a:xfrm>
             </p:spPr>
             <p:txBody>
@@ -9725,7 +9725,7 @@
               <a:p>
                 <a:r>
                   <a:rPr lang="pt-BR" dirty="0"/>
-                  <a:t>Essa é a técnica mais simples, mas, precisamos encontrar a taxa ideal de redução do passo.</a:t>
+                  <a:t>Essa é a técnica mais simples, mas, precisamos encontrar os hiperparâmetros que dão a taxa ideal de redução do passo de aprendizagem.</a:t>
                 </a:r>
               </a:p>
               <a:p>
@@ -9757,12 +9757,12 @@
             <p:spPr>
               <a:xfrm>
                 <a:off x="838200" y="1825624"/>
-                <a:ext cx="11217441" cy="5032375"/>
+                <a:ext cx="11180975" cy="5032375"/>
               </a:xfrm>
               <a:blipFill>
                 <a:blip r:embed="rId2"/>
                 <a:stretch>
-                  <a:fillRect l="-978" t="-1937" r="-1522"/>
+                  <a:fillRect l="-981" t="-1937" r="-1091" b="-1937"/>
                 </a:stretch>
               </a:blipFill>
             </p:spPr>
@@ -9943,7 +9943,7 @@
                       <a:srgbClr val="00B050"/>
                     </a:solidFill>
                   </a:rPr>
-                  <a:t>média do histórico de gradientes</a:t>
+                  <a:t>média do histórico de estimativas do vetor gradientes</a:t>
                 </a:r>
                 <a:r>
                   <a:rPr lang="pt-BR" dirty="0"/>
@@ -10028,14 +10028,11 @@
                         <m:t>←</m:t>
                       </m:r>
                       <m:r>
-                        <m:rPr>
-                          <m:sty m:val="p"/>
-                        </m:rPr>
                         <a:rPr lang="el-GR" sz="2800" i="1">
                           <a:latin typeface="Cambria Math" panose="02040503050406030204" pitchFamily="18" charset="0"/>
                           <a:ea typeface="Cambria Math" panose="02040503050406030204" pitchFamily="18" charset="0"/>
                         </a:rPr>
-                        <m:t>μ</m:t>
+                        <m:t>𝜇</m:t>
                       </m:r>
                       <m:r>
                         <a:rPr lang="el-GR" sz="2800" b="1" i="1" smtClean="0">
@@ -10069,14 +10066,11 @@
                             <m:t>1−</m:t>
                           </m:r>
                           <m:r>
-                            <m:rPr>
-                              <m:sty m:val="p"/>
-                            </m:rPr>
                             <a:rPr lang="el-GR" sz="2800" i="1">
                               <a:latin typeface="Cambria Math" panose="02040503050406030204" pitchFamily="18" charset="0"/>
                               <a:ea typeface="Cambria Math" panose="02040503050406030204" pitchFamily="18" charset="0"/>
                             </a:rPr>
-                            <m:t>μ</m:t>
+                            <m:t>𝜇</m:t>
                           </m:r>
                         </m:e>
                       </m:d>
@@ -10328,31 +10322,76 @@
                 </a14:m>
                 <a:r>
                   <a:rPr lang="pt-BR" dirty="0"/>
-                  <a:t> é a aproximação do vetor gradiente e </a:t>
+                  <a:t> é a </a:t>
+                </a:r>
+                <a:r>
+                  <a:rPr lang="pt-BR" b="1" i="1" dirty="0">
+                    <a:solidFill>
+                      <a:srgbClr val="00B050"/>
+                    </a:solidFill>
+                  </a:rPr>
+                  <a:t>estimativa do vetor gradiente </a:t>
+                </a:r>
+                <a:r>
+                  <a:rPr lang="pt-BR" dirty="0"/>
+                  <a:t>e </a:t>
                 </a:r>
                 <a14:m>
                   <m:oMath xmlns:m="http://schemas.openxmlformats.org/officeDocument/2006/math">
                     <m:r>
-                      <m:rPr>
-                        <m:sty m:val="p"/>
-                      </m:rPr>
                       <a:rPr lang="el-GR" i="1">
                         <a:latin typeface="Cambria Math" panose="02040503050406030204" pitchFamily="18" charset="0"/>
                         <a:ea typeface="Cambria Math" panose="02040503050406030204" pitchFamily="18" charset="0"/>
                       </a:rPr>
-                      <m:t>μ</m:t>
+                      <m:t>𝜇</m:t>
                     </m:r>
                   </m:oMath>
                 </a14:m>
                 <a:r>
                   <a:rPr lang="pt-BR" dirty="0"/>
-                  <a:t> determina a quantidade de gradientes anteriores que são considerados no cálculo da média.</a:t>
+                  <a:t>, chamado de </a:t>
+                </a:r>
+                <a:r>
+                  <a:rPr lang="pt-BR" b="1" i="1" dirty="0">
+                    <a:solidFill>
+                      <a:srgbClr val="00B050"/>
+                    </a:solidFill>
+                  </a:rPr>
+                  <a:t>coeficiente de momentum</a:t>
+                </a:r>
+                <a:r>
+                  <a:rPr lang="pt-BR" dirty="0"/>
+                  <a:t>, determina a quantidade de estimativas anteriores que são considerados no cálculo da média.</a:t>
                 </a:r>
               </a:p>
               <a:p>
                 <a:r>
                   <a:rPr lang="pt-BR" dirty="0"/>
-                  <a:t>A desvantagem é que precisamos encontrar as valores ideais dos hiperparâmetros </a:t>
+                  <a:t>A </a:t>
+                </a:r>
+                <a:r>
+                  <a:rPr lang="pt-BR" b="1" i="1" dirty="0">
+                    <a:solidFill>
+                      <a:srgbClr val="FF0000"/>
+                    </a:solidFill>
+                  </a:rPr>
+                  <a:t>desvantagem</a:t>
+                </a:r>
+                <a:r>
+                  <a:rPr lang="pt-BR" dirty="0"/>
+                  <a:t> é que precisamos encontrar as valores ideais dos </a:t>
+                </a:r>
+                <a:r>
+                  <a:rPr lang="pt-BR" b="1" i="1" dirty="0">
+                    <a:solidFill>
+                      <a:srgbClr val="FF0000"/>
+                    </a:solidFill>
+                  </a:rPr>
+                  <a:t>hiperparâmetros</a:t>
+                </a:r>
+                <a:r>
+                  <a:rPr lang="pt-BR" dirty="0"/>
+                  <a:t> </a:t>
                 </a:r>
                 <a14:m>
                   <m:oMath xmlns:m="http://schemas.openxmlformats.org/officeDocument/2006/math">
@@ -10372,20 +10411,17 @@
                 <a14:m>
                   <m:oMath xmlns:m="http://schemas.openxmlformats.org/officeDocument/2006/math">
                     <m:r>
-                      <m:rPr>
-                        <m:sty m:val="p"/>
-                      </m:rPr>
                       <a:rPr lang="el-GR" i="1">
                         <a:latin typeface="Cambria Math" panose="02040503050406030204" pitchFamily="18" charset="0"/>
                         <a:ea typeface="Cambria Math" panose="02040503050406030204" pitchFamily="18" charset="0"/>
                       </a:rPr>
-                      <m:t>μ</m:t>
+                      <m:t>𝜇</m:t>
                     </m:r>
                   </m:oMath>
                 </a14:m>
                 <a:r>
                   <a:rPr lang="pt-BR" dirty="0"/>
-                  <a:t>. </a:t>
+                  <a:t>.</a:t>
                 </a:r>
               </a:p>
             </p:txBody>
@@ -10416,7 +10452,7 @@
               <a:blipFill>
                 <a:blip r:embed="rId2"/>
                 <a:stretch>
-                  <a:fillRect l="-1097" t="-1937" r="-1042"/>
+                  <a:fillRect l="-1097" t="-1937"/>
                 </a:stretch>
               </a:blipFill>
             </p:spPr>
@@ -10803,11 +10839,29 @@
                       <a:srgbClr val="00B050"/>
                     </a:solidFill>
                   </a:rPr>
-                  <a:t>ajustado adaptativamente de acordo com a inclinação da superfície </a:t>
+                  <a:t>ajustado adaptativamente </a:t>
                 </a:r>
                 <a:r>
                   <a:rPr lang="pt-BR" dirty="0"/>
-                  <a:t>de erro, além disso, </a:t>
+                  <a:t>de acordo com a </a:t>
+                </a:r>
+                <a:r>
+                  <a:rPr lang="pt-BR" b="1" i="1" dirty="0">
+                    <a:solidFill>
+                      <a:srgbClr val="7030A0"/>
+                    </a:solidFill>
+                  </a:rPr>
+                  <a:t>inclinação da superfície de erro</a:t>
+                </a:r>
+                <a:r>
+                  <a:rPr lang="pt-BR" dirty="0"/>
+                  <a:t>. </a:t>
+                </a:r>
+              </a:p>
+              <a:p>
+                <a:r>
+                  <a:rPr lang="pt-BR" dirty="0"/>
+                  <a:t>Além disso, usa</a:t>
                 </a:r>
                 <a:r>
                   <a:rPr lang="pt-BR" b="1" i="1" dirty="0">
@@ -10815,7 +10869,7 @@
                       <a:srgbClr val="00B050"/>
                     </a:solidFill>
                   </a:rPr>
-                  <a:t>usa passos diferentes para cada peso </a:t>
+                  <a:t> passos diferentes para cada peso </a:t>
                 </a:r>
                 <a:r>
                   <a:rPr lang="pt-BR" dirty="0"/>
@@ -10879,13 +10933,30 @@
                 </a:r>
                 <a:r>
                   <a:rPr lang="pt-BR" dirty="0"/>
-                  <a:t> como no caso das técnicas de redução gradual e termo </a:t>
+                  <a:t> como no caso das técnicas de redução gradual e termo momentum.</a:t>
+                </a:r>
+              </a:p>
+              <a:p>
+                <a:r>
+                  <a:rPr lang="pt-BR" dirty="0"/>
+                  <a:t>As técnicas mais conhecidas são </a:t>
                 </a:r>
                 <a:r>
-                  <a:rPr lang="pt-BR"/>
-                  <a:t>momentum.</a:t>
+                  <a:rPr lang="pt-BR" dirty="0" err="1"/>
+                  <a:t>RMSProp</a:t>
                 </a:r>
-                <a:endParaRPr lang="pt-BR" dirty="0"/>
+                <a:r>
+                  <a:rPr lang="pt-BR" dirty="0"/>
+                  <a:t>, </a:t>
+                </a:r>
+                <a:r>
+                  <a:rPr lang="pt-BR" dirty="0" err="1"/>
+                  <a:t>AdaGrad</a:t>
+                </a:r>
+                <a:r>
+                  <a:rPr lang="pt-BR" dirty="0"/>
+                  <a:t> e Adam.</a:t>
+                </a:r>
               </a:p>
             </p:txBody>
           </p:sp>
@@ -10915,7 +10986,7 @@
               <a:blipFill>
                 <a:blip r:embed="rId2"/>
                 <a:stretch>
-                  <a:fillRect l="-935" t="-1937" r="-1209"/>
+                  <a:fillRect l="-935" t="-1937"/>
                 </a:stretch>
               </a:blipFill>
             </p:spPr>
@@ -37332,8 +37403,8 @@
           </a:p>
         </p:txBody>
       </p:sp>
-      <mc:AlternateContent xmlns:mc="http://schemas.openxmlformats.org/markup-compatibility/2006">
-        <mc:Choice xmlns:a14="http://schemas.microsoft.com/office/drawing/2010/main" Requires="a14">
+      <mc:AlternateContent xmlns:mc="http://schemas.openxmlformats.org/markup-compatibility/2006" xmlns:a14="http://schemas.microsoft.com/office/drawing/2010/main">
+        <mc:Choice Requires="a14">
           <p:sp>
             <p:nvSpPr>
               <p:cNvPr id="3" name="Espaço Reservado para Conteúdo 2">
@@ -37427,14 +37498,7 @@
                             <a:latin typeface="Cambria Math" panose="02040503050406030204" pitchFamily="18" charset="0"/>
                             <a:ea typeface="Cambria Math" panose="02040503050406030204" pitchFamily="18" charset="0"/>
                           </a:rPr>
-                          <m:t>2×</m:t>
-                        </m:r>
-                        <m:r>
-                          <a:rPr lang="pt-BR" b="0" i="1" smtClean="0">
-                            <a:latin typeface="Cambria Math" panose="02040503050406030204" pitchFamily="18" charset="0"/>
-                            <a:ea typeface="Cambria Math" panose="02040503050406030204" pitchFamily="18" charset="0"/>
-                          </a:rPr>
-                          <m:t>10</m:t>
+                          <m:t>2×10</m:t>
                         </m:r>
                       </m:e>
                       <m:sup>
@@ -37483,7 +37547,7 @@
             </p:txBody>
           </p:sp>
         </mc:Choice>
-        <mc:Fallback>
+        <mc:Fallback xmlns="">
           <p:sp>
             <p:nvSpPr>
               <p:cNvPr id="3" name="Espaço Reservado para Conteúdo 2">
@@ -37838,8 +37902,8 @@
           </a:p>
         </p:txBody>
       </p:sp>
-      <mc:AlternateContent xmlns:mc="http://schemas.openxmlformats.org/markup-compatibility/2006">
-        <mc:Choice xmlns:a14="http://schemas.microsoft.com/office/drawing/2010/main" Requires="a14">
+      <mc:AlternateContent xmlns:mc="http://schemas.openxmlformats.org/markup-compatibility/2006" xmlns:a14="http://schemas.microsoft.com/office/drawing/2010/main">
+        <mc:Choice Requires="a14">
           <p:sp>
             <p:nvSpPr>
               <p:cNvPr id="3" name="Espaço Reservado para Conteúdo 2">
@@ -37990,13 +38054,7 @@
                           <a:rPr lang="pt-BR" b="0" i="1" smtClean="0">
                             <a:latin typeface="Cambria Math" panose="02040503050406030204" pitchFamily="18" charset="0"/>
                           </a:rPr>
-                          <m:t>−</m:t>
-                        </m:r>
-                        <m:r>
-                          <a:rPr lang="pt-BR" b="0" i="1" smtClean="0">
-                            <a:latin typeface="Cambria Math" panose="02040503050406030204" pitchFamily="18" charset="0"/>
-                          </a:rPr>
-                          <m:t>4</m:t>
+                          <m:t>−4</m:t>
                         </m:r>
                       </m:sup>
                     </m:sSup>
@@ -38010,7 +38068,7 @@
             </p:txBody>
           </p:sp>
         </mc:Choice>
-        <mc:Fallback>
+        <mc:Fallback xmlns="">
           <p:sp>
             <p:nvSpPr>
               <p:cNvPr id="3" name="Espaço Reservado para Conteúdo 2">
@@ -38365,8 +38423,8 @@
           </a:p>
         </p:txBody>
       </p:sp>
-      <mc:AlternateContent xmlns:mc="http://schemas.openxmlformats.org/markup-compatibility/2006">
-        <mc:Choice xmlns:a14="http://schemas.microsoft.com/office/drawing/2010/main" Requires="a14">
+      <mc:AlternateContent xmlns:mc="http://schemas.openxmlformats.org/markup-compatibility/2006" xmlns:a14="http://schemas.microsoft.com/office/drawing/2010/main">
+        <mc:Choice Requires="a14">
           <p:sp>
             <p:nvSpPr>
               <p:cNvPr id="3" name="Espaço Reservado para Conteúdo 2">
@@ -38436,7 +38494,7 @@
             </p:txBody>
           </p:sp>
         </mc:Choice>
-        <mc:Fallback>
+        <mc:Fallback xmlns="">
           <p:sp>
             <p:nvSpPr>
               <p:cNvPr id="3" name="Espaço Reservado para Conteúdo 2">

--- a/slides/T319_Regressão_Linear (Parte III).pptx
+++ b/slides/T319_Regressão_Linear (Parte III).pptx
@@ -26,9 +26,9 @@
     <p:sldId id="502" r:id="rId17"/>
     <p:sldId id="495" r:id="rId18"/>
     <p:sldId id="496" r:id="rId19"/>
-    <p:sldId id="504" r:id="rId20"/>
-    <p:sldId id="505" r:id="rId21"/>
-    <p:sldId id="507" r:id="rId22"/>
+    <p:sldId id="512" r:id="rId20"/>
+    <p:sldId id="504" r:id="rId21"/>
+    <p:sldId id="505" r:id="rId22"/>
     <p:sldId id="508" r:id="rId23"/>
     <p:sldId id="510" r:id="rId24"/>
     <p:sldId id="511" r:id="rId25"/>
@@ -6559,7 +6559,7 @@
           <p:cNvPr id="2" name="Título 1">
             <a:extLst>
               <a:ext uri="{FF2B5EF4-FFF2-40B4-BE49-F238E27FC236}">
-                <a16:creationId xmlns:a16="http://schemas.microsoft.com/office/drawing/2014/main" id="{32666AC8-2E17-4DB4-B0F5-60C640CCFD2E}"/>
+                <a16:creationId xmlns:a16="http://schemas.microsoft.com/office/drawing/2014/main" xmlns="" id="{32666AC8-2E17-4DB4-B0F5-60C640CCFD2E}"/>
               </a:ext>
             </a:extLst>
           </p:cNvPr>
@@ -6586,6 +6586,10 @@
               <a:rPr lang="pt-BR" sz="5400" dirty="0"/>
               <a:t>T319 - Introdução ao Aprendizado de Máquina:</a:t>
             </a:r>
+            <a:r>
+              <a:rPr lang="pt-BR" dirty="0"/>
+              <a:t/>
+            </a:r>
             <a:br>
               <a:rPr lang="pt-BR" dirty="0"/>
             </a:br>
@@ -6601,7 +6605,7 @@
           <p:cNvPr id="4" name="CaixaDeTexto 3">
             <a:extLst>
               <a:ext uri="{FF2B5EF4-FFF2-40B4-BE49-F238E27FC236}">
-                <a16:creationId xmlns:a16="http://schemas.microsoft.com/office/drawing/2014/main" id="{430EB894-B7D4-434C-9D1A-A14094D9BEEC}"/>
+                <a16:creationId xmlns:a16="http://schemas.microsoft.com/office/drawing/2014/main" xmlns="" id="{430EB894-B7D4-434C-9D1A-A14094D9BEEC}"/>
               </a:ext>
             </a:extLst>
           </p:cNvPr>
@@ -6642,7 +6646,7 @@
           <p:cNvPr id="1026" name="Picture 2" descr="Logo">
             <a:extLst>
               <a:ext uri="{FF2B5EF4-FFF2-40B4-BE49-F238E27FC236}">
-                <a16:creationId xmlns:a16="http://schemas.microsoft.com/office/drawing/2014/main" id="{3F2642E0-4F6A-4196-8F58-E77D36E9A33F}"/>
+                <a16:creationId xmlns:a16="http://schemas.microsoft.com/office/drawing/2014/main" xmlns="" id="{3F2642E0-4F6A-4196-8F58-E77D36E9A33F}"/>
               </a:ext>
             </a:extLst>
           </p:cNvPr>
@@ -6687,7 +6691,7 @@
           <p:cNvPr id="5122" name="Picture 2" descr="Image result for machine learning">
             <a:extLst>
               <a:ext uri="{FF2B5EF4-FFF2-40B4-BE49-F238E27FC236}">
-                <a16:creationId xmlns:a16="http://schemas.microsoft.com/office/drawing/2014/main" id="{810CE0A2-4102-44A6-A370-175E7896CDCB}"/>
+                <a16:creationId xmlns:a16="http://schemas.microsoft.com/office/drawing/2014/main" xmlns="" id="{810CE0A2-4102-44A6-A370-175E7896CDCB}"/>
               </a:ext>
             </a:extLst>
           </p:cNvPr>
@@ -6762,7 +6766,7 @@
           <p:cNvPr id="2" name="Título 1">
             <a:extLst>
               <a:ext uri="{FF2B5EF4-FFF2-40B4-BE49-F238E27FC236}">
-                <a16:creationId xmlns:a16="http://schemas.microsoft.com/office/drawing/2014/main" id="{4A86A124-E47D-3417-36BC-8BEE00BC4668}"/>
+                <a16:creationId xmlns:a16="http://schemas.microsoft.com/office/drawing/2014/main" xmlns="" id="{4A86A124-E47D-3417-36BC-8BEE00BC4668}"/>
               </a:ext>
             </a:extLst>
           </p:cNvPr>
@@ -6790,7 +6794,7 @@
           <p:cNvPr id="3" name="Espaço Reservado para Conteúdo 2">
             <a:extLst>
               <a:ext uri="{FF2B5EF4-FFF2-40B4-BE49-F238E27FC236}">
-                <a16:creationId xmlns:a16="http://schemas.microsoft.com/office/drawing/2014/main" id="{AD6B1EE1-E6EE-4E0B-FB14-A459C7084856}"/>
+                <a16:creationId xmlns:a16="http://schemas.microsoft.com/office/drawing/2014/main" xmlns="" id="{AD6B1EE1-E6EE-4E0B-FB14-A459C7084856}"/>
               </a:ext>
             </a:extLst>
           </p:cNvPr>
@@ -6895,7 +6899,7 @@
           <p:cNvPr id="6" name="Agrupar 5">
             <a:extLst>
               <a:ext uri="{FF2B5EF4-FFF2-40B4-BE49-F238E27FC236}">
-                <a16:creationId xmlns:a16="http://schemas.microsoft.com/office/drawing/2014/main" id="{E0A98745-EC18-6F40-59B4-A8FC12CA3344}"/>
+                <a16:creationId xmlns:a16="http://schemas.microsoft.com/office/drawing/2014/main" xmlns="" id="{E0A98745-EC18-6F40-59B4-A8FC12CA3344}"/>
               </a:ext>
             </a:extLst>
           </p:cNvPr>
@@ -6915,7 +6919,7 @@
             <p:cNvPr id="4" name="Picture 4">
               <a:extLst>
                 <a:ext uri="{FF2B5EF4-FFF2-40B4-BE49-F238E27FC236}">
-                  <a16:creationId xmlns:a16="http://schemas.microsoft.com/office/drawing/2014/main" id="{5A818B0E-3846-85AC-CA3B-8E7732D8537B}"/>
+                  <a16:creationId xmlns:a16="http://schemas.microsoft.com/office/drawing/2014/main" xmlns="" id="{5A818B0E-3846-85AC-CA3B-8E7732D8537B}"/>
                 </a:ext>
               </a:extLst>
             </p:cNvPr>
@@ -6952,7 +6956,7 @@
                 <p:cNvPr id="5" name="Rectangle 5">
                   <a:extLst>
                     <a:ext uri="{FF2B5EF4-FFF2-40B4-BE49-F238E27FC236}">
-                      <a16:creationId xmlns:a16="http://schemas.microsoft.com/office/drawing/2014/main" id="{85F634B8-E175-3AAC-9CEE-E3119B65ED10}"/>
+                      <a16:creationId xmlns:a16="http://schemas.microsoft.com/office/drawing/2014/main" xmlns="" id="{85F634B8-E175-3AAC-9CEE-E3119B65ED10}"/>
                     </a:ext>
                   </a:extLst>
                 </p:cNvPr>
@@ -7086,7 +7090,7 @@
           <p:cNvPr id="2" name="Título 1">
             <a:extLst>
               <a:ext uri="{FF2B5EF4-FFF2-40B4-BE49-F238E27FC236}">
-                <a16:creationId xmlns:a16="http://schemas.microsoft.com/office/drawing/2014/main" id="{4A86A124-E47D-3417-36BC-8BEE00BC4668}"/>
+                <a16:creationId xmlns:a16="http://schemas.microsoft.com/office/drawing/2014/main" xmlns="" id="{4A86A124-E47D-3417-36BC-8BEE00BC4668}"/>
               </a:ext>
             </a:extLst>
           </p:cNvPr>
@@ -7116,7 +7120,7 @@
               <p:cNvPr id="3" name="Espaço Reservado para Conteúdo 2">
                 <a:extLst>
                   <a:ext uri="{FF2B5EF4-FFF2-40B4-BE49-F238E27FC236}">
-                    <a16:creationId xmlns:a16="http://schemas.microsoft.com/office/drawing/2014/main" id="{AD6B1EE1-E6EE-4E0B-FB14-A459C7084856}"/>
+                    <a16:creationId xmlns:a16="http://schemas.microsoft.com/office/drawing/2014/main" xmlns="" id="{AD6B1EE1-E6EE-4E0B-FB14-A459C7084856}"/>
                   </a:ext>
                 </a:extLst>
               </p:cNvPr>
@@ -7303,7 +7307,7 @@
           <p:cNvPr id="6" name="Picture 7">
             <a:extLst>
               <a:ext uri="{FF2B5EF4-FFF2-40B4-BE49-F238E27FC236}">
-                <a16:creationId xmlns:a16="http://schemas.microsoft.com/office/drawing/2014/main" id="{29582EC0-E28F-B3E1-4D3A-BFB180B43200}"/>
+                <a16:creationId xmlns:a16="http://schemas.microsoft.com/office/drawing/2014/main" xmlns="" id="{29582EC0-E28F-B3E1-4D3A-BFB180B43200}"/>
               </a:ext>
             </a:extLst>
           </p:cNvPr>
@@ -7338,7 +7342,7 @@
           <p:cNvPr id="7" name="Picture 5">
             <a:extLst>
               <a:ext uri="{FF2B5EF4-FFF2-40B4-BE49-F238E27FC236}">
-                <a16:creationId xmlns:a16="http://schemas.microsoft.com/office/drawing/2014/main" id="{070A2BD3-D0B6-B61F-E496-0B0E7C544D63}"/>
+                <a16:creationId xmlns:a16="http://schemas.microsoft.com/office/drawing/2014/main" xmlns="" id="{070A2BD3-D0B6-B61F-E496-0B0E7C544D63}"/>
               </a:ext>
             </a:extLst>
           </p:cNvPr>
@@ -7373,7 +7377,7 @@
           <p:cNvPr id="9" name="Straight Arrow Connector 23">
             <a:extLst>
               <a:ext uri="{FF2B5EF4-FFF2-40B4-BE49-F238E27FC236}">
-                <a16:creationId xmlns:a16="http://schemas.microsoft.com/office/drawing/2014/main" id="{FCFA597F-5193-525D-A4F3-5192D411BA64}"/>
+                <a16:creationId xmlns:a16="http://schemas.microsoft.com/office/drawing/2014/main" xmlns="" id="{FCFA597F-5193-525D-A4F3-5192D411BA64}"/>
               </a:ext>
             </a:extLst>
           </p:cNvPr>
@@ -7420,7 +7424,7 @@
               <p:cNvPr id="10" name="TextBox 24">
                 <a:extLst>
                   <a:ext uri="{FF2B5EF4-FFF2-40B4-BE49-F238E27FC236}">
-                    <a16:creationId xmlns:a16="http://schemas.microsoft.com/office/drawing/2014/main" id="{E5B364EB-3E10-6499-FB8E-A0CF2D069362}"/>
+                    <a16:creationId xmlns:a16="http://schemas.microsoft.com/office/drawing/2014/main" xmlns="" id="{E5B364EB-3E10-6499-FB8E-A0CF2D069362}"/>
                   </a:ext>
                 </a:extLst>
               </p:cNvPr>
@@ -7512,7 +7516,7 @@
           <p:cNvPr id="3074" name="Picture 2">
             <a:extLst>
               <a:ext uri="{FF2B5EF4-FFF2-40B4-BE49-F238E27FC236}">
-                <a16:creationId xmlns:a16="http://schemas.microsoft.com/office/drawing/2014/main" id="{D97E89BE-830C-9FF1-89B2-40ABC6CE0F0D}"/>
+                <a16:creationId xmlns:a16="http://schemas.microsoft.com/office/drawing/2014/main" xmlns="" id="{D97E89BE-830C-9FF1-89B2-40ABC6CE0F0D}"/>
               </a:ext>
             </a:extLst>
           </p:cNvPr>
@@ -7587,7 +7591,7 @@
           <p:cNvPr id="2" name="Título 1">
             <a:extLst>
               <a:ext uri="{FF2B5EF4-FFF2-40B4-BE49-F238E27FC236}">
-                <a16:creationId xmlns:a16="http://schemas.microsoft.com/office/drawing/2014/main" id="{05A5A032-6954-55F0-305E-6B33F6A71483}"/>
+                <a16:creationId xmlns:a16="http://schemas.microsoft.com/office/drawing/2014/main" xmlns="" id="{05A5A032-6954-55F0-305E-6B33F6A71483}"/>
               </a:ext>
             </a:extLst>
           </p:cNvPr>
@@ -7615,7 +7619,7 @@
           <p:cNvPr id="3" name="Espaço Reservado para Conteúdo 2">
             <a:extLst>
               <a:ext uri="{FF2B5EF4-FFF2-40B4-BE49-F238E27FC236}">
-                <a16:creationId xmlns:a16="http://schemas.microsoft.com/office/drawing/2014/main" id="{8412B770-C618-DF43-C765-CC948AA99CA7}"/>
+                <a16:creationId xmlns:a16="http://schemas.microsoft.com/office/drawing/2014/main" xmlns="" id="{8412B770-C618-DF43-C765-CC948AA99CA7}"/>
               </a:ext>
             </a:extLst>
           </p:cNvPr>
@@ -7704,7 +7708,7 @@
           <p:cNvPr id="4" name="Picture 7">
             <a:extLst>
               <a:ext uri="{FF2B5EF4-FFF2-40B4-BE49-F238E27FC236}">
-                <a16:creationId xmlns:a16="http://schemas.microsoft.com/office/drawing/2014/main" id="{3AA8C8C3-3C48-8D40-77C8-31C7934D9AE5}"/>
+                <a16:creationId xmlns:a16="http://schemas.microsoft.com/office/drawing/2014/main" xmlns="" id="{3AA8C8C3-3C48-8D40-77C8-31C7934D9AE5}"/>
               </a:ext>
             </a:extLst>
           </p:cNvPr>
@@ -7769,7 +7773,7 @@
           <p:cNvPr id="2" name="Título 1">
             <a:extLst>
               <a:ext uri="{FF2B5EF4-FFF2-40B4-BE49-F238E27FC236}">
-                <a16:creationId xmlns:a16="http://schemas.microsoft.com/office/drawing/2014/main" id="{5EF6A69E-096D-D007-28F5-17618266C5EB}"/>
+                <a16:creationId xmlns:a16="http://schemas.microsoft.com/office/drawing/2014/main" xmlns="" id="{5EF6A69E-096D-D007-28F5-17618266C5EB}"/>
               </a:ext>
             </a:extLst>
           </p:cNvPr>
@@ -7797,7 +7801,7 @@
           <p:cNvPr id="3" name="Espaço Reservado para Conteúdo 2">
             <a:extLst>
               <a:ext uri="{FF2B5EF4-FFF2-40B4-BE49-F238E27FC236}">
-                <a16:creationId xmlns:a16="http://schemas.microsoft.com/office/drawing/2014/main" id="{5323D308-AFC7-C3C4-ED4E-8ADAA65191E4}"/>
+                <a16:creationId xmlns:a16="http://schemas.microsoft.com/office/drawing/2014/main" xmlns="" id="{5323D308-AFC7-C3C4-ED4E-8ADAA65191E4}"/>
               </a:ext>
             </a:extLst>
           </p:cNvPr>
@@ -7984,7 +7988,7 @@
           <p:cNvPr id="9" name="Imagem 8">
             <a:extLst>
               <a:ext uri="{FF2B5EF4-FFF2-40B4-BE49-F238E27FC236}">
-                <a16:creationId xmlns:a16="http://schemas.microsoft.com/office/drawing/2014/main" id="{6293314C-8B6C-5D4F-5881-F59368845658}"/>
+                <a16:creationId xmlns:a16="http://schemas.microsoft.com/office/drawing/2014/main" xmlns="" id="{6293314C-8B6C-5D4F-5881-F59368845658}"/>
               </a:ext>
             </a:extLst>
           </p:cNvPr>
@@ -8019,7 +8023,7 @@
           <p:cNvPr id="10" name="Picture 45">
             <a:extLst>
               <a:ext uri="{FF2B5EF4-FFF2-40B4-BE49-F238E27FC236}">
-                <a16:creationId xmlns:a16="http://schemas.microsoft.com/office/drawing/2014/main" id="{66C6627B-DA15-B458-83D7-BE121EE1615D}"/>
+                <a16:creationId xmlns:a16="http://schemas.microsoft.com/office/drawing/2014/main" xmlns="" id="{66C6627B-DA15-B458-83D7-BE121EE1615D}"/>
               </a:ext>
             </a:extLst>
           </p:cNvPr>
@@ -8054,7 +8058,7 @@
           <p:cNvPr id="11" name="Right Arrow 50">
             <a:extLst>
               <a:ext uri="{FF2B5EF4-FFF2-40B4-BE49-F238E27FC236}">
-                <a16:creationId xmlns:a16="http://schemas.microsoft.com/office/drawing/2014/main" id="{4EB6EC90-C16B-1D01-E136-93055342AD29}"/>
+                <a16:creationId xmlns:a16="http://schemas.microsoft.com/office/drawing/2014/main" xmlns="" id="{4EB6EC90-C16B-1D01-E136-93055342AD29}"/>
               </a:ext>
             </a:extLst>
           </p:cNvPr>
@@ -8136,7 +8140,7 @@
           <p:cNvPr id="2" name="Título 1">
             <a:extLst>
               <a:ext uri="{FF2B5EF4-FFF2-40B4-BE49-F238E27FC236}">
-                <a16:creationId xmlns:a16="http://schemas.microsoft.com/office/drawing/2014/main" id="{5EF6A69E-096D-D007-28F5-17618266C5EB}"/>
+                <a16:creationId xmlns:a16="http://schemas.microsoft.com/office/drawing/2014/main" xmlns="" id="{5EF6A69E-096D-D007-28F5-17618266C5EB}"/>
               </a:ext>
             </a:extLst>
           </p:cNvPr>
@@ -8164,7 +8168,7 @@
           <p:cNvPr id="3" name="Espaço Reservado para Conteúdo 2">
             <a:extLst>
               <a:ext uri="{FF2B5EF4-FFF2-40B4-BE49-F238E27FC236}">
-                <a16:creationId xmlns:a16="http://schemas.microsoft.com/office/drawing/2014/main" id="{5323D308-AFC7-C3C4-ED4E-8ADAA65191E4}"/>
+                <a16:creationId xmlns:a16="http://schemas.microsoft.com/office/drawing/2014/main" xmlns="" id="{5323D308-AFC7-C3C4-ED4E-8ADAA65191E4}"/>
               </a:ext>
             </a:extLst>
           </p:cNvPr>
@@ -8285,7 +8289,7 @@
           <p:cNvPr id="7" name="Imagem 6">
             <a:extLst>
               <a:ext uri="{FF2B5EF4-FFF2-40B4-BE49-F238E27FC236}">
-                <a16:creationId xmlns:a16="http://schemas.microsoft.com/office/drawing/2014/main" id="{2A4D98EC-18C1-B474-4AD7-1E84455AA95B}"/>
+                <a16:creationId xmlns:a16="http://schemas.microsoft.com/office/drawing/2014/main" xmlns="" id="{2A4D98EC-18C1-B474-4AD7-1E84455AA95B}"/>
               </a:ext>
             </a:extLst>
           </p:cNvPr>
@@ -8321,7 +8325,7 @@
           <p:cNvPr id="9" name="Picture 46">
             <a:extLst>
               <a:ext uri="{FF2B5EF4-FFF2-40B4-BE49-F238E27FC236}">
-                <a16:creationId xmlns:a16="http://schemas.microsoft.com/office/drawing/2014/main" id="{C7BFA423-C107-AD7A-127F-D33717E52BCE}"/>
+                <a16:creationId xmlns:a16="http://schemas.microsoft.com/office/drawing/2014/main" xmlns="" id="{C7BFA423-C107-AD7A-127F-D33717E52BCE}"/>
               </a:ext>
             </a:extLst>
           </p:cNvPr>
@@ -8356,7 +8360,7 @@
           <p:cNvPr id="10" name="Right Arrow 50">
             <a:extLst>
               <a:ext uri="{FF2B5EF4-FFF2-40B4-BE49-F238E27FC236}">
-                <a16:creationId xmlns:a16="http://schemas.microsoft.com/office/drawing/2014/main" id="{BA2D2D3D-32FC-6420-C5CF-5B8A6005C115}"/>
+                <a16:creationId xmlns:a16="http://schemas.microsoft.com/office/drawing/2014/main" xmlns="" id="{BA2D2D3D-32FC-6420-C5CF-5B8A6005C115}"/>
               </a:ext>
             </a:extLst>
           </p:cNvPr>
@@ -8438,7 +8442,7 @@
           <p:cNvPr id="2" name="Título 1">
             <a:extLst>
               <a:ext uri="{FF2B5EF4-FFF2-40B4-BE49-F238E27FC236}">
-                <a16:creationId xmlns:a16="http://schemas.microsoft.com/office/drawing/2014/main" id="{5EF6A69E-096D-D007-28F5-17618266C5EB}"/>
+                <a16:creationId xmlns:a16="http://schemas.microsoft.com/office/drawing/2014/main" xmlns="" id="{5EF6A69E-096D-D007-28F5-17618266C5EB}"/>
               </a:ext>
             </a:extLst>
           </p:cNvPr>
@@ -8466,7 +8470,7 @@
           <p:cNvPr id="3" name="Espaço Reservado para Conteúdo 2">
             <a:extLst>
               <a:ext uri="{FF2B5EF4-FFF2-40B4-BE49-F238E27FC236}">
-                <a16:creationId xmlns:a16="http://schemas.microsoft.com/office/drawing/2014/main" id="{5323D308-AFC7-C3C4-ED4E-8ADAA65191E4}"/>
+                <a16:creationId xmlns:a16="http://schemas.microsoft.com/office/drawing/2014/main" xmlns="" id="{5323D308-AFC7-C3C4-ED4E-8ADAA65191E4}"/>
               </a:ext>
             </a:extLst>
           </p:cNvPr>
@@ -8579,7 +8583,7 @@
           <p:cNvPr id="5" name="Imagem 4">
             <a:extLst>
               <a:ext uri="{FF2B5EF4-FFF2-40B4-BE49-F238E27FC236}">
-                <a16:creationId xmlns:a16="http://schemas.microsoft.com/office/drawing/2014/main" id="{D0FC005A-1D53-9B54-E0D7-5694609ACA1D}"/>
+                <a16:creationId xmlns:a16="http://schemas.microsoft.com/office/drawing/2014/main" xmlns="" id="{D0FC005A-1D53-9B54-E0D7-5694609ACA1D}"/>
               </a:ext>
             </a:extLst>
           </p:cNvPr>
@@ -8615,7 +8619,7 @@
           <p:cNvPr id="6" name="Picture 47">
             <a:extLst>
               <a:ext uri="{FF2B5EF4-FFF2-40B4-BE49-F238E27FC236}">
-                <a16:creationId xmlns:a16="http://schemas.microsoft.com/office/drawing/2014/main" id="{1B70BF55-F459-13C2-D9A0-CD0EAFBFA24D}"/>
+                <a16:creationId xmlns:a16="http://schemas.microsoft.com/office/drawing/2014/main" xmlns="" id="{1B70BF55-F459-13C2-D9A0-CD0EAFBFA24D}"/>
               </a:ext>
             </a:extLst>
           </p:cNvPr>
@@ -8650,7 +8654,7 @@
           <p:cNvPr id="8" name="Right Arrow 50">
             <a:extLst>
               <a:ext uri="{FF2B5EF4-FFF2-40B4-BE49-F238E27FC236}">
-                <a16:creationId xmlns:a16="http://schemas.microsoft.com/office/drawing/2014/main" id="{4CE3CAAF-5324-581B-5F00-C22061374152}"/>
+                <a16:creationId xmlns:a16="http://schemas.microsoft.com/office/drawing/2014/main" xmlns="" id="{4CE3CAAF-5324-581B-5F00-C22061374152}"/>
               </a:ext>
             </a:extLst>
           </p:cNvPr>
@@ -8732,7 +8736,7 @@
           <p:cNvPr id="2" name="Título 1">
             <a:extLst>
               <a:ext uri="{FF2B5EF4-FFF2-40B4-BE49-F238E27FC236}">
-                <a16:creationId xmlns:a16="http://schemas.microsoft.com/office/drawing/2014/main" id="{5EF6A69E-096D-D007-28F5-17618266C5EB}"/>
+                <a16:creationId xmlns:a16="http://schemas.microsoft.com/office/drawing/2014/main" xmlns="" id="{5EF6A69E-096D-D007-28F5-17618266C5EB}"/>
               </a:ext>
             </a:extLst>
           </p:cNvPr>
@@ -8760,7 +8764,7 @@
           <p:cNvPr id="8" name="Espaço Reservado para Conteúdo 7">
             <a:extLst>
               <a:ext uri="{FF2B5EF4-FFF2-40B4-BE49-F238E27FC236}">
-                <a16:creationId xmlns:a16="http://schemas.microsoft.com/office/drawing/2014/main" id="{7B9D9473-4E8E-377D-B1BB-4267C247D364}"/>
+                <a16:creationId xmlns:a16="http://schemas.microsoft.com/office/drawing/2014/main" xmlns="" id="{7B9D9473-4E8E-377D-B1BB-4267C247D364}"/>
               </a:ext>
             </a:extLst>
           </p:cNvPr>
@@ -8841,7 +8845,7 @@
           <p:cNvPr id="9" name="Espaço Reservado para Conteúdo 5">
             <a:extLst>
               <a:ext uri="{FF2B5EF4-FFF2-40B4-BE49-F238E27FC236}">
-                <a16:creationId xmlns:a16="http://schemas.microsoft.com/office/drawing/2014/main" id="{35860255-3691-3223-4E56-075772F72262}"/>
+                <a16:creationId xmlns:a16="http://schemas.microsoft.com/office/drawing/2014/main" xmlns="" id="{35860255-3691-3223-4E56-075772F72262}"/>
               </a:ext>
             </a:extLst>
           </p:cNvPr>
@@ -8877,7 +8881,7 @@
           <p:cNvPr id="10" name="Picture 48">
             <a:extLst>
               <a:ext uri="{FF2B5EF4-FFF2-40B4-BE49-F238E27FC236}">
-                <a16:creationId xmlns:a16="http://schemas.microsoft.com/office/drawing/2014/main" id="{D5B8F54A-8717-FA32-510A-0E14A5CF8749}"/>
+                <a16:creationId xmlns:a16="http://schemas.microsoft.com/office/drawing/2014/main" xmlns="" id="{D5B8F54A-8717-FA32-510A-0E14A5CF8749}"/>
               </a:ext>
             </a:extLst>
           </p:cNvPr>
@@ -8912,7 +8916,7 @@
           <p:cNvPr id="11" name="Right Arrow 50">
             <a:extLst>
               <a:ext uri="{FF2B5EF4-FFF2-40B4-BE49-F238E27FC236}">
-                <a16:creationId xmlns:a16="http://schemas.microsoft.com/office/drawing/2014/main" id="{05CC92E3-E5FB-1345-F6D4-88C0AEB16050}"/>
+                <a16:creationId xmlns:a16="http://schemas.microsoft.com/office/drawing/2014/main" xmlns="" id="{05CC92E3-E5FB-1345-F6D4-88C0AEB16050}"/>
               </a:ext>
             </a:extLst>
           </p:cNvPr>
@@ -8994,7 +8998,7 @@
           <p:cNvPr id="2" name="Título 1">
             <a:extLst>
               <a:ext uri="{FF2B5EF4-FFF2-40B4-BE49-F238E27FC236}">
-                <a16:creationId xmlns:a16="http://schemas.microsoft.com/office/drawing/2014/main" id="{E3B1AA5C-2DDF-9C9C-CE89-50D9B6F2FC20}"/>
+                <a16:creationId xmlns:a16="http://schemas.microsoft.com/office/drawing/2014/main" xmlns="" id="{E3B1AA5C-2DDF-9C9C-CE89-50D9B6F2FC20}"/>
               </a:ext>
             </a:extLst>
           </p:cNvPr>
@@ -9024,7 +9028,7 @@
               <p:cNvPr id="3" name="Espaço Reservado para Conteúdo 2">
                 <a:extLst>
                   <a:ext uri="{FF2B5EF4-FFF2-40B4-BE49-F238E27FC236}">
-                    <a16:creationId xmlns:a16="http://schemas.microsoft.com/office/drawing/2014/main" id="{83A38DD3-AAC8-CEBB-5966-BFE9490F478F}"/>
+                    <a16:creationId xmlns:a16="http://schemas.microsoft.com/office/drawing/2014/main" xmlns="" id="{83A38DD3-AAC8-CEBB-5966-BFE9490F478F}"/>
                   </a:ext>
                 </a:extLst>
               </p:cNvPr>
@@ -9324,7 +9328,7 @@
           <p:cNvPr id="2" name="Título 1">
             <a:extLst>
               <a:ext uri="{FF2B5EF4-FFF2-40B4-BE49-F238E27FC236}">
-                <a16:creationId xmlns:a16="http://schemas.microsoft.com/office/drawing/2014/main" id="{8FE2DAD2-5657-42A1-35B9-4BB9FD00F794}"/>
+                <a16:creationId xmlns:a16="http://schemas.microsoft.com/office/drawing/2014/main" xmlns="" id="{8FE2DAD2-5657-42A1-35B9-4BB9FD00F794}"/>
               </a:ext>
             </a:extLst>
           </p:cNvPr>
@@ -9354,7 +9358,7 @@
               <p:cNvPr id="3" name="Espaço Reservado para Conteúdo 2">
                 <a:extLst>
                   <a:ext uri="{FF2B5EF4-FFF2-40B4-BE49-F238E27FC236}">
-                    <a16:creationId xmlns:a16="http://schemas.microsoft.com/office/drawing/2014/main" id="{90C1EAA3-4293-62D4-5778-91C90AA88537}"/>
+                    <a16:creationId xmlns:a16="http://schemas.microsoft.com/office/drawing/2014/main" xmlns="" id="{90C1EAA3-4293-62D4-5778-91C90AA88537}"/>
                   </a:ext>
                 </a:extLst>
               </p:cNvPr>
@@ -9786,7 +9790,7 @@
           <p:cNvPr id="5" name="Retângulo 4">
             <a:extLst>
               <a:ext uri="{FF2B5EF4-FFF2-40B4-BE49-F238E27FC236}">
-                <a16:creationId xmlns:a16="http://schemas.microsoft.com/office/drawing/2014/main" id="{F3C49CDB-DEA1-DD50-127B-71A2D929D6C4}"/>
+                <a16:creationId xmlns:a16="http://schemas.microsoft.com/office/drawing/2014/main" xmlns="" id="{F3C49CDB-DEA1-DD50-127B-71A2D929D6C4}"/>
               </a:ext>
             </a:extLst>
           </p:cNvPr>
@@ -9868,7 +9872,7 @@
           <p:cNvPr id="2" name="Título 1">
             <a:extLst>
               <a:ext uri="{FF2B5EF4-FFF2-40B4-BE49-F238E27FC236}">
-                <a16:creationId xmlns:a16="http://schemas.microsoft.com/office/drawing/2014/main" id="{8FE2DAD2-5657-42A1-35B9-4BB9FD00F794}"/>
+                <a16:creationId xmlns:a16="http://schemas.microsoft.com/office/drawing/2014/main" xmlns="" id="{5DB853DE-E713-4707-319D-273A1EFA97B0}"/>
               </a:ext>
             </a:extLst>
           </p:cNvPr>
@@ -9886,7 +9890,7 @@
           <a:p>
             <a:r>
               <a:rPr lang="pt-BR" dirty="0"/>
-              <a:t>Ajuste do termo de atualização dos pesos</a:t>
+              <a:t>Técnicas mais comuns para a redução gradual</a:t>
             </a:r>
           </a:p>
         </p:txBody>
@@ -9898,1179 +9902,7 @@
               <p:cNvPr id="3" name="Espaço Reservado para Conteúdo 2">
                 <a:extLst>
                   <a:ext uri="{FF2B5EF4-FFF2-40B4-BE49-F238E27FC236}">
-                    <a16:creationId xmlns:a16="http://schemas.microsoft.com/office/drawing/2014/main" id="{90C1EAA3-4293-62D4-5778-91C90AA88537}"/>
-                  </a:ext>
-                </a:extLst>
-              </p:cNvPr>
-              <p:cNvSpPr>
-                <a:spLocks noGrp="1"/>
-              </p:cNvSpPr>
-              <p:nvPr>
-                <p:ph idx="1"/>
-              </p:nvPr>
-            </p:nvSpPr>
-            <p:spPr>
-              <a:xfrm>
-                <a:off x="838199" y="1825624"/>
-                <a:ext cx="11112501" cy="5032375"/>
-              </a:xfrm>
-            </p:spPr>
-            <p:txBody>
-              <a:bodyPr>
-                <a:normAutofit/>
-              </a:bodyPr>
-              <a:lstStyle/>
-              <a:p>
-                <a:r>
-                  <a:rPr lang="pt-BR" dirty="0"/>
-                  <a:t>O </a:t>
-                </a:r>
-                <a:r>
-                  <a:rPr lang="pt-BR" b="1" i="1" dirty="0">
-                    <a:solidFill>
-                      <a:srgbClr val="7030A0"/>
-                    </a:solidFill>
-                  </a:rPr>
-                  <a:t>termo momentum </a:t>
-                </a:r>
-                <a:r>
-                  <a:rPr lang="pt-BR" dirty="0"/>
-                  <a:t>adiciona a </a:t>
-                </a:r>
-                <a:r>
-                  <a:rPr lang="pt-BR" b="1" i="1" dirty="0">
-                    <a:solidFill>
-                      <a:srgbClr val="00B050"/>
-                    </a:solidFill>
-                  </a:rPr>
-                  <a:t>média do histórico de estimativas do vetor gradientes</a:t>
-                </a:r>
-                <a:r>
-                  <a:rPr lang="pt-BR" dirty="0"/>
-                  <a:t>, </a:t>
-                </a:r>
-                <a14:m>
-                  <m:oMath xmlns:m="http://schemas.openxmlformats.org/officeDocument/2006/math">
-                    <m:r>
-                      <a:rPr lang="en-US" sz="2800" b="1" i="1" smtClean="0">
-                        <a:latin typeface="Cambria Math" panose="02040503050406030204" pitchFamily="18" charset="0"/>
-                        <a:ea typeface="Cambria Math" panose="02040503050406030204" pitchFamily="18" charset="0"/>
-                      </a:rPr>
-                      <m:t>𝝂</m:t>
-                    </m:r>
-                  </m:oMath>
-                </a14:m>
-                <a:r>
-                  <a:rPr lang="pt-BR" dirty="0"/>
-                  <a:t>,</a:t>
-                </a:r>
-                <a:r>
-                  <a:rPr lang="pt-BR" b="1" i="1" dirty="0"/>
-                  <a:t> </a:t>
-                </a:r>
-                <a:r>
-                  <a:rPr lang="pt-BR" dirty="0"/>
-                  <a:t>à equação de atualização dos pesos, </a:t>
-                </a:r>
-                <a:r>
-                  <a:rPr lang="pt-BR" b="1" i="1" dirty="0">
-                    <a:solidFill>
-                      <a:srgbClr val="00B050"/>
-                    </a:solidFill>
-                  </a:rPr>
-                  <a:t>tornando as atualizações menos ruidosas</a:t>
-                </a:r>
-                <a:r>
-                  <a:rPr lang="pt-BR" dirty="0"/>
-                  <a:t>, e, consequentemente, </a:t>
-                </a:r>
-                <a:r>
-                  <a:rPr lang="pt-BR" b="1" i="1" dirty="0">
-                    <a:solidFill>
-                      <a:srgbClr val="00B050"/>
-                    </a:solidFill>
-                  </a:rPr>
-                  <a:t>acelerando a convergência </a:t>
-                </a:r>
-                <a:r>
-                  <a:rPr lang="pt-BR" dirty="0"/>
-                  <a:t>do algoritmo.</a:t>
-                </a:r>
-              </a:p>
-              <a:p>
-                <a:pPr marL="0" indent="0">
-                  <a:buNone/>
-                </a:pPr>
-                <a:endParaRPr lang="pt-BR" sz="800" dirty="0"/>
-              </a:p>
-              <a:p>
-                <a:pPr marL="0" indent="0" algn="ctr">
-                  <a:buNone/>
-                </a:pPr>
-                <a14:m>
-                  <m:oMathPara xmlns:m="http://schemas.openxmlformats.org/officeDocument/2006/math">
-                    <m:oMathParaPr>
-                      <m:jc m:val="centerGroup"/>
-                    </m:oMathParaPr>
-                    <m:oMath xmlns:m="http://schemas.openxmlformats.org/officeDocument/2006/math">
-                      <m:r>
-                        <a:rPr lang="en-US" sz="2800" b="1" i="1" smtClean="0">
-                          <a:latin typeface="Cambria Math" panose="02040503050406030204" pitchFamily="18" charset="0"/>
-                          <a:ea typeface="Cambria Math" panose="02040503050406030204" pitchFamily="18" charset="0"/>
-                        </a:rPr>
-                        <m:t>𝝂</m:t>
-                      </m:r>
-                      <m:r>
-                        <a:rPr lang="en-US" sz="2800" b="1" i="1">
-                          <a:latin typeface="Cambria Math" panose="02040503050406030204" pitchFamily="18" charset="0"/>
-                          <a:ea typeface="Cambria Math" panose="02040503050406030204" pitchFamily="18" charset="0"/>
-                        </a:rPr>
-                        <m:t>←</m:t>
-                      </m:r>
-                      <m:r>
-                        <a:rPr lang="el-GR" sz="2800" i="1">
-                          <a:latin typeface="Cambria Math" panose="02040503050406030204" pitchFamily="18" charset="0"/>
-                          <a:ea typeface="Cambria Math" panose="02040503050406030204" pitchFamily="18" charset="0"/>
-                        </a:rPr>
-                        <m:t>𝜇</m:t>
-                      </m:r>
-                      <m:r>
-                        <a:rPr lang="el-GR" sz="2800" b="1" i="1" smtClean="0">
-                          <a:latin typeface="Cambria Math" panose="02040503050406030204" pitchFamily="18" charset="0"/>
-                          <a:ea typeface="Cambria Math" panose="02040503050406030204" pitchFamily="18" charset="0"/>
-                        </a:rPr>
-                        <m:t>𝝂</m:t>
-                      </m:r>
-                      <m:r>
-                        <a:rPr lang="pt-BR" sz="2800" b="0" i="1" smtClean="0">
-                          <a:latin typeface="Cambria Math" panose="02040503050406030204" pitchFamily="18" charset="0"/>
-                          <a:ea typeface="Cambria Math" panose="02040503050406030204" pitchFamily="18" charset="0"/>
-                        </a:rPr>
-                        <m:t>+</m:t>
-                      </m:r>
-                      <m:d>
-                        <m:dPr>
-                          <m:ctrlPr>
-                            <a:rPr lang="pt-BR" sz="2800" b="0" i="1" smtClean="0">
-                              <a:latin typeface="Cambria Math" panose="02040503050406030204" pitchFamily="18" charset="0"/>
-                              <a:ea typeface="Cambria Math" panose="02040503050406030204" pitchFamily="18" charset="0"/>
-                            </a:rPr>
-                          </m:ctrlPr>
-                        </m:dPr>
-                        <m:e>
-                          <m:r>
-                            <a:rPr lang="pt-BR" sz="2800" b="0" i="1" smtClean="0">
-                              <a:latin typeface="Cambria Math" panose="02040503050406030204" pitchFamily="18" charset="0"/>
-                              <a:ea typeface="Cambria Math" panose="02040503050406030204" pitchFamily="18" charset="0"/>
-                            </a:rPr>
-                            <m:t>1−</m:t>
-                          </m:r>
-                          <m:r>
-                            <a:rPr lang="el-GR" sz="2800" i="1">
-                              <a:latin typeface="Cambria Math" panose="02040503050406030204" pitchFamily="18" charset="0"/>
-                              <a:ea typeface="Cambria Math" panose="02040503050406030204" pitchFamily="18" charset="0"/>
-                            </a:rPr>
-                            <m:t>𝜇</m:t>
-                          </m:r>
-                        </m:e>
-                      </m:d>
-                      <m:r>
-                        <a:rPr lang="pt-BR" sz="2800" i="1" smtClean="0">
-                          <a:latin typeface="Cambria Math" panose="02040503050406030204" pitchFamily="18" charset="0"/>
-                          <a:ea typeface="Cambria Math" panose="02040503050406030204" pitchFamily="18" charset="0"/>
-                        </a:rPr>
-                        <m:t>𝛻</m:t>
-                      </m:r>
-                      <m:acc>
-                        <m:accPr>
-                          <m:chr m:val="̂"/>
-                          <m:ctrlPr>
-                            <a:rPr lang="pt-BR" sz="2800" i="1">
-                              <a:latin typeface="Cambria Math" panose="02040503050406030204" pitchFamily="18" charset="0"/>
-                              <a:ea typeface="Cambria Math" panose="02040503050406030204" pitchFamily="18" charset="0"/>
-                            </a:rPr>
-                          </m:ctrlPr>
-                        </m:accPr>
-                        <m:e>
-                          <m:sSub>
-                            <m:sSubPr>
-                              <m:ctrlPr>
-                                <a:rPr lang="pt-BR" sz="2800" i="1">
-                                  <a:latin typeface="Cambria Math" panose="02040503050406030204" pitchFamily="18" charset="0"/>
-                                  <a:ea typeface="Cambria Math" panose="02040503050406030204" pitchFamily="18" charset="0"/>
-                                </a:rPr>
-                              </m:ctrlPr>
-                            </m:sSubPr>
-                            <m:e>
-                              <m:r>
-                                <a:rPr lang="pt-BR" sz="2800" i="1">
-                                  <a:latin typeface="Cambria Math" panose="02040503050406030204" pitchFamily="18" charset="0"/>
-                                  <a:ea typeface="Cambria Math" panose="02040503050406030204" pitchFamily="18" charset="0"/>
-                                </a:rPr>
-                                <m:t>𝐽</m:t>
-                              </m:r>
-                            </m:e>
-                            <m:sub>
-                              <m:r>
-                                <a:rPr lang="pt-BR" sz="2800" i="1">
-                                  <a:latin typeface="Cambria Math" panose="02040503050406030204" pitchFamily="18" charset="0"/>
-                                  <a:ea typeface="Cambria Math" panose="02040503050406030204" pitchFamily="18" charset="0"/>
-                                </a:rPr>
-                                <m:t>𝑒</m:t>
-                              </m:r>
-                            </m:sub>
-                          </m:sSub>
-                        </m:e>
-                      </m:acc>
-                      <m:r>
-                        <a:rPr lang="pt-BR" sz="2800" i="1">
-                          <a:latin typeface="Cambria Math" panose="02040503050406030204" pitchFamily="18" charset="0"/>
-                          <a:ea typeface="Cambria Math" panose="02040503050406030204" pitchFamily="18" charset="0"/>
-                        </a:rPr>
-                        <m:t> </m:t>
-                      </m:r>
-                      <m:d>
-                        <m:dPr>
-                          <m:ctrlPr>
-                            <a:rPr lang="pt-BR" sz="2800" i="1">
-                              <a:latin typeface="Cambria Math" panose="02040503050406030204" pitchFamily="18" charset="0"/>
-                              <a:ea typeface="Cambria Math" panose="02040503050406030204" pitchFamily="18" charset="0"/>
-                            </a:rPr>
-                          </m:ctrlPr>
-                        </m:dPr>
-                        <m:e>
-                          <m:r>
-                            <a:rPr lang="pt-BR" sz="2800" b="1" i="1">
-                              <a:latin typeface="Cambria Math" panose="02040503050406030204" pitchFamily="18" charset="0"/>
-                              <a:ea typeface="Cambria Math" panose="02040503050406030204" pitchFamily="18" charset="0"/>
-                            </a:rPr>
-                            <m:t>𝒂</m:t>
-                          </m:r>
-                        </m:e>
-                      </m:d>
-                      <m:r>
-                        <a:rPr lang="pt-BR" sz="2800" b="1" i="1" smtClean="0">
-                          <a:latin typeface="Cambria Math" panose="02040503050406030204" pitchFamily="18" charset="0"/>
-                          <a:ea typeface="Cambria Math" panose="02040503050406030204" pitchFamily="18" charset="0"/>
-                        </a:rPr>
-                        <m:t>,</m:t>
-                      </m:r>
-                    </m:oMath>
-                  </m:oMathPara>
-                </a14:m>
-                <a:endParaRPr lang="pt-BR" sz="2800" i="1" dirty="0">
-                  <a:latin typeface="Cambria Math" panose="02040503050406030204" pitchFamily="18" charset="0"/>
-                  <a:ea typeface="Cambria Math" panose="02040503050406030204" pitchFamily="18" charset="0"/>
-                </a:endParaRPr>
-              </a:p>
-              <a:p>
-                <a:pPr marL="0" indent="0">
-                  <a:buNone/>
-                </a:pPr>
-                <a14:m>
-                  <m:oMathPara xmlns:m="http://schemas.openxmlformats.org/officeDocument/2006/math">
-                    <m:oMathParaPr>
-                      <m:jc m:val="centerGroup"/>
-                    </m:oMathParaPr>
-                    <m:oMath xmlns:m="http://schemas.openxmlformats.org/officeDocument/2006/math">
-                      <m:r>
-                        <a:rPr lang="pt-BR" sz="2800" i="1" smtClean="0">
-                          <a:latin typeface="Cambria Math" panose="02040503050406030204" pitchFamily="18" charset="0"/>
-                          <a:ea typeface="Cambria Math" panose="02040503050406030204" pitchFamily="18" charset="0"/>
-                        </a:rPr>
-                        <m:t> </m:t>
-                      </m:r>
-                      <m:r>
-                        <a:rPr lang="pt-BR" sz="2800" b="1" i="1" smtClean="0">
-                          <a:latin typeface="Cambria Math" panose="02040503050406030204" pitchFamily="18" charset="0"/>
-                          <a:ea typeface="Cambria Math" panose="02040503050406030204" pitchFamily="18" charset="0"/>
-                        </a:rPr>
-                        <m:t>𝒂</m:t>
-                      </m:r>
-                      <m:r>
-                        <a:rPr lang="en-US" sz="2800" b="1" i="1">
-                          <a:latin typeface="Cambria Math" panose="02040503050406030204" pitchFamily="18" charset="0"/>
-                          <a:ea typeface="Cambria Math" panose="02040503050406030204" pitchFamily="18" charset="0"/>
-                        </a:rPr>
-                        <m:t>←</m:t>
-                      </m:r>
-                      <m:r>
-                        <a:rPr lang="pt-BR" sz="2800" b="1" i="1">
-                          <a:latin typeface="Cambria Math" panose="02040503050406030204" pitchFamily="18" charset="0"/>
-                          <a:ea typeface="Cambria Math" panose="02040503050406030204" pitchFamily="18" charset="0"/>
-                        </a:rPr>
-                        <m:t>𝒂</m:t>
-                      </m:r>
-                      <m:r>
-                        <a:rPr lang="pt-BR" sz="2800" b="0" i="0" smtClean="0">
-                          <a:latin typeface="Cambria Math" panose="02040503050406030204" pitchFamily="18" charset="0"/>
-                          <a:ea typeface="Cambria Math" panose="02040503050406030204" pitchFamily="18" charset="0"/>
-                        </a:rPr>
-                        <m:t>−</m:t>
-                      </m:r>
-                      <m:r>
-                        <a:rPr lang="pt-BR" sz="2800" i="1">
-                          <a:latin typeface="Cambria Math" panose="02040503050406030204" pitchFamily="18" charset="0"/>
-                          <a:ea typeface="Cambria Math" panose="02040503050406030204" pitchFamily="18" charset="0"/>
-                        </a:rPr>
-                        <m:t>𝛼</m:t>
-                      </m:r>
-                      <m:r>
-                        <a:rPr lang="el-GR" sz="2800" b="1" i="1" smtClean="0">
-                          <a:latin typeface="Cambria Math" panose="02040503050406030204" pitchFamily="18" charset="0"/>
-                          <a:ea typeface="Cambria Math" panose="02040503050406030204" pitchFamily="18" charset="0"/>
-                        </a:rPr>
-                        <m:t>𝝂</m:t>
-                      </m:r>
-                      <m:r>
-                        <a:rPr lang="pt-BR" sz="2800" b="1" i="1" smtClean="0">
-                          <a:latin typeface="Cambria Math" panose="02040503050406030204" pitchFamily="18" charset="0"/>
-                          <a:ea typeface="Cambria Math" panose="02040503050406030204" pitchFamily="18" charset="0"/>
-                        </a:rPr>
-                        <m:t>.</m:t>
-                      </m:r>
-                    </m:oMath>
-                  </m:oMathPara>
-                </a14:m>
-                <a:endParaRPr lang="pt-BR" dirty="0"/>
-              </a:p>
-              <a:p>
-                <a:pPr marL="0" indent="0">
-                  <a:buNone/>
-                </a:pPr>
-                <a:r>
-                  <a:rPr lang="pt-BR" dirty="0"/>
-                  <a:t>onde </a:t>
-                </a:r>
-                <a14:m>
-                  <m:oMath xmlns:m="http://schemas.openxmlformats.org/officeDocument/2006/math">
-                    <m:r>
-                      <a:rPr lang="pt-BR" sz="2800" i="1" smtClean="0">
-                        <a:latin typeface="Cambria Math" panose="02040503050406030204" pitchFamily="18" charset="0"/>
-                        <a:ea typeface="Cambria Math" panose="02040503050406030204" pitchFamily="18" charset="0"/>
-                      </a:rPr>
-                      <m:t>𝛻</m:t>
-                    </m:r>
-                    <m:acc>
-                      <m:accPr>
-                        <m:chr m:val="̂"/>
-                        <m:ctrlPr>
-                          <a:rPr lang="pt-BR" sz="2800" i="1">
-                            <a:latin typeface="Cambria Math" panose="02040503050406030204" pitchFamily="18" charset="0"/>
-                            <a:ea typeface="Cambria Math" panose="02040503050406030204" pitchFamily="18" charset="0"/>
-                          </a:rPr>
-                        </m:ctrlPr>
-                      </m:accPr>
-                      <m:e>
-                        <m:sSub>
-                          <m:sSubPr>
-                            <m:ctrlPr>
-                              <a:rPr lang="pt-BR" sz="2800" i="1">
-                                <a:latin typeface="Cambria Math" panose="02040503050406030204" pitchFamily="18" charset="0"/>
-                                <a:ea typeface="Cambria Math" panose="02040503050406030204" pitchFamily="18" charset="0"/>
-                              </a:rPr>
-                            </m:ctrlPr>
-                          </m:sSubPr>
-                          <m:e>
-                            <m:r>
-                              <a:rPr lang="pt-BR" sz="2800" i="1">
-                                <a:latin typeface="Cambria Math" panose="02040503050406030204" pitchFamily="18" charset="0"/>
-                                <a:ea typeface="Cambria Math" panose="02040503050406030204" pitchFamily="18" charset="0"/>
-                              </a:rPr>
-                              <m:t>𝐽</m:t>
-                            </m:r>
-                          </m:e>
-                          <m:sub>
-                            <m:r>
-                              <a:rPr lang="pt-BR" sz="2800" i="1">
-                                <a:latin typeface="Cambria Math" panose="02040503050406030204" pitchFamily="18" charset="0"/>
-                                <a:ea typeface="Cambria Math" panose="02040503050406030204" pitchFamily="18" charset="0"/>
-                              </a:rPr>
-                              <m:t>𝑒</m:t>
-                            </m:r>
-                          </m:sub>
-                        </m:sSub>
-                      </m:e>
-                    </m:acc>
-                    <m:r>
-                      <a:rPr lang="pt-BR" sz="2800" i="1">
-                        <a:latin typeface="Cambria Math" panose="02040503050406030204" pitchFamily="18" charset="0"/>
-                        <a:ea typeface="Cambria Math" panose="02040503050406030204" pitchFamily="18" charset="0"/>
-                      </a:rPr>
-                      <m:t> </m:t>
-                    </m:r>
-                    <m:d>
-                      <m:dPr>
-                        <m:ctrlPr>
-                          <a:rPr lang="pt-BR" sz="2800" i="1">
-                            <a:latin typeface="Cambria Math" panose="02040503050406030204" pitchFamily="18" charset="0"/>
-                            <a:ea typeface="Cambria Math" panose="02040503050406030204" pitchFamily="18" charset="0"/>
-                          </a:rPr>
-                        </m:ctrlPr>
-                      </m:dPr>
-                      <m:e>
-                        <m:r>
-                          <a:rPr lang="pt-BR" sz="2800" b="1" i="1">
-                            <a:latin typeface="Cambria Math" panose="02040503050406030204" pitchFamily="18" charset="0"/>
-                            <a:ea typeface="Cambria Math" panose="02040503050406030204" pitchFamily="18" charset="0"/>
-                          </a:rPr>
-                          <m:t>𝒂</m:t>
-                        </m:r>
-                      </m:e>
-                    </m:d>
-                  </m:oMath>
-                </a14:m>
-                <a:r>
-                  <a:rPr lang="pt-BR" dirty="0"/>
-                  <a:t> é a </a:t>
-                </a:r>
-                <a:r>
-                  <a:rPr lang="pt-BR" b="1" i="1" dirty="0">
-                    <a:solidFill>
-                      <a:srgbClr val="00B050"/>
-                    </a:solidFill>
-                  </a:rPr>
-                  <a:t>estimativa do vetor gradiente </a:t>
-                </a:r>
-                <a:r>
-                  <a:rPr lang="pt-BR" dirty="0"/>
-                  <a:t>e </a:t>
-                </a:r>
-                <a14:m>
-                  <m:oMath xmlns:m="http://schemas.openxmlformats.org/officeDocument/2006/math">
-                    <m:r>
-                      <a:rPr lang="el-GR" i="1">
-                        <a:latin typeface="Cambria Math" panose="02040503050406030204" pitchFamily="18" charset="0"/>
-                        <a:ea typeface="Cambria Math" panose="02040503050406030204" pitchFamily="18" charset="0"/>
-                      </a:rPr>
-                      <m:t>𝜇</m:t>
-                    </m:r>
-                  </m:oMath>
-                </a14:m>
-                <a:r>
-                  <a:rPr lang="pt-BR" dirty="0"/>
-                  <a:t>, chamado de </a:t>
-                </a:r>
-                <a:r>
-                  <a:rPr lang="pt-BR" b="1" i="1" dirty="0">
-                    <a:solidFill>
-                      <a:srgbClr val="00B050"/>
-                    </a:solidFill>
-                  </a:rPr>
-                  <a:t>coeficiente de momentum</a:t>
-                </a:r>
-                <a:r>
-                  <a:rPr lang="pt-BR" dirty="0"/>
-                  <a:t>, determina a quantidade de estimativas anteriores que são considerados no cálculo da média.</a:t>
-                </a:r>
-              </a:p>
-              <a:p>
-                <a:r>
-                  <a:rPr lang="pt-BR" dirty="0"/>
-                  <a:t>A </a:t>
-                </a:r>
-                <a:r>
-                  <a:rPr lang="pt-BR" b="1" i="1" dirty="0">
-                    <a:solidFill>
-                      <a:srgbClr val="FF0000"/>
-                    </a:solidFill>
-                  </a:rPr>
-                  <a:t>desvantagem</a:t>
-                </a:r>
-                <a:r>
-                  <a:rPr lang="pt-BR" dirty="0"/>
-                  <a:t> é que precisamos encontrar as valores ideais dos </a:t>
-                </a:r>
-                <a:r>
-                  <a:rPr lang="pt-BR" b="1" i="1" dirty="0">
-                    <a:solidFill>
-                      <a:srgbClr val="FF0000"/>
-                    </a:solidFill>
-                  </a:rPr>
-                  <a:t>hiperparâmetros</a:t>
-                </a:r>
-                <a:r>
-                  <a:rPr lang="pt-BR" dirty="0"/>
-                  <a:t> </a:t>
-                </a:r>
-                <a14:m>
-                  <m:oMath xmlns:m="http://schemas.openxmlformats.org/officeDocument/2006/math">
-                    <m:r>
-                      <a:rPr lang="pt-BR" sz="2800" i="1" smtClean="0">
-                        <a:latin typeface="Cambria Math" panose="02040503050406030204" pitchFamily="18" charset="0"/>
-                        <a:ea typeface="Cambria Math" panose="02040503050406030204" pitchFamily="18" charset="0"/>
-                      </a:rPr>
-                      <m:t>𝛼</m:t>
-                    </m:r>
-                  </m:oMath>
-                </a14:m>
-                <a:r>
-                  <a:rPr lang="pt-BR" dirty="0"/>
-                  <a:t> e </a:t>
-                </a:r>
-                <a14:m>
-                  <m:oMath xmlns:m="http://schemas.openxmlformats.org/officeDocument/2006/math">
-                    <m:r>
-                      <a:rPr lang="el-GR" i="1">
-                        <a:latin typeface="Cambria Math" panose="02040503050406030204" pitchFamily="18" charset="0"/>
-                        <a:ea typeface="Cambria Math" panose="02040503050406030204" pitchFamily="18" charset="0"/>
-                      </a:rPr>
-                      <m:t>𝜇</m:t>
-                    </m:r>
-                  </m:oMath>
-                </a14:m>
-                <a:r>
-                  <a:rPr lang="pt-BR" dirty="0"/>
-                  <a:t>.</a:t>
-                </a:r>
-              </a:p>
-            </p:txBody>
-          </p:sp>
-        </mc:Choice>
-        <mc:Fallback xmlns="">
-          <p:sp>
-            <p:nvSpPr>
-              <p:cNvPr id="3" name="Espaço Reservado para Conteúdo 2">
-                <a:extLst>
-                  <a:ext uri="{FF2B5EF4-FFF2-40B4-BE49-F238E27FC236}">
-                    <a16:creationId xmlns:a16="http://schemas.microsoft.com/office/drawing/2014/main" id="{90C1EAA3-4293-62D4-5778-91C90AA88537}"/>
-                  </a:ext>
-                </a:extLst>
-              </p:cNvPr>
-              <p:cNvSpPr>
-                <a:spLocks noGrp="1" noRot="1" noChangeAspect="1" noMove="1" noResize="1" noEditPoints="1" noAdjustHandles="1" noChangeArrowheads="1" noChangeShapeType="1" noTextEdit="1"/>
-              </p:cNvSpPr>
-              <p:nvPr>
-                <p:ph idx="1"/>
-              </p:nvPr>
-            </p:nvSpPr>
-            <p:spPr>
-              <a:xfrm>
-                <a:off x="838199" y="1825624"/>
-                <a:ext cx="11112501" cy="5032375"/>
-              </a:xfrm>
-              <a:blipFill>
-                <a:blip r:embed="rId2"/>
-                <a:stretch>
-                  <a:fillRect l="-1097" t="-1937"/>
-                </a:stretch>
-              </a:blipFill>
-            </p:spPr>
-            <p:txBody>
-              <a:bodyPr/>
-              <a:lstStyle/>
-              <a:p>
-                <a:r>
-                  <a:rPr lang="pt-BR">
-                    <a:noFill/>
-                  </a:rPr>
-                  <a:t> </a:t>
-                </a:r>
-              </a:p>
-            </p:txBody>
-          </p:sp>
-        </mc:Fallback>
-      </mc:AlternateContent>
-    </p:spTree>
-    <p:extLst>
-      <p:ext uri="{BB962C8B-B14F-4D97-AF65-F5344CB8AC3E}">
-        <p14:creationId xmlns:p14="http://schemas.microsoft.com/office/powerpoint/2010/main" val="3839855749"/>
-      </p:ext>
-    </p:extLst>
-  </p:cSld>
-  <p:clrMapOvr>
-    <a:masterClrMapping/>
-  </p:clrMapOvr>
-</p:sld>
-</file>
-
-<file path=ppt/slides/slide2.xml><?xml version="1.0" encoding="utf-8"?>
-<p:sld xmlns:a="http://schemas.openxmlformats.org/drawingml/2006/main" xmlns:r="http://schemas.openxmlformats.org/officeDocument/2006/relationships" xmlns:p="http://schemas.openxmlformats.org/presentationml/2006/main">
-  <p:cSld>
-    <p:spTree>
-      <p:nvGrpSpPr>
-        <p:cNvPr id="1" name=""/>
-        <p:cNvGrpSpPr/>
-        <p:nvPr/>
-      </p:nvGrpSpPr>
-      <p:grpSpPr>
-        <a:xfrm>
-          <a:off x="0" y="0"/>
-          <a:ext cx="0" cy="0"/>
-          <a:chOff x="0" y="0"/>
-          <a:chExt cx="0" cy="0"/>
-        </a:xfrm>
-      </p:grpSpPr>
-      <p:sp>
-        <p:nvSpPr>
-          <p:cNvPr id="2" name="Title 1"/>
-          <p:cNvSpPr>
-            <a:spLocks noGrp="1"/>
-          </p:cNvSpPr>
-          <p:nvPr>
-            <p:ph type="title"/>
-          </p:nvPr>
-        </p:nvSpPr>
-        <p:spPr/>
-        <p:txBody>
-          <a:bodyPr/>
-          <a:lstStyle/>
-          <a:p>
-            <a:r>
-              <a:rPr lang="pt-BR"/>
-              <a:t>Recapitulando</a:t>
-            </a:r>
-            <a:endParaRPr lang="pt-BR" dirty="0"/>
-          </a:p>
-        </p:txBody>
-      </p:sp>
-      <mc:AlternateContent xmlns:mc="http://schemas.openxmlformats.org/markup-compatibility/2006" xmlns:a14="http://schemas.microsoft.com/office/drawing/2010/main">
-        <mc:Choice Requires="a14">
-          <p:sp>
-            <p:nvSpPr>
-              <p:cNvPr id="3" name="Content Placeholder 2"/>
-              <p:cNvSpPr>
-                <a:spLocks noGrp="1"/>
-              </p:cNvSpPr>
-              <p:nvPr>
-                <p:ph idx="1"/>
-              </p:nvPr>
-            </p:nvSpPr>
-            <p:spPr>
-              <a:xfrm>
-                <a:off x="838199" y="1825624"/>
-                <a:ext cx="11077282" cy="5032376"/>
-              </a:xfrm>
-            </p:spPr>
-            <p:txBody>
-              <a:bodyPr>
-                <a:normAutofit lnSpcReduction="10000"/>
-              </a:bodyPr>
-              <a:lstStyle/>
-              <a:p>
-                <a:r>
-                  <a:rPr lang="pt-BR" dirty="0"/>
-                  <a:t>No tópico anterior, discutimos o vetor gradiente.</a:t>
-                </a:r>
-              </a:p>
-              <a:p>
-                <a:r>
-                  <a:rPr lang="pt-BR" dirty="0"/>
-                  <a:t>Aprendemos dois algoritmos que usam o vetor gradiente para a resolução de problemas de otimização.</a:t>
-                </a:r>
-              </a:p>
-              <a:p>
-                <a:pPr lvl="1">
-                  <a:buFont typeface="Wingdings" panose="05000000000000000000" pitchFamily="2" charset="2"/>
-                  <a:buChar char="§"/>
-                </a:pPr>
-                <a:r>
-                  <a:rPr lang="pt-BR" b="1" i="1" dirty="0"/>
-                  <a:t>Gradiente ascendente </a:t>
-                </a:r>
-                <a:r>
-                  <a:rPr lang="pt-BR" dirty="0"/>
-                  <a:t>para problemas de </a:t>
-                </a:r>
-                <a:r>
-                  <a:rPr lang="pt-BR" b="1" i="1" dirty="0">
-                    <a:solidFill>
-                      <a:srgbClr val="00B050"/>
-                    </a:solidFill>
-                  </a:rPr>
-                  <a:t>maximização</a:t>
-                </a:r>
-                <a:r>
-                  <a:rPr lang="pt-BR" dirty="0"/>
-                  <a:t>.</a:t>
-                </a:r>
-              </a:p>
-              <a:p>
-                <a:pPr lvl="1">
-                  <a:buFont typeface="Wingdings" panose="05000000000000000000" pitchFamily="2" charset="2"/>
-                  <a:buChar char="§"/>
-                </a:pPr>
-                <a:r>
-                  <a:rPr lang="pt-BR" b="1" i="1" dirty="0"/>
-                  <a:t>Gradiente descendente</a:t>
-                </a:r>
-                <a:r>
-                  <a:rPr lang="pt-BR" dirty="0"/>
-                  <a:t> para problemas de </a:t>
-                </a:r>
-                <a:r>
-                  <a:rPr lang="pt-BR" b="1" i="1" dirty="0">
-                    <a:solidFill>
-                      <a:srgbClr val="00B050"/>
-                    </a:solidFill>
-                  </a:rPr>
-                  <a:t>minimização</a:t>
-                </a:r>
-                <a:r>
-                  <a:rPr lang="pt-BR" dirty="0"/>
-                  <a:t>.</a:t>
-                </a:r>
-              </a:p>
-              <a:p>
-                <a:r>
-                  <a:rPr lang="pt-BR" dirty="0"/>
-                  <a:t>Falamos sobre as três versões do gradiente descendente e as comparamos:</a:t>
-                </a:r>
-              </a:p>
-              <a:p>
-                <a:pPr lvl="1">
-                  <a:buFont typeface="Wingdings" panose="05000000000000000000" pitchFamily="2" charset="2"/>
-                  <a:buChar char="§"/>
-                </a:pPr>
-                <a:r>
-                  <a:rPr lang="pt-BR" dirty="0"/>
-                  <a:t>Batelada</a:t>
-                </a:r>
-              </a:p>
-              <a:p>
-                <a:pPr lvl="1">
-                  <a:buFont typeface="Wingdings" panose="05000000000000000000" pitchFamily="2" charset="2"/>
-                  <a:buChar char="§"/>
-                </a:pPr>
-                <a:r>
-                  <a:rPr lang="pt-BR" dirty="0"/>
-                  <a:t>Estocástico</a:t>
-                </a:r>
-              </a:p>
-              <a:p>
-                <a:pPr lvl="1">
-                  <a:buFont typeface="Wingdings" panose="05000000000000000000" pitchFamily="2" charset="2"/>
-                  <a:buChar char="§"/>
-                </a:pPr>
-                <a:r>
-                  <a:rPr lang="pt-BR" dirty="0"/>
-                  <a:t>Mini-batch</a:t>
-                </a:r>
-              </a:p>
-              <a:p>
-                <a:r>
-                  <a:rPr lang="pt-BR" dirty="0"/>
-                  <a:t>Neste tópico, discutiremos o quão importante é o ajuste do passo de aprendizagem, </a:t>
-                </a:r>
-                <a14:m>
-                  <m:oMath xmlns:m="http://schemas.openxmlformats.org/officeDocument/2006/math">
-                    <m:r>
-                      <a:rPr lang="pt-BR" i="1" smtClean="0">
-                        <a:latin typeface="Cambria Math" panose="02040503050406030204" pitchFamily="18" charset="0"/>
-                        <a:ea typeface="Cambria Math" panose="02040503050406030204" pitchFamily="18" charset="0"/>
-                      </a:rPr>
-                      <m:t>𝛼</m:t>
-                    </m:r>
-                  </m:oMath>
-                </a14:m>
-                <a:r>
-                  <a:rPr lang="pt-BR" dirty="0"/>
-                  <a:t>.</a:t>
-                </a:r>
-              </a:p>
-            </p:txBody>
-          </p:sp>
-        </mc:Choice>
-        <mc:Fallback xmlns="">
-          <p:sp>
-            <p:nvSpPr>
-              <p:cNvPr id="3" name="Content Placeholder 2"/>
-              <p:cNvSpPr>
-                <a:spLocks noGrp="1" noRot="1" noChangeAspect="1" noMove="1" noResize="1" noEditPoints="1" noAdjustHandles="1" noChangeArrowheads="1" noChangeShapeType="1" noTextEdit="1"/>
-              </p:cNvSpPr>
-              <p:nvPr>
-                <p:ph idx="1"/>
-              </p:nvPr>
-            </p:nvSpPr>
-            <p:spPr>
-              <a:xfrm>
-                <a:off x="838199" y="1825624"/>
-                <a:ext cx="11077282" cy="5032376"/>
-              </a:xfrm>
-              <a:blipFill>
-                <a:blip r:embed="rId2"/>
-                <a:stretch>
-                  <a:fillRect l="-935" t="-2663" r="-1760"/>
-                </a:stretch>
-              </a:blipFill>
-            </p:spPr>
-            <p:txBody>
-              <a:bodyPr/>
-              <a:lstStyle/>
-              <a:p>
-                <a:r>
-                  <a:rPr lang="pt-BR">
-                    <a:noFill/>
-                  </a:rPr>
-                  <a:t> </a:t>
-                </a:r>
-              </a:p>
-            </p:txBody>
-          </p:sp>
-        </mc:Fallback>
-      </mc:AlternateContent>
-    </p:spTree>
-    <p:extLst>
-      <p:ext uri="{BB962C8B-B14F-4D97-AF65-F5344CB8AC3E}">
-        <p14:creationId xmlns:p14="http://schemas.microsoft.com/office/powerpoint/2010/main" val="3057771208"/>
-      </p:ext>
-    </p:extLst>
-  </p:cSld>
-  <p:clrMapOvr>
-    <a:masterClrMapping/>
-  </p:clrMapOvr>
-</p:sld>
-</file>
-
-<file path=ppt/slides/slide20.xml><?xml version="1.0" encoding="utf-8"?>
-<p:sld xmlns:a="http://schemas.openxmlformats.org/drawingml/2006/main" xmlns:r="http://schemas.openxmlformats.org/officeDocument/2006/relationships" xmlns:p="http://schemas.openxmlformats.org/presentationml/2006/main">
-  <p:cSld>
-    <p:spTree>
-      <p:nvGrpSpPr>
-        <p:cNvPr id="1" name=""/>
-        <p:cNvGrpSpPr/>
-        <p:nvPr/>
-      </p:nvGrpSpPr>
-      <p:grpSpPr>
-        <a:xfrm>
-          <a:off x="0" y="0"/>
-          <a:ext cx="0" cy="0"/>
-          <a:chOff x="0" y="0"/>
-          <a:chExt cx="0" cy="0"/>
-        </a:xfrm>
-      </p:grpSpPr>
-      <p:sp>
-        <p:nvSpPr>
-          <p:cNvPr id="2" name="Título 1">
-            <a:extLst>
-              <a:ext uri="{FF2B5EF4-FFF2-40B4-BE49-F238E27FC236}">
-                <a16:creationId xmlns:a16="http://schemas.microsoft.com/office/drawing/2014/main" id="{8FE2DAD2-5657-42A1-35B9-4BB9FD00F794}"/>
-              </a:ext>
-            </a:extLst>
-          </p:cNvPr>
-          <p:cNvSpPr>
-            <a:spLocks noGrp="1"/>
-          </p:cNvSpPr>
-          <p:nvPr>
-            <p:ph type="title"/>
-          </p:nvPr>
-        </p:nvSpPr>
-        <p:spPr>
-          <a:xfrm>
-            <a:off x="838200" y="365125"/>
-            <a:ext cx="10896600" cy="1325563"/>
-          </a:xfrm>
-        </p:spPr>
-        <p:txBody>
-          <a:bodyPr/>
-          <a:lstStyle/>
-          <a:p>
-            <a:r>
-              <a:rPr lang="pt-BR" dirty="0"/>
-              <a:t>Ajuste dos pesos e de seu termo de atualização</a:t>
-            </a:r>
-          </a:p>
-        </p:txBody>
-      </p:sp>
-      <mc:AlternateContent xmlns:mc="http://schemas.openxmlformats.org/markup-compatibility/2006" xmlns:a14="http://schemas.microsoft.com/office/drawing/2010/main">
-        <mc:Choice Requires="a14">
-          <p:sp>
-            <p:nvSpPr>
-              <p:cNvPr id="3" name="Espaço Reservado para Conteúdo 2">
-                <a:extLst>
-                  <a:ext uri="{FF2B5EF4-FFF2-40B4-BE49-F238E27FC236}">
-                    <a16:creationId xmlns:a16="http://schemas.microsoft.com/office/drawing/2014/main" id="{90C1EAA3-4293-62D4-5778-91C90AA88537}"/>
-                  </a:ext>
-                </a:extLst>
-              </p:cNvPr>
-              <p:cNvSpPr>
-                <a:spLocks noGrp="1"/>
-              </p:cNvSpPr>
-              <p:nvPr>
-                <p:ph idx="1"/>
-              </p:nvPr>
-            </p:nvSpPr>
-            <p:spPr>
-              <a:xfrm>
-                <a:off x="838199" y="1825624"/>
-                <a:ext cx="11085095" cy="5032375"/>
-              </a:xfrm>
-            </p:spPr>
-            <p:txBody>
-              <a:bodyPr>
-                <a:normAutofit/>
-              </a:bodyPr>
-              <a:lstStyle/>
-              <a:p>
-                <a:r>
-                  <a:rPr lang="pt-BR" dirty="0"/>
-                  <a:t>Na </a:t>
-                </a:r>
-                <a:r>
-                  <a:rPr lang="pt-BR" b="1" i="1" dirty="0">
-                    <a:solidFill>
-                      <a:srgbClr val="7030A0"/>
-                    </a:solidFill>
-                  </a:rPr>
-                  <a:t>variação adaptativa</a:t>
-                </a:r>
-                <a:r>
-                  <a:rPr lang="pt-BR" dirty="0"/>
-                  <a:t>, o passo</a:t>
-                </a:r>
-                <a14:m>
-                  <m:oMath xmlns:m="http://schemas.openxmlformats.org/officeDocument/2006/math">
-                    <m:r>
-                      <a:rPr lang="pt-BR" i="1">
-                        <a:latin typeface="Cambria Math" panose="02040503050406030204" pitchFamily="18" charset="0"/>
-                        <a:ea typeface="Cambria Math" panose="02040503050406030204" pitchFamily="18" charset="0"/>
-                      </a:rPr>
-                      <m:t> </m:t>
-                    </m:r>
-                  </m:oMath>
-                </a14:m>
-                <a:r>
-                  <a:rPr lang="pt-BR" dirty="0"/>
-                  <a:t>de aprendizado é </a:t>
-                </a:r>
-                <a:r>
-                  <a:rPr lang="pt-BR" b="1" i="1" dirty="0">
-                    <a:solidFill>
-                      <a:srgbClr val="00B050"/>
-                    </a:solidFill>
-                  </a:rPr>
-                  <a:t>ajustado adaptativamente </a:t>
-                </a:r>
-                <a:r>
-                  <a:rPr lang="pt-BR" dirty="0"/>
-                  <a:t>de acordo com a </a:t>
-                </a:r>
-                <a:r>
-                  <a:rPr lang="pt-BR" b="1" i="1" dirty="0">
-                    <a:solidFill>
-                      <a:srgbClr val="7030A0"/>
-                    </a:solidFill>
-                  </a:rPr>
-                  <a:t>inclinação da superfície de erro</a:t>
-                </a:r>
-                <a:r>
-                  <a:rPr lang="pt-BR" dirty="0"/>
-                  <a:t>. </a:t>
-                </a:r>
-              </a:p>
-              <a:p>
-                <a:r>
-                  <a:rPr lang="pt-BR" dirty="0"/>
-                  <a:t>Além disso, usa</a:t>
-                </a:r>
-                <a:r>
-                  <a:rPr lang="pt-BR" b="1" i="1" dirty="0">
-                    <a:solidFill>
-                      <a:srgbClr val="00B050"/>
-                    </a:solidFill>
-                  </a:rPr>
-                  <a:t> passos diferentes para cada peso </a:t>
-                </a:r>
-                <a:r>
-                  <a:rPr lang="pt-BR" dirty="0"/>
-                  <a:t>do modelo, </a:t>
-                </a:r>
-                <a:r>
-                  <a:rPr lang="pt-BR" b="1" i="1" dirty="0">
-                    <a:solidFill>
-                      <a:srgbClr val="00B050"/>
-                    </a:solidFill>
-                  </a:rPr>
-                  <a:t>os atualizando de forma independente</a:t>
-                </a:r>
-                <a:r>
-                  <a:rPr lang="pt-BR" dirty="0"/>
-                  <a:t> de acordo com a inclinação da superfície na direção dos pesos.</a:t>
-                </a:r>
-              </a:p>
-              <a:p>
-                <a:r>
-                  <a:rPr lang="pt-BR" dirty="0"/>
-                  <a:t>Pode ser </a:t>
-                </a:r>
-                <a:r>
-                  <a:rPr lang="pt-BR" b="1" i="1" dirty="0">
-                    <a:solidFill>
-                      <a:srgbClr val="00B050"/>
-                    </a:solidFill>
-                  </a:rPr>
-                  <a:t>combinado com o termo momentum </a:t>
-                </a:r>
-                <a:r>
-                  <a:rPr lang="pt-BR" dirty="0"/>
-                  <a:t>para ajustar o termo de atualização dos pesos, melhorando ainda mais a convergência.</a:t>
-                </a:r>
-              </a:p>
-              <a:p>
-                <a:r>
-                  <a:rPr lang="pt-BR" dirty="0"/>
-                  <a:t>Uma </a:t>
-                </a:r>
-                <a:r>
-                  <a:rPr lang="pt-BR" b="1" i="1" dirty="0">
-                    <a:solidFill>
-                      <a:srgbClr val="00B050"/>
-                    </a:solidFill>
-                  </a:rPr>
-                  <a:t>vantagem</a:t>
-                </a:r>
-                <a:r>
-                  <a:rPr lang="pt-BR" dirty="0"/>
-                  <a:t> é que na maioria dos casos, </a:t>
-                </a:r>
-                <a:r>
-                  <a:rPr lang="pt-BR" b="1" i="1" dirty="0">
-                    <a:solidFill>
-                      <a:srgbClr val="00B050"/>
-                    </a:solidFill>
-                  </a:rPr>
-                  <a:t>não é necessário se ajustar manualmente nenhum hiperparâmetro</a:t>
-                </a:r>
-                <a:r>
-                  <a:rPr lang="pt-BR" dirty="0"/>
-                  <a:t> como no caso das técnicas de redução gradual e termo momentum.</a:t>
-                </a:r>
-              </a:p>
-              <a:p>
-                <a:r>
-                  <a:rPr lang="pt-BR" dirty="0"/>
-                  <a:t>As técnicas mais conhecidas são </a:t>
-                </a:r>
-                <a:r>
-                  <a:rPr lang="pt-BR" dirty="0" err="1"/>
-                  <a:t>RMSProp</a:t>
-                </a:r>
-                <a:r>
-                  <a:rPr lang="pt-BR" dirty="0"/>
-                  <a:t>, </a:t>
-                </a:r>
-                <a:r>
-                  <a:rPr lang="pt-BR" dirty="0" err="1"/>
-                  <a:t>AdaGrad</a:t>
-                </a:r>
-                <a:r>
-                  <a:rPr lang="pt-BR" dirty="0"/>
-                  <a:t> e Adam.</a:t>
-                </a:r>
-              </a:p>
-            </p:txBody>
-          </p:sp>
-        </mc:Choice>
-        <mc:Fallback xmlns="">
-          <p:sp>
-            <p:nvSpPr>
-              <p:cNvPr id="3" name="Espaço Reservado para Conteúdo 2">
-                <a:extLst>
-                  <a:ext uri="{FF2B5EF4-FFF2-40B4-BE49-F238E27FC236}">
-                    <a16:creationId xmlns:a16="http://schemas.microsoft.com/office/drawing/2014/main" id="{90C1EAA3-4293-62D4-5778-91C90AA88537}"/>
-                  </a:ext>
-                </a:extLst>
-              </p:cNvPr>
-              <p:cNvSpPr>
-                <a:spLocks noGrp="1" noRot="1" noChangeAspect="1" noMove="1" noResize="1" noEditPoints="1" noAdjustHandles="1" noChangeArrowheads="1" noChangeShapeType="1" noTextEdit="1"/>
-              </p:cNvSpPr>
-              <p:nvPr>
-                <p:ph idx="1"/>
-              </p:nvPr>
-            </p:nvSpPr>
-            <p:spPr>
-              <a:xfrm>
-                <a:off x="838199" y="1825624"/>
-                <a:ext cx="11085095" cy="5032375"/>
-              </a:xfrm>
-              <a:blipFill>
-                <a:blip r:embed="rId2"/>
-                <a:stretch>
-                  <a:fillRect l="-935" t="-1937"/>
-                </a:stretch>
-              </a:blipFill>
-            </p:spPr>
-            <p:txBody>
-              <a:bodyPr/>
-              <a:lstStyle/>
-              <a:p>
-                <a:r>
-                  <a:rPr lang="pt-BR">
-                    <a:noFill/>
-                  </a:rPr>
-                  <a:t> </a:t>
-                </a:r>
-              </a:p>
-            </p:txBody>
-          </p:sp>
-        </mc:Fallback>
-      </mc:AlternateContent>
-    </p:spTree>
-    <p:extLst>
-      <p:ext uri="{BB962C8B-B14F-4D97-AF65-F5344CB8AC3E}">
-        <p14:creationId xmlns:p14="http://schemas.microsoft.com/office/powerpoint/2010/main" val="3484290040"/>
-      </p:ext>
-    </p:extLst>
-  </p:cSld>
-  <p:clrMapOvr>
-    <a:masterClrMapping/>
-  </p:clrMapOvr>
-</p:sld>
-</file>
-
-<file path=ppt/slides/slide21.xml><?xml version="1.0" encoding="utf-8"?>
-<p:sld xmlns:a="http://schemas.openxmlformats.org/drawingml/2006/main" xmlns:r="http://schemas.openxmlformats.org/officeDocument/2006/relationships" xmlns:p="http://schemas.openxmlformats.org/presentationml/2006/main">
-  <p:cSld>
-    <p:spTree>
-      <p:nvGrpSpPr>
-        <p:cNvPr id="1" name=""/>
-        <p:cNvGrpSpPr/>
-        <p:nvPr/>
-      </p:nvGrpSpPr>
-      <p:grpSpPr>
-        <a:xfrm>
-          <a:off x="0" y="0"/>
-          <a:ext cx="0" cy="0"/>
-          <a:chOff x="0" y="0"/>
-          <a:chExt cx="0" cy="0"/>
-        </a:xfrm>
-      </p:grpSpPr>
-      <p:sp>
-        <p:nvSpPr>
-          <p:cNvPr id="2" name="Título 1">
-            <a:extLst>
-              <a:ext uri="{FF2B5EF4-FFF2-40B4-BE49-F238E27FC236}">
-                <a16:creationId xmlns:a16="http://schemas.microsoft.com/office/drawing/2014/main" id="{5DB853DE-E713-4707-319D-273A1EFA97B0}"/>
-              </a:ext>
-            </a:extLst>
-          </p:cNvPr>
-          <p:cNvSpPr>
-            <a:spLocks noGrp="1"/>
-          </p:cNvSpPr>
-          <p:nvPr>
-            <p:ph type="title"/>
-          </p:nvPr>
-        </p:nvSpPr>
-        <p:spPr/>
-        <p:txBody>
-          <a:bodyPr/>
-          <a:lstStyle/>
-          <a:p>
-            <a:r>
-              <a:rPr lang="pt-BR" dirty="0"/>
-              <a:t>Técnicas mais comuns para a redução gradual</a:t>
-            </a:r>
-          </a:p>
-        </p:txBody>
-      </p:sp>
-      <mc:AlternateContent xmlns:mc="http://schemas.openxmlformats.org/markup-compatibility/2006" xmlns:a14="http://schemas.microsoft.com/office/drawing/2010/main">
-        <mc:Choice Requires="a14">
-          <p:sp>
-            <p:nvSpPr>
-              <p:cNvPr id="3" name="Espaço Reservado para Conteúdo 2">
-                <a:extLst>
-                  <a:ext uri="{FF2B5EF4-FFF2-40B4-BE49-F238E27FC236}">
-                    <a16:creationId xmlns:a16="http://schemas.microsoft.com/office/drawing/2014/main" id="{233A3F22-CF42-B5C5-F43D-BEC6A4313FC6}"/>
+                    <a16:creationId xmlns:a16="http://schemas.microsoft.com/office/drawing/2014/main" xmlns="" id="{233A3F22-CF42-B5C5-F43D-BEC6A4313FC6}"/>
                   </a:ext>
                 </a:extLst>
               </p:cNvPr>
@@ -11723,7 +10555,1179 @@
     </p:spTree>
     <p:extLst>
       <p:ext uri="{BB962C8B-B14F-4D97-AF65-F5344CB8AC3E}">
-        <p14:creationId xmlns:p14="http://schemas.microsoft.com/office/powerpoint/2010/main" val="2756048527"/>
+        <p14:creationId xmlns:p14="http://schemas.microsoft.com/office/powerpoint/2010/main" val="307770490"/>
+      </p:ext>
+    </p:extLst>
+  </p:cSld>
+  <p:clrMapOvr>
+    <a:masterClrMapping/>
+  </p:clrMapOvr>
+</p:sld>
+</file>
+
+<file path=ppt/slides/slide2.xml><?xml version="1.0" encoding="utf-8"?>
+<p:sld xmlns:a="http://schemas.openxmlformats.org/drawingml/2006/main" xmlns:r="http://schemas.openxmlformats.org/officeDocument/2006/relationships" xmlns:p="http://schemas.openxmlformats.org/presentationml/2006/main">
+  <p:cSld>
+    <p:spTree>
+      <p:nvGrpSpPr>
+        <p:cNvPr id="1" name=""/>
+        <p:cNvGrpSpPr/>
+        <p:nvPr/>
+      </p:nvGrpSpPr>
+      <p:grpSpPr>
+        <a:xfrm>
+          <a:off x="0" y="0"/>
+          <a:ext cx="0" cy="0"/>
+          <a:chOff x="0" y="0"/>
+          <a:chExt cx="0" cy="0"/>
+        </a:xfrm>
+      </p:grpSpPr>
+      <p:sp>
+        <p:nvSpPr>
+          <p:cNvPr id="2" name="Title 1"/>
+          <p:cNvSpPr>
+            <a:spLocks noGrp="1"/>
+          </p:cNvSpPr>
+          <p:nvPr>
+            <p:ph type="title"/>
+          </p:nvPr>
+        </p:nvSpPr>
+        <p:spPr/>
+        <p:txBody>
+          <a:bodyPr/>
+          <a:lstStyle/>
+          <a:p>
+            <a:r>
+              <a:rPr lang="pt-BR"/>
+              <a:t>Recapitulando</a:t>
+            </a:r>
+            <a:endParaRPr lang="pt-BR" dirty="0"/>
+          </a:p>
+        </p:txBody>
+      </p:sp>
+      <mc:AlternateContent xmlns:mc="http://schemas.openxmlformats.org/markup-compatibility/2006" xmlns:a14="http://schemas.microsoft.com/office/drawing/2010/main">
+        <mc:Choice Requires="a14">
+          <p:sp>
+            <p:nvSpPr>
+              <p:cNvPr id="3" name="Content Placeholder 2"/>
+              <p:cNvSpPr>
+                <a:spLocks noGrp="1"/>
+              </p:cNvSpPr>
+              <p:nvPr>
+                <p:ph idx="1"/>
+              </p:nvPr>
+            </p:nvSpPr>
+            <p:spPr>
+              <a:xfrm>
+                <a:off x="838199" y="1825624"/>
+                <a:ext cx="11077282" cy="5032376"/>
+              </a:xfrm>
+            </p:spPr>
+            <p:txBody>
+              <a:bodyPr>
+                <a:normAutofit lnSpcReduction="10000"/>
+              </a:bodyPr>
+              <a:lstStyle/>
+              <a:p>
+                <a:r>
+                  <a:rPr lang="pt-BR" dirty="0"/>
+                  <a:t>No tópico anterior, discutimos o vetor gradiente.</a:t>
+                </a:r>
+              </a:p>
+              <a:p>
+                <a:r>
+                  <a:rPr lang="pt-BR" dirty="0"/>
+                  <a:t>Aprendemos dois algoritmos que usam o vetor gradiente para a resolução de problemas de otimização.</a:t>
+                </a:r>
+              </a:p>
+              <a:p>
+                <a:pPr lvl="1">
+                  <a:buFont typeface="Wingdings" panose="05000000000000000000" pitchFamily="2" charset="2"/>
+                  <a:buChar char="§"/>
+                </a:pPr>
+                <a:r>
+                  <a:rPr lang="pt-BR" b="1" i="1" dirty="0"/>
+                  <a:t>Gradiente ascendente </a:t>
+                </a:r>
+                <a:r>
+                  <a:rPr lang="pt-BR" dirty="0"/>
+                  <a:t>para problemas de </a:t>
+                </a:r>
+                <a:r>
+                  <a:rPr lang="pt-BR" b="1" i="1" dirty="0">
+                    <a:solidFill>
+                      <a:srgbClr val="00B050"/>
+                    </a:solidFill>
+                  </a:rPr>
+                  <a:t>maximização</a:t>
+                </a:r>
+                <a:r>
+                  <a:rPr lang="pt-BR" dirty="0"/>
+                  <a:t>.</a:t>
+                </a:r>
+              </a:p>
+              <a:p>
+                <a:pPr lvl="1">
+                  <a:buFont typeface="Wingdings" panose="05000000000000000000" pitchFamily="2" charset="2"/>
+                  <a:buChar char="§"/>
+                </a:pPr>
+                <a:r>
+                  <a:rPr lang="pt-BR" b="1" i="1" dirty="0"/>
+                  <a:t>Gradiente descendente</a:t>
+                </a:r>
+                <a:r>
+                  <a:rPr lang="pt-BR" dirty="0"/>
+                  <a:t> para problemas de </a:t>
+                </a:r>
+                <a:r>
+                  <a:rPr lang="pt-BR" b="1" i="1" dirty="0">
+                    <a:solidFill>
+                      <a:srgbClr val="00B050"/>
+                    </a:solidFill>
+                  </a:rPr>
+                  <a:t>minimização</a:t>
+                </a:r>
+                <a:r>
+                  <a:rPr lang="pt-BR" dirty="0"/>
+                  <a:t>.</a:t>
+                </a:r>
+              </a:p>
+              <a:p>
+                <a:r>
+                  <a:rPr lang="pt-BR" dirty="0"/>
+                  <a:t>Falamos sobre as três versões do gradiente descendente e as comparamos:</a:t>
+                </a:r>
+              </a:p>
+              <a:p>
+                <a:pPr lvl="1">
+                  <a:buFont typeface="Wingdings" panose="05000000000000000000" pitchFamily="2" charset="2"/>
+                  <a:buChar char="§"/>
+                </a:pPr>
+                <a:r>
+                  <a:rPr lang="pt-BR" dirty="0"/>
+                  <a:t>Batelada</a:t>
+                </a:r>
+              </a:p>
+              <a:p>
+                <a:pPr lvl="1">
+                  <a:buFont typeface="Wingdings" panose="05000000000000000000" pitchFamily="2" charset="2"/>
+                  <a:buChar char="§"/>
+                </a:pPr>
+                <a:r>
+                  <a:rPr lang="pt-BR" dirty="0"/>
+                  <a:t>Estocástico</a:t>
+                </a:r>
+              </a:p>
+              <a:p>
+                <a:pPr lvl="1">
+                  <a:buFont typeface="Wingdings" panose="05000000000000000000" pitchFamily="2" charset="2"/>
+                  <a:buChar char="§"/>
+                </a:pPr>
+                <a:r>
+                  <a:rPr lang="pt-BR" dirty="0"/>
+                  <a:t>Mini-batch</a:t>
+                </a:r>
+              </a:p>
+              <a:p>
+                <a:r>
+                  <a:rPr lang="pt-BR" dirty="0"/>
+                  <a:t>Neste tópico, discutiremos o quão importante é o ajuste do passo de aprendizagem, </a:t>
+                </a:r>
+                <a14:m>
+                  <m:oMath xmlns:m="http://schemas.openxmlformats.org/officeDocument/2006/math">
+                    <m:r>
+                      <a:rPr lang="pt-BR" i="1" smtClean="0">
+                        <a:latin typeface="Cambria Math" panose="02040503050406030204" pitchFamily="18" charset="0"/>
+                        <a:ea typeface="Cambria Math" panose="02040503050406030204" pitchFamily="18" charset="0"/>
+                      </a:rPr>
+                      <m:t>𝛼</m:t>
+                    </m:r>
+                  </m:oMath>
+                </a14:m>
+                <a:r>
+                  <a:rPr lang="pt-BR" dirty="0"/>
+                  <a:t>.</a:t>
+                </a:r>
+              </a:p>
+            </p:txBody>
+          </p:sp>
+        </mc:Choice>
+        <mc:Fallback xmlns="">
+          <p:sp>
+            <p:nvSpPr>
+              <p:cNvPr id="3" name="Content Placeholder 2"/>
+              <p:cNvSpPr>
+                <a:spLocks noGrp="1" noRot="1" noChangeAspect="1" noMove="1" noResize="1" noEditPoints="1" noAdjustHandles="1" noChangeArrowheads="1" noChangeShapeType="1" noTextEdit="1"/>
+              </p:cNvSpPr>
+              <p:nvPr>
+                <p:ph idx="1"/>
+              </p:nvPr>
+            </p:nvSpPr>
+            <p:spPr>
+              <a:xfrm>
+                <a:off x="838199" y="1825624"/>
+                <a:ext cx="11077282" cy="5032376"/>
+              </a:xfrm>
+              <a:blipFill>
+                <a:blip r:embed="rId2"/>
+                <a:stretch>
+                  <a:fillRect l="-935" t="-2663" r="-1760"/>
+                </a:stretch>
+              </a:blipFill>
+            </p:spPr>
+            <p:txBody>
+              <a:bodyPr/>
+              <a:lstStyle/>
+              <a:p>
+                <a:r>
+                  <a:rPr lang="pt-BR">
+                    <a:noFill/>
+                  </a:rPr>
+                  <a:t> </a:t>
+                </a:r>
+              </a:p>
+            </p:txBody>
+          </p:sp>
+        </mc:Fallback>
+      </mc:AlternateContent>
+    </p:spTree>
+    <p:extLst>
+      <p:ext uri="{BB962C8B-B14F-4D97-AF65-F5344CB8AC3E}">
+        <p14:creationId xmlns:p14="http://schemas.microsoft.com/office/powerpoint/2010/main" val="3057771208"/>
+      </p:ext>
+    </p:extLst>
+  </p:cSld>
+  <p:clrMapOvr>
+    <a:masterClrMapping/>
+  </p:clrMapOvr>
+</p:sld>
+</file>
+
+<file path=ppt/slides/slide20.xml><?xml version="1.0" encoding="utf-8"?>
+<p:sld xmlns:a="http://schemas.openxmlformats.org/drawingml/2006/main" xmlns:r="http://schemas.openxmlformats.org/officeDocument/2006/relationships" xmlns:p="http://schemas.openxmlformats.org/presentationml/2006/main">
+  <p:cSld>
+    <p:spTree>
+      <p:nvGrpSpPr>
+        <p:cNvPr id="1" name=""/>
+        <p:cNvGrpSpPr/>
+        <p:nvPr/>
+      </p:nvGrpSpPr>
+      <p:grpSpPr>
+        <a:xfrm>
+          <a:off x="0" y="0"/>
+          <a:ext cx="0" cy="0"/>
+          <a:chOff x="0" y="0"/>
+          <a:chExt cx="0" cy="0"/>
+        </a:xfrm>
+      </p:grpSpPr>
+      <p:sp>
+        <p:nvSpPr>
+          <p:cNvPr id="2" name="Título 1">
+            <a:extLst>
+              <a:ext uri="{FF2B5EF4-FFF2-40B4-BE49-F238E27FC236}">
+                <a16:creationId xmlns:a16="http://schemas.microsoft.com/office/drawing/2014/main" xmlns="" id="{8FE2DAD2-5657-42A1-35B9-4BB9FD00F794}"/>
+              </a:ext>
+            </a:extLst>
+          </p:cNvPr>
+          <p:cNvSpPr>
+            <a:spLocks noGrp="1"/>
+          </p:cNvSpPr>
+          <p:nvPr>
+            <p:ph type="title"/>
+          </p:nvPr>
+        </p:nvSpPr>
+        <p:spPr/>
+        <p:txBody>
+          <a:bodyPr/>
+          <a:lstStyle/>
+          <a:p>
+            <a:r>
+              <a:rPr lang="pt-BR" dirty="0"/>
+              <a:t>Ajuste do termo de atualização dos pesos</a:t>
+            </a:r>
+          </a:p>
+        </p:txBody>
+      </p:sp>
+      <mc:AlternateContent xmlns:mc="http://schemas.openxmlformats.org/markup-compatibility/2006" xmlns:a14="http://schemas.microsoft.com/office/drawing/2010/main">
+        <mc:Choice Requires="a14">
+          <p:sp>
+            <p:nvSpPr>
+              <p:cNvPr id="3" name="Espaço Reservado para Conteúdo 2">
+                <a:extLst>
+                  <a:ext uri="{FF2B5EF4-FFF2-40B4-BE49-F238E27FC236}">
+                    <a16:creationId xmlns:a16="http://schemas.microsoft.com/office/drawing/2014/main" xmlns="" id="{90C1EAA3-4293-62D4-5778-91C90AA88537}"/>
+                  </a:ext>
+                </a:extLst>
+              </p:cNvPr>
+              <p:cNvSpPr>
+                <a:spLocks noGrp="1"/>
+              </p:cNvSpPr>
+              <p:nvPr>
+                <p:ph idx="1"/>
+              </p:nvPr>
+            </p:nvSpPr>
+            <p:spPr>
+              <a:xfrm>
+                <a:off x="838199" y="1825624"/>
+                <a:ext cx="11112501" cy="5032375"/>
+              </a:xfrm>
+            </p:spPr>
+            <p:txBody>
+              <a:bodyPr>
+                <a:normAutofit/>
+              </a:bodyPr>
+              <a:lstStyle/>
+              <a:p>
+                <a:r>
+                  <a:rPr lang="pt-BR" dirty="0"/>
+                  <a:t>O </a:t>
+                </a:r>
+                <a:r>
+                  <a:rPr lang="pt-BR" b="1" i="1" dirty="0">
+                    <a:solidFill>
+                      <a:srgbClr val="7030A0"/>
+                    </a:solidFill>
+                  </a:rPr>
+                  <a:t>termo momentum </a:t>
+                </a:r>
+                <a:r>
+                  <a:rPr lang="pt-BR" dirty="0"/>
+                  <a:t>adiciona a </a:t>
+                </a:r>
+                <a:r>
+                  <a:rPr lang="pt-BR" b="1" i="1" dirty="0">
+                    <a:solidFill>
+                      <a:srgbClr val="00B050"/>
+                    </a:solidFill>
+                  </a:rPr>
+                  <a:t>média do histórico de estimativas do vetor gradientes</a:t>
+                </a:r>
+                <a:r>
+                  <a:rPr lang="pt-BR" dirty="0"/>
+                  <a:t>, </a:t>
+                </a:r>
+                <a14:m>
+                  <m:oMath xmlns:m="http://schemas.openxmlformats.org/officeDocument/2006/math">
+                    <m:r>
+                      <a:rPr lang="en-US" sz="2800" b="1" i="1" smtClean="0">
+                        <a:latin typeface="Cambria Math" panose="02040503050406030204" pitchFamily="18" charset="0"/>
+                        <a:ea typeface="Cambria Math" panose="02040503050406030204" pitchFamily="18" charset="0"/>
+                      </a:rPr>
+                      <m:t>𝝂</m:t>
+                    </m:r>
+                  </m:oMath>
+                </a14:m>
+                <a:r>
+                  <a:rPr lang="pt-BR" dirty="0"/>
+                  <a:t>,</a:t>
+                </a:r>
+                <a:r>
+                  <a:rPr lang="pt-BR" b="1" i="1" dirty="0"/>
+                  <a:t> </a:t>
+                </a:r>
+                <a:r>
+                  <a:rPr lang="pt-BR" dirty="0"/>
+                  <a:t>à equação de atualização dos pesos, </a:t>
+                </a:r>
+                <a:r>
+                  <a:rPr lang="pt-BR" b="1" i="1" dirty="0">
+                    <a:solidFill>
+                      <a:srgbClr val="00B050"/>
+                    </a:solidFill>
+                  </a:rPr>
+                  <a:t>tornando as atualizações menos ruidosas</a:t>
+                </a:r>
+                <a:r>
+                  <a:rPr lang="pt-BR" dirty="0"/>
+                  <a:t>, e, consequentemente, </a:t>
+                </a:r>
+                <a:r>
+                  <a:rPr lang="pt-BR" b="1" i="1" dirty="0">
+                    <a:solidFill>
+                      <a:srgbClr val="00B050"/>
+                    </a:solidFill>
+                  </a:rPr>
+                  <a:t>acelerando a convergência </a:t>
+                </a:r>
+                <a:r>
+                  <a:rPr lang="pt-BR" dirty="0"/>
+                  <a:t>do algoritmo.</a:t>
+                </a:r>
+              </a:p>
+              <a:p>
+                <a:pPr marL="0" indent="0">
+                  <a:buNone/>
+                </a:pPr>
+                <a:endParaRPr lang="pt-BR" sz="800" dirty="0"/>
+              </a:p>
+              <a:p>
+                <a:pPr marL="0" indent="0" algn="ctr">
+                  <a:buNone/>
+                </a:pPr>
+                <a14:m>
+                  <m:oMathPara xmlns:m="http://schemas.openxmlformats.org/officeDocument/2006/math">
+                    <m:oMathParaPr>
+                      <m:jc m:val="centerGroup"/>
+                    </m:oMathParaPr>
+                    <m:oMath xmlns:m="http://schemas.openxmlformats.org/officeDocument/2006/math">
+                      <m:r>
+                        <a:rPr lang="en-US" sz="2800" b="1" i="1" smtClean="0">
+                          <a:latin typeface="Cambria Math" panose="02040503050406030204" pitchFamily="18" charset="0"/>
+                          <a:ea typeface="Cambria Math" panose="02040503050406030204" pitchFamily="18" charset="0"/>
+                        </a:rPr>
+                        <m:t>𝝂</m:t>
+                      </m:r>
+                      <m:r>
+                        <a:rPr lang="en-US" sz="2800" b="1" i="1">
+                          <a:latin typeface="Cambria Math" panose="02040503050406030204" pitchFamily="18" charset="0"/>
+                          <a:ea typeface="Cambria Math" panose="02040503050406030204" pitchFamily="18" charset="0"/>
+                        </a:rPr>
+                        <m:t>←</m:t>
+                      </m:r>
+                      <m:r>
+                        <a:rPr lang="el-GR" sz="2800" i="1">
+                          <a:latin typeface="Cambria Math" panose="02040503050406030204" pitchFamily="18" charset="0"/>
+                          <a:ea typeface="Cambria Math" panose="02040503050406030204" pitchFamily="18" charset="0"/>
+                        </a:rPr>
+                        <m:t>𝜇</m:t>
+                      </m:r>
+                      <m:r>
+                        <a:rPr lang="el-GR" sz="2800" b="1" i="1" smtClean="0">
+                          <a:latin typeface="Cambria Math" panose="02040503050406030204" pitchFamily="18" charset="0"/>
+                          <a:ea typeface="Cambria Math" panose="02040503050406030204" pitchFamily="18" charset="0"/>
+                        </a:rPr>
+                        <m:t>𝝂</m:t>
+                      </m:r>
+                      <m:r>
+                        <a:rPr lang="pt-BR" sz="2800" b="0" i="1" smtClean="0">
+                          <a:latin typeface="Cambria Math" panose="02040503050406030204" pitchFamily="18" charset="0"/>
+                          <a:ea typeface="Cambria Math" panose="02040503050406030204" pitchFamily="18" charset="0"/>
+                        </a:rPr>
+                        <m:t>+</m:t>
+                      </m:r>
+                      <m:d>
+                        <m:dPr>
+                          <m:ctrlPr>
+                            <a:rPr lang="pt-BR" sz="2800" b="0" i="1" smtClean="0">
+                              <a:latin typeface="Cambria Math" panose="02040503050406030204" pitchFamily="18" charset="0"/>
+                              <a:ea typeface="Cambria Math" panose="02040503050406030204" pitchFamily="18" charset="0"/>
+                            </a:rPr>
+                          </m:ctrlPr>
+                        </m:dPr>
+                        <m:e>
+                          <m:r>
+                            <a:rPr lang="pt-BR" sz="2800" b="0" i="1" smtClean="0">
+                              <a:latin typeface="Cambria Math" panose="02040503050406030204" pitchFamily="18" charset="0"/>
+                              <a:ea typeface="Cambria Math" panose="02040503050406030204" pitchFamily="18" charset="0"/>
+                            </a:rPr>
+                            <m:t>1−</m:t>
+                          </m:r>
+                          <m:r>
+                            <a:rPr lang="el-GR" sz="2800" i="1">
+                              <a:latin typeface="Cambria Math" panose="02040503050406030204" pitchFamily="18" charset="0"/>
+                              <a:ea typeface="Cambria Math" panose="02040503050406030204" pitchFamily="18" charset="0"/>
+                            </a:rPr>
+                            <m:t>𝜇</m:t>
+                          </m:r>
+                        </m:e>
+                      </m:d>
+                      <m:r>
+                        <a:rPr lang="pt-BR" sz="2800" i="1" smtClean="0">
+                          <a:latin typeface="Cambria Math" panose="02040503050406030204" pitchFamily="18" charset="0"/>
+                          <a:ea typeface="Cambria Math" panose="02040503050406030204" pitchFamily="18" charset="0"/>
+                        </a:rPr>
+                        <m:t>𝛻</m:t>
+                      </m:r>
+                      <m:acc>
+                        <m:accPr>
+                          <m:chr m:val="̂"/>
+                          <m:ctrlPr>
+                            <a:rPr lang="pt-BR" sz="2800" i="1">
+                              <a:latin typeface="Cambria Math" panose="02040503050406030204" pitchFamily="18" charset="0"/>
+                              <a:ea typeface="Cambria Math" panose="02040503050406030204" pitchFamily="18" charset="0"/>
+                            </a:rPr>
+                          </m:ctrlPr>
+                        </m:accPr>
+                        <m:e>
+                          <m:sSub>
+                            <m:sSubPr>
+                              <m:ctrlPr>
+                                <a:rPr lang="pt-BR" sz="2800" i="1">
+                                  <a:latin typeface="Cambria Math" panose="02040503050406030204" pitchFamily="18" charset="0"/>
+                                  <a:ea typeface="Cambria Math" panose="02040503050406030204" pitchFamily="18" charset="0"/>
+                                </a:rPr>
+                              </m:ctrlPr>
+                            </m:sSubPr>
+                            <m:e>
+                              <m:r>
+                                <a:rPr lang="pt-BR" sz="2800" i="1">
+                                  <a:latin typeface="Cambria Math" panose="02040503050406030204" pitchFamily="18" charset="0"/>
+                                  <a:ea typeface="Cambria Math" panose="02040503050406030204" pitchFamily="18" charset="0"/>
+                                </a:rPr>
+                                <m:t>𝐽</m:t>
+                              </m:r>
+                            </m:e>
+                            <m:sub>
+                              <m:r>
+                                <a:rPr lang="pt-BR" sz="2800" i="1">
+                                  <a:latin typeface="Cambria Math" panose="02040503050406030204" pitchFamily="18" charset="0"/>
+                                  <a:ea typeface="Cambria Math" panose="02040503050406030204" pitchFamily="18" charset="0"/>
+                                </a:rPr>
+                                <m:t>𝑒</m:t>
+                              </m:r>
+                            </m:sub>
+                          </m:sSub>
+                        </m:e>
+                      </m:acc>
+                      <m:r>
+                        <a:rPr lang="pt-BR" sz="2800" i="1">
+                          <a:latin typeface="Cambria Math" panose="02040503050406030204" pitchFamily="18" charset="0"/>
+                          <a:ea typeface="Cambria Math" panose="02040503050406030204" pitchFamily="18" charset="0"/>
+                        </a:rPr>
+                        <m:t> </m:t>
+                      </m:r>
+                      <m:d>
+                        <m:dPr>
+                          <m:ctrlPr>
+                            <a:rPr lang="pt-BR" sz="2800" i="1">
+                              <a:latin typeface="Cambria Math" panose="02040503050406030204" pitchFamily="18" charset="0"/>
+                              <a:ea typeface="Cambria Math" panose="02040503050406030204" pitchFamily="18" charset="0"/>
+                            </a:rPr>
+                          </m:ctrlPr>
+                        </m:dPr>
+                        <m:e>
+                          <m:r>
+                            <a:rPr lang="pt-BR" sz="2800" b="1" i="1">
+                              <a:latin typeface="Cambria Math" panose="02040503050406030204" pitchFamily="18" charset="0"/>
+                              <a:ea typeface="Cambria Math" panose="02040503050406030204" pitchFamily="18" charset="0"/>
+                            </a:rPr>
+                            <m:t>𝒂</m:t>
+                          </m:r>
+                        </m:e>
+                      </m:d>
+                      <m:r>
+                        <a:rPr lang="pt-BR" sz="2800" b="1" i="1" smtClean="0">
+                          <a:latin typeface="Cambria Math" panose="02040503050406030204" pitchFamily="18" charset="0"/>
+                          <a:ea typeface="Cambria Math" panose="02040503050406030204" pitchFamily="18" charset="0"/>
+                        </a:rPr>
+                        <m:t>,</m:t>
+                      </m:r>
+                    </m:oMath>
+                  </m:oMathPara>
+                </a14:m>
+                <a:endParaRPr lang="pt-BR" sz="2800" i="1" dirty="0">
+                  <a:latin typeface="Cambria Math" panose="02040503050406030204" pitchFamily="18" charset="0"/>
+                  <a:ea typeface="Cambria Math" panose="02040503050406030204" pitchFamily="18" charset="0"/>
+                </a:endParaRPr>
+              </a:p>
+              <a:p>
+                <a:pPr marL="0" indent="0">
+                  <a:buNone/>
+                </a:pPr>
+                <a14:m>
+                  <m:oMathPara xmlns:m="http://schemas.openxmlformats.org/officeDocument/2006/math">
+                    <m:oMathParaPr>
+                      <m:jc m:val="centerGroup"/>
+                    </m:oMathParaPr>
+                    <m:oMath xmlns:m="http://schemas.openxmlformats.org/officeDocument/2006/math">
+                      <m:r>
+                        <a:rPr lang="pt-BR" sz="2800" i="1" smtClean="0">
+                          <a:latin typeface="Cambria Math" panose="02040503050406030204" pitchFamily="18" charset="0"/>
+                          <a:ea typeface="Cambria Math" panose="02040503050406030204" pitchFamily="18" charset="0"/>
+                        </a:rPr>
+                        <m:t> </m:t>
+                      </m:r>
+                      <m:r>
+                        <a:rPr lang="pt-BR" sz="2800" b="1" i="1" smtClean="0">
+                          <a:latin typeface="Cambria Math" panose="02040503050406030204" pitchFamily="18" charset="0"/>
+                          <a:ea typeface="Cambria Math" panose="02040503050406030204" pitchFamily="18" charset="0"/>
+                        </a:rPr>
+                        <m:t>𝒂</m:t>
+                      </m:r>
+                      <m:r>
+                        <a:rPr lang="en-US" sz="2800" b="1" i="1">
+                          <a:latin typeface="Cambria Math" panose="02040503050406030204" pitchFamily="18" charset="0"/>
+                          <a:ea typeface="Cambria Math" panose="02040503050406030204" pitchFamily="18" charset="0"/>
+                        </a:rPr>
+                        <m:t>←</m:t>
+                      </m:r>
+                      <m:r>
+                        <a:rPr lang="pt-BR" sz="2800" b="1" i="1">
+                          <a:latin typeface="Cambria Math" panose="02040503050406030204" pitchFamily="18" charset="0"/>
+                          <a:ea typeface="Cambria Math" panose="02040503050406030204" pitchFamily="18" charset="0"/>
+                        </a:rPr>
+                        <m:t>𝒂</m:t>
+                      </m:r>
+                      <m:r>
+                        <a:rPr lang="pt-BR" sz="2800" b="0" i="0" smtClean="0">
+                          <a:latin typeface="Cambria Math" panose="02040503050406030204" pitchFamily="18" charset="0"/>
+                          <a:ea typeface="Cambria Math" panose="02040503050406030204" pitchFamily="18" charset="0"/>
+                        </a:rPr>
+                        <m:t>−</m:t>
+                      </m:r>
+                      <m:r>
+                        <a:rPr lang="pt-BR" sz="2800" i="1">
+                          <a:latin typeface="Cambria Math" panose="02040503050406030204" pitchFamily="18" charset="0"/>
+                          <a:ea typeface="Cambria Math" panose="02040503050406030204" pitchFamily="18" charset="0"/>
+                        </a:rPr>
+                        <m:t>𝛼</m:t>
+                      </m:r>
+                      <m:r>
+                        <a:rPr lang="el-GR" sz="2800" b="1" i="1" smtClean="0">
+                          <a:latin typeface="Cambria Math" panose="02040503050406030204" pitchFamily="18" charset="0"/>
+                          <a:ea typeface="Cambria Math" panose="02040503050406030204" pitchFamily="18" charset="0"/>
+                        </a:rPr>
+                        <m:t>𝝂</m:t>
+                      </m:r>
+                      <m:r>
+                        <a:rPr lang="pt-BR" sz="2800" b="1" i="1" smtClean="0">
+                          <a:latin typeface="Cambria Math" panose="02040503050406030204" pitchFamily="18" charset="0"/>
+                          <a:ea typeface="Cambria Math" panose="02040503050406030204" pitchFamily="18" charset="0"/>
+                        </a:rPr>
+                        <m:t>.</m:t>
+                      </m:r>
+                    </m:oMath>
+                  </m:oMathPara>
+                </a14:m>
+                <a:endParaRPr lang="pt-BR" dirty="0"/>
+              </a:p>
+              <a:p>
+                <a:pPr marL="0" indent="0">
+                  <a:buNone/>
+                </a:pPr>
+                <a:r>
+                  <a:rPr lang="pt-BR" dirty="0"/>
+                  <a:t>onde </a:t>
+                </a:r>
+                <a14:m>
+                  <m:oMath xmlns:m="http://schemas.openxmlformats.org/officeDocument/2006/math">
+                    <m:r>
+                      <a:rPr lang="pt-BR" sz="2800" i="1" smtClean="0">
+                        <a:latin typeface="Cambria Math" panose="02040503050406030204" pitchFamily="18" charset="0"/>
+                        <a:ea typeface="Cambria Math" panose="02040503050406030204" pitchFamily="18" charset="0"/>
+                      </a:rPr>
+                      <m:t>𝛻</m:t>
+                    </m:r>
+                    <m:acc>
+                      <m:accPr>
+                        <m:chr m:val="̂"/>
+                        <m:ctrlPr>
+                          <a:rPr lang="pt-BR" sz="2800" i="1">
+                            <a:latin typeface="Cambria Math" panose="02040503050406030204" pitchFamily="18" charset="0"/>
+                            <a:ea typeface="Cambria Math" panose="02040503050406030204" pitchFamily="18" charset="0"/>
+                          </a:rPr>
+                        </m:ctrlPr>
+                      </m:accPr>
+                      <m:e>
+                        <m:sSub>
+                          <m:sSubPr>
+                            <m:ctrlPr>
+                              <a:rPr lang="pt-BR" sz="2800" i="1">
+                                <a:latin typeface="Cambria Math" panose="02040503050406030204" pitchFamily="18" charset="0"/>
+                                <a:ea typeface="Cambria Math" panose="02040503050406030204" pitchFamily="18" charset="0"/>
+                              </a:rPr>
+                            </m:ctrlPr>
+                          </m:sSubPr>
+                          <m:e>
+                            <m:r>
+                              <a:rPr lang="pt-BR" sz="2800" i="1">
+                                <a:latin typeface="Cambria Math" panose="02040503050406030204" pitchFamily="18" charset="0"/>
+                                <a:ea typeface="Cambria Math" panose="02040503050406030204" pitchFamily="18" charset="0"/>
+                              </a:rPr>
+                              <m:t>𝐽</m:t>
+                            </m:r>
+                          </m:e>
+                          <m:sub>
+                            <m:r>
+                              <a:rPr lang="pt-BR" sz="2800" i="1">
+                                <a:latin typeface="Cambria Math" panose="02040503050406030204" pitchFamily="18" charset="0"/>
+                                <a:ea typeface="Cambria Math" panose="02040503050406030204" pitchFamily="18" charset="0"/>
+                              </a:rPr>
+                              <m:t>𝑒</m:t>
+                            </m:r>
+                          </m:sub>
+                        </m:sSub>
+                      </m:e>
+                    </m:acc>
+                    <m:r>
+                      <a:rPr lang="pt-BR" sz="2800" i="1">
+                        <a:latin typeface="Cambria Math" panose="02040503050406030204" pitchFamily="18" charset="0"/>
+                        <a:ea typeface="Cambria Math" panose="02040503050406030204" pitchFamily="18" charset="0"/>
+                      </a:rPr>
+                      <m:t> </m:t>
+                    </m:r>
+                    <m:d>
+                      <m:dPr>
+                        <m:ctrlPr>
+                          <a:rPr lang="pt-BR" sz="2800" i="1">
+                            <a:latin typeface="Cambria Math" panose="02040503050406030204" pitchFamily="18" charset="0"/>
+                            <a:ea typeface="Cambria Math" panose="02040503050406030204" pitchFamily="18" charset="0"/>
+                          </a:rPr>
+                        </m:ctrlPr>
+                      </m:dPr>
+                      <m:e>
+                        <m:r>
+                          <a:rPr lang="pt-BR" sz="2800" b="1" i="1">
+                            <a:latin typeface="Cambria Math" panose="02040503050406030204" pitchFamily="18" charset="0"/>
+                            <a:ea typeface="Cambria Math" panose="02040503050406030204" pitchFamily="18" charset="0"/>
+                          </a:rPr>
+                          <m:t>𝒂</m:t>
+                        </m:r>
+                      </m:e>
+                    </m:d>
+                  </m:oMath>
+                </a14:m>
+                <a:r>
+                  <a:rPr lang="pt-BR" dirty="0"/>
+                  <a:t> é a </a:t>
+                </a:r>
+                <a:r>
+                  <a:rPr lang="pt-BR" b="1" i="1" dirty="0">
+                    <a:solidFill>
+                      <a:srgbClr val="00B050"/>
+                    </a:solidFill>
+                  </a:rPr>
+                  <a:t>estimativa do vetor gradiente </a:t>
+                </a:r>
+                <a:r>
+                  <a:rPr lang="pt-BR" dirty="0"/>
+                  <a:t>e </a:t>
+                </a:r>
+                <a14:m>
+                  <m:oMath xmlns:m="http://schemas.openxmlformats.org/officeDocument/2006/math">
+                    <m:r>
+                      <a:rPr lang="el-GR" i="1">
+                        <a:latin typeface="Cambria Math" panose="02040503050406030204" pitchFamily="18" charset="0"/>
+                        <a:ea typeface="Cambria Math" panose="02040503050406030204" pitchFamily="18" charset="0"/>
+                      </a:rPr>
+                      <m:t>𝜇</m:t>
+                    </m:r>
+                  </m:oMath>
+                </a14:m>
+                <a:r>
+                  <a:rPr lang="pt-BR" dirty="0"/>
+                  <a:t>, chamado de </a:t>
+                </a:r>
+                <a:r>
+                  <a:rPr lang="pt-BR" b="1" i="1" dirty="0">
+                    <a:solidFill>
+                      <a:srgbClr val="00B050"/>
+                    </a:solidFill>
+                  </a:rPr>
+                  <a:t>coeficiente de momentum</a:t>
+                </a:r>
+                <a:r>
+                  <a:rPr lang="pt-BR" dirty="0"/>
+                  <a:t>, determina a quantidade de estimativas anteriores que são considerados no cálculo da média.</a:t>
+                </a:r>
+              </a:p>
+              <a:p>
+                <a:r>
+                  <a:rPr lang="pt-BR" dirty="0"/>
+                  <a:t>A </a:t>
+                </a:r>
+                <a:r>
+                  <a:rPr lang="pt-BR" b="1" i="1" dirty="0">
+                    <a:solidFill>
+                      <a:srgbClr val="FF0000"/>
+                    </a:solidFill>
+                  </a:rPr>
+                  <a:t>desvantagem</a:t>
+                </a:r>
+                <a:r>
+                  <a:rPr lang="pt-BR" dirty="0"/>
+                  <a:t> é que precisamos encontrar as valores ideais dos </a:t>
+                </a:r>
+                <a:r>
+                  <a:rPr lang="pt-BR" b="1" i="1" dirty="0">
+                    <a:solidFill>
+                      <a:srgbClr val="FF0000"/>
+                    </a:solidFill>
+                  </a:rPr>
+                  <a:t>hiperparâmetros</a:t>
+                </a:r>
+                <a:r>
+                  <a:rPr lang="pt-BR" dirty="0"/>
+                  <a:t> </a:t>
+                </a:r>
+                <a14:m>
+                  <m:oMath xmlns:m="http://schemas.openxmlformats.org/officeDocument/2006/math">
+                    <m:r>
+                      <a:rPr lang="pt-BR" sz="2800" i="1" smtClean="0">
+                        <a:latin typeface="Cambria Math" panose="02040503050406030204" pitchFamily="18" charset="0"/>
+                        <a:ea typeface="Cambria Math" panose="02040503050406030204" pitchFamily="18" charset="0"/>
+                      </a:rPr>
+                      <m:t>𝛼</m:t>
+                    </m:r>
+                  </m:oMath>
+                </a14:m>
+                <a:r>
+                  <a:rPr lang="pt-BR" dirty="0"/>
+                  <a:t> e </a:t>
+                </a:r>
+                <a14:m>
+                  <m:oMath xmlns:m="http://schemas.openxmlformats.org/officeDocument/2006/math">
+                    <m:r>
+                      <a:rPr lang="el-GR" i="1">
+                        <a:latin typeface="Cambria Math" panose="02040503050406030204" pitchFamily="18" charset="0"/>
+                        <a:ea typeface="Cambria Math" panose="02040503050406030204" pitchFamily="18" charset="0"/>
+                      </a:rPr>
+                      <m:t>𝜇</m:t>
+                    </m:r>
+                  </m:oMath>
+                </a14:m>
+                <a:r>
+                  <a:rPr lang="pt-BR" dirty="0"/>
+                  <a:t>.</a:t>
+                </a:r>
+              </a:p>
+            </p:txBody>
+          </p:sp>
+        </mc:Choice>
+        <mc:Fallback xmlns="">
+          <p:sp>
+            <p:nvSpPr>
+              <p:cNvPr id="3" name="Espaço Reservado para Conteúdo 2">
+                <a:extLst>
+                  <a:ext uri="{FF2B5EF4-FFF2-40B4-BE49-F238E27FC236}">
+                    <a16:creationId xmlns:a16="http://schemas.microsoft.com/office/drawing/2014/main" id="{90C1EAA3-4293-62D4-5778-91C90AA88537}"/>
+                  </a:ext>
+                </a:extLst>
+              </p:cNvPr>
+              <p:cNvSpPr>
+                <a:spLocks noGrp="1" noRot="1" noChangeAspect="1" noMove="1" noResize="1" noEditPoints="1" noAdjustHandles="1" noChangeArrowheads="1" noChangeShapeType="1" noTextEdit="1"/>
+              </p:cNvSpPr>
+              <p:nvPr>
+                <p:ph idx="1"/>
+              </p:nvPr>
+            </p:nvSpPr>
+            <p:spPr>
+              <a:xfrm>
+                <a:off x="838199" y="1825624"/>
+                <a:ext cx="11112501" cy="5032375"/>
+              </a:xfrm>
+              <a:blipFill>
+                <a:blip r:embed="rId2"/>
+                <a:stretch>
+                  <a:fillRect l="-1097" t="-1937"/>
+                </a:stretch>
+              </a:blipFill>
+            </p:spPr>
+            <p:txBody>
+              <a:bodyPr/>
+              <a:lstStyle/>
+              <a:p>
+                <a:r>
+                  <a:rPr lang="pt-BR">
+                    <a:noFill/>
+                  </a:rPr>
+                  <a:t> </a:t>
+                </a:r>
+              </a:p>
+            </p:txBody>
+          </p:sp>
+        </mc:Fallback>
+      </mc:AlternateContent>
+    </p:spTree>
+    <p:extLst>
+      <p:ext uri="{BB962C8B-B14F-4D97-AF65-F5344CB8AC3E}">
+        <p14:creationId xmlns:p14="http://schemas.microsoft.com/office/powerpoint/2010/main" val="3839855749"/>
+      </p:ext>
+    </p:extLst>
+  </p:cSld>
+  <p:clrMapOvr>
+    <a:masterClrMapping/>
+  </p:clrMapOvr>
+</p:sld>
+</file>
+
+<file path=ppt/slides/slide21.xml><?xml version="1.0" encoding="utf-8"?>
+<p:sld xmlns:a="http://schemas.openxmlformats.org/drawingml/2006/main" xmlns:r="http://schemas.openxmlformats.org/officeDocument/2006/relationships" xmlns:p="http://schemas.openxmlformats.org/presentationml/2006/main">
+  <p:cSld>
+    <p:spTree>
+      <p:nvGrpSpPr>
+        <p:cNvPr id="1" name=""/>
+        <p:cNvGrpSpPr/>
+        <p:nvPr/>
+      </p:nvGrpSpPr>
+      <p:grpSpPr>
+        <a:xfrm>
+          <a:off x="0" y="0"/>
+          <a:ext cx="0" cy="0"/>
+          <a:chOff x="0" y="0"/>
+          <a:chExt cx="0" cy="0"/>
+        </a:xfrm>
+      </p:grpSpPr>
+      <p:sp>
+        <p:nvSpPr>
+          <p:cNvPr id="2" name="Título 1">
+            <a:extLst>
+              <a:ext uri="{FF2B5EF4-FFF2-40B4-BE49-F238E27FC236}">
+                <a16:creationId xmlns:a16="http://schemas.microsoft.com/office/drawing/2014/main" xmlns="" id="{8FE2DAD2-5657-42A1-35B9-4BB9FD00F794}"/>
+              </a:ext>
+            </a:extLst>
+          </p:cNvPr>
+          <p:cNvSpPr>
+            <a:spLocks noGrp="1"/>
+          </p:cNvSpPr>
+          <p:nvPr>
+            <p:ph type="title"/>
+          </p:nvPr>
+        </p:nvSpPr>
+        <p:spPr>
+          <a:xfrm>
+            <a:off x="838200" y="365125"/>
+            <a:ext cx="10896600" cy="1325563"/>
+          </a:xfrm>
+        </p:spPr>
+        <p:txBody>
+          <a:bodyPr/>
+          <a:lstStyle/>
+          <a:p>
+            <a:r>
+              <a:rPr lang="pt-BR" dirty="0"/>
+              <a:t>Ajuste dos pesos e de seu termo de atualização</a:t>
+            </a:r>
+          </a:p>
+        </p:txBody>
+      </p:sp>
+      <mc:AlternateContent xmlns:mc="http://schemas.openxmlformats.org/markup-compatibility/2006" xmlns:a14="http://schemas.microsoft.com/office/drawing/2010/main">
+        <mc:Choice Requires="a14">
+          <p:sp>
+            <p:nvSpPr>
+              <p:cNvPr id="3" name="Espaço Reservado para Conteúdo 2">
+                <a:extLst>
+                  <a:ext uri="{FF2B5EF4-FFF2-40B4-BE49-F238E27FC236}">
+                    <a16:creationId xmlns:a16="http://schemas.microsoft.com/office/drawing/2014/main" xmlns="" id="{90C1EAA3-4293-62D4-5778-91C90AA88537}"/>
+                  </a:ext>
+                </a:extLst>
+              </p:cNvPr>
+              <p:cNvSpPr>
+                <a:spLocks noGrp="1"/>
+              </p:cNvSpPr>
+              <p:nvPr>
+                <p:ph idx="1"/>
+              </p:nvPr>
+            </p:nvSpPr>
+            <p:spPr>
+              <a:xfrm>
+                <a:off x="838199" y="1825624"/>
+                <a:ext cx="11085095" cy="5032375"/>
+              </a:xfrm>
+            </p:spPr>
+            <p:txBody>
+              <a:bodyPr>
+                <a:normAutofit/>
+              </a:bodyPr>
+              <a:lstStyle/>
+              <a:p>
+                <a:r>
+                  <a:rPr lang="pt-BR" dirty="0"/>
+                  <a:t>Na </a:t>
+                </a:r>
+                <a:r>
+                  <a:rPr lang="pt-BR" b="1" i="1" dirty="0">
+                    <a:solidFill>
+                      <a:srgbClr val="7030A0"/>
+                    </a:solidFill>
+                  </a:rPr>
+                  <a:t>variação adaptativa</a:t>
+                </a:r>
+                <a:r>
+                  <a:rPr lang="pt-BR" dirty="0"/>
+                  <a:t>, o passo</a:t>
+                </a:r>
+                <a14:m>
+                  <m:oMath xmlns:m="http://schemas.openxmlformats.org/officeDocument/2006/math">
+                    <m:r>
+                      <a:rPr lang="pt-BR" i="1">
+                        <a:latin typeface="Cambria Math" panose="02040503050406030204" pitchFamily="18" charset="0"/>
+                        <a:ea typeface="Cambria Math" panose="02040503050406030204" pitchFamily="18" charset="0"/>
+                      </a:rPr>
+                      <m:t> </m:t>
+                    </m:r>
+                  </m:oMath>
+                </a14:m>
+                <a:r>
+                  <a:rPr lang="pt-BR" dirty="0"/>
+                  <a:t>de aprendizado é </a:t>
+                </a:r>
+                <a:r>
+                  <a:rPr lang="pt-BR" b="1" i="1" dirty="0">
+                    <a:solidFill>
+                      <a:srgbClr val="00B050"/>
+                    </a:solidFill>
+                  </a:rPr>
+                  <a:t>ajustado adaptativamente </a:t>
+                </a:r>
+                <a:r>
+                  <a:rPr lang="pt-BR" dirty="0"/>
+                  <a:t>de acordo com a </a:t>
+                </a:r>
+                <a:r>
+                  <a:rPr lang="pt-BR" b="1" i="1" dirty="0">
+                    <a:solidFill>
+                      <a:srgbClr val="7030A0"/>
+                    </a:solidFill>
+                  </a:rPr>
+                  <a:t>inclinação da superfície de erro</a:t>
+                </a:r>
+                <a:r>
+                  <a:rPr lang="pt-BR" dirty="0"/>
+                  <a:t>. </a:t>
+                </a:r>
+              </a:p>
+              <a:p>
+                <a:r>
+                  <a:rPr lang="pt-BR" dirty="0"/>
+                  <a:t>Além disso, usa</a:t>
+                </a:r>
+                <a:r>
+                  <a:rPr lang="pt-BR" b="1" i="1" dirty="0">
+                    <a:solidFill>
+                      <a:srgbClr val="00B050"/>
+                    </a:solidFill>
+                  </a:rPr>
+                  <a:t> passos diferentes para cada peso </a:t>
+                </a:r>
+                <a:r>
+                  <a:rPr lang="pt-BR" dirty="0"/>
+                  <a:t>do modelo, </a:t>
+                </a:r>
+                <a:r>
+                  <a:rPr lang="pt-BR" b="1" i="1" dirty="0">
+                    <a:solidFill>
+                      <a:srgbClr val="00B050"/>
+                    </a:solidFill>
+                  </a:rPr>
+                  <a:t>os atualizando de forma independente</a:t>
+                </a:r>
+                <a:r>
+                  <a:rPr lang="pt-BR" dirty="0"/>
+                  <a:t> de acordo com a inclinação da superfície na direção dos pesos.</a:t>
+                </a:r>
+              </a:p>
+              <a:p>
+                <a:r>
+                  <a:rPr lang="pt-BR" dirty="0"/>
+                  <a:t>Pode ser </a:t>
+                </a:r>
+                <a:r>
+                  <a:rPr lang="pt-BR" b="1" i="1" dirty="0">
+                    <a:solidFill>
+                      <a:srgbClr val="00B050"/>
+                    </a:solidFill>
+                  </a:rPr>
+                  <a:t>combinado com o termo momentum </a:t>
+                </a:r>
+                <a:r>
+                  <a:rPr lang="pt-BR" dirty="0"/>
+                  <a:t>para ajustar o termo de atualização dos pesos, melhorando ainda mais a convergência.</a:t>
+                </a:r>
+              </a:p>
+              <a:p>
+                <a:r>
+                  <a:rPr lang="pt-BR" dirty="0"/>
+                  <a:t>Uma </a:t>
+                </a:r>
+                <a:r>
+                  <a:rPr lang="pt-BR" b="1" i="1" dirty="0">
+                    <a:solidFill>
+                      <a:srgbClr val="00B050"/>
+                    </a:solidFill>
+                  </a:rPr>
+                  <a:t>vantagem</a:t>
+                </a:r>
+                <a:r>
+                  <a:rPr lang="pt-BR" dirty="0"/>
+                  <a:t> é que na maioria dos casos, </a:t>
+                </a:r>
+                <a:r>
+                  <a:rPr lang="pt-BR" b="1" i="1" dirty="0">
+                    <a:solidFill>
+                      <a:srgbClr val="00B050"/>
+                    </a:solidFill>
+                  </a:rPr>
+                  <a:t>não é necessário se ajustar manualmente nenhum hiperparâmetro</a:t>
+                </a:r>
+                <a:r>
+                  <a:rPr lang="pt-BR" dirty="0"/>
+                  <a:t> como no caso das técnicas de redução gradual e termo momentum.</a:t>
+                </a:r>
+              </a:p>
+              <a:p>
+                <a:r>
+                  <a:rPr lang="pt-BR" dirty="0"/>
+                  <a:t>As técnicas mais conhecidas são </a:t>
+                </a:r>
+                <a:r>
+                  <a:rPr lang="pt-BR" dirty="0" err="1"/>
+                  <a:t>RMSProp</a:t>
+                </a:r>
+                <a:r>
+                  <a:rPr lang="pt-BR" dirty="0"/>
+                  <a:t>, </a:t>
+                </a:r>
+                <a:r>
+                  <a:rPr lang="pt-BR" dirty="0" err="1"/>
+                  <a:t>AdaGrad</a:t>
+                </a:r>
+                <a:r>
+                  <a:rPr lang="pt-BR" dirty="0"/>
+                  <a:t> e Adam.</a:t>
+                </a:r>
+              </a:p>
+            </p:txBody>
+          </p:sp>
+        </mc:Choice>
+        <mc:Fallback xmlns="">
+          <p:sp>
+            <p:nvSpPr>
+              <p:cNvPr id="3" name="Espaço Reservado para Conteúdo 2">
+                <a:extLst>
+                  <a:ext uri="{FF2B5EF4-FFF2-40B4-BE49-F238E27FC236}">
+                    <a16:creationId xmlns:a16="http://schemas.microsoft.com/office/drawing/2014/main" id="{90C1EAA3-4293-62D4-5778-91C90AA88537}"/>
+                  </a:ext>
+                </a:extLst>
+              </p:cNvPr>
+              <p:cNvSpPr>
+                <a:spLocks noGrp="1" noRot="1" noChangeAspect="1" noMove="1" noResize="1" noEditPoints="1" noAdjustHandles="1" noChangeArrowheads="1" noChangeShapeType="1" noTextEdit="1"/>
+              </p:cNvSpPr>
+              <p:nvPr>
+                <p:ph idx="1"/>
+              </p:nvPr>
+            </p:nvSpPr>
+            <p:spPr>
+              <a:xfrm>
+                <a:off x="838199" y="1825624"/>
+                <a:ext cx="11085095" cy="5032375"/>
+              </a:xfrm>
+              <a:blipFill>
+                <a:blip r:embed="rId2"/>
+                <a:stretch>
+                  <a:fillRect l="-935" t="-1937"/>
+                </a:stretch>
+              </a:blipFill>
+            </p:spPr>
+            <p:txBody>
+              <a:bodyPr/>
+              <a:lstStyle/>
+              <a:p>
+                <a:r>
+                  <a:rPr lang="pt-BR">
+                    <a:noFill/>
+                  </a:rPr>
+                  <a:t> </a:t>
+                </a:r>
+              </a:p>
+            </p:txBody>
+          </p:sp>
+        </mc:Fallback>
+      </mc:AlternateContent>
+    </p:spTree>
+    <p:extLst>
+      <p:ext uri="{BB962C8B-B14F-4D97-AF65-F5344CB8AC3E}">
+        <p14:creationId xmlns:p14="http://schemas.microsoft.com/office/powerpoint/2010/main" val="3484290040"/>
       </p:ext>
     </p:extLst>
   </p:cSld>
@@ -11755,7 +11759,7 @@
           <p:cNvPr id="2" name="Título 1">
             <a:extLst>
               <a:ext uri="{FF2B5EF4-FFF2-40B4-BE49-F238E27FC236}">
-                <a16:creationId xmlns:a16="http://schemas.microsoft.com/office/drawing/2014/main" id="{F3FC6600-DEC0-B4A2-D13C-D4016F1FB30A}"/>
+                <a16:creationId xmlns:a16="http://schemas.microsoft.com/office/drawing/2014/main" xmlns="" id="{F3FC6600-DEC0-B4A2-D13C-D4016F1FB30A}"/>
               </a:ext>
             </a:extLst>
           </p:cNvPr>
@@ -11783,7 +11787,7 @@
           <p:cNvPr id="4" name="Picture 6">
             <a:extLst>
               <a:ext uri="{FF2B5EF4-FFF2-40B4-BE49-F238E27FC236}">
-                <a16:creationId xmlns:a16="http://schemas.microsoft.com/office/drawing/2014/main" id="{C9DE8AF1-A842-9D71-1CC8-28F862E816AF}"/>
+                <a16:creationId xmlns:a16="http://schemas.microsoft.com/office/drawing/2014/main" xmlns="" id="{C9DE8AF1-A842-9D71-1CC8-28F862E816AF}"/>
               </a:ext>
             </a:extLst>
           </p:cNvPr>
@@ -11818,7 +11822,7 @@
           <p:cNvPr id="5" name="Picture 10">
             <a:extLst>
               <a:ext uri="{FF2B5EF4-FFF2-40B4-BE49-F238E27FC236}">
-                <a16:creationId xmlns:a16="http://schemas.microsoft.com/office/drawing/2014/main" id="{F78E7DEF-7734-D99E-0342-DD800946C131}"/>
+                <a16:creationId xmlns:a16="http://schemas.microsoft.com/office/drawing/2014/main" xmlns="" id="{F78E7DEF-7734-D99E-0342-DD800946C131}"/>
               </a:ext>
             </a:extLst>
           </p:cNvPr>
@@ -11853,7 +11857,7 @@
           <p:cNvPr id="6" name="Picture 4">
             <a:extLst>
               <a:ext uri="{FF2B5EF4-FFF2-40B4-BE49-F238E27FC236}">
-                <a16:creationId xmlns:a16="http://schemas.microsoft.com/office/drawing/2014/main" id="{6E6CD326-3A16-EA54-BA43-F3EECE9E7143}"/>
+                <a16:creationId xmlns:a16="http://schemas.microsoft.com/office/drawing/2014/main" xmlns="" id="{6E6CD326-3A16-EA54-BA43-F3EECE9E7143}"/>
               </a:ext>
             </a:extLst>
           </p:cNvPr>
@@ -11888,7 +11892,7 @@
           <p:cNvPr id="7" name="Right Arrow 5">
             <a:extLst>
               <a:ext uri="{FF2B5EF4-FFF2-40B4-BE49-F238E27FC236}">
-                <a16:creationId xmlns:a16="http://schemas.microsoft.com/office/drawing/2014/main" id="{646C8848-ECB5-43A8-887E-6C6224DA20CE}"/>
+                <a16:creationId xmlns:a16="http://schemas.microsoft.com/office/drawing/2014/main" xmlns="" id="{646C8848-ECB5-43A8-887E-6C6224DA20CE}"/>
               </a:ext>
             </a:extLst>
           </p:cNvPr>
@@ -11934,7 +11938,7 @@
           <p:cNvPr id="8" name="Right Arrow 9">
             <a:extLst>
               <a:ext uri="{FF2B5EF4-FFF2-40B4-BE49-F238E27FC236}">
-                <a16:creationId xmlns:a16="http://schemas.microsoft.com/office/drawing/2014/main" id="{E3175E18-3692-B822-9276-B519FA351945}"/>
+                <a16:creationId xmlns:a16="http://schemas.microsoft.com/office/drawing/2014/main" xmlns="" id="{E3175E18-3692-B822-9276-B519FA351945}"/>
               </a:ext>
             </a:extLst>
           </p:cNvPr>
@@ -11980,7 +11984,7 @@
           <p:cNvPr id="9" name="TextBox 8">
             <a:extLst>
               <a:ext uri="{FF2B5EF4-FFF2-40B4-BE49-F238E27FC236}">
-                <a16:creationId xmlns:a16="http://schemas.microsoft.com/office/drawing/2014/main" id="{E6068310-215C-317B-267D-CA3C444CE0D0}"/>
+                <a16:creationId xmlns:a16="http://schemas.microsoft.com/office/drawing/2014/main" xmlns="" id="{E6068310-215C-317B-267D-CA3C444CE0D0}"/>
               </a:ext>
             </a:extLst>
           </p:cNvPr>
@@ -12016,7 +12020,7 @@
           <p:cNvPr id="10" name="TextBox 11">
             <a:extLst>
               <a:ext uri="{FF2B5EF4-FFF2-40B4-BE49-F238E27FC236}">
-                <a16:creationId xmlns:a16="http://schemas.microsoft.com/office/drawing/2014/main" id="{450AFFF9-22CC-9859-7E00-7B8E3941F4B9}"/>
+                <a16:creationId xmlns:a16="http://schemas.microsoft.com/office/drawing/2014/main" xmlns="" id="{450AFFF9-22CC-9859-7E00-7B8E3941F4B9}"/>
               </a:ext>
             </a:extLst>
           </p:cNvPr>
@@ -12052,7 +12056,7 @@
           <p:cNvPr id="11" name="TextBox 12">
             <a:extLst>
               <a:ext uri="{FF2B5EF4-FFF2-40B4-BE49-F238E27FC236}">
-                <a16:creationId xmlns:a16="http://schemas.microsoft.com/office/drawing/2014/main" id="{3BFE194A-0346-7D7C-F6E3-8EDC2A897055}"/>
+                <a16:creationId xmlns:a16="http://schemas.microsoft.com/office/drawing/2014/main" xmlns="" id="{3BFE194A-0346-7D7C-F6E3-8EDC2A897055}"/>
               </a:ext>
             </a:extLst>
           </p:cNvPr>
@@ -12088,7 +12092,7 @@
           <p:cNvPr id="12" name="Picture 13">
             <a:extLst>
               <a:ext uri="{FF2B5EF4-FFF2-40B4-BE49-F238E27FC236}">
-                <a16:creationId xmlns:a16="http://schemas.microsoft.com/office/drawing/2014/main" id="{00D43F0F-39F1-EC1E-61E5-33F4E9C254A4}"/>
+                <a16:creationId xmlns:a16="http://schemas.microsoft.com/office/drawing/2014/main" xmlns="" id="{00D43F0F-39F1-EC1E-61E5-33F4E9C254A4}"/>
               </a:ext>
             </a:extLst>
           </p:cNvPr>
@@ -12123,7 +12127,7 @@
           <p:cNvPr id="13" name="Picture 14">
             <a:extLst>
               <a:ext uri="{FF2B5EF4-FFF2-40B4-BE49-F238E27FC236}">
-                <a16:creationId xmlns:a16="http://schemas.microsoft.com/office/drawing/2014/main" id="{ADF16116-0DAB-0C62-94B9-3C0073F9E748}"/>
+                <a16:creationId xmlns:a16="http://schemas.microsoft.com/office/drawing/2014/main" xmlns="" id="{ADF16116-0DAB-0C62-94B9-3C0073F9E748}"/>
               </a:ext>
             </a:extLst>
           </p:cNvPr>
@@ -12158,7 +12162,7 @@
           <p:cNvPr id="14" name="Retângulo 13">
             <a:extLst>
               <a:ext uri="{FF2B5EF4-FFF2-40B4-BE49-F238E27FC236}">
-                <a16:creationId xmlns:a16="http://schemas.microsoft.com/office/drawing/2014/main" id="{E57C527A-0756-EBDB-9504-B3DF44D98DF4}"/>
+                <a16:creationId xmlns:a16="http://schemas.microsoft.com/office/drawing/2014/main" xmlns="" id="{E57C527A-0756-EBDB-9504-B3DF44D98DF4}"/>
               </a:ext>
             </a:extLst>
           </p:cNvPr>
@@ -12823,7 +12827,7 @@
           <p:cNvPr id="15" name="Espaço Reservado para Conteúdo 2">
             <a:extLst>
               <a:ext uri="{FF2B5EF4-FFF2-40B4-BE49-F238E27FC236}">
-                <a16:creationId xmlns:a16="http://schemas.microsoft.com/office/drawing/2014/main" id="{239AA1F2-5E3F-7BEB-1556-BB737E131038}"/>
+                <a16:creationId xmlns:a16="http://schemas.microsoft.com/office/drawing/2014/main" xmlns="" id="{239AA1F2-5E3F-7BEB-1556-BB737E131038}"/>
               </a:ext>
             </a:extLst>
           </p:cNvPr>
@@ -12915,7 +12919,7 @@
           <p:cNvPr id="18" name="TextBox 7">
             <a:extLst>
               <a:ext uri="{FF2B5EF4-FFF2-40B4-BE49-F238E27FC236}">
-                <a16:creationId xmlns:a16="http://schemas.microsoft.com/office/drawing/2014/main" id="{E442B2E9-3D88-DFD3-E99D-F5C7DD986DCA}"/>
+                <a16:creationId xmlns:a16="http://schemas.microsoft.com/office/drawing/2014/main" xmlns="" id="{E442B2E9-3D88-DFD3-E99D-F5C7DD986DCA}"/>
               </a:ext>
             </a:extLst>
           </p:cNvPr>
@@ -12989,7 +12993,7 @@
           <p:cNvPr id="2" name="Título 1">
             <a:extLst>
               <a:ext uri="{FF2B5EF4-FFF2-40B4-BE49-F238E27FC236}">
-                <a16:creationId xmlns:a16="http://schemas.microsoft.com/office/drawing/2014/main" id="{F3FC6600-DEC0-B4A2-D13C-D4016F1FB30A}"/>
+                <a16:creationId xmlns:a16="http://schemas.microsoft.com/office/drawing/2014/main" xmlns="" id="{F3FC6600-DEC0-B4A2-D13C-D4016F1FB30A}"/>
               </a:ext>
             </a:extLst>
           </p:cNvPr>
@@ -13017,7 +13021,7 @@
           <p:cNvPr id="4" name="Picture 6">
             <a:extLst>
               <a:ext uri="{FF2B5EF4-FFF2-40B4-BE49-F238E27FC236}">
-                <a16:creationId xmlns:a16="http://schemas.microsoft.com/office/drawing/2014/main" id="{C9DE8AF1-A842-9D71-1CC8-28F862E816AF}"/>
+                <a16:creationId xmlns:a16="http://schemas.microsoft.com/office/drawing/2014/main" xmlns="" id="{C9DE8AF1-A842-9D71-1CC8-28F862E816AF}"/>
               </a:ext>
             </a:extLst>
           </p:cNvPr>
@@ -13052,7 +13056,7 @@
           <p:cNvPr id="5" name="Picture 10">
             <a:extLst>
               <a:ext uri="{FF2B5EF4-FFF2-40B4-BE49-F238E27FC236}">
-                <a16:creationId xmlns:a16="http://schemas.microsoft.com/office/drawing/2014/main" id="{F78E7DEF-7734-D99E-0342-DD800946C131}"/>
+                <a16:creationId xmlns:a16="http://schemas.microsoft.com/office/drawing/2014/main" xmlns="" id="{F78E7DEF-7734-D99E-0342-DD800946C131}"/>
               </a:ext>
             </a:extLst>
           </p:cNvPr>
@@ -13087,7 +13091,7 @@
           <p:cNvPr id="6" name="Picture 4">
             <a:extLst>
               <a:ext uri="{FF2B5EF4-FFF2-40B4-BE49-F238E27FC236}">
-                <a16:creationId xmlns:a16="http://schemas.microsoft.com/office/drawing/2014/main" id="{6E6CD326-3A16-EA54-BA43-F3EECE9E7143}"/>
+                <a16:creationId xmlns:a16="http://schemas.microsoft.com/office/drawing/2014/main" xmlns="" id="{6E6CD326-3A16-EA54-BA43-F3EECE9E7143}"/>
               </a:ext>
             </a:extLst>
           </p:cNvPr>
@@ -13122,7 +13126,7 @@
           <p:cNvPr id="7" name="Right Arrow 5">
             <a:extLst>
               <a:ext uri="{FF2B5EF4-FFF2-40B4-BE49-F238E27FC236}">
-                <a16:creationId xmlns:a16="http://schemas.microsoft.com/office/drawing/2014/main" id="{646C8848-ECB5-43A8-887E-6C6224DA20CE}"/>
+                <a16:creationId xmlns:a16="http://schemas.microsoft.com/office/drawing/2014/main" xmlns="" id="{646C8848-ECB5-43A8-887E-6C6224DA20CE}"/>
               </a:ext>
             </a:extLst>
           </p:cNvPr>
@@ -13168,7 +13172,7 @@
           <p:cNvPr id="8" name="Right Arrow 9">
             <a:extLst>
               <a:ext uri="{FF2B5EF4-FFF2-40B4-BE49-F238E27FC236}">
-                <a16:creationId xmlns:a16="http://schemas.microsoft.com/office/drawing/2014/main" id="{E3175E18-3692-B822-9276-B519FA351945}"/>
+                <a16:creationId xmlns:a16="http://schemas.microsoft.com/office/drawing/2014/main" xmlns="" id="{E3175E18-3692-B822-9276-B519FA351945}"/>
               </a:ext>
             </a:extLst>
           </p:cNvPr>
@@ -13214,7 +13218,7 @@
           <p:cNvPr id="9" name="TextBox 8">
             <a:extLst>
               <a:ext uri="{FF2B5EF4-FFF2-40B4-BE49-F238E27FC236}">
-                <a16:creationId xmlns:a16="http://schemas.microsoft.com/office/drawing/2014/main" id="{E6068310-215C-317B-267D-CA3C444CE0D0}"/>
+                <a16:creationId xmlns:a16="http://schemas.microsoft.com/office/drawing/2014/main" xmlns="" id="{E6068310-215C-317B-267D-CA3C444CE0D0}"/>
               </a:ext>
             </a:extLst>
           </p:cNvPr>
@@ -13250,7 +13254,7 @@
           <p:cNvPr id="10" name="TextBox 11">
             <a:extLst>
               <a:ext uri="{FF2B5EF4-FFF2-40B4-BE49-F238E27FC236}">
-                <a16:creationId xmlns:a16="http://schemas.microsoft.com/office/drawing/2014/main" id="{450AFFF9-22CC-9859-7E00-7B8E3941F4B9}"/>
+                <a16:creationId xmlns:a16="http://schemas.microsoft.com/office/drawing/2014/main" xmlns="" id="{450AFFF9-22CC-9859-7E00-7B8E3941F4B9}"/>
               </a:ext>
             </a:extLst>
           </p:cNvPr>
@@ -13281,48 +13285,12 @@
           </a:p>
         </p:txBody>
       </p:sp>
-      <p:sp>
-        <p:nvSpPr>
-          <p:cNvPr id="11" name="TextBox 12">
-            <a:extLst>
-              <a:ext uri="{FF2B5EF4-FFF2-40B4-BE49-F238E27FC236}">
-                <a16:creationId xmlns:a16="http://schemas.microsoft.com/office/drawing/2014/main" id="{3BFE194A-0346-7D7C-F6E3-8EDC2A897055}"/>
-              </a:ext>
-            </a:extLst>
-          </p:cNvPr>
-          <p:cNvSpPr txBox="1"/>
-          <p:nvPr/>
-        </p:nvSpPr>
-        <p:spPr>
-          <a:xfrm>
-            <a:off x="2972623" y="1511122"/>
-            <a:ext cx="2447810" cy="307777"/>
-          </a:xfrm>
-          <a:prstGeom prst="rect">
-            <a:avLst/>
-          </a:prstGeom>
-          <a:noFill/>
-        </p:spPr>
-        <p:txBody>
-          <a:bodyPr wrap="square" rtlCol="0">
-            <a:spAutoFit/>
-          </a:bodyPr>
-          <a:lstStyle/>
-          <a:p>
-            <a:pPr algn="ctr"/>
-            <a:r>
-              <a:rPr lang="pt-BR" sz="1400" b="1" dirty="0"/>
-              <a:t>Redução por degraus</a:t>
-            </a:r>
-          </a:p>
-        </p:txBody>
-      </p:sp>
       <p:pic>
         <p:nvPicPr>
           <p:cNvPr id="12" name="Picture 13">
             <a:extLst>
               <a:ext uri="{FF2B5EF4-FFF2-40B4-BE49-F238E27FC236}">
-                <a16:creationId xmlns:a16="http://schemas.microsoft.com/office/drawing/2014/main" id="{00D43F0F-39F1-EC1E-61E5-33F4E9C254A4}"/>
+                <a16:creationId xmlns:a16="http://schemas.microsoft.com/office/drawing/2014/main" xmlns="" id="{00D43F0F-39F1-EC1E-61E5-33F4E9C254A4}"/>
               </a:ext>
             </a:extLst>
           </p:cNvPr>
@@ -13357,7 +13325,7 @@
           <p:cNvPr id="13" name="Picture 14">
             <a:extLst>
               <a:ext uri="{FF2B5EF4-FFF2-40B4-BE49-F238E27FC236}">
-                <a16:creationId xmlns:a16="http://schemas.microsoft.com/office/drawing/2014/main" id="{ADF16116-0DAB-0C62-94B9-3C0073F9E748}"/>
+                <a16:creationId xmlns:a16="http://schemas.microsoft.com/office/drawing/2014/main" xmlns="" id="{ADF16116-0DAB-0C62-94B9-3C0073F9E748}"/>
               </a:ext>
             </a:extLst>
           </p:cNvPr>
@@ -13392,7 +13360,7 @@
           <p:cNvPr id="14" name="Retângulo 13">
             <a:extLst>
               <a:ext uri="{FF2B5EF4-FFF2-40B4-BE49-F238E27FC236}">
-                <a16:creationId xmlns:a16="http://schemas.microsoft.com/office/drawing/2014/main" id="{E57C527A-0756-EBDB-9504-B3DF44D98DF4}"/>
+                <a16:creationId xmlns:a16="http://schemas.microsoft.com/office/drawing/2014/main" xmlns="" id="{E57C527A-0756-EBDB-9504-B3DF44D98DF4}"/>
               </a:ext>
             </a:extLst>
           </p:cNvPr>
@@ -14059,7 +14027,7 @@
               <p:cNvPr id="15" name="Espaço Reservado para Conteúdo 2">
                 <a:extLst>
                   <a:ext uri="{FF2B5EF4-FFF2-40B4-BE49-F238E27FC236}">
-                    <a16:creationId xmlns:a16="http://schemas.microsoft.com/office/drawing/2014/main" id="{239AA1F2-5E3F-7BEB-1556-BB737E131038}"/>
+                    <a16:creationId xmlns:a16="http://schemas.microsoft.com/office/drawing/2014/main" xmlns="" id="{239AA1F2-5E3F-7BEB-1556-BB737E131038}"/>
                   </a:ext>
                 </a:extLst>
               </p:cNvPr>
@@ -14202,6 +14170,42 @@
           </p:sp>
         </mc:Fallback>
       </mc:AlternateContent>
+      <p:sp>
+        <p:nvSpPr>
+          <p:cNvPr id="16" name="TextBox 12">
+            <a:extLst>
+              <a:ext uri="{FF2B5EF4-FFF2-40B4-BE49-F238E27FC236}">
+                <a16:creationId xmlns:a16="http://schemas.microsoft.com/office/drawing/2014/main" xmlns="" id="{3BFE194A-0346-7D7C-F6E3-8EDC2A897055}"/>
+              </a:ext>
+            </a:extLst>
+          </p:cNvPr>
+          <p:cNvSpPr txBox="1"/>
+          <p:nvPr/>
+        </p:nvSpPr>
+        <p:spPr>
+          <a:xfrm>
+            <a:off x="2972623" y="1511122"/>
+            <a:ext cx="2447810" cy="307777"/>
+          </a:xfrm>
+          <a:prstGeom prst="rect">
+            <a:avLst/>
+          </a:prstGeom>
+          <a:noFill/>
+        </p:spPr>
+        <p:txBody>
+          <a:bodyPr wrap="square" rtlCol="0">
+            <a:spAutoFit/>
+          </a:bodyPr>
+          <a:lstStyle/>
+          <a:p>
+            <a:pPr algn="ctr"/>
+            <a:r>
+              <a:rPr lang="pt-BR" sz="1400" b="1" dirty="0"/>
+              <a:t>Redução gradual por degraus</a:t>
+            </a:r>
+          </a:p>
+        </p:txBody>
+      </p:sp>
     </p:spTree>
     <p:extLst>
       <p:ext uri="{BB962C8B-B14F-4D97-AF65-F5344CB8AC3E}">
@@ -14237,7 +14241,7 @@
           <p:cNvPr id="2" name="Título 1">
             <a:extLst>
               <a:ext uri="{FF2B5EF4-FFF2-40B4-BE49-F238E27FC236}">
-                <a16:creationId xmlns:a16="http://schemas.microsoft.com/office/drawing/2014/main" id="{F3FC6600-DEC0-B4A2-D13C-D4016F1FB30A}"/>
+                <a16:creationId xmlns:a16="http://schemas.microsoft.com/office/drawing/2014/main" xmlns="" id="{F3FC6600-DEC0-B4A2-D13C-D4016F1FB30A}"/>
               </a:ext>
             </a:extLst>
           </p:cNvPr>
@@ -14265,7 +14269,7 @@
           <p:cNvPr id="4" name="Picture 6">
             <a:extLst>
               <a:ext uri="{FF2B5EF4-FFF2-40B4-BE49-F238E27FC236}">
-                <a16:creationId xmlns:a16="http://schemas.microsoft.com/office/drawing/2014/main" id="{C9DE8AF1-A842-9D71-1CC8-28F862E816AF}"/>
+                <a16:creationId xmlns:a16="http://schemas.microsoft.com/office/drawing/2014/main" xmlns="" id="{C9DE8AF1-A842-9D71-1CC8-28F862E816AF}"/>
               </a:ext>
             </a:extLst>
           </p:cNvPr>
@@ -14300,7 +14304,7 @@
           <p:cNvPr id="5" name="Picture 10">
             <a:extLst>
               <a:ext uri="{FF2B5EF4-FFF2-40B4-BE49-F238E27FC236}">
-                <a16:creationId xmlns:a16="http://schemas.microsoft.com/office/drawing/2014/main" id="{F78E7DEF-7734-D99E-0342-DD800946C131}"/>
+                <a16:creationId xmlns:a16="http://schemas.microsoft.com/office/drawing/2014/main" xmlns="" id="{F78E7DEF-7734-D99E-0342-DD800946C131}"/>
               </a:ext>
             </a:extLst>
           </p:cNvPr>
@@ -14335,7 +14339,7 @@
           <p:cNvPr id="6" name="Picture 4">
             <a:extLst>
               <a:ext uri="{FF2B5EF4-FFF2-40B4-BE49-F238E27FC236}">
-                <a16:creationId xmlns:a16="http://schemas.microsoft.com/office/drawing/2014/main" id="{6E6CD326-3A16-EA54-BA43-F3EECE9E7143}"/>
+                <a16:creationId xmlns:a16="http://schemas.microsoft.com/office/drawing/2014/main" xmlns="" id="{6E6CD326-3A16-EA54-BA43-F3EECE9E7143}"/>
               </a:ext>
             </a:extLst>
           </p:cNvPr>
@@ -14370,7 +14374,7 @@
           <p:cNvPr id="7" name="Right Arrow 5">
             <a:extLst>
               <a:ext uri="{FF2B5EF4-FFF2-40B4-BE49-F238E27FC236}">
-                <a16:creationId xmlns:a16="http://schemas.microsoft.com/office/drawing/2014/main" id="{646C8848-ECB5-43A8-887E-6C6224DA20CE}"/>
+                <a16:creationId xmlns:a16="http://schemas.microsoft.com/office/drawing/2014/main" xmlns="" id="{646C8848-ECB5-43A8-887E-6C6224DA20CE}"/>
               </a:ext>
             </a:extLst>
           </p:cNvPr>
@@ -14416,7 +14420,7 @@
           <p:cNvPr id="8" name="Right Arrow 9">
             <a:extLst>
               <a:ext uri="{FF2B5EF4-FFF2-40B4-BE49-F238E27FC236}">
-                <a16:creationId xmlns:a16="http://schemas.microsoft.com/office/drawing/2014/main" id="{E3175E18-3692-B822-9276-B519FA351945}"/>
+                <a16:creationId xmlns:a16="http://schemas.microsoft.com/office/drawing/2014/main" xmlns="" id="{E3175E18-3692-B822-9276-B519FA351945}"/>
               </a:ext>
             </a:extLst>
           </p:cNvPr>
@@ -14462,7 +14466,7 @@
           <p:cNvPr id="9" name="TextBox 8">
             <a:extLst>
               <a:ext uri="{FF2B5EF4-FFF2-40B4-BE49-F238E27FC236}">
-                <a16:creationId xmlns:a16="http://schemas.microsoft.com/office/drawing/2014/main" id="{E6068310-215C-317B-267D-CA3C444CE0D0}"/>
+                <a16:creationId xmlns:a16="http://schemas.microsoft.com/office/drawing/2014/main" xmlns="" id="{E6068310-215C-317B-267D-CA3C444CE0D0}"/>
               </a:ext>
             </a:extLst>
           </p:cNvPr>
@@ -14498,7 +14502,7 @@
           <p:cNvPr id="10" name="TextBox 11">
             <a:extLst>
               <a:ext uri="{FF2B5EF4-FFF2-40B4-BE49-F238E27FC236}">
-                <a16:creationId xmlns:a16="http://schemas.microsoft.com/office/drawing/2014/main" id="{450AFFF9-22CC-9859-7E00-7B8E3941F4B9}"/>
+                <a16:creationId xmlns:a16="http://schemas.microsoft.com/office/drawing/2014/main" xmlns="" id="{450AFFF9-22CC-9859-7E00-7B8E3941F4B9}"/>
               </a:ext>
             </a:extLst>
           </p:cNvPr>
@@ -14529,48 +14533,12 @@
           </a:p>
         </p:txBody>
       </p:sp>
-      <p:sp>
-        <p:nvSpPr>
-          <p:cNvPr id="11" name="TextBox 12">
-            <a:extLst>
-              <a:ext uri="{FF2B5EF4-FFF2-40B4-BE49-F238E27FC236}">
-                <a16:creationId xmlns:a16="http://schemas.microsoft.com/office/drawing/2014/main" id="{3BFE194A-0346-7D7C-F6E3-8EDC2A897055}"/>
-              </a:ext>
-            </a:extLst>
-          </p:cNvPr>
-          <p:cNvSpPr txBox="1"/>
-          <p:nvPr/>
-        </p:nvSpPr>
-        <p:spPr>
-          <a:xfrm>
-            <a:off x="2972623" y="1511122"/>
-            <a:ext cx="2447810" cy="307777"/>
-          </a:xfrm>
-          <a:prstGeom prst="rect">
-            <a:avLst/>
-          </a:prstGeom>
-          <a:noFill/>
-        </p:spPr>
-        <p:txBody>
-          <a:bodyPr wrap="square" rtlCol="0">
-            <a:spAutoFit/>
-          </a:bodyPr>
-          <a:lstStyle/>
-          <a:p>
-            <a:pPr algn="ctr"/>
-            <a:r>
-              <a:rPr lang="pt-BR" sz="1400" b="1" dirty="0"/>
-              <a:t>Redução por degraus</a:t>
-            </a:r>
-          </a:p>
-        </p:txBody>
-      </p:sp>
       <p:pic>
         <p:nvPicPr>
           <p:cNvPr id="12" name="Picture 13">
             <a:extLst>
               <a:ext uri="{FF2B5EF4-FFF2-40B4-BE49-F238E27FC236}">
-                <a16:creationId xmlns:a16="http://schemas.microsoft.com/office/drawing/2014/main" id="{00D43F0F-39F1-EC1E-61E5-33F4E9C254A4}"/>
+                <a16:creationId xmlns:a16="http://schemas.microsoft.com/office/drawing/2014/main" xmlns="" id="{00D43F0F-39F1-EC1E-61E5-33F4E9C254A4}"/>
               </a:ext>
             </a:extLst>
           </p:cNvPr>
@@ -14605,7 +14573,7 @@
           <p:cNvPr id="13" name="Picture 14">
             <a:extLst>
               <a:ext uri="{FF2B5EF4-FFF2-40B4-BE49-F238E27FC236}">
-                <a16:creationId xmlns:a16="http://schemas.microsoft.com/office/drawing/2014/main" id="{ADF16116-0DAB-0C62-94B9-3C0073F9E748}"/>
+                <a16:creationId xmlns:a16="http://schemas.microsoft.com/office/drawing/2014/main" xmlns="" id="{ADF16116-0DAB-0C62-94B9-3C0073F9E748}"/>
               </a:ext>
             </a:extLst>
           </p:cNvPr>
@@ -14640,7 +14608,7 @@
           <p:cNvPr id="14" name="Retângulo 13">
             <a:extLst>
               <a:ext uri="{FF2B5EF4-FFF2-40B4-BE49-F238E27FC236}">
-                <a16:creationId xmlns:a16="http://schemas.microsoft.com/office/drawing/2014/main" id="{E57C527A-0756-EBDB-9504-B3DF44D98DF4}"/>
+                <a16:creationId xmlns:a16="http://schemas.microsoft.com/office/drawing/2014/main" xmlns="" id="{E57C527A-0756-EBDB-9504-B3DF44D98DF4}"/>
               </a:ext>
             </a:extLst>
           </p:cNvPr>
@@ -15305,7 +15273,7 @@
           <p:cNvPr id="15" name="Espaço Reservado para Conteúdo 2">
             <a:extLst>
               <a:ext uri="{FF2B5EF4-FFF2-40B4-BE49-F238E27FC236}">
-                <a16:creationId xmlns:a16="http://schemas.microsoft.com/office/drawing/2014/main" id="{239AA1F2-5E3F-7BEB-1556-BB737E131038}"/>
+                <a16:creationId xmlns:a16="http://schemas.microsoft.com/office/drawing/2014/main" xmlns="" id="{239AA1F2-5E3F-7BEB-1556-BB737E131038}"/>
               </a:ext>
             </a:extLst>
           </p:cNvPr>
@@ -15341,6 +15309,42 @@
             <a:r>
               <a:rPr lang="pt-BR" sz="2800" dirty="0"/>
               <a:t>: um passo de aprendizagem que tem seu valor reduzido ao longo das iterações de treinamento permite que que versões estocásticas do gradiente descendente se estabilizem próximo ao ponto de mínimo global.</a:t>
+            </a:r>
+          </a:p>
+        </p:txBody>
+      </p:sp>
+      <p:sp>
+        <p:nvSpPr>
+          <p:cNvPr id="16" name="TextBox 12">
+            <a:extLst>
+              <a:ext uri="{FF2B5EF4-FFF2-40B4-BE49-F238E27FC236}">
+                <a16:creationId xmlns:a16="http://schemas.microsoft.com/office/drawing/2014/main" xmlns="" id="{3BFE194A-0346-7D7C-F6E3-8EDC2A897055}"/>
+              </a:ext>
+            </a:extLst>
+          </p:cNvPr>
+          <p:cNvSpPr txBox="1"/>
+          <p:nvPr/>
+        </p:nvSpPr>
+        <p:spPr>
+          <a:xfrm>
+            <a:off x="2972623" y="1511122"/>
+            <a:ext cx="2447810" cy="307777"/>
+          </a:xfrm>
+          <a:prstGeom prst="rect">
+            <a:avLst/>
+          </a:prstGeom>
+          <a:noFill/>
+        </p:spPr>
+        <p:txBody>
+          <a:bodyPr wrap="square" rtlCol="0">
+            <a:spAutoFit/>
+          </a:bodyPr>
+          <a:lstStyle/>
+          <a:p>
+            <a:pPr algn="ctr"/>
+            <a:r>
+              <a:rPr lang="pt-BR" sz="1400" b="1" dirty="0"/>
+              <a:t>Redução gradual por degraus</a:t>
             </a:r>
           </a:p>
         </p:txBody>
@@ -15559,7 +15563,7 @@
           <p:cNvPr id="4" name="Título 1">
             <a:extLst>
               <a:ext uri="{FF2B5EF4-FFF2-40B4-BE49-F238E27FC236}">
-                <a16:creationId xmlns:a16="http://schemas.microsoft.com/office/drawing/2014/main" id="{32666AC8-2E17-4DB4-B0F5-60C640CCFD2E}"/>
+                <a16:creationId xmlns:a16="http://schemas.microsoft.com/office/drawing/2014/main" xmlns="" id="{32666AC8-2E17-4DB4-B0F5-60C640CCFD2E}"/>
               </a:ext>
             </a:extLst>
           </p:cNvPr>
@@ -17727,7 +17731,7 @@
           <p:cNvPr id="2" name="Título 1">
             <a:extLst>
               <a:ext uri="{FF2B5EF4-FFF2-40B4-BE49-F238E27FC236}">
-                <a16:creationId xmlns:a16="http://schemas.microsoft.com/office/drawing/2014/main" id="{B4A549E3-7E5B-04E3-09ED-A7C3171C6D5F}"/>
+                <a16:creationId xmlns:a16="http://schemas.microsoft.com/office/drawing/2014/main" xmlns="" id="{B4A549E3-7E5B-04E3-09ED-A7C3171C6D5F}"/>
               </a:ext>
             </a:extLst>
           </p:cNvPr>
@@ -17757,7 +17761,7 @@
               <p:cNvPr id="3" name="Espaço Reservado para Conteúdo 2">
                 <a:extLst>
                   <a:ext uri="{FF2B5EF4-FFF2-40B4-BE49-F238E27FC236}">
-                    <a16:creationId xmlns:a16="http://schemas.microsoft.com/office/drawing/2014/main" id="{3323DEB1-E32D-5111-52A9-A936D5B18776}"/>
+                    <a16:creationId xmlns:a16="http://schemas.microsoft.com/office/drawing/2014/main" xmlns="" id="{3323DEB1-E32D-5111-52A9-A936D5B18776}"/>
                   </a:ext>
                 </a:extLst>
               </p:cNvPr>
@@ -17982,7 +17986,7 @@
           <p:cNvPr id="4" name="Imagem 3">
             <a:extLst>
               <a:ext uri="{FF2B5EF4-FFF2-40B4-BE49-F238E27FC236}">
-                <a16:creationId xmlns:a16="http://schemas.microsoft.com/office/drawing/2014/main" id="{860F9137-10B0-2765-3CAF-0E8F4196E620}"/>
+                <a16:creationId xmlns:a16="http://schemas.microsoft.com/office/drawing/2014/main" xmlns="" id="{860F9137-10B0-2765-3CAF-0E8F4196E620}"/>
               </a:ext>
             </a:extLst>
           </p:cNvPr>
@@ -35089,7 +35093,7 @@
           <p:cNvPr id="2" name="Título 1">
             <a:extLst>
               <a:ext uri="{FF2B5EF4-FFF2-40B4-BE49-F238E27FC236}">
-                <a16:creationId xmlns:a16="http://schemas.microsoft.com/office/drawing/2014/main" id="{B4A549E3-7E5B-04E3-09ED-A7C3171C6D5F}"/>
+                <a16:creationId xmlns:a16="http://schemas.microsoft.com/office/drawing/2014/main" xmlns="" id="{B4A549E3-7E5B-04E3-09ED-A7C3171C6D5F}"/>
               </a:ext>
             </a:extLst>
           </p:cNvPr>
@@ -35119,7 +35123,7 @@
               <p:cNvPr id="3" name="Espaço Reservado para Conteúdo 2">
                 <a:extLst>
                   <a:ext uri="{FF2B5EF4-FFF2-40B4-BE49-F238E27FC236}">
-                    <a16:creationId xmlns:a16="http://schemas.microsoft.com/office/drawing/2014/main" id="{3323DEB1-E32D-5111-52A9-A936D5B18776}"/>
+                    <a16:creationId xmlns:a16="http://schemas.microsoft.com/office/drawing/2014/main" xmlns="" id="{3323DEB1-E32D-5111-52A9-A936D5B18776}"/>
                   </a:ext>
                 </a:extLst>
               </p:cNvPr>
@@ -35342,7 +35346,7 @@
               <p:cNvPr id="6" name="CaixaDeTexto 5">
                 <a:extLst>
                   <a:ext uri="{FF2B5EF4-FFF2-40B4-BE49-F238E27FC236}">
-                    <a16:creationId xmlns:a16="http://schemas.microsoft.com/office/drawing/2014/main" id="{C0979B72-FA06-3341-0C8C-22E5606766C2}"/>
+                    <a16:creationId xmlns:a16="http://schemas.microsoft.com/office/drawing/2014/main" xmlns="" id="{C0979B72-FA06-3341-0C8C-22E5606766C2}"/>
                   </a:ext>
                 </a:extLst>
               </p:cNvPr>
@@ -35996,7 +36000,7 @@
           <p:cNvPr id="3" name="Espaço Reservado para Conteúdo 2">
             <a:extLst>
               <a:ext uri="{FF2B5EF4-FFF2-40B4-BE49-F238E27FC236}">
-                <a16:creationId xmlns:a16="http://schemas.microsoft.com/office/drawing/2014/main" id="{22F82374-172C-DD33-1E6D-772199B0F901}"/>
+                <a16:creationId xmlns:a16="http://schemas.microsoft.com/office/drawing/2014/main" xmlns="" id="{22F82374-172C-DD33-1E6D-772199B0F901}"/>
               </a:ext>
             </a:extLst>
           </p:cNvPr>
@@ -36064,7 +36068,7 @@
           <p:cNvPr id="2" name="Título 1">
             <a:extLst>
               <a:ext uri="{FF2B5EF4-FFF2-40B4-BE49-F238E27FC236}">
-                <a16:creationId xmlns:a16="http://schemas.microsoft.com/office/drawing/2014/main" id="{A86FB011-1700-FEDE-C81B-65D08163C5E8}"/>
+                <a16:creationId xmlns:a16="http://schemas.microsoft.com/office/drawing/2014/main" xmlns="" id="{A86FB011-1700-FEDE-C81B-65D08163C5E8}"/>
               </a:ext>
             </a:extLst>
           </p:cNvPr>
@@ -36094,7 +36098,7 @@
               <p:cNvPr id="3" name="Espaço Reservado para Conteúdo 2">
                 <a:extLst>
                   <a:ext uri="{FF2B5EF4-FFF2-40B4-BE49-F238E27FC236}">
-                    <a16:creationId xmlns:a16="http://schemas.microsoft.com/office/drawing/2014/main" id="{5937D7F6-2609-AE39-CC56-50E8812A0FF6}"/>
+                    <a16:creationId xmlns:a16="http://schemas.microsoft.com/office/drawing/2014/main" xmlns="" id="{5937D7F6-2609-AE39-CC56-50E8812A0FF6}"/>
                   </a:ext>
                 </a:extLst>
               </p:cNvPr>
@@ -36377,7 +36381,7 @@
           <p:cNvPr id="6" name="Arc 16">
             <a:extLst>
               <a:ext uri="{FF2B5EF4-FFF2-40B4-BE49-F238E27FC236}">
-                <a16:creationId xmlns:a16="http://schemas.microsoft.com/office/drawing/2014/main" id="{FADFFC9D-BD51-9093-3AFE-1567CE0EE43C}"/>
+                <a16:creationId xmlns:a16="http://schemas.microsoft.com/office/drawing/2014/main" xmlns="" id="{FADFFC9D-BD51-9093-3AFE-1567CE0EE43C}"/>
               </a:ext>
             </a:extLst>
           </p:cNvPr>
@@ -36427,7 +36431,7 @@
               <p:cNvPr id="7" name="TextBox 17">
                 <a:extLst>
                   <a:ext uri="{FF2B5EF4-FFF2-40B4-BE49-F238E27FC236}">
-                    <a16:creationId xmlns:a16="http://schemas.microsoft.com/office/drawing/2014/main" id="{3E05BB30-5F5E-02E5-F40C-5ED014858567}"/>
+                    <a16:creationId xmlns:a16="http://schemas.microsoft.com/office/drawing/2014/main" xmlns="" id="{3E05BB30-5F5E-02E5-F40C-5ED014858567}"/>
                   </a:ext>
                 </a:extLst>
               </p:cNvPr>
@@ -36528,7 +36532,7 @@
           <p:cNvPr id="8" name="Arc 18">
             <a:extLst>
               <a:ext uri="{FF2B5EF4-FFF2-40B4-BE49-F238E27FC236}">
-                <a16:creationId xmlns:a16="http://schemas.microsoft.com/office/drawing/2014/main" id="{7E54F900-1BCF-B720-53AA-630E39DA0CA7}"/>
+                <a16:creationId xmlns:a16="http://schemas.microsoft.com/office/drawing/2014/main" xmlns="" id="{7E54F900-1BCF-B720-53AA-630E39DA0CA7}"/>
               </a:ext>
             </a:extLst>
           </p:cNvPr>
@@ -36578,7 +36582,7 @@
               <p:cNvPr id="9" name="TextBox 19">
                 <a:extLst>
                   <a:ext uri="{FF2B5EF4-FFF2-40B4-BE49-F238E27FC236}">
-                    <a16:creationId xmlns:a16="http://schemas.microsoft.com/office/drawing/2014/main" id="{143895B5-9CD7-6B2A-5B40-B65ADC335727}"/>
+                    <a16:creationId xmlns:a16="http://schemas.microsoft.com/office/drawing/2014/main" xmlns="" id="{143895B5-9CD7-6B2A-5B40-B65ADC335727}"/>
                   </a:ext>
                 </a:extLst>
               </p:cNvPr>
@@ -36686,7 +36690,7 @@
           <p:cNvPr id="10" name="Arc 20">
             <a:extLst>
               <a:ext uri="{FF2B5EF4-FFF2-40B4-BE49-F238E27FC236}">
-                <a16:creationId xmlns:a16="http://schemas.microsoft.com/office/drawing/2014/main" id="{35953112-E242-B812-3BDA-2555E5932180}"/>
+                <a16:creationId xmlns:a16="http://schemas.microsoft.com/office/drawing/2014/main" xmlns="" id="{35953112-E242-B812-3BDA-2555E5932180}"/>
               </a:ext>
             </a:extLst>
           </p:cNvPr>
@@ -36736,7 +36740,7 @@
               <p:cNvPr id="11" name="TextBox 21">
                 <a:extLst>
                   <a:ext uri="{FF2B5EF4-FFF2-40B4-BE49-F238E27FC236}">
-                    <a16:creationId xmlns:a16="http://schemas.microsoft.com/office/drawing/2014/main" id="{E8AC4AC6-AC67-A956-F839-099263F85B11}"/>
+                    <a16:creationId xmlns:a16="http://schemas.microsoft.com/office/drawing/2014/main" xmlns="" id="{E8AC4AC6-AC67-A956-F839-099263F85B11}"/>
                   </a:ext>
                 </a:extLst>
               </p:cNvPr>
@@ -36837,7 +36841,7 @@
           <p:cNvPr id="12" name="Arc 22">
             <a:extLst>
               <a:ext uri="{FF2B5EF4-FFF2-40B4-BE49-F238E27FC236}">
-                <a16:creationId xmlns:a16="http://schemas.microsoft.com/office/drawing/2014/main" id="{7975BFFB-0E0B-DB6F-4946-7B7CFBBD7764}"/>
+                <a16:creationId xmlns:a16="http://schemas.microsoft.com/office/drawing/2014/main" xmlns="" id="{7975BFFB-0E0B-DB6F-4946-7B7CFBBD7764}"/>
               </a:ext>
             </a:extLst>
           </p:cNvPr>
@@ -36885,7 +36889,7 @@
           <p:cNvPr id="13" name="Arc 25">
             <a:extLst>
               <a:ext uri="{FF2B5EF4-FFF2-40B4-BE49-F238E27FC236}">
-                <a16:creationId xmlns:a16="http://schemas.microsoft.com/office/drawing/2014/main" id="{38544561-E633-C2CD-7154-BE26A6E6C18E}"/>
+                <a16:creationId xmlns:a16="http://schemas.microsoft.com/office/drawing/2014/main" xmlns="" id="{38544561-E633-C2CD-7154-BE26A6E6C18E}"/>
               </a:ext>
             </a:extLst>
           </p:cNvPr>
@@ -36933,7 +36937,7 @@
           <p:cNvPr id="14" name="Arc 26">
             <a:extLst>
               <a:ext uri="{FF2B5EF4-FFF2-40B4-BE49-F238E27FC236}">
-                <a16:creationId xmlns:a16="http://schemas.microsoft.com/office/drawing/2014/main" id="{4EF49F99-C5ED-5CB9-69BE-6074CF85E4B4}"/>
+                <a16:creationId xmlns:a16="http://schemas.microsoft.com/office/drawing/2014/main" xmlns="" id="{4EF49F99-C5ED-5CB9-69BE-6074CF85E4B4}"/>
               </a:ext>
             </a:extLst>
           </p:cNvPr>
@@ -36986,7 +36990,7 @@
               <p:cNvPr id="15" name="TextBox 28">
                 <a:extLst>
                   <a:ext uri="{FF2B5EF4-FFF2-40B4-BE49-F238E27FC236}">
-                    <a16:creationId xmlns:a16="http://schemas.microsoft.com/office/drawing/2014/main" id="{F8424A97-4931-D4FB-2715-5C7B8EF2182B}"/>
+                    <a16:creationId xmlns:a16="http://schemas.microsoft.com/office/drawing/2014/main" xmlns="" id="{F8424A97-4931-D4FB-2715-5C7B8EF2182B}"/>
                   </a:ext>
                 </a:extLst>
               </p:cNvPr>
@@ -37089,7 +37093,7 @@
               <p:cNvPr id="16" name="TextBox 29">
                 <a:extLst>
                   <a:ext uri="{FF2B5EF4-FFF2-40B4-BE49-F238E27FC236}">
-                    <a16:creationId xmlns:a16="http://schemas.microsoft.com/office/drawing/2014/main" id="{F4403508-F5BF-1E8E-02DB-4035FA6169FC}"/>
+                    <a16:creationId xmlns:a16="http://schemas.microsoft.com/office/drawing/2014/main" xmlns="" id="{F4403508-F5BF-1E8E-02DB-4035FA6169FC}"/>
                   </a:ext>
                 </a:extLst>
               </p:cNvPr>
@@ -37199,7 +37203,7 @@
               <p:cNvPr id="17" name="TextBox 19">
                 <a:extLst>
                   <a:ext uri="{FF2B5EF4-FFF2-40B4-BE49-F238E27FC236}">
-                    <a16:creationId xmlns:a16="http://schemas.microsoft.com/office/drawing/2014/main" id="{34060A1D-2E52-39F5-0DF8-189C862047D9}"/>
+                    <a16:creationId xmlns:a16="http://schemas.microsoft.com/office/drawing/2014/main" xmlns="" id="{34060A1D-2E52-39F5-0DF8-189C862047D9}"/>
                   </a:ext>
                 </a:extLst>
               </p:cNvPr>
@@ -37307,7 +37311,7 @@
           <p:cNvPr id="18" name="Rectangle 3">
             <a:extLst>
               <a:ext uri="{FF2B5EF4-FFF2-40B4-BE49-F238E27FC236}">
-                <a16:creationId xmlns:a16="http://schemas.microsoft.com/office/drawing/2014/main" id="{A93A9D3A-8C54-B58D-C4C0-7F2E2E3666A0}"/>
+                <a16:creationId xmlns:a16="http://schemas.microsoft.com/office/drawing/2014/main" xmlns="" id="{A93A9D3A-8C54-B58D-C4C0-7F2E2E3666A0}"/>
               </a:ext>
             </a:extLst>
           </p:cNvPr>
@@ -37380,7 +37384,7 @@
           <p:cNvPr id="2" name="Título 1">
             <a:extLst>
               <a:ext uri="{FF2B5EF4-FFF2-40B4-BE49-F238E27FC236}">
-                <a16:creationId xmlns:a16="http://schemas.microsoft.com/office/drawing/2014/main" id="{485D4CFC-DDCB-8078-3C54-56133CAABF8B}"/>
+                <a16:creationId xmlns:a16="http://schemas.microsoft.com/office/drawing/2014/main" xmlns="" id="{485D4CFC-DDCB-8078-3C54-56133CAABF8B}"/>
               </a:ext>
             </a:extLst>
           </p:cNvPr>
@@ -37410,7 +37414,7 @@
               <p:cNvPr id="3" name="Espaço Reservado para Conteúdo 2">
                 <a:extLst>
                   <a:ext uri="{FF2B5EF4-FFF2-40B4-BE49-F238E27FC236}">
-                    <a16:creationId xmlns:a16="http://schemas.microsoft.com/office/drawing/2014/main" id="{7EE83549-CA46-62F5-CF24-FC969E4A47BB}"/>
+                    <a16:creationId xmlns:a16="http://schemas.microsoft.com/office/drawing/2014/main" xmlns="" id="{7EE83549-CA46-62F5-CF24-FC969E4A47BB}"/>
                   </a:ext>
                 </a:extLst>
               </p:cNvPr>
@@ -37596,7 +37600,7 @@
           <p:cNvPr id="5" name="Picture 5">
             <a:extLst>
               <a:ext uri="{FF2B5EF4-FFF2-40B4-BE49-F238E27FC236}">
-                <a16:creationId xmlns:a16="http://schemas.microsoft.com/office/drawing/2014/main" id="{404700FD-2AD0-0263-A281-0518044D2312}"/>
+                <a16:creationId xmlns:a16="http://schemas.microsoft.com/office/drawing/2014/main" xmlns="" id="{404700FD-2AD0-0263-A281-0518044D2312}"/>
               </a:ext>
             </a:extLst>
           </p:cNvPr>
@@ -37631,7 +37635,7 @@
           <p:cNvPr id="6" name="Picture 6">
             <a:extLst>
               <a:ext uri="{FF2B5EF4-FFF2-40B4-BE49-F238E27FC236}">
-                <a16:creationId xmlns:a16="http://schemas.microsoft.com/office/drawing/2014/main" id="{5C026D89-CF0B-9034-ECD6-7E0ECB934009}"/>
+                <a16:creationId xmlns:a16="http://schemas.microsoft.com/office/drawing/2014/main" xmlns="" id="{5C026D89-CF0B-9034-ECD6-7E0ECB934009}"/>
               </a:ext>
             </a:extLst>
           </p:cNvPr>
@@ -37666,7 +37670,7 @@
           <p:cNvPr id="8" name="Straight Arrow Connector 10">
             <a:extLst>
               <a:ext uri="{FF2B5EF4-FFF2-40B4-BE49-F238E27FC236}">
-                <a16:creationId xmlns:a16="http://schemas.microsoft.com/office/drawing/2014/main" id="{00ACB6AA-75DC-2F42-67F7-9B365EB6FD7D}"/>
+                <a16:creationId xmlns:a16="http://schemas.microsoft.com/office/drawing/2014/main" xmlns="" id="{00ACB6AA-75DC-2F42-67F7-9B365EB6FD7D}"/>
               </a:ext>
             </a:extLst>
           </p:cNvPr>
@@ -37712,7 +37716,7 @@
               <p:cNvPr id="9" name="TextBox 11">
                 <a:extLst>
                   <a:ext uri="{FF2B5EF4-FFF2-40B4-BE49-F238E27FC236}">
-                    <a16:creationId xmlns:a16="http://schemas.microsoft.com/office/drawing/2014/main" id="{8E1AC9A0-8AE3-88D2-924C-3555079253D3}"/>
+                    <a16:creationId xmlns:a16="http://schemas.microsoft.com/office/drawing/2014/main" xmlns="" id="{8E1AC9A0-8AE3-88D2-924C-3555079253D3}"/>
                   </a:ext>
                 </a:extLst>
               </p:cNvPr>
@@ -37804,7 +37808,7 @@
           <p:cNvPr id="4" name="Picture 2">
             <a:extLst>
               <a:ext uri="{FF2B5EF4-FFF2-40B4-BE49-F238E27FC236}">
-                <a16:creationId xmlns:a16="http://schemas.microsoft.com/office/drawing/2014/main" id="{F21DC2AF-EDF3-1582-F5C3-58459BFDB97F}"/>
+                <a16:creationId xmlns:a16="http://schemas.microsoft.com/office/drawing/2014/main" xmlns="" id="{F21DC2AF-EDF3-1582-F5C3-58459BFDB97F}"/>
               </a:ext>
             </a:extLst>
           </p:cNvPr>
@@ -37879,7 +37883,7 @@
           <p:cNvPr id="2" name="Título 1">
             <a:extLst>
               <a:ext uri="{FF2B5EF4-FFF2-40B4-BE49-F238E27FC236}">
-                <a16:creationId xmlns:a16="http://schemas.microsoft.com/office/drawing/2014/main" id="{53807E1E-02FA-BE90-DF8D-F7CD2EFB6D24}"/>
+                <a16:creationId xmlns:a16="http://schemas.microsoft.com/office/drawing/2014/main" xmlns="" id="{53807E1E-02FA-BE90-DF8D-F7CD2EFB6D24}"/>
               </a:ext>
             </a:extLst>
           </p:cNvPr>
@@ -37909,7 +37913,7 @@
               <p:cNvPr id="3" name="Espaço Reservado para Conteúdo 2">
                 <a:extLst>
                   <a:ext uri="{FF2B5EF4-FFF2-40B4-BE49-F238E27FC236}">
-                    <a16:creationId xmlns:a16="http://schemas.microsoft.com/office/drawing/2014/main" id="{E69917BF-2F45-6A09-7D88-35A718CBAA50}"/>
+                    <a16:creationId xmlns:a16="http://schemas.microsoft.com/office/drawing/2014/main" xmlns="" id="{E69917BF-2F45-6A09-7D88-35A718CBAA50}"/>
                   </a:ext>
                 </a:extLst>
               </p:cNvPr>
@@ -38117,7 +38121,7 @@
           <p:cNvPr id="4" name="Picture 8">
             <a:extLst>
               <a:ext uri="{FF2B5EF4-FFF2-40B4-BE49-F238E27FC236}">
-                <a16:creationId xmlns:a16="http://schemas.microsoft.com/office/drawing/2014/main" id="{E1C923F9-D8D5-387C-D5B7-782CE5422B74}"/>
+                <a16:creationId xmlns:a16="http://schemas.microsoft.com/office/drawing/2014/main" xmlns="" id="{E1C923F9-D8D5-387C-D5B7-782CE5422B74}"/>
               </a:ext>
             </a:extLst>
           </p:cNvPr>
@@ -38152,7 +38156,7 @@
           <p:cNvPr id="5" name="Picture 3">
             <a:extLst>
               <a:ext uri="{FF2B5EF4-FFF2-40B4-BE49-F238E27FC236}">
-                <a16:creationId xmlns:a16="http://schemas.microsoft.com/office/drawing/2014/main" id="{5F7D6C9C-2DF4-F962-D10F-5412C1DA0807}"/>
+                <a16:creationId xmlns:a16="http://schemas.microsoft.com/office/drawing/2014/main" xmlns="" id="{5F7D6C9C-2DF4-F962-D10F-5412C1DA0807}"/>
               </a:ext>
             </a:extLst>
           </p:cNvPr>
@@ -38187,7 +38191,7 @@
           <p:cNvPr id="7" name="Straight Arrow Connector 7">
             <a:extLst>
               <a:ext uri="{FF2B5EF4-FFF2-40B4-BE49-F238E27FC236}">
-                <a16:creationId xmlns:a16="http://schemas.microsoft.com/office/drawing/2014/main" id="{98A69CEB-47F4-A85F-762F-6622419002E6}"/>
+                <a16:creationId xmlns:a16="http://schemas.microsoft.com/office/drawing/2014/main" xmlns="" id="{98A69CEB-47F4-A85F-762F-6622419002E6}"/>
               </a:ext>
             </a:extLst>
           </p:cNvPr>
@@ -38233,7 +38237,7 @@
               <p:cNvPr id="8" name="TextBox 10">
                 <a:extLst>
                   <a:ext uri="{FF2B5EF4-FFF2-40B4-BE49-F238E27FC236}">
-                    <a16:creationId xmlns:a16="http://schemas.microsoft.com/office/drawing/2014/main" id="{54AC2781-3C16-CFC1-9D56-9FC370256E77}"/>
+                    <a16:creationId xmlns:a16="http://schemas.microsoft.com/office/drawing/2014/main" xmlns="" id="{54AC2781-3C16-CFC1-9D56-9FC370256E77}"/>
                   </a:ext>
                 </a:extLst>
               </p:cNvPr>
@@ -38325,7 +38329,7 @@
           <p:cNvPr id="2050" name="Picture 2">
             <a:extLst>
               <a:ext uri="{FF2B5EF4-FFF2-40B4-BE49-F238E27FC236}">
-                <a16:creationId xmlns:a16="http://schemas.microsoft.com/office/drawing/2014/main" id="{6232E825-A6A5-D6AD-ED62-433ACECDE117}"/>
+                <a16:creationId xmlns:a16="http://schemas.microsoft.com/office/drawing/2014/main" xmlns="" id="{6232E825-A6A5-D6AD-ED62-433ACECDE117}"/>
               </a:ext>
             </a:extLst>
           </p:cNvPr>
@@ -38400,7 +38404,7 @@
           <p:cNvPr id="2" name="Título 1">
             <a:extLst>
               <a:ext uri="{FF2B5EF4-FFF2-40B4-BE49-F238E27FC236}">
-                <a16:creationId xmlns:a16="http://schemas.microsoft.com/office/drawing/2014/main" id="{4A86A124-E47D-3417-36BC-8BEE00BC4668}"/>
+                <a16:creationId xmlns:a16="http://schemas.microsoft.com/office/drawing/2014/main" xmlns="" id="{4A86A124-E47D-3417-36BC-8BEE00BC4668}"/>
               </a:ext>
             </a:extLst>
           </p:cNvPr>
@@ -38430,7 +38434,7 @@
               <p:cNvPr id="3" name="Espaço Reservado para Conteúdo 2">
                 <a:extLst>
                   <a:ext uri="{FF2B5EF4-FFF2-40B4-BE49-F238E27FC236}">
-                    <a16:creationId xmlns:a16="http://schemas.microsoft.com/office/drawing/2014/main" id="{AD6B1EE1-E6EE-4E0B-FB14-A459C7084856}"/>
+                    <a16:creationId xmlns:a16="http://schemas.microsoft.com/office/drawing/2014/main" xmlns="" id="{AD6B1EE1-E6EE-4E0B-FB14-A459C7084856}"/>
                   </a:ext>
                 </a:extLst>
               </p:cNvPr>
@@ -38543,7 +38547,7 @@
           <p:cNvPr id="6" name="Agrupar 5">
             <a:extLst>
               <a:ext uri="{FF2B5EF4-FFF2-40B4-BE49-F238E27FC236}">
-                <a16:creationId xmlns:a16="http://schemas.microsoft.com/office/drawing/2014/main" id="{E0A98745-EC18-6F40-59B4-A8FC12CA3344}"/>
+                <a16:creationId xmlns:a16="http://schemas.microsoft.com/office/drawing/2014/main" xmlns="" id="{E0A98745-EC18-6F40-59B4-A8FC12CA3344}"/>
               </a:ext>
             </a:extLst>
           </p:cNvPr>
@@ -38563,7 +38567,7 @@
             <p:cNvPr id="4" name="Picture 4">
               <a:extLst>
                 <a:ext uri="{FF2B5EF4-FFF2-40B4-BE49-F238E27FC236}">
-                  <a16:creationId xmlns:a16="http://schemas.microsoft.com/office/drawing/2014/main" id="{5A818B0E-3846-85AC-CA3B-8E7732D8537B}"/>
+                  <a16:creationId xmlns:a16="http://schemas.microsoft.com/office/drawing/2014/main" xmlns="" id="{5A818B0E-3846-85AC-CA3B-8E7732D8537B}"/>
                 </a:ext>
               </a:extLst>
             </p:cNvPr>
@@ -38600,7 +38604,7 @@
                 <p:cNvPr id="5" name="Rectangle 5">
                   <a:extLst>
                     <a:ext uri="{FF2B5EF4-FFF2-40B4-BE49-F238E27FC236}">
-                      <a16:creationId xmlns:a16="http://schemas.microsoft.com/office/drawing/2014/main" id="{85F634B8-E175-3AAC-9CEE-E3119B65ED10}"/>
+                      <a16:creationId xmlns:a16="http://schemas.microsoft.com/office/drawing/2014/main" xmlns="" id="{85F634B8-E175-3AAC-9CEE-E3119B65ED10}"/>
                     </a:ext>
                   </a:extLst>
                 </p:cNvPr>

--- a/slides/T319_Regressão_Linear (Parte III).pptx
+++ b/slides/T319_Regressão_Linear (Parte III).pptx
@@ -6559,7 +6559,7 @@
           <p:cNvPr id="2" name="Título 1">
             <a:extLst>
               <a:ext uri="{FF2B5EF4-FFF2-40B4-BE49-F238E27FC236}">
-                <a16:creationId xmlns:a16="http://schemas.microsoft.com/office/drawing/2014/main" xmlns="" id="{32666AC8-2E17-4DB4-B0F5-60C640CCFD2E}"/>
+                <a16:creationId xmlns="" xmlns:a16="http://schemas.microsoft.com/office/drawing/2014/main" id="{32666AC8-2E17-4DB4-B0F5-60C640CCFD2E}"/>
               </a:ext>
             </a:extLst>
           </p:cNvPr>
@@ -6605,7 +6605,7 @@
           <p:cNvPr id="4" name="CaixaDeTexto 3">
             <a:extLst>
               <a:ext uri="{FF2B5EF4-FFF2-40B4-BE49-F238E27FC236}">
-                <a16:creationId xmlns:a16="http://schemas.microsoft.com/office/drawing/2014/main" xmlns="" id="{430EB894-B7D4-434C-9D1A-A14094D9BEEC}"/>
+                <a16:creationId xmlns="" xmlns:a16="http://schemas.microsoft.com/office/drawing/2014/main" id="{430EB894-B7D4-434C-9D1A-A14094D9BEEC}"/>
               </a:ext>
             </a:extLst>
           </p:cNvPr>
@@ -6646,7 +6646,7 @@
           <p:cNvPr id="1026" name="Picture 2" descr="Logo">
             <a:extLst>
               <a:ext uri="{FF2B5EF4-FFF2-40B4-BE49-F238E27FC236}">
-                <a16:creationId xmlns:a16="http://schemas.microsoft.com/office/drawing/2014/main" xmlns="" id="{3F2642E0-4F6A-4196-8F58-E77D36E9A33F}"/>
+                <a16:creationId xmlns="" xmlns:a16="http://schemas.microsoft.com/office/drawing/2014/main" id="{3F2642E0-4F6A-4196-8F58-E77D36E9A33F}"/>
               </a:ext>
             </a:extLst>
           </p:cNvPr>
@@ -6691,7 +6691,7 @@
           <p:cNvPr id="5122" name="Picture 2" descr="Image result for machine learning">
             <a:extLst>
               <a:ext uri="{FF2B5EF4-FFF2-40B4-BE49-F238E27FC236}">
-                <a16:creationId xmlns:a16="http://schemas.microsoft.com/office/drawing/2014/main" xmlns="" id="{810CE0A2-4102-44A6-A370-175E7896CDCB}"/>
+                <a16:creationId xmlns="" xmlns:a16="http://schemas.microsoft.com/office/drawing/2014/main" id="{810CE0A2-4102-44A6-A370-175E7896CDCB}"/>
               </a:ext>
             </a:extLst>
           </p:cNvPr>
@@ -6766,7 +6766,7 @@
           <p:cNvPr id="2" name="Título 1">
             <a:extLst>
               <a:ext uri="{FF2B5EF4-FFF2-40B4-BE49-F238E27FC236}">
-                <a16:creationId xmlns:a16="http://schemas.microsoft.com/office/drawing/2014/main" xmlns="" id="{4A86A124-E47D-3417-36BC-8BEE00BC4668}"/>
+                <a16:creationId xmlns="" xmlns:a16="http://schemas.microsoft.com/office/drawing/2014/main" id="{4A86A124-E47D-3417-36BC-8BEE00BC4668}"/>
               </a:ext>
             </a:extLst>
           </p:cNvPr>
@@ -6794,7 +6794,7 @@
           <p:cNvPr id="3" name="Espaço Reservado para Conteúdo 2">
             <a:extLst>
               <a:ext uri="{FF2B5EF4-FFF2-40B4-BE49-F238E27FC236}">
-                <a16:creationId xmlns:a16="http://schemas.microsoft.com/office/drawing/2014/main" xmlns="" id="{AD6B1EE1-E6EE-4E0B-FB14-A459C7084856}"/>
+                <a16:creationId xmlns="" xmlns:a16="http://schemas.microsoft.com/office/drawing/2014/main" id="{AD6B1EE1-E6EE-4E0B-FB14-A459C7084856}"/>
               </a:ext>
             </a:extLst>
           </p:cNvPr>
@@ -6899,7 +6899,7 @@
           <p:cNvPr id="6" name="Agrupar 5">
             <a:extLst>
               <a:ext uri="{FF2B5EF4-FFF2-40B4-BE49-F238E27FC236}">
-                <a16:creationId xmlns:a16="http://schemas.microsoft.com/office/drawing/2014/main" xmlns="" id="{E0A98745-EC18-6F40-59B4-A8FC12CA3344}"/>
+                <a16:creationId xmlns="" xmlns:a16="http://schemas.microsoft.com/office/drawing/2014/main" id="{E0A98745-EC18-6F40-59B4-A8FC12CA3344}"/>
               </a:ext>
             </a:extLst>
           </p:cNvPr>
@@ -6919,7 +6919,7 @@
             <p:cNvPr id="4" name="Picture 4">
               <a:extLst>
                 <a:ext uri="{FF2B5EF4-FFF2-40B4-BE49-F238E27FC236}">
-                  <a16:creationId xmlns:a16="http://schemas.microsoft.com/office/drawing/2014/main" xmlns="" id="{5A818B0E-3846-85AC-CA3B-8E7732D8537B}"/>
+                  <a16:creationId xmlns="" xmlns:a16="http://schemas.microsoft.com/office/drawing/2014/main" id="{5A818B0E-3846-85AC-CA3B-8E7732D8537B}"/>
                 </a:ext>
               </a:extLst>
             </p:cNvPr>
@@ -6956,7 +6956,7 @@
                 <p:cNvPr id="5" name="Rectangle 5">
                   <a:extLst>
                     <a:ext uri="{FF2B5EF4-FFF2-40B4-BE49-F238E27FC236}">
-                      <a16:creationId xmlns:a16="http://schemas.microsoft.com/office/drawing/2014/main" xmlns="" id="{85F634B8-E175-3AAC-9CEE-E3119B65ED10}"/>
+                      <a16:creationId xmlns="" xmlns:a16="http://schemas.microsoft.com/office/drawing/2014/main" id="{85F634B8-E175-3AAC-9CEE-E3119B65ED10}"/>
                     </a:ext>
                   </a:extLst>
                 </p:cNvPr>
@@ -7090,7 +7090,7 @@
           <p:cNvPr id="2" name="Título 1">
             <a:extLst>
               <a:ext uri="{FF2B5EF4-FFF2-40B4-BE49-F238E27FC236}">
-                <a16:creationId xmlns:a16="http://schemas.microsoft.com/office/drawing/2014/main" xmlns="" id="{4A86A124-E47D-3417-36BC-8BEE00BC4668}"/>
+                <a16:creationId xmlns="" xmlns:a16="http://schemas.microsoft.com/office/drawing/2014/main" id="{4A86A124-E47D-3417-36BC-8BEE00BC4668}"/>
               </a:ext>
             </a:extLst>
           </p:cNvPr>
@@ -7120,7 +7120,7 @@
               <p:cNvPr id="3" name="Espaço Reservado para Conteúdo 2">
                 <a:extLst>
                   <a:ext uri="{FF2B5EF4-FFF2-40B4-BE49-F238E27FC236}">
-                    <a16:creationId xmlns:a16="http://schemas.microsoft.com/office/drawing/2014/main" xmlns="" id="{AD6B1EE1-E6EE-4E0B-FB14-A459C7084856}"/>
+                    <a16:creationId xmlns="" xmlns:a16="http://schemas.microsoft.com/office/drawing/2014/main" id="{AD6B1EE1-E6EE-4E0B-FB14-A459C7084856}"/>
                   </a:ext>
                 </a:extLst>
               </p:cNvPr>
@@ -7307,7 +7307,7 @@
           <p:cNvPr id="6" name="Picture 7">
             <a:extLst>
               <a:ext uri="{FF2B5EF4-FFF2-40B4-BE49-F238E27FC236}">
-                <a16:creationId xmlns:a16="http://schemas.microsoft.com/office/drawing/2014/main" xmlns="" id="{29582EC0-E28F-B3E1-4D3A-BFB180B43200}"/>
+                <a16:creationId xmlns="" xmlns:a16="http://schemas.microsoft.com/office/drawing/2014/main" id="{29582EC0-E28F-B3E1-4D3A-BFB180B43200}"/>
               </a:ext>
             </a:extLst>
           </p:cNvPr>
@@ -7342,7 +7342,7 @@
           <p:cNvPr id="7" name="Picture 5">
             <a:extLst>
               <a:ext uri="{FF2B5EF4-FFF2-40B4-BE49-F238E27FC236}">
-                <a16:creationId xmlns:a16="http://schemas.microsoft.com/office/drawing/2014/main" xmlns="" id="{070A2BD3-D0B6-B61F-E496-0B0E7C544D63}"/>
+                <a16:creationId xmlns="" xmlns:a16="http://schemas.microsoft.com/office/drawing/2014/main" id="{070A2BD3-D0B6-B61F-E496-0B0E7C544D63}"/>
               </a:ext>
             </a:extLst>
           </p:cNvPr>
@@ -7377,7 +7377,7 @@
           <p:cNvPr id="9" name="Straight Arrow Connector 23">
             <a:extLst>
               <a:ext uri="{FF2B5EF4-FFF2-40B4-BE49-F238E27FC236}">
-                <a16:creationId xmlns:a16="http://schemas.microsoft.com/office/drawing/2014/main" xmlns="" id="{FCFA597F-5193-525D-A4F3-5192D411BA64}"/>
+                <a16:creationId xmlns="" xmlns:a16="http://schemas.microsoft.com/office/drawing/2014/main" id="{FCFA597F-5193-525D-A4F3-5192D411BA64}"/>
               </a:ext>
             </a:extLst>
           </p:cNvPr>
@@ -7424,7 +7424,7 @@
               <p:cNvPr id="10" name="TextBox 24">
                 <a:extLst>
                   <a:ext uri="{FF2B5EF4-FFF2-40B4-BE49-F238E27FC236}">
-                    <a16:creationId xmlns:a16="http://schemas.microsoft.com/office/drawing/2014/main" xmlns="" id="{E5B364EB-3E10-6499-FB8E-A0CF2D069362}"/>
+                    <a16:creationId xmlns="" xmlns:a16="http://schemas.microsoft.com/office/drawing/2014/main" id="{E5B364EB-3E10-6499-FB8E-A0CF2D069362}"/>
                   </a:ext>
                 </a:extLst>
               </p:cNvPr>
@@ -7516,7 +7516,7 @@
           <p:cNvPr id="3074" name="Picture 2">
             <a:extLst>
               <a:ext uri="{FF2B5EF4-FFF2-40B4-BE49-F238E27FC236}">
-                <a16:creationId xmlns:a16="http://schemas.microsoft.com/office/drawing/2014/main" xmlns="" id="{D97E89BE-830C-9FF1-89B2-40ABC6CE0F0D}"/>
+                <a16:creationId xmlns="" xmlns:a16="http://schemas.microsoft.com/office/drawing/2014/main" id="{D97E89BE-830C-9FF1-89B2-40ABC6CE0F0D}"/>
               </a:ext>
             </a:extLst>
           </p:cNvPr>
@@ -7591,7 +7591,7 @@
           <p:cNvPr id="2" name="Título 1">
             <a:extLst>
               <a:ext uri="{FF2B5EF4-FFF2-40B4-BE49-F238E27FC236}">
-                <a16:creationId xmlns:a16="http://schemas.microsoft.com/office/drawing/2014/main" xmlns="" id="{05A5A032-6954-55F0-305E-6B33F6A71483}"/>
+                <a16:creationId xmlns="" xmlns:a16="http://schemas.microsoft.com/office/drawing/2014/main" id="{05A5A032-6954-55F0-305E-6B33F6A71483}"/>
               </a:ext>
             </a:extLst>
           </p:cNvPr>
@@ -7619,7 +7619,7 @@
           <p:cNvPr id="3" name="Espaço Reservado para Conteúdo 2">
             <a:extLst>
               <a:ext uri="{FF2B5EF4-FFF2-40B4-BE49-F238E27FC236}">
-                <a16:creationId xmlns:a16="http://schemas.microsoft.com/office/drawing/2014/main" xmlns="" id="{8412B770-C618-DF43-C765-CC948AA99CA7}"/>
+                <a16:creationId xmlns="" xmlns:a16="http://schemas.microsoft.com/office/drawing/2014/main" id="{8412B770-C618-DF43-C765-CC948AA99CA7}"/>
               </a:ext>
             </a:extLst>
           </p:cNvPr>
@@ -7708,7 +7708,7 @@
           <p:cNvPr id="4" name="Picture 7">
             <a:extLst>
               <a:ext uri="{FF2B5EF4-FFF2-40B4-BE49-F238E27FC236}">
-                <a16:creationId xmlns:a16="http://schemas.microsoft.com/office/drawing/2014/main" xmlns="" id="{3AA8C8C3-3C48-8D40-77C8-31C7934D9AE5}"/>
+                <a16:creationId xmlns="" xmlns:a16="http://schemas.microsoft.com/office/drawing/2014/main" id="{3AA8C8C3-3C48-8D40-77C8-31C7934D9AE5}"/>
               </a:ext>
             </a:extLst>
           </p:cNvPr>
@@ -7773,7 +7773,7 @@
           <p:cNvPr id="2" name="Título 1">
             <a:extLst>
               <a:ext uri="{FF2B5EF4-FFF2-40B4-BE49-F238E27FC236}">
-                <a16:creationId xmlns:a16="http://schemas.microsoft.com/office/drawing/2014/main" xmlns="" id="{5EF6A69E-096D-D007-28F5-17618266C5EB}"/>
+                <a16:creationId xmlns="" xmlns:a16="http://schemas.microsoft.com/office/drawing/2014/main" id="{5EF6A69E-096D-D007-28F5-17618266C5EB}"/>
               </a:ext>
             </a:extLst>
           </p:cNvPr>
@@ -7801,7 +7801,7 @@
           <p:cNvPr id="3" name="Espaço Reservado para Conteúdo 2">
             <a:extLst>
               <a:ext uri="{FF2B5EF4-FFF2-40B4-BE49-F238E27FC236}">
-                <a16:creationId xmlns:a16="http://schemas.microsoft.com/office/drawing/2014/main" xmlns="" id="{5323D308-AFC7-C3C4-ED4E-8ADAA65191E4}"/>
+                <a16:creationId xmlns="" xmlns:a16="http://schemas.microsoft.com/office/drawing/2014/main" id="{5323D308-AFC7-C3C4-ED4E-8ADAA65191E4}"/>
               </a:ext>
             </a:extLst>
           </p:cNvPr>
@@ -7988,7 +7988,7 @@
           <p:cNvPr id="9" name="Imagem 8">
             <a:extLst>
               <a:ext uri="{FF2B5EF4-FFF2-40B4-BE49-F238E27FC236}">
-                <a16:creationId xmlns:a16="http://schemas.microsoft.com/office/drawing/2014/main" xmlns="" id="{6293314C-8B6C-5D4F-5881-F59368845658}"/>
+                <a16:creationId xmlns="" xmlns:a16="http://schemas.microsoft.com/office/drawing/2014/main" id="{6293314C-8B6C-5D4F-5881-F59368845658}"/>
               </a:ext>
             </a:extLst>
           </p:cNvPr>
@@ -8023,7 +8023,7 @@
           <p:cNvPr id="10" name="Picture 45">
             <a:extLst>
               <a:ext uri="{FF2B5EF4-FFF2-40B4-BE49-F238E27FC236}">
-                <a16:creationId xmlns:a16="http://schemas.microsoft.com/office/drawing/2014/main" xmlns="" id="{66C6627B-DA15-B458-83D7-BE121EE1615D}"/>
+                <a16:creationId xmlns="" xmlns:a16="http://schemas.microsoft.com/office/drawing/2014/main" id="{66C6627B-DA15-B458-83D7-BE121EE1615D}"/>
               </a:ext>
             </a:extLst>
           </p:cNvPr>
@@ -8058,7 +8058,7 @@
           <p:cNvPr id="11" name="Right Arrow 50">
             <a:extLst>
               <a:ext uri="{FF2B5EF4-FFF2-40B4-BE49-F238E27FC236}">
-                <a16:creationId xmlns:a16="http://schemas.microsoft.com/office/drawing/2014/main" xmlns="" id="{4EB6EC90-C16B-1D01-E136-93055342AD29}"/>
+                <a16:creationId xmlns="" xmlns:a16="http://schemas.microsoft.com/office/drawing/2014/main" id="{4EB6EC90-C16B-1D01-E136-93055342AD29}"/>
               </a:ext>
             </a:extLst>
           </p:cNvPr>
@@ -8140,7 +8140,7 @@
           <p:cNvPr id="2" name="Título 1">
             <a:extLst>
               <a:ext uri="{FF2B5EF4-FFF2-40B4-BE49-F238E27FC236}">
-                <a16:creationId xmlns:a16="http://schemas.microsoft.com/office/drawing/2014/main" xmlns="" id="{5EF6A69E-096D-D007-28F5-17618266C5EB}"/>
+                <a16:creationId xmlns="" xmlns:a16="http://schemas.microsoft.com/office/drawing/2014/main" id="{5EF6A69E-096D-D007-28F5-17618266C5EB}"/>
               </a:ext>
             </a:extLst>
           </p:cNvPr>
@@ -8168,7 +8168,7 @@
           <p:cNvPr id="3" name="Espaço Reservado para Conteúdo 2">
             <a:extLst>
               <a:ext uri="{FF2B5EF4-FFF2-40B4-BE49-F238E27FC236}">
-                <a16:creationId xmlns:a16="http://schemas.microsoft.com/office/drawing/2014/main" xmlns="" id="{5323D308-AFC7-C3C4-ED4E-8ADAA65191E4}"/>
+                <a16:creationId xmlns="" xmlns:a16="http://schemas.microsoft.com/office/drawing/2014/main" id="{5323D308-AFC7-C3C4-ED4E-8ADAA65191E4}"/>
               </a:ext>
             </a:extLst>
           </p:cNvPr>
@@ -8289,7 +8289,7 @@
           <p:cNvPr id="7" name="Imagem 6">
             <a:extLst>
               <a:ext uri="{FF2B5EF4-FFF2-40B4-BE49-F238E27FC236}">
-                <a16:creationId xmlns:a16="http://schemas.microsoft.com/office/drawing/2014/main" xmlns="" id="{2A4D98EC-18C1-B474-4AD7-1E84455AA95B}"/>
+                <a16:creationId xmlns="" xmlns:a16="http://schemas.microsoft.com/office/drawing/2014/main" id="{2A4D98EC-18C1-B474-4AD7-1E84455AA95B}"/>
               </a:ext>
             </a:extLst>
           </p:cNvPr>
@@ -8325,7 +8325,7 @@
           <p:cNvPr id="9" name="Picture 46">
             <a:extLst>
               <a:ext uri="{FF2B5EF4-FFF2-40B4-BE49-F238E27FC236}">
-                <a16:creationId xmlns:a16="http://schemas.microsoft.com/office/drawing/2014/main" xmlns="" id="{C7BFA423-C107-AD7A-127F-D33717E52BCE}"/>
+                <a16:creationId xmlns="" xmlns:a16="http://schemas.microsoft.com/office/drawing/2014/main" id="{C7BFA423-C107-AD7A-127F-D33717E52BCE}"/>
               </a:ext>
             </a:extLst>
           </p:cNvPr>
@@ -8360,7 +8360,7 @@
           <p:cNvPr id="10" name="Right Arrow 50">
             <a:extLst>
               <a:ext uri="{FF2B5EF4-FFF2-40B4-BE49-F238E27FC236}">
-                <a16:creationId xmlns:a16="http://schemas.microsoft.com/office/drawing/2014/main" xmlns="" id="{BA2D2D3D-32FC-6420-C5CF-5B8A6005C115}"/>
+                <a16:creationId xmlns="" xmlns:a16="http://schemas.microsoft.com/office/drawing/2014/main" id="{BA2D2D3D-32FC-6420-C5CF-5B8A6005C115}"/>
               </a:ext>
             </a:extLst>
           </p:cNvPr>
@@ -8442,7 +8442,7 @@
           <p:cNvPr id="2" name="Título 1">
             <a:extLst>
               <a:ext uri="{FF2B5EF4-FFF2-40B4-BE49-F238E27FC236}">
-                <a16:creationId xmlns:a16="http://schemas.microsoft.com/office/drawing/2014/main" xmlns="" id="{5EF6A69E-096D-D007-28F5-17618266C5EB}"/>
+                <a16:creationId xmlns="" xmlns:a16="http://schemas.microsoft.com/office/drawing/2014/main" id="{5EF6A69E-096D-D007-28F5-17618266C5EB}"/>
               </a:ext>
             </a:extLst>
           </p:cNvPr>
@@ -8470,7 +8470,7 @@
           <p:cNvPr id="3" name="Espaço Reservado para Conteúdo 2">
             <a:extLst>
               <a:ext uri="{FF2B5EF4-FFF2-40B4-BE49-F238E27FC236}">
-                <a16:creationId xmlns:a16="http://schemas.microsoft.com/office/drawing/2014/main" xmlns="" id="{5323D308-AFC7-C3C4-ED4E-8ADAA65191E4}"/>
+                <a16:creationId xmlns="" xmlns:a16="http://schemas.microsoft.com/office/drawing/2014/main" id="{5323D308-AFC7-C3C4-ED4E-8ADAA65191E4}"/>
               </a:ext>
             </a:extLst>
           </p:cNvPr>
@@ -8583,7 +8583,7 @@
           <p:cNvPr id="5" name="Imagem 4">
             <a:extLst>
               <a:ext uri="{FF2B5EF4-FFF2-40B4-BE49-F238E27FC236}">
-                <a16:creationId xmlns:a16="http://schemas.microsoft.com/office/drawing/2014/main" xmlns="" id="{D0FC005A-1D53-9B54-E0D7-5694609ACA1D}"/>
+                <a16:creationId xmlns="" xmlns:a16="http://schemas.microsoft.com/office/drawing/2014/main" id="{D0FC005A-1D53-9B54-E0D7-5694609ACA1D}"/>
               </a:ext>
             </a:extLst>
           </p:cNvPr>
@@ -8619,7 +8619,7 @@
           <p:cNvPr id="6" name="Picture 47">
             <a:extLst>
               <a:ext uri="{FF2B5EF4-FFF2-40B4-BE49-F238E27FC236}">
-                <a16:creationId xmlns:a16="http://schemas.microsoft.com/office/drawing/2014/main" xmlns="" id="{1B70BF55-F459-13C2-D9A0-CD0EAFBFA24D}"/>
+                <a16:creationId xmlns="" xmlns:a16="http://schemas.microsoft.com/office/drawing/2014/main" id="{1B70BF55-F459-13C2-D9A0-CD0EAFBFA24D}"/>
               </a:ext>
             </a:extLst>
           </p:cNvPr>
@@ -8654,7 +8654,7 @@
           <p:cNvPr id="8" name="Right Arrow 50">
             <a:extLst>
               <a:ext uri="{FF2B5EF4-FFF2-40B4-BE49-F238E27FC236}">
-                <a16:creationId xmlns:a16="http://schemas.microsoft.com/office/drawing/2014/main" xmlns="" id="{4CE3CAAF-5324-581B-5F00-C22061374152}"/>
+                <a16:creationId xmlns="" xmlns:a16="http://schemas.microsoft.com/office/drawing/2014/main" id="{4CE3CAAF-5324-581B-5F00-C22061374152}"/>
               </a:ext>
             </a:extLst>
           </p:cNvPr>
@@ -8736,7 +8736,7 @@
           <p:cNvPr id="2" name="Título 1">
             <a:extLst>
               <a:ext uri="{FF2B5EF4-FFF2-40B4-BE49-F238E27FC236}">
-                <a16:creationId xmlns:a16="http://schemas.microsoft.com/office/drawing/2014/main" xmlns="" id="{5EF6A69E-096D-D007-28F5-17618266C5EB}"/>
+                <a16:creationId xmlns="" xmlns:a16="http://schemas.microsoft.com/office/drawing/2014/main" id="{5EF6A69E-096D-D007-28F5-17618266C5EB}"/>
               </a:ext>
             </a:extLst>
           </p:cNvPr>
@@ -8764,7 +8764,7 @@
           <p:cNvPr id="8" name="Espaço Reservado para Conteúdo 7">
             <a:extLst>
               <a:ext uri="{FF2B5EF4-FFF2-40B4-BE49-F238E27FC236}">
-                <a16:creationId xmlns:a16="http://schemas.microsoft.com/office/drawing/2014/main" xmlns="" id="{7B9D9473-4E8E-377D-B1BB-4267C247D364}"/>
+                <a16:creationId xmlns="" xmlns:a16="http://schemas.microsoft.com/office/drawing/2014/main" id="{7B9D9473-4E8E-377D-B1BB-4267C247D364}"/>
               </a:ext>
             </a:extLst>
           </p:cNvPr>
@@ -8845,7 +8845,7 @@
           <p:cNvPr id="9" name="Espaço Reservado para Conteúdo 5">
             <a:extLst>
               <a:ext uri="{FF2B5EF4-FFF2-40B4-BE49-F238E27FC236}">
-                <a16:creationId xmlns:a16="http://schemas.microsoft.com/office/drawing/2014/main" xmlns="" id="{35860255-3691-3223-4E56-075772F72262}"/>
+                <a16:creationId xmlns="" xmlns:a16="http://schemas.microsoft.com/office/drawing/2014/main" id="{35860255-3691-3223-4E56-075772F72262}"/>
               </a:ext>
             </a:extLst>
           </p:cNvPr>
@@ -8881,7 +8881,7 @@
           <p:cNvPr id="10" name="Picture 48">
             <a:extLst>
               <a:ext uri="{FF2B5EF4-FFF2-40B4-BE49-F238E27FC236}">
-                <a16:creationId xmlns:a16="http://schemas.microsoft.com/office/drawing/2014/main" xmlns="" id="{D5B8F54A-8717-FA32-510A-0E14A5CF8749}"/>
+                <a16:creationId xmlns="" xmlns:a16="http://schemas.microsoft.com/office/drawing/2014/main" id="{D5B8F54A-8717-FA32-510A-0E14A5CF8749}"/>
               </a:ext>
             </a:extLst>
           </p:cNvPr>
@@ -8916,7 +8916,7 @@
           <p:cNvPr id="11" name="Right Arrow 50">
             <a:extLst>
               <a:ext uri="{FF2B5EF4-FFF2-40B4-BE49-F238E27FC236}">
-                <a16:creationId xmlns:a16="http://schemas.microsoft.com/office/drawing/2014/main" xmlns="" id="{05CC92E3-E5FB-1345-F6D4-88C0AEB16050}"/>
+                <a16:creationId xmlns="" xmlns:a16="http://schemas.microsoft.com/office/drawing/2014/main" id="{05CC92E3-E5FB-1345-F6D4-88C0AEB16050}"/>
               </a:ext>
             </a:extLst>
           </p:cNvPr>
@@ -8998,7 +8998,7 @@
           <p:cNvPr id="2" name="Título 1">
             <a:extLst>
               <a:ext uri="{FF2B5EF4-FFF2-40B4-BE49-F238E27FC236}">
-                <a16:creationId xmlns:a16="http://schemas.microsoft.com/office/drawing/2014/main" xmlns="" id="{E3B1AA5C-2DDF-9C9C-CE89-50D9B6F2FC20}"/>
+                <a16:creationId xmlns="" xmlns:a16="http://schemas.microsoft.com/office/drawing/2014/main" id="{E3B1AA5C-2DDF-9C9C-CE89-50D9B6F2FC20}"/>
               </a:ext>
             </a:extLst>
           </p:cNvPr>
@@ -9028,7 +9028,7 @@
               <p:cNvPr id="3" name="Espaço Reservado para Conteúdo 2">
                 <a:extLst>
                   <a:ext uri="{FF2B5EF4-FFF2-40B4-BE49-F238E27FC236}">
-                    <a16:creationId xmlns:a16="http://schemas.microsoft.com/office/drawing/2014/main" xmlns="" id="{83A38DD3-AAC8-CEBB-5966-BFE9490F478F}"/>
+                    <a16:creationId xmlns="" xmlns:a16="http://schemas.microsoft.com/office/drawing/2014/main" id="{83A38DD3-AAC8-CEBB-5966-BFE9490F478F}"/>
                   </a:ext>
                 </a:extLst>
               </p:cNvPr>
@@ -9328,7 +9328,7 @@
           <p:cNvPr id="2" name="Título 1">
             <a:extLst>
               <a:ext uri="{FF2B5EF4-FFF2-40B4-BE49-F238E27FC236}">
-                <a16:creationId xmlns:a16="http://schemas.microsoft.com/office/drawing/2014/main" xmlns="" id="{8FE2DAD2-5657-42A1-35B9-4BB9FD00F794}"/>
+                <a16:creationId xmlns="" xmlns:a16="http://schemas.microsoft.com/office/drawing/2014/main" id="{8FE2DAD2-5657-42A1-35B9-4BB9FD00F794}"/>
               </a:ext>
             </a:extLst>
           </p:cNvPr>
@@ -9358,7 +9358,7 @@
               <p:cNvPr id="3" name="Espaço Reservado para Conteúdo 2">
                 <a:extLst>
                   <a:ext uri="{FF2B5EF4-FFF2-40B4-BE49-F238E27FC236}">
-                    <a16:creationId xmlns:a16="http://schemas.microsoft.com/office/drawing/2014/main" xmlns="" id="{90C1EAA3-4293-62D4-5778-91C90AA88537}"/>
+                    <a16:creationId xmlns="" xmlns:a16="http://schemas.microsoft.com/office/drawing/2014/main" id="{90C1EAA3-4293-62D4-5778-91C90AA88537}"/>
                   </a:ext>
                 </a:extLst>
               </p:cNvPr>
@@ -9790,7 +9790,7 @@
           <p:cNvPr id="5" name="Retângulo 4">
             <a:extLst>
               <a:ext uri="{FF2B5EF4-FFF2-40B4-BE49-F238E27FC236}">
-                <a16:creationId xmlns:a16="http://schemas.microsoft.com/office/drawing/2014/main" xmlns="" id="{F3C49CDB-DEA1-DD50-127B-71A2D929D6C4}"/>
+                <a16:creationId xmlns="" xmlns:a16="http://schemas.microsoft.com/office/drawing/2014/main" id="{F3C49CDB-DEA1-DD50-127B-71A2D929D6C4}"/>
               </a:ext>
             </a:extLst>
           </p:cNvPr>
@@ -9872,7 +9872,7 @@
           <p:cNvPr id="2" name="Título 1">
             <a:extLst>
               <a:ext uri="{FF2B5EF4-FFF2-40B4-BE49-F238E27FC236}">
-                <a16:creationId xmlns:a16="http://schemas.microsoft.com/office/drawing/2014/main" xmlns="" id="{5DB853DE-E713-4707-319D-273A1EFA97B0}"/>
+                <a16:creationId xmlns="" xmlns:a16="http://schemas.microsoft.com/office/drawing/2014/main" id="{5DB853DE-E713-4707-319D-273A1EFA97B0}"/>
               </a:ext>
             </a:extLst>
           </p:cNvPr>
@@ -9902,7 +9902,7 @@
               <p:cNvPr id="3" name="Espaço Reservado para Conteúdo 2">
                 <a:extLst>
                   <a:ext uri="{FF2B5EF4-FFF2-40B4-BE49-F238E27FC236}">
-                    <a16:creationId xmlns:a16="http://schemas.microsoft.com/office/drawing/2014/main" xmlns="" id="{233A3F22-CF42-B5C5-F43D-BEC6A4313FC6}"/>
+                    <a16:creationId xmlns="" xmlns:a16="http://schemas.microsoft.com/office/drawing/2014/main" id="{233A3F22-CF42-B5C5-F43D-BEC6A4313FC6}"/>
                   </a:ext>
                 </a:extLst>
               </p:cNvPr>
@@ -10825,7 +10825,7 @@
           <p:cNvPr id="2" name="Título 1">
             <a:extLst>
               <a:ext uri="{FF2B5EF4-FFF2-40B4-BE49-F238E27FC236}">
-                <a16:creationId xmlns:a16="http://schemas.microsoft.com/office/drawing/2014/main" xmlns="" id="{8FE2DAD2-5657-42A1-35B9-4BB9FD00F794}"/>
+                <a16:creationId xmlns="" xmlns:a16="http://schemas.microsoft.com/office/drawing/2014/main" id="{8FE2DAD2-5657-42A1-35B9-4BB9FD00F794}"/>
               </a:ext>
             </a:extLst>
           </p:cNvPr>
@@ -10848,14 +10848,14 @@
           </a:p>
         </p:txBody>
       </p:sp>
-      <mc:AlternateContent xmlns:mc="http://schemas.openxmlformats.org/markup-compatibility/2006" xmlns:a14="http://schemas.microsoft.com/office/drawing/2010/main">
-        <mc:Choice Requires="a14">
+      <mc:AlternateContent xmlns:mc="http://schemas.openxmlformats.org/markup-compatibility/2006">
+        <mc:Choice xmlns:a14="http://schemas.microsoft.com/office/drawing/2010/main" Requires="a14">
           <p:sp>
             <p:nvSpPr>
               <p:cNvPr id="3" name="Espaço Reservado para Conteúdo 2">
                 <a:extLst>
                   <a:ext uri="{FF2B5EF4-FFF2-40B4-BE49-F238E27FC236}">
-                    <a16:creationId xmlns:a16="http://schemas.microsoft.com/office/drawing/2014/main" xmlns="" id="{90C1EAA3-4293-62D4-5778-91C90AA88537}"/>
+                    <a16:creationId xmlns="" xmlns:a16="http://schemas.microsoft.com/office/drawing/2014/main" id="{90C1EAA3-4293-62D4-5778-91C90AA88537}"/>
                   </a:ext>
                 </a:extLst>
               </p:cNvPr>
@@ -11318,7 +11318,15 @@
                 </a:r>
                 <a:r>
                   <a:rPr lang="pt-BR" dirty="0"/>
-                  <a:t>, determina a quantidade de estimativas anteriores que são considerados no cálculo da média.</a:t>
+                  <a:t>, determina a quantidade de estimativas anteriores que são </a:t>
+                </a:r>
+                <a:r>
+                  <a:rPr lang="pt-BR" dirty="0" smtClean="0"/>
+                  <a:t>consideradas </a:t>
+                </a:r>
+                <a:r>
+                  <a:rPr lang="pt-BR" dirty="0"/>
+                  <a:t>no cálculo da média.</a:t>
                 </a:r>
               </a:p>
               <a:p>
@@ -11384,13 +11392,13 @@
             </p:txBody>
           </p:sp>
         </mc:Choice>
-        <mc:Fallback xmlns="">
+        <mc:Fallback>
           <p:sp>
             <p:nvSpPr>
               <p:cNvPr id="3" name="Espaço Reservado para Conteúdo 2">
                 <a:extLst>
                   <a:ext uri="{FF2B5EF4-FFF2-40B4-BE49-F238E27FC236}">
-                    <a16:creationId xmlns:a16="http://schemas.microsoft.com/office/drawing/2014/main" id="{90C1EAA3-4293-62D4-5778-91C90AA88537}"/>
+                    <a16:creationId xmlns="" xmlns:a16="http://schemas.microsoft.com/office/drawing/2014/main" xmlns:a14="http://schemas.microsoft.com/office/drawing/2010/main" id="{90C1EAA3-4293-62D4-5778-91C90AA88537}"/>
                   </a:ext>
                 </a:extLst>
               </p:cNvPr>
@@ -11406,7 +11414,7 @@
                 <a:off x="838199" y="1825624"/>
                 <a:ext cx="11112501" cy="5032375"/>
               </a:xfrm>
-              <a:blipFill>
+              <a:blipFill rotWithShape="0">
                 <a:blip r:embed="rId2"/>
                 <a:stretch>
                   <a:fillRect l="-1097" t="-1937"/>
@@ -11463,7 +11471,7 @@
           <p:cNvPr id="2" name="Título 1">
             <a:extLst>
               <a:ext uri="{FF2B5EF4-FFF2-40B4-BE49-F238E27FC236}">
-                <a16:creationId xmlns:a16="http://schemas.microsoft.com/office/drawing/2014/main" xmlns="" id="{8FE2DAD2-5657-42A1-35B9-4BB9FD00F794}"/>
+                <a16:creationId xmlns="" xmlns:a16="http://schemas.microsoft.com/office/drawing/2014/main" id="{8FE2DAD2-5657-42A1-35B9-4BB9FD00F794}"/>
               </a:ext>
             </a:extLst>
           </p:cNvPr>
@@ -11491,14 +11499,14 @@
           </a:p>
         </p:txBody>
       </p:sp>
-      <mc:AlternateContent xmlns:mc="http://schemas.openxmlformats.org/markup-compatibility/2006" xmlns:a14="http://schemas.microsoft.com/office/drawing/2010/main">
-        <mc:Choice Requires="a14">
+      <mc:AlternateContent xmlns:mc="http://schemas.openxmlformats.org/markup-compatibility/2006">
+        <mc:Choice xmlns:a14="http://schemas.microsoft.com/office/drawing/2010/main" Requires="a14">
           <p:sp>
             <p:nvSpPr>
               <p:cNvPr id="3" name="Espaço Reservado para Conteúdo 2">
                 <a:extLst>
                   <a:ext uri="{FF2B5EF4-FFF2-40B4-BE49-F238E27FC236}">
-                    <a16:creationId xmlns:a16="http://schemas.microsoft.com/office/drawing/2014/main" xmlns="" id="{90C1EAA3-4293-62D4-5778-91C90AA88537}"/>
+                    <a16:creationId xmlns="" xmlns:a16="http://schemas.microsoft.com/office/drawing/2014/main" id="{90C1EAA3-4293-62D4-5778-91C90AA88537}"/>
                   </a:ext>
                 </a:extLst>
               </p:cNvPr>
@@ -11588,7 +11596,23 @@
                       <a:srgbClr val="00B050"/>
                     </a:solidFill>
                   </a:rPr>
-                  <a:t> passos diferentes para cada peso </a:t>
+                  <a:t> </a:t>
+                </a:r>
+                <a:r>
+                  <a:rPr lang="pt-BR" b="1" i="1" dirty="0" smtClean="0">
+                    <a:solidFill>
+                      <a:srgbClr val="00B050"/>
+                    </a:solidFill>
+                  </a:rPr>
+                  <a:t>passos de aprendizagem </a:t>
+                </a:r>
+                <a:r>
+                  <a:rPr lang="pt-BR" b="1" i="1" dirty="0">
+                    <a:solidFill>
+                      <a:srgbClr val="00B050"/>
+                    </a:solidFill>
+                  </a:rPr>
+                  <a:t>diferentes para cada peso </a:t>
                 </a:r>
                 <a:r>
                   <a:rPr lang="pt-BR" dirty="0"/>
@@ -11680,13 +11704,13 @@
             </p:txBody>
           </p:sp>
         </mc:Choice>
-        <mc:Fallback xmlns="">
+        <mc:Fallback>
           <p:sp>
             <p:nvSpPr>
               <p:cNvPr id="3" name="Espaço Reservado para Conteúdo 2">
                 <a:extLst>
                   <a:ext uri="{FF2B5EF4-FFF2-40B4-BE49-F238E27FC236}">
-                    <a16:creationId xmlns:a16="http://schemas.microsoft.com/office/drawing/2014/main" id="{90C1EAA3-4293-62D4-5778-91C90AA88537}"/>
+                    <a16:creationId xmlns="" xmlns:a16="http://schemas.microsoft.com/office/drawing/2014/main" xmlns:a14="http://schemas.microsoft.com/office/drawing/2010/main" id="{90C1EAA3-4293-62D4-5778-91C90AA88537}"/>
                   </a:ext>
                 </a:extLst>
               </p:cNvPr>
@@ -11702,7 +11726,7 @@
                 <a:off x="838199" y="1825624"/>
                 <a:ext cx="11085095" cy="5032375"/>
               </a:xfrm>
-              <a:blipFill>
+              <a:blipFill rotWithShape="0">
                 <a:blip r:embed="rId2"/>
                 <a:stretch>
                   <a:fillRect l="-935" t="-1937"/>
@@ -11759,7 +11783,7 @@
           <p:cNvPr id="2" name="Título 1">
             <a:extLst>
               <a:ext uri="{FF2B5EF4-FFF2-40B4-BE49-F238E27FC236}">
-                <a16:creationId xmlns:a16="http://schemas.microsoft.com/office/drawing/2014/main" xmlns="" id="{F3FC6600-DEC0-B4A2-D13C-D4016F1FB30A}"/>
+                <a16:creationId xmlns="" xmlns:a16="http://schemas.microsoft.com/office/drawing/2014/main" id="{F3FC6600-DEC0-B4A2-D13C-D4016F1FB30A}"/>
               </a:ext>
             </a:extLst>
           </p:cNvPr>
@@ -11787,7 +11811,7 @@
           <p:cNvPr id="4" name="Picture 6">
             <a:extLst>
               <a:ext uri="{FF2B5EF4-FFF2-40B4-BE49-F238E27FC236}">
-                <a16:creationId xmlns:a16="http://schemas.microsoft.com/office/drawing/2014/main" xmlns="" id="{C9DE8AF1-A842-9D71-1CC8-28F862E816AF}"/>
+                <a16:creationId xmlns="" xmlns:a16="http://schemas.microsoft.com/office/drawing/2014/main" id="{C9DE8AF1-A842-9D71-1CC8-28F862E816AF}"/>
               </a:ext>
             </a:extLst>
           </p:cNvPr>
@@ -11822,7 +11846,7 @@
           <p:cNvPr id="5" name="Picture 10">
             <a:extLst>
               <a:ext uri="{FF2B5EF4-FFF2-40B4-BE49-F238E27FC236}">
-                <a16:creationId xmlns:a16="http://schemas.microsoft.com/office/drawing/2014/main" xmlns="" id="{F78E7DEF-7734-D99E-0342-DD800946C131}"/>
+                <a16:creationId xmlns="" xmlns:a16="http://schemas.microsoft.com/office/drawing/2014/main" id="{F78E7DEF-7734-D99E-0342-DD800946C131}"/>
               </a:ext>
             </a:extLst>
           </p:cNvPr>
@@ -11857,7 +11881,7 @@
           <p:cNvPr id="6" name="Picture 4">
             <a:extLst>
               <a:ext uri="{FF2B5EF4-FFF2-40B4-BE49-F238E27FC236}">
-                <a16:creationId xmlns:a16="http://schemas.microsoft.com/office/drawing/2014/main" xmlns="" id="{6E6CD326-3A16-EA54-BA43-F3EECE9E7143}"/>
+                <a16:creationId xmlns="" xmlns:a16="http://schemas.microsoft.com/office/drawing/2014/main" id="{6E6CD326-3A16-EA54-BA43-F3EECE9E7143}"/>
               </a:ext>
             </a:extLst>
           </p:cNvPr>
@@ -11892,7 +11916,7 @@
           <p:cNvPr id="7" name="Right Arrow 5">
             <a:extLst>
               <a:ext uri="{FF2B5EF4-FFF2-40B4-BE49-F238E27FC236}">
-                <a16:creationId xmlns:a16="http://schemas.microsoft.com/office/drawing/2014/main" xmlns="" id="{646C8848-ECB5-43A8-887E-6C6224DA20CE}"/>
+                <a16:creationId xmlns="" xmlns:a16="http://schemas.microsoft.com/office/drawing/2014/main" id="{646C8848-ECB5-43A8-887E-6C6224DA20CE}"/>
               </a:ext>
             </a:extLst>
           </p:cNvPr>
@@ -11938,7 +11962,7 @@
           <p:cNvPr id="8" name="Right Arrow 9">
             <a:extLst>
               <a:ext uri="{FF2B5EF4-FFF2-40B4-BE49-F238E27FC236}">
-                <a16:creationId xmlns:a16="http://schemas.microsoft.com/office/drawing/2014/main" xmlns="" id="{E3175E18-3692-B822-9276-B519FA351945}"/>
+                <a16:creationId xmlns="" xmlns:a16="http://schemas.microsoft.com/office/drawing/2014/main" id="{E3175E18-3692-B822-9276-B519FA351945}"/>
               </a:ext>
             </a:extLst>
           </p:cNvPr>
@@ -11984,7 +12008,7 @@
           <p:cNvPr id="9" name="TextBox 8">
             <a:extLst>
               <a:ext uri="{FF2B5EF4-FFF2-40B4-BE49-F238E27FC236}">
-                <a16:creationId xmlns:a16="http://schemas.microsoft.com/office/drawing/2014/main" xmlns="" id="{E6068310-215C-317B-267D-CA3C444CE0D0}"/>
+                <a16:creationId xmlns="" xmlns:a16="http://schemas.microsoft.com/office/drawing/2014/main" id="{E6068310-215C-317B-267D-CA3C444CE0D0}"/>
               </a:ext>
             </a:extLst>
           </p:cNvPr>
@@ -12020,7 +12044,7 @@
           <p:cNvPr id="10" name="TextBox 11">
             <a:extLst>
               <a:ext uri="{FF2B5EF4-FFF2-40B4-BE49-F238E27FC236}">
-                <a16:creationId xmlns:a16="http://schemas.microsoft.com/office/drawing/2014/main" xmlns="" id="{450AFFF9-22CC-9859-7E00-7B8E3941F4B9}"/>
+                <a16:creationId xmlns="" xmlns:a16="http://schemas.microsoft.com/office/drawing/2014/main" id="{450AFFF9-22CC-9859-7E00-7B8E3941F4B9}"/>
               </a:ext>
             </a:extLst>
           </p:cNvPr>
@@ -12056,7 +12080,7 @@
           <p:cNvPr id="11" name="TextBox 12">
             <a:extLst>
               <a:ext uri="{FF2B5EF4-FFF2-40B4-BE49-F238E27FC236}">
-                <a16:creationId xmlns:a16="http://schemas.microsoft.com/office/drawing/2014/main" xmlns="" id="{3BFE194A-0346-7D7C-F6E3-8EDC2A897055}"/>
+                <a16:creationId xmlns="" xmlns:a16="http://schemas.microsoft.com/office/drawing/2014/main" id="{3BFE194A-0346-7D7C-F6E3-8EDC2A897055}"/>
               </a:ext>
             </a:extLst>
           </p:cNvPr>
@@ -12092,7 +12116,7 @@
           <p:cNvPr id="12" name="Picture 13">
             <a:extLst>
               <a:ext uri="{FF2B5EF4-FFF2-40B4-BE49-F238E27FC236}">
-                <a16:creationId xmlns:a16="http://schemas.microsoft.com/office/drawing/2014/main" xmlns="" id="{00D43F0F-39F1-EC1E-61E5-33F4E9C254A4}"/>
+                <a16:creationId xmlns="" xmlns:a16="http://schemas.microsoft.com/office/drawing/2014/main" id="{00D43F0F-39F1-EC1E-61E5-33F4E9C254A4}"/>
               </a:ext>
             </a:extLst>
           </p:cNvPr>
@@ -12127,7 +12151,7 @@
           <p:cNvPr id="13" name="Picture 14">
             <a:extLst>
               <a:ext uri="{FF2B5EF4-FFF2-40B4-BE49-F238E27FC236}">
-                <a16:creationId xmlns:a16="http://schemas.microsoft.com/office/drawing/2014/main" xmlns="" id="{ADF16116-0DAB-0C62-94B9-3C0073F9E748}"/>
+                <a16:creationId xmlns="" xmlns:a16="http://schemas.microsoft.com/office/drawing/2014/main" id="{ADF16116-0DAB-0C62-94B9-3C0073F9E748}"/>
               </a:ext>
             </a:extLst>
           </p:cNvPr>
@@ -12162,7 +12186,7 @@
           <p:cNvPr id="14" name="Retângulo 13">
             <a:extLst>
               <a:ext uri="{FF2B5EF4-FFF2-40B4-BE49-F238E27FC236}">
-                <a16:creationId xmlns:a16="http://schemas.microsoft.com/office/drawing/2014/main" xmlns="" id="{E57C527A-0756-EBDB-9504-B3DF44D98DF4}"/>
+                <a16:creationId xmlns="" xmlns:a16="http://schemas.microsoft.com/office/drawing/2014/main" id="{E57C527A-0756-EBDB-9504-B3DF44D98DF4}"/>
               </a:ext>
             </a:extLst>
           </p:cNvPr>
@@ -12827,7 +12851,7 @@
           <p:cNvPr id="15" name="Espaço Reservado para Conteúdo 2">
             <a:extLst>
               <a:ext uri="{FF2B5EF4-FFF2-40B4-BE49-F238E27FC236}">
-                <a16:creationId xmlns:a16="http://schemas.microsoft.com/office/drawing/2014/main" xmlns="" id="{239AA1F2-5E3F-7BEB-1556-BB737E131038}"/>
+                <a16:creationId xmlns="" xmlns:a16="http://schemas.microsoft.com/office/drawing/2014/main" id="{239AA1F2-5E3F-7BEB-1556-BB737E131038}"/>
               </a:ext>
             </a:extLst>
           </p:cNvPr>
@@ -12919,7 +12943,7 @@
           <p:cNvPr id="18" name="TextBox 7">
             <a:extLst>
               <a:ext uri="{FF2B5EF4-FFF2-40B4-BE49-F238E27FC236}">
-                <a16:creationId xmlns:a16="http://schemas.microsoft.com/office/drawing/2014/main" xmlns="" id="{E442B2E9-3D88-DFD3-E99D-F5C7DD986DCA}"/>
+                <a16:creationId xmlns="" xmlns:a16="http://schemas.microsoft.com/office/drawing/2014/main" id="{E442B2E9-3D88-DFD3-E99D-F5C7DD986DCA}"/>
               </a:ext>
             </a:extLst>
           </p:cNvPr>
@@ -12993,7 +13017,7 @@
           <p:cNvPr id="2" name="Título 1">
             <a:extLst>
               <a:ext uri="{FF2B5EF4-FFF2-40B4-BE49-F238E27FC236}">
-                <a16:creationId xmlns:a16="http://schemas.microsoft.com/office/drawing/2014/main" xmlns="" id="{F3FC6600-DEC0-B4A2-D13C-D4016F1FB30A}"/>
+                <a16:creationId xmlns="" xmlns:a16="http://schemas.microsoft.com/office/drawing/2014/main" id="{F3FC6600-DEC0-B4A2-D13C-D4016F1FB30A}"/>
               </a:ext>
             </a:extLst>
           </p:cNvPr>
@@ -13021,7 +13045,7 @@
           <p:cNvPr id="4" name="Picture 6">
             <a:extLst>
               <a:ext uri="{FF2B5EF4-FFF2-40B4-BE49-F238E27FC236}">
-                <a16:creationId xmlns:a16="http://schemas.microsoft.com/office/drawing/2014/main" xmlns="" id="{C9DE8AF1-A842-9D71-1CC8-28F862E816AF}"/>
+                <a16:creationId xmlns="" xmlns:a16="http://schemas.microsoft.com/office/drawing/2014/main" id="{C9DE8AF1-A842-9D71-1CC8-28F862E816AF}"/>
               </a:ext>
             </a:extLst>
           </p:cNvPr>
@@ -13056,7 +13080,7 @@
           <p:cNvPr id="5" name="Picture 10">
             <a:extLst>
               <a:ext uri="{FF2B5EF4-FFF2-40B4-BE49-F238E27FC236}">
-                <a16:creationId xmlns:a16="http://schemas.microsoft.com/office/drawing/2014/main" xmlns="" id="{F78E7DEF-7734-D99E-0342-DD800946C131}"/>
+                <a16:creationId xmlns="" xmlns:a16="http://schemas.microsoft.com/office/drawing/2014/main" id="{F78E7DEF-7734-D99E-0342-DD800946C131}"/>
               </a:ext>
             </a:extLst>
           </p:cNvPr>
@@ -13091,7 +13115,7 @@
           <p:cNvPr id="6" name="Picture 4">
             <a:extLst>
               <a:ext uri="{FF2B5EF4-FFF2-40B4-BE49-F238E27FC236}">
-                <a16:creationId xmlns:a16="http://schemas.microsoft.com/office/drawing/2014/main" xmlns="" id="{6E6CD326-3A16-EA54-BA43-F3EECE9E7143}"/>
+                <a16:creationId xmlns="" xmlns:a16="http://schemas.microsoft.com/office/drawing/2014/main" id="{6E6CD326-3A16-EA54-BA43-F3EECE9E7143}"/>
               </a:ext>
             </a:extLst>
           </p:cNvPr>
@@ -13126,7 +13150,7 @@
           <p:cNvPr id="7" name="Right Arrow 5">
             <a:extLst>
               <a:ext uri="{FF2B5EF4-FFF2-40B4-BE49-F238E27FC236}">
-                <a16:creationId xmlns:a16="http://schemas.microsoft.com/office/drawing/2014/main" xmlns="" id="{646C8848-ECB5-43A8-887E-6C6224DA20CE}"/>
+                <a16:creationId xmlns="" xmlns:a16="http://schemas.microsoft.com/office/drawing/2014/main" id="{646C8848-ECB5-43A8-887E-6C6224DA20CE}"/>
               </a:ext>
             </a:extLst>
           </p:cNvPr>
@@ -13172,7 +13196,7 @@
           <p:cNvPr id="8" name="Right Arrow 9">
             <a:extLst>
               <a:ext uri="{FF2B5EF4-FFF2-40B4-BE49-F238E27FC236}">
-                <a16:creationId xmlns:a16="http://schemas.microsoft.com/office/drawing/2014/main" xmlns="" id="{E3175E18-3692-B822-9276-B519FA351945}"/>
+                <a16:creationId xmlns="" xmlns:a16="http://schemas.microsoft.com/office/drawing/2014/main" id="{E3175E18-3692-B822-9276-B519FA351945}"/>
               </a:ext>
             </a:extLst>
           </p:cNvPr>
@@ -13218,7 +13242,7 @@
           <p:cNvPr id="9" name="TextBox 8">
             <a:extLst>
               <a:ext uri="{FF2B5EF4-FFF2-40B4-BE49-F238E27FC236}">
-                <a16:creationId xmlns:a16="http://schemas.microsoft.com/office/drawing/2014/main" xmlns="" id="{E6068310-215C-317B-267D-CA3C444CE0D0}"/>
+                <a16:creationId xmlns="" xmlns:a16="http://schemas.microsoft.com/office/drawing/2014/main" id="{E6068310-215C-317B-267D-CA3C444CE0D0}"/>
               </a:ext>
             </a:extLst>
           </p:cNvPr>
@@ -13254,7 +13278,7 @@
           <p:cNvPr id="10" name="TextBox 11">
             <a:extLst>
               <a:ext uri="{FF2B5EF4-FFF2-40B4-BE49-F238E27FC236}">
-                <a16:creationId xmlns:a16="http://schemas.microsoft.com/office/drawing/2014/main" xmlns="" id="{450AFFF9-22CC-9859-7E00-7B8E3941F4B9}"/>
+                <a16:creationId xmlns="" xmlns:a16="http://schemas.microsoft.com/office/drawing/2014/main" id="{450AFFF9-22CC-9859-7E00-7B8E3941F4B9}"/>
               </a:ext>
             </a:extLst>
           </p:cNvPr>
@@ -13290,7 +13314,7 @@
           <p:cNvPr id="12" name="Picture 13">
             <a:extLst>
               <a:ext uri="{FF2B5EF4-FFF2-40B4-BE49-F238E27FC236}">
-                <a16:creationId xmlns:a16="http://schemas.microsoft.com/office/drawing/2014/main" xmlns="" id="{00D43F0F-39F1-EC1E-61E5-33F4E9C254A4}"/>
+                <a16:creationId xmlns="" xmlns:a16="http://schemas.microsoft.com/office/drawing/2014/main" id="{00D43F0F-39F1-EC1E-61E5-33F4E9C254A4}"/>
               </a:ext>
             </a:extLst>
           </p:cNvPr>
@@ -13325,7 +13349,7 @@
           <p:cNvPr id="13" name="Picture 14">
             <a:extLst>
               <a:ext uri="{FF2B5EF4-FFF2-40B4-BE49-F238E27FC236}">
-                <a16:creationId xmlns:a16="http://schemas.microsoft.com/office/drawing/2014/main" xmlns="" id="{ADF16116-0DAB-0C62-94B9-3C0073F9E748}"/>
+                <a16:creationId xmlns="" xmlns:a16="http://schemas.microsoft.com/office/drawing/2014/main" id="{ADF16116-0DAB-0C62-94B9-3C0073F9E748}"/>
               </a:ext>
             </a:extLst>
           </p:cNvPr>
@@ -13360,7 +13384,7 @@
           <p:cNvPr id="14" name="Retângulo 13">
             <a:extLst>
               <a:ext uri="{FF2B5EF4-FFF2-40B4-BE49-F238E27FC236}">
-                <a16:creationId xmlns:a16="http://schemas.microsoft.com/office/drawing/2014/main" xmlns="" id="{E57C527A-0756-EBDB-9504-B3DF44D98DF4}"/>
+                <a16:creationId xmlns="" xmlns:a16="http://schemas.microsoft.com/office/drawing/2014/main" id="{E57C527A-0756-EBDB-9504-B3DF44D98DF4}"/>
               </a:ext>
             </a:extLst>
           </p:cNvPr>
@@ -14027,7 +14051,7 @@
               <p:cNvPr id="15" name="Espaço Reservado para Conteúdo 2">
                 <a:extLst>
                   <a:ext uri="{FF2B5EF4-FFF2-40B4-BE49-F238E27FC236}">
-                    <a16:creationId xmlns:a16="http://schemas.microsoft.com/office/drawing/2014/main" xmlns="" id="{239AA1F2-5E3F-7BEB-1556-BB737E131038}"/>
+                    <a16:creationId xmlns="" xmlns:a16="http://schemas.microsoft.com/office/drawing/2014/main" id="{239AA1F2-5E3F-7BEB-1556-BB737E131038}"/>
                   </a:ext>
                 </a:extLst>
               </p:cNvPr>
@@ -14175,7 +14199,7 @@
           <p:cNvPr id="16" name="TextBox 12">
             <a:extLst>
               <a:ext uri="{FF2B5EF4-FFF2-40B4-BE49-F238E27FC236}">
-                <a16:creationId xmlns:a16="http://schemas.microsoft.com/office/drawing/2014/main" xmlns="" id="{3BFE194A-0346-7D7C-F6E3-8EDC2A897055}"/>
+                <a16:creationId xmlns="" xmlns:a16="http://schemas.microsoft.com/office/drawing/2014/main" id="{3BFE194A-0346-7D7C-F6E3-8EDC2A897055}"/>
               </a:ext>
             </a:extLst>
           </p:cNvPr>
@@ -14241,7 +14265,7 @@
           <p:cNvPr id="2" name="Título 1">
             <a:extLst>
               <a:ext uri="{FF2B5EF4-FFF2-40B4-BE49-F238E27FC236}">
-                <a16:creationId xmlns:a16="http://schemas.microsoft.com/office/drawing/2014/main" xmlns="" id="{F3FC6600-DEC0-B4A2-D13C-D4016F1FB30A}"/>
+                <a16:creationId xmlns="" xmlns:a16="http://schemas.microsoft.com/office/drawing/2014/main" id="{F3FC6600-DEC0-B4A2-D13C-D4016F1FB30A}"/>
               </a:ext>
             </a:extLst>
           </p:cNvPr>
@@ -14269,7 +14293,7 @@
           <p:cNvPr id="4" name="Picture 6">
             <a:extLst>
               <a:ext uri="{FF2B5EF4-FFF2-40B4-BE49-F238E27FC236}">
-                <a16:creationId xmlns:a16="http://schemas.microsoft.com/office/drawing/2014/main" xmlns="" id="{C9DE8AF1-A842-9D71-1CC8-28F862E816AF}"/>
+                <a16:creationId xmlns="" xmlns:a16="http://schemas.microsoft.com/office/drawing/2014/main" id="{C9DE8AF1-A842-9D71-1CC8-28F862E816AF}"/>
               </a:ext>
             </a:extLst>
           </p:cNvPr>
@@ -14304,7 +14328,7 @@
           <p:cNvPr id="5" name="Picture 10">
             <a:extLst>
               <a:ext uri="{FF2B5EF4-FFF2-40B4-BE49-F238E27FC236}">
-                <a16:creationId xmlns:a16="http://schemas.microsoft.com/office/drawing/2014/main" xmlns="" id="{F78E7DEF-7734-D99E-0342-DD800946C131}"/>
+                <a16:creationId xmlns="" xmlns:a16="http://schemas.microsoft.com/office/drawing/2014/main" id="{F78E7DEF-7734-D99E-0342-DD800946C131}"/>
               </a:ext>
             </a:extLst>
           </p:cNvPr>
@@ -14339,7 +14363,7 @@
           <p:cNvPr id="6" name="Picture 4">
             <a:extLst>
               <a:ext uri="{FF2B5EF4-FFF2-40B4-BE49-F238E27FC236}">
-                <a16:creationId xmlns:a16="http://schemas.microsoft.com/office/drawing/2014/main" xmlns="" id="{6E6CD326-3A16-EA54-BA43-F3EECE9E7143}"/>
+                <a16:creationId xmlns="" xmlns:a16="http://schemas.microsoft.com/office/drawing/2014/main" id="{6E6CD326-3A16-EA54-BA43-F3EECE9E7143}"/>
               </a:ext>
             </a:extLst>
           </p:cNvPr>
@@ -14374,7 +14398,7 @@
           <p:cNvPr id="7" name="Right Arrow 5">
             <a:extLst>
               <a:ext uri="{FF2B5EF4-FFF2-40B4-BE49-F238E27FC236}">
-                <a16:creationId xmlns:a16="http://schemas.microsoft.com/office/drawing/2014/main" xmlns="" id="{646C8848-ECB5-43A8-887E-6C6224DA20CE}"/>
+                <a16:creationId xmlns="" xmlns:a16="http://schemas.microsoft.com/office/drawing/2014/main" id="{646C8848-ECB5-43A8-887E-6C6224DA20CE}"/>
               </a:ext>
             </a:extLst>
           </p:cNvPr>
@@ -14420,7 +14444,7 @@
           <p:cNvPr id="8" name="Right Arrow 9">
             <a:extLst>
               <a:ext uri="{FF2B5EF4-FFF2-40B4-BE49-F238E27FC236}">
-                <a16:creationId xmlns:a16="http://schemas.microsoft.com/office/drawing/2014/main" xmlns="" id="{E3175E18-3692-B822-9276-B519FA351945}"/>
+                <a16:creationId xmlns="" xmlns:a16="http://schemas.microsoft.com/office/drawing/2014/main" id="{E3175E18-3692-B822-9276-B519FA351945}"/>
               </a:ext>
             </a:extLst>
           </p:cNvPr>
@@ -14466,7 +14490,7 @@
           <p:cNvPr id="9" name="TextBox 8">
             <a:extLst>
               <a:ext uri="{FF2B5EF4-FFF2-40B4-BE49-F238E27FC236}">
-                <a16:creationId xmlns:a16="http://schemas.microsoft.com/office/drawing/2014/main" xmlns="" id="{E6068310-215C-317B-267D-CA3C444CE0D0}"/>
+                <a16:creationId xmlns="" xmlns:a16="http://schemas.microsoft.com/office/drawing/2014/main" id="{E6068310-215C-317B-267D-CA3C444CE0D0}"/>
               </a:ext>
             </a:extLst>
           </p:cNvPr>
@@ -14502,7 +14526,7 @@
           <p:cNvPr id="10" name="TextBox 11">
             <a:extLst>
               <a:ext uri="{FF2B5EF4-FFF2-40B4-BE49-F238E27FC236}">
-                <a16:creationId xmlns:a16="http://schemas.microsoft.com/office/drawing/2014/main" xmlns="" id="{450AFFF9-22CC-9859-7E00-7B8E3941F4B9}"/>
+                <a16:creationId xmlns="" xmlns:a16="http://schemas.microsoft.com/office/drawing/2014/main" id="{450AFFF9-22CC-9859-7E00-7B8E3941F4B9}"/>
               </a:ext>
             </a:extLst>
           </p:cNvPr>
@@ -14538,7 +14562,7 @@
           <p:cNvPr id="12" name="Picture 13">
             <a:extLst>
               <a:ext uri="{FF2B5EF4-FFF2-40B4-BE49-F238E27FC236}">
-                <a16:creationId xmlns:a16="http://schemas.microsoft.com/office/drawing/2014/main" xmlns="" id="{00D43F0F-39F1-EC1E-61E5-33F4E9C254A4}"/>
+                <a16:creationId xmlns="" xmlns:a16="http://schemas.microsoft.com/office/drawing/2014/main" id="{00D43F0F-39F1-EC1E-61E5-33F4E9C254A4}"/>
               </a:ext>
             </a:extLst>
           </p:cNvPr>
@@ -14573,7 +14597,7 @@
           <p:cNvPr id="13" name="Picture 14">
             <a:extLst>
               <a:ext uri="{FF2B5EF4-FFF2-40B4-BE49-F238E27FC236}">
-                <a16:creationId xmlns:a16="http://schemas.microsoft.com/office/drawing/2014/main" xmlns="" id="{ADF16116-0DAB-0C62-94B9-3C0073F9E748}"/>
+                <a16:creationId xmlns="" xmlns:a16="http://schemas.microsoft.com/office/drawing/2014/main" id="{ADF16116-0DAB-0C62-94B9-3C0073F9E748}"/>
               </a:ext>
             </a:extLst>
           </p:cNvPr>
@@ -14608,7 +14632,7 @@
           <p:cNvPr id="14" name="Retângulo 13">
             <a:extLst>
               <a:ext uri="{FF2B5EF4-FFF2-40B4-BE49-F238E27FC236}">
-                <a16:creationId xmlns:a16="http://schemas.microsoft.com/office/drawing/2014/main" xmlns="" id="{E57C527A-0756-EBDB-9504-B3DF44D98DF4}"/>
+                <a16:creationId xmlns="" xmlns:a16="http://schemas.microsoft.com/office/drawing/2014/main" id="{E57C527A-0756-EBDB-9504-B3DF44D98DF4}"/>
               </a:ext>
             </a:extLst>
           </p:cNvPr>
@@ -15273,7 +15297,7 @@
           <p:cNvPr id="15" name="Espaço Reservado para Conteúdo 2">
             <a:extLst>
               <a:ext uri="{FF2B5EF4-FFF2-40B4-BE49-F238E27FC236}">
-                <a16:creationId xmlns:a16="http://schemas.microsoft.com/office/drawing/2014/main" xmlns="" id="{239AA1F2-5E3F-7BEB-1556-BB737E131038}"/>
+                <a16:creationId xmlns="" xmlns:a16="http://schemas.microsoft.com/office/drawing/2014/main" id="{239AA1F2-5E3F-7BEB-1556-BB737E131038}"/>
               </a:ext>
             </a:extLst>
           </p:cNvPr>
@@ -15318,7 +15342,7 @@
           <p:cNvPr id="16" name="TextBox 12">
             <a:extLst>
               <a:ext uri="{FF2B5EF4-FFF2-40B4-BE49-F238E27FC236}">
-                <a16:creationId xmlns:a16="http://schemas.microsoft.com/office/drawing/2014/main" xmlns="" id="{3BFE194A-0346-7D7C-F6E3-8EDC2A897055}"/>
+                <a16:creationId xmlns="" xmlns:a16="http://schemas.microsoft.com/office/drawing/2014/main" id="{3BFE194A-0346-7D7C-F6E3-8EDC2A897055}"/>
               </a:ext>
             </a:extLst>
           </p:cNvPr>
@@ -15563,7 +15587,7 @@
           <p:cNvPr id="4" name="Título 1">
             <a:extLst>
               <a:ext uri="{FF2B5EF4-FFF2-40B4-BE49-F238E27FC236}">
-                <a16:creationId xmlns:a16="http://schemas.microsoft.com/office/drawing/2014/main" xmlns="" id="{32666AC8-2E17-4DB4-B0F5-60C640CCFD2E}"/>
+                <a16:creationId xmlns="" xmlns:a16="http://schemas.microsoft.com/office/drawing/2014/main" id="{32666AC8-2E17-4DB4-B0F5-60C640CCFD2E}"/>
               </a:ext>
             </a:extLst>
           </p:cNvPr>
@@ -17731,7 +17755,7 @@
           <p:cNvPr id="2" name="Título 1">
             <a:extLst>
               <a:ext uri="{FF2B5EF4-FFF2-40B4-BE49-F238E27FC236}">
-                <a16:creationId xmlns:a16="http://schemas.microsoft.com/office/drawing/2014/main" xmlns="" id="{B4A549E3-7E5B-04E3-09ED-A7C3171C6D5F}"/>
+                <a16:creationId xmlns="" xmlns:a16="http://schemas.microsoft.com/office/drawing/2014/main" id="{B4A549E3-7E5B-04E3-09ED-A7C3171C6D5F}"/>
               </a:ext>
             </a:extLst>
           </p:cNvPr>
@@ -17761,7 +17785,7 @@
               <p:cNvPr id="3" name="Espaço Reservado para Conteúdo 2">
                 <a:extLst>
                   <a:ext uri="{FF2B5EF4-FFF2-40B4-BE49-F238E27FC236}">
-                    <a16:creationId xmlns:a16="http://schemas.microsoft.com/office/drawing/2014/main" xmlns="" id="{3323DEB1-E32D-5111-52A9-A936D5B18776}"/>
+                    <a16:creationId xmlns="" xmlns:a16="http://schemas.microsoft.com/office/drawing/2014/main" id="{3323DEB1-E32D-5111-52A9-A936D5B18776}"/>
                   </a:ext>
                 </a:extLst>
               </p:cNvPr>
@@ -17986,7 +18010,7 @@
           <p:cNvPr id="4" name="Imagem 3">
             <a:extLst>
               <a:ext uri="{FF2B5EF4-FFF2-40B4-BE49-F238E27FC236}">
-                <a16:creationId xmlns:a16="http://schemas.microsoft.com/office/drawing/2014/main" xmlns="" id="{860F9137-10B0-2765-3CAF-0E8F4196E620}"/>
+                <a16:creationId xmlns="" xmlns:a16="http://schemas.microsoft.com/office/drawing/2014/main" id="{860F9137-10B0-2765-3CAF-0E8F4196E620}"/>
               </a:ext>
             </a:extLst>
           </p:cNvPr>
@@ -35093,7 +35117,7 @@
           <p:cNvPr id="2" name="Título 1">
             <a:extLst>
               <a:ext uri="{FF2B5EF4-FFF2-40B4-BE49-F238E27FC236}">
-                <a16:creationId xmlns:a16="http://schemas.microsoft.com/office/drawing/2014/main" xmlns="" id="{B4A549E3-7E5B-04E3-09ED-A7C3171C6D5F}"/>
+                <a16:creationId xmlns="" xmlns:a16="http://schemas.microsoft.com/office/drawing/2014/main" id="{B4A549E3-7E5B-04E3-09ED-A7C3171C6D5F}"/>
               </a:ext>
             </a:extLst>
           </p:cNvPr>
@@ -35123,7 +35147,7 @@
               <p:cNvPr id="3" name="Espaço Reservado para Conteúdo 2">
                 <a:extLst>
                   <a:ext uri="{FF2B5EF4-FFF2-40B4-BE49-F238E27FC236}">
-                    <a16:creationId xmlns:a16="http://schemas.microsoft.com/office/drawing/2014/main" xmlns="" id="{3323DEB1-E32D-5111-52A9-A936D5B18776}"/>
+                    <a16:creationId xmlns="" xmlns:a16="http://schemas.microsoft.com/office/drawing/2014/main" id="{3323DEB1-E32D-5111-52A9-A936D5B18776}"/>
                   </a:ext>
                 </a:extLst>
               </p:cNvPr>
@@ -35346,7 +35370,7 @@
               <p:cNvPr id="6" name="CaixaDeTexto 5">
                 <a:extLst>
                   <a:ext uri="{FF2B5EF4-FFF2-40B4-BE49-F238E27FC236}">
-                    <a16:creationId xmlns:a16="http://schemas.microsoft.com/office/drawing/2014/main" xmlns="" id="{C0979B72-FA06-3341-0C8C-22E5606766C2}"/>
+                    <a16:creationId xmlns="" xmlns:a16="http://schemas.microsoft.com/office/drawing/2014/main" id="{C0979B72-FA06-3341-0C8C-22E5606766C2}"/>
                   </a:ext>
                 </a:extLst>
               </p:cNvPr>
@@ -36000,7 +36024,7 @@
           <p:cNvPr id="3" name="Espaço Reservado para Conteúdo 2">
             <a:extLst>
               <a:ext uri="{FF2B5EF4-FFF2-40B4-BE49-F238E27FC236}">
-                <a16:creationId xmlns:a16="http://schemas.microsoft.com/office/drawing/2014/main" xmlns="" id="{22F82374-172C-DD33-1E6D-772199B0F901}"/>
+                <a16:creationId xmlns="" xmlns:a16="http://schemas.microsoft.com/office/drawing/2014/main" id="{22F82374-172C-DD33-1E6D-772199B0F901}"/>
               </a:ext>
             </a:extLst>
           </p:cNvPr>
@@ -36068,7 +36092,7 @@
           <p:cNvPr id="2" name="Título 1">
             <a:extLst>
               <a:ext uri="{FF2B5EF4-FFF2-40B4-BE49-F238E27FC236}">
-                <a16:creationId xmlns:a16="http://schemas.microsoft.com/office/drawing/2014/main" xmlns="" id="{A86FB011-1700-FEDE-C81B-65D08163C5E8}"/>
+                <a16:creationId xmlns="" xmlns:a16="http://schemas.microsoft.com/office/drawing/2014/main" id="{A86FB011-1700-FEDE-C81B-65D08163C5E8}"/>
               </a:ext>
             </a:extLst>
           </p:cNvPr>
@@ -36098,7 +36122,7 @@
               <p:cNvPr id="3" name="Espaço Reservado para Conteúdo 2">
                 <a:extLst>
                   <a:ext uri="{FF2B5EF4-FFF2-40B4-BE49-F238E27FC236}">
-                    <a16:creationId xmlns:a16="http://schemas.microsoft.com/office/drawing/2014/main" xmlns="" id="{5937D7F6-2609-AE39-CC56-50E8812A0FF6}"/>
+                    <a16:creationId xmlns="" xmlns:a16="http://schemas.microsoft.com/office/drawing/2014/main" id="{5937D7F6-2609-AE39-CC56-50E8812A0FF6}"/>
                   </a:ext>
                 </a:extLst>
               </p:cNvPr>
@@ -36381,7 +36405,7 @@
           <p:cNvPr id="6" name="Arc 16">
             <a:extLst>
               <a:ext uri="{FF2B5EF4-FFF2-40B4-BE49-F238E27FC236}">
-                <a16:creationId xmlns:a16="http://schemas.microsoft.com/office/drawing/2014/main" xmlns="" id="{FADFFC9D-BD51-9093-3AFE-1567CE0EE43C}"/>
+                <a16:creationId xmlns="" xmlns:a16="http://schemas.microsoft.com/office/drawing/2014/main" id="{FADFFC9D-BD51-9093-3AFE-1567CE0EE43C}"/>
               </a:ext>
             </a:extLst>
           </p:cNvPr>
@@ -36431,7 +36455,7 @@
               <p:cNvPr id="7" name="TextBox 17">
                 <a:extLst>
                   <a:ext uri="{FF2B5EF4-FFF2-40B4-BE49-F238E27FC236}">
-                    <a16:creationId xmlns:a16="http://schemas.microsoft.com/office/drawing/2014/main" xmlns="" id="{3E05BB30-5F5E-02E5-F40C-5ED014858567}"/>
+                    <a16:creationId xmlns="" xmlns:a16="http://schemas.microsoft.com/office/drawing/2014/main" id="{3E05BB30-5F5E-02E5-F40C-5ED014858567}"/>
                   </a:ext>
                 </a:extLst>
               </p:cNvPr>
@@ -36532,7 +36556,7 @@
           <p:cNvPr id="8" name="Arc 18">
             <a:extLst>
               <a:ext uri="{FF2B5EF4-FFF2-40B4-BE49-F238E27FC236}">
-                <a16:creationId xmlns:a16="http://schemas.microsoft.com/office/drawing/2014/main" xmlns="" id="{7E54F900-1BCF-B720-53AA-630E39DA0CA7}"/>
+                <a16:creationId xmlns="" xmlns:a16="http://schemas.microsoft.com/office/drawing/2014/main" id="{7E54F900-1BCF-B720-53AA-630E39DA0CA7}"/>
               </a:ext>
             </a:extLst>
           </p:cNvPr>
@@ -36582,7 +36606,7 @@
               <p:cNvPr id="9" name="TextBox 19">
                 <a:extLst>
                   <a:ext uri="{FF2B5EF4-FFF2-40B4-BE49-F238E27FC236}">
-                    <a16:creationId xmlns:a16="http://schemas.microsoft.com/office/drawing/2014/main" xmlns="" id="{143895B5-9CD7-6B2A-5B40-B65ADC335727}"/>
+                    <a16:creationId xmlns="" xmlns:a16="http://schemas.microsoft.com/office/drawing/2014/main" id="{143895B5-9CD7-6B2A-5B40-B65ADC335727}"/>
                   </a:ext>
                 </a:extLst>
               </p:cNvPr>
@@ -36690,7 +36714,7 @@
           <p:cNvPr id="10" name="Arc 20">
             <a:extLst>
               <a:ext uri="{FF2B5EF4-FFF2-40B4-BE49-F238E27FC236}">
-                <a16:creationId xmlns:a16="http://schemas.microsoft.com/office/drawing/2014/main" xmlns="" id="{35953112-E242-B812-3BDA-2555E5932180}"/>
+                <a16:creationId xmlns="" xmlns:a16="http://schemas.microsoft.com/office/drawing/2014/main" id="{35953112-E242-B812-3BDA-2555E5932180}"/>
               </a:ext>
             </a:extLst>
           </p:cNvPr>
@@ -36740,7 +36764,7 @@
               <p:cNvPr id="11" name="TextBox 21">
                 <a:extLst>
                   <a:ext uri="{FF2B5EF4-FFF2-40B4-BE49-F238E27FC236}">
-                    <a16:creationId xmlns:a16="http://schemas.microsoft.com/office/drawing/2014/main" xmlns="" id="{E8AC4AC6-AC67-A956-F839-099263F85B11}"/>
+                    <a16:creationId xmlns="" xmlns:a16="http://schemas.microsoft.com/office/drawing/2014/main" id="{E8AC4AC6-AC67-A956-F839-099263F85B11}"/>
                   </a:ext>
                 </a:extLst>
               </p:cNvPr>
@@ -36841,7 +36865,7 @@
           <p:cNvPr id="12" name="Arc 22">
             <a:extLst>
               <a:ext uri="{FF2B5EF4-FFF2-40B4-BE49-F238E27FC236}">
-                <a16:creationId xmlns:a16="http://schemas.microsoft.com/office/drawing/2014/main" xmlns="" id="{7975BFFB-0E0B-DB6F-4946-7B7CFBBD7764}"/>
+                <a16:creationId xmlns="" xmlns:a16="http://schemas.microsoft.com/office/drawing/2014/main" id="{7975BFFB-0E0B-DB6F-4946-7B7CFBBD7764}"/>
               </a:ext>
             </a:extLst>
           </p:cNvPr>
@@ -36889,7 +36913,7 @@
           <p:cNvPr id="13" name="Arc 25">
             <a:extLst>
               <a:ext uri="{FF2B5EF4-FFF2-40B4-BE49-F238E27FC236}">
-                <a16:creationId xmlns:a16="http://schemas.microsoft.com/office/drawing/2014/main" xmlns="" id="{38544561-E633-C2CD-7154-BE26A6E6C18E}"/>
+                <a16:creationId xmlns="" xmlns:a16="http://schemas.microsoft.com/office/drawing/2014/main" id="{38544561-E633-C2CD-7154-BE26A6E6C18E}"/>
               </a:ext>
             </a:extLst>
           </p:cNvPr>
@@ -36937,7 +36961,7 @@
           <p:cNvPr id="14" name="Arc 26">
             <a:extLst>
               <a:ext uri="{FF2B5EF4-FFF2-40B4-BE49-F238E27FC236}">
-                <a16:creationId xmlns:a16="http://schemas.microsoft.com/office/drawing/2014/main" xmlns="" id="{4EF49F99-C5ED-5CB9-69BE-6074CF85E4B4}"/>
+                <a16:creationId xmlns="" xmlns:a16="http://schemas.microsoft.com/office/drawing/2014/main" id="{4EF49F99-C5ED-5CB9-69BE-6074CF85E4B4}"/>
               </a:ext>
             </a:extLst>
           </p:cNvPr>
@@ -36990,7 +37014,7 @@
               <p:cNvPr id="15" name="TextBox 28">
                 <a:extLst>
                   <a:ext uri="{FF2B5EF4-FFF2-40B4-BE49-F238E27FC236}">
-                    <a16:creationId xmlns:a16="http://schemas.microsoft.com/office/drawing/2014/main" xmlns="" id="{F8424A97-4931-D4FB-2715-5C7B8EF2182B}"/>
+                    <a16:creationId xmlns="" xmlns:a16="http://schemas.microsoft.com/office/drawing/2014/main" id="{F8424A97-4931-D4FB-2715-5C7B8EF2182B}"/>
                   </a:ext>
                 </a:extLst>
               </p:cNvPr>
@@ -37093,7 +37117,7 @@
               <p:cNvPr id="16" name="TextBox 29">
                 <a:extLst>
                   <a:ext uri="{FF2B5EF4-FFF2-40B4-BE49-F238E27FC236}">
-                    <a16:creationId xmlns:a16="http://schemas.microsoft.com/office/drawing/2014/main" xmlns="" id="{F4403508-F5BF-1E8E-02DB-4035FA6169FC}"/>
+                    <a16:creationId xmlns="" xmlns:a16="http://schemas.microsoft.com/office/drawing/2014/main" id="{F4403508-F5BF-1E8E-02DB-4035FA6169FC}"/>
                   </a:ext>
                 </a:extLst>
               </p:cNvPr>
@@ -37203,7 +37227,7 @@
               <p:cNvPr id="17" name="TextBox 19">
                 <a:extLst>
                   <a:ext uri="{FF2B5EF4-FFF2-40B4-BE49-F238E27FC236}">
-                    <a16:creationId xmlns:a16="http://schemas.microsoft.com/office/drawing/2014/main" xmlns="" id="{34060A1D-2E52-39F5-0DF8-189C862047D9}"/>
+                    <a16:creationId xmlns="" xmlns:a16="http://schemas.microsoft.com/office/drawing/2014/main" id="{34060A1D-2E52-39F5-0DF8-189C862047D9}"/>
                   </a:ext>
                 </a:extLst>
               </p:cNvPr>
@@ -37311,7 +37335,7 @@
           <p:cNvPr id="18" name="Rectangle 3">
             <a:extLst>
               <a:ext uri="{FF2B5EF4-FFF2-40B4-BE49-F238E27FC236}">
-                <a16:creationId xmlns:a16="http://schemas.microsoft.com/office/drawing/2014/main" xmlns="" id="{A93A9D3A-8C54-B58D-C4C0-7F2E2E3666A0}"/>
+                <a16:creationId xmlns="" xmlns:a16="http://schemas.microsoft.com/office/drawing/2014/main" id="{A93A9D3A-8C54-B58D-C4C0-7F2E2E3666A0}"/>
               </a:ext>
             </a:extLst>
           </p:cNvPr>
@@ -37384,7 +37408,7 @@
           <p:cNvPr id="2" name="Título 1">
             <a:extLst>
               <a:ext uri="{FF2B5EF4-FFF2-40B4-BE49-F238E27FC236}">
-                <a16:creationId xmlns:a16="http://schemas.microsoft.com/office/drawing/2014/main" xmlns="" id="{485D4CFC-DDCB-8078-3C54-56133CAABF8B}"/>
+                <a16:creationId xmlns="" xmlns:a16="http://schemas.microsoft.com/office/drawing/2014/main" id="{485D4CFC-DDCB-8078-3C54-56133CAABF8B}"/>
               </a:ext>
             </a:extLst>
           </p:cNvPr>
@@ -37414,7 +37438,7 @@
               <p:cNvPr id="3" name="Espaço Reservado para Conteúdo 2">
                 <a:extLst>
                   <a:ext uri="{FF2B5EF4-FFF2-40B4-BE49-F238E27FC236}">
-                    <a16:creationId xmlns:a16="http://schemas.microsoft.com/office/drawing/2014/main" xmlns="" id="{7EE83549-CA46-62F5-CF24-FC969E4A47BB}"/>
+                    <a16:creationId xmlns="" xmlns:a16="http://schemas.microsoft.com/office/drawing/2014/main" id="{7EE83549-CA46-62F5-CF24-FC969E4A47BB}"/>
                   </a:ext>
                 </a:extLst>
               </p:cNvPr>
@@ -37600,7 +37624,7 @@
           <p:cNvPr id="5" name="Picture 5">
             <a:extLst>
               <a:ext uri="{FF2B5EF4-FFF2-40B4-BE49-F238E27FC236}">
-                <a16:creationId xmlns:a16="http://schemas.microsoft.com/office/drawing/2014/main" xmlns="" id="{404700FD-2AD0-0263-A281-0518044D2312}"/>
+                <a16:creationId xmlns="" xmlns:a16="http://schemas.microsoft.com/office/drawing/2014/main" id="{404700FD-2AD0-0263-A281-0518044D2312}"/>
               </a:ext>
             </a:extLst>
           </p:cNvPr>
@@ -37635,7 +37659,7 @@
           <p:cNvPr id="6" name="Picture 6">
             <a:extLst>
               <a:ext uri="{FF2B5EF4-FFF2-40B4-BE49-F238E27FC236}">
-                <a16:creationId xmlns:a16="http://schemas.microsoft.com/office/drawing/2014/main" xmlns="" id="{5C026D89-CF0B-9034-ECD6-7E0ECB934009}"/>
+                <a16:creationId xmlns="" xmlns:a16="http://schemas.microsoft.com/office/drawing/2014/main" id="{5C026D89-CF0B-9034-ECD6-7E0ECB934009}"/>
               </a:ext>
             </a:extLst>
           </p:cNvPr>
@@ -37670,7 +37694,7 @@
           <p:cNvPr id="8" name="Straight Arrow Connector 10">
             <a:extLst>
               <a:ext uri="{FF2B5EF4-FFF2-40B4-BE49-F238E27FC236}">
-                <a16:creationId xmlns:a16="http://schemas.microsoft.com/office/drawing/2014/main" xmlns="" id="{00ACB6AA-75DC-2F42-67F7-9B365EB6FD7D}"/>
+                <a16:creationId xmlns="" xmlns:a16="http://schemas.microsoft.com/office/drawing/2014/main" id="{00ACB6AA-75DC-2F42-67F7-9B365EB6FD7D}"/>
               </a:ext>
             </a:extLst>
           </p:cNvPr>
@@ -37716,7 +37740,7 @@
               <p:cNvPr id="9" name="TextBox 11">
                 <a:extLst>
                   <a:ext uri="{FF2B5EF4-FFF2-40B4-BE49-F238E27FC236}">
-                    <a16:creationId xmlns:a16="http://schemas.microsoft.com/office/drawing/2014/main" xmlns="" id="{8E1AC9A0-8AE3-88D2-924C-3555079253D3}"/>
+                    <a16:creationId xmlns="" xmlns:a16="http://schemas.microsoft.com/office/drawing/2014/main" id="{8E1AC9A0-8AE3-88D2-924C-3555079253D3}"/>
                   </a:ext>
                 </a:extLst>
               </p:cNvPr>
@@ -37808,7 +37832,7 @@
           <p:cNvPr id="4" name="Picture 2">
             <a:extLst>
               <a:ext uri="{FF2B5EF4-FFF2-40B4-BE49-F238E27FC236}">
-                <a16:creationId xmlns:a16="http://schemas.microsoft.com/office/drawing/2014/main" xmlns="" id="{F21DC2AF-EDF3-1582-F5C3-58459BFDB97F}"/>
+                <a16:creationId xmlns="" xmlns:a16="http://schemas.microsoft.com/office/drawing/2014/main" id="{F21DC2AF-EDF3-1582-F5C3-58459BFDB97F}"/>
               </a:ext>
             </a:extLst>
           </p:cNvPr>
@@ -37883,7 +37907,7 @@
           <p:cNvPr id="2" name="Título 1">
             <a:extLst>
               <a:ext uri="{FF2B5EF4-FFF2-40B4-BE49-F238E27FC236}">
-                <a16:creationId xmlns:a16="http://schemas.microsoft.com/office/drawing/2014/main" xmlns="" id="{53807E1E-02FA-BE90-DF8D-F7CD2EFB6D24}"/>
+                <a16:creationId xmlns="" xmlns:a16="http://schemas.microsoft.com/office/drawing/2014/main" id="{53807E1E-02FA-BE90-DF8D-F7CD2EFB6D24}"/>
               </a:ext>
             </a:extLst>
           </p:cNvPr>
@@ -37913,7 +37937,7 @@
               <p:cNvPr id="3" name="Espaço Reservado para Conteúdo 2">
                 <a:extLst>
                   <a:ext uri="{FF2B5EF4-FFF2-40B4-BE49-F238E27FC236}">
-                    <a16:creationId xmlns:a16="http://schemas.microsoft.com/office/drawing/2014/main" xmlns="" id="{E69917BF-2F45-6A09-7D88-35A718CBAA50}"/>
+                    <a16:creationId xmlns="" xmlns:a16="http://schemas.microsoft.com/office/drawing/2014/main" id="{E69917BF-2F45-6A09-7D88-35A718CBAA50}"/>
                   </a:ext>
                 </a:extLst>
               </p:cNvPr>
@@ -38121,7 +38145,7 @@
           <p:cNvPr id="4" name="Picture 8">
             <a:extLst>
               <a:ext uri="{FF2B5EF4-FFF2-40B4-BE49-F238E27FC236}">
-                <a16:creationId xmlns:a16="http://schemas.microsoft.com/office/drawing/2014/main" xmlns="" id="{E1C923F9-D8D5-387C-D5B7-782CE5422B74}"/>
+                <a16:creationId xmlns="" xmlns:a16="http://schemas.microsoft.com/office/drawing/2014/main" id="{E1C923F9-D8D5-387C-D5B7-782CE5422B74}"/>
               </a:ext>
             </a:extLst>
           </p:cNvPr>
@@ -38156,7 +38180,7 @@
           <p:cNvPr id="5" name="Picture 3">
             <a:extLst>
               <a:ext uri="{FF2B5EF4-FFF2-40B4-BE49-F238E27FC236}">
-                <a16:creationId xmlns:a16="http://schemas.microsoft.com/office/drawing/2014/main" xmlns="" id="{5F7D6C9C-2DF4-F962-D10F-5412C1DA0807}"/>
+                <a16:creationId xmlns="" xmlns:a16="http://schemas.microsoft.com/office/drawing/2014/main" id="{5F7D6C9C-2DF4-F962-D10F-5412C1DA0807}"/>
               </a:ext>
             </a:extLst>
           </p:cNvPr>
@@ -38191,7 +38215,7 @@
           <p:cNvPr id="7" name="Straight Arrow Connector 7">
             <a:extLst>
               <a:ext uri="{FF2B5EF4-FFF2-40B4-BE49-F238E27FC236}">
-                <a16:creationId xmlns:a16="http://schemas.microsoft.com/office/drawing/2014/main" xmlns="" id="{98A69CEB-47F4-A85F-762F-6622419002E6}"/>
+                <a16:creationId xmlns="" xmlns:a16="http://schemas.microsoft.com/office/drawing/2014/main" id="{98A69CEB-47F4-A85F-762F-6622419002E6}"/>
               </a:ext>
             </a:extLst>
           </p:cNvPr>
@@ -38237,7 +38261,7 @@
               <p:cNvPr id="8" name="TextBox 10">
                 <a:extLst>
                   <a:ext uri="{FF2B5EF4-FFF2-40B4-BE49-F238E27FC236}">
-                    <a16:creationId xmlns:a16="http://schemas.microsoft.com/office/drawing/2014/main" xmlns="" id="{54AC2781-3C16-CFC1-9D56-9FC370256E77}"/>
+                    <a16:creationId xmlns="" xmlns:a16="http://schemas.microsoft.com/office/drawing/2014/main" id="{54AC2781-3C16-CFC1-9D56-9FC370256E77}"/>
                   </a:ext>
                 </a:extLst>
               </p:cNvPr>
@@ -38329,7 +38353,7 @@
           <p:cNvPr id="2050" name="Picture 2">
             <a:extLst>
               <a:ext uri="{FF2B5EF4-FFF2-40B4-BE49-F238E27FC236}">
-                <a16:creationId xmlns:a16="http://schemas.microsoft.com/office/drawing/2014/main" xmlns="" id="{6232E825-A6A5-D6AD-ED62-433ACECDE117}"/>
+                <a16:creationId xmlns="" xmlns:a16="http://schemas.microsoft.com/office/drawing/2014/main" id="{6232E825-A6A5-D6AD-ED62-433ACECDE117}"/>
               </a:ext>
             </a:extLst>
           </p:cNvPr>
@@ -38404,7 +38428,7 @@
           <p:cNvPr id="2" name="Título 1">
             <a:extLst>
               <a:ext uri="{FF2B5EF4-FFF2-40B4-BE49-F238E27FC236}">
-                <a16:creationId xmlns:a16="http://schemas.microsoft.com/office/drawing/2014/main" xmlns="" id="{4A86A124-E47D-3417-36BC-8BEE00BC4668}"/>
+                <a16:creationId xmlns="" xmlns:a16="http://schemas.microsoft.com/office/drawing/2014/main" id="{4A86A124-E47D-3417-36BC-8BEE00BC4668}"/>
               </a:ext>
             </a:extLst>
           </p:cNvPr>
@@ -38434,7 +38458,7 @@
               <p:cNvPr id="3" name="Espaço Reservado para Conteúdo 2">
                 <a:extLst>
                   <a:ext uri="{FF2B5EF4-FFF2-40B4-BE49-F238E27FC236}">
-                    <a16:creationId xmlns:a16="http://schemas.microsoft.com/office/drawing/2014/main" xmlns="" id="{AD6B1EE1-E6EE-4E0B-FB14-A459C7084856}"/>
+                    <a16:creationId xmlns="" xmlns:a16="http://schemas.microsoft.com/office/drawing/2014/main" id="{AD6B1EE1-E6EE-4E0B-FB14-A459C7084856}"/>
                   </a:ext>
                 </a:extLst>
               </p:cNvPr>
@@ -38547,7 +38571,7 @@
           <p:cNvPr id="6" name="Agrupar 5">
             <a:extLst>
               <a:ext uri="{FF2B5EF4-FFF2-40B4-BE49-F238E27FC236}">
-                <a16:creationId xmlns:a16="http://schemas.microsoft.com/office/drawing/2014/main" xmlns="" id="{E0A98745-EC18-6F40-59B4-A8FC12CA3344}"/>
+                <a16:creationId xmlns="" xmlns:a16="http://schemas.microsoft.com/office/drawing/2014/main" id="{E0A98745-EC18-6F40-59B4-A8FC12CA3344}"/>
               </a:ext>
             </a:extLst>
           </p:cNvPr>
@@ -38567,7 +38591,7 @@
             <p:cNvPr id="4" name="Picture 4">
               <a:extLst>
                 <a:ext uri="{FF2B5EF4-FFF2-40B4-BE49-F238E27FC236}">
-                  <a16:creationId xmlns:a16="http://schemas.microsoft.com/office/drawing/2014/main" xmlns="" id="{5A818B0E-3846-85AC-CA3B-8E7732D8537B}"/>
+                  <a16:creationId xmlns="" xmlns:a16="http://schemas.microsoft.com/office/drawing/2014/main" id="{5A818B0E-3846-85AC-CA3B-8E7732D8537B}"/>
                 </a:ext>
               </a:extLst>
             </p:cNvPr>
@@ -38604,7 +38628,7 @@
                 <p:cNvPr id="5" name="Rectangle 5">
                   <a:extLst>
                     <a:ext uri="{FF2B5EF4-FFF2-40B4-BE49-F238E27FC236}">
-                      <a16:creationId xmlns:a16="http://schemas.microsoft.com/office/drawing/2014/main" xmlns="" id="{85F634B8-E175-3AAC-9CEE-E3119B65ED10}"/>
+                      <a16:creationId xmlns="" xmlns:a16="http://schemas.microsoft.com/office/drawing/2014/main" id="{85F634B8-E175-3AAC-9CEE-E3119B65ED10}"/>
                     </a:ext>
                   </a:extLst>
                 </p:cNvPr>

--- a/slides/T319_Regressão_Linear (Parte III).pptx
+++ b/slides/T319_Regressão_Linear (Parte III).pptx
@@ -6559,7 +6559,7 @@
           <p:cNvPr id="2" name="Título 1">
             <a:extLst>
               <a:ext uri="{FF2B5EF4-FFF2-40B4-BE49-F238E27FC236}">
-                <a16:creationId xmlns="" xmlns:a16="http://schemas.microsoft.com/office/drawing/2014/main" id="{32666AC8-2E17-4DB4-B0F5-60C640CCFD2E}"/>
+                <a16:creationId xmlns:a16="http://schemas.microsoft.com/office/drawing/2014/main" id="{32666AC8-2E17-4DB4-B0F5-60C640CCFD2E}"/>
               </a:ext>
             </a:extLst>
           </p:cNvPr>
@@ -6586,10 +6586,6 @@
               <a:rPr lang="pt-BR" sz="5400" dirty="0"/>
               <a:t>T319 - Introdução ao Aprendizado de Máquina:</a:t>
             </a:r>
-            <a:r>
-              <a:rPr lang="pt-BR" dirty="0"/>
-              <a:t/>
-            </a:r>
             <a:br>
               <a:rPr lang="pt-BR" dirty="0"/>
             </a:br>
@@ -6605,7 +6601,7 @@
           <p:cNvPr id="4" name="CaixaDeTexto 3">
             <a:extLst>
               <a:ext uri="{FF2B5EF4-FFF2-40B4-BE49-F238E27FC236}">
-                <a16:creationId xmlns="" xmlns:a16="http://schemas.microsoft.com/office/drawing/2014/main" id="{430EB894-B7D4-434C-9D1A-A14094D9BEEC}"/>
+                <a16:creationId xmlns:a16="http://schemas.microsoft.com/office/drawing/2014/main" id="{430EB894-B7D4-434C-9D1A-A14094D9BEEC}"/>
               </a:ext>
             </a:extLst>
           </p:cNvPr>
@@ -6646,7 +6642,7 @@
           <p:cNvPr id="1026" name="Picture 2" descr="Logo">
             <a:extLst>
               <a:ext uri="{FF2B5EF4-FFF2-40B4-BE49-F238E27FC236}">
-                <a16:creationId xmlns="" xmlns:a16="http://schemas.microsoft.com/office/drawing/2014/main" id="{3F2642E0-4F6A-4196-8F58-E77D36E9A33F}"/>
+                <a16:creationId xmlns:a16="http://schemas.microsoft.com/office/drawing/2014/main" id="{3F2642E0-4F6A-4196-8F58-E77D36E9A33F}"/>
               </a:ext>
             </a:extLst>
           </p:cNvPr>
@@ -6691,7 +6687,7 @@
           <p:cNvPr id="5122" name="Picture 2" descr="Image result for machine learning">
             <a:extLst>
               <a:ext uri="{FF2B5EF4-FFF2-40B4-BE49-F238E27FC236}">
-                <a16:creationId xmlns="" xmlns:a16="http://schemas.microsoft.com/office/drawing/2014/main" id="{810CE0A2-4102-44A6-A370-175E7896CDCB}"/>
+                <a16:creationId xmlns:a16="http://schemas.microsoft.com/office/drawing/2014/main" id="{810CE0A2-4102-44A6-A370-175E7896CDCB}"/>
               </a:ext>
             </a:extLst>
           </p:cNvPr>
@@ -6766,7 +6762,7 @@
           <p:cNvPr id="2" name="Título 1">
             <a:extLst>
               <a:ext uri="{FF2B5EF4-FFF2-40B4-BE49-F238E27FC236}">
-                <a16:creationId xmlns="" xmlns:a16="http://schemas.microsoft.com/office/drawing/2014/main" id="{4A86A124-E47D-3417-36BC-8BEE00BC4668}"/>
+                <a16:creationId xmlns:a16="http://schemas.microsoft.com/office/drawing/2014/main" id="{4A86A124-E47D-3417-36BC-8BEE00BC4668}"/>
               </a:ext>
             </a:extLst>
           </p:cNvPr>
@@ -6794,7 +6790,7 @@
           <p:cNvPr id="3" name="Espaço Reservado para Conteúdo 2">
             <a:extLst>
               <a:ext uri="{FF2B5EF4-FFF2-40B4-BE49-F238E27FC236}">
-                <a16:creationId xmlns="" xmlns:a16="http://schemas.microsoft.com/office/drawing/2014/main" id="{AD6B1EE1-E6EE-4E0B-FB14-A459C7084856}"/>
+                <a16:creationId xmlns:a16="http://schemas.microsoft.com/office/drawing/2014/main" id="{AD6B1EE1-E6EE-4E0B-FB14-A459C7084856}"/>
               </a:ext>
             </a:extLst>
           </p:cNvPr>
@@ -6899,7 +6895,7 @@
           <p:cNvPr id="6" name="Agrupar 5">
             <a:extLst>
               <a:ext uri="{FF2B5EF4-FFF2-40B4-BE49-F238E27FC236}">
-                <a16:creationId xmlns="" xmlns:a16="http://schemas.microsoft.com/office/drawing/2014/main" id="{E0A98745-EC18-6F40-59B4-A8FC12CA3344}"/>
+                <a16:creationId xmlns:a16="http://schemas.microsoft.com/office/drawing/2014/main" id="{E0A98745-EC18-6F40-59B4-A8FC12CA3344}"/>
               </a:ext>
             </a:extLst>
           </p:cNvPr>
@@ -6919,7 +6915,7 @@
             <p:cNvPr id="4" name="Picture 4">
               <a:extLst>
                 <a:ext uri="{FF2B5EF4-FFF2-40B4-BE49-F238E27FC236}">
-                  <a16:creationId xmlns="" xmlns:a16="http://schemas.microsoft.com/office/drawing/2014/main" id="{5A818B0E-3846-85AC-CA3B-8E7732D8537B}"/>
+                  <a16:creationId xmlns:a16="http://schemas.microsoft.com/office/drawing/2014/main" id="{5A818B0E-3846-85AC-CA3B-8E7732D8537B}"/>
                 </a:ext>
               </a:extLst>
             </p:cNvPr>
@@ -6956,7 +6952,7 @@
                 <p:cNvPr id="5" name="Rectangle 5">
                   <a:extLst>
                     <a:ext uri="{FF2B5EF4-FFF2-40B4-BE49-F238E27FC236}">
-                      <a16:creationId xmlns="" xmlns:a16="http://schemas.microsoft.com/office/drawing/2014/main" id="{85F634B8-E175-3AAC-9CEE-E3119B65ED10}"/>
+                      <a16:creationId xmlns:a16="http://schemas.microsoft.com/office/drawing/2014/main" id="{85F634B8-E175-3AAC-9CEE-E3119B65ED10}"/>
                     </a:ext>
                   </a:extLst>
                 </p:cNvPr>
@@ -7090,7 +7086,7 @@
           <p:cNvPr id="2" name="Título 1">
             <a:extLst>
               <a:ext uri="{FF2B5EF4-FFF2-40B4-BE49-F238E27FC236}">
-                <a16:creationId xmlns="" xmlns:a16="http://schemas.microsoft.com/office/drawing/2014/main" id="{4A86A124-E47D-3417-36BC-8BEE00BC4668}"/>
+                <a16:creationId xmlns:a16="http://schemas.microsoft.com/office/drawing/2014/main" id="{4A86A124-E47D-3417-36BC-8BEE00BC4668}"/>
               </a:ext>
             </a:extLst>
           </p:cNvPr>
@@ -7120,7 +7116,7 @@
               <p:cNvPr id="3" name="Espaço Reservado para Conteúdo 2">
                 <a:extLst>
                   <a:ext uri="{FF2B5EF4-FFF2-40B4-BE49-F238E27FC236}">
-                    <a16:creationId xmlns="" xmlns:a16="http://schemas.microsoft.com/office/drawing/2014/main" id="{AD6B1EE1-E6EE-4E0B-FB14-A459C7084856}"/>
+                    <a16:creationId xmlns:a16="http://schemas.microsoft.com/office/drawing/2014/main" id="{AD6B1EE1-E6EE-4E0B-FB14-A459C7084856}"/>
                   </a:ext>
                 </a:extLst>
               </p:cNvPr>
@@ -7307,7 +7303,7 @@
           <p:cNvPr id="6" name="Picture 7">
             <a:extLst>
               <a:ext uri="{FF2B5EF4-FFF2-40B4-BE49-F238E27FC236}">
-                <a16:creationId xmlns="" xmlns:a16="http://schemas.microsoft.com/office/drawing/2014/main" id="{29582EC0-E28F-B3E1-4D3A-BFB180B43200}"/>
+                <a16:creationId xmlns:a16="http://schemas.microsoft.com/office/drawing/2014/main" id="{29582EC0-E28F-B3E1-4D3A-BFB180B43200}"/>
               </a:ext>
             </a:extLst>
           </p:cNvPr>
@@ -7342,7 +7338,7 @@
           <p:cNvPr id="7" name="Picture 5">
             <a:extLst>
               <a:ext uri="{FF2B5EF4-FFF2-40B4-BE49-F238E27FC236}">
-                <a16:creationId xmlns="" xmlns:a16="http://schemas.microsoft.com/office/drawing/2014/main" id="{070A2BD3-D0B6-B61F-E496-0B0E7C544D63}"/>
+                <a16:creationId xmlns:a16="http://schemas.microsoft.com/office/drawing/2014/main" id="{070A2BD3-D0B6-B61F-E496-0B0E7C544D63}"/>
               </a:ext>
             </a:extLst>
           </p:cNvPr>
@@ -7377,7 +7373,7 @@
           <p:cNvPr id="9" name="Straight Arrow Connector 23">
             <a:extLst>
               <a:ext uri="{FF2B5EF4-FFF2-40B4-BE49-F238E27FC236}">
-                <a16:creationId xmlns="" xmlns:a16="http://schemas.microsoft.com/office/drawing/2014/main" id="{FCFA597F-5193-525D-A4F3-5192D411BA64}"/>
+                <a16:creationId xmlns:a16="http://schemas.microsoft.com/office/drawing/2014/main" id="{FCFA597F-5193-525D-A4F3-5192D411BA64}"/>
               </a:ext>
             </a:extLst>
           </p:cNvPr>
@@ -7424,7 +7420,7 @@
               <p:cNvPr id="10" name="TextBox 24">
                 <a:extLst>
                   <a:ext uri="{FF2B5EF4-FFF2-40B4-BE49-F238E27FC236}">
-                    <a16:creationId xmlns="" xmlns:a16="http://schemas.microsoft.com/office/drawing/2014/main" id="{E5B364EB-3E10-6499-FB8E-A0CF2D069362}"/>
+                    <a16:creationId xmlns:a16="http://schemas.microsoft.com/office/drawing/2014/main" id="{E5B364EB-3E10-6499-FB8E-A0CF2D069362}"/>
                   </a:ext>
                 </a:extLst>
               </p:cNvPr>
@@ -7516,7 +7512,7 @@
           <p:cNvPr id="3074" name="Picture 2">
             <a:extLst>
               <a:ext uri="{FF2B5EF4-FFF2-40B4-BE49-F238E27FC236}">
-                <a16:creationId xmlns="" xmlns:a16="http://schemas.microsoft.com/office/drawing/2014/main" id="{D97E89BE-830C-9FF1-89B2-40ABC6CE0F0D}"/>
+                <a16:creationId xmlns:a16="http://schemas.microsoft.com/office/drawing/2014/main" id="{D97E89BE-830C-9FF1-89B2-40ABC6CE0F0D}"/>
               </a:ext>
             </a:extLst>
           </p:cNvPr>
@@ -7591,7 +7587,7 @@
           <p:cNvPr id="2" name="Título 1">
             <a:extLst>
               <a:ext uri="{FF2B5EF4-FFF2-40B4-BE49-F238E27FC236}">
-                <a16:creationId xmlns="" xmlns:a16="http://schemas.microsoft.com/office/drawing/2014/main" id="{05A5A032-6954-55F0-305E-6B33F6A71483}"/>
+                <a16:creationId xmlns:a16="http://schemas.microsoft.com/office/drawing/2014/main" id="{05A5A032-6954-55F0-305E-6B33F6A71483}"/>
               </a:ext>
             </a:extLst>
           </p:cNvPr>
@@ -7619,7 +7615,7 @@
           <p:cNvPr id="3" name="Espaço Reservado para Conteúdo 2">
             <a:extLst>
               <a:ext uri="{FF2B5EF4-FFF2-40B4-BE49-F238E27FC236}">
-                <a16:creationId xmlns="" xmlns:a16="http://schemas.microsoft.com/office/drawing/2014/main" id="{8412B770-C618-DF43-C765-CC948AA99CA7}"/>
+                <a16:creationId xmlns:a16="http://schemas.microsoft.com/office/drawing/2014/main" id="{8412B770-C618-DF43-C765-CC948AA99CA7}"/>
               </a:ext>
             </a:extLst>
           </p:cNvPr>
@@ -7708,7 +7704,7 @@
           <p:cNvPr id="4" name="Picture 7">
             <a:extLst>
               <a:ext uri="{FF2B5EF4-FFF2-40B4-BE49-F238E27FC236}">
-                <a16:creationId xmlns="" xmlns:a16="http://schemas.microsoft.com/office/drawing/2014/main" id="{3AA8C8C3-3C48-8D40-77C8-31C7934D9AE5}"/>
+                <a16:creationId xmlns:a16="http://schemas.microsoft.com/office/drawing/2014/main" id="{3AA8C8C3-3C48-8D40-77C8-31C7934D9AE5}"/>
               </a:ext>
             </a:extLst>
           </p:cNvPr>
@@ -7773,7 +7769,7 @@
           <p:cNvPr id="2" name="Título 1">
             <a:extLst>
               <a:ext uri="{FF2B5EF4-FFF2-40B4-BE49-F238E27FC236}">
-                <a16:creationId xmlns="" xmlns:a16="http://schemas.microsoft.com/office/drawing/2014/main" id="{5EF6A69E-096D-D007-28F5-17618266C5EB}"/>
+                <a16:creationId xmlns:a16="http://schemas.microsoft.com/office/drawing/2014/main" id="{5EF6A69E-096D-D007-28F5-17618266C5EB}"/>
               </a:ext>
             </a:extLst>
           </p:cNvPr>
@@ -7801,7 +7797,7 @@
           <p:cNvPr id="3" name="Espaço Reservado para Conteúdo 2">
             <a:extLst>
               <a:ext uri="{FF2B5EF4-FFF2-40B4-BE49-F238E27FC236}">
-                <a16:creationId xmlns="" xmlns:a16="http://schemas.microsoft.com/office/drawing/2014/main" id="{5323D308-AFC7-C3C4-ED4E-8ADAA65191E4}"/>
+                <a16:creationId xmlns:a16="http://schemas.microsoft.com/office/drawing/2014/main" id="{5323D308-AFC7-C3C4-ED4E-8ADAA65191E4}"/>
               </a:ext>
             </a:extLst>
           </p:cNvPr>
@@ -7988,7 +7984,7 @@
           <p:cNvPr id="9" name="Imagem 8">
             <a:extLst>
               <a:ext uri="{FF2B5EF4-FFF2-40B4-BE49-F238E27FC236}">
-                <a16:creationId xmlns="" xmlns:a16="http://schemas.microsoft.com/office/drawing/2014/main" id="{6293314C-8B6C-5D4F-5881-F59368845658}"/>
+                <a16:creationId xmlns:a16="http://schemas.microsoft.com/office/drawing/2014/main" id="{6293314C-8B6C-5D4F-5881-F59368845658}"/>
               </a:ext>
             </a:extLst>
           </p:cNvPr>
@@ -8023,7 +8019,7 @@
           <p:cNvPr id="10" name="Picture 45">
             <a:extLst>
               <a:ext uri="{FF2B5EF4-FFF2-40B4-BE49-F238E27FC236}">
-                <a16:creationId xmlns="" xmlns:a16="http://schemas.microsoft.com/office/drawing/2014/main" id="{66C6627B-DA15-B458-83D7-BE121EE1615D}"/>
+                <a16:creationId xmlns:a16="http://schemas.microsoft.com/office/drawing/2014/main" id="{66C6627B-DA15-B458-83D7-BE121EE1615D}"/>
               </a:ext>
             </a:extLst>
           </p:cNvPr>
@@ -8058,7 +8054,7 @@
           <p:cNvPr id="11" name="Right Arrow 50">
             <a:extLst>
               <a:ext uri="{FF2B5EF4-FFF2-40B4-BE49-F238E27FC236}">
-                <a16:creationId xmlns="" xmlns:a16="http://schemas.microsoft.com/office/drawing/2014/main" id="{4EB6EC90-C16B-1D01-E136-93055342AD29}"/>
+                <a16:creationId xmlns:a16="http://schemas.microsoft.com/office/drawing/2014/main" id="{4EB6EC90-C16B-1D01-E136-93055342AD29}"/>
               </a:ext>
             </a:extLst>
           </p:cNvPr>
@@ -8140,7 +8136,7 @@
           <p:cNvPr id="2" name="Título 1">
             <a:extLst>
               <a:ext uri="{FF2B5EF4-FFF2-40B4-BE49-F238E27FC236}">
-                <a16:creationId xmlns="" xmlns:a16="http://schemas.microsoft.com/office/drawing/2014/main" id="{5EF6A69E-096D-D007-28F5-17618266C5EB}"/>
+                <a16:creationId xmlns:a16="http://schemas.microsoft.com/office/drawing/2014/main" id="{5EF6A69E-096D-D007-28F5-17618266C5EB}"/>
               </a:ext>
             </a:extLst>
           </p:cNvPr>
@@ -8168,7 +8164,7 @@
           <p:cNvPr id="3" name="Espaço Reservado para Conteúdo 2">
             <a:extLst>
               <a:ext uri="{FF2B5EF4-FFF2-40B4-BE49-F238E27FC236}">
-                <a16:creationId xmlns="" xmlns:a16="http://schemas.microsoft.com/office/drawing/2014/main" id="{5323D308-AFC7-C3C4-ED4E-8ADAA65191E4}"/>
+                <a16:creationId xmlns:a16="http://schemas.microsoft.com/office/drawing/2014/main" id="{5323D308-AFC7-C3C4-ED4E-8ADAA65191E4}"/>
               </a:ext>
             </a:extLst>
           </p:cNvPr>
@@ -8289,7 +8285,7 @@
           <p:cNvPr id="7" name="Imagem 6">
             <a:extLst>
               <a:ext uri="{FF2B5EF4-FFF2-40B4-BE49-F238E27FC236}">
-                <a16:creationId xmlns="" xmlns:a16="http://schemas.microsoft.com/office/drawing/2014/main" id="{2A4D98EC-18C1-B474-4AD7-1E84455AA95B}"/>
+                <a16:creationId xmlns:a16="http://schemas.microsoft.com/office/drawing/2014/main" id="{2A4D98EC-18C1-B474-4AD7-1E84455AA95B}"/>
               </a:ext>
             </a:extLst>
           </p:cNvPr>
@@ -8325,7 +8321,7 @@
           <p:cNvPr id="9" name="Picture 46">
             <a:extLst>
               <a:ext uri="{FF2B5EF4-FFF2-40B4-BE49-F238E27FC236}">
-                <a16:creationId xmlns="" xmlns:a16="http://schemas.microsoft.com/office/drawing/2014/main" id="{C7BFA423-C107-AD7A-127F-D33717E52BCE}"/>
+                <a16:creationId xmlns:a16="http://schemas.microsoft.com/office/drawing/2014/main" id="{C7BFA423-C107-AD7A-127F-D33717E52BCE}"/>
               </a:ext>
             </a:extLst>
           </p:cNvPr>
@@ -8360,7 +8356,7 @@
           <p:cNvPr id="10" name="Right Arrow 50">
             <a:extLst>
               <a:ext uri="{FF2B5EF4-FFF2-40B4-BE49-F238E27FC236}">
-                <a16:creationId xmlns="" xmlns:a16="http://schemas.microsoft.com/office/drawing/2014/main" id="{BA2D2D3D-32FC-6420-C5CF-5B8A6005C115}"/>
+                <a16:creationId xmlns:a16="http://schemas.microsoft.com/office/drawing/2014/main" id="{BA2D2D3D-32FC-6420-C5CF-5B8A6005C115}"/>
               </a:ext>
             </a:extLst>
           </p:cNvPr>
@@ -8442,7 +8438,7 @@
           <p:cNvPr id="2" name="Título 1">
             <a:extLst>
               <a:ext uri="{FF2B5EF4-FFF2-40B4-BE49-F238E27FC236}">
-                <a16:creationId xmlns="" xmlns:a16="http://schemas.microsoft.com/office/drawing/2014/main" id="{5EF6A69E-096D-D007-28F5-17618266C5EB}"/>
+                <a16:creationId xmlns:a16="http://schemas.microsoft.com/office/drawing/2014/main" id="{5EF6A69E-096D-D007-28F5-17618266C5EB}"/>
               </a:ext>
             </a:extLst>
           </p:cNvPr>
@@ -8470,7 +8466,7 @@
           <p:cNvPr id="3" name="Espaço Reservado para Conteúdo 2">
             <a:extLst>
               <a:ext uri="{FF2B5EF4-FFF2-40B4-BE49-F238E27FC236}">
-                <a16:creationId xmlns="" xmlns:a16="http://schemas.microsoft.com/office/drawing/2014/main" id="{5323D308-AFC7-C3C4-ED4E-8ADAA65191E4}"/>
+                <a16:creationId xmlns:a16="http://schemas.microsoft.com/office/drawing/2014/main" id="{5323D308-AFC7-C3C4-ED4E-8ADAA65191E4}"/>
               </a:ext>
             </a:extLst>
           </p:cNvPr>
@@ -8583,7 +8579,7 @@
           <p:cNvPr id="5" name="Imagem 4">
             <a:extLst>
               <a:ext uri="{FF2B5EF4-FFF2-40B4-BE49-F238E27FC236}">
-                <a16:creationId xmlns="" xmlns:a16="http://schemas.microsoft.com/office/drawing/2014/main" id="{D0FC005A-1D53-9B54-E0D7-5694609ACA1D}"/>
+                <a16:creationId xmlns:a16="http://schemas.microsoft.com/office/drawing/2014/main" id="{D0FC005A-1D53-9B54-E0D7-5694609ACA1D}"/>
               </a:ext>
             </a:extLst>
           </p:cNvPr>
@@ -8619,7 +8615,7 @@
           <p:cNvPr id="6" name="Picture 47">
             <a:extLst>
               <a:ext uri="{FF2B5EF4-FFF2-40B4-BE49-F238E27FC236}">
-                <a16:creationId xmlns="" xmlns:a16="http://schemas.microsoft.com/office/drawing/2014/main" id="{1B70BF55-F459-13C2-D9A0-CD0EAFBFA24D}"/>
+                <a16:creationId xmlns:a16="http://schemas.microsoft.com/office/drawing/2014/main" id="{1B70BF55-F459-13C2-D9A0-CD0EAFBFA24D}"/>
               </a:ext>
             </a:extLst>
           </p:cNvPr>
@@ -8654,7 +8650,7 @@
           <p:cNvPr id="8" name="Right Arrow 50">
             <a:extLst>
               <a:ext uri="{FF2B5EF4-FFF2-40B4-BE49-F238E27FC236}">
-                <a16:creationId xmlns="" xmlns:a16="http://schemas.microsoft.com/office/drawing/2014/main" id="{4CE3CAAF-5324-581B-5F00-C22061374152}"/>
+                <a16:creationId xmlns:a16="http://schemas.microsoft.com/office/drawing/2014/main" id="{4CE3CAAF-5324-581B-5F00-C22061374152}"/>
               </a:ext>
             </a:extLst>
           </p:cNvPr>
@@ -8736,7 +8732,7 @@
           <p:cNvPr id="2" name="Título 1">
             <a:extLst>
               <a:ext uri="{FF2B5EF4-FFF2-40B4-BE49-F238E27FC236}">
-                <a16:creationId xmlns="" xmlns:a16="http://schemas.microsoft.com/office/drawing/2014/main" id="{5EF6A69E-096D-D007-28F5-17618266C5EB}"/>
+                <a16:creationId xmlns:a16="http://schemas.microsoft.com/office/drawing/2014/main" id="{5EF6A69E-096D-D007-28F5-17618266C5EB}"/>
               </a:ext>
             </a:extLst>
           </p:cNvPr>
@@ -8764,7 +8760,7 @@
           <p:cNvPr id="8" name="Espaço Reservado para Conteúdo 7">
             <a:extLst>
               <a:ext uri="{FF2B5EF4-FFF2-40B4-BE49-F238E27FC236}">
-                <a16:creationId xmlns="" xmlns:a16="http://schemas.microsoft.com/office/drawing/2014/main" id="{7B9D9473-4E8E-377D-B1BB-4267C247D364}"/>
+                <a16:creationId xmlns:a16="http://schemas.microsoft.com/office/drawing/2014/main" id="{7B9D9473-4E8E-377D-B1BB-4267C247D364}"/>
               </a:ext>
             </a:extLst>
           </p:cNvPr>
@@ -8845,7 +8841,7 @@
           <p:cNvPr id="9" name="Espaço Reservado para Conteúdo 5">
             <a:extLst>
               <a:ext uri="{FF2B5EF4-FFF2-40B4-BE49-F238E27FC236}">
-                <a16:creationId xmlns="" xmlns:a16="http://schemas.microsoft.com/office/drawing/2014/main" id="{35860255-3691-3223-4E56-075772F72262}"/>
+                <a16:creationId xmlns:a16="http://schemas.microsoft.com/office/drawing/2014/main" id="{35860255-3691-3223-4E56-075772F72262}"/>
               </a:ext>
             </a:extLst>
           </p:cNvPr>
@@ -8881,7 +8877,7 @@
           <p:cNvPr id="10" name="Picture 48">
             <a:extLst>
               <a:ext uri="{FF2B5EF4-FFF2-40B4-BE49-F238E27FC236}">
-                <a16:creationId xmlns="" xmlns:a16="http://schemas.microsoft.com/office/drawing/2014/main" id="{D5B8F54A-8717-FA32-510A-0E14A5CF8749}"/>
+                <a16:creationId xmlns:a16="http://schemas.microsoft.com/office/drawing/2014/main" id="{D5B8F54A-8717-FA32-510A-0E14A5CF8749}"/>
               </a:ext>
             </a:extLst>
           </p:cNvPr>
@@ -8916,7 +8912,7 @@
           <p:cNvPr id="11" name="Right Arrow 50">
             <a:extLst>
               <a:ext uri="{FF2B5EF4-FFF2-40B4-BE49-F238E27FC236}">
-                <a16:creationId xmlns="" xmlns:a16="http://schemas.microsoft.com/office/drawing/2014/main" id="{05CC92E3-E5FB-1345-F6D4-88C0AEB16050}"/>
+                <a16:creationId xmlns:a16="http://schemas.microsoft.com/office/drawing/2014/main" id="{05CC92E3-E5FB-1345-F6D4-88C0AEB16050}"/>
               </a:ext>
             </a:extLst>
           </p:cNvPr>
@@ -8998,7 +8994,7 @@
           <p:cNvPr id="2" name="Título 1">
             <a:extLst>
               <a:ext uri="{FF2B5EF4-FFF2-40B4-BE49-F238E27FC236}">
-                <a16:creationId xmlns="" xmlns:a16="http://schemas.microsoft.com/office/drawing/2014/main" id="{E3B1AA5C-2DDF-9C9C-CE89-50D9B6F2FC20}"/>
+                <a16:creationId xmlns:a16="http://schemas.microsoft.com/office/drawing/2014/main" id="{E3B1AA5C-2DDF-9C9C-CE89-50D9B6F2FC20}"/>
               </a:ext>
             </a:extLst>
           </p:cNvPr>
@@ -9028,7 +9024,7 @@
               <p:cNvPr id="3" name="Espaço Reservado para Conteúdo 2">
                 <a:extLst>
                   <a:ext uri="{FF2B5EF4-FFF2-40B4-BE49-F238E27FC236}">
-                    <a16:creationId xmlns="" xmlns:a16="http://schemas.microsoft.com/office/drawing/2014/main" id="{83A38DD3-AAC8-CEBB-5966-BFE9490F478F}"/>
+                    <a16:creationId xmlns:a16="http://schemas.microsoft.com/office/drawing/2014/main" id="{83A38DD3-AAC8-CEBB-5966-BFE9490F478F}"/>
                   </a:ext>
                 </a:extLst>
               </p:cNvPr>
@@ -9328,7 +9324,7 @@
           <p:cNvPr id="2" name="Título 1">
             <a:extLst>
               <a:ext uri="{FF2B5EF4-FFF2-40B4-BE49-F238E27FC236}">
-                <a16:creationId xmlns="" xmlns:a16="http://schemas.microsoft.com/office/drawing/2014/main" id="{8FE2DAD2-5657-42A1-35B9-4BB9FD00F794}"/>
+                <a16:creationId xmlns:a16="http://schemas.microsoft.com/office/drawing/2014/main" id="{8FE2DAD2-5657-42A1-35B9-4BB9FD00F794}"/>
               </a:ext>
             </a:extLst>
           </p:cNvPr>
@@ -9351,14 +9347,14 @@
           </a:p>
         </p:txBody>
       </p:sp>
-      <mc:AlternateContent xmlns:mc="http://schemas.openxmlformats.org/markup-compatibility/2006" xmlns:a14="http://schemas.microsoft.com/office/drawing/2010/main">
-        <mc:Choice Requires="a14">
+      <mc:AlternateContent xmlns:mc="http://schemas.openxmlformats.org/markup-compatibility/2006">
+        <mc:Choice xmlns:a14="http://schemas.microsoft.com/office/drawing/2010/main" Requires="a14">
           <p:sp>
             <p:nvSpPr>
               <p:cNvPr id="3" name="Espaço Reservado para Conteúdo 2">
                 <a:extLst>
                   <a:ext uri="{FF2B5EF4-FFF2-40B4-BE49-F238E27FC236}">
-                    <a16:creationId xmlns="" xmlns:a16="http://schemas.microsoft.com/office/drawing/2014/main" id="{90C1EAA3-4293-62D4-5778-91C90AA88537}"/>
+                    <a16:creationId xmlns:a16="http://schemas.microsoft.com/office/drawing/2014/main" id="{90C1EAA3-4293-62D4-5778-91C90AA88537}"/>
                   </a:ext>
                 </a:extLst>
               </p:cNvPr>
@@ -9377,7 +9373,7 @@
             </p:spPr>
             <p:txBody>
               <a:bodyPr>
-                <a:normAutofit/>
+                <a:normAutofit lnSpcReduction="10000"/>
               </a:bodyPr>
               <a:lstStyle/>
               <a:p>
@@ -9583,36 +9579,28 @@
                           </m:r>
                         </m:e>
                       </m:d>
-                      <m:f>
-                        <m:fPr>
+                      <m:r>
+                        <a:rPr lang="pt-BR" i="1">
+                          <a:latin typeface="Cambria Math" panose="02040503050406030204" pitchFamily="18" charset="0"/>
+                          <a:ea typeface="Cambria Math" panose="02040503050406030204" pitchFamily="18" charset="0"/>
+                        </a:rPr>
+                        <m:t>𝛻</m:t>
+                      </m:r>
+                      <m:acc>
+                        <m:accPr>
+                          <m:chr m:val="̂"/>
                           <m:ctrlPr>
-                            <a:rPr lang="pt-BR" sz="2800" i="1">
-                              <a:solidFill>
-                                <a:schemeClr val="tx1"/>
-                              </a:solidFill>
+                            <a:rPr lang="pt-BR" i="1">
                               <a:latin typeface="Cambria Math" panose="02040503050406030204" pitchFamily="18" charset="0"/>
                               <a:ea typeface="Cambria Math" panose="02040503050406030204" pitchFamily="18" charset="0"/>
                             </a:rPr>
                           </m:ctrlPr>
-                        </m:fPr>
-                        <m:num>
-                          <m:r>
-                            <a:rPr lang="pt-BR" sz="2800" i="1">
-                              <a:solidFill>
-                                <a:schemeClr val="tx1"/>
-                              </a:solidFill>
-                              <a:latin typeface="Cambria Math" panose="02040503050406030204" pitchFamily="18" charset="0"/>
-                              <a:ea typeface="Cambria Math" panose="02040503050406030204" pitchFamily="18" charset="0"/>
-                            </a:rPr>
-                            <m:t>𝜕</m:t>
-                          </m:r>
+                        </m:accPr>
+                        <m:e>
                           <m:sSub>
                             <m:sSubPr>
                               <m:ctrlPr>
-                                <a:rPr lang="pt-BR" sz="2800" i="1">
-                                  <a:solidFill>
-                                    <a:schemeClr val="tx1"/>
-                                  </a:solidFill>
+                                <a:rPr lang="pt-BR" i="1">
                                   <a:latin typeface="Cambria Math" panose="02040503050406030204" pitchFamily="18" charset="0"/>
                                   <a:ea typeface="Cambria Math" panose="02040503050406030204" pitchFamily="18" charset="0"/>
                                 </a:rPr>
@@ -9620,10 +9608,7 @@
                             </m:sSubPr>
                             <m:e>
                               <m:r>
-                                <a:rPr lang="pt-BR" sz="2800" i="1">
-                                  <a:solidFill>
-                                    <a:schemeClr val="tx1"/>
-                                  </a:solidFill>
+                                <a:rPr lang="pt-BR" i="1">
                                   <a:latin typeface="Cambria Math" panose="02040503050406030204" pitchFamily="18" charset="0"/>
                                   <a:ea typeface="Cambria Math" panose="02040503050406030204" pitchFamily="18" charset="0"/>
                                 </a:rPr>
@@ -9632,10 +9617,7 @@
                             </m:e>
                             <m:sub>
                               <m:r>
-                                <a:rPr lang="pt-BR" sz="2800" i="1">
-                                  <a:solidFill>
-                                    <a:schemeClr val="tx1"/>
-                                  </a:solidFill>
+                                <a:rPr lang="pt-BR" i="1">
                                   <a:latin typeface="Cambria Math" panose="02040503050406030204" pitchFamily="18" charset="0"/>
                                   <a:ea typeface="Cambria Math" panose="02040503050406030204" pitchFamily="18" charset="0"/>
                                 </a:rPr>
@@ -9643,83 +9625,61 @@
                               </m:r>
                             </m:sub>
                           </m:sSub>
-                          <m:d>
-                            <m:dPr>
-                              <m:ctrlPr>
-                                <a:rPr lang="pt-BR" sz="2800" i="1">
-                                  <a:solidFill>
-                                    <a:schemeClr val="tx1"/>
-                                  </a:solidFill>
-                                  <a:latin typeface="Cambria Math" panose="02040503050406030204" pitchFamily="18" charset="0"/>
-                                  <a:ea typeface="Cambria Math" panose="02040503050406030204" pitchFamily="18" charset="0"/>
-                                </a:rPr>
-                              </m:ctrlPr>
-                            </m:dPr>
-                            <m:e>
-                              <m:r>
-                                <a:rPr lang="pt-BR" sz="2800" b="1" i="1">
-                                  <a:solidFill>
-                                    <a:schemeClr val="tx1"/>
-                                  </a:solidFill>
-                                  <a:latin typeface="Cambria Math" panose="02040503050406030204" pitchFamily="18" charset="0"/>
-                                  <a:ea typeface="Cambria Math" panose="02040503050406030204" pitchFamily="18" charset="0"/>
-                                </a:rPr>
-                                <m:t>𝒂</m:t>
-                              </m:r>
-                              <m:d>
-                                <m:dPr>
-                                  <m:ctrlPr>
-                                    <a:rPr lang="pt-BR" sz="2800" b="1" i="1">
-                                      <a:solidFill>
-                                        <a:schemeClr val="tx1"/>
-                                      </a:solidFill>
-                                      <a:latin typeface="Cambria Math" panose="02040503050406030204" pitchFamily="18" charset="0"/>
-                                      <a:ea typeface="Cambria Math" panose="02040503050406030204" pitchFamily="18" charset="0"/>
-                                    </a:rPr>
-                                  </m:ctrlPr>
-                                </m:dPr>
-                                <m:e>
-                                  <m:r>
-                                    <a:rPr lang="pt-BR" sz="2800" i="1">
-                                      <a:latin typeface="Cambria Math" panose="02040503050406030204" pitchFamily="18" charset="0"/>
-                                    </a:rPr>
-                                    <m:t>𝑖</m:t>
-                                  </m:r>
-                                </m:e>
-                              </m:d>
-                            </m:e>
-                          </m:d>
-                        </m:num>
-                        <m:den>
-                          <m:r>
-                            <a:rPr lang="pt-BR" sz="2800" i="1">
-                              <a:solidFill>
-                                <a:schemeClr val="tx1"/>
-                              </a:solidFill>
+                        </m:e>
+                      </m:acc>
+                      <m:r>
+                        <a:rPr lang="pt-BR" i="1">
+                          <a:latin typeface="Cambria Math" panose="02040503050406030204" pitchFamily="18" charset="0"/>
+                          <a:ea typeface="Cambria Math" panose="02040503050406030204" pitchFamily="18" charset="0"/>
+                        </a:rPr>
+                        <m:t> </m:t>
+                      </m:r>
+                      <m:d>
+                        <m:dPr>
+                          <m:ctrlPr>
+                            <a:rPr lang="pt-BR" i="1">
                               <a:latin typeface="Cambria Math" panose="02040503050406030204" pitchFamily="18" charset="0"/>
                               <a:ea typeface="Cambria Math" panose="02040503050406030204" pitchFamily="18" charset="0"/>
                             </a:rPr>
-                            <m:t>𝜕</m:t>
-                          </m:r>
+                          </m:ctrlPr>
+                        </m:dPr>
+                        <m:e>
                           <m:r>
-                            <a:rPr lang="pt-BR" sz="2800" b="1" i="1">
-                              <a:solidFill>
-                                <a:schemeClr val="tx1"/>
-                              </a:solidFill>
+                            <a:rPr lang="pt-BR" b="1" i="1">
                               <a:latin typeface="Cambria Math" panose="02040503050406030204" pitchFamily="18" charset="0"/>
+                              <a:ea typeface="Cambria Math" panose="02040503050406030204" pitchFamily="18" charset="0"/>
                             </a:rPr>
                             <m:t>𝒂</m:t>
                           </m:r>
-                        </m:den>
-                      </m:f>
+                          <m:r>
+                            <a:rPr lang="pt-BR" b="0" i="1" smtClean="0">
+                              <a:latin typeface="Cambria Math" panose="02040503050406030204" pitchFamily="18" charset="0"/>
+                              <a:ea typeface="Cambria Math" panose="02040503050406030204" pitchFamily="18" charset="0"/>
+                            </a:rPr>
+                            <m:t>(</m:t>
+                          </m:r>
+                          <m:r>
+                            <a:rPr lang="pt-BR" b="0" i="1" smtClean="0">
+                              <a:latin typeface="Cambria Math" panose="02040503050406030204" pitchFamily="18" charset="0"/>
+                              <a:ea typeface="Cambria Math" panose="02040503050406030204" pitchFamily="18" charset="0"/>
+                            </a:rPr>
+                            <m:t>𝑖</m:t>
+                          </m:r>
+                          <m:r>
+                            <a:rPr lang="pt-BR" b="0" i="1" smtClean="0">
+                              <a:latin typeface="Cambria Math" panose="02040503050406030204" pitchFamily="18" charset="0"/>
+                              <a:ea typeface="Cambria Math" panose="02040503050406030204" pitchFamily="18" charset="0"/>
+                            </a:rPr>
+                            <m:t>)</m:t>
+                          </m:r>
+                        </m:e>
+                      </m:d>
                       <m:r>
-                        <a:rPr lang="pt-BR" sz="2800" b="1" i="1" smtClean="0">
-                          <a:solidFill>
-                            <a:schemeClr val="tx1"/>
-                          </a:solidFill>
+                        <a:rPr lang="pt-BR" b="1" i="1" smtClean="0">
                           <a:latin typeface="Cambria Math" panose="02040503050406030204" pitchFamily="18" charset="0"/>
+                          <a:ea typeface="Cambria Math" panose="02040503050406030204" pitchFamily="18" charset="0"/>
                         </a:rPr>
-                        <m:t>.</m:t>
+                        <m:t>,</m:t>
                       </m:r>
                     </m:oMath>
                   </m:oMathPara>
@@ -9727,9 +9687,153 @@
                 <a:endParaRPr lang="pt-BR" dirty="0"/>
               </a:p>
               <a:p>
+                <a:pPr marL="0" indent="0">
+                  <a:buNone/>
+                </a:pPr>
                 <a:r>
                   <a:rPr lang="pt-BR" dirty="0"/>
-                  <a:t>Essa é a técnica mais simples, mas, precisamos encontrar os hiperparâmetros que dão a taxa ideal de redução do passo de aprendizagem.</a:t>
+                  <a:t>onde </a:t>
+                </a:r>
+                <a14:m>
+                  <m:oMath xmlns:m="http://schemas.openxmlformats.org/officeDocument/2006/math">
+                    <m:r>
+                      <a:rPr lang="pt-BR" sz="2800" i="1" smtClean="0">
+                        <a:latin typeface="Cambria Math" panose="02040503050406030204" pitchFamily="18" charset="0"/>
+                      </a:rPr>
+                      <m:t>𝑖</m:t>
+                    </m:r>
+                    <m:r>
+                      <a:rPr lang="pt-BR" sz="2800" i="1" smtClean="0">
+                        <a:latin typeface="Cambria Math" panose="02040503050406030204" pitchFamily="18" charset="0"/>
+                      </a:rPr>
+                      <m:t> </m:t>
+                    </m:r>
+                  </m:oMath>
+                </a14:m>
+                <a:r>
+                  <a:rPr lang="pt-BR" dirty="0"/>
+                  <a:t>é número da iteração de atualização atual e </a:t>
+                </a:r>
+                <a14:m>
+                  <m:oMath xmlns:m="http://schemas.openxmlformats.org/officeDocument/2006/math">
+                    <m:r>
+                      <a:rPr lang="pt-BR" i="1">
+                        <a:latin typeface="Cambria Math" panose="02040503050406030204" pitchFamily="18" charset="0"/>
+                        <a:ea typeface="Cambria Math" panose="02040503050406030204" pitchFamily="18" charset="0"/>
+                      </a:rPr>
+                      <m:t>𝛻</m:t>
+                    </m:r>
+                    <m:acc>
+                      <m:accPr>
+                        <m:chr m:val="̂"/>
+                        <m:ctrlPr>
+                          <a:rPr lang="pt-BR" i="1">
+                            <a:latin typeface="Cambria Math" panose="02040503050406030204" pitchFamily="18" charset="0"/>
+                            <a:ea typeface="Cambria Math" panose="02040503050406030204" pitchFamily="18" charset="0"/>
+                          </a:rPr>
+                        </m:ctrlPr>
+                      </m:accPr>
+                      <m:e>
+                        <m:sSub>
+                          <m:sSubPr>
+                            <m:ctrlPr>
+                              <a:rPr lang="pt-BR" i="1">
+                                <a:latin typeface="Cambria Math" panose="02040503050406030204" pitchFamily="18" charset="0"/>
+                                <a:ea typeface="Cambria Math" panose="02040503050406030204" pitchFamily="18" charset="0"/>
+                              </a:rPr>
+                            </m:ctrlPr>
+                          </m:sSubPr>
+                          <m:e>
+                            <m:r>
+                              <a:rPr lang="pt-BR" i="1">
+                                <a:latin typeface="Cambria Math" panose="02040503050406030204" pitchFamily="18" charset="0"/>
+                                <a:ea typeface="Cambria Math" panose="02040503050406030204" pitchFamily="18" charset="0"/>
+                              </a:rPr>
+                              <m:t>𝐽</m:t>
+                            </m:r>
+                          </m:e>
+                          <m:sub>
+                            <m:r>
+                              <a:rPr lang="pt-BR" i="1">
+                                <a:latin typeface="Cambria Math" panose="02040503050406030204" pitchFamily="18" charset="0"/>
+                                <a:ea typeface="Cambria Math" panose="02040503050406030204" pitchFamily="18" charset="0"/>
+                              </a:rPr>
+                              <m:t>𝑒</m:t>
+                            </m:r>
+                          </m:sub>
+                        </m:sSub>
+                      </m:e>
+                    </m:acc>
+                    <m:r>
+                      <a:rPr lang="pt-BR" i="1">
+                        <a:latin typeface="Cambria Math" panose="02040503050406030204" pitchFamily="18" charset="0"/>
+                        <a:ea typeface="Cambria Math" panose="02040503050406030204" pitchFamily="18" charset="0"/>
+                      </a:rPr>
+                      <m:t> </m:t>
+                    </m:r>
+                    <m:d>
+                      <m:dPr>
+                        <m:ctrlPr>
+                          <a:rPr lang="pt-BR" i="1">
+                            <a:latin typeface="Cambria Math" panose="02040503050406030204" pitchFamily="18" charset="0"/>
+                            <a:ea typeface="Cambria Math" panose="02040503050406030204" pitchFamily="18" charset="0"/>
+                          </a:rPr>
+                        </m:ctrlPr>
+                      </m:dPr>
+                      <m:e>
+                        <m:r>
+                          <a:rPr lang="pt-BR" b="1" i="1">
+                            <a:latin typeface="Cambria Math" panose="02040503050406030204" pitchFamily="18" charset="0"/>
+                            <a:ea typeface="Cambria Math" panose="02040503050406030204" pitchFamily="18" charset="0"/>
+                          </a:rPr>
+                          <m:t>𝒂</m:t>
+                        </m:r>
+                        <m:r>
+                          <a:rPr lang="pt-BR" b="0" i="1" smtClean="0">
+                            <a:latin typeface="Cambria Math" panose="02040503050406030204" pitchFamily="18" charset="0"/>
+                            <a:ea typeface="Cambria Math" panose="02040503050406030204" pitchFamily="18" charset="0"/>
+                          </a:rPr>
+                          <m:t>(</m:t>
+                        </m:r>
+                        <m:r>
+                          <a:rPr lang="pt-BR" b="0" i="1" smtClean="0">
+                            <a:latin typeface="Cambria Math" panose="02040503050406030204" pitchFamily="18" charset="0"/>
+                            <a:ea typeface="Cambria Math" panose="02040503050406030204" pitchFamily="18" charset="0"/>
+                          </a:rPr>
+                          <m:t>𝑖</m:t>
+                        </m:r>
+                        <m:r>
+                          <a:rPr lang="pt-BR" b="0" i="1" smtClean="0">
+                            <a:latin typeface="Cambria Math" panose="02040503050406030204" pitchFamily="18" charset="0"/>
+                            <a:ea typeface="Cambria Math" panose="02040503050406030204" pitchFamily="18" charset="0"/>
+                          </a:rPr>
+                          <m:t>)</m:t>
+                        </m:r>
+                      </m:e>
+                    </m:d>
+                  </m:oMath>
+                </a14:m>
+                <a:r>
+                  <a:rPr lang="pt-BR" dirty="0"/>
+                  <a:t> é a </a:t>
+                </a:r>
+                <a:r>
+                  <a:rPr lang="pt-BR" b="1" i="1" dirty="0">
+                    <a:solidFill>
+                      <a:srgbClr val="00B050"/>
+                    </a:solidFill>
+                  </a:rPr>
+                  <a:t>estimativa do vetor gradiente</a:t>
+                </a:r>
+                <a:r>
+                  <a:rPr lang="pt-BR" dirty="0"/>
+                  <a:t>.</a:t>
+                </a:r>
+              </a:p>
+              <a:p>
+                <a:r>
+                  <a:rPr lang="pt-BR" dirty="0"/>
+                  <a:t>Essa é a técnica mais simples das que veremos, mas, precisamos encontrar os hiperparâmetros que dão a taxa ideal de redução do passo de aprendizagem.</a:t>
                 </a:r>
               </a:p>
               <a:p>
@@ -9741,7 +9845,7 @@
             </p:txBody>
           </p:sp>
         </mc:Choice>
-        <mc:Fallback xmlns="">
+        <mc:Fallback>
           <p:sp>
             <p:nvSpPr>
               <p:cNvPr id="3" name="Espaço Reservado para Conteúdo 2">
@@ -9766,7 +9870,7 @@
               <a:blipFill>
                 <a:blip r:embed="rId2"/>
                 <a:stretch>
-                  <a:fillRect l="-981" t="-1937" r="-1091" b="-1937"/>
+                  <a:fillRect l="-1145" t="-2663" r="-1745" b="-2542"/>
                 </a:stretch>
               </a:blipFill>
             </p:spPr>
@@ -9790,7 +9894,7 @@
           <p:cNvPr id="5" name="Retângulo 4">
             <a:extLst>
               <a:ext uri="{FF2B5EF4-FFF2-40B4-BE49-F238E27FC236}">
-                <a16:creationId xmlns="" xmlns:a16="http://schemas.microsoft.com/office/drawing/2014/main" id="{F3C49CDB-DEA1-DD50-127B-71A2D929D6C4}"/>
+                <a16:creationId xmlns:a16="http://schemas.microsoft.com/office/drawing/2014/main" id="{F3C49CDB-DEA1-DD50-127B-71A2D929D6C4}"/>
               </a:ext>
             </a:extLst>
           </p:cNvPr>
@@ -9799,8 +9903,8 @@
         </p:nvSpPr>
         <p:spPr>
           <a:xfrm>
-            <a:off x="6667499" y="4295274"/>
-            <a:ext cx="692151" cy="589548"/>
+            <a:off x="6689098" y="3894953"/>
+            <a:ext cx="642266" cy="442912"/>
           </a:xfrm>
           <a:prstGeom prst="rect">
             <a:avLst/>
@@ -9872,7 +9976,7 @@
           <p:cNvPr id="2" name="Título 1">
             <a:extLst>
               <a:ext uri="{FF2B5EF4-FFF2-40B4-BE49-F238E27FC236}">
-                <a16:creationId xmlns="" xmlns:a16="http://schemas.microsoft.com/office/drawing/2014/main" id="{5DB853DE-E713-4707-319D-273A1EFA97B0}"/>
+                <a16:creationId xmlns:a16="http://schemas.microsoft.com/office/drawing/2014/main" id="{5DB853DE-E713-4707-319D-273A1EFA97B0}"/>
               </a:ext>
             </a:extLst>
           </p:cNvPr>
@@ -9895,14 +9999,14 @@
           </a:p>
         </p:txBody>
       </p:sp>
-      <mc:AlternateContent xmlns:mc="http://schemas.openxmlformats.org/markup-compatibility/2006" xmlns:a14="http://schemas.microsoft.com/office/drawing/2010/main">
-        <mc:Choice Requires="a14">
+      <mc:AlternateContent xmlns:mc="http://schemas.openxmlformats.org/markup-compatibility/2006">
+        <mc:Choice xmlns:a14="http://schemas.microsoft.com/office/drawing/2010/main" Requires="a14">
           <p:sp>
             <p:nvSpPr>
               <p:cNvPr id="3" name="Espaço Reservado para Conteúdo 2">
                 <a:extLst>
                   <a:ext uri="{FF2B5EF4-FFF2-40B4-BE49-F238E27FC236}">
-                    <a16:creationId xmlns="" xmlns:a16="http://schemas.microsoft.com/office/drawing/2014/main" id="{233A3F22-CF42-B5C5-F43D-BEC6A4313FC6}"/>
+                    <a16:creationId xmlns:a16="http://schemas.microsoft.com/office/drawing/2014/main" id="{233A3F22-CF42-B5C5-F43D-BEC6A4313FC6}"/>
                   </a:ext>
                 </a:extLst>
               </p:cNvPr>
@@ -9933,22 +10037,7 @@
                 </a:r>
                 <a:r>
                   <a:rPr lang="pt-BR" dirty="0"/>
-                  <a:t> do passo de aprendizagem, </a:t>
-                </a:r>
-                <a14:m>
-                  <m:oMath xmlns:m="http://schemas.openxmlformats.org/officeDocument/2006/math">
-                    <m:r>
-                      <a:rPr lang="pt-BR" i="1" smtClean="0">
-                        <a:latin typeface="Cambria Math" panose="02040503050406030204" pitchFamily="18" charset="0"/>
-                        <a:ea typeface="Cambria Math" panose="02040503050406030204" pitchFamily="18" charset="0"/>
-                      </a:rPr>
-                      <m:t>𝛼</m:t>
-                    </m:r>
-                  </m:oMath>
-                </a14:m>
-                <a:r>
-                  <a:rPr lang="pt-BR" dirty="0"/>
-                  <a:t>, são:</a:t>
+                  <a:t> do passo de aprendizagem são:</a:t>
                 </a:r>
               </a:p>
               <a:p>
@@ -10101,7 +10190,21 @@
                         <a:latin typeface="Cambria Math" panose="02040503050406030204" pitchFamily="18" charset="0"/>
                         <a:ea typeface="Cambria Math" panose="02040503050406030204" pitchFamily="18" charset="0"/>
                       </a:rPr>
-                      <m:t>=</m:t>
+                      <m:t>(</m:t>
+                    </m:r>
+                    <m:r>
+                      <a:rPr lang="pt-BR" b="0" i="1" smtClean="0">
+                        <a:latin typeface="Cambria Math" panose="02040503050406030204" pitchFamily="18" charset="0"/>
+                        <a:ea typeface="Cambria Math" panose="02040503050406030204" pitchFamily="18" charset="0"/>
+                      </a:rPr>
+                      <m:t>𝑖</m:t>
+                    </m:r>
+                    <m:r>
+                      <a:rPr lang="pt-BR" b="0" i="1" smtClean="0">
+                        <a:latin typeface="Cambria Math" panose="02040503050406030204" pitchFamily="18" charset="0"/>
+                        <a:ea typeface="Cambria Math" panose="02040503050406030204" pitchFamily="18" charset="0"/>
+                      </a:rPr>
+                      <m:t>)=</m:t>
                     </m:r>
                     <m:sSub>
                       <m:sSubPr>
@@ -10162,7 +10265,7 @@
                             <a:latin typeface="Cambria Math" panose="02040503050406030204" pitchFamily="18" charset="0"/>
                             <a:ea typeface="Cambria Math" panose="02040503050406030204" pitchFamily="18" charset="0"/>
                           </a:rPr>
-                          <m:t>𝑘𝑡</m:t>
+                          <m:t>𝑘𝑖</m:t>
                         </m:r>
                       </m:sup>
                     </m:sSup>
@@ -10226,11 +10329,10 @@
                 <a14:m>
                   <m:oMath xmlns:m="http://schemas.openxmlformats.org/officeDocument/2006/math">
                     <m:r>
-                      <a:rPr lang="pt-BR" i="1">
+                      <a:rPr lang="pt-BR" b="0" i="1" smtClean="0">
                         <a:latin typeface="Cambria Math" panose="02040503050406030204" pitchFamily="18" charset="0"/>
-                        <a:ea typeface="Cambria Math" panose="02040503050406030204" pitchFamily="18" charset="0"/>
                       </a:rPr>
-                      <m:t>𝑡</m:t>
+                      <m:t>𝑖</m:t>
                     </m:r>
                   </m:oMath>
                 </a14:m>
@@ -10266,7 +10368,21 @@
                         <a:latin typeface="Cambria Math" panose="02040503050406030204" pitchFamily="18" charset="0"/>
                         <a:ea typeface="Cambria Math" panose="02040503050406030204" pitchFamily="18" charset="0"/>
                       </a:rPr>
-                      <m:t>=</m:t>
+                      <m:t>(</m:t>
+                    </m:r>
+                    <m:r>
+                      <a:rPr lang="pt-BR" b="0" i="1" smtClean="0">
+                        <a:latin typeface="Cambria Math" panose="02040503050406030204" pitchFamily="18" charset="0"/>
+                        <a:ea typeface="Cambria Math" panose="02040503050406030204" pitchFamily="18" charset="0"/>
+                      </a:rPr>
+                      <m:t>𝑖</m:t>
+                    </m:r>
+                    <m:r>
+                      <a:rPr lang="pt-BR" b="0" i="1" smtClean="0">
+                        <a:latin typeface="Cambria Math" panose="02040503050406030204" pitchFamily="18" charset="0"/>
+                        <a:ea typeface="Cambria Math" panose="02040503050406030204" pitchFamily="18" charset="0"/>
+                      </a:rPr>
+                      <m:t>)=</m:t>
                     </m:r>
                     <m:f>
                       <m:fPr>
@@ -10331,7 +10447,7 @@
                                 <a:latin typeface="Cambria Math" panose="02040503050406030204" pitchFamily="18" charset="0"/>
                                 <a:ea typeface="Cambria Math" panose="02040503050406030204" pitchFamily="18" charset="0"/>
                               </a:rPr>
-                              <m:t>𝑘𝑡</m:t>
+                              <m:t>𝑘𝑖</m:t>
                             </m:r>
                           </m:e>
                         </m:d>
@@ -10397,11 +10513,11 @@
                 <a14:m>
                   <m:oMath xmlns:m="http://schemas.openxmlformats.org/officeDocument/2006/math">
                     <m:r>
-                      <a:rPr lang="pt-BR" i="1">
+                      <a:rPr lang="pt-BR" b="0" i="1" smtClean="0">
                         <a:latin typeface="Cambria Math" panose="02040503050406030204" pitchFamily="18" charset="0"/>
                         <a:ea typeface="Cambria Math" panose="02040503050406030204" pitchFamily="18" charset="0"/>
                       </a:rPr>
-                      <m:t>𝑡</m:t>
+                      <m:t>𝑖</m:t>
                     </m:r>
                   </m:oMath>
                 </a14:m>
@@ -10508,7 +10624,7 @@
             </p:txBody>
           </p:sp>
         </mc:Choice>
-        <mc:Fallback xmlns="">
+        <mc:Fallback>
           <p:sp>
             <p:nvSpPr>
               <p:cNvPr id="3" name="Espaço Reservado para Conteúdo 2">
@@ -10533,7 +10649,7 @@
               <a:blipFill>
                 <a:blip r:embed="rId2"/>
                 <a:stretch>
-                  <a:fillRect l="-936" t="-1937" r="-1046"/>
+                  <a:fillRect l="-936" t="-1937" r="-1101"/>
                 </a:stretch>
               </a:blipFill>
             </p:spPr>
@@ -10825,7 +10941,7 @@
           <p:cNvPr id="2" name="Título 1">
             <a:extLst>
               <a:ext uri="{FF2B5EF4-FFF2-40B4-BE49-F238E27FC236}">
-                <a16:creationId xmlns="" xmlns:a16="http://schemas.microsoft.com/office/drawing/2014/main" id="{8FE2DAD2-5657-42A1-35B9-4BB9FD00F794}"/>
+                <a16:creationId xmlns:a16="http://schemas.microsoft.com/office/drawing/2014/main" id="{8FE2DAD2-5657-42A1-35B9-4BB9FD00F794}"/>
               </a:ext>
             </a:extLst>
           </p:cNvPr>
@@ -10855,7 +10971,7 @@
               <p:cNvPr id="3" name="Espaço Reservado para Conteúdo 2">
                 <a:extLst>
                   <a:ext uri="{FF2B5EF4-FFF2-40B4-BE49-F238E27FC236}">
-                    <a16:creationId xmlns="" xmlns:a16="http://schemas.microsoft.com/office/drawing/2014/main" id="{90C1EAA3-4293-62D4-5778-91C90AA88537}"/>
+                    <a16:creationId xmlns:a16="http://schemas.microsoft.com/office/drawing/2014/main" id="{90C1EAA3-4293-62D4-5778-91C90AA88537}"/>
                   </a:ext>
                 </a:extLst>
               </p:cNvPr>
@@ -10874,7 +10990,7 @@
             </p:spPr>
             <p:txBody>
               <a:bodyPr>
-                <a:normAutofit/>
+                <a:normAutofit lnSpcReduction="10000"/>
               </a:bodyPr>
               <a:lstStyle/>
               <a:p>
@@ -10977,12 +11093,31 @@
                         </a:rPr>
                         <m:t>𝝂</m:t>
                       </m:r>
+                      <m:d>
+                        <m:dPr>
+                          <m:ctrlPr>
+                            <a:rPr lang="pt-BR" sz="2800" b="1" i="1" smtClean="0">
+                              <a:latin typeface="Cambria Math" panose="02040503050406030204" pitchFamily="18" charset="0"/>
+                              <a:ea typeface="Cambria Math" panose="02040503050406030204" pitchFamily="18" charset="0"/>
+                            </a:rPr>
+                          </m:ctrlPr>
+                        </m:dPr>
+                        <m:e>
+                          <m:r>
+                            <a:rPr lang="pt-BR" i="1">
+                              <a:latin typeface="Cambria Math" panose="02040503050406030204" pitchFamily="18" charset="0"/>
+                              <a:ea typeface="Cambria Math" panose="02040503050406030204" pitchFamily="18" charset="0"/>
+                            </a:rPr>
+                            <m:t>𝑖</m:t>
+                          </m:r>
+                        </m:e>
+                      </m:d>
                       <m:r>
-                        <a:rPr lang="en-US" sz="2800" b="1" i="1">
+                        <a:rPr lang="pt-BR" b="1" i="1" smtClean="0">
                           <a:latin typeface="Cambria Math" panose="02040503050406030204" pitchFamily="18" charset="0"/>
                           <a:ea typeface="Cambria Math" panose="02040503050406030204" pitchFamily="18" charset="0"/>
                         </a:rPr>
-                        <m:t>←</m:t>
+                        <m:t>=</m:t>
                       </m:r>
                       <m:r>
                         <a:rPr lang="el-GR" sz="2800" i="1">
@@ -10997,6 +11132,34 @@
                           <a:ea typeface="Cambria Math" panose="02040503050406030204" pitchFamily="18" charset="0"/>
                         </a:rPr>
                         <m:t>𝝂</m:t>
+                      </m:r>
+                      <m:r>
+                        <a:rPr lang="pt-BR" i="1">
+                          <a:latin typeface="Cambria Math" panose="02040503050406030204" pitchFamily="18" charset="0"/>
+                          <a:ea typeface="Cambria Math" panose="02040503050406030204" pitchFamily="18" charset="0"/>
+                        </a:rPr>
+                        <m:t>(</m:t>
+                      </m:r>
+                      <m:r>
+                        <a:rPr lang="pt-BR" i="1">
+                          <a:latin typeface="Cambria Math" panose="02040503050406030204" pitchFamily="18" charset="0"/>
+                          <a:ea typeface="Cambria Math" panose="02040503050406030204" pitchFamily="18" charset="0"/>
+                        </a:rPr>
+                        <m:t>𝑖</m:t>
+                      </m:r>
+                      <m:r>
+                        <a:rPr lang="pt-BR" b="0" i="1" smtClean="0">
+                          <a:latin typeface="Cambria Math" panose="02040503050406030204" pitchFamily="18" charset="0"/>
+                          <a:ea typeface="Cambria Math" panose="02040503050406030204" pitchFamily="18" charset="0"/>
+                        </a:rPr>
+                        <m:t>−1</m:t>
+                      </m:r>
+                      <m:r>
+                        <a:rPr lang="pt-BR" i="1">
+                          <a:latin typeface="Cambria Math" panose="02040503050406030204" pitchFamily="18" charset="0"/>
+                          <a:ea typeface="Cambria Math" panose="02040503050406030204" pitchFamily="18" charset="0"/>
+                        </a:rPr>
+                        <m:t>)</m:t>
                       </m:r>
                       <m:r>
                         <a:rPr lang="pt-BR" sz="2800" b="0" i="1" smtClean="0">
@@ -11103,6 +11266,27 @@
                             </a:rPr>
                             <m:t>𝒂</m:t>
                           </m:r>
+                          <m:r>
+                            <a:rPr lang="pt-BR" i="1">
+                              <a:latin typeface="Cambria Math" panose="02040503050406030204" pitchFamily="18" charset="0"/>
+                              <a:ea typeface="Cambria Math" panose="02040503050406030204" pitchFamily="18" charset="0"/>
+                            </a:rPr>
+                            <m:t>(</m:t>
+                          </m:r>
+                          <m:r>
+                            <a:rPr lang="pt-BR" i="1">
+                              <a:latin typeface="Cambria Math" panose="02040503050406030204" pitchFamily="18" charset="0"/>
+                              <a:ea typeface="Cambria Math" panose="02040503050406030204" pitchFamily="18" charset="0"/>
+                            </a:rPr>
+                            <m:t>𝑖</m:t>
+                          </m:r>
+                          <m:r>
+                            <a:rPr lang="pt-BR" i="1">
+                              <a:latin typeface="Cambria Math" panose="02040503050406030204" pitchFamily="18" charset="0"/>
+                              <a:ea typeface="Cambria Math" panose="02040503050406030204" pitchFamily="18" charset="0"/>
+                            </a:rPr>
+                            <m:t>)</m:t>
+                          </m:r>
                         </m:e>
                       </m:d>
                       <m:r>
@@ -11115,7 +11299,7 @@
                     </m:oMath>
                   </m:oMathPara>
                 </a14:m>
-                <a:endParaRPr lang="pt-BR" sz="2800" i="1" dirty="0">
+                <a:endParaRPr lang="pt-BR" sz="800" i="1" dirty="0">
                   <a:latin typeface="Cambria Math" panose="02040503050406030204" pitchFamily="18" charset="0"/>
                   <a:ea typeface="Cambria Math" panose="02040503050406030204" pitchFamily="18" charset="0"/>
                 </a:endParaRPr>
@@ -11144,12 +11328,38 @@
                         </a:rPr>
                         <m:t>𝒂</m:t>
                       </m:r>
+                      <m:d>
+                        <m:dPr>
+                          <m:ctrlPr>
+                            <a:rPr lang="pt-BR" sz="2800" b="0" i="1" smtClean="0">
+                              <a:latin typeface="Cambria Math" panose="02040503050406030204" pitchFamily="18" charset="0"/>
+                              <a:ea typeface="Cambria Math" panose="02040503050406030204" pitchFamily="18" charset="0"/>
+                            </a:rPr>
+                          </m:ctrlPr>
+                        </m:dPr>
+                        <m:e>
+                          <m:r>
+                            <a:rPr lang="pt-BR" sz="2800" b="0" i="1" smtClean="0">
+                              <a:latin typeface="Cambria Math" panose="02040503050406030204" pitchFamily="18" charset="0"/>
+                              <a:ea typeface="Cambria Math" panose="02040503050406030204" pitchFamily="18" charset="0"/>
+                            </a:rPr>
+                            <m:t>𝑖</m:t>
+                          </m:r>
+                          <m:r>
+                            <a:rPr lang="pt-BR" sz="2800" b="0" i="1" smtClean="0">
+                              <a:latin typeface="Cambria Math" panose="02040503050406030204" pitchFamily="18" charset="0"/>
+                              <a:ea typeface="Cambria Math" panose="02040503050406030204" pitchFamily="18" charset="0"/>
+                            </a:rPr>
+                            <m:t>+1</m:t>
+                          </m:r>
+                        </m:e>
+                      </m:d>
                       <m:r>
-                        <a:rPr lang="en-US" sz="2800" b="1" i="1">
+                        <a:rPr lang="pt-BR" sz="2800" b="1" i="1" smtClean="0">
                           <a:latin typeface="Cambria Math" panose="02040503050406030204" pitchFamily="18" charset="0"/>
                           <a:ea typeface="Cambria Math" panose="02040503050406030204" pitchFamily="18" charset="0"/>
                         </a:rPr>
-                        <m:t>←</m:t>
+                        <m:t>=</m:t>
                       </m:r>
                       <m:r>
                         <a:rPr lang="pt-BR" sz="2800" b="1" i="1">
@@ -11157,6 +11367,27 @@
                           <a:ea typeface="Cambria Math" panose="02040503050406030204" pitchFamily="18" charset="0"/>
                         </a:rPr>
                         <m:t>𝒂</m:t>
+                      </m:r>
+                      <m:r>
+                        <a:rPr lang="pt-BR" sz="2800" b="0" i="1" smtClean="0">
+                          <a:latin typeface="Cambria Math" panose="02040503050406030204" pitchFamily="18" charset="0"/>
+                          <a:ea typeface="Cambria Math" panose="02040503050406030204" pitchFamily="18" charset="0"/>
+                        </a:rPr>
+                        <m:t>(</m:t>
+                      </m:r>
+                      <m:r>
+                        <a:rPr lang="pt-BR" sz="2800" b="0" i="1" smtClean="0">
+                          <a:latin typeface="Cambria Math" panose="02040503050406030204" pitchFamily="18" charset="0"/>
+                          <a:ea typeface="Cambria Math" panose="02040503050406030204" pitchFamily="18" charset="0"/>
+                        </a:rPr>
+                        <m:t>𝑖</m:t>
+                      </m:r>
+                      <m:r>
+                        <a:rPr lang="pt-BR" sz="2800" b="0" i="1" smtClean="0">
+                          <a:latin typeface="Cambria Math" panose="02040503050406030204" pitchFamily="18" charset="0"/>
+                          <a:ea typeface="Cambria Math" panose="02040503050406030204" pitchFamily="18" charset="0"/>
+                        </a:rPr>
+                        <m:t>)</m:t>
                       </m:r>
                       <m:r>
                         <a:rPr lang="pt-BR" sz="2800" b="0" i="0" smtClean="0">
@@ -11178,6 +11409,27 @@
                           <a:ea typeface="Cambria Math" panose="02040503050406030204" pitchFamily="18" charset="0"/>
                         </a:rPr>
                         <m:t>𝝂</m:t>
+                      </m:r>
+                      <m:r>
+                        <a:rPr lang="pt-BR" sz="2800" b="0" i="1" smtClean="0">
+                          <a:latin typeface="Cambria Math" panose="02040503050406030204" pitchFamily="18" charset="0"/>
+                          <a:ea typeface="Cambria Math" panose="02040503050406030204" pitchFamily="18" charset="0"/>
+                        </a:rPr>
+                        <m:t>(</m:t>
+                      </m:r>
+                      <m:r>
+                        <a:rPr lang="pt-BR" sz="2800" b="0" i="1" smtClean="0">
+                          <a:latin typeface="Cambria Math" panose="02040503050406030204" pitchFamily="18" charset="0"/>
+                          <a:ea typeface="Cambria Math" panose="02040503050406030204" pitchFamily="18" charset="0"/>
+                        </a:rPr>
+                        <m:t>𝑖</m:t>
+                      </m:r>
+                      <m:r>
+                        <a:rPr lang="pt-BR" sz="2800" b="0" i="1" smtClean="0">
+                          <a:latin typeface="Cambria Math" panose="02040503050406030204" pitchFamily="18" charset="0"/>
+                          <a:ea typeface="Cambria Math" panose="02040503050406030204" pitchFamily="18" charset="0"/>
+                        </a:rPr>
+                        <m:t>)</m:t>
                       </m:r>
                       <m:r>
                         <a:rPr lang="pt-BR" sz="2800" b="1" i="1" smtClean="0">
@@ -11273,6 +11525,27 @@
                           </a:rPr>
                           <m:t>𝒂</m:t>
                         </m:r>
+                        <m:r>
+                          <a:rPr lang="pt-BR" i="1">
+                            <a:latin typeface="Cambria Math" panose="02040503050406030204" pitchFamily="18" charset="0"/>
+                            <a:ea typeface="Cambria Math" panose="02040503050406030204" pitchFamily="18" charset="0"/>
+                          </a:rPr>
+                          <m:t>(</m:t>
+                        </m:r>
+                        <m:r>
+                          <a:rPr lang="pt-BR" i="1">
+                            <a:latin typeface="Cambria Math" panose="02040503050406030204" pitchFamily="18" charset="0"/>
+                            <a:ea typeface="Cambria Math" panose="02040503050406030204" pitchFamily="18" charset="0"/>
+                          </a:rPr>
+                          <m:t>𝑖</m:t>
+                        </m:r>
+                        <m:r>
+                          <a:rPr lang="pt-BR" i="1">
+                            <a:latin typeface="Cambria Math" panose="02040503050406030204" pitchFamily="18" charset="0"/>
+                            <a:ea typeface="Cambria Math" panose="02040503050406030204" pitchFamily="18" charset="0"/>
+                          </a:rPr>
+                          <m:t>)</m:t>
+                        </m:r>
                       </m:e>
                     </m:d>
                   </m:oMath>
@@ -11318,15 +11591,13 @@
                 </a:r>
                 <a:r>
                   <a:rPr lang="pt-BR" dirty="0"/>
-                  <a:t>, determina a quantidade de estimativas anteriores que são </a:t>
+                  <a:t>, determina a quantidade de estimativas anteriores que são consideradas no cálculo da média.</a:t>
                 </a:r>
-                <a:r>
-                  <a:rPr lang="pt-BR" dirty="0" smtClean="0"/>
-                  <a:t>consideradas </a:t>
-                </a:r>
+              </a:p>
+              <a:p>
                 <a:r>
                   <a:rPr lang="pt-BR" dirty="0"/>
-                  <a:t>no cálculo da média.</a:t>
+                  <a:t>O passo de aprendizagem é constante.</a:t>
                 </a:r>
               </a:p>
               <a:p>
@@ -11344,7 +11615,7 @@
                 </a:r>
                 <a:r>
                   <a:rPr lang="pt-BR" dirty="0"/>
-                  <a:t> é que precisamos encontrar as valores ideais dos </a:t>
+                  <a:t> é que nós precisamos encontrar as valores ideais dos </a:t>
                 </a:r>
                 <a:r>
                   <a:rPr lang="pt-BR" b="1" i="1" dirty="0">
@@ -11398,7 +11669,7 @@
               <p:cNvPr id="3" name="Espaço Reservado para Conteúdo 2">
                 <a:extLst>
                   <a:ext uri="{FF2B5EF4-FFF2-40B4-BE49-F238E27FC236}">
-                    <a16:creationId xmlns="" xmlns:a16="http://schemas.microsoft.com/office/drawing/2014/main" xmlns:a14="http://schemas.microsoft.com/office/drawing/2010/main" id="{90C1EAA3-4293-62D4-5778-91C90AA88537}"/>
+                    <a16:creationId xmlns:a16="http://schemas.microsoft.com/office/drawing/2014/main" id="{90C1EAA3-4293-62D4-5778-91C90AA88537}"/>
                   </a:ext>
                 </a:extLst>
               </p:cNvPr>
@@ -11414,10 +11685,10 @@
                 <a:off x="838199" y="1825624"/>
                 <a:ext cx="11112501" cy="5032375"/>
               </a:xfrm>
-              <a:blipFill rotWithShape="0">
+              <a:blipFill>
                 <a:blip r:embed="rId2"/>
                 <a:stretch>
-                  <a:fillRect l="-1097" t="-1937"/>
+                  <a:fillRect l="-1097" t="-2663" b="-969"/>
                 </a:stretch>
               </a:blipFill>
             </p:spPr>
@@ -11471,7 +11742,7 @@
           <p:cNvPr id="2" name="Título 1">
             <a:extLst>
               <a:ext uri="{FF2B5EF4-FFF2-40B4-BE49-F238E27FC236}">
-                <a16:creationId xmlns="" xmlns:a16="http://schemas.microsoft.com/office/drawing/2014/main" id="{8FE2DAD2-5657-42A1-35B9-4BB9FD00F794}"/>
+                <a16:creationId xmlns:a16="http://schemas.microsoft.com/office/drawing/2014/main" id="{8FE2DAD2-5657-42A1-35B9-4BB9FD00F794}"/>
               </a:ext>
             </a:extLst>
           </p:cNvPr>
@@ -11506,7 +11777,7 @@
               <p:cNvPr id="3" name="Espaço Reservado para Conteúdo 2">
                 <a:extLst>
                   <a:ext uri="{FF2B5EF4-FFF2-40B4-BE49-F238E27FC236}">
-                    <a16:creationId xmlns="" xmlns:a16="http://schemas.microsoft.com/office/drawing/2014/main" id="{90C1EAA3-4293-62D4-5778-91C90AA88537}"/>
+                    <a16:creationId xmlns:a16="http://schemas.microsoft.com/office/drawing/2014/main" id="{90C1EAA3-4293-62D4-5778-91C90AA88537}"/>
                   </a:ext>
                 </a:extLst>
               </p:cNvPr>
@@ -11558,7 +11829,7 @@
                 </a14:m>
                 <a:r>
                   <a:rPr lang="pt-BR" dirty="0"/>
-                  <a:t>de aprendizado é </a:t>
+                  <a:t>de aprendizagem é </a:t>
                 </a:r>
                 <a:r>
                   <a:rPr lang="pt-BR" b="1" i="1" dirty="0">
@@ -11596,23 +11867,7 @@
                       <a:srgbClr val="00B050"/>
                     </a:solidFill>
                   </a:rPr>
-                  <a:t> </a:t>
-                </a:r>
-                <a:r>
-                  <a:rPr lang="pt-BR" b="1" i="1" dirty="0" smtClean="0">
-                    <a:solidFill>
-                      <a:srgbClr val="00B050"/>
-                    </a:solidFill>
-                  </a:rPr>
-                  <a:t>passos de aprendizagem </a:t>
-                </a:r>
-                <a:r>
-                  <a:rPr lang="pt-BR" b="1" i="1" dirty="0">
-                    <a:solidFill>
-                      <a:srgbClr val="00B050"/>
-                    </a:solidFill>
-                  </a:rPr>
-                  <a:t>diferentes para cada peso </a:t>
+                  <a:t> passos de aprendizagem diferentes para cada peso </a:t>
                 </a:r>
                 <a:r>
                   <a:rPr lang="pt-BR" dirty="0"/>
@@ -11710,7 +11965,7 @@
               <p:cNvPr id="3" name="Espaço Reservado para Conteúdo 2">
                 <a:extLst>
                   <a:ext uri="{FF2B5EF4-FFF2-40B4-BE49-F238E27FC236}">
-                    <a16:creationId xmlns="" xmlns:a16="http://schemas.microsoft.com/office/drawing/2014/main" xmlns:a14="http://schemas.microsoft.com/office/drawing/2010/main" id="{90C1EAA3-4293-62D4-5778-91C90AA88537}"/>
+                    <a16:creationId xmlns:a16="http://schemas.microsoft.com/office/drawing/2014/main" id="{90C1EAA3-4293-62D4-5778-91C90AA88537}"/>
                   </a:ext>
                 </a:extLst>
               </p:cNvPr>
@@ -11726,7 +11981,7 @@
                 <a:off x="838199" y="1825624"/>
                 <a:ext cx="11085095" cy="5032375"/>
               </a:xfrm>
-              <a:blipFill rotWithShape="0">
+              <a:blipFill>
                 <a:blip r:embed="rId2"/>
                 <a:stretch>
                   <a:fillRect l="-935" t="-1937"/>
@@ -11783,7 +12038,7 @@
           <p:cNvPr id="2" name="Título 1">
             <a:extLst>
               <a:ext uri="{FF2B5EF4-FFF2-40B4-BE49-F238E27FC236}">
-                <a16:creationId xmlns="" xmlns:a16="http://schemas.microsoft.com/office/drawing/2014/main" id="{F3FC6600-DEC0-B4A2-D13C-D4016F1FB30A}"/>
+                <a16:creationId xmlns:a16="http://schemas.microsoft.com/office/drawing/2014/main" id="{F3FC6600-DEC0-B4A2-D13C-D4016F1FB30A}"/>
               </a:ext>
             </a:extLst>
           </p:cNvPr>
@@ -11811,7 +12066,7 @@
           <p:cNvPr id="4" name="Picture 6">
             <a:extLst>
               <a:ext uri="{FF2B5EF4-FFF2-40B4-BE49-F238E27FC236}">
-                <a16:creationId xmlns="" xmlns:a16="http://schemas.microsoft.com/office/drawing/2014/main" id="{C9DE8AF1-A842-9D71-1CC8-28F862E816AF}"/>
+                <a16:creationId xmlns:a16="http://schemas.microsoft.com/office/drawing/2014/main" id="{C9DE8AF1-A842-9D71-1CC8-28F862E816AF}"/>
               </a:ext>
             </a:extLst>
           </p:cNvPr>
@@ -11846,7 +12101,7 @@
           <p:cNvPr id="5" name="Picture 10">
             <a:extLst>
               <a:ext uri="{FF2B5EF4-FFF2-40B4-BE49-F238E27FC236}">
-                <a16:creationId xmlns="" xmlns:a16="http://schemas.microsoft.com/office/drawing/2014/main" id="{F78E7DEF-7734-D99E-0342-DD800946C131}"/>
+                <a16:creationId xmlns:a16="http://schemas.microsoft.com/office/drawing/2014/main" id="{F78E7DEF-7734-D99E-0342-DD800946C131}"/>
               </a:ext>
             </a:extLst>
           </p:cNvPr>
@@ -11881,7 +12136,7 @@
           <p:cNvPr id="6" name="Picture 4">
             <a:extLst>
               <a:ext uri="{FF2B5EF4-FFF2-40B4-BE49-F238E27FC236}">
-                <a16:creationId xmlns="" xmlns:a16="http://schemas.microsoft.com/office/drawing/2014/main" id="{6E6CD326-3A16-EA54-BA43-F3EECE9E7143}"/>
+                <a16:creationId xmlns:a16="http://schemas.microsoft.com/office/drawing/2014/main" id="{6E6CD326-3A16-EA54-BA43-F3EECE9E7143}"/>
               </a:ext>
             </a:extLst>
           </p:cNvPr>
@@ -11916,7 +12171,7 @@
           <p:cNvPr id="7" name="Right Arrow 5">
             <a:extLst>
               <a:ext uri="{FF2B5EF4-FFF2-40B4-BE49-F238E27FC236}">
-                <a16:creationId xmlns="" xmlns:a16="http://schemas.microsoft.com/office/drawing/2014/main" id="{646C8848-ECB5-43A8-887E-6C6224DA20CE}"/>
+                <a16:creationId xmlns:a16="http://schemas.microsoft.com/office/drawing/2014/main" id="{646C8848-ECB5-43A8-887E-6C6224DA20CE}"/>
               </a:ext>
             </a:extLst>
           </p:cNvPr>
@@ -11962,7 +12217,7 @@
           <p:cNvPr id="8" name="Right Arrow 9">
             <a:extLst>
               <a:ext uri="{FF2B5EF4-FFF2-40B4-BE49-F238E27FC236}">
-                <a16:creationId xmlns="" xmlns:a16="http://schemas.microsoft.com/office/drawing/2014/main" id="{E3175E18-3692-B822-9276-B519FA351945}"/>
+                <a16:creationId xmlns:a16="http://schemas.microsoft.com/office/drawing/2014/main" id="{E3175E18-3692-B822-9276-B519FA351945}"/>
               </a:ext>
             </a:extLst>
           </p:cNvPr>
@@ -12008,7 +12263,7 @@
           <p:cNvPr id="9" name="TextBox 8">
             <a:extLst>
               <a:ext uri="{FF2B5EF4-FFF2-40B4-BE49-F238E27FC236}">
-                <a16:creationId xmlns="" xmlns:a16="http://schemas.microsoft.com/office/drawing/2014/main" id="{E6068310-215C-317B-267D-CA3C444CE0D0}"/>
+                <a16:creationId xmlns:a16="http://schemas.microsoft.com/office/drawing/2014/main" id="{E6068310-215C-317B-267D-CA3C444CE0D0}"/>
               </a:ext>
             </a:extLst>
           </p:cNvPr>
@@ -12044,7 +12299,7 @@
           <p:cNvPr id="10" name="TextBox 11">
             <a:extLst>
               <a:ext uri="{FF2B5EF4-FFF2-40B4-BE49-F238E27FC236}">
-                <a16:creationId xmlns="" xmlns:a16="http://schemas.microsoft.com/office/drawing/2014/main" id="{450AFFF9-22CC-9859-7E00-7B8E3941F4B9}"/>
+                <a16:creationId xmlns:a16="http://schemas.microsoft.com/office/drawing/2014/main" id="{450AFFF9-22CC-9859-7E00-7B8E3941F4B9}"/>
               </a:ext>
             </a:extLst>
           </p:cNvPr>
@@ -12080,7 +12335,7 @@
           <p:cNvPr id="11" name="TextBox 12">
             <a:extLst>
               <a:ext uri="{FF2B5EF4-FFF2-40B4-BE49-F238E27FC236}">
-                <a16:creationId xmlns="" xmlns:a16="http://schemas.microsoft.com/office/drawing/2014/main" id="{3BFE194A-0346-7D7C-F6E3-8EDC2A897055}"/>
+                <a16:creationId xmlns:a16="http://schemas.microsoft.com/office/drawing/2014/main" id="{3BFE194A-0346-7D7C-F6E3-8EDC2A897055}"/>
               </a:ext>
             </a:extLst>
           </p:cNvPr>
@@ -12116,7 +12371,7 @@
           <p:cNvPr id="12" name="Picture 13">
             <a:extLst>
               <a:ext uri="{FF2B5EF4-FFF2-40B4-BE49-F238E27FC236}">
-                <a16:creationId xmlns="" xmlns:a16="http://schemas.microsoft.com/office/drawing/2014/main" id="{00D43F0F-39F1-EC1E-61E5-33F4E9C254A4}"/>
+                <a16:creationId xmlns:a16="http://schemas.microsoft.com/office/drawing/2014/main" id="{00D43F0F-39F1-EC1E-61E5-33F4E9C254A4}"/>
               </a:ext>
             </a:extLst>
           </p:cNvPr>
@@ -12151,7 +12406,7 @@
           <p:cNvPr id="13" name="Picture 14">
             <a:extLst>
               <a:ext uri="{FF2B5EF4-FFF2-40B4-BE49-F238E27FC236}">
-                <a16:creationId xmlns="" xmlns:a16="http://schemas.microsoft.com/office/drawing/2014/main" id="{ADF16116-0DAB-0C62-94B9-3C0073F9E748}"/>
+                <a16:creationId xmlns:a16="http://schemas.microsoft.com/office/drawing/2014/main" id="{ADF16116-0DAB-0C62-94B9-3C0073F9E748}"/>
               </a:ext>
             </a:extLst>
           </p:cNvPr>
@@ -12186,7 +12441,7 @@
           <p:cNvPr id="14" name="Retângulo 13">
             <a:extLst>
               <a:ext uri="{FF2B5EF4-FFF2-40B4-BE49-F238E27FC236}">
-                <a16:creationId xmlns="" xmlns:a16="http://schemas.microsoft.com/office/drawing/2014/main" id="{E57C527A-0756-EBDB-9504-B3DF44D98DF4}"/>
+                <a16:creationId xmlns:a16="http://schemas.microsoft.com/office/drawing/2014/main" id="{E57C527A-0756-EBDB-9504-B3DF44D98DF4}"/>
               </a:ext>
             </a:extLst>
           </p:cNvPr>
@@ -12851,7 +13106,7 @@
           <p:cNvPr id="15" name="Espaço Reservado para Conteúdo 2">
             <a:extLst>
               <a:ext uri="{FF2B5EF4-FFF2-40B4-BE49-F238E27FC236}">
-                <a16:creationId xmlns="" xmlns:a16="http://schemas.microsoft.com/office/drawing/2014/main" id="{239AA1F2-5E3F-7BEB-1556-BB737E131038}"/>
+                <a16:creationId xmlns:a16="http://schemas.microsoft.com/office/drawing/2014/main" id="{239AA1F2-5E3F-7BEB-1556-BB737E131038}"/>
               </a:ext>
             </a:extLst>
           </p:cNvPr>
@@ -12943,7 +13198,7 @@
           <p:cNvPr id="18" name="TextBox 7">
             <a:extLst>
               <a:ext uri="{FF2B5EF4-FFF2-40B4-BE49-F238E27FC236}">
-                <a16:creationId xmlns="" xmlns:a16="http://schemas.microsoft.com/office/drawing/2014/main" id="{E442B2E9-3D88-DFD3-E99D-F5C7DD986DCA}"/>
+                <a16:creationId xmlns:a16="http://schemas.microsoft.com/office/drawing/2014/main" id="{E442B2E9-3D88-DFD3-E99D-F5C7DD986DCA}"/>
               </a:ext>
             </a:extLst>
           </p:cNvPr>
@@ -13017,7 +13272,7 @@
           <p:cNvPr id="2" name="Título 1">
             <a:extLst>
               <a:ext uri="{FF2B5EF4-FFF2-40B4-BE49-F238E27FC236}">
-                <a16:creationId xmlns="" xmlns:a16="http://schemas.microsoft.com/office/drawing/2014/main" id="{F3FC6600-DEC0-B4A2-D13C-D4016F1FB30A}"/>
+                <a16:creationId xmlns:a16="http://schemas.microsoft.com/office/drawing/2014/main" id="{F3FC6600-DEC0-B4A2-D13C-D4016F1FB30A}"/>
               </a:ext>
             </a:extLst>
           </p:cNvPr>
@@ -13045,7 +13300,7 @@
           <p:cNvPr id="4" name="Picture 6">
             <a:extLst>
               <a:ext uri="{FF2B5EF4-FFF2-40B4-BE49-F238E27FC236}">
-                <a16:creationId xmlns="" xmlns:a16="http://schemas.microsoft.com/office/drawing/2014/main" id="{C9DE8AF1-A842-9D71-1CC8-28F862E816AF}"/>
+                <a16:creationId xmlns:a16="http://schemas.microsoft.com/office/drawing/2014/main" id="{C9DE8AF1-A842-9D71-1CC8-28F862E816AF}"/>
               </a:ext>
             </a:extLst>
           </p:cNvPr>
@@ -13080,7 +13335,7 @@
           <p:cNvPr id="5" name="Picture 10">
             <a:extLst>
               <a:ext uri="{FF2B5EF4-FFF2-40B4-BE49-F238E27FC236}">
-                <a16:creationId xmlns="" xmlns:a16="http://schemas.microsoft.com/office/drawing/2014/main" id="{F78E7DEF-7734-D99E-0342-DD800946C131}"/>
+                <a16:creationId xmlns:a16="http://schemas.microsoft.com/office/drawing/2014/main" id="{F78E7DEF-7734-D99E-0342-DD800946C131}"/>
               </a:ext>
             </a:extLst>
           </p:cNvPr>
@@ -13115,7 +13370,7 @@
           <p:cNvPr id="6" name="Picture 4">
             <a:extLst>
               <a:ext uri="{FF2B5EF4-FFF2-40B4-BE49-F238E27FC236}">
-                <a16:creationId xmlns="" xmlns:a16="http://schemas.microsoft.com/office/drawing/2014/main" id="{6E6CD326-3A16-EA54-BA43-F3EECE9E7143}"/>
+                <a16:creationId xmlns:a16="http://schemas.microsoft.com/office/drawing/2014/main" id="{6E6CD326-3A16-EA54-BA43-F3EECE9E7143}"/>
               </a:ext>
             </a:extLst>
           </p:cNvPr>
@@ -13150,7 +13405,7 @@
           <p:cNvPr id="7" name="Right Arrow 5">
             <a:extLst>
               <a:ext uri="{FF2B5EF4-FFF2-40B4-BE49-F238E27FC236}">
-                <a16:creationId xmlns="" xmlns:a16="http://schemas.microsoft.com/office/drawing/2014/main" id="{646C8848-ECB5-43A8-887E-6C6224DA20CE}"/>
+                <a16:creationId xmlns:a16="http://schemas.microsoft.com/office/drawing/2014/main" id="{646C8848-ECB5-43A8-887E-6C6224DA20CE}"/>
               </a:ext>
             </a:extLst>
           </p:cNvPr>
@@ -13196,7 +13451,7 @@
           <p:cNvPr id="8" name="Right Arrow 9">
             <a:extLst>
               <a:ext uri="{FF2B5EF4-FFF2-40B4-BE49-F238E27FC236}">
-                <a16:creationId xmlns="" xmlns:a16="http://schemas.microsoft.com/office/drawing/2014/main" id="{E3175E18-3692-B822-9276-B519FA351945}"/>
+                <a16:creationId xmlns:a16="http://schemas.microsoft.com/office/drawing/2014/main" id="{E3175E18-3692-B822-9276-B519FA351945}"/>
               </a:ext>
             </a:extLst>
           </p:cNvPr>
@@ -13242,7 +13497,7 @@
           <p:cNvPr id="9" name="TextBox 8">
             <a:extLst>
               <a:ext uri="{FF2B5EF4-FFF2-40B4-BE49-F238E27FC236}">
-                <a16:creationId xmlns="" xmlns:a16="http://schemas.microsoft.com/office/drawing/2014/main" id="{E6068310-215C-317B-267D-CA3C444CE0D0}"/>
+                <a16:creationId xmlns:a16="http://schemas.microsoft.com/office/drawing/2014/main" id="{E6068310-215C-317B-267D-CA3C444CE0D0}"/>
               </a:ext>
             </a:extLst>
           </p:cNvPr>
@@ -13278,7 +13533,7 @@
           <p:cNvPr id="10" name="TextBox 11">
             <a:extLst>
               <a:ext uri="{FF2B5EF4-FFF2-40B4-BE49-F238E27FC236}">
-                <a16:creationId xmlns="" xmlns:a16="http://schemas.microsoft.com/office/drawing/2014/main" id="{450AFFF9-22CC-9859-7E00-7B8E3941F4B9}"/>
+                <a16:creationId xmlns:a16="http://schemas.microsoft.com/office/drawing/2014/main" id="{450AFFF9-22CC-9859-7E00-7B8E3941F4B9}"/>
               </a:ext>
             </a:extLst>
           </p:cNvPr>
@@ -13314,7 +13569,7 @@
           <p:cNvPr id="12" name="Picture 13">
             <a:extLst>
               <a:ext uri="{FF2B5EF4-FFF2-40B4-BE49-F238E27FC236}">
-                <a16:creationId xmlns="" xmlns:a16="http://schemas.microsoft.com/office/drawing/2014/main" id="{00D43F0F-39F1-EC1E-61E5-33F4E9C254A4}"/>
+                <a16:creationId xmlns:a16="http://schemas.microsoft.com/office/drawing/2014/main" id="{00D43F0F-39F1-EC1E-61E5-33F4E9C254A4}"/>
               </a:ext>
             </a:extLst>
           </p:cNvPr>
@@ -13349,7 +13604,7 @@
           <p:cNvPr id="13" name="Picture 14">
             <a:extLst>
               <a:ext uri="{FF2B5EF4-FFF2-40B4-BE49-F238E27FC236}">
-                <a16:creationId xmlns="" xmlns:a16="http://schemas.microsoft.com/office/drawing/2014/main" id="{ADF16116-0DAB-0C62-94B9-3C0073F9E748}"/>
+                <a16:creationId xmlns:a16="http://schemas.microsoft.com/office/drawing/2014/main" id="{ADF16116-0DAB-0C62-94B9-3C0073F9E748}"/>
               </a:ext>
             </a:extLst>
           </p:cNvPr>
@@ -13384,7 +13639,7 @@
           <p:cNvPr id="14" name="Retângulo 13">
             <a:extLst>
               <a:ext uri="{FF2B5EF4-FFF2-40B4-BE49-F238E27FC236}">
-                <a16:creationId xmlns="" xmlns:a16="http://schemas.microsoft.com/office/drawing/2014/main" id="{E57C527A-0756-EBDB-9504-B3DF44D98DF4}"/>
+                <a16:creationId xmlns:a16="http://schemas.microsoft.com/office/drawing/2014/main" id="{E57C527A-0756-EBDB-9504-B3DF44D98DF4}"/>
               </a:ext>
             </a:extLst>
           </p:cNvPr>
@@ -14051,7 +14306,7 @@
               <p:cNvPr id="15" name="Espaço Reservado para Conteúdo 2">
                 <a:extLst>
                   <a:ext uri="{FF2B5EF4-FFF2-40B4-BE49-F238E27FC236}">
-                    <a16:creationId xmlns="" xmlns:a16="http://schemas.microsoft.com/office/drawing/2014/main" id="{239AA1F2-5E3F-7BEB-1556-BB737E131038}"/>
+                    <a16:creationId xmlns:a16="http://schemas.microsoft.com/office/drawing/2014/main" id="{239AA1F2-5E3F-7BEB-1556-BB737E131038}"/>
                   </a:ext>
                 </a:extLst>
               </p:cNvPr>
@@ -14199,7 +14454,7 @@
           <p:cNvPr id="16" name="TextBox 12">
             <a:extLst>
               <a:ext uri="{FF2B5EF4-FFF2-40B4-BE49-F238E27FC236}">
-                <a16:creationId xmlns="" xmlns:a16="http://schemas.microsoft.com/office/drawing/2014/main" id="{3BFE194A-0346-7D7C-F6E3-8EDC2A897055}"/>
+                <a16:creationId xmlns:a16="http://schemas.microsoft.com/office/drawing/2014/main" id="{3BFE194A-0346-7D7C-F6E3-8EDC2A897055}"/>
               </a:ext>
             </a:extLst>
           </p:cNvPr>
@@ -14265,7 +14520,7 @@
           <p:cNvPr id="2" name="Título 1">
             <a:extLst>
               <a:ext uri="{FF2B5EF4-FFF2-40B4-BE49-F238E27FC236}">
-                <a16:creationId xmlns="" xmlns:a16="http://schemas.microsoft.com/office/drawing/2014/main" id="{F3FC6600-DEC0-B4A2-D13C-D4016F1FB30A}"/>
+                <a16:creationId xmlns:a16="http://schemas.microsoft.com/office/drawing/2014/main" id="{F3FC6600-DEC0-B4A2-D13C-D4016F1FB30A}"/>
               </a:ext>
             </a:extLst>
           </p:cNvPr>
@@ -14293,7 +14548,7 @@
           <p:cNvPr id="4" name="Picture 6">
             <a:extLst>
               <a:ext uri="{FF2B5EF4-FFF2-40B4-BE49-F238E27FC236}">
-                <a16:creationId xmlns="" xmlns:a16="http://schemas.microsoft.com/office/drawing/2014/main" id="{C9DE8AF1-A842-9D71-1CC8-28F862E816AF}"/>
+                <a16:creationId xmlns:a16="http://schemas.microsoft.com/office/drawing/2014/main" id="{C9DE8AF1-A842-9D71-1CC8-28F862E816AF}"/>
               </a:ext>
             </a:extLst>
           </p:cNvPr>
@@ -14328,7 +14583,7 @@
           <p:cNvPr id="5" name="Picture 10">
             <a:extLst>
               <a:ext uri="{FF2B5EF4-FFF2-40B4-BE49-F238E27FC236}">
-                <a16:creationId xmlns="" xmlns:a16="http://schemas.microsoft.com/office/drawing/2014/main" id="{F78E7DEF-7734-D99E-0342-DD800946C131}"/>
+                <a16:creationId xmlns:a16="http://schemas.microsoft.com/office/drawing/2014/main" id="{F78E7DEF-7734-D99E-0342-DD800946C131}"/>
               </a:ext>
             </a:extLst>
           </p:cNvPr>
@@ -14363,7 +14618,7 @@
           <p:cNvPr id="6" name="Picture 4">
             <a:extLst>
               <a:ext uri="{FF2B5EF4-FFF2-40B4-BE49-F238E27FC236}">
-                <a16:creationId xmlns="" xmlns:a16="http://schemas.microsoft.com/office/drawing/2014/main" id="{6E6CD326-3A16-EA54-BA43-F3EECE9E7143}"/>
+                <a16:creationId xmlns:a16="http://schemas.microsoft.com/office/drawing/2014/main" id="{6E6CD326-3A16-EA54-BA43-F3EECE9E7143}"/>
               </a:ext>
             </a:extLst>
           </p:cNvPr>
@@ -14398,7 +14653,7 @@
           <p:cNvPr id="7" name="Right Arrow 5">
             <a:extLst>
               <a:ext uri="{FF2B5EF4-FFF2-40B4-BE49-F238E27FC236}">
-                <a16:creationId xmlns="" xmlns:a16="http://schemas.microsoft.com/office/drawing/2014/main" id="{646C8848-ECB5-43A8-887E-6C6224DA20CE}"/>
+                <a16:creationId xmlns:a16="http://schemas.microsoft.com/office/drawing/2014/main" id="{646C8848-ECB5-43A8-887E-6C6224DA20CE}"/>
               </a:ext>
             </a:extLst>
           </p:cNvPr>
@@ -14444,7 +14699,7 @@
           <p:cNvPr id="8" name="Right Arrow 9">
             <a:extLst>
               <a:ext uri="{FF2B5EF4-FFF2-40B4-BE49-F238E27FC236}">
-                <a16:creationId xmlns="" xmlns:a16="http://schemas.microsoft.com/office/drawing/2014/main" id="{E3175E18-3692-B822-9276-B519FA351945}"/>
+                <a16:creationId xmlns:a16="http://schemas.microsoft.com/office/drawing/2014/main" id="{E3175E18-3692-B822-9276-B519FA351945}"/>
               </a:ext>
             </a:extLst>
           </p:cNvPr>
@@ -14490,7 +14745,7 @@
           <p:cNvPr id="9" name="TextBox 8">
             <a:extLst>
               <a:ext uri="{FF2B5EF4-FFF2-40B4-BE49-F238E27FC236}">
-                <a16:creationId xmlns="" xmlns:a16="http://schemas.microsoft.com/office/drawing/2014/main" id="{E6068310-215C-317B-267D-CA3C444CE0D0}"/>
+                <a16:creationId xmlns:a16="http://schemas.microsoft.com/office/drawing/2014/main" id="{E6068310-215C-317B-267D-CA3C444CE0D0}"/>
               </a:ext>
             </a:extLst>
           </p:cNvPr>
@@ -14526,7 +14781,7 @@
           <p:cNvPr id="10" name="TextBox 11">
             <a:extLst>
               <a:ext uri="{FF2B5EF4-FFF2-40B4-BE49-F238E27FC236}">
-                <a16:creationId xmlns="" xmlns:a16="http://schemas.microsoft.com/office/drawing/2014/main" id="{450AFFF9-22CC-9859-7E00-7B8E3941F4B9}"/>
+                <a16:creationId xmlns:a16="http://schemas.microsoft.com/office/drawing/2014/main" id="{450AFFF9-22CC-9859-7E00-7B8E3941F4B9}"/>
               </a:ext>
             </a:extLst>
           </p:cNvPr>
@@ -14562,7 +14817,7 @@
           <p:cNvPr id="12" name="Picture 13">
             <a:extLst>
               <a:ext uri="{FF2B5EF4-FFF2-40B4-BE49-F238E27FC236}">
-                <a16:creationId xmlns="" xmlns:a16="http://schemas.microsoft.com/office/drawing/2014/main" id="{00D43F0F-39F1-EC1E-61E5-33F4E9C254A4}"/>
+                <a16:creationId xmlns:a16="http://schemas.microsoft.com/office/drawing/2014/main" id="{00D43F0F-39F1-EC1E-61E5-33F4E9C254A4}"/>
               </a:ext>
             </a:extLst>
           </p:cNvPr>
@@ -14597,7 +14852,7 @@
           <p:cNvPr id="13" name="Picture 14">
             <a:extLst>
               <a:ext uri="{FF2B5EF4-FFF2-40B4-BE49-F238E27FC236}">
-                <a16:creationId xmlns="" xmlns:a16="http://schemas.microsoft.com/office/drawing/2014/main" id="{ADF16116-0DAB-0C62-94B9-3C0073F9E748}"/>
+                <a16:creationId xmlns:a16="http://schemas.microsoft.com/office/drawing/2014/main" id="{ADF16116-0DAB-0C62-94B9-3C0073F9E748}"/>
               </a:ext>
             </a:extLst>
           </p:cNvPr>
@@ -14632,7 +14887,7 @@
           <p:cNvPr id="14" name="Retângulo 13">
             <a:extLst>
               <a:ext uri="{FF2B5EF4-FFF2-40B4-BE49-F238E27FC236}">
-                <a16:creationId xmlns="" xmlns:a16="http://schemas.microsoft.com/office/drawing/2014/main" id="{E57C527A-0756-EBDB-9504-B3DF44D98DF4}"/>
+                <a16:creationId xmlns:a16="http://schemas.microsoft.com/office/drawing/2014/main" id="{E57C527A-0756-EBDB-9504-B3DF44D98DF4}"/>
               </a:ext>
             </a:extLst>
           </p:cNvPr>
@@ -15297,7 +15552,7 @@
           <p:cNvPr id="15" name="Espaço Reservado para Conteúdo 2">
             <a:extLst>
               <a:ext uri="{FF2B5EF4-FFF2-40B4-BE49-F238E27FC236}">
-                <a16:creationId xmlns="" xmlns:a16="http://schemas.microsoft.com/office/drawing/2014/main" id="{239AA1F2-5E3F-7BEB-1556-BB737E131038}"/>
+                <a16:creationId xmlns:a16="http://schemas.microsoft.com/office/drawing/2014/main" id="{239AA1F2-5E3F-7BEB-1556-BB737E131038}"/>
               </a:ext>
             </a:extLst>
           </p:cNvPr>
@@ -15342,7 +15597,7 @@
           <p:cNvPr id="16" name="TextBox 12">
             <a:extLst>
               <a:ext uri="{FF2B5EF4-FFF2-40B4-BE49-F238E27FC236}">
-                <a16:creationId xmlns="" xmlns:a16="http://schemas.microsoft.com/office/drawing/2014/main" id="{3BFE194A-0346-7D7C-F6E3-8EDC2A897055}"/>
+                <a16:creationId xmlns:a16="http://schemas.microsoft.com/office/drawing/2014/main" id="{3BFE194A-0346-7D7C-F6E3-8EDC2A897055}"/>
               </a:ext>
             </a:extLst>
           </p:cNvPr>
@@ -15587,7 +15842,7 @@
           <p:cNvPr id="4" name="Título 1">
             <a:extLst>
               <a:ext uri="{FF2B5EF4-FFF2-40B4-BE49-F238E27FC236}">
-                <a16:creationId xmlns="" xmlns:a16="http://schemas.microsoft.com/office/drawing/2014/main" id="{32666AC8-2E17-4DB4-B0F5-60C640CCFD2E}"/>
+                <a16:creationId xmlns:a16="http://schemas.microsoft.com/office/drawing/2014/main" id="{32666AC8-2E17-4DB4-B0F5-60C640CCFD2E}"/>
               </a:ext>
             </a:extLst>
           </p:cNvPr>
@@ -17755,7 +18010,7 @@
           <p:cNvPr id="2" name="Título 1">
             <a:extLst>
               <a:ext uri="{FF2B5EF4-FFF2-40B4-BE49-F238E27FC236}">
-                <a16:creationId xmlns="" xmlns:a16="http://schemas.microsoft.com/office/drawing/2014/main" id="{B4A549E3-7E5B-04E3-09ED-A7C3171C6D5F}"/>
+                <a16:creationId xmlns:a16="http://schemas.microsoft.com/office/drawing/2014/main" id="{B4A549E3-7E5B-04E3-09ED-A7C3171C6D5F}"/>
               </a:ext>
             </a:extLst>
           </p:cNvPr>
@@ -17785,7 +18040,7 @@
               <p:cNvPr id="3" name="Espaço Reservado para Conteúdo 2">
                 <a:extLst>
                   <a:ext uri="{FF2B5EF4-FFF2-40B4-BE49-F238E27FC236}">
-                    <a16:creationId xmlns="" xmlns:a16="http://schemas.microsoft.com/office/drawing/2014/main" id="{3323DEB1-E32D-5111-52A9-A936D5B18776}"/>
+                    <a16:creationId xmlns:a16="http://schemas.microsoft.com/office/drawing/2014/main" id="{3323DEB1-E32D-5111-52A9-A936D5B18776}"/>
                   </a:ext>
                 </a:extLst>
               </p:cNvPr>
@@ -18010,7 +18265,7 @@
           <p:cNvPr id="4" name="Imagem 3">
             <a:extLst>
               <a:ext uri="{FF2B5EF4-FFF2-40B4-BE49-F238E27FC236}">
-                <a16:creationId xmlns="" xmlns:a16="http://schemas.microsoft.com/office/drawing/2014/main" id="{860F9137-10B0-2765-3CAF-0E8F4196E620}"/>
+                <a16:creationId xmlns:a16="http://schemas.microsoft.com/office/drawing/2014/main" id="{860F9137-10B0-2765-3CAF-0E8F4196E620}"/>
               </a:ext>
             </a:extLst>
           </p:cNvPr>
@@ -35117,7 +35372,7 @@
           <p:cNvPr id="2" name="Título 1">
             <a:extLst>
               <a:ext uri="{FF2B5EF4-FFF2-40B4-BE49-F238E27FC236}">
-                <a16:creationId xmlns="" xmlns:a16="http://schemas.microsoft.com/office/drawing/2014/main" id="{B4A549E3-7E5B-04E3-09ED-A7C3171C6D5F}"/>
+                <a16:creationId xmlns:a16="http://schemas.microsoft.com/office/drawing/2014/main" id="{B4A549E3-7E5B-04E3-09ED-A7C3171C6D5F}"/>
               </a:ext>
             </a:extLst>
           </p:cNvPr>
@@ -35147,7 +35402,7 @@
               <p:cNvPr id="3" name="Espaço Reservado para Conteúdo 2">
                 <a:extLst>
                   <a:ext uri="{FF2B5EF4-FFF2-40B4-BE49-F238E27FC236}">
-                    <a16:creationId xmlns="" xmlns:a16="http://schemas.microsoft.com/office/drawing/2014/main" id="{3323DEB1-E32D-5111-52A9-A936D5B18776}"/>
+                    <a16:creationId xmlns:a16="http://schemas.microsoft.com/office/drawing/2014/main" id="{3323DEB1-E32D-5111-52A9-A936D5B18776}"/>
                   </a:ext>
                 </a:extLst>
               </p:cNvPr>
@@ -35370,7 +35625,7 @@
               <p:cNvPr id="6" name="CaixaDeTexto 5">
                 <a:extLst>
                   <a:ext uri="{FF2B5EF4-FFF2-40B4-BE49-F238E27FC236}">
-                    <a16:creationId xmlns="" xmlns:a16="http://schemas.microsoft.com/office/drawing/2014/main" id="{C0979B72-FA06-3341-0C8C-22E5606766C2}"/>
+                    <a16:creationId xmlns:a16="http://schemas.microsoft.com/office/drawing/2014/main" id="{C0979B72-FA06-3341-0C8C-22E5606766C2}"/>
                   </a:ext>
                 </a:extLst>
               </p:cNvPr>
@@ -36024,7 +36279,7 @@
           <p:cNvPr id="3" name="Espaço Reservado para Conteúdo 2">
             <a:extLst>
               <a:ext uri="{FF2B5EF4-FFF2-40B4-BE49-F238E27FC236}">
-                <a16:creationId xmlns="" xmlns:a16="http://schemas.microsoft.com/office/drawing/2014/main" id="{22F82374-172C-DD33-1E6D-772199B0F901}"/>
+                <a16:creationId xmlns:a16="http://schemas.microsoft.com/office/drawing/2014/main" id="{22F82374-172C-DD33-1E6D-772199B0F901}"/>
               </a:ext>
             </a:extLst>
           </p:cNvPr>
@@ -36092,7 +36347,7 @@
           <p:cNvPr id="2" name="Título 1">
             <a:extLst>
               <a:ext uri="{FF2B5EF4-FFF2-40B4-BE49-F238E27FC236}">
-                <a16:creationId xmlns="" xmlns:a16="http://schemas.microsoft.com/office/drawing/2014/main" id="{A86FB011-1700-FEDE-C81B-65D08163C5E8}"/>
+                <a16:creationId xmlns:a16="http://schemas.microsoft.com/office/drawing/2014/main" id="{A86FB011-1700-FEDE-C81B-65D08163C5E8}"/>
               </a:ext>
             </a:extLst>
           </p:cNvPr>
@@ -36122,7 +36377,7 @@
               <p:cNvPr id="3" name="Espaço Reservado para Conteúdo 2">
                 <a:extLst>
                   <a:ext uri="{FF2B5EF4-FFF2-40B4-BE49-F238E27FC236}">
-                    <a16:creationId xmlns="" xmlns:a16="http://schemas.microsoft.com/office/drawing/2014/main" id="{5937D7F6-2609-AE39-CC56-50E8812A0FF6}"/>
+                    <a16:creationId xmlns:a16="http://schemas.microsoft.com/office/drawing/2014/main" id="{5937D7F6-2609-AE39-CC56-50E8812A0FF6}"/>
                   </a:ext>
                 </a:extLst>
               </p:cNvPr>
@@ -36405,7 +36660,7 @@
           <p:cNvPr id="6" name="Arc 16">
             <a:extLst>
               <a:ext uri="{FF2B5EF4-FFF2-40B4-BE49-F238E27FC236}">
-                <a16:creationId xmlns="" xmlns:a16="http://schemas.microsoft.com/office/drawing/2014/main" id="{FADFFC9D-BD51-9093-3AFE-1567CE0EE43C}"/>
+                <a16:creationId xmlns:a16="http://schemas.microsoft.com/office/drawing/2014/main" id="{FADFFC9D-BD51-9093-3AFE-1567CE0EE43C}"/>
               </a:ext>
             </a:extLst>
           </p:cNvPr>
@@ -36455,7 +36710,7 @@
               <p:cNvPr id="7" name="TextBox 17">
                 <a:extLst>
                   <a:ext uri="{FF2B5EF4-FFF2-40B4-BE49-F238E27FC236}">
-                    <a16:creationId xmlns="" xmlns:a16="http://schemas.microsoft.com/office/drawing/2014/main" id="{3E05BB30-5F5E-02E5-F40C-5ED014858567}"/>
+                    <a16:creationId xmlns:a16="http://schemas.microsoft.com/office/drawing/2014/main" id="{3E05BB30-5F5E-02E5-F40C-5ED014858567}"/>
                   </a:ext>
                 </a:extLst>
               </p:cNvPr>
@@ -36556,7 +36811,7 @@
           <p:cNvPr id="8" name="Arc 18">
             <a:extLst>
               <a:ext uri="{FF2B5EF4-FFF2-40B4-BE49-F238E27FC236}">
-                <a16:creationId xmlns="" xmlns:a16="http://schemas.microsoft.com/office/drawing/2014/main" id="{7E54F900-1BCF-B720-53AA-630E39DA0CA7}"/>
+                <a16:creationId xmlns:a16="http://schemas.microsoft.com/office/drawing/2014/main" id="{7E54F900-1BCF-B720-53AA-630E39DA0CA7}"/>
               </a:ext>
             </a:extLst>
           </p:cNvPr>
@@ -36606,7 +36861,7 @@
               <p:cNvPr id="9" name="TextBox 19">
                 <a:extLst>
                   <a:ext uri="{FF2B5EF4-FFF2-40B4-BE49-F238E27FC236}">
-                    <a16:creationId xmlns="" xmlns:a16="http://schemas.microsoft.com/office/drawing/2014/main" id="{143895B5-9CD7-6B2A-5B40-B65ADC335727}"/>
+                    <a16:creationId xmlns:a16="http://schemas.microsoft.com/office/drawing/2014/main" id="{143895B5-9CD7-6B2A-5B40-B65ADC335727}"/>
                   </a:ext>
                 </a:extLst>
               </p:cNvPr>
@@ -36714,7 +36969,7 @@
           <p:cNvPr id="10" name="Arc 20">
             <a:extLst>
               <a:ext uri="{FF2B5EF4-FFF2-40B4-BE49-F238E27FC236}">
-                <a16:creationId xmlns="" xmlns:a16="http://schemas.microsoft.com/office/drawing/2014/main" id="{35953112-E242-B812-3BDA-2555E5932180}"/>
+                <a16:creationId xmlns:a16="http://schemas.microsoft.com/office/drawing/2014/main" id="{35953112-E242-B812-3BDA-2555E5932180}"/>
               </a:ext>
             </a:extLst>
           </p:cNvPr>
@@ -36764,7 +37019,7 @@
               <p:cNvPr id="11" name="TextBox 21">
                 <a:extLst>
                   <a:ext uri="{FF2B5EF4-FFF2-40B4-BE49-F238E27FC236}">
-                    <a16:creationId xmlns="" xmlns:a16="http://schemas.microsoft.com/office/drawing/2014/main" id="{E8AC4AC6-AC67-A956-F839-099263F85B11}"/>
+                    <a16:creationId xmlns:a16="http://schemas.microsoft.com/office/drawing/2014/main" id="{E8AC4AC6-AC67-A956-F839-099263F85B11}"/>
                   </a:ext>
                 </a:extLst>
               </p:cNvPr>
@@ -36865,7 +37120,7 @@
           <p:cNvPr id="12" name="Arc 22">
             <a:extLst>
               <a:ext uri="{FF2B5EF4-FFF2-40B4-BE49-F238E27FC236}">
-                <a16:creationId xmlns="" xmlns:a16="http://schemas.microsoft.com/office/drawing/2014/main" id="{7975BFFB-0E0B-DB6F-4946-7B7CFBBD7764}"/>
+                <a16:creationId xmlns:a16="http://schemas.microsoft.com/office/drawing/2014/main" id="{7975BFFB-0E0B-DB6F-4946-7B7CFBBD7764}"/>
               </a:ext>
             </a:extLst>
           </p:cNvPr>
@@ -36913,7 +37168,7 @@
           <p:cNvPr id="13" name="Arc 25">
             <a:extLst>
               <a:ext uri="{FF2B5EF4-FFF2-40B4-BE49-F238E27FC236}">
-                <a16:creationId xmlns="" xmlns:a16="http://schemas.microsoft.com/office/drawing/2014/main" id="{38544561-E633-C2CD-7154-BE26A6E6C18E}"/>
+                <a16:creationId xmlns:a16="http://schemas.microsoft.com/office/drawing/2014/main" id="{38544561-E633-C2CD-7154-BE26A6E6C18E}"/>
               </a:ext>
             </a:extLst>
           </p:cNvPr>
@@ -36961,7 +37216,7 @@
           <p:cNvPr id="14" name="Arc 26">
             <a:extLst>
               <a:ext uri="{FF2B5EF4-FFF2-40B4-BE49-F238E27FC236}">
-                <a16:creationId xmlns="" xmlns:a16="http://schemas.microsoft.com/office/drawing/2014/main" id="{4EF49F99-C5ED-5CB9-69BE-6074CF85E4B4}"/>
+                <a16:creationId xmlns:a16="http://schemas.microsoft.com/office/drawing/2014/main" id="{4EF49F99-C5ED-5CB9-69BE-6074CF85E4B4}"/>
               </a:ext>
             </a:extLst>
           </p:cNvPr>
@@ -37014,7 +37269,7 @@
               <p:cNvPr id="15" name="TextBox 28">
                 <a:extLst>
                   <a:ext uri="{FF2B5EF4-FFF2-40B4-BE49-F238E27FC236}">
-                    <a16:creationId xmlns="" xmlns:a16="http://schemas.microsoft.com/office/drawing/2014/main" id="{F8424A97-4931-D4FB-2715-5C7B8EF2182B}"/>
+                    <a16:creationId xmlns:a16="http://schemas.microsoft.com/office/drawing/2014/main" id="{F8424A97-4931-D4FB-2715-5C7B8EF2182B}"/>
                   </a:ext>
                 </a:extLst>
               </p:cNvPr>
@@ -37117,7 +37372,7 @@
               <p:cNvPr id="16" name="TextBox 29">
                 <a:extLst>
                   <a:ext uri="{FF2B5EF4-FFF2-40B4-BE49-F238E27FC236}">
-                    <a16:creationId xmlns="" xmlns:a16="http://schemas.microsoft.com/office/drawing/2014/main" id="{F4403508-F5BF-1E8E-02DB-4035FA6169FC}"/>
+                    <a16:creationId xmlns:a16="http://schemas.microsoft.com/office/drawing/2014/main" id="{F4403508-F5BF-1E8E-02DB-4035FA6169FC}"/>
                   </a:ext>
                 </a:extLst>
               </p:cNvPr>
@@ -37227,7 +37482,7 @@
               <p:cNvPr id="17" name="TextBox 19">
                 <a:extLst>
                   <a:ext uri="{FF2B5EF4-FFF2-40B4-BE49-F238E27FC236}">
-                    <a16:creationId xmlns="" xmlns:a16="http://schemas.microsoft.com/office/drawing/2014/main" id="{34060A1D-2E52-39F5-0DF8-189C862047D9}"/>
+                    <a16:creationId xmlns:a16="http://schemas.microsoft.com/office/drawing/2014/main" id="{34060A1D-2E52-39F5-0DF8-189C862047D9}"/>
                   </a:ext>
                 </a:extLst>
               </p:cNvPr>
@@ -37335,7 +37590,7 @@
           <p:cNvPr id="18" name="Rectangle 3">
             <a:extLst>
               <a:ext uri="{FF2B5EF4-FFF2-40B4-BE49-F238E27FC236}">
-                <a16:creationId xmlns="" xmlns:a16="http://schemas.microsoft.com/office/drawing/2014/main" id="{A93A9D3A-8C54-B58D-C4C0-7F2E2E3666A0}"/>
+                <a16:creationId xmlns:a16="http://schemas.microsoft.com/office/drawing/2014/main" id="{A93A9D3A-8C54-B58D-C4C0-7F2E2E3666A0}"/>
               </a:ext>
             </a:extLst>
           </p:cNvPr>
@@ -37408,7 +37663,7 @@
           <p:cNvPr id="2" name="Título 1">
             <a:extLst>
               <a:ext uri="{FF2B5EF4-FFF2-40B4-BE49-F238E27FC236}">
-                <a16:creationId xmlns="" xmlns:a16="http://schemas.microsoft.com/office/drawing/2014/main" id="{485D4CFC-DDCB-8078-3C54-56133CAABF8B}"/>
+                <a16:creationId xmlns:a16="http://schemas.microsoft.com/office/drawing/2014/main" id="{485D4CFC-DDCB-8078-3C54-56133CAABF8B}"/>
               </a:ext>
             </a:extLst>
           </p:cNvPr>
@@ -37438,7 +37693,7 @@
               <p:cNvPr id="3" name="Espaço Reservado para Conteúdo 2">
                 <a:extLst>
                   <a:ext uri="{FF2B5EF4-FFF2-40B4-BE49-F238E27FC236}">
-                    <a16:creationId xmlns="" xmlns:a16="http://schemas.microsoft.com/office/drawing/2014/main" id="{7EE83549-CA46-62F5-CF24-FC969E4A47BB}"/>
+                    <a16:creationId xmlns:a16="http://schemas.microsoft.com/office/drawing/2014/main" id="{7EE83549-CA46-62F5-CF24-FC969E4A47BB}"/>
                   </a:ext>
                 </a:extLst>
               </p:cNvPr>
@@ -37624,7 +37879,7 @@
           <p:cNvPr id="5" name="Picture 5">
             <a:extLst>
               <a:ext uri="{FF2B5EF4-FFF2-40B4-BE49-F238E27FC236}">
-                <a16:creationId xmlns="" xmlns:a16="http://schemas.microsoft.com/office/drawing/2014/main" id="{404700FD-2AD0-0263-A281-0518044D2312}"/>
+                <a16:creationId xmlns:a16="http://schemas.microsoft.com/office/drawing/2014/main" id="{404700FD-2AD0-0263-A281-0518044D2312}"/>
               </a:ext>
             </a:extLst>
           </p:cNvPr>
@@ -37659,7 +37914,7 @@
           <p:cNvPr id="6" name="Picture 6">
             <a:extLst>
               <a:ext uri="{FF2B5EF4-FFF2-40B4-BE49-F238E27FC236}">
-                <a16:creationId xmlns="" xmlns:a16="http://schemas.microsoft.com/office/drawing/2014/main" id="{5C026D89-CF0B-9034-ECD6-7E0ECB934009}"/>
+                <a16:creationId xmlns:a16="http://schemas.microsoft.com/office/drawing/2014/main" id="{5C026D89-CF0B-9034-ECD6-7E0ECB934009}"/>
               </a:ext>
             </a:extLst>
           </p:cNvPr>
@@ -37694,7 +37949,7 @@
           <p:cNvPr id="8" name="Straight Arrow Connector 10">
             <a:extLst>
               <a:ext uri="{FF2B5EF4-FFF2-40B4-BE49-F238E27FC236}">
-                <a16:creationId xmlns="" xmlns:a16="http://schemas.microsoft.com/office/drawing/2014/main" id="{00ACB6AA-75DC-2F42-67F7-9B365EB6FD7D}"/>
+                <a16:creationId xmlns:a16="http://schemas.microsoft.com/office/drawing/2014/main" id="{00ACB6AA-75DC-2F42-67F7-9B365EB6FD7D}"/>
               </a:ext>
             </a:extLst>
           </p:cNvPr>
@@ -37740,7 +37995,7 @@
               <p:cNvPr id="9" name="TextBox 11">
                 <a:extLst>
                   <a:ext uri="{FF2B5EF4-FFF2-40B4-BE49-F238E27FC236}">
-                    <a16:creationId xmlns="" xmlns:a16="http://schemas.microsoft.com/office/drawing/2014/main" id="{8E1AC9A0-8AE3-88D2-924C-3555079253D3}"/>
+                    <a16:creationId xmlns:a16="http://schemas.microsoft.com/office/drawing/2014/main" id="{8E1AC9A0-8AE3-88D2-924C-3555079253D3}"/>
                   </a:ext>
                 </a:extLst>
               </p:cNvPr>
@@ -37832,7 +38087,7 @@
           <p:cNvPr id="4" name="Picture 2">
             <a:extLst>
               <a:ext uri="{FF2B5EF4-FFF2-40B4-BE49-F238E27FC236}">
-                <a16:creationId xmlns="" xmlns:a16="http://schemas.microsoft.com/office/drawing/2014/main" id="{F21DC2AF-EDF3-1582-F5C3-58459BFDB97F}"/>
+                <a16:creationId xmlns:a16="http://schemas.microsoft.com/office/drawing/2014/main" id="{F21DC2AF-EDF3-1582-F5C3-58459BFDB97F}"/>
               </a:ext>
             </a:extLst>
           </p:cNvPr>
@@ -37907,7 +38162,7 @@
           <p:cNvPr id="2" name="Título 1">
             <a:extLst>
               <a:ext uri="{FF2B5EF4-FFF2-40B4-BE49-F238E27FC236}">
-                <a16:creationId xmlns="" xmlns:a16="http://schemas.microsoft.com/office/drawing/2014/main" id="{53807E1E-02FA-BE90-DF8D-F7CD2EFB6D24}"/>
+                <a16:creationId xmlns:a16="http://schemas.microsoft.com/office/drawing/2014/main" id="{53807E1E-02FA-BE90-DF8D-F7CD2EFB6D24}"/>
               </a:ext>
             </a:extLst>
           </p:cNvPr>
@@ -37937,7 +38192,7 @@
               <p:cNvPr id="3" name="Espaço Reservado para Conteúdo 2">
                 <a:extLst>
                   <a:ext uri="{FF2B5EF4-FFF2-40B4-BE49-F238E27FC236}">
-                    <a16:creationId xmlns="" xmlns:a16="http://schemas.microsoft.com/office/drawing/2014/main" id="{E69917BF-2F45-6A09-7D88-35A718CBAA50}"/>
+                    <a16:creationId xmlns:a16="http://schemas.microsoft.com/office/drawing/2014/main" id="{E69917BF-2F45-6A09-7D88-35A718CBAA50}"/>
                   </a:ext>
                 </a:extLst>
               </p:cNvPr>
@@ -38145,7 +38400,7 @@
           <p:cNvPr id="4" name="Picture 8">
             <a:extLst>
               <a:ext uri="{FF2B5EF4-FFF2-40B4-BE49-F238E27FC236}">
-                <a16:creationId xmlns="" xmlns:a16="http://schemas.microsoft.com/office/drawing/2014/main" id="{E1C923F9-D8D5-387C-D5B7-782CE5422B74}"/>
+                <a16:creationId xmlns:a16="http://schemas.microsoft.com/office/drawing/2014/main" id="{E1C923F9-D8D5-387C-D5B7-782CE5422B74}"/>
               </a:ext>
             </a:extLst>
           </p:cNvPr>
@@ -38180,7 +38435,7 @@
           <p:cNvPr id="5" name="Picture 3">
             <a:extLst>
               <a:ext uri="{FF2B5EF4-FFF2-40B4-BE49-F238E27FC236}">
-                <a16:creationId xmlns="" xmlns:a16="http://schemas.microsoft.com/office/drawing/2014/main" id="{5F7D6C9C-2DF4-F962-D10F-5412C1DA0807}"/>
+                <a16:creationId xmlns:a16="http://schemas.microsoft.com/office/drawing/2014/main" id="{5F7D6C9C-2DF4-F962-D10F-5412C1DA0807}"/>
               </a:ext>
             </a:extLst>
           </p:cNvPr>
@@ -38215,7 +38470,7 @@
           <p:cNvPr id="7" name="Straight Arrow Connector 7">
             <a:extLst>
               <a:ext uri="{FF2B5EF4-FFF2-40B4-BE49-F238E27FC236}">
-                <a16:creationId xmlns="" xmlns:a16="http://schemas.microsoft.com/office/drawing/2014/main" id="{98A69CEB-47F4-A85F-762F-6622419002E6}"/>
+                <a16:creationId xmlns:a16="http://schemas.microsoft.com/office/drawing/2014/main" id="{98A69CEB-47F4-A85F-762F-6622419002E6}"/>
               </a:ext>
             </a:extLst>
           </p:cNvPr>
@@ -38261,7 +38516,7 @@
               <p:cNvPr id="8" name="TextBox 10">
                 <a:extLst>
                   <a:ext uri="{FF2B5EF4-FFF2-40B4-BE49-F238E27FC236}">
-                    <a16:creationId xmlns="" xmlns:a16="http://schemas.microsoft.com/office/drawing/2014/main" id="{54AC2781-3C16-CFC1-9D56-9FC370256E77}"/>
+                    <a16:creationId xmlns:a16="http://schemas.microsoft.com/office/drawing/2014/main" id="{54AC2781-3C16-CFC1-9D56-9FC370256E77}"/>
                   </a:ext>
                 </a:extLst>
               </p:cNvPr>
@@ -38353,7 +38608,7 @@
           <p:cNvPr id="2050" name="Picture 2">
             <a:extLst>
               <a:ext uri="{FF2B5EF4-FFF2-40B4-BE49-F238E27FC236}">
-                <a16:creationId xmlns="" xmlns:a16="http://schemas.microsoft.com/office/drawing/2014/main" id="{6232E825-A6A5-D6AD-ED62-433ACECDE117}"/>
+                <a16:creationId xmlns:a16="http://schemas.microsoft.com/office/drawing/2014/main" id="{6232E825-A6A5-D6AD-ED62-433ACECDE117}"/>
               </a:ext>
             </a:extLst>
           </p:cNvPr>
@@ -38428,7 +38683,7 @@
           <p:cNvPr id="2" name="Título 1">
             <a:extLst>
               <a:ext uri="{FF2B5EF4-FFF2-40B4-BE49-F238E27FC236}">
-                <a16:creationId xmlns="" xmlns:a16="http://schemas.microsoft.com/office/drawing/2014/main" id="{4A86A124-E47D-3417-36BC-8BEE00BC4668}"/>
+                <a16:creationId xmlns:a16="http://schemas.microsoft.com/office/drawing/2014/main" id="{4A86A124-E47D-3417-36BC-8BEE00BC4668}"/>
               </a:ext>
             </a:extLst>
           </p:cNvPr>
@@ -38458,7 +38713,7 @@
               <p:cNvPr id="3" name="Espaço Reservado para Conteúdo 2">
                 <a:extLst>
                   <a:ext uri="{FF2B5EF4-FFF2-40B4-BE49-F238E27FC236}">
-                    <a16:creationId xmlns="" xmlns:a16="http://schemas.microsoft.com/office/drawing/2014/main" id="{AD6B1EE1-E6EE-4E0B-FB14-A459C7084856}"/>
+                    <a16:creationId xmlns:a16="http://schemas.microsoft.com/office/drawing/2014/main" id="{AD6B1EE1-E6EE-4E0B-FB14-A459C7084856}"/>
                   </a:ext>
                 </a:extLst>
               </p:cNvPr>
@@ -38571,7 +38826,7 @@
           <p:cNvPr id="6" name="Agrupar 5">
             <a:extLst>
               <a:ext uri="{FF2B5EF4-FFF2-40B4-BE49-F238E27FC236}">
-                <a16:creationId xmlns="" xmlns:a16="http://schemas.microsoft.com/office/drawing/2014/main" id="{E0A98745-EC18-6F40-59B4-A8FC12CA3344}"/>
+                <a16:creationId xmlns:a16="http://schemas.microsoft.com/office/drawing/2014/main" id="{E0A98745-EC18-6F40-59B4-A8FC12CA3344}"/>
               </a:ext>
             </a:extLst>
           </p:cNvPr>
@@ -38591,7 +38846,7 @@
             <p:cNvPr id="4" name="Picture 4">
               <a:extLst>
                 <a:ext uri="{FF2B5EF4-FFF2-40B4-BE49-F238E27FC236}">
-                  <a16:creationId xmlns="" xmlns:a16="http://schemas.microsoft.com/office/drawing/2014/main" id="{5A818B0E-3846-85AC-CA3B-8E7732D8537B}"/>
+                  <a16:creationId xmlns:a16="http://schemas.microsoft.com/office/drawing/2014/main" id="{5A818B0E-3846-85AC-CA3B-8E7732D8537B}"/>
                 </a:ext>
               </a:extLst>
             </p:cNvPr>
@@ -38628,7 +38883,7 @@
                 <p:cNvPr id="5" name="Rectangle 5">
                   <a:extLst>
                     <a:ext uri="{FF2B5EF4-FFF2-40B4-BE49-F238E27FC236}">
-                      <a16:creationId xmlns="" xmlns:a16="http://schemas.microsoft.com/office/drawing/2014/main" id="{85F634B8-E175-3AAC-9CEE-E3119B65ED10}"/>
+                      <a16:creationId xmlns:a16="http://schemas.microsoft.com/office/drawing/2014/main" id="{85F634B8-E175-3AAC-9CEE-E3119B65ED10}"/>
                     </a:ext>
                   </a:extLst>
                 </p:cNvPr>

--- a/slides/T319_Regressão_Linear (Parte III).pptx
+++ b/slides/T319_Regressão_Linear (Parte III).pptx
@@ -563,7 +563,7 @@
           <a:p>
             <a:fld id="{DAF0AF11-6A8A-4E64-94F5-26D4FBA2A01D}" type="datetimeFigureOut">
               <a:rPr lang="nl-BE" smtClean="0"/>
-              <a:t>11/10/2023</a:t>
+              <a:t>22/10/2023</a:t>
             </a:fld>
             <a:endParaRPr lang="nl-BE"/>
           </a:p>
@@ -3828,7 +3828,7 @@
           <a:p>
             <a:fld id="{C80E15A5-E95B-43EB-9AC7-9A96397448C0}" type="datetimeFigureOut">
               <a:rPr lang="nl-BE" smtClean="0"/>
-              <a:t>11/10/2023</a:t>
+              <a:t>22/10/2023</a:t>
             </a:fld>
             <a:endParaRPr lang="nl-BE"/>
           </a:p>
@@ -3998,7 +3998,7 @@
           <a:p>
             <a:fld id="{C80E15A5-E95B-43EB-9AC7-9A96397448C0}" type="datetimeFigureOut">
               <a:rPr lang="nl-BE" smtClean="0"/>
-              <a:t>11/10/2023</a:t>
+              <a:t>22/10/2023</a:t>
             </a:fld>
             <a:endParaRPr lang="nl-BE"/>
           </a:p>
@@ -4178,7 +4178,7 @@
           <a:p>
             <a:fld id="{C80E15A5-E95B-43EB-9AC7-9A96397448C0}" type="datetimeFigureOut">
               <a:rPr lang="nl-BE" smtClean="0"/>
-              <a:t>11/10/2023</a:t>
+              <a:t>22/10/2023</a:t>
             </a:fld>
             <a:endParaRPr lang="nl-BE"/>
           </a:p>
@@ -4348,7 +4348,7 @@
           <a:p>
             <a:fld id="{C80E15A5-E95B-43EB-9AC7-9A96397448C0}" type="datetimeFigureOut">
               <a:rPr lang="nl-BE" smtClean="0"/>
-              <a:t>11/10/2023</a:t>
+              <a:t>22/10/2023</a:t>
             </a:fld>
             <a:endParaRPr lang="nl-BE"/>
           </a:p>
@@ -4594,7 +4594,7 @@
           <a:p>
             <a:fld id="{C80E15A5-E95B-43EB-9AC7-9A96397448C0}" type="datetimeFigureOut">
               <a:rPr lang="nl-BE" smtClean="0"/>
-              <a:t>11/10/2023</a:t>
+              <a:t>22/10/2023</a:t>
             </a:fld>
             <a:endParaRPr lang="nl-BE"/>
           </a:p>
@@ -4826,7 +4826,7 @@
           <a:p>
             <a:fld id="{C80E15A5-E95B-43EB-9AC7-9A96397448C0}" type="datetimeFigureOut">
               <a:rPr lang="nl-BE" smtClean="0"/>
-              <a:t>11/10/2023</a:t>
+              <a:t>22/10/2023</a:t>
             </a:fld>
             <a:endParaRPr lang="nl-BE"/>
           </a:p>
@@ -5193,7 +5193,7 @@
           <a:p>
             <a:fld id="{C80E15A5-E95B-43EB-9AC7-9A96397448C0}" type="datetimeFigureOut">
               <a:rPr lang="nl-BE" smtClean="0"/>
-              <a:t>11/10/2023</a:t>
+              <a:t>22/10/2023</a:t>
             </a:fld>
             <a:endParaRPr lang="nl-BE"/>
           </a:p>
@@ -5311,7 +5311,7 @@
           <a:p>
             <a:fld id="{C80E15A5-E95B-43EB-9AC7-9A96397448C0}" type="datetimeFigureOut">
               <a:rPr lang="nl-BE" smtClean="0"/>
-              <a:t>11/10/2023</a:t>
+              <a:t>22/10/2023</a:t>
             </a:fld>
             <a:endParaRPr lang="nl-BE"/>
           </a:p>
@@ -5406,7 +5406,7 @@
           <a:p>
             <a:fld id="{C80E15A5-E95B-43EB-9AC7-9A96397448C0}" type="datetimeFigureOut">
               <a:rPr lang="nl-BE" smtClean="0"/>
-              <a:t>11/10/2023</a:t>
+              <a:t>22/10/2023</a:t>
             </a:fld>
             <a:endParaRPr lang="nl-BE"/>
           </a:p>
@@ -5683,7 +5683,7 @@
           <a:p>
             <a:fld id="{C80E15A5-E95B-43EB-9AC7-9A96397448C0}" type="datetimeFigureOut">
               <a:rPr lang="nl-BE" smtClean="0"/>
-              <a:t>11/10/2023</a:t>
+              <a:t>22/10/2023</a:t>
             </a:fld>
             <a:endParaRPr lang="nl-BE"/>
           </a:p>
@@ -5936,7 +5936,7 @@
           <a:p>
             <a:fld id="{C80E15A5-E95B-43EB-9AC7-9A96397448C0}" type="datetimeFigureOut">
               <a:rPr lang="nl-BE" smtClean="0"/>
-              <a:t>11/10/2023</a:t>
+              <a:t>22/10/2023</a:t>
             </a:fld>
             <a:endParaRPr lang="nl-BE"/>
           </a:p>
@@ -6149,7 +6149,7 @@
           <a:p>
             <a:fld id="{C80E15A5-E95B-43EB-9AC7-9A96397448C0}" type="datetimeFigureOut">
               <a:rPr lang="nl-BE" smtClean="0"/>
-              <a:t>11/10/2023</a:t>
+              <a:t>22/10/2023</a:t>
             </a:fld>
             <a:endParaRPr lang="nl-BE"/>
           </a:p>
@@ -9347,8 +9347,8 @@
           </a:p>
         </p:txBody>
       </p:sp>
-      <mc:AlternateContent xmlns:mc="http://schemas.openxmlformats.org/markup-compatibility/2006">
-        <mc:Choice xmlns:a14="http://schemas.microsoft.com/office/drawing/2010/main" Requires="a14">
+      <mc:AlternateContent xmlns:mc="http://schemas.openxmlformats.org/markup-compatibility/2006" xmlns:a14="http://schemas.microsoft.com/office/drawing/2010/main">
+        <mc:Choice Requires="a14">
           <p:sp>
             <p:nvSpPr>
               <p:cNvPr id="3" name="Espaço Reservado para Conteúdo 2">
@@ -9845,7 +9845,7 @@
             </p:txBody>
           </p:sp>
         </mc:Choice>
-        <mc:Fallback>
+        <mc:Fallback xmlns="">
           <p:sp>
             <p:nvSpPr>
               <p:cNvPr id="3" name="Espaço Reservado para Conteúdo 2">
@@ -9999,8 +9999,8 @@
           </a:p>
         </p:txBody>
       </p:sp>
-      <mc:AlternateContent xmlns:mc="http://schemas.openxmlformats.org/markup-compatibility/2006">
-        <mc:Choice xmlns:a14="http://schemas.microsoft.com/office/drawing/2010/main" Requires="a14">
+      <mc:AlternateContent xmlns:mc="http://schemas.openxmlformats.org/markup-compatibility/2006" xmlns:a14="http://schemas.microsoft.com/office/drawing/2010/main">
+        <mc:Choice Requires="a14">
           <p:sp>
             <p:nvSpPr>
               <p:cNvPr id="3" name="Espaço Reservado para Conteúdo 2">
@@ -10624,7 +10624,7 @@
             </p:txBody>
           </p:sp>
         </mc:Choice>
-        <mc:Fallback>
+        <mc:Fallback xmlns="">
           <p:sp>
             <p:nvSpPr>
               <p:cNvPr id="3" name="Espaço Reservado para Conteúdo 2">
@@ -10964,8 +10964,8 @@
           </a:p>
         </p:txBody>
       </p:sp>
-      <mc:AlternateContent xmlns:mc="http://schemas.openxmlformats.org/markup-compatibility/2006">
-        <mc:Choice xmlns:a14="http://schemas.microsoft.com/office/drawing/2010/main" Requires="a14">
+      <mc:AlternateContent xmlns:mc="http://schemas.openxmlformats.org/markup-compatibility/2006" xmlns:a14="http://schemas.microsoft.com/office/drawing/2010/main">
+        <mc:Choice Requires="a14">
           <p:sp>
             <p:nvSpPr>
               <p:cNvPr id="3" name="Espaço Reservado para Conteúdo 2">
@@ -11663,7 +11663,7 @@
             </p:txBody>
           </p:sp>
         </mc:Choice>
-        <mc:Fallback>
+        <mc:Fallback xmlns="">
           <p:sp>
             <p:nvSpPr>
               <p:cNvPr id="3" name="Espaço Reservado para Conteúdo 2">
@@ -11770,8 +11770,8 @@
           </a:p>
         </p:txBody>
       </p:sp>
-      <mc:AlternateContent xmlns:mc="http://schemas.openxmlformats.org/markup-compatibility/2006">
-        <mc:Choice xmlns:a14="http://schemas.microsoft.com/office/drawing/2010/main" Requires="a14">
+      <mc:AlternateContent xmlns:mc="http://schemas.openxmlformats.org/markup-compatibility/2006" xmlns:a14="http://schemas.microsoft.com/office/drawing/2010/main">
+        <mc:Choice Requires="a14">
           <p:sp>
             <p:nvSpPr>
               <p:cNvPr id="3" name="Espaço Reservado para Conteúdo 2">
@@ -11959,7 +11959,7 @@
             </p:txBody>
           </p:sp>
         </mc:Choice>
-        <mc:Fallback>
+        <mc:Fallback xmlns="">
           <p:sp>
             <p:nvSpPr>
               <p:cNvPr id="3" name="Espaço Reservado para Conteúdo 2">
@@ -15784,26 +15784,19 @@
               <a:rPr lang="pt-BR" dirty="0">
                 <a:hlinkClick r:id="rId4"/>
               </a:rPr>
-              <a:t>Instruções para resolução e entrega dos laboratórios</a:t>
-            </a:r>
-            <a:r>
-              <a:rPr lang="pt-BR" dirty="0"/>
+              <a:t>Instruções para resolução e entrega dos </a:t>
+            </a:r>
+            <a:r>
+              <a:rPr lang="pt-BR">
+                <a:hlinkClick r:id="rId4"/>
+              </a:rPr>
+              <a:t>laboratórios</a:t>
+            </a:r>
+            <a:r>
+              <a:rPr lang="pt-BR"/>
               <a:t>.</a:t>
             </a:r>
-          </a:p>
-          <a:p>
-            <a:pPr lvl="1">
-              <a:buFont typeface="Wingdings" panose="05000000000000000000" pitchFamily="2" charset="2"/>
-              <a:buChar char="§"/>
-            </a:pPr>
-            <a:r>
-              <a:rPr lang="pt-BR" b="1" dirty="0">
-                <a:solidFill>
-                  <a:srgbClr val="FF0000"/>
-                </a:solidFill>
-              </a:rPr>
-              <a:t>Laboratórios podem ser resolvidos em grupo, mas as entregas devem ser individuais.</a:t>
-            </a:r>
+            <a:endParaRPr lang="pt-BR" dirty="0"/>
           </a:p>
         </p:txBody>
       </p:sp>

--- a/slides/T319_Regressão_Linear (Parte III).pptx
+++ b/slides/T319_Regressão_Linear (Parte III).pptx
@@ -563,7 +563,7 @@
           <a:p>
             <a:fld id="{DAF0AF11-6A8A-4E64-94F5-26D4FBA2A01D}" type="datetimeFigureOut">
               <a:rPr lang="nl-BE" smtClean="0"/>
-              <a:t>22/10/2023</a:t>
+              <a:t>6/11/2023</a:t>
             </a:fld>
             <a:endParaRPr lang="nl-BE"/>
           </a:p>
@@ -3828,7 +3828,7 @@
           <a:p>
             <a:fld id="{C80E15A5-E95B-43EB-9AC7-9A96397448C0}" type="datetimeFigureOut">
               <a:rPr lang="nl-BE" smtClean="0"/>
-              <a:t>22/10/2023</a:t>
+              <a:t>6/11/2023</a:t>
             </a:fld>
             <a:endParaRPr lang="nl-BE"/>
           </a:p>
@@ -3998,7 +3998,7 @@
           <a:p>
             <a:fld id="{C80E15A5-E95B-43EB-9AC7-9A96397448C0}" type="datetimeFigureOut">
               <a:rPr lang="nl-BE" smtClean="0"/>
-              <a:t>22/10/2023</a:t>
+              <a:t>6/11/2023</a:t>
             </a:fld>
             <a:endParaRPr lang="nl-BE"/>
           </a:p>
@@ -4178,7 +4178,7 @@
           <a:p>
             <a:fld id="{C80E15A5-E95B-43EB-9AC7-9A96397448C0}" type="datetimeFigureOut">
               <a:rPr lang="nl-BE" smtClean="0"/>
-              <a:t>22/10/2023</a:t>
+              <a:t>6/11/2023</a:t>
             </a:fld>
             <a:endParaRPr lang="nl-BE"/>
           </a:p>
@@ -4348,7 +4348,7 @@
           <a:p>
             <a:fld id="{C80E15A5-E95B-43EB-9AC7-9A96397448C0}" type="datetimeFigureOut">
               <a:rPr lang="nl-BE" smtClean="0"/>
-              <a:t>22/10/2023</a:t>
+              <a:t>6/11/2023</a:t>
             </a:fld>
             <a:endParaRPr lang="nl-BE"/>
           </a:p>
@@ -4594,7 +4594,7 @@
           <a:p>
             <a:fld id="{C80E15A5-E95B-43EB-9AC7-9A96397448C0}" type="datetimeFigureOut">
               <a:rPr lang="nl-BE" smtClean="0"/>
-              <a:t>22/10/2023</a:t>
+              <a:t>6/11/2023</a:t>
             </a:fld>
             <a:endParaRPr lang="nl-BE"/>
           </a:p>
@@ -4826,7 +4826,7 @@
           <a:p>
             <a:fld id="{C80E15A5-E95B-43EB-9AC7-9A96397448C0}" type="datetimeFigureOut">
               <a:rPr lang="nl-BE" smtClean="0"/>
-              <a:t>22/10/2023</a:t>
+              <a:t>6/11/2023</a:t>
             </a:fld>
             <a:endParaRPr lang="nl-BE"/>
           </a:p>
@@ -5193,7 +5193,7 @@
           <a:p>
             <a:fld id="{C80E15A5-E95B-43EB-9AC7-9A96397448C0}" type="datetimeFigureOut">
               <a:rPr lang="nl-BE" smtClean="0"/>
-              <a:t>22/10/2023</a:t>
+              <a:t>6/11/2023</a:t>
             </a:fld>
             <a:endParaRPr lang="nl-BE"/>
           </a:p>
@@ -5311,7 +5311,7 @@
           <a:p>
             <a:fld id="{C80E15A5-E95B-43EB-9AC7-9A96397448C0}" type="datetimeFigureOut">
               <a:rPr lang="nl-BE" smtClean="0"/>
-              <a:t>22/10/2023</a:t>
+              <a:t>6/11/2023</a:t>
             </a:fld>
             <a:endParaRPr lang="nl-BE"/>
           </a:p>
@@ -5406,7 +5406,7 @@
           <a:p>
             <a:fld id="{C80E15A5-E95B-43EB-9AC7-9A96397448C0}" type="datetimeFigureOut">
               <a:rPr lang="nl-BE" smtClean="0"/>
-              <a:t>22/10/2023</a:t>
+              <a:t>6/11/2023</a:t>
             </a:fld>
             <a:endParaRPr lang="nl-BE"/>
           </a:p>
@@ -5683,7 +5683,7 @@
           <a:p>
             <a:fld id="{C80E15A5-E95B-43EB-9AC7-9A96397448C0}" type="datetimeFigureOut">
               <a:rPr lang="nl-BE" smtClean="0"/>
-              <a:t>22/10/2023</a:t>
+              <a:t>6/11/2023</a:t>
             </a:fld>
             <a:endParaRPr lang="nl-BE"/>
           </a:p>
@@ -5936,7 +5936,7 @@
           <a:p>
             <a:fld id="{C80E15A5-E95B-43EB-9AC7-9A96397448C0}" type="datetimeFigureOut">
               <a:rPr lang="nl-BE" smtClean="0"/>
-              <a:t>22/10/2023</a:t>
+              <a:t>6/11/2023</a:t>
             </a:fld>
             <a:endParaRPr lang="nl-BE"/>
           </a:p>
@@ -6149,7 +6149,7 @@
           <a:p>
             <a:fld id="{C80E15A5-E95B-43EB-9AC7-9A96397448C0}" type="datetimeFigureOut">
               <a:rPr lang="nl-BE" smtClean="0"/>
-              <a:t>22/10/2023</a:t>
+              <a:t>6/11/2023</a:t>
             </a:fld>
             <a:endParaRPr lang="nl-BE"/>
           </a:p>
@@ -15762,7 +15762,15 @@
             </a:pPr>
             <a:r>
               <a:rPr lang="pt-BR" dirty="0"/>
-              <a:t>Vídeo explicando o laboratório: Arquivos -&gt; Material de Aula -&gt; Laboratório #4</a:t>
+              <a:t>Vídeo explicando o laboratório: Arquivos </a:t>
+            </a:r>
+            <a:r>
+              <a:rPr lang="pt-BR"/>
+              <a:t>-&gt; Recordings -&gt; </a:t>
+            </a:r>
+            <a:r>
+              <a:rPr lang="pt-BR" dirty="0"/>
+              <a:t>Laboratório #4</a:t>
             </a:r>
           </a:p>
           <a:p>
@@ -15784,19 +15792,12 @@
               <a:rPr lang="pt-BR" dirty="0">
                 <a:hlinkClick r:id="rId4"/>
               </a:rPr>
-              <a:t>Instruções para resolução e entrega dos </a:t>
-            </a:r>
-            <a:r>
-              <a:rPr lang="pt-BR">
-                <a:hlinkClick r:id="rId4"/>
-              </a:rPr>
-              <a:t>laboratórios</a:t>
-            </a:r>
-            <a:r>
-              <a:rPr lang="pt-BR"/>
+              <a:t>Instruções para resolução e entrega dos laboratórios</a:t>
+            </a:r>
+            <a:r>
+              <a:rPr lang="pt-BR" dirty="0"/>
               <a:t>.</a:t>
             </a:r>
-            <a:endParaRPr lang="pt-BR" dirty="0"/>
           </a:p>
         </p:txBody>
       </p:sp>

--- a/slides/T319_Regressão_Linear (Parte III).pptx
+++ b/slides/T319_Regressão_Linear (Parte III).pptx
@@ -5,49 +5,50 @@
     <p:sldMasterId id="2147483648" r:id="rId1"/>
   </p:sldMasterIdLst>
   <p:notesMasterIdLst>
-    <p:notesMasterId r:id="rId42"/>
+    <p:notesMasterId r:id="rId43"/>
   </p:notesMasterIdLst>
   <p:sldIdLst>
     <p:sldId id="259" r:id="rId2"/>
     <p:sldId id="463" r:id="rId3"/>
     <p:sldId id="485" r:id="rId4"/>
     <p:sldId id="487" r:id="rId5"/>
-    <p:sldId id="489" r:id="rId6"/>
-    <p:sldId id="488" r:id="rId7"/>
-    <p:sldId id="486" r:id="rId8"/>
-    <p:sldId id="492" r:id="rId9"/>
-    <p:sldId id="493" r:id="rId10"/>
-    <p:sldId id="501" r:id="rId11"/>
-    <p:sldId id="494" r:id="rId12"/>
-    <p:sldId id="490" r:id="rId13"/>
-    <p:sldId id="497" r:id="rId14"/>
-    <p:sldId id="499" r:id="rId15"/>
-    <p:sldId id="500" r:id="rId16"/>
-    <p:sldId id="502" r:id="rId17"/>
-    <p:sldId id="495" r:id="rId18"/>
-    <p:sldId id="496" r:id="rId19"/>
-    <p:sldId id="512" r:id="rId20"/>
-    <p:sldId id="504" r:id="rId21"/>
-    <p:sldId id="505" r:id="rId22"/>
-    <p:sldId id="508" r:id="rId23"/>
-    <p:sldId id="510" r:id="rId24"/>
-    <p:sldId id="511" r:id="rId25"/>
-    <p:sldId id="482" r:id="rId26"/>
-    <p:sldId id="317" r:id="rId27"/>
-    <p:sldId id="332" r:id="rId28"/>
-    <p:sldId id="299" r:id="rId29"/>
-    <p:sldId id="285" r:id="rId30"/>
-    <p:sldId id="415" r:id="rId31"/>
-    <p:sldId id="283" r:id="rId32"/>
-    <p:sldId id="274" r:id="rId33"/>
-    <p:sldId id="278" r:id="rId34"/>
-    <p:sldId id="292" r:id="rId35"/>
-    <p:sldId id="498" r:id="rId36"/>
-    <p:sldId id="295" r:id="rId37"/>
-    <p:sldId id="396" r:id="rId38"/>
-    <p:sldId id="484" r:id="rId39"/>
-    <p:sldId id="421" r:id="rId40"/>
-    <p:sldId id="423" r:id="rId41"/>
+    <p:sldId id="513" r:id="rId6"/>
+    <p:sldId id="489" r:id="rId7"/>
+    <p:sldId id="488" r:id="rId8"/>
+    <p:sldId id="486" r:id="rId9"/>
+    <p:sldId id="492" r:id="rId10"/>
+    <p:sldId id="493" r:id="rId11"/>
+    <p:sldId id="501" r:id="rId12"/>
+    <p:sldId id="494" r:id="rId13"/>
+    <p:sldId id="490" r:id="rId14"/>
+    <p:sldId id="497" r:id="rId15"/>
+    <p:sldId id="499" r:id="rId16"/>
+    <p:sldId id="500" r:id="rId17"/>
+    <p:sldId id="502" r:id="rId18"/>
+    <p:sldId id="495" r:id="rId19"/>
+    <p:sldId id="496" r:id="rId20"/>
+    <p:sldId id="512" r:id="rId21"/>
+    <p:sldId id="504" r:id="rId22"/>
+    <p:sldId id="505" r:id="rId23"/>
+    <p:sldId id="508" r:id="rId24"/>
+    <p:sldId id="510" r:id="rId25"/>
+    <p:sldId id="511" r:id="rId26"/>
+    <p:sldId id="482" r:id="rId27"/>
+    <p:sldId id="317" r:id="rId28"/>
+    <p:sldId id="332" r:id="rId29"/>
+    <p:sldId id="299" r:id="rId30"/>
+    <p:sldId id="285" r:id="rId31"/>
+    <p:sldId id="415" r:id="rId32"/>
+    <p:sldId id="283" r:id="rId33"/>
+    <p:sldId id="274" r:id="rId34"/>
+    <p:sldId id="278" r:id="rId35"/>
+    <p:sldId id="292" r:id="rId36"/>
+    <p:sldId id="498" r:id="rId37"/>
+    <p:sldId id="295" r:id="rId38"/>
+    <p:sldId id="396" r:id="rId39"/>
+    <p:sldId id="484" r:id="rId40"/>
+    <p:sldId id="421" r:id="rId41"/>
+    <p:sldId id="423" r:id="rId42"/>
   </p:sldIdLst>
   <p:sldSz cx="12192000" cy="6858000"/>
   <p:notesSz cx="6858000" cy="9144000"/>
@@ -563,7 +564,7 @@
           <a:p>
             <a:fld id="{DAF0AF11-6A8A-4E64-94F5-26D4FBA2A01D}" type="datetimeFigureOut">
               <a:rPr lang="nl-BE" smtClean="0"/>
-              <a:t>6/11/2023</a:t>
+              <a:t>5/04/2024</a:t>
             </a:fld>
             <a:endParaRPr lang="nl-BE"/>
           </a:p>
@@ -1190,7 +1191,7 @@
           <a:p>
             <a:fld id="{DA8B99DF-01BC-492A-8CEF-4FD88D18DD9D}" type="slidenum">
               <a:rPr lang="nl-BE" smtClean="0"/>
-              <a:t>23</a:t>
+              <a:t>24</a:t>
             </a:fld>
             <a:endParaRPr lang="nl-BE"/>
           </a:p>
@@ -1484,7 +1485,7 @@
           <a:p>
             <a:fld id="{DA8B99DF-01BC-492A-8CEF-4FD88D18DD9D}" type="slidenum">
               <a:rPr lang="nl-BE" smtClean="0"/>
-              <a:t>24</a:t>
+              <a:t>25</a:t>
             </a:fld>
             <a:endParaRPr lang="nl-BE"/>
           </a:p>
@@ -1599,7 +1600,7 @@
           <a:p>
             <a:fld id="{DA8B99DF-01BC-492A-8CEF-4FD88D18DD9D}" type="slidenum">
               <a:rPr lang="nl-BE" smtClean="0"/>
-              <a:t>25</a:t>
+              <a:t>26</a:t>
             </a:fld>
             <a:endParaRPr lang="nl-BE"/>
           </a:p>
@@ -1683,7 +1684,7 @@
           <a:p>
             <a:fld id="{DA8B99DF-01BC-492A-8CEF-4FD88D18DD9D}" type="slidenum">
               <a:rPr lang="nl-BE" smtClean="0"/>
-              <a:t>30</a:t>
+              <a:t>31</a:t>
             </a:fld>
             <a:endParaRPr lang="nl-BE"/>
           </a:p>
@@ -1767,7 +1768,7 @@
           <a:p>
             <a:fld id="{DA8B99DF-01BC-492A-8CEF-4FD88D18DD9D}" type="slidenum">
               <a:rPr lang="nl-BE" smtClean="0"/>
-              <a:t>31</a:t>
+              <a:t>32</a:t>
             </a:fld>
             <a:endParaRPr lang="nl-BE"/>
           </a:p>
@@ -1851,7 +1852,7 @@
           <a:p>
             <a:fld id="{DA8B99DF-01BC-492A-8CEF-4FD88D18DD9D}" type="slidenum">
               <a:rPr lang="nl-BE" smtClean="0"/>
-              <a:t>34</a:t>
+              <a:t>35</a:t>
             </a:fld>
             <a:endParaRPr lang="nl-BE"/>
           </a:p>
@@ -1935,7 +1936,7 @@
           <a:p>
             <a:fld id="{DA8B99DF-01BC-492A-8CEF-4FD88D18DD9D}" type="slidenum">
               <a:rPr lang="nl-BE" smtClean="0"/>
-              <a:t>35</a:t>
+              <a:t>36</a:t>
             </a:fld>
             <a:endParaRPr lang="nl-BE"/>
           </a:p>
@@ -2022,7 +2023,7 @@
           <a:p>
             <a:fld id="{DA8B99DF-01BC-492A-8CEF-4FD88D18DD9D}" type="slidenum">
               <a:rPr lang="nl-BE" smtClean="0"/>
-              <a:t>40</a:t>
+              <a:t>41</a:t>
             </a:fld>
             <a:endParaRPr lang="nl-BE"/>
           </a:p>
@@ -2235,7 +2236,7 @@
           <a:p>
             <a:fld id="{DA8B99DF-01BC-492A-8CEF-4FD88D18DD9D}" type="slidenum">
               <a:rPr lang="nl-BE" smtClean="0"/>
-              <a:t>6</a:t>
+              <a:t>7</a:t>
             </a:fld>
             <a:endParaRPr lang="nl-BE"/>
           </a:p>
@@ -2448,7 +2449,7 @@
           <a:p>
             <a:fld id="{DA8B99DF-01BC-492A-8CEF-4FD88D18DD9D}" type="slidenum">
               <a:rPr lang="nl-BE" smtClean="0"/>
-              <a:t>7</a:t>
+              <a:t>8</a:t>
             </a:fld>
             <a:endParaRPr lang="nl-BE"/>
           </a:p>
@@ -2651,7 +2652,7 @@
           <a:p>
             <a:fld id="{DA8B99DF-01BC-492A-8CEF-4FD88D18DD9D}" type="slidenum">
               <a:rPr lang="nl-BE" smtClean="0"/>
-              <a:t>8</a:t>
+              <a:t>9</a:t>
             </a:fld>
             <a:endParaRPr lang="nl-BE"/>
           </a:p>
@@ -2854,7 +2855,7 @@
           <a:p>
             <a:fld id="{DA8B99DF-01BC-492A-8CEF-4FD88D18DD9D}" type="slidenum">
               <a:rPr lang="nl-BE" smtClean="0"/>
-              <a:t>9</a:t>
+              <a:t>10</a:t>
             </a:fld>
             <a:endParaRPr lang="nl-BE"/>
           </a:p>
@@ -3057,7 +3058,7 @@
           <a:p>
             <a:fld id="{DA8B99DF-01BC-492A-8CEF-4FD88D18DD9D}" type="slidenum">
               <a:rPr lang="nl-BE" smtClean="0"/>
-              <a:t>10</a:t>
+              <a:t>11</a:t>
             </a:fld>
             <a:endParaRPr lang="nl-BE"/>
           </a:p>
@@ -3267,7 +3268,7 @@
           <a:p>
             <a:fld id="{DA8B99DF-01BC-492A-8CEF-4FD88D18DD9D}" type="slidenum">
               <a:rPr lang="nl-BE" smtClean="0"/>
-              <a:t>11</a:t>
+              <a:t>12</a:t>
             </a:fld>
             <a:endParaRPr lang="nl-BE"/>
           </a:p>
@@ -3384,7 +3385,7 @@
           <a:p>
             <a:fld id="{DA8B99DF-01BC-492A-8CEF-4FD88D18DD9D}" type="slidenum">
               <a:rPr lang="nl-BE" smtClean="0"/>
-              <a:t>12</a:t>
+              <a:t>13</a:t>
             </a:fld>
             <a:endParaRPr lang="nl-BE"/>
           </a:p>
@@ -3678,7 +3679,7 @@
           <a:p>
             <a:fld id="{DA8B99DF-01BC-492A-8CEF-4FD88D18DD9D}" type="slidenum">
               <a:rPr lang="nl-BE" smtClean="0"/>
-              <a:t>22</a:t>
+              <a:t>23</a:t>
             </a:fld>
             <a:endParaRPr lang="nl-BE"/>
           </a:p>
@@ -3828,7 +3829,7 @@
           <a:p>
             <a:fld id="{C80E15A5-E95B-43EB-9AC7-9A96397448C0}" type="datetimeFigureOut">
               <a:rPr lang="nl-BE" smtClean="0"/>
-              <a:t>6/11/2023</a:t>
+              <a:t>5/04/2024</a:t>
             </a:fld>
             <a:endParaRPr lang="nl-BE"/>
           </a:p>
@@ -3998,7 +3999,7 @@
           <a:p>
             <a:fld id="{C80E15A5-E95B-43EB-9AC7-9A96397448C0}" type="datetimeFigureOut">
               <a:rPr lang="nl-BE" smtClean="0"/>
-              <a:t>6/11/2023</a:t>
+              <a:t>5/04/2024</a:t>
             </a:fld>
             <a:endParaRPr lang="nl-BE"/>
           </a:p>
@@ -4178,7 +4179,7 @@
           <a:p>
             <a:fld id="{C80E15A5-E95B-43EB-9AC7-9A96397448C0}" type="datetimeFigureOut">
               <a:rPr lang="nl-BE" smtClean="0"/>
-              <a:t>6/11/2023</a:t>
+              <a:t>5/04/2024</a:t>
             </a:fld>
             <a:endParaRPr lang="nl-BE"/>
           </a:p>
@@ -4348,7 +4349,7 @@
           <a:p>
             <a:fld id="{C80E15A5-E95B-43EB-9AC7-9A96397448C0}" type="datetimeFigureOut">
               <a:rPr lang="nl-BE" smtClean="0"/>
-              <a:t>6/11/2023</a:t>
+              <a:t>5/04/2024</a:t>
             </a:fld>
             <a:endParaRPr lang="nl-BE"/>
           </a:p>
@@ -4594,7 +4595,7 @@
           <a:p>
             <a:fld id="{C80E15A5-E95B-43EB-9AC7-9A96397448C0}" type="datetimeFigureOut">
               <a:rPr lang="nl-BE" smtClean="0"/>
-              <a:t>6/11/2023</a:t>
+              <a:t>5/04/2024</a:t>
             </a:fld>
             <a:endParaRPr lang="nl-BE"/>
           </a:p>
@@ -4826,7 +4827,7 @@
           <a:p>
             <a:fld id="{C80E15A5-E95B-43EB-9AC7-9A96397448C0}" type="datetimeFigureOut">
               <a:rPr lang="nl-BE" smtClean="0"/>
-              <a:t>6/11/2023</a:t>
+              <a:t>5/04/2024</a:t>
             </a:fld>
             <a:endParaRPr lang="nl-BE"/>
           </a:p>
@@ -5193,7 +5194,7 @@
           <a:p>
             <a:fld id="{C80E15A5-E95B-43EB-9AC7-9A96397448C0}" type="datetimeFigureOut">
               <a:rPr lang="nl-BE" smtClean="0"/>
-              <a:t>6/11/2023</a:t>
+              <a:t>5/04/2024</a:t>
             </a:fld>
             <a:endParaRPr lang="nl-BE"/>
           </a:p>
@@ -5311,7 +5312,7 @@
           <a:p>
             <a:fld id="{C80E15A5-E95B-43EB-9AC7-9A96397448C0}" type="datetimeFigureOut">
               <a:rPr lang="nl-BE" smtClean="0"/>
-              <a:t>6/11/2023</a:t>
+              <a:t>5/04/2024</a:t>
             </a:fld>
             <a:endParaRPr lang="nl-BE"/>
           </a:p>
@@ -5406,7 +5407,7 @@
           <a:p>
             <a:fld id="{C80E15A5-E95B-43EB-9AC7-9A96397448C0}" type="datetimeFigureOut">
               <a:rPr lang="nl-BE" smtClean="0"/>
-              <a:t>6/11/2023</a:t>
+              <a:t>5/04/2024</a:t>
             </a:fld>
             <a:endParaRPr lang="nl-BE"/>
           </a:p>
@@ -5683,7 +5684,7 @@
           <a:p>
             <a:fld id="{C80E15A5-E95B-43EB-9AC7-9A96397448C0}" type="datetimeFigureOut">
               <a:rPr lang="nl-BE" smtClean="0"/>
-              <a:t>6/11/2023</a:t>
+              <a:t>5/04/2024</a:t>
             </a:fld>
             <a:endParaRPr lang="nl-BE"/>
           </a:p>
@@ -5936,7 +5937,7 @@
           <a:p>
             <a:fld id="{C80E15A5-E95B-43EB-9AC7-9A96397448C0}" type="datetimeFigureOut">
               <a:rPr lang="nl-BE" smtClean="0"/>
-              <a:t>6/11/2023</a:t>
+              <a:t>5/04/2024</a:t>
             </a:fld>
             <a:endParaRPr lang="nl-BE"/>
           </a:p>
@@ -6149,7 +6150,7 @@
           <a:p>
             <a:fld id="{C80E15A5-E95B-43EB-9AC7-9A96397448C0}" type="datetimeFigureOut">
               <a:rPr lang="nl-BE" smtClean="0"/>
-              <a:t>6/11/2023</a:t>
+              <a:t>5/04/2024</a:t>
             </a:fld>
             <a:endParaRPr lang="nl-BE"/>
           </a:p>
@@ -6785,6 +6786,340 @@
           </a:p>
         </p:txBody>
       </p:sp>
+      <mc:AlternateContent xmlns:mc="http://schemas.openxmlformats.org/markup-compatibility/2006" xmlns:a14="http://schemas.microsoft.com/office/drawing/2010/main">
+        <mc:Choice Requires="a14">
+          <p:sp>
+            <p:nvSpPr>
+              <p:cNvPr id="3" name="Espaço Reservado para Conteúdo 2">
+                <a:extLst>
+                  <a:ext uri="{FF2B5EF4-FFF2-40B4-BE49-F238E27FC236}">
+                    <a16:creationId xmlns:a16="http://schemas.microsoft.com/office/drawing/2014/main" id="{AD6B1EE1-E6EE-4E0B-FB14-A459C7084856}"/>
+                  </a:ext>
+                </a:extLst>
+              </p:cNvPr>
+              <p:cNvSpPr>
+                <a:spLocks noGrp="1"/>
+              </p:cNvSpPr>
+              <p:nvPr>
+                <p:ph idx="1"/>
+              </p:nvPr>
+            </p:nvSpPr>
+            <p:spPr>
+              <a:xfrm>
+                <a:off x="5763126" y="1825624"/>
+                <a:ext cx="6304548" cy="5032375"/>
+              </a:xfrm>
+            </p:spPr>
+            <p:txBody>
+              <a:bodyPr>
+                <a:normAutofit/>
+              </a:bodyPr>
+              <a:lstStyle/>
+              <a:p>
+                <a:r>
+                  <a:rPr lang="pt-BR" dirty="0"/>
+                  <a:t>Em outros casos, quando o passo</a:t>
+                </a:r>
+                <a14:m>
+                  <m:oMath xmlns:m="http://schemas.openxmlformats.org/officeDocument/2006/math">
+                    <m:r>
+                      <a:rPr lang="pt-BR" i="1">
+                        <a:latin typeface="Cambria Math" panose="02040503050406030204" pitchFamily="18" charset="0"/>
+                        <a:ea typeface="Cambria Math" panose="02040503050406030204" pitchFamily="18" charset="0"/>
+                      </a:rPr>
+                      <m:t> </m:t>
+                    </m:r>
+                  </m:oMath>
+                </a14:m>
+                <a:r>
+                  <a:rPr lang="pt-BR" dirty="0"/>
+                  <a:t>é </a:t>
+                </a:r>
+                <a:r>
+                  <a:rPr lang="pt-BR" b="1" i="1" dirty="0">
+                    <a:solidFill>
+                      <a:srgbClr val="00B050"/>
+                    </a:solidFill>
+                  </a:rPr>
+                  <a:t>muito grande</a:t>
+                </a:r>
+                <a:r>
+                  <a:rPr lang="pt-BR" dirty="0"/>
+                  <a:t>, a cada época, o algoritmo “pula” para um valor mais alto do que o anterior e, assim, acaba divergindo.</a:t>
+                </a:r>
+              </a:p>
+              <a:p>
+                <a:r>
+                  <a:rPr lang="pt-BR" dirty="0"/>
+                  <a:t>Ou seja, ao invés de se aproximar do ponto de mínimo a cada época, ele se distancia dele.</a:t>
+                </a:r>
+              </a:p>
+            </p:txBody>
+          </p:sp>
+        </mc:Choice>
+        <mc:Fallback xmlns="">
+          <p:sp>
+            <p:nvSpPr>
+              <p:cNvPr id="3" name="Espaço Reservado para Conteúdo 2">
+                <a:extLst>
+                  <a:ext uri="{FF2B5EF4-FFF2-40B4-BE49-F238E27FC236}">
+                    <a16:creationId xmlns:a16="http://schemas.microsoft.com/office/drawing/2014/main" id="{AD6B1EE1-E6EE-4E0B-FB14-A459C7084856}"/>
+                  </a:ext>
+                </a:extLst>
+              </p:cNvPr>
+              <p:cNvSpPr>
+                <a:spLocks noGrp="1" noRot="1" noChangeAspect="1" noMove="1" noResize="1" noEditPoints="1" noAdjustHandles="1" noChangeArrowheads="1" noChangeShapeType="1" noTextEdit="1"/>
+              </p:cNvSpPr>
+              <p:nvPr>
+                <p:ph idx="1"/>
+              </p:nvPr>
+            </p:nvSpPr>
+            <p:spPr>
+              <a:xfrm>
+                <a:off x="5763126" y="1825624"/>
+                <a:ext cx="6304548" cy="5032375"/>
+              </a:xfrm>
+              <a:blipFill>
+                <a:blip r:embed="rId3"/>
+                <a:stretch>
+                  <a:fillRect l="-1739" t="-1937" r="-3092"/>
+                </a:stretch>
+              </a:blipFill>
+            </p:spPr>
+            <p:txBody>
+              <a:bodyPr/>
+              <a:lstStyle/>
+              <a:p>
+                <a:r>
+                  <a:rPr lang="pt-BR">
+                    <a:noFill/>
+                  </a:rPr>
+                  <a:t> </a:t>
+                </a:r>
+              </a:p>
+            </p:txBody>
+          </p:sp>
+        </mc:Fallback>
+      </mc:AlternateContent>
+      <p:grpSp>
+        <p:nvGrpSpPr>
+          <p:cNvPr id="6" name="Agrupar 5">
+            <a:extLst>
+              <a:ext uri="{FF2B5EF4-FFF2-40B4-BE49-F238E27FC236}">
+                <a16:creationId xmlns:a16="http://schemas.microsoft.com/office/drawing/2014/main" id="{E0A98745-EC18-6F40-59B4-A8FC12CA3344}"/>
+              </a:ext>
+            </a:extLst>
+          </p:cNvPr>
+          <p:cNvGrpSpPr/>
+          <p:nvPr/>
+        </p:nvGrpSpPr>
+        <p:grpSpPr>
+          <a:xfrm>
+            <a:off x="1042736" y="2371269"/>
+            <a:ext cx="4151243" cy="3007892"/>
+            <a:chOff x="767703" y="2398995"/>
+            <a:chExt cx="3868625" cy="2806985"/>
+          </a:xfrm>
+        </p:grpSpPr>
+        <p:pic>
+          <p:nvPicPr>
+            <p:cNvPr id="4" name="Picture 4">
+              <a:extLst>
+                <a:ext uri="{FF2B5EF4-FFF2-40B4-BE49-F238E27FC236}">
+                  <a16:creationId xmlns:a16="http://schemas.microsoft.com/office/drawing/2014/main" id="{5A818B0E-3846-85AC-CA3B-8E7732D8537B}"/>
+                </a:ext>
+              </a:extLst>
+            </p:cNvPr>
+            <p:cNvPicPr>
+              <a:picLocks noChangeAspect="1"/>
+            </p:cNvPicPr>
+            <p:nvPr/>
+          </p:nvPicPr>
+          <p:blipFill rotWithShape="1">
+            <a:blip r:embed="rId4">
+              <a:extLst>
+                <a:ext uri="{28A0092B-C50C-407E-A947-70E740481C1C}">
+                  <a14:useLocalDpi xmlns:a14="http://schemas.microsoft.com/office/drawing/2010/main" val="0"/>
+                </a:ext>
+              </a:extLst>
+            </a:blip>
+            <a:srcRect t="48053" r="2828" b="2316"/>
+            <a:stretch/>
+          </p:blipFill>
+          <p:spPr>
+            <a:xfrm>
+              <a:off x="767703" y="2894295"/>
+              <a:ext cx="3548545" cy="2311685"/>
+            </a:xfrm>
+            <a:prstGeom prst="rect">
+              <a:avLst/>
+            </a:prstGeom>
+          </p:spPr>
+        </p:pic>
+        <mc:AlternateContent xmlns:mc="http://schemas.openxmlformats.org/markup-compatibility/2006" xmlns:a14="http://schemas.microsoft.com/office/drawing/2010/main">
+          <mc:Choice Requires="a14">
+            <p:sp>
+              <p:nvSpPr>
+                <p:cNvPr id="5" name="Rectangle 5">
+                  <a:extLst>
+                    <a:ext uri="{FF2B5EF4-FFF2-40B4-BE49-F238E27FC236}">
+                      <a16:creationId xmlns:a16="http://schemas.microsoft.com/office/drawing/2014/main" id="{85F634B8-E175-3AAC-9CEE-E3119B65ED10}"/>
+                    </a:ext>
+                  </a:extLst>
+                </p:cNvPr>
+                <p:cNvSpPr/>
+                <p:nvPr/>
+              </p:nvSpPr>
+              <p:spPr>
+                <a:xfrm>
+                  <a:off x="767703" y="2398995"/>
+                  <a:ext cx="3868625" cy="307777"/>
+                </a:xfrm>
+                <a:prstGeom prst="rect">
+                  <a:avLst/>
+                </a:prstGeom>
+              </p:spPr>
+              <p:txBody>
+                <a:bodyPr wrap="square">
+                  <a:spAutoFit/>
+                </a:bodyPr>
+                <a:lstStyle/>
+                <a:p>
+                  <a:pPr algn="ctr"/>
+                  <a:r>
+                    <a:rPr lang="pt-BR" sz="1400" dirty="0"/>
+                    <a:t>feedback positivo</a:t>
+                  </a:r>
+                  <a14:m>
+                    <m:oMath xmlns:m="http://schemas.openxmlformats.org/officeDocument/2006/math">
+                      <m:r>
+                        <a:rPr lang="pt-BR" sz="1400" b="0" i="0" smtClean="0">
+                          <a:latin typeface="Cambria Math" panose="02040503050406030204" pitchFamily="18" charset="0"/>
+                          <a:ea typeface="Cambria Math" panose="02040503050406030204" pitchFamily="18" charset="0"/>
+                        </a:rPr>
+                        <m:t> </m:t>
+                      </m:r>
+                      <m:r>
+                        <a:rPr lang="pt-BR" sz="1400" i="1" smtClean="0">
+                          <a:latin typeface="Cambria Math" panose="02040503050406030204" pitchFamily="18" charset="0"/>
+                          <a:ea typeface="Cambria Math" panose="02040503050406030204" pitchFamily="18" charset="0"/>
+                        </a:rPr>
+                        <m:t>→</m:t>
+                      </m:r>
+                    </m:oMath>
+                  </a14:m>
+                  <a:r>
+                    <a:rPr lang="pt-BR" sz="1400" dirty="0"/>
+                    <a:t> estouro da precisão numérica</a:t>
+                  </a:r>
+                </a:p>
+              </p:txBody>
+            </p:sp>
+          </mc:Choice>
+          <mc:Fallback xmlns="">
+            <p:sp>
+              <p:nvSpPr>
+                <p:cNvPr id="5" name="Rectangle 5">
+                  <a:extLst>
+                    <a:ext uri="{FF2B5EF4-FFF2-40B4-BE49-F238E27FC236}">
+                      <a16:creationId xmlns:a16="http://schemas.microsoft.com/office/drawing/2014/main" id="{85F634B8-E175-3AAC-9CEE-E3119B65ED10}"/>
+                    </a:ext>
+                  </a:extLst>
+                </p:cNvPr>
+                <p:cNvSpPr>
+                  <a:spLocks noRot="1" noChangeAspect="1" noMove="1" noResize="1" noEditPoints="1" noAdjustHandles="1" noChangeArrowheads="1" noChangeShapeType="1" noTextEdit="1"/>
+                </p:cNvSpPr>
+                <p:nvPr/>
+              </p:nvSpPr>
+              <p:spPr>
+                <a:xfrm>
+                  <a:off x="767703" y="2398995"/>
+                  <a:ext cx="3868625" cy="307777"/>
+                </a:xfrm>
+                <a:prstGeom prst="rect">
+                  <a:avLst/>
+                </a:prstGeom>
+                <a:blipFill>
+                  <a:blip r:embed="rId5"/>
+                  <a:stretch>
+                    <a:fillRect t="-3704" b="-11111"/>
+                  </a:stretch>
+                </a:blipFill>
+              </p:spPr>
+              <p:txBody>
+                <a:bodyPr/>
+                <a:lstStyle/>
+                <a:p>
+                  <a:r>
+                    <a:rPr lang="pt-BR">
+                      <a:noFill/>
+                    </a:rPr>
+                    <a:t> </a:t>
+                  </a:r>
+                </a:p>
+              </p:txBody>
+            </p:sp>
+          </mc:Fallback>
+        </mc:AlternateContent>
+      </p:grpSp>
+    </p:spTree>
+    <p:extLst>
+      <p:ext uri="{BB962C8B-B14F-4D97-AF65-F5344CB8AC3E}">
+        <p14:creationId xmlns:p14="http://schemas.microsoft.com/office/powerpoint/2010/main" val="213373256"/>
+      </p:ext>
+    </p:extLst>
+  </p:cSld>
+  <p:clrMapOvr>
+    <a:masterClrMapping/>
+  </p:clrMapOvr>
+</p:sld>
+</file>
+
+<file path=ppt/slides/slide11.xml><?xml version="1.0" encoding="utf-8"?>
+<p:sld xmlns:a="http://schemas.openxmlformats.org/drawingml/2006/main" xmlns:r="http://schemas.openxmlformats.org/officeDocument/2006/relationships" xmlns:p="http://schemas.openxmlformats.org/presentationml/2006/main">
+  <p:cSld>
+    <p:spTree>
+      <p:nvGrpSpPr>
+        <p:cNvPr id="1" name=""/>
+        <p:cNvGrpSpPr/>
+        <p:nvPr/>
+      </p:nvGrpSpPr>
+      <p:grpSpPr>
+        <a:xfrm>
+          <a:off x="0" y="0"/>
+          <a:ext cx="0" cy="0"/>
+          <a:chOff x="0" y="0"/>
+          <a:chExt cx="0" cy="0"/>
+        </a:xfrm>
+      </p:grpSpPr>
+      <p:sp>
+        <p:nvSpPr>
+          <p:cNvPr id="2" name="Título 1">
+            <a:extLst>
+              <a:ext uri="{FF2B5EF4-FFF2-40B4-BE49-F238E27FC236}">
+                <a16:creationId xmlns:a16="http://schemas.microsoft.com/office/drawing/2014/main" id="{4A86A124-E47D-3417-36BC-8BEE00BC4668}"/>
+              </a:ext>
+            </a:extLst>
+          </p:cNvPr>
+          <p:cNvSpPr>
+            <a:spLocks noGrp="1"/>
+          </p:cNvSpPr>
+          <p:nvPr>
+            <p:ph type="title"/>
+          </p:nvPr>
+        </p:nvSpPr>
+        <p:spPr/>
+        <p:txBody>
+          <a:bodyPr/>
+          <a:lstStyle/>
+          <a:p>
+            <a:r>
+              <a:rPr lang="pt-BR" dirty="0"/>
+              <a:t>Passo de aprendizado grande</a:t>
+            </a:r>
+          </a:p>
+        </p:txBody>
+      </p:sp>
       <p:sp>
         <p:nvSpPr>
           <p:cNvPr id="3" name="Espaço Reservado para Conteúdo 2">
@@ -7064,7 +7399,7 @@
 </p:sld>
 </file>
 
-<file path=ppt/slides/slide11.xml><?xml version="1.0" encoding="utf-8"?>
+<file path=ppt/slides/slide12.xml><?xml version="1.0" encoding="utf-8"?>
 <p:sld xmlns:a="http://schemas.openxmlformats.org/drawingml/2006/main" xmlns:r="http://schemas.openxmlformats.org/officeDocument/2006/relationships" xmlns:p="http://schemas.openxmlformats.org/presentationml/2006/main">
   <p:cSld>
     <p:spTree>
@@ -7565,7 +7900,7 @@
 </p:sld>
 </file>
 
-<file path=ppt/slides/slide12.xml><?xml version="1.0" encoding="utf-8"?>
+<file path=ppt/slides/slide13.xml><?xml version="1.0" encoding="utf-8"?>
 <p:sld xmlns:a="http://schemas.openxmlformats.org/drawingml/2006/main" xmlns:r="http://schemas.openxmlformats.org/officeDocument/2006/relationships" xmlns:p="http://schemas.openxmlformats.org/presentationml/2006/main">
   <p:cSld>
     <p:spTree>
@@ -7747,7 +8082,7 @@
 </p:sld>
 </file>
 
-<file path=ppt/slides/slide13.xml><?xml version="1.0" encoding="utf-8"?>
+<file path=ppt/slides/slide14.xml><?xml version="1.0" encoding="utf-8"?>
 <p:sld xmlns:a="http://schemas.openxmlformats.org/drawingml/2006/main" xmlns:r="http://schemas.openxmlformats.org/officeDocument/2006/relationships" xmlns:p="http://schemas.openxmlformats.org/presentationml/2006/main">
   <p:cSld>
     <p:spTree>
@@ -8114,7 +8449,7 @@
 </p:sld>
 </file>
 
-<file path=ppt/slides/slide14.xml><?xml version="1.0" encoding="utf-8"?>
+<file path=ppt/slides/slide15.xml><?xml version="1.0" encoding="utf-8"?>
 <p:sld xmlns:a="http://schemas.openxmlformats.org/drawingml/2006/main" xmlns:r="http://schemas.openxmlformats.org/officeDocument/2006/relationships" xmlns:p="http://schemas.openxmlformats.org/presentationml/2006/main">
   <p:cSld>
     <p:spTree>
@@ -8416,7 +8751,7 @@
 </p:sld>
 </file>
 
-<file path=ppt/slides/slide15.xml><?xml version="1.0" encoding="utf-8"?>
+<file path=ppt/slides/slide16.xml><?xml version="1.0" encoding="utf-8"?>
 <p:sld xmlns:a="http://schemas.openxmlformats.org/drawingml/2006/main" xmlns:r="http://schemas.openxmlformats.org/officeDocument/2006/relationships" xmlns:p="http://schemas.openxmlformats.org/presentationml/2006/main">
   <p:cSld>
     <p:spTree>
@@ -8710,7 +9045,7 @@
 </p:sld>
 </file>
 
-<file path=ppt/slides/slide16.xml><?xml version="1.0" encoding="utf-8"?>
+<file path=ppt/slides/slide17.xml><?xml version="1.0" encoding="utf-8"?>
 <p:sld xmlns:a="http://schemas.openxmlformats.org/drawingml/2006/main" xmlns:r="http://schemas.openxmlformats.org/officeDocument/2006/relationships" xmlns:p="http://schemas.openxmlformats.org/presentationml/2006/main">
   <p:cSld>
     <p:spTree>
@@ -8972,7 +9307,7 @@
 </p:sld>
 </file>
 
-<file path=ppt/slides/slide17.xml><?xml version="1.0" encoding="utf-8"?>
+<file path=ppt/slides/slide18.xml><?xml version="1.0" encoding="utf-8"?>
 <p:sld xmlns:a="http://schemas.openxmlformats.org/drawingml/2006/main" xmlns:r="http://schemas.openxmlformats.org/officeDocument/2006/relationships" xmlns:p="http://schemas.openxmlformats.org/presentationml/2006/main">
   <p:cSld>
     <p:spTree>
@@ -9302,7 +9637,7 @@
 </p:sld>
 </file>
 
-<file path=ppt/slides/slide18.xml><?xml version="1.0" encoding="utf-8"?>
+<file path=ppt/slides/slide19.xml><?xml version="1.0" encoding="utf-8"?>
 <p:sld xmlns:a="http://schemas.openxmlformats.org/drawingml/2006/main" xmlns:r="http://schemas.openxmlformats.org/officeDocument/2006/relationships" xmlns:p="http://schemas.openxmlformats.org/presentationml/2006/main">
   <p:cSld>
     <p:spTree>
@@ -9954,7 +10289,245 @@
 </p:sld>
 </file>
 
-<file path=ppt/slides/slide19.xml><?xml version="1.0" encoding="utf-8"?>
+<file path=ppt/slides/slide2.xml><?xml version="1.0" encoding="utf-8"?>
+<p:sld xmlns:a="http://schemas.openxmlformats.org/drawingml/2006/main" xmlns:r="http://schemas.openxmlformats.org/officeDocument/2006/relationships" xmlns:p="http://schemas.openxmlformats.org/presentationml/2006/main">
+  <p:cSld>
+    <p:spTree>
+      <p:nvGrpSpPr>
+        <p:cNvPr id="1" name=""/>
+        <p:cNvGrpSpPr/>
+        <p:nvPr/>
+      </p:nvGrpSpPr>
+      <p:grpSpPr>
+        <a:xfrm>
+          <a:off x="0" y="0"/>
+          <a:ext cx="0" cy="0"/>
+          <a:chOff x="0" y="0"/>
+          <a:chExt cx="0" cy="0"/>
+        </a:xfrm>
+      </p:grpSpPr>
+      <p:sp>
+        <p:nvSpPr>
+          <p:cNvPr id="2" name="Title 1"/>
+          <p:cNvSpPr>
+            <a:spLocks noGrp="1"/>
+          </p:cNvSpPr>
+          <p:nvPr>
+            <p:ph type="title"/>
+          </p:nvPr>
+        </p:nvSpPr>
+        <p:spPr/>
+        <p:txBody>
+          <a:bodyPr/>
+          <a:lstStyle/>
+          <a:p>
+            <a:r>
+              <a:rPr lang="pt-BR"/>
+              <a:t>Recapitulando</a:t>
+            </a:r>
+            <a:endParaRPr lang="pt-BR" dirty="0"/>
+          </a:p>
+        </p:txBody>
+      </p:sp>
+      <mc:AlternateContent xmlns:mc="http://schemas.openxmlformats.org/markup-compatibility/2006">
+        <mc:Choice xmlns:a14="http://schemas.microsoft.com/office/drawing/2010/main" Requires="a14">
+          <p:sp>
+            <p:nvSpPr>
+              <p:cNvPr id="3" name="Content Placeholder 2"/>
+              <p:cNvSpPr>
+                <a:spLocks noGrp="1"/>
+              </p:cNvSpPr>
+              <p:nvPr>
+                <p:ph idx="1"/>
+              </p:nvPr>
+            </p:nvSpPr>
+            <p:spPr>
+              <a:xfrm>
+                <a:off x="838199" y="1825624"/>
+                <a:ext cx="11077282" cy="5032376"/>
+              </a:xfrm>
+            </p:spPr>
+            <p:txBody>
+              <a:bodyPr>
+                <a:normAutofit lnSpcReduction="10000"/>
+              </a:bodyPr>
+              <a:lstStyle/>
+              <a:p>
+                <a:r>
+                  <a:rPr lang="pt-BR" dirty="0"/>
+                  <a:t>No tópico anterior, falamos sobre o vetor gradiente.</a:t>
+                </a:r>
+              </a:p>
+              <a:p>
+                <a:r>
+                  <a:rPr lang="pt-BR" dirty="0"/>
+                  <a:t>Aprendemos dois algoritmos que usam o vetor gradiente para a resolução de problemas de otimização.</a:t>
+                </a:r>
+              </a:p>
+              <a:p>
+                <a:pPr lvl="1">
+                  <a:buFont typeface="Wingdings" panose="05000000000000000000" pitchFamily="2" charset="2"/>
+                  <a:buChar char="§"/>
+                </a:pPr>
+                <a:r>
+                  <a:rPr lang="pt-BR" b="1" i="1" dirty="0"/>
+                  <a:t>Gradiente ascendente </a:t>
+                </a:r>
+                <a:r>
+                  <a:rPr lang="pt-BR" dirty="0"/>
+                  <a:t>para problemas de </a:t>
+                </a:r>
+                <a:r>
+                  <a:rPr lang="pt-BR" b="1" i="1" dirty="0">
+                    <a:solidFill>
+                      <a:srgbClr val="00B050"/>
+                    </a:solidFill>
+                  </a:rPr>
+                  <a:t>maximização</a:t>
+                </a:r>
+                <a:r>
+                  <a:rPr lang="pt-BR" dirty="0"/>
+                  <a:t>.</a:t>
+                </a:r>
+              </a:p>
+              <a:p>
+                <a:pPr lvl="1">
+                  <a:buFont typeface="Wingdings" panose="05000000000000000000" pitchFamily="2" charset="2"/>
+                  <a:buChar char="§"/>
+                </a:pPr>
+                <a:r>
+                  <a:rPr lang="pt-BR" b="1" i="1" dirty="0"/>
+                  <a:t>Gradiente descendente</a:t>
+                </a:r>
+                <a:r>
+                  <a:rPr lang="pt-BR" dirty="0"/>
+                  <a:t> para problemas de </a:t>
+                </a:r>
+                <a:r>
+                  <a:rPr lang="pt-BR" b="1" i="1" dirty="0">
+                    <a:solidFill>
+                      <a:srgbClr val="00B050"/>
+                    </a:solidFill>
+                  </a:rPr>
+                  <a:t>minimização</a:t>
+                </a:r>
+                <a:r>
+                  <a:rPr lang="pt-BR" dirty="0"/>
+                  <a:t>.</a:t>
+                </a:r>
+              </a:p>
+              <a:p>
+                <a:r>
+                  <a:rPr lang="pt-BR" dirty="0"/>
+                  <a:t>Falamos sobre as três versões do gradiente descendente e as comparamos:</a:t>
+                </a:r>
+              </a:p>
+              <a:p>
+                <a:pPr lvl="1">
+                  <a:buFont typeface="Wingdings" panose="05000000000000000000" pitchFamily="2" charset="2"/>
+                  <a:buChar char="§"/>
+                </a:pPr>
+                <a:r>
+                  <a:rPr lang="pt-BR" dirty="0"/>
+                  <a:t>Batelada</a:t>
+                </a:r>
+              </a:p>
+              <a:p>
+                <a:pPr lvl="1">
+                  <a:buFont typeface="Wingdings" panose="05000000000000000000" pitchFamily="2" charset="2"/>
+                  <a:buChar char="§"/>
+                </a:pPr>
+                <a:r>
+                  <a:rPr lang="pt-BR" dirty="0"/>
+                  <a:t>Estocástico</a:t>
+                </a:r>
+              </a:p>
+              <a:p>
+                <a:pPr lvl="1">
+                  <a:buFont typeface="Wingdings" panose="05000000000000000000" pitchFamily="2" charset="2"/>
+                  <a:buChar char="§"/>
+                </a:pPr>
+                <a:r>
+                  <a:rPr lang="pt-BR" dirty="0"/>
+                  <a:t>Mini-batch</a:t>
+                </a:r>
+              </a:p>
+              <a:p>
+                <a:r>
+                  <a:rPr lang="pt-BR" dirty="0"/>
+                  <a:t>Neste tópico, discutiremos o quão importante é o ajuste do passo de aprendizagem, </a:t>
+                </a:r>
+                <a14:m>
+                  <m:oMath xmlns:m="http://schemas.openxmlformats.org/officeDocument/2006/math">
+                    <m:r>
+                      <a:rPr lang="pt-BR" i="1" smtClean="0">
+                        <a:latin typeface="Cambria Math" panose="02040503050406030204" pitchFamily="18" charset="0"/>
+                        <a:ea typeface="Cambria Math" panose="02040503050406030204" pitchFamily="18" charset="0"/>
+                      </a:rPr>
+                      <m:t>𝛼</m:t>
+                    </m:r>
+                  </m:oMath>
+                </a14:m>
+                <a:r>
+                  <a:rPr lang="pt-BR" dirty="0"/>
+                  <a:t>.</a:t>
+                </a:r>
+              </a:p>
+            </p:txBody>
+          </p:sp>
+        </mc:Choice>
+        <mc:Fallback>
+          <p:sp>
+            <p:nvSpPr>
+              <p:cNvPr id="3" name="Content Placeholder 2"/>
+              <p:cNvSpPr>
+                <a:spLocks noGrp="1" noRot="1" noChangeAspect="1" noMove="1" noResize="1" noEditPoints="1" noAdjustHandles="1" noChangeArrowheads="1" noChangeShapeType="1" noTextEdit="1"/>
+              </p:cNvSpPr>
+              <p:nvPr>
+                <p:ph idx="1"/>
+              </p:nvPr>
+            </p:nvSpPr>
+            <p:spPr>
+              <a:xfrm>
+                <a:off x="838199" y="1825624"/>
+                <a:ext cx="11077282" cy="5032376"/>
+              </a:xfrm>
+              <a:blipFill>
+                <a:blip r:embed="rId2"/>
+                <a:stretch>
+                  <a:fillRect l="-935" t="-2663" r="-1760"/>
+                </a:stretch>
+              </a:blipFill>
+            </p:spPr>
+            <p:txBody>
+              <a:bodyPr/>
+              <a:lstStyle/>
+              <a:p>
+                <a:r>
+                  <a:rPr lang="pt-BR">
+                    <a:noFill/>
+                  </a:rPr>
+                  <a:t> </a:t>
+                </a:r>
+              </a:p>
+            </p:txBody>
+          </p:sp>
+        </mc:Fallback>
+      </mc:AlternateContent>
+    </p:spTree>
+    <p:extLst>
+      <p:ext uri="{BB962C8B-B14F-4D97-AF65-F5344CB8AC3E}">
+        <p14:creationId xmlns:p14="http://schemas.microsoft.com/office/powerpoint/2010/main" val="3057771208"/>
+      </p:ext>
+    </p:extLst>
+  </p:cSld>
+  <p:clrMapOvr>
+    <a:masterClrMapping/>
+  </p:clrMapOvr>
+</p:sld>
+</file>
+
+<file path=ppt/slides/slide20.xml><?xml version="1.0" encoding="utf-8"?>
 <p:sld xmlns:a="http://schemas.openxmlformats.org/drawingml/2006/main" xmlns:r="http://schemas.openxmlformats.org/officeDocument/2006/relationships" xmlns:p="http://schemas.openxmlformats.org/presentationml/2006/main">
   <p:cSld>
     <p:spTree>
@@ -10681,245 +11254,7 @@
 </p:sld>
 </file>
 
-<file path=ppt/slides/slide2.xml><?xml version="1.0" encoding="utf-8"?>
-<p:sld xmlns:a="http://schemas.openxmlformats.org/drawingml/2006/main" xmlns:r="http://schemas.openxmlformats.org/officeDocument/2006/relationships" xmlns:p="http://schemas.openxmlformats.org/presentationml/2006/main">
-  <p:cSld>
-    <p:spTree>
-      <p:nvGrpSpPr>
-        <p:cNvPr id="1" name=""/>
-        <p:cNvGrpSpPr/>
-        <p:nvPr/>
-      </p:nvGrpSpPr>
-      <p:grpSpPr>
-        <a:xfrm>
-          <a:off x="0" y="0"/>
-          <a:ext cx="0" cy="0"/>
-          <a:chOff x="0" y="0"/>
-          <a:chExt cx="0" cy="0"/>
-        </a:xfrm>
-      </p:grpSpPr>
-      <p:sp>
-        <p:nvSpPr>
-          <p:cNvPr id="2" name="Title 1"/>
-          <p:cNvSpPr>
-            <a:spLocks noGrp="1"/>
-          </p:cNvSpPr>
-          <p:nvPr>
-            <p:ph type="title"/>
-          </p:nvPr>
-        </p:nvSpPr>
-        <p:spPr/>
-        <p:txBody>
-          <a:bodyPr/>
-          <a:lstStyle/>
-          <a:p>
-            <a:r>
-              <a:rPr lang="pt-BR"/>
-              <a:t>Recapitulando</a:t>
-            </a:r>
-            <a:endParaRPr lang="pt-BR" dirty="0"/>
-          </a:p>
-        </p:txBody>
-      </p:sp>
-      <mc:AlternateContent xmlns:mc="http://schemas.openxmlformats.org/markup-compatibility/2006" xmlns:a14="http://schemas.microsoft.com/office/drawing/2010/main">
-        <mc:Choice Requires="a14">
-          <p:sp>
-            <p:nvSpPr>
-              <p:cNvPr id="3" name="Content Placeholder 2"/>
-              <p:cNvSpPr>
-                <a:spLocks noGrp="1"/>
-              </p:cNvSpPr>
-              <p:nvPr>
-                <p:ph idx="1"/>
-              </p:nvPr>
-            </p:nvSpPr>
-            <p:spPr>
-              <a:xfrm>
-                <a:off x="838199" y="1825624"/>
-                <a:ext cx="11077282" cy="5032376"/>
-              </a:xfrm>
-            </p:spPr>
-            <p:txBody>
-              <a:bodyPr>
-                <a:normAutofit lnSpcReduction="10000"/>
-              </a:bodyPr>
-              <a:lstStyle/>
-              <a:p>
-                <a:r>
-                  <a:rPr lang="pt-BR" dirty="0"/>
-                  <a:t>No tópico anterior, discutimos o vetor gradiente.</a:t>
-                </a:r>
-              </a:p>
-              <a:p>
-                <a:r>
-                  <a:rPr lang="pt-BR" dirty="0"/>
-                  <a:t>Aprendemos dois algoritmos que usam o vetor gradiente para a resolução de problemas de otimização.</a:t>
-                </a:r>
-              </a:p>
-              <a:p>
-                <a:pPr lvl="1">
-                  <a:buFont typeface="Wingdings" panose="05000000000000000000" pitchFamily="2" charset="2"/>
-                  <a:buChar char="§"/>
-                </a:pPr>
-                <a:r>
-                  <a:rPr lang="pt-BR" b="1" i="1" dirty="0"/>
-                  <a:t>Gradiente ascendente </a:t>
-                </a:r>
-                <a:r>
-                  <a:rPr lang="pt-BR" dirty="0"/>
-                  <a:t>para problemas de </a:t>
-                </a:r>
-                <a:r>
-                  <a:rPr lang="pt-BR" b="1" i="1" dirty="0">
-                    <a:solidFill>
-                      <a:srgbClr val="00B050"/>
-                    </a:solidFill>
-                  </a:rPr>
-                  <a:t>maximização</a:t>
-                </a:r>
-                <a:r>
-                  <a:rPr lang="pt-BR" dirty="0"/>
-                  <a:t>.</a:t>
-                </a:r>
-              </a:p>
-              <a:p>
-                <a:pPr lvl="1">
-                  <a:buFont typeface="Wingdings" panose="05000000000000000000" pitchFamily="2" charset="2"/>
-                  <a:buChar char="§"/>
-                </a:pPr>
-                <a:r>
-                  <a:rPr lang="pt-BR" b="1" i="1" dirty="0"/>
-                  <a:t>Gradiente descendente</a:t>
-                </a:r>
-                <a:r>
-                  <a:rPr lang="pt-BR" dirty="0"/>
-                  <a:t> para problemas de </a:t>
-                </a:r>
-                <a:r>
-                  <a:rPr lang="pt-BR" b="1" i="1" dirty="0">
-                    <a:solidFill>
-                      <a:srgbClr val="00B050"/>
-                    </a:solidFill>
-                  </a:rPr>
-                  <a:t>minimização</a:t>
-                </a:r>
-                <a:r>
-                  <a:rPr lang="pt-BR" dirty="0"/>
-                  <a:t>.</a:t>
-                </a:r>
-              </a:p>
-              <a:p>
-                <a:r>
-                  <a:rPr lang="pt-BR" dirty="0"/>
-                  <a:t>Falamos sobre as três versões do gradiente descendente e as comparamos:</a:t>
-                </a:r>
-              </a:p>
-              <a:p>
-                <a:pPr lvl="1">
-                  <a:buFont typeface="Wingdings" panose="05000000000000000000" pitchFamily="2" charset="2"/>
-                  <a:buChar char="§"/>
-                </a:pPr>
-                <a:r>
-                  <a:rPr lang="pt-BR" dirty="0"/>
-                  <a:t>Batelada</a:t>
-                </a:r>
-              </a:p>
-              <a:p>
-                <a:pPr lvl="1">
-                  <a:buFont typeface="Wingdings" panose="05000000000000000000" pitchFamily="2" charset="2"/>
-                  <a:buChar char="§"/>
-                </a:pPr>
-                <a:r>
-                  <a:rPr lang="pt-BR" dirty="0"/>
-                  <a:t>Estocástico</a:t>
-                </a:r>
-              </a:p>
-              <a:p>
-                <a:pPr lvl="1">
-                  <a:buFont typeface="Wingdings" panose="05000000000000000000" pitchFamily="2" charset="2"/>
-                  <a:buChar char="§"/>
-                </a:pPr>
-                <a:r>
-                  <a:rPr lang="pt-BR" dirty="0"/>
-                  <a:t>Mini-batch</a:t>
-                </a:r>
-              </a:p>
-              <a:p>
-                <a:r>
-                  <a:rPr lang="pt-BR" dirty="0"/>
-                  <a:t>Neste tópico, discutiremos o quão importante é o ajuste do passo de aprendizagem, </a:t>
-                </a:r>
-                <a14:m>
-                  <m:oMath xmlns:m="http://schemas.openxmlformats.org/officeDocument/2006/math">
-                    <m:r>
-                      <a:rPr lang="pt-BR" i="1" smtClean="0">
-                        <a:latin typeface="Cambria Math" panose="02040503050406030204" pitchFamily="18" charset="0"/>
-                        <a:ea typeface="Cambria Math" panose="02040503050406030204" pitchFamily="18" charset="0"/>
-                      </a:rPr>
-                      <m:t>𝛼</m:t>
-                    </m:r>
-                  </m:oMath>
-                </a14:m>
-                <a:r>
-                  <a:rPr lang="pt-BR" dirty="0"/>
-                  <a:t>.</a:t>
-                </a:r>
-              </a:p>
-            </p:txBody>
-          </p:sp>
-        </mc:Choice>
-        <mc:Fallback xmlns="">
-          <p:sp>
-            <p:nvSpPr>
-              <p:cNvPr id="3" name="Content Placeholder 2"/>
-              <p:cNvSpPr>
-                <a:spLocks noGrp="1" noRot="1" noChangeAspect="1" noMove="1" noResize="1" noEditPoints="1" noAdjustHandles="1" noChangeArrowheads="1" noChangeShapeType="1" noTextEdit="1"/>
-              </p:cNvSpPr>
-              <p:nvPr>
-                <p:ph idx="1"/>
-              </p:nvPr>
-            </p:nvSpPr>
-            <p:spPr>
-              <a:xfrm>
-                <a:off x="838199" y="1825624"/>
-                <a:ext cx="11077282" cy="5032376"/>
-              </a:xfrm>
-              <a:blipFill>
-                <a:blip r:embed="rId2"/>
-                <a:stretch>
-                  <a:fillRect l="-935" t="-2663" r="-1760"/>
-                </a:stretch>
-              </a:blipFill>
-            </p:spPr>
-            <p:txBody>
-              <a:bodyPr/>
-              <a:lstStyle/>
-              <a:p>
-                <a:r>
-                  <a:rPr lang="pt-BR">
-                    <a:noFill/>
-                  </a:rPr>
-                  <a:t> </a:t>
-                </a:r>
-              </a:p>
-            </p:txBody>
-          </p:sp>
-        </mc:Fallback>
-      </mc:AlternateContent>
-    </p:spTree>
-    <p:extLst>
-      <p:ext uri="{BB962C8B-B14F-4D97-AF65-F5344CB8AC3E}">
-        <p14:creationId xmlns:p14="http://schemas.microsoft.com/office/powerpoint/2010/main" val="3057771208"/>
-      </p:ext>
-    </p:extLst>
-  </p:cSld>
-  <p:clrMapOvr>
-    <a:masterClrMapping/>
-  </p:clrMapOvr>
-</p:sld>
-</file>
-
-<file path=ppt/slides/slide20.xml><?xml version="1.0" encoding="utf-8"?>
+<file path=ppt/slides/slide21.xml><?xml version="1.0" encoding="utf-8"?>
 <p:sld xmlns:a="http://schemas.openxmlformats.org/drawingml/2006/main" xmlns:r="http://schemas.openxmlformats.org/officeDocument/2006/relationships" xmlns:p="http://schemas.openxmlformats.org/presentationml/2006/main">
   <p:cSld>
     <p:spTree>
@@ -11720,7 +12055,7 @@
 </p:sld>
 </file>
 
-<file path=ppt/slides/slide21.xml><?xml version="1.0" encoding="utf-8"?>
+<file path=ppt/slides/slide22.xml><?xml version="1.0" encoding="utf-8"?>
 <p:sld xmlns:a="http://schemas.openxmlformats.org/drawingml/2006/main" xmlns:r="http://schemas.openxmlformats.org/officeDocument/2006/relationships" xmlns:p="http://schemas.openxmlformats.org/presentationml/2006/main">
   <p:cSld>
     <p:spTree>
@@ -12016,7 +12351,7 @@
 </p:sld>
 </file>
 
-<file path=ppt/slides/slide22.xml><?xml version="1.0" encoding="utf-8"?>
+<file path=ppt/slides/slide23.xml><?xml version="1.0" encoding="utf-8"?>
 <p:sld xmlns:a="http://schemas.openxmlformats.org/drawingml/2006/main" xmlns:r="http://schemas.openxmlformats.org/officeDocument/2006/relationships" xmlns:p="http://schemas.openxmlformats.org/presentationml/2006/main">
   <p:cSld>
     <p:spTree>
@@ -13250,7 +13585,7 @@
 </p:sld>
 </file>
 
-<file path=ppt/slides/slide23.xml><?xml version="1.0" encoding="utf-8"?>
+<file path=ppt/slides/slide24.xml><?xml version="1.0" encoding="utf-8"?>
 <p:sld xmlns:a="http://schemas.openxmlformats.org/drawingml/2006/main" xmlns:r="http://schemas.openxmlformats.org/officeDocument/2006/relationships" xmlns:p="http://schemas.openxmlformats.org/presentationml/2006/main">
   <p:cSld>
     <p:spTree>
@@ -14498,7 +14833,7 @@
 </p:sld>
 </file>
 
-<file path=ppt/slides/slide24.xml><?xml version="1.0" encoding="utf-8"?>
+<file path=ppt/slides/slide25.xml><?xml version="1.0" encoding="utf-8"?>
 <p:sld xmlns:a="http://schemas.openxmlformats.org/drawingml/2006/main" xmlns:r="http://schemas.openxmlformats.org/officeDocument/2006/relationships" xmlns:p="http://schemas.openxmlformats.org/presentationml/2006/main">
   <p:cSld>
     <p:spTree>
@@ -15641,7 +15976,7 @@
 </p:sld>
 </file>
 
-<file path=ppt/slides/slide25.xml><?xml version="1.0" encoding="utf-8"?>
+<file path=ppt/slides/slide26.xml><?xml version="1.0" encoding="utf-8"?>
 <p:sld xmlns:a="http://schemas.openxmlformats.org/drawingml/2006/main" xmlns:r="http://schemas.openxmlformats.org/officeDocument/2006/relationships" xmlns:p="http://schemas.openxmlformats.org/presentationml/2006/main">
   <p:cSld>
     <p:spTree>
@@ -15814,7 +16149,7 @@
 </p:sld>
 </file>
 
-<file path=ppt/slides/slide26.xml><?xml version="1.0" encoding="utf-8"?>
+<file path=ppt/slides/slide27.xml><?xml version="1.0" encoding="utf-8"?>
 <p:sld xmlns:a="http://schemas.openxmlformats.org/drawingml/2006/main" xmlns:r="http://schemas.openxmlformats.org/officeDocument/2006/relationships" xmlns:p="http://schemas.openxmlformats.org/presentationml/2006/main">
   <p:cSld>
     <p:spTree>
@@ -15899,7 +16234,7 @@
 </p:sld>
 </file>
 
-<file path=ppt/slides/slide27.xml><?xml version="1.0" encoding="utf-8"?>
+<file path=ppt/slides/slide28.xml><?xml version="1.0" encoding="utf-8"?>
 <p:sld xmlns:a="http://schemas.openxmlformats.org/drawingml/2006/main" xmlns:r="http://schemas.openxmlformats.org/officeDocument/2006/relationships" xmlns:p="http://schemas.openxmlformats.org/presentationml/2006/main">
   <p:cSld>
     <p:spTree>
@@ -16175,7 +16510,7 @@
 </p:sld>
 </file>
 
-<file path=ppt/slides/slide28.xml><?xml version="1.0" encoding="utf-8"?>
+<file path=ppt/slides/slide29.xml><?xml version="1.0" encoding="utf-8"?>
 <p:sld xmlns:a="http://schemas.openxmlformats.org/drawingml/2006/main" xmlns:r="http://schemas.openxmlformats.org/officeDocument/2006/relationships" xmlns:p="http://schemas.openxmlformats.org/presentationml/2006/main">
   <p:cSld>
     <p:spTree>
@@ -16233,7 +16568,327 @@
 </p:sld>
 </file>
 
-<file path=ppt/slides/slide29.xml><?xml version="1.0" encoding="utf-8"?>
+<file path=ppt/slides/slide3.xml><?xml version="1.0" encoding="utf-8"?>
+<p:sld xmlns:a="http://schemas.openxmlformats.org/drawingml/2006/main" xmlns:r="http://schemas.openxmlformats.org/officeDocument/2006/relationships" xmlns:p="http://schemas.openxmlformats.org/presentationml/2006/main">
+  <p:cSld>
+    <p:spTree>
+      <p:nvGrpSpPr>
+        <p:cNvPr id="1" name=""/>
+        <p:cNvGrpSpPr/>
+        <p:nvPr/>
+      </p:nvGrpSpPr>
+      <p:grpSpPr>
+        <a:xfrm>
+          <a:off x="0" y="0"/>
+          <a:ext cx="0" cy="0"/>
+          <a:chOff x="0" y="0"/>
+          <a:chExt cx="0" cy="0"/>
+        </a:xfrm>
+      </p:grpSpPr>
+      <p:sp>
+        <p:nvSpPr>
+          <p:cNvPr id="2" name="Título 1">
+            <a:extLst>
+              <a:ext uri="{FF2B5EF4-FFF2-40B4-BE49-F238E27FC236}">
+                <a16:creationId xmlns:a16="http://schemas.microsoft.com/office/drawing/2014/main" id="{B4A549E3-7E5B-04E3-09ED-A7C3171C6D5F}"/>
+              </a:ext>
+            </a:extLst>
+          </p:cNvPr>
+          <p:cNvSpPr>
+            <a:spLocks noGrp="1"/>
+          </p:cNvSpPr>
+          <p:nvPr>
+            <p:ph type="title"/>
+          </p:nvPr>
+        </p:nvSpPr>
+        <p:spPr/>
+        <p:txBody>
+          <a:bodyPr/>
+          <a:lstStyle/>
+          <a:p>
+            <a:r>
+              <a:rPr lang="pt-BR" dirty="0"/>
+              <a:t>Escolha do passo de aprendizagem</a:t>
+            </a:r>
+          </a:p>
+        </p:txBody>
+      </p:sp>
+      <mc:AlternateContent xmlns:mc="http://schemas.openxmlformats.org/markup-compatibility/2006">
+        <mc:Choice xmlns:a14="http://schemas.microsoft.com/office/drawing/2010/main" Requires="a14">
+          <p:sp>
+            <p:nvSpPr>
+              <p:cNvPr id="3" name="Espaço Reservado para Conteúdo 2">
+                <a:extLst>
+                  <a:ext uri="{FF2B5EF4-FFF2-40B4-BE49-F238E27FC236}">
+                    <a16:creationId xmlns:a16="http://schemas.microsoft.com/office/drawing/2014/main" id="{3323DEB1-E32D-5111-52A9-A936D5B18776}"/>
+                  </a:ext>
+                </a:extLst>
+              </p:cNvPr>
+              <p:cNvSpPr>
+                <a:spLocks noGrp="1"/>
+              </p:cNvSpPr>
+              <p:nvPr>
+                <p:ph idx="1"/>
+              </p:nvPr>
+            </p:nvSpPr>
+            <p:spPr>
+              <a:xfrm>
+                <a:off x="5693790" y="1825624"/>
+                <a:ext cx="6306533" cy="5032375"/>
+              </a:xfrm>
+            </p:spPr>
+            <p:txBody>
+              <a:bodyPr>
+                <a:normAutofit/>
+              </a:bodyPr>
+              <a:lstStyle/>
+              <a:p>
+                <a:r>
+                  <a:rPr lang="pt-BR" dirty="0"/>
+                  <a:t>Conforme nós vimos antes, no gradiente descendente, o </a:t>
+                </a:r>
+                <a:r>
+                  <a:rPr lang="pt-BR" b="1" i="1" dirty="0">
+                    <a:solidFill>
+                      <a:srgbClr val="FF0000"/>
+                    </a:solidFill>
+                  </a:rPr>
+                  <a:t>negativo</a:t>
+                </a:r>
+                <a:r>
+                  <a:rPr lang="pt-BR" dirty="0"/>
+                  <a:t> do </a:t>
+                </a:r>
+                <a:r>
+                  <a:rPr lang="pt-BR" b="1" i="1" dirty="0">
+                    <a:solidFill>
+                      <a:srgbClr val="7030A0"/>
+                    </a:solidFill>
+                  </a:rPr>
+                  <a:t>vetor gradiente</a:t>
+                </a:r>
+                <a:r>
+                  <a:rPr lang="pt-BR" dirty="0"/>
+                  <a:t>, </a:t>
+                </a:r>
+                <a14:m>
+                  <m:oMath xmlns:m="http://schemas.openxmlformats.org/officeDocument/2006/math">
+                    <m:r>
+                      <a:rPr lang="pt-BR" b="0" i="0" smtClean="0">
+                        <a:latin typeface="Cambria Math" panose="02040503050406030204" pitchFamily="18" charset="0"/>
+                        <a:ea typeface="Cambria Math" panose="02040503050406030204" pitchFamily="18" charset="0"/>
+                      </a:rPr>
+                      <m:t>−</m:t>
+                    </m:r>
+                    <m:r>
+                      <a:rPr lang="pt-BR" i="1" smtClean="0">
+                        <a:latin typeface="Cambria Math" panose="02040503050406030204" pitchFamily="18" charset="0"/>
+                        <a:ea typeface="Cambria Math" panose="02040503050406030204" pitchFamily="18" charset="0"/>
+                      </a:rPr>
+                      <m:t>𝛻</m:t>
+                    </m:r>
+                    <m:r>
+                      <a:rPr lang="pt-BR" i="1" smtClean="0">
+                        <a:latin typeface="Cambria Math" panose="02040503050406030204" pitchFamily="18" charset="0"/>
+                        <a:ea typeface="Cambria Math" panose="02040503050406030204" pitchFamily="18" charset="0"/>
+                      </a:rPr>
+                      <m:t>𝑓</m:t>
+                    </m:r>
+                    <m:d>
+                      <m:dPr>
+                        <m:ctrlPr>
+                          <a:rPr lang="pt-BR" i="1">
+                            <a:latin typeface="Cambria Math" panose="02040503050406030204" pitchFamily="18" charset="0"/>
+                            <a:ea typeface="Cambria Math" panose="02040503050406030204" pitchFamily="18" charset="0"/>
+                          </a:rPr>
+                        </m:ctrlPr>
+                      </m:dPr>
+                      <m:e>
+                        <m:r>
+                          <a:rPr lang="pt-BR" i="1">
+                            <a:latin typeface="Cambria Math" panose="02040503050406030204" pitchFamily="18" charset="0"/>
+                          </a:rPr>
+                          <m:t>𝑥</m:t>
+                        </m:r>
+                      </m:e>
+                    </m:d>
+                  </m:oMath>
+                </a14:m>
+                <a:r>
+                  <a:rPr lang="pt-BR" dirty="0"/>
+                  <a:t>, dá a </a:t>
+                </a:r>
+                <a:r>
+                  <a:rPr lang="pt-BR" b="1" i="1" dirty="0">
+                    <a:solidFill>
+                      <a:srgbClr val="00B050"/>
+                    </a:solidFill>
+                  </a:rPr>
+                  <a:t>direção </a:t>
+                </a:r>
+                <a:r>
+                  <a:rPr lang="pt-BR" b="1" i="1" dirty="0">
+                    <a:solidFill>
+                      <a:srgbClr val="00B050"/>
+                    </a:solidFill>
+                    <a:effectLst/>
+                  </a:rPr>
+                  <a:t>de decrescimento mais rápido de uma função</a:t>
+                </a:r>
+                <a:r>
+                  <a:rPr lang="pt-BR" b="0" i="0" dirty="0">
+                    <a:effectLst/>
+                  </a:rPr>
+                  <a:t> a partir de um ponto e sua </a:t>
+                </a:r>
+                <a:r>
+                  <a:rPr lang="pt-BR" b="1" i="1" dirty="0">
+                    <a:solidFill>
+                      <a:srgbClr val="00B050"/>
+                    </a:solidFill>
+                    <a:effectLst/>
+                  </a:rPr>
+                  <a:t>magnitude</a:t>
+                </a:r>
+                <a:r>
+                  <a:rPr lang="pt-BR" b="0" i="0" dirty="0">
+                    <a:effectLst/>
+                  </a:rPr>
+                  <a:t> indica a </a:t>
+                </a:r>
+                <a:r>
+                  <a:rPr lang="pt-BR" b="1" i="1" dirty="0">
+                    <a:solidFill>
+                      <a:srgbClr val="00B050"/>
+                    </a:solidFill>
+                    <a:effectLst/>
+                  </a:rPr>
+                  <a:t>taxa de variação da função</a:t>
+                </a:r>
+                <a:r>
+                  <a:rPr lang="pt-BR" b="0" i="0" dirty="0">
+                    <a:effectLst/>
+                  </a:rPr>
+                  <a:t> nessa direção.</a:t>
+                </a:r>
+                <a:endParaRPr lang="pt-BR" b="1" i="1" dirty="0">
+                  <a:effectLst/>
+                </a:endParaRPr>
+              </a:p>
+              <a:p>
+                <a:r>
+                  <a:rPr lang="pt-BR" dirty="0"/>
+                  <a:t>Porém, ele não nos informa a </a:t>
+                </a:r>
+                <a:r>
+                  <a:rPr lang="pt-BR" b="1" i="1" dirty="0">
+                    <a:solidFill>
+                      <a:srgbClr val="00B050"/>
+                    </a:solidFill>
+                  </a:rPr>
+                  <a:t>distância</a:t>
+                </a:r>
+                <a:r>
+                  <a:rPr lang="pt-BR" dirty="0"/>
+                  <a:t> até o ponto de máximo.</a:t>
+                </a:r>
+              </a:p>
+            </p:txBody>
+          </p:sp>
+        </mc:Choice>
+        <mc:Fallback>
+          <p:sp>
+            <p:nvSpPr>
+              <p:cNvPr id="3" name="Espaço Reservado para Conteúdo 2">
+                <a:extLst>
+                  <a:ext uri="{FF2B5EF4-FFF2-40B4-BE49-F238E27FC236}">
+                    <a16:creationId xmlns:a16="http://schemas.microsoft.com/office/drawing/2014/main" id="{3323DEB1-E32D-5111-52A9-A936D5B18776}"/>
+                  </a:ext>
+                </a:extLst>
+              </p:cNvPr>
+              <p:cNvSpPr>
+                <a:spLocks noGrp="1" noRot="1" noChangeAspect="1" noMove="1" noResize="1" noEditPoints="1" noAdjustHandles="1" noChangeArrowheads="1" noChangeShapeType="1" noTextEdit="1"/>
+              </p:cNvSpPr>
+              <p:nvPr>
+                <p:ph idx="1"/>
+              </p:nvPr>
+            </p:nvSpPr>
+            <p:spPr>
+              <a:xfrm>
+                <a:off x="5693790" y="1825624"/>
+                <a:ext cx="6306533" cy="5032375"/>
+              </a:xfrm>
+              <a:blipFill>
+                <a:blip r:embed="rId2"/>
+                <a:stretch>
+                  <a:fillRect l="-1739" t="-1937" r="-2222"/>
+                </a:stretch>
+              </a:blipFill>
+            </p:spPr>
+            <p:txBody>
+              <a:bodyPr/>
+              <a:lstStyle/>
+              <a:p>
+                <a:r>
+                  <a:rPr lang="pt-BR">
+                    <a:noFill/>
+                  </a:rPr>
+                  <a:t> </a:t>
+                </a:r>
+              </a:p>
+            </p:txBody>
+          </p:sp>
+        </mc:Fallback>
+      </mc:AlternateContent>
+      <p:pic>
+        <p:nvPicPr>
+          <p:cNvPr id="4" name="Imagem 3">
+            <a:extLst>
+              <a:ext uri="{FF2B5EF4-FFF2-40B4-BE49-F238E27FC236}">
+                <a16:creationId xmlns:a16="http://schemas.microsoft.com/office/drawing/2014/main" id="{860F9137-10B0-2765-3CAF-0E8F4196E620}"/>
+              </a:ext>
+            </a:extLst>
+          </p:cNvPr>
+          <p:cNvPicPr>
+            <a:picLocks noChangeAspect="1"/>
+          </p:cNvPicPr>
+          <p:nvPr/>
+        </p:nvPicPr>
+        <p:blipFill rotWithShape="1">
+          <a:blip r:embed="rId3">
+            <a:extLst>
+              <a:ext uri="{28A0092B-C50C-407E-A947-70E740481C1C}">
+                <a14:useLocalDpi xmlns:a14="http://schemas.microsoft.com/office/drawing/2010/main" val="0"/>
+              </a:ext>
+            </a:extLst>
+          </a:blip>
+          <a:srcRect t="47746"/>
+          <a:stretch/>
+        </p:blipFill>
+        <p:spPr>
+          <a:xfrm>
+            <a:off x="191677" y="2780906"/>
+            <a:ext cx="5270984" cy="1888343"/>
+          </a:xfrm>
+          <a:prstGeom prst="rect">
+            <a:avLst/>
+          </a:prstGeom>
+        </p:spPr>
+      </p:pic>
+    </p:spTree>
+    <p:extLst>
+      <p:ext uri="{BB962C8B-B14F-4D97-AF65-F5344CB8AC3E}">
+        <p14:creationId xmlns:p14="http://schemas.microsoft.com/office/powerpoint/2010/main" val="1489300720"/>
+      </p:ext>
+    </p:extLst>
+  </p:cSld>
+  <p:clrMapOvr>
+    <a:masterClrMapping/>
+  </p:clrMapOvr>
+</p:sld>
+</file>
+
+<file path=ppt/slides/slide30.xml><?xml version="1.0" encoding="utf-8"?>
 <p:sld xmlns:a="http://schemas.openxmlformats.org/drawingml/2006/main" xmlns:r="http://schemas.openxmlformats.org/officeDocument/2006/relationships" xmlns:p="http://schemas.openxmlformats.org/presentationml/2006/main">
   <p:cSld>
     <p:spTree>
@@ -17982,327 +18637,7 @@
 </p:sld>
 </file>
 
-<file path=ppt/slides/slide3.xml><?xml version="1.0" encoding="utf-8"?>
-<p:sld xmlns:a="http://schemas.openxmlformats.org/drawingml/2006/main" xmlns:r="http://schemas.openxmlformats.org/officeDocument/2006/relationships" xmlns:p="http://schemas.openxmlformats.org/presentationml/2006/main">
-  <p:cSld>
-    <p:spTree>
-      <p:nvGrpSpPr>
-        <p:cNvPr id="1" name=""/>
-        <p:cNvGrpSpPr/>
-        <p:nvPr/>
-      </p:nvGrpSpPr>
-      <p:grpSpPr>
-        <a:xfrm>
-          <a:off x="0" y="0"/>
-          <a:ext cx="0" cy="0"/>
-          <a:chOff x="0" y="0"/>
-          <a:chExt cx="0" cy="0"/>
-        </a:xfrm>
-      </p:grpSpPr>
-      <p:sp>
-        <p:nvSpPr>
-          <p:cNvPr id="2" name="Título 1">
-            <a:extLst>
-              <a:ext uri="{FF2B5EF4-FFF2-40B4-BE49-F238E27FC236}">
-                <a16:creationId xmlns:a16="http://schemas.microsoft.com/office/drawing/2014/main" id="{B4A549E3-7E5B-04E3-09ED-A7C3171C6D5F}"/>
-              </a:ext>
-            </a:extLst>
-          </p:cNvPr>
-          <p:cNvSpPr>
-            <a:spLocks noGrp="1"/>
-          </p:cNvSpPr>
-          <p:nvPr>
-            <p:ph type="title"/>
-          </p:nvPr>
-        </p:nvSpPr>
-        <p:spPr/>
-        <p:txBody>
-          <a:bodyPr/>
-          <a:lstStyle/>
-          <a:p>
-            <a:r>
-              <a:rPr lang="pt-BR" dirty="0"/>
-              <a:t>Escolha do passo de aprendizagem</a:t>
-            </a:r>
-          </a:p>
-        </p:txBody>
-      </p:sp>
-      <mc:AlternateContent xmlns:mc="http://schemas.openxmlformats.org/markup-compatibility/2006" xmlns:a14="http://schemas.microsoft.com/office/drawing/2010/main">
-        <mc:Choice Requires="a14">
-          <p:sp>
-            <p:nvSpPr>
-              <p:cNvPr id="3" name="Espaço Reservado para Conteúdo 2">
-                <a:extLst>
-                  <a:ext uri="{FF2B5EF4-FFF2-40B4-BE49-F238E27FC236}">
-                    <a16:creationId xmlns:a16="http://schemas.microsoft.com/office/drawing/2014/main" id="{3323DEB1-E32D-5111-52A9-A936D5B18776}"/>
-                  </a:ext>
-                </a:extLst>
-              </p:cNvPr>
-              <p:cNvSpPr>
-                <a:spLocks noGrp="1"/>
-              </p:cNvSpPr>
-              <p:nvPr>
-                <p:ph idx="1"/>
-              </p:nvPr>
-            </p:nvSpPr>
-            <p:spPr>
-              <a:xfrm>
-                <a:off x="5693790" y="1825624"/>
-                <a:ext cx="6306533" cy="5032375"/>
-              </a:xfrm>
-            </p:spPr>
-            <p:txBody>
-              <a:bodyPr>
-                <a:normAutofit/>
-              </a:bodyPr>
-              <a:lstStyle/>
-              <a:p>
-                <a:r>
-                  <a:rPr lang="pt-BR" dirty="0"/>
-                  <a:t>Conforme nós vimos, no gradiente descendente, o </a:t>
-                </a:r>
-                <a:r>
-                  <a:rPr lang="pt-BR" b="1" i="1" dirty="0">
-                    <a:solidFill>
-                      <a:srgbClr val="FF0000"/>
-                    </a:solidFill>
-                  </a:rPr>
-                  <a:t>negativo</a:t>
-                </a:r>
-                <a:r>
-                  <a:rPr lang="pt-BR" dirty="0"/>
-                  <a:t> do </a:t>
-                </a:r>
-                <a:r>
-                  <a:rPr lang="pt-BR" b="1" i="1" dirty="0">
-                    <a:solidFill>
-                      <a:srgbClr val="7030A0"/>
-                    </a:solidFill>
-                  </a:rPr>
-                  <a:t>vetor gradiente</a:t>
-                </a:r>
-                <a:r>
-                  <a:rPr lang="pt-BR" dirty="0"/>
-                  <a:t>, </a:t>
-                </a:r>
-                <a14:m>
-                  <m:oMath xmlns:m="http://schemas.openxmlformats.org/officeDocument/2006/math">
-                    <m:r>
-                      <a:rPr lang="pt-BR" b="0" i="0" smtClean="0">
-                        <a:latin typeface="Cambria Math" panose="02040503050406030204" pitchFamily="18" charset="0"/>
-                        <a:ea typeface="Cambria Math" panose="02040503050406030204" pitchFamily="18" charset="0"/>
-                      </a:rPr>
-                      <m:t>−</m:t>
-                    </m:r>
-                    <m:r>
-                      <a:rPr lang="pt-BR" i="1" smtClean="0">
-                        <a:latin typeface="Cambria Math" panose="02040503050406030204" pitchFamily="18" charset="0"/>
-                        <a:ea typeface="Cambria Math" panose="02040503050406030204" pitchFamily="18" charset="0"/>
-                      </a:rPr>
-                      <m:t>𝛻</m:t>
-                    </m:r>
-                    <m:r>
-                      <a:rPr lang="pt-BR" i="1" smtClean="0">
-                        <a:latin typeface="Cambria Math" panose="02040503050406030204" pitchFamily="18" charset="0"/>
-                        <a:ea typeface="Cambria Math" panose="02040503050406030204" pitchFamily="18" charset="0"/>
-                      </a:rPr>
-                      <m:t>𝑓</m:t>
-                    </m:r>
-                    <m:d>
-                      <m:dPr>
-                        <m:ctrlPr>
-                          <a:rPr lang="pt-BR" i="1">
-                            <a:latin typeface="Cambria Math" panose="02040503050406030204" pitchFamily="18" charset="0"/>
-                            <a:ea typeface="Cambria Math" panose="02040503050406030204" pitchFamily="18" charset="0"/>
-                          </a:rPr>
-                        </m:ctrlPr>
-                      </m:dPr>
-                      <m:e>
-                        <m:r>
-                          <a:rPr lang="pt-BR" i="1">
-                            <a:latin typeface="Cambria Math" panose="02040503050406030204" pitchFamily="18" charset="0"/>
-                          </a:rPr>
-                          <m:t>𝑥</m:t>
-                        </m:r>
-                      </m:e>
-                    </m:d>
-                  </m:oMath>
-                </a14:m>
-                <a:r>
-                  <a:rPr lang="pt-BR" dirty="0"/>
-                  <a:t>, dá a </a:t>
-                </a:r>
-                <a:r>
-                  <a:rPr lang="pt-BR" b="1" i="1" dirty="0">
-                    <a:solidFill>
-                      <a:srgbClr val="00B050"/>
-                    </a:solidFill>
-                  </a:rPr>
-                  <a:t>direção </a:t>
-                </a:r>
-                <a:r>
-                  <a:rPr lang="pt-BR" b="1" i="1" dirty="0">
-                    <a:solidFill>
-                      <a:srgbClr val="00B050"/>
-                    </a:solidFill>
-                    <a:effectLst/>
-                  </a:rPr>
-                  <a:t>de decrescimento mais rápido de uma função</a:t>
-                </a:r>
-                <a:r>
-                  <a:rPr lang="pt-BR" b="0" i="0" dirty="0">
-                    <a:effectLst/>
-                  </a:rPr>
-                  <a:t> a partir de um ponto e sua </a:t>
-                </a:r>
-                <a:r>
-                  <a:rPr lang="pt-BR" b="1" i="1" dirty="0">
-                    <a:solidFill>
-                      <a:srgbClr val="00B050"/>
-                    </a:solidFill>
-                    <a:effectLst/>
-                  </a:rPr>
-                  <a:t>magnitude</a:t>
-                </a:r>
-                <a:r>
-                  <a:rPr lang="pt-BR" b="0" i="0" dirty="0">
-                    <a:effectLst/>
-                  </a:rPr>
-                  <a:t> indica a </a:t>
-                </a:r>
-                <a:r>
-                  <a:rPr lang="pt-BR" b="1" i="1" dirty="0">
-                    <a:solidFill>
-                      <a:srgbClr val="00B050"/>
-                    </a:solidFill>
-                    <a:effectLst/>
-                  </a:rPr>
-                  <a:t>taxa de variação da função</a:t>
-                </a:r>
-                <a:r>
-                  <a:rPr lang="pt-BR" b="0" i="0" dirty="0">
-                    <a:effectLst/>
-                  </a:rPr>
-                  <a:t> nessa direção.</a:t>
-                </a:r>
-                <a:endParaRPr lang="pt-BR" b="1" i="1" dirty="0">
-                  <a:effectLst/>
-                </a:endParaRPr>
-              </a:p>
-              <a:p>
-                <a:r>
-                  <a:rPr lang="pt-BR" dirty="0"/>
-                  <a:t>Porém, ele não nos informa a </a:t>
-                </a:r>
-                <a:r>
-                  <a:rPr lang="pt-BR" b="1" i="1" dirty="0">
-                    <a:solidFill>
-                      <a:srgbClr val="00B050"/>
-                    </a:solidFill>
-                  </a:rPr>
-                  <a:t>distância</a:t>
-                </a:r>
-                <a:r>
-                  <a:rPr lang="pt-BR" dirty="0"/>
-                  <a:t> até o ponto de máximo.</a:t>
-                </a:r>
-              </a:p>
-            </p:txBody>
-          </p:sp>
-        </mc:Choice>
-        <mc:Fallback xmlns="">
-          <p:sp>
-            <p:nvSpPr>
-              <p:cNvPr id="3" name="Espaço Reservado para Conteúdo 2">
-                <a:extLst>
-                  <a:ext uri="{FF2B5EF4-FFF2-40B4-BE49-F238E27FC236}">
-                    <a16:creationId xmlns:a16="http://schemas.microsoft.com/office/drawing/2014/main" id="{3323DEB1-E32D-5111-52A9-A936D5B18776}"/>
-                  </a:ext>
-                </a:extLst>
-              </p:cNvPr>
-              <p:cNvSpPr>
-                <a:spLocks noGrp="1" noRot="1" noChangeAspect="1" noMove="1" noResize="1" noEditPoints="1" noAdjustHandles="1" noChangeArrowheads="1" noChangeShapeType="1" noTextEdit="1"/>
-              </p:cNvSpPr>
-              <p:nvPr>
-                <p:ph idx="1"/>
-              </p:nvPr>
-            </p:nvSpPr>
-            <p:spPr>
-              <a:xfrm>
-                <a:off x="5693790" y="1825624"/>
-                <a:ext cx="6306533" cy="5032375"/>
-              </a:xfrm>
-              <a:blipFill>
-                <a:blip r:embed="rId2"/>
-                <a:stretch>
-                  <a:fillRect l="-1739" t="-1937" r="-1449"/>
-                </a:stretch>
-              </a:blipFill>
-            </p:spPr>
-            <p:txBody>
-              <a:bodyPr/>
-              <a:lstStyle/>
-              <a:p>
-                <a:r>
-                  <a:rPr lang="pt-BR">
-                    <a:noFill/>
-                  </a:rPr>
-                  <a:t> </a:t>
-                </a:r>
-              </a:p>
-            </p:txBody>
-          </p:sp>
-        </mc:Fallback>
-      </mc:AlternateContent>
-      <p:pic>
-        <p:nvPicPr>
-          <p:cNvPr id="4" name="Imagem 3">
-            <a:extLst>
-              <a:ext uri="{FF2B5EF4-FFF2-40B4-BE49-F238E27FC236}">
-                <a16:creationId xmlns:a16="http://schemas.microsoft.com/office/drawing/2014/main" id="{860F9137-10B0-2765-3CAF-0E8F4196E620}"/>
-              </a:ext>
-            </a:extLst>
-          </p:cNvPr>
-          <p:cNvPicPr>
-            <a:picLocks noChangeAspect="1"/>
-          </p:cNvPicPr>
-          <p:nvPr/>
-        </p:nvPicPr>
-        <p:blipFill rotWithShape="1">
-          <a:blip r:embed="rId3">
-            <a:extLst>
-              <a:ext uri="{28A0092B-C50C-407E-A947-70E740481C1C}">
-                <a14:useLocalDpi xmlns:a14="http://schemas.microsoft.com/office/drawing/2010/main" val="0"/>
-              </a:ext>
-            </a:extLst>
-          </a:blip>
-          <a:srcRect t="47746"/>
-          <a:stretch/>
-        </p:blipFill>
-        <p:spPr>
-          <a:xfrm>
-            <a:off x="191677" y="2780906"/>
-            <a:ext cx="5270984" cy="1888343"/>
-          </a:xfrm>
-          <a:prstGeom prst="rect">
-            <a:avLst/>
-          </a:prstGeom>
-        </p:spPr>
-      </p:pic>
-    </p:spTree>
-    <p:extLst>
-      <p:ext uri="{BB962C8B-B14F-4D97-AF65-F5344CB8AC3E}">
-        <p14:creationId xmlns:p14="http://schemas.microsoft.com/office/powerpoint/2010/main" val="1489300720"/>
-      </p:ext>
-    </p:extLst>
-  </p:cSld>
-  <p:clrMapOvr>
-    <a:masterClrMapping/>
-  </p:clrMapOvr>
-</p:sld>
-</file>
-
-<file path=ppt/slides/slide30.xml><?xml version="1.0" encoding="utf-8"?>
+<file path=ppt/slides/slide31.xml><?xml version="1.0" encoding="utf-8"?>
 <p:sld xmlns:a="http://schemas.openxmlformats.org/drawingml/2006/main" xmlns:r="http://schemas.openxmlformats.org/officeDocument/2006/relationships" xmlns:p="http://schemas.openxmlformats.org/presentationml/2006/main">
   <p:cSld>
     <p:spTree>
@@ -20243,7 +20578,7 @@
 </p:sld>
 </file>
 
-<file path=ppt/slides/slide31.xml><?xml version="1.0" encoding="utf-8"?>
+<file path=ppt/slides/slide32.xml><?xml version="1.0" encoding="utf-8"?>
 <p:sld xmlns:a="http://schemas.openxmlformats.org/drawingml/2006/main" xmlns:r="http://schemas.openxmlformats.org/officeDocument/2006/relationships" xmlns:p="http://schemas.openxmlformats.org/presentationml/2006/main">
   <p:cSld>
     <p:spTree>
@@ -21393,7 +21728,7 @@
 </p:sld>
 </file>
 
-<file path=ppt/slides/slide32.xml><?xml version="1.0" encoding="utf-8"?>
+<file path=ppt/slides/slide33.xml><?xml version="1.0" encoding="utf-8"?>
 <p:sld xmlns:a="http://schemas.openxmlformats.org/drawingml/2006/main" xmlns:r="http://schemas.openxmlformats.org/officeDocument/2006/relationships" xmlns:p="http://schemas.openxmlformats.org/presentationml/2006/main">
   <p:cSld>
     <p:spTree>
@@ -22738,7 +23073,7 @@
 </p:sld>
 </file>
 
-<file path=ppt/slides/slide33.xml><?xml version="1.0" encoding="utf-8"?>
+<file path=ppt/slides/slide34.xml><?xml version="1.0" encoding="utf-8"?>
 <p:sld xmlns:a="http://schemas.openxmlformats.org/drawingml/2006/main" xmlns:r="http://schemas.openxmlformats.org/officeDocument/2006/relationships" xmlns:p="http://schemas.openxmlformats.org/presentationml/2006/main">
   <p:cSld>
     <p:spTree>
@@ -24082,7 +24417,7 @@
 </p:sld>
 </file>
 
-<file path=ppt/slides/slide34.xml><?xml version="1.0" encoding="utf-8"?>
+<file path=ppt/slides/slide35.xml><?xml version="1.0" encoding="utf-8"?>
 <p:sld xmlns:a="http://schemas.openxmlformats.org/drawingml/2006/main" xmlns:r="http://schemas.openxmlformats.org/officeDocument/2006/relationships" xmlns:p="http://schemas.openxmlformats.org/presentationml/2006/main">
   <p:cSld>
     <p:spTree>
@@ -25834,7 +26169,7 @@
 </p:sld>
 </file>
 
-<file path=ppt/slides/slide35.xml><?xml version="1.0" encoding="utf-8"?>
+<file path=ppt/slides/slide36.xml><?xml version="1.0" encoding="utf-8"?>
 <p:sld xmlns:a="http://schemas.openxmlformats.org/drawingml/2006/main" xmlns:r="http://schemas.openxmlformats.org/officeDocument/2006/relationships" xmlns:p="http://schemas.openxmlformats.org/presentationml/2006/main">
   <p:cSld>
     <p:spTree>
@@ -27594,7 +27929,7 @@
 </p:sld>
 </file>
 
-<file path=ppt/slides/slide36.xml><?xml version="1.0" encoding="utf-8"?>
+<file path=ppt/slides/slide37.xml><?xml version="1.0" encoding="utf-8"?>
 <p:sld xmlns:a="http://schemas.openxmlformats.org/drawingml/2006/main" xmlns:r="http://schemas.openxmlformats.org/officeDocument/2006/relationships" xmlns:p="http://schemas.openxmlformats.org/presentationml/2006/main">
   <p:cSld>
     <p:spTree>
@@ -31020,7 +31355,7 @@
 </p:sld>
 </file>
 
-<file path=ppt/slides/slide37.xml><?xml version="1.0" encoding="utf-8"?>
+<file path=ppt/slides/slide38.xml><?xml version="1.0" encoding="utf-8"?>
 <p:sld xmlns:a="http://schemas.openxmlformats.org/drawingml/2006/main" xmlns:r="http://schemas.openxmlformats.org/officeDocument/2006/relationships" xmlns:p="http://schemas.openxmlformats.org/presentationml/2006/main">
   <p:cSld>
     <p:spTree>
@@ -33095,7 +33430,7 @@
 </p:sld>
 </file>
 
-<file path=ppt/slides/slide38.xml><?xml version="1.0" encoding="utf-8"?>
+<file path=ppt/slides/slide39.xml><?xml version="1.0" encoding="utf-8"?>
 <p:sld xmlns:a="http://schemas.openxmlformats.org/drawingml/2006/main" xmlns:r="http://schemas.openxmlformats.org/officeDocument/2006/relationships" xmlns:p="http://schemas.openxmlformats.org/presentationml/2006/main">
   <p:cSld>
     <p:spTree>
@@ -33200,7 +33535,462 @@
 </p:sld>
 </file>
 
-<file path=ppt/slides/slide39.xml><?xml version="1.0" encoding="utf-8"?>
+<file path=ppt/slides/slide4.xml><?xml version="1.0" encoding="utf-8"?>
+<p:sld xmlns:a="http://schemas.openxmlformats.org/drawingml/2006/main" xmlns:r="http://schemas.openxmlformats.org/officeDocument/2006/relationships" xmlns:p="http://schemas.openxmlformats.org/presentationml/2006/main">
+  <p:cSld>
+    <p:spTree>
+      <p:nvGrpSpPr>
+        <p:cNvPr id="1" name=""/>
+        <p:cNvGrpSpPr/>
+        <p:nvPr/>
+      </p:nvGrpSpPr>
+      <p:grpSpPr>
+        <a:xfrm>
+          <a:off x="0" y="0"/>
+          <a:ext cx="0" cy="0"/>
+          <a:chOff x="0" y="0"/>
+          <a:chExt cx="0" cy="0"/>
+        </a:xfrm>
+      </p:grpSpPr>
+      <p:sp>
+        <p:nvSpPr>
+          <p:cNvPr id="2" name="Título 1">
+            <a:extLst>
+              <a:ext uri="{FF2B5EF4-FFF2-40B4-BE49-F238E27FC236}">
+                <a16:creationId xmlns:a16="http://schemas.microsoft.com/office/drawing/2014/main" id="{B4A549E3-7E5B-04E3-09ED-A7C3171C6D5F}"/>
+              </a:ext>
+            </a:extLst>
+          </p:cNvPr>
+          <p:cNvSpPr>
+            <a:spLocks noGrp="1"/>
+          </p:cNvSpPr>
+          <p:nvPr>
+            <p:ph type="title"/>
+          </p:nvPr>
+        </p:nvSpPr>
+        <p:spPr/>
+        <p:txBody>
+          <a:bodyPr/>
+          <a:lstStyle/>
+          <a:p>
+            <a:r>
+              <a:rPr lang="pt-BR" dirty="0"/>
+              <a:t>Escolha do passo de aprendizagem</a:t>
+            </a:r>
+          </a:p>
+        </p:txBody>
+      </p:sp>
+      <mc:AlternateContent xmlns:mc="http://schemas.openxmlformats.org/markup-compatibility/2006">
+        <mc:Choice xmlns:a14="http://schemas.microsoft.com/office/drawing/2010/main" Requires="a14">
+          <p:sp>
+            <p:nvSpPr>
+              <p:cNvPr id="3" name="Espaço Reservado para Conteúdo 2">
+                <a:extLst>
+                  <a:ext uri="{FF2B5EF4-FFF2-40B4-BE49-F238E27FC236}">
+                    <a16:creationId xmlns:a16="http://schemas.microsoft.com/office/drawing/2014/main" id="{3323DEB1-E32D-5111-52A9-A936D5B18776}"/>
+                  </a:ext>
+                </a:extLst>
+              </p:cNvPr>
+              <p:cNvSpPr>
+                <a:spLocks noGrp="1"/>
+              </p:cNvSpPr>
+              <p:nvPr>
+                <p:ph idx="1"/>
+              </p:nvPr>
+            </p:nvSpPr>
+            <p:spPr>
+              <a:xfrm>
+                <a:off x="5533534" y="1825624"/>
+                <a:ext cx="6466789" cy="5032375"/>
+              </a:xfrm>
+            </p:spPr>
+            <p:txBody>
+              <a:bodyPr>
+                <a:normAutofit/>
+              </a:bodyPr>
+              <a:lstStyle/>
+              <a:p>
+                <a:r>
+                  <a:rPr lang="pt-BR" dirty="0"/>
+                  <a:t>Portanto, para </a:t>
+                </a:r>
+                <a:r>
+                  <a:rPr lang="pt-BR" b="1" i="1" dirty="0">
+                    <a:solidFill>
+                      <a:srgbClr val="00B050"/>
+                    </a:solidFill>
+                  </a:rPr>
+                  <a:t>andarmos na direção apontada pelo vetor gradiente</a:t>
+                </a:r>
+                <a:r>
+                  <a:rPr lang="pt-BR" dirty="0"/>
+                  <a:t>, usamos uma </a:t>
+                </a:r>
+                <a:r>
+                  <a:rPr lang="pt-BR" b="1" i="1" dirty="0">
+                    <a:solidFill>
+                      <a:srgbClr val="7030A0"/>
+                    </a:solidFill>
+                  </a:rPr>
+                  <a:t>porcentagem</a:t>
+                </a:r>
+                <a:r>
+                  <a:rPr lang="pt-BR" dirty="0"/>
+                  <a:t> do seu valor.</a:t>
+                </a:r>
+              </a:p>
+              <a:p>
+                <a:r>
+                  <a:rPr lang="pt-BR" dirty="0"/>
+                  <a:t>Essa porcentagem é dada pelo </a:t>
+                </a:r>
+                <a:r>
+                  <a:rPr lang="pt-BR" b="1" i="1" dirty="0">
+                    <a:solidFill>
+                      <a:srgbClr val="00B050"/>
+                    </a:solidFill>
+                  </a:rPr>
+                  <a:t>passo de aprendizagem</a:t>
+                </a:r>
+                <a:r>
+                  <a:rPr lang="pt-BR" dirty="0"/>
+                  <a:t>, </a:t>
+                </a:r>
+                <a14:m>
+                  <m:oMath xmlns:m="http://schemas.openxmlformats.org/officeDocument/2006/math">
+                    <m:r>
+                      <a:rPr lang="pt-BR" i="1" smtClean="0">
+                        <a:latin typeface="Cambria Math" panose="02040503050406030204" pitchFamily="18" charset="0"/>
+                        <a:ea typeface="Cambria Math" panose="02040503050406030204" pitchFamily="18" charset="0"/>
+                      </a:rPr>
+                      <m:t>𝛼</m:t>
+                    </m:r>
+                  </m:oMath>
+                </a14:m>
+                <a:r>
+                  <a:rPr lang="pt-BR" dirty="0"/>
+                  <a:t>, que é sempre um valor maior do que zero.</a:t>
+                </a:r>
+              </a:p>
+              <a:p>
+                <a:endParaRPr lang="pt-BR" dirty="0"/>
+              </a:p>
+            </p:txBody>
+          </p:sp>
+        </mc:Choice>
+        <mc:Fallback>
+          <p:sp>
+            <p:nvSpPr>
+              <p:cNvPr id="3" name="Espaço Reservado para Conteúdo 2">
+                <a:extLst>
+                  <a:ext uri="{FF2B5EF4-FFF2-40B4-BE49-F238E27FC236}">
+                    <a16:creationId xmlns:a16="http://schemas.microsoft.com/office/drawing/2014/main" id="{3323DEB1-E32D-5111-52A9-A936D5B18776}"/>
+                  </a:ext>
+                </a:extLst>
+              </p:cNvPr>
+              <p:cNvSpPr>
+                <a:spLocks noGrp="1" noRot="1" noChangeAspect="1" noMove="1" noResize="1" noEditPoints="1" noAdjustHandles="1" noChangeArrowheads="1" noChangeShapeType="1" noTextEdit="1"/>
+              </p:cNvSpPr>
+              <p:nvPr>
+                <p:ph idx="1"/>
+              </p:nvPr>
+            </p:nvSpPr>
+            <p:spPr>
+              <a:xfrm>
+                <a:off x="5533534" y="1825624"/>
+                <a:ext cx="6466789" cy="5032375"/>
+              </a:xfrm>
+              <a:blipFill>
+                <a:blip r:embed="rId2"/>
+                <a:stretch>
+                  <a:fillRect l="-1697" t="-1937" r="-2262"/>
+                </a:stretch>
+              </a:blipFill>
+            </p:spPr>
+            <p:txBody>
+              <a:bodyPr/>
+              <a:lstStyle/>
+              <a:p>
+                <a:r>
+                  <a:rPr lang="pt-BR">
+                    <a:noFill/>
+                  </a:rPr>
+                  <a:t> </a:t>
+                </a:r>
+              </a:p>
+            </p:txBody>
+          </p:sp>
+        </mc:Fallback>
+      </mc:AlternateContent>
+      <mc:AlternateContent xmlns:mc="http://schemas.openxmlformats.org/markup-compatibility/2006" xmlns:a14="http://schemas.microsoft.com/office/drawing/2010/main">
+        <mc:Choice Requires="a14">
+          <p:sp>
+            <p:nvSpPr>
+              <p:cNvPr id="6" name="CaixaDeTexto 5">
+                <a:extLst>
+                  <a:ext uri="{FF2B5EF4-FFF2-40B4-BE49-F238E27FC236}">
+                    <a16:creationId xmlns:a16="http://schemas.microsoft.com/office/drawing/2014/main" id="{C0979B72-FA06-3341-0C8C-22E5606766C2}"/>
+                  </a:ext>
+                </a:extLst>
+              </p:cNvPr>
+              <p:cNvSpPr txBox="1"/>
+              <p:nvPr/>
+            </p:nvSpPr>
+            <p:spPr>
+              <a:xfrm>
+                <a:off x="1074655" y="3428804"/>
+                <a:ext cx="3777792" cy="913007"/>
+              </a:xfrm>
+              <a:prstGeom prst="rect">
+                <a:avLst/>
+              </a:prstGeom>
+              <a:noFill/>
+            </p:spPr>
+            <p:txBody>
+              <a:bodyPr wrap="square">
+                <a:spAutoFit/>
+              </a:bodyPr>
+              <a:lstStyle/>
+              <a:p>
+                <a:pPr/>
+                <a14:m>
+                  <m:oMathPara xmlns:m="http://schemas.openxmlformats.org/officeDocument/2006/math">
+                    <m:oMathParaPr>
+                      <m:jc m:val="centerGroup"/>
+                    </m:oMathParaPr>
+                    <m:oMath xmlns:m="http://schemas.openxmlformats.org/officeDocument/2006/math">
+                      <m:r>
+                        <a:rPr lang="pt-BR" sz="2800" b="1" i="1" smtClean="0">
+                          <a:solidFill>
+                            <a:schemeClr val="tx1"/>
+                          </a:solidFill>
+                          <a:latin typeface="Cambria Math" panose="02040503050406030204" pitchFamily="18" charset="0"/>
+                        </a:rPr>
+                        <m:t>𝒂</m:t>
+                      </m:r>
+                      <m:r>
+                        <a:rPr lang="en-US" sz="2800" b="1" i="1">
+                          <a:solidFill>
+                            <a:schemeClr val="tx1"/>
+                          </a:solidFill>
+                          <a:latin typeface="Cambria Math" panose="02040503050406030204" pitchFamily="18" charset="0"/>
+                          <a:ea typeface="Cambria Math" panose="02040503050406030204" pitchFamily="18" charset="0"/>
+                        </a:rPr>
+                        <m:t>←</m:t>
+                      </m:r>
+                      <m:r>
+                        <a:rPr lang="pt-BR" sz="2800" b="1" i="1">
+                          <a:solidFill>
+                            <a:schemeClr val="tx1"/>
+                          </a:solidFill>
+                          <a:latin typeface="Cambria Math" panose="02040503050406030204" pitchFamily="18" charset="0"/>
+                        </a:rPr>
+                        <m:t>𝒂</m:t>
+                      </m:r>
+                      <m:r>
+                        <a:rPr lang="pt-BR" sz="2800" i="1">
+                          <a:solidFill>
+                            <a:schemeClr val="tx1"/>
+                          </a:solidFill>
+                          <a:latin typeface="Cambria Math" panose="02040503050406030204" pitchFamily="18" charset="0"/>
+                          <a:ea typeface="Cambria Math" panose="02040503050406030204" pitchFamily="18" charset="0"/>
+                        </a:rPr>
+                        <m:t>−</m:t>
+                      </m:r>
+                      <m:r>
+                        <a:rPr lang="pt-BR" sz="2800" i="1">
+                          <a:solidFill>
+                            <a:schemeClr val="tx1"/>
+                          </a:solidFill>
+                          <a:latin typeface="Cambria Math" panose="02040503050406030204" pitchFamily="18" charset="0"/>
+                          <a:ea typeface="Cambria Math" panose="02040503050406030204" pitchFamily="18" charset="0"/>
+                        </a:rPr>
+                        <m:t>𝛼</m:t>
+                      </m:r>
+                      <m:f>
+                        <m:fPr>
+                          <m:ctrlPr>
+                            <a:rPr lang="pt-BR" sz="2800" i="1">
+                              <a:solidFill>
+                                <a:schemeClr val="tx1"/>
+                              </a:solidFill>
+                              <a:latin typeface="Cambria Math" panose="02040503050406030204" pitchFamily="18" charset="0"/>
+                              <a:ea typeface="Cambria Math" panose="02040503050406030204" pitchFamily="18" charset="0"/>
+                            </a:rPr>
+                          </m:ctrlPr>
+                        </m:fPr>
+                        <m:num>
+                          <m:r>
+                            <a:rPr lang="pt-BR" sz="2800" i="1">
+                              <a:solidFill>
+                                <a:schemeClr val="tx1"/>
+                              </a:solidFill>
+                              <a:latin typeface="Cambria Math" panose="02040503050406030204" pitchFamily="18" charset="0"/>
+                              <a:ea typeface="Cambria Math" panose="02040503050406030204" pitchFamily="18" charset="0"/>
+                            </a:rPr>
+                            <m:t>𝜕</m:t>
+                          </m:r>
+                          <m:sSub>
+                            <m:sSubPr>
+                              <m:ctrlPr>
+                                <a:rPr lang="pt-BR" sz="2800" i="1">
+                                  <a:solidFill>
+                                    <a:schemeClr val="tx1"/>
+                                  </a:solidFill>
+                                  <a:latin typeface="Cambria Math" panose="02040503050406030204" pitchFamily="18" charset="0"/>
+                                  <a:ea typeface="Cambria Math" panose="02040503050406030204" pitchFamily="18" charset="0"/>
+                                </a:rPr>
+                              </m:ctrlPr>
+                            </m:sSubPr>
+                            <m:e>
+                              <m:r>
+                                <a:rPr lang="pt-BR" sz="2800" i="1">
+                                  <a:solidFill>
+                                    <a:schemeClr val="tx1"/>
+                                  </a:solidFill>
+                                  <a:latin typeface="Cambria Math" panose="02040503050406030204" pitchFamily="18" charset="0"/>
+                                  <a:ea typeface="Cambria Math" panose="02040503050406030204" pitchFamily="18" charset="0"/>
+                                </a:rPr>
+                                <m:t>𝐽</m:t>
+                              </m:r>
+                            </m:e>
+                            <m:sub>
+                              <m:r>
+                                <a:rPr lang="pt-BR" sz="2800" i="1">
+                                  <a:solidFill>
+                                    <a:schemeClr val="tx1"/>
+                                  </a:solidFill>
+                                  <a:latin typeface="Cambria Math" panose="02040503050406030204" pitchFamily="18" charset="0"/>
+                                  <a:ea typeface="Cambria Math" panose="02040503050406030204" pitchFamily="18" charset="0"/>
+                                </a:rPr>
+                                <m:t>𝑒</m:t>
+                              </m:r>
+                            </m:sub>
+                          </m:sSub>
+                          <m:r>
+                            <a:rPr lang="pt-BR" sz="2800" i="1">
+                              <a:solidFill>
+                                <a:schemeClr val="tx1"/>
+                              </a:solidFill>
+                              <a:latin typeface="Cambria Math" panose="02040503050406030204" pitchFamily="18" charset="0"/>
+                              <a:ea typeface="Cambria Math" panose="02040503050406030204" pitchFamily="18" charset="0"/>
+                            </a:rPr>
+                            <m:t>(</m:t>
+                          </m:r>
+                          <m:r>
+                            <a:rPr lang="pt-BR" sz="2800" b="1" i="1">
+                              <a:solidFill>
+                                <a:schemeClr val="tx1"/>
+                              </a:solidFill>
+                              <a:latin typeface="Cambria Math" panose="02040503050406030204" pitchFamily="18" charset="0"/>
+                              <a:ea typeface="Cambria Math" panose="02040503050406030204" pitchFamily="18" charset="0"/>
+                            </a:rPr>
+                            <m:t>𝒂</m:t>
+                          </m:r>
+                          <m:r>
+                            <a:rPr lang="pt-BR" sz="2800" i="1">
+                              <a:solidFill>
+                                <a:schemeClr val="tx1"/>
+                              </a:solidFill>
+                              <a:latin typeface="Cambria Math" panose="02040503050406030204" pitchFamily="18" charset="0"/>
+                              <a:ea typeface="Cambria Math" panose="02040503050406030204" pitchFamily="18" charset="0"/>
+                            </a:rPr>
+                            <m:t>)</m:t>
+                          </m:r>
+                        </m:num>
+                        <m:den>
+                          <m:r>
+                            <a:rPr lang="pt-BR" sz="2800" i="1">
+                              <a:solidFill>
+                                <a:schemeClr val="tx1"/>
+                              </a:solidFill>
+                              <a:latin typeface="Cambria Math" panose="02040503050406030204" pitchFamily="18" charset="0"/>
+                              <a:ea typeface="Cambria Math" panose="02040503050406030204" pitchFamily="18" charset="0"/>
+                            </a:rPr>
+                            <m:t>𝜕</m:t>
+                          </m:r>
+                          <m:r>
+                            <a:rPr lang="pt-BR" sz="2800" b="1" i="1">
+                              <a:solidFill>
+                                <a:schemeClr val="tx1"/>
+                              </a:solidFill>
+                              <a:latin typeface="Cambria Math" panose="02040503050406030204" pitchFamily="18" charset="0"/>
+                            </a:rPr>
+                            <m:t>𝒂</m:t>
+                          </m:r>
+                        </m:den>
+                      </m:f>
+                    </m:oMath>
+                  </m:oMathPara>
+                </a14:m>
+                <a:endParaRPr lang="pt-BR" sz="2800" dirty="0">
+                  <a:solidFill>
+                    <a:schemeClr val="tx1"/>
+                  </a:solidFill>
+                </a:endParaRPr>
+              </a:p>
+            </p:txBody>
+          </p:sp>
+        </mc:Choice>
+        <mc:Fallback xmlns="">
+          <p:sp>
+            <p:nvSpPr>
+              <p:cNvPr id="6" name="CaixaDeTexto 5">
+                <a:extLst>
+                  <a:ext uri="{FF2B5EF4-FFF2-40B4-BE49-F238E27FC236}">
+                    <a16:creationId xmlns:a16="http://schemas.microsoft.com/office/drawing/2014/main" id="{C0979B72-FA06-3341-0C8C-22E5606766C2}"/>
+                  </a:ext>
+                </a:extLst>
+              </p:cNvPr>
+              <p:cNvSpPr txBox="1">
+                <a:spLocks noRot="1" noChangeAspect="1" noMove="1" noResize="1" noEditPoints="1" noAdjustHandles="1" noChangeArrowheads="1" noChangeShapeType="1" noTextEdit="1"/>
+              </p:cNvSpPr>
+              <p:nvPr/>
+            </p:nvSpPr>
+            <p:spPr>
+              <a:xfrm>
+                <a:off x="1074655" y="3428804"/>
+                <a:ext cx="3777792" cy="913007"/>
+              </a:xfrm>
+              <a:prstGeom prst="rect">
+                <a:avLst/>
+              </a:prstGeom>
+              <a:blipFill>
+                <a:blip r:embed="rId3"/>
+                <a:stretch>
+                  <a:fillRect/>
+                </a:stretch>
+              </a:blipFill>
+            </p:spPr>
+            <p:txBody>
+              <a:bodyPr/>
+              <a:lstStyle/>
+              <a:p>
+                <a:r>
+                  <a:rPr lang="pt-BR">
+                    <a:noFill/>
+                  </a:rPr>
+                  <a:t> </a:t>
+                </a:r>
+              </a:p>
+            </p:txBody>
+          </p:sp>
+        </mc:Fallback>
+      </mc:AlternateContent>
+    </p:spTree>
+    <p:extLst>
+      <p:ext uri="{BB962C8B-B14F-4D97-AF65-F5344CB8AC3E}">
+        <p14:creationId xmlns:p14="http://schemas.microsoft.com/office/powerpoint/2010/main" val="2681891839"/>
+      </p:ext>
+    </p:extLst>
+  </p:cSld>
+  <p:clrMapOvr>
+    <a:masterClrMapping/>
+  </p:clrMapOvr>
+</p:sld>
+</file>
+
+<file path=ppt/slides/slide40.xml><?xml version="1.0" encoding="utf-8"?>
 <p:sld xmlns:a="http://schemas.openxmlformats.org/drawingml/2006/main" xmlns:r="http://schemas.openxmlformats.org/officeDocument/2006/relationships" xmlns:p="http://schemas.openxmlformats.org/presentationml/2006/main">
   <p:cSld>
     <p:spTree>
@@ -35344,7 +36134,378 @@
 </p:sld>
 </file>
 
-<file path=ppt/slides/slide4.xml><?xml version="1.0" encoding="utf-8"?>
+<file path=ppt/slides/slide41.xml><?xml version="1.0" encoding="utf-8"?>
+<p:sld xmlns:a="http://schemas.openxmlformats.org/drawingml/2006/main" xmlns:r="http://schemas.openxmlformats.org/officeDocument/2006/relationships" xmlns:p="http://schemas.openxmlformats.org/presentationml/2006/main">
+  <p:cSld>
+    <p:spTree>
+      <p:nvGrpSpPr>
+        <p:cNvPr id="1" name=""/>
+        <p:cNvGrpSpPr/>
+        <p:nvPr/>
+      </p:nvGrpSpPr>
+      <p:grpSpPr>
+        <a:xfrm>
+          <a:off x="0" y="0"/>
+          <a:ext cx="0" cy="0"/>
+          <a:chOff x="0" y="0"/>
+          <a:chExt cx="0" cy="0"/>
+        </a:xfrm>
+      </p:grpSpPr>
+      <p:cxnSp>
+        <p:nvCxnSpPr>
+          <p:cNvPr id="8" name="Straight Arrow Connector 7"/>
+          <p:cNvCxnSpPr/>
+          <p:nvPr/>
+        </p:nvCxnSpPr>
+        <p:spPr>
+          <a:xfrm>
+            <a:off x="4688114" y="4847771"/>
+            <a:ext cx="1368000" cy="0"/>
+          </a:xfrm>
+          <a:prstGeom prst="straightConnector1">
+            <a:avLst/>
+          </a:prstGeom>
+          <a:ln w="28575">
+            <a:solidFill>
+              <a:srgbClr val="FF0000"/>
+            </a:solidFill>
+            <a:tailEnd type="triangle"/>
+          </a:ln>
+        </p:spPr>
+        <p:style>
+          <a:lnRef idx="1">
+            <a:schemeClr val="accent1"/>
+          </a:lnRef>
+          <a:fillRef idx="0">
+            <a:schemeClr val="accent1"/>
+          </a:fillRef>
+          <a:effectRef idx="0">
+            <a:schemeClr val="accent1"/>
+          </a:effectRef>
+          <a:fontRef idx="minor">
+            <a:schemeClr val="tx1"/>
+          </a:fontRef>
+        </p:style>
+      </p:cxnSp>
+      <p:cxnSp>
+        <p:nvCxnSpPr>
+          <p:cNvPr id="14" name="Straight Arrow Connector 13"/>
+          <p:cNvCxnSpPr/>
+          <p:nvPr/>
+        </p:nvCxnSpPr>
+        <p:spPr>
+          <a:xfrm flipV="1">
+            <a:off x="4688114" y="3586843"/>
+            <a:ext cx="1514993" cy="1260930"/>
+          </a:xfrm>
+          <a:prstGeom prst="straightConnector1">
+            <a:avLst/>
+          </a:prstGeom>
+          <a:ln w="28575">
+            <a:solidFill>
+              <a:schemeClr val="accent5"/>
+            </a:solidFill>
+            <a:tailEnd type="triangle"/>
+          </a:ln>
+        </p:spPr>
+        <p:style>
+          <a:lnRef idx="1">
+            <a:schemeClr val="accent1"/>
+          </a:lnRef>
+          <a:fillRef idx="0">
+            <a:schemeClr val="accent1"/>
+          </a:fillRef>
+          <a:effectRef idx="0">
+            <a:schemeClr val="accent1"/>
+          </a:effectRef>
+          <a:fontRef idx="minor">
+            <a:schemeClr val="tx1"/>
+          </a:fontRef>
+        </p:style>
+      </p:cxnSp>
+      <p:cxnSp>
+        <p:nvCxnSpPr>
+          <p:cNvPr id="19" name="Straight Arrow Connector 18"/>
+          <p:cNvCxnSpPr/>
+          <p:nvPr/>
+        </p:nvCxnSpPr>
+        <p:spPr>
+          <a:xfrm flipV="1">
+            <a:off x="4688114" y="3568700"/>
+            <a:ext cx="722993" cy="1279072"/>
+          </a:xfrm>
+          <a:prstGeom prst="straightConnector1">
+            <a:avLst/>
+          </a:prstGeom>
+          <a:ln w="28575">
+            <a:solidFill>
+              <a:schemeClr val="accent6">
+                <a:lumMod val="75000"/>
+              </a:schemeClr>
+            </a:solidFill>
+            <a:tailEnd type="triangle"/>
+          </a:ln>
+        </p:spPr>
+        <p:style>
+          <a:lnRef idx="1">
+            <a:schemeClr val="accent1"/>
+          </a:lnRef>
+          <a:fillRef idx="0">
+            <a:schemeClr val="accent1"/>
+          </a:fillRef>
+          <a:effectRef idx="0">
+            <a:schemeClr val="accent1"/>
+          </a:effectRef>
+          <a:fontRef idx="minor">
+            <a:schemeClr val="tx1"/>
+          </a:fontRef>
+        </p:style>
+      </p:cxnSp>
+      <p:cxnSp>
+        <p:nvCxnSpPr>
+          <p:cNvPr id="25" name="Straight Arrow Connector 24"/>
+          <p:cNvCxnSpPr/>
+          <p:nvPr/>
+        </p:nvCxnSpPr>
+        <p:spPr>
+          <a:xfrm>
+            <a:off x="5411107" y="3577771"/>
+            <a:ext cx="792000" cy="0"/>
+          </a:xfrm>
+          <a:prstGeom prst="straightConnector1">
+            <a:avLst/>
+          </a:prstGeom>
+          <a:ln w="12700">
+            <a:solidFill>
+              <a:schemeClr val="tx1"/>
+            </a:solidFill>
+            <a:prstDash val="dash"/>
+            <a:headEnd type="none" w="med" len="med"/>
+            <a:tailEnd type="none" w="med" len="med"/>
+          </a:ln>
+        </p:spPr>
+        <p:style>
+          <a:lnRef idx="1">
+            <a:schemeClr val="accent1"/>
+          </a:lnRef>
+          <a:fillRef idx="0">
+            <a:schemeClr val="accent1"/>
+          </a:fillRef>
+          <a:effectRef idx="0">
+            <a:schemeClr val="accent1"/>
+          </a:effectRef>
+          <a:fontRef idx="minor">
+            <a:schemeClr val="tx1"/>
+          </a:fontRef>
+        </p:style>
+      </p:cxnSp>
+      <p:sp>
+        <p:nvSpPr>
+          <p:cNvPr id="28" name="Oval 27"/>
+          <p:cNvSpPr/>
+          <p:nvPr/>
+        </p:nvSpPr>
+        <p:spPr>
+          <a:xfrm>
+            <a:off x="4634114" y="4793773"/>
+            <a:ext cx="108000" cy="108000"/>
+          </a:xfrm>
+          <a:prstGeom prst="ellipse">
+            <a:avLst/>
+          </a:prstGeom>
+          <a:solidFill>
+            <a:schemeClr val="tx1"/>
+          </a:solidFill>
+          <a:ln>
+            <a:solidFill>
+              <a:schemeClr val="tx1"/>
+            </a:solidFill>
+          </a:ln>
+        </p:spPr>
+        <p:style>
+          <a:lnRef idx="2">
+            <a:schemeClr val="accent1">
+              <a:shade val="50000"/>
+            </a:schemeClr>
+          </a:lnRef>
+          <a:fillRef idx="1">
+            <a:schemeClr val="accent1"/>
+          </a:fillRef>
+          <a:effectRef idx="0">
+            <a:schemeClr val="accent1"/>
+          </a:effectRef>
+          <a:fontRef idx="minor">
+            <a:schemeClr val="lt1"/>
+          </a:fontRef>
+        </p:style>
+        <p:txBody>
+          <a:bodyPr rtlCol="0" anchor="ctr"/>
+          <a:lstStyle/>
+          <a:p>
+            <a:pPr algn="ctr"/>
+            <a:endParaRPr lang="pt-BR"/>
+          </a:p>
+        </p:txBody>
+      </p:sp>
+      <p:sp>
+        <p:nvSpPr>
+          <p:cNvPr id="31" name="TextBox 30"/>
+          <p:cNvSpPr txBox="1"/>
+          <p:nvPr/>
+        </p:nvSpPr>
+        <p:spPr>
+          <a:xfrm>
+            <a:off x="4111398" y="3824968"/>
+            <a:ext cx="938212" cy="461665"/>
+          </a:xfrm>
+          <a:prstGeom prst="rect">
+            <a:avLst/>
+          </a:prstGeom>
+          <a:noFill/>
+        </p:spPr>
+        <p:txBody>
+          <a:bodyPr wrap="square" rtlCol="0">
+            <a:spAutoFit/>
+          </a:bodyPr>
+          <a:lstStyle/>
+          <a:p>
+            <a:pPr algn="ctr"/>
+            <a:r>
+              <a:rPr lang="pt-BR" sz="1200" dirty="0"/>
+              <a:t>Passo</a:t>
+            </a:r>
+          </a:p>
+          <a:p>
+            <a:pPr algn="ctr"/>
+            <a:r>
+              <a:rPr lang="pt-BR" sz="1200" dirty="0"/>
+              <a:t>momentum</a:t>
+            </a:r>
+          </a:p>
+        </p:txBody>
+      </p:sp>
+      <p:sp>
+        <p:nvSpPr>
+          <p:cNvPr id="32" name="TextBox 31"/>
+          <p:cNvSpPr txBox="1"/>
+          <p:nvPr/>
+        </p:nvSpPr>
+        <p:spPr>
+          <a:xfrm>
+            <a:off x="4868895" y="4847770"/>
+            <a:ext cx="938212" cy="461665"/>
+          </a:xfrm>
+          <a:prstGeom prst="rect">
+            <a:avLst/>
+          </a:prstGeom>
+          <a:noFill/>
+        </p:spPr>
+        <p:txBody>
+          <a:bodyPr wrap="square" rtlCol="0">
+            <a:spAutoFit/>
+          </a:bodyPr>
+          <a:lstStyle/>
+          <a:p>
+            <a:pPr algn="ctr"/>
+            <a:r>
+              <a:rPr lang="pt-BR" sz="1200" dirty="0"/>
+              <a:t>Passo</a:t>
+            </a:r>
+          </a:p>
+          <a:p>
+            <a:pPr algn="ctr"/>
+            <a:r>
+              <a:rPr lang="pt-BR" sz="1200" dirty="0"/>
+              <a:t>gradiente</a:t>
+            </a:r>
+          </a:p>
+        </p:txBody>
+      </p:sp>
+      <p:sp>
+        <p:nvSpPr>
+          <p:cNvPr id="33" name="TextBox 32"/>
+          <p:cNvSpPr txBox="1"/>
+          <p:nvPr/>
+        </p:nvSpPr>
+        <p:spPr>
+          <a:xfrm>
+            <a:off x="5462895" y="3974680"/>
+            <a:ext cx="938212" cy="461665"/>
+          </a:xfrm>
+          <a:prstGeom prst="rect">
+            <a:avLst/>
+          </a:prstGeom>
+          <a:noFill/>
+        </p:spPr>
+        <p:txBody>
+          <a:bodyPr wrap="square" rtlCol="0">
+            <a:spAutoFit/>
+          </a:bodyPr>
+          <a:lstStyle/>
+          <a:p>
+            <a:pPr algn="ctr"/>
+            <a:r>
+              <a:rPr lang="pt-BR" sz="1200" dirty="0"/>
+              <a:t>Passo corrente</a:t>
+            </a:r>
+          </a:p>
+        </p:txBody>
+      </p:sp>
+      <p:pic>
+        <p:nvPicPr>
+          <p:cNvPr id="34" name="Picture 2" descr="The Ravine - JamBase"/>
+          <p:cNvPicPr>
+            <a:picLocks noChangeAspect="1" noChangeArrowheads="1"/>
+          </p:cNvPicPr>
+          <p:nvPr/>
+        </p:nvPicPr>
+        <p:blipFill>
+          <a:blip r:embed="rId3">
+            <a:extLst>
+              <a:ext uri="{28A0092B-C50C-407E-A947-70E740481C1C}">
+                <a14:useLocalDpi xmlns:a14="http://schemas.microsoft.com/office/drawing/2010/main" val="0"/>
+              </a:ext>
+            </a:extLst>
+          </a:blip>
+          <a:srcRect/>
+          <a:stretch>
+            <a:fillRect/>
+          </a:stretch>
+        </p:blipFill>
+        <p:spPr bwMode="auto">
+          <a:xfrm>
+            <a:off x="7309147" y="1029161"/>
+            <a:ext cx="4280274" cy="4280274"/>
+          </a:xfrm>
+          <a:prstGeom prst="rect">
+            <a:avLst/>
+          </a:prstGeom>
+          <a:noFill/>
+          <a:extLst>
+            <a:ext uri="{909E8E84-426E-40DD-AFC4-6F175D3DCCD1}">
+              <a14:hiddenFill xmlns:a14="http://schemas.microsoft.com/office/drawing/2010/main">
+                <a:solidFill>
+                  <a:srgbClr val="FFFFFF"/>
+                </a:solidFill>
+              </a14:hiddenFill>
+            </a:ext>
+          </a:extLst>
+        </p:spPr>
+      </p:pic>
+    </p:spTree>
+    <p:extLst>
+      <p:ext uri="{BB962C8B-B14F-4D97-AF65-F5344CB8AC3E}">
+        <p14:creationId xmlns:p14="http://schemas.microsoft.com/office/powerpoint/2010/main" val="2626221759"/>
+      </p:ext>
+    </p:extLst>
+  </p:cSld>
+  <p:clrMapOvr>
+    <a:masterClrMapping/>
+  </p:clrMapOvr>
+</p:sld>
+</file>
+
+<file path=ppt/slides/slide5.xml><?xml version="1.0" encoding="utf-8"?>
 <p:sld xmlns:a="http://schemas.openxmlformats.org/drawingml/2006/main" xmlns:r="http://schemas.openxmlformats.org/officeDocument/2006/relationships" xmlns:p="http://schemas.openxmlformats.org/presentationml/2006/main">
   <p:cSld>
     <p:spTree>
@@ -35389,229 +36550,141 @@
           </a:p>
         </p:txBody>
       </p:sp>
-      <mc:AlternateContent xmlns:mc="http://schemas.openxmlformats.org/markup-compatibility/2006" xmlns:a14="http://schemas.microsoft.com/office/drawing/2010/main">
-        <mc:Choice Requires="a14">
-          <p:sp>
-            <p:nvSpPr>
-              <p:cNvPr id="3" name="Espaço Reservado para Conteúdo 2">
-                <a:extLst>
-                  <a:ext uri="{FF2B5EF4-FFF2-40B4-BE49-F238E27FC236}">
-                    <a16:creationId xmlns:a16="http://schemas.microsoft.com/office/drawing/2014/main" id="{3323DEB1-E32D-5111-52A9-A936D5B18776}"/>
-                  </a:ext>
-                </a:extLst>
-              </p:cNvPr>
-              <p:cNvSpPr>
-                <a:spLocks noGrp="1"/>
-              </p:cNvSpPr>
-              <p:nvPr>
-                <p:ph idx="1"/>
-              </p:nvPr>
-            </p:nvSpPr>
-            <p:spPr>
-              <a:xfrm>
-                <a:off x="5533534" y="1825624"/>
-                <a:ext cx="6466789" cy="5032375"/>
-              </a:xfrm>
-            </p:spPr>
-            <p:txBody>
-              <a:bodyPr>
-                <a:normAutofit lnSpcReduction="10000"/>
-              </a:bodyPr>
-              <a:lstStyle/>
-              <a:p>
-                <a:r>
-                  <a:rPr lang="pt-BR" dirty="0"/>
-                  <a:t>Portanto, para </a:t>
-                </a:r>
-                <a:r>
-                  <a:rPr lang="pt-BR" b="1" i="1" dirty="0">
-                    <a:solidFill>
-                      <a:srgbClr val="00B050"/>
-                    </a:solidFill>
-                  </a:rPr>
-                  <a:t>andarmos na direção apontada pelo gradiente</a:t>
-                </a:r>
-                <a:r>
-                  <a:rPr lang="pt-BR" dirty="0"/>
-                  <a:t>, usamos uma </a:t>
-                </a:r>
-                <a:r>
-                  <a:rPr lang="pt-BR" b="1" i="1" dirty="0">
-                    <a:solidFill>
-                      <a:srgbClr val="7030A0"/>
-                    </a:solidFill>
-                  </a:rPr>
-                  <a:t>porcentagem</a:t>
-                </a:r>
-                <a:r>
-                  <a:rPr lang="pt-BR" dirty="0"/>
-                  <a:t> de seu valor.</a:t>
-                </a:r>
-              </a:p>
-              <a:p>
-                <a:r>
-                  <a:rPr lang="pt-BR" dirty="0"/>
-                  <a:t>Essa porcentagem é dada pelo </a:t>
-                </a:r>
-                <a:r>
-                  <a:rPr lang="pt-BR" b="1" i="1" dirty="0">
-                    <a:solidFill>
-                      <a:srgbClr val="00B050"/>
-                    </a:solidFill>
-                  </a:rPr>
-                  <a:t>passo de aprendizagem</a:t>
-                </a:r>
-                <a:r>
-                  <a:rPr lang="pt-BR" dirty="0"/>
-                  <a:t>, </a:t>
-                </a:r>
-                <a14:m>
-                  <m:oMath xmlns:m="http://schemas.openxmlformats.org/officeDocument/2006/math">
-                    <m:r>
-                      <a:rPr lang="pt-BR" i="1" smtClean="0">
-                        <a:latin typeface="Cambria Math" panose="02040503050406030204" pitchFamily="18" charset="0"/>
-                        <a:ea typeface="Cambria Math" panose="02040503050406030204" pitchFamily="18" charset="0"/>
-                      </a:rPr>
-                      <m:t>𝛼</m:t>
-                    </m:r>
-                  </m:oMath>
-                </a14:m>
-                <a:r>
-                  <a:rPr lang="pt-BR" dirty="0"/>
-                  <a:t>.</a:t>
-                </a:r>
-              </a:p>
-              <a:p>
-                <a:r>
-                  <a:rPr lang="pt-BR" dirty="0"/>
-                  <a:t>O</a:t>
-                </a:r>
-                <a:r>
-                  <a:rPr lang="pt-BR" b="0" i="0" dirty="0">
-                    <a:effectLst/>
-                  </a:rPr>
-                  <a:t> passo de aprendizagem </a:t>
-                </a:r>
-                <a:r>
-                  <a:rPr lang="pt-BR" b="1" i="1" dirty="0">
-                    <a:solidFill>
-                      <a:srgbClr val="00B050"/>
-                    </a:solidFill>
-                    <a:effectLst/>
-                  </a:rPr>
-                  <a:t>controla o quão "grande" ou "pequena"</a:t>
-                </a:r>
-                <a:r>
-                  <a:rPr lang="pt-BR" b="0" i="0" dirty="0">
-                    <a:effectLst/>
-                  </a:rPr>
-                  <a:t> </a:t>
-                </a:r>
-                <a:r>
-                  <a:rPr lang="pt-BR" b="1" i="1" dirty="0">
-                    <a:solidFill>
-                      <a:srgbClr val="00B050"/>
-                    </a:solidFill>
-                    <a:effectLst/>
-                  </a:rPr>
-                  <a:t>é a</a:t>
-                </a:r>
-                <a:r>
-                  <a:rPr lang="pt-BR" b="0" i="0" dirty="0">
-                    <a:effectLst/>
-                  </a:rPr>
-                  <a:t> </a:t>
-                </a:r>
-                <a:r>
-                  <a:rPr lang="pt-BR" b="1" i="1" dirty="0">
-                    <a:solidFill>
-                      <a:srgbClr val="00B050"/>
-                    </a:solidFill>
-                    <a:effectLst/>
-                  </a:rPr>
-                  <a:t>atualização aplicada aos pesos </a:t>
-                </a:r>
-                <a:r>
-                  <a:rPr lang="pt-BR" b="0" i="0" dirty="0">
-                    <a:effectLst/>
-                  </a:rPr>
-                  <a:t>do modelo em cada iteração do processo de treinamento.</a:t>
-                </a:r>
-              </a:p>
-              <a:p>
-                <a:r>
-                  <a:rPr lang="pt-BR" dirty="0"/>
-                  <a:t>Ou seja, ele determina o </a:t>
-                </a:r>
-                <a:r>
-                  <a:rPr lang="pt-BR" b="1" i="1" dirty="0">
-                    <a:solidFill>
-                      <a:srgbClr val="00B050"/>
-                    </a:solidFill>
-                  </a:rPr>
-                  <a:t>tamanho do passo dado na direção oposta à indicada pelo vetor gradiente</a:t>
-                </a:r>
-                <a:r>
-                  <a:rPr lang="pt-BR" dirty="0"/>
-                  <a:t>.</a:t>
-                </a:r>
-                <a:endParaRPr lang="pt-BR" b="0" i="0" dirty="0">
-                  <a:effectLst/>
-                </a:endParaRPr>
-              </a:p>
-              <a:p>
-                <a:endParaRPr lang="pt-BR" dirty="0"/>
-              </a:p>
-              <a:p>
-                <a:endParaRPr lang="pt-BR" dirty="0"/>
-              </a:p>
-            </p:txBody>
-          </p:sp>
-        </mc:Choice>
-        <mc:Fallback xmlns="">
-          <p:sp>
-            <p:nvSpPr>
-              <p:cNvPr id="3" name="Espaço Reservado para Conteúdo 2">
-                <a:extLst>
-                  <a:ext uri="{FF2B5EF4-FFF2-40B4-BE49-F238E27FC236}">
-                    <a16:creationId xmlns:a16="http://schemas.microsoft.com/office/drawing/2014/main" id="{3323DEB1-E32D-5111-52A9-A936D5B18776}"/>
-                  </a:ext>
-                </a:extLst>
-              </p:cNvPr>
-              <p:cNvSpPr>
-                <a:spLocks noGrp="1" noRot="1" noChangeAspect="1" noMove="1" noResize="1" noEditPoints="1" noAdjustHandles="1" noChangeArrowheads="1" noChangeShapeType="1" noTextEdit="1"/>
-              </p:cNvSpPr>
-              <p:nvPr>
-                <p:ph idx="1"/>
-              </p:nvPr>
-            </p:nvSpPr>
-            <p:spPr>
-              <a:xfrm>
-                <a:off x="5533534" y="1825624"/>
-                <a:ext cx="6466789" cy="5032375"/>
-              </a:xfrm>
-              <a:blipFill>
-                <a:blip r:embed="rId2"/>
-                <a:stretch>
-                  <a:fillRect l="-1697" t="-2663" r="-2168" b="-1211"/>
-                </a:stretch>
-              </a:blipFill>
-            </p:spPr>
-            <p:txBody>
-              <a:bodyPr/>
-              <a:lstStyle/>
-              <a:p>
-                <a:r>
-                  <a:rPr lang="pt-BR">
-                    <a:noFill/>
-                  </a:rPr>
-                  <a:t> </a:t>
-                </a:r>
-              </a:p>
-            </p:txBody>
-          </p:sp>
-        </mc:Fallback>
-      </mc:AlternateContent>
+      <p:sp>
+        <p:nvSpPr>
+          <p:cNvPr id="3" name="Espaço Reservado para Conteúdo 2">
+            <a:extLst>
+              <a:ext uri="{FF2B5EF4-FFF2-40B4-BE49-F238E27FC236}">
+                <a16:creationId xmlns:a16="http://schemas.microsoft.com/office/drawing/2014/main" id="{3323DEB1-E32D-5111-52A9-A936D5B18776}"/>
+              </a:ext>
+            </a:extLst>
+          </p:cNvPr>
+          <p:cNvSpPr>
+            <a:spLocks noGrp="1"/>
+          </p:cNvSpPr>
+          <p:nvPr>
+            <p:ph idx="1"/>
+          </p:nvPr>
+        </p:nvSpPr>
+        <p:spPr>
+          <a:xfrm>
+            <a:off x="5533534" y="1825624"/>
+            <a:ext cx="6466789" cy="5032375"/>
+          </a:xfrm>
+        </p:spPr>
+        <p:txBody>
+          <a:bodyPr>
+            <a:normAutofit/>
+          </a:bodyPr>
+          <a:lstStyle/>
+          <a:p>
+            <a:r>
+              <a:rPr lang="pt-BR" dirty="0"/>
+              <a:t>O</a:t>
+            </a:r>
+            <a:r>
+              <a:rPr lang="pt-BR" b="0" i="0" dirty="0">
+                <a:effectLst/>
+              </a:rPr>
+              <a:t> passo de aprendizagem </a:t>
+            </a:r>
+            <a:r>
+              <a:rPr lang="pt-BR" b="1" i="1" dirty="0">
+                <a:solidFill>
+                  <a:srgbClr val="00B050"/>
+                </a:solidFill>
+                <a:effectLst/>
+              </a:rPr>
+              <a:t>controla o quão "grande" ou "pequena"</a:t>
+            </a:r>
+            <a:r>
+              <a:rPr lang="pt-BR" b="0" i="0" dirty="0">
+                <a:effectLst/>
+              </a:rPr>
+              <a:t> </a:t>
+            </a:r>
+            <a:r>
+              <a:rPr lang="pt-BR" b="1" i="1" dirty="0">
+                <a:solidFill>
+                  <a:srgbClr val="00B050"/>
+                </a:solidFill>
+                <a:effectLst/>
+              </a:rPr>
+              <a:t>é a</a:t>
+            </a:r>
+            <a:r>
+              <a:rPr lang="pt-BR" b="0" i="0" dirty="0">
+                <a:effectLst/>
+              </a:rPr>
+              <a:t> </a:t>
+            </a:r>
+            <a:r>
+              <a:rPr lang="pt-BR" b="1" i="1" dirty="0">
+                <a:solidFill>
+                  <a:srgbClr val="00B050"/>
+                </a:solidFill>
+                <a:effectLst/>
+              </a:rPr>
+              <a:t>atualização aplicada aos pesos </a:t>
+            </a:r>
+            <a:r>
+              <a:rPr lang="pt-BR" b="0" i="0" dirty="0">
+                <a:effectLst/>
+              </a:rPr>
+              <a:t>do modelo em cada iteração do processo de treinamento.</a:t>
+            </a:r>
+          </a:p>
+          <a:p>
+            <a:r>
+              <a:rPr lang="pt-BR" dirty="0"/>
+              <a:t>Ou seja, ele determina o </a:t>
+            </a:r>
+            <a:r>
+              <a:rPr lang="pt-BR" b="1" i="1" dirty="0">
+                <a:solidFill>
+                  <a:srgbClr val="00B050"/>
+                </a:solidFill>
+              </a:rPr>
+              <a:t>tamanho do passo dado na direção oposta à indicada pelo vetor gradiente</a:t>
+            </a:r>
+            <a:r>
+              <a:rPr lang="pt-BR" dirty="0"/>
+              <a:t>.</a:t>
+            </a:r>
+          </a:p>
+          <a:p>
+            <a:r>
+              <a:rPr lang="pt-BR" b="1" i="1" dirty="0">
+                <a:solidFill>
+                  <a:srgbClr val="FF0000"/>
+                </a:solidFill>
+                <a:effectLst/>
+              </a:rPr>
+              <a:t>Porém, qual deve ser </a:t>
+            </a:r>
+            <a:r>
+              <a:rPr lang="pt-BR" b="1" i="1" dirty="0">
+                <a:solidFill>
+                  <a:srgbClr val="FF0000"/>
+                </a:solidFill>
+              </a:rPr>
+              <a:t>o tamanho desse passo?</a:t>
+            </a:r>
+            <a:endParaRPr lang="pt-BR" b="1" i="1" dirty="0">
+              <a:solidFill>
+                <a:srgbClr val="FF0000"/>
+              </a:solidFill>
+              <a:effectLst/>
+            </a:endParaRPr>
+          </a:p>
+          <a:p>
+            <a:endParaRPr lang="pt-BR" dirty="0"/>
+          </a:p>
+          <a:p>
+            <a:endParaRPr lang="pt-BR" dirty="0"/>
+          </a:p>
+        </p:txBody>
+      </p:sp>
       <mc:AlternateContent xmlns:mc="http://schemas.openxmlformats.org/markup-compatibility/2006" xmlns:a14="http://schemas.microsoft.com/office/drawing/2010/main">
         <mc:Choice Requires="a14">
           <p:sp>
@@ -35870,7 +36943,7 @@
     </p:spTree>
     <p:extLst>
       <p:ext uri="{BB962C8B-B14F-4D97-AF65-F5344CB8AC3E}">
-        <p14:creationId xmlns:p14="http://schemas.microsoft.com/office/powerpoint/2010/main" val="2681891839"/>
+        <p14:creationId xmlns:p14="http://schemas.microsoft.com/office/powerpoint/2010/main" val="1439663347"/>
       </p:ext>
     </p:extLst>
   </p:cSld>
@@ -35880,378 +36953,7 @@
 </p:sld>
 </file>
 
-<file path=ppt/slides/slide40.xml><?xml version="1.0" encoding="utf-8"?>
-<p:sld xmlns:a="http://schemas.openxmlformats.org/drawingml/2006/main" xmlns:r="http://schemas.openxmlformats.org/officeDocument/2006/relationships" xmlns:p="http://schemas.openxmlformats.org/presentationml/2006/main">
-  <p:cSld>
-    <p:spTree>
-      <p:nvGrpSpPr>
-        <p:cNvPr id="1" name=""/>
-        <p:cNvGrpSpPr/>
-        <p:nvPr/>
-      </p:nvGrpSpPr>
-      <p:grpSpPr>
-        <a:xfrm>
-          <a:off x="0" y="0"/>
-          <a:ext cx="0" cy="0"/>
-          <a:chOff x="0" y="0"/>
-          <a:chExt cx="0" cy="0"/>
-        </a:xfrm>
-      </p:grpSpPr>
-      <p:cxnSp>
-        <p:nvCxnSpPr>
-          <p:cNvPr id="8" name="Straight Arrow Connector 7"/>
-          <p:cNvCxnSpPr/>
-          <p:nvPr/>
-        </p:nvCxnSpPr>
-        <p:spPr>
-          <a:xfrm>
-            <a:off x="4688114" y="4847771"/>
-            <a:ext cx="1368000" cy="0"/>
-          </a:xfrm>
-          <a:prstGeom prst="straightConnector1">
-            <a:avLst/>
-          </a:prstGeom>
-          <a:ln w="28575">
-            <a:solidFill>
-              <a:srgbClr val="FF0000"/>
-            </a:solidFill>
-            <a:tailEnd type="triangle"/>
-          </a:ln>
-        </p:spPr>
-        <p:style>
-          <a:lnRef idx="1">
-            <a:schemeClr val="accent1"/>
-          </a:lnRef>
-          <a:fillRef idx="0">
-            <a:schemeClr val="accent1"/>
-          </a:fillRef>
-          <a:effectRef idx="0">
-            <a:schemeClr val="accent1"/>
-          </a:effectRef>
-          <a:fontRef idx="minor">
-            <a:schemeClr val="tx1"/>
-          </a:fontRef>
-        </p:style>
-      </p:cxnSp>
-      <p:cxnSp>
-        <p:nvCxnSpPr>
-          <p:cNvPr id="14" name="Straight Arrow Connector 13"/>
-          <p:cNvCxnSpPr/>
-          <p:nvPr/>
-        </p:nvCxnSpPr>
-        <p:spPr>
-          <a:xfrm flipV="1">
-            <a:off x="4688114" y="3586843"/>
-            <a:ext cx="1514993" cy="1260930"/>
-          </a:xfrm>
-          <a:prstGeom prst="straightConnector1">
-            <a:avLst/>
-          </a:prstGeom>
-          <a:ln w="28575">
-            <a:solidFill>
-              <a:schemeClr val="accent5"/>
-            </a:solidFill>
-            <a:tailEnd type="triangle"/>
-          </a:ln>
-        </p:spPr>
-        <p:style>
-          <a:lnRef idx="1">
-            <a:schemeClr val="accent1"/>
-          </a:lnRef>
-          <a:fillRef idx="0">
-            <a:schemeClr val="accent1"/>
-          </a:fillRef>
-          <a:effectRef idx="0">
-            <a:schemeClr val="accent1"/>
-          </a:effectRef>
-          <a:fontRef idx="minor">
-            <a:schemeClr val="tx1"/>
-          </a:fontRef>
-        </p:style>
-      </p:cxnSp>
-      <p:cxnSp>
-        <p:nvCxnSpPr>
-          <p:cNvPr id="19" name="Straight Arrow Connector 18"/>
-          <p:cNvCxnSpPr/>
-          <p:nvPr/>
-        </p:nvCxnSpPr>
-        <p:spPr>
-          <a:xfrm flipV="1">
-            <a:off x="4688114" y="3568700"/>
-            <a:ext cx="722993" cy="1279072"/>
-          </a:xfrm>
-          <a:prstGeom prst="straightConnector1">
-            <a:avLst/>
-          </a:prstGeom>
-          <a:ln w="28575">
-            <a:solidFill>
-              <a:schemeClr val="accent6">
-                <a:lumMod val="75000"/>
-              </a:schemeClr>
-            </a:solidFill>
-            <a:tailEnd type="triangle"/>
-          </a:ln>
-        </p:spPr>
-        <p:style>
-          <a:lnRef idx="1">
-            <a:schemeClr val="accent1"/>
-          </a:lnRef>
-          <a:fillRef idx="0">
-            <a:schemeClr val="accent1"/>
-          </a:fillRef>
-          <a:effectRef idx="0">
-            <a:schemeClr val="accent1"/>
-          </a:effectRef>
-          <a:fontRef idx="minor">
-            <a:schemeClr val="tx1"/>
-          </a:fontRef>
-        </p:style>
-      </p:cxnSp>
-      <p:cxnSp>
-        <p:nvCxnSpPr>
-          <p:cNvPr id="25" name="Straight Arrow Connector 24"/>
-          <p:cNvCxnSpPr/>
-          <p:nvPr/>
-        </p:nvCxnSpPr>
-        <p:spPr>
-          <a:xfrm>
-            <a:off x="5411107" y="3577771"/>
-            <a:ext cx="792000" cy="0"/>
-          </a:xfrm>
-          <a:prstGeom prst="straightConnector1">
-            <a:avLst/>
-          </a:prstGeom>
-          <a:ln w="12700">
-            <a:solidFill>
-              <a:schemeClr val="tx1"/>
-            </a:solidFill>
-            <a:prstDash val="dash"/>
-            <a:headEnd type="none" w="med" len="med"/>
-            <a:tailEnd type="none" w="med" len="med"/>
-          </a:ln>
-        </p:spPr>
-        <p:style>
-          <a:lnRef idx="1">
-            <a:schemeClr val="accent1"/>
-          </a:lnRef>
-          <a:fillRef idx="0">
-            <a:schemeClr val="accent1"/>
-          </a:fillRef>
-          <a:effectRef idx="0">
-            <a:schemeClr val="accent1"/>
-          </a:effectRef>
-          <a:fontRef idx="minor">
-            <a:schemeClr val="tx1"/>
-          </a:fontRef>
-        </p:style>
-      </p:cxnSp>
-      <p:sp>
-        <p:nvSpPr>
-          <p:cNvPr id="28" name="Oval 27"/>
-          <p:cNvSpPr/>
-          <p:nvPr/>
-        </p:nvSpPr>
-        <p:spPr>
-          <a:xfrm>
-            <a:off x="4634114" y="4793773"/>
-            <a:ext cx="108000" cy="108000"/>
-          </a:xfrm>
-          <a:prstGeom prst="ellipse">
-            <a:avLst/>
-          </a:prstGeom>
-          <a:solidFill>
-            <a:schemeClr val="tx1"/>
-          </a:solidFill>
-          <a:ln>
-            <a:solidFill>
-              <a:schemeClr val="tx1"/>
-            </a:solidFill>
-          </a:ln>
-        </p:spPr>
-        <p:style>
-          <a:lnRef idx="2">
-            <a:schemeClr val="accent1">
-              <a:shade val="50000"/>
-            </a:schemeClr>
-          </a:lnRef>
-          <a:fillRef idx="1">
-            <a:schemeClr val="accent1"/>
-          </a:fillRef>
-          <a:effectRef idx="0">
-            <a:schemeClr val="accent1"/>
-          </a:effectRef>
-          <a:fontRef idx="minor">
-            <a:schemeClr val="lt1"/>
-          </a:fontRef>
-        </p:style>
-        <p:txBody>
-          <a:bodyPr rtlCol="0" anchor="ctr"/>
-          <a:lstStyle/>
-          <a:p>
-            <a:pPr algn="ctr"/>
-            <a:endParaRPr lang="pt-BR"/>
-          </a:p>
-        </p:txBody>
-      </p:sp>
-      <p:sp>
-        <p:nvSpPr>
-          <p:cNvPr id="31" name="TextBox 30"/>
-          <p:cNvSpPr txBox="1"/>
-          <p:nvPr/>
-        </p:nvSpPr>
-        <p:spPr>
-          <a:xfrm>
-            <a:off x="4111398" y="3824968"/>
-            <a:ext cx="938212" cy="461665"/>
-          </a:xfrm>
-          <a:prstGeom prst="rect">
-            <a:avLst/>
-          </a:prstGeom>
-          <a:noFill/>
-        </p:spPr>
-        <p:txBody>
-          <a:bodyPr wrap="square" rtlCol="0">
-            <a:spAutoFit/>
-          </a:bodyPr>
-          <a:lstStyle/>
-          <a:p>
-            <a:pPr algn="ctr"/>
-            <a:r>
-              <a:rPr lang="pt-BR" sz="1200" dirty="0"/>
-              <a:t>Passo</a:t>
-            </a:r>
-          </a:p>
-          <a:p>
-            <a:pPr algn="ctr"/>
-            <a:r>
-              <a:rPr lang="pt-BR" sz="1200" dirty="0"/>
-              <a:t>momentum</a:t>
-            </a:r>
-          </a:p>
-        </p:txBody>
-      </p:sp>
-      <p:sp>
-        <p:nvSpPr>
-          <p:cNvPr id="32" name="TextBox 31"/>
-          <p:cNvSpPr txBox="1"/>
-          <p:nvPr/>
-        </p:nvSpPr>
-        <p:spPr>
-          <a:xfrm>
-            <a:off x="4868895" y="4847770"/>
-            <a:ext cx="938212" cy="461665"/>
-          </a:xfrm>
-          <a:prstGeom prst="rect">
-            <a:avLst/>
-          </a:prstGeom>
-          <a:noFill/>
-        </p:spPr>
-        <p:txBody>
-          <a:bodyPr wrap="square" rtlCol="0">
-            <a:spAutoFit/>
-          </a:bodyPr>
-          <a:lstStyle/>
-          <a:p>
-            <a:pPr algn="ctr"/>
-            <a:r>
-              <a:rPr lang="pt-BR" sz="1200" dirty="0"/>
-              <a:t>Passo</a:t>
-            </a:r>
-          </a:p>
-          <a:p>
-            <a:pPr algn="ctr"/>
-            <a:r>
-              <a:rPr lang="pt-BR" sz="1200" dirty="0"/>
-              <a:t>gradiente</a:t>
-            </a:r>
-          </a:p>
-        </p:txBody>
-      </p:sp>
-      <p:sp>
-        <p:nvSpPr>
-          <p:cNvPr id="33" name="TextBox 32"/>
-          <p:cNvSpPr txBox="1"/>
-          <p:nvPr/>
-        </p:nvSpPr>
-        <p:spPr>
-          <a:xfrm>
-            <a:off x="5462895" y="3974680"/>
-            <a:ext cx="938212" cy="461665"/>
-          </a:xfrm>
-          <a:prstGeom prst="rect">
-            <a:avLst/>
-          </a:prstGeom>
-          <a:noFill/>
-        </p:spPr>
-        <p:txBody>
-          <a:bodyPr wrap="square" rtlCol="0">
-            <a:spAutoFit/>
-          </a:bodyPr>
-          <a:lstStyle/>
-          <a:p>
-            <a:pPr algn="ctr"/>
-            <a:r>
-              <a:rPr lang="pt-BR" sz="1200" dirty="0"/>
-              <a:t>Passo corrente</a:t>
-            </a:r>
-          </a:p>
-        </p:txBody>
-      </p:sp>
-      <p:pic>
-        <p:nvPicPr>
-          <p:cNvPr id="34" name="Picture 2" descr="The Ravine - JamBase"/>
-          <p:cNvPicPr>
-            <a:picLocks noChangeAspect="1" noChangeArrowheads="1"/>
-          </p:cNvPicPr>
-          <p:nvPr/>
-        </p:nvPicPr>
-        <p:blipFill>
-          <a:blip r:embed="rId3">
-            <a:extLst>
-              <a:ext uri="{28A0092B-C50C-407E-A947-70E740481C1C}">
-                <a14:useLocalDpi xmlns:a14="http://schemas.microsoft.com/office/drawing/2010/main" val="0"/>
-              </a:ext>
-            </a:extLst>
-          </a:blip>
-          <a:srcRect/>
-          <a:stretch>
-            <a:fillRect/>
-          </a:stretch>
-        </p:blipFill>
-        <p:spPr bwMode="auto">
-          <a:xfrm>
-            <a:off x="7309147" y="1029161"/>
-            <a:ext cx="4280274" cy="4280274"/>
-          </a:xfrm>
-          <a:prstGeom prst="rect">
-            <a:avLst/>
-          </a:prstGeom>
-          <a:noFill/>
-          <a:extLst>
-            <a:ext uri="{909E8E84-426E-40DD-AFC4-6F175D3DCCD1}">
-              <a14:hiddenFill xmlns:a14="http://schemas.microsoft.com/office/drawing/2010/main">
-                <a:solidFill>
-                  <a:srgbClr val="FFFFFF"/>
-                </a:solidFill>
-              </a14:hiddenFill>
-            </a:ext>
-          </a:extLst>
-        </p:spPr>
-      </p:pic>
-    </p:spTree>
-    <p:extLst>
-      <p:ext uri="{BB962C8B-B14F-4D97-AF65-F5344CB8AC3E}">
-        <p14:creationId xmlns:p14="http://schemas.microsoft.com/office/powerpoint/2010/main" val="2626221759"/>
-      </p:ext>
-    </p:extLst>
-  </p:cSld>
-  <p:clrMapOvr>
-    <a:masterClrMapping/>
-  </p:clrMapOvr>
-</p:sld>
-</file>
-
-<file path=ppt/slides/slide5.xml><?xml version="1.0" encoding="utf-8"?>
+<file path=ppt/slides/slide6.xml><?xml version="1.0" encoding="utf-8"?>
 <p:sld xmlns:a="http://schemas.openxmlformats.org/drawingml/2006/main" xmlns:r="http://schemas.openxmlformats.org/officeDocument/2006/relationships" xmlns:p="http://schemas.openxmlformats.org/presentationml/2006/main">
   <p:cSld>
     <p:spTree>
@@ -36319,7 +37021,7 @@
 </p:sld>
 </file>
 
-<file path=ppt/slides/slide6.xml><?xml version="1.0" encoding="utf-8"?>
+<file path=ppt/slides/slide7.xml><?xml version="1.0" encoding="utf-8"?>
 <p:sld xmlns:a="http://schemas.openxmlformats.org/drawingml/2006/main" xmlns:r="http://schemas.openxmlformats.org/officeDocument/2006/relationships" xmlns:p="http://schemas.openxmlformats.org/presentationml/2006/main">
   <p:cSld>
     <p:spTree>
@@ -37635,7 +38337,7 @@
 </p:sld>
 </file>
 
-<file path=ppt/slides/slide7.xml><?xml version="1.0" encoding="utf-8"?>
+<file path=ppt/slides/slide8.xml><?xml version="1.0" encoding="utf-8"?>
 <p:sld xmlns:a="http://schemas.openxmlformats.org/drawingml/2006/main" xmlns:r="http://schemas.openxmlformats.org/officeDocument/2006/relationships" xmlns:p="http://schemas.openxmlformats.org/presentationml/2006/main">
   <p:cSld>
     <p:spTree>
@@ -38134,7 +38836,7 @@
 </p:sld>
 </file>
 
-<file path=ppt/slides/slide8.xml><?xml version="1.0" encoding="utf-8"?>
+<file path=ppt/slides/slide9.xml><?xml version="1.0" encoding="utf-8"?>
 <p:sld xmlns:a="http://schemas.openxmlformats.org/drawingml/2006/main" xmlns:r="http://schemas.openxmlformats.org/officeDocument/2006/relationships" xmlns:p="http://schemas.openxmlformats.org/presentationml/2006/main">
   <p:cSld>
     <p:spTree>
@@ -38646,340 +39348,6 @@
     <p:extLst>
       <p:ext uri="{BB962C8B-B14F-4D97-AF65-F5344CB8AC3E}">
         <p14:creationId xmlns:p14="http://schemas.microsoft.com/office/powerpoint/2010/main" val="3605936758"/>
-      </p:ext>
-    </p:extLst>
-  </p:cSld>
-  <p:clrMapOvr>
-    <a:masterClrMapping/>
-  </p:clrMapOvr>
-</p:sld>
-</file>
-
-<file path=ppt/slides/slide9.xml><?xml version="1.0" encoding="utf-8"?>
-<p:sld xmlns:a="http://schemas.openxmlformats.org/drawingml/2006/main" xmlns:r="http://schemas.openxmlformats.org/officeDocument/2006/relationships" xmlns:p="http://schemas.openxmlformats.org/presentationml/2006/main">
-  <p:cSld>
-    <p:spTree>
-      <p:nvGrpSpPr>
-        <p:cNvPr id="1" name=""/>
-        <p:cNvGrpSpPr/>
-        <p:nvPr/>
-      </p:nvGrpSpPr>
-      <p:grpSpPr>
-        <a:xfrm>
-          <a:off x="0" y="0"/>
-          <a:ext cx="0" cy="0"/>
-          <a:chOff x="0" y="0"/>
-          <a:chExt cx="0" cy="0"/>
-        </a:xfrm>
-      </p:grpSpPr>
-      <p:sp>
-        <p:nvSpPr>
-          <p:cNvPr id="2" name="Título 1">
-            <a:extLst>
-              <a:ext uri="{FF2B5EF4-FFF2-40B4-BE49-F238E27FC236}">
-                <a16:creationId xmlns:a16="http://schemas.microsoft.com/office/drawing/2014/main" id="{4A86A124-E47D-3417-36BC-8BEE00BC4668}"/>
-              </a:ext>
-            </a:extLst>
-          </p:cNvPr>
-          <p:cNvSpPr>
-            <a:spLocks noGrp="1"/>
-          </p:cNvSpPr>
-          <p:nvPr>
-            <p:ph type="title"/>
-          </p:nvPr>
-        </p:nvSpPr>
-        <p:spPr/>
-        <p:txBody>
-          <a:bodyPr/>
-          <a:lstStyle/>
-          <a:p>
-            <a:r>
-              <a:rPr lang="pt-BR" dirty="0"/>
-              <a:t>Passo de aprendizado grande</a:t>
-            </a:r>
-          </a:p>
-        </p:txBody>
-      </p:sp>
-      <mc:AlternateContent xmlns:mc="http://schemas.openxmlformats.org/markup-compatibility/2006" xmlns:a14="http://schemas.microsoft.com/office/drawing/2010/main">
-        <mc:Choice Requires="a14">
-          <p:sp>
-            <p:nvSpPr>
-              <p:cNvPr id="3" name="Espaço Reservado para Conteúdo 2">
-                <a:extLst>
-                  <a:ext uri="{FF2B5EF4-FFF2-40B4-BE49-F238E27FC236}">
-                    <a16:creationId xmlns:a16="http://schemas.microsoft.com/office/drawing/2014/main" id="{AD6B1EE1-E6EE-4E0B-FB14-A459C7084856}"/>
-                  </a:ext>
-                </a:extLst>
-              </p:cNvPr>
-              <p:cNvSpPr>
-                <a:spLocks noGrp="1"/>
-              </p:cNvSpPr>
-              <p:nvPr>
-                <p:ph idx="1"/>
-              </p:nvPr>
-            </p:nvSpPr>
-            <p:spPr>
-              <a:xfrm>
-                <a:off x="5763126" y="1825624"/>
-                <a:ext cx="6304548" cy="5032375"/>
-              </a:xfrm>
-            </p:spPr>
-            <p:txBody>
-              <a:bodyPr>
-                <a:normAutofit/>
-              </a:bodyPr>
-              <a:lstStyle/>
-              <a:p>
-                <a:r>
-                  <a:rPr lang="pt-BR" dirty="0"/>
-                  <a:t>Em outros casos, quando o passo</a:t>
-                </a:r>
-                <a14:m>
-                  <m:oMath xmlns:m="http://schemas.openxmlformats.org/officeDocument/2006/math">
-                    <m:r>
-                      <a:rPr lang="pt-BR" i="1">
-                        <a:latin typeface="Cambria Math" panose="02040503050406030204" pitchFamily="18" charset="0"/>
-                        <a:ea typeface="Cambria Math" panose="02040503050406030204" pitchFamily="18" charset="0"/>
-                      </a:rPr>
-                      <m:t> </m:t>
-                    </m:r>
-                  </m:oMath>
-                </a14:m>
-                <a:r>
-                  <a:rPr lang="pt-BR" dirty="0"/>
-                  <a:t>é </a:t>
-                </a:r>
-                <a:r>
-                  <a:rPr lang="pt-BR" b="1" i="1" dirty="0">
-                    <a:solidFill>
-                      <a:srgbClr val="00B050"/>
-                    </a:solidFill>
-                  </a:rPr>
-                  <a:t>muito grande</a:t>
-                </a:r>
-                <a:r>
-                  <a:rPr lang="pt-BR" dirty="0"/>
-                  <a:t>, a cada época, o algoritmo “pula” para um valor mais alto do que o anterior e, assim, acaba divergindo.</a:t>
-                </a:r>
-              </a:p>
-              <a:p>
-                <a:r>
-                  <a:rPr lang="pt-BR" dirty="0"/>
-                  <a:t>Ou seja, ao invés de se aproximar do ponto de mínimo a cada época, ele se distancia dele.</a:t>
-                </a:r>
-              </a:p>
-            </p:txBody>
-          </p:sp>
-        </mc:Choice>
-        <mc:Fallback xmlns="">
-          <p:sp>
-            <p:nvSpPr>
-              <p:cNvPr id="3" name="Espaço Reservado para Conteúdo 2">
-                <a:extLst>
-                  <a:ext uri="{FF2B5EF4-FFF2-40B4-BE49-F238E27FC236}">
-                    <a16:creationId xmlns:a16="http://schemas.microsoft.com/office/drawing/2014/main" id="{AD6B1EE1-E6EE-4E0B-FB14-A459C7084856}"/>
-                  </a:ext>
-                </a:extLst>
-              </p:cNvPr>
-              <p:cNvSpPr>
-                <a:spLocks noGrp="1" noRot="1" noChangeAspect="1" noMove="1" noResize="1" noEditPoints="1" noAdjustHandles="1" noChangeArrowheads="1" noChangeShapeType="1" noTextEdit="1"/>
-              </p:cNvSpPr>
-              <p:nvPr>
-                <p:ph idx="1"/>
-              </p:nvPr>
-            </p:nvSpPr>
-            <p:spPr>
-              <a:xfrm>
-                <a:off x="5763126" y="1825624"/>
-                <a:ext cx="6304548" cy="5032375"/>
-              </a:xfrm>
-              <a:blipFill>
-                <a:blip r:embed="rId3"/>
-                <a:stretch>
-                  <a:fillRect l="-1739" t="-1937" r="-3092"/>
-                </a:stretch>
-              </a:blipFill>
-            </p:spPr>
-            <p:txBody>
-              <a:bodyPr/>
-              <a:lstStyle/>
-              <a:p>
-                <a:r>
-                  <a:rPr lang="pt-BR">
-                    <a:noFill/>
-                  </a:rPr>
-                  <a:t> </a:t>
-                </a:r>
-              </a:p>
-            </p:txBody>
-          </p:sp>
-        </mc:Fallback>
-      </mc:AlternateContent>
-      <p:grpSp>
-        <p:nvGrpSpPr>
-          <p:cNvPr id="6" name="Agrupar 5">
-            <a:extLst>
-              <a:ext uri="{FF2B5EF4-FFF2-40B4-BE49-F238E27FC236}">
-                <a16:creationId xmlns:a16="http://schemas.microsoft.com/office/drawing/2014/main" id="{E0A98745-EC18-6F40-59B4-A8FC12CA3344}"/>
-              </a:ext>
-            </a:extLst>
-          </p:cNvPr>
-          <p:cNvGrpSpPr/>
-          <p:nvPr/>
-        </p:nvGrpSpPr>
-        <p:grpSpPr>
-          <a:xfrm>
-            <a:off x="1042736" y="2371269"/>
-            <a:ext cx="4151243" cy="3007892"/>
-            <a:chOff x="767703" y="2398995"/>
-            <a:chExt cx="3868625" cy="2806985"/>
-          </a:xfrm>
-        </p:grpSpPr>
-        <p:pic>
-          <p:nvPicPr>
-            <p:cNvPr id="4" name="Picture 4">
-              <a:extLst>
-                <a:ext uri="{FF2B5EF4-FFF2-40B4-BE49-F238E27FC236}">
-                  <a16:creationId xmlns:a16="http://schemas.microsoft.com/office/drawing/2014/main" id="{5A818B0E-3846-85AC-CA3B-8E7732D8537B}"/>
-                </a:ext>
-              </a:extLst>
-            </p:cNvPr>
-            <p:cNvPicPr>
-              <a:picLocks noChangeAspect="1"/>
-            </p:cNvPicPr>
-            <p:nvPr/>
-          </p:nvPicPr>
-          <p:blipFill rotWithShape="1">
-            <a:blip r:embed="rId4">
-              <a:extLst>
-                <a:ext uri="{28A0092B-C50C-407E-A947-70E740481C1C}">
-                  <a14:useLocalDpi xmlns:a14="http://schemas.microsoft.com/office/drawing/2010/main" val="0"/>
-                </a:ext>
-              </a:extLst>
-            </a:blip>
-            <a:srcRect t="48053" r="2828" b="2316"/>
-            <a:stretch/>
-          </p:blipFill>
-          <p:spPr>
-            <a:xfrm>
-              <a:off x="767703" y="2894295"/>
-              <a:ext cx="3548545" cy="2311685"/>
-            </a:xfrm>
-            <a:prstGeom prst="rect">
-              <a:avLst/>
-            </a:prstGeom>
-          </p:spPr>
-        </p:pic>
-        <mc:AlternateContent xmlns:mc="http://schemas.openxmlformats.org/markup-compatibility/2006" xmlns:a14="http://schemas.microsoft.com/office/drawing/2010/main">
-          <mc:Choice Requires="a14">
-            <p:sp>
-              <p:nvSpPr>
-                <p:cNvPr id="5" name="Rectangle 5">
-                  <a:extLst>
-                    <a:ext uri="{FF2B5EF4-FFF2-40B4-BE49-F238E27FC236}">
-                      <a16:creationId xmlns:a16="http://schemas.microsoft.com/office/drawing/2014/main" id="{85F634B8-E175-3AAC-9CEE-E3119B65ED10}"/>
-                    </a:ext>
-                  </a:extLst>
-                </p:cNvPr>
-                <p:cNvSpPr/>
-                <p:nvPr/>
-              </p:nvSpPr>
-              <p:spPr>
-                <a:xfrm>
-                  <a:off x="767703" y="2398995"/>
-                  <a:ext cx="3868625" cy="307777"/>
-                </a:xfrm>
-                <a:prstGeom prst="rect">
-                  <a:avLst/>
-                </a:prstGeom>
-              </p:spPr>
-              <p:txBody>
-                <a:bodyPr wrap="square">
-                  <a:spAutoFit/>
-                </a:bodyPr>
-                <a:lstStyle/>
-                <a:p>
-                  <a:pPr algn="ctr"/>
-                  <a:r>
-                    <a:rPr lang="pt-BR" sz="1400" dirty="0"/>
-                    <a:t>feedback positivo</a:t>
-                  </a:r>
-                  <a14:m>
-                    <m:oMath xmlns:m="http://schemas.openxmlformats.org/officeDocument/2006/math">
-                      <m:r>
-                        <a:rPr lang="pt-BR" sz="1400" b="0" i="0" smtClean="0">
-                          <a:latin typeface="Cambria Math" panose="02040503050406030204" pitchFamily="18" charset="0"/>
-                          <a:ea typeface="Cambria Math" panose="02040503050406030204" pitchFamily="18" charset="0"/>
-                        </a:rPr>
-                        <m:t> </m:t>
-                      </m:r>
-                      <m:r>
-                        <a:rPr lang="pt-BR" sz="1400" i="1" smtClean="0">
-                          <a:latin typeface="Cambria Math" panose="02040503050406030204" pitchFamily="18" charset="0"/>
-                          <a:ea typeface="Cambria Math" panose="02040503050406030204" pitchFamily="18" charset="0"/>
-                        </a:rPr>
-                        <m:t>→</m:t>
-                      </m:r>
-                    </m:oMath>
-                  </a14:m>
-                  <a:r>
-                    <a:rPr lang="pt-BR" sz="1400" dirty="0"/>
-                    <a:t> estouro da precisão numérica</a:t>
-                  </a:r>
-                </a:p>
-              </p:txBody>
-            </p:sp>
-          </mc:Choice>
-          <mc:Fallback xmlns="">
-            <p:sp>
-              <p:nvSpPr>
-                <p:cNvPr id="5" name="Rectangle 5">
-                  <a:extLst>
-                    <a:ext uri="{FF2B5EF4-FFF2-40B4-BE49-F238E27FC236}">
-                      <a16:creationId xmlns:a16="http://schemas.microsoft.com/office/drawing/2014/main" id="{85F634B8-E175-3AAC-9CEE-E3119B65ED10}"/>
-                    </a:ext>
-                  </a:extLst>
-                </p:cNvPr>
-                <p:cNvSpPr>
-                  <a:spLocks noRot="1" noChangeAspect="1" noMove="1" noResize="1" noEditPoints="1" noAdjustHandles="1" noChangeArrowheads="1" noChangeShapeType="1" noTextEdit="1"/>
-                </p:cNvSpPr>
-                <p:nvPr/>
-              </p:nvSpPr>
-              <p:spPr>
-                <a:xfrm>
-                  <a:off x="767703" y="2398995"/>
-                  <a:ext cx="3868625" cy="307777"/>
-                </a:xfrm>
-                <a:prstGeom prst="rect">
-                  <a:avLst/>
-                </a:prstGeom>
-                <a:blipFill>
-                  <a:blip r:embed="rId5"/>
-                  <a:stretch>
-                    <a:fillRect t="-3704" b="-11111"/>
-                  </a:stretch>
-                </a:blipFill>
-              </p:spPr>
-              <p:txBody>
-                <a:bodyPr/>
-                <a:lstStyle/>
-                <a:p>
-                  <a:r>
-                    <a:rPr lang="pt-BR">
-                      <a:noFill/>
-                    </a:rPr>
-                    <a:t> </a:t>
-                  </a:r>
-                </a:p>
-              </p:txBody>
-            </p:sp>
-          </mc:Fallback>
-        </mc:AlternateContent>
-      </p:grpSp>
-    </p:spTree>
-    <p:extLst>
-      <p:ext uri="{BB962C8B-B14F-4D97-AF65-F5344CB8AC3E}">
-        <p14:creationId xmlns:p14="http://schemas.microsoft.com/office/powerpoint/2010/main" val="213373256"/>
       </p:ext>
     </p:extLst>
   </p:cSld>

--- a/slides/T319_Regressão_Linear (Parte III).pptx
+++ b/slides/T319_Regressão_Linear (Parte III).pptx
@@ -564,7 +564,7 @@
           <a:p>
             <a:fld id="{DAF0AF11-6A8A-4E64-94F5-26D4FBA2A01D}" type="datetimeFigureOut">
               <a:rPr lang="nl-BE" smtClean="0"/>
-              <a:t>5/04/2024</a:t>
+              <a:t>19/04/2024</a:t>
             </a:fld>
             <a:endParaRPr lang="nl-BE"/>
           </a:p>
@@ -3829,7 +3829,7 @@
           <a:p>
             <a:fld id="{C80E15A5-E95B-43EB-9AC7-9A96397448C0}" type="datetimeFigureOut">
               <a:rPr lang="nl-BE" smtClean="0"/>
-              <a:t>5/04/2024</a:t>
+              <a:t>19/04/2024</a:t>
             </a:fld>
             <a:endParaRPr lang="nl-BE"/>
           </a:p>
@@ -3999,7 +3999,7 @@
           <a:p>
             <a:fld id="{C80E15A5-E95B-43EB-9AC7-9A96397448C0}" type="datetimeFigureOut">
               <a:rPr lang="nl-BE" smtClean="0"/>
-              <a:t>5/04/2024</a:t>
+              <a:t>19/04/2024</a:t>
             </a:fld>
             <a:endParaRPr lang="nl-BE"/>
           </a:p>
@@ -4179,7 +4179,7 @@
           <a:p>
             <a:fld id="{C80E15A5-E95B-43EB-9AC7-9A96397448C0}" type="datetimeFigureOut">
               <a:rPr lang="nl-BE" smtClean="0"/>
-              <a:t>5/04/2024</a:t>
+              <a:t>19/04/2024</a:t>
             </a:fld>
             <a:endParaRPr lang="nl-BE"/>
           </a:p>
@@ -4349,7 +4349,7 @@
           <a:p>
             <a:fld id="{C80E15A5-E95B-43EB-9AC7-9A96397448C0}" type="datetimeFigureOut">
               <a:rPr lang="nl-BE" smtClean="0"/>
-              <a:t>5/04/2024</a:t>
+              <a:t>19/04/2024</a:t>
             </a:fld>
             <a:endParaRPr lang="nl-BE"/>
           </a:p>
@@ -4595,7 +4595,7 @@
           <a:p>
             <a:fld id="{C80E15A5-E95B-43EB-9AC7-9A96397448C0}" type="datetimeFigureOut">
               <a:rPr lang="nl-BE" smtClean="0"/>
-              <a:t>5/04/2024</a:t>
+              <a:t>19/04/2024</a:t>
             </a:fld>
             <a:endParaRPr lang="nl-BE"/>
           </a:p>
@@ -4827,7 +4827,7 @@
           <a:p>
             <a:fld id="{C80E15A5-E95B-43EB-9AC7-9A96397448C0}" type="datetimeFigureOut">
               <a:rPr lang="nl-BE" smtClean="0"/>
-              <a:t>5/04/2024</a:t>
+              <a:t>19/04/2024</a:t>
             </a:fld>
             <a:endParaRPr lang="nl-BE"/>
           </a:p>
@@ -5194,7 +5194,7 @@
           <a:p>
             <a:fld id="{C80E15A5-E95B-43EB-9AC7-9A96397448C0}" type="datetimeFigureOut">
               <a:rPr lang="nl-BE" smtClean="0"/>
-              <a:t>5/04/2024</a:t>
+              <a:t>19/04/2024</a:t>
             </a:fld>
             <a:endParaRPr lang="nl-BE"/>
           </a:p>
@@ -5312,7 +5312,7 @@
           <a:p>
             <a:fld id="{C80E15A5-E95B-43EB-9AC7-9A96397448C0}" type="datetimeFigureOut">
               <a:rPr lang="nl-BE" smtClean="0"/>
-              <a:t>5/04/2024</a:t>
+              <a:t>19/04/2024</a:t>
             </a:fld>
             <a:endParaRPr lang="nl-BE"/>
           </a:p>
@@ -5407,7 +5407,7 @@
           <a:p>
             <a:fld id="{C80E15A5-E95B-43EB-9AC7-9A96397448C0}" type="datetimeFigureOut">
               <a:rPr lang="nl-BE" smtClean="0"/>
-              <a:t>5/04/2024</a:t>
+              <a:t>19/04/2024</a:t>
             </a:fld>
             <a:endParaRPr lang="nl-BE"/>
           </a:p>
@@ -5684,7 +5684,7 @@
           <a:p>
             <a:fld id="{C80E15A5-E95B-43EB-9AC7-9A96397448C0}" type="datetimeFigureOut">
               <a:rPr lang="nl-BE" smtClean="0"/>
-              <a:t>5/04/2024</a:t>
+              <a:t>19/04/2024</a:t>
             </a:fld>
             <a:endParaRPr lang="nl-BE"/>
           </a:p>
@@ -5937,7 +5937,7 @@
           <a:p>
             <a:fld id="{C80E15A5-E95B-43EB-9AC7-9A96397448C0}" type="datetimeFigureOut">
               <a:rPr lang="nl-BE" smtClean="0"/>
-              <a:t>5/04/2024</a:t>
+              <a:t>19/04/2024</a:t>
             </a:fld>
             <a:endParaRPr lang="nl-BE"/>
           </a:p>
@@ -6150,7 +6150,7 @@
           <a:p>
             <a:fld id="{C80E15A5-E95B-43EB-9AC7-9A96397448C0}" type="datetimeFigureOut">
               <a:rPr lang="nl-BE" smtClean="0"/>
-              <a:t>5/04/2024</a:t>
+              <a:t>19/04/2024</a:t>
             </a:fld>
             <a:endParaRPr lang="nl-BE"/>
           </a:p>
@@ -10329,8 +10329,8 @@
           </a:p>
         </p:txBody>
       </p:sp>
-      <mc:AlternateContent xmlns:mc="http://schemas.openxmlformats.org/markup-compatibility/2006">
-        <mc:Choice xmlns:a14="http://schemas.microsoft.com/office/drawing/2010/main" Requires="a14">
+      <mc:AlternateContent xmlns:mc="http://schemas.openxmlformats.org/markup-compatibility/2006" xmlns:a14="http://schemas.microsoft.com/office/drawing/2010/main">
+        <mc:Choice Requires="a14">
           <p:sp>
             <p:nvSpPr>
               <p:cNvPr id="3" name="Content Placeholder 2"/>
@@ -10476,7 +10476,7 @@
             </p:txBody>
           </p:sp>
         </mc:Choice>
-        <mc:Fallback>
+        <mc:Fallback xmlns="">
           <p:sp>
             <p:nvSpPr>
               <p:cNvPr id="3" name="Content Placeholder 2"/>
@@ -16613,8 +16613,8 @@
           </a:p>
         </p:txBody>
       </p:sp>
-      <mc:AlternateContent xmlns:mc="http://schemas.openxmlformats.org/markup-compatibility/2006">
-        <mc:Choice xmlns:a14="http://schemas.microsoft.com/office/drawing/2010/main" Requires="a14">
+      <mc:AlternateContent xmlns:mc="http://schemas.openxmlformats.org/markup-compatibility/2006" xmlns:a14="http://schemas.microsoft.com/office/drawing/2010/main">
+        <mc:Choice Requires="a14">
           <p:sp>
             <p:nvSpPr>
               <p:cNvPr id="3" name="Espaço Reservado para Conteúdo 2">
@@ -16796,7 +16796,7 @@
             </p:txBody>
           </p:sp>
         </mc:Choice>
-        <mc:Fallback>
+        <mc:Fallback xmlns="">
           <p:sp>
             <p:nvSpPr>
               <p:cNvPr id="3" name="Espaço Reservado para Conteúdo 2">
@@ -33580,8 +33580,8 @@
           </a:p>
         </p:txBody>
       </p:sp>
-      <mc:AlternateContent xmlns:mc="http://schemas.openxmlformats.org/markup-compatibility/2006">
-        <mc:Choice xmlns:a14="http://schemas.microsoft.com/office/drawing/2010/main" Requires="a14">
+      <mc:AlternateContent xmlns:mc="http://schemas.openxmlformats.org/markup-compatibility/2006" xmlns:a14="http://schemas.microsoft.com/office/drawing/2010/main">
+        <mc:Choice Requires="a14">
           <p:sp>
             <p:nvSpPr>
               <p:cNvPr id="3" name="Espaço Reservado para Conteúdo 2">
@@ -33678,7 +33678,7 @@
             </p:txBody>
           </p:sp>
         </mc:Choice>
-        <mc:Fallback>
+        <mc:Fallback xmlns="">
           <p:sp>
             <p:nvSpPr>
               <p:cNvPr id="3" name="Espaço Reservado para Conteúdo 2">
@@ -37066,8 +37066,8 @@
           </a:p>
         </p:txBody>
       </p:sp>
-      <mc:AlternateContent xmlns:mc="http://schemas.openxmlformats.org/markup-compatibility/2006" xmlns:a14="http://schemas.microsoft.com/office/drawing/2010/main">
-        <mc:Choice Requires="a14">
+      <mc:AlternateContent xmlns:mc="http://schemas.openxmlformats.org/markup-compatibility/2006">
+        <mc:Choice xmlns:a14="http://schemas.microsoft.com/office/drawing/2010/main" Requires="a14">
           <p:sp>
             <p:nvSpPr>
               <p:cNvPr id="3" name="Espaço Reservado para Conteúdo 2">
@@ -37270,12 +37270,17 @@
                 </a:r>
                 <a:r>
                   <a:rPr lang="pt-BR" b="1" i="1" dirty="0"/>
-                  <a:t>ajuste manual</a:t>
+                  <a:t>ajuste </a:t>
                 </a:r>
                 <a:r>
-                  <a:rPr lang="pt-BR" dirty="0"/>
+                  <a:rPr lang="pt-BR" b="1" i="1"/>
+                  <a:t>manual</a:t>
+                </a:r>
+                <a:r>
+                  <a:rPr lang="pt-BR"/>
                   <a:t>):</a:t>
                 </a:r>
+                <a:endParaRPr lang="pt-BR" dirty="0"/>
               </a:p>
               <a:p>
                 <a:pPr marL="0" indent="0">
@@ -37307,7 +37312,7 @@
             </p:txBody>
           </p:sp>
         </mc:Choice>
-        <mc:Fallback xmlns="">
+        <mc:Fallback>
           <p:sp>
             <p:nvSpPr>
               <p:cNvPr id="3" name="Espaço Reservado para Conteúdo 2">

--- a/slides/T319_Regressão_Linear (Parte III).pptx
+++ b/slides/T319_Regressão_Linear (Parte III).pptx
@@ -5,7 +5,7 @@
     <p:sldMasterId id="2147483648" r:id="rId1"/>
   </p:sldMasterIdLst>
   <p:notesMasterIdLst>
-    <p:notesMasterId r:id="rId43"/>
+    <p:notesMasterId r:id="rId44"/>
   </p:notesMasterIdLst>
   <p:sldIdLst>
     <p:sldId id="259" r:id="rId2"/>
@@ -26,29 +26,30 @@
     <p:sldId id="500" r:id="rId17"/>
     <p:sldId id="502" r:id="rId18"/>
     <p:sldId id="495" r:id="rId19"/>
-    <p:sldId id="496" r:id="rId20"/>
-    <p:sldId id="512" r:id="rId21"/>
-    <p:sldId id="504" r:id="rId22"/>
-    <p:sldId id="505" r:id="rId23"/>
-    <p:sldId id="508" r:id="rId24"/>
-    <p:sldId id="510" r:id="rId25"/>
-    <p:sldId id="511" r:id="rId26"/>
-    <p:sldId id="482" r:id="rId27"/>
-    <p:sldId id="317" r:id="rId28"/>
-    <p:sldId id="332" r:id="rId29"/>
-    <p:sldId id="299" r:id="rId30"/>
-    <p:sldId id="285" r:id="rId31"/>
-    <p:sldId id="415" r:id="rId32"/>
-    <p:sldId id="283" r:id="rId33"/>
-    <p:sldId id="274" r:id="rId34"/>
-    <p:sldId id="278" r:id="rId35"/>
-    <p:sldId id="292" r:id="rId36"/>
-    <p:sldId id="498" r:id="rId37"/>
-    <p:sldId id="295" r:id="rId38"/>
-    <p:sldId id="396" r:id="rId39"/>
-    <p:sldId id="484" r:id="rId40"/>
-    <p:sldId id="421" r:id="rId41"/>
-    <p:sldId id="423" r:id="rId42"/>
+    <p:sldId id="514" r:id="rId20"/>
+    <p:sldId id="496" r:id="rId21"/>
+    <p:sldId id="512" r:id="rId22"/>
+    <p:sldId id="504" r:id="rId23"/>
+    <p:sldId id="505" r:id="rId24"/>
+    <p:sldId id="508" r:id="rId25"/>
+    <p:sldId id="510" r:id="rId26"/>
+    <p:sldId id="511" r:id="rId27"/>
+    <p:sldId id="482" r:id="rId28"/>
+    <p:sldId id="317" r:id="rId29"/>
+    <p:sldId id="332" r:id="rId30"/>
+    <p:sldId id="299" r:id="rId31"/>
+    <p:sldId id="285" r:id="rId32"/>
+    <p:sldId id="415" r:id="rId33"/>
+    <p:sldId id="283" r:id="rId34"/>
+    <p:sldId id="274" r:id="rId35"/>
+    <p:sldId id="278" r:id="rId36"/>
+    <p:sldId id="292" r:id="rId37"/>
+    <p:sldId id="498" r:id="rId38"/>
+    <p:sldId id="295" r:id="rId39"/>
+    <p:sldId id="396" r:id="rId40"/>
+    <p:sldId id="484" r:id="rId41"/>
+    <p:sldId id="421" r:id="rId42"/>
+    <p:sldId id="423" r:id="rId43"/>
   </p:sldIdLst>
   <p:sldSz cx="12192000" cy="6858000"/>
   <p:notesSz cx="6858000" cy="9144000"/>
@@ -1191,7 +1192,7 @@
           <a:p>
             <a:fld id="{DA8B99DF-01BC-492A-8CEF-4FD88D18DD9D}" type="slidenum">
               <a:rPr lang="nl-BE" smtClean="0"/>
-              <a:t>24</a:t>
+              <a:t>25</a:t>
             </a:fld>
             <a:endParaRPr lang="nl-BE"/>
           </a:p>
@@ -1485,7 +1486,7 @@
           <a:p>
             <a:fld id="{DA8B99DF-01BC-492A-8CEF-4FD88D18DD9D}" type="slidenum">
               <a:rPr lang="nl-BE" smtClean="0"/>
-              <a:t>25</a:t>
+              <a:t>26</a:t>
             </a:fld>
             <a:endParaRPr lang="nl-BE"/>
           </a:p>
@@ -1600,7 +1601,7 @@
           <a:p>
             <a:fld id="{DA8B99DF-01BC-492A-8CEF-4FD88D18DD9D}" type="slidenum">
               <a:rPr lang="nl-BE" smtClean="0"/>
-              <a:t>26</a:t>
+              <a:t>27</a:t>
             </a:fld>
             <a:endParaRPr lang="nl-BE"/>
           </a:p>
@@ -1684,7 +1685,7 @@
           <a:p>
             <a:fld id="{DA8B99DF-01BC-492A-8CEF-4FD88D18DD9D}" type="slidenum">
               <a:rPr lang="nl-BE" smtClean="0"/>
-              <a:t>31</a:t>
+              <a:t>32</a:t>
             </a:fld>
             <a:endParaRPr lang="nl-BE"/>
           </a:p>
@@ -1768,7 +1769,7 @@
           <a:p>
             <a:fld id="{DA8B99DF-01BC-492A-8CEF-4FD88D18DD9D}" type="slidenum">
               <a:rPr lang="nl-BE" smtClean="0"/>
-              <a:t>32</a:t>
+              <a:t>33</a:t>
             </a:fld>
             <a:endParaRPr lang="nl-BE"/>
           </a:p>
@@ -1852,7 +1853,7 @@
           <a:p>
             <a:fld id="{DA8B99DF-01BC-492A-8CEF-4FD88D18DD9D}" type="slidenum">
               <a:rPr lang="nl-BE" smtClean="0"/>
-              <a:t>35</a:t>
+              <a:t>36</a:t>
             </a:fld>
             <a:endParaRPr lang="nl-BE"/>
           </a:p>
@@ -1936,7 +1937,7 @@
           <a:p>
             <a:fld id="{DA8B99DF-01BC-492A-8CEF-4FD88D18DD9D}" type="slidenum">
               <a:rPr lang="nl-BE" smtClean="0"/>
-              <a:t>36</a:t>
+              <a:t>37</a:t>
             </a:fld>
             <a:endParaRPr lang="nl-BE"/>
           </a:p>
@@ -2023,7 +2024,7 @@
           <a:p>
             <a:fld id="{DA8B99DF-01BC-492A-8CEF-4FD88D18DD9D}" type="slidenum">
               <a:rPr lang="nl-BE" smtClean="0"/>
-              <a:t>41</a:t>
+              <a:t>42</a:t>
             </a:fld>
             <a:endParaRPr lang="nl-BE"/>
           </a:p>
@@ -3679,7 +3680,7 @@
           <a:p>
             <a:fld id="{DA8B99DF-01BC-492A-8CEF-4FD88D18DD9D}" type="slidenum">
               <a:rPr lang="nl-BE" smtClean="0"/>
-              <a:t>23</a:t>
+              <a:t>24</a:t>
             </a:fld>
             <a:endParaRPr lang="nl-BE"/>
           </a:p>
@@ -8174,7 +8175,7 @@
             <a:r>
               <a:rPr lang="pt-BR" b="1" i="1" dirty="0">
                 <a:solidFill>
-                  <a:srgbClr val="00B050"/>
+                  <a:srgbClr val="7030A0"/>
                 </a:solidFill>
               </a:rPr>
               <a:t>passo tem o tamanho ideal</a:t>
@@ -8309,7 +8310,7 @@
             </a:pPr>
             <a:r>
               <a:rPr lang="pt-BR" dirty="0"/>
-              <a:t>O treinamento pode ser encerrado quando o erro entre duas épocas consecutivas for menor do que um valor pré-definido (e.g., 1e-5).</a:t>
+              <a:t>Por exemplo, o treinamento pode ser encerrado quando o erro entre duas épocas consecutivas for menor do que um valor pré-definido (e.g., 1e-5).</a:t>
             </a:r>
           </a:p>
         </p:txBody>
@@ -8529,7 +8530,7 @@
             <a:r>
               <a:rPr lang="pt-BR" b="1" i="1" dirty="0">
                 <a:solidFill>
-                  <a:srgbClr val="00B050"/>
+                  <a:srgbClr val="7030A0"/>
                 </a:solidFill>
               </a:rPr>
               <a:t>passo de aprendizagem é muito pequeno</a:t>
@@ -8831,7 +8832,7 @@
             <a:r>
               <a:rPr lang="pt-BR" b="1" i="1" dirty="0">
                 <a:solidFill>
-                  <a:srgbClr val="00B050"/>
+                  <a:srgbClr val="7030A0"/>
                 </a:solidFill>
               </a:rPr>
               <a:t>passo de aprendizagem é muito grande</a:t>
@@ -9123,7 +9124,7 @@
             <a:r>
               <a:rPr lang="pt-BR" b="1" i="1" dirty="0">
                 <a:solidFill>
-                  <a:srgbClr val="00B050"/>
+                  <a:srgbClr val="7030A0"/>
                 </a:solidFill>
               </a:rPr>
               <a:t>passo de aprendizagem é grande, mas não tão grande assim</a:t>
@@ -9352,8 +9353,8 @@
           </a:p>
         </p:txBody>
       </p:sp>
-      <mc:AlternateContent xmlns:mc="http://schemas.openxmlformats.org/markup-compatibility/2006" xmlns:a14="http://schemas.microsoft.com/office/drawing/2010/main">
-        <mc:Choice Requires="a14">
+      <mc:AlternateContent xmlns:mc="http://schemas.openxmlformats.org/markup-compatibility/2006">
+        <mc:Choice xmlns:a14="http://schemas.microsoft.com/office/drawing/2010/main" Requires="a14">
           <p:sp>
             <p:nvSpPr>
               <p:cNvPr id="3" name="Espaço Reservado para Conteúdo 2">
@@ -9372,13 +9373,13 @@
             </p:nvSpPr>
             <p:spPr>
               <a:xfrm>
-                <a:off x="838199" y="1825624"/>
-                <a:ext cx="11188701" cy="5032375"/>
+                <a:off x="4920793" y="1825624"/>
+                <a:ext cx="7106108" cy="5032375"/>
               </a:xfrm>
             </p:spPr>
             <p:txBody>
               <a:bodyPr>
-                <a:normAutofit lnSpcReduction="10000"/>
+                <a:normAutofit/>
               </a:bodyPr>
               <a:lstStyle/>
               <a:p>
@@ -9460,127 +9461,13 @@
                 </a:r>
                 <a:r>
                   <a:rPr lang="pt-BR" dirty="0"/>
-                  <a:t>para o mínimo (oscilam ao redor dele).</a:t>
-                </a:r>
-              </a:p>
-              <a:p>
-                <a:r>
-                  <a:rPr lang="pt-BR" dirty="0"/>
-                  <a:t>Esses problemas </a:t>
-                </a:r>
-                <a:r>
-                  <a:rPr lang="pt-BR" b="1" i="1" dirty="0">
-                    <a:solidFill>
-                      <a:srgbClr val="00B050"/>
-                    </a:solidFill>
-                  </a:rPr>
-                  <a:t>impactam</a:t>
-                </a:r>
-                <a:r>
-                  <a:rPr lang="pt-BR" dirty="0"/>
-                  <a:t> o </a:t>
-                </a:r>
-                <a:r>
-                  <a:rPr lang="pt-BR" b="1" i="1" dirty="0">
-                    <a:solidFill>
-                      <a:srgbClr val="00B050"/>
-                    </a:solidFill>
-                  </a:rPr>
-                  <a:t>desempenho do modelo </a:t>
-                </a:r>
-                <a:r>
-                  <a:rPr lang="pt-BR" dirty="0"/>
-                  <a:t>e deixam o </a:t>
-                </a:r>
-                <a:r>
-                  <a:rPr lang="pt-BR" b="1" i="1" dirty="0">
-                    <a:solidFill>
-                      <a:srgbClr val="00B050"/>
-                    </a:solidFill>
-                  </a:rPr>
-                  <a:t>treinamento lento </a:t>
-                </a:r>
-                <a:r>
-                  <a:rPr lang="pt-BR" dirty="0"/>
-                  <a:t>e, possivelmente, </a:t>
-                </a:r>
-                <a:r>
-                  <a:rPr lang="pt-BR" b="1" i="1" dirty="0">
-                    <a:solidFill>
-                      <a:srgbClr val="00B050"/>
-                    </a:solidFill>
-                  </a:rPr>
-                  <a:t>instável</a:t>
-                </a:r>
-                <a:r>
-                  <a:rPr lang="pt-BR" dirty="0"/>
-                  <a:t>.</a:t>
-                </a:r>
-              </a:p>
-              <a:p>
-                <a:r>
-                  <a:rPr lang="pt-BR" dirty="0"/>
-                  <a:t>Entretanto, existem </a:t>
-                </a:r>
-                <a:r>
-                  <a:rPr lang="pt-BR" b="1" i="1" dirty="0">
-                    <a:solidFill>
-                      <a:srgbClr val="00B050"/>
-                    </a:solidFill>
-                  </a:rPr>
-                  <a:t>técnicas para minimizar </a:t>
-                </a:r>
-                <a:r>
-                  <a:rPr lang="pt-BR" dirty="0"/>
-                  <a:t>esses problemas, deixando essas versões do GD </a:t>
-                </a:r>
-                <a:r>
-                  <a:rPr lang="pt-BR" b="1" i="1" dirty="0">
-                    <a:solidFill>
-                      <a:srgbClr val="00B050"/>
-                    </a:solidFill>
-                  </a:rPr>
-                  <a:t>mais comportadas</a:t>
-                </a:r>
-                <a:r>
-                  <a:rPr lang="pt-BR" dirty="0"/>
-                  <a:t>.</a:t>
-                </a:r>
-              </a:p>
-              <a:p>
-                <a:r>
-                  <a:rPr lang="pt-BR" dirty="0"/>
-                  <a:t>As mais conhecidas envolvem o </a:t>
-                </a:r>
-                <a:r>
-                  <a:rPr lang="pt-BR" b="1" i="1" dirty="0">
-                    <a:solidFill>
-                      <a:srgbClr val="7030A0"/>
-                    </a:solidFill>
-                  </a:rPr>
-                  <a:t>ajuste do passo de aprendizagem </a:t>
-                </a:r>
-                <a:r>
-                  <a:rPr lang="pt-BR" dirty="0"/>
-                  <a:t>e/ou do </a:t>
-                </a:r>
-                <a:r>
-                  <a:rPr lang="pt-BR" b="1" i="1" dirty="0">
-                    <a:solidFill>
-                      <a:srgbClr val="7030A0"/>
-                    </a:solidFill>
-                  </a:rPr>
-                  <a:t>termo de atualização dos pesos</a:t>
-                </a:r>
-                <a:r>
-                  <a:rPr lang="pt-BR" dirty="0"/>
-                  <a:t>.</a:t>
+                  <a:t>para o mínimo (i.e., oscilam ao redor dele).</a:t>
                 </a:r>
               </a:p>
             </p:txBody>
           </p:sp>
         </mc:Choice>
-        <mc:Fallback xmlns="">
+        <mc:Fallback>
           <p:sp>
             <p:nvSpPr>
               <p:cNvPr id="3" name="Espaço Reservado para Conteúdo 2">
@@ -9599,13 +9486,594 @@
             </p:nvSpPr>
             <p:spPr>
               <a:xfrm>
-                <a:off x="838199" y="1825624"/>
-                <a:ext cx="11188701" cy="5032375"/>
+                <a:off x="4920793" y="1825624"/>
+                <a:ext cx="7106108" cy="5032375"/>
               </a:xfrm>
               <a:blipFill>
                 <a:blip r:embed="rId2"/>
                 <a:stretch>
-                  <a:fillRect l="-926" t="-2663" r="-1634"/>
+                  <a:fillRect l="-1544" t="-1937" r="-1458"/>
+                </a:stretch>
+              </a:blipFill>
+            </p:spPr>
+            <p:txBody>
+              <a:bodyPr/>
+              <a:lstStyle/>
+              <a:p>
+                <a:r>
+                  <a:rPr lang="pt-BR">
+                    <a:noFill/>
+                  </a:rPr>
+                  <a:t> </a:t>
+                </a:r>
+              </a:p>
+            </p:txBody>
+          </p:sp>
+        </mc:Fallback>
+      </mc:AlternateContent>
+      <p:pic>
+        <p:nvPicPr>
+          <p:cNvPr id="4" name="Picture 4">
+            <a:extLst>
+              <a:ext uri="{FF2B5EF4-FFF2-40B4-BE49-F238E27FC236}">
+                <a16:creationId xmlns:a16="http://schemas.microsoft.com/office/drawing/2014/main" id="{1999DB96-4912-8E62-FC86-88BC7EE4F2D2}"/>
+              </a:ext>
+            </a:extLst>
+          </p:cNvPr>
+          <p:cNvPicPr>
+            <a:picLocks noChangeAspect="1"/>
+          </p:cNvPicPr>
+          <p:nvPr/>
+        </p:nvPicPr>
+        <p:blipFill rotWithShape="1">
+          <a:blip r:embed="rId3" cstate="print">
+            <a:extLst>
+              <a:ext uri="{28A0092B-C50C-407E-A947-70E740481C1C}">
+                <a14:useLocalDpi xmlns:a14="http://schemas.microsoft.com/office/drawing/2010/main" val="0"/>
+              </a:ext>
+            </a:extLst>
+          </a:blip>
+          <a:srcRect t="11913" r="9292" b="2280"/>
+          <a:stretch/>
+        </p:blipFill>
+        <p:spPr>
+          <a:xfrm>
+            <a:off x="715651" y="2405668"/>
+            <a:ext cx="3296575" cy="3118439"/>
+          </a:xfrm>
+          <a:prstGeom prst="rect">
+            <a:avLst/>
+          </a:prstGeom>
+        </p:spPr>
+      </p:pic>
+      <p:sp>
+        <p:nvSpPr>
+          <p:cNvPr id="6" name="CaixaDeTexto 5">
+            <a:extLst>
+              <a:ext uri="{FF2B5EF4-FFF2-40B4-BE49-F238E27FC236}">
+                <a16:creationId xmlns:a16="http://schemas.microsoft.com/office/drawing/2014/main" id="{C0EFF700-9F19-94D4-EF85-7E68B1E612EC}"/>
+              </a:ext>
+            </a:extLst>
+          </p:cNvPr>
+          <p:cNvSpPr txBox="1"/>
+          <p:nvPr/>
+        </p:nvSpPr>
+        <p:spPr>
+          <a:xfrm>
+            <a:off x="1125268" y="5524107"/>
+            <a:ext cx="3047214" cy="276999"/>
+          </a:xfrm>
+          <a:prstGeom prst="rect">
+            <a:avLst/>
+          </a:prstGeom>
+          <a:noFill/>
+        </p:spPr>
+        <p:txBody>
+          <a:bodyPr wrap="square">
+            <a:spAutoFit/>
+          </a:bodyPr>
+          <a:lstStyle/>
+          <a:p>
+            <a:pPr algn="ctr"/>
+            <a:r>
+              <a:rPr lang="pt-BR" sz="1200" dirty="0"/>
+              <a:t>Gradiente descendente estocástico (SGD)</a:t>
+            </a:r>
+          </a:p>
+        </p:txBody>
+      </p:sp>
+    </p:spTree>
+    <p:extLst>
+      <p:ext uri="{BB962C8B-B14F-4D97-AF65-F5344CB8AC3E}">
+        <p14:creationId xmlns:p14="http://schemas.microsoft.com/office/powerpoint/2010/main" val="3840997202"/>
+      </p:ext>
+    </p:extLst>
+  </p:cSld>
+  <p:clrMapOvr>
+    <a:masterClrMapping/>
+  </p:clrMapOvr>
+</p:sld>
+</file>
+
+<file path=ppt/slides/slide19.xml><?xml version="1.0" encoding="utf-8"?>
+<p:sld xmlns:a="http://schemas.openxmlformats.org/drawingml/2006/main" xmlns:r="http://schemas.openxmlformats.org/officeDocument/2006/relationships" xmlns:p="http://schemas.openxmlformats.org/presentationml/2006/main">
+  <p:cSld>
+    <p:spTree>
+      <p:nvGrpSpPr>
+        <p:cNvPr id="1" name=""/>
+        <p:cNvGrpSpPr/>
+        <p:nvPr/>
+      </p:nvGrpSpPr>
+      <p:grpSpPr>
+        <a:xfrm>
+          <a:off x="0" y="0"/>
+          <a:ext cx="0" cy="0"/>
+          <a:chOff x="0" y="0"/>
+          <a:chExt cx="0" cy="0"/>
+        </a:xfrm>
+      </p:grpSpPr>
+      <p:sp>
+        <p:nvSpPr>
+          <p:cNvPr id="2" name="Título 1">
+            <a:extLst>
+              <a:ext uri="{FF2B5EF4-FFF2-40B4-BE49-F238E27FC236}">
+                <a16:creationId xmlns:a16="http://schemas.microsoft.com/office/drawing/2014/main" id="{E3B1AA5C-2DDF-9C9C-CE89-50D9B6F2FC20}"/>
+              </a:ext>
+            </a:extLst>
+          </p:cNvPr>
+          <p:cNvSpPr>
+            <a:spLocks noGrp="1"/>
+          </p:cNvSpPr>
+          <p:nvPr>
+            <p:ph type="title"/>
+          </p:nvPr>
+        </p:nvSpPr>
+        <p:spPr/>
+        <p:txBody>
+          <a:bodyPr/>
+          <a:lstStyle/>
+          <a:p>
+            <a:r>
+              <a:rPr lang="pt-BR" dirty="0"/>
+              <a:t>Melhorando a convergência das versões estocásticas</a:t>
+            </a:r>
+          </a:p>
+        </p:txBody>
+      </p:sp>
+      <p:sp>
+        <p:nvSpPr>
+          <p:cNvPr id="3" name="Espaço Reservado para Conteúdo 2">
+            <a:extLst>
+              <a:ext uri="{FF2B5EF4-FFF2-40B4-BE49-F238E27FC236}">
+                <a16:creationId xmlns:a16="http://schemas.microsoft.com/office/drawing/2014/main" id="{83A38DD3-AAC8-CEBB-5966-BFE9490F478F}"/>
+              </a:ext>
+            </a:extLst>
+          </p:cNvPr>
+          <p:cNvSpPr>
+            <a:spLocks noGrp="1"/>
+          </p:cNvSpPr>
+          <p:nvPr>
+            <p:ph idx="1"/>
+          </p:nvPr>
+        </p:nvSpPr>
+        <p:spPr>
+          <a:xfrm>
+            <a:off x="5005633" y="1825624"/>
+            <a:ext cx="7021267" cy="5032375"/>
+          </a:xfrm>
+        </p:spPr>
+        <p:txBody>
+          <a:bodyPr>
+            <a:normAutofit/>
+          </a:bodyPr>
+          <a:lstStyle/>
+          <a:p>
+            <a:r>
+              <a:rPr lang="pt-BR" dirty="0"/>
+              <a:t>Esses problemas </a:t>
+            </a:r>
+            <a:r>
+              <a:rPr lang="pt-BR" b="1" i="1" dirty="0">
+                <a:solidFill>
+                  <a:srgbClr val="00B050"/>
+                </a:solidFill>
+              </a:rPr>
+              <a:t>impactam</a:t>
+  